--- a/Praktikum_6/Abgabe 6.pptx
+++ b/Praktikum_6/Abgabe 6.pptx
@@ -7709,6 +7709,15 @@
               <a:t>https://www.net.in.tum.de/fileadmin/TUM/NET/NET-2012-04-1/NET-2012-04-1_05.pdf</a:t>
             </a:r>
             <a:endParaRPr lang="de-DE" sz="1400" dirty="0"/>
+          </a:p>
+          <a:p>
+            <a:r>
+              <a:rPr lang="de-DE" sz="1400" dirty="0">
+                <a:hlinkClick r:id="rId5"/>
+              </a:rPr>
+              <a:t>https://www-m9.ma.tum.de/Allgemeines/GraphAlgorithmen</a:t>
+            </a:r>
+            <a:endParaRPr lang="de-DE" sz="1400"/>
           </a:p>
           <a:p>
             <a:endParaRPr lang="de-DE" sz="1400" dirty="0"/>

--- a/Praktikum_6/Abgabe 6.pptx
+++ b/Praktikum_6/Abgabe 6.pptx
@@ -5,7 +5,7 @@
     <p:sldMasterId id="2147483648" r:id="rId1"/>
   </p:sldMasterIdLst>
   <p:notesMasterIdLst>
-    <p:notesMasterId r:id="rId22"/>
+    <p:notesMasterId r:id="rId28"/>
   </p:notesMasterIdLst>
   <p:sldIdLst>
     <p:sldId id="256" r:id="rId2"/>
@@ -22,12 +22,18 @@
     <p:sldId id="266" r:id="rId13"/>
     <p:sldId id="275" r:id="rId14"/>
     <p:sldId id="285" r:id="rId15"/>
-    <p:sldId id="290" r:id="rId16"/>
-    <p:sldId id="291" r:id="rId17"/>
-    <p:sldId id="292" r:id="rId18"/>
-    <p:sldId id="293" r:id="rId19"/>
-    <p:sldId id="281" r:id="rId20"/>
-    <p:sldId id="277" r:id="rId21"/>
+    <p:sldId id="297" r:id="rId16"/>
+    <p:sldId id="299" r:id="rId17"/>
+    <p:sldId id="298" r:id="rId18"/>
+    <p:sldId id="301" r:id="rId19"/>
+    <p:sldId id="295" r:id="rId20"/>
+    <p:sldId id="296" r:id="rId21"/>
+    <p:sldId id="290" r:id="rId22"/>
+    <p:sldId id="291" r:id="rId23"/>
+    <p:sldId id="292" r:id="rId24"/>
+    <p:sldId id="293" r:id="rId25"/>
+    <p:sldId id="281" r:id="rId26"/>
+    <p:sldId id="277" r:id="rId27"/>
   </p:sldIdLst>
   <p:sldSz cx="12192000" cy="6858000"/>
   <p:notesSz cx="6858000" cy="9144000"/>
@@ -216,7 +222,7 @@
           <a:p>
             <a:fld id="{07658C50-FEAC-7943-AC95-31EF70A9DB5F}" type="datetimeFigureOut">
               <a:rPr lang="de-DE" smtClean="0"/>
-              <a:t>19.06.19</a:t>
+              <a:t>26.06.2019</a:t>
             </a:fld>
             <a:endParaRPr lang="de-DE"/>
           </a:p>
@@ -952,7 +958,7 @@
     </p:spTree>
     <p:extLst>
       <p:ext uri="{BB962C8B-B14F-4D97-AF65-F5344CB8AC3E}">
-        <p14:creationId xmlns:p14="http://schemas.microsoft.com/office/powerpoint/2010/main" val="2444864727"/>
+        <p14:creationId xmlns:p14="http://schemas.microsoft.com/office/powerpoint/2010/main" val="2244615714"/>
       </p:ext>
     </p:extLst>
   </p:cSld>
@@ -1027,7 +1033,7 @@
           <a:p>
             <a:fld id="{52267A27-16C0-714D-83C5-54B46B511F52}" type="slidenum">
               <a:rPr lang="de-DE" smtClean="0"/>
-              <a:t>16</a:t>
+              <a:t>17</a:t>
             </a:fld>
             <a:endParaRPr lang="de-DE"/>
           </a:p>
@@ -1036,7 +1042,7 @@
     </p:spTree>
     <p:extLst>
       <p:ext uri="{BB962C8B-B14F-4D97-AF65-F5344CB8AC3E}">
-        <p14:creationId xmlns:p14="http://schemas.microsoft.com/office/powerpoint/2010/main" val="3149404558"/>
+        <p14:creationId xmlns:p14="http://schemas.microsoft.com/office/powerpoint/2010/main" val="674328114"/>
       </p:ext>
     </p:extLst>
   </p:cSld>
@@ -1111,7 +1117,7 @@
           <a:p>
             <a:fld id="{52267A27-16C0-714D-83C5-54B46B511F52}" type="slidenum">
               <a:rPr lang="de-DE" smtClean="0"/>
-              <a:t>17</a:t>
+              <a:t>18</a:t>
             </a:fld>
             <a:endParaRPr lang="de-DE"/>
           </a:p>
@@ -1120,7 +1126,7 @@
     </p:spTree>
     <p:extLst>
       <p:ext uri="{BB962C8B-B14F-4D97-AF65-F5344CB8AC3E}">
-        <p14:creationId xmlns:p14="http://schemas.microsoft.com/office/powerpoint/2010/main" val="643875343"/>
+        <p14:creationId xmlns:p14="http://schemas.microsoft.com/office/powerpoint/2010/main" val="695971297"/>
       </p:ext>
     </p:extLst>
   </p:cSld>
@@ -1195,7 +1201,7 @@
           <a:p>
             <a:fld id="{52267A27-16C0-714D-83C5-54B46B511F52}" type="slidenum">
               <a:rPr lang="de-DE" smtClean="0"/>
-              <a:t>18</a:t>
+              <a:t>19</a:t>
             </a:fld>
             <a:endParaRPr lang="de-DE"/>
           </a:p>
@@ -1204,7 +1210,7 @@
     </p:spTree>
     <p:extLst>
       <p:ext uri="{BB962C8B-B14F-4D97-AF65-F5344CB8AC3E}">
-        <p14:creationId xmlns:p14="http://schemas.microsoft.com/office/powerpoint/2010/main" val="601079304"/>
+        <p14:creationId xmlns:p14="http://schemas.microsoft.com/office/powerpoint/2010/main" val="336732748"/>
       </p:ext>
     </p:extLst>
   </p:cSld>
@@ -1279,7 +1285,7 @@
           <a:p>
             <a:fld id="{52267A27-16C0-714D-83C5-54B46B511F52}" type="slidenum">
               <a:rPr lang="de-DE" smtClean="0"/>
-              <a:t>19</a:t>
+              <a:t>20</a:t>
             </a:fld>
             <a:endParaRPr lang="de-DE"/>
           </a:p>
@@ -1288,7 +1294,91 @@
     </p:spTree>
     <p:extLst>
       <p:ext uri="{BB962C8B-B14F-4D97-AF65-F5344CB8AC3E}">
-        <p14:creationId xmlns:p14="http://schemas.microsoft.com/office/powerpoint/2010/main" val="2360861896"/>
+        <p14:creationId xmlns:p14="http://schemas.microsoft.com/office/powerpoint/2010/main" val="1442763933"/>
+      </p:ext>
+    </p:extLst>
+  </p:cSld>
+  <p:clrMapOvr>
+    <a:masterClrMapping/>
+  </p:clrMapOvr>
+</p:notes>
+</file>
+
+<file path=ppt/notesSlides/notesSlide19.xml><?xml version="1.0" encoding="utf-8"?>
+<p:notes xmlns:a="http://schemas.openxmlformats.org/drawingml/2006/main" xmlns:r="http://schemas.openxmlformats.org/officeDocument/2006/relationships" xmlns:p="http://schemas.openxmlformats.org/presentationml/2006/main">
+  <p:cSld>
+    <p:spTree>
+      <p:nvGrpSpPr>
+        <p:cNvPr id="1" name=""/>
+        <p:cNvGrpSpPr/>
+        <p:nvPr/>
+      </p:nvGrpSpPr>
+      <p:grpSpPr>
+        <a:xfrm>
+          <a:off x="0" y="0"/>
+          <a:ext cx="0" cy="0"/>
+          <a:chOff x="0" y="0"/>
+          <a:chExt cx="0" cy="0"/>
+        </a:xfrm>
+      </p:grpSpPr>
+      <p:sp>
+        <p:nvSpPr>
+          <p:cNvPr id="2" name="Folienbildplatzhalter 1"/>
+          <p:cNvSpPr>
+            <a:spLocks noGrp="1" noRot="1" noChangeAspect="1"/>
+          </p:cNvSpPr>
+          <p:nvPr>
+            <p:ph type="sldImg"/>
+          </p:nvPr>
+        </p:nvSpPr>
+        <p:spPr/>
+      </p:sp>
+      <p:sp>
+        <p:nvSpPr>
+          <p:cNvPr id="3" name="Notizenplatzhalter 2"/>
+          <p:cNvSpPr>
+            <a:spLocks noGrp="1"/>
+          </p:cNvSpPr>
+          <p:nvPr>
+            <p:ph type="body" idx="1"/>
+          </p:nvPr>
+        </p:nvSpPr>
+        <p:spPr/>
+        <p:txBody>
+          <a:bodyPr/>
+          <a:lstStyle/>
+          <a:p>
+            <a:endParaRPr lang="de-DE" dirty="0"/>
+          </a:p>
+        </p:txBody>
+      </p:sp>
+      <p:sp>
+        <p:nvSpPr>
+          <p:cNvPr id="4" name="Foliennummernplatzhalter 3"/>
+          <p:cNvSpPr>
+            <a:spLocks noGrp="1"/>
+          </p:cNvSpPr>
+          <p:nvPr>
+            <p:ph type="sldNum" sz="quarter" idx="5"/>
+          </p:nvPr>
+        </p:nvSpPr>
+        <p:spPr/>
+        <p:txBody>
+          <a:bodyPr/>
+          <a:lstStyle/>
+          <a:p>
+            <a:fld id="{52267A27-16C0-714D-83C5-54B46B511F52}" type="slidenum">
+              <a:rPr lang="de-DE" smtClean="0"/>
+              <a:t>21</a:t>
+            </a:fld>
+            <a:endParaRPr lang="de-DE"/>
+          </a:p>
+        </p:txBody>
+      </p:sp>
+    </p:spTree>
+    <p:extLst>
+      <p:ext uri="{BB962C8B-B14F-4D97-AF65-F5344CB8AC3E}">
+        <p14:creationId xmlns:p14="http://schemas.microsoft.com/office/powerpoint/2010/main" val="2444864727"/>
       </p:ext>
     </p:extLst>
   </p:cSld>
@@ -1373,6 +1463,342 @@
     <p:extLst>
       <p:ext uri="{BB962C8B-B14F-4D97-AF65-F5344CB8AC3E}">
         <p14:creationId xmlns:p14="http://schemas.microsoft.com/office/powerpoint/2010/main" val="566352852"/>
+      </p:ext>
+    </p:extLst>
+  </p:cSld>
+  <p:clrMapOvr>
+    <a:masterClrMapping/>
+  </p:clrMapOvr>
+</p:notes>
+</file>
+
+<file path=ppt/notesSlides/notesSlide20.xml><?xml version="1.0" encoding="utf-8"?>
+<p:notes xmlns:a="http://schemas.openxmlformats.org/drawingml/2006/main" xmlns:r="http://schemas.openxmlformats.org/officeDocument/2006/relationships" xmlns:p="http://schemas.openxmlformats.org/presentationml/2006/main">
+  <p:cSld>
+    <p:spTree>
+      <p:nvGrpSpPr>
+        <p:cNvPr id="1" name=""/>
+        <p:cNvGrpSpPr/>
+        <p:nvPr/>
+      </p:nvGrpSpPr>
+      <p:grpSpPr>
+        <a:xfrm>
+          <a:off x="0" y="0"/>
+          <a:ext cx="0" cy="0"/>
+          <a:chOff x="0" y="0"/>
+          <a:chExt cx="0" cy="0"/>
+        </a:xfrm>
+      </p:grpSpPr>
+      <p:sp>
+        <p:nvSpPr>
+          <p:cNvPr id="2" name="Folienbildplatzhalter 1"/>
+          <p:cNvSpPr>
+            <a:spLocks noGrp="1" noRot="1" noChangeAspect="1"/>
+          </p:cNvSpPr>
+          <p:nvPr>
+            <p:ph type="sldImg"/>
+          </p:nvPr>
+        </p:nvSpPr>
+        <p:spPr/>
+      </p:sp>
+      <p:sp>
+        <p:nvSpPr>
+          <p:cNvPr id="3" name="Notizenplatzhalter 2"/>
+          <p:cNvSpPr>
+            <a:spLocks noGrp="1"/>
+          </p:cNvSpPr>
+          <p:nvPr>
+            <p:ph type="body" idx="1"/>
+          </p:nvPr>
+        </p:nvSpPr>
+        <p:spPr/>
+        <p:txBody>
+          <a:bodyPr/>
+          <a:lstStyle/>
+          <a:p>
+            <a:endParaRPr lang="de-DE" dirty="0"/>
+          </a:p>
+        </p:txBody>
+      </p:sp>
+      <p:sp>
+        <p:nvSpPr>
+          <p:cNvPr id="4" name="Foliennummernplatzhalter 3"/>
+          <p:cNvSpPr>
+            <a:spLocks noGrp="1"/>
+          </p:cNvSpPr>
+          <p:nvPr>
+            <p:ph type="sldNum" sz="quarter" idx="5"/>
+          </p:nvPr>
+        </p:nvSpPr>
+        <p:spPr/>
+        <p:txBody>
+          <a:bodyPr/>
+          <a:lstStyle/>
+          <a:p>
+            <a:fld id="{52267A27-16C0-714D-83C5-54B46B511F52}" type="slidenum">
+              <a:rPr lang="de-DE" smtClean="0"/>
+              <a:t>22</a:t>
+            </a:fld>
+            <a:endParaRPr lang="de-DE"/>
+          </a:p>
+        </p:txBody>
+      </p:sp>
+    </p:spTree>
+    <p:extLst>
+      <p:ext uri="{BB962C8B-B14F-4D97-AF65-F5344CB8AC3E}">
+        <p14:creationId xmlns:p14="http://schemas.microsoft.com/office/powerpoint/2010/main" val="3149404558"/>
+      </p:ext>
+    </p:extLst>
+  </p:cSld>
+  <p:clrMapOvr>
+    <a:masterClrMapping/>
+  </p:clrMapOvr>
+</p:notes>
+</file>
+
+<file path=ppt/notesSlides/notesSlide21.xml><?xml version="1.0" encoding="utf-8"?>
+<p:notes xmlns:a="http://schemas.openxmlformats.org/drawingml/2006/main" xmlns:r="http://schemas.openxmlformats.org/officeDocument/2006/relationships" xmlns:p="http://schemas.openxmlformats.org/presentationml/2006/main">
+  <p:cSld>
+    <p:spTree>
+      <p:nvGrpSpPr>
+        <p:cNvPr id="1" name=""/>
+        <p:cNvGrpSpPr/>
+        <p:nvPr/>
+      </p:nvGrpSpPr>
+      <p:grpSpPr>
+        <a:xfrm>
+          <a:off x="0" y="0"/>
+          <a:ext cx="0" cy="0"/>
+          <a:chOff x="0" y="0"/>
+          <a:chExt cx="0" cy="0"/>
+        </a:xfrm>
+      </p:grpSpPr>
+      <p:sp>
+        <p:nvSpPr>
+          <p:cNvPr id="2" name="Folienbildplatzhalter 1"/>
+          <p:cNvSpPr>
+            <a:spLocks noGrp="1" noRot="1" noChangeAspect="1"/>
+          </p:cNvSpPr>
+          <p:nvPr>
+            <p:ph type="sldImg"/>
+          </p:nvPr>
+        </p:nvSpPr>
+        <p:spPr/>
+      </p:sp>
+      <p:sp>
+        <p:nvSpPr>
+          <p:cNvPr id="3" name="Notizenplatzhalter 2"/>
+          <p:cNvSpPr>
+            <a:spLocks noGrp="1"/>
+          </p:cNvSpPr>
+          <p:nvPr>
+            <p:ph type="body" idx="1"/>
+          </p:nvPr>
+        </p:nvSpPr>
+        <p:spPr/>
+        <p:txBody>
+          <a:bodyPr/>
+          <a:lstStyle/>
+          <a:p>
+            <a:endParaRPr lang="de-DE" dirty="0"/>
+          </a:p>
+        </p:txBody>
+      </p:sp>
+      <p:sp>
+        <p:nvSpPr>
+          <p:cNvPr id="4" name="Foliennummernplatzhalter 3"/>
+          <p:cNvSpPr>
+            <a:spLocks noGrp="1"/>
+          </p:cNvSpPr>
+          <p:nvPr>
+            <p:ph type="sldNum" sz="quarter" idx="5"/>
+          </p:nvPr>
+        </p:nvSpPr>
+        <p:spPr/>
+        <p:txBody>
+          <a:bodyPr/>
+          <a:lstStyle/>
+          <a:p>
+            <a:fld id="{52267A27-16C0-714D-83C5-54B46B511F52}" type="slidenum">
+              <a:rPr lang="de-DE" smtClean="0"/>
+              <a:t>23</a:t>
+            </a:fld>
+            <a:endParaRPr lang="de-DE"/>
+          </a:p>
+        </p:txBody>
+      </p:sp>
+    </p:spTree>
+    <p:extLst>
+      <p:ext uri="{BB962C8B-B14F-4D97-AF65-F5344CB8AC3E}">
+        <p14:creationId xmlns:p14="http://schemas.microsoft.com/office/powerpoint/2010/main" val="643875343"/>
+      </p:ext>
+    </p:extLst>
+  </p:cSld>
+  <p:clrMapOvr>
+    <a:masterClrMapping/>
+  </p:clrMapOvr>
+</p:notes>
+</file>
+
+<file path=ppt/notesSlides/notesSlide22.xml><?xml version="1.0" encoding="utf-8"?>
+<p:notes xmlns:a="http://schemas.openxmlformats.org/drawingml/2006/main" xmlns:r="http://schemas.openxmlformats.org/officeDocument/2006/relationships" xmlns:p="http://schemas.openxmlformats.org/presentationml/2006/main">
+  <p:cSld>
+    <p:spTree>
+      <p:nvGrpSpPr>
+        <p:cNvPr id="1" name=""/>
+        <p:cNvGrpSpPr/>
+        <p:nvPr/>
+      </p:nvGrpSpPr>
+      <p:grpSpPr>
+        <a:xfrm>
+          <a:off x="0" y="0"/>
+          <a:ext cx="0" cy="0"/>
+          <a:chOff x="0" y="0"/>
+          <a:chExt cx="0" cy="0"/>
+        </a:xfrm>
+      </p:grpSpPr>
+      <p:sp>
+        <p:nvSpPr>
+          <p:cNvPr id="2" name="Folienbildplatzhalter 1"/>
+          <p:cNvSpPr>
+            <a:spLocks noGrp="1" noRot="1" noChangeAspect="1"/>
+          </p:cNvSpPr>
+          <p:nvPr>
+            <p:ph type="sldImg"/>
+          </p:nvPr>
+        </p:nvSpPr>
+        <p:spPr/>
+      </p:sp>
+      <p:sp>
+        <p:nvSpPr>
+          <p:cNvPr id="3" name="Notizenplatzhalter 2"/>
+          <p:cNvSpPr>
+            <a:spLocks noGrp="1"/>
+          </p:cNvSpPr>
+          <p:nvPr>
+            <p:ph type="body" idx="1"/>
+          </p:nvPr>
+        </p:nvSpPr>
+        <p:spPr/>
+        <p:txBody>
+          <a:bodyPr/>
+          <a:lstStyle/>
+          <a:p>
+            <a:endParaRPr lang="de-DE" dirty="0"/>
+          </a:p>
+        </p:txBody>
+      </p:sp>
+      <p:sp>
+        <p:nvSpPr>
+          <p:cNvPr id="4" name="Foliennummernplatzhalter 3"/>
+          <p:cNvSpPr>
+            <a:spLocks noGrp="1"/>
+          </p:cNvSpPr>
+          <p:nvPr>
+            <p:ph type="sldNum" sz="quarter" idx="5"/>
+          </p:nvPr>
+        </p:nvSpPr>
+        <p:spPr/>
+        <p:txBody>
+          <a:bodyPr/>
+          <a:lstStyle/>
+          <a:p>
+            <a:fld id="{52267A27-16C0-714D-83C5-54B46B511F52}" type="slidenum">
+              <a:rPr lang="de-DE" smtClean="0"/>
+              <a:t>24</a:t>
+            </a:fld>
+            <a:endParaRPr lang="de-DE"/>
+          </a:p>
+        </p:txBody>
+      </p:sp>
+    </p:spTree>
+    <p:extLst>
+      <p:ext uri="{BB962C8B-B14F-4D97-AF65-F5344CB8AC3E}">
+        <p14:creationId xmlns:p14="http://schemas.microsoft.com/office/powerpoint/2010/main" val="601079304"/>
+      </p:ext>
+    </p:extLst>
+  </p:cSld>
+  <p:clrMapOvr>
+    <a:masterClrMapping/>
+  </p:clrMapOvr>
+</p:notes>
+</file>
+
+<file path=ppt/notesSlides/notesSlide23.xml><?xml version="1.0" encoding="utf-8"?>
+<p:notes xmlns:a="http://schemas.openxmlformats.org/drawingml/2006/main" xmlns:r="http://schemas.openxmlformats.org/officeDocument/2006/relationships" xmlns:p="http://schemas.openxmlformats.org/presentationml/2006/main">
+  <p:cSld>
+    <p:spTree>
+      <p:nvGrpSpPr>
+        <p:cNvPr id="1" name=""/>
+        <p:cNvGrpSpPr/>
+        <p:nvPr/>
+      </p:nvGrpSpPr>
+      <p:grpSpPr>
+        <a:xfrm>
+          <a:off x="0" y="0"/>
+          <a:ext cx="0" cy="0"/>
+          <a:chOff x="0" y="0"/>
+          <a:chExt cx="0" cy="0"/>
+        </a:xfrm>
+      </p:grpSpPr>
+      <p:sp>
+        <p:nvSpPr>
+          <p:cNvPr id="2" name="Folienbildplatzhalter 1"/>
+          <p:cNvSpPr>
+            <a:spLocks noGrp="1" noRot="1" noChangeAspect="1"/>
+          </p:cNvSpPr>
+          <p:nvPr>
+            <p:ph type="sldImg"/>
+          </p:nvPr>
+        </p:nvSpPr>
+        <p:spPr/>
+      </p:sp>
+      <p:sp>
+        <p:nvSpPr>
+          <p:cNvPr id="3" name="Notizenplatzhalter 2"/>
+          <p:cNvSpPr>
+            <a:spLocks noGrp="1"/>
+          </p:cNvSpPr>
+          <p:nvPr>
+            <p:ph type="body" idx="1"/>
+          </p:nvPr>
+        </p:nvSpPr>
+        <p:spPr/>
+        <p:txBody>
+          <a:bodyPr/>
+          <a:lstStyle/>
+          <a:p>
+            <a:endParaRPr lang="de-DE" dirty="0"/>
+          </a:p>
+        </p:txBody>
+      </p:sp>
+      <p:sp>
+        <p:nvSpPr>
+          <p:cNvPr id="4" name="Foliennummernplatzhalter 3"/>
+          <p:cNvSpPr>
+            <a:spLocks noGrp="1"/>
+          </p:cNvSpPr>
+          <p:nvPr>
+            <p:ph type="sldNum" sz="quarter" idx="5"/>
+          </p:nvPr>
+        </p:nvSpPr>
+        <p:spPr/>
+        <p:txBody>
+          <a:bodyPr/>
+          <a:lstStyle/>
+          <a:p>
+            <a:fld id="{52267A27-16C0-714D-83C5-54B46B511F52}" type="slidenum">
+              <a:rPr lang="de-DE" smtClean="0"/>
+              <a:t>25</a:t>
+            </a:fld>
+            <a:endParaRPr lang="de-DE"/>
+          </a:p>
+        </p:txBody>
+      </p:sp>
+    </p:spTree>
+    <p:extLst>
+      <p:ext uri="{BB962C8B-B14F-4D97-AF65-F5344CB8AC3E}">
+        <p14:creationId xmlns:p14="http://schemas.microsoft.com/office/powerpoint/2010/main" val="2360861896"/>
       </p:ext>
     </p:extLst>
   </p:cSld>
@@ -2158,7 +2584,7 @@
           <a:p>
             <a:fld id="{82F48383-FCA3-904D-BAB7-C3DA57C34025}" type="datetimeFigureOut">
               <a:rPr lang="de-DE" smtClean="0"/>
-              <a:t>19.06.19</a:t>
+              <a:t>26.06.2019</a:t>
             </a:fld>
             <a:endParaRPr lang="de-DE"/>
           </a:p>
@@ -2331,7 +2757,7 @@
           <a:p>
             <a:fld id="{82F48383-FCA3-904D-BAB7-C3DA57C34025}" type="datetimeFigureOut">
               <a:rPr lang="de-DE" smtClean="0"/>
-              <a:t>19.06.19</a:t>
+              <a:t>26.06.2019</a:t>
             </a:fld>
             <a:endParaRPr lang="de-DE"/>
           </a:p>
@@ -2514,7 +2940,7 @@
           <a:p>
             <a:fld id="{82F48383-FCA3-904D-BAB7-C3DA57C34025}" type="datetimeFigureOut">
               <a:rPr lang="de-DE" smtClean="0"/>
-              <a:t>19.06.19</a:t>
+              <a:t>26.06.2019</a:t>
             </a:fld>
             <a:endParaRPr lang="de-DE"/>
           </a:p>
@@ -2687,7 +3113,7 @@
           <a:p>
             <a:fld id="{82F48383-FCA3-904D-BAB7-C3DA57C34025}" type="datetimeFigureOut">
               <a:rPr lang="de-DE" smtClean="0"/>
-              <a:t>19.06.19</a:t>
+              <a:t>26.06.2019</a:t>
             </a:fld>
             <a:endParaRPr lang="de-DE"/>
           </a:p>
@@ -2965,7 +3391,7 @@
           <a:p>
             <a:fld id="{82F48383-FCA3-904D-BAB7-C3DA57C34025}" type="datetimeFigureOut">
               <a:rPr lang="de-DE" smtClean="0"/>
-              <a:t>19.06.19</a:t>
+              <a:t>26.06.2019</a:t>
             </a:fld>
             <a:endParaRPr lang="de-DE"/>
           </a:p>
@@ -3180,7 +3606,7 @@
           <a:p>
             <a:fld id="{82F48383-FCA3-904D-BAB7-C3DA57C34025}" type="datetimeFigureOut">
               <a:rPr lang="de-DE" smtClean="0"/>
-              <a:t>19.06.19</a:t>
+              <a:t>26.06.2019</a:t>
             </a:fld>
             <a:endParaRPr lang="de-DE"/>
           </a:p>
@@ -3548,7 +3974,7 @@
           <a:p>
             <a:fld id="{82F48383-FCA3-904D-BAB7-C3DA57C34025}" type="datetimeFigureOut">
               <a:rPr lang="de-DE" smtClean="0"/>
-              <a:t>19.06.19</a:t>
+              <a:t>26.06.2019</a:t>
             </a:fld>
             <a:endParaRPr lang="de-DE"/>
           </a:p>
@@ -3689,7 +4115,7 @@
           <a:p>
             <a:fld id="{82F48383-FCA3-904D-BAB7-C3DA57C34025}" type="datetimeFigureOut">
               <a:rPr lang="de-DE" smtClean="0"/>
-              <a:t>19.06.19</a:t>
+              <a:t>26.06.2019</a:t>
             </a:fld>
             <a:endParaRPr lang="de-DE"/>
           </a:p>
@@ -3802,7 +4228,7 @@
           <a:p>
             <a:fld id="{82F48383-FCA3-904D-BAB7-C3DA57C34025}" type="datetimeFigureOut">
               <a:rPr lang="de-DE" smtClean="0"/>
-              <a:t>19.06.19</a:t>
+              <a:t>26.06.2019</a:t>
             </a:fld>
             <a:endParaRPr lang="de-DE"/>
           </a:p>
@@ -4091,7 +4517,7 @@
           <a:p>
             <a:fld id="{82F48383-FCA3-904D-BAB7-C3DA57C34025}" type="datetimeFigureOut">
               <a:rPr lang="de-DE" smtClean="0"/>
-              <a:t>19.06.19</a:t>
+              <a:t>26.06.2019</a:t>
             </a:fld>
             <a:endParaRPr lang="de-DE"/>
           </a:p>
@@ -4382,7 +4808,7 @@
           <a:p>
             <a:fld id="{82F48383-FCA3-904D-BAB7-C3DA57C34025}" type="datetimeFigureOut">
               <a:rPr lang="de-DE" smtClean="0"/>
-              <a:t>19.06.19</a:t>
+              <a:t>26.06.2019</a:t>
             </a:fld>
             <a:endParaRPr lang="de-DE"/>
           </a:p>
@@ -4601,7 +5027,7 @@
           <a:p>
             <a:fld id="{82F48383-FCA3-904D-BAB7-C3DA57C34025}" type="datetimeFigureOut">
               <a:rPr lang="de-DE" smtClean="0"/>
-              <a:t>19.06.19</a:t>
+              <a:t>26.06.2019</a:t>
             </a:fld>
             <a:endParaRPr lang="de-DE"/>
           </a:p>
@@ -5415,8 +5841,8 @@
           </a:fontRef>
         </p:style>
       </p:cxnSp>
-      <mc:AlternateContent xmlns:mc="http://schemas.openxmlformats.org/markup-compatibility/2006">
-        <mc:Choice xmlns:pslz="http://schemas.microsoft.com/office/powerpoint/2016/slidezoom" Requires="pslz">
+      <mc:AlternateContent xmlns:mc="http://schemas.openxmlformats.org/markup-compatibility/2006" xmlns:pslz="http://schemas.microsoft.com/office/powerpoint/2016/slidezoom">
+        <mc:Choice Requires="pslz">
           <p:graphicFrame>
             <p:nvGraphicFramePr>
               <p:cNvPr id="10" name="Folienzoom 9">
@@ -5473,7 +5899,7 @@
             </a:graphic>
           </p:graphicFrame>
         </mc:Choice>
-        <mc:Fallback>
+        <mc:Fallback xmlns="">
           <p:pic>
             <p:nvPicPr>
               <p:cNvPr id="10" name="Folienzoom 9">
@@ -5490,7 +5916,7 @@
               <p:nvPr/>
             </p:nvPicPr>
             <p:blipFill>
-              <a:blip r:embed="rId3"/>
+              <a:blip r:embed="rId5"/>
               <a:stretch>
                 <a:fillRect/>
               </a:stretch>
@@ -6451,7 +6877,16 @@
           </a:bodyPr>
           <a:lstStyle/>
           <a:p>
-            <a:endParaRPr lang="de-DE" dirty="0"/>
+            <a:r>
+              <a:rPr lang="de-DE" dirty="0"/>
+              <a:t>Maximaler Fluss </a:t>
+            </a:r>
+          </a:p>
+          <a:p>
+            <a:r>
+              <a:rPr lang="de-DE" dirty="0"/>
+              <a:t>Transportkosten Problem</a:t>
+            </a:r>
           </a:p>
         </p:txBody>
       </p:sp>
@@ -6469,6 +6904,1291 @@
 </file>
 
 <file path=ppt/slides/slide15.xml><?xml version="1.0" encoding="utf-8"?>
+<p:sld xmlns:a="http://schemas.openxmlformats.org/drawingml/2006/main" xmlns:r="http://schemas.openxmlformats.org/officeDocument/2006/relationships" xmlns:p="http://schemas.openxmlformats.org/presentationml/2006/main">
+  <p:cSld>
+    <p:spTree>
+      <p:nvGrpSpPr>
+        <p:cNvPr id="1" name=""/>
+        <p:cNvGrpSpPr/>
+        <p:nvPr/>
+      </p:nvGrpSpPr>
+      <p:grpSpPr>
+        <a:xfrm>
+          <a:off x="0" y="0"/>
+          <a:ext cx="0" cy="0"/>
+          <a:chOff x="0" y="0"/>
+          <a:chExt cx="0" cy="0"/>
+        </a:xfrm>
+      </p:grpSpPr>
+      <p:sp>
+        <p:nvSpPr>
+          <p:cNvPr id="5" name="Rechteck 4">
+            <a:extLst>
+              <a:ext uri="{FF2B5EF4-FFF2-40B4-BE49-F238E27FC236}">
+                <a16:creationId xmlns:a16="http://schemas.microsoft.com/office/drawing/2014/main" id="{6C91387F-AF56-614F-B14F-5E345367B7AF}"/>
+              </a:ext>
+            </a:extLst>
+          </p:cNvPr>
+          <p:cNvSpPr/>
+          <p:nvPr/>
+        </p:nvSpPr>
+        <p:spPr>
+          <a:xfrm>
+            <a:off x="0" y="0"/>
+            <a:ext cx="12192000" cy="6858000"/>
+          </a:xfrm>
+          <a:prstGeom prst="rect">
+            <a:avLst/>
+          </a:prstGeom>
+          <a:solidFill>
+            <a:schemeClr val="bg2"/>
+          </a:solidFill>
+          <a:ln>
+            <a:noFill/>
+          </a:ln>
+        </p:spPr>
+        <p:style>
+          <a:lnRef idx="2">
+            <a:schemeClr val="accent1">
+              <a:shade val="50000"/>
+            </a:schemeClr>
+          </a:lnRef>
+          <a:fillRef idx="1">
+            <a:schemeClr val="accent1"/>
+          </a:fillRef>
+          <a:effectRef idx="0">
+            <a:schemeClr val="accent1"/>
+          </a:effectRef>
+          <a:fontRef idx="minor">
+            <a:schemeClr val="lt1"/>
+          </a:fontRef>
+        </p:style>
+        <p:txBody>
+          <a:bodyPr rtlCol="0" anchor="ctr"/>
+          <a:lstStyle/>
+          <a:p>
+            <a:pPr algn="ctr"/>
+            <a:endParaRPr lang="de-DE" dirty="0"/>
+          </a:p>
+        </p:txBody>
+      </p:sp>
+      <p:sp>
+        <p:nvSpPr>
+          <p:cNvPr id="2" name="Titel 1">
+            <a:extLst>
+              <a:ext uri="{FF2B5EF4-FFF2-40B4-BE49-F238E27FC236}">
+                <a16:creationId xmlns:a16="http://schemas.microsoft.com/office/drawing/2014/main" id="{35BFDC70-A169-E142-B051-5ABC9190E094}"/>
+              </a:ext>
+            </a:extLst>
+          </p:cNvPr>
+          <p:cNvSpPr>
+            <a:spLocks noGrp="1"/>
+          </p:cNvSpPr>
+          <p:nvPr>
+            <p:ph type="title"/>
+          </p:nvPr>
+        </p:nvSpPr>
+        <p:spPr>
+          <a:xfrm>
+            <a:off x="0" y="0"/>
+            <a:ext cx="12191999" cy="1106905"/>
+          </a:xfrm>
+        </p:spPr>
+        <p:txBody>
+          <a:bodyPr vert="horz" lIns="91440" tIns="45720" rIns="91440" bIns="45720" rtlCol="0">
+            <a:normAutofit/>
+          </a:bodyPr>
+          <a:lstStyle/>
+          <a:p>
+            <a:pPr algn="ctr"/>
+            <a:r>
+              <a:rPr lang="en-US" sz="4000" dirty="0" err="1">
+                <a:solidFill>
+                  <a:schemeClr val="accent1"/>
+                </a:solidFill>
+              </a:rPr>
+              <a:t>Minimalekosten</a:t>
+            </a:r>
+            <a:r>
+              <a:rPr lang="en-US" sz="4000" dirty="0">
+                <a:solidFill>
+                  <a:schemeClr val="accent1"/>
+                </a:solidFill>
+              </a:rPr>
+              <a:t> </a:t>
+            </a:r>
+            <a:r>
+              <a:rPr lang="en-US" sz="4000" dirty="0" err="1">
+                <a:solidFill>
+                  <a:schemeClr val="accent1"/>
+                </a:solidFill>
+              </a:rPr>
+              <a:t>mit</a:t>
+            </a:r>
+            <a:r>
+              <a:rPr lang="en-US" sz="4000" dirty="0">
+                <a:solidFill>
+                  <a:schemeClr val="accent1"/>
+                </a:solidFill>
+              </a:rPr>
+              <a:t> </a:t>
+            </a:r>
+            <a:r>
+              <a:rPr lang="en-US" sz="4000" dirty="0" err="1">
+                <a:solidFill>
+                  <a:schemeClr val="accent1"/>
+                </a:solidFill>
+              </a:rPr>
+              <a:t>Kapazitätsbegrenzung</a:t>
+            </a:r>
+            <a:endParaRPr lang="en-US" sz="4000" kern="1200" dirty="0">
+              <a:solidFill>
+                <a:schemeClr val="accent1"/>
+              </a:solidFill>
+              <a:latin typeface="+mj-lt"/>
+              <a:ea typeface="+mj-ea"/>
+              <a:cs typeface="+mj-cs"/>
+            </a:endParaRPr>
+          </a:p>
+        </p:txBody>
+      </p:sp>
+      <p:sp>
+        <p:nvSpPr>
+          <p:cNvPr id="6" name="Titel 1">
+            <a:extLst>
+              <a:ext uri="{FF2B5EF4-FFF2-40B4-BE49-F238E27FC236}">
+                <a16:creationId xmlns:a16="http://schemas.microsoft.com/office/drawing/2014/main" id="{E7C2CB7B-ACCE-46AA-B361-C575579F8987}"/>
+              </a:ext>
+            </a:extLst>
+          </p:cNvPr>
+          <p:cNvSpPr txBox="1">
+            <a:spLocks/>
+          </p:cNvSpPr>
+          <p:nvPr/>
+        </p:nvSpPr>
+        <p:spPr>
+          <a:xfrm>
+            <a:off x="-1" y="705851"/>
+            <a:ext cx="12191999" cy="3753853"/>
+          </a:xfrm>
+          <a:prstGeom prst="rect">
+            <a:avLst/>
+          </a:prstGeom>
+        </p:spPr>
+        <p:txBody>
+          <a:bodyPr vert="horz" lIns="91440" tIns="45720" rIns="91440" bIns="45720" rtlCol="0" anchor="ctr">
+            <a:normAutofit/>
+          </a:bodyPr>
+          <a:lstStyle>
+            <a:lvl1pPr algn="l" defTabSz="914400" rtl="0" eaLnBrk="1" latinLnBrk="0" hangingPunct="1">
+              <a:lnSpc>
+                <a:spcPct val="90000"/>
+              </a:lnSpc>
+              <a:spcBef>
+                <a:spcPct val="0"/>
+              </a:spcBef>
+              <a:buNone/>
+              <a:defRPr sz="4400" kern="1200">
+                <a:solidFill>
+                  <a:schemeClr val="tx1"/>
+                </a:solidFill>
+                <a:latin typeface="+mj-lt"/>
+                <a:ea typeface="+mj-ea"/>
+                <a:cs typeface="+mj-cs"/>
+              </a:defRPr>
+            </a:lvl1pPr>
+          </a:lstStyle>
+          <a:p>
+            <a:pPr algn="ctr"/>
+            <a:endParaRPr lang="en-US" sz="4000" dirty="0">
+              <a:solidFill>
+                <a:schemeClr val="accent1"/>
+              </a:solidFill>
+            </a:endParaRPr>
+          </a:p>
+        </p:txBody>
+      </p:sp>
+      <p:pic>
+        <p:nvPicPr>
+          <p:cNvPr id="8" name="Grafik 7">
+            <a:extLst>
+              <a:ext uri="{FF2B5EF4-FFF2-40B4-BE49-F238E27FC236}">
+                <a16:creationId xmlns:a16="http://schemas.microsoft.com/office/drawing/2014/main" id="{C89ECDFD-2E29-4183-B4C5-57C14F623766}"/>
+              </a:ext>
+            </a:extLst>
+          </p:cNvPr>
+          <p:cNvPicPr>
+            <a:picLocks noChangeAspect="1"/>
+          </p:cNvPicPr>
+          <p:nvPr/>
+        </p:nvPicPr>
+        <p:blipFill>
+          <a:blip r:embed="rId3"/>
+          <a:stretch>
+            <a:fillRect/>
+          </a:stretch>
+        </p:blipFill>
+        <p:spPr>
+          <a:xfrm>
+            <a:off x="1428750" y="1347787"/>
+            <a:ext cx="9334500" cy="4162425"/>
+          </a:xfrm>
+          <a:prstGeom prst="rect">
+            <a:avLst/>
+          </a:prstGeom>
+        </p:spPr>
+      </p:pic>
+    </p:spTree>
+    <p:extLst>
+      <p:ext uri="{BB962C8B-B14F-4D97-AF65-F5344CB8AC3E}">
+        <p14:creationId xmlns:p14="http://schemas.microsoft.com/office/powerpoint/2010/main" val="1826987104"/>
+      </p:ext>
+    </p:extLst>
+  </p:cSld>
+  <p:clrMapOvr>
+    <a:masterClrMapping/>
+  </p:clrMapOvr>
+</p:sld>
+</file>
+
+<file path=ppt/slides/slide16.xml><?xml version="1.0" encoding="utf-8"?>
+<p:sld xmlns:a="http://schemas.openxmlformats.org/drawingml/2006/main" xmlns:r="http://schemas.openxmlformats.org/officeDocument/2006/relationships" xmlns:p="http://schemas.openxmlformats.org/presentationml/2006/main">
+  <p:cSld>
+    <p:spTree>
+      <p:nvGrpSpPr>
+        <p:cNvPr id="1" name=""/>
+        <p:cNvGrpSpPr/>
+        <p:nvPr/>
+      </p:nvGrpSpPr>
+      <p:grpSpPr>
+        <a:xfrm>
+          <a:off x="0" y="0"/>
+          <a:ext cx="0" cy="0"/>
+          <a:chOff x="0" y="0"/>
+          <a:chExt cx="0" cy="0"/>
+        </a:xfrm>
+      </p:grpSpPr>
+      <p:sp>
+        <p:nvSpPr>
+          <p:cNvPr id="4" name="Rechteck 3">
+            <a:extLst>
+              <a:ext uri="{FF2B5EF4-FFF2-40B4-BE49-F238E27FC236}">
+                <a16:creationId xmlns:a16="http://schemas.microsoft.com/office/drawing/2014/main" id="{E4D21FBE-9E79-4438-A9C4-A86631E75D3D}"/>
+              </a:ext>
+            </a:extLst>
+          </p:cNvPr>
+          <p:cNvSpPr/>
+          <p:nvPr/>
+        </p:nvSpPr>
+        <p:spPr>
+          <a:xfrm>
+            <a:off x="0" y="0"/>
+            <a:ext cx="12192000" cy="6858000"/>
+          </a:xfrm>
+          <a:prstGeom prst="rect">
+            <a:avLst/>
+          </a:prstGeom>
+          <a:solidFill>
+            <a:schemeClr val="bg2"/>
+          </a:solidFill>
+          <a:ln>
+            <a:noFill/>
+          </a:ln>
+        </p:spPr>
+        <p:style>
+          <a:lnRef idx="2">
+            <a:schemeClr val="accent1">
+              <a:shade val="50000"/>
+            </a:schemeClr>
+          </a:lnRef>
+          <a:fillRef idx="1">
+            <a:schemeClr val="accent1"/>
+          </a:fillRef>
+          <a:effectRef idx="0">
+            <a:schemeClr val="accent1"/>
+          </a:effectRef>
+          <a:fontRef idx="minor">
+            <a:schemeClr val="lt1"/>
+          </a:fontRef>
+        </p:style>
+        <p:txBody>
+          <a:bodyPr rtlCol="0" anchor="ctr"/>
+          <a:lstStyle/>
+          <a:p>
+            <a:pPr algn="ctr"/>
+            <a:endParaRPr lang="de-DE"/>
+          </a:p>
+        </p:txBody>
+      </p:sp>
+      <p:sp>
+        <p:nvSpPr>
+          <p:cNvPr id="2" name="Titel 1">
+            <a:extLst>
+              <a:ext uri="{FF2B5EF4-FFF2-40B4-BE49-F238E27FC236}">
+                <a16:creationId xmlns:a16="http://schemas.microsoft.com/office/drawing/2014/main" id="{5D43DF7A-1A5D-4ACC-A604-ABDFA208B266}"/>
+              </a:ext>
+            </a:extLst>
+          </p:cNvPr>
+          <p:cNvSpPr>
+            <a:spLocks noGrp="1"/>
+          </p:cNvSpPr>
+          <p:nvPr>
+            <p:ph type="title"/>
+          </p:nvPr>
+        </p:nvSpPr>
+        <p:spPr/>
+        <p:txBody>
+          <a:bodyPr/>
+          <a:lstStyle/>
+          <a:p>
+            <a:endParaRPr lang="de-DE" dirty="0"/>
+          </a:p>
+        </p:txBody>
+      </p:sp>
+      <p:sp>
+        <p:nvSpPr>
+          <p:cNvPr id="3" name="Inhaltsplatzhalter 2">
+            <a:extLst>
+              <a:ext uri="{FF2B5EF4-FFF2-40B4-BE49-F238E27FC236}">
+                <a16:creationId xmlns:a16="http://schemas.microsoft.com/office/drawing/2014/main" id="{C24FCB4C-0151-435F-B548-7A9594A11125}"/>
+              </a:ext>
+            </a:extLst>
+          </p:cNvPr>
+          <p:cNvSpPr>
+            <a:spLocks noGrp="1"/>
+          </p:cNvSpPr>
+          <p:nvPr>
+            <p:ph idx="1"/>
+          </p:nvPr>
+        </p:nvSpPr>
+        <p:spPr/>
+        <p:txBody>
+          <a:bodyPr/>
+          <a:lstStyle/>
+          <a:p>
+            <a:endParaRPr lang="de-DE" dirty="0"/>
+          </a:p>
+        </p:txBody>
+      </p:sp>
+      <p:pic>
+        <p:nvPicPr>
+          <p:cNvPr id="5" name="Grafik 4">
+            <a:extLst>
+              <a:ext uri="{FF2B5EF4-FFF2-40B4-BE49-F238E27FC236}">
+                <a16:creationId xmlns:a16="http://schemas.microsoft.com/office/drawing/2014/main" id="{1C4ABC61-F649-4941-9A69-5363F27C5C7A}"/>
+              </a:ext>
+            </a:extLst>
+          </p:cNvPr>
+          <p:cNvPicPr>
+            <a:picLocks noChangeAspect="1"/>
+          </p:cNvPicPr>
+          <p:nvPr/>
+        </p:nvPicPr>
+        <p:blipFill>
+          <a:blip r:embed="rId2"/>
+          <a:stretch>
+            <a:fillRect/>
+          </a:stretch>
+        </p:blipFill>
+        <p:spPr>
+          <a:xfrm>
+            <a:off x="647883" y="681037"/>
+            <a:ext cx="10896234" cy="4667250"/>
+          </a:xfrm>
+          <a:prstGeom prst="rect">
+            <a:avLst/>
+          </a:prstGeom>
+        </p:spPr>
+      </p:pic>
+    </p:spTree>
+    <p:extLst>
+      <p:ext uri="{BB962C8B-B14F-4D97-AF65-F5344CB8AC3E}">
+        <p14:creationId xmlns:p14="http://schemas.microsoft.com/office/powerpoint/2010/main" val="2028477413"/>
+      </p:ext>
+    </p:extLst>
+  </p:cSld>
+  <p:clrMapOvr>
+    <a:masterClrMapping/>
+  </p:clrMapOvr>
+</p:sld>
+</file>
+
+<file path=ppt/slides/slide17.xml><?xml version="1.0" encoding="utf-8"?>
+<p:sld xmlns:a="http://schemas.openxmlformats.org/drawingml/2006/main" xmlns:r="http://schemas.openxmlformats.org/officeDocument/2006/relationships" xmlns:p="http://schemas.openxmlformats.org/presentationml/2006/main">
+  <p:cSld>
+    <p:spTree>
+      <p:nvGrpSpPr>
+        <p:cNvPr id="1" name=""/>
+        <p:cNvGrpSpPr/>
+        <p:nvPr/>
+      </p:nvGrpSpPr>
+      <p:grpSpPr>
+        <a:xfrm>
+          <a:off x="0" y="0"/>
+          <a:ext cx="0" cy="0"/>
+          <a:chOff x="0" y="0"/>
+          <a:chExt cx="0" cy="0"/>
+        </a:xfrm>
+      </p:grpSpPr>
+      <p:sp>
+        <p:nvSpPr>
+          <p:cNvPr id="5" name="Rechteck 4">
+            <a:extLst>
+              <a:ext uri="{FF2B5EF4-FFF2-40B4-BE49-F238E27FC236}">
+                <a16:creationId xmlns:a16="http://schemas.microsoft.com/office/drawing/2014/main" id="{6C91387F-AF56-614F-B14F-5E345367B7AF}"/>
+              </a:ext>
+            </a:extLst>
+          </p:cNvPr>
+          <p:cNvSpPr/>
+          <p:nvPr/>
+        </p:nvSpPr>
+        <p:spPr>
+          <a:xfrm>
+            <a:off x="0" y="0"/>
+            <a:ext cx="12192000" cy="6858000"/>
+          </a:xfrm>
+          <a:prstGeom prst="rect">
+            <a:avLst/>
+          </a:prstGeom>
+          <a:solidFill>
+            <a:schemeClr val="bg2"/>
+          </a:solidFill>
+          <a:ln>
+            <a:noFill/>
+          </a:ln>
+        </p:spPr>
+        <p:style>
+          <a:lnRef idx="2">
+            <a:schemeClr val="accent1">
+              <a:shade val="50000"/>
+            </a:schemeClr>
+          </a:lnRef>
+          <a:fillRef idx="1">
+            <a:schemeClr val="accent1"/>
+          </a:fillRef>
+          <a:effectRef idx="0">
+            <a:schemeClr val="accent1"/>
+          </a:effectRef>
+          <a:fontRef idx="minor">
+            <a:schemeClr val="lt1"/>
+          </a:fontRef>
+        </p:style>
+        <p:txBody>
+          <a:bodyPr rtlCol="0" anchor="ctr"/>
+          <a:lstStyle/>
+          <a:p>
+            <a:pPr algn="ctr"/>
+            <a:endParaRPr lang="de-DE" dirty="0"/>
+          </a:p>
+        </p:txBody>
+      </p:sp>
+      <p:sp>
+        <p:nvSpPr>
+          <p:cNvPr id="2" name="Titel 1">
+            <a:extLst>
+              <a:ext uri="{FF2B5EF4-FFF2-40B4-BE49-F238E27FC236}">
+                <a16:creationId xmlns:a16="http://schemas.microsoft.com/office/drawing/2014/main" id="{35BFDC70-A169-E142-B051-5ABC9190E094}"/>
+              </a:ext>
+            </a:extLst>
+          </p:cNvPr>
+          <p:cNvSpPr>
+            <a:spLocks noGrp="1"/>
+          </p:cNvSpPr>
+          <p:nvPr>
+            <p:ph type="title"/>
+          </p:nvPr>
+        </p:nvSpPr>
+        <p:spPr>
+          <a:xfrm>
+            <a:off x="0" y="0"/>
+            <a:ext cx="12191999" cy="1106905"/>
+          </a:xfrm>
+        </p:spPr>
+        <p:txBody>
+          <a:bodyPr vert="horz" lIns="91440" tIns="45720" rIns="91440" bIns="45720" rtlCol="0">
+            <a:normAutofit/>
+          </a:bodyPr>
+          <a:lstStyle/>
+          <a:p>
+            <a:pPr algn="ctr"/>
+            <a:r>
+              <a:rPr lang="en-US" sz="4000" dirty="0" err="1">
+                <a:solidFill>
+                  <a:schemeClr val="accent1"/>
+                </a:solidFill>
+              </a:rPr>
+              <a:t>Minimalekosten</a:t>
+            </a:r>
+            <a:r>
+              <a:rPr lang="en-US" sz="4000" dirty="0">
+                <a:solidFill>
+                  <a:schemeClr val="accent1"/>
+                </a:solidFill>
+              </a:rPr>
+              <a:t> </a:t>
+            </a:r>
+            <a:r>
+              <a:rPr lang="en-US" sz="4000" dirty="0" err="1">
+                <a:solidFill>
+                  <a:schemeClr val="accent1"/>
+                </a:solidFill>
+              </a:rPr>
+              <a:t>ohne</a:t>
+            </a:r>
+            <a:r>
+              <a:rPr lang="en-US" sz="4000" dirty="0">
+                <a:solidFill>
+                  <a:schemeClr val="accent1"/>
+                </a:solidFill>
+              </a:rPr>
+              <a:t> </a:t>
+            </a:r>
+            <a:r>
+              <a:rPr lang="en-US" sz="4000" dirty="0" err="1">
+                <a:solidFill>
+                  <a:schemeClr val="accent1"/>
+                </a:solidFill>
+              </a:rPr>
+              <a:t>Kapazitätsbegrenzung</a:t>
+            </a:r>
+            <a:endParaRPr lang="en-US" sz="4000" kern="1200" dirty="0">
+              <a:solidFill>
+                <a:schemeClr val="accent1"/>
+              </a:solidFill>
+              <a:latin typeface="+mj-lt"/>
+              <a:ea typeface="+mj-ea"/>
+              <a:cs typeface="+mj-cs"/>
+            </a:endParaRPr>
+          </a:p>
+        </p:txBody>
+      </p:sp>
+      <p:sp>
+        <p:nvSpPr>
+          <p:cNvPr id="6" name="Titel 1">
+            <a:extLst>
+              <a:ext uri="{FF2B5EF4-FFF2-40B4-BE49-F238E27FC236}">
+                <a16:creationId xmlns:a16="http://schemas.microsoft.com/office/drawing/2014/main" id="{E7C2CB7B-ACCE-46AA-B361-C575579F8987}"/>
+              </a:ext>
+            </a:extLst>
+          </p:cNvPr>
+          <p:cNvSpPr txBox="1">
+            <a:spLocks/>
+          </p:cNvSpPr>
+          <p:nvPr/>
+        </p:nvSpPr>
+        <p:spPr>
+          <a:xfrm>
+            <a:off x="-1" y="705851"/>
+            <a:ext cx="12191999" cy="3753853"/>
+          </a:xfrm>
+          <a:prstGeom prst="rect">
+            <a:avLst/>
+          </a:prstGeom>
+        </p:spPr>
+        <p:txBody>
+          <a:bodyPr vert="horz" lIns="91440" tIns="45720" rIns="91440" bIns="45720" rtlCol="0" anchor="ctr">
+            <a:normAutofit/>
+          </a:bodyPr>
+          <a:lstStyle>
+            <a:lvl1pPr algn="l" defTabSz="914400" rtl="0" eaLnBrk="1" latinLnBrk="0" hangingPunct="1">
+              <a:lnSpc>
+                <a:spcPct val="90000"/>
+              </a:lnSpc>
+              <a:spcBef>
+                <a:spcPct val="0"/>
+              </a:spcBef>
+              <a:buNone/>
+              <a:defRPr sz="4400" kern="1200">
+                <a:solidFill>
+                  <a:schemeClr val="tx1"/>
+                </a:solidFill>
+                <a:latin typeface="+mj-lt"/>
+                <a:ea typeface="+mj-ea"/>
+                <a:cs typeface="+mj-cs"/>
+              </a:defRPr>
+            </a:lvl1pPr>
+          </a:lstStyle>
+          <a:p>
+            <a:pPr algn="ctr"/>
+            <a:endParaRPr lang="en-US" sz="4000" dirty="0">
+              <a:solidFill>
+                <a:schemeClr val="accent1"/>
+              </a:solidFill>
+            </a:endParaRPr>
+          </a:p>
+        </p:txBody>
+      </p:sp>
+      <p:pic>
+        <p:nvPicPr>
+          <p:cNvPr id="4" name="Grafik 3">
+            <a:extLst>
+              <a:ext uri="{FF2B5EF4-FFF2-40B4-BE49-F238E27FC236}">
+                <a16:creationId xmlns:a16="http://schemas.microsoft.com/office/drawing/2014/main" id="{9CE66A13-0C75-4FD9-A123-2756CAAD340B}"/>
+              </a:ext>
+            </a:extLst>
+          </p:cNvPr>
+          <p:cNvPicPr>
+            <a:picLocks noChangeAspect="1"/>
+          </p:cNvPicPr>
+          <p:nvPr/>
+        </p:nvPicPr>
+        <p:blipFill>
+          <a:blip r:embed="rId3"/>
+          <a:stretch>
+            <a:fillRect/>
+          </a:stretch>
+        </p:blipFill>
+        <p:spPr>
+          <a:xfrm>
+            <a:off x="1257300" y="1471612"/>
+            <a:ext cx="9677400" cy="3914775"/>
+          </a:xfrm>
+          <a:prstGeom prst="rect">
+            <a:avLst/>
+          </a:prstGeom>
+        </p:spPr>
+      </p:pic>
+    </p:spTree>
+    <p:extLst>
+      <p:ext uri="{BB962C8B-B14F-4D97-AF65-F5344CB8AC3E}">
+        <p14:creationId xmlns:p14="http://schemas.microsoft.com/office/powerpoint/2010/main" val="4074639891"/>
+      </p:ext>
+    </p:extLst>
+  </p:cSld>
+  <p:clrMapOvr>
+    <a:masterClrMapping/>
+  </p:clrMapOvr>
+</p:sld>
+</file>
+
+<file path=ppt/slides/slide18.xml><?xml version="1.0" encoding="utf-8"?>
+<p:sld xmlns:a="http://schemas.openxmlformats.org/drawingml/2006/main" xmlns:r="http://schemas.openxmlformats.org/officeDocument/2006/relationships" xmlns:p="http://schemas.openxmlformats.org/presentationml/2006/main">
+  <p:cSld>
+    <p:spTree>
+      <p:nvGrpSpPr>
+        <p:cNvPr id="1" name=""/>
+        <p:cNvGrpSpPr/>
+        <p:nvPr/>
+      </p:nvGrpSpPr>
+      <p:grpSpPr>
+        <a:xfrm>
+          <a:off x="0" y="0"/>
+          <a:ext cx="0" cy="0"/>
+          <a:chOff x="0" y="0"/>
+          <a:chExt cx="0" cy="0"/>
+        </a:xfrm>
+      </p:grpSpPr>
+      <p:sp>
+        <p:nvSpPr>
+          <p:cNvPr id="4" name="Rechteck 3">
+            <a:extLst>
+              <a:ext uri="{FF2B5EF4-FFF2-40B4-BE49-F238E27FC236}">
+                <a16:creationId xmlns:a16="http://schemas.microsoft.com/office/drawing/2014/main" id="{E4D21FBE-9E79-4438-A9C4-A86631E75D3D}"/>
+              </a:ext>
+            </a:extLst>
+          </p:cNvPr>
+          <p:cNvSpPr/>
+          <p:nvPr/>
+        </p:nvSpPr>
+        <p:spPr>
+          <a:xfrm>
+            <a:off x="0" y="0"/>
+            <a:ext cx="12192000" cy="6858000"/>
+          </a:xfrm>
+          <a:prstGeom prst="rect">
+            <a:avLst/>
+          </a:prstGeom>
+          <a:solidFill>
+            <a:schemeClr val="bg2"/>
+          </a:solidFill>
+          <a:ln>
+            <a:noFill/>
+          </a:ln>
+        </p:spPr>
+        <p:style>
+          <a:lnRef idx="2">
+            <a:schemeClr val="accent1">
+              <a:shade val="50000"/>
+            </a:schemeClr>
+          </a:lnRef>
+          <a:fillRef idx="1">
+            <a:schemeClr val="accent1"/>
+          </a:fillRef>
+          <a:effectRef idx="0">
+            <a:schemeClr val="accent1"/>
+          </a:effectRef>
+          <a:fontRef idx="minor">
+            <a:schemeClr val="lt1"/>
+          </a:fontRef>
+        </p:style>
+        <p:txBody>
+          <a:bodyPr rtlCol="0" anchor="ctr"/>
+          <a:lstStyle/>
+          <a:p>
+            <a:pPr algn="ctr"/>
+            <a:endParaRPr lang="de-DE"/>
+          </a:p>
+        </p:txBody>
+      </p:sp>
+      <p:sp>
+        <p:nvSpPr>
+          <p:cNvPr id="2" name="Titel 1">
+            <a:extLst>
+              <a:ext uri="{FF2B5EF4-FFF2-40B4-BE49-F238E27FC236}">
+                <a16:creationId xmlns:a16="http://schemas.microsoft.com/office/drawing/2014/main" id="{5D43DF7A-1A5D-4ACC-A604-ABDFA208B266}"/>
+              </a:ext>
+            </a:extLst>
+          </p:cNvPr>
+          <p:cNvSpPr>
+            <a:spLocks noGrp="1"/>
+          </p:cNvSpPr>
+          <p:nvPr>
+            <p:ph type="title"/>
+          </p:nvPr>
+        </p:nvSpPr>
+        <p:spPr/>
+        <p:txBody>
+          <a:bodyPr/>
+          <a:lstStyle/>
+          <a:p>
+            <a:endParaRPr lang="de-DE" dirty="0"/>
+          </a:p>
+        </p:txBody>
+      </p:sp>
+      <p:sp>
+        <p:nvSpPr>
+          <p:cNvPr id="3" name="Inhaltsplatzhalter 2">
+            <a:extLst>
+              <a:ext uri="{FF2B5EF4-FFF2-40B4-BE49-F238E27FC236}">
+                <a16:creationId xmlns:a16="http://schemas.microsoft.com/office/drawing/2014/main" id="{C24FCB4C-0151-435F-B548-7A9594A11125}"/>
+              </a:ext>
+            </a:extLst>
+          </p:cNvPr>
+          <p:cNvSpPr>
+            <a:spLocks noGrp="1"/>
+          </p:cNvSpPr>
+          <p:nvPr>
+            <p:ph idx="1"/>
+          </p:nvPr>
+        </p:nvSpPr>
+        <p:spPr/>
+        <p:txBody>
+          <a:bodyPr/>
+          <a:lstStyle/>
+          <a:p>
+            <a:endParaRPr lang="de-DE" dirty="0"/>
+          </a:p>
+        </p:txBody>
+      </p:sp>
+      <p:pic>
+        <p:nvPicPr>
+          <p:cNvPr id="6" name="Grafik 5">
+            <a:extLst>
+              <a:ext uri="{FF2B5EF4-FFF2-40B4-BE49-F238E27FC236}">
+                <a16:creationId xmlns:a16="http://schemas.microsoft.com/office/drawing/2014/main" id="{996B219C-4061-4FC7-A31B-3666889455F9}"/>
+              </a:ext>
+            </a:extLst>
+          </p:cNvPr>
+          <p:cNvPicPr>
+            <a:picLocks noChangeAspect="1"/>
+          </p:cNvPicPr>
+          <p:nvPr/>
+        </p:nvPicPr>
+        <p:blipFill>
+          <a:blip r:embed="rId3"/>
+          <a:stretch>
+            <a:fillRect/>
+          </a:stretch>
+        </p:blipFill>
+        <p:spPr>
+          <a:xfrm>
+            <a:off x="1403935" y="1073496"/>
+            <a:ext cx="8890105" cy="3901315"/>
+          </a:xfrm>
+          <a:prstGeom prst="rect">
+            <a:avLst/>
+          </a:prstGeom>
+        </p:spPr>
+      </p:pic>
+    </p:spTree>
+    <p:extLst>
+      <p:ext uri="{BB962C8B-B14F-4D97-AF65-F5344CB8AC3E}">
+        <p14:creationId xmlns:p14="http://schemas.microsoft.com/office/powerpoint/2010/main" val="3578237677"/>
+      </p:ext>
+    </p:extLst>
+  </p:cSld>
+  <p:clrMapOvr>
+    <a:masterClrMapping/>
+  </p:clrMapOvr>
+</p:sld>
+</file>
+
+<file path=ppt/slides/slide19.xml><?xml version="1.0" encoding="utf-8"?>
+<p:sld xmlns:a="http://schemas.openxmlformats.org/drawingml/2006/main" xmlns:r="http://schemas.openxmlformats.org/officeDocument/2006/relationships" xmlns:p="http://schemas.openxmlformats.org/presentationml/2006/main">
+  <p:cSld>
+    <p:spTree>
+      <p:nvGrpSpPr>
+        <p:cNvPr id="1" name=""/>
+        <p:cNvGrpSpPr/>
+        <p:nvPr/>
+      </p:nvGrpSpPr>
+      <p:grpSpPr>
+        <a:xfrm>
+          <a:off x="0" y="0"/>
+          <a:ext cx="0" cy="0"/>
+          <a:chOff x="0" y="0"/>
+          <a:chExt cx="0" cy="0"/>
+        </a:xfrm>
+      </p:grpSpPr>
+      <p:sp>
+        <p:nvSpPr>
+          <p:cNvPr id="5" name="Rechteck 4">
+            <a:extLst>
+              <a:ext uri="{FF2B5EF4-FFF2-40B4-BE49-F238E27FC236}">
+                <a16:creationId xmlns:a16="http://schemas.microsoft.com/office/drawing/2014/main" id="{6C91387F-AF56-614F-B14F-5E345367B7AF}"/>
+              </a:ext>
+            </a:extLst>
+          </p:cNvPr>
+          <p:cNvSpPr/>
+          <p:nvPr/>
+        </p:nvSpPr>
+        <p:spPr>
+          <a:xfrm>
+            <a:off x="-2" y="0"/>
+            <a:ext cx="12192000" cy="6858000"/>
+          </a:xfrm>
+          <a:prstGeom prst="rect">
+            <a:avLst/>
+          </a:prstGeom>
+          <a:solidFill>
+            <a:schemeClr val="bg2"/>
+          </a:solidFill>
+          <a:ln>
+            <a:noFill/>
+          </a:ln>
+        </p:spPr>
+        <p:style>
+          <a:lnRef idx="2">
+            <a:schemeClr val="accent1">
+              <a:shade val="50000"/>
+            </a:schemeClr>
+          </a:lnRef>
+          <a:fillRef idx="1">
+            <a:schemeClr val="accent1"/>
+          </a:fillRef>
+          <a:effectRef idx="0">
+            <a:schemeClr val="accent1"/>
+          </a:effectRef>
+          <a:fontRef idx="minor">
+            <a:schemeClr val="lt1"/>
+          </a:fontRef>
+        </p:style>
+        <p:txBody>
+          <a:bodyPr rtlCol="0" anchor="ctr"/>
+          <a:lstStyle/>
+          <a:p>
+            <a:pPr algn="ctr"/>
+            <a:endParaRPr lang="de-DE" dirty="0"/>
+          </a:p>
+        </p:txBody>
+      </p:sp>
+      <p:sp>
+        <p:nvSpPr>
+          <p:cNvPr id="2" name="Titel 1">
+            <a:extLst>
+              <a:ext uri="{FF2B5EF4-FFF2-40B4-BE49-F238E27FC236}">
+                <a16:creationId xmlns:a16="http://schemas.microsoft.com/office/drawing/2014/main" id="{35BFDC70-A169-E142-B051-5ABC9190E094}"/>
+              </a:ext>
+            </a:extLst>
+          </p:cNvPr>
+          <p:cNvSpPr>
+            <a:spLocks noGrp="1"/>
+          </p:cNvSpPr>
+          <p:nvPr>
+            <p:ph type="title"/>
+          </p:nvPr>
+        </p:nvSpPr>
+        <p:spPr>
+          <a:xfrm>
+            <a:off x="0" y="0"/>
+            <a:ext cx="12191999" cy="1106905"/>
+          </a:xfrm>
+        </p:spPr>
+        <p:txBody>
+          <a:bodyPr vert="horz" lIns="91440" tIns="45720" rIns="91440" bIns="45720" rtlCol="0">
+            <a:normAutofit/>
+          </a:bodyPr>
+          <a:lstStyle/>
+          <a:p>
+            <a:pPr algn="ctr"/>
+            <a:r>
+              <a:rPr lang="en-US" sz="4000" dirty="0" err="1">
+                <a:solidFill>
+                  <a:schemeClr val="accent1"/>
+                </a:solidFill>
+              </a:rPr>
+              <a:t>Transportkostenproblem</a:t>
+            </a:r>
+            <a:endParaRPr lang="en-US" sz="4000" kern="1200" dirty="0">
+              <a:solidFill>
+                <a:schemeClr val="accent1"/>
+              </a:solidFill>
+              <a:latin typeface="+mj-lt"/>
+              <a:ea typeface="+mj-ea"/>
+              <a:cs typeface="+mj-cs"/>
+            </a:endParaRPr>
+          </a:p>
+        </p:txBody>
+      </p:sp>
+      <p:sp>
+        <p:nvSpPr>
+          <p:cNvPr id="6" name="Titel 1">
+            <a:extLst>
+              <a:ext uri="{FF2B5EF4-FFF2-40B4-BE49-F238E27FC236}">
+                <a16:creationId xmlns:a16="http://schemas.microsoft.com/office/drawing/2014/main" id="{E7C2CB7B-ACCE-46AA-B361-C575579F8987}"/>
+              </a:ext>
+            </a:extLst>
+          </p:cNvPr>
+          <p:cNvSpPr txBox="1">
+            <a:spLocks/>
+          </p:cNvSpPr>
+          <p:nvPr/>
+        </p:nvSpPr>
+        <p:spPr>
+          <a:xfrm>
+            <a:off x="-1" y="705851"/>
+            <a:ext cx="12191999" cy="3753853"/>
+          </a:xfrm>
+          <a:prstGeom prst="rect">
+            <a:avLst/>
+          </a:prstGeom>
+        </p:spPr>
+        <p:txBody>
+          <a:bodyPr vert="horz" lIns="91440" tIns="45720" rIns="91440" bIns="45720" rtlCol="0" anchor="ctr">
+            <a:normAutofit/>
+          </a:bodyPr>
+          <a:lstStyle>
+            <a:lvl1pPr algn="l" defTabSz="914400" rtl="0" eaLnBrk="1" latinLnBrk="0" hangingPunct="1">
+              <a:lnSpc>
+                <a:spcPct val="90000"/>
+              </a:lnSpc>
+              <a:spcBef>
+                <a:spcPct val="0"/>
+              </a:spcBef>
+              <a:buNone/>
+              <a:defRPr sz="4400" kern="1200">
+                <a:solidFill>
+                  <a:schemeClr val="tx1"/>
+                </a:solidFill>
+                <a:latin typeface="+mj-lt"/>
+                <a:ea typeface="+mj-ea"/>
+                <a:cs typeface="+mj-cs"/>
+              </a:defRPr>
+            </a:lvl1pPr>
+          </a:lstStyle>
+          <a:p>
+            <a:pPr algn="ctr"/>
+            <a:endParaRPr lang="en-US" sz="4000" dirty="0">
+              <a:solidFill>
+                <a:schemeClr val="accent1"/>
+              </a:solidFill>
+            </a:endParaRPr>
+          </a:p>
+        </p:txBody>
+      </p:sp>
+      <p:pic>
+        <p:nvPicPr>
+          <p:cNvPr id="7" name="Grafik 6">
+            <a:extLst>
+              <a:ext uri="{FF2B5EF4-FFF2-40B4-BE49-F238E27FC236}">
+                <a16:creationId xmlns:a16="http://schemas.microsoft.com/office/drawing/2014/main" id="{756E846B-B403-4984-98B4-4C01CA73B356}"/>
+              </a:ext>
+            </a:extLst>
+          </p:cNvPr>
+          <p:cNvPicPr>
+            <a:picLocks noChangeAspect="1"/>
+          </p:cNvPicPr>
+          <p:nvPr/>
+        </p:nvPicPr>
+        <p:blipFill>
+          <a:blip r:embed="rId3"/>
+          <a:stretch>
+            <a:fillRect/>
+          </a:stretch>
+        </p:blipFill>
+        <p:spPr>
+          <a:xfrm>
+            <a:off x="1581137" y="1496570"/>
+            <a:ext cx="9725025" cy="4791075"/>
+          </a:xfrm>
+          <a:prstGeom prst="rect">
+            <a:avLst/>
+          </a:prstGeom>
+        </p:spPr>
+      </p:pic>
+      <p:pic>
+        <p:nvPicPr>
+          <p:cNvPr id="4" name="Grafik 3">
+            <a:extLst>
+              <a:ext uri="{FF2B5EF4-FFF2-40B4-BE49-F238E27FC236}">
+                <a16:creationId xmlns:a16="http://schemas.microsoft.com/office/drawing/2014/main" id="{A26447F2-DF28-4EAF-B8D1-EFC7A98F7721}"/>
+              </a:ext>
+            </a:extLst>
+          </p:cNvPr>
+          <p:cNvPicPr>
+            <a:picLocks noChangeAspect="1"/>
+          </p:cNvPicPr>
+          <p:nvPr/>
+        </p:nvPicPr>
+        <p:blipFill>
+          <a:blip r:embed="rId4"/>
+          <a:stretch>
+            <a:fillRect/>
+          </a:stretch>
+        </p:blipFill>
+        <p:spPr>
+          <a:xfrm>
+            <a:off x="1104887" y="1095516"/>
+            <a:ext cx="10201275" cy="4972050"/>
+          </a:xfrm>
+          <a:prstGeom prst="rect">
+            <a:avLst/>
+          </a:prstGeom>
+        </p:spPr>
+      </p:pic>
+      <p:pic>
+        <p:nvPicPr>
+          <p:cNvPr id="3" name="Grafik 2">
+            <a:extLst>
+              <a:ext uri="{FF2B5EF4-FFF2-40B4-BE49-F238E27FC236}">
+                <a16:creationId xmlns:a16="http://schemas.microsoft.com/office/drawing/2014/main" id="{DB99CD9C-1E94-4D53-99E7-DF6B67865684}"/>
+              </a:ext>
+            </a:extLst>
+          </p:cNvPr>
+          <p:cNvPicPr>
+            <a:picLocks noChangeAspect="1"/>
+          </p:cNvPicPr>
+          <p:nvPr/>
+        </p:nvPicPr>
+        <p:blipFill>
+          <a:blip r:embed="rId5"/>
+          <a:stretch>
+            <a:fillRect/>
+          </a:stretch>
+        </p:blipFill>
+        <p:spPr>
+          <a:xfrm>
+            <a:off x="1147759" y="969827"/>
+            <a:ext cx="10353675" cy="5257800"/>
+          </a:xfrm>
+          <a:prstGeom prst="rect">
+            <a:avLst/>
+          </a:prstGeom>
+        </p:spPr>
+      </p:pic>
+    </p:spTree>
+    <p:extLst>
+      <p:ext uri="{BB962C8B-B14F-4D97-AF65-F5344CB8AC3E}">
+        <p14:creationId xmlns:p14="http://schemas.microsoft.com/office/powerpoint/2010/main" val="1042079441"/>
+      </p:ext>
+    </p:extLst>
+  </p:cSld>
+  <p:clrMapOvr>
+    <a:masterClrMapping/>
+  </p:clrMapOvr>
+  <p:timing>
+    <p:tnLst>
+      <p:par>
+        <p:cTn id="1" dur="indefinite" restart="never" nodeType="tmRoot">
+          <p:childTnLst>
+            <p:seq concurrent="1" nextAc="seek">
+              <p:cTn id="2" dur="indefinite" nodeType="mainSeq">
+                <p:childTnLst>
+                  <p:par>
+                    <p:cTn id="3" fill="hold">
+                      <p:stCondLst>
+                        <p:cond delay="indefinite"/>
+                      </p:stCondLst>
+                      <p:childTnLst>
+                        <p:par>
+                          <p:cTn id="4" fill="hold">
+                            <p:stCondLst>
+                              <p:cond delay="0"/>
+                            </p:stCondLst>
+                            <p:childTnLst>
+                              <p:par>
+                                <p:cTn id="5" presetID="10" presetClass="entr" presetSubtype="0" fill="hold" nodeType="clickEffect">
+                                  <p:stCondLst>
+                                    <p:cond delay="0"/>
+                                  </p:stCondLst>
+                                  <p:childTnLst>
+                                    <p:set>
+                                      <p:cBhvr>
+                                        <p:cTn id="6" dur="1" fill="hold">
+                                          <p:stCondLst>
+                                            <p:cond delay="0"/>
+                                          </p:stCondLst>
+                                        </p:cTn>
+                                        <p:tgtEl>
+                                          <p:spTgt spid="7"/>
+                                        </p:tgtEl>
+                                        <p:attrNameLst>
+                                          <p:attrName>style.visibility</p:attrName>
+                                        </p:attrNameLst>
+                                      </p:cBhvr>
+                                      <p:to>
+                                        <p:strVal val="visible"/>
+                                      </p:to>
+                                    </p:set>
+                                    <p:animEffect transition="in" filter="fade">
+                                      <p:cBhvr>
+                                        <p:cTn id="7" dur="500"/>
+                                        <p:tgtEl>
+                                          <p:spTgt spid="7"/>
+                                        </p:tgtEl>
+                                      </p:cBhvr>
+                                    </p:animEffect>
+                                  </p:childTnLst>
+                                </p:cTn>
+                              </p:par>
+                            </p:childTnLst>
+                          </p:cTn>
+                        </p:par>
+                      </p:childTnLst>
+                    </p:cTn>
+                  </p:par>
+                  <p:par>
+                    <p:cTn id="8" fill="hold">
+                      <p:stCondLst>
+                        <p:cond delay="indefinite"/>
+                      </p:stCondLst>
+                      <p:childTnLst>
+                        <p:par>
+                          <p:cTn id="9" fill="hold">
+                            <p:stCondLst>
+                              <p:cond delay="0"/>
+                            </p:stCondLst>
+                            <p:childTnLst>
+                              <p:par>
+                                <p:cTn id="10" presetID="10" presetClass="entr" presetSubtype="0" fill="hold" nodeType="clickEffect">
+                                  <p:stCondLst>
+                                    <p:cond delay="0"/>
+                                  </p:stCondLst>
+                                  <p:childTnLst>
+                                    <p:set>
+                                      <p:cBhvr>
+                                        <p:cTn id="11" dur="1" fill="hold">
+                                          <p:stCondLst>
+                                            <p:cond delay="0"/>
+                                          </p:stCondLst>
+                                        </p:cTn>
+                                        <p:tgtEl>
+                                          <p:spTgt spid="4"/>
+                                        </p:tgtEl>
+                                        <p:attrNameLst>
+                                          <p:attrName>style.visibility</p:attrName>
+                                        </p:attrNameLst>
+                                      </p:cBhvr>
+                                      <p:to>
+                                        <p:strVal val="visible"/>
+                                      </p:to>
+                                    </p:set>
+                                    <p:animEffect transition="in" filter="fade">
+                                      <p:cBhvr>
+                                        <p:cTn id="12" dur="500"/>
+                                        <p:tgtEl>
+                                          <p:spTgt spid="4"/>
+                                        </p:tgtEl>
+                                      </p:cBhvr>
+                                    </p:animEffect>
+                                  </p:childTnLst>
+                                </p:cTn>
+                              </p:par>
+                            </p:childTnLst>
+                          </p:cTn>
+                        </p:par>
+                      </p:childTnLst>
+                    </p:cTn>
+                  </p:par>
+                  <p:par>
+                    <p:cTn id="13" fill="hold">
+                      <p:stCondLst>
+                        <p:cond delay="indefinite"/>
+                      </p:stCondLst>
+                      <p:childTnLst>
+                        <p:par>
+                          <p:cTn id="14" fill="hold">
+                            <p:stCondLst>
+                              <p:cond delay="0"/>
+                            </p:stCondLst>
+                            <p:childTnLst>
+                              <p:par>
+                                <p:cTn id="15" presetID="10" presetClass="entr" presetSubtype="0" fill="hold" nodeType="clickEffect">
+                                  <p:stCondLst>
+                                    <p:cond delay="0"/>
+                                  </p:stCondLst>
+                                  <p:childTnLst>
+                                    <p:set>
+                                      <p:cBhvr>
+                                        <p:cTn id="16" dur="1" fill="hold">
+                                          <p:stCondLst>
+                                            <p:cond delay="0"/>
+                                          </p:stCondLst>
+                                        </p:cTn>
+                                        <p:tgtEl>
+                                          <p:spTgt spid="3"/>
+                                        </p:tgtEl>
+                                        <p:attrNameLst>
+                                          <p:attrName>style.visibility</p:attrName>
+                                        </p:attrNameLst>
+                                      </p:cBhvr>
+                                      <p:to>
+                                        <p:strVal val="visible"/>
+                                      </p:to>
+                                    </p:set>
+                                    <p:animEffect transition="in" filter="fade">
+                                      <p:cBhvr>
+                                        <p:cTn id="17" dur="500"/>
+                                        <p:tgtEl>
+                                          <p:spTgt spid="3"/>
+                                        </p:tgtEl>
+                                      </p:cBhvr>
+                                    </p:animEffect>
+                                  </p:childTnLst>
+                                </p:cTn>
+                              </p:par>
+                            </p:childTnLst>
+                          </p:cTn>
+                        </p:par>
+                      </p:childTnLst>
+                    </p:cTn>
+                  </p:par>
+                </p:childTnLst>
+              </p:cTn>
+              <p:prevCondLst>
+                <p:cond evt="onPrev" delay="0">
+                  <p:tgtEl>
+                    <p:sldTgt/>
+                  </p:tgtEl>
+                </p:cond>
+              </p:prevCondLst>
+              <p:nextCondLst>
+                <p:cond evt="onNext" delay="0">
+                  <p:tgtEl>
+                    <p:sldTgt/>
+                  </p:tgtEl>
+                </p:cond>
+              </p:nextCondLst>
+            </p:seq>
+          </p:childTnLst>
+        </p:cTn>
+      </p:par>
+    </p:tnLst>
+  </p:timing>
+</p:sld>
+</file>
+
+<file path=ppt/slides/slide2.xml><?xml version="1.0" encoding="utf-8"?>
 <p:sld xmlns:a="http://schemas.openxmlformats.org/drawingml/2006/main" xmlns:r="http://schemas.openxmlformats.org/officeDocument/2006/relationships" xmlns:p="http://schemas.openxmlformats.org/presentationml/2006/main">
   <p:cSld>
     <p:bg>
@@ -6495,7 +8215,7 @@
       </p:grpSpPr>
       <p:sp>
         <p:nvSpPr>
-          <p:cNvPr id="19" name="Rectangle 18">
+          <p:cNvPr id="8" name="Rectangle 7">
             <a:extLst>
               <a:ext uri="{FF2B5EF4-FFF2-40B4-BE49-F238E27FC236}">
                 <a16:creationId xmlns:a16="http://schemas.microsoft.com/office/drawing/2014/main" id="{8D70B121-56F4-4848-B38B-182089D909FA}"/>
@@ -6563,7 +8283,7 @@
           <p:cNvPr id="2" name="Titel 1">
             <a:extLst>
               <a:ext uri="{FF2B5EF4-FFF2-40B4-BE49-F238E27FC236}">
-                <a16:creationId xmlns:a16="http://schemas.microsoft.com/office/drawing/2014/main" id="{35BFDC70-A169-E142-B051-5ABC9190E094}"/>
+                <a16:creationId xmlns:a16="http://schemas.microsoft.com/office/drawing/2014/main" id="{0B5D0F8F-C92F-BC46-ACC4-7A21698DD272}"/>
               </a:ext>
             </a:extLst>
           </p:cNvPr>
@@ -6576,47 +8296,31 @@
         </p:nvSpPr>
         <p:spPr>
           <a:xfrm>
-            <a:off x="861390" y="963877"/>
-            <a:ext cx="3471171" cy="4930246"/>
+            <a:off x="838200" y="963877"/>
+            <a:ext cx="3494362" cy="4930246"/>
           </a:xfrm>
         </p:spPr>
         <p:txBody>
-          <a:bodyPr vert="horz" lIns="91440" tIns="45720" rIns="91440" bIns="45720" rtlCol="0">
+          <a:bodyPr>
             <a:normAutofit/>
           </a:bodyPr>
           <a:lstStyle/>
           <a:p>
-            <a:pPr algn="ctr"/>
-            <a:r>
-              <a:rPr lang="en-US" dirty="0" err="1">
+            <a:pPr algn="r"/>
+            <a:r>
+              <a:rPr lang="de-DE" dirty="0">
                 <a:solidFill>
                   <a:schemeClr val="accent1"/>
                 </a:solidFill>
               </a:rPr>
-              <a:t>Einführung</a:t>
-            </a:r>
-            <a:r>
-              <a:rPr lang="en-US" dirty="0">
-                <a:solidFill>
-                  <a:schemeClr val="accent1"/>
-                </a:solidFill>
-              </a:rPr>
-              <a:t> in den Code</a:t>
-            </a:r>
-            <a:endParaRPr lang="en-US" kern="1200" dirty="0">
-              <a:solidFill>
-                <a:schemeClr val="accent1"/>
-              </a:solidFill>
-              <a:latin typeface="+mj-lt"/>
-              <a:ea typeface="+mj-ea"/>
-              <a:cs typeface="+mj-cs"/>
-            </a:endParaRPr>
+              <a:t>Gliederung	</a:t>
+            </a:r>
           </a:p>
         </p:txBody>
       </p:sp>
       <p:cxnSp>
         <p:nvCxnSpPr>
-          <p:cNvPr id="21" name="Straight Connector 20">
+          <p:cNvPr id="10" name="Straight Connector 9">
             <a:extLst>
               <a:ext uri="{FF2B5EF4-FFF2-40B4-BE49-F238E27FC236}">
                 <a16:creationId xmlns:a16="http://schemas.microsoft.com/office/drawing/2014/main" id="{2D72A2C9-F3CA-4216-8BAD-FA4C970C3C4E}"/>
@@ -6671,10 +8375,10 @@
       </p:cxnSp>
       <p:sp>
         <p:nvSpPr>
-          <p:cNvPr id="8" name="Inhaltsplatzhalter 4">
-            <a:extLst>
-              <a:ext uri="{FF2B5EF4-FFF2-40B4-BE49-F238E27FC236}">
-                <a16:creationId xmlns:a16="http://schemas.microsoft.com/office/drawing/2014/main" id="{A8E625C4-6DB1-9D42-BFEA-DE37A6F928F3}"/>
+          <p:cNvPr id="3" name="Inhaltsplatzhalter 2">
+            <a:extLst>
+              <a:ext uri="{FF2B5EF4-FFF2-40B4-BE49-F238E27FC236}">
+                <a16:creationId xmlns:a16="http://schemas.microsoft.com/office/drawing/2014/main" id="{692C889E-3E0C-9E40-9512-4230892B2B42}"/>
               </a:ext>
             </a:extLst>
           </p:cNvPr>
@@ -6687,8 +8391,8 @@
         </p:nvSpPr>
         <p:spPr>
           <a:xfrm>
-            <a:off x="5097419" y="963877"/>
-            <a:ext cx="5686424" cy="4930246"/>
+            <a:off x="4976031" y="963877"/>
+            <a:ext cx="6377769" cy="4930246"/>
           </a:xfrm>
         </p:spPr>
         <p:txBody>
@@ -6697,14 +8401,76 @@
           </a:bodyPr>
           <a:lstStyle/>
           <a:p>
-            <a:endParaRPr lang="de-DE" dirty="0"/>
+            <a:r>
+              <a:rPr lang="de-DE" sz="2400" dirty="0"/>
+              <a:t>Einführung in das Thema</a:t>
+            </a:r>
+          </a:p>
+          <a:p>
+            <a:r>
+              <a:rPr lang="de-DE" sz="2400" dirty="0"/>
+              <a:t>Theoretische Grundlagen</a:t>
+            </a:r>
+          </a:p>
+          <a:p>
+            <a:pPr lvl="1"/>
+            <a:r>
+              <a:rPr lang="de-DE" sz="2000" dirty="0"/>
+              <a:t>Einführung</a:t>
+            </a:r>
+          </a:p>
+          <a:p>
+            <a:pPr lvl="1"/>
+            <a:r>
+              <a:rPr lang="de-DE" sz="2000" dirty="0"/>
+              <a:t>Anwendungen</a:t>
+            </a:r>
+          </a:p>
+          <a:p>
+            <a:r>
+              <a:rPr lang="de-DE" sz="2400" dirty="0"/>
+              <a:t>Aufgabenstellung</a:t>
+            </a:r>
+          </a:p>
+          <a:p>
+            <a:r>
+              <a:rPr lang="de-DE" sz="2400" dirty="0"/>
+              <a:t>Implementierung</a:t>
+            </a:r>
+          </a:p>
+          <a:p>
+            <a:pPr lvl="1"/>
+            <a:r>
+              <a:rPr lang="de-DE" sz="2000" dirty="0"/>
+              <a:t>Herangehensweise </a:t>
+            </a:r>
+          </a:p>
+          <a:p>
+            <a:pPr lvl="1"/>
+            <a:r>
+              <a:rPr lang="de-DE" sz="2000" dirty="0"/>
+              <a:t>Einführung in den Code</a:t>
+            </a:r>
+          </a:p>
+          <a:p>
+            <a:pPr lvl="1"/>
+            <a:r>
+              <a:rPr lang="de-DE" sz="2000" dirty="0"/>
+              <a:t>Präsentation des Ergebnisses</a:t>
+            </a:r>
+          </a:p>
+          <a:p>
+            <a:r>
+              <a:rPr lang="de-DE" sz="2400" dirty="0"/>
+              <a:t>Fazit </a:t>
+            </a:r>
           </a:p>
         </p:txBody>
       </p:sp>
     </p:spTree>
     <p:extLst>
       <p:ext uri="{BB962C8B-B14F-4D97-AF65-F5344CB8AC3E}">
-        <p14:creationId xmlns:p14="http://schemas.microsoft.com/office/powerpoint/2010/main" val="1206238072"/>
+        <p14:creationId xmlns:p14="http://schemas.microsoft.com/office/powerpoint/2010/main" val="1278949465"/>
       </p:ext>
     </p:extLst>
   </p:cSld>
@@ -6714,7 +8480,225 @@
 </p:sld>
 </file>
 
-<file path=ppt/slides/slide16.xml><?xml version="1.0" encoding="utf-8"?>
+<file path=ppt/slides/slide20.xml><?xml version="1.0" encoding="utf-8"?>
+<p:sld xmlns:a="http://schemas.openxmlformats.org/drawingml/2006/main" xmlns:r="http://schemas.openxmlformats.org/officeDocument/2006/relationships" xmlns:p="http://schemas.openxmlformats.org/presentationml/2006/main">
+  <p:cSld>
+    <p:spTree>
+      <p:nvGrpSpPr>
+        <p:cNvPr id="1" name=""/>
+        <p:cNvGrpSpPr/>
+        <p:nvPr/>
+      </p:nvGrpSpPr>
+      <p:grpSpPr>
+        <a:xfrm>
+          <a:off x="0" y="0"/>
+          <a:ext cx="0" cy="0"/>
+          <a:chOff x="0" y="0"/>
+          <a:chExt cx="0" cy="0"/>
+        </a:xfrm>
+      </p:grpSpPr>
+      <p:sp>
+        <p:nvSpPr>
+          <p:cNvPr id="5" name="Rechteck 4">
+            <a:extLst>
+              <a:ext uri="{FF2B5EF4-FFF2-40B4-BE49-F238E27FC236}">
+                <a16:creationId xmlns:a16="http://schemas.microsoft.com/office/drawing/2014/main" id="{6C91387F-AF56-614F-B14F-5E345367B7AF}"/>
+              </a:ext>
+            </a:extLst>
+          </p:cNvPr>
+          <p:cNvSpPr/>
+          <p:nvPr/>
+        </p:nvSpPr>
+        <p:spPr>
+          <a:xfrm>
+            <a:off x="-2" y="0"/>
+            <a:ext cx="12192000" cy="6858000"/>
+          </a:xfrm>
+          <a:prstGeom prst="rect">
+            <a:avLst/>
+          </a:prstGeom>
+          <a:solidFill>
+            <a:schemeClr val="bg2"/>
+          </a:solidFill>
+          <a:ln>
+            <a:noFill/>
+          </a:ln>
+        </p:spPr>
+        <p:style>
+          <a:lnRef idx="2">
+            <a:schemeClr val="accent1">
+              <a:shade val="50000"/>
+            </a:schemeClr>
+          </a:lnRef>
+          <a:fillRef idx="1">
+            <a:schemeClr val="accent1"/>
+          </a:fillRef>
+          <a:effectRef idx="0">
+            <a:schemeClr val="accent1"/>
+          </a:effectRef>
+          <a:fontRef idx="minor">
+            <a:schemeClr val="lt1"/>
+          </a:fontRef>
+        </p:style>
+        <p:txBody>
+          <a:bodyPr rtlCol="0" anchor="ctr"/>
+          <a:lstStyle/>
+          <a:p>
+            <a:pPr algn="ctr"/>
+            <a:endParaRPr lang="de-DE" dirty="0"/>
+          </a:p>
+        </p:txBody>
+      </p:sp>
+      <p:sp>
+        <p:nvSpPr>
+          <p:cNvPr id="2" name="Titel 1">
+            <a:extLst>
+              <a:ext uri="{FF2B5EF4-FFF2-40B4-BE49-F238E27FC236}">
+                <a16:creationId xmlns:a16="http://schemas.microsoft.com/office/drawing/2014/main" id="{35BFDC70-A169-E142-B051-5ABC9190E094}"/>
+              </a:ext>
+            </a:extLst>
+          </p:cNvPr>
+          <p:cNvSpPr>
+            <a:spLocks noGrp="1"/>
+          </p:cNvSpPr>
+          <p:nvPr>
+            <p:ph type="title"/>
+          </p:nvPr>
+        </p:nvSpPr>
+        <p:spPr>
+          <a:xfrm>
+            <a:off x="0" y="0"/>
+            <a:ext cx="12191999" cy="1106905"/>
+          </a:xfrm>
+        </p:spPr>
+        <p:txBody>
+          <a:bodyPr vert="horz" lIns="91440" tIns="45720" rIns="91440" bIns="45720" rtlCol="0">
+            <a:normAutofit fontScale="90000"/>
+          </a:bodyPr>
+          <a:lstStyle/>
+          <a:p>
+            <a:pPr algn="ctr"/>
+            <a:br>
+              <a:rPr lang="en-US" sz="4000" kern="1200" dirty="0">
+                <a:solidFill>
+                  <a:schemeClr val="accent1"/>
+                </a:solidFill>
+                <a:latin typeface="+mj-lt"/>
+                <a:ea typeface="+mj-ea"/>
+                <a:cs typeface="+mj-cs"/>
+              </a:rPr>
+            </a:br>
+            <a:endParaRPr lang="en-US" sz="4000" kern="1200" dirty="0">
+              <a:solidFill>
+                <a:schemeClr val="accent1"/>
+              </a:solidFill>
+              <a:latin typeface="+mj-lt"/>
+              <a:ea typeface="+mj-ea"/>
+              <a:cs typeface="+mj-cs"/>
+            </a:endParaRPr>
+          </a:p>
+        </p:txBody>
+      </p:sp>
+      <p:sp>
+        <p:nvSpPr>
+          <p:cNvPr id="6" name="Titel 1">
+            <a:extLst>
+              <a:ext uri="{FF2B5EF4-FFF2-40B4-BE49-F238E27FC236}">
+                <a16:creationId xmlns:a16="http://schemas.microsoft.com/office/drawing/2014/main" id="{E7C2CB7B-ACCE-46AA-B361-C575579F8987}"/>
+              </a:ext>
+            </a:extLst>
+          </p:cNvPr>
+          <p:cNvSpPr txBox="1">
+            <a:spLocks/>
+          </p:cNvSpPr>
+          <p:nvPr/>
+        </p:nvSpPr>
+        <p:spPr>
+          <a:xfrm>
+            <a:off x="-1" y="705851"/>
+            <a:ext cx="12191999" cy="3753853"/>
+          </a:xfrm>
+          <a:prstGeom prst="rect">
+            <a:avLst/>
+          </a:prstGeom>
+        </p:spPr>
+        <p:txBody>
+          <a:bodyPr vert="horz" lIns="91440" tIns="45720" rIns="91440" bIns="45720" rtlCol="0" anchor="ctr">
+            <a:normAutofit/>
+          </a:bodyPr>
+          <a:lstStyle>
+            <a:lvl1pPr algn="l" defTabSz="914400" rtl="0" eaLnBrk="1" latinLnBrk="0" hangingPunct="1">
+              <a:lnSpc>
+                <a:spcPct val="90000"/>
+              </a:lnSpc>
+              <a:spcBef>
+                <a:spcPct val="0"/>
+              </a:spcBef>
+              <a:buNone/>
+              <a:defRPr sz="4400" kern="1200">
+                <a:solidFill>
+                  <a:schemeClr val="tx1"/>
+                </a:solidFill>
+                <a:latin typeface="+mj-lt"/>
+                <a:ea typeface="+mj-ea"/>
+                <a:cs typeface="+mj-cs"/>
+              </a:defRPr>
+            </a:lvl1pPr>
+          </a:lstStyle>
+          <a:p>
+            <a:pPr algn="ctr"/>
+            <a:endParaRPr lang="en-US" sz="4000" dirty="0">
+              <a:solidFill>
+                <a:schemeClr val="accent1"/>
+              </a:solidFill>
+            </a:endParaRPr>
+          </a:p>
+        </p:txBody>
+      </p:sp>
+      <p:pic>
+        <p:nvPicPr>
+          <p:cNvPr id="4" name="Grafik 3">
+            <a:extLst>
+              <a:ext uri="{FF2B5EF4-FFF2-40B4-BE49-F238E27FC236}">
+                <a16:creationId xmlns:a16="http://schemas.microsoft.com/office/drawing/2014/main" id="{9CC9583D-5C73-4A70-A2FE-E33805DE3ECD}"/>
+              </a:ext>
+            </a:extLst>
+          </p:cNvPr>
+          <p:cNvPicPr>
+            <a:picLocks noChangeAspect="1"/>
+          </p:cNvPicPr>
+          <p:nvPr/>
+        </p:nvPicPr>
+        <p:blipFill>
+          <a:blip r:embed="rId3"/>
+          <a:stretch>
+            <a:fillRect/>
+          </a:stretch>
+        </p:blipFill>
+        <p:spPr>
+          <a:xfrm>
+            <a:off x="685800" y="1209675"/>
+            <a:ext cx="10820400" cy="4438650"/>
+          </a:xfrm>
+          <a:prstGeom prst="rect">
+            <a:avLst/>
+          </a:prstGeom>
+        </p:spPr>
+      </p:pic>
+    </p:spTree>
+    <p:extLst>
+      <p:ext uri="{BB962C8B-B14F-4D97-AF65-F5344CB8AC3E}">
+        <p14:creationId xmlns:p14="http://schemas.microsoft.com/office/powerpoint/2010/main" val="976283350"/>
+      </p:ext>
+    </p:extLst>
+  </p:cSld>
+  <p:clrMapOvr>
+    <a:masterClrMapping/>
+  </p:clrMapOvr>
+</p:sld>
+</file>
+
+<file path=ppt/slides/slide21.xml><?xml version="1.0" encoding="utf-8"?>
 <p:sld xmlns:a="http://schemas.openxmlformats.org/drawingml/2006/main" xmlns:r="http://schemas.openxmlformats.org/officeDocument/2006/relationships" xmlns:p="http://schemas.openxmlformats.org/presentationml/2006/main">
   <p:cSld>
     <p:bg>
@@ -6950,7 +8934,7 @@
     </p:spTree>
     <p:extLst>
       <p:ext uri="{BB962C8B-B14F-4D97-AF65-F5344CB8AC3E}">
-        <p14:creationId xmlns:p14="http://schemas.microsoft.com/office/powerpoint/2010/main" val="3419493610"/>
+        <p14:creationId xmlns:p14="http://schemas.microsoft.com/office/powerpoint/2010/main" val="1206238072"/>
       </p:ext>
     </p:extLst>
   </p:cSld>
@@ -6960,7 +8944,7 @@
 </p:sld>
 </file>
 
-<file path=ppt/slides/slide17.xml><?xml version="1.0" encoding="utf-8"?>
+<file path=ppt/slides/slide22.xml><?xml version="1.0" encoding="utf-8"?>
 <p:sld xmlns:a="http://schemas.openxmlformats.org/drawingml/2006/main" xmlns:r="http://schemas.openxmlformats.org/officeDocument/2006/relationships" xmlns:p="http://schemas.openxmlformats.org/presentationml/2006/main">
   <p:cSld>
     <p:bg>
@@ -7085,7 +9069,15 @@
                   <a:schemeClr val="accent1"/>
                 </a:solidFill>
               </a:rPr>
-              <a:t>Endergebnis</a:t>
+              <a:t>Einführung</a:t>
+            </a:r>
+            <a:r>
+              <a:rPr lang="en-US" dirty="0">
+                <a:solidFill>
+                  <a:schemeClr val="accent1"/>
+                </a:solidFill>
+              </a:rPr>
+              <a:t> in den Code</a:t>
             </a:r>
             <a:endParaRPr lang="en-US" kern="1200" dirty="0">
               <a:solidFill>
@@ -7181,33 +9173,6 @@
           </a:bodyPr>
           <a:lstStyle/>
           <a:p>
-            <a:pPr marL="0" indent="0">
-              <a:buNone/>
-            </a:pPr>
-            <a:r>
-              <a:rPr lang="de-DE" dirty="0">
-                <a:sym typeface="Wingdings" pitchFamily="2" charset="2"/>
-              </a:rPr>
-              <a:t> Swap </a:t>
-            </a:r>
-            <a:r>
-              <a:rPr lang="de-DE" dirty="0" err="1">
-                <a:sym typeface="Wingdings" pitchFamily="2" charset="2"/>
-              </a:rPr>
-              <a:t>to</a:t>
-            </a:r>
-            <a:r>
-              <a:rPr lang="de-DE" dirty="0">
-                <a:sym typeface="Wingdings" pitchFamily="2" charset="2"/>
-              </a:rPr>
-              <a:t> </a:t>
-            </a:r>
-            <a:r>
-              <a:rPr lang="de-DE" dirty="0" err="1">
-                <a:sym typeface="Wingdings" pitchFamily="2" charset="2"/>
-              </a:rPr>
-              <a:t>Sagemath</a:t>
-            </a:r>
             <a:endParaRPr lang="de-DE" dirty="0"/>
           </a:p>
         </p:txBody>
@@ -7215,7 +9180,7 @@
     </p:spTree>
     <p:extLst>
       <p:ext uri="{BB962C8B-B14F-4D97-AF65-F5344CB8AC3E}">
-        <p14:creationId xmlns:p14="http://schemas.microsoft.com/office/powerpoint/2010/main" val="1266032376"/>
+        <p14:creationId xmlns:p14="http://schemas.microsoft.com/office/powerpoint/2010/main" val="3419493610"/>
       </p:ext>
     </p:extLst>
   </p:cSld>
@@ -7225,7 +9190,7 @@
 </p:sld>
 </file>
 
-<file path=ppt/slides/slide18.xml><?xml version="1.0" encoding="utf-8"?>
+<file path=ppt/slides/slide23.xml><?xml version="1.0" encoding="utf-8"?>
 <p:sld xmlns:a="http://schemas.openxmlformats.org/drawingml/2006/main" xmlns:r="http://schemas.openxmlformats.org/officeDocument/2006/relationships" xmlns:p="http://schemas.openxmlformats.org/presentationml/2006/main">
   <p:cSld>
     <p:bg>
@@ -7345,15 +9310,12 @@
           <a:p>
             <a:pPr algn="ctr"/>
             <a:r>
-              <a:rPr lang="en-US" kern="1200" dirty="0" err="1">
+              <a:rPr lang="en-US" dirty="0" err="1">
                 <a:solidFill>
                   <a:schemeClr val="accent1"/>
                 </a:solidFill>
-                <a:latin typeface="+mj-lt"/>
-                <a:ea typeface="+mj-ea"/>
-                <a:cs typeface="+mj-cs"/>
               </a:rPr>
-              <a:t>Fazit</a:t>
+              <a:t>Endergebnis</a:t>
             </a:r>
             <a:endParaRPr lang="en-US" kern="1200" dirty="0">
               <a:solidFill>
@@ -7452,6 +9414,30 @@
             <a:pPr marL="0" indent="0">
               <a:buNone/>
             </a:pPr>
+            <a:r>
+              <a:rPr lang="de-DE" dirty="0">
+                <a:sym typeface="Wingdings" pitchFamily="2" charset="2"/>
+              </a:rPr>
+              <a:t> Swap </a:t>
+            </a:r>
+            <a:r>
+              <a:rPr lang="de-DE" dirty="0" err="1">
+                <a:sym typeface="Wingdings" pitchFamily="2" charset="2"/>
+              </a:rPr>
+              <a:t>to</a:t>
+            </a:r>
+            <a:r>
+              <a:rPr lang="de-DE" dirty="0">
+                <a:sym typeface="Wingdings" pitchFamily="2" charset="2"/>
+              </a:rPr>
+              <a:t> </a:t>
+            </a:r>
+            <a:r>
+              <a:rPr lang="de-DE" dirty="0" err="1">
+                <a:sym typeface="Wingdings" pitchFamily="2" charset="2"/>
+              </a:rPr>
+              <a:t>Sagemath</a:t>
+            </a:r>
             <a:endParaRPr lang="de-DE" dirty="0"/>
           </a:p>
         </p:txBody>
@@ -7459,7 +9445,7 @@
     </p:spTree>
     <p:extLst>
       <p:ext uri="{BB962C8B-B14F-4D97-AF65-F5344CB8AC3E}">
-        <p14:creationId xmlns:p14="http://schemas.microsoft.com/office/powerpoint/2010/main" val="3670826346"/>
+        <p14:creationId xmlns:p14="http://schemas.microsoft.com/office/powerpoint/2010/main" val="1266032376"/>
       </p:ext>
     </p:extLst>
   </p:cSld>
@@ -7469,7 +9455,7 @@
 </p:sld>
 </file>
 
-<file path=ppt/slides/slide19.xml><?xml version="1.0" encoding="utf-8"?>
+<file path=ppt/slides/slide24.xml><?xml version="1.0" encoding="utf-8"?>
 <p:sld xmlns:a="http://schemas.openxmlformats.org/drawingml/2006/main" xmlns:r="http://schemas.openxmlformats.org/officeDocument/2006/relationships" xmlns:p="http://schemas.openxmlformats.org/presentationml/2006/main">
   <p:cSld>
     <p:bg>
@@ -7577,8 +9563,8 @@
         </p:nvSpPr>
         <p:spPr>
           <a:xfrm>
-            <a:off x="401956" y="963877"/>
-            <a:ext cx="4171949" cy="4930246"/>
+            <a:off x="861390" y="963877"/>
+            <a:ext cx="3471171" cy="4930246"/>
           </a:xfrm>
         </p:spPr>
         <p:txBody>
@@ -7589,7 +9575,7 @@
           <a:p>
             <a:pPr algn="ctr"/>
             <a:r>
-              <a:rPr lang="en-US" sz="4000" kern="1200" dirty="0" err="1">
+              <a:rPr lang="en-US" kern="1200" dirty="0" err="1">
                 <a:solidFill>
                   <a:schemeClr val="accent1"/>
                 </a:solidFill>
@@ -7597,9 +9583,9 @@
                 <a:ea typeface="+mj-ea"/>
                 <a:cs typeface="+mj-cs"/>
               </a:rPr>
-              <a:t>Quellen</a:t>
-            </a:r>
-            <a:endParaRPr lang="en-US" sz="4000" kern="1200" dirty="0">
+              <a:t>Fazit</a:t>
+            </a:r>
+            <a:endParaRPr lang="en-US" kern="1200" dirty="0">
               <a:solidFill>
                 <a:schemeClr val="accent1"/>
               </a:solidFill>
@@ -7670,7 +9656,7 @@
           <p:cNvPr id="8" name="Inhaltsplatzhalter 4">
             <a:extLst>
               <a:ext uri="{FF2B5EF4-FFF2-40B4-BE49-F238E27FC236}">
-                <a16:creationId xmlns:a16="http://schemas.microsoft.com/office/drawing/2014/main" id="{C28895E4-2A18-3F46-B985-F6164DBE329F}"/>
+                <a16:creationId xmlns:a16="http://schemas.microsoft.com/office/drawing/2014/main" id="{A8E625C4-6DB1-9D42-BFEA-DE37A6F928F3}"/>
               </a:ext>
             </a:extLst>
           </p:cNvPr>
@@ -7688,44 +9674,14 @@
           </a:xfrm>
         </p:spPr>
         <p:txBody>
-          <a:bodyPr>
+          <a:bodyPr anchor="ctr">
             <a:normAutofit/>
           </a:bodyPr>
           <a:lstStyle/>
           <a:p>
-            <a:r>
-              <a:rPr lang="de-DE" sz="1400" dirty="0">
-                <a:hlinkClick r:id="rId3"/>
-              </a:rPr>
-              <a:t>http://page.mi.fu-berlin.de/alt/vorlesungen/sem0809/folien-polcwiartek.pdf</a:t>
-            </a:r>
-            <a:endParaRPr lang="de-DE" sz="1400" dirty="0"/>
-          </a:p>
-          <a:p>
-            <a:r>
-              <a:rPr lang="de-DE" sz="1400" dirty="0">
-                <a:hlinkClick r:id="rId4"/>
-              </a:rPr>
-              <a:t>https://www.net.in.tum.de/fileadmin/TUM/NET/NET-2012-04-1/NET-2012-04-1_05.pdf</a:t>
-            </a:r>
-            <a:endParaRPr lang="de-DE" sz="1400" dirty="0"/>
-          </a:p>
-          <a:p>
-            <a:r>
-              <a:rPr lang="de-DE" sz="1400" dirty="0">
-                <a:hlinkClick r:id="rId5"/>
-              </a:rPr>
-              <a:t>https://www-m9.ma.tum.de/Allgemeines/GraphAlgorithmen</a:t>
-            </a:r>
-            <a:endParaRPr lang="de-DE" sz="1400"/>
-          </a:p>
-          <a:p>
-            <a:endParaRPr lang="de-DE" sz="1400" dirty="0"/>
-          </a:p>
-          <a:p>
-            <a:endParaRPr lang="de-DE" sz="1400" dirty="0"/>
-          </a:p>
-          <a:p>
+            <a:pPr marL="0" indent="0">
+              <a:buNone/>
+            </a:pPr>
             <a:endParaRPr lang="de-DE" dirty="0"/>
           </a:p>
         </p:txBody>
@@ -7733,7 +9689,7 @@
     </p:spTree>
     <p:extLst>
       <p:ext uri="{BB962C8B-B14F-4D97-AF65-F5344CB8AC3E}">
-        <p14:creationId xmlns:p14="http://schemas.microsoft.com/office/powerpoint/2010/main" val="2918339293"/>
+        <p14:creationId xmlns:p14="http://schemas.microsoft.com/office/powerpoint/2010/main" val="3670826346"/>
       </p:ext>
     </p:extLst>
   </p:cSld>
@@ -7743,7 +9699,7 @@
 </p:sld>
 </file>
 
-<file path=ppt/slides/slide2.xml><?xml version="1.0" encoding="utf-8"?>
+<file path=ppt/slides/slide25.xml><?xml version="1.0" encoding="utf-8"?>
 <p:sld xmlns:a="http://schemas.openxmlformats.org/drawingml/2006/main" xmlns:r="http://schemas.openxmlformats.org/officeDocument/2006/relationships" xmlns:p="http://schemas.openxmlformats.org/presentationml/2006/main">
   <p:cSld>
     <p:bg>
@@ -7770,7 +9726,7 @@
       </p:grpSpPr>
       <p:sp>
         <p:nvSpPr>
-          <p:cNvPr id="8" name="Rectangle 7">
+          <p:cNvPr id="19" name="Rectangle 18">
             <a:extLst>
               <a:ext uri="{FF2B5EF4-FFF2-40B4-BE49-F238E27FC236}">
                 <a16:creationId xmlns:a16="http://schemas.microsoft.com/office/drawing/2014/main" id="{8D70B121-56F4-4848-B38B-182089D909FA}"/>
@@ -7838,7 +9794,7 @@
           <p:cNvPr id="2" name="Titel 1">
             <a:extLst>
               <a:ext uri="{FF2B5EF4-FFF2-40B4-BE49-F238E27FC236}">
-                <a16:creationId xmlns:a16="http://schemas.microsoft.com/office/drawing/2014/main" id="{0B5D0F8F-C92F-BC46-ACC4-7A21698DD272}"/>
+                <a16:creationId xmlns:a16="http://schemas.microsoft.com/office/drawing/2014/main" id="{35BFDC70-A169-E142-B051-5ABC9190E094}"/>
               </a:ext>
             </a:extLst>
           </p:cNvPr>
@@ -7851,31 +9807,42 @@
         </p:nvSpPr>
         <p:spPr>
           <a:xfrm>
-            <a:off x="838200" y="963877"/>
-            <a:ext cx="3494362" cy="4930246"/>
+            <a:off x="401956" y="963877"/>
+            <a:ext cx="4171949" cy="4930246"/>
           </a:xfrm>
         </p:spPr>
         <p:txBody>
-          <a:bodyPr>
+          <a:bodyPr vert="horz" lIns="91440" tIns="45720" rIns="91440" bIns="45720" rtlCol="0">
             <a:normAutofit/>
           </a:bodyPr>
           <a:lstStyle/>
           <a:p>
-            <a:pPr algn="r"/>
-            <a:r>
-              <a:rPr lang="de-DE" dirty="0">
+            <a:pPr algn="ctr"/>
+            <a:r>
+              <a:rPr lang="en-US" sz="4000" kern="1200" dirty="0" err="1">
                 <a:solidFill>
                   <a:schemeClr val="accent1"/>
                 </a:solidFill>
+                <a:latin typeface="+mj-lt"/>
+                <a:ea typeface="+mj-ea"/>
+                <a:cs typeface="+mj-cs"/>
               </a:rPr>
-              <a:t>Gliederung	</a:t>
-            </a:r>
+              <a:t>Quellen</a:t>
+            </a:r>
+            <a:endParaRPr lang="en-US" sz="4000" kern="1200" dirty="0">
+              <a:solidFill>
+                <a:schemeClr val="accent1"/>
+              </a:solidFill>
+              <a:latin typeface="+mj-lt"/>
+              <a:ea typeface="+mj-ea"/>
+              <a:cs typeface="+mj-cs"/>
+            </a:endParaRPr>
           </a:p>
         </p:txBody>
       </p:sp>
       <p:cxnSp>
         <p:nvCxnSpPr>
-          <p:cNvPr id="10" name="Straight Connector 9">
+          <p:cNvPr id="21" name="Straight Connector 20">
             <a:extLst>
               <a:ext uri="{FF2B5EF4-FFF2-40B4-BE49-F238E27FC236}">
                 <a16:creationId xmlns:a16="http://schemas.microsoft.com/office/drawing/2014/main" id="{2D72A2C9-F3CA-4216-8BAD-FA4C970C3C4E}"/>
@@ -7930,10 +9897,10 @@
       </p:cxnSp>
       <p:sp>
         <p:nvSpPr>
-          <p:cNvPr id="3" name="Inhaltsplatzhalter 2">
-            <a:extLst>
-              <a:ext uri="{FF2B5EF4-FFF2-40B4-BE49-F238E27FC236}">
-                <a16:creationId xmlns:a16="http://schemas.microsoft.com/office/drawing/2014/main" id="{692C889E-3E0C-9E40-9512-4230892B2B42}"/>
+          <p:cNvPr id="8" name="Inhaltsplatzhalter 4">
+            <a:extLst>
+              <a:ext uri="{FF2B5EF4-FFF2-40B4-BE49-F238E27FC236}">
+                <a16:creationId xmlns:a16="http://schemas.microsoft.com/office/drawing/2014/main" id="{C28895E4-2A18-3F46-B985-F6164DBE329F}"/>
               </a:ext>
             </a:extLst>
           </p:cNvPr>
@@ -7946,86 +9913,57 @@
         </p:nvSpPr>
         <p:spPr>
           <a:xfrm>
-            <a:off x="4976031" y="963877"/>
-            <a:ext cx="6377769" cy="4930246"/>
+            <a:off x="5097419" y="963877"/>
+            <a:ext cx="5686424" cy="4930246"/>
           </a:xfrm>
         </p:spPr>
         <p:txBody>
-          <a:bodyPr anchor="ctr">
+          <a:bodyPr>
             <a:normAutofit/>
           </a:bodyPr>
           <a:lstStyle/>
           <a:p>
             <a:r>
-              <a:rPr lang="de-DE" sz="2400" dirty="0"/>
-              <a:t>Einführung in das Thema</a:t>
-            </a:r>
-          </a:p>
-          <a:p>
-            <a:r>
-              <a:rPr lang="de-DE" sz="2400" dirty="0"/>
-              <a:t>Theoretische Grundlagen</a:t>
-            </a:r>
-          </a:p>
-          <a:p>
-            <a:pPr lvl="1"/>
-            <a:r>
-              <a:rPr lang="de-DE" sz="2000" dirty="0"/>
-              <a:t>Einführung</a:t>
-            </a:r>
-          </a:p>
-          <a:p>
-            <a:pPr lvl="1"/>
-            <a:r>
-              <a:rPr lang="de-DE" sz="2000" dirty="0"/>
-              <a:t>Anwendungen</a:t>
-            </a:r>
-          </a:p>
-          <a:p>
-            <a:r>
-              <a:rPr lang="de-DE" sz="2400" dirty="0"/>
-              <a:t>Aufgabenstellung</a:t>
-            </a:r>
-          </a:p>
-          <a:p>
-            <a:r>
-              <a:rPr lang="de-DE" sz="2400" dirty="0"/>
-              <a:t>Implementierung</a:t>
-            </a:r>
-          </a:p>
-          <a:p>
-            <a:pPr lvl="1"/>
-            <a:r>
-              <a:rPr lang="de-DE" sz="2000" dirty="0"/>
-              <a:t>Herangehensweise </a:t>
-            </a:r>
-          </a:p>
-          <a:p>
-            <a:pPr lvl="1"/>
-            <a:r>
-              <a:rPr lang="de-DE" sz="2000" dirty="0"/>
-              <a:t>Einführung in den Code</a:t>
-            </a:r>
-          </a:p>
-          <a:p>
-            <a:pPr lvl="1"/>
-            <a:r>
-              <a:rPr lang="de-DE" sz="2000" dirty="0"/>
-              <a:t>Präsentation des Ergebnisses</a:t>
-            </a:r>
-          </a:p>
-          <a:p>
-            <a:r>
-              <a:rPr lang="de-DE" sz="2400" dirty="0"/>
-              <a:t>Fazit </a:t>
-            </a:r>
+              <a:rPr lang="de-DE" sz="1400" dirty="0">
+                <a:hlinkClick r:id="rId3"/>
+              </a:rPr>
+              <a:t>http://page.mi.fu-berlin.de/alt/vorlesungen/sem0809/folien-polcwiartek.pdf</a:t>
+            </a:r>
+            <a:endParaRPr lang="de-DE" sz="1400" dirty="0"/>
+          </a:p>
+          <a:p>
+            <a:r>
+              <a:rPr lang="de-DE" sz="1400" dirty="0">
+                <a:hlinkClick r:id="rId4"/>
+              </a:rPr>
+              <a:t>https://www.net.in.tum.de/fileadmin/TUM/NET/NET-2012-04-1/NET-2012-04-1_05.pdf</a:t>
+            </a:r>
+            <a:endParaRPr lang="de-DE" sz="1400" dirty="0"/>
+          </a:p>
+          <a:p>
+            <a:r>
+              <a:rPr lang="de-DE" sz="1400" dirty="0">
+                <a:hlinkClick r:id="rId5"/>
+              </a:rPr>
+              <a:t>https://www-m9.ma.tum.de/Allgemeines/GraphAlgorithmen</a:t>
+            </a:r>
+            <a:endParaRPr lang="de-DE" sz="1400"/>
+          </a:p>
+          <a:p>
+            <a:endParaRPr lang="de-DE" sz="1400" dirty="0"/>
+          </a:p>
+          <a:p>
+            <a:endParaRPr lang="de-DE" sz="1400" dirty="0"/>
+          </a:p>
+          <a:p>
+            <a:endParaRPr lang="de-DE" dirty="0"/>
           </a:p>
         </p:txBody>
       </p:sp>
     </p:spTree>
     <p:extLst>
       <p:ext uri="{BB962C8B-B14F-4D97-AF65-F5344CB8AC3E}">
-        <p14:creationId xmlns:p14="http://schemas.microsoft.com/office/powerpoint/2010/main" val="1278949465"/>
+        <p14:creationId xmlns:p14="http://schemas.microsoft.com/office/powerpoint/2010/main" val="2918339293"/>
       </p:ext>
     </p:extLst>
   </p:cSld>
@@ -8035,7 +9973,7 @@
 </p:sld>
 </file>
 
-<file path=ppt/slides/slide20.xml><?xml version="1.0" encoding="utf-8"?>
+<file path=ppt/slides/slide26.xml><?xml version="1.0" encoding="utf-8"?>
 <p:sld xmlns:a="http://schemas.openxmlformats.org/drawingml/2006/main" xmlns:r="http://schemas.openxmlformats.org/officeDocument/2006/relationships" xmlns:p="http://schemas.openxmlformats.org/presentationml/2006/main">
   <p:cSld>
     <p:bg>
@@ -8769,8 +10707,8 @@
           </a:fontRef>
         </p:style>
       </p:cxnSp>
-      <mc:AlternateContent xmlns:mc="http://schemas.openxmlformats.org/markup-compatibility/2006">
-        <mc:Choice xmlns:pslz="http://schemas.microsoft.com/office/powerpoint/2016/slidezoom" Requires="pslz">
+      <mc:AlternateContent xmlns:mc="http://schemas.openxmlformats.org/markup-compatibility/2006" xmlns:pslz="http://schemas.microsoft.com/office/powerpoint/2016/slidezoom">
+        <mc:Choice Requires="pslz">
           <p:graphicFrame>
             <p:nvGraphicFramePr>
               <p:cNvPr id="7" name="Folienzoom 6">
@@ -8827,7 +10765,7 @@
             </a:graphic>
           </p:graphicFrame>
         </mc:Choice>
-        <mc:Fallback>
+        <mc:Fallback xmlns="">
           <p:pic>
             <p:nvPicPr>
               <p:cNvPr id="7" name="Folienzoom 6">
@@ -8844,7 +10782,7 @@
               <p:nvPr/>
             </p:nvPicPr>
             <p:blipFill>
-              <a:blip r:embed="rId3"/>
+              <a:blip r:embed="rId5"/>
               <a:stretch>
                 <a:fillRect/>
               </a:stretch>

--- a/Praktikum_6/Abgabe 6.pptx
+++ b/Praktikum_6/Abgabe 6.pptx
@@ -5,35 +5,36 @@
     <p:sldMasterId id="2147483648" r:id="rId1"/>
   </p:sldMasterIdLst>
   <p:notesMasterIdLst>
-    <p:notesMasterId r:id="rId28"/>
+    <p:notesMasterId r:id="rId29"/>
   </p:notesMasterIdLst>
   <p:sldIdLst>
     <p:sldId id="256" r:id="rId2"/>
     <p:sldId id="257" r:id="rId3"/>
     <p:sldId id="286" r:id="rId4"/>
-    <p:sldId id="284" r:id="rId5"/>
-    <p:sldId id="289" r:id="rId6"/>
-    <p:sldId id="268" r:id="rId7"/>
-    <p:sldId id="282" r:id="rId8"/>
-    <p:sldId id="283" r:id="rId9"/>
-    <p:sldId id="288" r:id="rId10"/>
-    <p:sldId id="265" r:id="rId11"/>
-    <p:sldId id="280" r:id="rId12"/>
-    <p:sldId id="266" r:id="rId13"/>
-    <p:sldId id="275" r:id="rId14"/>
-    <p:sldId id="285" r:id="rId15"/>
-    <p:sldId id="297" r:id="rId16"/>
-    <p:sldId id="299" r:id="rId17"/>
-    <p:sldId id="298" r:id="rId18"/>
-    <p:sldId id="301" r:id="rId19"/>
-    <p:sldId id="295" r:id="rId20"/>
-    <p:sldId id="296" r:id="rId21"/>
-    <p:sldId id="290" r:id="rId22"/>
-    <p:sldId id="291" r:id="rId23"/>
-    <p:sldId id="292" r:id="rId24"/>
-    <p:sldId id="293" r:id="rId25"/>
-    <p:sldId id="281" r:id="rId26"/>
-    <p:sldId id="277" r:id="rId27"/>
+    <p:sldId id="302" r:id="rId5"/>
+    <p:sldId id="284" r:id="rId6"/>
+    <p:sldId id="289" r:id="rId7"/>
+    <p:sldId id="268" r:id="rId8"/>
+    <p:sldId id="282" r:id="rId9"/>
+    <p:sldId id="283" r:id="rId10"/>
+    <p:sldId id="288" r:id="rId11"/>
+    <p:sldId id="265" r:id="rId12"/>
+    <p:sldId id="280" r:id="rId13"/>
+    <p:sldId id="266" r:id="rId14"/>
+    <p:sldId id="275" r:id="rId15"/>
+    <p:sldId id="285" r:id="rId16"/>
+    <p:sldId id="297" r:id="rId17"/>
+    <p:sldId id="299" r:id="rId18"/>
+    <p:sldId id="298" r:id="rId19"/>
+    <p:sldId id="301" r:id="rId20"/>
+    <p:sldId id="295" r:id="rId21"/>
+    <p:sldId id="296" r:id="rId22"/>
+    <p:sldId id="290" r:id="rId23"/>
+    <p:sldId id="291" r:id="rId24"/>
+    <p:sldId id="292" r:id="rId25"/>
+    <p:sldId id="293" r:id="rId26"/>
+    <p:sldId id="281" r:id="rId27"/>
+    <p:sldId id="277" r:id="rId28"/>
   </p:sldIdLst>
   <p:sldSz cx="12192000" cy="6858000"/>
   <p:notesSz cx="6858000" cy="9144000"/>
@@ -622,7 +623,7 @@
     </p:spTree>
     <p:extLst>
       <p:ext uri="{BB962C8B-B14F-4D97-AF65-F5344CB8AC3E}">
-        <p14:creationId xmlns:p14="http://schemas.microsoft.com/office/powerpoint/2010/main" val="4218874713"/>
+        <p14:creationId xmlns:p14="http://schemas.microsoft.com/office/powerpoint/2010/main" val="3907381587"/>
       </p:ext>
     </p:extLst>
   </p:cSld>
@@ -706,7 +707,7 @@
     </p:spTree>
     <p:extLst>
       <p:ext uri="{BB962C8B-B14F-4D97-AF65-F5344CB8AC3E}">
-        <p14:creationId xmlns:p14="http://schemas.microsoft.com/office/powerpoint/2010/main" val="3958004286"/>
+        <p14:creationId xmlns:p14="http://schemas.microsoft.com/office/powerpoint/2010/main" val="4218874713"/>
       </p:ext>
     </p:extLst>
   </p:cSld>
@@ -790,7 +791,7 @@
     </p:spTree>
     <p:extLst>
       <p:ext uri="{BB962C8B-B14F-4D97-AF65-F5344CB8AC3E}">
-        <p14:creationId xmlns:p14="http://schemas.microsoft.com/office/powerpoint/2010/main" val="2529288501"/>
+        <p14:creationId xmlns:p14="http://schemas.microsoft.com/office/powerpoint/2010/main" val="3958004286"/>
       </p:ext>
     </p:extLst>
   </p:cSld>
@@ -874,7 +875,7 @@
     </p:spTree>
     <p:extLst>
       <p:ext uri="{BB962C8B-B14F-4D97-AF65-F5344CB8AC3E}">
-        <p14:creationId xmlns:p14="http://schemas.microsoft.com/office/powerpoint/2010/main" val="2881906443"/>
+        <p14:creationId xmlns:p14="http://schemas.microsoft.com/office/powerpoint/2010/main" val="2529288501"/>
       </p:ext>
     </p:extLst>
   </p:cSld>
@@ -958,7 +959,7 @@
     </p:spTree>
     <p:extLst>
       <p:ext uri="{BB962C8B-B14F-4D97-AF65-F5344CB8AC3E}">
-        <p14:creationId xmlns:p14="http://schemas.microsoft.com/office/powerpoint/2010/main" val="2244615714"/>
+        <p14:creationId xmlns:p14="http://schemas.microsoft.com/office/powerpoint/2010/main" val="2881906443"/>
       </p:ext>
     </p:extLst>
   </p:cSld>
@@ -1033,7 +1034,7 @@
           <a:p>
             <a:fld id="{52267A27-16C0-714D-83C5-54B46B511F52}" type="slidenum">
               <a:rPr lang="de-DE" smtClean="0"/>
-              <a:t>17</a:t>
+              <a:t>16</a:t>
             </a:fld>
             <a:endParaRPr lang="de-DE"/>
           </a:p>
@@ -1042,7 +1043,7 @@
     </p:spTree>
     <p:extLst>
       <p:ext uri="{BB962C8B-B14F-4D97-AF65-F5344CB8AC3E}">
-        <p14:creationId xmlns:p14="http://schemas.microsoft.com/office/powerpoint/2010/main" val="674328114"/>
+        <p14:creationId xmlns:p14="http://schemas.microsoft.com/office/powerpoint/2010/main" val="2244615714"/>
       </p:ext>
     </p:extLst>
   </p:cSld>
@@ -1126,7 +1127,7 @@
     </p:spTree>
     <p:extLst>
       <p:ext uri="{BB962C8B-B14F-4D97-AF65-F5344CB8AC3E}">
-        <p14:creationId xmlns:p14="http://schemas.microsoft.com/office/powerpoint/2010/main" val="695971297"/>
+        <p14:creationId xmlns:p14="http://schemas.microsoft.com/office/powerpoint/2010/main" val="674328114"/>
       </p:ext>
     </p:extLst>
   </p:cSld>
@@ -1210,7 +1211,7 @@
     </p:spTree>
     <p:extLst>
       <p:ext uri="{BB962C8B-B14F-4D97-AF65-F5344CB8AC3E}">
-        <p14:creationId xmlns:p14="http://schemas.microsoft.com/office/powerpoint/2010/main" val="336732748"/>
+        <p14:creationId xmlns:p14="http://schemas.microsoft.com/office/powerpoint/2010/main" val="695971297"/>
       </p:ext>
     </p:extLst>
   </p:cSld>
@@ -1294,7 +1295,7 @@
     </p:spTree>
     <p:extLst>
       <p:ext uri="{BB962C8B-B14F-4D97-AF65-F5344CB8AC3E}">
-        <p14:creationId xmlns:p14="http://schemas.microsoft.com/office/powerpoint/2010/main" val="1442763933"/>
+        <p14:creationId xmlns:p14="http://schemas.microsoft.com/office/powerpoint/2010/main" val="336732748"/>
       </p:ext>
     </p:extLst>
   </p:cSld>
@@ -1378,7 +1379,7 @@
     </p:spTree>
     <p:extLst>
       <p:ext uri="{BB962C8B-B14F-4D97-AF65-F5344CB8AC3E}">
-        <p14:creationId xmlns:p14="http://schemas.microsoft.com/office/powerpoint/2010/main" val="2444864727"/>
+        <p14:creationId xmlns:p14="http://schemas.microsoft.com/office/powerpoint/2010/main" val="1442763933"/>
       </p:ext>
     </p:extLst>
   </p:cSld>
@@ -1546,7 +1547,7 @@
     </p:spTree>
     <p:extLst>
       <p:ext uri="{BB962C8B-B14F-4D97-AF65-F5344CB8AC3E}">
-        <p14:creationId xmlns:p14="http://schemas.microsoft.com/office/powerpoint/2010/main" val="3149404558"/>
+        <p14:creationId xmlns:p14="http://schemas.microsoft.com/office/powerpoint/2010/main" val="2444864727"/>
       </p:ext>
     </p:extLst>
   </p:cSld>
@@ -1630,7 +1631,7 @@
     </p:spTree>
     <p:extLst>
       <p:ext uri="{BB962C8B-B14F-4D97-AF65-F5344CB8AC3E}">
-        <p14:creationId xmlns:p14="http://schemas.microsoft.com/office/powerpoint/2010/main" val="643875343"/>
+        <p14:creationId xmlns:p14="http://schemas.microsoft.com/office/powerpoint/2010/main" val="3149404558"/>
       </p:ext>
     </p:extLst>
   </p:cSld>
@@ -1714,7 +1715,7 @@
     </p:spTree>
     <p:extLst>
       <p:ext uri="{BB962C8B-B14F-4D97-AF65-F5344CB8AC3E}">
-        <p14:creationId xmlns:p14="http://schemas.microsoft.com/office/powerpoint/2010/main" val="601079304"/>
+        <p14:creationId xmlns:p14="http://schemas.microsoft.com/office/powerpoint/2010/main" val="643875343"/>
       </p:ext>
     </p:extLst>
   </p:cSld>
@@ -1790,6 +1791,90 @@
             <a:fld id="{52267A27-16C0-714D-83C5-54B46B511F52}" type="slidenum">
               <a:rPr lang="de-DE" smtClean="0"/>
               <a:t>25</a:t>
+            </a:fld>
+            <a:endParaRPr lang="de-DE"/>
+          </a:p>
+        </p:txBody>
+      </p:sp>
+    </p:spTree>
+    <p:extLst>
+      <p:ext uri="{BB962C8B-B14F-4D97-AF65-F5344CB8AC3E}">
+        <p14:creationId xmlns:p14="http://schemas.microsoft.com/office/powerpoint/2010/main" val="601079304"/>
+      </p:ext>
+    </p:extLst>
+  </p:cSld>
+  <p:clrMapOvr>
+    <a:masterClrMapping/>
+  </p:clrMapOvr>
+</p:notes>
+</file>
+
+<file path=ppt/notesSlides/notesSlide24.xml><?xml version="1.0" encoding="utf-8"?>
+<p:notes xmlns:a="http://schemas.openxmlformats.org/drawingml/2006/main" xmlns:r="http://schemas.openxmlformats.org/officeDocument/2006/relationships" xmlns:p="http://schemas.openxmlformats.org/presentationml/2006/main">
+  <p:cSld>
+    <p:spTree>
+      <p:nvGrpSpPr>
+        <p:cNvPr id="1" name=""/>
+        <p:cNvGrpSpPr/>
+        <p:nvPr/>
+      </p:nvGrpSpPr>
+      <p:grpSpPr>
+        <a:xfrm>
+          <a:off x="0" y="0"/>
+          <a:ext cx="0" cy="0"/>
+          <a:chOff x="0" y="0"/>
+          <a:chExt cx="0" cy="0"/>
+        </a:xfrm>
+      </p:grpSpPr>
+      <p:sp>
+        <p:nvSpPr>
+          <p:cNvPr id="2" name="Folienbildplatzhalter 1"/>
+          <p:cNvSpPr>
+            <a:spLocks noGrp="1" noRot="1" noChangeAspect="1"/>
+          </p:cNvSpPr>
+          <p:nvPr>
+            <p:ph type="sldImg"/>
+          </p:nvPr>
+        </p:nvSpPr>
+        <p:spPr/>
+      </p:sp>
+      <p:sp>
+        <p:nvSpPr>
+          <p:cNvPr id="3" name="Notizenplatzhalter 2"/>
+          <p:cNvSpPr>
+            <a:spLocks noGrp="1"/>
+          </p:cNvSpPr>
+          <p:nvPr>
+            <p:ph type="body" idx="1"/>
+          </p:nvPr>
+        </p:nvSpPr>
+        <p:spPr/>
+        <p:txBody>
+          <a:bodyPr/>
+          <a:lstStyle/>
+          <a:p>
+            <a:endParaRPr lang="de-DE" dirty="0"/>
+          </a:p>
+        </p:txBody>
+      </p:sp>
+      <p:sp>
+        <p:nvSpPr>
+          <p:cNvPr id="4" name="Foliennummernplatzhalter 3"/>
+          <p:cNvSpPr>
+            <a:spLocks noGrp="1"/>
+          </p:cNvSpPr>
+          <p:nvPr>
+            <p:ph type="sldNum" sz="quarter" idx="5"/>
+          </p:nvPr>
+        </p:nvSpPr>
+        <p:spPr/>
+        <p:txBody>
+          <a:bodyPr/>
+          <a:lstStyle/>
+          <a:p>
+            <a:fld id="{52267A27-16C0-714D-83C5-54B46B511F52}" type="slidenum">
+              <a:rPr lang="de-DE" smtClean="0"/>
+              <a:t>26</a:t>
             </a:fld>
             <a:endParaRPr lang="de-DE"/>
           </a:p>
@@ -1871,18 +1956,78 @@
           <a:bodyPr/>
           <a:lstStyle/>
           <a:p>
+            <a:pPr marL="0" marR="0" lvl="0" indent="0" algn="r" defTabSz="914400" rtl="0" eaLnBrk="1" fontAlgn="auto" latinLnBrk="0" hangingPunct="1">
+              <a:lnSpc>
+                <a:spcPct val="100000"/>
+              </a:lnSpc>
+              <a:spcBef>
+                <a:spcPts val="0"/>
+              </a:spcBef>
+              <a:spcAft>
+                <a:spcPts val="0"/>
+              </a:spcAft>
+              <a:buClrTx/>
+              <a:buSzTx/>
+              <a:buFontTx/>
+              <a:buNone/>
+              <a:tabLst/>
+              <a:defRPr/>
+            </a:pPr>
             <a:fld id="{52267A27-16C0-714D-83C5-54B46B511F52}" type="slidenum">
-              <a:rPr lang="de-DE" smtClean="0"/>
+              <a:rPr kumimoji="0" lang="de-DE" sz="1200" b="0" i="0" u="none" strike="noStrike" kern="1200" cap="none" spc="0" normalizeH="0" baseline="0" noProof="0" smtClean="0">
+                <a:ln>
+                  <a:noFill/>
+                </a:ln>
+                <a:solidFill>
+                  <a:prstClr val="black"/>
+                </a:solidFill>
+                <a:effectLst/>
+                <a:uLnTx/>
+                <a:uFillTx/>
+                <a:latin typeface="Calibri" panose="020F0502020204030204"/>
+                <a:ea typeface="+mn-ea"/>
+                <a:cs typeface="+mn-cs"/>
+              </a:rPr>
+              <a:pPr marL="0" marR="0" lvl="0" indent="0" algn="r" defTabSz="914400" rtl="0" eaLnBrk="1" fontAlgn="auto" latinLnBrk="0" hangingPunct="1">
+                <a:lnSpc>
+                  <a:spcPct val="100000"/>
+                </a:lnSpc>
+                <a:spcBef>
+                  <a:spcPts val="0"/>
+                </a:spcBef>
+                <a:spcAft>
+                  <a:spcPts val="0"/>
+                </a:spcAft>
+                <a:buClrTx/>
+                <a:buSzTx/>
+                <a:buFontTx/>
+                <a:buNone/>
+                <a:tabLst/>
+                <a:defRPr/>
+              </a:pPr>
               <a:t>4</a:t>
             </a:fld>
-            <a:endParaRPr lang="de-DE"/>
+            <a:endParaRPr kumimoji="0" lang="de-DE" sz="1200" b="0" i="0" u="none" strike="noStrike" kern="1200" cap="none" spc="0" normalizeH="0" baseline="0" noProof="0">
+              <a:ln>
+                <a:noFill/>
+              </a:ln>
+              <a:solidFill>
+                <a:prstClr val="black"/>
+              </a:solidFill>
+              <a:effectLst/>
+              <a:uLnTx/>
+              <a:uFillTx/>
+              <a:latin typeface="Calibri" panose="020F0502020204030204"/>
+              <a:ea typeface="+mn-ea"/>
+              <a:cs typeface="+mn-cs"/>
+            </a:endParaRPr>
           </a:p>
         </p:txBody>
       </p:sp>
     </p:spTree>
     <p:extLst>
       <p:ext uri="{BB962C8B-B14F-4D97-AF65-F5344CB8AC3E}">
-        <p14:creationId xmlns:p14="http://schemas.microsoft.com/office/powerpoint/2010/main" val="853026391"/>
+        <p14:creationId xmlns:p14="http://schemas.microsoft.com/office/powerpoint/2010/main" val="1713659963"/>
       </p:ext>
     </p:extLst>
   </p:cSld>
@@ -1966,7 +2111,7 @@
     </p:spTree>
     <p:extLst>
       <p:ext uri="{BB962C8B-B14F-4D97-AF65-F5344CB8AC3E}">
-        <p14:creationId xmlns:p14="http://schemas.microsoft.com/office/powerpoint/2010/main" val="602064135"/>
+        <p14:creationId xmlns:p14="http://schemas.microsoft.com/office/powerpoint/2010/main" val="853026391"/>
       </p:ext>
     </p:extLst>
   </p:cSld>
@@ -2050,7 +2195,7 @@
     </p:spTree>
     <p:extLst>
       <p:ext uri="{BB962C8B-B14F-4D97-AF65-F5344CB8AC3E}">
-        <p14:creationId xmlns:p14="http://schemas.microsoft.com/office/powerpoint/2010/main" val="610810168"/>
+        <p14:creationId xmlns:p14="http://schemas.microsoft.com/office/powerpoint/2010/main" val="602064135"/>
       </p:ext>
     </p:extLst>
   </p:cSld>
@@ -2134,7 +2279,7 @@
     </p:spTree>
     <p:extLst>
       <p:ext uri="{BB962C8B-B14F-4D97-AF65-F5344CB8AC3E}">
-        <p14:creationId xmlns:p14="http://schemas.microsoft.com/office/powerpoint/2010/main" val="146550146"/>
+        <p14:creationId xmlns:p14="http://schemas.microsoft.com/office/powerpoint/2010/main" val="610810168"/>
       </p:ext>
     </p:extLst>
   </p:cSld>
@@ -2188,48 +2333,7 @@
           <a:bodyPr/>
           <a:lstStyle/>
           <a:p>
-            <a:r>
-              <a:rPr lang="de-DE" u="sng" dirty="0"/>
-              <a:t>Komm:</a:t>
-            </a:r>
-          </a:p>
-          <a:p>
-            <a:r>
-              <a:rPr lang="de-DE" u="none" dirty="0"/>
-              <a:t>Knoten = Telefone, Modems, Server, etc.; Kanten = Datenleitung</a:t>
-            </a:r>
-          </a:p>
-          <a:p>
-            <a:r>
-              <a:rPr lang="de-DE" u="sng" dirty="0"/>
-              <a:t>Gantt:</a:t>
-            </a:r>
-          </a:p>
-          <a:p>
-            <a:pPr marL="0" marR="0" lvl="0" indent="0" algn="l" defTabSz="914400" rtl="0" eaLnBrk="1" fontAlgn="auto" latinLnBrk="0" hangingPunct="1">
-              <a:lnSpc>
-                <a:spcPct val="100000"/>
-              </a:lnSpc>
-              <a:spcBef>
-                <a:spcPts val="0"/>
-              </a:spcBef>
-              <a:spcAft>
-                <a:spcPts val="0"/>
-              </a:spcAft>
-              <a:buClrTx/>
-              <a:buSzTx/>
-              <a:buFontTx/>
-              <a:buNone/>
-              <a:tabLst/>
-              <a:defRPr/>
-            </a:pPr>
-            <a:r>
-              <a:rPr lang="de-DE" sz="1200" dirty="0"/>
-              <a:t>Knoten = Abschnitte des Projektes; Kanten = Abhängigkeiten zw. Abschnitte</a:t>
-            </a:r>
-          </a:p>
-          <a:p>
-            <a:endParaRPr lang="de-DE" u="sng" dirty="0"/>
+            <a:endParaRPr lang="de-DE" dirty="0"/>
           </a:p>
         </p:txBody>
       </p:sp>
@@ -2259,7 +2363,7 @@
     </p:spTree>
     <p:extLst>
       <p:ext uri="{BB962C8B-B14F-4D97-AF65-F5344CB8AC3E}">
-        <p14:creationId xmlns:p14="http://schemas.microsoft.com/office/powerpoint/2010/main" val="2423030066"/>
+        <p14:creationId xmlns:p14="http://schemas.microsoft.com/office/powerpoint/2010/main" val="146550146"/>
       </p:ext>
     </p:extLst>
   </p:cSld>
@@ -2313,7 +2417,48 @@
           <a:bodyPr/>
           <a:lstStyle/>
           <a:p>
-            <a:endParaRPr lang="de-DE" dirty="0"/>
+            <a:r>
+              <a:rPr lang="de-DE" u="sng" dirty="0"/>
+              <a:t>Komm:</a:t>
+            </a:r>
+          </a:p>
+          <a:p>
+            <a:r>
+              <a:rPr lang="de-DE" u="none" dirty="0"/>
+              <a:t>Knoten = Telefone, Modems, Server, etc.; Kanten = Datenleitung</a:t>
+            </a:r>
+          </a:p>
+          <a:p>
+            <a:r>
+              <a:rPr lang="de-DE" u="sng" dirty="0"/>
+              <a:t>Gantt:</a:t>
+            </a:r>
+          </a:p>
+          <a:p>
+            <a:pPr marL="0" marR="0" lvl="0" indent="0" algn="l" defTabSz="914400" rtl="0" eaLnBrk="1" fontAlgn="auto" latinLnBrk="0" hangingPunct="1">
+              <a:lnSpc>
+                <a:spcPct val="100000"/>
+              </a:lnSpc>
+              <a:spcBef>
+                <a:spcPts val="0"/>
+              </a:spcBef>
+              <a:spcAft>
+                <a:spcPts val="0"/>
+              </a:spcAft>
+              <a:buClrTx/>
+              <a:buSzTx/>
+              <a:buFontTx/>
+              <a:buNone/>
+              <a:tabLst/>
+              <a:defRPr/>
+            </a:pPr>
+            <a:r>
+              <a:rPr lang="de-DE" sz="1200" dirty="0"/>
+              <a:t>Knoten = Abschnitte des Projektes; Kanten = Abhängigkeiten zw. Abschnitte</a:t>
+            </a:r>
+          </a:p>
+          <a:p>
+            <a:endParaRPr lang="de-DE" u="sng" dirty="0"/>
           </a:p>
         </p:txBody>
       </p:sp>
@@ -2343,7 +2488,7 @@
     </p:spTree>
     <p:extLst>
       <p:ext uri="{BB962C8B-B14F-4D97-AF65-F5344CB8AC3E}">
-        <p14:creationId xmlns:p14="http://schemas.microsoft.com/office/powerpoint/2010/main" val="350787129"/>
+        <p14:creationId xmlns:p14="http://schemas.microsoft.com/office/powerpoint/2010/main" val="2423030066"/>
       </p:ext>
     </p:extLst>
   </p:cSld>
@@ -2427,7 +2572,7 @@
     </p:spTree>
     <p:extLst>
       <p:ext uri="{BB962C8B-B14F-4D97-AF65-F5344CB8AC3E}">
-        <p14:creationId xmlns:p14="http://schemas.microsoft.com/office/powerpoint/2010/main" val="3907381587"/>
+        <p14:creationId xmlns:p14="http://schemas.microsoft.com/office/powerpoint/2010/main" val="350787129"/>
       </p:ext>
     </p:extLst>
   </p:cSld>
@@ -5672,6 +5817,302 @@
       </p:grpSpPr>
       <p:sp>
         <p:nvSpPr>
+          <p:cNvPr id="8" name="Rectangle 7">
+            <a:extLst>
+              <a:ext uri="{FF2B5EF4-FFF2-40B4-BE49-F238E27FC236}">
+                <a16:creationId xmlns:a16="http://schemas.microsoft.com/office/drawing/2014/main" id="{8D70B121-56F4-4848-B38B-182089D909FA}"/>
+              </a:ext>
+              <a:ext uri="{C183D7F6-B498-43B3-948B-1728B52AA6E4}">
+                <adec:decorative xmlns:adec="http://schemas.microsoft.com/office/drawing/2017/decorative" val="1"/>
+              </a:ext>
+            </a:extLst>
+          </p:cNvPr>
+          <p:cNvSpPr>
+            <a:spLocks noGrp="1" noRot="1" noChangeAspect="1" noMove="1" noResize="1" noEditPoints="1" noAdjustHandles="1" noChangeArrowheads="1" noChangeShapeType="1" noTextEdit="1"/>
+          </p:cNvSpPr>
+          <p:nvPr>
+            <p:extLst>
+              <p:ext uri="{386F3935-93C4-4BCD-93E2-E3B085C9AB24}">
+                <p16:designElem xmlns:p16="http://schemas.microsoft.com/office/powerpoint/2015/main" val="1"/>
+              </p:ext>
+            </p:extLst>
+          </p:nvPr>
+        </p:nvSpPr>
+        <p:spPr bwMode="ltGray">
+          <a:xfrm>
+            <a:off x="321564" y="320040"/>
+            <a:ext cx="11548872" cy="6217920"/>
+          </a:xfrm>
+          <a:prstGeom prst="rect">
+            <a:avLst/>
+          </a:prstGeom>
+          <a:solidFill>
+            <a:schemeClr val="tx1">
+              <a:alpha val="8000"/>
+            </a:schemeClr>
+          </a:solidFill>
+          <a:ln w="127000" cap="sq" cmpd="thinThick">
+            <a:noFill/>
+          </a:ln>
+        </p:spPr>
+        <p:style>
+          <a:lnRef idx="2">
+            <a:schemeClr val="accent1">
+              <a:shade val="50000"/>
+            </a:schemeClr>
+          </a:lnRef>
+          <a:fillRef idx="1">
+            <a:schemeClr val="accent1"/>
+          </a:fillRef>
+          <a:effectRef idx="0">
+            <a:schemeClr val="accent1"/>
+          </a:effectRef>
+          <a:fontRef idx="minor">
+            <a:schemeClr val="lt1"/>
+          </a:fontRef>
+        </p:style>
+        <p:txBody>
+          <a:bodyPr rtlCol="0" anchor="ctr"/>
+          <a:lstStyle/>
+          <a:p>
+            <a:pPr algn="ctr"/>
+            <a:endParaRPr lang="en-US"/>
+          </a:p>
+        </p:txBody>
+      </p:sp>
+      <p:sp>
+        <p:nvSpPr>
+          <p:cNvPr id="2" name="Titel 1">
+            <a:extLst>
+              <a:ext uri="{FF2B5EF4-FFF2-40B4-BE49-F238E27FC236}">
+                <a16:creationId xmlns:a16="http://schemas.microsoft.com/office/drawing/2014/main" id="{0B5D0F8F-C92F-BC46-ACC4-7A21698DD272}"/>
+              </a:ext>
+            </a:extLst>
+          </p:cNvPr>
+          <p:cNvSpPr>
+            <a:spLocks noGrp="1"/>
+          </p:cNvSpPr>
+          <p:nvPr>
+            <p:ph type="title"/>
+          </p:nvPr>
+        </p:nvSpPr>
+        <p:spPr>
+          <a:xfrm>
+            <a:off x="838200" y="963877"/>
+            <a:ext cx="3494362" cy="4930246"/>
+          </a:xfrm>
+        </p:spPr>
+        <p:txBody>
+          <a:bodyPr>
+            <a:normAutofit/>
+          </a:bodyPr>
+          <a:lstStyle/>
+          <a:p>
+            <a:pPr algn="r"/>
+            <a:r>
+              <a:rPr lang="de-DE" dirty="0">
+                <a:solidFill>
+                  <a:schemeClr val="accent1"/>
+                </a:solidFill>
+              </a:rPr>
+              <a:t>Gliederung	</a:t>
+            </a:r>
+          </a:p>
+        </p:txBody>
+      </p:sp>
+      <p:cxnSp>
+        <p:nvCxnSpPr>
+          <p:cNvPr id="10" name="Straight Connector 9">
+            <a:extLst>
+              <a:ext uri="{FF2B5EF4-FFF2-40B4-BE49-F238E27FC236}">
+                <a16:creationId xmlns:a16="http://schemas.microsoft.com/office/drawing/2014/main" id="{2D72A2C9-F3CA-4216-8BAD-FA4C970C3C4E}"/>
+              </a:ext>
+              <a:ext uri="{C183D7F6-B498-43B3-948B-1728B52AA6E4}">
+                <adec:decorative xmlns:adec="http://schemas.microsoft.com/office/drawing/2017/decorative" val="1"/>
+              </a:ext>
+            </a:extLst>
+          </p:cNvPr>
+          <p:cNvCxnSpPr>
+            <a:cxnSpLocks noGrp="1" noRot="1" noChangeAspect="1" noMove="1" noResize="1" noEditPoints="1" noAdjustHandles="1" noChangeArrowheads="1" noChangeShapeType="1"/>
+          </p:cNvCxnSpPr>
+          <p:nvPr>
+            <p:extLst>
+              <p:ext uri="{386F3935-93C4-4BCD-93E2-E3B085C9AB24}">
+                <p16:designElem xmlns:p16="http://schemas.microsoft.com/office/powerpoint/2015/main" val="1"/>
+              </p:ext>
+            </p:extLst>
+          </p:nvPr>
+        </p:nvCxnSpPr>
+        <p:spPr>
+          <a:xfrm>
+            <a:off x="4654296" y="2057400"/>
+            <a:ext cx="0" cy="2743200"/>
+          </a:xfrm>
+          <a:prstGeom prst="line">
+            <a:avLst/>
+          </a:prstGeom>
+          <a:ln w="19050">
+            <a:solidFill>
+              <a:schemeClr val="tx1">
+                <a:lumMod val="85000"/>
+                <a:lumOff val="15000"/>
+              </a:schemeClr>
+            </a:solidFill>
+          </a:ln>
+        </p:spPr>
+        <p:style>
+          <a:lnRef idx="1">
+            <a:schemeClr val="accent1"/>
+          </a:lnRef>
+          <a:fillRef idx="0">
+            <a:schemeClr val="accent1"/>
+          </a:fillRef>
+          <a:effectRef idx="0">
+            <a:schemeClr val="accent1"/>
+          </a:effectRef>
+          <a:fontRef idx="minor">
+            <a:schemeClr val="tx1"/>
+          </a:fontRef>
+        </p:style>
+      </p:cxnSp>
+      <p:sp>
+        <p:nvSpPr>
+          <p:cNvPr id="3" name="Inhaltsplatzhalter 2">
+            <a:extLst>
+              <a:ext uri="{FF2B5EF4-FFF2-40B4-BE49-F238E27FC236}">
+                <a16:creationId xmlns:a16="http://schemas.microsoft.com/office/drawing/2014/main" id="{692C889E-3E0C-9E40-9512-4230892B2B42}"/>
+              </a:ext>
+            </a:extLst>
+          </p:cNvPr>
+          <p:cNvSpPr>
+            <a:spLocks noGrp="1"/>
+          </p:cNvSpPr>
+          <p:nvPr>
+            <p:ph idx="1"/>
+          </p:nvPr>
+        </p:nvSpPr>
+        <p:spPr>
+          <a:xfrm>
+            <a:off x="4976031" y="963877"/>
+            <a:ext cx="6377769" cy="4930246"/>
+          </a:xfrm>
+        </p:spPr>
+        <p:txBody>
+          <a:bodyPr anchor="ctr">
+            <a:normAutofit/>
+          </a:bodyPr>
+          <a:lstStyle/>
+          <a:p>
+            <a:r>
+              <a:rPr lang="de-DE" sz="2400" dirty="0"/>
+              <a:t>Einführung in das Thema</a:t>
+            </a:r>
+          </a:p>
+          <a:p>
+            <a:r>
+              <a:rPr lang="de-DE" sz="2400" dirty="0"/>
+              <a:t>Theoretische Grundlagen</a:t>
+            </a:r>
+          </a:p>
+          <a:p>
+            <a:pPr lvl="1"/>
+            <a:r>
+              <a:rPr lang="de-DE" sz="2000" dirty="0"/>
+              <a:t>Einführung</a:t>
+            </a:r>
+          </a:p>
+          <a:p>
+            <a:pPr lvl="1"/>
+            <a:r>
+              <a:rPr lang="de-DE" sz="2000" dirty="0"/>
+              <a:t>Anwendungen</a:t>
+            </a:r>
+          </a:p>
+          <a:p>
+            <a:r>
+              <a:rPr lang="de-DE" sz="2400" dirty="0">
+                <a:solidFill>
+                  <a:schemeClr val="accent1"/>
+                </a:solidFill>
+              </a:rPr>
+              <a:t>Aufgabenstellung</a:t>
+            </a:r>
+          </a:p>
+          <a:p>
+            <a:r>
+              <a:rPr lang="de-DE" sz="2400" dirty="0"/>
+              <a:t>Implementierung</a:t>
+            </a:r>
+          </a:p>
+          <a:p>
+            <a:pPr lvl="1"/>
+            <a:r>
+              <a:rPr lang="de-DE" sz="2000" dirty="0"/>
+              <a:t>Herangehensweise </a:t>
+            </a:r>
+          </a:p>
+          <a:p>
+            <a:pPr lvl="1"/>
+            <a:r>
+              <a:rPr lang="de-DE" sz="2000" dirty="0"/>
+              <a:t>Einführung in den Code</a:t>
+            </a:r>
+          </a:p>
+          <a:p>
+            <a:pPr lvl="1"/>
+            <a:r>
+              <a:rPr lang="de-DE" sz="2000" dirty="0"/>
+              <a:t>Präsentation des Ergebnisses</a:t>
+            </a:r>
+          </a:p>
+          <a:p>
+            <a:r>
+              <a:rPr lang="de-DE" sz="2400" dirty="0"/>
+              <a:t>Fazit </a:t>
+            </a:r>
+          </a:p>
+        </p:txBody>
+      </p:sp>
+    </p:spTree>
+    <p:extLst>
+      <p:ext uri="{BB962C8B-B14F-4D97-AF65-F5344CB8AC3E}">
+        <p14:creationId xmlns:p14="http://schemas.microsoft.com/office/powerpoint/2010/main" val="1662783578"/>
+      </p:ext>
+    </p:extLst>
+  </p:cSld>
+  <p:clrMapOvr>
+    <a:masterClrMapping/>
+  </p:clrMapOvr>
+</p:sld>
+</file>
+
+<file path=ppt/slides/slide11.xml><?xml version="1.0" encoding="utf-8"?>
+<p:sld xmlns:a="http://schemas.openxmlformats.org/drawingml/2006/main" xmlns:r="http://schemas.openxmlformats.org/officeDocument/2006/relationships" xmlns:p="http://schemas.openxmlformats.org/presentationml/2006/main">
+  <p:cSld>
+    <p:bg>
+      <p:bgPr>
+        <a:solidFill>
+          <a:schemeClr val="bg1"/>
+        </a:solidFill>
+        <a:effectLst/>
+      </p:bgPr>
+    </p:bg>
+    <p:spTree>
+      <p:nvGrpSpPr>
+        <p:cNvPr id="1" name=""/>
+        <p:cNvGrpSpPr/>
+        <p:nvPr/>
+      </p:nvGrpSpPr>
+      <p:grpSpPr>
+        <a:xfrm>
+          <a:off x="0" y="0"/>
+          <a:ext cx="0" cy="0"/>
+          <a:chOff x="0" y="0"/>
+          <a:chExt cx="0" cy="0"/>
+        </a:xfrm>
+      </p:grpSpPr>
+      <p:sp>
+        <p:nvSpPr>
           <p:cNvPr id="19" name="Rectangle 18">
             <a:extLst>
               <a:ext uri="{FF2B5EF4-FFF2-40B4-BE49-F238E27FC236}">
@@ -5951,7 +6392,7 @@
 </p:sld>
 </file>
 
-<file path=ppt/slides/slide11.xml><?xml version="1.0" encoding="utf-8"?>
+<file path=ppt/slides/slide12.xml><?xml version="1.0" encoding="utf-8"?>
 <p:sld xmlns:a="http://schemas.openxmlformats.org/drawingml/2006/main" xmlns:r="http://schemas.openxmlformats.org/officeDocument/2006/relationships" xmlns:p="http://schemas.openxmlformats.org/presentationml/2006/main">
   <p:cSld>
     <p:bg>
@@ -6139,7 +6580,7 @@
 </p:sld>
 </file>
 
-<file path=ppt/slides/slide12.xml><?xml version="1.0" encoding="utf-8"?>
+<file path=ppt/slides/slide13.xml><?xml version="1.0" encoding="utf-8"?>
 <p:sld xmlns:a="http://schemas.openxmlformats.org/drawingml/2006/main" xmlns:r="http://schemas.openxmlformats.org/officeDocument/2006/relationships" xmlns:p="http://schemas.openxmlformats.org/presentationml/2006/main">
   <p:cSld>
     <p:bg>
@@ -6389,264 +6830,6 @@
     <p:extLst>
       <p:ext uri="{BB962C8B-B14F-4D97-AF65-F5344CB8AC3E}">
         <p14:creationId xmlns:p14="http://schemas.microsoft.com/office/powerpoint/2010/main" val="3963641023"/>
-      </p:ext>
-    </p:extLst>
-  </p:cSld>
-  <p:clrMapOvr>
-    <a:masterClrMapping/>
-  </p:clrMapOvr>
-</p:sld>
-</file>
-
-<file path=ppt/slides/slide13.xml><?xml version="1.0" encoding="utf-8"?>
-<p:sld xmlns:a="http://schemas.openxmlformats.org/drawingml/2006/main" xmlns:r="http://schemas.openxmlformats.org/officeDocument/2006/relationships" xmlns:p="http://schemas.openxmlformats.org/presentationml/2006/main">
-  <p:cSld>
-    <p:bg>
-      <p:bgPr>
-        <a:solidFill>
-          <a:schemeClr val="bg1"/>
-        </a:solidFill>
-        <a:effectLst/>
-      </p:bgPr>
-    </p:bg>
-    <p:spTree>
-      <p:nvGrpSpPr>
-        <p:cNvPr id="1" name=""/>
-        <p:cNvGrpSpPr/>
-        <p:nvPr/>
-      </p:nvGrpSpPr>
-      <p:grpSpPr>
-        <a:xfrm>
-          <a:off x="0" y="0"/>
-          <a:ext cx="0" cy="0"/>
-          <a:chOff x="0" y="0"/>
-          <a:chExt cx="0" cy="0"/>
-        </a:xfrm>
-      </p:grpSpPr>
-      <p:sp>
-        <p:nvSpPr>
-          <p:cNvPr id="19" name="Rectangle 18">
-            <a:extLst>
-              <a:ext uri="{FF2B5EF4-FFF2-40B4-BE49-F238E27FC236}">
-                <a16:creationId xmlns:a16="http://schemas.microsoft.com/office/drawing/2014/main" id="{8D70B121-56F4-4848-B38B-182089D909FA}"/>
-              </a:ext>
-              <a:ext uri="{C183D7F6-B498-43B3-948B-1728B52AA6E4}">
-                <adec:decorative xmlns:adec="http://schemas.microsoft.com/office/drawing/2017/decorative" val="1"/>
-              </a:ext>
-            </a:extLst>
-          </p:cNvPr>
-          <p:cNvSpPr>
-            <a:spLocks noGrp="1" noRot="1" noChangeAspect="1" noMove="1" noResize="1" noEditPoints="1" noAdjustHandles="1" noChangeArrowheads="1" noChangeShapeType="1" noTextEdit="1"/>
-          </p:cNvSpPr>
-          <p:nvPr>
-            <p:extLst>
-              <p:ext uri="{386F3935-93C4-4BCD-93E2-E3B085C9AB24}">
-                <p16:designElem xmlns:p16="http://schemas.microsoft.com/office/powerpoint/2015/main" val="1"/>
-              </p:ext>
-            </p:extLst>
-          </p:nvPr>
-        </p:nvSpPr>
-        <p:spPr bwMode="ltGray">
-          <a:xfrm>
-            <a:off x="321564" y="320040"/>
-            <a:ext cx="11548872" cy="6217920"/>
-          </a:xfrm>
-          <a:prstGeom prst="rect">
-            <a:avLst/>
-          </a:prstGeom>
-          <a:solidFill>
-            <a:schemeClr val="tx1">
-              <a:alpha val="8000"/>
-            </a:schemeClr>
-          </a:solidFill>
-          <a:ln w="127000" cap="sq" cmpd="thinThick">
-            <a:noFill/>
-          </a:ln>
-        </p:spPr>
-        <p:style>
-          <a:lnRef idx="2">
-            <a:schemeClr val="accent1">
-              <a:shade val="50000"/>
-            </a:schemeClr>
-          </a:lnRef>
-          <a:fillRef idx="1">
-            <a:schemeClr val="accent1"/>
-          </a:fillRef>
-          <a:effectRef idx="0">
-            <a:schemeClr val="accent1"/>
-          </a:effectRef>
-          <a:fontRef idx="minor">
-            <a:schemeClr val="lt1"/>
-          </a:fontRef>
-        </p:style>
-        <p:txBody>
-          <a:bodyPr rtlCol="0" anchor="ctr"/>
-          <a:lstStyle/>
-          <a:p>
-            <a:pPr algn="ctr"/>
-            <a:endParaRPr lang="en-US"/>
-          </a:p>
-        </p:txBody>
-      </p:sp>
-      <p:cxnSp>
-        <p:nvCxnSpPr>
-          <p:cNvPr id="21" name="Straight Connector 20">
-            <a:extLst>
-              <a:ext uri="{FF2B5EF4-FFF2-40B4-BE49-F238E27FC236}">
-                <a16:creationId xmlns:a16="http://schemas.microsoft.com/office/drawing/2014/main" id="{2D72A2C9-F3CA-4216-8BAD-FA4C970C3C4E}"/>
-              </a:ext>
-              <a:ext uri="{C183D7F6-B498-43B3-948B-1728B52AA6E4}">
-                <adec:decorative xmlns:adec="http://schemas.microsoft.com/office/drawing/2017/decorative" val="1"/>
-              </a:ext>
-            </a:extLst>
-          </p:cNvPr>
-          <p:cNvCxnSpPr>
-            <a:cxnSpLocks noGrp="1" noRot="1" noChangeAspect="1" noMove="1" noResize="1" noEditPoints="1" noAdjustHandles="1" noChangeArrowheads="1" noChangeShapeType="1"/>
-          </p:cNvCxnSpPr>
-          <p:nvPr>
-            <p:extLst>
-              <p:ext uri="{386F3935-93C4-4BCD-93E2-E3B085C9AB24}">
-                <p16:designElem xmlns:p16="http://schemas.microsoft.com/office/powerpoint/2015/main" val="1"/>
-              </p:ext>
-            </p:extLst>
-          </p:nvPr>
-        </p:nvCxnSpPr>
-        <p:spPr>
-          <a:xfrm>
-            <a:off x="4654296" y="2057400"/>
-            <a:ext cx="0" cy="2743200"/>
-          </a:xfrm>
-          <a:prstGeom prst="line">
-            <a:avLst/>
-          </a:prstGeom>
-          <a:ln w="19050">
-            <a:solidFill>
-              <a:schemeClr val="tx1">
-                <a:lumMod val="85000"/>
-                <a:lumOff val="15000"/>
-              </a:schemeClr>
-            </a:solidFill>
-          </a:ln>
-        </p:spPr>
-        <p:style>
-          <a:lnRef idx="1">
-            <a:schemeClr val="accent1"/>
-          </a:lnRef>
-          <a:fillRef idx="0">
-            <a:schemeClr val="accent1"/>
-          </a:fillRef>
-          <a:effectRef idx="0">
-            <a:schemeClr val="accent1"/>
-          </a:effectRef>
-          <a:fontRef idx="minor">
-            <a:schemeClr val="tx1"/>
-          </a:fontRef>
-        </p:style>
-      </p:cxnSp>
-      <p:sp>
-        <p:nvSpPr>
-          <p:cNvPr id="5" name="Rechteck 4">
-            <a:extLst>
-              <a:ext uri="{FF2B5EF4-FFF2-40B4-BE49-F238E27FC236}">
-                <a16:creationId xmlns:a16="http://schemas.microsoft.com/office/drawing/2014/main" id="{6C91387F-AF56-614F-B14F-5E345367B7AF}"/>
-              </a:ext>
-            </a:extLst>
-          </p:cNvPr>
-          <p:cNvSpPr/>
-          <p:nvPr/>
-        </p:nvSpPr>
-        <p:spPr>
-          <a:xfrm>
-            <a:off x="321564" y="320040"/>
-            <a:ext cx="11548872" cy="6217920"/>
-          </a:xfrm>
-          <a:prstGeom prst="rect">
-            <a:avLst/>
-          </a:prstGeom>
-          <a:solidFill>
-            <a:schemeClr val="bg2"/>
-          </a:solidFill>
-          <a:ln>
-            <a:noFill/>
-          </a:ln>
-        </p:spPr>
-        <p:style>
-          <a:lnRef idx="2">
-            <a:schemeClr val="accent1">
-              <a:shade val="50000"/>
-            </a:schemeClr>
-          </a:lnRef>
-          <a:fillRef idx="1">
-            <a:schemeClr val="accent1"/>
-          </a:fillRef>
-          <a:effectRef idx="0">
-            <a:schemeClr val="accent1"/>
-          </a:effectRef>
-          <a:fontRef idx="minor">
-            <a:schemeClr val="lt1"/>
-          </a:fontRef>
-        </p:style>
-        <p:txBody>
-          <a:bodyPr rtlCol="0" anchor="ctr"/>
-          <a:lstStyle/>
-          <a:p>
-            <a:pPr algn="ctr"/>
-            <a:endParaRPr lang="de-DE"/>
-          </a:p>
-        </p:txBody>
-      </p:sp>
-      <p:sp>
-        <p:nvSpPr>
-          <p:cNvPr id="2" name="Titel 1">
-            <a:extLst>
-              <a:ext uri="{FF2B5EF4-FFF2-40B4-BE49-F238E27FC236}">
-                <a16:creationId xmlns:a16="http://schemas.microsoft.com/office/drawing/2014/main" id="{35BFDC70-A169-E142-B051-5ABC9190E094}"/>
-              </a:ext>
-            </a:extLst>
-          </p:cNvPr>
-          <p:cNvSpPr>
-            <a:spLocks noGrp="1"/>
-          </p:cNvSpPr>
-          <p:nvPr>
-            <p:ph type="title"/>
-          </p:nvPr>
-        </p:nvSpPr>
-        <p:spPr>
-          <a:xfrm>
-            <a:off x="4010025" y="963877"/>
-            <a:ext cx="4171949" cy="4930246"/>
-          </a:xfrm>
-        </p:spPr>
-        <p:txBody>
-          <a:bodyPr vert="horz" lIns="91440" tIns="45720" rIns="91440" bIns="45720" rtlCol="0">
-            <a:normAutofit/>
-          </a:bodyPr>
-          <a:lstStyle/>
-          <a:p>
-            <a:pPr algn="ctr"/>
-            <a:r>
-              <a:rPr lang="en-US" sz="4000" dirty="0" err="1">
-                <a:solidFill>
-                  <a:schemeClr val="accent1"/>
-                </a:solidFill>
-              </a:rPr>
-              <a:t>Implementierung</a:t>
-            </a:r>
-            <a:endParaRPr lang="en-US" sz="4000" kern="1200" dirty="0">
-              <a:solidFill>
-                <a:schemeClr val="accent1"/>
-              </a:solidFill>
-              <a:latin typeface="+mj-lt"/>
-              <a:ea typeface="+mj-ea"/>
-              <a:cs typeface="+mj-cs"/>
-            </a:endParaRPr>
-          </a:p>
-        </p:txBody>
-      </p:sp>
-    </p:spTree>
-    <p:extLst>
-      <p:ext uri="{BB962C8B-B14F-4D97-AF65-F5344CB8AC3E}">
-        <p14:creationId xmlns:p14="http://schemas.microsoft.com/office/powerpoint/2010/main" val="321189763"/>
       </p:ext>
     </p:extLst>
   </p:cSld>
@@ -6746,54 +6929,6 @@
           </a:p>
         </p:txBody>
       </p:sp>
-      <p:sp>
-        <p:nvSpPr>
-          <p:cNvPr id="2" name="Titel 1">
-            <a:extLst>
-              <a:ext uri="{FF2B5EF4-FFF2-40B4-BE49-F238E27FC236}">
-                <a16:creationId xmlns:a16="http://schemas.microsoft.com/office/drawing/2014/main" id="{35BFDC70-A169-E142-B051-5ABC9190E094}"/>
-              </a:ext>
-            </a:extLst>
-          </p:cNvPr>
-          <p:cNvSpPr>
-            <a:spLocks noGrp="1"/>
-          </p:cNvSpPr>
-          <p:nvPr>
-            <p:ph type="title"/>
-          </p:nvPr>
-        </p:nvSpPr>
-        <p:spPr>
-          <a:xfrm>
-            <a:off x="861390" y="963877"/>
-            <a:ext cx="3471171" cy="4930246"/>
-          </a:xfrm>
-        </p:spPr>
-        <p:txBody>
-          <a:bodyPr vert="horz" lIns="91440" tIns="45720" rIns="91440" bIns="45720" rtlCol="0">
-            <a:normAutofit/>
-          </a:bodyPr>
-          <a:lstStyle/>
-          <a:p>
-            <a:pPr algn="ctr"/>
-            <a:r>
-              <a:rPr lang="en-US" dirty="0" err="1">
-                <a:solidFill>
-                  <a:schemeClr val="accent1"/>
-                </a:solidFill>
-              </a:rPr>
-              <a:t>Herangehens-weise</a:t>
-            </a:r>
-            <a:endParaRPr lang="en-US" kern="1200" dirty="0">
-              <a:solidFill>
-                <a:schemeClr val="accent1"/>
-              </a:solidFill>
-              <a:latin typeface="+mj-lt"/>
-              <a:ea typeface="+mj-ea"/>
-              <a:cs typeface="+mj-cs"/>
-            </a:endParaRPr>
-          </a:p>
-        </p:txBody>
-      </p:sp>
       <p:cxnSp>
         <p:nvCxnSpPr>
           <p:cNvPr id="21" name="Straight Connector 20">
@@ -6851,6 +6986,312 @@
       </p:cxnSp>
       <p:sp>
         <p:nvSpPr>
+          <p:cNvPr id="5" name="Rechteck 4">
+            <a:extLst>
+              <a:ext uri="{FF2B5EF4-FFF2-40B4-BE49-F238E27FC236}">
+                <a16:creationId xmlns:a16="http://schemas.microsoft.com/office/drawing/2014/main" id="{6C91387F-AF56-614F-B14F-5E345367B7AF}"/>
+              </a:ext>
+            </a:extLst>
+          </p:cNvPr>
+          <p:cNvSpPr/>
+          <p:nvPr/>
+        </p:nvSpPr>
+        <p:spPr>
+          <a:xfrm>
+            <a:off x="321564" y="320040"/>
+            <a:ext cx="11548872" cy="6217920"/>
+          </a:xfrm>
+          <a:prstGeom prst="rect">
+            <a:avLst/>
+          </a:prstGeom>
+          <a:solidFill>
+            <a:schemeClr val="bg2"/>
+          </a:solidFill>
+          <a:ln>
+            <a:noFill/>
+          </a:ln>
+        </p:spPr>
+        <p:style>
+          <a:lnRef idx="2">
+            <a:schemeClr val="accent1">
+              <a:shade val="50000"/>
+            </a:schemeClr>
+          </a:lnRef>
+          <a:fillRef idx="1">
+            <a:schemeClr val="accent1"/>
+          </a:fillRef>
+          <a:effectRef idx="0">
+            <a:schemeClr val="accent1"/>
+          </a:effectRef>
+          <a:fontRef idx="minor">
+            <a:schemeClr val="lt1"/>
+          </a:fontRef>
+        </p:style>
+        <p:txBody>
+          <a:bodyPr rtlCol="0" anchor="ctr"/>
+          <a:lstStyle/>
+          <a:p>
+            <a:pPr algn="ctr"/>
+            <a:endParaRPr lang="de-DE"/>
+          </a:p>
+        </p:txBody>
+      </p:sp>
+      <p:sp>
+        <p:nvSpPr>
+          <p:cNvPr id="2" name="Titel 1">
+            <a:extLst>
+              <a:ext uri="{FF2B5EF4-FFF2-40B4-BE49-F238E27FC236}">
+                <a16:creationId xmlns:a16="http://schemas.microsoft.com/office/drawing/2014/main" id="{35BFDC70-A169-E142-B051-5ABC9190E094}"/>
+              </a:ext>
+            </a:extLst>
+          </p:cNvPr>
+          <p:cNvSpPr>
+            <a:spLocks noGrp="1"/>
+          </p:cNvSpPr>
+          <p:nvPr>
+            <p:ph type="title"/>
+          </p:nvPr>
+        </p:nvSpPr>
+        <p:spPr>
+          <a:xfrm>
+            <a:off x="4010025" y="963877"/>
+            <a:ext cx="4171949" cy="4930246"/>
+          </a:xfrm>
+        </p:spPr>
+        <p:txBody>
+          <a:bodyPr vert="horz" lIns="91440" tIns="45720" rIns="91440" bIns="45720" rtlCol="0">
+            <a:normAutofit/>
+          </a:bodyPr>
+          <a:lstStyle/>
+          <a:p>
+            <a:pPr algn="ctr"/>
+            <a:r>
+              <a:rPr lang="en-US" sz="4000" dirty="0" err="1">
+                <a:solidFill>
+                  <a:schemeClr val="accent1"/>
+                </a:solidFill>
+              </a:rPr>
+              <a:t>Implementierung</a:t>
+            </a:r>
+            <a:endParaRPr lang="en-US" sz="4000" kern="1200" dirty="0">
+              <a:solidFill>
+                <a:schemeClr val="accent1"/>
+              </a:solidFill>
+              <a:latin typeface="+mj-lt"/>
+              <a:ea typeface="+mj-ea"/>
+              <a:cs typeface="+mj-cs"/>
+            </a:endParaRPr>
+          </a:p>
+        </p:txBody>
+      </p:sp>
+    </p:spTree>
+    <p:extLst>
+      <p:ext uri="{BB962C8B-B14F-4D97-AF65-F5344CB8AC3E}">
+        <p14:creationId xmlns:p14="http://schemas.microsoft.com/office/powerpoint/2010/main" val="321189763"/>
+      </p:ext>
+    </p:extLst>
+  </p:cSld>
+  <p:clrMapOvr>
+    <a:masterClrMapping/>
+  </p:clrMapOvr>
+</p:sld>
+</file>
+
+<file path=ppt/slides/slide15.xml><?xml version="1.0" encoding="utf-8"?>
+<p:sld xmlns:a="http://schemas.openxmlformats.org/drawingml/2006/main" xmlns:r="http://schemas.openxmlformats.org/officeDocument/2006/relationships" xmlns:p="http://schemas.openxmlformats.org/presentationml/2006/main">
+  <p:cSld>
+    <p:bg>
+      <p:bgPr>
+        <a:solidFill>
+          <a:schemeClr val="bg1"/>
+        </a:solidFill>
+        <a:effectLst/>
+      </p:bgPr>
+    </p:bg>
+    <p:spTree>
+      <p:nvGrpSpPr>
+        <p:cNvPr id="1" name=""/>
+        <p:cNvGrpSpPr/>
+        <p:nvPr/>
+      </p:nvGrpSpPr>
+      <p:grpSpPr>
+        <a:xfrm>
+          <a:off x="0" y="0"/>
+          <a:ext cx="0" cy="0"/>
+          <a:chOff x="0" y="0"/>
+          <a:chExt cx="0" cy="0"/>
+        </a:xfrm>
+      </p:grpSpPr>
+      <p:sp>
+        <p:nvSpPr>
+          <p:cNvPr id="19" name="Rectangle 18">
+            <a:extLst>
+              <a:ext uri="{FF2B5EF4-FFF2-40B4-BE49-F238E27FC236}">
+                <a16:creationId xmlns:a16="http://schemas.microsoft.com/office/drawing/2014/main" id="{8D70B121-56F4-4848-B38B-182089D909FA}"/>
+              </a:ext>
+              <a:ext uri="{C183D7F6-B498-43B3-948B-1728B52AA6E4}">
+                <adec:decorative xmlns:adec="http://schemas.microsoft.com/office/drawing/2017/decorative" val="1"/>
+              </a:ext>
+            </a:extLst>
+          </p:cNvPr>
+          <p:cNvSpPr>
+            <a:spLocks noGrp="1" noRot="1" noChangeAspect="1" noMove="1" noResize="1" noEditPoints="1" noAdjustHandles="1" noChangeArrowheads="1" noChangeShapeType="1" noTextEdit="1"/>
+          </p:cNvSpPr>
+          <p:nvPr>
+            <p:extLst>
+              <p:ext uri="{386F3935-93C4-4BCD-93E2-E3B085C9AB24}">
+                <p16:designElem xmlns:p16="http://schemas.microsoft.com/office/powerpoint/2015/main" val="1"/>
+              </p:ext>
+            </p:extLst>
+          </p:nvPr>
+        </p:nvSpPr>
+        <p:spPr bwMode="ltGray">
+          <a:xfrm>
+            <a:off x="321564" y="320040"/>
+            <a:ext cx="11548872" cy="6217920"/>
+          </a:xfrm>
+          <a:prstGeom prst="rect">
+            <a:avLst/>
+          </a:prstGeom>
+          <a:solidFill>
+            <a:schemeClr val="tx1">
+              <a:alpha val="8000"/>
+            </a:schemeClr>
+          </a:solidFill>
+          <a:ln w="127000" cap="sq" cmpd="thinThick">
+            <a:noFill/>
+          </a:ln>
+        </p:spPr>
+        <p:style>
+          <a:lnRef idx="2">
+            <a:schemeClr val="accent1">
+              <a:shade val="50000"/>
+            </a:schemeClr>
+          </a:lnRef>
+          <a:fillRef idx="1">
+            <a:schemeClr val="accent1"/>
+          </a:fillRef>
+          <a:effectRef idx="0">
+            <a:schemeClr val="accent1"/>
+          </a:effectRef>
+          <a:fontRef idx="minor">
+            <a:schemeClr val="lt1"/>
+          </a:fontRef>
+        </p:style>
+        <p:txBody>
+          <a:bodyPr rtlCol="0" anchor="ctr"/>
+          <a:lstStyle/>
+          <a:p>
+            <a:pPr algn="ctr"/>
+            <a:endParaRPr lang="en-US"/>
+          </a:p>
+        </p:txBody>
+      </p:sp>
+      <p:sp>
+        <p:nvSpPr>
+          <p:cNvPr id="2" name="Titel 1">
+            <a:extLst>
+              <a:ext uri="{FF2B5EF4-FFF2-40B4-BE49-F238E27FC236}">
+                <a16:creationId xmlns:a16="http://schemas.microsoft.com/office/drawing/2014/main" id="{35BFDC70-A169-E142-B051-5ABC9190E094}"/>
+              </a:ext>
+            </a:extLst>
+          </p:cNvPr>
+          <p:cNvSpPr>
+            <a:spLocks noGrp="1"/>
+          </p:cNvSpPr>
+          <p:nvPr>
+            <p:ph type="title"/>
+          </p:nvPr>
+        </p:nvSpPr>
+        <p:spPr>
+          <a:xfrm>
+            <a:off x="861390" y="963877"/>
+            <a:ext cx="3471171" cy="4930246"/>
+          </a:xfrm>
+        </p:spPr>
+        <p:txBody>
+          <a:bodyPr vert="horz" lIns="91440" tIns="45720" rIns="91440" bIns="45720" rtlCol="0">
+            <a:normAutofit/>
+          </a:bodyPr>
+          <a:lstStyle/>
+          <a:p>
+            <a:pPr algn="ctr"/>
+            <a:r>
+              <a:rPr lang="en-US" dirty="0" err="1">
+                <a:solidFill>
+                  <a:schemeClr val="accent1"/>
+                </a:solidFill>
+              </a:rPr>
+              <a:t>Herangehens-weise</a:t>
+            </a:r>
+            <a:endParaRPr lang="en-US" kern="1200" dirty="0">
+              <a:solidFill>
+                <a:schemeClr val="accent1"/>
+              </a:solidFill>
+              <a:latin typeface="+mj-lt"/>
+              <a:ea typeface="+mj-ea"/>
+              <a:cs typeface="+mj-cs"/>
+            </a:endParaRPr>
+          </a:p>
+        </p:txBody>
+      </p:sp>
+      <p:cxnSp>
+        <p:nvCxnSpPr>
+          <p:cNvPr id="21" name="Straight Connector 20">
+            <a:extLst>
+              <a:ext uri="{FF2B5EF4-FFF2-40B4-BE49-F238E27FC236}">
+                <a16:creationId xmlns:a16="http://schemas.microsoft.com/office/drawing/2014/main" id="{2D72A2C9-F3CA-4216-8BAD-FA4C970C3C4E}"/>
+              </a:ext>
+              <a:ext uri="{C183D7F6-B498-43B3-948B-1728B52AA6E4}">
+                <adec:decorative xmlns:adec="http://schemas.microsoft.com/office/drawing/2017/decorative" val="1"/>
+              </a:ext>
+            </a:extLst>
+          </p:cNvPr>
+          <p:cNvCxnSpPr>
+            <a:cxnSpLocks noGrp="1" noRot="1" noChangeAspect="1" noMove="1" noResize="1" noEditPoints="1" noAdjustHandles="1" noChangeArrowheads="1" noChangeShapeType="1"/>
+          </p:cNvCxnSpPr>
+          <p:nvPr>
+            <p:extLst>
+              <p:ext uri="{386F3935-93C4-4BCD-93E2-E3B085C9AB24}">
+                <p16:designElem xmlns:p16="http://schemas.microsoft.com/office/powerpoint/2015/main" val="1"/>
+              </p:ext>
+            </p:extLst>
+          </p:nvPr>
+        </p:nvCxnSpPr>
+        <p:spPr>
+          <a:xfrm>
+            <a:off x="4654296" y="2057400"/>
+            <a:ext cx="0" cy="2743200"/>
+          </a:xfrm>
+          <a:prstGeom prst="line">
+            <a:avLst/>
+          </a:prstGeom>
+          <a:ln w="19050">
+            <a:solidFill>
+              <a:schemeClr val="tx1">
+                <a:lumMod val="85000"/>
+                <a:lumOff val="15000"/>
+              </a:schemeClr>
+            </a:solidFill>
+          </a:ln>
+        </p:spPr>
+        <p:style>
+          <a:lnRef idx="1">
+            <a:schemeClr val="accent1"/>
+          </a:lnRef>
+          <a:fillRef idx="0">
+            <a:schemeClr val="accent1"/>
+          </a:fillRef>
+          <a:effectRef idx="0">
+            <a:schemeClr val="accent1"/>
+          </a:effectRef>
+          <a:fontRef idx="minor">
+            <a:schemeClr val="tx1"/>
+          </a:fontRef>
+        </p:style>
+      </p:cxnSp>
+      <p:sp>
+        <p:nvSpPr>
           <p:cNvPr id="8" name="Inhaltsplatzhalter 4">
             <a:extLst>
               <a:ext uri="{FF2B5EF4-FFF2-40B4-BE49-F238E27FC236}">
@@ -6903,7 +7344,7 @@
 </p:sld>
 </file>
 
-<file path=ppt/slides/slide15.xml><?xml version="1.0" encoding="utf-8"?>
+<file path=ppt/slides/slide16.xml><?xml version="1.0" encoding="utf-8"?>
 <p:sld xmlns:a="http://schemas.openxmlformats.org/drawingml/2006/main" xmlns:r="http://schemas.openxmlformats.org/officeDocument/2006/relationships" xmlns:p="http://schemas.openxmlformats.org/presentationml/2006/main">
   <p:cSld>
     <p:spTree>
@@ -7151,7 +7592,7 @@
 </p:sld>
 </file>
 
-<file path=ppt/slides/slide16.xml><?xml version="1.0" encoding="utf-8"?>
+<file path=ppt/slides/slide17.xml><?xml version="1.0" encoding="utf-8"?>
 <p:sld xmlns:a="http://schemas.openxmlformats.org/drawingml/2006/main" xmlns:r="http://schemas.openxmlformats.org/officeDocument/2006/relationships" xmlns:p="http://schemas.openxmlformats.org/presentationml/2006/main">
   <p:cSld>
     <p:spTree>
@@ -7313,7 +7754,7 @@
 </p:sld>
 </file>
 
-<file path=ppt/slides/slide17.xml><?xml version="1.0" encoding="utf-8"?>
+<file path=ppt/slides/slide18.xml><?xml version="1.0" encoding="utf-8"?>
 <p:sld xmlns:a="http://schemas.openxmlformats.org/drawingml/2006/main" xmlns:r="http://schemas.openxmlformats.org/officeDocument/2006/relationships" xmlns:p="http://schemas.openxmlformats.org/presentationml/2006/main">
   <p:cSld>
     <p:spTree>
@@ -7561,7 +8002,7 @@
 </p:sld>
 </file>
 
-<file path=ppt/slides/slide18.xml><?xml version="1.0" encoding="utf-8"?>
+<file path=ppt/slides/slide19.xml><?xml version="1.0" encoding="utf-8"?>
 <p:sld xmlns:a="http://schemas.openxmlformats.org/drawingml/2006/main" xmlns:r="http://schemas.openxmlformats.org/officeDocument/2006/relationships" xmlns:p="http://schemas.openxmlformats.org/presentationml/2006/main">
   <p:cSld>
     <p:spTree>
@@ -7723,7 +8164,299 @@
 </p:sld>
 </file>
 
-<file path=ppt/slides/slide19.xml><?xml version="1.0" encoding="utf-8"?>
+<file path=ppt/slides/slide2.xml><?xml version="1.0" encoding="utf-8"?>
+<p:sld xmlns:a="http://schemas.openxmlformats.org/drawingml/2006/main" xmlns:r="http://schemas.openxmlformats.org/officeDocument/2006/relationships" xmlns:p="http://schemas.openxmlformats.org/presentationml/2006/main">
+  <p:cSld>
+    <p:bg>
+      <p:bgPr>
+        <a:solidFill>
+          <a:schemeClr val="bg1"/>
+        </a:solidFill>
+        <a:effectLst/>
+      </p:bgPr>
+    </p:bg>
+    <p:spTree>
+      <p:nvGrpSpPr>
+        <p:cNvPr id="1" name=""/>
+        <p:cNvGrpSpPr/>
+        <p:nvPr/>
+      </p:nvGrpSpPr>
+      <p:grpSpPr>
+        <a:xfrm>
+          <a:off x="0" y="0"/>
+          <a:ext cx="0" cy="0"/>
+          <a:chOff x="0" y="0"/>
+          <a:chExt cx="0" cy="0"/>
+        </a:xfrm>
+      </p:grpSpPr>
+      <p:sp>
+        <p:nvSpPr>
+          <p:cNvPr id="8" name="Rectangle 7">
+            <a:extLst>
+              <a:ext uri="{FF2B5EF4-FFF2-40B4-BE49-F238E27FC236}">
+                <a16:creationId xmlns:a16="http://schemas.microsoft.com/office/drawing/2014/main" id="{8D70B121-56F4-4848-B38B-182089D909FA}"/>
+              </a:ext>
+              <a:ext uri="{C183D7F6-B498-43B3-948B-1728B52AA6E4}">
+                <adec:decorative xmlns:adec="http://schemas.microsoft.com/office/drawing/2017/decorative" val="1"/>
+              </a:ext>
+            </a:extLst>
+          </p:cNvPr>
+          <p:cNvSpPr>
+            <a:spLocks noGrp="1" noRot="1" noChangeAspect="1" noMove="1" noResize="1" noEditPoints="1" noAdjustHandles="1" noChangeArrowheads="1" noChangeShapeType="1" noTextEdit="1"/>
+          </p:cNvSpPr>
+          <p:nvPr>
+            <p:extLst>
+              <p:ext uri="{386F3935-93C4-4BCD-93E2-E3B085C9AB24}">
+                <p16:designElem xmlns:p16="http://schemas.microsoft.com/office/powerpoint/2015/main" val="1"/>
+              </p:ext>
+            </p:extLst>
+          </p:nvPr>
+        </p:nvSpPr>
+        <p:spPr bwMode="ltGray">
+          <a:xfrm>
+            <a:off x="321564" y="320040"/>
+            <a:ext cx="11548872" cy="6217920"/>
+          </a:xfrm>
+          <a:prstGeom prst="rect">
+            <a:avLst/>
+          </a:prstGeom>
+          <a:solidFill>
+            <a:schemeClr val="tx1">
+              <a:alpha val="8000"/>
+            </a:schemeClr>
+          </a:solidFill>
+          <a:ln w="127000" cap="sq" cmpd="thinThick">
+            <a:noFill/>
+          </a:ln>
+        </p:spPr>
+        <p:style>
+          <a:lnRef idx="2">
+            <a:schemeClr val="accent1">
+              <a:shade val="50000"/>
+            </a:schemeClr>
+          </a:lnRef>
+          <a:fillRef idx="1">
+            <a:schemeClr val="accent1"/>
+          </a:fillRef>
+          <a:effectRef idx="0">
+            <a:schemeClr val="accent1"/>
+          </a:effectRef>
+          <a:fontRef idx="minor">
+            <a:schemeClr val="lt1"/>
+          </a:fontRef>
+        </p:style>
+        <p:txBody>
+          <a:bodyPr rtlCol="0" anchor="ctr"/>
+          <a:lstStyle/>
+          <a:p>
+            <a:pPr algn="ctr"/>
+            <a:endParaRPr lang="en-US"/>
+          </a:p>
+        </p:txBody>
+      </p:sp>
+      <p:sp>
+        <p:nvSpPr>
+          <p:cNvPr id="2" name="Titel 1">
+            <a:extLst>
+              <a:ext uri="{FF2B5EF4-FFF2-40B4-BE49-F238E27FC236}">
+                <a16:creationId xmlns:a16="http://schemas.microsoft.com/office/drawing/2014/main" id="{0B5D0F8F-C92F-BC46-ACC4-7A21698DD272}"/>
+              </a:ext>
+            </a:extLst>
+          </p:cNvPr>
+          <p:cNvSpPr>
+            <a:spLocks noGrp="1"/>
+          </p:cNvSpPr>
+          <p:nvPr>
+            <p:ph type="title"/>
+          </p:nvPr>
+        </p:nvSpPr>
+        <p:spPr>
+          <a:xfrm>
+            <a:off x="838200" y="963877"/>
+            <a:ext cx="3494362" cy="4930246"/>
+          </a:xfrm>
+        </p:spPr>
+        <p:txBody>
+          <a:bodyPr>
+            <a:normAutofit/>
+          </a:bodyPr>
+          <a:lstStyle/>
+          <a:p>
+            <a:pPr algn="r"/>
+            <a:r>
+              <a:rPr lang="de-DE" dirty="0">
+                <a:solidFill>
+                  <a:schemeClr val="accent1"/>
+                </a:solidFill>
+              </a:rPr>
+              <a:t>Gliederung	</a:t>
+            </a:r>
+          </a:p>
+        </p:txBody>
+      </p:sp>
+      <p:cxnSp>
+        <p:nvCxnSpPr>
+          <p:cNvPr id="10" name="Straight Connector 9">
+            <a:extLst>
+              <a:ext uri="{FF2B5EF4-FFF2-40B4-BE49-F238E27FC236}">
+                <a16:creationId xmlns:a16="http://schemas.microsoft.com/office/drawing/2014/main" id="{2D72A2C9-F3CA-4216-8BAD-FA4C970C3C4E}"/>
+              </a:ext>
+              <a:ext uri="{C183D7F6-B498-43B3-948B-1728B52AA6E4}">
+                <adec:decorative xmlns:adec="http://schemas.microsoft.com/office/drawing/2017/decorative" val="1"/>
+              </a:ext>
+            </a:extLst>
+          </p:cNvPr>
+          <p:cNvCxnSpPr>
+            <a:cxnSpLocks noGrp="1" noRot="1" noChangeAspect="1" noMove="1" noResize="1" noEditPoints="1" noAdjustHandles="1" noChangeArrowheads="1" noChangeShapeType="1"/>
+          </p:cNvCxnSpPr>
+          <p:nvPr>
+            <p:extLst>
+              <p:ext uri="{386F3935-93C4-4BCD-93E2-E3B085C9AB24}">
+                <p16:designElem xmlns:p16="http://schemas.microsoft.com/office/powerpoint/2015/main" val="1"/>
+              </p:ext>
+            </p:extLst>
+          </p:nvPr>
+        </p:nvCxnSpPr>
+        <p:spPr>
+          <a:xfrm>
+            <a:off x="4654296" y="2057400"/>
+            <a:ext cx="0" cy="2743200"/>
+          </a:xfrm>
+          <a:prstGeom prst="line">
+            <a:avLst/>
+          </a:prstGeom>
+          <a:ln w="19050">
+            <a:solidFill>
+              <a:schemeClr val="tx1">
+                <a:lumMod val="85000"/>
+                <a:lumOff val="15000"/>
+              </a:schemeClr>
+            </a:solidFill>
+          </a:ln>
+        </p:spPr>
+        <p:style>
+          <a:lnRef idx="1">
+            <a:schemeClr val="accent1"/>
+          </a:lnRef>
+          <a:fillRef idx="0">
+            <a:schemeClr val="accent1"/>
+          </a:fillRef>
+          <a:effectRef idx="0">
+            <a:schemeClr val="accent1"/>
+          </a:effectRef>
+          <a:fontRef idx="minor">
+            <a:schemeClr val="tx1"/>
+          </a:fontRef>
+        </p:style>
+      </p:cxnSp>
+      <p:sp>
+        <p:nvSpPr>
+          <p:cNvPr id="3" name="Inhaltsplatzhalter 2">
+            <a:extLst>
+              <a:ext uri="{FF2B5EF4-FFF2-40B4-BE49-F238E27FC236}">
+                <a16:creationId xmlns:a16="http://schemas.microsoft.com/office/drawing/2014/main" id="{692C889E-3E0C-9E40-9512-4230892B2B42}"/>
+              </a:ext>
+            </a:extLst>
+          </p:cNvPr>
+          <p:cNvSpPr>
+            <a:spLocks noGrp="1"/>
+          </p:cNvSpPr>
+          <p:nvPr>
+            <p:ph idx="1"/>
+          </p:nvPr>
+        </p:nvSpPr>
+        <p:spPr>
+          <a:xfrm>
+            <a:off x="4976031" y="963877"/>
+            <a:ext cx="6377769" cy="4930246"/>
+          </a:xfrm>
+        </p:spPr>
+        <p:txBody>
+          <a:bodyPr anchor="ctr">
+            <a:normAutofit/>
+          </a:bodyPr>
+          <a:lstStyle/>
+          <a:p>
+            <a:r>
+              <a:rPr lang="de-DE" sz="2400" dirty="0"/>
+              <a:t>Einführung in das Thema</a:t>
+            </a:r>
+          </a:p>
+          <a:p>
+            <a:r>
+              <a:rPr lang="de-DE" sz="2400" dirty="0"/>
+              <a:t>Theoretische Grundlagen</a:t>
+            </a:r>
+          </a:p>
+          <a:p>
+            <a:pPr lvl="1"/>
+            <a:r>
+              <a:rPr lang="de-DE" sz="2000" dirty="0"/>
+              <a:t>Einführung</a:t>
+            </a:r>
+          </a:p>
+          <a:p>
+            <a:pPr lvl="1"/>
+            <a:r>
+              <a:rPr lang="de-DE" sz="2000" dirty="0"/>
+              <a:t>Anwendungen</a:t>
+            </a:r>
+          </a:p>
+          <a:p>
+            <a:r>
+              <a:rPr lang="de-DE" sz="2400" dirty="0"/>
+              <a:t>Aufgabenstellung</a:t>
+            </a:r>
+          </a:p>
+          <a:p>
+            <a:r>
+              <a:rPr lang="de-DE" sz="2400" dirty="0"/>
+              <a:t>Implementierung</a:t>
+            </a:r>
+          </a:p>
+          <a:p>
+            <a:pPr lvl="1"/>
+            <a:r>
+              <a:rPr lang="de-DE" sz="2000" dirty="0"/>
+              <a:t>Herangehensweise </a:t>
+            </a:r>
+          </a:p>
+          <a:p>
+            <a:pPr lvl="1"/>
+            <a:r>
+              <a:rPr lang="de-DE" sz="2000" dirty="0"/>
+              <a:t>Einführung in den Code</a:t>
+            </a:r>
+          </a:p>
+          <a:p>
+            <a:pPr lvl="1"/>
+            <a:r>
+              <a:rPr lang="de-DE" sz="2000" dirty="0"/>
+              <a:t>Präsentation des Ergebnisses</a:t>
+            </a:r>
+          </a:p>
+          <a:p>
+            <a:r>
+              <a:rPr lang="de-DE" sz="2400" dirty="0"/>
+              <a:t>Fazit </a:t>
+            </a:r>
+          </a:p>
+        </p:txBody>
+      </p:sp>
+    </p:spTree>
+    <p:extLst>
+      <p:ext uri="{BB962C8B-B14F-4D97-AF65-F5344CB8AC3E}">
+        <p14:creationId xmlns:p14="http://schemas.microsoft.com/office/powerpoint/2010/main" val="1278949465"/>
+      </p:ext>
+    </p:extLst>
+  </p:cSld>
+  <p:clrMapOvr>
+    <a:masterClrMapping/>
+  </p:clrMapOvr>
+</p:sld>
+</file>
+
+<file path=ppt/slides/slide20.xml><?xml version="1.0" encoding="utf-8"?>
 <p:sld xmlns:a="http://schemas.openxmlformats.org/drawingml/2006/main" xmlns:r="http://schemas.openxmlformats.org/officeDocument/2006/relationships" xmlns:p="http://schemas.openxmlformats.org/presentationml/2006/main">
   <p:cSld>
     <p:spTree>
@@ -8188,299 +8921,7 @@
 </p:sld>
 </file>
 
-<file path=ppt/slides/slide2.xml><?xml version="1.0" encoding="utf-8"?>
-<p:sld xmlns:a="http://schemas.openxmlformats.org/drawingml/2006/main" xmlns:r="http://schemas.openxmlformats.org/officeDocument/2006/relationships" xmlns:p="http://schemas.openxmlformats.org/presentationml/2006/main">
-  <p:cSld>
-    <p:bg>
-      <p:bgPr>
-        <a:solidFill>
-          <a:schemeClr val="bg1"/>
-        </a:solidFill>
-        <a:effectLst/>
-      </p:bgPr>
-    </p:bg>
-    <p:spTree>
-      <p:nvGrpSpPr>
-        <p:cNvPr id="1" name=""/>
-        <p:cNvGrpSpPr/>
-        <p:nvPr/>
-      </p:nvGrpSpPr>
-      <p:grpSpPr>
-        <a:xfrm>
-          <a:off x="0" y="0"/>
-          <a:ext cx="0" cy="0"/>
-          <a:chOff x="0" y="0"/>
-          <a:chExt cx="0" cy="0"/>
-        </a:xfrm>
-      </p:grpSpPr>
-      <p:sp>
-        <p:nvSpPr>
-          <p:cNvPr id="8" name="Rectangle 7">
-            <a:extLst>
-              <a:ext uri="{FF2B5EF4-FFF2-40B4-BE49-F238E27FC236}">
-                <a16:creationId xmlns:a16="http://schemas.microsoft.com/office/drawing/2014/main" id="{8D70B121-56F4-4848-B38B-182089D909FA}"/>
-              </a:ext>
-              <a:ext uri="{C183D7F6-B498-43B3-948B-1728B52AA6E4}">
-                <adec:decorative xmlns:adec="http://schemas.microsoft.com/office/drawing/2017/decorative" val="1"/>
-              </a:ext>
-            </a:extLst>
-          </p:cNvPr>
-          <p:cNvSpPr>
-            <a:spLocks noGrp="1" noRot="1" noChangeAspect="1" noMove="1" noResize="1" noEditPoints="1" noAdjustHandles="1" noChangeArrowheads="1" noChangeShapeType="1" noTextEdit="1"/>
-          </p:cNvSpPr>
-          <p:nvPr>
-            <p:extLst>
-              <p:ext uri="{386F3935-93C4-4BCD-93E2-E3B085C9AB24}">
-                <p16:designElem xmlns:p16="http://schemas.microsoft.com/office/powerpoint/2015/main" val="1"/>
-              </p:ext>
-            </p:extLst>
-          </p:nvPr>
-        </p:nvSpPr>
-        <p:spPr bwMode="ltGray">
-          <a:xfrm>
-            <a:off x="321564" y="320040"/>
-            <a:ext cx="11548872" cy="6217920"/>
-          </a:xfrm>
-          <a:prstGeom prst="rect">
-            <a:avLst/>
-          </a:prstGeom>
-          <a:solidFill>
-            <a:schemeClr val="tx1">
-              <a:alpha val="8000"/>
-            </a:schemeClr>
-          </a:solidFill>
-          <a:ln w="127000" cap="sq" cmpd="thinThick">
-            <a:noFill/>
-          </a:ln>
-        </p:spPr>
-        <p:style>
-          <a:lnRef idx="2">
-            <a:schemeClr val="accent1">
-              <a:shade val="50000"/>
-            </a:schemeClr>
-          </a:lnRef>
-          <a:fillRef idx="1">
-            <a:schemeClr val="accent1"/>
-          </a:fillRef>
-          <a:effectRef idx="0">
-            <a:schemeClr val="accent1"/>
-          </a:effectRef>
-          <a:fontRef idx="minor">
-            <a:schemeClr val="lt1"/>
-          </a:fontRef>
-        </p:style>
-        <p:txBody>
-          <a:bodyPr rtlCol="0" anchor="ctr"/>
-          <a:lstStyle/>
-          <a:p>
-            <a:pPr algn="ctr"/>
-            <a:endParaRPr lang="en-US"/>
-          </a:p>
-        </p:txBody>
-      </p:sp>
-      <p:sp>
-        <p:nvSpPr>
-          <p:cNvPr id="2" name="Titel 1">
-            <a:extLst>
-              <a:ext uri="{FF2B5EF4-FFF2-40B4-BE49-F238E27FC236}">
-                <a16:creationId xmlns:a16="http://schemas.microsoft.com/office/drawing/2014/main" id="{0B5D0F8F-C92F-BC46-ACC4-7A21698DD272}"/>
-              </a:ext>
-            </a:extLst>
-          </p:cNvPr>
-          <p:cNvSpPr>
-            <a:spLocks noGrp="1"/>
-          </p:cNvSpPr>
-          <p:nvPr>
-            <p:ph type="title"/>
-          </p:nvPr>
-        </p:nvSpPr>
-        <p:spPr>
-          <a:xfrm>
-            <a:off x="838200" y="963877"/>
-            <a:ext cx="3494362" cy="4930246"/>
-          </a:xfrm>
-        </p:spPr>
-        <p:txBody>
-          <a:bodyPr>
-            <a:normAutofit/>
-          </a:bodyPr>
-          <a:lstStyle/>
-          <a:p>
-            <a:pPr algn="r"/>
-            <a:r>
-              <a:rPr lang="de-DE" dirty="0">
-                <a:solidFill>
-                  <a:schemeClr val="accent1"/>
-                </a:solidFill>
-              </a:rPr>
-              <a:t>Gliederung	</a:t>
-            </a:r>
-          </a:p>
-        </p:txBody>
-      </p:sp>
-      <p:cxnSp>
-        <p:nvCxnSpPr>
-          <p:cNvPr id="10" name="Straight Connector 9">
-            <a:extLst>
-              <a:ext uri="{FF2B5EF4-FFF2-40B4-BE49-F238E27FC236}">
-                <a16:creationId xmlns:a16="http://schemas.microsoft.com/office/drawing/2014/main" id="{2D72A2C9-F3CA-4216-8BAD-FA4C970C3C4E}"/>
-              </a:ext>
-              <a:ext uri="{C183D7F6-B498-43B3-948B-1728B52AA6E4}">
-                <adec:decorative xmlns:adec="http://schemas.microsoft.com/office/drawing/2017/decorative" val="1"/>
-              </a:ext>
-            </a:extLst>
-          </p:cNvPr>
-          <p:cNvCxnSpPr>
-            <a:cxnSpLocks noGrp="1" noRot="1" noChangeAspect="1" noMove="1" noResize="1" noEditPoints="1" noAdjustHandles="1" noChangeArrowheads="1" noChangeShapeType="1"/>
-          </p:cNvCxnSpPr>
-          <p:nvPr>
-            <p:extLst>
-              <p:ext uri="{386F3935-93C4-4BCD-93E2-E3B085C9AB24}">
-                <p16:designElem xmlns:p16="http://schemas.microsoft.com/office/powerpoint/2015/main" val="1"/>
-              </p:ext>
-            </p:extLst>
-          </p:nvPr>
-        </p:nvCxnSpPr>
-        <p:spPr>
-          <a:xfrm>
-            <a:off x="4654296" y="2057400"/>
-            <a:ext cx="0" cy="2743200"/>
-          </a:xfrm>
-          <a:prstGeom prst="line">
-            <a:avLst/>
-          </a:prstGeom>
-          <a:ln w="19050">
-            <a:solidFill>
-              <a:schemeClr val="tx1">
-                <a:lumMod val="85000"/>
-                <a:lumOff val="15000"/>
-              </a:schemeClr>
-            </a:solidFill>
-          </a:ln>
-        </p:spPr>
-        <p:style>
-          <a:lnRef idx="1">
-            <a:schemeClr val="accent1"/>
-          </a:lnRef>
-          <a:fillRef idx="0">
-            <a:schemeClr val="accent1"/>
-          </a:fillRef>
-          <a:effectRef idx="0">
-            <a:schemeClr val="accent1"/>
-          </a:effectRef>
-          <a:fontRef idx="minor">
-            <a:schemeClr val="tx1"/>
-          </a:fontRef>
-        </p:style>
-      </p:cxnSp>
-      <p:sp>
-        <p:nvSpPr>
-          <p:cNvPr id="3" name="Inhaltsplatzhalter 2">
-            <a:extLst>
-              <a:ext uri="{FF2B5EF4-FFF2-40B4-BE49-F238E27FC236}">
-                <a16:creationId xmlns:a16="http://schemas.microsoft.com/office/drawing/2014/main" id="{692C889E-3E0C-9E40-9512-4230892B2B42}"/>
-              </a:ext>
-            </a:extLst>
-          </p:cNvPr>
-          <p:cNvSpPr>
-            <a:spLocks noGrp="1"/>
-          </p:cNvSpPr>
-          <p:nvPr>
-            <p:ph idx="1"/>
-          </p:nvPr>
-        </p:nvSpPr>
-        <p:spPr>
-          <a:xfrm>
-            <a:off x="4976031" y="963877"/>
-            <a:ext cx="6377769" cy="4930246"/>
-          </a:xfrm>
-        </p:spPr>
-        <p:txBody>
-          <a:bodyPr anchor="ctr">
-            <a:normAutofit/>
-          </a:bodyPr>
-          <a:lstStyle/>
-          <a:p>
-            <a:r>
-              <a:rPr lang="de-DE" sz="2400" dirty="0"/>
-              <a:t>Einführung in das Thema</a:t>
-            </a:r>
-          </a:p>
-          <a:p>
-            <a:r>
-              <a:rPr lang="de-DE" sz="2400" dirty="0"/>
-              <a:t>Theoretische Grundlagen</a:t>
-            </a:r>
-          </a:p>
-          <a:p>
-            <a:pPr lvl="1"/>
-            <a:r>
-              <a:rPr lang="de-DE" sz="2000" dirty="0"/>
-              <a:t>Einführung</a:t>
-            </a:r>
-          </a:p>
-          <a:p>
-            <a:pPr lvl="1"/>
-            <a:r>
-              <a:rPr lang="de-DE" sz="2000" dirty="0"/>
-              <a:t>Anwendungen</a:t>
-            </a:r>
-          </a:p>
-          <a:p>
-            <a:r>
-              <a:rPr lang="de-DE" sz="2400" dirty="0"/>
-              <a:t>Aufgabenstellung</a:t>
-            </a:r>
-          </a:p>
-          <a:p>
-            <a:r>
-              <a:rPr lang="de-DE" sz="2400" dirty="0"/>
-              <a:t>Implementierung</a:t>
-            </a:r>
-          </a:p>
-          <a:p>
-            <a:pPr lvl="1"/>
-            <a:r>
-              <a:rPr lang="de-DE" sz="2000" dirty="0"/>
-              <a:t>Herangehensweise </a:t>
-            </a:r>
-          </a:p>
-          <a:p>
-            <a:pPr lvl="1"/>
-            <a:r>
-              <a:rPr lang="de-DE" sz="2000" dirty="0"/>
-              <a:t>Einführung in den Code</a:t>
-            </a:r>
-          </a:p>
-          <a:p>
-            <a:pPr lvl="1"/>
-            <a:r>
-              <a:rPr lang="de-DE" sz="2000" dirty="0"/>
-              <a:t>Präsentation des Ergebnisses</a:t>
-            </a:r>
-          </a:p>
-          <a:p>
-            <a:r>
-              <a:rPr lang="de-DE" sz="2400" dirty="0"/>
-              <a:t>Fazit </a:t>
-            </a:r>
-          </a:p>
-        </p:txBody>
-      </p:sp>
-    </p:spTree>
-    <p:extLst>
-      <p:ext uri="{BB962C8B-B14F-4D97-AF65-F5344CB8AC3E}">
-        <p14:creationId xmlns:p14="http://schemas.microsoft.com/office/powerpoint/2010/main" val="1278949465"/>
-      </p:ext>
-    </p:extLst>
-  </p:cSld>
-  <p:clrMapOvr>
-    <a:masterClrMapping/>
-  </p:clrMapOvr>
-</p:sld>
-</file>
-
-<file path=ppt/slides/slide20.xml><?xml version="1.0" encoding="utf-8"?>
+<file path=ppt/slides/slide21.xml><?xml version="1.0" encoding="utf-8"?>
 <p:sld xmlns:a="http://schemas.openxmlformats.org/drawingml/2006/main" xmlns:r="http://schemas.openxmlformats.org/officeDocument/2006/relationships" xmlns:p="http://schemas.openxmlformats.org/presentationml/2006/main">
   <p:cSld>
     <p:spTree>
@@ -8698,7 +9139,7 @@
 </p:sld>
 </file>
 
-<file path=ppt/slides/slide21.xml><?xml version="1.0" encoding="utf-8"?>
+<file path=ppt/slides/slide22.xml><?xml version="1.0" encoding="utf-8"?>
 <p:sld xmlns:a="http://schemas.openxmlformats.org/drawingml/2006/main" xmlns:r="http://schemas.openxmlformats.org/officeDocument/2006/relationships" xmlns:p="http://schemas.openxmlformats.org/presentationml/2006/main">
   <p:cSld>
     <p:bg>
@@ -8935,252 +9376,6 @@
     <p:extLst>
       <p:ext uri="{BB962C8B-B14F-4D97-AF65-F5344CB8AC3E}">
         <p14:creationId xmlns:p14="http://schemas.microsoft.com/office/powerpoint/2010/main" val="1206238072"/>
-      </p:ext>
-    </p:extLst>
-  </p:cSld>
-  <p:clrMapOvr>
-    <a:masterClrMapping/>
-  </p:clrMapOvr>
-</p:sld>
-</file>
-
-<file path=ppt/slides/slide22.xml><?xml version="1.0" encoding="utf-8"?>
-<p:sld xmlns:a="http://schemas.openxmlformats.org/drawingml/2006/main" xmlns:r="http://schemas.openxmlformats.org/officeDocument/2006/relationships" xmlns:p="http://schemas.openxmlformats.org/presentationml/2006/main">
-  <p:cSld>
-    <p:bg>
-      <p:bgPr>
-        <a:solidFill>
-          <a:schemeClr val="bg1"/>
-        </a:solidFill>
-        <a:effectLst/>
-      </p:bgPr>
-    </p:bg>
-    <p:spTree>
-      <p:nvGrpSpPr>
-        <p:cNvPr id="1" name=""/>
-        <p:cNvGrpSpPr/>
-        <p:nvPr/>
-      </p:nvGrpSpPr>
-      <p:grpSpPr>
-        <a:xfrm>
-          <a:off x="0" y="0"/>
-          <a:ext cx="0" cy="0"/>
-          <a:chOff x="0" y="0"/>
-          <a:chExt cx="0" cy="0"/>
-        </a:xfrm>
-      </p:grpSpPr>
-      <p:sp>
-        <p:nvSpPr>
-          <p:cNvPr id="19" name="Rectangle 18">
-            <a:extLst>
-              <a:ext uri="{FF2B5EF4-FFF2-40B4-BE49-F238E27FC236}">
-                <a16:creationId xmlns:a16="http://schemas.microsoft.com/office/drawing/2014/main" id="{8D70B121-56F4-4848-B38B-182089D909FA}"/>
-              </a:ext>
-              <a:ext uri="{C183D7F6-B498-43B3-948B-1728B52AA6E4}">
-                <adec:decorative xmlns:adec="http://schemas.microsoft.com/office/drawing/2017/decorative" val="1"/>
-              </a:ext>
-            </a:extLst>
-          </p:cNvPr>
-          <p:cNvSpPr>
-            <a:spLocks noGrp="1" noRot="1" noChangeAspect="1" noMove="1" noResize="1" noEditPoints="1" noAdjustHandles="1" noChangeArrowheads="1" noChangeShapeType="1" noTextEdit="1"/>
-          </p:cNvSpPr>
-          <p:nvPr>
-            <p:extLst>
-              <p:ext uri="{386F3935-93C4-4BCD-93E2-E3B085C9AB24}">
-                <p16:designElem xmlns:p16="http://schemas.microsoft.com/office/powerpoint/2015/main" val="1"/>
-              </p:ext>
-            </p:extLst>
-          </p:nvPr>
-        </p:nvSpPr>
-        <p:spPr bwMode="ltGray">
-          <a:xfrm>
-            <a:off x="321564" y="320040"/>
-            <a:ext cx="11548872" cy="6217920"/>
-          </a:xfrm>
-          <a:prstGeom prst="rect">
-            <a:avLst/>
-          </a:prstGeom>
-          <a:solidFill>
-            <a:schemeClr val="tx1">
-              <a:alpha val="8000"/>
-            </a:schemeClr>
-          </a:solidFill>
-          <a:ln w="127000" cap="sq" cmpd="thinThick">
-            <a:noFill/>
-          </a:ln>
-        </p:spPr>
-        <p:style>
-          <a:lnRef idx="2">
-            <a:schemeClr val="accent1">
-              <a:shade val="50000"/>
-            </a:schemeClr>
-          </a:lnRef>
-          <a:fillRef idx="1">
-            <a:schemeClr val="accent1"/>
-          </a:fillRef>
-          <a:effectRef idx="0">
-            <a:schemeClr val="accent1"/>
-          </a:effectRef>
-          <a:fontRef idx="minor">
-            <a:schemeClr val="lt1"/>
-          </a:fontRef>
-        </p:style>
-        <p:txBody>
-          <a:bodyPr rtlCol="0" anchor="ctr"/>
-          <a:lstStyle/>
-          <a:p>
-            <a:pPr algn="ctr"/>
-            <a:endParaRPr lang="en-US"/>
-          </a:p>
-        </p:txBody>
-      </p:sp>
-      <p:sp>
-        <p:nvSpPr>
-          <p:cNvPr id="2" name="Titel 1">
-            <a:extLst>
-              <a:ext uri="{FF2B5EF4-FFF2-40B4-BE49-F238E27FC236}">
-                <a16:creationId xmlns:a16="http://schemas.microsoft.com/office/drawing/2014/main" id="{35BFDC70-A169-E142-B051-5ABC9190E094}"/>
-              </a:ext>
-            </a:extLst>
-          </p:cNvPr>
-          <p:cNvSpPr>
-            <a:spLocks noGrp="1"/>
-          </p:cNvSpPr>
-          <p:nvPr>
-            <p:ph type="title"/>
-          </p:nvPr>
-        </p:nvSpPr>
-        <p:spPr>
-          <a:xfrm>
-            <a:off x="861390" y="963877"/>
-            <a:ext cx="3471171" cy="4930246"/>
-          </a:xfrm>
-        </p:spPr>
-        <p:txBody>
-          <a:bodyPr vert="horz" lIns="91440" tIns="45720" rIns="91440" bIns="45720" rtlCol="0">
-            <a:normAutofit/>
-          </a:bodyPr>
-          <a:lstStyle/>
-          <a:p>
-            <a:pPr algn="ctr"/>
-            <a:r>
-              <a:rPr lang="en-US" dirty="0" err="1">
-                <a:solidFill>
-                  <a:schemeClr val="accent1"/>
-                </a:solidFill>
-              </a:rPr>
-              <a:t>Einführung</a:t>
-            </a:r>
-            <a:r>
-              <a:rPr lang="en-US" dirty="0">
-                <a:solidFill>
-                  <a:schemeClr val="accent1"/>
-                </a:solidFill>
-              </a:rPr>
-              <a:t> in den Code</a:t>
-            </a:r>
-            <a:endParaRPr lang="en-US" kern="1200" dirty="0">
-              <a:solidFill>
-                <a:schemeClr val="accent1"/>
-              </a:solidFill>
-              <a:latin typeface="+mj-lt"/>
-              <a:ea typeface="+mj-ea"/>
-              <a:cs typeface="+mj-cs"/>
-            </a:endParaRPr>
-          </a:p>
-        </p:txBody>
-      </p:sp>
-      <p:cxnSp>
-        <p:nvCxnSpPr>
-          <p:cNvPr id="21" name="Straight Connector 20">
-            <a:extLst>
-              <a:ext uri="{FF2B5EF4-FFF2-40B4-BE49-F238E27FC236}">
-                <a16:creationId xmlns:a16="http://schemas.microsoft.com/office/drawing/2014/main" id="{2D72A2C9-F3CA-4216-8BAD-FA4C970C3C4E}"/>
-              </a:ext>
-              <a:ext uri="{C183D7F6-B498-43B3-948B-1728B52AA6E4}">
-                <adec:decorative xmlns:adec="http://schemas.microsoft.com/office/drawing/2017/decorative" val="1"/>
-              </a:ext>
-            </a:extLst>
-          </p:cNvPr>
-          <p:cNvCxnSpPr>
-            <a:cxnSpLocks noGrp="1" noRot="1" noChangeAspect="1" noMove="1" noResize="1" noEditPoints="1" noAdjustHandles="1" noChangeArrowheads="1" noChangeShapeType="1"/>
-          </p:cNvCxnSpPr>
-          <p:nvPr>
-            <p:extLst>
-              <p:ext uri="{386F3935-93C4-4BCD-93E2-E3B085C9AB24}">
-                <p16:designElem xmlns:p16="http://schemas.microsoft.com/office/powerpoint/2015/main" val="1"/>
-              </p:ext>
-            </p:extLst>
-          </p:nvPr>
-        </p:nvCxnSpPr>
-        <p:spPr>
-          <a:xfrm>
-            <a:off x="4654296" y="2057400"/>
-            <a:ext cx="0" cy="2743200"/>
-          </a:xfrm>
-          <a:prstGeom prst="line">
-            <a:avLst/>
-          </a:prstGeom>
-          <a:ln w="19050">
-            <a:solidFill>
-              <a:schemeClr val="tx1">
-                <a:lumMod val="85000"/>
-                <a:lumOff val="15000"/>
-              </a:schemeClr>
-            </a:solidFill>
-          </a:ln>
-        </p:spPr>
-        <p:style>
-          <a:lnRef idx="1">
-            <a:schemeClr val="accent1"/>
-          </a:lnRef>
-          <a:fillRef idx="0">
-            <a:schemeClr val="accent1"/>
-          </a:fillRef>
-          <a:effectRef idx="0">
-            <a:schemeClr val="accent1"/>
-          </a:effectRef>
-          <a:fontRef idx="minor">
-            <a:schemeClr val="tx1"/>
-          </a:fontRef>
-        </p:style>
-      </p:cxnSp>
-      <p:sp>
-        <p:nvSpPr>
-          <p:cNvPr id="8" name="Inhaltsplatzhalter 4">
-            <a:extLst>
-              <a:ext uri="{FF2B5EF4-FFF2-40B4-BE49-F238E27FC236}">
-                <a16:creationId xmlns:a16="http://schemas.microsoft.com/office/drawing/2014/main" id="{A8E625C4-6DB1-9D42-BFEA-DE37A6F928F3}"/>
-              </a:ext>
-            </a:extLst>
-          </p:cNvPr>
-          <p:cNvSpPr>
-            <a:spLocks noGrp="1"/>
-          </p:cNvSpPr>
-          <p:nvPr>
-            <p:ph idx="1"/>
-          </p:nvPr>
-        </p:nvSpPr>
-        <p:spPr>
-          <a:xfrm>
-            <a:off x="5097419" y="963877"/>
-            <a:ext cx="5686424" cy="4930246"/>
-          </a:xfrm>
-        </p:spPr>
-        <p:txBody>
-          <a:bodyPr anchor="ctr">
-            <a:normAutofit/>
-          </a:bodyPr>
-          <a:lstStyle/>
-          <a:p>
-            <a:endParaRPr lang="de-DE" dirty="0"/>
-          </a:p>
-        </p:txBody>
-      </p:sp>
-    </p:spTree>
-    <p:extLst>
-      <p:ext uri="{BB962C8B-B14F-4D97-AF65-F5344CB8AC3E}">
-        <p14:creationId xmlns:p14="http://schemas.microsoft.com/office/powerpoint/2010/main" val="3419493610"/>
       </p:ext>
     </p:extLst>
   </p:cSld>
@@ -9315,7 +9510,15 @@
                   <a:schemeClr val="accent1"/>
                 </a:solidFill>
               </a:rPr>
-              <a:t>Endergebnis</a:t>
+              <a:t>Einführung</a:t>
+            </a:r>
+            <a:r>
+              <a:rPr lang="en-US" dirty="0">
+                <a:solidFill>
+                  <a:schemeClr val="accent1"/>
+                </a:solidFill>
+              </a:rPr>
+              <a:t> in den Code</a:t>
             </a:r>
             <a:endParaRPr lang="en-US" kern="1200" dirty="0">
               <a:solidFill>
@@ -9411,33 +9614,6 @@
           </a:bodyPr>
           <a:lstStyle/>
           <a:p>
-            <a:pPr marL="0" indent="0">
-              <a:buNone/>
-            </a:pPr>
-            <a:r>
-              <a:rPr lang="de-DE" dirty="0">
-                <a:sym typeface="Wingdings" pitchFamily="2" charset="2"/>
-              </a:rPr>
-              <a:t> Swap </a:t>
-            </a:r>
-            <a:r>
-              <a:rPr lang="de-DE" dirty="0" err="1">
-                <a:sym typeface="Wingdings" pitchFamily="2" charset="2"/>
-              </a:rPr>
-              <a:t>to</a:t>
-            </a:r>
-            <a:r>
-              <a:rPr lang="de-DE" dirty="0">
-                <a:sym typeface="Wingdings" pitchFamily="2" charset="2"/>
-              </a:rPr>
-              <a:t> </a:t>
-            </a:r>
-            <a:r>
-              <a:rPr lang="de-DE" dirty="0" err="1">
-                <a:sym typeface="Wingdings" pitchFamily="2" charset="2"/>
-              </a:rPr>
-              <a:t>Sagemath</a:t>
-            </a:r>
             <a:endParaRPr lang="de-DE" dirty="0"/>
           </a:p>
         </p:txBody>
@@ -9445,7 +9621,7 @@
     </p:spTree>
     <p:extLst>
       <p:ext uri="{BB962C8B-B14F-4D97-AF65-F5344CB8AC3E}">
-        <p14:creationId xmlns:p14="http://schemas.microsoft.com/office/powerpoint/2010/main" val="1266032376"/>
+        <p14:creationId xmlns:p14="http://schemas.microsoft.com/office/powerpoint/2010/main" val="3419493610"/>
       </p:ext>
     </p:extLst>
   </p:cSld>
@@ -9575,15 +9751,12 @@
           <a:p>
             <a:pPr algn="ctr"/>
             <a:r>
-              <a:rPr lang="en-US" kern="1200" dirty="0" err="1">
+              <a:rPr lang="en-US" dirty="0" err="1">
                 <a:solidFill>
                   <a:schemeClr val="accent1"/>
                 </a:solidFill>
-                <a:latin typeface="+mj-lt"/>
-                <a:ea typeface="+mj-ea"/>
-                <a:cs typeface="+mj-cs"/>
               </a:rPr>
-              <a:t>Fazit</a:t>
+              <a:t>Endergebnis</a:t>
             </a:r>
             <a:endParaRPr lang="en-US" kern="1200" dirty="0">
               <a:solidFill>
@@ -9682,6 +9855,30 @@
             <a:pPr marL="0" indent="0">
               <a:buNone/>
             </a:pPr>
+            <a:r>
+              <a:rPr lang="de-DE" dirty="0">
+                <a:sym typeface="Wingdings" pitchFamily="2" charset="2"/>
+              </a:rPr>
+              <a:t> Swap </a:t>
+            </a:r>
+            <a:r>
+              <a:rPr lang="de-DE" dirty="0" err="1">
+                <a:sym typeface="Wingdings" pitchFamily="2" charset="2"/>
+              </a:rPr>
+              <a:t>to</a:t>
+            </a:r>
+            <a:r>
+              <a:rPr lang="de-DE" dirty="0">
+                <a:sym typeface="Wingdings" pitchFamily="2" charset="2"/>
+              </a:rPr>
+              <a:t> </a:t>
+            </a:r>
+            <a:r>
+              <a:rPr lang="de-DE" dirty="0" err="1">
+                <a:sym typeface="Wingdings" pitchFamily="2" charset="2"/>
+              </a:rPr>
+              <a:t>Sagemath</a:t>
+            </a:r>
             <a:endParaRPr lang="de-DE" dirty="0"/>
           </a:p>
         </p:txBody>
@@ -9689,7 +9886,7 @@
     </p:spTree>
     <p:extLst>
       <p:ext uri="{BB962C8B-B14F-4D97-AF65-F5344CB8AC3E}">
-        <p14:creationId xmlns:p14="http://schemas.microsoft.com/office/powerpoint/2010/main" val="3670826346"/>
+        <p14:creationId xmlns:p14="http://schemas.microsoft.com/office/powerpoint/2010/main" val="1266032376"/>
       </p:ext>
     </p:extLst>
   </p:cSld>
@@ -9807,8 +10004,8 @@
         </p:nvSpPr>
         <p:spPr>
           <a:xfrm>
-            <a:off x="401956" y="963877"/>
-            <a:ext cx="4171949" cy="4930246"/>
+            <a:off x="861390" y="963877"/>
+            <a:ext cx="3471171" cy="4930246"/>
           </a:xfrm>
         </p:spPr>
         <p:txBody>
@@ -9819,7 +10016,7 @@
           <a:p>
             <a:pPr algn="ctr"/>
             <a:r>
-              <a:rPr lang="en-US" sz="4000" kern="1200" dirty="0" err="1">
+              <a:rPr lang="en-US" kern="1200" dirty="0" err="1">
                 <a:solidFill>
                   <a:schemeClr val="accent1"/>
                 </a:solidFill>
@@ -9827,9 +10024,9 @@
                 <a:ea typeface="+mj-ea"/>
                 <a:cs typeface="+mj-cs"/>
               </a:rPr>
-              <a:t>Quellen</a:t>
-            </a:r>
-            <a:endParaRPr lang="en-US" sz="4000" kern="1200" dirty="0">
+              <a:t>Fazit</a:t>
+            </a:r>
+            <a:endParaRPr lang="en-US" kern="1200" dirty="0">
               <a:solidFill>
                 <a:schemeClr val="accent1"/>
               </a:solidFill>
@@ -9900,6 +10097,250 @@
           <p:cNvPr id="8" name="Inhaltsplatzhalter 4">
             <a:extLst>
               <a:ext uri="{FF2B5EF4-FFF2-40B4-BE49-F238E27FC236}">
+                <a16:creationId xmlns:a16="http://schemas.microsoft.com/office/drawing/2014/main" id="{A8E625C4-6DB1-9D42-BFEA-DE37A6F928F3}"/>
+              </a:ext>
+            </a:extLst>
+          </p:cNvPr>
+          <p:cNvSpPr>
+            <a:spLocks noGrp="1"/>
+          </p:cNvSpPr>
+          <p:nvPr>
+            <p:ph idx="1"/>
+          </p:nvPr>
+        </p:nvSpPr>
+        <p:spPr>
+          <a:xfrm>
+            <a:off x="5097419" y="963877"/>
+            <a:ext cx="5686424" cy="4930246"/>
+          </a:xfrm>
+        </p:spPr>
+        <p:txBody>
+          <a:bodyPr anchor="ctr">
+            <a:normAutofit/>
+          </a:bodyPr>
+          <a:lstStyle/>
+          <a:p>
+            <a:pPr marL="0" indent="0">
+              <a:buNone/>
+            </a:pPr>
+            <a:endParaRPr lang="de-DE" dirty="0"/>
+          </a:p>
+        </p:txBody>
+      </p:sp>
+    </p:spTree>
+    <p:extLst>
+      <p:ext uri="{BB962C8B-B14F-4D97-AF65-F5344CB8AC3E}">
+        <p14:creationId xmlns:p14="http://schemas.microsoft.com/office/powerpoint/2010/main" val="3670826346"/>
+      </p:ext>
+    </p:extLst>
+  </p:cSld>
+  <p:clrMapOvr>
+    <a:masterClrMapping/>
+  </p:clrMapOvr>
+</p:sld>
+</file>
+
+<file path=ppt/slides/slide26.xml><?xml version="1.0" encoding="utf-8"?>
+<p:sld xmlns:a="http://schemas.openxmlformats.org/drawingml/2006/main" xmlns:r="http://schemas.openxmlformats.org/officeDocument/2006/relationships" xmlns:p="http://schemas.openxmlformats.org/presentationml/2006/main">
+  <p:cSld>
+    <p:bg>
+      <p:bgPr>
+        <a:solidFill>
+          <a:schemeClr val="bg1"/>
+        </a:solidFill>
+        <a:effectLst/>
+      </p:bgPr>
+    </p:bg>
+    <p:spTree>
+      <p:nvGrpSpPr>
+        <p:cNvPr id="1" name=""/>
+        <p:cNvGrpSpPr/>
+        <p:nvPr/>
+      </p:nvGrpSpPr>
+      <p:grpSpPr>
+        <a:xfrm>
+          <a:off x="0" y="0"/>
+          <a:ext cx="0" cy="0"/>
+          <a:chOff x="0" y="0"/>
+          <a:chExt cx="0" cy="0"/>
+        </a:xfrm>
+      </p:grpSpPr>
+      <p:sp>
+        <p:nvSpPr>
+          <p:cNvPr id="19" name="Rectangle 18">
+            <a:extLst>
+              <a:ext uri="{FF2B5EF4-FFF2-40B4-BE49-F238E27FC236}">
+                <a16:creationId xmlns:a16="http://schemas.microsoft.com/office/drawing/2014/main" id="{8D70B121-56F4-4848-B38B-182089D909FA}"/>
+              </a:ext>
+              <a:ext uri="{C183D7F6-B498-43B3-948B-1728B52AA6E4}">
+                <adec:decorative xmlns:adec="http://schemas.microsoft.com/office/drawing/2017/decorative" val="1"/>
+              </a:ext>
+            </a:extLst>
+          </p:cNvPr>
+          <p:cNvSpPr>
+            <a:spLocks noGrp="1" noRot="1" noChangeAspect="1" noMove="1" noResize="1" noEditPoints="1" noAdjustHandles="1" noChangeArrowheads="1" noChangeShapeType="1" noTextEdit="1"/>
+          </p:cNvSpPr>
+          <p:nvPr>
+            <p:extLst>
+              <p:ext uri="{386F3935-93C4-4BCD-93E2-E3B085C9AB24}">
+                <p16:designElem xmlns:p16="http://schemas.microsoft.com/office/powerpoint/2015/main" val="1"/>
+              </p:ext>
+            </p:extLst>
+          </p:nvPr>
+        </p:nvSpPr>
+        <p:spPr bwMode="ltGray">
+          <a:xfrm>
+            <a:off x="321564" y="320040"/>
+            <a:ext cx="11548872" cy="6217920"/>
+          </a:xfrm>
+          <a:prstGeom prst="rect">
+            <a:avLst/>
+          </a:prstGeom>
+          <a:solidFill>
+            <a:schemeClr val="tx1">
+              <a:alpha val="8000"/>
+            </a:schemeClr>
+          </a:solidFill>
+          <a:ln w="127000" cap="sq" cmpd="thinThick">
+            <a:noFill/>
+          </a:ln>
+        </p:spPr>
+        <p:style>
+          <a:lnRef idx="2">
+            <a:schemeClr val="accent1">
+              <a:shade val="50000"/>
+            </a:schemeClr>
+          </a:lnRef>
+          <a:fillRef idx="1">
+            <a:schemeClr val="accent1"/>
+          </a:fillRef>
+          <a:effectRef idx="0">
+            <a:schemeClr val="accent1"/>
+          </a:effectRef>
+          <a:fontRef idx="minor">
+            <a:schemeClr val="lt1"/>
+          </a:fontRef>
+        </p:style>
+        <p:txBody>
+          <a:bodyPr rtlCol="0" anchor="ctr"/>
+          <a:lstStyle/>
+          <a:p>
+            <a:pPr algn="ctr"/>
+            <a:endParaRPr lang="en-US"/>
+          </a:p>
+        </p:txBody>
+      </p:sp>
+      <p:sp>
+        <p:nvSpPr>
+          <p:cNvPr id="2" name="Titel 1">
+            <a:extLst>
+              <a:ext uri="{FF2B5EF4-FFF2-40B4-BE49-F238E27FC236}">
+                <a16:creationId xmlns:a16="http://schemas.microsoft.com/office/drawing/2014/main" id="{35BFDC70-A169-E142-B051-5ABC9190E094}"/>
+              </a:ext>
+            </a:extLst>
+          </p:cNvPr>
+          <p:cNvSpPr>
+            <a:spLocks noGrp="1"/>
+          </p:cNvSpPr>
+          <p:nvPr>
+            <p:ph type="title"/>
+          </p:nvPr>
+        </p:nvSpPr>
+        <p:spPr>
+          <a:xfrm>
+            <a:off x="401956" y="963877"/>
+            <a:ext cx="4171949" cy="4930246"/>
+          </a:xfrm>
+        </p:spPr>
+        <p:txBody>
+          <a:bodyPr vert="horz" lIns="91440" tIns="45720" rIns="91440" bIns="45720" rtlCol="0">
+            <a:normAutofit/>
+          </a:bodyPr>
+          <a:lstStyle/>
+          <a:p>
+            <a:pPr algn="ctr"/>
+            <a:r>
+              <a:rPr lang="en-US" sz="4000" kern="1200" dirty="0" err="1">
+                <a:solidFill>
+                  <a:schemeClr val="accent1"/>
+                </a:solidFill>
+                <a:latin typeface="+mj-lt"/>
+                <a:ea typeface="+mj-ea"/>
+                <a:cs typeface="+mj-cs"/>
+              </a:rPr>
+              <a:t>Quellen</a:t>
+            </a:r>
+            <a:endParaRPr lang="en-US" sz="4000" kern="1200" dirty="0">
+              <a:solidFill>
+                <a:schemeClr val="accent1"/>
+              </a:solidFill>
+              <a:latin typeface="+mj-lt"/>
+              <a:ea typeface="+mj-ea"/>
+              <a:cs typeface="+mj-cs"/>
+            </a:endParaRPr>
+          </a:p>
+        </p:txBody>
+      </p:sp>
+      <p:cxnSp>
+        <p:nvCxnSpPr>
+          <p:cNvPr id="21" name="Straight Connector 20">
+            <a:extLst>
+              <a:ext uri="{FF2B5EF4-FFF2-40B4-BE49-F238E27FC236}">
+                <a16:creationId xmlns:a16="http://schemas.microsoft.com/office/drawing/2014/main" id="{2D72A2C9-F3CA-4216-8BAD-FA4C970C3C4E}"/>
+              </a:ext>
+              <a:ext uri="{C183D7F6-B498-43B3-948B-1728B52AA6E4}">
+                <adec:decorative xmlns:adec="http://schemas.microsoft.com/office/drawing/2017/decorative" val="1"/>
+              </a:ext>
+            </a:extLst>
+          </p:cNvPr>
+          <p:cNvCxnSpPr>
+            <a:cxnSpLocks noGrp="1" noRot="1" noChangeAspect="1" noMove="1" noResize="1" noEditPoints="1" noAdjustHandles="1" noChangeArrowheads="1" noChangeShapeType="1"/>
+          </p:cNvCxnSpPr>
+          <p:nvPr>
+            <p:extLst>
+              <p:ext uri="{386F3935-93C4-4BCD-93E2-E3B085C9AB24}">
+                <p16:designElem xmlns:p16="http://schemas.microsoft.com/office/powerpoint/2015/main" val="1"/>
+              </p:ext>
+            </p:extLst>
+          </p:nvPr>
+        </p:nvCxnSpPr>
+        <p:spPr>
+          <a:xfrm>
+            <a:off x="4654296" y="2057400"/>
+            <a:ext cx="0" cy="2743200"/>
+          </a:xfrm>
+          <a:prstGeom prst="line">
+            <a:avLst/>
+          </a:prstGeom>
+          <a:ln w="19050">
+            <a:solidFill>
+              <a:schemeClr val="tx1">
+                <a:lumMod val="85000"/>
+                <a:lumOff val="15000"/>
+              </a:schemeClr>
+            </a:solidFill>
+          </a:ln>
+        </p:spPr>
+        <p:style>
+          <a:lnRef idx="1">
+            <a:schemeClr val="accent1"/>
+          </a:lnRef>
+          <a:fillRef idx="0">
+            <a:schemeClr val="accent1"/>
+          </a:fillRef>
+          <a:effectRef idx="0">
+            <a:schemeClr val="accent1"/>
+          </a:effectRef>
+          <a:fontRef idx="minor">
+            <a:schemeClr val="tx1"/>
+          </a:fontRef>
+        </p:style>
+      </p:cxnSp>
+      <p:sp>
+        <p:nvSpPr>
+          <p:cNvPr id="8" name="Inhaltsplatzhalter 4">
+            <a:extLst>
+              <a:ext uri="{FF2B5EF4-FFF2-40B4-BE49-F238E27FC236}">
                 <a16:creationId xmlns:a16="http://schemas.microsoft.com/office/drawing/2014/main" id="{C28895E4-2A18-3F46-B985-F6164DBE329F}"/>
               </a:ext>
             </a:extLst>
@@ -9973,7 +10414,7 @@
 </p:sld>
 </file>
 
-<file path=ppt/slides/slide26.xml><?xml version="1.0" encoding="utf-8"?>
+<file path=ppt/slides/slide27.xml><?xml version="1.0" encoding="utf-8"?>
 <p:sld xmlns:a="http://schemas.openxmlformats.org/drawingml/2006/main" xmlns:r="http://schemas.openxmlformats.org/officeDocument/2006/relationships" xmlns:p="http://schemas.openxmlformats.org/presentationml/2006/main">
   <p:cSld>
     <p:bg>
@@ -10523,6 +10964,425 @@
 </file>
 
 <file path=ppt/slides/slide4.xml><?xml version="1.0" encoding="utf-8"?>
+<p:sld xmlns:a="http://schemas.openxmlformats.org/drawingml/2006/main" xmlns:r="http://schemas.openxmlformats.org/officeDocument/2006/relationships" xmlns:p="http://schemas.openxmlformats.org/presentationml/2006/main">
+  <p:cSld>
+    <p:bg>
+      <p:bgPr>
+        <a:solidFill>
+          <a:schemeClr val="bg1"/>
+        </a:solidFill>
+        <a:effectLst/>
+      </p:bgPr>
+    </p:bg>
+    <p:spTree>
+      <p:nvGrpSpPr>
+        <p:cNvPr id="1" name=""/>
+        <p:cNvGrpSpPr/>
+        <p:nvPr/>
+      </p:nvGrpSpPr>
+      <p:grpSpPr>
+        <a:xfrm>
+          <a:off x="0" y="0"/>
+          <a:ext cx="0" cy="0"/>
+          <a:chOff x="0" y="0"/>
+          <a:chExt cx="0" cy="0"/>
+        </a:xfrm>
+      </p:grpSpPr>
+      <p:sp>
+        <p:nvSpPr>
+          <p:cNvPr id="19" name="Rectangle 18">
+            <a:extLst>
+              <a:ext uri="{FF2B5EF4-FFF2-40B4-BE49-F238E27FC236}">
+                <a16:creationId xmlns:a16="http://schemas.microsoft.com/office/drawing/2014/main" id="{8D70B121-56F4-4848-B38B-182089D909FA}"/>
+              </a:ext>
+              <a:ext uri="{C183D7F6-B498-43B3-948B-1728B52AA6E4}">
+                <adec:decorative xmlns:adec="http://schemas.microsoft.com/office/drawing/2017/decorative" val="1"/>
+              </a:ext>
+            </a:extLst>
+          </p:cNvPr>
+          <p:cNvSpPr>
+            <a:spLocks noGrp="1" noRot="1" noChangeAspect="1" noMove="1" noResize="1" noEditPoints="1" noAdjustHandles="1" noChangeArrowheads="1" noChangeShapeType="1" noTextEdit="1"/>
+          </p:cNvSpPr>
+          <p:nvPr>
+            <p:extLst>
+              <p:ext uri="{386F3935-93C4-4BCD-93E2-E3B085C9AB24}">
+                <p16:designElem xmlns:p16="http://schemas.microsoft.com/office/powerpoint/2015/main" val="1"/>
+              </p:ext>
+            </p:extLst>
+          </p:nvPr>
+        </p:nvSpPr>
+        <p:spPr bwMode="ltGray">
+          <a:xfrm>
+            <a:off x="321564" y="320040"/>
+            <a:ext cx="11548872" cy="6217920"/>
+          </a:xfrm>
+          <a:prstGeom prst="rect">
+            <a:avLst/>
+          </a:prstGeom>
+          <a:solidFill>
+            <a:schemeClr val="tx1">
+              <a:alpha val="8000"/>
+            </a:schemeClr>
+          </a:solidFill>
+          <a:ln w="127000" cap="sq" cmpd="thinThick">
+            <a:noFill/>
+          </a:ln>
+        </p:spPr>
+        <p:style>
+          <a:lnRef idx="2">
+            <a:schemeClr val="accent1">
+              <a:shade val="50000"/>
+            </a:schemeClr>
+          </a:lnRef>
+          <a:fillRef idx="1">
+            <a:schemeClr val="accent1"/>
+          </a:fillRef>
+          <a:effectRef idx="0">
+            <a:schemeClr val="accent1"/>
+          </a:effectRef>
+          <a:fontRef idx="minor">
+            <a:schemeClr val="lt1"/>
+          </a:fontRef>
+        </p:style>
+        <p:txBody>
+          <a:bodyPr rtlCol="0" anchor="ctr"/>
+          <a:lstStyle/>
+          <a:p>
+            <a:pPr marL="0" marR="0" lvl="0" indent="0" algn="ctr" defTabSz="914400" rtl="0" eaLnBrk="1" fontAlgn="auto" latinLnBrk="0" hangingPunct="1">
+              <a:lnSpc>
+                <a:spcPct val="100000"/>
+              </a:lnSpc>
+              <a:spcBef>
+                <a:spcPts val="0"/>
+              </a:spcBef>
+              <a:spcAft>
+                <a:spcPts val="0"/>
+              </a:spcAft>
+              <a:buClrTx/>
+              <a:buSzTx/>
+              <a:buFontTx/>
+              <a:buNone/>
+              <a:tabLst/>
+              <a:defRPr/>
+            </a:pPr>
+            <a:endParaRPr kumimoji="0" lang="en-US" sz="1800" b="0" i="0" u="none" strike="noStrike" kern="1200" cap="none" spc="0" normalizeH="0" baseline="0" noProof="0">
+              <a:ln>
+                <a:noFill/>
+              </a:ln>
+              <a:solidFill>
+                <a:prstClr val="white"/>
+              </a:solidFill>
+              <a:effectLst/>
+              <a:uLnTx/>
+              <a:uFillTx/>
+              <a:latin typeface="Calibri" panose="020F0502020204030204"/>
+              <a:ea typeface="+mn-ea"/>
+              <a:cs typeface="+mn-cs"/>
+            </a:endParaRPr>
+          </a:p>
+        </p:txBody>
+      </p:sp>
+      <p:cxnSp>
+        <p:nvCxnSpPr>
+          <p:cNvPr id="21" name="Straight Connector 20">
+            <a:extLst>
+              <a:ext uri="{FF2B5EF4-FFF2-40B4-BE49-F238E27FC236}">
+                <a16:creationId xmlns:a16="http://schemas.microsoft.com/office/drawing/2014/main" id="{2D72A2C9-F3CA-4216-8BAD-FA4C970C3C4E}"/>
+              </a:ext>
+              <a:ext uri="{C183D7F6-B498-43B3-948B-1728B52AA6E4}">
+                <adec:decorative xmlns:adec="http://schemas.microsoft.com/office/drawing/2017/decorative" val="1"/>
+              </a:ext>
+            </a:extLst>
+          </p:cNvPr>
+          <p:cNvCxnSpPr>
+            <a:cxnSpLocks noGrp="1" noRot="1" noChangeAspect="1" noMove="1" noResize="1" noEditPoints="1" noAdjustHandles="1" noChangeArrowheads="1" noChangeShapeType="1"/>
+          </p:cNvCxnSpPr>
+          <p:nvPr>
+            <p:extLst>
+              <p:ext uri="{386F3935-93C4-4BCD-93E2-E3B085C9AB24}">
+                <p16:designElem xmlns:p16="http://schemas.microsoft.com/office/powerpoint/2015/main" val="1"/>
+              </p:ext>
+            </p:extLst>
+          </p:nvPr>
+        </p:nvCxnSpPr>
+        <p:spPr>
+          <a:xfrm>
+            <a:off x="4654296" y="2057400"/>
+            <a:ext cx="0" cy="2743200"/>
+          </a:xfrm>
+          <a:prstGeom prst="line">
+            <a:avLst/>
+          </a:prstGeom>
+          <a:ln w="19050">
+            <a:solidFill>
+              <a:schemeClr val="tx1">
+                <a:lumMod val="85000"/>
+                <a:lumOff val="15000"/>
+              </a:schemeClr>
+            </a:solidFill>
+          </a:ln>
+        </p:spPr>
+        <p:style>
+          <a:lnRef idx="1">
+            <a:schemeClr val="accent1"/>
+          </a:lnRef>
+          <a:fillRef idx="0">
+            <a:schemeClr val="accent1"/>
+          </a:fillRef>
+          <a:effectRef idx="0">
+            <a:schemeClr val="accent1"/>
+          </a:effectRef>
+          <a:fontRef idx="minor">
+            <a:schemeClr val="tx1"/>
+          </a:fontRef>
+        </p:style>
+      </p:cxnSp>
+      <p:sp>
+        <p:nvSpPr>
+          <p:cNvPr id="5" name="Rechteck 4">
+            <a:extLst>
+              <a:ext uri="{FF2B5EF4-FFF2-40B4-BE49-F238E27FC236}">
+                <a16:creationId xmlns:a16="http://schemas.microsoft.com/office/drawing/2014/main" id="{6C91387F-AF56-614F-B14F-5E345367B7AF}"/>
+              </a:ext>
+            </a:extLst>
+          </p:cNvPr>
+          <p:cNvSpPr/>
+          <p:nvPr/>
+        </p:nvSpPr>
+        <p:spPr>
+          <a:xfrm>
+            <a:off x="321564" y="320040"/>
+            <a:ext cx="11548872" cy="6217920"/>
+          </a:xfrm>
+          <a:prstGeom prst="rect">
+            <a:avLst/>
+          </a:prstGeom>
+          <a:solidFill>
+            <a:schemeClr val="bg2"/>
+          </a:solidFill>
+          <a:ln>
+            <a:noFill/>
+          </a:ln>
+        </p:spPr>
+        <p:style>
+          <a:lnRef idx="2">
+            <a:schemeClr val="accent1">
+              <a:shade val="50000"/>
+            </a:schemeClr>
+          </a:lnRef>
+          <a:fillRef idx="1">
+            <a:schemeClr val="accent1"/>
+          </a:fillRef>
+          <a:effectRef idx="0">
+            <a:schemeClr val="accent1"/>
+          </a:effectRef>
+          <a:fontRef idx="minor">
+            <a:schemeClr val="lt1"/>
+          </a:fontRef>
+        </p:style>
+        <p:txBody>
+          <a:bodyPr rtlCol="0" anchor="ctr"/>
+          <a:lstStyle/>
+          <a:p>
+            <a:pPr marL="0" marR="0" lvl="0" indent="0" algn="ctr" defTabSz="914400" rtl="0" eaLnBrk="1" fontAlgn="auto" latinLnBrk="0" hangingPunct="1">
+              <a:lnSpc>
+                <a:spcPct val="100000"/>
+              </a:lnSpc>
+              <a:spcBef>
+                <a:spcPts val="0"/>
+              </a:spcBef>
+              <a:spcAft>
+                <a:spcPts val="0"/>
+              </a:spcAft>
+              <a:buClrTx/>
+              <a:buSzTx/>
+              <a:buFontTx/>
+              <a:buNone/>
+              <a:tabLst/>
+              <a:defRPr/>
+            </a:pPr>
+            <a:endParaRPr kumimoji="0" lang="de-DE" sz="1800" b="0" i="0" u="none" strike="noStrike" kern="1200" cap="none" spc="0" normalizeH="0" baseline="0" noProof="0">
+              <a:ln>
+                <a:noFill/>
+              </a:ln>
+              <a:solidFill>
+                <a:prstClr val="white"/>
+              </a:solidFill>
+              <a:effectLst/>
+              <a:uLnTx/>
+              <a:uFillTx/>
+              <a:latin typeface="Calibri" panose="020F0502020204030204"/>
+              <a:ea typeface="+mn-ea"/>
+              <a:cs typeface="+mn-cs"/>
+            </a:endParaRPr>
+          </a:p>
+        </p:txBody>
+      </p:sp>
+      <p:sp>
+        <p:nvSpPr>
+          <p:cNvPr id="2" name="Titel 1">
+            <a:extLst>
+              <a:ext uri="{FF2B5EF4-FFF2-40B4-BE49-F238E27FC236}">
+                <a16:creationId xmlns:a16="http://schemas.microsoft.com/office/drawing/2014/main" id="{35BFDC70-A169-E142-B051-5ABC9190E094}"/>
+              </a:ext>
+            </a:extLst>
+          </p:cNvPr>
+          <p:cNvSpPr>
+            <a:spLocks noGrp="1"/>
+          </p:cNvSpPr>
+          <p:nvPr>
+            <p:ph type="title"/>
+          </p:nvPr>
+        </p:nvSpPr>
+        <p:spPr>
+          <a:xfrm>
+            <a:off x="4010025" y="963877"/>
+            <a:ext cx="4171949" cy="4930246"/>
+          </a:xfrm>
+        </p:spPr>
+        <p:txBody>
+          <a:bodyPr vert="horz" lIns="91440" tIns="45720" rIns="91440" bIns="45720" rtlCol="0">
+            <a:normAutofit/>
+          </a:bodyPr>
+          <a:lstStyle/>
+          <a:p>
+            <a:pPr algn="ctr"/>
+            <a:endParaRPr lang="en-US" sz="4000" kern="1200" dirty="0">
+              <a:solidFill>
+                <a:schemeClr val="accent1"/>
+              </a:solidFill>
+              <a:latin typeface="+mj-lt"/>
+              <a:ea typeface="+mj-ea"/>
+              <a:cs typeface="+mj-cs"/>
+            </a:endParaRPr>
+          </a:p>
+        </p:txBody>
+      </p:sp>
+      <p:sp>
+        <p:nvSpPr>
+          <p:cNvPr id="6" name="Rechteck 5">
+            <a:extLst>
+              <a:ext uri="{FF2B5EF4-FFF2-40B4-BE49-F238E27FC236}">
+                <a16:creationId xmlns:a16="http://schemas.microsoft.com/office/drawing/2014/main" id="{B21205B6-3884-4AD1-996C-39D66F295553}"/>
+              </a:ext>
+            </a:extLst>
+          </p:cNvPr>
+          <p:cNvSpPr/>
+          <p:nvPr/>
+        </p:nvSpPr>
+        <p:spPr>
+          <a:xfrm>
+            <a:off x="321564" y="273741"/>
+            <a:ext cx="11548872" cy="6217920"/>
+          </a:xfrm>
+          <a:prstGeom prst="rect">
+            <a:avLst/>
+          </a:prstGeom>
+          <a:solidFill>
+            <a:schemeClr val="bg2"/>
+          </a:solidFill>
+          <a:ln>
+            <a:noFill/>
+          </a:ln>
+        </p:spPr>
+        <p:style>
+          <a:lnRef idx="2">
+            <a:schemeClr val="accent1">
+              <a:shade val="50000"/>
+            </a:schemeClr>
+          </a:lnRef>
+          <a:fillRef idx="1">
+            <a:schemeClr val="accent1"/>
+          </a:fillRef>
+          <a:effectRef idx="0">
+            <a:schemeClr val="accent1"/>
+          </a:effectRef>
+          <a:fontRef idx="minor">
+            <a:schemeClr val="lt1"/>
+          </a:fontRef>
+        </p:style>
+        <p:txBody>
+          <a:bodyPr rtlCol="0" anchor="ctr"/>
+          <a:lstStyle/>
+          <a:p>
+            <a:pPr marL="0" marR="0" lvl="0" indent="0" algn="ctr" defTabSz="914400" rtl="0" eaLnBrk="1" fontAlgn="auto" latinLnBrk="0" hangingPunct="1">
+              <a:lnSpc>
+                <a:spcPct val="100000"/>
+              </a:lnSpc>
+              <a:spcBef>
+                <a:spcPts val="0"/>
+              </a:spcBef>
+              <a:spcAft>
+                <a:spcPts val="0"/>
+              </a:spcAft>
+              <a:buClrTx/>
+              <a:buSzTx/>
+              <a:buFontTx/>
+              <a:buNone/>
+              <a:tabLst/>
+              <a:defRPr/>
+            </a:pPr>
+            <a:endParaRPr kumimoji="0" lang="de-DE" sz="1800" b="0" i="0" u="none" strike="noStrike" kern="1200" cap="none" spc="0" normalizeH="0" baseline="0" noProof="0">
+              <a:ln>
+                <a:noFill/>
+              </a:ln>
+              <a:solidFill>
+                <a:prstClr val="white"/>
+              </a:solidFill>
+              <a:effectLst/>
+              <a:uLnTx/>
+              <a:uFillTx/>
+              <a:latin typeface="Calibri" panose="020F0502020204030204"/>
+              <a:ea typeface="+mn-ea"/>
+              <a:cs typeface="+mn-cs"/>
+            </a:endParaRPr>
+          </a:p>
+        </p:txBody>
+      </p:sp>
+      <p:pic>
+        <p:nvPicPr>
+          <p:cNvPr id="4" name="Grafik 3">
+            <a:extLst>
+              <a:ext uri="{FF2B5EF4-FFF2-40B4-BE49-F238E27FC236}">
+                <a16:creationId xmlns:a16="http://schemas.microsoft.com/office/drawing/2014/main" id="{598EC89C-34CA-4D3A-BEEF-D088516C41D8}"/>
+              </a:ext>
+            </a:extLst>
+          </p:cNvPr>
+          <p:cNvPicPr>
+            <a:picLocks noChangeAspect="1"/>
+          </p:cNvPicPr>
+          <p:nvPr/>
+        </p:nvPicPr>
+        <p:blipFill>
+          <a:blip r:embed="rId3"/>
+          <a:stretch>
+            <a:fillRect/>
+          </a:stretch>
+        </p:blipFill>
+        <p:spPr>
+          <a:xfrm>
+            <a:off x="2317588" y="267133"/>
+            <a:ext cx="6317126" cy="6317126"/>
+          </a:xfrm>
+          <a:prstGeom prst="rect">
+            <a:avLst/>
+          </a:prstGeom>
+        </p:spPr>
+      </p:pic>
+    </p:spTree>
+    <p:extLst>
+      <p:ext uri="{BB962C8B-B14F-4D97-AF65-F5344CB8AC3E}">
+        <p14:creationId xmlns:p14="http://schemas.microsoft.com/office/powerpoint/2010/main" val="2427320535"/>
+      </p:ext>
+    </p:extLst>
+  </p:cSld>
+  <p:clrMapOvr>
+    <a:masterClrMapping/>
+  </p:clrMapOvr>
+</p:sld>
+</file>
+
+<file path=ppt/slides/slide5.xml><?xml version="1.0" encoding="utf-8"?>
 <p:sld xmlns:a="http://schemas.openxmlformats.org/drawingml/2006/main" xmlns:r="http://schemas.openxmlformats.org/officeDocument/2006/relationships" xmlns:p="http://schemas.openxmlformats.org/presentationml/2006/main">
   <p:cSld>
     <p:bg>
@@ -10817,7 +11677,7 @@
 </p:sld>
 </file>
 
-<file path=ppt/slides/slide5.xml><?xml version="1.0" encoding="utf-8"?>
+<file path=ppt/slides/slide6.xml><?xml version="1.0" encoding="utf-8"?>
 <p:sld xmlns:a="http://schemas.openxmlformats.org/drawingml/2006/main" xmlns:r="http://schemas.openxmlformats.org/officeDocument/2006/relationships" xmlns:p="http://schemas.openxmlformats.org/presentationml/2006/main">
   <p:cSld>
     <p:bg>
@@ -11446,7 +12306,7 @@
 </p:sld>
 </file>
 
-<file path=ppt/slides/slide6.xml><?xml version="1.0" encoding="utf-8"?>
+<file path=ppt/slides/slide7.xml><?xml version="1.0" encoding="utf-8"?>
 <p:sld xmlns:a="http://schemas.openxmlformats.org/drawingml/2006/main" xmlns:r="http://schemas.openxmlformats.org/officeDocument/2006/relationships" xmlns:p="http://schemas.openxmlformats.org/presentationml/2006/main">
   <p:cSld>
     <p:bg>
@@ -11772,7 +12632,7 @@
 </p:sld>
 </file>
 
-<file path=ppt/slides/slide7.xml><?xml version="1.0" encoding="utf-8"?>
+<file path=ppt/slides/slide8.xml><?xml version="1.0" encoding="utf-8"?>
 <p:sld xmlns:a="http://schemas.openxmlformats.org/drawingml/2006/main" xmlns:r="http://schemas.openxmlformats.org/officeDocument/2006/relationships" xmlns:p="http://schemas.openxmlformats.org/presentationml/2006/main">
   <p:cSld>
     <p:bg>
@@ -12563,7 +13423,7 @@
 </p:sld>
 </file>
 
-<file path=ppt/slides/slide8.xml><?xml version="1.0" encoding="utf-8"?>
+<file path=ppt/slides/slide9.xml><?xml version="1.0" encoding="utf-8"?>
 <p:sld xmlns:a="http://schemas.openxmlformats.org/drawingml/2006/main" xmlns:r="http://schemas.openxmlformats.org/officeDocument/2006/relationships" xmlns:p="http://schemas.openxmlformats.org/presentationml/2006/main">
   <p:cSld>
     <p:bg>
@@ -12809,302 +13669,6 @@
     <p:extLst>
       <p:ext uri="{BB962C8B-B14F-4D97-AF65-F5344CB8AC3E}">
         <p14:creationId xmlns:p14="http://schemas.microsoft.com/office/powerpoint/2010/main" val="2993476389"/>
-      </p:ext>
-    </p:extLst>
-  </p:cSld>
-  <p:clrMapOvr>
-    <a:masterClrMapping/>
-  </p:clrMapOvr>
-</p:sld>
-</file>
-
-<file path=ppt/slides/slide9.xml><?xml version="1.0" encoding="utf-8"?>
-<p:sld xmlns:a="http://schemas.openxmlformats.org/drawingml/2006/main" xmlns:r="http://schemas.openxmlformats.org/officeDocument/2006/relationships" xmlns:p="http://schemas.openxmlformats.org/presentationml/2006/main">
-  <p:cSld>
-    <p:bg>
-      <p:bgPr>
-        <a:solidFill>
-          <a:schemeClr val="bg1"/>
-        </a:solidFill>
-        <a:effectLst/>
-      </p:bgPr>
-    </p:bg>
-    <p:spTree>
-      <p:nvGrpSpPr>
-        <p:cNvPr id="1" name=""/>
-        <p:cNvGrpSpPr/>
-        <p:nvPr/>
-      </p:nvGrpSpPr>
-      <p:grpSpPr>
-        <a:xfrm>
-          <a:off x="0" y="0"/>
-          <a:ext cx="0" cy="0"/>
-          <a:chOff x="0" y="0"/>
-          <a:chExt cx="0" cy="0"/>
-        </a:xfrm>
-      </p:grpSpPr>
-      <p:sp>
-        <p:nvSpPr>
-          <p:cNvPr id="8" name="Rectangle 7">
-            <a:extLst>
-              <a:ext uri="{FF2B5EF4-FFF2-40B4-BE49-F238E27FC236}">
-                <a16:creationId xmlns:a16="http://schemas.microsoft.com/office/drawing/2014/main" id="{8D70B121-56F4-4848-B38B-182089D909FA}"/>
-              </a:ext>
-              <a:ext uri="{C183D7F6-B498-43B3-948B-1728B52AA6E4}">
-                <adec:decorative xmlns:adec="http://schemas.microsoft.com/office/drawing/2017/decorative" val="1"/>
-              </a:ext>
-            </a:extLst>
-          </p:cNvPr>
-          <p:cNvSpPr>
-            <a:spLocks noGrp="1" noRot="1" noChangeAspect="1" noMove="1" noResize="1" noEditPoints="1" noAdjustHandles="1" noChangeArrowheads="1" noChangeShapeType="1" noTextEdit="1"/>
-          </p:cNvSpPr>
-          <p:nvPr>
-            <p:extLst>
-              <p:ext uri="{386F3935-93C4-4BCD-93E2-E3B085C9AB24}">
-                <p16:designElem xmlns:p16="http://schemas.microsoft.com/office/powerpoint/2015/main" val="1"/>
-              </p:ext>
-            </p:extLst>
-          </p:nvPr>
-        </p:nvSpPr>
-        <p:spPr bwMode="ltGray">
-          <a:xfrm>
-            <a:off x="321564" y="320040"/>
-            <a:ext cx="11548872" cy="6217920"/>
-          </a:xfrm>
-          <a:prstGeom prst="rect">
-            <a:avLst/>
-          </a:prstGeom>
-          <a:solidFill>
-            <a:schemeClr val="tx1">
-              <a:alpha val="8000"/>
-            </a:schemeClr>
-          </a:solidFill>
-          <a:ln w="127000" cap="sq" cmpd="thinThick">
-            <a:noFill/>
-          </a:ln>
-        </p:spPr>
-        <p:style>
-          <a:lnRef idx="2">
-            <a:schemeClr val="accent1">
-              <a:shade val="50000"/>
-            </a:schemeClr>
-          </a:lnRef>
-          <a:fillRef idx="1">
-            <a:schemeClr val="accent1"/>
-          </a:fillRef>
-          <a:effectRef idx="0">
-            <a:schemeClr val="accent1"/>
-          </a:effectRef>
-          <a:fontRef idx="minor">
-            <a:schemeClr val="lt1"/>
-          </a:fontRef>
-        </p:style>
-        <p:txBody>
-          <a:bodyPr rtlCol="0" anchor="ctr"/>
-          <a:lstStyle/>
-          <a:p>
-            <a:pPr algn="ctr"/>
-            <a:endParaRPr lang="en-US"/>
-          </a:p>
-        </p:txBody>
-      </p:sp>
-      <p:sp>
-        <p:nvSpPr>
-          <p:cNvPr id="2" name="Titel 1">
-            <a:extLst>
-              <a:ext uri="{FF2B5EF4-FFF2-40B4-BE49-F238E27FC236}">
-                <a16:creationId xmlns:a16="http://schemas.microsoft.com/office/drawing/2014/main" id="{0B5D0F8F-C92F-BC46-ACC4-7A21698DD272}"/>
-              </a:ext>
-            </a:extLst>
-          </p:cNvPr>
-          <p:cNvSpPr>
-            <a:spLocks noGrp="1"/>
-          </p:cNvSpPr>
-          <p:nvPr>
-            <p:ph type="title"/>
-          </p:nvPr>
-        </p:nvSpPr>
-        <p:spPr>
-          <a:xfrm>
-            <a:off x="838200" y="963877"/>
-            <a:ext cx="3494362" cy="4930246"/>
-          </a:xfrm>
-        </p:spPr>
-        <p:txBody>
-          <a:bodyPr>
-            <a:normAutofit/>
-          </a:bodyPr>
-          <a:lstStyle/>
-          <a:p>
-            <a:pPr algn="r"/>
-            <a:r>
-              <a:rPr lang="de-DE" dirty="0">
-                <a:solidFill>
-                  <a:schemeClr val="accent1"/>
-                </a:solidFill>
-              </a:rPr>
-              <a:t>Gliederung	</a:t>
-            </a:r>
-          </a:p>
-        </p:txBody>
-      </p:sp>
-      <p:cxnSp>
-        <p:nvCxnSpPr>
-          <p:cNvPr id="10" name="Straight Connector 9">
-            <a:extLst>
-              <a:ext uri="{FF2B5EF4-FFF2-40B4-BE49-F238E27FC236}">
-                <a16:creationId xmlns:a16="http://schemas.microsoft.com/office/drawing/2014/main" id="{2D72A2C9-F3CA-4216-8BAD-FA4C970C3C4E}"/>
-              </a:ext>
-              <a:ext uri="{C183D7F6-B498-43B3-948B-1728B52AA6E4}">
-                <adec:decorative xmlns:adec="http://schemas.microsoft.com/office/drawing/2017/decorative" val="1"/>
-              </a:ext>
-            </a:extLst>
-          </p:cNvPr>
-          <p:cNvCxnSpPr>
-            <a:cxnSpLocks noGrp="1" noRot="1" noChangeAspect="1" noMove="1" noResize="1" noEditPoints="1" noAdjustHandles="1" noChangeArrowheads="1" noChangeShapeType="1"/>
-          </p:cNvCxnSpPr>
-          <p:nvPr>
-            <p:extLst>
-              <p:ext uri="{386F3935-93C4-4BCD-93E2-E3B085C9AB24}">
-                <p16:designElem xmlns:p16="http://schemas.microsoft.com/office/powerpoint/2015/main" val="1"/>
-              </p:ext>
-            </p:extLst>
-          </p:nvPr>
-        </p:nvCxnSpPr>
-        <p:spPr>
-          <a:xfrm>
-            <a:off x="4654296" y="2057400"/>
-            <a:ext cx="0" cy="2743200"/>
-          </a:xfrm>
-          <a:prstGeom prst="line">
-            <a:avLst/>
-          </a:prstGeom>
-          <a:ln w="19050">
-            <a:solidFill>
-              <a:schemeClr val="tx1">
-                <a:lumMod val="85000"/>
-                <a:lumOff val="15000"/>
-              </a:schemeClr>
-            </a:solidFill>
-          </a:ln>
-        </p:spPr>
-        <p:style>
-          <a:lnRef idx="1">
-            <a:schemeClr val="accent1"/>
-          </a:lnRef>
-          <a:fillRef idx="0">
-            <a:schemeClr val="accent1"/>
-          </a:fillRef>
-          <a:effectRef idx="0">
-            <a:schemeClr val="accent1"/>
-          </a:effectRef>
-          <a:fontRef idx="minor">
-            <a:schemeClr val="tx1"/>
-          </a:fontRef>
-        </p:style>
-      </p:cxnSp>
-      <p:sp>
-        <p:nvSpPr>
-          <p:cNvPr id="3" name="Inhaltsplatzhalter 2">
-            <a:extLst>
-              <a:ext uri="{FF2B5EF4-FFF2-40B4-BE49-F238E27FC236}">
-                <a16:creationId xmlns:a16="http://schemas.microsoft.com/office/drawing/2014/main" id="{692C889E-3E0C-9E40-9512-4230892B2B42}"/>
-              </a:ext>
-            </a:extLst>
-          </p:cNvPr>
-          <p:cNvSpPr>
-            <a:spLocks noGrp="1"/>
-          </p:cNvSpPr>
-          <p:nvPr>
-            <p:ph idx="1"/>
-          </p:nvPr>
-        </p:nvSpPr>
-        <p:spPr>
-          <a:xfrm>
-            <a:off x="4976031" y="963877"/>
-            <a:ext cx="6377769" cy="4930246"/>
-          </a:xfrm>
-        </p:spPr>
-        <p:txBody>
-          <a:bodyPr anchor="ctr">
-            <a:normAutofit/>
-          </a:bodyPr>
-          <a:lstStyle/>
-          <a:p>
-            <a:r>
-              <a:rPr lang="de-DE" sz="2400" dirty="0"/>
-              <a:t>Einführung in das Thema</a:t>
-            </a:r>
-          </a:p>
-          <a:p>
-            <a:r>
-              <a:rPr lang="de-DE" sz="2400" dirty="0"/>
-              <a:t>Theoretische Grundlagen</a:t>
-            </a:r>
-          </a:p>
-          <a:p>
-            <a:pPr lvl="1"/>
-            <a:r>
-              <a:rPr lang="de-DE" sz="2000" dirty="0"/>
-              <a:t>Einführung</a:t>
-            </a:r>
-          </a:p>
-          <a:p>
-            <a:pPr lvl="1"/>
-            <a:r>
-              <a:rPr lang="de-DE" sz="2000" dirty="0"/>
-              <a:t>Anwendungen</a:t>
-            </a:r>
-          </a:p>
-          <a:p>
-            <a:r>
-              <a:rPr lang="de-DE" sz="2400" dirty="0">
-                <a:solidFill>
-                  <a:schemeClr val="accent1"/>
-                </a:solidFill>
-              </a:rPr>
-              <a:t>Aufgabenstellung</a:t>
-            </a:r>
-          </a:p>
-          <a:p>
-            <a:r>
-              <a:rPr lang="de-DE" sz="2400" dirty="0"/>
-              <a:t>Implementierung</a:t>
-            </a:r>
-          </a:p>
-          <a:p>
-            <a:pPr lvl="1"/>
-            <a:r>
-              <a:rPr lang="de-DE" sz="2000" dirty="0"/>
-              <a:t>Herangehensweise </a:t>
-            </a:r>
-          </a:p>
-          <a:p>
-            <a:pPr lvl="1"/>
-            <a:r>
-              <a:rPr lang="de-DE" sz="2000" dirty="0"/>
-              <a:t>Einführung in den Code</a:t>
-            </a:r>
-          </a:p>
-          <a:p>
-            <a:pPr lvl="1"/>
-            <a:r>
-              <a:rPr lang="de-DE" sz="2000" dirty="0"/>
-              <a:t>Präsentation des Ergebnisses</a:t>
-            </a:r>
-          </a:p>
-          <a:p>
-            <a:r>
-              <a:rPr lang="de-DE" sz="2400" dirty="0"/>
-              <a:t>Fazit </a:t>
-            </a:r>
-          </a:p>
-        </p:txBody>
-      </p:sp>
-    </p:spTree>
-    <p:extLst>
-      <p:ext uri="{BB962C8B-B14F-4D97-AF65-F5344CB8AC3E}">
-        <p14:creationId xmlns:p14="http://schemas.microsoft.com/office/powerpoint/2010/main" val="1662783578"/>
       </p:ext>
     </p:extLst>
   </p:cSld>

--- a/Praktikum_6/Abgabe 6.pptx
+++ b/Praktikum_6/Abgabe 6.pptx
@@ -5,36 +5,35 @@
     <p:sldMasterId id="2147483648" r:id="rId1"/>
   </p:sldMasterIdLst>
   <p:notesMasterIdLst>
-    <p:notesMasterId r:id="rId29"/>
+    <p:notesMasterId r:id="rId28"/>
   </p:notesMasterIdLst>
   <p:sldIdLst>
     <p:sldId id="256" r:id="rId2"/>
     <p:sldId id="257" r:id="rId3"/>
     <p:sldId id="286" r:id="rId4"/>
-    <p:sldId id="302" r:id="rId5"/>
-    <p:sldId id="284" r:id="rId6"/>
-    <p:sldId id="289" r:id="rId7"/>
-    <p:sldId id="268" r:id="rId8"/>
-    <p:sldId id="282" r:id="rId9"/>
-    <p:sldId id="283" r:id="rId10"/>
-    <p:sldId id="288" r:id="rId11"/>
-    <p:sldId id="265" r:id="rId12"/>
-    <p:sldId id="280" r:id="rId13"/>
-    <p:sldId id="266" r:id="rId14"/>
-    <p:sldId id="275" r:id="rId15"/>
-    <p:sldId id="285" r:id="rId16"/>
-    <p:sldId id="297" r:id="rId17"/>
-    <p:sldId id="299" r:id="rId18"/>
-    <p:sldId id="298" r:id="rId19"/>
-    <p:sldId id="301" r:id="rId20"/>
-    <p:sldId id="295" r:id="rId21"/>
-    <p:sldId id="296" r:id="rId22"/>
-    <p:sldId id="290" r:id="rId23"/>
-    <p:sldId id="291" r:id="rId24"/>
-    <p:sldId id="292" r:id="rId25"/>
-    <p:sldId id="293" r:id="rId26"/>
-    <p:sldId id="281" r:id="rId27"/>
-    <p:sldId id="277" r:id="rId28"/>
+    <p:sldId id="284" r:id="rId5"/>
+    <p:sldId id="289" r:id="rId6"/>
+    <p:sldId id="268" r:id="rId7"/>
+    <p:sldId id="282" r:id="rId8"/>
+    <p:sldId id="283" r:id="rId9"/>
+    <p:sldId id="288" r:id="rId10"/>
+    <p:sldId id="265" r:id="rId11"/>
+    <p:sldId id="280" r:id="rId12"/>
+    <p:sldId id="266" r:id="rId13"/>
+    <p:sldId id="275" r:id="rId14"/>
+    <p:sldId id="285" r:id="rId15"/>
+    <p:sldId id="297" r:id="rId16"/>
+    <p:sldId id="299" r:id="rId17"/>
+    <p:sldId id="298" r:id="rId18"/>
+    <p:sldId id="301" r:id="rId19"/>
+    <p:sldId id="295" r:id="rId20"/>
+    <p:sldId id="296" r:id="rId21"/>
+    <p:sldId id="290" r:id="rId22"/>
+    <p:sldId id="291" r:id="rId23"/>
+    <p:sldId id="292" r:id="rId24"/>
+    <p:sldId id="293" r:id="rId25"/>
+    <p:sldId id="281" r:id="rId26"/>
+    <p:sldId id="277" r:id="rId27"/>
   </p:sldIdLst>
   <p:sldSz cx="12192000" cy="6858000"/>
   <p:notesSz cx="6858000" cy="9144000"/>
@@ -623,7 +622,7 @@
     </p:spTree>
     <p:extLst>
       <p:ext uri="{BB962C8B-B14F-4D97-AF65-F5344CB8AC3E}">
-        <p14:creationId xmlns:p14="http://schemas.microsoft.com/office/powerpoint/2010/main" val="3907381587"/>
+        <p14:creationId xmlns:p14="http://schemas.microsoft.com/office/powerpoint/2010/main" val="4218874713"/>
       </p:ext>
     </p:extLst>
   </p:cSld>
@@ -707,7 +706,7 @@
     </p:spTree>
     <p:extLst>
       <p:ext uri="{BB962C8B-B14F-4D97-AF65-F5344CB8AC3E}">
-        <p14:creationId xmlns:p14="http://schemas.microsoft.com/office/powerpoint/2010/main" val="4218874713"/>
+        <p14:creationId xmlns:p14="http://schemas.microsoft.com/office/powerpoint/2010/main" val="3958004286"/>
       </p:ext>
     </p:extLst>
   </p:cSld>
@@ -791,7 +790,7 @@
     </p:spTree>
     <p:extLst>
       <p:ext uri="{BB962C8B-B14F-4D97-AF65-F5344CB8AC3E}">
-        <p14:creationId xmlns:p14="http://schemas.microsoft.com/office/powerpoint/2010/main" val="3958004286"/>
+        <p14:creationId xmlns:p14="http://schemas.microsoft.com/office/powerpoint/2010/main" val="2529288501"/>
       </p:ext>
     </p:extLst>
   </p:cSld>
@@ -875,7 +874,7 @@
     </p:spTree>
     <p:extLst>
       <p:ext uri="{BB962C8B-B14F-4D97-AF65-F5344CB8AC3E}">
-        <p14:creationId xmlns:p14="http://schemas.microsoft.com/office/powerpoint/2010/main" val="2529288501"/>
+        <p14:creationId xmlns:p14="http://schemas.microsoft.com/office/powerpoint/2010/main" val="2881906443"/>
       </p:ext>
     </p:extLst>
   </p:cSld>
@@ -959,7 +958,7 @@
     </p:spTree>
     <p:extLst>
       <p:ext uri="{BB962C8B-B14F-4D97-AF65-F5344CB8AC3E}">
-        <p14:creationId xmlns:p14="http://schemas.microsoft.com/office/powerpoint/2010/main" val="2881906443"/>
+        <p14:creationId xmlns:p14="http://schemas.microsoft.com/office/powerpoint/2010/main" val="2244615714"/>
       </p:ext>
     </p:extLst>
   </p:cSld>
@@ -1034,7 +1033,7 @@
           <a:p>
             <a:fld id="{52267A27-16C0-714D-83C5-54B46B511F52}" type="slidenum">
               <a:rPr lang="de-DE" smtClean="0"/>
-              <a:t>16</a:t>
+              <a:t>17</a:t>
             </a:fld>
             <a:endParaRPr lang="de-DE"/>
           </a:p>
@@ -1043,7 +1042,7 @@
     </p:spTree>
     <p:extLst>
       <p:ext uri="{BB962C8B-B14F-4D97-AF65-F5344CB8AC3E}">
-        <p14:creationId xmlns:p14="http://schemas.microsoft.com/office/powerpoint/2010/main" val="2244615714"/>
+        <p14:creationId xmlns:p14="http://schemas.microsoft.com/office/powerpoint/2010/main" val="674328114"/>
       </p:ext>
     </p:extLst>
   </p:cSld>
@@ -1127,7 +1126,7 @@
     </p:spTree>
     <p:extLst>
       <p:ext uri="{BB962C8B-B14F-4D97-AF65-F5344CB8AC3E}">
-        <p14:creationId xmlns:p14="http://schemas.microsoft.com/office/powerpoint/2010/main" val="674328114"/>
+        <p14:creationId xmlns:p14="http://schemas.microsoft.com/office/powerpoint/2010/main" val="695971297"/>
       </p:ext>
     </p:extLst>
   </p:cSld>
@@ -1211,7 +1210,7 @@
     </p:spTree>
     <p:extLst>
       <p:ext uri="{BB962C8B-B14F-4D97-AF65-F5344CB8AC3E}">
-        <p14:creationId xmlns:p14="http://schemas.microsoft.com/office/powerpoint/2010/main" val="695971297"/>
+        <p14:creationId xmlns:p14="http://schemas.microsoft.com/office/powerpoint/2010/main" val="336732748"/>
       </p:ext>
     </p:extLst>
   </p:cSld>
@@ -1295,7 +1294,7 @@
     </p:spTree>
     <p:extLst>
       <p:ext uri="{BB962C8B-B14F-4D97-AF65-F5344CB8AC3E}">
-        <p14:creationId xmlns:p14="http://schemas.microsoft.com/office/powerpoint/2010/main" val="336732748"/>
+        <p14:creationId xmlns:p14="http://schemas.microsoft.com/office/powerpoint/2010/main" val="1442763933"/>
       </p:ext>
     </p:extLst>
   </p:cSld>
@@ -1379,7 +1378,7 @@
     </p:spTree>
     <p:extLst>
       <p:ext uri="{BB962C8B-B14F-4D97-AF65-F5344CB8AC3E}">
-        <p14:creationId xmlns:p14="http://schemas.microsoft.com/office/powerpoint/2010/main" val="1442763933"/>
+        <p14:creationId xmlns:p14="http://schemas.microsoft.com/office/powerpoint/2010/main" val="2444864727"/>
       </p:ext>
     </p:extLst>
   </p:cSld>
@@ -1547,7 +1546,7 @@
     </p:spTree>
     <p:extLst>
       <p:ext uri="{BB962C8B-B14F-4D97-AF65-F5344CB8AC3E}">
-        <p14:creationId xmlns:p14="http://schemas.microsoft.com/office/powerpoint/2010/main" val="2444864727"/>
+        <p14:creationId xmlns:p14="http://schemas.microsoft.com/office/powerpoint/2010/main" val="3149404558"/>
       </p:ext>
     </p:extLst>
   </p:cSld>
@@ -1631,7 +1630,7 @@
     </p:spTree>
     <p:extLst>
       <p:ext uri="{BB962C8B-B14F-4D97-AF65-F5344CB8AC3E}">
-        <p14:creationId xmlns:p14="http://schemas.microsoft.com/office/powerpoint/2010/main" val="3149404558"/>
+        <p14:creationId xmlns:p14="http://schemas.microsoft.com/office/powerpoint/2010/main" val="643875343"/>
       </p:ext>
     </p:extLst>
   </p:cSld>
@@ -1715,7 +1714,7 @@
     </p:spTree>
     <p:extLst>
       <p:ext uri="{BB962C8B-B14F-4D97-AF65-F5344CB8AC3E}">
-        <p14:creationId xmlns:p14="http://schemas.microsoft.com/office/powerpoint/2010/main" val="643875343"/>
+        <p14:creationId xmlns:p14="http://schemas.microsoft.com/office/powerpoint/2010/main" val="601079304"/>
       </p:ext>
     </p:extLst>
   </p:cSld>
@@ -1791,90 +1790,6 @@
             <a:fld id="{52267A27-16C0-714D-83C5-54B46B511F52}" type="slidenum">
               <a:rPr lang="de-DE" smtClean="0"/>
               <a:t>25</a:t>
-            </a:fld>
-            <a:endParaRPr lang="de-DE"/>
-          </a:p>
-        </p:txBody>
-      </p:sp>
-    </p:spTree>
-    <p:extLst>
-      <p:ext uri="{BB962C8B-B14F-4D97-AF65-F5344CB8AC3E}">
-        <p14:creationId xmlns:p14="http://schemas.microsoft.com/office/powerpoint/2010/main" val="601079304"/>
-      </p:ext>
-    </p:extLst>
-  </p:cSld>
-  <p:clrMapOvr>
-    <a:masterClrMapping/>
-  </p:clrMapOvr>
-</p:notes>
-</file>
-
-<file path=ppt/notesSlides/notesSlide24.xml><?xml version="1.0" encoding="utf-8"?>
-<p:notes xmlns:a="http://schemas.openxmlformats.org/drawingml/2006/main" xmlns:r="http://schemas.openxmlformats.org/officeDocument/2006/relationships" xmlns:p="http://schemas.openxmlformats.org/presentationml/2006/main">
-  <p:cSld>
-    <p:spTree>
-      <p:nvGrpSpPr>
-        <p:cNvPr id="1" name=""/>
-        <p:cNvGrpSpPr/>
-        <p:nvPr/>
-      </p:nvGrpSpPr>
-      <p:grpSpPr>
-        <a:xfrm>
-          <a:off x="0" y="0"/>
-          <a:ext cx="0" cy="0"/>
-          <a:chOff x="0" y="0"/>
-          <a:chExt cx="0" cy="0"/>
-        </a:xfrm>
-      </p:grpSpPr>
-      <p:sp>
-        <p:nvSpPr>
-          <p:cNvPr id="2" name="Folienbildplatzhalter 1"/>
-          <p:cNvSpPr>
-            <a:spLocks noGrp="1" noRot="1" noChangeAspect="1"/>
-          </p:cNvSpPr>
-          <p:nvPr>
-            <p:ph type="sldImg"/>
-          </p:nvPr>
-        </p:nvSpPr>
-        <p:spPr/>
-      </p:sp>
-      <p:sp>
-        <p:nvSpPr>
-          <p:cNvPr id="3" name="Notizenplatzhalter 2"/>
-          <p:cNvSpPr>
-            <a:spLocks noGrp="1"/>
-          </p:cNvSpPr>
-          <p:nvPr>
-            <p:ph type="body" idx="1"/>
-          </p:nvPr>
-        </p:nvSpPr>
-        <p:spPr/>
-        <p:txBody>
-          <a:bodyPr/>
-          <a:lstStyle/>
-          <a:p>
-            <a:endParaRPr lang="de-DE" dirty="0"/>
-          </a:p>
-        </p:txBody>
-      </p:sp>
-      <p:sp>
-        <p:nvSpPr>
-          <p:cNvPr id="4" name="Foliennummernplatzhalter 3"/>
-          <p:cNvSpPr>
-            <a:spLocks noGrp="1"/>
-          </p:cNvSpPr>
-          <p:nvPr>
-            <p:ph type="sldNum" sz="quarter" idx="5"/>
-          </p:nvPr>
-        </p:nvSpPr>
-        <p:spPr/>
-        <p:txBody>
-          <a:bodyPr/>
-          <a:lstStyle/>
-          <a:p>
-            <a:fld id="{52267A27-16C0-714D-83C5-54B46B511F52}" type="slidenum">
-              <a:rPr lang="de-DE" smtClean="0"/>
-              <a:t>26</a:t>
             </a:fld>
             <a:endParaRPr lang="de-DE"/>
           </a:p>
@@ -1956,78 +1871,18 @@
           <a:bodyPr/>
           <a:lstStyle/>
           <a:p>
-            <a:pPr marL="0" marR="0" lvl="0" indent="0" algn="r" defTabSz="914400" rtl="0" eaLnBrk="1" fontAlgn="auto" latinLnBrk="0" hangingPunct="1">
-              <a:lnSpc>
-                <a:spcPct val="100000"/>
-              </a:lnSpc>
-              <a:spcBef>
-                <a:spcPts val="0"/>
-              </a:spcBef>
-              <a:spcAft>
-                <a:spcPts val="0"/>
-              </a:spcAft>
-              <a:buClrTx/>
-              <a:buSzTx/>
-              <a:buFontTx/>
-              <a:buNone/>
-              <a:tabLst/>
-              <a:defRPr/>
-            </a:pPr>
             <a:fld id="{52267A27-16C0-714D-83C5-54B46B511F52}" type="slidenum">
-              <a:rPr kumimoji="0" lang="de-DE" sz="1200" b="0" i="0" u="none" strike="noStrike" kern="1200" cap="none" spc="0" normalizeH="0" baseline="0" noProof="0" smtClean="0">
-                <a:ln>
-                  <a:noFill/>
-                </a:ln>
-                <a:solidFill>
-                  <a:prstClr val="black"/>
-                </a:solidFill>
-                <a:effectLst/>
-                <a:uLnTx/>
-                <a:uFillTx/>
-                <a:latin typeface="Calibri" panose="020F0502020204030204"/>
-                <a:ea typeface="+mn-ea"/>
-                <a:cs typeface="+mn-cs"/>
-              </a:rPr>
-              <a:pPr marL="0" marR="0" lvl="0" indent="0" algn="r" defTabSz="914400" rtl="0" eaLnBrk="1" fontAlgn="auto" latinLnBrk="0" hangingPunct="1">
-                <a:lnSpc>
-                  <a:spcPct val="100000"/>
-                </a:lnSpc>
-                <a:spcBef>
-                  <a:spcPts val="0"/>
-                </a:spcBef>
-                <a:spcAft>
-                  <a:spcPts val="0"/>
-                </a:spcAft>
-                <a:buClrTx/>
-                <a:buSzTx/>
-                <a:buFontTx/>
-                <a:buNone/>
-                <a:tabLst/>
-                <a:defRPr/>
-              </a:pPr>
+              <a:rPr lang="de-DE" smtClean="0"/>
               <a:t>4</a:t>
             </a:fld>
-            <a:endParaRPr kumimoji="0" lang="de-DE" sz="1200" b="0" i="0" u="none" strike="noStrike" kern="1200" cap="none" spc="0" normalizeH="0" baseline="0" noProof="0">
-              <a:ln>
-                <a:noFill/>
-              </a:ln>
-              <a:solidFill>
-                <a:prstClr val="black"/>
-              </a:solidFill>
-              <a:effectLst/>
-              <a:uLnTx/>
-              <a:uFillTx/>
-              <a:latin typeface="Calibri" panose="020F0502020204030204"/>
-              <a:ea typeface="+mn-ea"/>
-              <a:cs typeface="+mn-cs"/>
-            </a:endParaRPr>
+            <a:endParaRPr lang="de-DE"/>
           </a:p>
         </p:txBody>
       </p:sp>
     </p:spTree>
     <p:extLst>
       <p:ext uri="{BB962C8B-B14F-4D97-AF65-F5344CB8AC3E}">
-        <p14:creationId xmlns:p14="http://schemas.microsoft.com/office/powerpoint/2010/main" val="1713659963"/>
+        <p14:creationId xmlns:p14="http://schemas.microsoft.com/office/powerpoint/2010/main" val="853026391"/>
       </p:ext>
     </p:extLst>
   </p:cSld>
@@ -2111,7 +1966,7 @@
     </p:spTree>
     <p:extLst>
       <p:ext uri="{BB962C8B-B14F-4D97-AF65-F5344CB8AC3E}">
-        <p14:creationId xmlns:p14="http://schemas.microsoft.com/office/powerpoint/2010/main" val="853026391"/>
+        <p14:creationId xmlns:p14="http://schemas.microsoft.com/office/powerpoint/2010/main" val="602064135"/>
       </p:ext>
     </p:extLst>
   </p:cSld>
@@ -2195,7 +2050,7 @@
     </p:spTree>
     <p:extLst>
       <p:ext uri="{BB962C8B-B14F-4D97-AF65-F5344CB8AC3E}">
-        <p14:creationId xmlns:p14="http://schemas.microsoft.com/office/powerpoint/2010/main" val="602064135"/>
+        <p14:creationId xmlns:p14="http://schemas.microsoft.com/office/powerpoint/2010/main" val="610810168"/>
       </p:ext>
     </p:extLst>
   </p:cSld>
@@ -2279,7 +2134,7 @@
     </p:spTree>
     <p:extLst>
       <p:ext uri="{BB962C8B-B14F-4D97-AF65-F5344CB8AC3E}">
-        <p14:creationId xmlns:p14="http://schemas.microsoft.com/office/powerpoint/2010/main" val="610810168"/>
+        <p14:creationId xmlns:p14="http://schemas.microsoft.com/office/powerpoint/2010/main" val="146550146"/>
       </p:ext>
     </p:extLst>
   </p:cSld>
@@ -2333,7 +2188,48 @@
           <a:bodyPr/>
           <a:lstStyle/>
           <a:p>
-            <a:endParaRPr lang="de-DE" dirty="0"/>
+            <a:r>
+              <a:rPr lang="de-DE" u="sng" dirty="0"/>
+              <a:t>Komm:</a:t>
+            </a:r>
+          </a:p>
+          <a:p>
+            <a:r>
+              <a:rPr lang="de-DE" u="none" dirty="0"/>
+              <a:t>Knoten = Telefone, Modems, Server, etc.; Kanten = Datenleitung</a:t>
+            </a:r>
+          </a:p>
+          <a:p>
+            <a:r>
+              <a:rPr lang="de-DE" u="sng" dirty="0"/>
+              <a:t>Gantt:</a:t>
+            </a:r>
+          </a:p>
+          <a:p>
+            <a:pPr marL="0" marR="0" lvl="0" indent="0" algn="l" defTabSz="914400" rtl="0" eaLnBrk="1" fontAlgn="auto" latinLnBrk="0" hangingPunct="1">
+              <a:lnSpc>
+                <a:spcPct val="100000"/>
+              </a:lnSpc>
+              <a:spcBef>
+                <a:spcPts val="0"/>
+              </a:spcBef>
+              <a:spcAft>
+                <a:spcPts val="0"/>
+              </a:spcAft>
+              <a:buClrTx/>
+              <a:buSzTx/>
+              <a:buFontTx/>
+              <a:buNone/>
+              <a:tabLst/>
+              <a:defRPr/>
+            </a:pPr>
+            <a:r>
+              <a:rPr lang="de-DE" sz="1200" dirty="0"/>
+              <a:t>Knoten = Abschnitte des Projektes; Kanten = Abhängigkeiten zw. Abschnitte</a:t>
+            </a:r>
+          </a:p>
+          <a:p>
+            <a:endParaRPr lang="de-DE" u="sng" dirty="0"/>
           </a:p>
         </p:txBody>
       </p:sp>
@@ -2363,7 +2259,7 @@
     </p:spTree>
     <p:extLst>
       <p:ext uri="{BB962C8B-B14F-4D97-AF65-F5344CB8AC3E}">
-        <p14:creationId xmlns:p14="http://schemas.microsoft.com/office/powerpoint/2010/main" val="146550146"/>
+        <p14:creationId xmlns:p14="http://schemas.microsoft.com/office/powerpoint/2010/main" val="2423030066"/>
       </p:ext>
     </p:extLst>
   </p:cSld>
@@ -2417,48 +2313,7 @@
           <a:bodyPr/>
           <a:lstStyle/>
           <a:p>
-            <a:r>
-              <a:rPr lang="de-DE" u="sng" dirty="0"/>
-              <a:t>Komm:</a:t>
-            </a:r>
-          </a:p>
-          <a:p>
-            <a:r>
-              <a:rPr lang="de-DE" u="none" dirty="0"/>
-              <a:t>Knoten = Telefone, Modems, Server, etc.; Kanten = Datenleitung</a:t>
-            </a:r>
-          </a:p>
-          <a:p>
-            <a:r>
-              <a:rPr lang="de-DE" u="sng" dirty="0"/>
-              <a:t>Gantt:</a:t>
-            </a:r>
-          </a:p>
-          <a:p>
-            <a:pPr marL="0" marR="0" lvl="0" indent="0" algn="l" defTabSz="914400" rtl="0" eaLnBrk="1" fontAlgn="auto" latinLnBrk="0" hangingPunct="1">
-              <a:lnSpc>
-                <a:spcPct val="100000"/>
-              </a:lnSpc>
-              <a:spcBef>
-                <a:spcPts val="0"/>
-              </a:spcBef>
-              <a:spcAft>
-                <a:spcPts val="0"/>
-              </a:spcAft>
-              <a:buClrTx/>
-              <a:buSzTx/>
-              <a:buFontTx/>
-              <a:buNone/>
-              <a:tabLst/>
-              <a:defRPr/>
-            </a:pPr>
-            <a:r>
-              <a:rPr lang="de-DE" sz="1200" dirty="0"/>
-              <a:t>Knoten = Abschnitte des Projektes; Kanten = Abhängigkeiten zw. Abschnitte</a:t>
-            </a:r>
-          </a:p>
-          <a:p>
-            <a:endParaRPr lang="de-DE" u="sng" dirty="0"/>
+            <a:endParaRPr lang="de-DE" dirty="0"/>
           </a:p>
         </p:txBody>
       </p:sp>
@@ -2488,7 +2343,7 @@
     </p:spTree>
     <p:extLst>
       <p:ext uri="{BB962C8B-B14F-4D97-AF65-F5344CB8AC3E}">
-        <p14:creationId xmlns:p14="http://schemas.microsoft.com/office/powerpoint/2010/main" val="2423030066"/>
+        <p14:creationId xmlns:p14="http://schemas.microsoft.com/office/powerpoint/2010/main" val="350787129"/>
       </p:ext>
     </p:extLst>
   </p:cSld>
@@ -2572,7 +2427,7 @@
     </p:spTree>
     <p:extLst>
       <p:ext uri="{BB962C8B-B14F-4D97-AF65-F5344CB8AC3E}">
-        <p14:creationId xmlns:p14="http://schemas.microsoft.com/office/powerpoint/2010/main" val="350787129"/>
+        <p14:creationId xmlns:p14="http://schemas.microsoft.com/office/powerpoint/2010/main" val="3907381587"/>
       </p:ext>
     </p:extLst>
   </p:cSld>
@@ -5817,302 +5672,6 @@
       </p:grpSpPr>
       <p:sp>
         <p:nvSpPr>
-          <p:cNvPr id="8" name="Rectangle 7">
-            <a:extLst>
-              <a:ext uri="{FF2B5EF4-FFF2-40B4-BE49-F238E27FC236}">
-                <a16:creationId xmlns:a16="http://schemas.microsoft.com/office/drawing/2014/main" id="{8D70B121-56F4-4848-B38B-182089D909FA}"/>
-              </a:ext>
-              <a:ext uri="{C183D7F6-B498-43B3-948B-1728B52AA6E4}">
-                <adec:decorative xmlns:adec="http://schemas.microsoft.com/office/drawing/2017/decorative" val="1"/>
-              </a:ext>
-            </a:extLst>
-          </p:cNvPr>
-          <p:cNvSpPr>
-            <a:spLocks noGrp="1" noRot="1" noChangeAspect="1" noMove="1" noResize="1" noEditPoints="1" noAdjustHandles="1" noChangeArrowheads="1" noChangeShapeType="1" noTextEdit="1"/>
-          </p:cNvSpPr>
-          <p:nvPr>
-            <p:extLst>
-              <p:ext uri="{386F3935-93C4-4BCD-93E2-E3B085C9AB24}">
-                <p16:designElem xmlns:p16="http://schemas.microsoft.com/office/powerpoint/2015/main" val="1"/>
-              </p:ext>
-            </p:extLst>
-          </p:nvPr>
-        </p:nvSpPr>
-        <p:spPr bwMode="ltGray">
-          <a:xfrm>
-            <a:off x="321564" y="320040"/>
-            <a:ext cx="11548872" cy="6217920"/>
-          </a:xfrm>
-          <a:prstGeom prst="rect">
-            <a:avLst/>
-          </a:prstGeom>
-          <a:solidFill>
-            <a:schemeClr val="tx1">
-              <a:alpha val="8000"/>
-            </a:schemeClr>
-          </a:solidFill>
-          <a:ln w="127000" cap="sq" cmpd="thinThick">
-            <a:noFill/>
-          </a:ln>
-        </p:spPr>
-        <p:style>
-          <a:lnRef idx="2">
-            <a:schemeClr val="accent1">
-              <a:shade val="50000"/>
-            </a:schemeClr>
-          </a:lnRef>
-          <a:fillRef idx="1">
-            <a:schemeClr val="accent1"/>
-          </a:fillRef>
-          <a:effectRef idx="0">
-            <a:schemeClr val="accent1"/>
-          </a:effectRef>
-          <a:fontRef idx="minor">
-            <a:schemeClr val="lt1"/>
-          </a:fontRef>
-        </p:style>
-        <p:txBody>
-          <a:bodyPr rtlCol="0" anchor="ctr"/>
-          <a:lstStyle/>
-          <a:p>
-            <a:pPr algn="ctr"/>
-            <a:endParaRPr lang="en-US"/>
-          </a:p>
-        </p:txBody>
-      </p:sp>
-      <p:sp>
-        <p:nvSpPr>
-          <p:cNvPr id="2" name="Titel 1">
-            <a:extLst>
-              <a:ext uri="{FF2B5EF4-FFF2-40B4-BE49-F238E27FC236}">
-                <a16:creationId xmlns:a16="http://schemas.microsoft.com/office/drawing/2014/main" id="{0B5D0F8F-C92F-BC46-ACC4-7A21698DD272}"/>
-              </a:ext>
-            </a:extLst>
-          </p:cNvPr>
-          <p:cNvSpPr>
-            <a:spLocks noGrp="1"/>
-          </p:cNvSpPr>
-          <p:nvPr>
-            <p:ph type="title"/>
-          </p:nvPr>
-        </p:nvSpPr>
-        <p:spPr>
-          <a:xfrm>
-            <a:off x="838200" y="963877"/>
-            <a:ext cx="3494362" cy="4930246"/>
-          </a:xfrm>
-        </p:spPr>
-        <p:txBody>
-          <a:bodyPr>
-            <a:normAutofit/>
-          </a:bodyPr>
-          <a:lstStyle/>
-          <a:p>
-            <a:pPr algn="r"/>
-            <a:r>
-              <a:rPr lang="de-DE" dirty="0">
-                <a:solidFill>
-                  <a:schemeClr val="accent1"/>
-                </a:solidFill>
-              </a:rPr>
-              <a:t>Gliederung	</a:t>
-            </a:r>
-          </a:p>
-        </p:txBody>
-      </p:sp>
-      <p:cxnSp>
-        <p:nvCxnSpPr>
-          <p:cNvPr id="10" name="Straight Connector 9">
-            <a:extLst>
-              <a:ext uri="{FF2B5EF4-FFF2-40B4-BE49-F238E27FC236}">
-                <a16:creationId xmlns:a16="http://schemas.microsoft.com/office/drawing/2014/main" id="{2D72A2C9-F3CA-4216-8BAD-FA4C970C3C4E}"/>
-              </a:ext>
-              <a:ext uri="{C183D7F6-B498-43B3-948B-1728B52AA6E4}">
-                <adec:decorative xmlns:adec="http://schemas.microsoft.com/office/drawing/2017/decorative" val="1"/>
-              </a:ext>
-            </a:extLst>
-          </p:cNvPr>
-          <p:cNvCxnSpPr>
-            <a:cxnSpLocks noGrp="1" noRot="1" noChangeAspect="1" noMove="1" noResize="1" noEditPoints="1" noAdjustHandles="1" noChangeArrowheads="1" noChangeShapeType="1"/>
-          </p:cNvCxnSpPr>
-          <p:nvPr>
-            <p:extLst>
-              <p:ext uri="{386F3935-93C4-4BCD-93E2-E3B085C9AB24}">
-                <p16:designElem xmlns:p16="http://schemas.microsoft.com/office/powerpoint/2015/main" val="1"/>
-              </p:ext>
-            </p:extLst>
-          </p:nvPr>
-        </p:nvCxnSpPr>
-        <p:spPr>
-          <a:xfrm>
-            <a:off x="4654296" y="2057400"/>
-            <a:ext cx="0" cy="2743200"/>
-          </a:xfrm>
-          <a:prstGeom prst="line">
-            <a:avLst/>
-          </a:prstGeom>
-          <a:ln w="19050">
-            <a:solidFill>
-              <a:schemeClr val="tx1">
-                <a:lumMod val="85000"/>
-                <a:lumOff val="15000"/>
-              </a:schemeClr>
-            </a:solidFill>
-          </a:ln>
-        </p:spPr>
-        <p:style>
-          <a:lnRef idx="1">
-            <a:schemeClr val="accent1"/>
-          </a:lnRef>
-          <a:fillRef idx="0">
-            <a:schemeClr val="accent1"/>
-          </a:fillRef>
-          <a:effectRef idx="0">
-            <a:schemeClr val="accent1"/>
-          </a:effectRef>
-          <a:fontRef idx="minor">
-            <a:schemeClr val="tx1"/>
-          </a:fontRef>
-        </p:style>
-      </p:cxnSp>
-      <p:sp>
-        <p:nvSpPr>
-          <p:cNvPr id="3" name="Inhaltsplatzhalter 2">
-            <a:extLst>
-              <a:ext uri="{FF2B5EF4-FFF2-40B4-BE49-F238E27FC236}">
-                <a16:creationId xmlns:a16="http://schemas.microsoft.com/office/drawing/2014/main" id="{692C889E-3E0C-9E40-9512-4230892B2B42}"/>
-              </a:ext>
-            </a:extLst>
-          </p:cNvPr>
-          <p:cNvSpPr>
-            <a:spLocks noGrp="1"/>
-          </p:cNvSpPr>
-          <p:nvPr>
-            <p:ph idx="1"/>
-          </p:nvPr>
-        </p:nvSpPr>
-        <p:spPr>
-          <a:xfrm>
-            <a:off x="4976031" y="963877"/>
-            <a:ext cx="6377769" cy="4930246"/>
-          </a:xfrm>
-        </p:spPr>
-        <p:txBody>
-          <a:bodyPr anchor="ctr">
-            <a:normAutofit/>
-          </a:bodyPr>
-          <a:lstStyle/>
-          <a:p>
-            <a:r>
-              <a:rPr lang="de-DE" sz="2400" dirty="0"/>
-              <a:t>Einführung in das Thema</a:t>
-            </a:r>
-          </a:p>
-          <a:p>
-            <a:r>
-              <a:rPr lang="de-DE" sz="2400" dirty="0"/>
-              <a:t>Theoretische Grundlagen</a:t>
-            </a:r>
-          </a:p>
-          <a:p>
-            <a:pPr lvl="1"/>
-            <a:r>
-              <a:rPr lang="de-DE" sz="2000" dirty="0"/>
-              <a:t>Einführung</a:t>
-            </a:r>
-          </a:p>
-          <a:p>
-            <a:pPr lvl="1"/>
-            <a:r>
-              <a:rPr lang="de-DE" sz="2000" dirty="0"/>
-              <a:t>Anwendungen</a:t>
-            </a:r>
-          </a:p>
-          <a:p>
-            <a:r>
-              <a:rPr lang="de-DE" sz="2400" dirty="0">
-                <a:solidFill>
-                  <a:schemeClr val="accent1"/>
-                </a:solidFill>
-              </a:rPr>
-              <a:t>Aufgabenstellung</a:t>
-            </a:r>
-          </a:p>
-          <a:p>
-            <a:r>
-              <a:rPr lang="de-DE" sz="2400" dirty="0"/>
-              <a:t>Implementierung</a:t>
-            </a:r>
-          </a:p>
-          <a:p>
-            <a:pPr lvl="1"/>
-            <a:r>
-              <a:rPr lang="de-DE" sz="2000" dirty="0"/>
-              <a:t>Herangehensweise </a:t>
-            </a:r>
-          </a:p>
-          <a:p>
-            <a:pPr lvl="1"/>
-            <a:r>
-              <a:rPr lang="de-DE" sz="2000" dirty="0"/>
-              <a:t>Einführung in den Code</a:t>
-            </a:r>
-          </a:p>
-          <a:p>
-            <a:pPr lvl="1"/>
-            <a:r>
-              <a:rPr lang="de-DE" sz="2000" dirty="0"/>
-              <a:t>Präsentation des Ergebnisses</a:t>
-            </a:r>
-          </a:p>
-          <a:p>
-            <a:r>
-              <a:rPr lang="de-DE" sz="2400" dirty="0"/>
-              <a:t>Fazit </a:t>
-            </a:r>
-          </a:p>
-        </p:txBody>
-      </p:sp>
-    </p:spTree>
-    <p:extLst>
-      <p:ext uri="{BB962C8B-B14F-4D97-AF65-F5344CB8AC3E}">
-        <p14:creationId xmlns:p14="http://schemas.microsoft.com/office/powerpoint/2010/main" val="1662783578"/>
-      </p:ext>
-    </p:extLst>
-  </p:cSld>
-  <p:clrMapOvr>
-    <a:masterClrMapping/>
-  </p:clrMapOvr>
-</p:sld>
-</file>
-
-<file path=ppt/slides/slide11.xml><?xml version="1.0" encoding="utf-8"?>
-<p:sld xmlns:a="http://schemas.openxmlformats.org/drawingml/2006/main" xmlns:r="http://schemas.openxmlformats.org/officeDocument/2006/relationships" xmlns:p="http://schemas.openxmlformats.org/presentationml/2006/main">
-  <p:cSld>
-    <p:bg>
-      <p:bgPr>
-        <a:solidFill>
-          <a:schemeClr val="bg1"/>
-        </a:solidFill>
-        <a:effectLst/>
-      </p:bgPr>
-    </p:bg>
-    <p:spTree>
-      <p:nvGrpSpPr>
-        <p:cNvPr id="1" name=""/>
-        <p:cNvGrpSpPr/>
-        <p:nvPr/>
-      </p:nvGrpSpPr>
-      <p:grpSpPr>
-        <a:xfrm>
-          <a:off x="0" y="0"/>
-          <a:ext cx="0" cy="0"/>
-          <a:chOff x="0" y="0"/>
-          <a:chExt cx="0" cy="0"/>
-        </a:xfrm>
-      </p:grpSpPr>
-      <p:sp>
-        <p:nvSpPr>
           <p:cNvPr id="19" name="Rectangle 18">
             <a:extLst>
               <a:ext uri="{FF2B5EF4-FFF2-40B4-BE49-F238E27FC236}">
@@ -6392,7 +5951,7 @@
 </p:sld>
 </file>
 
-<file path=ppt/slides/slide12.xml><?xml version="1.0" encoding="utf-8"?>
+<file path=ppt/slides/slide11.xml><?xml version="1.0" encoding="utf-8"?>
 <p:sld xmlns:a="http://schemas.openxmlformats.org/drawingml/2006/main" xmlns:r="http://schemas.openxmlformats.org/officeDocument/2006/relationships" xmlns:p="http://schemas.openxmlformats.org/presentationml/2006/main">
   <p:cSld>
     <p:bg>
@@ -6580,7 +6139,7 @@
 </p:sld>
 </file>
 
-<file path=ppt/slides/slide13.xml><?xml version="1.0" encoding="utf-8"?>
+<file path=ppt/slides/slide12.xml><?xml version="1.0" encoding="utf-8"?>
 <p:sld xmlns:a="http://schemas.openxmlformats.org/drawingml/2006/main" xmlns:r="http://schemas.openxmlformats.org/officeDocument/2006/relationships" xmlns:p="http://schemas.openxmlformats.org/presentationml/2006/main">
   <p:cSld>
     <p:bg>
@@ -6830,6 +6389,264 @@
     <p:extLst>
       <p:ext uri="{BB962C8B-B14F-4D97-AF65-F5344CB8AC3E}">
         <p14:creationId xmlns:p14="http://schemas.microsoft.com/office/powerpoint/2010/main" val="3963641023"/>
+      </p:ext>
+    </p:extLst>
+  </p:cSld>
+  <p:clrMapOvr>
+    <a:masterClrMapping/>
+  </p:clrMapOvr>
+</p:sld>
+</file>
+
+<file path=ppt/slides/slide13.xml><?xml version="1.0" encoding="utf-8"?>
+<p:sld xmlns:a="http://schemas.openxmlformats.org/drawingml/2006/main" xmlns:r="http://schemas.openxmlformats.org/officeDocument/2006/relationships" xmlns:p="http://schemas.openxmlformats.org/presentationml/2006/main">
+  <p:cSld>
+    <p:bg>
+      <p:bgPr>
+        <a:solidFill>
+          <a:schemeClr val="bg1"/>
+        </a:solidFill>
+        <a:effectLst/>
+      </p:bgPr>
+    </p:bg>
+    <p:spTree>
+      <p:nvGrpSpPr>
+        <p:cNvPr id="1" name=""/>
+        <p:cNvGrpSpPr/>
+        <p:nvPr/>
+      </p:nvGrpSpPr>
+      <p:grpSpPr>
+        <a:xfrm>
+          <a:off x="0" y="0"/>
+          <a:ext cx="0" cy="0"/>
+          <a:chOff x="0" y="0"/>
+          <a:chExt cx="0" cy="0"/>
+        </a:xfrm>
+      </p:grpSpPr>
+      <p:sp>
+        <p:nvSpPr>
+          <p:cNvPr id="19" name="Rectangle 18">
+            <a:extLst>
+              <a:ext uri="{FF2B5EF4-FFF2-40B4-BE49-F238E27FC236}">
+                <a16:creationId xmlns:a16="http://schemas.microsoft.com/office/drawing/2014/main" id="{8D70B121-56F4-4848-B38B-182089D909FA}"/>
+              </a:ext>
+              <a:ext uri="{C183D7F6-B498-43B3-948B-1728B52AA6E4}">
+                <adec:decorative xmlns:adec="http://schemas.microsoft.com/office/drawing/2017/decorative" val="1"/>
+              </a:ext>
+            </a:extLst>
+          </p:cNvPr>
+          <p:cNvSpPr>
+            <a:spLocks noGrp="1" noRot="1" noChangeAspect="1" noMove="1" noResize="1" noEditPoints="1" noAdjustHandles="1" noChangeArrowheads="1" noChangeShapeType="1" noTextEdit="1"/>
+          </p:cNvSpPr>
+          <p:nvPr>
+            <p:extLst>
+              <p:ext uri="{386F3935-93C4-4BCD-93E2-E3B085C9AB24}">
+                <p16:designElem xmlns:p16="http://schemas.microsoft.com/office/powerpoint/2015/main" val="1"/>
+              </p:ext>
+            </p:extLst>
+          </p:nvPr>
+        </p:nvSpPr>
+        <p:spPr bwMode="ltGray">
+          <a:xfrm>
+            <a:off x="321564" y="320040"/>
+            <a:ext cx="11548872" cy="6217920"/>
+          </a:xfrm>
+          <a:prstGeom prst="rect">
+            <a:avLst/>
+          </a:prstGeom>
+          <a:solidFill>
+            <a:schemeClr val="tx1">
+              <a:alpha val="8000"/>
+            </a:schemeClr>
+          </a:solidFill>
+          <a:ln w="127000" cap="sq" cmpd="thinThick">
+            <a:noFill/>
+          </a:ln>
+        </p:spPr>
+        <p:style>
+          <a:lnRef idx="2">
+            <a:schemeClr val="accent1">
+              <a:shade val="50000"/>
+            </a:schemeClr>
+          </a:lnRef>
+          <a:fillRef idx="1">
+            <a:schemeClr val="accent1"/>
+          </a:fillRef>
+          <a:effectRef idx="0">
+            <a:schemeClr val="accent1"/>
+          </a:effectRef>
+          <a:fontRef idx="minor">
+            <a:schemeClr val="lt1"/>
+          </a:fontRef>
+        </p:style>
+        <p:txBody>
+          <a:bodyPr rtlCol="0" anchor="ctr"/>
+          <a:lstStyle/>
+          <a:p>
+            <a:pPr algn="ctr"/>
+            <a:endParaRPr lang="en-US"/>
+          </a:p>
+        </p:txBody>
+      </p:sp>
+      <p:cxnSp>
+        <p:nvCxnSpPr>
+          <p:cNvPr id="21" name="Straight Connector 20">
+            <a:extLst>
+              <a:ext uri="{FF2B5EF4-FFF2-40B4-BE49-F238E27FC236}">
+                <a16:creationId xmlns:a16="http://schemas.microsoft.com/office/drawing/2014/main" id="{2D72A2C9-F3CA-4216-8BAD-FA4C970C3C4E}"/>
+              </a:ext>
+              <a:ext uri="{C183D7F6-B498-43B3-948B-1728B52AA6E4}">
+                <adec:decorative xmlns:adec="http://schemas.microsoft.com/office/drawing/2017/decorative" val="1"/>
+              </a:ext>
+            </a:extLst>
+          </p:cNvPr>
+          <p:cNvCxnSpPr>
+            <a:cxnSpLocks noGrp="1" noRot="1" noChangeAspect="1" noMove="1" noResize="1" noEditPoints="1" noAdjustHandles="1" noChangeArrowheads="1" noChangeShapeType="1"/>
+          </p:cNvCxnSpPr>
+          <p:nvPr>
+            <p:extLst>
+              <p:ext uri="{386F3935-93C4-4BCD-93E2-E3B085C9AB24}">
+                <p16:designElem xmlns:p16="http://schemas.microsoft.com/office/powerpoint/2015/main" val="1"/>
+              </p:ext>
+            </p:extLst>
+          </p:nvPr>
+        </p:nvCxnSpPr>
+        <p:spPr>
+          <a:xfrm>
+            <a:off x="4654296" y="2057400"/>
+            <a:ext cx="0" cy="2743200"/>
+          </a:xfrm>
+          <a:prstGeom prst="line">
+            <a:avLst/>
+          </a:prstGeom>
+          <a:ln w="19050">
+            <a:solidFill>
+              <a:schemeClr val="tx1">
+                <a:lumMod val="85000"/>
+                <a:lumOff val="15000"/>
+              </a:schemeClr>
+            </a:solidFill>
+          </a:ln>
+        </p:spPr>
+        <p:style>
+          <a:lnRef idx="1">
+            <a:schemeClr val="accent1"/>
+          </a:lnRef>
+          <a:fillRef idx="0">
+            <a:schemeClr val="accent1"/>
+          </a:fillRef>
+          <a:effectRef idx="0">
+            <a:schemeClr val="accent1"/>
+          </a:effectRef>
+          <a:fontRef idx="minor">
+            <a:schemeClr val="tx1"/>
+          </a:fontRef>
+        </p:style>
+      </p:cxnSp>
+      <p:sp>
+        <p:nvSpPr>
+          <p:cNvPr id="5" name="Rechteck 4">
+            <a:extLst>
+              <a:ext uri="{FF2B5EF4-FFF2-40B4-BE49-F238E27FC236}">
+                <a16:creationId xmlns:a16="http://schemas.microsoft.com/office/drawing/2014/main" id="{6C91387F-AF56-614F-B14F-5E345367B7AF}"/>
+              </a:ext>
+            </a:extLst>
+          </p:cNvPr>
+          <p:cNvSpPr/>
+          <p:nvPr/>
+        </p:nvSpPr>
+        <p:spPr>
+          <a:xfrm>
+            <a:off x="321564" y="320040"/>
+            <a:ext cx="11548872" cy="6217920"/>
+          </a:xfrm>
+          <a:prstGeom prst="rect">
+            <a:avLst/>
+          </a:prstGeom>
+          <a:solidFill>
+            <a:schemeClr val="bg2"/>
+          </a:solidFill>
+          <a:ln>
+            <a:noFill/>
+          </a:ln>
+        </p:spPr>
+        <p:style>
+          <a:lnRef idx="2">
+            <a:schemeClr val="accent1">
+              <a:shade val="50000"/>
+            </a:schemeClr>
+          </a:lnRef>
+          <a:fillRef idx="1">
+            <a:schemeClr val="accent1"/>
+          </a:fillRef>
+          <a:effectRef idx="0">
+            <a:schemeClr val="accent1"/>
+          </a:effectRef>
+          <a:fontRef idx="minor">
+            <a:schemeClr val="lt1"/>
+          </a:fontRef>
+        </p:style>
+        <p:txBody>
+          <a:bodyPr rtlCol="0" anchor="ctr"/>
+          <a:lstStyle/>
+          <a:p>
+            <a:pPr algn="ctr"/>
+            <a:endParaRPr lang="de-DE"/>
+          </a:p>
+        </p:txBody>
+      </p:sp>
+      <p:sp>
+        <p:nvSpPr>
+          <p:cNvPr id="2" name="Titel 1">
+            <a:extLst>
+              <a:ext uri="{FF2B5EF4-FFF2-40B4-BE49-F238E27FC236}">
+                <a16:creationId xmlns:a16="http://schemas.microsoft.com/office/drawing/2014/main" id="{35BFDC70-A169-E142-B051-5ABC9190E094}"/>
+              </a:ext>
+            </a:extLst>
+          </p:cNvPr>
+          <p:cNvSpPr>
+            <a:spLocks noGrp="1"/>
+          </p:cNvSpPr>
+          <p:nvPr>
+            <p:ph type="title"/>
+          </p:nvPr>
+        </p:nvSpPr>
+        <p:spPr>
+          <a:xfrm>
+            <a:off x="4010025" y="963877"/>
+            <a:ext cx="4171949" cy="4930246"/>
+          </a:xfrm>
+        </p:spPr>
+        <p:txBody>
+          <a:bodyPr vert="horz" lIns="91440" tIns="45720" rIns="91440" bIns="45720" rtlCol="0">
+            <a:normAutofit/>
+          </a:bodyPr>
+          <a:lstStyle/>
+          <a:p>
+            <a:pPr algn="ctr"/>
+            <a:r>
+              <a:rPr lang="en-US" sz="4000" dirty="0" err="1">
+                <a:solidFill>
+                  <a:schemeClr val="accent1"/>
+                </a:solidFill>
+              </a:rPr>
+              <a:t>Implementierung</a:t>
+            </a:r>
+            <a:endParaRPr lang="en-US" sz="4000" kern="1200" dirty="0">
+              <a:solidFill>
+                <a:schemeClr val="accent1"/>
+              </a:solidFill>
+              <a:latin typeface="+mj-lt"/>
+              <a:ea typeface="+mj-ea"/>
+              <a:cs typeface="+mj-cs"/>
+            </a:endParaRPr>
+          </a:p>
+        </p:txBody>
+      </p:sp>
+    </p:spTree>
+    <p:extLst>
+      <p:ext uri="{BB962C8B-B14F-4D97-AF65-F5344CB8AC3E}">
+        <p14:creationId xmlns:p14="http://schemas.microsoft.com/office/powerpoint/2010/main" val="321189763"/>
       </p:ext>
     </p:extLst>
   </p:cSld>
@@ -6929,6 +6746,54 @@
           </a:p>
         </p:txBody>
       </p:sp>
+      <p:sp>
+        <p:nvSpPr>
+          <p:cNvPr id="2" name="Titel 1">
+            <a:extLst>
+              <a:ext uri="{FF2B5EF4-FFF2-40B4-BE49-F238E27FC236}">
+                <a16:creationId xmlns:a16="http://schemas.microsoft.com/office/drawing/2014/main" id="{35BFDC70-A169-E142-B051-5ABC9190E094}"/>
+              </a:ext>
+            </a:extLst>
+          </p:cNvPr>
+          <p:cNvSpPr>
+            <a:spLocks noGrp="1"/>
+          </p:cNvSpPr>
+          <p:nvPr>
+            <p:ph type="title"/>
+          </p:nvPr>
+        </p:nvSpPr>
+        <p:spPr>
+          <a:xfrm>
+            <a:off x="861390" y="963877"/>
+            <a:ext cx="3471171" cy="4930246"/>
+          </a:xfrm>
+        </p:spPr>
+        <p:txBody>
+          <a:bodyPr vert="horz" lIns="91440" tIns="45720" rIns="91440" bIns="45720" rtlCol="0">
+            <a:normAutofit/>
+          </a:bodyPr>
+          <a:lstStyle/>
+          <a:p>
+            <a:pPr algn="ctr"/>
+            <a:r>
+              <a:rPr lang="en-US" dirty="0" err="1">
+                <a:solidFill>
+                  <a:schemeClr val="accent1"/>
+                </a:solidFill>
+              </a:rPr>
+              <a:t>Herangehens-weise</a:t>
+            </a:r>
+            <a:endParaRPr lang="en-US" kern="1200" dirty="0">
+              <a:solidFill>
+                <a:schemeClr val="accent1"/>
+              </a:solidFill>
+              <a:latin typeface="+mj-lt"/>
+              <a:ea typeface="+mj-ea"/>
+              <a:cs typeface="+mj-cs"/>
+            </a:endParaRPr>
+          </a:p>
+        </p:txBody>
+      </p:sp>
       <p:cxnSp>
         <p:nvCxnSpPr>
           <p:cNvPr id="21" name="Straight Connector 20">
@@ -6986,312 +6851,6 @@
       </p:cxnSp>
       <p:sp>
         <p:nvSpPr>
-          <p:cNvPr id="5" name="Rechteck 4">
-            <a:extLst>
-              <a:ext uri="{FF2B5EF4-FFF2-40B4-BE49-F238E27FC236}">
-                <a16:creationId xmlns:a16="http://schemas.microsoft.com/office/drawing/2014/main" id="{6C91387F-AF56-614F-B14F-5E345367B7AF}"/>
-              </a:ext>
-            </a:extLst>
-          </p:cNvPr>
-          <p:cNvSpPr/>
-          <p:nvPr/>
-        </p:nvSpPr>
-        <p:spPr>
-          <a:xfrm>
-            <a:off x="321564" y="320040"/>
-            <a:ext cx="11548872" cy="6217920"/>
-          </a:xfrm>
-          <a:prstGeom prst="rect">
-            <a:avLst/>
-          </a:prstGeom>
-          <a:solidFill>
-            <a:schemeClr val="bg2"/>
-          </a:solidFill>
-          <a:ln>
-            <a:noFill/>
-          </a:ln>
-        </p:spPr>
-        <p:style>
-          <a:lnRef idx="2">
-            <a:schemeClr val="accent1">
-              <a:shade val="50000"/>
-            </a:schemeClr>
-          </a:lnRef>
-          <a:fillRef idx="1">
-            <a:schemeClr val="accent1"/>
-          </a:fillRef>
-          <a:effectRef idx="0">
-            <a:schemeClr val="accent1"/>
-          </a:effectRef>
-          <a:fontRef idx="minor">
-            <a:schemeClr val="lt1"/>
-          </a:fontRef>
-        </p:style>
-        <p:txBody>
-          <a:bodyPr rtlCol="0" anchor="ctr"/>
-          <a:lstStyle/>
-          <a:p>
-            <a:pPr algn="ctr"/>
-            <a:endParaRPr lang="de-DE"/>
-          </a:p>
-        </p:txBody>
-      </p:sp>
-      <p:sp>
-        <p:nvSpPr>
-          <p:cNvPr id="2" name="Titel 1">
-            <a:extLst>
-              <a:ext uri="{FF2B5EF4-FFF2-40B4-BE49-F238E27FC236}">
-                <a16:creationId xmlns:a16="http://schemas.microsoft.com/office/drawing/2014/main" id="{35BFDC70-A169-E142-B051-5ABC9190E094}"/>
-              </a:ext>
-            </a:extLst>
-          </p:cNvPr>
-          <p:cNvSpPr>
-            <a:spLocks noGrp="1"/>
-          </p:cNvSpPr>
-          <p:nvPr>
-            <p:ph type="title"/>
-          </p:nvPr>
-        </p:nvSpPr>
-        <p:spPr>
-          <a:xfrm>
-            <a:off x="4010025" y="963877"/>
-            <a:ext cx="4171949" cy="4930246"/>
-          </a:xfrm>
-        </p:spPr>
-        <p:txBody>
-          <a:bodyPr vert="horz" lIns="91440" tIns="45720" rIns="91440" bIns="45720" rtlCol="0">
-            <a:normAutofit/>
-          </a:bodyPr>
-          <a:lstStyle/>
-          <a:p>
-            <a:pPr algn="ctr"/>
-            <a:r>
-              <a:rPr lang="en-US" sz="4000" dirty="0" err="1">
-                <a:solidFill>
-                  <a:schemeClr val="accent1"/>
-                </a:solidFill>
-              </a:rPr>
-              <a:t>Implementierung</a:t>
-            </a:r>
-            <a:endParaRPr lang="en-US" sz="4000" kern="1200" dirty="0">
-              <a:solidFill>
-                <a:schemeClr val="accent1"/>
-              </a:solidFill>
-              <a:latin typeface="+mj-lt"/>
-              <a:ea typeface="+mj-ea"/>
-              <a:cs typeface="+mj-cs"/>
-            </a:endParaRPr>
-          </a:p>
-        </p:txBody>
-      </p:sp>
-    </p:spTree>
-    <p:extLst>
-      <p:ext uri="{BB962C8B-B14F-4D97-AF65-F5344CB8AC3E}">
-        <p14:creationId xmlns:p14="http://schemas.microsoft.com/office/powerpoint/2010/main" val="321189763"/>
-      </p:ext>
-    </p:extLst>
-  </p:cSld>
-  <p:clrMapOvr>
-    <a:masterClrMapping/>
-  </p:clrMapOvr>
-</p:sld>
-</file>
-
-<file path=ppt/slides/slide15.xml><?xml version="1.0" encoding="utf-8"?>
-<p:sld xmlns:a="http://schemas.openxmlformats.org/drawingml/2006/main" xmlns:r="http://schemas.openxmlformats.org/officeDocument/2006/relationships" xmlns:p="http://schemas.openxmlformats.org/presentationml/2006/main">
-  <p:cSld>
-    <p:bg>
-      <p:bgPr>
-        <a:solidFill>
-          <a:schemeClr val="bg1"/>
-        </a:solidFill>
-        <a:effectLst/>
-      </p:bgPr>
-    </p:bg>
-    <p:spTree>
-      <p:nvGrpSpPr>
-        <p:cNvPr id="1" name=""/>
-        <p:cNvGrpSpPr/>
-        <p:nvPr/>
-      </p:nvGrpSpPr>
-      <p:grpSpPr>
-        <a:xfrm>
-          <a:off x="0" y="0"/>
-          <a:ext cx="0" cy="0"/>
-          <a:chOff x="0" y="0"/>
-          <a:chExt cx="0" cy="0"/>
-        </a:xfrm>
-      </p:grpSpPr>
-      <p:sp>
-        <p:nvSpPr>
-          <p:cNvPr id="19" name="Rectangle 18">
-            <a:extLst>
-              <a:ext uri="{FF2B5EF4-FFF2-40B4-BE49-F238E27FC236}">
-                <a16:creationId xmlns:a16="http://schemas.microsoft.com/office/drawing/2014/main" id="{8D70B121-56F4-4848-B38B-182089D909FA}"/>
-              </a:ext>
-              <a:ext uri="{C183D7F6-B498-43B3-948B-1728B52AA6E4}">
-                <adec:decorative xmlns:adec="http://schemas.microsoft.com/office/drawing/2017/decorative" val="1"/>
-              </a:ext>
-            </a:extLst>
-          </p:cNvPr>
-          <p:cNvSpPr>
-            <a:spLocks noGrp="1" noRot="1" noChangeAspect="1" noMove="1" noResize="1" noEditPoints="1" noAdjustHandles="1" noChangeArrowheads="1" noChangeShapeType="1" noTextEdit="1"/>
-          </p:cNvSpPr>
-          <p:nvPr>
-            <p:extLst>
-              <p:ext uri="{386F3935-93C4-4BCD-93E2-E3B085C9AB24}">
-                <p16:designElem xmlns:p16="http://schemas.microsoft.com/office/powerpoint/2015/main" val="1"/>
-              </p:ext>
-            </p:extLst>
-          </p:nvPr>
-        </p:nvSpPr>
-        <p:spPr bwMode="ltGray">
-          <a:xfrm>
-            <a:off x="321564" y="320040"/>
-            <a:ext cx="11548872" cy="6217920"/>
-          </a:xfrm>
-          <a:prstGeom prst="rect">
-            <a:avLst/>
-          </a:prstGeom>
-          <a:solidFill>
-            <a:schemeClr val="tx1">
-              <a:alpha val="8000"/>
-            </a:schemeClr>
-          </a:solidFill>
-          <a:ln w="127000" cap="sq" cmpd="thinThick">
-            <a:noFill/>
-          </a:ln>
-        </p:spPr>
-        <p:style>
-          <a:lnRef idx="2">
-            <a:schemeClr val="accent1">
-              <a:shade val="50000"/>
-            </a:schemeClr>
-          </a:lnRef>
-          <a:fillRef idx="1">
-            <a:schemeClr val="accent1"/>
-          </a:fillRef>
-          <a:effectRef idx="0">
-            <a:schemeClr val="accent1"/>
-          </a:effectRef>
-          <a:fontRef idx="minor">
-            <a:schemeClr val="lt1"/>
-          </a:fontRef>
-        </p:style>
-        <p:txBody>
-          <a:bodyPr rtlCol="0" anchor="ctr"/>
-          <a:lstStyle/>
-          <a:p>
-            <a:pPr algn="ctr"/>
-            <a:endParaRPr lang="en-US"/>
-          </a:p>
-        </p:txBody>
-      </p:sp>
-      <p:sp>
-        <p:nvSpPr>
-          <p:cNvPr id="2" name="Titel 1">
-            <a:extLst>
-              <a:ext uri="{FF2B5EF4-FFF2-40B4-BE49-F238E27FC236}">
-                <a16:creationId xmlns:a16="http://schemas.microsoft.com/office/drawing/2014/main" id="{35BFDC70-A169-E142-B051-5ABC9190E094}"/>
-              </a:ext>
-            </a:extLst>
-          </p:cNvPr>
-          <p:cNvSpPr>
-            <a:spLocks noGrp="1"/>
-          </p:cNvSpPr>
-          <p:nvPr>
-            <p:ph type="title"/>
-          </p:nvPr>
-        </p:nvSpPr>
-        <p:spPr>
-          <a:xfrm>
-            <a:off x="861390" y="963877"/>
-            <a:ext cx="3471171" cy="4930246"/>
-          </a:xfrm>
-        </p:spPr>
-        <p:txBody>
-          <a:bodyPr vert="horz" lIns="91440" tIns="45720" rIns="91440" bIns="45720" rtlCol="0">
-            <a:normAutofit/>
-          </a:bodyPr>
-          <a:lstStyle/>
-          <a:p>
-            <a:pPr algn="ctr"/>
-            <a:r>
-              <a:rPr lang="en-US" dirty="0" err="1">
-                <a:solidFill>
-                  <a:schemeClr val="accent1"/>
-                </a:solidFill>
-              </a:rPr>
-              <a:t>Herangehens-weise</a:t>
-            </a:r>
-            <a:endParaRPr lang="en-US" kern="1200" dirty="0">
-              <a:solidFill>
-                <a:schemeClr val="accent1"/>
-              </a:solidFill>
-              <a:latin typeface="+mj-lt"/>
-              <a:ea typeface="+mj-ea"/>
-              <a:cs typeface="+mj-cs"/>
-            </a:endParaRPr>
-          </a:p>
-        </p:txBody>
-      </p:sp>
-      <p:cxnSp>
-        <p:nvCxnSpPr>
-          <p:cNvPr id="21" name="Straight Connector 20">
-            <a:extLst>
-              <a:ext uri="{FF2B5EF4-FFF2-40B4-BE49-F238E27FC236}">
-                <a16:creationId xmlns:a16="http://schemas.microsoft.com/office/drawing/2014/main" id="{2D72A2C9-F3CA-4216-8BAD-FA4C970C3C4E}"/>
-              </a:ext>
-              <a:ext uri="{C183D7F6-B498-43B3-948B-1728B52AA6E4}">
-                <adec:decorative xmlns:adec="http://schemas.microsoft.com/office/drawing/2017/decorative" val="1"/>
-              </a:ext>
-            </a:extLst>
-          </p:cNvPr>
-          <p:cNvCxnSpPr>
-            <a:cxnSpLocks noGrp="1" noRot="1" noChangeAspect="1" noMove="1" noResize="1" noEditPoints="1" noAdjustHandles="1" noChangeArrowheads="1" noChangeShapeType="1"/>
-          </p:cNvCxnSpPr>
-          <p:nvPr>
-            <p:extLst>
-              <p:ext uri="{386F3935-93C4-4BCD-93E2-E3B085C9AB24}">
-                <p16:designElem xmlns:p16="http://schemas.microsoft.com/office/powerpoint/2015/main" val="1"/>
-              </p:ext>
-            </p:extLst>
-          </p:nvPr>
-        </p:nvCxnSpPr>
-        <p:spPr>
-          <a:xfrm>
-            <a:off x="4654296" y="2057400"/>
-            <a:ext cx="0" cy="2743200"/>
-          </a:xfrm>
-          <a:prstGeom prst="line">
-            <a:avLst/>
-          </a:prstGeom>
-          <a:ln w="19050">
-            <a:solidFill>
-              <a:schemeClr val="tx1">
-                <a:lumMod val="85000"/>
-                <a:lumOff val="15000"/>
-              </a:schemeClr>
-            </a:solidFill>
-          </a:ln>
-        </p:spPr>
-        <p:style>
-          <a:lnRef idx="1">
-            <a:schemeClr val="accent1"/>
-          </a:lnRef>
-          <a:fillRef idx="0">
-            <a:schemeClr val="accent1"/>
-          </a:fillRef>
-          <a:effectRef idx="0">
-            <a:schemeClr val="accent1"/>
-          </a:effectRef>
-          <a:fontRef idx="minor">
-            <a:schemeClr val="tx1"/>
-          </a:fontRef>
-        </p:style>
-      </p:cxnSp>
-      <p:sp>
-        <p:nvSpPr>
           <p:cNvPr id="8" name="Inhaltsplatzhalter 4">
             <a:extLst>
               <a:ext uri="{FF2B5EF4-FFF2-40B4-BE49-F238E27FC236}">
@@ -7344,7 +6903,7 @@
 </p:sld>
 </file>
 
-<file path=ppt/slides/slide16.xml><?xml version="1.0" encoding="utf-8"?>
+<file path=ppt/slides/slide15.xml><?xml version="1.0" encoding="utf-8"?>
 <p:sld xmlns:a="http://schemas.openxmlformats.org/drawingml/2006/main" xmlns:r="http://schemas.openxmlformats.org/officeDocument/2006/relationships" xmlns:p="http://schemas.openxmlformats.org/presentationml/2006/main">
   <p:cSld>
     <p:spTree>
@@ -7592,7 +7151,7 @@
 </p:sld>
 </file>
 
-<file path=ppt/slides/slide17.xml><?xml version="1.0" encoding="utf-8"?>
+<file path=ppt/slides/slide16.xml><?xml version="1.0" encoding="utf-8"?>
 <p:sld xmlns:a="http://schemas.openxmlformats.org/drawingml/2006/main" xmlns:r="http://schemas.openxmlformats.org/officeDocument/2006/relationships" xmlns:p="http://schemas.openxmlformats.org/presentationml/2006/main">
   <p:cSld>
     <p:spTree>
@@ -7754,7 +7313,7 @@
 </p:sld>
 </file>
 
-<file path=ppt/slides/slide18.xml><?xml version="1.0" encoding="utf-8"?>
+<file path=ppt/slides/slide17.xml><?xml version="1.0" encoding="utf-8"?>
 <p:sld xmlns:a="http://schemas.openxmlformats.org/drawingml/2006/main" xmlns:r="http://schemas.openxmlformats.org/officeDocument/2006/relationships" xmlns:p="http://schemas.openxmlformats.org/presentationml/2006/main">
   <p:cSld>
     <p:spTree>
@@ -8002,7 +7561,7 @@
 </p:sld>
 </file>
 
-<file path=ppt/slides/slide19.xml><?xml version="1.0" encoding="utf-8"?>
+<file path=ppt/slides/slide18.xml><?xml version="1.0" encoding="utf-8"?>
 <p:sld xmlns:a="http://schemas.openxmlformats.org/drawingml/2006/main" xmlns:r="http://schemas.openxmlformats.org/officeDocument/2006/relationships" xmlns:p="http://schemas.openxmlformats.org/presentationml/2006/main">
   <p:cSld>
     <p:spTree>
@@ -8164,299 +7723,7 @@
 </p:sld>
 </file>
 
-<file path=ppt/slides/slide2.xml><?xml version="1.0" encoding="utf-8"?>
-<p:sld xmlns:a="http://schemas.openxmlformats.org/drawingml/2006/main" xmlns:r="http://schemas.openxmlformats.org/officeDocument/2006/relationships" xmlns:p="http://schemas.openxmlformats.org/presentationml/2006/main">
-  <p:cSld>
-    <p:bg>
-      <p:bgPr>
-        <a:solidFill>
-          <a:schemeClr val="bg1"/>
-        </a:solidFill>
-        <a:effectLst/>
-      </p:bgPr>
-    </p:bg>
-    <p:spTree>
-      <p:nvGrpSpPr>
-        <p:cNvPr id="1" name=""/>
-        <p:cNvGrpSpPr/>
-        <p:nvPr/>
-      </p:nvGrpSpPr>
-      <p:grpSpPr>
-        <a:xfrm>
-          <a:off x="0" y="0"/>
-          <a:ext cx="0" cy="0"/>
-          <a:chOff x="0" y="0"/>
-          <a:chExt cx="0" cy="0"/>
-        </a:xfrm>
-      </p:grpSpPr>
-      <p:sp>
-        <p:nvSpPr>
-          <p:cNvPr id="8" name="Rectangle 7">
-            <a:extLst>
-              <a:ext uri="{FF2B5EF4-FFF2-40B4-BE49-F238E27FC236}">
-                <a16:creationId xmlns:a16="http://schemas.microsoft.com/office/drawing/2014/main" id="{8D70B121-56F4-4848-B38B-182089D909FA}"/>
-              </a:ext>
-              <a:ext uri="{C183D7F6-B498-43B3-948B-1728B52AA6E4}">
-                <adec:decorative xmlns:adec="http://schemas.microsoft.com/office/drawing/2017/decorative" val="1"/>
-              </a:ext>
-            </a:extLst>
-          </p:cNvPr>
-          <p:cNvSpPr>
-            <a:spLocks noGrp="1" noRot="1" noChangeAspect="1" noMove="1" noResize="1" noEditPoints="1" noAdjustHandles="1" noChangeArrowheads="1" noChangeShapeType="1" noTextEdit="1"/>
-          </p:cNvSpPr>
-          <p:nvPr>
-            <p:extLst>
-              <p:ext uri="{386F3935-93C4-4BCD-93E2-E3B085C9AB24}">
-                <p16:designElem xmlns:p16="http://schemas.microsoft.com/office/powerpoint/2015/main" val="1"/>
-              </p:ext>
-            </p:extLst>
-          </p:nvPr>
-        </p:nvSpPr>
-        <p:spPr bwMode="ltGray">
-          <a:xfrm>
-            <a:off x="321564" y="320040"/>
-            <a:ext cx="11548872" cy="6217920"/>
-          </a:xfrm>
-          <a:prstGeom prst="rect">
-            <a:avLst/>
-          </a:prstGeom>
-          <a:solidFill>
-            <a:schemeClr val="tx1">
-              <a:alpha val="8000"/>
-            </a:schemeClr>
-          </a:solidFill>
-          <a:ln w="127000" cap="sq" cmpd="thinThick">
-            <a:noFill/>
-          </a:ln>
-        </p:spPr>
-        <p:style>
-          <a:lnRef idx="2">
-            <a:schemeClr val="accent1">
-              <a:shade val="50000"/>
-            </a:schemeClr>
-          </a:lnRef>
-          <a:fillRef idx="1">
-            <a:schemeClr val="accent1"/>
-          </a:fillRef>
-          <a:effectRef idx="0">
-            <a:schemeClr val="accent1"/>
-          </a:effectRef>
-          <a:fontRef idx="minor">
-            <a:schemeClr val="lt1"/>
-          </a:fontRef>
-        </p:style>
-        <p:txBody>
-          <a:bodyPr rtlCol="0" anchor="ctr"/>
-          <a:lstStyle/>
-          <a:p>
-            <a:pPr algn="ctr"/>
-            <a:endParaRPr lang="en-US"/>
-          </a:p>
-        </p:txBody>
-      </p:sp>
-      <p:sp>
-        <p:nvSpPr>
-          <p:cNvPr id="2" name="Titel 1">
-            <a:extLst>
-              <a:ext uri="{FF2B5EF4-FFF2-40B4-BE49-F238E27FC236}">
-                <a16:creationId xmlns:a16="http://schemas.microsoft.com/office/drawing/2014/main" id="{0B5D0F8F-C92F-BC46-ACC4-7A21698DD272}"/>
-              </a:ext>
-            </a:extLst>
-          </p:cNvPr>
-          <p:cNvSpPr>
-            <a:spLocks noGrp="1"/>
-          </p:cNvSpPr>
-          <p:nvPr>
-            <p:ph type="title"/>
-          </p:nvPr>
-        </p:nvSpPr>
-        <p:spPr>
-          <a:xfrm>
-            <a:off x="838200" y="963877"/>
-            <a:ext cx="3494362" cy="4930246"/>
-          </a:xfrm>
-        </p:spPr>
-        <p:txBody>
-          <a:bodyPr>
-            <a:normAutofit/>
-          </a:bodyPr>
-          <a:lstStyle/>
-          <a:p>
-            <a:pPr algn="r"/>
-            <a:r>
-              <a:rPr lang="de-DE" dirty="0">
-                <a:solidFill>
-                  <a:schemeClr val="accent1"/>
-                </a:solidFill>
-              </a:rPr>
-              <a:t>Gliederung	</a:t>
-            </a:r>
-          </a:p>
-        </p:txBody>
-      </p:sp>
-      <p:cxnSp>
-        <p:nvCxnSpPr>
-          <p:cNvPr id="10" name="Straight Connector 9">
-            <a:extLst>
-              <a:ext uri="{FF2B5EF4-FFF2-40B4-BE49-F238E27FC236}">
-                <a16:creationId xmlns:a16="http://schemas.microsoft.com/office/drawing/2014/main" id="{2D72A2C9-F3CA-4216-8BAD-FA4C970C3C4E}"/>
-              </a:ext>
-              <a:ext uri="{C183D7F6-B498-43B3-948B-1728B52AA6E4}">
-                <adec:decorative xmlns:adec="http://schemas.microsoft.com/office/drawing/2017/decorative" val="1"/>
-              </a:ext>
-            </a:extLst>
-          </p:cNvPr>
-          <p:cNvCxnSpPr>
-            <a:cxnSpLocks noGrp="1" noRot="1" noChangeAspect="1" noMove="1" noResize="1" noEditPoints="1" noAdjustHandles="1" noChangeArrowheads="1" noChangeShapeType="1"/>
-          </p:cNvCxnSpPr>
-          <p:nvPr>
-            <p:extLst>
-              <p:ext uri="{386F3935-93C4-4BCD-93E2-E3B085C9AB24}">
-                <p16:designElem xmlns:p16="http://schemas.microsoft.com/office/powerpoint/2015/main" val="1"/>
-              </p:ext>
-            </p:extLst>
-          </p:nvPr>
-        </p:nvCxnSpPr>
-        <p:spPr>
-          <a:xfrm>
-            <a:off x="4654296" y="2057400"/>
-            <a:ext cx="0" cy="2743200"/>
-          </a:xfrm>
-          <a:prstGeom prst="line">
-            <a:avLst/>
-          </a:prstGeom>
-          <a:ln w="19050">
-            <a:solidFill>
-              <a:schemeClr val="tx1">
-                <a:lumMod val="85000"/>
-                <a:lumOff val="15000"/>
-              </a:schemeClr>
-            </a:solidFill>
-          </a:ln>
-        </p:spPr>
-        <p:style>
-          <a:lnRef idx="1">
-            <a:schemeClr val="accent1"/>
-          </a:lnRef>
-          <a:fillRef idx="0">
-            <a:schemeClr val="accent1"/>
-          </a:fillRef>
-          <a:effectRef idx="0">
-            <a:schemeClr val="accent1"/>
-          </a:effectRef>
-          <a:fontRef idx="minor">
-            <a:schemeClr val="tx1"/>
-          </a:fontRef>
-        </p:style>
-      </p:cxnSp>
-      <p:sp>
-        <p:nvSpPr>
-          <p:cNvPr id="3" name="Inhaltsplatzhalter 2">
-            <a:extLst>
-              <a:ext uri="{FF2B5EF4-FFF2-40B4-BE49-F238E27FC236}">
-                <a16:creationId xmlns:a16="http://schemas.microsoft.com/office/drawing/2014/main" id="{692C889E-3E0C-9E40-9512-4230892B2B42}"/>
-              </a:ext>
-            </a:extLst>
-          </p:cNvPr>
-          <p:cNvSpPr>
-            <a:spLocks noGrp="1"/>
-          </p:cNvSpPr>
-          <p:nvPr>
-            <p:ph idx="1"/>
-          </p:nvPr>
-        </p:nvSpPr>
-        <p:spPr>
-          <a:xfrm>
-            <a:off x="4976031" y="963877"/>
-            <a:ext cx="6377769" cy="4930246"/>
-          </a:xfrm>
-        </p:spPr>
-        <p:txBody>
-          <a:bodyPr anchor="ctr">
-            <a:normAutofit/>
-          </a:bodyPr>
-          <a:lstStyle/>
-          <a:p>
-            <a:r>
-              <a:rPr lang="de-DE" sz="2400" dirty="0"/>
-              <a:t>Einführung in das Thema</a:t>
-            </a:r>
-          </a:p>
-          <a:p>
-            <a:r>
-              <a:rPr lang="de-DE" sz="2400" dirty="0"/>
-              <a:t>Theoretische Grundlagen</a:t>
-            </a:r>
-          </a:p>
-          <a:p>
-            <a:pPr lvl="1"/>
-            <a:r>
-              <a:rPr lang="de-DE" sz="2000" dirty="0"/>
-              <a:t>Einführung</a:t>
-            </a:r>
-          </a:p>
-          <a:p>
-            <a:pPr lvl="1"/>
-            <a:r>
-              <a:rPr lang="de-DE" sz="2000" dirty="0"/>
-              <a:t>Anwendungen</a:t>
-            </a:r>
-          </a:p>
-          <a:p>
-            <a:r>
-              <a:rPr lang="de-DE" sz="2400" dirty="0"/>
-              <a:t>Aufgabenstellung</a:t>
-            </a:r>
-          </a:p>
-          <a:p>
-            <a:r>
-              <a:rPr lang="de-DE" sz="2400" dirty="0"/>
-              <a:t>Implementierung</a:t>
-            </a:r>
-          </a:p>
-          <a:p>
-            <a:pPr lvl="1"/>
-            <a:r>
-              <a:rPr lang="de-DE" sz="2000" dirty="0"/>
-              <a:t>Herangehensweise </a:t>
-            </a:r>
-          </a:p>
-          <a:p>
-            <a:pPr lvl="1"/>
-            <a:r>
-              <a:rPr lang="de-DE" sz="2000" dirty="0"/>
-              <a:t>Einführung in den Code</a:t>
-            </a:r>
-          </a:p>
-          <a:p>
-            <a:pPr lvl="1"/>
-            <a:r>
-              <a:rPr lang="de-DE" sz="2000" dirty="0"/>
-              <a:t>Präsentation des Ergebnisses</a:t>
-            </a:r>
-          </a:p>
-          <a:p>
-            <a:r>
-              <a:rPr lang="de-DE" sz="2400" dirty="0"/>
-              <a:t>Fazit </a:t>
-            </a:r>
-          </a:p>
-        </p:txBody>
-      </p:sp>
-    </p:spTree>
-    <p:extLst>
-      <p:ext uri="{BB962C8B-B14F-4D97-AF65-F5344CB8AC3E}">
-        <p14:creationId xmlns:p14="http://schemas.microsoft.com/office/powerpoint/2010/main" val="1278949465"/>
-      </p:ext>
-    </p:extLst>
-  </p:cSld>
-  <p:clrMapOvr>
-    <a:masterClrMapping/>
-  </p:clrMapOvr>
-</p:sld>
-</file>
-
-<file path=ppt/slides/slide20.xml><?xml version="1.0" encoding="utf-8"?>
+<file path=ppt/slides/slide19.xml><?xml version="1.0" encoding="utf-8"?>
 <p:sld xmlns:a="http://schemas.openxmlformats.org/drawingml/2006/main" xmlns:r="http://schemas.openxmlformats.org/officeDocument/2006/relationships" xmlns:p="http://schemas.openxmlformats.org/presentationml/2006/main">
   <p:cSld>
     <p:spTree>
@@ -8921,7 +8188,299 @@
 </p:sld>
 </file>
 
-<file path=ppt/slides/slide21.xml><?xml version="1.0" encoding="utf-8"?>
+<file path=ppt/slides/slide2.xml><?xml version="1.0" encoding="utf-8"?>
+<p:sld xmlns:a="http://schemas.openxmlformats.org/drawingml/2006/main" xmlns:r="http://schemas.openxmlformats.org/officeDocument/2006/relationships" xmlns:p="http://schemas.openxmlformats.org/presentationml/2006/main">
+  <p:cSld>
+    <p:bg>
+      <p:bgPr>
+        <a:solidFill>
+          <a:schemeClr val="bg1"/>
+        </a:solidFill>
+        <a:effectLst/>
+      </p:bgPr>
+    </p:bg>
+    <p:spTree>
+      <p:nvGrpSpPr>
+        <p:cNvPr id="1" name=""/>
+        <p:cNvGrpSpPr/>
+        <p:nvPr/>
+      </p:nvGrpSpPr>
+      <p:grpSpPr>
+        <a:xfrm>
+          <a:off x="0" y="0"/>
+          <a:ext cx="0" cy="0"/>
+          <a:chOff x="0" y="0"/>
+          <a:chExt cx="0" cy="0"/>
+        </a:xfrm>
+      </p:grpSpPr>
+      <p:sp>
+        <p:nvSpPr>
+          <p:cNvPr id="8" name="Rectangle 7">
+            <a:extLst>
+              <a:ext uri="{FF2B5EF4-FFF2-40B4-BE49-F238E27FC236}">
+                <a16:creationId xmlns:a16="http://schemas.microsoft.com/office/drawing/2014/main" id="{8D70B121-56F4-4848-B38B-182089D909FA}"/>
+              </a:ext>
+              <a:ext uri="{C183D7F6-B498-43B3-948B-1728B52AA6E4}">
+                <adec:decorative xmlns:adec="http://schemas.microsoft.com/office/drawing/2017/decorative" val="1"/>
+              </a:ext>
+            </a:extLst>
+          </p:cNvPr>
+          <p:cNvSpPr>
+            <a:spLocks noGrp="1" noRot="1" noChangeAspect="1" noMove="1" noResize="1" noEditPoints="1" noAdjustHandles="1" noChangeArrowheads="1" noChangeShapeType="1" noTextEdit="1"/>
+          </p:cNvSpPr>
+          <p:nvPr>
+            <p:extLst>
+              <p:ext uri="{386F3935-93C4-4BCD-93E2-E3B085C9AB24}">
+                <p16:designElem xmlns:p16="http://schemas.microsoft.com/office/powerpoint/2015/main" val="1"/>
+              </p:ext>
+            </p:extLst>
+          </p:nvPr>
+        </p:nvSpPr>
+        <p:spPr bwMode="ltGray">
+          <a:xfrm>
+            <a:off x="321564" y="320040"/>
+            <a:ext cx="11548872" cy="6217920"/>
+          </a:xfrm>
+          <a:prstGeom prst="rect">
+            <a:avLst/>
+          </a:prstGeom>
+          <a:solidFill>
+            <a:schemeClr val="tx1">
+              <a:alpha val="8000"/>
+            </a:schemeClr>
+          </a:solidFill>
+          <a:ln w="127000" cap="sq" cmpd="thinThick">
+            <a:noFill/>
+          </a:ln>
+        </p:spPr>
+        <p:style>
+          <a:lnRef idx="2">
+            <a:schemeClr val="accent1">
+              <a:shade val="50000"/>
+            </a:schemeClr>
+          </a:lnRef>
+          <a:fillRef idx="1">
+            <a:schemeClr val="accent1"/>
+          </a:fillRef>
+          <a:effectRef idx="0">
+            <a:schemeClr val="accent1"/>
+          </a:effectRef>
+          <a:fontRef idx="minor">
+            <a:schemeClr val="lt1"/>
+          </a:fontRef>
+        </p:style>
+        <p:txBody>
+          <a:bodyPr rtlCol="0" anchor="ctr"/>
+          <a:lstStyle/>
+          <a:p>
+            <a:pPr algn="ctr"/>
+            <a:endParaRPr lang="en-US"/>
+          </a:p>
+        </p:txBody>
+      </p:sp>
+      <p:sp>
+        <p:nvSpPr>
+          <p:cNvPr id="2" name="Titel 1">
+            <a:extLst>
+              <a:ext uri="{FF2B5EF4-FFF2-40B4-BE49-F238E27FC236}">
+                <a16:creationId xmlns:a16="http://schemas.microsoft.com/office/drawing/2014/main" id="{0B5D0F8F-C92F-BC46-ACC4-7A21698DD272}"/>
+              </a:ext>
+            </a:extLst>
+          </p:cNvPr>
+          <p:cNvSpPr>
+            <a:spLocks noGrp="1"/>
+          </p:cNvSpPr>
+          <p:nvPr>
+            <p:ph type="title"/>
+          </p:nvPr>
+        </p:nvSpPr>
+        <p:spPr>
+          <a:xfrm>
+            <a:off x="838200" y="963877"/>
+            <a:ext cx="3494362" cy="4930246"/>
+          </a:xfrm>
+        </p:spPr>
+        <p:txBody>
+          <a:bodyPr>
+            <a:normAutofit/>
+          </a:bodyPr>
+          <a:lstStyle/>
+          <a:p>
+            <a:pPr algn="r"/>
+            <a:r>
+              <a:rPr lang="de-DE" dirty="0">
+                <a:solidFill>
+                  <a:schemeClr val="accent1"/>
+                </a:solidFill>
+              </a:rPr>
+              <a:t>Gliederung	</a:t>
+            </a:r>
+          </a:p>
+        </p:txBody>
+      </p:sp>
+      <p:cxnSp>
+        <p:nvCxnSpPr>
+          <p:cNvPr id="10" name="Straight Connector 9">
+            <a:extLst>
+              <a:ext uri="{FF2B5EF4-FFF2-40B4-BE49-F238E27FC236}">
+                <a16:creationId xmlns:a16="http://schemas.microsoft.com/office/drawing/2014/main" id="{2D72A2C9-F3CA-4216-8BAD-FA4C970C3C4E}"/>
+              </a:ext>
+              <a:ext uri="{C183D7F6-B498-43B3-948B-1728B52AA6E4}">
+                <adec:decorative xmlns:adec="http://schemas.microsoft.com/office/drawing/2017/decorative" val="1"/>
+              </a:ext>
+            </a:extLst>
+          </p:cNvPr>
+          <p:cNvCxnSpPr>
+            <a:cxnSpLocks noGrp="1" noRot="1" noChangeAspect="1" noMove="1" noResize="1" noEditPoints="1" noAdjustHandles="1" noChangeArrowheads="1" noChangeShapeType="1"/>
+          </p:cNvCxnSpPr>
+          <p:nvPr>
+            <p:extLst>
+              <p:ext uri="{386F3935-93C4-4BCD-93E2-E3B085C9AB24}">
+                <p16:designElem xmlns:p16="http://schemas.microsoft.com/office/powerpoint/2015/main" val="1"/>
+              </p:ext>
+            </p:extLst>
+          </p:nvPr>
+        </p:nvCxnSpPr>
+        <p:spPr>
+          <a:xfrm>
+            <a:off x="4654296" y="2057400"/>
+            <a:ext cx="0" cy="2743200"/>
+          </a:xfrm>
+          <a:prstGeom prst="line">
+            <a:avLst/>
+          </a:prstGeom>
+          <a:ln w="19050">
+            <a:solidFill>
+              <a:schemeClr val="tx1">
+                <a:lumMod val="85000"/>
+                <a:lumOff val="15000"/>
+              </a:schemeClr>
+            </a:solidFill>
+          </a:ln>
+        </p:spPr>
+        <p:style>
+          <a:lnRef idx="1">
+            <a:schemeClr val="accent1"/>
+          </a:lnRef>
+          <a:fillRef idx="0">
+            <a:schemeClr val="accent1"/>
+          </a:fillRef>
+          <a:effectRef idx="0">
+            <a:schemeClr val="accent1"/>
+          </a:effectRef>
+          <a:fontRef idx="minor">
+            <a:schemeClr val="tx1"/>
+          </a:fontRef>
+        </p:style>
+      </p:cxnSp>
+      <p:sp>
+        <p:nvSpPr>
+          <p:cNvPr id="3" name="Inhaltsplatzhalter 2">
+            <a:extLst>
+              <a:ext uri="{FF2B5EF4-FFF2-40B4-BE49-F238E27FC236}">
+                <a16:creationId xmlns:a16="http://schemas.microsoft.com/office/drawing/2014/main" id="{692C889E-3E0C-9E40-9512-4230892B2B42}"/>
+              </a:ext>
+            </a:extLst>
+          </p:cNvPr>
+          <p:cNvSpPr>
+            <a:spLocks noGrp="1"/>
+          </p:cNvSpPr>
+          <p:nvPr>
+            <p:ph idx="1"/>
+          </p:nvPr>
+        </p:nvSpPr>
+        <p:spPr>
+          <a:xfrm>
+            <a:off x="4976031" y="963877"/>
+            <a:ext cx="6377769" cy="4930246"/>
+          </a:xfrm>
+        </p:spPr>
+        <p:txBody>
+          <a:bodyPr anchor="ctr">
+            <a:normAutofit/>
+          </a:bodyPr>
+          <a:lstStyle/>
+          <a:p>
+            <a:r>
+              <a:rPr lang="de-DE" sz="2400" dirty="0"/>
+              <a:t>Einführung in das Thema</a:t>
+            </a:r>
+          </a:p>
+          <a:p>
+            <a:r>
+              <a:rPr lang="de-DE" sz="2400" dirty="0"/>
+              <a:t>Theoretische Grundlagen</a:t>
+            </a:r>
+          </a:p>
+          <a:p>
+            <a:pPr lvl="1"/>
+            <a:r>
+              <a:rPr lang="de-DE" sz="2000" dirty="0"/>
+              <a:t>Einführung</a:t>
+            </a:r>
+          </a:p>
+          <a:p>
+            <a:pPr lvl="1"/>
+            <a:r>
+              <a:rPr lang="de-DE" sz="2000" dirty="0"/>
+              <a:t>Anwendungen</a:t>
+            </a:r>
+          </a:p>
+          <a:p>
+            <a:r>
+              <a:rPr lang="de-DE" sz="2400" dirty="0"/>
+              <a:t>Aufgabenstellung</a:t>
+            </a:r>
+          </a:p>
+          <a:p>
+            <a:r>
+              <a:rPr lang="de-DE" sz="2400" dirty="0"/>
+              <a:t>Implementierung</a:t>
+            </a:r>
+          </a:p>
+          <a:p>
+            <a:pPr lvl="1"/>
+            <a:r>
+              <a:rPr lang="de-DE" sz="2000" dirty="0"/>
+              <a:t>Herangehensweise </a:t>
+            </a:r>
+          </a:p>
+          <a:p>
+            <a:pPr lvl="1"/>
+            <a:r>
+              <a:rPr lang="de-DE" sz="2000" dirty="0"/>
+              <a:t>Einführung in den Code</a:t>
+            </a:r>
+          </a:p>
+          <a:p>
+            <a:pPr lvl="1"/>
+            <a:r>
+              <a:rPr lang="de-DE" sz="2000" dirty="0"/>
+              <a:t>Präsentation des Ergebnisses</a:t>
+            </a:r>
+          </a:p>
+          <a:p>
+            <a:r>
+              <a:rPr lang="de-DE" sz="2400" dirty="0"/>
+              <a:t>Fazit </a:t>
+            </a:r>
+          </a:p>
+        </p:txBody>
+      </p:sp>
+    </p:spTree>
+    <p:extLst>
+      <p:ext uri="{BB962C8B-B14F-4D97-AF65-F5344CB8AC3E}">
+        <p14:creationId xmlns:p14="http://schemas.microsoft.com/office/powerpoint/2010/main" val="1278949465"/>
+      </p:ext>
+    </p:extLst>
+  </p:cSld>
+  <p:clrMapOvr>
+    <a:masterClrMapping/>
+  </p:clrMapOvr>
+</p:sld>
+</file>
+
+<file path=ppt/slides/slide20.xml><?xml version="1.0" encoding="utf-8"?>
 <p:sld xmlns:a="http://schemas.openxmlformats.org/drawingml/2006/main" xmlns:r="http://schemas.openxmlformats.org/officeDocument/2006/relationships" xmlns:p="http://schemas.openxmlformats.org/presentationml/2006/main">
   <p:cSld>
     <p:spTree>
@@ -9139,7 +8698,7 @@
 </p:sld>
 </file>
 
-<file path=ppt/slides/slide22.xml><?xml version="1.0" encoding="utf-8"?>
+<file path=ppt/slides/slide21.xml><?xml version="1.0" encoding="utf-8"?>
 <p:sld xmlns:a="http://schemas.openxmlformats.org/drawingml/2006/main" xmlns:r="http://schemas.openxmlformats.org/officeDocument/2006/relationships" xmlns:p="http://schemas.openxmlformats.org/presentationml/2006/main">
   <p:cSld>
     <p:bg>
@@ -9376,6 +8935,252 @@
     <p:extLst>
       <p:ext uri="{BB962C8B-B14F-4D97-AF65-F5344CB8AC3E}">
         <p14:creationId xmlns:p14="http://schemas.microsoft.com/office/powerpoint/2010/main" val="1206238072"/>
+      </p:ext>
+    </p:extLst>
+  </p:cSld>
+  <p:clrMapOvr>
+    <a:masterClrMapping/>
+  </p:clrMapOvr>
+</p:sld>
+</file>
+
+<file path=ppt/slides/slide22.xml><?xml version="1.0" encoding="utf-8"?>
+<p:sld xmlns:a="http://schemas.openxmlformats.org/drawingml/2006/main" xmlns:r="http://schemas.openxmlformats.org/officeDocument/2006/relationships" xmlns:p="http://schemas.openxmlformats.org/presentationml/2006/main">
+  <p:cSld>
+    <p:bg>
+      <p:bgPr>
+        <a:solidFill>
+          <a:schemeClr val="bg1"/>
+        </a:solidFill>
+        <a:effectLst/>
+      </p:bgPr>
+    </p:bg>
+    <p:spTree>
+      <p:nvGrpSpPr>
+        <p:cNvPr id="1" name=""/>
+        <p:cNvGrpSpPr/>
+        <p:nvPr/>
+      </p:nvGrpSpPr>
+      <p:grpSpPr>
+        <a:xfrm>
+          <a:off x="0" y="0"/>
+          <a:ext cx="0" cy="0"/>
+          <a:chOff x="0" y="0"/>
+          <a:chExt cx="0" cy="0"/>
+        </a:xfrm>
+      </p:grpSpPr>
+      <p:sp>
+        <p:nvSpPr>
+          <p:cNvPr id="19" name="Rectangle 18">
+            <a:extLst>
+              <a:ext uri="{FF2B5EF4-FFF2-40B4-BE49-F238E27FC236}">
+                <a16:creationId xmlns:a16="http://schemas.microsoft.com/office/drawing/2014/main" id="{8D70B121-56F4-4848-B38B-182089D909FA}"/>
+              </a:ext>
+              <a:ext uri="{C183D7F6-B498-43B3-948B-1728B52AA6E4}">
+                <adec:decorative xmlns:adec="http://schemas.microsoft.com/office/drawing/2017/decorative" val="1"/>
+              </a:ext>
+            </a:extLst>
+          </p:cNvPr>
+          <p:cNvSpPr>
+            <a:spLocks noGrp="1" noRot="1" noChangeAspect="1" noMove="1" noResize="1" noEditPoints="1" noAdjustHandles="1" noChangeArrowheads="1" noChangeShapeType="1" noTextEdit="1"/>
+          </p:cNvSpPr>
+          <p:nvPr>
+            <p:extLst>
+              <p:ext uri="{386F3935-93C4-4BCD-93E2-E3B085C9AB24}">
+                <p16:designElem xmlns:p16="http://schemas.microsoft.com/office/powerpoint/2015/main" val="1"/>
+              </p:ext>
+            </p:extLst>
+          </p:nvPr>
+        </p:nvSpPr>
+        <p:spPr bwMode="ltGray">
+          <a:xfrm>
+            <a:off x="321564" y="320040"/>
+            <a:ext cx="11548872" cy="6217920"/>
+          </a:xfrm>
+          <a:prstGeom prst="rect">
+            <a:avLst/>
+          </a:prstGeom>
+          <a:solidFill>
+            <a:schemeClr val="tx1">
+              <a:alpha val="8000"/>
+            </a:schemeClr>
+          </a:solidFill>
+          <a:ln w="127000" cap="sq" cmpd="thinThick">
+            <a:noFill/>
+          </a:ln>
+        </p:spPr>
+        <p:style>
+          <a:lnRef idx="2">
+            <a:schemeClr val="accent1">
+              <a:shade val="50000"/>
+            </a:schemeClr>
+          </a:lnRef>
+          <a:fillRef idx="1">
+            <a:schemeClr val="accent1"/>
+          </a:fillRef>
+          <a:effectRef idx="0">
+            <a:schemeClr val="accent1"/>
+          </a:effectRef>
+          <a:fontRef idx="minor">
+            <a:schemeClr val="lt1"/>
+          </a:fontRef>
+        </p:style>
+        <p:txBody>
+          <a:bodyPr rtlCol="0" anchor="ctr"/>
+          <a:lstStyle/>
+          <a:p>
+            <a:pPr algn="ctr"/>
+            <a:endParaRPr lang="en-US"/>
+          </a:p>
+        </p:txBody>
+      </p:sp>
+      <p:sp>
+        <p:nvSpPr>
+          <p:cNvPr id="2" name="Titel 1">
+            <a:extLst>
+              <a:ext uri="{FF2B5EF4-FFF2-40B4-BE49-F238E27FC236}">
+                <a16:creationId xmlns:a16="http://schemas.microsoft.com/office/drawing/2014/main" id="{35BFDC70-A169-E142-B051-5ABC9190E094}"/>
+              </a:ext>
+            </a:extLst>
+          </p:cNvPr>
+          <p:cNvSpPr>
+            <a:spLocks noGrp="1"/>
+          </p:cNvSpPr>
+          <p:nvPr>
+            <p:ph type="title"/>
+          </p:nvPr>
+        </p:nvSpPr>
+        <p:spPr>
+          <a:xfrm>
+            <a:off x="861390" y="963877"/>
+            <a:ext cx="3471171" cy="4930246"/>
+          </a:xfrm>
+        </p:spPr>
+        <p:txBody>
+          <a:bodyPr vert="horz" lIns="91440" tIns="45720" rIns="91440" bIns="45720" rtlCol="0">
+            <a:normAutofit/>
+          </a:bodyPr>
+          <a:lstStyle/>
+          <a:p>
+            <a:pPr algn="ctr"/>
+            <a:r>
+              <a:rPr lang="en-US" dirty="0" err="1">
+                <a:solidFill>
+                  <a:schemeClr val="accent1"/>
+                </a:solidFill>
+              </a:rPr>
+              <a:t>Einführung</a:t>
+            </a:r>
+            <a:r>
+              <a:rPr lang="en-US" dirty="0">
+                <a:solidFill>
+                  <a:schemeClr val="accent1"/>
+                </a:solidFill>
+              </a:rPr>
+              <a:t> in den Code</a:t>
+            </a:r>
+            <a:endParaRPr lang="en-US" kern="1200" dirty="0">
+              <a:solidFill>
+                <a:schemeClr val="accent1"/>
+              </a:solidFill>
+              <a:latin typeface="+mj-lt"/>
+              <a:ea typeface="+mj-ea"/>
+              <a:cs typeface="+mj-cs"/>
+            </a:endParaRPr>
+          </a:p>
+        </p:txBody>
+      </p:sp>
+      <p:cxnSp>
+        <p:nvCxnSpPr>
+          <p:cNvPr id="21" name="Straight Connector 20">
+            <a:extLst>
+              <a:ext uri="{FF2B5EF4-FFF2-40B4-BE49-F238E27FC236}">
+                <a16:creationId xmlns:a16="http://schemas.microsoft.com/office/drawing/2014/main" id="{2D72A2C9-F3CA-4216-8BAD-FA4C970C3C4E}"/>
+              </a:ext>
+              <a:ext uri="{C183D7F6-B498-43B3-948B-1728B52AA6E4}">
+                <adec:decorative xmlns:adec="http://schemas.microsoft.com/office/drawing/2017/decorative" val="1"/>
+              </a:ext>
+            </a:extLst>
+          </p:cNvPr>
+          <p:cNvCxnSpPr>
+            <a:cxnSpLocks noGrp="1" noRot="1" noChangeAspect="1" noMove="1" noResize="1" noEditPoints="1" noAdjustHandles="1" noChangeArrowheads="1" noChangeShapeType="1"/>
+          </p:cNvCxnSpPr>
+          <p:nvPr>
+            <p:extLst>
+              <p:ext uri="{386F3935-93C4-4BCD-93E2-E3B085C9AB24}">
+                <p16:designElem xmlns:p16="http://schemas.microsoft.com/office/powerpoint/2015/main" val="1"/>
+              </p:ext>
+            </p:extLst>
+          </p:nvPr>
+        </p:nvCxnSpPr>
+        <p:spPr>
+          <a:xfrm>
+            <a:off x="4654296" y="2057400"/>
+            <a:ext cx="0" cy="2743200"/>
+          </a:xfrm>
+          <a:prstGeom prst="line">
+            <a:avLst/>
+          </a:prstGeom>
+          <a:ln w="19050">
+            <a:solidFill>
+              <a:schemeClr val="tx1">
+                <a:lumMod val="85000"/>
+                <a:lumOff val="15000"/>
+              </a:schemeClr>
+            </a:solidFill>
+          </a:ln>
+        </p:spPr>
+        <p:style>
+          <a:lnRef idx="1">
+            <a:schemeClr val="accent1"/>
+          </a:lnRef>
+          <a:fillRef idx="0">
+            <a:schemeClr val="accent1"/>
+          </a:fillRef>
+          <a:effectRef idx="0">
+            <a:schemeClr val="accent1"/>
+          </a:effectRef>
+          <a:fontRef idx="minor">
+            <a:schemeClr val="tx1"/>
+          </a:fontRef>
+        </p:style>
+      </p:cxnSp>
+      <p:sp>
+        <p:nvSpPr>
+          <p:cNvPr id="8" name="Inhaltsplatzhalter 4">
+            <a:extLst>
+              <a:ext uri="{FF2B5EF4-FFF2-40B4-BE49-F238E27FC236}">
+                <a16:creationId xmlns:a16="http://schemas.microsoft.com/office/drawing/2014/main" id="{A8E625C4-6DB1-9D42-BFEA-DE37A6F928F3}"/>
+              </a:ext>
+            </a:extLst>
+          </p:cNvPr>
+          <p:cNvSpPr>
+            <a:spLocks noGrp="1"/>
+          </p:cNvSpPr>
+          <p:nvPr>
+            <p:ph idx="1"/>
+          </p:nvPr>
+        </p:nvSpPr>
+        <p:spPr>
+          <a:xfrm>
+            <a:off x="5097419" y="963877"/>
+            <a:ext cx="5686424" cy="4930246"/>
+          </a:xfrm>
+        </p:spPr>
+        <p:txBody>
+          <a:bodyPr anchor="ctr">
+            <a:normAutofit/>
+          </a:bodyPr>
+          <a:lstStyle/>
+          <a:p>
+            <a:endParaRPr lang="de-DE" dirty="0"/>
+          </a:p>
+        </p:txBody>
+      </p:sp>
+    </p:spTree>
+    <p:extLst>
+      <p:ext uri="{BB962C8B-B14F-4D97-AF65-F5344CB8AC3E}">
+        <p14:creationId xmlns:p14="http://schemas.microsoft.com/office/powerpoint/2010/main" val="3419493610"/>
       </p:ext>
     </p:extLst>
   </p:cSld>
@@ -9510,15 +9315,7 @@
                   <a:schemeClr val="accent1"/>
                 </a:solidFill>
               </a:rPr>
-              <a:t>Einführung</a:t>
-            </a:r>
-            <a:r>
-              <a:rPr lang="en-US" dirty="0">
-                <a:solidFill>
-                  <a:schemeClr val="accent1"/>
-                </a:solidFill>
-              </a:rPr>
-              <a:t> in den Code</a:t>
+              <a:t>Endergebnis</a:t>
             </a:r>
             <a:endParaRPr lang="en-US" kern="1200" dirty="0">
               <a:solidFill>
@@ -9614,6 +9411,33 @@
           </a:bodyPr>
           <a:lstStyle/>
           <a:p>
+            <a:pPr marL="0" indent="0">
+              <a:buNone/>
+            </a:pPr>
+            <a:r>
+              <a:rPr lang="de-DE" dirty="0">
+                <a:sym typeface="Wingdings" pitchFamily="2" charset="2"/>
+              </a:rPr>
+              <a:t> Swap </a:t>
+            </a:r>
+            <a:r>
+              <a:rPr lang="de-DE" dirty="0" err="1">
+                <a:sym typeface="Wingdings" pitchFamily="2" charset="2"/>
+              </a:rPr>
+              <a:t>to</a:t>
+            </a:r>
+            <a:r>
+              <a:rPr lang="de-DE" dirty="0">
+                <a:sym typeface="Wingdings" pitchFamily="2" charset="2"/>
+              </a:rPr>
+              <a:t> </a:t>
+            </a:r>
+            <a:r>
+              <a:rPr lang="de-DE" dirty="0" err="1">
+                <a:sym typeface="Wingdings" pitchFamily="2" charset="2"/>
+              </a:rPr>
+              <a:t>Sagemath</a:t>
+            </a:r>
             <a:endParaRPr lang="de-DE" dirty="0"/>
           </a:p>
         </p:txBody>
@@ -9621,7 +9445,7 @@
     </p:spTree>
     <p:extLst>
       <p:ext uri="{BB962C8B-B14F-4D97-AF65-F5344CB8AC3E}">
-        <p14:creationId xmlns:p14="http://schemas.microsoft.com/office/powerpoint/2010/main" val="3419493610"/>
+        <p14:creationId xmlns:p14="http://schemas.microsoft.com/office/powerpoint/2010/main" val="1266032376"/>
       </p:ext>
     </p:extLst>
   </p:cSld>
@@ -9751,12 +9575,15 @@
           <a:p>
             <a:pPr algn="ctr"/>
             <a:r>
-              <a:rPr lang="en-US" dirty="0" err="1">
+              <a:rPr lang="en-US" kern="1200" dirty="0" err="1">
                 <a:solidFill>
                   <a:schemeClr val="accent1"/>
                 </a:solidFill>
+                <a:latin typeface="+mj-lt"/>
+                <a:ea typeface="+mj-ea"/>
+                <a:cs typeface="+mj-cs"/>
               </a:rPr>
-              <a:t>Endergebnis</a:t>
+              <a:t>Fazit</a:t>
             </a:r>
             <a:endParaRPr lang="en-US" kern="1200" dirty="0">
               <a:solidFill>
@@ -9855,30 +9682,6 @@
             <a:pPr marL="0" indent="0">
               <a:buNone/>
             </a:pPr>
-            <a:r>
-              <a:rPr lang="de-DE" dirty="0">
-                <a:sym typeface="Wingdings" pitchFamily="2" charset="2"/>
-              </a:rPr>
-              <a:t> Swap </a:t>
-            </a:r>
-            <a:r>
-              <a:rPr lang="de-DE" dirty="0" err="1">
-                <a:sym typeface="Wingdings" pitchFamily="2" charset="2"/>
-              </a:rPr>
-              <a:t>to</a:t>
-            </a:r>
-            <a:r>
-              <a:rPr lang="de-DE" dirty="0">
-                <a:sym typeface="Wingdings" pitchFamily="2" charset="2"/>
-              </a:rPr>
-              <a:t> </a:t>
-            </a:r>
-            <a:r>
-              <a:rPr lang="de-DE" dirty="0" err="1">
-                <a:sym typeface="Wingdings" pitchFamily="2" charset="2"/>
-              </a:rPr>
-              <a:t>Sagemath</a:t>
-            </a:r>
             <a:endParaRPr lang="de-DE" dirty="0"/>
           </a:p>
         </p:txBody>
@@ -9886,7 +9689,7 @@
     </p:spTree>
     <p:extLst>
       <p:ext uri="{BB962C8B-B14F-4D97-AF65-F5344CB8AC3E}">
-        <p14:creationId xmlns:p14="http://schemas.microsoft.com/office/powerpoint/2010/main" val="1266032376"/>
+        <p14:creationId xmlns:p14="http://schemas.microsoft.com/office/powerpoint/2010/main" val="3670826346"/>
       </p:ext>
     </p:extLst>
   </p:cSld>
@@ -10004,8 +9807,8 @@
         </p:nvSpPr>
         <p:spPr>
           <a:xfrm>
-            <a:off x="861390" y="963877"/>
-            <a:ext cx="3471171" cy="4930246"/>
+            <a:off x="401956" y="963877"/>
+            <a:ext cx="4171949" cy="4930246"/>
           </a:xfrm>
         </p:spPr>
         <p:txBody>
@@ -10016,7 +9819,7 @@
           <a:p>
             <a:pPr algn="ctr"/>
             <a:r>
-              <a:rPr lang="en-US" kern="1200" dirty="0" err="1">
+              <a:rPr lang="en-US" sz="4000" kern="1200" dirty="0" err="1">
                 <a:solidFill>
                   <a:schemeClr val="accent1"/>
                 </a:solidFill>
@@ -10024,9 +9827,9 @@
                 <a:ea typeface="+mj-ea"/>
                 <a:cs typeface="+mj-cs"/>
               </a:rPr>
-              <a:t>Fazit</a:t>
-            </a:r>
-            <a:endParaRPr lang="en-US" kern="1200" dirty="0">
+              <a:t>Quellen</a:t>
+            </a:r>
+            <a:endParaRPr lang="en-US" sz="4000" kern="1200" dirty="0">
               <a:solidFill>
                 <a:schemeClr val="accent1"/>
               </a:solidFill>
@@ -10097,250 +9900,6 @@
           <p:cNvPr id="8" name="Inhaltsplatzhalter 4">
             <a:extLst>
               <a:ext uri="{FF2B5EF4-FFF2-40B4-BE49-F238E27FC236}">
-                <a16:creationId xmlns:a16="http://schemas.microsoft.com/office/drawing/2014/main" id="{A8E625C4-6DB1-9D42-BFEA-DE37A6F928F3}"/>
-              </a:ext>
-            </a:extLst>
-          </p:cNvPr>
-          <p:cNvSpPr>
-            <a:spLocks noGrp="1"/>
-          </p:cNvSpPr>
-          <p:nvPr>
-            <p:ph idx="1"/>
-          </p:nvPr>
-        </p:nvSpPr>
-        <p:spPr>
-          <a:xfrm>
-            <a:off x="5097419" y="963877"/>
-            <a:ext cx="5686424" cy="4930246"/>
-          </a:xfrm>
-        </p:spPr>
-        <p:txBody>
-          <a:bodyPr anchor="ctr">
-            <a:normAutofit/>
-          </a:bodyPr>
-          <a:lstStyle/>
-          <a:p>
-            <a:pPr marL="0" indent="0">
-              <a:buNone/>
-            </a:pPr>
-            <a:endParaRPr lang="de-DE" dirty="0"/>
-          </a:p>
-        </p:txBody>
-      </p:sp>
-    </p:spTree>
-    <p:extLst>
-      <p:ext uri="{BB962C8B-B14F-4D97-AF65-F5344CB8AC3E}">
-        <p14:creationId xmlns:p14="http://schemas.microsoft.com/office/powerpoint/2010/main" val="3670826346"/>
-      </p:ext>
-    </p:extLst>
-  </p:cSld>
-  <p:clrMapOvr>
-    <a:masterClrMapping/>
-  </p:clrMapOvr>
-</p:sld>
-</file>
-
-<file path=ppt/slides/slide26.xml><?xml version="1.0" encoding="utf-8"?>
-<p:sld xmlns:a="http://schemas.openxmlformats.org/drawingml/2006/main" xmlns:r="http://schemas.openxmlformats.org/officeDocument/2006/relationships" xmlns:p="http://schemas.openxmlformats.org/presentationml/2006/main">
-  <p:cSld>
-    <p:bg>
-      <p:bgPr>
-        <a:solidFill>
-          <a:schemeClr val="bg1"/>
-        </a:solidFill>
-        <a:effectLst/>
-      </p:bgPr>
-    </p:bg>
-    <p:spTree>
-      <p:nvGrpSpPr>
-        <p:cNvPr id="1" name=""/>
-        <p:cNvGrpSpPr/>
-        <p:nvPr/>
-      </p:nvGrpSpPr>
-      <p:grpSpPr>
-        <a:xfrm>
-          <a:off x="0" y="0"/>
-          <a:ext cx="0" cy="0"/>
-          <a:chOff x="0" y="0"/>
-          <a:chExt cx="0" cy="0"/>
-        </a:xfrm>
-      </p:grpSpPr>
-      <p:sp>
-        <p:nvSpPr>
-          <p:cNvPr id="19" name="Rectangle 18">
-            <a:extLst>
-              <a:ext uri="{FF2B5EF4-FFF2-40B4-BE49-F238E27FC236}">
-                <a16:creationId xmlns:a16="http://schemas.microsoft.com/office/drawing/2014/main" id="{8D70B121-56F4-4848-B38B-182089D909FA}"/>
-              </a:ext>
-              <a:ext uri="{C183D7F6-B498-43B3-948B-1728B52AA6E4}">
-                <adec:decorative xmlns:adec="http://schemas.microsoft.com/office/drawing/2017/decorative" val="1"/>
-              </a:ext>
-            </a:extLst>
-          </p:cNvPr>
-          <p:cNvSpPr>
-            <a:spLocks noGrp="1" noRot="1" noChangeAspect="1" noMove="1" noResize="1" noEditPoints="1" noAdjustHandles="1" noChangeArrowheads="1" noChangeShapeType="1" noTextEdit="1"/>
-          </p:cNvSpPr>
-          <p:nvPr>
-            <p:extLst>
-              <p:ext uri="{386F3935-93C4-4BCD-93E2-E3B085C9AB24}">
-                <p16:designElem xmlns:p16="http://schemas.microsoft.com/office/powerpoint/2015/main" val="1"/>
-              </p:ext>
-            </p:extLst>
-          </p:nvPr>
-        </p:nvSpPr>
-        <p:spPr bwMode="ltGray">
-          <a:xfrm>
-            <a:off x="321564" y="320040"/>
-            <a:ext cx="11548872" cy="6217920"/>
-          </a:xfrm>
-          <a:prstGeom prst="rect">
-            <a:avLst/>
-          </a:prstGeom>
-          <a:solidFill>
-            <a:schemeClr val="tx1">
-              <a:alpha val="8000"/>
-            </a:schemeClr>
-          </a:solidFill>
-          <a:ln w="127000" cap="sq" cmpd="thinThick">
-            <a:noFill/>
-          </a:ln>
-        </p:spPr>
-        <p:style>
-          <a:lnRef idx="2">
-            <a:schemeClr val="accent1">
-              <a:shade val="50000"/>
-            </a:schemeClr>
-          </a:lnRef>
-          <a:fillRef idx="1">
-            <a:schemeClr val="accent1"/>
-          </a:fillRef>
-          <a:effectRef idx="0">
-            <a:schemeClr val="accent1"/>
-          </a:effectRef>
-          <a:fontRef idx="minor">
-            <a:schemeClr val="lt1"/>
-          </a:fontRef>
-        </p:style>
-        <p:txBody>
-          <a:bodyPr rtlCol="0" anchor="ctr"/>
-          <a:lstStyle/>
-          <a:p>
-            <a:pPr algn="ctr"/>
-            <a:endParaRPr lang="en-US"/>
-          </a:p>
-        </p:txBody>
-      </p:sp>
-      <p:sp>
-        <p:nvSpPr>
-          <p:cNvPr id="2" name="Titel 1">
-            <a:extLst>
-              <a:ext uri="{FF2B5EF4-FFF2-40B4-BE49-F238E27FC236}">
-                <a16:creationId xmlns:a16="http://schemas.microsoft.com/office/drawing/2014/main" id="{35BFDC70-A169-E142-B051-5ABC9190E094}"/>
-              </a:ext>
-            </a:extLst>
-          </p:cNvPr>
-          <p:cNvSpPr>
-            <a:spLocks noGrp="1"/>
-          </p:cNvSpPr>
-          <p:nvPr>
-            <p:ph type="title"/>
-          </p:nvPr>
-        </p:nvSpPr>
-        <p:spPr>
-          <a:xfrm>
-            <a:off x="401956" y="963877"/>
-            <a:ext cx="4171949" cy="4930246"/>
-          </a:xfrm>
-        </p:spPr>
-        <p:txBody>
-          <a:bodyPr vert="horz" lIns="91440" tIns="45720" rIns="91440" bIns="45720" rtlCol="0">
-            <a:normAutofit/>
-          </a:bodyPr>
-          <a:lstStyle/>
-          <a:p>
-            <a:pPr algn="ctr"/>
-            <a:r>
-              <a:rPr lang="en-US" sz="4000" kern="1200" dirty="0" err="1">
-                <a:solidFill>
-                  <a:schemeClr val="accent1"/>
-                </a:solidFill>
-                <a:latin typeface="+mj-lt"/>
-                <a:ea typeface="+mj-ea"/>
-                <a:cs typeface="+mj-cs"/>
-              </a:rPr>
-              <a:t>Quellen</a:t>
-            </a:r>
-            <a:endParaRPr lang="en-US" sz="4000" kern="1200" dirty="0">
-              <a:solidFill>
-                <a:schemeClr val="accent1"/>
-              </a:solidFill>
-              <a:latin typeface="+mj-lt"/>
-              <a:ea typeface="+mj-ea"/>
-              <a:cs typeface="+mj-cs"/>
-            </a:endParaRPr>
-          </a:p>
-        </p:txBody>
-      </p:sp>
-      <p:cxnSp>
-        <p:nvCxnSpPr>
-          <p:cNvPr id="21" name="Straight Connector 20">
-            <a:extLst>
-              <a:ext uri="{FF2B5EF4-FFF2-40B4-BE49-F238E27FC236}">
-                <a16:creationId xmlns:a16="http://schemas.microsoft.com/office/drawing/2014/main" id="{2D72A2C9-F3CA-4216-8BAD-FA4C970C3C4E}"/>
-              </a:ext>
-              <a:ext uri="{C183D7F6-B498-43B3-948B-1728B52AA6E4}">
-                <adec:decorative xmlns:adec="http://schemas.microsoft.com/office/drawing/2017/decorative" val="1"/>
-              </a:ext>
-            </a:extLst>
-          </p:cNvPr>
-          <p:cNvCxnSpPr>
-            <a:cxnSpLocks noGrp="1" noRot="1" noChangeAspect="1" noMove="1" noResize="1" noEditPoints="1" noAdjustHandles="1" noChangeArrowheads="1" noChangeShapeType="1"/>
-          </p:cNvCxnSpPr>
-          <p:nvPr>
-            <p:extLst>
-              <p:ext uri="{386F3935-93C4-4BCD-93E2-E3B085C9AB24}">
-                <p16:designElem xmlns:p16="http://schemas.microsoft.com/office/powerpoint/2015/main" val="1"/>
-              </p:ext>
-            </p:extLst>
-          </p:nvPr>
-        </p:nvCxnSpPr>
-        <p:spPr>
-          <a:xfrm>
-            <a:off x="4654296" y="2057400"/>
-            <a:ext cx="0" cy="2743200"/>
-          </a:xfrm>
-          <a:prstGeom prst="line">
-            <a:avLst/>
-          </a:prstGeom>
-          <a:ln w="19050">
-            <a:solidFill>
-              <a:schemeClr val="tx1">
-                <a:lumMod val="85000"/>
-                <a:lumOff val="15000"/>
-              </a:schemeClr>
-            </a:solidFill>
-          </a:ln>
-        </p:spPr>
-        <p:style>
-          <a:lnRef idx="1">
-            <a:schemeClr val="accent1"/>
-          </a:lnRef>
-          <a:fillRef idx="0">
-            <a:schemeClr val="accent1"/>
-          </a:fillRef>
-          <a:effectRef idx="0">
-            <a:schemeClr val="accent1"/>
-          </a:effectRef>
-          <a:fontRef idx="minor">
-            <a:schemeClr val="tx1"/>
-          </a:fontRef>
-        </p:style>
-      </p:cxnSp>
-      <p:sp>
-        <p:nvSpPr>
-          <p:cNvPr id="8" name="Inhaltsplatzhalter 4">
-            <a:extLst>
-              <a:ext uri="{FF2B5EF4-FFF2-40B4-BE49-F238E27FC236}">
                 <a16:creationId xmlns:a16="http://schemas.microsoft.com/office/drawing/2014/main" id="{C28895E4-2A18-3F46-B985-F6164DBE329F}"/>
               </a:ext>
             </a:extLst>
@@ -10414,7 +9973,7 @@
 </p:sld>
 </file>
 
-<file path=ppt/slides/slide27.xml><?xml version="1.0" encoding="utf-8"?>
+<file path=ppt/slides/slide26.xml><?xml version="1.0" encoding="utf-8"?>
 <p:sld xmlns:a="http://schemas.openxmlformats.org/drawingml/2006/main" xmlns:r="http://schemas.openxmlformats.org/officeDocument/2006/relationships" xmlns:p="http://schemas.openxmlformats.org/presentationml/2006/main">
   <p:cSld>
     <p:bg>
@@ -10964,425 +10523,6 @@
 </file>
 
 <file path=ppt/slides/slide4.xml><?xml version="1.0" encoding="utf-8"?>
-<p:sld xmlns:a="http://schemas.openxmlformats.org/drawingml/2006/main" xmlns:r="http://schemas.openxmlformats.org/officeDocument/2006/relationships" xmlns:p="http://schemas.openxmlformats.org/presentationml/2006/main">
-  <p:cSld>
-    <p:bg>
-      <p:bgPr>
-        <a:solidFill>
-          <a:schemeClr val="bg1"/>
-        </a:solidFill>
-        <a:effectLst/>
-      </p:bgPr>
-    </p:bg>
-    <p:spTree>
-      <p:nvGrpSpPr>
-        <p:cNvPr id="1" name=""/>
-        <p:cNvGrpSpPr/>
-        <p:nvPr/>
-      </p:nvGrpSpPr>
-      <p:grpSpPr>
-        <a:xfrm>
-          <a:off x="0" y="0"/>
-          <a:ext cx="0" cy="0"/>
-          <a:chOff x="0" y="0"/>
-          <a:chExt cx="0" cy="0"/>
-        </a:xfrm>
-      </p:grpSpPr>
-      <p:sp>
-        <p:nvSpPr>
-          <p:cNvPr id="19" name="Rectangle 18">
-            <a:extLst>
-              <a:ext uri="{FF2B5EF4-FFF2-40B4-BE49-F238E27FC236}">
-                <a16:creationId xmlns:a16="http://schemas.microsoft.com/office/drawing/2014/main" id="{8D70B121-56F4-4848-B38B-182089D909FA}"/>
-              </a:ext>
-              <a:ext uri="{C183D7F6-B498-43B3-948B-1728B52AA6E4}">
-                <adec:decorative xmlns:adec="http://schemas.microsoft.com/office/drawing/2017/decorative" val="1"/>
-              </a:ext>
-            </a:extLst>
-          </p:cNvPr>
-          <p:cNvSpPr>
-            <a:spLocks noGrp="1" noRot="1" noChangeAspect="1" noMove="1" noResize="1" noEditPoints="1" noAdjustHandles="1" noChangeArrowheads="1" noChangeShapeType="1" noTextEdit="1"/>
-          </p:cNvSpPr>
-          <p:nvPr>
-            <p:extLst>
-              <p:ext uri="{386F3935-93C4-4BCD-93E2-E3B085C9AB24}">
-                <p16:designElem xmlns:p16="http://schemas.microsoft.com/office/powerpoint/2015/main" val="1"/>
-              </p:ext>
-            </p:extLst>
-          </p:nvPr>
-        </p:nvSpPr>
-        <p:spPr bwMode="ltGray">
-          <a:xfrm>
-            <a:off x="321564" y="320040"/>
-            <a:ext cx="11548872" cy="6217920"/>
-          </a:xfrm>
-          <a:prstGeom prst="rect">
-            <a:avLst/>
-          </a:prstGeom>
-          <a:solidFill>
-            <a:schemeClr val="tx1">
-              <a:alpha val="8000"/>
-            </a:schemeClr>
-          </a:solidFill>
-          <a:ln w="127000" cap="sq" cmpd="thinThick">
-            <a:noFill/>
-          </a:ln>
-        </p:spPr>
-        <p:style>
-          <a:lnRef idx="2">
-            <a:schemeClr val="accent1">
-              <a:shade val="50000"/>
-            </a:schemeClr>
-          </a:lnRef>
-          <a:fillRef idx="1">
-            <a:schemeClr val="accent1"/>
-          </a:fillRef>
-          <a:effectRef idx="0">
-            <a:schemeClr val="accent1"/>
-          </a:effectRef>
-          <a:fontRef idx="minor">
-            <a:schemeClr val="lt1"/>
-          </a:fontRef>
-        </p:style>
-        <p:txBody>
-          <a:bodyPr rtlCol="0" anchor="ctr"/>
-          <a:lstStyle/>
-          <a:p>
-            <a:pPr marL="0" marR="0" lvl="0" indent="0" algn="ctr" defTabSz="914400" rtl="0" eaLnBrk="1" fontAlgn="auto" latinLnBrk="0" hangingPunct="1">
-              <a:lnSpc>
-                <a:spcPct val="100000"/>
-              </a:lnSpc>
-              <a:spcBef>
-                <a:spcPts val="0"/>
-              </a:spcBef>
-              <a:spcAft>
-                <a:spcPts val="0"/>
-              </a:spcAft>
-              <a:buClrTx/>
-              <a:buSzTx/>
-              <a:buFontTx/>
-              <a:buNone/>
-              <a:tabLst/>
-              <a:defRPr/>
-            </a:pPr>
-            <a:endParaRPr kumimoji="0" lang="en-US" sz="1800" b="0" i="0" u="none" strike="noStrike" kern="1200" cap="none" spc="0" normalizeH="0" baseline="0" noProof="0">
-              <a:ln>
-                <a:noFill/>
-              </a:ln>
-              <a:solidFill>
-                <a:prstClr val="white"/>
-              </a:solidFill>
-              <a:effectLst/>
-              <a:uLnTx/>
-              <a:uFillTx/>
-              <a:latin typeface="Calibri" panose="020F0502020204030204"/>
-              <a:ea typeface="+mn-ea"/>
-              <a:cs typeface="+mn-cs"/>
-            </a:endParaRPr>
-          </a:p>
-        </p:txBody>
-      </p:sp>
-      <p:cxnSp>
-        <p:nvCxnSpPr>
-          <p:cNvPr id="21" name="Straight Connector 20">
-            <a:extLst>
-              <a:ext uri="{FF2B5EF4-FFF2-40B4-BE49-F238E27FC236}">
-                <a16:creationId xmlns:a16="http://schemas.microsoft.com/office/drawing/2014/main" id="{2D72A2C9-F3CA-4216-8BAD-FA4C970C3C4E}"/>
-              </a:ext>
-              <a:ext uri="{C183D7F6-B498-43B3-948B-1728B52AA6E4}">
-                <adec:decorative xmlns:adec="http://schemas.microsoft.com/office/drawing/2017/decorative" val="1"/>
-              </a:ext>
-            </a:extLst>
-          </p:cNvPr>
-          <p:cNvCxnSpPr>
-            <a:cxnSpLocks noGrp="1" noRot="1" noChangeAspect="1" noMove="1" noResize="1" noEditPoints="1" noAdjustHandles="1" noChangeArrowheads="1" noChangeShapeType="1"/>
-          </p:cNvCxnSpPr>
-          <p:nvPr>
-            <p:extLst>
-              <p:ext uri="{386F3935-93C4-4BCD-93E2-E3B085C9AB24}">
-                <p16:designElem xmlns:p16="http://schemas.microsoft.com/office/powerpoint/2015/main" val="1"/>
-              </p:ext>
-            </p:extLst>
-          </p:nvPr>
-        </p:nvCxnSpPr>
-        <p:spPr>
-          <a:xfrm>
-            <a:off x="4654296" y="2057400"/>
-            <a:ext cx="0" cy="2743200"/>
-          </a:xfrm>
-          <a:prstGeom prst="line">
-            <a:avLst/>
-          </a:prstGeom>
-          <a:ln w="19050">
-            <a:solidFill>
-              <a:schemeClr val="tx1">
-                <a:lumMod val="85000"/>
-                <a:lumOff val="15000"/>
-              </a:schemeClr>
-            </a:solidFill>
-          </a:ln>
-        </p:spPr>
-        <p:style>
-          <a:lnRef idx="1">
-            <a:schemeClr val="accent1"/>
-          </a:lnRef>
-          <a:fillRef idx="0">
-            <a:schemeClr val="accent1"/>
-          </a:fillRef>
-          <a:effectRef idx="0">
-            <a:schemeClr val="accent1"/>
-          </a:effectRef>
-          <a:fontRef idx="minor">
-            <a:schemeClr val="tx1"/>
-          </a:fontRef>
-        </p:style>
-      </p:cxnSp>
-      <p:sp>
-        <p:nvSpPr>
-          <p:cNvPr id="5" name="Rechteck 4">
-            <a:extLst>
-              <a:ext uri="{FF2B5EF4-FFF2-40B4-BE49-F238E27FC236}">
-                <a16:creationId xmlns:a16="http://schemas.microsoft.com/office/drawing/2014/main" id="{6C91387F-AF56-614F-B14F-5E345367B7AF}"/>
-              </a:ext>
-            </a:extLst>
-          </p:cNvPr>
-          <p:cNvSpPr/>
-          <p:nvPr/>
-        </p:nvSpPr>
-        <p:spPr>
-          <a:xfrm>
-            <a:off x="321564" y="320040"/>
-            <a:ext cx="11548872" cy="6217920"/>
-          </a:xfrm>
-          <a:prstGeom prst="rect">
-            <a:avLst/>
-          </a:prstGeom>
-          <a:solidFill>
-            <a:schemeClr val="bg2"/>
-          </a:solidFill>
-          <a:ln>
-            <a:noFill/>
-          </a:ln>
-        </p:spPr>
-        <p:style>
-          <a:lnRef idx="2">
-            <a:schemeClr val="accent1">
-              <a:shade val="50000"/>
-            </a:schemeClr>
-          </a:lnRef>
-          <a:fillRef idx="1">
-            <a:schemeClr val="accent1"/>
-          </a:fillRef>
-          <a:effectRef idx="0">
-            <a:schemeClr val="accent1"/>
-          </a:effectRef>
-          <a:fontRef idx="minor">
-            <a:schemeClr val="lt1"/>
-          </a:fontRef>
-        </p:style>
-        <p:txBody>
-          <a:bodyPr rtlCol="0" anchor="ctr"/>
-          <a:lstStyle/>
-          <a:p>
-            <a:pPr marL="0" marR="0" lvl="0" indent="0" algn="ctr" defTabSz="914400" rtl="0" eaLnBrk="1" fontAlgn="auto" latinLnBrk="0" hangingPunct="1">
-              <a:lnSpc>
-                <a:spcPct val="100000"/>
-              </a:lnSpc>
-              <a:spcBef>
-                <a:spcPts val="0"/>
-              </a:spcBef>
-              <a:spcAft>
-                <a:spcPts val="0"/>
-              </a:spcAft>
-              <a:buClrTx/>
-              <a:buSzTx/>
-              <a:buFontTx/>
-              <a:buNone/>
-              <a:tabLst/>
-              <a:defRPr/>
-            </a:pPr>
-            <a:endParaRPr kumimoji="0" lang="de-DE" sz="1800" b="0" i="0" u="none" strike="noStrike" kern="1200" cap="none" spc="0" normalizeH="0" baseline="0" noProof="0">
-              <a:ln>
-                <a:noFill/>
-              </a:ln>
-              <a:solidFill>
-                <a:prstClr val="white"/>
-              </a:solidFill>
-              <a:effectLst/>
-              <a:uLnTx/>
-              <a:uFillTx/>
-              <a:latin typeface="Calibri" panose="020F0502020204030204"/>
-              <a:ea typeface="+mn-ea"/>
-              <a:cs typeface="+mn-cs"/>
-            </a:endParaRPr>
-          </a:p>
-        </p:txBody>
-      </p:sp>
-      <p:sp>
-        <p:nvSpPr>
-          <p:cNvPr id="2" name="Titel 1">
-            <a:extLst>
-              <a:ext uri="{FF2B5EF4-FFF2-40B4-BE49-F238E27FC236}">
-                <a16:creationId xmlns:a16="http://schemas.microsoft.com/office/drawing/2014/main" id="{35BFDC70-A169-E142-B051-5ABC9190E094}"/>
-              </a:ext>
-            </a:extLst>
-          </p:cNvPr>
-          <p:cNvSpPr>
-            <a:spLocks noGrp="1"/>
-          </p:cNvSpPr>
-          <p:nvPr>
-            <p:ph type="title"/>
-          </p:nvPr>
-        </p:nvSpPr>
-        <p:spPr>
-          <a:xfrm>
-            <a:off x="4010025" y="963877"/>
-            <a:ext cx="4171949" cy="4930246"/>
-          </a:xfrm>
-        </p:spPr>
-        <p:txBody>
-          <a:bodyPr vert="horz" lIns="91440" tIns="45720" rIns="91440" bIns="45720" rtlCol="0">
-            <a:normAutofit/>
-          </a:bodyPr>
-          <a:lstStyle/>
-          <a:p>
-            <a:pPr algn="ctr"/>
-            <a:endParaRPr lang="en-US" sz="4000" kern="1200" dirty="0">
-              <a:solidFill>
-                <a:schemeClr val="accent1"/>
-              </a:solidFill>
-              <a:latin typeface="+mj-lt"/>
-              <a:ea typeface="+mj-ea"/>
-              <a:cs typeface="+mj-cs"/>
-            </a:endParaRPr>
-          </a:p>
-        </p:txBody>
-      </p:sp>
-      <p:sp>
-        <p:nvSpPr>
-          <p:cNvPr id="6" name="Rechteck 5">
-            <a:extLst>
-              <a:ext uri="{FF2B5EF4-FFF2-40B4-BE49-F238E27FC236}">
-                <a16:creationId xmlns:a16="http://schemas.microsoft.com/office/drawing/2014/main" id="{B21205B6-3884-4AD1-996C-39D66F295553}"/>
-              </a:ext>
-            </a:extLst>
-          </p:cNvPr>
-          <p:cNvSpPr/>
-          <p:nvPr/>
-        </p:nvSpPr>
-        <p:spPr>
-          <a:xfrm>
-            <a:off x="321564" y="273741"/>
-            <a:ext cx="11548872" cy="6217920"/>
-          </a:xfrm>
-          <a:prstGeom prst="rect">
-            <a:avLst/>
-          </a:prstGeom>
-          <a:solidFill>
-            <a:schemeClr val="bg2"/>
-          </a:solidFill>
-          <a:ln>
-            <a:noFill/>
-          </a:ln>
-        </p:spPr>
-        <p:style>
-          <a:lnRef idx="2">
-            <a:schemeClr val="accent1">
-              <a:shade val="50000"/>
-            </a:schemeClr>
-          </a:lnRef>
-          <a:fillRef idx="1">
-            <a:schemeClr val="accent1"/>
-          </a:fillRef>
-          <a:effectRef idx="0">
-            <a:schemeClr val="accent1"/>
-          </a:effectRef>
-          <a:fontRef idx="minor">
-            <a:schemeClr val="lt1"/>
-          </a:fontRef>
-        </p:style>
-        <p:txBody>
-          <a:bodyPr rtlCol="0" anchor="ctr"/>
-          <a:lstStyle/>
-          <a:p>
-            <a:pPr marL="0" marR="0" lvl="0" indent="0" algn="ctr" defTabSz="914400" rtl="0" eaLnBrk="1" fontAlgn="auto" latinLnBrk="0" hangingPunct="1">
-              <a:lnSpc>
-                <a:spcPct val="100000"/>
-              </a:lnSpc>
-              <a:spcBef>
-                <a:spcPts val="0"/>
-              </a:spcBef>
-              <a:spcAft>
-                <a:spcPts val="0"/>
-              </a:spcAft>
-              <a:buClrTx/>
-              <a:buSzTx/>
-              <a:buFontTx/>
-              <a:buNone/>
-              <a:tabLst/>
-              <a:defRPr/>
-            </a:pPr>
-            <a:endParaRPr kumimoji="0" lang="de-DE" sz="1800" b="0" i="0" u="none" strike="noStrike" kern="1200" cap="none" spc="0" normalizeH="0" baseline="0" noProof="0">
-              <a:ln>
-                <a:noFill/>
-              </a:ln>
-              <a:solidFill>
-                <a:prstClr val="white"/>
-              </a:solidFill>
-              <a:effectLst/>
-              <a:uLnTx/>
-              <a:uFillTx/>
-              <a:latin typeface="Calibri" panose="020F0502020204030204"/>
-              <a:ea typeface="+mn-ea"/>
-              <a:cs typeface="+mn-cs"/>
-            </a:endParaRPr>
-          </a:p>
-        </p:txBody>
-      </p:sp>
-      <p:pic>
-        <p:nvPicPr>
-          <p:cNvPr id="4" name="Grafik 3">
-            <a:extLst>
-              <a:ext uri="{FF2B5EF4-FFF2-40B4-BE49-F238E27FC236}">
-                <a16:creationId xmlns:a16="http://schemas.microsoft.com/office/drawing/2014/main" id="{598EC89C-34CA-4D3A-BEEF-D088516C41D8}"/>
-              </a:ext>
-            </a:extLst>
-          </p:cNvPr>
-          <p:cNvPicPr>
-            <a:picLocks noChangeAspect="1"/>
-          </p:cNvPicPr>
-          <p:nvPr/>
-        </p:nvPicPr>
-        <p:blipFill>
-          <a:blip r:embed="rId3"/>
-          <a:stretch>
-            <a:fillRect/>
-          </a:stretch>
-        </p:blipFill>
-        <p:spPr>
-          <a:xfrm>
-            <a:off x="2317588" y="267133"/>
-            <a:ext cx="6317126" cy="6317126"/>
-          </a:xfrm>
-          <a:prstGeom prst="rect">
-            <a:avLst/>
-          </a:prstGeom>
-        </p:spPr>
-      </p:pic>
-    </p:spTree>
-    <p:extLst>
-      <p:ext uri="{BB962C8B-B14F-4D97-AF65-F5344CB8AC3E}">
-        <p14:creationId xmlns:p14="http://schemas.microsoft.com/office/powerpoint/2010/main" val="2427320535"/>
-      </p:ext>
-    </p:extLst>
-  </p:cSld>
-  <p:clrMapOvr>
-    <a:masterClrMapping/>
-  </p:clrMapOvr>
-</p:sld>
-</file>
-
-<file path=ppt/slides/slide5.xml><?xml version="1.0" encoding="utf-8"?>
 <p:sld xmlns:a="http://schemas.openxmlformats.org/drawingml/2006/main" xmlns:r="http://schemas.openxmlformats.org/officeDocument/2006/relationships" xmlns:p="http://schemas.openxmlformats.org/presentationml/2006/main">
   <p:cSld>
     <p:bg>
@@ -11677,7 +10817,7 @@
 </p:sld>
 </file>
 
-<file path=ppt/slides/slide6.xml><?xml version="1.0" encoding="utf-8"?>
+<file path=ppt/slides/slide5.xml><?xml version="1.0" encoding="utf-8"?>
 <p:sld xmlns:a="http://schemas.openxmlformats.org/drawingml/2006/main" xmlns:r="http://schemas.openxmlformats.org/officeDocument/2006/relationships" xmlns:p="http://schemas.openxmlformats.org/presentationml/2006/main">
   <p:cSld>
     <p:bg>
@@ -12306,7 +11446,7 @@
 </p:sld>
 </file>
 
-<file path=ppt/slides/slide7.xml><?xml version="1.0" encoding="utf-8"?>
+<file path=ppt/slides/slide6.xml><?xml version="1.0" encoding="utf-8"?>
 <p:sld xmlns:a="http://schemas.openxmlformats.org/drawingml/2006/main" xmlns:r="http://schemas.openxmlformats.org/officeDocument/2006/relationships" xmlns:p="http://schemas.openxmlformats.org/presentationml/2006/main">
   <p:cSld>
     <p:bg>
@@ -12632,7 +11772,7 @@
 </p:sld>
 </file>
 
-<file path=ppt/slides/slide8.xml><?xml version="1.0" encoding="utf-8"?>
+<file path=ppt/slides/slide7.xml><?xml version="1.0" encoding="utf-8"?>
 <p:sld xmlns:a="http://schemas.openxmlformats.org/drawingml/2006/main" xmlns:r="http://schemas.openxmlformats.org/officeDocument/2006/relationships" xmlns:p="http://schemas.openxmlformats.org/presentationml/2006/main">
   <p:cSld>
     <p:bg>
@@ -13423,7 +12563,7 @@
 </p:sld>
 </file>
 
-<file path=ppt/slides/slide9.xml><?xml version="1.0" encoding="utf-8"?>
+<file path=ppt/slides/slide8.xml><?xml version="1.0" encoding="utf-8"?>
 <p:sld xmlns:a="http://schemas.openxmlformats.org/drawingml/2006/main" xmlns:r="http://schemas.openxmlformats.org/officeDocument/2006/relationships" xmlns:p="http://schemas.openxmlformats.org/presentationml/2006/main">
   <p:cSld>
     <p:bg>
@@ -13669,6 +12809,302 @@
     <p:extLst>
       <p:ext uri="{BB962C8B-B14F-4D97-AF65-F5344CB8AC3E}">
         <p14:creationId xmlns:p14="http://schemas.microsoft.com/office/powerpoint/2010/main" val="2993476389"/>
+      </p:ext>
+    </p:extLst>
+  </p:cSld>
+  <p:clrMapOvr>
+    <a:masterClrMapping/>
+  </p:clrMapOvr>
+</p:sld>
+</file>
+
+<file path=ppt/slides/slide9.xml><?xml version="1.0" encoding="utf-8"?>
+<p:sld xmlns:a="http://schemas.openxmlformats.org/drawingml/2006/main" xmlns:r="http://schemas.openxmlformats.org/officeDocument/2006/relationships" xmlns:p="http://schemas.openxmlformats.org/presentationml/2006/main">
+  <p:cSld>
+    <p:bg>
+      <p:bgPr>
+        <a:solidFill>
+          <a:schemeClr val="bg1"/>
+        </a:solidFill>
+        <a:effectLst/>
+      </p:bgPr>
+    </p:bg>
+    <p:spTree>
+      <p:nvGrpSpPr>
+        <p:cNvPr id="1" name=""/>
+        <p:cNvGrpSpPr/>
+        <p:nvPr/>
+      </p:nvGrpSpPr>
+      <p:grpSpPr>
+        <a:xfrm>
+          <a:off x="0" y="0"/>
+          <a:ext cx="0" cy="0"/>
+          <a:chOff x="0" y="0"/>
+          <a:chExt cx="0" cy="0"/>
+        </a:xfrm>
+      </p:grpSpPr>
+      <p:sp>
+        <p:nvSpPr>
+          <p:cNvPr id="8" name="Rectangle 7">
+            <a:extLst>
+              <a:ext uri="{FF2B5EF4-FFF2-40B4-BE49-F238E27FC236}">
+                <a16:creationId xmlns:a16="http://schemas.microsoft.com/office/drawing/2014/main" id="{8D70B121-56F4-4848-B38B-182089D909FA}"/>
+              </a:ext>
+              <a:ext uri="{C183D7F6-B498-43B3-948B-1728B52AA6E4}">
+                <adec:decorative xmlns:adec="http://schemas.microsoft.com/office/drawing/2017/decorative" val="1"/>
+              </a:ext>
+            </a:extLst>
+          </p:cNvPr>
+          <p:cNvSpPr>
+            <a:spLocks noGrp="1" noRot="1" noChangeAspect="1" noMove="1" noResize="1" noEditPoints="1" noAdjustHandles="1" noChangeArrowheads="1" noChangeShapeType="1" noTextEdit="1"/>
+          </p:cNvSpPr>
+          <p:nvPr>
+            <p:extLst>
+              <p:ext uri="{386F3935-93C4-4BCD-93E2-E3B085C9AB24}">
+                <p16:designElem xmlns:p16="http://schemas.microsoft.com/office/powerpoint/2015/main" val="1"/>
+              </p:ext>
+            </p:extLst>
+          </p:nvPr>
+        </p:nvSpPr>
+        <p:spPr bwMode="ltGray">
+          <a:xfrm>
+            <a:off x="321564" y="320040"/>
+            <a:ext cx="11548872" cy="6217920"/>
+          </a:xfrm>
+          <a:prstGeom prst="rect">
+            <a:avLst/>
+          </a:prstGeom>
+          <a:solidFill>
+            <a:schemeClr val="tx1">
+              <a:alpha val="8000"/>
+            </a:schemeClr>
+          </a:solidFill>
+          <a:ln w="127000" cap="sq" cmpd="thinThick">
+            <a:noFill/>
+          </a:ln>
+        </p:spPr>
+        <p:style>
+          <a:lnRef idx="2">
+            <a:schemeClr val="accent1">
+              <a:shade val="50000"/>
+            </a:schemeClr>
+          </a:lnRef>
+          <a:fillRef idx="1">
+            <a:schemeClr val="accent1"/>
+          </a:fillRef>
+          <a:effectRef idx="0">
+            <a:schemeClr val="accent1"/>
+          </a:effectRef>
+          <a:fontRef idx="minor">
+            <a:schemeClr val="lt1"/>
+          </a:fontRef>
+        </p:style>
+        <p:txBody>
+          <a:bodyPr rtlCol="0" anchor="ctr"/>
+          <a:lstStyle/>
+          <a:p>
+            <a:pPr algn="ctr"/>
+            <a:endParaRPr lang="en-US"/>
+          </a:p>
+        </p:txBody>
+      </p:sp>
+      <p:sp>
+        <p:nvSpPr>
+          <p:cNvPr id="2" name="Titel 1">
+            <a:extLst>
+              <a:ext uri="{FF2B5EF4-FFF2-40B4-BE49-F238E27FC236}">
+                <a16:creationId xmlns:a16="http://schemas.microsoft.com/office/drawing/2014/main" id="{0B5D0F8F-C92F-BC46-ACC4-7A21698DD272}"/>
+              </a:ext>
+            </a:extLst>
+          </p:cNvPr>
+          <p:cNvSpPr>
+            <a:spLocks noGrp="1"/>
+          </p:cNvSpPr>
+          <p:nvPr>
+            <p:ph type="title"/>
+          </p:nvPr>
+        </p:nvSpPr>
+        <p:spPr>
+          <a:xfrm>
+            <a:off x="838200" y="963877"/>
+            <a:ext cx="3494362" cy="4930246"/>
+          </a:xfrm>
+        </p:spPr>
+        <p:txBody>
+          <a:bodyPr>
+            <a:normAutofit/>
+          </a:bodyPr>
+          <a:lstStyle/>
+          <a:p>
+            <a:pPr algn="r"/>
+            <a:r>
+              <a:rPr lang="de-DE" dirty="0">
+                <a:solidFill>
+                  <a:schemeClr val="accent1"/>
+                </a:solidFill>
+              </a:rPr>
+              <a:t>Gliederung	</a:t>
+            </a:r>
+          </a:p>
+        </p:txBody>
+      </p:sp>
+      <p:cxnSp>
+        <p:nvCxnSpPr>
+          <p:cNvPr id="10" name="Straight Connector 9">
+            <a:extLst>
+              <a:ext uri="{FF2B5EF4-FFF2-40B4-BE49-F238E27FC236}">
+                <a16:creationId xmlns:a16="http://schemas.microsoft.com/office/drawing/2014/main" id="{2D72A2C9-F3CA-4216-8BAD-FA4C970C3C4E}"/>
+              </a:ext>
+              <a:ext uri="{C183D7F6-B498-43B3-948B-1728B52AA6E4}">
+                <adec:decorative xmlns:adec="http://schemas.microsoft.com/office/drawing/2017/decorative" val="1"/>
+              </a:ext>
+            </a:extLst>
+          </p:cNvPr>
+          <p:cNvCxnSpPr>
+            <a:cxnSpLocks noGrp="1" noRot="1" noChangeAspect="1" noMove="1" noResize="1" noEditPoints="1" noAdjustHandles="1" noChangeArrowheads="1" noChangeShapeType="1"/>
+          </p:cNvCxnSpPr>
+          <p:nvPr>
+            <p:extLst>
+              <p:ext uri="{386F3935-93C4-4BCD-93E2-E3B085C9AB24}">
+                <p16:designElem xmlns:p16="http://schemas.microsoft.com/office/powerpoint/2015/main" val="1"/>
+              </p:ext>
+            </p:extLst>
+          </p:nvPr>
+        </p:nvCxnSpPr>
+        <p:spPr>
+          <a:xfrm>
+            <a:off x="4654296" y="2057400"/>
+            <a:ext cx="0" cy="2743200"/>
+          </a:xfrm>
+          <a:prstGeom prst="line">
+            <a:avLst/>
+          </a:prstGeom>
+          <a:ln w="19050">
+            <a:solidFill>
+              <a:schemeClr val="tx1">
+                <a:lumMod val="85000"/>
+                <a:lumOff val="15000"/>
+              </a:schemeClr>
+            </a:solidFill>
+          </a:ln>
+        </p:spPr>
+        <p:style>
+          <a:lnRef idx="1">
+            <a:schemeClr val="accent1"/>
+          </a:lnRef>
+          <a:fillRef idx="0">
+            <a:schemeClr val="accent1"/>
+          </a:fillRef>
+          <a:effectRef idx="0">
+            <a:schemeClr val="accent1"/>
+          </a:effectRef>
+          <a:fontRef idx="minor">
+            <a:schemeClr val="tx1"/>
+          </a:fontRef>
+        </p:style>
+      </p:cxnSp>
+      <p:sp>
+        <p:nvSpPr>
+          <p:cNvPr id="3" name="Inhaltsplatzhalter 2">
+            <a:extLst>
+              <a:ext uri="{FF2B5EF4-FFF2-40B4-BE49-F238E27FC236}">
+                <a16:creationId xmlns:a16="http://schemas.microsoft.com/office/drawing/2014/main" id="{692C889E-3E0C-9E40-9512-4230892B2B42}"/>
+              </a:ext>
+            </a:extLst>
+          </p:cNvPr>
+          <p:cNvSpPr>
+            <a:spLocks noGrp="1"/>
+          </p:cNvSpPr>
+          <p:nvPr>
+            <p:ph idx="1"/>
+          </p:nvPr>
+        </p:nvSpPr>
+        <p:spPr>
+          <a:xfrm>
+            <a:off x="4976031" y="963877"/>
+            <a:ext cx="6377769" cy="4930246"/>
+          </a:xfrm>
+        </p:spPr>
+        <p:txBody>
+          <a:bodyPr anchor="ctr">
+            <a:normAutofit/>
+          </a:bodyPr>
+          <a:lstStyle/>
+          <a:p>
+            <a:r>
+              <a:rPr lang="de-DE" sz="2400" dirty="0"/>
+              <a:t>Einführung in das Thema</a:t>
+            </a:r>
+          </a:p>
+          <a:p>
+            <a:r>
+              <a:rPr lang="de-DE" sz="2400" dirty="0"/>
+              <a:t>Theoretische Grundlagen</a:t>
+            </a:r>
+          </a:p>
+          <a:p>
+            <a:pPr lvl="1"/>
+            <a:r>
+              <a:rPr lang="de-DE" sz="2000" dirty="0"/>
+              <a:t>Einführung</a:t>
+            </a:r>
+          </a:p>
+          <a:p>
+            <a:pPr lvl="1"/>
+            <a:r>
+              <a:rPr lang="de-DE" sz="2000" dirty="0"/>
+              <a:t>Anwendungen</a:t>
+            </a:r>
+          </a:p>
+          <a:p>
+            <a:r>
+              <a:rPr lang="de-DE" sz="2400" dirty="0">
+                <a:solidFill>
+                  <a:schemeClr val="accent1"/>
+                </a:solidFill>
+              </a:rPr>
+              <a:t>Aufgabenstellung</a:t>
+            </a:r>
+          </a:p>
+          <a:p>
+            <a:r>
+              <a:rPr lang="de-DE" sz="2400" dirty="0"/>
+              <a:t>Implementierung</a:t>
+            </a:r>
+          </a:p>
+          <a:p>
+            <a:pPr lvl="1"/>
+            <a:r>
+              <a:rPr lang="de-DE" sz="2000" dirty="0"/>
+              <a:t>Herangehensweise </a:t>
+            </a:r>
+          </a:p>
+          <a:p>
+            <a:pPr lvl="1"/>
+            <a:r>
+              <a:rPr lang="de-DE" sz="2000" dirty="0"/>
+              <a:t>Einführung in den Code</a:t>
+            </a:r>
+          </a:p>
+          <a:p>
+            <a:pPr lvl="1"/>
+            <a:r>
+              <a:rPr lang="de-DE" sz="2000" dirty="0"/>
+              <a:t>Präsentation des Ergebnisses</a:t>
+            </a:r>
+          </a:p>
+          <a:p>
+            <a:r>
+              <a:rPr lang="de-DE" sz="2400" dirty="0"/>
+              <a:t>Fazit </a:t>
+            </a:r>
+          </a:p>
+        </p:txBody>
+      </p:sp>
+    </p:spTree>
+    <p:extLst>
+      <p:ext uri="{BB962C8B-B14F-4D97-AF65-F5344CB8AC3E}">
+        <p14:creationId xmlns:p14="http://schemas.microsoft.com/office/powerpoint/2010/main" val="1662783578"/>
       </p:ext>
     </p:extLst>
   </p:cSld>

--- a/Praktikum_6/Abgabe 6.pptx
+++ b/Praktikum_6/Abgabe 6.pptx
@@ -5,35 +5,36 @@
     <p:sldMasterId id="2147483648" r:id="rId1"/>
   </p:sldMasterIdLst>
   <p:notesMasterIdLst>
-    <p:notesMasterId r:id="rId28"/>
+    <p:notesMasterId r:id="rId29"/>
   </p:notesMasterIdLst>
   <p:sldIdLst>
     <p:sldId id="256" r:id="rId2"/>
     <p:sldId id="257" r:id="rId3"/>
     <p:sldId id="286" r:id="rId4"/>
-    <p:sldId id="284" r:id="rId5"/>
-    <p:sldId id="289" r:id="rId6"/>
-    <p:sldId id="268" r:id="rId7"/>
-    <p:sldId id="282" r:id="rId8"/>
-    <p:sldId id="283" r:id="rId9"/>
-    <p:sldId id="288" r:id="rId10"/>
-    <p:sldId id="265" r:id="rId11"/>
-    <p:sldId id="280" r:id="rId12"/>
-    <p:sldId id="266" r:id="rId13"/>
-    <p:sldId id="275" r:id="rId14"/>
-    <p:sldId id="285" r:id="rId15"/>
-    <p:sldId id="297" r:id="rId16"/>
-    <p:sldId id="299" r:id="rId17"/>
-    <p:sldId id="298" r:id="rId18"/>
-    <p:sldId id="301" r:id="rId19"/>
-    <p:sldId id="295" r:id="rId20"/>
-    <p:sldId id="296" r:id="rId21"/>
-    <p:sldId id="290" r:id="rId22"/>
-    <p:sldId id="291" r:id="rId23"/>
-    <p:sldId id="292" r:id="rId24"/>
-    <p:sldId id="293" r:id="rId25"/>
-    <p:sldId id="281" r:id="rId26"/>
-    <p:sldId id="277" r:id="rId27"/>
+    <p:sldId id="302" r:id="rId5"/>
+    <p:sldId id="284" r:id="rId6"/>
+    <p:sldId id="289" r:id="rId7"/>
+    <p:sldId id="268" r:id="rId8"/>
+    <p:sldId id="282" r:id="rId9"/>
+    <p:sldId id="283" r:id="rId10"/>
+    <p:sldId id="288" r:id="rId11"/>
+    <p:sldId id="265" r:id="rId12"/>
+    <p:sldId id="280" r:id="rId13"/>
+    <p:sldId id="266" r:id="rId14"/>
+    <p:sldId id="275" r:id="rId15"/>
+    <p:sldId id="285" r:id="rId16"/>
+    <p:sldId id="297" r:id="rId17"/>
+    <p:sldId id="299" r:id="rId18"/>
+    <p:sldId id="298" r:id="rId19"/>
+    <p:sldId id="301" r:id="rId20"/>
+    <p:sldId id="295" r:id="rId21"/>
+    <p:sldId id="296" r:id="rId22"/>
+    <p:sldId id="290" r:id="rId23"/>
+    <p:sldId id="291" r:id="rId24"/>
+    <p:sldId id="292" r:id="rId25"/>
+    <p:sldId id="293" r:id="rId26"/>
+    <p:sldId id="281" r:id="rId27"/>
+    <p:sldId id="277" r:id="rId28"/>
   </p:sldIdLst>
   <p:sldSz cx="12192000" cy="6858000"/>
   <p:notesSz cx="6858000" cy="9144000"/>
@@ -222,7 +223,7 @@
           <a:p>
             <a:fld id="{07658C50-FEAC-7943-AC95-31EF70A9DB5F}" type="datetimeFigureOut">
               <a:rPr lang="de-DE" smtClean="0"/>
-              <a:t>26.06.2019</a:t>
+              <a:t>29.06.2019</a:t>
             </a:fld>
             <a:endParaRPr lang="de-DE"/>
           </a:p>
@@ -622,7 +623,7 @@
     </p:spTree>
     <p:extLst>
       <p:ext uri="{BB962C8B-B14F-4D97-AF65-F5344CB8AC3E}">
-        <p14:creationId xmlns:p14="http://schemas.microsoft.com/office/powerpoint/2010/main" val="4218874713"/>
+        <p14:creationId xmlns:p14="http://schemas.microsoft.com/office/powerpoint/2010/main" val="3907381587"/>
       </p:ext>
     </p:extLst>
   </p:cSld>
@@ -706,7 +707,7 @@
     </p:spTree>
     <p:extLst>
       <p:ext uri="{BB962C8B-B14F-4D97-AF65-F5344CB8AC3E}">
-        <p14:creationId xmlns:p14="http://schemas.microsoft.com/office/powerpoint/2010/main" val="3958004286"/>
+        <p14:creationId xmlns:p14="http://schemas.microsoft.com/office/powerpoint/2010/main" val="4218874713"/>
       </p:ext>
     </p:extLst>
   </p:cSld>
@@ -790,7 +791,7 @@
     </p:spTree>
     <p:extLst>
       <p:ext uri="{BB962C8B-B14F-4D97-AF65-F5344CB8AC3E}">
-        <p14:creationId xmlns:p14="http://schemas.microsoft.com/office/powerpoint/2010/main" val="2529288501"/>
+        <p14:creationId xmlns:p14="http://schemas.microsoft.com/office/powerpoint/2010/main" val="3958004286"/>
       </p:ext>
     </p:extLst>
   </p:cSld>
@@ -874,7 +875,7 @@
     </p:spTree>
     <p:extLst>
       <p:ext uri="{BB962C8B-B14F-4D97-AF65-F5344CB8AC3E}">
-        <p14:creationId xmlns:p14="http://schemas.microsoft.com/office/powerpoint/2010/main" val="2881906443"/>
+        <p14:creationId xmlns:p14="http://schemas.microsoft.com/office/powerpoint/2010/main" val="2529288501"/>
       </p:ext>
     </p:extLst>
   </p:cSld>
@@ -958,7 +959,7 @@
     </p:spTree>
     <p:extLst>
       <p:ext uri="{BB962C8B-B14F-4D97-AF65-F5344CB8AC3E}">
-        <p14:creationId xmlns:p14="http://schemas.microsoft.com/office/powerpoint/2010/main" val="2244615714"/>
+        <p14:creationId xmlns:p14="http://schemas.microsoft.com/office/powerpoint/2010/main" val="2881906443"/>
       </p:ext>
     </p:extLst>
   </p:cSld>
@@ -1033,7 +1034,7 @@
           <a:p>
             <a:fld id="{52267A27-16C0-714D-83C5-54B46B511F52}" type="slidenum">
               <a:rPr lang="de-DE" smtClean="0"/>
-              <a:t>17</a:t>
+              <a:t>16</a:t>
             </a:fld>
             <a:endParaRPr lang="de-DE"/>
           </a:p>
@@ -1042,7 +1043,7 @@
     </p:spTree>
     <p:extLst>
       <p:ext uri="{BB962C8B-B14F-4D97-AF65-F5344CB8AC3E}">
-        <p14:creationId xmlns:p14="http://schemas.microsoft.com/office/powerpoint/2010/main" val="674328114"/>
+        <p14:creationId xmlns:p14="http://schemas.microsoft.com/office/powerpoint/2010/main" val="2244615714"/>
       </p:ext>
     </p:extLst>
   </p:cSld>
@@ -1126,7 +1127,7 @@
     </p:spTree>
     <p:extLst>
       <p:ext uri="{BB962C8B-B14F-4D97-AF65-F5344CB8AC3E}">
-        <p14:creationId xmlns:p14="http://schemas.microsoft.com/office/powerpoint/2010/main" val="695971297"/>
+        <p14:creationId xmlns:p14="http://schemas.microsoft.com/office/powerpoint/2010/main" val="674328114"/>
       </p:ext>
     </p:extLst>
   </p:cSld>
@@ -1210,7 +1211,7 @@
     </p:spTree>
     <p:extLst>
       <p:ext uri="{BB962C8B-B14F-4D97-AF65-F5344CB8AC3E}">
-        <p14:creationId xmlns:p14="http://schemas.microsoft.com/office/powerpoint/2010/main" val="336732748"/>
+        <p14:creationId xmlns:p14="http://schemas.microsoft.com/office/powerpoint/2010/main" val="695971297"/>
       </p:ext>
     </p:extLst>
   </p:cSld>
@@ -1294,7 +1295,7 @@
     </p:spTree>
     <p:extLst>
       <p:ext uri="{BB962C8B-B14F-4D97-AF65-F5344CB8AC3E}">
-        <p14:creationId xmlns:p14="http://schemas.microsoft.com/office/powerpoint/2010/main" val="1442763933"/>
+        <p14:creationId xmlns:p14="http://schemas.microsoft.com/office/powerpoint/2010/main" val="336732748"/>
       </p:ext>
     </p:extLst>
   </p:cSld>
@@ -1378,7 +1379,7 @@
     </p:spTree>
     <p:extLst>
       <p:ext uri="{BB962C8B-B14F-4D97-AF65-F5344CB8AC3E}">
-        <p14:creationId xmlns:p14="http://schemas.microsoft.com/office/powerpoint/2010/main" val="2444864727"/>
+        <p14:creationId xmlns:p14="http://schemas.microsoft.com/office/powerpoint/2010/main" val="1442763933"/>
       </p:ext>
     </p:extLst>
   </p:cSld>
@@ -1546,7 +1547,7 @@
     </p:spTree>
     <p:extLst>
       <p:ext uri="{BB962C8B-B14F-4D97-AF65-F5344CB8AC3E}">
-        <p14:creationId xmlns:p14="http://schemas.microsoft.com/office/powerpoint/2010/main" val="3149404558"/>
+        <p14:creationId xmlns:p14="http://schemas.microsoft.com/office/powerpoint/2010/main" val="2444864727"/>
       </p:ext>
     </p:extLst>
   </p:cSld>
@@ -1630,7 +1631,7 @@
     </p:spTree>
     <p:extLst>
       <p:ext uri="{BB962C8B-B14F-4D97-AF65-F5344CB8AC3E}">
-        <p14:creationId xmlns:p14="http://schemas.microsoft.com/office/powerpoint/2010/main" val="643875343"/>
+        <p14:creationId xmlns:p14="http://schemas.microsoft.com/office/powerpoint/2010/main" val="3149404558"/>
       </p:ext>
     </p:extLst>
   </p:cSld>
@@ -1714,7 +1715,7 @@
     </p:spTree>
     <p:extLst>
       <p:ext uri="{BB962C8B-B14F-4D97-AF65-F5344CB8AC3E}">
-        <p14:creationId xmlns:p14="http://schemas.microsoft.com/office/powerpoint/2010/main" val="601079304"/>
+        <p14:creationId xmlns:p14="http://schemas.microsoft.com/office/powerpoint/2010/main" val="643875343"/>
       </p:ext>
     </p:extLst>
   </p:cSld>
@@ -1790,6 +1791,90 @@
             <a:fld id="{52267A27-16C0-714D-83C5-54B46B511F52}" type="slidenum">
               <a:rPr lang="de-DE" smtClean="0"/>
               <a:t>25</a:t>
+            </a:fld>
+            <a:endParaRPr lang="de-DE"/>
+          </a:p>
+        </p:txBody>
+      </p:sp>
+    </p:spTree>
+    <p:extLst>
+      <p:ext uri="{BB962C8B-B14F-4D97-AF65-F5344CB8AC3E}">
+        <p14:creationId xmlns:p14="http://schemas.microsoft.com/office/powerpoint/2010/main" val="601079304"/>
+      </p:ext>
+    </p:extLst>
+  </p:cSld>
+  <p:clrMapOvr>
+    <a:masterClrMapping/>
+  </p:clrMapOvr>
+</p:notes>
+</file>
+
+<file path=ppt/notesSlides/notesSlide24.xml><?xml version="1.0" encoding="utf-8"?>
+<p:notes xmlns:a="http://schemas.openxmlformats.org/drawingml/2006/main" xmlns:r="http://schemas.openxmlformats.org/officeDocument/2006/relationships" xmlns:p="http://schemas.openxmlformats.org/presentationml/2006/main">
+  <p:cSld>
+    <p:spTree>
+      <p:nvGrpSpPr>
+        <p:cNvPr id="1" name=""/>
+        <p:cNvGrpSpPr/>
+        <p:nvPr/>
+      </p:nvGrpSpPr>
+      <p:grpSpPr>
+        <a:xfrm>
+          <a:off x="0" y="0"/>
+          <a:ext cx="0" cy="0"/>
+          <a:chOff x="0" y="0"/>
+          <a:chExt cx="0" cy="0"/>
+        </a:xfrm>
+      </p:grpSpPr>
+      <p:sp>
+        <p:nvSpPr>
+          <p:cNvPr id="2" name="Folienbildplatzhalter 1"/>
+          <p:cNvSpPr>
+            <a:spLocks noGrp="1" noRot="1" noChangeAspect="1"/>
+          </p:cNvSpPr>
+          <p:nvPr>
+            <p:ph type="sldImg"/>
+          </p:nvPr>
+        </p:nvSpPr>
+        <p:spPr/>
+      </p:sp>
+      <p:sp>
+        <p:nvSpPr>
+          <p:cNvPr id="3" name="Notizenplatzhalter 2"/>
+          <p:cNvSpPr>
+            <a:spLocks noGrp="1"/>
+          </p:cNvSpPr>
+          <p:nvPr>
+            <p:ph type="body" idx="1"/>
+          </p:nvPr>
+        </p:nvSpPr>
+        <p:spPr/>
+        <p:txBody>
+          <a:bodyPr/>
+          <a:lstStyle/>
+          <a:p>
+            <a:endParaRPr lang="de-DE" dirty="0"/>
+          </a:p>
+        </p:txBody>
+      </p:sp>
+      <p:sp>
+        <p:nvSpPr>
+          <p:cNvPr id="4" name="Foliennummernplatzhalter 3"/>
+          <p:cNvSpPr>
+            <a:spLocks noGrp="1"/>
+          </p:cNvSpPr>
+          <p:nvPr>
+            <p:ph type="sldNum" sz="quarter" idx="5"/>
+          </p:nvPr>
+        </p:nvSpPr>
+        <p:spPr/>
+        <p:txBody>
+          <a:bodyPr/>
+          <a:lstStyle/>
+          <a:p>
+            <a:fld id="{52267A27-16C0-714D-83C5-54B46B511F52}" type="slidenum">
+              <a:rPr lang="de-DE" smtClean="0"/>
+              <a:t>26</a:t>
             </a:fld>
             <a:endParaRPr lang="de-DE"/>
           </a:p>
@@ -1871,18 +1956,78 @@
           <a:bodyPr/>
           <a:lstStyle/>
           <a:p>
+            <a:pPr marL="0" marR="0" lvl="0" indent="0" algn="r" defTabSz="914400" rtl="0" eaLnBrk="1" fontAlgn="auto" latinLnBrk="0" hangingPunct="1">
+              <a:lnSpc>
+                <a:spcPct val="100000"/>
+              </a:lnSpc>
+              <a:spcBef>
+                <a:spcPts val="0"/>
+              </a:spcBef>
+              <a:spcAft>
+                <a:spcPts val="0"/>
+              </a:spcAft>
+              <a:buClrTx/>
+              <a:buSzTx/>
+              <a:buFontTx/>
+              <a:buNone/>
+              <a:tabLst/>
+              <a:defRPr/>
+            </a:pPr>
             <a:fld id="{52267A27-16C0-714D-83C5-54B46B511F52}" type="slidenum">
-              <a:rPr lang="de-DE" smtClean="0"/>
+              <a:rPr kumimoji="0" lang="de-DE" sz="1200" b="0" i="0" u="none" strike="noStrike" kern="1200" cap="none" spc="0" normalizeH="0" baseline="0" noProof="0" smtClean="0">
+                <a:ln>
+                  <a:noFill/>
+                </a:ln>
+                <a:solidFill>
+                  <a:prstClr val="black"/>
+                </a:solidFill>
+                <a:effectLst/>
+                <a:uLnTx/>
+                <a:uFillTx/>
+                <a:latin typeface="Calibri" panose="020F0502020204030204"/>
+                <a:ea typeface="+mn-ea"/>
+                <a:cs typeface="+mn-cs"/>
+              </a:rPr>
+              <a:pPr marL="0" marR="0" lvl="0" indent="0" algn="r" defTabSz="914400" rtl="0" eaLnBrk="1" fontAlgn="auto" latinLnBrk="0" hangingPunct="1">
+                <a:lnSpc>
+                  <a:spcPct val="100000"/>
+                </a:lnSpc>
+                <a:spcBef>
+                  <a:spcPts val="0"/>
+                </a:spcBef>
+                <a:spcAft>
+                  <a:spcPts val="0"/>
+                </a:spcAft>
+                <a:buClrTx/>
+                <a:buSzTx/>
+                <a:buFontTx/>
+                <a:buNone/>
+                <a:tabLst/>
+                <a:defRPr/>
+              </a:pPr>
               <a:t>4</a:t>
             </a:fld>
-            <a:endParaRPr lang="de-DE"/>
+            <a:endParaRPr kumimoji="0" lang="de-DE" sz="1200" b="0" i="0" u="none" strike="noStrike" kern="1200" cap="none" spc="0" normalizeH="0" baseline="0" noProof="0">
+              <a:ln>
+                <a:noFill/>
+              </a:ln>
+              <a:solidFill>
+                <a:prstClr val="black"/>
+              </a:solidFill>
+              <a:effectLst/>
+              <a:uLnTx/>
+              <a:uFillTx/>
+              <a:latin typeface="Calibri" panose="020F0502020204030204"/>
+              <a:ea typeface="+mn-ea"/>
+              <a:cs typeface="+mn-cs"/>
+            </a:endParaRPr>
           </a:p>
         </p:txBody>
       </p:sp>
     </p:spTree>
     <p:extLst>
       <p:ext uri="{BB962C8B-B14F-4D97-AF65-F5344CB8AC3E}">
-        <p14:creationId xmlns:p14="http://schemas.microsoft.com/office/powerpoint/2010/main" val="853026391"/>
+        <p14:creationId xmlns:p14="http://schemas.microsoft.com/office/powerpoint/2010/main" val="1713659963"/>
       </p:ext>
     </p:extLst>
   </p:cSld>
@@ -1966,7 +2111,7 @@
     </p:spTree>
     <p:extLst>
       <p:ext uri="{BB962C8B-B14F-4D97-AF65-F5344CB8AC3E}">
-        <p14:creationId xmlns:p14="http://schemas.microsoft.com/office/powerpoint/2010/main" val="602064135"/>
+        <p14:creationId xmlns:p14="http://schemas.microsoft.com/office/powerpoint/2010/main" val="853026391"/>
       </p:ext>
     </p:extLst>
   </p:cSld>
@@ -2050,7 +2195,7 @@
     </p:spTree>
     <p:extLst>
       <p:ext uri="{BB962C8B-B14F-4D97-AF65-F5344CB8AC3E}">
-        <p14:creationId xmlns:p14="http://schemas.microsoft.com/office/powerpoint/2010/main" val="610810168"/>
+        <p14:creationId xmlns:p14="http://schemas.microsoft.com/office/powerpoint/2010/main" val="602064135"/>
       </p:ext>
     </p:extLst>
   </p:cSld>
@@ -2134,7 +2279,7 @@
     </p:spTree>
     <p:extLst>
       <p:ext uri="{BB962C8B-B14F-4D97-AF65-F5344CB8AC3E}">
-        <p14:creationId xmlns:p14="http://schemas.microsoft.com/office/powerpoint/2010/main" val="146550146"/>
+        <p14:creationId xmlns:p14="http://schemas.microsoft.com/office/powerpoint/2010/main" val="610810168"/>
       </p:ext>
     </p:extLst>
   </p:cSld>
@@ -2188,48 +2333,7 @@
           <a:bodyPr/>
           <a:lstStyle/>
           <a:p>
-            <a:r>
-              <a:rPr lang="de-DE" u="sng" dirty="0"/>
-              <a:t>Komm:</a:t>
-            </a:r>
-          </a:p>
-          <a:p>
-            <a:r>
-              <a:rPr lang="de-DE" u="none" dirty="0"/>
-              <a:t>Knoten = Telefone, Modems, Server, etc.; Kanten = Datenleitung</a:t>
-            </a:r>
-          </a:p>
-          <a:p>
-            <a:r>
-              <a:rPr lang="de-DE" u="sng" dirty="0"/>
-              <a:t>Gantt:</a:t>
-            </a:r>
-          </a:p>
-          <a:p>
-            <a:pPr marL="0" marR="0" lvl="0" indent="0" algn="l" defTabSz="914400" rtl="0" eaLnBrk="1" fontAlgn="auto" latinLnBrk="0" hangingPunct="1">
-              <a:lnSpc>
-                <a:spcPct val="100000"/>
-              </a:lnSpc>
-              <a:spcBef>
-                <a:spcPts val="0"/>
-              </a:spcBef>
-              <a:spcAft>
-                <a:spcPts val="0"/>
-              </a:spcAft>
-              <a:buClrTx/>
-              <a:buSzTx/>
-              <a:buFontTx/>
-              <a:buNone/>
-              <a:tabLst/>
-              <a:defRPr/>
-            </a:pPr>
-            <a:r>
-              <a:rPr lang="de-DE" sz="1200" dirty="0"/>
-              <a:t>Knoten = Abschnitte des Projektes; Kanten = Abhängigkeiten zw. Abschnitte</a:t>
-            </a:r>
-          </a:p>
-          <a:p>
-            <a:endParaRPr lang="de-DE" u="sng" dirty="0"/>
+            <a:endParaRPr lang="de-DE" dirty="0"/>
           </a:p>
         </p:txBody>
       </p:sp>
@@ -2259,7 +2363,7 @@
     </p:spTree>
     <p:extLst>
       <p:ext uri="{BB962C8B-B14F-4D97-AF65-F5344CB8AC3E}">
-        <p14:creationId xmlns:p14="http://schemas.microsoft.com/office/powerpoint/2010/main" val="2423030066"/>
+        <p14:creationId xmlns:p14="http://schemas.microsoft.com/office/powerpoint/2010/main" val="146550146"/>
       </p:ext>
     </p:extLst>
   </p:cSld>
@@ -2313,7 +2417,48 @@
           <a:bodyPr/>
           <a:lstStyle/>
           <a:p>
-            <a:endParaRPr lang="de-DE" dirty="0"/>
+            <a:r>
+              <a:rPr lang="de-DE" u="sng" dirty="0"/>
+              <a:t>Komm:</a:t>
+            </a:r>
+          </a:p>
+          <a:p>
+            <a:r>
+              <a:rPr lang="de-DE" u="none" dirty="0"/>
+              <a:t>Knoten = Telefone, Modems, Server, etc.; Kanten = Datenleitung</a:t>
+            </a:r>
+          </a:p>
+          <a:p>
+            <a:r>
+              <a:rPr lang="de-DE" u="sng" dirty="0"/>
+              <a:t>Gantt:</a:t>
+            </a:r>
+          </a:p>
+          <a:p>
+            <a:pPr marL="0" marR="0" lvl="0" indent="0" algn="l" defTabSz="914400" rtl="0" eaLnBrk="1" fontAlgn="auto" latinLnBrk="0" hangingPunct="1">
+              <a:lnSpc>
+                <a:spcPct val="100000"/>
+              </a:lnSpc>
+              <a:spcBef>
+                <a:spcPts val="0"/>
+              </a:spcBef>
+              <a:spcAft>
+                <a:spcPts val="0"/>
+              </a:spcAft>
+              <a:buClrTx/>
+              <a:buSzTx/>
+              <a:buFontTx/>
+              <a:buNone/>
+              <a:tabLst/>
+              <a:defRPr/>
+            </a:pPr>
+            <a:r>
+              <a:rPr lang="de-DE" sz="1200" dirty="0"/>
+              <a:t>Knoten = Abschnitte des Projektes; Kanten = Abhängigkeiten zw. Abschnitte</a:t>
+            </a:r>
+          </a:p>
+          <a:p>
+            <a:endParaRPr lang="de-DE" u="sng" dirty="0"/>
           </a:p>
         </p:txBody>
       </p:sp>
@@ -2343,7 +2488,7 @@
     </p:spTree>
     <p:extLst>
       <p:ext uri="{BB962C8B-B14F-4D97-AF65-F5344CB8AC3E}">
-        <p14:creationId xmlns:p14="http://schemas.microsoft.com/office/powerpoint/2010/main" val="350787129"/>
+        <p14:creationId xmlns:p14="http://schemas.microsoft.com/office/powerpoint/2010/main" val="2423030066"/>
       </p:ext>
     </p:extLst>
   </p:cSld>
@@ -2427,7 +2572,7 @@
     </p:spTree>
     <p:extLst>
       <p:ext uri="{BB962C8B-B14F-4D97-AF65-F5344CB8AC3E}">
-        <p14:creationId xmlns:p14="http://schemas.microsoft.com/office/powerpoint/2010/main" val="3907381587"/>
+        <p14:creationId xmlns:p14="http://schemas.microsoft.com/office/powerpoint/2010/main" val="350787129"/>
       </p:ext>
     </p:extLst>
   </p:cSld>
@@ -2584,7 +2729,7 @@
           <a:p>
             <a:fld id="{82F48383-FCA3-904D-BAB7-C3DA57C34025}" type="datetimeFigureOut">
               <a:rPr lang="de-DE" smtClean="0"/>
-              <a:t>26.06.2019</a:t>
+              <a:t>29.06.2019</a:t>
             </a:fld>
             <a:endParaRPr lang="de-DE"/>
           </a:p>
@@ -2757,7 +2902,7 @@
           <a:p>
             <a:fld id="{82F48383-FCA3-904D-BAB7-C3DA57C34025}" type="datetimeFigureOut">
               <a:rPr lang="de-DE" smtClean="0"/>
-              <a:t>26.06.2019</a:t>
+              <a:t>29.06.2019</a:t>
             </a:fld>
             <a:endParaRPr lang="de-DE"/>
           </a:p>
@@ -2940,7 +3085,7 @@
           <a:p>
             <a:fld id="{82F48383-FCA3-904D-BAB7-C3DA57C34025}" type="datetimeFigureOut">
               <a:rPr lang="de-DE" smtClean="0"/>
-              <a:t>26.06.2019</a:t>
+              <a:t>29.06.2019</a:t>
             </a:fld>
             <a:endParaRPr lang="de-DE"/>
           </a:p>
@@ -3113,7 +3258,7 @@
           <a:p>
             <a:fld id="{82F48383-FCA3-904D-BAB7-C3DA57C34025}" type="datetimeFigureOut">
               <a:rPr lang="de-DE" smtClean="0"/>
-              <a:t>26.06.2019</a:t>
+              <a:t>29.06.2019</a:t>
             </a:fld>
             <a:endParaRPr lang="de-DE"/>
           </a:p>
@@ -3391,7 +3536,7 @@
           <a:p>
             <a:fld id="{82F48383-FCA3-904D-BAB7-C3DA57C34025}" type="datetimeFigureOut">
               <a:rPr lang="de-DE" smtClean="0"/>
-              <a:t>26.06.2019</a:t>
+              <a:t>29.06.2019</a:t>
             </a:fld>
             <a:endParaRPr lang="de-DE"/>
           </a:p>
@@ -3606,7 +3751,7 @@
           <a:p>
             <a:fld id="{82F48383-FCA3-904D-BAB7-C3DA57C34025}" type="datetimeFigureOut">
               <a:rPr lang="de-DE" smtClean="0"/>
-              <a:t>26.06.2019</a:t>
+              <a:t>29.06.2019</a:t>
             </a:fld>
             <a:endParaRPr lang="de-DE"/>
           </a:p>
@@ -3974,7 +4119,7 @@
           <a:p>
             <a:fld id="{82F48383-FCA3-904D-BAB7-C3DA57C34025}" type="datetimeFigureOut">
               <a:rPr lang="de-DE" smtClean="0"/>
-              <a:t>26.06.2019</a:t>
+              <a:t>29.06.2019</a:t>
             </a:fld>
             <a:endParaRPr lang="de-DE"/>
           </a:p>
@@ -4115,7 +4260,7 @@
           <a:p>
             <a:fld id="{82F48383-FCA3-904D-BAB7-C3DA57C34025}" type="datetimeFigureOut">
               <a:rPr lang="de-DE" smtClean="0"/>
-              <a:t>26.06.2019</a:t>
+              <a:t>29.06.2019</a:t>
             </a:fld>
             <a:endParaRPr lang="de-DE"/>
           </a:p>
@@ -4228,7 +4373,7 @@
           <a:p>
             <a:fld id="{82F48383-FCA3-904D-BAB7-C3DA57C34025}" type="datetimeFigureOut">
               <a:rPr lang="de-DE" smtClean="0"/>
-              <a:t>26.06.2019</a:t>
+              <a:t>29.06.2019</a:t>
             </a:fld>
             <a:endParaRPr lang="de-DE"/>
           </a:p>
@@ -4517,7 +4662,7 @@
           <a:p>
             <a:fld id="{82F48383-FCA3-904D-BAB7-C3DA57C34025}" type="datetimeFigureOut">
               <a:rPr lang="de-DE" smtClean="0"/>
-              <a:t>26.06.2019</a:t>
+              <a:t>29.06.2019</a:t>
             </a:fld>
             <a:endParaRPr lang="de-DE"/>
           </a:p>
@@ -4808,7 +4953,7 @@
           <a:p>
             <a:fld id="{82F48383-FCA3-904D-BAB7-C3DA57C34025}" type="datetimeFigureOut">
               <a:rPr lang="de-DE" smtClean="0"/>
-              <a:t>26.06.2019</a:t>
+              <a:t>29.06.2019</a:t>
             </a:fld>
             <a:endParaRPr lang="de-DE"/>
           </a:p>
@@ -5027,7 +5172,7 @@
           <a:p>
             <a:fld id="{82F48383-FCA3-904D-BAB7-C3DA57C34025}" type="datetimeFigureOut">
               <a:rPr lang="de-DE" smtClean="0"/>
-              <a:t>26.06.2019</a:t>
+              <a:t>29.06.2019</a:t>
             </a:fld>
             <a:endParaRPr lang="de-DE"/>
           </a:p>
@@ -5672,6 +5817,302 @@
       </p:grpSpPr>
       <p:sp>
         <p:nvSpPr>
+          <p:cNvPr id="8" name="Rectangle 7">
+            <a:extLst>
+              <a:ext uri="{FF2B5EF4-FFF2-40B4-BE49-F238E27FC236}">
+                <a16:creationId xmlns:a16="http://schemas.microsoft.com/office/drawing/2014/main" id="{8D70B121-56F4-4848-B38B-182089D909FA}"/>
+              </a:ext>
+              <a:ext uri="{C183D7F6-B498-43B3-948B-1728B52AA6E4}">
+                <adec:decorative xmlns:adec="http://schemas.microsoft.com/office/drawing/2017/decorative" val="1"/>
+              </a:ext>
+            </a:extLst>
+          </p:cNvPr>
+          <p:cNvSpPr>
+            <a:spLocks noGrp="1" noRot="1" noChangeAspect="1" noMove="1" noResize="1" noEditPoints="1" noAdjustHandles="1" noChangeArrowheads="1" noChangeShapeType="1" noTextEdit="1"/>
+          </p:cNvSpPr>
+          <p:nvPr>
+            <p:extLst>
+              <p:ext uri="{386F3935-93C4-4BCD-93E2-E3B085C9AB24}">
+                <p16:designElem xmlns:p16="http://schemas.microsoft.com/office/powerpoint/2015/main" val="1"/>
+              </p:ext>
+            </p:extLst>
+          </p:nvPr>
+        </p:nvSpPr>
+        <p:spPr bwMode="ltGray">
+          <a:xfrm>
+            <a:off x="321564" y="320040"/>
+            <a:ext cx="11548872" cy="6217920"/>
+          </a:xfrm>
+          <a:prstGeom prst="rect">
+            <a:avLst/>
+          </a:prstGeom>
+          <a:solidFill>
+            <a:schemeClr val="tx1">
+              <a:alpha val="8000"/>
+            </a:schemeClr>
+          </a:solidFill>
+          <a:ln w="127000" cap="sq" cmpd="thinThick">
+            <a:noFill/>
+          </a:ln>
+        </p:spPr>
+        <p:style>
+          <a:lnRef idx="2">
+            <a:schemeClr val="accent1">
+              <a:shade val="50000"/>
+            </a:schemeClr>
+          </a:lnRef>
+          <a:fillRef idx="1">
+            <a:schemeClr val="accent1"/>
+          </a:fillRef>
+          <a:effectRef idx="0">
+            <a:schemeClr val="accent1"/>
+          </a:effectRef>
+          <a:fontRef idx="minor">
+            <a:schemeClr val="lt1"/>
+          </a:fontRef>
+        </p:style>
+        <p:txBody>
+          <a:bodyPr rtlCol="0" anchor="ctr"/>
+          <a:lstStyle/>
+          <a:p>
+            <a:pPr algn="ctr"/>
+            <a:endParaRPr lang="en-US"/>
+          </a:p>
+        </p:txBody>
+      </p:sp>
+      <p:sp>
+        <p:nvSpPr>
+          <p:cNvPr id="2" name="Titel 1">
+            <a:extLst>
+              <a:ext uri="{FF2B5EF4-FFF2-40B4-BE49-F238E27FC236}">
+                <a16:creationId xmlns:a16="http://schemas.microsoft.com/office/drawing/2014/main" id="{0B5D0F8F-C92F-BC46-ACC4-7A21698DD272}"/>
+              </a:ext>
+            </a:extLst>
+          </p:cNvPr>
+          <p:cNvSpPr>
+            <a:spLocks noGrp="1"/>
+          </p:cNvSpPr>
+          <p:nvPr>
+            <p:ph type="title"/>
+          </p:nvPr>
+        </p:nvSpPr>
+        <p:spPr>
+          <a:xfrm>
+            <a:off x="838200" y="963877"/>
+            <a:ext cx="3494362" cy="4930246"/>
+          </a:xfrm>
+        </p:spPr>
+        <p:txBody>
+          <a:bodyPr>
+            <a:normAutofit/>
+          </a:bodyPr>
+          <a:lstStyle/>
+          <a:p>
+            <a:pPr algn="r"/>
+            <a:r>
+              <a:rPr lang="de-DE" dirty="0">
+                <a:solidFill>
+                  <a:schemeClr val="accent1"/>
+                </a:solidFill>
+              </a:rPr>
+              <a:t>Gliederung	</a:t>
+            </a:r>
+          </a:p>
+        </p:txBody>
+      </p:sp>
+      <p:cxnSp>
+        <p:nvCxnSpPr>
+          <p:cNvPr id="10" name="Straight Connector 9">
+            <a:extLst>
+              <a:ext uri="{FF2B5EF4-FFF2-40B4-BE49-F238E27FC236}">
+                <a16:creationId xmlns:a16="http://schemas.microsoft.com/office/drawing/2014/main" id="{2D72A2C9-F3CA-4216-8BAD-FA4C970C3C4E}"/>
+              </a:ext>
+              <a:ext uri="{C183D7F6-B498-43B3-948B-1728B52AA6E4}">
+                <adec:decorative xmlns:adec="http://schemas.microsoft.com/office/drawing/2017/decorative" val="1"/>
+              </a:ext>
+            </a:extLst>
+          </p:cNvPr>
+          <p:cNvCxnSpPr>
+            <a:cxnSpLocks noGrp="1" noRot="1" noChangeAspect="1" noMove="1" noResize="1" noEditPoints="1" noAdjustHandles="1" noChangeArrowheads="1" noChangeShapeType="1"/>
+          </p:cNvCxnSpPr>
+          <p:nvPr>
+            <p:extLst>
+              <p:ext uri="{386F3935-93C4-4BCD-93E2-E3B085C9AB24}">
+                <p16:designElem xmlns:p16="http://schemas.microsoft.com/office/powerpoint/2015/main" val="1"/>
+              </p:ext>
+            </p:extLst>
+          </p:nvPr>
+        </p:nvCxnSpPr>
+        <p:spPr>
+          <a:xfrm>
+            <a:off x="4654296" y="2057400"/>
+            <a:ext cx="0" cy="2743200"/>
+          </a:xfrm>
+          <a:prstGeom prst="line">
+            <a:avLst/>
+          </a:prstGeom>
+          <a:ln w="19050">
+            <a:solidFill>
+              <a:schemeClr val="tx1">
+                <a:lumMod val="85000"/>
+                <a:lumOff val="15000"/>
+              </a:schemeClr>
+            </a:solidFill>
+          </a:ln>
+        </p:spPr>
+        <p:style>
+          <a:lnRef idx="1">
+            <a:schemeClr val="accent1"/>
+          </a:lnRef>
+          <a:fillRef idx="0">
+            <a:schemeClr val="accent1"/>
+          </a:fillRef>
+          <a:effectRef idx="0">
+            <a:schemeClr val="accent1"/>
+          </a:effectRef>
+          <a:fontRef idx="minor">
+            <a:schemeClr val="tx1"/>
+          </a:fontRef>
+        </p:style>
+      </p:cxnSp>
+      <p:sp>
+        <p:nvSpPr>
+          <p:cNvPr id="3" name="Inhaltsplatzhalter 2">
+            <a:extLst>
+              <a:ext uri="{FF2B5EF4-FFF2-40B4-BE49-F238E27FC236}">
+                <a16:creationId xmlns:a16="http://schemas.microsoft.com/office/drawing/2014/main" id="{692C889E-3E0C-9E40-9512-4230892B2B42}"/>
+              </a:ext>
+            </a:extLst>
+          </p:cNvPr>
+          <p:cNvSpPr>
+            <a:spLocks noGrp="1"/>
+          </p:cNvSpPr>
+          <p:nvPr>
+            <p:ph idx="1"/>
+          </p:nvPr>
+        </p:nvSpPr>
+        <p:spPr>
+          <a:xfrm>
+            <a:off x="4976031" y="963877"/>
+            <a:ext cx="6377769" cy="4930246"/>
+          </a:xfrm>
+        </p:spPr>
+        <p:txBody>
+          <a:bodyPr anchor="ctr">
+            <a:normAutofit/>
+          </a:bodyPr>
+          <a:lstStyle/>
+          <a:p>
+            <a:r>
+              <a:rPr lang="de-DE" sz="2400" dirty="0"/>
+              <a:t>Einführung in das Thema</a:t>
+            </a:r>
+          </a:p>
+          <a:p>
+            <a:r>
+              <a:rPr lang="de-DE" sz="2400" dirty="0"/>
+              <a:t>Theoretische Grundlagen</a:t>
+            </a:r>
+          </a:p>
+          <a:p>
+            <a:pPr lvl="1"/>
+            <a:r>
+              <a:rPr lang="de-DE" sz="2000" dirty="0"/>
+              <a:t>Einführung</a:t>
+            </a:r>
+          </a:p>
+          <a:p>
+            <a:pPr lvl="1"/>
+            <a:r>
+              <a:rPr lang="de-DE" sz="2000" dirty="0"/>
+              <a:t>Anwendungen</a:t>
+            </a:r>
+          </a:p>
+          <a:p>
+            <a:r>
+              <a:rPr lang="de-DE" sz="2400" dirty="0">
+                <a:solidFill>
+                  <a:schemeClr val="accent1"/>
+                </a:solidFill>
+              </a:rPr>
+              <a:t>Aufgabenstellung</a:t>
+            </a:r>
+          </a:p>
+          <a:p>
+            <a:r>
+              <a:rPr lang="de-DE" sz="2400" dirty="0"/>
+              <a:t>Implementierung</a:t>
+            </a:r>
+          </a:p>
+          <a:p>
+            <a:pPr lvl="1"/>
+            <a:r>
+              <a:rPr lang="de-DE" sz="2000" dirty="0"/>
+              <a:t>Herangehensweise </a:t>
+            </a:r>
+          </a:p>
+          <a:p>
+            <a:pPr lvl="1"/>
+            <a:r>
+              <a:rPr lang="de-DE" sz="2000" dirty="0"/>
+              <a:t>Einführung in den Code</a:t>
+            </a:r>
+          </a:p>
+          <a:p>
+            <a:pPr lvl="1"/>
+            <a:r>
+              <a:rPr lang="de-DE" sz="2000" dirty="0"/>
+              <a:t>Präsentation des Ergebnisses</a:t>
+            </a:r>
+          </a:p>
+          <a:p>
+            <a:r>
+              <a:rPr lang="de-DE" sz="2400" dirty="0"/>
+              <a:t>Fazit </a:t>
+            </a:r>
+          </a:p>
+        </p:txBody>
+      </p:sp>
+    </p:spTree>
+    <p:extLst>
+      <p:ext uri="{BB962C8B-B14F-4D97-AF65-F5344CB8AC3E}">
+        <p14:creationId xmlns:p14="http://schemas.microsoft.com/office/powerpoint/2010/main" val="1662783578"/>
+      </p:ext>
+    </p:extLst>
+  </p:cSld>
+  <p:clrMapOvr>
+    <a:masterClrMapping/>
+  </p:clrMapOvr>
+</p:sld>
+</file>
+
+<file path=ppt/slides/slide11.xml><?xml version="1.0" encoding="utf-8"?>
+<p:sld xmlns:a="http://schemas.openxmlformats.org/drawingml/2006/main" xmlns:r="http://schemas.openxmlformats.org/officeDocument/2006/relationships" xmlns:p="http://schemas.openxmlformats.org/presentationml/2006/main">
+  <p:cSld>
+    <p:bg>
+      <p:bgPr>
+        <a:solidFill>
+          <a:schemeClr val="bg1"/>
+        </a:solidFill>
+        <a:effectLst/>
+      </p:bgPr>
+    </p:bg>
+    <p:spTree>
+      <p:nvGrpSpPr>
+        <p:cNvPr id="1" name=""/>
+        <p:cNvGrpSpPr/>
+        <p:nvPr/>
+      </p:nvGrpSpPr>
+      <p:grpSpPr>
+        <a:xfrm>
+          <a:off x="0" y="0"/>
+          <a:ext cx="0" cy="0"/>
+          <a:chOff x="0" y="0"/>
+          <a:chExt cx="0" cy="0"/>
+        </a:xfrm>
+      </p:grpSpPr>
+      <p:sp>
+        <p:nvSpPr>
           <p:cNvPr id="19" name="Rectangle 18">
             <a:extLst>
               <a:ext uri="{FF2B5EF4-FFF2-40B4-BE49-F238E27FC236}">
@@ -5951,7 +6392,7 @@
 </p:sld>
 </file>
 
-<file path=ppt/slides/slide11.xml><?xml version="1.0" encoding="utf-8"?>
+<file path=ppt/slides/slide12.xml><?xml version="1.0" encoding="utf-8"?>
 <p:sld xmlns:a="http://schemas.openxmlformats.org/drawingml/2006/main" xmlns:r="http://schemas.openxmlformats.org/officeDocument/2006/relationships" xmlns:p="http://schemas.openxmlformats.org/presentationml/2006/main">
   <p:cSld>
     <p:bg>
@@ -6139,7 +6580,7 @@
 </p:sld>
 </file>
 
-<file path=ppt/slides/slide12.xml><?xml version="1.0" encoding="utf-8"?>
+<file path=ppt/slides/slide13.xml><?xml version="1.0" encoding="utf-8"?>
 <p:sld xmlns:a="http://schemas.openxmlformats.org/drawingml/2006/main" xmlns:r="http://schemas.openxmlformats.org/officeDocument/2006/relationships" xmlns:p="http://schemas.openxmlformats.org/presentationml/2006/main">
   <p:cSld>
     <p:bg>
@@ -6389,264 +6830,6 @@
     <p:extLst>
       <p:ext uri="{BB962C8B-B14F-4D97-AF65-F5344CB8AC3E}">
         <p14:creationId xmlns:p14="http://schemas.microsoft.com/office/powerpoint/2010/main" val="3963641023"/>
-      </p:ext>
-    </p:extLst>
-  </p:cSld>
-  <p:clrMapOvr>
-    <a:masterClrMapping/>
-  </p:clrMapOvr>
-</p:sld>
-</file>
-
-<file path=ppt/slides/slide13.xml><?xml version="1.0" encoding="utf-8"?>
-<p:sld xmlns:a="http://schemas.openxmlformats.org/drawingml/2006/main" xmlns:r="http://schemas.openxmlformats.org/officeDocument/2006/relationships" xmlns:p="http://schemas.openxmlformats.org/presentationml/2006/main">
-  <p:cSld>
-    <p:bg>
-      <p:bgPr>
-        <a:solidFill>
-          <a:schemeClr val="bg1"/>
-        </a:solidFill>
-        <a:effectLst/>
-      </p:bgPr>
-    </p:bg>
-    <p:spTree>
-      <p:nvGrpSpPr>
-        <p:cNvPr id="1" name=""/>
-        <p:cNvGrpSpPr/>
-        <p:nvPr/>
-      </p:nvGrpSpPr>
-      <p:grpSpPr>
-        <a:xfrm>
-          <a:off x="0" y="0"/>
-          <a:ext cx="0" cy="0"/>
-          <a:chOff x="0" y="0"/>
-          <a:chExt cx="0" cy="0"/>
-        </a:xfrm>
-      </p:grpSpPr>
-      <p:sp>
-        <p:nvSpPr>
-          <p:cNvPr id="19" name="Rectangle 18">
-            <a:extLst>
-              <a:ext uri="{FF2B5EF4-FFF2-40B4-BE49-F238E27FC236}">
-                <a16:creationId xmlns:a16="http://schemas.microsoft.com/office/drawing/2014/main" id="{8D70B121-56F4-4848-B38B-182089D909FA}"/>
-              </a:ext>
-              <a:ext uri="{C183D7F6-B498-43B3-948B-1728B52AA6E4}">
-                <adec:decorative xmlns:adec="http://schemas.microsoft.com/office/drawing/2017/decorative" val="1"/>
-              </a:ext>
-            </a:extLst>
-          </p:cNvPr>
-          <p:cNvSpPr>
-            <a:spLocks noGrp="1" noRot="1" noChangeAspect="1" noMove="1" noResize="1" noEditPoints="1" noAdjustHandles="1" noChangeArrowheads="1" noChangeShapeType="1" noTextEdit="1"/>
-          </p:cNvSpPr>
-          <p:nvPr>
-            <p:extLst>
-              <p:ext uri="{386F3935-93C4-4BCD-93E2-E3B085C9AB24}">
-                <p16:designElem xmlns:p16="http://schemas.microsoft.com/office/powerpoint/2015/main" val="1"/>
-              </p:ext>
-            </p:extLst>
-          </p:nvPr>
-        </p:nvSpPr>
-        <p:spPr bwMode="ltGray">
-          <a:xfrm>
-            <a:off x="321564" y="320040"/>
-            <a:ext cx="11548872" cy="6217920"/>
-          </a:xfrm>
-          <a:prstGeom prst="rect">
-            <a:avLst/>
-          </a:prstGeom>
-          <a:solidFill>
-            <a:schemeClr val="tx1">
-              <a:alpha val="8000"/>
-            </a:schemeClr>
-          </a:solidFill>
-          <a:ln w="127000" cap="sq" cmpd="thinThick">
-            <a:noFill/>
-          </a:ln>
-        </p:spPr>
-        <p:style>
-          <a:lnRef idx="2">
-            <a:schemeClr val="accent1">
-              <a:shade val="50000"/>
-            </a:schemeClr>
-          </a:lnRef>
-          <a:fillRef idx="1">
-            <a:schemeClr val="accent1"/>
-          </a:fillRef>
-          <a:effectRef idx="0">
-            <a:schemeClr val="accent1"/>
-          </a:effectRef>
-          <a:fontRef idx="minor">
-            <a:schemeClr val="lt1"/>
-          </a:fontRef>
-        </p:style>
-        <p:txBody>
-          <a:bodyPr rtlCol="0" anchor="ctr"/>
-          <a:lstStyle/>
-          <a:p>
-            <a:pPr algn="ctr"/>
-            <a:endParaRPr lang="en-US"/>
-          </a:p>
-        </p:txBody>
-      </p:sp>
-      <p:cxnSp>
-        <p:nvCxnSpPr>
-          <p:cNvPr id="21" name="Straight Connector 20">
-            <a:extLst>
-              <a:ext uri="{FF2B5EF4-FFF2-40B4-BE49-F238E27FC236}">
-                <a16:creationId xmlns:a16="http://schemas.microsoft.com/office/drawing/2014/main" id="{2D72A2C9-F3CA-4216-8BAD-FA4C970C3C4E}"/>
-              </a:ext>
-              <a:ext uri="{C183D7F6-B498-43B3-948B-1728B52AA6E4}">
-                <adec:decorative xmlns:adec="http://schemas.microsoft.com/office/drawing/2017/decorative" val="1"/>
-              </a:ext>
-            </a:extLst>
-          </p:cNvPr>
-          <p:cNvCxnSpPr>
-            <a:cxnSpLocks noGrp="1" noRot="1" noChangeAspect="1" noMove="1" noResize="1" noEditPoints="1" noAdjustHandles="1" noChangeArrowheads="1" noChangeShapeType="1"/>
-          </p:cNvCxnSpPr>
-          <p:nvPr>
-            <p:extLst>
-              <p:ext uri="{386F3935-93C4-4BCD-93E2-E3B085C9AB24}">
-                <p16:designElem xmlns:p16="http://schemas.microsoft.com/office/powerpoint/2015/main" val="1"/>
-              </p:ext>
-            </p:extLst>
-          </p:nvPr>
-        </p:nvCxnSpPr>
-        <p:spPr>
-          <a:xfrm>
-            <a:off x="4654296" y="2057400"/>
-            <a:ext cx="0" cy="2743200"/>
-          </a:xfrm>
-          <a:prstGeom prst="line">
-            <a:avLst/>
-          </a:prstGeom>
-          <a:ln w="19050">
-            <a:solidFill>
-              <a:schemeClr val="tx1">
-                <a:lumMod val="85000"/>
-                <a:lumOff val="15000"/>
-              </a:schemeClr>
-            </a:solidFill>
-          </a:ln>
-        </p:spPr>
-        <p:style>
-          <a:lnRef idx="1">
-            <a:schemeClr val="accent1"/>
-          </a:lnRef>
-          <a:fillRef idx="0">
-            <a:schemeClr val="accent1"/>
-          </a:fillRef>
-          <a:effectRef idx="0">
-            <a:schemeClr val="accent1"/>
-          </a:effectRef>
-          <a:fontRef idx="minor">
-            <a:schemeClr val="tx1"/>
-          </a:fontRef>
-        </p:style>
-      </p:cxnSp>
-      <p:sp>
-        <p:nvSpPr>
-          <p:cNvPr id="5" name="Rechteck 4">
-            <a:extLst>
-              <a:ext uri="{FF2B5EF4-FFF2-40B4-BE49-F238E27FC236}">
-                <a16:creationId xmlns:a16="http://schemas.microsoft.com/office/drawing/2014/main" id="{6C91387F-AF56-614F-B14F-5E345367B7AF}"/>
-              </a:ext>
-            </a:extLst>
-          </p:cNvPr>
-          <p:cNvSpPr/>
-          <p:nvPr/>
-        </p:nvSpPr>
-        <p:spPr>
-          <a:xfrm>
-            <a:off x="321564" y="320040"/>
-            <a:ext cx="11548872" cy="6217920"/>
-          </a:xfrm>
-          <a:prstGeom prst="rect">
-            <a:avLst/>
-          </a:prstGeom>
-          <a:solidFill>
-            <a:schemeClr val="bg2"/>
-          </a:solidFill>
-          <a:ln>
-            <a:noFill/>
-          </a:ln>
-        </p:spPr>
-        <p:style>
-          <a:lnRef idx="2">
-            <a:schemeClr val="accent1">
-              <a:shade val="50000"/>
-            </a:schemeClr>
-          </a:lnRef>
-          <a:fillRef idx="1">
-            <a:schemeClr val="accent1"/>
-          </a:fillRef>
-          <a:effectRef idx="0">
-            <a:schemeClr val="accent1"/>
-          </a:effectRef>
-          <a:fontRef idx="minor">
-            <a:schemeClr val="lt1"/>
-          </a:fontRef>
-        </p:style>
-        <p:txBody>
-          <a:bodyPr rtlCol="0" anchor="ctr"/>
-          <a:lstStyle/>
-          <a:p>
-            <a:pPr algn="ctr"/>
-            <a:endParaRPr lang="de-DE"/>
-          </a:p>
-        </p:txBody>
-      </p:sp>
-      <p:sp>
-        <p:nvSpPr>
-          <p:cNvPr id="2" name="Titel 1">
-            <a:extLst>
-              <a:ext uri="{FF2B5EF4-FFF2-40B4-BE49-F238E27FC236}">
-                <a16:creationId xmlns:a16="http://schemas.microsoft.com/office/drawing/2014/main" id="{35BFDC70-A169-E142-B051-5ABC9190E094}"/>
-              </a:ext>
-            </a:extLst>
-          </p:cNvPr>
-          <p:cNvSpPr>
-            <a:spLocks noGrp="1"/>
-          </p:cNvSpPr>
-          <p:nvPr>
-            <p:ph type="title"/>
-          </p:nvPr>
-        </p:nvSpPr>
-        <p:spPr>
-          <a:xfrm>
-            <a:off x="4010025" y="963877"/>
-            <a:ext cx="4171949" cy="4930246"/>
-          </a:xfrm>
-        </p:spPr>
-        <p:txBody>
-          <a:bodyPr vert="horz" lIns="91440" tIns="45720" rIns="91440" bIns="45720" rtlCol="0">
-            <a:normAutofit/>
-          </a:bodyPr>
-          <a:lstStyle/>
-          <a:p>
-            <a:pPr algn="ctr"/>
-            <a:r>
-              <a:rPr lang="en-US" sz="4000" dirty="0" err="1">
-                <a:solidFill>
-                  <a:schemeClr val="accent1"/>
-                </a:solidFill>
-              </a:rPr>
-              <a:t>Implementierung</a:t>
-            </a:r>
-            <a:endParaRPr lang="en-US" sz="4000" kern="1200" dirty="0">
-              <a:solidFill>
-                <a:schemeClr val="accent1"/>
-              </a:solidFill>
-              <a:latin typeface="+mj-lt"/>
-              <a:ea typeface="+mj-ea"/>
-              <a:cs typeface="+mj-cs"/>
-            </a:endParaRPr>
-          </a:p>
-        </p:txBody>
-      </p:sp>
-    </p:spTree>
-    <p:extLst>
-      <p:ext uri="{BB962C8B-B14F-4D97-AF65-F5344CB8AC3E}">
-        <p14:creationId xmlns:p14="http://schemas.microsoft.com/office/powerpoint/2010/main" val="321189763"/>
       </p:ext>
     </p:extLst>
   </p:cSld>
@@ -6746,54 +6929,6 @@
           </a:p>
         </p:txBody>
       </p:sp>
-      <p:sp>
-        <p:nvSpPr>
-          <p:cNvPr id="2" name="Titel 1">
-            <a:extLst>
-              <a:ext uri="{FF2B5EF4-FFF2-40B4-BE49-F238E27FC236}">
-                <a16:creationId xmlns:a16="http://schemas.microsoft.com/office/drawing/2014/main" id="{35BFDC70-A169-E142-B051-5ABC9190E094}"/>
-              </a:ext>
-            </a:extLst>
-          </p:cNvPr>
-          <p:cNvSpPr>
-            <a:spLocks noGrp="1"/>
-          </p:cNvSpPr>
-          <p:nvPr>
-            <p:ph type="title"/>
-          </p:nvPr>
-        </p:nvSpPr>
-        <p:spPr>
-          <a:xfrm>
-            <a:off x="861390" y="963877"/>
-            <a:ext cx="3471171" cy="4930246"/>
-          </a:xfrm>
-        </p:spPr>
-        <p:txBody>
-          <a:bodyPr vert="horz" lIns="91440" tIns="45720" rIns="91440" bIns="45720" rtlCol="0">
-            <a:normAutofit/>
-          </a:bodyPr>
-          <a:lstStyle/>
-          <a:p>
-            <a:pPr algn="ctr"/>
-            <a:r>
-              <a:rPr lang="en-US" dirty="0" err="1">
-                <a:solidFill>
-                  <a:schemeClr val="accent1"/>
-                </a:solidFill>
-              </a:rPr>
-              <a:t>Herangehens-weise</a:t>
-            </a:r>
-            <a:endParaRPr lang="en-US" kern="1200" dirty="0">
-              <a:solidFill>
-                <a:schemeClr val="accent1"/>
-              </a:solidFill>
-              <a:latin typeface="+mj-lt"/>
-              <a:ea typeface="+mj-ea"/>
-              <a:cs typeface="+mj-cs"/>
-            </a:endParaRPr>
-          </a:p>
-        </p:txBody>
-      </p:sp>
       <p:cxnSp>
         <p:nvCxnSpPr>
           <p:cNvPr id="21" name="Straight Connector 20">
@@ -6851,6 +6986,312 @@
       </p:cxnSp>
       <p:sp>
         <p:nvSpPr>
+          <p:cNvPr id="5" name="Rechteck 4">
+            <a:extLst>
+              <a:ext uri="{FF2B5EF4-FFF2-40B4-BE49-F238E27FC236}">
+                <a16:creationId xmlns:a16="http://schemas.microsoft.com/office/drawing/2014/main" id="{6C91387F-AF56-614F-B14F-5E345367B7AF}"/>
+              </a:ext>
+            </a:extLst>
+          </p:cNvPr>
+          <p:cNvSpPr/>
+          <p:nvPr/>
+        </p:nvSpPr>
+        <p:spPr>
+          <a:xfrm>
+            <a:off x="321564" y="320040"/>
+            <a:ext cx="11548872" cy="6217920"/>
+          </a:xfrm>
+          <a:prstGeom prst="rect">
+            <a:avLst/>
+          </a:prstGeom>
+          <a:solidFill>
+            <a:schemeClr val="bg2"/>
+          </a:solidFill>
+          <a:ln>
+            <a:noFill/>
+          </a:ln>
+        </p:spPr>
+        <p:style>
+          <a:lnRef idx="2">
+            <a:schemeClr val="accent1">
+              <a:shade val="50000"/>
+            </a:schemeClr>
+          </a:lnRef>
+          <a:fillRef idx="1">
+            <a:schemeClr val="accent1"/>
+          </a:fillRef>
+          <a:effectRef idx="0">
+            <a:schemeClr val="accent1"/>
+          </a:effectRef>
+          <a:fontRef idx="minor">
+            <a:schemeClr val="lt1"/>
+          </a:fontRef>
+        </p:style>
+        <p:txBody>
+          <a:bodyPr rtlCol="0" anchor="ctr"/>
+          <a:lstStyle/>
+          <a:p>
+            <a:pPr algn="ctr"/>
+            <a:endParaRPr lang="de-DE"/>
+          </a:p>
+        </p:txBody>
+      </p:sp>
+      <p:sp>
+        <p:nvSpPr>
+          <p:cNvPr id="2" name="Titel 1">
+            <a:extLst>
+              <a:ext uri="{FF2B5EF4-FFF2-40B4-BE49-F238E27FC236}">
+                <a16:creationId xmlns:a16="http://schemas.microsoft.com/office/drawing/2014/main" id="{35BFDC70-A169-E142-B051-5ABC9190E094}"/>
+              </a:ext>
+            </a:extLst>
+          </p:cNvPr>
+          <p:cNvSpPr>
+            <a:spLocks noGrp="1"/>
+          </p:cNvSpPr>
+          <p:nvPr>
+            <p:ph type="title"/>
+          </p:nvPr>
+        </p:nvSpPr>
+        <p:spPr>
+          <a:xfrm>
+            <a:off x="4010025" y="963877"/>
+            <a:ext cx="4171949" cy="4930246"/>
+          </a:xfrm>
+        </p:spPr>
+        <p:txBody>
+          <a:bodyPr vert="horz" lIns="91440" tIns="45720" rIns="91440" bIns="45720" rtlCol="0">
+            <a:normAutofit/>
+          </a:bodyPr>
+          <a:lstStyle/>
+          <a:p>
+            <a:pPr algn="ctr"/>
+            <a:r>
+              <a:rPr lang="en-US" sz="4000" dirty="0" err="1">
+                <a:solidFill>
+                  <a:schemeClr val="accent1"/>
+                </a:solidFill>
+              </a:rPr>
+              <a:t>Implementierung</a:t>
+            </a:r>
+            <a:endParaRPr lang="en-US" sz="4000" kern="1200" dirty="0">
+              <a:solidFill>
+                <a:schemeClr val="accent1"/>
+              </a:solidFill>
+              <a:latin typeface="+mj-lt"/>
+              <a:ea typeface="+mj-ea"/>
+              <a:cs typeface="+mj-cs"/>
+            </a:endParaRPr>
+          </a:p>
+        </p:txBody>
+      </p:sp>
+    </p:spTree>
+    <p:extLst>
+      <p:ext uri="{BB962C8B-B14F-4D97-AF65-F5344CB8AC3E}">
+        <p14:creationId xmlns:p14="http://schemas.microsoft.com/office/powerpoint/2010/main" val="321189763"/>
+      </p:ext>
+    </p:extLst>
+  </p:cSld>
+  <p:clrMapOvr>
+    <a:masterClrMapping/>
+  </p:clrMapOvr>
+</p:sld>
+</file>
+
+<file path=ppt/slides/slide15.xml><?xml version="1.0" encoding="utf-8"?>
+<p:sld xmlns:a="http://schemas.openxmlformats.org/drawingml/2006/main" xmlns:r="http://schemas.openxmlformats.org/officeDocument/2006/relationships" xmlns:p="http://schemas.openxmlformats.org/presentationml/2006/main">
+  <p:cSld>
+    <p:bg>
+      <p:bgPr>
+        <a:solidFill>
+          <a:schemeClr val="bg1"/>
+        </a:solidFill>
+        <a:effectLst/>
+      </p:bgPr>
+    </p:bg>
+    <p:spTree>
+      <p:nvGrpSpPr>
+        <p:cNvPr id="1" name=""/>
+        <p:cNvGrpSpPr/>
+        <p:nvPr/>
+      </p:nvGrpSpPr>
+      <p:grpSpPr>
+        <a:xfrm>
+          <a:off x="0" y="0"/>
+          <a:ext cx="0" cy="0"/>
+          <a:chOff x="0" y="0"/>
+          <a:chExt cx="0" cy="0"/>
+        </a:xfrm>
+      </p:grpSpPr>
+      <p:sp>
+        <p:nvSpPr>
+          <p:cNvPr id="19" name="Rectangle 18">
+            <a:extLst>
+              <a:ext uri="{FF2B5EF4-FFF2-40B4-BE49-F238E27FC236}">
+                <a16:creationId xmlns:a16="http://schemas.microsoft.com/office/drawing/2014/main" id="{8D70B121-56F4-4848-B38B-182089D909FA}"/>
+              </a:ext>
+              <a:ext uri="{C183D7F6-B498-43B3-948B-1728B52AA6E4}">
+                <adec:decorative xmlns:adec="http://schemas.microsoft.com/office/drawing/2017/decorative" val="1"/>
+              </a:ext>
+            </a:extLst>
+          </p:cNvPr>
+          <p:cNvSpPr>
+            <a:spLocks noGrp="1" noRot="1" noChangeAspect="1" noMove="1" noResize="1" noEditPoints="1" noAdjustHandles="1" noChangeArrowheads="1" noChangeShapeType="1" noTextEdit="1"/>
+          </p:cNvSpPr>
+          <p:nvPr>
+            <p:extLst>
+              <p:ext uri="{386F3935-93C4-4BCD-93E2-E3B085C9AB24}">
+                <p16:designElem xmlns:p16="http://schemas.microsoft.com/office/powerpoint/2015/main" val="1"/>
+              </p:ext>
+            </p:extLst>
+          </p:nvPr>
+        </p:nvSpPr>
+        <p:spPr bwMode="ltGray">
+          <a:xfrm>
+            <a:off x="321564" y="320040"/>
+            <a:ext cx="11548872" cy="6217920"/>
+          </a:xfrm>
+          <a:prstGeom prst="rect">
+            <a:avLst/>
+          </a:prstGeom>
+          <a:solidFill>
+            <a:schemeClr val="tx1">
+              <a:alpha val="8000"/>
+            </a:schemeClr>
+          </a:solidFill>
+          <a:ln w="127000" cap="sq" cmpd="thinThick">
+            <a:noFill/>
+          </a:ln>
+        </p:spPr>
+        <p:style>
+          <a:lnRef idx="2">
+            <a:schemeClr val="accent1">
+              <a:shade val="50000"/>
+            </a:schemeClr>
+          </a:lnRef>
+          <a:fillRef idx="1">
+            <a:schemeClr val="accent1"/>
+          </a:fillRef>
+          <a:effectRef idx="0">
+            <a:schemeClr val="accent1"/>
+          </a:effectRef>
+          <a:fontRef idx="minor">
+            <a:schemeClr val="lt1"/>
+          </a:fontRef>
+        </p:style>
+        <p:txBody>
+          <a:bodyPr rtlCol="0" anchor="ctr"/>
+          <a:lstStyle/>
+          <a:p>
+            <a:pPr algn="ctr"/>
+            <a:endParaRPr lang="en-US"/>
+          </a:p>
+        </p:txBody>
+      </p:sp>
+      <p:sp>
+        <p:nvSpPr>
+          <p:cNvPr id="2" name="Titel 1">
+            <a:extLst>
+              <a:ext uri="{FF2B5EF4-FFF2-40B4-BE49-F238E27FC236}">
+                <a16:creationId xmlns:a16="http://schemas.microsoft.com/office/drawing/2014/main" id="{35BFDC70-A169-E142-B051-5ABC9190E094}"/>
+              </a:ext>
+            </a:extLst>
+          </p:cNvPr>
+          <p:cNvSpPr>
+            <a:spLocks noGrp="1"/>
+          </p:cNvSpPr>
+          <p:nvPr>
+            <p:ph type="title"/>
+          </p:nvPr>
+        </p:nvSpPr>
+        <p:spPr>
+          <a:xfrm>
+            <a:off x="861390" y="963877"/>
+            <a:ext cx="3471171" cy="4930246"/>
+          </a:xfrm>
+        </p:spPr>
+        <p:txBody>
+          <a:bodyPr vert="horz" lIns="91440" tIns="45720" rIns="91440" bIns="45720" rtlCol="0">
+            <a:normAutofit/>
+          </a:bodyPr>
+          <a:lstStyle/>
+          <a:p>
+            <a:pPr algn="ctr"/>
+            <a:r>
+              <a:rPr lang="en-US" dirty="0" err="1">
+                <a:solidFill>
+                  <a:schemeClr val="accent1"/>
+                </a:solidFill>
+              </a:rPr>
+              <a:t>Herangehens-weise</a:t>
+            </a:r>
+            <a:endParaRPr lang="en-US" kern="1200" dirty="0">
+              <a:solidFill>
+                <a:schemeClr val="accent1"/>
+              </a:solidFill>
+              <a:latin typeface="+mj-lt"/>
+              <a:ea typeface="+mj-ea"/>
+              <a:cs typeface="+mj-cs"/>
+            </a:endParaRPr>
+          </a:p>
+        </p:txBody>
+      </p:sp>
+      <p:cxnSp>
+        <p:nvCxnSpPr>
+          <p:cNvPr id="21" name="Straight Connector 20">
+            <a:extLst>
+              <a:ext uri="{FF2B5EF4-FFF2-40B4-BE49-F238E27FC236}">
+                <a16:creationId xmlns:a16="http://schemas.microsoft.com/office/drawing/2014/main" id="{2D72A2C9-F3CA-4216-8BAD-FA4C970C3C4E}"/>
+              </a:ext>
+              <a:ext uri="{C183D7F6-B498-43B3-948B-1728B52AA6E4}">
+                <adec:decorative xmlns:adec="http://schemas.microsoft.com/office/drawing/2017/decorative" val="1"/>
+              </a:ext>
+            </a:extLst>
+          </p:cNvPr>
+          <p:cNvCxnSpPr>
+            <a:cxnSpLocks noGrp="1" noRot="1" noChangeAspect="1" noMove="1" noResize="1" noEditPoints="1" noAdjustHandles="1" noChangeArrowheads="1" noChangeShapeType="1"/>
+          </p:cNvCxnSpPr>
+          <p:nvPr>
+            <p:extLst>
+              <p:ext uri="{386F3935-93C4-4BCD-93E2-E3B085C9AB24}">
+                <p16:designElem xmlns:p16="http://schemas.microsoft.com/office/powerpoint/2015/main" val="1"/>
+              </p:ext>
+            </p:extLst>
+          </p:nvPr>
+        </p:nvCxnSpPr>
+        <p:spPr>
+          <a:xfrm>
+            <a:off x="4654296" y="2057400"/>
+            <a:ext cx="0" cy="2743200"/>
+          </a:xfrm>
+          <a:prstGeom prst="line">
+            <a:avLst/>
+          </a:prstGeom>
+          <a:ln w="19050">
+            <a:solidFill>
+              <a:schemeClr val="tx1">
+                <a:lumMod val="85000"/>
+                <a:lumOff val="15000"/>
+              </a:schemeClr>
+            </a:solidFill>
+          </a:ln>
+        </p:spPr>
+        <p:style>
+          <a:lnRef idx="1">
+            <a:schemeClr val="accent1"/>
+          </a:lnRef>
+          <a:fillRef idx="0">
+            <a:schemeClr val="accent1"/>
+          </a:fillRef>
+          <a:effectRef idx="0">
+            <a:schemeClr val="accent1"/>
+          </a:effectRef>
+          <a:fontRef idx="minor">
+            <a:schemeClr val="tx1"/>
+          </a:fontRef>
+        </p:style>
+      </p:cxnSp>
+      <p:sp>
+        <p:nvSpPr>
           <p:cNvPr id="8" name="Inhaltsplatzhalter 4">
             <a:extLst>
               <a:ext uri="{FF2B5EF4-FFF2-40B4-BE49-F238E27FC236}">
@@ -6903,7 +7344,7 @@
 </p:sld>
 </file>
 
-<file path=ppt/slides/slide15.xml><?xml version="1.0" encoding="utf-8"?>
+<file path=ppt/slides/slide16.xml><?xml version="1.0" encoding="utf-8"?>
 <p:sld xmlns:a="http://schemas.openxmlformats.org/drawingml/2006/main" xmlns:r="http://schemas.openxmlformats.org/officeDocument/2006/relationships" xmlns:p="http://schemas.openxmlformats.org/presentationml/2006/main">
   <p:cSld>
     <p:spTree>
@@ -6934,7 +7375,7 @@
         </p:nvSpPr>
         <p:spPr>
           <a:xfrm>
-            <a:off x="0" y="0"/>
+            <a:off x="0" y="-197963"/>
             <a:ext cx="12192000" cy="6858000"/>
           </a:xfrm>
           <a:prstGeom prst="rect">
@@ -7130,8 +7571,8 @@
         </p:blipFill>
         <p:spPr>
           <a:xfrm>
-            <a:off x="1428750" y="1347787"/>
-            <a:ext cx="9334500" cy="4162425"/>
+            <a:off x="1428750" y="1434918"/>
+            <a:ext cx="9334500" cy="3988163"/>
           </a:xfrm>
           <a:prstGeom prst="rect">
             <a:avLst/>
@@ -7151,7 +7592,7 @@
 </p:sld>
 </file>
 
-<file path=ppt/slides/slide16.xml><?xml version="1.0" encoding="utf-8"?>
+<file path=ppt/slides/slide17.xml><?xml version="1.0" encoding="utf-8"?>
 <p:sld xmlns:a="http://schemas.openxmlformats.org/drawingml/2006/main" xmlns:r="http://schemas.openxmlformats.org/officeDocument/2006/relationships" xmlns:p="http://schemas.openxmlformats.org/presentationml/2006/main">
   <p:cSld>
     <p:spTree>
@@ -7313,7 +7754,7 @@
 </p:sld>
 </file>
 
-<file path=ppt/slides/slide17.xml><?xml version="1.0" encoding="utf-8"?>
+<file path=ppt/slides/slide18.xml><?xml version="1.0" encoding="utf-8"?>
 <p:sld xmlns:a="http://schemas.openxmlformats.org/drawingml/2006/main" xmlns:r="http://schemas.openxmlformats.org/officeDocument/2006/relationships" xmlns:p="http://schemas.openxmlformats.org/presentationml/2006/main">
   <p:cSld>
     <p:spTree>
@@ -7344,7 +7785,7 @@
         </p:nvSpPr>
         <p:spPr>
           <a:xfrm>
-            <a:off x="0" y="0"/>
+            <a:off x="0" y="-197963"/>
             <a:ext cx="12192000" cy="6858000"/>
           </a:xfrm>
           <a:prstGeom prst="rect">
@@ -7540,8 +7981,8 @@
         </p:blipFill>
         <p:spPr>
           <a:xfrm>
-            <a:off x="1257300" y="1471612"/>
-            <a:ext cx="9677400" cy="3914775"/>
+            <a:off x="1543327" y="1471612"/>
+            <a:ext cx="9105346" cy="3914775"/>
           </a:xfrm>
           <a:prstGeom prst="rect">
             <a:avLst/>
@@ -7561,7 +8002,7 @@
 </p:sld>
 </file>
 
-<file path=ppt/slides/slide18.xml><?xml version="1.0" encoding="utf-8"?>
+<file path=ppt/slides/slide19.xml><?xml version="1.0" encoding="utf-8"?>
 <p:sld xmlns:a="http://schemas.openxmlformats.org/drawingml/2006/main" xmlns:r="http://schemas.openxmlformats.org/officeDocument/2006/relationships" xmlns:p="http://schemas.openxmlformats.org/presentationml/2006/main">
   <p:cSld>
     <p:spTree>
@@ -7723,7 +8164,299 @@
 </p:sld>
 </file>
 
-<file path=ppt/slides/slide19.xml><?xml version="1.0" encoding="utf-8"?>
+<file path=ppt/slides/slide2.xml><?xml version="1.0" encoding="utf-8"?>
+<p:sld xmlns:a="http://schemas.openxmlformats.org/drawingml/2006/main" xmlns:r="http://schemas.openxmlformats.org/officeDocument/2006/relationships" xmlns:p="http://schemas.openxmlformats.org/presentationml/2006/main">
+  <p:cSld>
+    <p:bg>
+      <p:bgPr>
+        <a:solidFill>
+          <a:schemeClr val="bg1"/>
+        </a:solidFill>
+        <a:effectLst/>
+      </p:bgPr>
+    </p:bg>
+    <p:spTree>
+      <p:nvGrpSpPr>
+        <p:cNvPr id="1" name=""/>
+        <p:cNvGrpSpPr/>
+        <p:nvPr/>
+      </p:nvGrpSpPr>
+      <p:grpSpPr>
+        <a:xfrm>
+          <a:off x="0" y="0"/>
+          <a:ext cx="0" cy="0"/>
+          <a:chOff x="0" y="0"/>
+          <a:chExt cx="0" cy="0"/>
+        </a:xfrm>
+      </p:grpSpPr>
+      <p:sp>
+        <p:nvSpPr>
+          <p:cNvPr id="8" name="Rectangle 7">
+            <a:extLst>
+              <a:ext uri="{FF2B5EF4-FFF2-40B4-BE49-F238E27FC236}">
+                <a16:creationId xmlns:a16="http://schemas.microsoft.com/office/drawing/2014/main" id="{8D70B121-56F4-4848-B38B-182089D909FA}"/>
+              </a:ext>
+              <a:ext uri="{C183D7F6-B498-43B3-948B-1728B52AA6E4}">
+                <adec:decorative xmlns:adec="http://schemas.microsoft.com/office/drawing/2017/decorative" val="1"/>
+              </a:ext>
+            </a:extLst>
+          </p:cNvPr>
+          <p:cNvSpPr>
+            <a:spLocks noGrp="1" noRot="1" noChangeAspect="1" noMove="1" noResize="1" noEditPoints="1" noAdjustHandles="1" noChangeArrowheads="1" noChangeShapeType="1" noTextEdit="1"/>
+          </p:cNvSpPr>
+          <p:nvPr>
+            <p:extLst>
+              <p:ext uri="{386F3935-93C4-4BCD-93E2-E3B085C9AB24}">
+                <p16:designElem xmlns:p16="http://schemas.microsoft.com/office/powerpoint/2015/main" val="1"/>
+              </p:ext>
+            </p:extLst>
+          </p:nvPr>
+        </p:nvSpPr>
+        <p:spPr bwMode="ltGray">
+          <a:xfrm>
+            <a:off x="321564" y="320040"/>
+            <a:ext cx="11548872" cy="6217920"/>
+          </a:xfrm>
+          <a:prstGeom prst="rect">
+            <a:avLst/>
+          </a:prstGeom>
+          <a:solidFill>
+            <a:schemeClr val="tx1">
+              <a:alpha val="8000"/>
+            </a:schemeClr>
+          </a:solidFill>
+          <a:ln w="127000" cap="sq" cmpd="thinThick">
+            <a:noFill/>
+          </a:ln>
+        </p:spPr>
+        <p:style>
+          <a:lnRef idx="2">
+            <a:schemeClr val="accent1">
+              <a:shade val="50000"/>
+            </a:schemeClr>
+          </a:lnRef>
+          <a:fillRef idx="1">
+            <a:schemeClr val="accent1"/>
+          </a:fillRef>
+          <a:effectRef idx="0">
+            <a:schemeClr val="accent1"/>
+          </a:effectRef>
+          <a:fontRef idx="minor">
+            <a:schemeClr val="lt1"/>
+          </a:fontRef>
+        </p:style>
+        <p:txBody>
+          <a:bodyPr rtlCol="0" anchor="ctr"/>
+          <a:lstStyle/>
+          <a:p>
+            <a:pPr algn="ctr"/>
+            <a:endParaRPr lang="en-US"/>
+          </a:p>
+        </p:txBody>
+      </p:sp>
+      <p:sp>
+        <p:nvSpPr>
+          <p:cNvPr id="2" name="Titel 1">
+            <a:extLst>
+              <a:ext uri="{FF2B5EF4-FFF2-40B4-BE49-F238E27FC236}">
+                <a16:creationId xmlns:a16="http://schemas.microsoft.com/office/drawing/2014/main" id="{0B5D0F8F-C92F-BC46-ACC4-7A21698DD272}"/>
+              </a:ext>
+            </a:extLst>
+          </p:cNvPr>
+          <p:cNvSpPr>
+            <a:spLocks noGrp="1"/>
+          </p:cNvSpPr>
+          <p:nvPr>
+            <p:ph type="title"/>
+          </p:nvPr>
+        </p:nvSpPr>
+        <p:spPr>
+          <a:xfrm>
+            <a:off x="838200" y="963877"/>
+            <a:ext cx="3494362" cy="4930246"/>
+          </a:xfrm>
+        </p:spPr>
+        <p:txBody>
+          <a:bodyPr>
+            <a:normAutofit/>
+          </a:bodyPr>
+          <a:lstStyle/>
+          <a:p>
+            <a:pPr algn="r"/>
+            <a:r>
+              <a:rPr lang="de-DE" dirty="0">
+                <a:solidFill>
+                  <a:schemeClr val="accent1"/>
+                </a:solidFill>
+              </a:rPr>
+              <a:t>Gliederung	</a:t>
+            </a:r>
+          </a:p>
+        </p:txBody>
+      </p:sp>
+      <p:cxnSp>
+        <p:nvCxnSpPr>
+          <p:cNvPr id="10" name="Straight Connector 9">
+            <a:extLst>
+              <a:ext uri="{FF2B5EF4-FFF2-40B4-BE49-F238E27FC236}">
+                <a16:creationId xmlns:a16="http://schemas.microsoft.com/office/drawing/2014/main" id="{2D72A2C9-F3CA-4216-8BAD-FA4C970C3C4E}"/>
+              </a:ext>
+              <a:ext uri="{C183D7F6-B498-43B3-948B-1728B52AA6E4}">
+                <adec:decorative xmlns:adec="http://schemas.microsoft.com/office/drawing/2017/decorative" val="1"/>
+              </a:ext>
+            </a:extLst>
+          </p:cNvPr>
+          <p:cNvCxnSpPr>
+            <a:cxnSpLocks noGrp="1" noRot="1" noChangeAspect="1" noMove="1" noResize="1" noEditPoints="1" noAdjustHandles="1" noChangeArrowheads="1" noChangeShapeType="1"/>
+          </p:cNvCxnSpPr>
+          <p:nvPr>
+            <p:extLst>
+              <p:ext uri="{386F3935-93C4-4BCD-93E2-E3B085C9AB24}">
+                <p16:designElem xmlns:p16="http://schemas.microsoft.com/office/powerpoint/2015/main" val="1"/>
+              </p:ext>
+            </p:extLst>
+          </p:nvPr>
+        </p:nvCxnSpPr>
+        <p:spPr>
+          <a:xfrm>
+            <a:off x="4654296" y="2057400"/>
+            <a:ext cx="0" cy="2743200"/>
+          </a:xfrm>
+          <a:prstGeom prst="line">
+            <a:avLst/>
+          </a:prstGeom>
+          <a:ln w="19050">
+            <a:solidFill>
+              <a:schemeClr val="tx1">
+                <a:lumMod val="85000"/>
+                <a:lumOff val="15000"/>
+              </a:schemeClr>
+            </a:solidFill>
+          </a:ln>
+        </p:spPr>
+        <p:style>
+          <a:lnRef idx="1">
+            <a:schemeClr val="accent1"/>
+          </a:lnRef>
+          <a:fillRef idx="0">
+            <a:schemeClr val="accent1"/>
+          </a:fillRef>
+          <a:effectRef idx="0">
+            <a:schemeClr val="accent1"/>
+          </a:effectRef>
+          <a:fontRef idx="minor">
+            <a:schemeClr val="tx1"/>
+          </a:fontRef>
+        </p:style>
+      </p:cxnSp>
+      <p:sp>
+        <p:nvSpPr>
+          <p:cNvPr id="3" name="Inhaltsplatzhalter 2">
+            <a:extLst>
+              <a:ext uri="{FF2B5EF4-FFF2-40B4-BE49-F238E27FC236}">
+                <a16:creationId xmlns:a16="http://schemas.microsoft.com/office/drawing/2014/main" id="{692C889E-3E0C-9E40-9512-4230892B2B42}"/>
+              </a:ext>
+            </a:extLst>
+          </p:cNvPr>
+          <p:cNvSpPr>
+            <a:spLocks noGrp="1"/>
+          </p:cNvSpPr>
+          <p:nvPr>
+            <p:ph idx="1"/>
+          </p:nvPr>
+        </p:nvSpPr>
+        <p:spPr>
+          <a:xfrm>
+            <a:off x="4976031" y="963877"/>
+            <a:ext cx="6377769" cy="4930246"/>
+          </a:xfrm>
+        </p:spPr>
+        <p:txBody>
+          <a:bodyPr anchor="ctr">
+            <a:normAutofit/>
+          </a:bodyPr>
+          <a:lstStyle/>
+          <a:p>
+            <a:r>
+              <a:rPr lang="de-DE" sz="2400" dirty="0"/>
+              <a:t>Einführung in das Thema</a:t>
+            </a:r>
+          </a:p>
+          <a:p>
+            <a:r>
+              <a:rPr lang="de-DE" sz="2400" dirty="0"/>
+              <a:t>Theoretische Grundlagen</a:t>
+            </a:r>
+          </a:p>
+          <a:p>
+            <a:pPr lvl="1"/>
+            <a:r>
+              <a:rPr lang="de-DE" sz="2000" dirty="0"/>
+              <a:t>Einführung</a:t>
+            </a:r>
+          </a:p>
+          <a:p>
+            <a:pPr lvl="1"/>
+            <a:r>
+              <a:rPr lang="de-DE" sz="2000" dirty="0"/>
+              <a:t>Anwendungen</a:t>
+            </a:r>
+          </a:p>
+          <a:p>
+            <a:r>
+              <a:rPr lang="de-DE" sz="2400" dirty="0"/>
+              <a:t>Aufgabenstellung</a:t>
+            </a:r>
+          </a:p>
+          <a:p>
+            <a:r>
+              <a:rPr lang="de-DE" sz="2400" dirty="0"/>
+              <a:t>Implementierung</a:t>
+            </a:r>
+          </a:p>
+          <a:p>
+            <a:pPr lvl="1"/>
+            <a:r>
+              <a:rPr lang="de-DE" sz="2000" dirty="0"/>
+              <a:t>Herangehensweise </a:t>
+            </a:r>
+          </a:p>
+          <a:p>
+            <a:pPr lvl="1"/>
+            <a:r>
+              <a:rPr lang="de-DE" sz="2000" dirty="0"/>
+              <a:t>Einführung in den Code</a:t>
+            </a:r>
+          </a:p>
+          <a:p>
+            <a:pPr lvl="1"/>
+            <a:r>
+              <a:rPr lang="de-DE" sz="2000" dirty="0"/>
+              <a:t>Präsentation des Ergebnisses</a:t>
+            </a:r>
+          </a:p>
+          <a:p>
+            <a:r>
+              <a:rPr lang="de-DE" sz="2400" dirty="0"/>
+              <a:t>Fazit </a:t>
+            </a:r>
+          </a:p>
+        </p:txBody>
+      </p:sp>
+    </p:spTree>
+    <p:extLst>
+      <p:ext uri="{BB962C8B-B14F-4D97-AF65-F5344CB8AC3E}">
+        <p14:creationId xmlns:p14="http://schemas.microsoft.com/office/powerpoint/2010/main" val="1278949465"/>
+      </p:ext>
+    </p:extLst>
+  </p:cSld>
+  <p:clrMapOvr>
+    <a:masterClrMapping/>
+  </p:clrMapOvr>
+</p:sld>
+</file>
+
+<file path=ppt/slides/slide20.xml><?xml version="1.0" encoding="utf-8"?>
 <p:sld xmlns:a="http://schemas.openxmlformats.org/drawingml/2006/main" xmlns:r="http://schemas.openxmlformats.org/officeDocument/2006/relationships" xmlns:p="http://schemas.openxmlformats.org/presentationml/2006/main">
   <p:cSld>
     <p:spTree>
@@ -8188,299 +8921,7 @@
 </p:sld>
 </file>
 
-<file path=ppt/slides/slide2.xml><?xml version="1.0" encoding="utf-8"?>
-<p:sld xmlns:a="http://schemas.openxmlformats.org/drawingml/2006/main" xmlns:r="http://schemas.openxmlformats.org/officeDocument/2006/relationships" xmlns:p="http://schemas.openxmlformats.org/presentationml/2006/main">
-  <p:cSld>
-    <p:bg>
-      <p:bgPr>
-        <a:solidFill>
-          <a:schemeClr val="bg1"/>
-        </a:solidFill>
-        <a:effectLst/>
-      </p:bgPr>
-    </p:bg>
-    <p:spTree>
-      <p:nvGrpSpPr>
-        <p:cNvPr id="1" name=""/>
-        <p:cNvGrpSpPr/>
-        <p:nvPr/>
-      </p:nvGrpSpPr>
-      <p:grpSpPr>
-        <a:xfrm>
-          <a:off x="0" y="0"/>
-          <a:ext cx="0" cy="0"/>
-          <a:chOff x="0" y="0"/>
-          <a:chExt cx="0" cy="0"/>
-        </a:xfrm>
-      </p:grpSpPr>
-      <p:sp>
-        <p:nvSpPr>
-          <p:cNvPr id="8" name="Rectangle 7">
-            <a:extLst>
-              <a:ext uri="{FF2B5EF4-FFF2-40B4-BE49-F238E27FC236}">
-                <a16:creationId xmlns:a16="http://schemas.microsoft.com/office/drawing/2014/main" id="{8D70B121-56F4-4848-B38B-182089D909FA}"/>
-              </a:ext>
-              <a:ext uri="{C183D7F6-B498-43B3-948B-1728B52AA6E4}">
-                <adec:decorative xmlns:adec="http://schemas.microsoft.com/office/drawing/2017/decorative" val="1"/>
-              </a:ext>
-            </a:extLst>
-          </p:cNvPr>
-          <p:cNvSpPr>
-            <a:spLocks noGrp="1" noRot="1" noChangeAspect="1" noMove="1" noResize="1" noEditPoints="1" noAdjustHandles="1" noChangeArrowheads="1" noChangeShapeType="1" noTextEdit="1"/>
-          </p:cNvSpPr>
-          <p:nvPr>
-            <p:extLst>
-              <p:ext uri="{386F3935-93C4-4BCD-93E2-E3B085C9AB24}">
-                <p16:designElem xmlns:p16="http://schemas.microsoft.com/office/powerpoint/2015/main" val="1"/>
-              </p:ext>
-            </p:extLst>
-          </p:nvPr>
-        </p:nvSpPr>
-        <p:spPr bwMode="ltGray">
-          <a:xfrm>
-            <a:off x="321564" y="320040"/>
-            <a:ext cx="11548872" cy="6217920"/>
-          </a:xfrm>
-          <a:prstGeom prst="rect">
-            <a:avLst/>
-          </a:prstGeom>
-          <a:solidFill>
-            <a:schemeClr val="tx1">
-              <a:alpha val="8000"/>
-            </a:schemeClr>
-          </a:solidFill>
-          <a:ln w="127000" cap="sq" cmpd="thinThick">
-            <a:noFill/>
-          </a:ln>
-        </p:spPr>
-        <p:style>
-          <a:lnRef idx="2">
-            <a:schemeClr val="accent1">
-              <a:shade val="50000"/>
-            </a:schemeClr>
-          </a:lnRef>
-          <a:fillRef idx="1">
-            <a:schemeClr val="accent1"/>
-          </a:fillRef>
-          <a:effectRef idx="0">
-            <a:schemeClr val="accent1"/>
-          </a:effectRef>
-          <a:fontRef idx="minor">
-            <a:schemeClr val="lt1"/>
-          </a:fontRef>
-        </p:style>
-        <p:txBody>
-          <a:bodyPr rtlCol="0" anchor="ctr"/>
-          <a:lstStyle/>
-          <a:p>
-            <a:pPr algn="ctr"/>
-            <a:endParaRPr lang="en-US"/>
-          </a:p>
-        </p:txBody>
-      </p:sp>
-      <p:sp>
-        <p:nvSpPr>
-          <p:cNvPr id="2" name="Titel 1">
-            <a:extLst>
-              <a:ext uri="{FF2B5EF4-FFF2-40B4-BE49-F238E27FC236}">
-                <a16:creationId xmlns:a16="http://schemas.microsoft.com/office/drawing/2014/main" id="{0B5D0F8F-C92F-BC46-ACC4-7A21698DD272}"/>
-              </a:ext>
-            </a:extLst>
-          </p:cNvPr>
-          <p:cNvSpPr>
-            <a:spLocks noGrp="1"/>
-          </p:cNvSpPr>
-          <p:nvPr>
-            <p:ph type="title"/>
-          </p:nvPr>
-        </p:nvSpPr>
-        <p:spPr>
-          <a:xfrm>
-            <a:off x="838200" y="963877"/>
-            <a:ext cx="3494362" cy="4930246"/>
-          </a:xfrm>
-        </p:spPr>
-        <p:txBody>
-          <a:bodyPr>
-            <a:normAutofit/>
-          </a:bodyPr>
-          <a:lstStyle/>
-          <a:p>
-            <a:pPr algn="r"/>
-            <a:r>
-              <a:rPr lang="de-DE" dirty="0">
-                <a:solidFill>
-                  <a:schemeClr val="accent1"/>
-                </a:solidFill>
-              </a:rPr>
-              <a:t>Gliederung	</a:t>
-            </a:r>
-          </a:p>
-        </p:txBody>
-      </p:sp>
-      <p:cxnSp>
-        <p:nvCxnSpPr>
-          <p:cNvPr id="10" name="Straight Connector 9">
-            <a:extLst>
-              <a:ext uri="{FF2B5EF4-FFF2-40B4-BE49-F238E27FC236}">
-                <a16:creationId xmlns:a16="http://schemas.microsoft.com/office/drawing/2014/main" id="{2D72A2C9-F3CA-4216-8BAD-FA4C970C3C4E}"/>
-              </a:ext>
-              <a:ext uri="{C183D7F6-B498-43B3-948B-1728B52AA6E4}">
-                <adec:decorative xmlns:adec="http://schemas.microsoft.com/office/drawing/2017/decorative" val="1"/>
-              </a:ext>
-            </a:extLst>
-          </p:cNvPr>
-          <p:cNvCxnSpPr>
-            <a:cxnSpLocks noGrp="1" noRot="1" noChangeAspect="1" noMove="1" noResize="1" noEditPoints="1" noAdjustHandles="1" noChangeArrowheads="1" noChangeShapeType="1"/>
-          </p:cNvCxnSpPr>
-          <p:nvPr>
-            <p:extLst>
-              <p:ext uri="{386F3935-93C4-4BCD-93E2-E3B085C9AB24}">
-                <p16:designElem xmlns:p16="http://schemas.microsoft.com/office/powerpoint/2015/main" val="1"/>
-              </p:ext>
-            </p:extLst>
-          </p:nvPr>
-        </p:nvCxnSpPr>
-        <p:spPr>
-          <a:xfrm>
-            <a:off x="4654296" y="2057400"/>
-            <a:ext cx="0" cy="2743200"/>
-          </a:xfrm>
-          <a:prstGeom prst="line">
-            <a:avLst/>
-          </a:prstGeom>
-          <a:ln w="19050">
-            <a:solidFill>
-              <a:schemeClr val="tx1">
-                <a:lumMod val="85000"/>
-                <a:lumOff val="15000"/>
-              </a:schemeClr>
-            </a:solidFill>
-          </a:ln>
-        </p:spPr>
-        <p:style>
-          <a:lnRef idx="1">
-            <a:schemeClr val="accent1"/>
-          </a:lnRef>
-          <a:fillRef idx="0">
-            <a:schemeClr val="accent1"/>
-          </a:fillRef>
-          <a:effectRef idx="0">
-            <a:schemeClr val="accent1"/>
-          </a:effectRef>
-          <a:fontRef idx="minor">
-            <a:schemeClr val="tx1"/>
-          </a:fontRef>
-        </p:style>
-      </p:cxnSp>
-      <p:sp>
-        <p:nvSpPr>
-          <p:cNvPr id="3" name="Inhaltsplatzhalter 2">
-            <a:extLst>
-              <a:ext uri="{FF2B5EF4-FFF2-40B4-BE49-F238E27FC236}">
-                <a16:creationId xmlns:a16="http://schemas.microsoft.com/office/drawing/2014/main" id="{692C889E-3E0C-9E40-9512-4230892B2B42}"/>
-              </a:ext>
-            </a:extLst>
-          </p:cNvPr>
-          <p:cNvSpPr>
-            <a:spLocks noGrp="1"/>
-          </p:cNvSpPr>
-          <p:nvPr>
-            <p:ph idx="1"/>
-          </p:nvPr>
-        </p:nvSpPr>
-        <p:spPr>
-          <a:xfrm>
-            <a:off x="4976031" y="963877"/>
-            <a:ext cx="6377769" cy="4930246"/>
-          </a:xfrm>
-        </p:spPr>
-        <p:txBody>
-          <a:bodyPr anchor="ctr">
-            <a:normAutofit/>
-          </a:bodyPr>
-          <a:lstStyle/>
-          <a:p>
-            <a:r>
-              <a:rPr lang="de-DE" sz="2400" dirty="0"/>
-              <a:t>Einführung in das Thema</a:t>
-            </a:r>
-          </a:p>
-          <a:p>
-            <a:r>
-              <a:rPr lang="de-DE" sz="2400" dirty="0"/>
-              <a:t>Theoretische Grundlagen</a:t>
-            </a:r>
-          </a:p>
-          <a:p>
-            <a:pPr lvl="1"/>
-            <a:r>
-              <a:rPr lang="de-DE" sz="2000" dirty="0"/>
-              <a:t>Einführung</a:t>
-            </a:r>
-          </a:p>
-          <a:p>
-            <a:pPr lvl="1"/>
-            <a:r>
-              <a:rPr lang="de-DE" sz="2000" dirty="0"/>
-              <a:t>Anwendungen</a:t>
-            </a:r>
-          </a:p>
-          <a:p>
-            <a:r>
-              <a:rPr lang="de-DE" sz="2400" dirty="0"/>
-              <a:t>Aufgabenstellung</a:t>
-            </a:r>
-          </a:p>
-          <a:p>
-            <a:r>
-              <a:rPr lang="de-DE" sz="2400" dirty="0"/>
-              <a:t>Implementierung</a:t>
-            </a:r>
-          </a:p>
-          <a:p>
-            <a:pPr lvl="1"/>
-            <a:r>
-              <a:rPr lang="de-DE" sz="2000" dirty="0"/>
-              <a:t>Herangehensweise </a:t>
-            </a:r>
-          </a:p>
-          <a:p>
-            <a:pPr lvl="1"/>
-            <a:r>
-              <a:rPr lang="de-DE" sz="2000" dirty="0"/>
-              <a:t>Einführung in den Code</a:t>
-            </a:r>
-          </a:p>
-          <a:p>
-            <a:pPr lvl="1"/>
-            <a:r>
-              <a:rPr lang="de-DE" sz="2000" dirty="0"/>
-              <a:t>Präsentation des Ergebnisses</a:t>
-            </a:r>
-          </a:p>
-          <a:p>
-            <a:r>
-              <a:rPr lang="de-DE" sz="2400" dirty="0"/>
-              <a:t>Fazit </a:t>
-            </a:r>
-          </a:p>
-        </p:txBody>
-      </p:sp>
-    </p:spTree>
-    <p:extLst>
-      <p:ext uri="{BB962C8B-B14F-4D97-AF65-F5344CB8AC3E}">
-        <p14:creationId xmlns:p14="http://schemas.microsoft.com/office/powerpoint/2010/main" val="1278949465"/>
-      </p:ext>
-    </p:extLst>
-  </p:cSld>
-  <p:clrMapOvr>
-    <a:masterClrMapping/>
-  </p:clrMapOvr>
-</p:sld>
-</file>
-
-<file path=ppt/slides/slide20.xml><?xml version="1.0" encoding="utf-8"?>
+<file path=ppt/slides/slide21.xml><?xml version="1.0" encoding="utf-8"?>
 <p:sld xmlns:a="http://schemas.openxmlformats.org/drawingml/2006/main" xmlns:r="http://schemas.openxmlformats.org/officeDocument/2006/relationships" xmlns:p="http://schemas.openxmlformats.org/presentationml/2006/main">
   <p:cSld>
     <p:spTree>
@@ -8698,7 +9139,7 @@
 </p:sld>
 </file>
 
-<file path=ppt/slides/slide21.xml><?xml version="1.0" encoding="utf-8"?>
+<file path=ppt/slides/slide22.xml><?xml version="1.0" encoding="utf-8"?>
 <p:sld xmlns:a="http://schemas.openxmlformats.org/drawingml/2006/main" xmlns:r="http://schemas.openxmlformats.org/officeDocument/2006/relationships" xmlns:p="http://schemas.openxmlformats.org/presentationml/2006/main">
   <p:cSld>
     <p:bg>
@@ -8935,252 +9376,6 @@
     <p:extLst>
       <p:ext uri="{BB962C8B-B14F-4D97-AF65-F5344CB8AC3E}">
         <p14:creationId xmlns:p14="http://schemas.microsoft.com/office/powerpoint/2010/main" val="1206238072"/>
-      </p:ext>
-    </p:extLst>
-  </p:cSld>
-  <p:clrMapOvr>
-    <a:masterClrMapping/>
-  </p:clrMapOvr>
-</p:sld>
-</file>
-
-<file path=ppt/slides/slide22.xml><?xml version="1.0" encoding="utf-8"?>
-<p:sld xmlns:a="http://schemas.openxmlformats.org/drawingml/2006/main" xmlns:r="http://schemas.openxmlformats.org/officeDocument/2006/relationships" xmlns:p="http://schemas.openxmlformats.org/presentationml/2006/main">
-  <p:cSld>
-    <p:bg>
-      <p:bgPr>
-        <a:solidFill>
-          <a:schemeClr val="bg1"/>
-        </a:solidFill>
-        <a:effectLst/>
-      </p:bgPr>
-    </p:bg>
-    <p:spTree>
-      <p:nvGrpSpPr>
-        <p:cNvPr id="1" name=""/>
-        <p:cNvGrpSpPr/>
-        <p:nvPr/>
-      </p:nvGrpSpPr>
-      <p:grpSpPr>
-        <a:xfrm>
-          <a:off x="0" y="0"/>
-          <a:ext cx="0" cy="0"/>
-          <a:chOff x="0" y="0"/>
-          <a:chExt cx="0" cy="0"/>
-        </a:xfrm>
-      </p:grpSpPr>
-      <p:sp>
-        <p:nvSpPr>
-          <p:cNvPr id="19" name="Rectangle 18">
-            <a:extLst>
-              <a:ext uri="{FF2B5EF4-FFF2-40B4-BE49-F238E27FC236}">
-                <a16:creationId xmlns:a16="http://schemas.microsoft.com/office/drawing/2014/main" id="{8D70B121-56F4-4848-B38B-182089D909FA}"/>
-              </a:ext>
-              <a:ext uri="{C183D7F6-B498-43B3-948B-1728B52AA6E4}">
-                <adec:decorative xmlns:adec="http://schemas.microsoft.com/office/drawing/2017/decorative" val="1"/>
-              </a:ext>
-            </a:extLst>
-          </p:cNvPr>
-          <p:cNvSpPr>
-            <a:spLocks noGrp="1" noRot="1" noChangeAspect="1" noMove="1" noResize="1" noEditPoints="1" noAdjustHandles="1" noChangeArrowheads="1" noChangeShapeType="1" noTextEdit="1"/>
-          </p:cNvSpPr>
-          <p:nvPr>
-            <p:extLst>
-              <p:ext uri="{386F3935-93C4-4BCD-93E2-E3B085C9AB24}">
-                <p16:designElem xmlns:p16="http://schemas.microsoft.com/office/powerpoint/2015/main" val="1"/>
-              </p:ext>
-            </p:extLst>
-          </p:nvPr>
-        </p:nvSpPr>
-        <p:spPr bwMode="ltGray">
-          <a:xfrm>
-            <a:off x="321564" y="320040"/>
-            <a:ext cx="11548872" cy="6217920"/>
-          </a:xfrm>
-          <a:prstGeom prst="rect">
-            <a:avLst/>
-          </a:prstGeom>
-          <a:solidFill>
-            <a:schemeClr val="tx1">
-              <a:alpha val="8000"/>
-            </a:schemeClr>
-          </a:solidFill>
-          <a:ln w="127000" cap="sq" cmpd="thinThick">
-            <a:noFill/>
-          </a:ln>
-        </p:spPr>
-        <p:style>
-          <a:lnRef idx="2">
-            <a:schemeClr val="accent1">
-              <a:shade val="50000"/>
-            </a:schemeClr>
-          </a:lnRef>
-          <a:fillRef idx="1">
-            <a:schemeClr val="accent1"/>
-          </a:fillRef>
-          <a:effectRef idx="0">
-            <a:schemeClr val="accent1"/>
-          </a:effectRef>
-          <a:fontRef idx="minor">
-            <a:schemeClr val="lt1"/>
-          </a:fontRef>
-        </p:style>
-        <p:txBody>
-          <a:bodyPr rtlCol="0" anchor="ctr"/>
-          <a:lstStyle/>
-          <a:p>
-            <a:pPr algn="ctr"/>
-            <a:endParaRPr lang="en-US"/>
-          </a:p>
-        </p:txBody>
-      </p:sp>
-      <p:sp>
-        <p:nvSpPr>
-          <p:cNvPr id="2" name="Titel 1">
-            <a:extLst>
-              <a:ext uri="{FF2B5EF4-FFF2-40B4-BE49-F238E27FC236}">
-                <a16:creationId xmlns:a16="http://schemas.microsoft.com/office/drawing/2014/main" id="{35BFDC70-A169-E142-B051-5ABC9190E094}"/>
-              </a:ext>
-            </a:extLst>
-          </p:cNvPr>
-          <p:cNvSpPr>
-            <a:spLocks noGrp="1"/>
-          </p:cNvSpPr>
-          <p:nvPr>
-            <p:ph type="title"/>
-          </p:nvPr>
-        </p:nvSpPr>
-        <p:spPr>
-          <a:xfrm>
-            <a:off x="861390" y="963877"/>
-            <a:ext cx="3471171" cy="4930246"/>
-          </a:xfrm>
-        </p:spPr>
-        <p:txBody>
-          <a:bodyPr vert="horz" lIns="91440" tIns="45720" rIns="91440" bIns="45720" rtlCol="0">
-            <a:normAutofit/>
-          </a:bodyPr>
-          <a:lstStyle/>
-          <a:p>
-            <a:pPr algn="ctr"/>
-            <a:r>
-              <a:rPr lang="en-US" dirty="0" err="1">
-                <a:solidFill>
-                  <a:schemeClr val="accent1"/>
-                </a:solidFill>
-              </a:rPr>
-              <a:t>Einführung</a:t>
-            </a:r>
-            <a:r>
-              <a:rPr lang="en-US" dirty="0">
-                <a:solidFill>
-                  <a:schemeClr val="accent1"/>
-                </a:solidFill>
-              </a:rPr>
-              <a:t> in den Code</a:t>
-            </a:r>
-            <a:endParaRPr lang="en-US" kern="1200" dirty="0">
-              <a:solidFill>
-                <a:schemeClr val="accent1"/>
-              </a:solidFill>
-              <a:latin typeface="+mj-lt"/>
-              <a:ea typeface="+mj-ea"/>
-              <a:cs typeface="+mj-cs"/>
-            </a:endParaRPr>
-          </a:p>
-        </p:txBody>
-      </p:sp>
-      <p:cxnSp>
-        <p:nvCxnSpPr>
-          <p:cNvPr id="21" name="Straight Connector 20">
-            <a:extLst>
-              <a:ext uri="{FF2B5EF4-FFF2-40B4-BE49-F238E27FC236}">
-                <a16:creationId xmlns:a16="http://schemas.microsoft.com/office/drawing/2014/main" id="{2D72A2C9-F3CA-4216-8BAD-FA4C970C3C4E}"/>
-              </a:ext>
-              <a:ext uri="{C183D7F6-B498-43B3-948B-1728B52AA6E4}">
-                <adec:decorative xmlns:adec="http://schemas.microsoft.com/office/drawing/2017/decorative" val="1"/>
-              </a:ext>
-            </a:extLst>
-          </p:cNvPr>
-          <p:cNvCxnSpPr>
-            <a:cxnSpLocks noGrp="1" noRot="1" noChangeAspect="1" noMove="1" noResize="1" noEditPoints="1" noAdjustHandles="1" noChangeArrowheads="1" noChangeShapeType="1"/>
-          </p:cNvCxnSpPr>
-          <p:nvPr>
-            <p:extLst>
-              <p:ext uri="{386F3935-93C4-4BCD-93E2-E3B085C9AB24}">
-                <p16:designElem xmlns:p16="http://schemas.microsoft.com/office/powerpoint/2015/main" val="1"/>
-              </p:ext>
-            </p:extLst>
-          </p:nvPr>
-        </p:nvCxnSpPr>
-        <p:spPr>
-          <a:xfrm>
-            <a:off x="4654296" y="2057400"/>
-            <a:ext cx="0" cy="2743200"/>
-          </a:xfrm>
-          <a:prstGeom prst="line">
-            <a:avLst/>
-          </a:prstGeom>
-          <a:ln w="19050">
-            <a:solidFill>
-              <a:schemeClr val="tx1">
-                <a:lumMod val="85000"/>
-                <a:lumOff val="15000"/>
-              </a:schemeClr>
-            </a:solidFill>
-          </a:ln>
-        </p:spPr>
-        <p:style>
-          <a:lnRef idx="1">
-            <a:schemeClr val="accent1"/>
-          </a:lnRef>
-          <a:fillRef idx="0">
-            <a:schemeClr val="accent1"/>
-          </a:fillRef>
-          <a:effectRef idx="0">
-            <a:schemeClr val="accent1"/>
-          </a:effectRef>
-          <a:fontRef idx="minor">
-            <a:schemeClr val="tx1"/>
-          </a:fontRef>
-        </p:style>
-      </p:cxnSp>
-      <p:sp>
-        <p:nvSpPr>
-          <p:cNvPr id="8" name="Inhaltsplatzhalter 4">
-            <a:extLst>
-              <a:ext uri="{FF2B5EF4-FFF2-40B4-BE49-F238E27FC236}">
-                <a16:creationId xmlns:a16="http://schemas.microsoft.com/office/drawing/2014/main" id="{A8E625C4-6DB1-9D42-BFEA-DE37A6F928F3}"/>
-              </a:ext>
-            </a:extLst>
-          </p:cNvPr>
-          <p:cNvSpPr>
-            <a:spLocks noGrp="1"/>
-          </p:cNvSpPr>
-          <p:nvPr>
-            <p:ph idx="1"/>
-          </p:nvPr>
-        </p:nvSpPr>
-        <p:spPr>
-          <a:xfrm>
-            <a:off x="5097419" y="963877"/>
-            <a:ext cx="5686424" cy="4930246"/>
-          </a:xfrm>
-        </p:spPr>
-        <p:txBody>
-          <a:bodyPr anchor="ctr">
-            <a:normAutofit/>
-          </a:bodyPr>
-          <a:lstStyle/>
-          <a:p>
-            <a:endParaRPr lang="de-DE" dirty="0"/>
-          </a:p>
-        </p:txBody>
-      </p:sp>
-    </p:spTree>
-    <p:extLst>
-      <p:ext uri="{BB962C8B-B14F-4D97-AF65-F5344CB8AC3E}">
-        <p14:creationId xmlns:p14="http://schemas.microsoft.com/office/powerpoint/2010/main" val="3419493610"/>
       </p:ext>
     </p:extLst>
   </p:cSld>
@@ -9315,7 +9510,15 @@
                   <a:schemeClr val="accent1"/>
                 </a:solidFill>
               </a:rPr>
-              <a:t>Endergebnis</a:t>
+              <a:t>Einführung</a:t>
+            </a:r>
+            <a:r>
+              <a:rPr lang="en-US" dirty="0">
+                <a:solidFill>
+                  <a:schemeClr val="accent1"/>
+                </a:solidFill>
+              </a:rPr>
+              <a:t> in den Code</a:t>
             </a:r>
             <a:endParaRPr lang="en-US" kern="1200" dirty="0">
               <a:solidFill>
@@ -9411,33 +9614,6 @@
           </a:bodyPr>
           <a:lstStyle/>
           <a:p>
-            <a:pPr marL="0" indent="0">
-              <a:buNone/>
-            </a:pPr>
-            <a:r>
-              <a:rPr lang="de-DE" dirty="0">
-                <a:sym typeface="Wingdings" pitchFamily="2" charset="2"/>
-              </a:rPr>
-              <a:t> Swap </a:t>
-            </a:r>
-            <a:r>
-              <a:rPr lang="de-DE" dirty="0" err="1">
-                <a:sym typeface="Wingdings" pitchFamily="2" charset="2"/>
-              </a:rPr>
-              <a:t>to</a:t>
-            </a:r>
-            <a:r>
-              <a:rPr lang="de-DE" dirty="0">
-                <a:sym typeface="Wingdings" pitchFamily="2" charset="2"/>
-              </a:rPr>
-              <a:t> </a:t>
-            </a:r>
-            <a:r>
-              <a:rPr lang="de-DE" dirty="0" err="1">
-                <a:sym typeface="Wingdings" pitchFamily="2" charset="2"/>
-              </a:rPr>
-              <a:t>Sagemath</a:t>
-            </a:r>
             <a:endParaRPr lang="de-DE" dirty="0"/>
           </a:p>
         </p:txBody>
@@ -9445,7 +9621,7 @@
     </p:spTree>
     <p:extLst>
       <p:ext uri="{BB962C8B-B14F-4D97-AF65-F5344CB8AC3E}">
-        <p14:creationId xmlns:p14="http://schemas.microsoft.com/office/powerpoint/2010/main" val="1266032376"/>
+        <p14:creationId xmlns:p14="http://schemas.microsoft.com/office/powerpoint/2010/main" val="3419493610"/>
       </p:ext>
     </p:extLst>
   </p:cSld>
@@ -9575,15 +9751,12 @@
           <a:p>
             <a:pPr algn="ctr"/>
             <a:r>
-              <a:rPr lang="en-US" kern="1200" dirty="0" err="1">
+              <a:rPr lang="en-US" dirty="0" err="1">
                 <a:solidFill>
                   <a:schemeClr val="accent1"/>
                 </a:solidFill>
-                <a:latin typeface="+mj-lt"/>
-                <a:ea typeface="+mj-ea"/>
-                <a:cs typeface="+mj-cs"/>
               </a:rPr>
-              <a:t>Fazit</a:t>
+              <a:t>Endergebnis</a:t>
             </a:r>
             <a:endParaRPr lang="en-US" kern="1200" dirty="0">
               <a:solidFill>
@@ -9682,6 +9855,30 @@
             <a:pPr marL="0" indent="0">
               <a:buNone/>
             </a:pPr>
+            <a:r>
+              <a:rPr lang="de-DE" dirty="0">
+                <a:sym typeface="Wingdings" pitchFamily="2" charset="2"/>
+              </a:rPr>
+              <a:t> Swap </a:t>
+            </a:r>
+            <a:r>
+              <a:rPr lang="de-DE" dirty="0" err="1">
+                <a:sym typeface="Wingdings" pitchFamily="2" charset="2"/>
+              </a:rPr>
+              <a:t>to</a:t>
+            </a:r>
+            <a:r>
+              <a:rPr lang="de-DE" dirty="0">
+                <a:sym typeface="Wingdings" pitchFamily="2" charset="2"/>
+              </a:rPr>
+              <a:t> </a:t>
+            </a:r>
+            <a:r>
+              <a:rPr lang="de-DE" dirty="0" err="1">
+                <a:sym typeface="Wingdings" pitchFamily="2" charset="2"/>
+              </a:rPr>
+              <a:t>Sagemath</a:t>
+            </a:r>
             <a:endParaRPr lang="de-DE" dirty="0"/>
           </a:p>
         </p:txBody>
@@ -9689,7 +9886,7 @@
     </p:spTree>
     <p:extLst>
       <p:ext uri="{BB962C8B-B14F-4D97-AF65-F5344CB8AC3E}">
-        <p14:creationId xmlns:p14="http://schemas.microsoft.com/office/powerpoint/2010/main" val="3670826346"/>
+        <p14:creationId xmlns:p14="http://schemas.microsoft.com/office/powerpoint/2010/main" val="1266032376"/>
       </p:ext>
     </p:extLst>
   </p:cSld>
@@ -9807,8 +10004,8 @@
         </p:nvSpPr>
         <p:spPr>
           <a:xfrm>
-            <a:off x="401956" y="963877"/>
-            <a:ext cx="4171949" cy="4930246"/>
+            <a:off x="861390" y="963877"/>
+            <a:ext cx="3471171" cy="4930246"/>
           </a:xfrm>
         </p:spPr>
         <p:txBody>
@@ -9819,7 +10016,7 @@
           <a:p>
             <a:pPr algn="ctr"/>
             <a:r>
-              <a:rPr lang="en-US" sz="4000" kern="1200" dirty="0" err="1">
+              <a:rPr lang="en-US" kern="1200" dirty="0" err="1">
                 <a:solidFill>
                   <a:schemeClr val="accent1"/>
                 </a:solidFill>
@@ -9827,9 +10024,9 @@
                 <a:ea typeface="+mj-ea"/>
                 <a:cs typeface="+mj-cs"/>
               </a:rPr>
-              <a:t>Quellen</a:t>
-            </a:r>
-            <a:endParaRPr lang="en-US" sz="4000" kern="1200" dirty="0">
+              <a:t>Fazit</a:t>
+            </a:r>
+            <a:endParaRPr lang="en-US" kern="1200" dirty="0">
               <a:solidFill>
                 <a:schemeClr val="accent1"/>
               </a:solidFill>
@@ -9900,6 +10097,250 @@
           <p:cNvPr id="8" name="Inhaltsplatzhalter 4">
             <a:extLst>
               <a:ext uri="{FF2B5EF4-FFF2-40B4-BE49-F238E27FC236}">
+                <a16:creationId xmlns:a16="http://schemas.microsoft.com/office/drawing/2014/main" id="{A8E625C4-6DB1-9D42-BFEA-DE37A6F928F3}"/>
+              </a:ext>
+            </a:extLst>
+          </p:cNvPr>
+          <p:cNvSpPr>
+            <a:spLocks noGrp="1"/>
+          </p:cNvSpPr>
+          <p:nvPr>
+            <p:ph idx="1"/>
+          </p:nvPr>
+        </p:nvSpPr>
+        <p:spPr>
+          <a:xfrm>
+            <a:off x="5097419" y="963877"/>
+            <a:ext cx="5686424" cy="4930246"/>
+          </a:xfrm>
+        </p:spPr>
+        <p:txBody>
+          <a:bodyPr anchor="ctr">
+            <a:normAutofit/>
+          </a:bodyPr>
+          <a:lstStyle/>
+          <a:p>
+            <a:pPr marL="0" indent="0">
+              <a:buNone/>
+            </a:pPr>
+            <a:endParaRPr lang="de-DE" dirty="0"/>
+          </a:p>
+        </p:txBody>
+      </p:sp>
+    </p:spTree>
+    <p:extLst>
+      <p:ext uri="{BB962C8B-B14F-4D97-AF65-F5344CB8AC3E}">
+        <p14:creationId xmlns:p14="http://schemas.microsoft.com/office/powerpoint/2010/main" val="3670826346"/>
+      </p:ext>
+    </p:extLst>
+  </p:cSld>
+  <p:clrMapOvr>
+    <a:masterClrMapping/>
+  </p:clrMapOvr>
+</p:sld>
+</file>
+
+<file path=ppt/slides/slide26.xml><?xml version="1.0" encoding="utf-8"?>
+<p:sld xmlns:a="http://schemas.openxmlformats.org/drawingml/2006/main" xmlns:r="http://schemas.openxmlformats.org/officeDocument/2006/relationships" xmlns:p="http://schemas.openxmlformats.org/presentationml/2006/main">
+  <p:cSld>
+    <p:bg>
+      <p:bgPr>
+        <a:solidFill>
+          <a:schemeClr val="bg1"/>
+        </a:solidFill>
+        <a:effectLst/>
+      </p:bgPr>
+    </p:bg>
+    <p:spTree>
+      <p:nvGrpSpPr>
+        <p:cNvPr id="1" name=""/>
+        <p:cNvGrpSpPr/>
+        <p:nvPr/>
+      </p:nvGrpSpPr>
+      <p:grpSpPr>
+        <a:xfrm>
+          <a:off x="0" y="0"/>
+          <a:ext cx="0" cy="0"/>
+          <a:chOff x="0" y="0"/>
+          <a:chExt cx="0" cy="0"/>
+        </a:xfrm>
+      </p:grpSpPr>
+      <p:sp>
+        <p:nvSpPr>
+          <p:cNvPr id="19" name="Rectangle 18">
+            <a:extLst>
+              <a:ext uri="{FF2B5EF4-FFF2-40B4-BE49-F238E27FC236}">
+                <a16:creationId xmlns:a16="http://schemas.microsoft.com/office/drawing/2014/main" id="{8D70B121-56F4-4848-B38B-182089D909FA}"/>
+              </a:ext>
+              <a:ext uri="{C183D7F6-B498-43B3-948B-1728B52AA6E4}">
+                <adec:decorative xmlns:adec="http://schemas.microsoft.com/office/drawing/2017/decorative" val="1"/>
+              </a:ext>
+            </a:extLst>
+          </p:cNvPr>
+          <p:cNvSpPr>
+            <a:spLocks noGrp="1" noRot="1" noChangeAspect="1" noMove="1" noResize="1" noEditPoints="1" noAdjustHandles="1" noChangeArrowheads="1" noChangeShapeType="1" noTextEdit="1"/>
+          </p:cNvSpPr>
+          <p:nvPr>
+            <p:extLst>
+              <p:ext uri="{386F3935-93C4-4BCD-93E2-E3B085C9AB24}">
+                <p16:designElem xmlns:p16="http://schemas.microsoft.com/office/powerpoint/2015/main" val="1"/>
+              </p:ext>
+            </p:extLst>
+          </p:nvPr>
+        </p:nvSpPr>
+        <p:spPr bwMode="ltGray">
+          <a:xfrm>
+            <a:off x="321564" y="320040"/>
+            <a:ext cx="11548872" cy="6217920"/>
+          </a:xfrm>
+          <a:prstGeom prst="rect">
+            <a:avLst/>
+          </a:prstGeom>
+          <a:solidFill>
+            <a:schemeClr val="tx1">
+              <a:alpha val="8000"/>
+            </a:schemeClr>
+          </a:solidFill>
+          <a:ln w="127000" cap="sq" cmpd="thinThick">
+            <a:noFill/>
+          </a:ln>
+        </p:spPr>
+        <p:style>
+          <a:lnRef idx="2">
+            <a:schemeClr val="accent1">
+              <a:shade val="50000"/>
+            </a:schemeClr>
+          </a:lnRef>
+          <a:fillRef idx="1">
+            <a:schemeClr val="accent1"/>
+          </a:fillRef>
+          <a:effectRef idx="0">
+            <a:schemeClr val="accent1"/>
+          </a:effectRef>
+          <a:fontRef idx="minor">
+            <a:schemeClr val="lt1"/>
+          </a:fontRef>
+        </p:style>
+        <p:txBody>
+          <a:bodyPr rtlCol="0" anchor="ctr"/>
+          <a:lstStyle/>
+          <a:p>
+            <a:pPr algn="ctr"/>
+            <a:endParaRPr lang="en-US"/>
+          </a:p>
+        </p:txBody>
+      </p:sp>
+      <p:sp>
+        <p:nvSpPr>
+          <p:cNvPr id="2" name="Titel 1">
+            <a:extLst>
+              <a:ext uri="{FF2B5EF4-FFF2-40B4-BE49-F238E27FC236}">
+                <a16:creationId xmlns:a16="http://schemas.microsoft.com/office/drawing/2014/main" id="{35BFDC70-A169-E142-B051-5ABC9190E094}"/>
+              </a:ext>
+            </a:extLst>
+          </p:cNvPr>
+          <p:cNvSpPr>
+            <a:spLocks noGrp="1"/>
+          </p:cNvSpPr>
+          <p:nvPr>
+            <p:ph type="title"/>
+          </p:nvPr>
+        </p:nvSpPr>
+        <p:spPr>
+          <a:xfrm>
+            <a:off x="401956" y="963877"/>
+            <a:ext cx="4171949" cy="4930246"/>
+          </a:xfrm>
+        </p:spPr>
+        <p:txBody>
+          <a:bodyPr vert="horz" lIns="91440" tIns="45720" rIns="91440" bIns="45720" rtlCol="0">
+            <a:normAutofit/>
+          </a:bodyPr>
+          <a:lstStyle/>
+          <a:p>
+            <a:pPr algn="ctr"/>
+            <a:r>
+              <a:rPr lang="en-US" sz="4000" kern="1200" dirty="0" err="1">
+                <a:solidFill>
+                  <a:schemeClr val="accent1"/>
+                </a:solidFill>
+                <a:latin typeface="+mj-lt"/>
+                <a:ea typeface="+mj-ea"/>
+                <a:cs typeface="+mj-cs"/>
+              </a:rPr>
+              <a:t>Quellen</a:t>
+            </a:r>
+            <a:endParaRPr lang="en-US" sz="4000" kern="1200" dirty="0">
+              <a:solidFill>
+                <a:schemeClr val="accent1"/>
+              </a:solidFill>
+              <a:latin typeface="+mj-lt"/>
+              <a:ea typeface="+mj-ea"/>
+              <a:cs typeface="+mj-cs"/>
+            </a:endParaRPr>
+          </a:p>
+        </p:txBody>
+      </p:sp>
+      <p:cxnSp>
+        <p:nvCxnSpPr>
+          <p:cNvPr id="21" name="Straight Connector 20">
+            <a:extLst>
+              <a:ext uri="{FF2B5EF4-FFF2-40B4-BE49-F238E27FC236}">
+                <a16:creationId xmlns:a16="http://schemas.microsoft.com/office/drawing/2014/main" id="{2D72A2C9-F3CA-4216-8BAD-FA4C970C3C4E}"/>
+              </a:ext>
+              <a:ext uri="{C183D7F6-B498-43B3-948B-1728B52AA6E4}">
+                <adec:decorative xmlns:adec="http://schemas.microsoft.com/office/drawing/2017/decorative" val="1"/>
+              </a:ext>
+            </a:extLst>
+          </p:cNvPr>
+          <p:cNvCxnSpPr>
+            <a:cxnSpLocks noGrp="1" noRot="1" noChangeAspect="1" noMove="1" noResize="1" noEditPoints="1" noAdjustHandles="1" noChangeArrowheads="1" noChangeShapeType="1"/>
+          </p:cNvCxnSpPr>
+          <p:nvPr>
+            <p:extLst>
+              <p:ext uri="{386F3935-93C4-4BCD-93E2-E3B085C9AB24}">
+                <p16:designElem xmlns:p16="http://schemas.microsoft.com/office/powerpoint/2015/main" val="1"/>
+              </p:ext>
+            </p:extLst>
+          </p:nvPr>
+        </p:nvCxnSpPr>
+        <p:spPr>
+          <a:xfrm>
+            <a:off x="4654296" y="2057400"/>
+            <a:ext cx="0" cy="2743200"/>
+          </a:xfrm>
+          <a:prstGeom prst="line">
+            <a:avLst/>
+          </a:prstGeom>
+          <a:ln w="19050">
+            <a:solidFill>
+              <a:schemeClr val="tx1">
+                <a:lumMod val="85000"/>
+                <a:lumOff val="15000"/>
+              </a:schemeClr>
+            </a:solidFill>
+          </a:ln>
+        </p:spPr>
+        <p:style>
+          <a:lnRef idx="1">
+            <a:schemeClr val="accent1"/>
+          </a:lnRef>
+          <a:fillRef idx="0">
+            <a:schemeClr val="accent1"/>
+          </a:fillRef>
+          <a:effectRef idx="0">
+            <a:schemeClr val="accent1"/>
+          </a:effectRef>
+          <a:fontRef idx="minor">
+            <a:schemeClr val="tx1"/>
+          </a:fontRef>
+        </p:style>
+      </p:cxnSp>
+      <p:sp>
+        <p:nvSpPr>
+          <p:cNvPr id="8" name="Inhaltsplatzhalter 4">
+            <a:extLst>
+              <a:ext uri="{FF2B5EF4-FFF2-40B4-BE49-F238E27FC236}">
                 <a16:creationId xmlns:a16="http://schemas.microsoft.com/office/drawing/2014/main" id="{C28895E4-2A18-3F46-B985-F6164DBE329F}"/>
               </a:ext>
             </a:extLst>
@@ -9973,7 +10414,7 @@
 </p:sld>
 </file>
 
-<file path=ppt/slides/slide26.xml><?xml version="1.0" encoding="utf-8"?>
+<file path=ppt/slides/slide27.xml><?xml version="1.0" encoding="utf-8"?>
 <p:sld xmlns:a="http://schemas.openxmlformats.org/drawingml/2006/main" xmlns:r="http://schemas.openxmlformats.org/officeDocument/2006/relationships" xmlns:p="http://schemas.openxmlformats.org/presentationml/2006/main">
   <p:cSld>
     <p:bg>
@@ -10523,6 +10964,425 @@
 </file>
 
 <file path=ppt/slides/slide4.xml><?xml version="1.0" encoding="utf-8"?>
+<p:sld xmlns:a="http://schemas.openxmlformats.org/drawingml/2006/main" xmlns:r="http://schemas.openxmlformats.org/officeDocument/2006/relationships" xmlns:p="http://schemas.openxmlformats.org/presentationml/2006/main">
+  <p:cSld>
+    <p:bg>
+      <p:bgPr>
+        <a:solidFill>
+          <a:schemeClr val="bg1"/>
+        </a:solidFill>
+        <a:effectLst/>
+      </p:bgPr>
+    </p:bg>
+    <p:spTree>
+      <p:nvGrpSpPr>
+        <p:cNvPr id="1" name=""/>
+        <p:cNvGrpSpPr/>
+        <p:nvPr/>
+      </p:nvGrpSpPr>
+      <p:grpSpPr>
+        <a:xfrm>
+          <a:off x="0" y="0"/>
+          <a:ext cx="0" cy="0"/>
+          <a:chOff x="0" y="0"/>
+          <a:chExt cx="0" cy="0"/>
+        </a:xfrm>
+      </p:grpSpPr>
+      <p:sp>
+        <p:nvSpPr>
+          <p:cNvPr id="19" name="Rectangle 18">
+            <a:extLst>
+              <a:ext uri="{FF2B5EF4-FFF2-40B4-BE49-F238E27FC236}">
+                <a16:creationId xmlns:a16="http://schemas.microsoft.com/office/drawing/2014/main" id="{8D70B121-56F4-4848-B38B-182089D909FA}"/>
+              </a:ext>
+              <a:ext uri="{C183D7F6-B498-43B3-948B-1728B52AA6E4}">
+                <adec:decorative xmlns:adec="http://schemas.microsoft.com/office/drawing/2017/decorative" val="1"/>
+              </a:ext>
+            </a:extLst>
+          </p:cNvPr>
+          <p:cNvSpPr>
+            <a:spLocks noGrp="1" noRot="1" noChangeAspect="1" noMove="1" noResize="1" noEditPoints="1" noAdjustHandles="1" noChangeArrowheads="1" noChangeShapeType="1" noTextEdit="1"/>
+          </p:cNvSpPr>
+          <p:nvPr>
+            <p:extLst>
+              <p:ext uri="{386F3935-93C4-4BCD-93E2-E3B085C9AB24}">
+                <p16:designElem xmlns:p16="http://schemas.microsoft.com/office/powerpoint/2015/main" val="1"/>
+              </p:ext>
+            </p:extLst>
+          </p:nvPr>
+        </p:nvSpPr>
+        <p:spPr bwMode="ltGray">
+          <a:xfrm>
+            <a:off x="321564" y="320040"/>
+            <a:ext cx="11548872" cy="6217920"/>
+          </a:xfrm>
+          <a:prstGeom prst="rect">
+            <a:avLst/>
+          </a:prstGeom>
+          <a:solidFill>
+            <a:schemeClr val="tx1">
+              <a:alpha val="8000"/>
+            </a:schemeClr>
+          </a:solidFill>
+          <a:ln w="127000" cap="sq" cmpd="thinThick">
+            <a:noFill/>
+          </a:ln>
+        </p:spPr>
+        <p:style>
+          <a:lnRef idx="2">
+            <a:schemeClr val="accent1">
+              <a:shade val="50000"/>
+            </a:schemeClr>
+          </a:lnRef>
+          <a:fillRef idx="1">
+            <a:schemeClr val="accent1"/>
+          </a:fillRef>
+          <a:effectRef idx="0">
+            <a:schemeClr val="accent1"/>
+          </a:effectRef>
+          <a:fontRef idx="minor">
+            <a:schemeClr val="lt1"/>
+          </a:fontRef>
+        </p:style>
+        <p:txBody>
+          <a:bodyPr rtlCol="0" anchor="ctr"/>
+          <a:lstStyle/>
+          <a:p>
+            <a:pPr marL="0" marR="0" lvl="0" indent="0" algn="ctr" defTabSz="914400" rtl="0" eaLnBrk="1" fontAlgn="auto" latinLnBrk="0" hangingPunct="1">
+              <a:lnSpc>
+                <a:spcPct val="100000"/>
+              </a:lnSpc>
+              <a:spcBef>
+                <a:spcPts val="0"/>
+              </a:spcBef>
+              <a:spcAft>
+                <a:spcPts val="0"/>
+              </a:spcAft>
+              <a:buClrTx/>
+              <a:buSzTx/>
+              <a:buFontTx/>
+              <a:buNone/>
+              <a:tabLst/>
+              <a:defRPr/>
+            </a:pPr>
+            <a:endParaRPr kumimoji="0" lang="en-US" sz="1800" b="0" i="0" u="none" strike="noStrike" kern="1200" cap="none" spc="0" normalizeH="0" baseline="0" noProof="0">
+              <a:ln>
+                <a:noFill/>
+              </a:ln>
+              <a:solidFill>
+                <a:prstClr val="white"/>
+              </a:solidFill>
+              <a:effectLst/>
+              <a:uLnTx/>
+              <a:uFillTx/>
+              <a:latin typeface="Calibri" panose="020F0502020204030204"/>
+              <a:ea typeface="+mn-ea"/>
+              <a:cs typeface="+mn-cs"/>
+            </a:endParaRPr>
+          </a:p>
+        </p:txBody>
+      </p:sp>
+      <p:cxnSp>
+        <p:nvCxnSpPr>
+          <p:cNvPr id="21" name="Straight Connector 20">
+            <a:extLst>
+              <a:ext uri="{FF2B5EF4-FFF2-40B4-BE49-F238E27FC236}">
+                <a16:creationId xmlns:a16="http://schemas.microsoft.com/office/drawing/2014/main" id="{2D72A2C9-F3CA-4216-8BAD-FA4C970C3C4E}"/>
+              </a:ext>
+              <a:ext uri="{C183D7F6-B498-43B3-948B-1728B52AA6E4}">
+                <adec:decorative xmlns:adec="http://schemas.microsoft.com/office/drawing/2017/decorative" val="1"/>
+              </a:ext>
+            </a:extLst>
+          </p:cNvPr>
+          <p:cNvCxnSpPr>
+            <a:cxnSpLocks noGrp="1" noRot="1" noChangeAspect="1" noMove="1" noResize="1" noEditPoints="1" noAdjustHandles="1" noChangeArrowheads="1" noChangeShapeType="1"/>
+          </p:cNvCxnSpPr>
+          <p:nvPr>
+            <p:extLst>
+              <p:ext uri="{386F3935-93C4-4BCD-93E2-E3B085C9AB24}">
+                <p16:designElem xmlns:p16="http://schemas.microsoft.com/office/powerpoint/2015/main" val="1"/>
+              </p:ext>
+            </p:extLst>
+          </p:nvPr>
+        </p:nvCxnSpPr>
+        <p:spPr>
+          <a:xfrm>
+            <a:off x="4654296" y="2057400"/>
+            <a:ext cx="0" cy="2743200"/>
+          </a:xfrm>
+          <a:prstGeom prst="line">
+            <a:avLst/>
+          </a:prstGeom>
+          <a:ln w="19050">
+            <a:solidFill>
+              <a:schemeClr val="tx1">
+                <a:lumMod val="85000"/>
+                <a:lumOff val="15000"/>
+              </a:schemeClr>
+            </a:solidFill>
+          </a:ln>
+        </p:spPr>
+        <p:style>
+          <a:lnRef idx="1">
+            <a:schemeClr val="accent1"/>
+          </a:lnRef>
+          <a:fillRef idx="0">
+            <a:schemeClr val="accent1"/>
+          </a:fillRef>
+          <a:effectRef idx="0">
+            <a:schemeClr val="accent1"/>
+          </a:effectRef>
+          <a:fontRef idx="minor">
+            <a:schemeClr val="tx1"/>
+          </a:fontRef>
+        </p:style>
+      </p:cxnSp>
+      <p:sp>
+        <p:nvSpPr>
+          <p:cNvPr id="5" name="Rechteck 4">
+            <a:extLst>
+              <a:ext uri="{FF2B5EF4-FFF2-40B4-BE49-F238E27FC236}">
+                <a16:creationId xmlns:a16="http://schemas.microsoft.com/office/drawing/2014/main" id="{6C91387F-AF56-614F-B14F-5E345367B7AF}"/>
+              </a:ext>
+            </a:extLst>
+          </p:cNvPr>
+          <p:cNvSpPr/>
+          <p:nvPr/>
+        </p:nvSpPr>
+        <p:spPr>
+          <a:xfrm>
+            <a:off x="321564" y="320040"/>
+            <a:ext cx="11548872" cy="6217920"/>
+          </a:xfrm>
+          <a:prstGeom prst="rect">
+            <a:avLst/>
+          </a:prstGeom>
+          <a:solidFill>
+            <a:schemeClr val="bg2"/>
+          </a:solidFill>
+          <a:ln>
+            <a:noFill/>
+          </a:ln>
+        </p:spPr>
+        <p:style>
+          <a:lnRef idx="2">
+            <a:schemeClr val="accent1">
+              <a:shade val="50000"/>
+            </a:schemeClr>
+          </a:lnRef>
+          <a:fillRef idx="1">
+            <a:schemeClr val="accent1"/>
+          </a:fillRef>
+          <a:effectRef idx="0">
+            <a:schemeClr val="accent1"/>
+          </a:effectRef>
+          <a:fontRef idx="minor">
+            <a:schemeClr val="lt1"/>
+          </a:fontRef>
+        </p:style>
+        <p:txBody>
+          <a:bodyPr rtlCol="0" anchor="ctr"/>
+          <a:lstStyle/>
+          <a:p>
+            <a:pPr marL="0" marR="0" lvl="0" indent="0" algn="ctr" defTabSz="914400" rtl="0" eaLnBrk="1" fontAlgn="auto" latinLnBrk="0" hangingPunct="1">
+              <a:lnSpc>
+                <a:spcPct val="100000"/>
+              </a:lnSpc>
+              <a:spcBef>
+                <a:spcPts val="0"/>
+              </a:spcBef>
+              <a:spcAft>
+                <a:spcPts val="0"/>
+              </a:spcAft>
+              <a:buClrTx/>
+              <a:buSzTx/>
+              <a:buFontTx/>
+              <a:buNone/>
+              <a:tabLst/>
+              <a:defRPr/>
+            </a:pPr>
+            <a:endParaRPr kumimoji="0" lang="de-DE" sz="1800" b="0" i="0" u="none" strike="noStrike" kern="1200" cap="none" spc="0" normalizeH="0" baseline="0" noProof="0">
+              <a:ln>
+                <a:noFill/>
+              </a:ln>
+              <a:solidFill>
+                <a:prstClr val="white"/>
+              </a:solidFill>
+              <a:effectLst/>
+              <a:uLnTx/>
+              <a:uFillTx/>
+              <a:latin typeface="Calibri" panose="020F0502020204030204"/>
+              <a:ea typeface="+mn-ea"/>
+              <a:cs typeface="+mn-cs"/>
+            </a:endParaRPr>
+          </a:p>
+        </p:txBody>
+      </p:sp>
+      <p:sp>
+        <p:nvSpPr>
+          <p:cNvPr id="2" name="Titel 1">
+            <a:extLst>
+              <a:ext uri="{FF2B5EF4-FFF2-40B4-BE49-F238E27FC236}">
+                <a16:creationId xmlns:a16="http://schemas.microsoft.com/office/drawing/2014/main" id="{35BFDC70-A169-E142-B051-5ABC9190E094}"/>
+              </a:ext>
+            </a:extLst>
+          </p:cNvPr>
+          <p:cNvSpPr>
+            <a:spLocks noGrp="1"/>
+          </p:cNvSpPr>
+          <p:nvPr>
+            <p:ph type="title"/>
+          </p:nvPr>
+        </p:nvSpPr>
+        <p:spPr>
+          <a:xfrm>
+            <a:off x="4010025" y="963877"/>
+            <a:ext cx="4171949" cy="4930246"/>
+          </a:xfrm>
+        </p:spPr>
+        <p:txBody>
+          <a:bodyPr vert="horz" lIns="91440" tIns="45720" rIns="91440" bIns="45720" rtlCol="0">
+            <a:normAutofit/>
+          </a:bodyPr>
+          <a:lstStyle/>
+          <a:p>
+            <a:pPr algn="ctr"/>
+            <a:endParaRPr lang="en-US" sz="4000" kern="1200" dirty="0">
+              <a:solidFill>
+                <a:schemeClr val="accent1"/>
+              </a:solidFill>
+              <a:latin typeface="+mj-lt"/>
+              <a:ea typeface="+mj-ea"/>
+              <a:cs typeface="+mj-cs"/>
+            </a:endParaRPr>
+          </a:p>
+        </p:txBody>
+      </p:sp>
+      <p:sp>
+        <p:nvSpPr>
+          <p:cNvPr id="6" name="Rechteck 5">
+            <a:extLst>
+              <a:ext uri="{FF2B5EF4-FFF2-40B4-BE49-F238E27FC236}">
+                <a16:creationId xmlns:a16="http://schemas.microsoft.com/office/drawing/2014/main" id="{B21205B6-3884-4AD1-996C-39D66F295553}"/>
+              </a:ext>
+            </a:extLst>
+          </p:cNvPr>
+          <p:cNvSpPr/>
+          <p:nvPr/>
+        </p:nvSpPr>
+        <p:spPr>
+          <a:xfrm>
+            <a:off x="321564" y="273741"/>
+            <a:ext cx="11548872" cy="6217920"/>
+          </a:xfrm>
+          <a:prstGeom prst="rect">
+            <a:avLst/>
+          </a:prstGeom>
+          <a:solidFill>
+            <a:schemeClr val="bg2"/>
+          </a:solidFill>
+          <a:ln>
+            <a:noFill/>
+          </a:ln>
+        </p:spPr>
+        <p:style>
+          <a:lnRef idx="2">
+            <a:schemeClr val="accent1">
+              <a:shade val="50000"/>
+            </a:schemeClr>
+          </a:lnRef>
+          <a:fillRef idx="1">
+            <a:schemeClr val="accent1"/>
+          </a:fillRef>
+          <a:effectRef idx="0">
+            <a:schemeClr val="accent1"/>
+          </a:effectRef>
+          <a:fontRef idx="minor">
+            <a:schemeClr val="lt1"/>
+          </a:fontRef>
+        </p:style>
+        <p:txBody>
+          <a:bodyPr rtlCol="0" anchor="ctr"/>
+          <a:lstStyle/>
+          <a:p>
+            <a:pPr marL="0" marR="0" lvl="0" indent="0" algn="ctr" defTabSz="914400" rtl="0" eaLnBrk="1" fontAlgn="auto" latinLnBrk="0" hangingPunct="1">
+              <a:lnSpc>
+                <a:spcPct val="100000"/>
+              </a:lnSpc>
+              <a:spcBef>
+                <a:spcPts val="0"/>
+              </a:spcBef>
+              <a:spcAft>
+                <a:spcPts val="0"/>
+              </a:spcAft>
+              <a:buClrTx/>
+              <a:buSzTx/>
+              <a:buFontTx/>
+              <a:buNone/>
+              <a:tabLst/>
+              <a:defRPr/>
+            </a:pPr>
+            <a:endParaRPr kumimoji="0" lang="de-DE" sz="1800" b="0" i="0" u="none" strike="noStrike" kern="1200" cap="none" spc="0" normalizeH="0" baseline="0" noProof="0">
+              <a:ln>
+                <a:noFill/>
+              </a:ln>
+              <a:solidFill>
+                <a:prstClr val="white"/>
+              </a:solidFill>
+              <a:effectLst/>
+              <a:uLnTx/>
+              <a:uFillTx/>
+              <a:latin typeface="Calibri" panose="020F0502020204030204"/>
+              <a:ea typeface="+mn-ea"/>
+              <a:cs typeface="+mn-cs"/>
+            </a:endParaRPr>
+          </a:p>
+        </p:txBody>
+      </p:sp>
+      <p:pic>
+        <p:nvPicPr>
+          <p:cNvPr id="7" name="Grafik 6">
+            <a:extLst>
+              <a:ext uri="{FF2B5EF4-FFF2-40B4-BE49-F238E27FC236}">
+                <a16:creationId xmlns:a16="http://schemas.microsoft.com/office/drawing/2014/main" id="{D878A5C2-A8AA-4358-9003-B99120CDFE3F}"/>
+              </a:ext>
+            </a:extLst>
+          </p:cNvPr>
+          <p:cNvPicPr>
+            <a:picLocks noChangeAspect="1"/>
+          </p:cNvPicPr>
+          <p:nvPr/>
+        </p:nvPicPr>
+        <p:blipFill>
+          <a:blip r:embed="rId3"/>
+          <a:stretch>
+            <a:fillRect/>
+          </a:stretch>
+        </p:blipFill>
+        <p:spPr>
+          <a:xfrm>
+            <a:off x="2939970" y="272970"/>
+            <a:ext cx="6264990" cy="6264990"/>
+          </a:xfrm>
+          <a:prstGeom prst="rect">
+            <a:avLst/>
+          </a:prstGeom>
+        </p:spPr>
+      </p:pic>
+    </p:spTree>
+    <p:extLst>
+      <p:ext uri="{BB962C8B-B14F-4D97-AF65-F5344CB8AC3E}">
+        <p14:creationId xmlns:p14="http://schemas.microsoft.com/office/powerpoint/2010/main" val="2427320535"/>
+      </p:ext>
+    </p:extLst>
+  </p:cSld>
+  <p:clrMapOvr>
+    <a:masterClrMapping/>
+  </p:clrMapOvr>
+</p:sld>
+</file>
+
+<file path=ppt/slides/slide5.xml><?xml version="1.0" encoding="utf-8"?>
 <p:sld xmlns:a="http://schemas.openxmlformats.org/drawingml/2006/main" xmlns:r="http://schemas.openxmlformats.org/officeDocument/2006/relationships" xmlns:p="http://schemas.openxmlformats.org/presentationml/2006/main">
   <p:cSld>
     <p:bg>
@@ -10817,7 +11677,7 @@
 </p:sld>
 </file>
 
-<file path=ppt/slides/slide5.xml><?xml version="1.0" encoding="utf-8"?>
+<file path=ppt/slides/slide6.xml><?xml version="1.0" encoding="utf-8"?>
 <p:sld xmlns:a="http://schemas.openxmlformats.org/drawingml/2006/main" xmlns:r="http://schemas.openxmlformats.org/officeDocument/2006/relationships" xmlns:p="http://schemas.openxmlformats.org/presentationml/2006/main">
   <p:cSld>
     <p:bg>
@@ -10962,425 +11822,6 @@
           </a:fontRef>
         </p:style>
       </p:cxnSp>
-      <p:grpSp>
-        <p:nvGrpSpPr>
-          <p:cNvPr id="9" name="Gruppieren 8">
-            <a:extLst>
-              <a:ext uri="{FF2B5EF4-FFF2-40B4-BE49-F238E27FC236}">
-                <a16:creationId xmlns:a16="http://schemas.microsoft.com/office/drawing/2014/main" id="{87556E0D-06D8-1146-81E7-4440F24F3A16}"/>
-              </a:ext>
-            </a:extLst>
-          </p:cNvPr>
-          <p:cNvGrpSpPr/>
-          <p:nvPr/>
-        </p:nvGrpSpPr>
-        <p:grpSpPr>
-          <a:xfrm>
-            <a:off x="907696" y="1232162"/>
-            <a:ext cx="10376607" cy="4393675"/>
-            <a:chOff x="2192238" y="1846394"/>
-            <a:chExt cx="7807523" cy="3165212"/>
-          </a:xfrm>
-        </p:grpSpPr>
-        <p:pic>
-          <p:nvPicPr>
-            <p:cNvPr id="11" name="Grafik 10">
-              <a:extLst>
-                <a:ext uri="{FF2B5EF4-FFF2-40B4-BE49-F238E27FC236}">
-                  <a16:creationId xmlns:a16="http://schemas.microsoft.com/office/drawing/2014/main" id="{818B670F-282B-094F-90E6-126A07E0A6B7}"/>
-                </a:ext>
-              </a:extLst>
-            </p:cNvPr>
-            <p:cNvPicPr>
-              <a:picLocks noChangeAspect="1"/>
-            </p:cNvPicPr>
-            <p:nvPr/>
-          </p:nvPicPr>
-          <p:blipFill>
-            <a:blip r:embed="rId3"/>
-            <a:stretch>
-              <a:fillRect/>
-            </a:stretch>
-          </p:blipFill>
-          <p:spPr>
-            <a:xfrm>
-              <a:off x="2192238" y="1846394"/>
-              <a:ext cx="7807523" cy="3165212"/>
-            </a:xfrm>
-            <a:prstGeom prst="rect">
-              <a:avLst/>
-            </a:prstGeom>
-          </p:spPr>
-        </p:pic>
-        <p:sp>
-          <p:nvSpPr>
-            <p:cNvPr id="12" name="Dreieck 11">
-              <a:extLst>
-                <a:ext uri="{FF2B5EF4-FFF2-40B4-BE49-F238E27FC236}">
-                  <a16:creationId xmlns:a16="http://schemas.microsoft.com/office/drawing/2014/main" id="{ABBCEC11-BC7A-0E4A-A3CF-45D84556E014}"/>
-                </a:ext>
-              </a:extLst>
-            </p:cNvPr>
-            <p:cNvSpPr/>
-            <p:nvPr/>
-          </p:nvSpPr>
-          <p:spPr>
-            <a:xfrm>
-              <a:off x="4770782" y="2690192"/>
-              <a:ext cx="225287" cy="132521"/>
-            </a:xfrm>
-            <a:prstGeom prst="triangle">
-              <a:avLst/>
-            </a:prstGeom>
-          </p:spPr>
-          <p:style>
-            <a:lnRef idx="2">
-              <a:schemeClr val="accent1">
-                <a:shade val="50000"/>
-              </a:schemeClr>
-            </a:lnRef>
-            <a:fillRef idx="1">
-              <a:schemeClr val="accent1"/>
-            </a:fillRef>
-            <a:effectRef idx="0">
-              <a:schemeClr val="accent1"/>
-            </a:effectRef>
-            <a:fontRef idx="minor">
-              <a:schemeClr val="lt1"/>
-            </a:fontRef>
-          </p:style>
-          <p:txBody>
-            <a:bodyPr rtlCol="0" anchor="ctr"/>
-            <a:lstStyle/>
-            <a:p>
-              <a:pPr algn="ctr"/>
-              <a:endParaRPr lang="de-DE"/>
-            </a:p>
-          </p:txBody>
-        </p:sp>
-        <p:sp>
-          <p:nvSpPr>
-            <p:cNvPr id="13" name="Dreieck 12">
-              <a:extLst>
-                <a:ext uri="{FF2B5EF4-FFF2-40B4-BE49-F238E27FC236}">
-                  <a16:creationId xmlns:a16="http://schemas.microsoft.com/office/drawing/2014/main" id="{E9F0E3F4-3913-C34E-BBFE-B9D458AECAFF}"/>
-                </a:ext>
-              </a:extLst>
-            </p:cNvPr>
-            <p:cNvSpPr/>
-            <p:nvPr/>
-          </p:nvSpPr>
-          <p:spPr>
-            <a:xfrm rot="3677808">
-              <a:off x="4481190" y="2559880"/>
-              <a:ext cx="225287" cy="132521"/>
-            </a:xfrm>
-            <a:prstGeom prst="triangle">
-              <a:avLst/>
-            </a:prstGeom>
-          </p:spPr>
-          <p:style>
-            <a:lnRef idx="2">
-              <a:schemeClr val="accent1">
-                <a:shade val="50000"/>
-              </a:schemeClr>
-            </a:lnRef>
-            <a:fillRef idx="1">
-              <a:schemeClr val="accent1"/>
-            </a:fillRef>
-            <a:effectRef idx="0">
-              <a:schemeClr val="accent1"/>
-            </a:effectRef>
-            <a:fontRef idx="minor">
-              <a:schemeClr val="lt1"/>
-            </a:fontRef>
-          </p:style>
-          <p:txBody>
-            <a:bodyPr rtlCol="0" anchor="ctr"/>
-            <a:lstStyle/>
-            <a:p>
-              <a:pPr algn="ctr"/>
-              <a:endParaRPr lang="de-DE" dirty="0"/>
-            </a:p>
-          </p:txBody>
-        </p:sp>
-        <p:sp>
-          <p:nvSpPr>
-            <p:cNvPr id="14" name="Dreieck 13">
-              <a:extLst>
-                <a:ext uri="{FF2B5EF4-FFF2-40B4-BE49-F238E27FC236}">
-                  <a16:creationId xmlns:a16="http://schemas.microsoft.com/office/drawing/2014/main" id="{48067D74-250A-BB45-BE77-70461409EA25}"/>
-                </a:ext>
-              </a:extLst>
-            </p:cNvPr>
-            <p:cNvSpPr/>
-            <p:nvPr/>
-          </p:nvSpPr>
-          <p:spPr>
-            <a:xfrm rot="6878945">
-              <a:off x="4492693" y="4351465"/>
-              <a:ext cx="225287" cy="132521"/>
-            </a:xfrm>
-            <a:prstGeom prst="triangle">
-              <a:avLst/>
-            </a:prstGeom>
-          </p:spPr>
-          <p:style>
-            <a:lnRef idx="2">
-              <a:schemeClr val="accent1">
-                <a:shade val="50000"/>
-              </a:schemeClr>
-            </a:lnRef>
-            <a:fillRef idx="1">
-              <a:schemeClr val="accent1"/>
-            </a:fillRef>
-            <a:effectRef idx="0">
-              <a:schemeClr val="accent1"/>
-            </a:effectRef>
-            <a:fontRef idx="minor">
-              <a:schemeClr val="lt1"/>
-            </a:fontRef>
-          </p:style>
-          <p:txBody>
-            <a:bodyPr rtlCol="0" anchor="ctr"/>
-            <a:lstStyle/>
-            <a:p>
-              <a:pPr algn="ctr"/>
-              <a:endParaRPr lang="de-DE"/>
-            </a:p>
-          </p:txBody>
-        </p:sp>
-        <p:sp>
-          <p:nvSpPr>
-            <p:cNvPr id="15" name="Dreieck 14">
-              <a:extLst>
-                <a:ext uri="{FF2B5EF4-FFF2-40B4-BE49-F238E27FC236}">
-                  <a16:creationId xmlns:a16="http://schemas.microsoft.com/office/drawing/2014/main" id="{452019F3-8C62-F749-A6CD-681D732B6A30}"/>
-                </a:ext>
-              </a:extLst>
-            </p:cNvPr>
-            <p:cNvSpPr/>
-            <p:nvPr/>
-          </p:nvSpPr>
-          <p:spPr>
-            <a:xfrm rot="3016238">
-              <a:off x="6645367" y="2627471"/>
-              <a:ext cx="225287" cy="132521"/>
-            </a:xfrm>
-            <a:prstGeom prst="triangle">
-              <a:avLst/>
-            </a:prstGeom>
-          </p:spPr>
-          <p:style>
-            <a:lnRef idx="2">
-              <a:schemeClr val="accent1">
-                <a:shade val="50000"/>
-              </a:schemeClr>
-            </a:lnRef>
-            <a:fillRef idx="1">
-              <a:schemeClr val="accent1"/>
-            </a:fillRef>
-            <a:effectRef idx="0">
-              <a:schemeClr val="accent1"/>
-            </a:effectRef>
-            <a:fontRef idx="minor">
-              <a:schemeClr val="lt1"/>
-            </a:fontRef>
-          </p:style>
-          <p:txBody>
-            <a:bodyPr rtlCol="0" anchor="ctr"/>
-            <a:lstStyle/>
-            <a:p>
-              <a:pPr algn="ctr"/>
-              <a:endParaRPr lang="de-DE"/>
-            </a:p>
-          </p:txBody>
-        </p:sp>
-        <p:sp>
-          <p:nvSpPr>
-            <p:cNvPr id="16" name="Dreieck 15">
-              <a:extLst>
-                <a:ext uri="{FF2B5EF4-FFF2-40B4-BE49-F238E27FC236}">
-                  <a16:creationId xmlns:a16="http://schemas.microsoft.com/office/drawing/2014/main" id="{49001881-3035-D647-91CB-6599C8EBE8E4}"/>
-                </a:ext>
-              </a:extLst>
-            </p:cNvPr>
-            <p:cNvSpPr/>
-            <p:nvPr/>
-          </p:nvSpPr>
-          <p:spPr>
-            <a:xfrm rot="5400000">
-              <a:off x="6541072" y="2385845"/>
-              <a:ext cx="225287" cy="132521"/>
-            </a:xfrm>
-            <a:prstGeom prst="triangle">
-              <a:avLst/>
-            </a:prstGeom>
-          </p:spPr>
-          <p:style>
-            <a:lnRef idx="2">
-              <a:schemeClr val="accent1">
-                <a:shade val="50000"/>
-              </a:schemeClr>
-            </a:lnRef>
-            <a:fillRef idx="1">
-              <a:schemeClr val="accent1"/>
-            </a:fillRef>
-            <a:effectRef idx="0">
-              <a:schemeClr val="accent1"/>
-            </a:effectRef>
-            <a:fontRef idx="minor">
-              <a:schemeClr val="lt1"/>
-            </a:fontRef>
-          </p:style>
-          <p:txBody>
-            <a:bodyPr rtlCol="0" anchor="ctr"/>
-            <a:lstStyle/>
-            <a:p>
-              <a:pPr algn="ctr"/>
-              <a:endParaRPr lang="de-DE"/>
-            </a:p>
-          </p:txBody>
-        </p:sp>
-        <p:sp>
-          <p:nvSpPr>
-            <p:cNvPr id="17" name="Dreieck 16">
-              <a:extLst>
-                <a:ext uri="{FF2B5EF4-FFF2-40B4-BE49-F238E27FC236}">
-                  <a16:creationId xmlns:a16="http://schemas.microsoft.com/office/drawing/2014/main" id="{716F608C-F35D-7545-8239-42CAE84D948D}"/>
-                </a:ext>
-              </a:extLst>
-            </p:cNvPr>
-            <p:cNvSpPr/>
-            <p:nvPr/>
-          </p:nvSpPr>
-          <p:spPr>
-            <a:xfrm rot="5400000">
-              <a:off x="6541072" y="4481479"/>
-              <a:ext cx="225287" cy="132521"/>
-            </a:xfrm>
-            <a:prstGeom prst="triangle">
-              <a:avLst/>
-            </a:prstGeom>
-          </p:spPr>
-          <p:style>
-            <a:lnRef idx="2">
-              <a:schemeClr val="accent1">
-                <a:shade val="50000"/>
-              </a:schemeClr>
-            </a:lnRef>
-            <a:fillRef idx="1">
-              <a:schemeClr val="accent1"/>
-            </a:fillRef>
-            <a:effectRef idx="0">
-              <a:schemeClr val="accent1"/>
-            </a:effectRef>
-            <a:fontRef idx="minor">
-              <a:schemeClr val="lt1"/>
-            </a:fontRef>
-          </p:style>
-          <p:txBody>
-            <a:bodyPr rtlCol="0" anchor="ctr"/>
-            <a:lstStyle/>
-            <a:p>
-              <a:pPr algn="ctr"/>
-              <a:endParaRPr lang="de-DE"/>
-            </a:p>
-          </p:txBody>
-        </p:sp>
-        <p:sp>
-          <p:nvSpPr>
-            <p:cNvPr id="18" name="Dreieck 17">
-              <a:extLst>
-                <a:ext uri="{FF2B5EF4-FFF2-40B4-BE49-F238E27FC236}">
-                  <a16:creationId xmlns:a16="http://schemas.microsoft.com/office/drawing/2014/main" id="{4D952758-9618-5340-9F55-E9E1C3769941}"/>
-                </a:ext>
-              </a:extLst>
-            </p:cNvPr>
-            <p:cNvSpPr/>
-            <p:nvPr/>
-          </p:nvSpPr>
-          <p:spPr>
-            <a:xfrm rot="3738898">
-              <a:off x="8654635" y="3604502"/>
-              <a:ext cx="225287" cy="132521"/>
-            </a:xfrm>
-            <a:prstGeom prst="triangle">
-              <a:avLst/>
-            </a:prstGeom>
-          </p:spPr>
-          <p:style>
-            <a:lnRef idx="2">
-              <a:schemeClr val="accent1">
-                <a:shade val="50000"/>
-              </a:schemeClr>
-            </a:lnRef>
-            <a:fillRef idx="1">
-              <a:schemeClr val="accent1"/>
-            </a:fillRef>
-            <a:effectRef idx="0">
-              <a:schemeClr val="accent1"/>
-            </a:effectRef>
-            <a:fontRef idx="minor">
-              <a:schemeClr val="lt1"/>
-            </a:fontRef>
-          </p:style>
-          <p:txBody>
-            <a:bodyPr rtlCol="0" anchor="ctr"/>
-            <a:lstStyle/>
-            <a:p>
-              <a:pPr algn="ctr"/>
-              <a:endParaRPr lang="de-DE"/>
-            </a:p>
-          </p:txBody>
-        </p:sp>
-        <p:sp>
-          <p:nvSpPr>
-            <p:cNvPr id="19" name="Dreieck 18">
-              <a:extLst>
-                <a:ext uri="{FF2B5EF4-FFF2-40B4-BE49-F238E27FC236}">
-                  <a16:creationId xmlns:a16="http://schemas.microsoft.com/office/drawing/2014/main" id="{47382D6C-5C7E-CC4C-929C-D6CB2F48E229}"/>
-                </a:ext>
-              </a:extLst>
-            </p:cNvPr>
-            <p:cNvSpPr/>
-            <p:nvPr/>
-          </p:nvSpPr>
-          <p:spPr>
-            <a:xfrm rot="6859344">
-              <a:off x="8650399" y="3251511"/>
-              <a:ext cx="225287" cy="132521"/>
-            </a:xfrm>
-            <a:prstGeom prst="triangle">
-              <a:avLst/>
-            </a:prstGeom>
-          </p:spPr>
-          <p:style>
-            <a:lnRef idx="2">
-              <a:schemeClr val="accent1">
-                <a:shade val="50000"/>
-              </a:schemeClr>
-            </a:lnRef>
-            <a:fillRef idx="1">
-              <a:schemeClr val="accent1"/>
-            </a:fillRef>
-            <a:effectRef idx="0">
-              <a:schemeClr val="accent1"/>
-            </a:effectRef>
-            <a:fontRef idx="minor">
-              <a:schemeClr val="lt1"/>
-            </a:fontRef>
-          </p:style>
-          <p:txBody>
-            <a:bodyPr rtlCol="0" anchor="ctr"/>
-            <a:lstStyle/>
-            <a:p>
-              <a:pPr algn="ctr"/>
-              <a:endParaRPr lang="de-DE"/>
-            </a:p>
-          </p:txBody>
-        </p:sp>
-      </p:grpSp>
       <p:sp>
         <p:nvSpPr>
           <p:cNvPr id="20" name="Textfeld 19">
@@ -11433,6 +11874,36 @@
           </a:p>
         </p:txBody>
       </p:sp>
+      <p:pic>
+        <p:nvPicPr>
+          <p:cNvPr id="21" name="Grafik 20">
+            <a:extLst>
+              <a:ext uri="{FF2B5EF4-FFF2-40B4-BE49-F238E27FC236}">
+                <a16:creationId xmlns:a16="http://schemas.microsoft.com/office/drawing/2014/main" id="{5ACE5D07-54C6-4407-8C9E-551B71135727}"/>
+              </a:ext>
+            </a:extLst>
+          </p:cNvPr>
+          <p:cNvPicPr>
+            <a:picLocks noChangeAspect="1"/>
+          </p:cNvPicPr>
+          <p:nvPr/>
+        </p:nvPicPr>
+        <p:blipFill>
+          <a:blip r:embed="rId3"/>
+          <a:stretch>
+            <a:fillRect/>
+          </a:stretch>
+        </p:blipFill>
+        <p:spPr>
+          <a:xfrm>
+            <a:off x="321564" y="704520"/>
+            <a:ext cx="11548872" cy="4934253"/>
+          </a:xfrm>
+          <a:prstGeom prst="rect">
+            <a:avLst/>
+          </a:prstGeom>
+        </p:spPr>
+      </p:pic>
     </p:spTree>
     <p:extLst>
       <p:ext uri="{BB962C8B-B14F-4D97-AF65-F5344CB8AC3E}">
@@ -11446,7 +11917,7 @@
 </p:sld>
 </file>
 
-<file path=ppt/slides/slide6.xml><?xml version="1.0" encoding="utf-8"?>
+<file path=ppt/slides/slide7.xml><?xml version="1.0" encoding="utf-8"?>
 <p:sld xmlns:a="http://schemas.openxmlformats.org/drawingml/2006/main" xmlns:r="http://schemas.openxmlformats.org/officeDocument/2006/relationships" xmlns:p="http://schemas.openxmlformats.org/presentationml/2006/main">
   <p:cSld>
     <p:bg>
@@ -11772,7 +12243,7 @@
 </p:sld>
 </file>
 
-<file path=ppt/slides/slide7.xml><?xml version="1.0" encoding="utf-8"?>
+<file path=ppt/slides/slide8.xml><?xml version="1.0" encoding="utf-8"?>
 <p:sld xmlns:a="http://schemas.openxmlformats.org/drawingml/2006/main" xmlns:r="http://schemas.openxmlformats.org/officeDocument/2006/relationships" xmlns:p="http://schemas.openxmlformats.org/presentationml/2006/main">
   <p:cSld>
     <p:bg>
@@ -12563,7 +13034,7 @@
 </p:sld>
 </file>
 
-<file path=ppt/slides/slide8.xml><?xml version="1.0" encoding="utf-8"?>
+<file path=ppt/slides/slide9.xml><?xml version="1.0" encoding="utf-8"?>
 <p:sld xmlns:a="http://schemas.openxmlformats.org/drawingml/2006/main" xmlns:r="http://schemas.openxmlformats.org/officeDocument/2006/relationships" xmlns:p="http://schemas.openxmlformats.org/presentationml/2006/main">
   <p:cSld>
     <p:bg>
@@ -12809,302 +13280,6 @@
     <p:extLst>
       <p:ext uri="{BB962C8B-B14F-4D97-AF65-F5344CB8AC3E}">
         <p14:creationId xmlns:p14="http://schemas.microsoft.com/office/powerpoint/2010/main" val="2993476389"/>
-      </p:ext>
-    </p:extLst>
-  </p:cSld>
-  <p:clrMapOvr>
-    <a:masterClrMapping/>
-  </p:clrMapOvr>
-</p:sld>
-</file>
-
-<file path=ppt/slides/slide9.xml><?xml version="1.0" encoding="utf-8"?>
-<p:sld xmlns:a="http://schemas.openxmlformats.org/drawingml/2006/main" xmlns:r="http://schemas.openxmlformats.org/officeDocument/2006/relationships" xmlns:p="http://schemas.openxmlformats.org/presentationml/2006/main">
-  <p:cSld>
-    <p:bg>
-      <p:bgPr>
-        <a:solidFill>
-          <a:schemeClr val="bg1"/>
-        </a:solidFill>
-        <a:effectLst/>
-      </p:bgPr>
-    </p:bg>
-    <p:spTree>
-      <p:nvGrpSpPr>
-        <p:cNvPr id="1" name=""/>
-        <p:cNvGrpSpPr/>
-        <p:nvPr/>
-      </p:nvGrpSpPr>
-      <p:grpSpPr>
-        <a:xfrm>
-          <a:off x="0" y="0"/>
-          <a:ext cx="0" cy="0"/>
-          <a:chOff x="0" y="0"/>
-          <a:chExt cx="0" cy="0"/>
-        </a:xfrm>
-      </p:grpSpPr>
-      <p:sp>
-        <p:nvSpPr>
-          <p:cNvPr id="8" name="Rectangle 7">
-            <a:extLst>
-              <a:ext uri="{FF2B5EF4-FFF2-40B4-BE49-F238E27FC236}">
-                <a16:creationId xmlns:a16="http://schemas.microsoft.com/office/drawing/2014/main" id="{8D70B121-56F4-4848-B38B-182089D909FA}"/>
-              </a:ext>
-              <a:ext uri="{C183D7F6-B498-43B3-948B-1728B52AA6E4}">
-                <adec:decorative xmlns:adec="http://schemas.microsoft.com/office/drawing/2017/decorative" val="1"/>
-              </a:ext>
-            </a:extLst>
-          </p:cNvPr>
-          <p:cNvSpPr>
-            <a:spLocks noGrp="1" noRot="1" noChangeAspect="1" noMove="1" noResize="1" noEditPoints="1" noAdjustHandles="1" noChangeArrowheads="1" noChangeShapeType="1" noTextEdit="1"/>
-          </p:cNvSpPr>
-          <p:nvPr>
-            <p:extLst>
-              <p:ext uri="{386F3935-93C4-4BCD-93E2-E3B085C9AB24}">
-                <p16:designElem xmlns:p16="http://schemas.microsoft.com/office/powerpoint/2015/main" val="1"/>
-              </p:ext>
-            </p:extLst>
-          </p:nvPr>
-        </p:nvSpPr>
-        <p:spPr bwMode="ltGray">
-          <a:xfrm>
-            <a:off x="321564" y="320040"/>
-            <a:ext cx="11548872" cy="6217920"/>
-          </a:xfrm>
-          <a:prstGeom prst="rect">
-            <a:avLst/>
-          </a:prstGeom>
-          <a:solidFill>
-            <a:schemeClr val="tx1">
-              <a:alpha val="8000"/>
-            </a:schemeClr>
-          </a:solidFill>
-          <a:ln w="127000" cap="sq" cmpd="thinThick">
-            <a:noFill/>
-          </a:ln>
-        </p:spPr>
-        <p:style>
-          <a:lnRef idx="2">
-            <a:schemeClr val="accent1">
-              <a:shade val="50000"/>
-            </a:schemeClr>
-          </a:lnRef>
-          <a:fillRef idx="1">
-            <a:schemeClr val="accent1"/>
-          </a:fillRef>
-          <a:effectRef idx="0">
-            <a:schemeClr val="accent1"/>
-          </a:effectRef>
-          <a:fontRef idx="minor">
-            <a:schemeClr val="lt1"/>
-          </a:fontRef>
-        </p:style>
-        <p:txBody>
-          <a:bodyPr rtlCol="0" anchor="ctr"/>
-          <a:lstStyle/>
-          <a:p>
-            <a:pPr algn="ctr"/>
-            <a:endParaRPr lang="en-US"/>
-          </a:p>
-        </p:txBody>
-      </p:sp>
-      <p:sp>
-        <p:nvSpPr>
-          <p:cNvPr id="2" name="Titel 1">
-            <a:extLst>
-              <a:ext uri="{FF2B5EF4-FFF2-40B4-BE49-F238E27FC236}">
-                <a16:creationId xmlns:a16="http://schemas.microsoft.com/office/drawing/2014/main" id="{0B5D0F8F-C92F-BC46-ACC4-7A21698DD272}"/>
-              </a:ext>
-            </a:extLst>
-          </p:cNvPr>
-          <p:cNvSpPr>
-            <a:spLocks noGrp="1"/>
-          </p:cNvSpPr>
-          <p:nvPr>
-            <p:ph type="title"/>
-          </p:nvPr>
-        </p:nvSpPr>
-        <p:spPr>
-          <a:xfrm>
-            <a:off x="838200" y="963877"/>
-            <a:ext cx="3494362" cy="4930246"/>
-          </a:xfrm>
-        </p:spPr>
-        <p:txBody>
-          <a:bodyPr>
-            <a:normAutofit/>
-          </a:bodyPr>
-          <a:lstStyle/>
-          <a:p>
-            <a:pPr algn="r"/>
-            <a:r>
-              <a:rPr lang="de-DE" dirty="0">
-                <a:solidFill>
-                  <a:schemeClr val="accent1"/>
-                </a:solidFill>
-              </a:rPr>
-              <a:t>Gliederung	</a:t>
-            </a:r>
-          </a:p>
-        </p:txBody>
-      </p:sp>
-      <p:cxnSp>
-        <p:nvCxnSpPr>
-          <p:cNvPr id="10" name="Straight Connector 9">
-            <a:extLst>
-              <a:ext uri="{FF2B5EF4-FFF2-40B4-BE49-F238E27FC236}">
-                <a16:creationId xmlns:a16="http://schemas.microsoft.com/office/drawing/2014/main" id="{2D72A2C9-F3CA-4216-8BAD-FA4C970C3C4E}"/>
-              </a:ext>
-              <a:ext uri="{C183D7F6-B498-43B3-948B-1728B52AA6E4}">
-                <adec:decorative xmlns:adec="http://schemas.microsoft.com/office/drawing/2017/decorative" val="1"/>
-              </a:ext>
-            </a:extLst>
-          </p:cNvPr>
-          <p:cNvCxnSpPr>
-            <a:cxnSpLocks noGrp="1" noRot="1" noChangeAspect="1" noMove="1" noResize="1" noEditPoints="1" noAdjustHandles="1" noChangeArrowheads="1" noChangeShapeType="1"/>
-          </p:cNvCxnSpPr>
-          <p:nvPr>
-            <p:extLst>
-              <p:ext uri="{386F3935-93C4-4BCD-93E2-E3B085C9AB24}">
-                <p16:designElem xmlns:p16="http://schemas.microsoft.com/office/powerpoint/2015/main" val="1"/>
-              </p:ext>
-            </p:extLst>
-          </p:nvPr>
-        </p:nvCxnSpPr>
-        <p:spPr>
-          <a:xfrm>
-            <a:off x="4654296" y="2057400"/>
-            <a:ext cx="0" cy="2743200"/>
-          </a:xfrm>
-          <a:prstGeom prst="line">
-            <a:avLst/>
-          </a:prstGeom>
-          <a:ln w="19050">
-            <a:solidFill>
-              <a:schemeClr val="tx1">
-                <a:lumMod val="85000"/>
-                <a:lumOff val="15000"/>
-              </a:schemeClr>
-            </a:solidFill>
-          </a:ln>
-        </p:spPr>
-        <p:style>
-          <a:lnRef idx="1">
-            <a:schemeClr val="accent1"/>
-          </a:lnRef>
-          <a:fillRef idx="0">
-            <a:schemeClr val="accent1"/>
-          </a:fillRef>
-          <a:effectRef idx="0">
-            <a:schemeClr val="accent1"/>
-          </a:effectRef>
-          <a:fontRef idx="minor">
-            <a:schemeClr val="tx1"/>
-          </a:fontRef>
-        </p:style>
-      </p:cxnSp>
-      <p:sp>
-        <p:nvSpPr>
-          <p:cNvPr id="3" name="Inhaltsplatzhalter 2">
-            <a:extLst>
-              <a:ext uri="{FF2B5EF4-FFF2-40B4-BE49-F238E27FC236}">
-                <a16:creationId xmlns:a16="http://schemas.microsoft.com/office/drawing/2014/main" id="{692C889E-3E0C-9E40-9512-4230892B2B42}"/>
-              </a:ext>
-            </a:extLst>
-          </p:cNvPr>
-          <p:cNvSpPr>
-            <a:spLocks noGrp="1"/>
-          </p:cNvSpPr>
-          <p:nvPr>
-            <p:ph idx="1"/>
-          </p:nvPr>
-        </p:nvSpPr>
-        <p:spPr>
-          <a:xfrm>
-            <a:off x="4976031" y="963877"/>
-            <a:ext cx="6377769" cy="4930246"/>
-          </a:xfrm>
-        </p:spPr>
-        <p:txBody>
-          <a:bodyPr anchor="ctr">
-            <a:normAutofit/>
-          </a:bodyPr>
-          <a:lstStyle/>
-          <a:p>
-            <a:r>
-              <a:rPr lang="de-DE" sz="2400" dirty="0"/>
-              <a:t>Einführung in das Thema</a:t>
-            </a:r>
-          </a:p>
-          <a:p>
-            <a:r>
-              <a:rPr lang="de-DE" sz="2400" dirty="0"/>
-              <a:t>Theoretische Grundlagen</a:t>
-            </a:r>
-          </a:p>
-          <a:p>
-            <a:pPr lvl="1"/>
-            <a:r>
-              <a:rPr lang="de-DE" sz="2000" dirty="0"/>
-              <a:t>Einführung</a:t>
-            </a:r>
-          </a:p>
-          <a:p>
-            <a:pPr lvl="1"/>
-            <a:r>
-              <a:rPr lang="de-DE" sz="2000" dirty="0"/>
-              <a:t>Anwendungen</a:t>
-            </a:r>
-          </a:p>
-          <a:p>
-            <a:r>
-              <a:rPr lang="de-DE" sz="2400" dirty="0">
-                <a:solidFill>
-                  <a:schemeClr val="accent1"/>
-                </a:solidFill>
-              </a:rPr>
-              <a:t>Aufgabenstellung</a:t>
-            </a:r>
-          </a:p>
-          <a:p>
-            <a:r>
-              <a:rPr lang="de-DE" sz="2400" dirty="0"/>
-              <a:t>Implementierung</a:t>
-            </a:r>
-          </a:p>
-          <a:p>
-            <a:pPr lvl="1"/>
-            <a:r>
-              <a:rPr lang="de-DE" sz="2000" dirty="0"/>
-              <a:t>Herangehensweise </a:t>
-            </a:r>
-          </a:p>
-          <a:p>
-            <a:pPr lvl="1"/>
-            <a:r>
-              <a:rPr lang="de-DE" sz="2000" dirty="0"/>
-              <a:t>Einführung in den Code</a:t>
-            </a:r>
-          </a:p>
-          <a:p>
-            <a:pPr lvl="1"/>
-            <a:r>
-              <a:rPr lang="de-DE" sz="2000" dirty="0"/>
-              <a:t>Präsentation des Ergebnisses</a:t>
-            </a:r>
-          </a:p>
-          <a:p>
-            <a:r>
-              <a:rPr lang="de-DE" sz="2400" dirty="0"/>
-              <a:t>Fazit </a:t>
-            </a:r>
-          </a:p>
-        </p:txBody>
-      </p:sp>
-    </p:spTree>
-    <p:extLst>
-      <p:ext uri="{BB962C8B-B14F-4D97-AF65-F5344CB8AC3E}">
-        <p14:creationId xmlns:p14="http://schemas.microsoft.com/office/powerpoint/2010/main" val="1662783578"/>
       </p:ext>
     </p:extLst>
   </p:cSld>

--- a/Praktikum_6/Abgabe 6.pptx
+++ b/Praktikum_6/Abgabe 6.pptx
@@ -223,7 +223,7 @@
           <a:p>
             <a:fld id="{07658C50-FEAC-7943-AC95-31EF70A9DB5F}" type="datetimeFigureOut">
               <a:rPr lang="de-DE" smtClean="0"/>
-              <a:t>29.06.2019</a:t>
+              <a:t>01.07.19</a:t>
             </a:fld>
             <a:endParaRPr lang="de-DE"/>
           </a:p>
@@ -2729,7 +2729,7 @@
           <a:p>
             <a:fld id="{82F48383-FCA3-904D-BAB7-C3DA57C34025}" type="datetimeFigureOut">
               <a:rPr lang="de-DE" smtClean="0"/>
-              <a:t>29.06.2019</a:t>
+              <a:t>01.07.19</a:t>
             </a:fld>
             <a:endParaRPr lang="de-DE"/>
           </a:p>
@@ -2902,7 +2902,7 @@
           <a:p>
             <a:fld id="{82F48383-FCA3-904D-BAB7-C3DA57C34025}" type="datetimeFigureOut">
               <a:rPr lang="de-DE" smtClean="0"/>
-              <a:t>29.06.2019</a:t>
+              <a:t>01.07.19</a:t>
             </a:fld>
             <a:endParaRPr lang="de-DE"/>
           </a:p>
@@ -3085,7 +3085,7 @@
           <a:p>
             <a:fld id="{82F48383-FCA3-904D-BAB7-C3DA57C34025}" type="datetimeFigureOut">
               <a:rPr lang="de-DE" smtClean="0"/>
-              <a:t>29.06.2019</a:t>
+              <a:t>01.07.19</a:t>
             </a:fld>
             <a:endParaRPr lang="de-DE"/>
           </a:p>
@@ -3258,7 +3258,7 @@
           <a:p>
             <a:fld id="{82F48383-FCA3-904D-BAB7-C3DA57C34025}" type="datetimeFigureOut">
               <a:rPr lang="de-DE" smtClean="0"/>
-              <a:t>29.06.2019</a:t>
+              <a:t>01.07.19</a:t>
             </a:fld>
             <a:endParaRPr lang="de-DE"/>
           </a:p>
@@ -3536,7 +3536,7 @@
           <a:p>
             <a:fld id="{82F48383-FCA3-904D-BAB7-C3DA57C34025}" type="datetimeFigureOut">
               <a:rPr lang="de-DE" smtClean="0"/>
-              <a:t>29.06.2019</a:t>
+              <a:t>01.07.19</a:t>
             </a:fld>
             <a:endParaRPr lang="de-DE"/>
           </a:p>
@@ -3751,7 +3751,7 @@
           <a:p>
             <a:fld id="{82F48383-FCA3-904D-BAB7-C3DA57C34025}" type="datetimeFigureOut">
               <a:rPr lang="de-DE" smtClean="0"/>
-              <a:t>29.06.2019</a:t>
+              <a:t>01.07.19</a:t>
             </a:fld>
             <a:endParaRPr lang="de-DE"/>
           </a:p>
@@ -4119,7 +4119,7 @@
           <a:p>
             <a:fld id="{82F48383-FCA3-904D-BAB7-C3DA57C34025}" type="datetimeFigureOut">
               <a:rPr lang="de-DE" smtClean="0"/>
-              <a:t>29.06.2019</a:t>
+              <a:t>01.07.19</a:t>
             </a:fld>
             <a:endParaRPr lang="de-DE"/>
           </a:p>
@@ -4260,7 +4260,7 @@
           <a:p>
             <a:fld id="{82F48383-FCA3-904D-BAB7-C3DA57C34025}" type="datetimeFigureOut">
               <a:rPr lang="de-DE" smtClean="0"/>
-              <a:t>29.06.2019</a:t>
+              <a:t>01.07.19</a:t>
             </a:fld>
             <a:endParaRPr lang="de-DE"/>
           </a:p>
@@ -4373,7 +4373,7 @@
           <a:p>
             <a:fld id="{82F48383-FCA3-904D-BAB7-C3DA57C34025}" type="datetimeFigureOut">
               <a:rPr lang="de-DE" smtClean="0"/>
-              <a:t>29.06.2019</a:t>
+              <a:t>01.07.19</a:t>
             </a:fld>
             <a:endParaRPr lang="de-DE"/>
           </a:p>
@@ -4662,7 +4662,7 @@
           <a:p>
             <a:fld id="{82F48383-FCA3-904D-BAB7-C3DA57C34025}" type="datetimeFigureOut">
               <a:rPr lang="de-DE" smtClean="0"/>
-              <a:t>29.06.2019</a:t>
+              <a:t>01.07.19</a:t>
             </a:fld>
             <a:endParaRPr lang="de-DE"/>
           </a:p>
@@ -4953,7 +4953,7 @@
           <a:p>
             <a:fld id="{82F48383-FCA3-904D-BAB7-C3DA57C34025}" type="datetimeFigureOut">
               <a:rPr lang="de-DE" smtClean="0"/>
-              <a:t>29.06.2019</a:t>
+              <a:t>01.07.19</a:t>
             </a:fld>
             <a:endParaRPr lang="de-DE"/>
           </a:p>
@@ -5172,7 +5172,7 @@
           <a:p>
             <a:fld id="{82F48383-FCA3-904D-BAB7-C3DA57C34025}" type="datetimeFigureOut">
               <a:rPr lang="de-DE" smtClean="0"/>
-              <a:t>29.06.2019</a:t>
+              <a:t>01.07.19</a:t>
             </a:fld>
             <a:endParaRPr lang="de-DE"/>
           </a:p>
@@ -11896,8 +11896,8 @@
         </p:blipFill>
         <p:spPr>
           <a:xfrm>
-            <a:off x="321564" y="704520"/>
-            <a:ext cx="11548872" cy="4934253"/>
+            <a:off x="500894" y="757562"/>
+            <a:ext cx="11190212" cy="4781016"/>
           </a:xfrm>
           <a:prstGeom prst="rect">
             <a:avLst/>

--- a/Praktikum_6/Abgabe 6.pptx
+++ b/Praktikum_6/Abgabe 6.pptx
@@ -5,7 +5,7 @@
     <p:sldMasterId id="2147483648" r:id="rId1"/>
   </p:sldMasterIdLst>
   <p:notesMasterIdLst>
-    <p:notesMasterId r:id="rId29"/>
+    <p:notesMasterId r:id="rId30"/>
   </p:notesMasterIdLst>
   <p:sldIdLst>
     <p:sldId id="256" r:id="rId2"/>
@@ -21,7 +21,7 @@
     <p:sldId id="265" r:id="rId12"/>
     <p:sldId id="280" r:id="rId13"/>
     <p:sldId id="266" r:id="rId14"/>
-    <p:sldId id="275" r:id="rId15"/>
+    <p:sldId id="303" r:id="rId15"/>
     <p:sldId id="285" r:id="rId16"/>
     <p:sldId id="297" r:id="rId17"/>
     <p:sldId id="299" r:id="rId18"/>
@@ -31,10 +31,11 @@
     <p:sldId id="296" r:id="rId22"/>
     <p:sldId id="290" r:id="rId23"/>
     <p:sldId id="291" r:id="rId24"/>
-    <p:sldId id="292" r:id="rId25"/>
-    <p:sldId id="293" r:id="rId26"/>
-    <p:sldId id="281" r:id="rId27"/>
-    <p:sldId id="277" r:id="rId28"/>
+    <p:sldId id="304" r:id="rId25"/>
+    <p:sldId id="292" r:id="rId26"/>
+    <p:sldId id="293" r:id="rId27"/>
+    <p:sldId id="281" r:id="rId28"/>
+    <p:sldId id="277" r:id="rId29"/>
   </p:sldIdLst>
   <p:sldSz cx="12192000" cy="6858000"/>
   <p:notesSz cx="6858000" cy="9144000"/>
@@ -875,7 +876,7 @@
     </p:spTree>
     <p:extLst>
       <p:ext uri="{BB962C8B-B14F-4D97-AF65-F5344CB8AC3E}">
-        <p14:creationId xmlns:p14="http://schemas.microsoft.com/office/powerpoint/2010/main" val="2529288501"/>
+        <p14:creationId xmlns:p14="http://schemas.microsoft.com/office/powerpoint/2010/main" val="376070762"/>
       </p:ext>
     </p:extLst>
   </p:cSld>
@@ -1715,7 +1716,7 @@
     </p:spTree>
     <p:extLst>
       <p:ext uri="{BB962C8B-B14F-4D97-AF65-F5344CB8AC3E}">
-        <p14:creationId xmlns:p14="http://schemas.microsoft.com/office/powerpoint/2010/main" val="643875343"/>
+        <p14:creationId xmlns:p14="http://schemas.microsoft.com/office/powerpoint/2010/main" val="1908329357"/>
       </p:ext>
     </p:extLst>
   </p:cSld>
@@ -1799,7 +1800,7 @@
     </p:spTree>
     <p:extLst>
       <p:ext uri="{BB962C8B-B14F-4D97-AF65-F5344CB8AC3E}">
-        <p14:creationId xmlns:p14="http://schemas.microsoft.com/office/powerpoint/2010/main" val="601079304"/>
+        <p14:creationId xmlns:p14="http://schemas.microsoft.com/office/powerpoint/2010/main" val="643875343"/>
       </p:ext>
     </p:extLst>
   </p:cSld>
@@ -1875,6 +1876,90 @@
             <a:fld id="{52267A27-16C0-714D-83C5-54B46B511F52}" type="slidenum">
               <a:rPr lang="de-DE" smtClean="0"/>
               <a:t>26</a:t>
+            </a:fld>
+            <a:endParaRPr lang="de-DE"/>
+          </a:p>
+        </p:txBody>
+      </p:sp>
+    </p:spTree>
+    <p:extLst>
+      <p:ext uri="{BB962C8B-B14F-4D97-AF65-F5344CB8AC3E}">
+        <p14:creationId xmlns:p14="http://schemas.microsoft.com/office/powerpoint/2010/main" val="601079304"/>
+      </p:ext>
+    </p:extLst>
+  </p:cSld>
+  <p:clrMapOvr>
+    <a:masterClrMapping/>
+  </p:clrMapOvr>
+</p:notes>
+</file>
+
+<file path=ppt/notesSlides/notesSlide25.xml><?xml version="1.0" encoding="utf-8"?>
+<p:notes xmlns:a="http://schemas.openxmlformats.org/drawingml/2006/main" xmlns:r="http://schemas.openxmlformats.org/officeDocument/2006/relationships" xmlns:p="http://schemas.openxmlformats.org/presentationml/2006/main">
+  <p:cSld>
+    <p:spTree>
+      <p:nvGrpSpPr>
+        <p:cNvPr id="1" name=""/>
+        <p:cNvGrpSpPr/>
+        <p:nvPr/>
+      </p:nvGrpSpPr>
+      <p:grpSpPr>
+        <a:xfrm>
+          <a:off x="0" y="0"/>
+          <a:ext cx="0" cy="0"/>
+          <a:chOff x="0" y="0"/>
+          <a:chExt cx="0" cy="0"/>
+        </a:xfrm>
+      </p:grpSpPr>
+      <p:sp>
+        <p:nvSpPr>
+          <p:cNvPr id="2" name="Folienbildplatzhalter 1"/>
+          <p:cNvSpPr>
+            <a:spLocks noGrp="1" noRot="1" noChangeAspect="1"/>
+          </p:cNvSpPr>
+          <p:nvPr>
+            <p:ph type="sldImg"/>
+          </p:nvPr>
+        </p:nvSpPr>
+        <p:spPr/>
+      </p:sp>
+      <p:sp>
+        <p:nvSpPr>
+          <p:cNvPr id="3" name="Notizenplatzhalter 2"/>
+          <p:cNvSpPr>
+            <a:spLocks noGrp="1"/>
+          </p:cNvSpPr>
+          <p:nvPr>
+            <p:ph type="body" idx="1"/>
+          </p:nvPr>
+        </p:nvSpPr>
+        <p:spPr/>
+        <p:txBody>
+          <a:bodyPr/>
+          <a:lstStyle/>
+          <a:p>
+            <a:endParaRPr lang="de-DE" dirty="0"/>
+          </a:p>
+        </p:txBody>
+      </p:sp>
+      <p:sp>
+        <p:nvSpPr>
+          <p:cNvPr id="4" name="Foliennummernplatzhalter 3"/>
+          <p:cNvSpPr>
+            <a:spLocks noGrp="1"/>
+          </p:cNvSpPr>
+          <p:nvPr>
+            <p:ph type="sldNum" sz="quarter" idx="5"/>
+          </p:nvPr>
+        </p:nvSpPr>
+        <p:spPr/>
+        <p:txBody>
+          <a:bodyPr/>
+          <a:lstStyle/>
+          <a:p>
+            <a:fld id="{52267A27-16C0-714D-83C5-54B46B511F52}" type="slidenum">
+              <a:rPr lang="de-DE" smtClean="0"/>
+              <a:t>27</a:t>
             </a:fld>
             <a:endParaRPr lang="de-DE"/>
           </a:p>
@@ -6018,13 +6103,6 @@
             <a:pPr lvl="1"/>
             <a:r>
               <a:rPr lang="de-DE" sz="2000" dirty="0"/>
-              <a:t>Einführung</a:t>
-            </a:r>
-          </a:p>
-          <a:p>
-            <a:pPr lvl="1"/>
-            <a:r>
-              <a:rPr lang="de-DE" sz="2000" dirty="0"/>
               <a:t>Anwendungen</a:t>
             </a:r>
           </a:p>
@@ -6866,7 +6944,7 @@
       </p:grpSpPr>
       <p:sp>
         <p:nvSpPr>
-          <p:cNvPr id="19" name="Rectangle 18">
+          <p:cNvPr id="8" name="Rectangle 7">
             <a:extLst>
               <a:ext uri="{FF2B5EF4-FFF2-40B4-BE49-F238E27FC236}">
                 <a16:creationId xmlns:a16="http://schemas.microsoft.com/office/drawing/2014/main" id="{8D70B121-56F4-4848-B38B-182089D909FA}"/>
@@ -6929,9 +7007,49 @@
           </a:p>
         </p:txBody>
       </p:sp>
+      <p:sp>
+        <p:nvSpPr>
+          <p:cNvPr id="2" name="Titel 1">
+            <a:extLst>
+              <a:ext uri="{FF2B5EF4-FFF2-40B4-BE49-F238E27FC236}">
+                <a16:creationId xmlns:a16="http://schemas.microsoft.com/office/drawing/2014/main" id="{0B5D0F8F-C92F-BC46-ACC4-7A21698DD272}"/>
+              </a:ext>
+            </a:extLst>
+          </p:cNvPr>
+          <p:cNvSpPr>
+            <a:spLocks noGrp="1"/>
+          </p:cNvSpPr>
+          <p:nvPr>
+            <p:ph type="title"/>
+          </p:nvPr>
+        </p:nvSpPr>
+        <p:spPr>
+          <a:xfrm>
+            <a:off x="838200" y="963877"/>
+            <a:ext cx="3494362" cy="4930246"/>
+          </a:xfrm>
+        </p:spPr>
+        <p:txBody>
+          <a:bodyPr>
+            <a:normAutofit/>
+          </a:bodyPr>
+          <a:lstStyle/>
+          <a:p>
+            <a:pPr algn="r"/>
+            <a:r>
+              <a:rPr lang="de-DE" dirty="0">
+                <a:solidFill>
+                  <a:schemeClr val="accent1"/>
+                </a:solidFill>
+              </a:rPr>
+              <a:t>Gliederung	</a:t>
+            </a:r>
+          </a:p>
+        </p:txBody>
+      </p:sp>
       <p:cxnSp>
         <p:nvCxnSpPr>
-          <p:cNvPr id="21" name="Straight Connector 20">
+          <p:cNvPr id="10" name="Straight Connector 9">
             <a:extLst>
               <a:ext uri="{FF2B5EF4-FFF2-40B4-BE49-F238E27FC236}">
                 <a16:creationId xmlns:a16="http://schemas.microsoft.com/office/drawing/2014/main" id="{2D72A2C9-F3CA-4216-8BAD-FA4C970C3C4E}"/>
@@ -6986,108 +7104,98 @@
       </p:cxnSp>
       <p:sp>
         <p:nvSpPr>
-          <p:cNvPr id="5" name="Rechteck 4">
-            <a:extLst>
-              <a:ext uri="{FF2B5EF4-FFF2-40B4-BE49-F238E27FC236}">
-                <a16:creationId xmlns:a16="http://schemas.microsoft.com/office/drawing/2014/main" id="{6C91387F-AF56-614F-B14F-5E345367B7AF}"/>
-              </a:ext>
-            </a:extLst>
-          </p:cNvPr>
-          <p:cNvSpPr/>
-          <p:nvPr/>
+          <p:cNvPr id="3" name="Inhaltsplatzhalter 2">
+            <a:extLst>
+              <a:ext uri="{FF2B5EF4-FFF2-40B4-BE49-F238E27FC236}">
+                <a16:creationId xmlns:a16="http://schemas.microsoft.com/office/drawing/2014/main" id="{692C889E-3E0C-9E40-9512-4230892B2B42}"/>
+              </a:ext>
+            </a:extLst>
+          </p:cNvPr>
+          <p:cNvSpPr>
+            <a:spLocks noGrp="1"/>
+          </p:cNvSpPr>
+          <p:nvPr>
+            <p:ph idx="1"/>
+          </p:nvPr>
         </p:nvSpPr>
         <p:spPr>
           <a:xfrm>
-            <a:off x="321564" y="320040"/>
-            <a:ext cx="11548872" cy="6217920"/>
-          </a:xfrm>
-          <a:prstGeom prst="rect">
-            <a:avLst/>
-          </a:prstGeom>
-          <a:solidFill>
-            <a:schemeClr val="bg2"/>
-          </a:solidFill>
-          <a:ln>
-            <a:noFill/>
-          </a:ln>
-        </p:spPr>
-        <p:style>
-          <a:lnRef idx="2">
-            <a:schemeClr val="accent1">
-              <a:shade val="50000"/>
-            </a:schemeClr>
-          </a:lnRef>
-          <a:fillRef idx="1">
-            <a:schemeClr val="accent1"/>
-          </a:fillRef>
-          <a:effectRef idx="0">
-            <a:schemeClr val="accent1"/>
-          </a:effectRef>
-          <a:fontRef idx="minor">
-            <a:schemeClr val="lt1"/>
-          </a:fontRef>
-        </p:style>
-        <p:txBody>
-          <a:bodyPr rtlCol="0" anchor="ctr"/>
-          <a:lstStyle/>
-          <a:p>
-            <a:pPr algn="ctr"/>
-            <a:endParaRPr lang="de-DE"/>
-          </a:p>
-        </p:txBody>
-      </p:sp>
-      <p:sp>
-        <p:nvSpPr>
-          <p:cNvPr id="2" name="Titel 1">
-            <a:extLst>
-              <a:ext uri="{FF2B5EF4-FFF2-40B4-BE49-F238E27FC236}">
-                <a16:creationId xmlns:a16="http://schemas.microsoft.com/office/drawing/2014/main" id="{35BFDC70-A169-E142-B051-5ABC9190E094}"/>
-              </a:ext>
-            </a:extLst>
-          </p:cNvPr>
-          <p:cNvSpPr>
-            <a:spLocks noGrp="1"/>
-          </p:cNvSpPr>
-          <p:nvPr>
-            <p:ph type="title"/>
-          </p:nvPr>
-        </p:nvSpPr>
-        <p:spPr>
-          <a:xfrm>
-            <a:off x="4010025" y="963877"/>
-            <a:ext cx="4171949" cy="4930246"/>
+            <a:off x="4976031" y="963877"/>
+            <a:ext cx="6377769" cy="4930246"/>
           </a:xfrm>
         </p:spPr>
         <p:txBody>
-          <a:bodyPr vert="horz" lIns="91440" tIns="45720" rIns="91440" bIns="45720" rtlCol="0">
+          <a:bodyPr anchor="ctr">
             <a:normAutofit/>
           </a:bodyPr>
           <a:lstStyle/>
           <a:p>
-            <a:pPr algn="ctr"/>
-            <a:r>
-              <a:rPr lang="en-US" sz="4000" dirty="0" err="1">
+            <a:r>
+              <a:rPr lang="de-DE" sz="2400" dirty="0"/>
+              <a:t>Einführung in das Thema</a:t>
+            </a:r>
+          </a:p>
+          <a:p>
+            <a:r>
+              <a:rPr lang="de-DE" sz="2400" dirty="0"/>
+              <a:t>Theoretische Grundlagen</a:t>
+            </a:r>
+          </a:p>
+          <a:p>
+            <a:pPr lvl="1"/>
+            <a:r>
+              <a:rPr lang="de-DE" sz="2000" dirty="0"/>
+              <a:t>Anwendungen</a:t>
+            </a:r>
+          </a:p>
+          <a:p>
+            <a:r>
+              <a:rPr lang="de-DE" sz="2400" dirty="0"/>
+              <a:t>Aufgabenstellung</a:t>
+            </a:r>
+          </a:p>
+          <a:p>
+            <a:r>
+              <a:rPr lang="de-DE" sz="2400" dirty="0">
                 <a:solidFill>
                   <a:schemeClr val="accent1"/>
                 </a:solidFill>
               </a:rPr>
               <a:t>Implementierung</a:t>
             </a:r>
-            <a:endParaRPr lang="en-US" sz="4000" kern="1200" dirty="0">
-              <a:solidFill>
-                <a:schemeClr val="accent1"/>
-              </a:solidFill>
-              <a:latin typeface="+mj-lt"/>
-              <a:ea typeface="+mj-ea"/>
-              <a:cs typeface="+mj-cs"/>
-            </a:endParaRPr>
+          </a:p>
+          <a:p>
+            <a:pPr lvl="1"/>
+            <a:r>
+              <a:rPr lang="de-DE" sz="2000" dirty="0"/>
+              <a:t>Herangehensweise </a:t>
+            </a:r>
+          </a:p>
+          <a:p>
+            <a:pPr lvl="1"/>
+            <a:r>
+              <a:rPr lang="de-DE" sz="2000" dirty="0"/>
+              <a:t>Einführung in den Code</a:t>
+            </a:r>
+          </a:p>
+          <a:p>
+            <a:r>
+              <a:rPr lang="de-DE" sz="2400" dirty="0"/>
+              <a:t>Präsentation des Ergebnisses</a:t>
+            </a:r>
+          </a:p>
+          <a:p>
+            <a:r>
+              <a:rPr lang="de-DE" sz="2400" dirty="0"/>
+              <a:t>Fazit </a:t>
+            </a:r>
           </a:p>
         </p:txBody>
       </p:sp>
     </p:spTree>
     <p:extLst>
       <p:ext uri="{BB962C8B-B14F-4D97-AF65-F5344CB8AC3E}">
-        <p14:creationId xmlns:p14="http://schemas.microsoft.com/office/powerpoint/2010/main" val="321189763"/>
+        <p14:creationId xmlns:p14="http://schemas.microsoft.com/office/powerpoint/2010/main" val="2089299263"/>
       </p:ext>
     </p:extLst>
   </p:cSld>
@@ -8386,13 +8494,6 @@
             <a:r>
               <a:rPr lang="de-DE" sz="2400" dirty="0"/>
               <a:t>Theoretische Grundlagen</a:t>
-            </a:r>
-          </a:p>
-          <a:p>
-            <a:pPr lvl="1"/>
-            <a:r>
-              <a:rPr lang="de-DE" sz="2000" dirty="0"/>
-              <a:t>Einführung</a:t>
             </a:r>
           </a:p>
           <a:p>
@@ -9658,7 +9759,7 @@
       </p:grpSpPr>
       <p:sp>
         <p:nvSpPr>
-          <p:cNvPr id="19" name="Rectangle 18">
+          <p:cNvPr id="8" name="Rectangle 7">
             <a:extLst>
               <a:ext uri="{FF2B5EF4-FFF2-40B4-BE49-F238E27FC236}">
                 <a16:creationId xmlns:a16="http://schemas.microsoft.com/office/drawing/2014/main" id="{8D70B121-56F4-4848-B38B-182089D909FA}"/>
@@ -9726,7 +9827,7 @@
           <p:cNvPr id="2" name="Titel 1">
             <a:extLst>
               <a:ext uri="{FF2B5EF4-FFF2-40B4-BE49-F238E27FC236}">
-                <a16:creationId xmlns:a16="http://schemas.microsoft.com/office/drawing/2014/main" id="{35BFDC70-A169-E142-B051-5ABC9190E094}"/>
+                <a16:creationId xmlns:a16="http://schemas.microsoft.com/office/drawing/2014/main" id="{0B5D0F8F-C92F-BC46-ACC4-7A21698DD272}"/>
               </a:ext>
             </a:extLst>
           </p:cNvPr>
@@ -9739,39 +9840,31 @@
         </p:nvSpPr>
         <p:spPr>
           <a:xfrm>
-            <a:off x="861390" y="963877"/>
-            <a:ext cx="3471171" cy="4930246"/>
+            <a:off x="838200" y="963877"/>
+            <a:ext cx="3494362" cy="4930246"/>
           </a:xfrm>
         </p:spPr>
         <p:txBody>
-          <a:bodyPr vert="horz" lIns="91440" tIns="45720" rIns="91440" bIns="45720" rtlCol="0">
+          <a:bodyPr>
             <a:normAutofit/>
           </a:bodyPr>
           <a:lstStyle/>
           <a:p>
-            <a:pPr algn="ctr"/>
-            <a:r>
-              <a:rPr lang="en-US" dirty="0" err="1">
+            <a:pPr algn="r"/>
+            <a:r>
+              <a:rPr lang="de-DE" dirty="0">
                 <a:solidFill>
                   <a:schemeClr val="accent1"/>
                 </a:solidFill>
               </a:rPr>
-              <a:t>Endergebnis</a:t>
-            </a:r>
-            <a:endParaRPr lang="en-US" kern="1200" dirty="0">
-              <a:solidFill>
-                <a:schemeClr val="accent1"/>
-              </a:solidFill>
-              <a:latin typeface="+mj-lt"/>
-              <a:ea typeface="+mj-ea"/>
-              <a:cs typeface="+mj-cs"/>
-            </a:endParaRPr>
+              <a:t>Gliederung	</a:t>
+            </a:r>
           </a:p>
         </p:txBody>
       </p:sp>
       <p:cxnSp>
         <p:nvCxnSpPr>
-          <p:cNvPr id="21" name="Straight Connector 20">
+          <p:cNvPr id="10" name="Straight Connector 9">
             <a:extLst>
               <a:ext uri="{FF2B5EF4-FFF2-40B4-BE49-F238E27FC236}">
                 <a16:creationId xmlns:a16="http://schemas.microsoft.com/office/drawing/2014/main" id="{2D72A2C9-F3CA-4216-8BAD-FA4C970C3C4E}"/>
@@ -9826,10 +9919,10 @@
       </p:cxnSp>
       <p:sp>
         <p:nvSpPr>
-          <p:cNvPr id="8" name="Inhaltsplatzhalter 4">
-            <a:extLst>
-              <a:ext uri="{FF2B5EF4-FFF2-40B4-BE49-F238E27FC236}">
-                <a16:creationId xmlns:a16="http://schemas.microsoft.com/office/drawing/2014/main" id="{A8E625C4-6DB1-9D42-BFEA-DE37A6F928F3}"/>
+          <p:cNvPr id="3" name="Inhaltsplatzhalter 2">
+            <a:extLst>
+              <a:ext uri="{FF2B5EF4-FFF2-40B4-BE49-F238E27FC236}">
+                <a16:creationId xmlns:a16="http://schemas.microsoft.com/office/drawing/2014/main" id="{692C889E-3E0C-9E40-9512-4230892B2B42}"/>
               </a:ext>
             </a:extLst>
           </p:cNvPr>
@@ -9842,8 +9935,8 @@
         </p:nvSpPr>
         <p:spPr>
           <a:xfrm>
-            <a:off x="5097419" y="963877"/>
-            <a:ext cx="5686424" cy="4930246"/>
+            <a:off x="4976031" y="963877"/>
+            <a:ext cx="6377769" cy="4930246"/>
           </a:xfrm>
         </p:spPr>
         <p:txBody>
@@ -9852,41 +9945,72 @@
           </a:bodyPr>
           <a:lstStyle/>
           <a:p>
-            <a:pPr marL="0" indent="0">
-              <a:buNone/>
-            </a:pPr>
-            <a:r>
-              <a:rPr lang="de-DE" dirty="0">
-                <a:sym typeface="Wingdings" pitchFamily="2" charset="2"/>
+            <a:r>
+              <a:rPr lang="de-DE" sz="2400" dirty="0"/>
+              <a:t>Einführung in das Thema</a:t>
+            </a:r>
+          </a:p>
+          <a:p>
+            <a:r>
+              <a:rPr lang="de-DE" sz="2400" dirty="0"/>
+              <a:t>Theoretische Grundlagen</a:t>
+            </a:r>
+          </a:p>
+          <a:p>
+            <a:pPr lvl="1"/>
+            <a:r>
+              <a:rPr lang="de-DE" sz="2000" dirty="0"/>
+              <a:t>Anwendungen</a:t>
+            </a:r>
+          </a:p>
+          <a:p>
+            <a:r>
+              <a:rPr lang="de-DE" sz="2400" dirty="0"/>
+              <a:t>Aufgabenstellung</a:t>
+            </a:r>
+          </a:p>
+          <a:p>
+            <a:r>
+              <a:rPr lang="de-DE" sz="2400" dirty="0"/>
+              <a:t>Implementierung</a:t>
+            </a:r>
+          </a:p>
+          <a:p>
+            <a:pPr lvl="1"/>
+            <a:r>
+              <a:rPr lang="de-DE" sz="2000" dirty="0"/>
+              <a:t>Herangehensweise </a:t>
+            </a:r>
+          </a:p>
+          <a:p>
+            <a:pPr lvl="1"/>
+            <a:r>
+              <a:rPr lang="de-DE" sz="2000" dirty="0"/>
+              <a:t>Einführung in den Code</a:t>
+            </a:r>
+          </a:p>
+          <a:p>
+            <a:r>
+              <a:rPr lang="de-DE" sz="2400" dirty="0">
+                <a:solidFill>
+                  <a:schemeClr val="accent1"/>
+                </a:solidFill>
               </a:rPr>
-              <a:t> Swap </a:t>
-            </a:r>
-            <a:r>
-              <a:rPr lang="de-DE" dirty="0" err="1">
-                <a:sym typeface="Wingdings" pitchFamily="2" charset="2"/>
-              </a:rPr>
-              <a:t>to</a:t>
-            </a:r>
-            <a:r>
-              <a:rPr lang="de-DE" dirty="0">
-                <a:sym typeface="Wingdings" pitchFamily="2" charset="2"/>
-              </a:rPr>
-              <a:t> </a:t>
-            </a:r>
-            <a:r>
-              <a:rPr lang="de-DE" dirty="0" err="1">
-                <a:sym typeface="Wingdings" pitchFamily="2" charset="2"/>
-              </a:rPr>
-              <a:t>Sagemath</a:t>
-            </a:r>
-            <a:endParaRPr lang="de-DE" dirty="0"/>
+              <a:t>Präsentation des Ergebnisses</a:t>
+            </a:r>
+          </a:p>
+          <a:p>
+            <a:r>
+              <a:rPr lang="de-DE" sz="2400" dirty="0"/>
+              <a:t>Fazit </a:t>
+            </a:r>
           </a:p>
         </p:txBody>
       </p:sp>
     </p:spTree>
     <p:extLst>
       <p:ext uri="{BB962C8B-B14F-4D97-AF65-F5344CB8AC3E}">
-        <p14:creationId xmlns:p14="http://schemas.microsoft.com/office/powerpoint/2010/main" val="1266032376"/>
+        <p14:creationId xmlns:p14="http://schemas.microsoft.com/office/powerpoint/2010/main" val="682947769"/>
       </p:ext>
     </p:extLst>
   </p:cSld>
@@ -10016,15 +10140,12 @@
           <a:p>
             <a:pPr algn="ctr"/>
             <a:r>
-              <a:rPr lang="en-US" kern="1200" dirty="0" err="1">
+              <a:rPr lang="en-US" dirty="0" err="1">
                 <a:solidFill>
                   <a:schemeClr val="accent1"/>
                 </a:solidFill>
-                <a:latin typeface="+mj-lt"/>
-                <a:ea typeface="+mj-ea"/>
-                <a:cs typeface="+mj-cs"/>
               </a:rPr>
-              <a:t>Fazit</a:t>
+              <a:t>Endergebnis</a:t>
             </a:r>
             <a:endParaRPr lang="en-US" kern="1200" dirty="0">
               <a:solidFill>
@@ -10123,6 +10244,30 @@
             <a:pPr marL="0" indent="0">
               <a:buNone/>
             </a:pPr>
+            <a:r>
+              <a:rPr lang="de-DE" dirty="0">
+                <a:sym typeface="Wingdings" pitchFamily="2" charset="2"/>
+              </a:rPr>
+              <a:t> Swap </a:t>
+            </a:r>
+            <a:r>
+              <a:rPr lang="de-DE" dirty="0" err="1">
+                <a:sym typeface="Wingdings" pitchFamily="2" charset="2"/>
+              </a:rPr>
+              <a:t>to</a:t>
+            </a:r>
+            <a:r>
+              <a:rPr lang="de-DE" dirty="0">
+                <a:sym typeface="Wingdings" pitchFamily="2" charset="2"/>
+              </a:rPr>
+              <a:t> </a:t>
+            </a:r>
+            <a:r>
+              <a:rPr lang="de-DE" dirty="0" err="1">
+                <a:sym typeface="Wingdings" pitchFamily="2" charset="2"/>
+              </a:rPr>
+              <a:t>Sagemath</a:t>
+            </a:r>
             <a:endParaRPr lang="de-DE" dirty="0"/>
           </a:p>
         </p:txBody>
@@ -10130,7 +10275,7 @@
     </p:spTree>
     <p:extLst>
       <p:ext uri="{BB962C8B-B14F-4D97-AF65-F5344CB8AC3E}">
-        <p14:creationId xmlns:p14="http://schemas.microsoft.com/office/powerpoint/2010/main" val="3670826346"/>
+        <p14:creationId xmlns:p14="http://schemas.microsoft.com/office/powerpoint/2010/main" val="1266032376"/>
       </p:ext>
     </p:extLst>
   </p:cSld>
@@ -10248,8 +10393,8 @@
         </p:nvSpPr>
         <p:spPr>
           <a:xfrm>
-            <a:off x="401956" y="963877"/>
-            <a:ext cx="4171949" cy="4930246"/>
+            <a:off x="861390" y="963877"/>
+            <a:ext cx="3471171" cy="4930246"/>
           </a:xfrm>
         </p:spPr>
         <p:txBody>
@@ -10260,7 +10405,7 @@
           <a:p>
             <a:pPr algn="ctr"/>
             <a:r>
-              <a:rPr lang="en-US" sz="4000" kern="1200" dirty="0" err="1">
+              <a:rPr lang="en-US" kern="1200" dirty="0" err="1">
                 <a:solidFill>
                   <a:schemeClr val="accent1"/>
                 </a:solidFill>
@@ -10268,9 +10413,9 @@
                 <a:ea typeface="+mj-ea"/>
                 <a:cs typeface="+mj-cs"/>
               </a:rPr>
-              <a:t>Quellen</a:t>
-            </a:r>
-            <a:endParaRPr lang="en-US" sz="4000" kern="1200" dirty="0">
+              <a:t>Fazit</a:t>
+            </a:r>
+            <a:endParaRPr lang="en-US" kern="1200" dirty="0">
               <a:solidFill>
                 <a:schemeClr val="accent1"/>
               </a:solidFill>
@@ -10341,6 +10486,250 @@
           <p:cNvPr id="8" name="Inhaltsplatzhalter 4">
             <a:extLst>
               <a:ext uri="{FF2B5EF4-FFF2-40B4-BE49-F238E27FC236}">
+                <a16:creationId xmlns:a16="http://schemas.microsoft.com/office/drawing/2014/main" id="{A8E625C4-6DB1-9D42-BFEA-DE37A6F928F3}"/>
+              </a:ext>
+            </a:extLst>
+          </p:cNvPr>
+          <p:cNvSpPr>
+            <a:spLocks noGrp="1"/>
+          </p:cNvSpPr>
+          <p:nvPr>
+            <p:ph idx="1"/>
+          </p:nvPr>
+        </p:nvSpPr>
+        <p:spPr>
+          <a:xfrm>
+            <a:off x="5097419" y="963877"/>
+            <a:ext cx="5686424" cy="4930246"/>
+          </a:xfrm>
+        </p:spPr>
+        <p:txBody>
+          <a:bodyPr anchor="ctr">
+            <a:normAutofit/>
+          </a:bodyPr>
+          <a:lstStyle/>
+          <a:p>
+            <a:pPr marL="0" indent="0">
+              <a:buNone/>
+            </a:pPr>
+            <a:endParaRPr lang="de-DE" dirty="0"/>
+          </a:p>
+        </p:txBody>
+      </p:sp>
+    </p:spTree>
+    <p:extLst>
+      <p:ext uri="{BB962C8B-B14F-4D97-AF65-F5344CB8AC3E}">
+        <p14:creationId xmlns:p14="http://schemas.microsoft.com/office/powerpoint/2010/main" val="3670826346"/>
+      </p:ext>
+    </p:extLst>
+  </p:cSld>
+  <p:clrMapOvr>
+    <a:masterClrMapping/>
+  </p:clrMapOvr>
+</p:sld>
+</file>
+
+<file path=ppt/slides/slide27.xml><?xml version="1.0" encoding="utf-8"?>
+<p:sld xmlns:a="http://schemas.openxmlformats.org/drawingml/2006/main" xmlns:r="http://schemas.openxmlformats.org/officeDocument/2006/relationships" xmlns:p="http://schemas.openxmlformats.org/presentationml/2006/main">
+  <p:cSld>
+    <p:bg>
+      <p:bgPr>
+        <a:solidFill>
+          <a:schemeClr val="bg1"/>
+        </a:solidFill>
+        <a:effectLst/>
+      </p:bgPr>
+    </p:bg>
+    <p:spTree>
+      <p:nvGrpSpPr>
+        <p:cNvPr id="1" name=""/>
+        <p:cNvGrpSpPr/>
+        <p:nvPr/>
+      </p:nvGrpSpPr>
+      <p:grpSpPr>
+        <a:xfrm>
+          <a:off x="0" y="0"/>
+          <a:ext cx="0" cy="0"/>
+          <a:chOff x="0" y="0"/>
+          <a:chExt cx="0" cy="0"/>
+        </a:xfrm>
+      </p:grpSpPr>
+      <p:sp>
+        <p:nvSpPr>
+          <p:cNvPr id="19" name="Rectangle 18">
+            <a:extLst>
+              <a:ext uri="{FF2B5EF4-FFF2-40B4-BE49-F238E27FC236}">
+                <a16:creationId xmlns:a16="http://schemas.microsoft.com/office/drawing/2014/main" id="{8D70B121-56F4-4848-B38B-182089D909FA}"/>
+              </a:ext>
+              <a:ext uri="{C183D7F6-B498-43B3-948B-1728B52AA6E4}">
+                <adec:decorative xmlns:adec="http://schemas.microsoft.com/office/drawing/2017/decorative" val="1"/>
+              </a:ext>
+            </a:extLst>
+          </p:cNvPr>
+          <p:cNvSpPr>
+            <a:spLocks noGrp="1" noRot="1" noChangeAspect="1" noMove="1" noResize="1" noEditPoints="1" noAdjustHandles="1" noChangeArrowheads="1" noChangeShapeType="1" noTextEdit="1"/>
+          </p:cNvSpPr>
+          <p:nvPr>
+            <p:extLst>
+              <p:ext uri="{386F3935-93C4-4BCD-93E2-E3B085C9AB24}">
+                <p16:designElem xmlns:p16="http://schemas.microsoft.com/office/powerpoint/2015/main" val="1"/>
+              </p:ext>
+            </p:extLst>
+          </p:nvPr>
+        </p:nvSpPr>
+        <p:spPr bwMode="ltGray">
+          <a:xfrm>
+            <a:off x="321564" y="320040"/>
+            <a:ext cx="11548872" cy="6217920"/>
+          </a:xfrm>
+          <a:prstGeom prst="rect">
+            <a:avLst/>
+          </a:prstGeom>
+          <a:solidFill>
+            <a:schemeClr val="tx1">
+              <a:alpha val="8000"/>
+            </a:schemeClr>
+          </a:solidFill>
+          <a:ln w="127000" cap="sq" cmpd="thinThick">
+            <a:noFill/>
+          </a:ln>
+        </p:spPr>
+        <p:style>
+          <a:lnRef idx="2">
+            <a:schemeClr val="accent1">
+              <a:shade val="50000"/>
+            </a:schemeClr>
+          </a:lnRef>
+          <a:fillRef idx="1">
+            <a:schemeClr val="accent1"/>
+          </a:fillRef>
+          <a:effectRef idx="0">
+            <a:schemeClr val="accent1"/>
+          </a:effectRef>
+          <a:fontRef idx="minor">
+            <a:schemeClr val="lt1"/>
+          </a:fontRef>
+        </p:style>
+        <p:txBody>
+          <a:bodyPr rtlCol="0" anchor="ctr"/>
+          <a:lstStyle/>
+          <a:p>
+            <a:pPr algn="ctr"/>
+            <a:endParaRPr lang="en-US"/>
+          </a:p>
+        </p:txBody>
+      </p:sp>
+      <p:sp>
+        <p:nvSpPr>
+          <p:cNvPr id="2" name="Titel 1">
+            <a:extLst>
+              <a:ext uri="{FF2B5EF4-FFF2-40B4-BE49-F238E27FC236}">
+                <a16:creationId xmlns:a16="http://schemas.microsoft.com/office/drawing/2014/main" id="{35BFDC70-A169-E142-B051-5ABC9190E094}"/>
+              </a:ext>
+            </a:extLst>
+          </p:cNvPr>
+          <p:cNvSpPr>
+            <a:spLocks noGrp="1"/>
+          </p:cNvSpPr>
+          <p:nvPr>
+            <p:ph type="title"/>
+          </p:nvPr>
+        </p:nvSpPr>
+        <p:spPr>
+          <a:xfrm>
+            <a:off x="401956" y="963877"/>
+            <a:ext cx="4171949" cy="4930246"/>
+          </a:xfrm>
+        </p:spPr>
+        <p:txBody>
+          <a:bodyPr vert="horz" lIns="91440" tIns="45720" rIns="91440" bIns="45720" rtlCol="0">
+            <a:normAutofit/>
+          </a:bodyPr>
+          <a:lstStyle/>
+          <a:p>
+            <a:pPr algn="ctr"/>
+            <a:r>
+              <a:rPr lang="en-US" sz="4000" kern="1200" dirty="0" err="1">
+                <a:solidFill>
+                  <a:schemeClr val="accent1"/>
+                </a:solidFill>
+                <a:latin typeface="+mj-lt"/>
+                <a:ea typeface="+mj-ea"/>
+                <a:cs typeface="+mj-cs"/>
+              </a:rPr>
+              <a:t>Quellen</a:t>
+            </a:r>
+            <a:endParaRPr lang="en-US" sz="4000" kern="1200" dirty="0">
+              <a:solidFill>
+                <a:schemeClr val="accent1"/>
+              </a:solidFill>
+              <a:latin typeface="+mj-lt"/>
+              <a:ea typeface="+mj-ea"/>
+              <a:cs typeface="+mj-cs"/>
+            </a:endParaRPr>
+          </a:p>
+        </p:txBody>
+      </p:sp>
+      <p:cxnSp>
+        <p:nvCxnSpPr>
+          <p:cNvPr id="21" name="Straight Connector 20">
+            <a:extLst>
+              <a:ext uri="{FF2B5EF4-FFF2-40B4-BE49-F238E27FC236}">
+                <a16:creationId xmlns:a16="http://schemas.microsoft.com/office/drawing/2014/main" id="{2D72A2C9-F3CA-4216-8BAD-FA4C970C3C4E}"/>
+              </a:ext>
+              <a:ext uri="{C183D7F6-B498-43B3-948B-1728B52AA6E4}">
+                <adec:decorative xmlns:adec="http://schemas.microsoft.com/office/drawing/2017/decorative" val="1"/>
+              </a:ext>
+            </a:extLst>
+          </p:cNvPr>
+          <p:cNvCxnSpPr>
+            <a:cxnSpLocks noGrp="1" noRot="1" noChangeAspect="1" noMove="1" noResize="1" noEditPoints="1" noAdjustHandles="1" noChangeArrowheads="1" noChangeShapeType="1"/>
+          </p:cNvCxnSpPr>
+          <p:nvPr>
+            <p:extLst>
+              <p:ext uri="{386F3935-93C4-4BCD-93E2-E3B085C9AB24}">
+                <p16:designElem xmlns:p16="http://schemas.microsoft.com/office/powerpoint/2015/main" val="1"/>
+              </p:ext>
+            </p:extLst>
+          </p:nvPr>
+        </p:nvCxnSpPr>
+        <p:spPr>
+          <a:xfrm>
+            <a:off x="4654296" y="2057400"/>
+            <a:ext cx="0" cy="2743200"/>
+          </a:xfrm>
+          <a:prstGeom prst="line">
+            <a:avLst/>
+          </a:prstGeom>
+          <a:ln w="19050">
+            <a:solidFill>
+              <a:schemeClr val="tx1">
+                <a:lumMod val="85000"/>
+                <a:lumOff val="15000"/>
+              </a:schemeClr>
+            </a:solidFill>
+          </a:ln>
+        </p:spPr>
+        <p:style>
+          <a:lnRef idx="1">
+            <a:schemeClr val="accent1"/>
+          </a:lnRef>
+          <a:fillRef idx="0">
+            <a:schemeClr val="accent1"/>
+          </a:fillRef>
+          <a:effectRef idx="0">
+            <a:schemeClr val="accent1"/>
+          </a:effectRef>
+          <a:fontRef idx="minor">
+            <a:schemeClr val="tx1"/>
+          </a:fontRef>
+        </p:style>
+      </p:cxnSp>
+      <p:sp>
+        <p:nvSpPr>
+          <p:cNvPr id="8" name="Inhaltsplatzhalter 4">
+            <a:extLst>
+              <a:ext uri="{FF2B5EF4-FFF2-40B4-BE49-F238E27FC236}">
                 <a16:creationId xmlns:a16="http://schemas.microsoft.com/office/drawing/2014/main" id="{C28895E4-2A18-3F46-B985-F6164DBE329F}"/>
               </a:ext>
             </a:extLst>
@@ -10414,7 +10803,7 @@
 </p:sld>
 </file>
 
-<file path=ppt/slides/slide27.xml><?xml version="1.0" encoding="utf-8"?>
+<file path=ppt/slides/slide28.xml><?xml version="1.0" encoding="utf-8"?>
 <p:sld xmlns:a="http://schemas.openxmlformats.org/drawingml/2006/main" xmlns:r="http://schemas.openxmlformats.org/officeDocument/2006/relationships" xmlns:p="http://schemas.openxmlformats.org/presentationml/2006/main">
   <p:cSld>
     <p:bg>
@@ -10894,13 +11283,7 @@
               <a:rPr lang="de-DE" sz="2400" dirty="0"/>
               <a:t>Theoretische Grundlagen</a:t>
             </a:r>
-          </a:p>
-          <a:p>
-            <a:pPr lvl="1"/>
-            <a:r>
-              <a:rPr lang="de-DE" sz="2000" dirty="0"/>
-              <a:t>Einführung</a:t>
-            </a:r>
+            <a:endParaRPr lang="de-DE" sz="2000" dirty="0"/>
           </a:p>
           <a:p>
             <a:pPr lvl="1"/>

--- a/Praktikum_6/Abgabe 6.pptx
+++ b/Praktikum_6/Abgabe 6.pptx
@@ -5,7 +5,7 @@
     <p:sldMasterId id="2147483648" r:id="rId1"/>
   </p:sldMasterIdLst>
   <p:notesMasterIdLst>
-    <p:notesMasterId r:id="rId30"/>
+    <p:notesMasterId r:id="rId33"/>
   </p:notesMasterIdLst>
   <p:sldIdLst>
     <p:sldId id="256" r:id="rId2"/>
@@ -29,13 +29,16 @@
     <p:sldId id="301" r:id="rId20"/>
     <p:sldId id="295" r:id="rId21"/>
     <p:sldId id="296" r:id="rId22"/>
-    <p:sldId id="290" r:id="rId23"/>
+    <p:sldId id="305" r:id="rId23"/>
     <p:sldId id="291" r:id="rId24"/>
-    <p:sldId id="304" r:id="rId25"/>
+    <p:sldId id="308" r:id="rId25"/>
     <p:sldId id="292" r:id="rId26"/>
-    <p:sldId id="293" r:id="rId27"/>
-    <p:sldId id="281" r:id="rId28"/>
-    <p:sldId id="277" r:id="rId29"/>
+    <p:sldId id="307" r:id="rId27"/>
+    <p:sldId id="304" r:id="rId28"/>
+    <p:sldId id="306" r:id="rId29"/>
+    <p:sldId id="293" r:id="rId30"/>
+    <p:sldId id="281" r:id="rId31"/>
+    <p:sldId id="277" r:id="rId32"/>
   </p:sldIdLst>
   <p:sldSz cx="12192000" cy="6858000"/>
   <p:notesSz cx="6858000" cy="9144000"/>
@@ -224,7 +227,7 @@
           <a:p>
             <a:fld id="{07658C50-FEAC-7943-AC95-31EF70A9DB5F}" type="datetimeFigureOut">
               <a:rPr lang="de-DE" smtClean="0"/>
-              <a:t>01.07.19</a:t>
+              <a:t>02.07.2019</a:t>
             </a:fld>
             <a:endParaRPr lang="de-DE"/>
           </a:p>
@@ -1548,7 +1551,7 @@
     </p:spTree>
     <p:extLst>
       <p:ext uri="{BB962C8B-B14F-4D97-AF65-F5344CB8AC3E}">
-        <p14:creationId xmlns:p14="http://schemas.microsoft.com/office/powerpoint/2010/main" val="2444864727"/>
+        <p14:creationId xmlns:p14="http://schemas.microsoft.com/office/powerpoint/2010/main" val="375144338"/>
       </p:ext>
     </p:extLst>
   </p:cSld>
@@ -1716,7 +1719,7 @@
     </p:spTree>
     <p:extLst>
       <p:ext uri="{BB962C8B-B14F-4D97-AF65-F5344CB8AC3E}">
-        <p14:creationId xmlns:p14="http://schemas.microsoft.com/office/powerpoint/2010/main" val="1908329357"/>
+        <p14:creationId xmlns:p14="http://schemas.microsoft.com/office/powerpoint/2010/main" val="544103937"/>
       </p:ext>
     </p:extLst>
   </p:cSld>
@@ -1884,7 +1887,7 @@
     </p:spTree>
     <p:extLst>
       <p:ext uri="{BB962C8B-B14F-4D97-AF65-F5344CB8AC3E}">
-        <p14:creationId xmlns:p14="http://schemas.microsoft.com/office/powerpoint/2010/main" val="601079304"/>
+        <p14:creationId xmlns:p14="http://schemas.microsoft.com/office/powerpoint/2010/main" val="3636832353"/>
       </p:ext>
     </p:extLst>
   </p:cSld>
@@ -1960,6 +1963,258 @@
             <a:fld id="{52267A27-16C0-714D-83C5-54B46B511F52}" type="slidenum">
               <a:rPr lang="de-DE" smtClean="0"/>
               <a:t>27</a:t>
+            </a:fld>
+            <a:endParaRPr lang="de-DE"/>
+          </a:p>
+        </p:txBody>
+      </p:sp>
+    </p:spTree>
+    <p:extLst>
+      <p:ext uri="{BB962C8B-B14F-4D97-AF65-F5344CB8AC3E}">
+        <p14:creationId xmlns:p14="http://schemas.microsoft.com/office/powerpoint/2010/main" val="1908329357"/>
+      </p:ext>
+    </p:extLst>
+  </p:cSld>
+  <p:clrMapOvr>
+    <a:masterClrMapping/>
+  </p:clrMapOvr>
+</p:notes>
+</file>
+
+<file path=ppt/notesSlides/notesSlide26.xml><?xml version="1.0" encoding="utf-8"?>
+<p:notes xmlns:a="http://schemas.openxmlformats.org/drawingml/2006/main" xmlns:r="http://schemas.openxmlformats.org/officeDocument/2006/relationships" xmlns:p="http://schemas.openxmlformats.org/presentationml/2006/main">
+  <p:cSld>
+    <p:spTree>
+      <p:nvGrpSpPr>
+        <p:cNvPr id="1" name=""/>
+        <p:cNvGrpSpPr/>
+        <p:nvPr/>
+      </p:nvGrpSpPr>
+      <p:grpSpPr>
+        <a:xfrm>
+          <a:off x="0" y="0"/>
+          <a:ext cx="0" cy="0"/>
+          <a:chOff x="0" y="0"/>
+          <a:chExt cx="0" cy="0"/>
+        </a:xfrm>
+      </p:grpSpPr>
+      <p:sp>
+        <p:nvSpPr>
+          <p:cNvPr id="2" name="Folienbildplatzhalter 1"/>
+          <p:cNvSpPr>
+            <a:spLocks noGrp="1" noRot="1" noChangeAspect="1"/>
+          </p:cNvSpPr>
+          <p:nvPr>
+            <p:ph type="sldImg"/>
+          </p:nvPr>
+        </p:nvSpPr>
+        <p:spPr/>
+      </p:sp>
+      <p:sp>
+        <p:nvSpPr>
+          <p:cNvPr id="3" name="Notizenplatzhalter 2"/>
+          <p:cNvSpPr>
+            <a:spLocks noGrp="1"/>
+          </p:cNvSpPr>
+          <p:nvPr>
+            <p:ph type="body" idx="1"/>
+          </p:nvPr>
+        </p:nvSpPr>
+        <p:spPr/>
+        <p:txBody>
+          <a:bodyPr/>
+          <a:lstStyle/>
+          <a:p>
+            <a:endParaRPr lang="de-DE" dirty="0"/>
+          </a:p>
+        </p:txBody>
+      </p:sp>
+      <p:sp>
+        <p:nvSpPr>
+          <p:cNvPr id="4" name="Foliennummernplatzhalter 3"/>
+          <p:cNvSpPr>
+            <a:spLocks noGrp="1"/>
+          </p:cNvSpPr>
+          <p:nvPr>
+            <p:ph type="sldNum" sz="quarter" idx="5"/>
+          </p:nvPr>
+        </p:nvSpPr>
+        <p:spPr/>
+        <p:txBody>
+          <a:bodyPr/>
+          <a:lstStyle/>
+          <a:p>
+            <a:fld id="{52267A27-16C0-714D-83C5-54B46B511F52}" type="slidenum">
+              <a:rPr lang="de-DE" smtClean="0"/>
+              <a:t>28</a:t>
+            </a:fld>
+            <a:endParaRPr lang="de-DE"/>
+          </a:p>
+        </p:txBody>
+      </p:sp>
+    </p:spTree>
+    <p:extLst>
+      <p:ext uri="{BB962C8B-B14F-4D97-AF65-F5344CB8AC3E}">
+        <p14:creationId xmlns:p14="http://schemas.microsoft.com/office/powerpoint/2010/main" val="1974299714"/>
+      </p:ext>
+    </p:extLst>
+  </p:cSld>
+  <p:clrMapOvr>
+    <a:masterClrMapping/>
+  </p:clrMapOvr>
+</p:notes>
+</file>
+
+<file path=ppt/notesSlides/notesSlide27.xml><?xml version="1.0" encoding="utf-8"?>
+<p:notes xmlns:a="http://schemas.openxmlformats.org/drawingml/2006/main" xmlns:r="http://schemas.openxmlformats.org/officeDocument/2006/relationships" xmlns:p="http://schemas.openxmlformats.org/presentationml/2006/main">
+  <p:cSld>
+    <p:spTree>
+      <p:nvGrpSpPr>
+        <p:cNvPr id="1" name=""/>
+        <p:cNvGrpSpPr/>
+        <p:nvPr/>
+      </p:nvGrpSpPr>
+      <p:grpSpPr>
+        <a:xfrm>
+          <a:off x="0" y="0"/>
+          <a:ext cx="0" cy="0"/>
+          <a:chOff x="0" y="0"/>
+          <a:chExt cx="0" cy="0"/>
+        </a:xfrm>
+      </p:grpSpPr>
+      <p:sp>
+        <p:nvSpPr>
+          <p:cNvPr id="2" name="Folienbildplatzhalter 1"/>
+          <p:cNvSpPr>
+            <a:spLocks noGrp="1" noRot="1" noChangeAspect="1"/>
+          </p:cNvSpPr>
+          <p:nvPr>
+            <p:ph type="sldImg"/>
+          </p:nvPr>
+        </p:nvSpPr>
+        <p:spPr/>
+      </p:sp>
+      <p:sp>
+        <p:nvSpPr>
+          <p:cNvPr id="3" name="Notizenplatzhalter 2"/>
+          <p:cNvSpPr>
+            <a:spLocks noGrp="1"/>
+          </p:cNvSpPr>
+          <p:nvPr>
+            <p:ph type="body" idx="1"/>
+          </p:nvPr>
+        </p:nvSpPr>
+        <p:spPr/>
+        <p:txBody>
+          <a:bodyPr/>
+          <a:lstStyle/>
+          <a:p>
+            <a:endParaRPr lang="de-DE" dirty="0"/>
+          </a:p>
+        </p:txBody>
+      </p:sp>
+      <p:sp>
+        <p:nvSpPr>
+          <p:cNvPr id="4" name="Foliennummernplatzhalter 3"/>
+          <p:cNvSpPr>
+            <a:spLocks noGrp="1"/>
+          </p:cNvSpPr>
+          <p:nvPr>
+            <p:ph type="sldNum" sz="quarter" idx="5"/>
+          </p:nvPr>
+        </p:nvSpPr>
+        <p:spPr/>
+        <p:txBody>
+          <a:bodyPr/>
+          <a:lstStyle/>
+          <a:p>
+            <a:fld id="{52267A27-16C0-714D-83C5-54B46B511F52}" type="slidenum">
+              <a:rPr lang="de-DE" smtClean="0"/>
+              <a:t>29</a:t>
+            </a:fld>
+            <a:endParaRPr lang="de-DE"/>
+          </a:p>
+        </p:txBody>
+      </p:sp>
+    </p:spTree>
+    <p:extLst>
+      <p:ext uri="{BB962C8B-B14F-4D97-AF65-F5344CB8AC3E}">
+        <p14:creationId xmlns:p14="http://schemas.microsoft.com/office/powerpoint/2010/main" val="601079304"/>
+      </p:ext>
+    </p:extLst>
+  </p:cSld>
+  <p:clrMapOvr>
+    <a:masterClrMapping/>
+  </p:clrMapOvr>
+</p:notes>
+</file>
+
+<file path=ppt/notesSlides/notesSlide28.xml><?xml version="1.0" encoding="utf-8"?>
+<p:notes xmlns:a="http://schemas.openxmlformats.org/drawingml/2006/main" xmlns:r="http://schemas.openxmlformats.org/officeDocument/2006/relationships" xmlns:p="http://schemas.openxmlformats.org/presentationml/2006/main">
+  <p:cSld>
+    <p:spTree>
+      <p:nvGrpSpPr>
+        <p:cNvPr id="1" name=""/>
+        <p:cNvGrpSpPr/>
+        <p:nvPr/>
+      </p:nvGrpSpPr>
+      <p:grpSpPr>
+        <a:xfrm>
+          <a:off x="0" y="0"/>
+          <a:ext cx="0" cy="0"/>
+          <a:chOff x="0" y="0"/>
+          <a:chExt cx="0" cy="0"/>
+        </a:xfrm>
+      </p:grpSpPr>
+      <p:sp>
+        <p:nvSpPr>
+          <p:cNvPr id="2" name="Folienbildplatzhalter 1"/>
+          <p:cNvSpPr>
+            <a:spLocks noGrp="1" noRot="1" noChangeAspect="1"/>
+          </p:cNvSpPr>
+          <p:nvPr>
+            <p:ph type="sldImg"/>
+          </p:nvPr>
+        </p:nvSpPr>
+        <p:spPr/>
+      </p:sp>
+      <p:sp>
+        <p:nvSpPr>
+          <p:cNvPr id="3" name="Notizenplatzhalter 2"/>
+          <p:cNvSpPr>
+            <a:spLocks noGrp="1"/>
+          </p:cNvSpPr>
+          <p:nvPr>
+            <p:ph type="body" idx="1"/>
+          </p:nvPr>
+        </p:nvSpPr>
+        <p:spPr/>
+        <p:txBody>
+          <a:bodyPr/>
+          <a:lstStyle/>
+          <a:p>
+            <a:endParaRPr lang="de-DE" dirty="0"/>
+          </a:p>
+        </p:txBody>
+      </p:sp>
+      <p:sp>
+        <p:nvSpPr>
+          <p:cNvPr id="4" name="Foliennummernplatzhalter 3"/>
+          <p:cNvSpPr>
+            <a:spLocks noGrp="1"/>
+          </p:cNvSpPr>
+          <p:nvPr>
+            <p:ph type="sldNum" sz="quarter" idx="5"/>
+          </p:nvPr>
+        </p:nvSpPr>
+        <p:spPr/>
+        <p:txBody>
+          <a:bodyPr/>
+          <a:lstStyle/>
+          <a:p>
+            <a:fld id="{52267A27-16C0-714D-83C5-54B46B511F52}" type="slidenum">
+              <a:rPr lang="de-DE" smtClean="0"/>
+              <a:t>30</a:t>
             </a:fld>
             <a:endParaRPr lang="de-DE"/>
           </a:p>
@@ -2689,7 +2944,7 @@
           <p:cNvPr id="2" name="Titel 1">
             <a:extLst>
               <a:ext uri="{FF2B5EF4-FFF2-40B4-BE49-F238E27FC236}">
-                <a16:creationId xmlns:a16="http://schemas.microsoft.com/office/drawing/2014/main" id="{9729E139-B9C1-1343-8D77-54875F0E38E2}"/>
+                <a16:creationId xmlns:a16="http://schemas.microsoft.com/office/drawing/2014/main" xmlns="" id="{9729E139-B9C1-1343-8D77-54875F0E38E2}"/>
               </a:ext>
             </a:extLst>
           </p:cNvPr>
@@ -2726,7 +2981,7 @@
           <p:cNvPr id="3" name="Untertitel 2">
             <a:extLst>
               <a:ext uri="{FF2B5EF4-FFF2-40B4-BE49-F238E27FC236}">
-                <a16:creationId xmlns:a16="http://schemas.microsoft.com/office/drawing/2014/main" id="{CD0DC60B-5925-7245-9AD4-70DD2088C669}"/>
+                <a16:creationId xmlns:a16="http://schemas.microsoft.com/office/drawing/2014/main" xmlns="" id="{CD0DC60B-5925-7245-9AD4-70DD2088C669}"/>
               </a:ext>
             </a:extLst>
           </p:cNvPr>
@@ -2796,7 +3051,7 @@
           <p:cNvPr id="4" name="Datumsplatzhalter 3">
             <a:extLst>
               <a:ext uri="{FF2B5EF4-FFF2-40B4-BE49-F238E27FC236}">
-                <a16:creationId xmlns:a16="http://schemas.microsoft.com/office/drawing/2014/main" id="{48071E95-2AB9-EB43-8B4E-ECA6DA6E4AD5}"/>
+                <a16:creationId xmlns:a16="http://schemas.microsoft.com/office/drawing/2014/main" xmlns="" id="{48071E95-2AB9-EB43-8B4E-ECA6DA6E4AD5}"/>
               </a:ext>
             </a:extLst>
           </p:cNvPr>
@@ -2814,7 +3069,7 @@
           <a:p>
             <a:fld id="{82F48383-FCA3-904D-BAB7-C3DA57C34025}" type="datetimeFigureOut">
               <a:rPr lang="de-DE" smtClean="0"/>
-              <a:t>01.07.19</a:t>
+              <a:t>02.07.2019</a:t>
             </a:fld>
             <a:endParaRPr lang="de-DE"/>
           </a:p>
@@ -2825,7 +3080,7 @@
           <p:cNvPr id="5" name="Fußzeilenplatzhalter 4">
             <a:extLst>
               <a:ext uri="{FF2B5EF4-FFF2-40B4-BE49-F238E27FC236}">
-                <a16:creationId xmlns:a16="http://schemas.microsoft.com/office/drawing/2014/main" id="{F1BDF94A-7043-F94B-A957-905DCDFD9521}"/>
+                <a16:creationId xmlns:a16="http://schemas.microsoft.com/office/drawing/2014/main" xmlns="" id="{F1BDF94A-7043-F94B-A957-905DCDFD9521}"/>
               </a:ext>
             </a:extLst>
           </p:cNvPr>
@@ -2850,7 +3105,7 @@
           <p:cNvPr id="6" name="Foliennummernplatzhalter 5">
             <a:extLst>
               <a:ext uri="{FF2B5EF4-FFF2-40B4-BE49-F238E27FC236}">
-                <a16:creationId xmlns:a16="http://schemas.microsoft.com/office/drawing/2014/main" id="{32A861AE-5302-CD4F-9C7C-2BFEE23DBE0B}"/>
+                <a16:creationId xmlns:a16="http://schemas.microsoft.com/office/drawing/2014/main" xmlns="" id="{32A861AE-5302-CD4F-9C7C-2BFEE23DBE0B}"/>
               </a:ext>
             </a:extLst>
           </p:cNvPr>
@@ -2909,7 +3164,7 @@
           <p:cNvPr id="2" name="Titel 1">
             <a:extLst>
               <a:ext uri="{FF2B5EF4-FFF2-40B4-BE49-F238E27FC236}">
-                <a16:creationId xmlns:a16="http://schemas.microsoft.com/office/drawing/2014/main" id="{63E0E303-0843-9E43-B4FE-B741D51AF29D}"/>
+                <a16:creationId xmlns:a16="http://schemas.microsoft.com/office/drawing/2014/main" xmlns="" id="{63E0E303-0843-9E43-B4FE-B741D51AF29D}"/>
               </a:ext>
             </a:extLst>
           </p:cNvPr>
@@ -2937,7 +3192,7 @@
           <p:cNvPr id="3" name="Vertikaler Textplatzhalter 2">
             <a:extLst>
               <a:ext uri="{FF2B5EF4-FFF2-40B4-BE49-F238E27FC236}">
-                <a16:creationId xmlns:a16="http://schemas.microsoft.com/office/drawing/2014/main" id="{E389E2A2-C12F-4044-8208-9AC0B7DA7698}"/>
+                <a16:creationId xmlns:a16="http://schemas.microsoft.com/office/drawing/2014/main" xmlns="" id="{E389E2A2-C12F-4044-8208-9AC0B7DA7698}"/>
               </a:ext>
             </a:extLst>
           </p:cNvPr>
@@ -2969,7 +3224,7 @@
           <p:cNvPr id="4" name="Datumsplatzhalter 3">
             <a:extLst>
               <a:ext uri="{FF2B5EF4-FFF2-40B4-BE49-F238E27FC236}">
-                <a16:creationId xmlns:a16="http://schemas.microsoft.com/office/drawing/2014/main" id="{D51E15B6-E46A-6E41-87EF-FB1CB3BE30B6}"/>
+                <a16:creationId xmlns:a16="http://schemas.microsoft.com/office/drawing/2014/main" xmlns="" id="{D51E15B6-E46A-6E41-87EF-FB1CB3BE30B6}"/>
               </a:ext>
             </a:extLst>
           </p:cNvPr>
@@ -2987,7 +3242,7 @@
           <a:p>
             <a:fld id="{82F48383-FCA3-904D-BAB7-C3DA57C34025}" type="datetimeFigureOut">
               <a:rPr lang="de-DE" smtClean="0"/>
-              <a:t>01.07.19</a:t>
+              <a:t>02.07.2019</a:t>
             </a:fld>
             <a:endParaRPr lang="de-DE"/>
           </a:p>
@@ -2998,7 +3253,7 @@
           <p:cNvPr id="5" name="Fußzeilenplatzhalter 4">
             <a:extLst>
               <a:ext uri="{FF2B5EF4-FFF2-40B4-BE49-F238E27FC236}">
-                <a16:creationId xmlns:a16="http://schemas.microsoft.com/office/drawing/2014/main" id="{0B5FA6FB-9899-E140-BC17-76C683560149}"/>
+                <a16:creationId xmlns:a16="http://schemas.microsoft.com/office/drawing/2014/main" xmlns="" id="{0B5FA6FB-9899-E140-BC17-76C683560149}"/>
               </a:ext>
             </a:extLst>
           </p:cNvPr>
@@ -3023,7 +3278,7 @@
           <p:cNvPr id="6" name="Foliennummernplatzhalter 5">
             <a:extLst>
               <a:ext uri="{FF2B5EF4-FFF2-40B4-BE49-F238E27FC236}">
-                <a16:creationId xmlns:a16="http://schemas.microsoft.com/office/drawing/2014/main" id="{C0350015-ADC1-E74B-8051-43AB5C8B14FC}"/>
+                <a16:creationId xmlns:a16="http://schemas.microsoft.com/office/drawing/2014/main" xmlns="" id="{C0350015-ADC1-E74B-8051-43AB5C8B14FC}"/>
               </a:ext>
             </a:extLst>
           </p:cNvPr>
@@ -3082,7 +3337,7 @@
           <p:cNvPr id="2" name="Vertikaler Titel 1">
             <a:extLst>
               <a:ext uri="{FF2B5EF4-FFF2-40B4-BE49-F238E27FC236}">
-                <a16:creationId xmlns:a16="http://schemas.microsoft.com/office/drawing/2014/main" id="{CD5514F9-5F1A-1849-BD9D-42DE2B7A8602}"/>
+                <a16:creationId xmlns:a16="http://schemas.microsoft.com/office/drawing/2014/main" xmlns="" id="{CD5514F9-5F1A-1849-BD9D-42DE2B7A8602}"/>
               </a:ext>
             </a:extLst>
           </p:cNvPr>
@@ -3115,7 +3370,7 @@
           <p:cNvPr id="3" name="Vertikaler Textplatzhalter 2">
             <a:extLst>
               <a:ext uri="{FF2B5EF4-FFF2-40B4-BE49-F238E27FC236}">
-                <a16:creationId xmlns:a16="http://schemas.microsoft.com/office/drawing/2014/main" id="{3BF2A873-5EA8-CB4C-AE0C-2BA2237C50DB}"/>
+                <a16:creationId xmlns:a16="http://schemas.microsoft.com/office/drawing/2014/main" xmlns="" id="{3BF2A873-5EA8-CB4C-AE0C-2BA2237C50DB}"/>
               </a:ext>
             </a:extLst>
           </p:cNvPr>
@@ -3152,7 +3407,7 @@
           <p:cNvPr id="4" name="Datumsplatzhalter 3">
             <a:extLst>
               <a:ext uri="{FF2B5EF4-FFF2-40B4-BE49-F238E27FC236}">
-                <a16:creationId xmlns:a16="http://schemas.microsoft.com/office/drawing/2014/main" id="{7CF35C86-7F7F-7D4A-9E5E-691310FDB770}"/>
+                <a16:creationId xmlns:a16="http://schemas.microsoft.com/office/drawing/2014/main" xmlns="" id="{7CF35C86-7F7F-7D4A-9E5E-691310FDB770}"/>
               </a:ext>
             </a:extLst>
           </p:cNvPr>
@@ -3170,7 +3425,7 @@
           <a:p>
             <a:fld id="{82F48383-FCA3-904D-BAB7-C3DA57C34025}" type="datetimeFigureOut">
               <a:rPr lang="de-DE" smtClean="0"/>
-              <a:t>01.07.19</a:t>
+              <a:t>02.07.2019</a:t>
             </a:fld>
             <a:endParaRPr lang="de-DE"/>
           </a:p>
@@ -3181,7 +3436,7 @@
           <p:cNvPr id="5" name="Fußzeilenplatzhalter 4">
             <a:extLst>
               <a:ext uri="{FF2B5EF4-FFF2-40B4-BE49-F238E27FC236}">
-                <a16:creationId xmlns:a16="http://schemas.microsoft.com/office/drawing/2014/main" id="{3F495B2B-E913-4740-9EBA-30653E27DE50}"/>
+                <a16:creationId xmlns:a16="http://schemas.microsoft.com/office/drawing/2014/main" xmlns="" id="{3F495B2B-E913-4740-9EBA-30653E27DE50}"/>
               </a:ext>
             </a:extLst>
           </p:cNvPr>
@@ -3206,7 +3461,7 @@
           <p:cNvPr id="6" name="Foliennummernplatzhalter 5">
             <a:extLst>
               <a:ext uri="{FF2B5EF4-FFF2-40B4-BE49-F238E27FC236}">
-                <a16:creationId xmlns:a16="http://schemas.microsoft.com/office/drawing/2014/main" id="{1B917D15-5200-3A4B-932D-A97B10281BDC}"/>
+                <a16:creationId xmlns:a16="http://schemas.microsoft.com/office/drawing/2014/main" xmlns="" id="{1B917D15-5200-3A4B-932D-A97B10281BDC}"/>
               </a:ext>
             </a:extLst>
           </p:cNvPr>
@@ -3265,7 +3520,7 @@
           <p:cNvPr id="2" name="Titel 1">
             <a:extLst>
               <a:ext uri="{FF2B5EF4-FFF2-40B4-BE49-F238E27FC236}">
-                <a16:creationId xmlns:a16="http://schemas.microsoft.com/office/drawing/2014/main" id="{D905D12F-79BE-CD41-9F97-DD37C1750845}"/>
+                <a16:creationId xmlns:a16="http://schemas.microsoft.com/office/drawing/2014/main" xmlns="" id="{D905D12F-79BE-CD41-9F97-DD37C1750845}"/>
               </a:ext>
             </a:extLst>
           </p:cNvPr>
@@ -3293,7 +3548,7 @@
           <p:cNvPr id="3" name="Inhaltsplatzhalter 2">
             <a:extLst>
               <a:ext uri="{FF2B5EF4-FFF2-40B4-BE49-F238E27FC236}">
-                <a16:creationId xmlns:a16="http://schemas.microsoft.com/office/drawing/2014/main" id="{D8957224-0D0D-7746-BCBD-E4F8208E8E10}"/>
+                <a16:creationId xmlns:a16="http://schemas.microsoft.com/office/drawing/2014/main" xmlns="" id="{D8957224-0D0D-7746-BCBD-E4F8208E8E10}"/>
               </a:ext>
             </a:extLst>
           </p:cNvPr>
@@ -3325,7 +3580,7 @@
           <p:cNvPr id="4" name="Datumsplatzhalter 3">
             <a:extLst>
               <a:ext uri="{FF2B5EF4-FFF2-40B4-BE49-F238E27FC236}">
-                <a16:creationId xmlns:a16="http://schemas.microsoft.com/office/drawing/2014/main" id="{0B4E4D52-5024-2A4E-8037-AED189B9E264}"/>
+                <a16:creationId xmlns:a16="http://schemas.microsoft.com/office/drawing/2014/main" xmlns="" id="{0B4E4D52-5024-2A4E-8037-AED189B9E264}"/>
               </a:ext>
             </a:extLst>
           </p:cNvPr>
@@ -3343,7 +3598,7 @@
           <a:p>
             <a:fld id="{82F48383-FCA3-904D-BAB7-C3DA57C34025}" type="datetimeFigureOut">
               <a:rPr lang="de-DE" smtClean="0"/>
-              <a:t>01.07.19</a:t>
+              <a:t>02.07.2019</a:t>
             </a:fld>
             <a:endParaRPr lang="de-DE"/>
           </a:p>
@@ -3354,7 +3609,7 @@
           <p:cNvPr id="5" name="Fußzeilenplatzhalter 4">
             <a:extLst>
               <a:ext uri="{FF2B5EF4-FFF2-40B4-BE49-F238E27FC236}">
-                <a16:creationId xmlns:a16="http://schemas.microsoft.com/office/drawing/2014/main" id="{12897E99-FDA3-BF4B-86A3-95486763DDF9}"/>
+                <a16:creationId xmlns:a16="http://schemas.microsoft.com/office/drawing/2014/main" xmlns="" id="{12897E99-FDA3-BF4B-86A3-95486763DDF9}"/>
               </a:ext>
             </a:extLst>
           </p:cNvPr>
@@ -3379,7 +3634,7 @@
           <p:cNvPr id="6" name="Foliennummernplatzhalter 5">
             <a:extLst>
               <a:ext uri="{FF2B5EF4-FFF2-40B4-BE49-F238E27FC236}">
-                <a16:creationId xmlns:a16="http://schemas.microsoft.com/office/drawing/2014/main" id="{EE1AA7CD-B421-C740-8D36-D478D7689E50}"/>
+                <a16:creationId xmlns:a16="http://schemas.microsoft.com/office/drawing/2014/main" xmlns="" id="{EE1AA7CD-B421-C740-8D36-D478D7689E50}"/>
               </a:ext>
             </a:extLst>
           </p:cNvPr>
@@ -3438,7 +3693,7 @@
           <p:cNvPr id="2" name="Titel 1">
             <a:extLst>
               <a:ext uri="{FF2B5EF4-FFF2-40B4-BE49-F238E27FC236}">
-                <a16:creationId xmlns:a16="http://schemas.microsoft.com/office/drawing/2014/main" id="{0A061298-7A62-2F4C-B6A3-0A8BB714DFA3}"/>
+                <a16:creationId xmlns:a16="http://schemas.microsoft.com/office/drawing/2014/main" xmlns="" id="{0A061298-7A62-2F4C-B6A3-0A8BB714DFA3}"/>
               </a:ext>
             </a:extLst>
           </p:cNvPr>
@@ -3475,7 +3730,7 @@
           <p:cNvPr id="3" name="Textplatzhalter 2">
             <a:extLst>
               <a:ext uri="{FF2B5EF4-FFF2-40B4-BE49-F238E27FC236}">
-                <a16:creationId xmlns:a16="http://schemas.microsoft.com/office/drawing/2014/main" id="{EF880BAB-4A8A-F247-B79A-5FB85578A25C}"/>
+                <a16:creationId xmlns:a16="http://schemas.microsoft.com/office/drawing/2014/main" xmlns="" id="{EF880BAB-4A8A-F247-B79A-5FB85578A25C}"/>
               </a:ext>
             </a:extLst>
           </p:cNvPr>
@@ -3603,7 +3858,7 @@
           <p:cNvPr id="4" name="Datumsplatzhalter 3">
             <a:extLst>
               <a:ext uri="{FF2B5EF4-FFF2-40B4-BE49-F238E27FC236}">
-                <a16:creationId xmlns:a16="http://schemas.microsoft.com/office/drawing/2014/main" id="{5C1CF969-A856-B443-84E7-5170F0482FB6}"/>
+                <a16:creationId xmlns:a16="http://schemas.microsoft.com/office/drawing/2014/main" xmlns="" id="{5C1CF969-A856-B443-84E7-5170F0482FB6}"/>
               </a:ext>
             </a:extLst>
           </p:cNvPr>
@@ -3621,7 +3876,7 @@
           <a:p>
             <a:fld id="{82F48383-FCA3-904D-BAB7-C3DA57C34025}" type="datetimeFigureOut">
               <a:rPr lang="de-DE" smtClean="0"/>
-              <a:t>01.07.19</a:t>
+              <a:t>02.07.2019</a:t>
             </a:fld>
             <a:endParaRPr lang="de-DE"/>
           </a:p>
@@ -3632,7 +3887,7 @@
           <p:cNvPr id="5" name="Fußzeilenplatzhalter 4">
             <a:extLst>
               <a:ext uri="{FF2B5EF4-FFF2-40B4-BE49-F238E27FC236}">
-                <a16:creationId xmlns:a16="http://schemas.microsoft.com/office/drawing/2014/main" id="{A8270CB1-A61B-984D-BC84-AC4F045BD50C}"/>
+                <a16:creationId xmlns:a16="http://schemas.microsoft.com/office/drawing/2014/main" xmlns="" id="{A8270CB1-A61B-984D-BC84-AC4F045BD50C}"/>
               </a:ext>
             </a:extLst>
           </p:cNvPr>
@@ -3657,7 +3912,7 @@
           <p:cNvPr id="6" name="Foliennummernplatzhalter 5">
             <a:extLst>
               <a:ext uri="{FF2B5EF4-FFF2-40B4-BE49-F238E27FC236}">
-                <a16:creationId xmlns:a16="http://schemas.microsoft.com/office/drawing/2014/main" id="{FCECD375-628F-DA42-A831-7F718D0EB176}"/>
+                <a16:creationId xmlns:a16="http://schemas.microsoft.com/office/drawing/2014/main" xmlns="" id="{FCECD375-628F-DA42-A831-7F718D0EB176}"/>
               </a:ext>
             </a:extLst>
           </p:cNvPr>
@@ -3716,7 +3971,7 @@
           <p:cNvPr id="2" name="Titel 1">
             <a:extLst>
               <a:ext uri="{FF2B5EF4-FFF2-40B4-BE49-F238E27FC236}">
-                <a16:creationId xmlns:a16="http://schemas.microsoft.com/office/drawing/2014/main" id="{80E4E4B0-260E-644D-B091-8D4ECF7CC9B0}"/>
+                <a16:creationId xmlns:a16="http://schemas.microsoft.com/office/drawing/2014/main" xmlns="" id="{80E4E4B0-260E-644D-B091-8D4ECF7CC9B0}"/>
               </a:ext>
             </a:extLst>
           </p:cNvPr>
@@ -3744,7 +3999,7 @@
           <p:cNvPr id="3" name="Inhaltsplatzhalter 2">
             <a:extLst>
               <a:ext uri="{FF2B5EF4-FFF2-40B4-BE49-F238E27FC236}">
-                <a16:creationId xmlns:a16="http://schemas.microsoft.com/office/drawing/2014/main" id="{61D23B07-CED5-CA4E-87AD-D2D5FACA2F01}"/>
+                <a16:creationId xmlns:a16="http://schemas.microsoft.com/office/drawing/2014/main" xmlns="" id="{61D23B07-CED5-CA4E-87AD-D2D5FACA2F01}"/>
               </a:ext>
             </a:extLst>
           </p:cNvPr>
@@ -3781,7 +4036,7 @@
           <p:cNvPr id="4" name="Inhaltsplatzhalter 3">
             <a:extLst>
               <a:ext uri="{FF2B5EF4-FFF2-40B4-BE49-F238E27FC236}">
-                <a16:creationId xmlns:a16="http://schemas.microsoft.com/office/drawing/2014/main" id="{EC933EF0-6705-964F-A423-C4CD1C51F0E3}"/>
+                <a16:creationId xmlns:a16="http://schemas.microsoft.com/office/drawing/2014/main" xmlns="" id="{EC933EF0-6705-964F-A423-C4CD1C51F0E3}"/>
               </a:ext>
             </a:extLst>
           </p:cNvPr>
@@ -3818,7 +4073,7 @@
           <p:cNvPr id="5" name="Datumsplatzhalter 4">
             <a:extLst>
               <a:ext uri="{FF2B5EF4-FFF2-40B4-BE49-F238E27FC236}">
-                <a16:creationId xmlns:a16="http://schemas.microsoft.com/office/drawing/2014/main" id="{4007FD09-99BE-0B4F-877F-711C21654352}"/>
+                <a16:creationId xmlns:a16="http://schemas.microsoft.com/office/drawing/2014/main" xmlns="" id="{4007FD09-99BE-0B4F-877F-711C21654352}"/>
               </a:ext>
             </a:extLst>
           </p:cNvPr>
@@ -3836,7 +4091,7 @@
           <a:p>
             <a:fld id="{82F48383-FCA3-904D-BAB7-C3DA57C34025}" type="datetimeFigureOut">
               <a:rPr lang="de-DE" smtClean="0"/>
-              <a:t>01.07.19</a:t>
+              <a:t>02.07.2019</a:t>
             </a:fld>
             <a:endParaRPr lang="de-DE"/>
           </a:p>
@@ -3847,7 +4102,7 @@
           <p:cNvPr id="6" name="Fußzeilenplatzhalter 5">
             <a:extLst>
               <a:ext uri="{FF2B5EF4-FFF2-40B4-BE49-F238E27FC236}">
-                <a16:creationId xmlns:a16="http://schemas.microsoft.com/office/drawing/2014/main" id="{25A4E2E0-2F8B-664C-A019-87A33C679F04}"/>
+                <a16:creationId xmlns:a16="http://schemas.microsoft.com/office/drawing/2014/main" xmlns="" id="{25A4E2E0-2F8B-664C-A019-87A33C679F04}"/>
               </a:ext>
             </a:extLst>
           </p:cNvPr>
@@ -3872,7 +4127,7 @@
           <p:cNvPr id="7" name="Foliennummernplatzhalter 6">
             <a:extLst>
               <a:ext uri="{FF2B5EF4-FFF2-40B4-BE49-F238E27FC236}">
-                <a16:creationId xmlns:a16="http://schemas.microsoft.com/office/drawing/2014/main" id="{A5C35ABB-E1A2-344E-A2AE-FB7DB3DB6E4D}"/>
+                <a16:creationId xmlns:a16="http://schemas.microsoft.com/office/drawing/2014/main" xmlns="" id="{A5C35ABB-E1A2-344E-A2AE-FB7DB3DB6E4D}"/>
               </a:ext>
             </a:extLst>
           </p:cNvPr>
@@ -3931,7 +4186,7 @@
           <p:cNvPr id="2" name="Titel 1">
             <a:extLst>
               <a:ext uri="{FF2B5EF4-FFF2-40B4-BE49-F238E27FC236}">
-                <a16:creationId xmlns:a16="http://schemas.microsoft.com/office/drawing/2014/main" id="{90A92756-B025-954F-BB8C-31EAF4F45171}"/>
+                <a16:creationId xmlns:a16="http://schemas.microsoft.com/office/drawing/2014/main" xmlns="" id="{90A92756-B025-954F-BB8C-31EAF4F45171}"/>
               </a:ext>
             </a:extLst>
           </p:cNvPr>
@@ -3964,7 +4219,7 @@
           <p:cNvPr id="3" name="Textplatzhalter 2">
             <a:extLst>
               <a:ext uri="{FF2B5EF4-FFF2-40B4-BE49-F238E27FC236}">
-                <a16:creationId xmlns:a16="http://schemas.microsoft.com/office/drawing/2014/main" id="{497B8FA7-E40E-E04D-8E82-8D25D0FE009D}"/>
+                <a16:creationId xmlns:a16="http://schemas.microsoft.com/office/drawing/2014/main" xmlns="" id="{497B8FA7-E40E-E04D-8E82-8D25D0FE009D}"/>
               </a:ext>
             </a:extLst>
           </p:cNvPr>
@@ -4038,7 +4293,7 @@
           <p:cNvPr id="4" name="Inhaltsplatzhalter 3">
             <a:extLst>
               <a:ext uri="{FF2B5EF4-FFF2-40B4-BE49-F238E27FC236}">
-                <a16:creationId xmlns:a16="http://schemas.microsoft.com/office/drawing/2014/main" id="{9DB891E8-89E7-8D44-827F-D9B3C359A443}"/>
+                <a16:creationId xmlns:a16="http://schemas.microsoft.com/office/drawing/2014/main" xmlns="" id="{9DB891E8-89E7-8D44-827F-D9B3C359A443}"/>
               </a:ext>
             </a:extLst>
           </p:cNvPr>
@@ -4075,7 +4330,7 @@
           <p:cNvPr id="5" name="Textplatzhalter 4">
             <a:extLst>
               <a:ext uri="{FF2B5EF4-FFF2-40B4-BE49-F238E27FC236}">
-                <a16:creationId xmlns:a16="http://schemas.microsoft.com/office/drawing/2014/main" id="{C4A992B5-BEA7-864F-B9A3-B0D6EC89AEB3}"/>
+                <a16:creationId xmlns:a16="http://schemas.microsoft.com/office/drawing/2014/main" xmlns="" id="{C4A992B5-BEA7-864F-B9A3-B0D6EC89AEB3}"/>
               </a:ext>
             </a:extLst>
           </p:cNvPr>
@@ -4149,7 +4404,7 @@
           <p:cNvPr id="6" name="Inhaltsplatzhalter 5">
             <a:extLst>
               <a:ext uri="{FF2B5EF4-FFF2-40B4-BE49-F238E27FC236}">
-                <a16:creationId xmlns:a16="http://schemas.microsoft.com/office/drawing/2014/main" id="{C6F24F96-7021-F04D-BE0C-70D6C357A6AE}"/>
+                <a16:creationId xmlns:a16="http://schemas.microsoft.com/office/drawing/2014/main" xmlns="" id="{C6F24F96-7021-F04D-BE0C-70D6C357A6AE}"/>
               </a:ext>
             </a:extLst>
           </p:cNvPr>
@@ -4186,7 +4441,7 @@
           <p:cNvPr id="7" name="Datumsplatzhalter 6">
             <a:extLst>
               <a:ext uri="{FF2B5EF4-FFF2-40B4-BE49-F238E27FC236}">
-                <a16:creationId xmlns:a16="http://schemas.microsoft.com/office/drawing/2014/main" id="{BE8C1B9C-6184-CB4E-998F-A480AA5D43AB}"/>
+                <a16:creationId xmlns:a16="http://schemas.microsoft.com/office/drawing/2014/main" xmlns="" id="{BE8C1B9C-6184-CB4E-998F-A480AA5D43AB}"/>
               </a:ext>
             </a:extLst>
           </p:cNvPr>
@@ -4204,7 +4459,7 @@
           <a:p>
             <a:fld id="{82F48383-FCA3-904D-BAB7-C3DA57C34025}" type="datetimeFigureOut">
               <a:rPr lang="de-DE" smtClean="0"/>
-              <a:t>01.07.19</a:t>
+              <a:t>02.07.2019</a:t>
             </a:fld>
             <a:endParaRPr lang="de-DE"/>
           </a:p>
@@ -4215,7 +4470,7 @@
           <p:cNvPr id="8" name="Fußzeilenplatzhalter 7">
             <a:extLst>
               <a:ext uri="{FF2B5EF4-FFF2-40B4-BE49-F238E27FC236}">
-                <a16:creationId xmlns:a16="http://schemas.microsoft.com/office/drawing/2014/main" id="{99C2775A-AE5F-FB42-B461-4A3C859181DF}"/>
+                <a16:creationId xmlns:a16="http://schemas.microsoft.com/office/drawing/2014/main" xmlns="" id="{99C2775A-AE5F-FB42-B461-4A3C859181DF}"/>
               </a:ext>
             </a:extLst>
           </p:cNvPr>
@@ -4240,7 +4495,7 @@
           <p:cNvPr id="9" name="Foliennummernplatzhalter 8">
             <a:extLst>
               <a:ext uri="{FF2B5EF4-FFF2-40B4-BE49-F238E27FC236}">
-                <a16:creationId xmlns:a16="http://schemas.microsoft.com/office/drawing/2014/main" id="{9E7E469E-F8E9-864F-8754-123A6C0AF0FA}"/>
+                <a16:creationId xmlns:a16="http://schemas.microsoft.com/office/drawing/2014/main" xmlns="" id="{9E7E469E-F8E9-864F-8754-123A6C0AF0FA}"/>
               </a:ext>
             </a:extLst>
           </p:cNvPr>
@@ -4299,7 +4554,7 @@
           <p:cNvPr id="2" name="Titel 1">
             <a:extLst>
               <a:ext uri="{FF2B5EF4-FFF2-40B4-BE49-F238E27FC236}">
-                <a16:creationId xmlns:a16="http://schemas.microsoft.com/office/drawing/2014/main" id="{27B83529-C5C5-D144-9F6A-C5D11E437C82}"/>
+                <a16:creationId xmlns:a16="http://schemas.microsoft.com/office/drawing/2014/main" xmlns="" id="{27B83529-C5C5-D144-9F6A-C5D11E437C82}"/>
               </a:ext>
             </a:extLst>
           </p:cNvPr>
@@ -4327,7 +4582,7 @@
           <p:cNvPr id="3" name="Datumsplatzhalter 2">
             <a:extLst>
               <a:ext uri="{FF2B5EF4-FFF2-40B4-BE49-F238E27FC236}">
-                <a16:creationId xmlns:a16="http://schemas.microsoft.com/office/drawing/2014/main" id="{74D3C6F4-02B6-A540-A96A-C806AF1D7567}"/>
+                <a16:creationId xmlns:a16="http://schemas.microsoft.com/office/drawing/2014/main" xmlns="" id="{74D3C6F4-02B6-A540-A96A-C806AF1D7567}"/>
               </a:ext>
             </a:extLst>
           </p:cNvPr>
@@ -4345,7 +4600,7 @@
           <a:p>
             <a:fld id="{82F48383-FCA3-904D-BAB7-C3DA57C34025}" type="datetimeFigureOut">
               <a:rPr lang="de-DE" smtClean="0"/>
-              <a:t>01.07.19</a:t>
+              <a:t>02.07.2019</a:t>
             </a:fld>
             <a:endParaRPr lang="de-DE"/>
           </a:p>
@@ -4356,7 +4611,7 @@
           <p:cNvPr id="4" name="Fußzeilenplatzhalter 3">
             <a:extLst>
               <a:ext uri="{FF2B5EF4-FFF2-40B4-BE49-F238E27FC236}">
-                <a16:creationId xmlns:a16="http://schemas.microsoft.com/office/drawing/2014/main" id="{4B864B59-4F52-AC41-9BF9-9DF815F6F997}"/>
+                <a16:creationId xmlns:a16="http://schemas.microsoft.com/office/drawing/2014/main" xmlns="" id="{4B864B59-4F52-AC41-9BF9-9DF815F6F997}"/>
               </a:ext>
             </a:extLst>
           </p:cNvPr>
@@ -4381,7 +4636,7 @@
           <p:cNvPr id="5" name="Foliennummernplatzhalter 4">
             <a:extLst>
               <a:ext uri="{FF2B5EF4-FFF2-40B4-BE49-F238E27FC236}">
-                <a16:creationId xmlns:a16="http://schemas.microsoft.com/office/drawing/2014/main" id="{71CB689E-DE78-C74D-AB5B-8D48ABB7E879}"/>
+                <a16:creationId xmlns:a16="http://schemas.microsoft.com/office/drawing/2014/main" xmlns="" id="{71CB689E-DE78-C74D-AB5B-8D48ABB7E879}"/>
               </a:ext>
             </a:extLst>
           </p:cNvPr>
@@ -4440,7 +4695,7 @@
           <p:cNvPr id="2" name="Datumsplatzhalter 1">
             <a:extLst>
               <a:ext uri="{FF2B5EF4-FFF2-40B4-BE49-F238E27FC236}">
-                <a16:creationId xmlns:a16="http://schemas.microsoft.com/office/drawing/2014/main" id="{5BC291DB-90BD-9241-99D8-1F5124577947}"/>
+                <a16:creationId xmlns:a16="http://schemas.microsoft.com/office/drawing/2014/main" xmlns="" id="{5BC291DB-90BD-9241-99D8-1F5124577947}"/>
               </a:ext>
             </a:extLst>
           </p:cNvPr>
@@ -4458,7 +4713,7 @@
           <a:p>
             <a:fld id="{82F48383-FCA3-904D-BAB7-C3DA57C34025}" type="datetimeFigureOut">
               <a:rPr lang="de-DE" smtClean="0"/>
-              <a:t>01.07.19</a:t>
+              <a:t>02.07.2019</a:t>
             </a:fld>
             <a:endParaRPr lang="de-DE"/>
           </a:p>
@@ -4469,7 +4724,7 @@
           <p:cNvPr id="3" name="Fußzeilenplatzhalter 2">
             <a:extLst>
               <a:ext uri="{FF2B5EF4-FFF2-40B4-BE49-F238E27FC236}">
-                <a16:creationId xmlns:a16="http://schemas.microsoft.com/office/drawing/2014/main" id="{4E7EC7FC-159A-C44F-876B-3776F19A851A}"/>
+                <a16:creationId xmlns:a16="http://schemas.microsoft.com/office/drawing/2014/main" xmlns="" id="{4E7EC7FC-159A-C44F-876B-3776F19A851A}"/>
               </a:ext>
             </a:extLst>
           </p:cNvPr>
@@ -4494,7 +4749,7 @@
           <p:cNvPr id="4" name="Foliennummernplatzhalter 3">
             <a:extLst>
               <a:ext uri="{FF2B5EF4-FFF2-40B4-BE49-F238E27FC236}">
-                <a16:creationId xmlns:a16="http://schemas.microsoft.com/office/drawing/2014/main" id="{1DB2D74F-318D-EE4A-9108-D8BB5459A64E}"/>
+                <a16:creationId xmlns:a16="http://schemas.microsoft.com/office/drawing/2014/main" xmlns="" id="{1DB2D74F-318D-EE4A-9108-D8BB5459A64E}"/>
               </a:ext>
             </a:extLst>
           </p:cNvPr>
@@ -4553,7 +4808,7 @@
           <p:cNvPr id="2" name="Titel 1">
             <a:extLst>
               <a:ext uri="{FF2B5EF4-FFF2-40B4-BE49-F238E27FC236}">
-                <a16:creationId xmlns:a16="http://schemas.microsoft.com/office/drawing/2014/main" id="{1F503ED0-8A44-D44C-8A18-A34E562AAAB3}"/>
+                <a16:creationId xmlns:a16="http://schemas.microsoft.com/office/drawing/2014/main" xmlns="" id="{1F503ED0-8A44-D44C-8A18-A34E562AAAB3}"/>
               </a:ext>
             </a:extLst>
           </p:cNvPr>
@@ -4590,7 +4845,7 @@
           <p:cNvPr id="3" name="Inhaltsplatzhalter 2">
             <a:extLst>
               <a:ext uri="{FF2B5EF4-FFF2-40B4-BE49-F238E27FC236}">
-                <a16:creationId xmlns:a16="http://schemas.microsoft.com/office/drawing/2014/main" id="{D3932178-D92F-7848-9D38-3F69B5D68A5F}"/>
+                <a16:creationId xmlns:a16="http://schemas.microsoft.com/office/drawing/2014/main" xmlns="" id="{D3932178-D92F-7848-9D38-3F69B5D68A5F}"/>
               </a:ext>
             </a:extLst>
           </p:cNvPr>
@@ -4655,7 +4910,7 @@
           <p:cNvPr id="4" name="Textplatzhalter 3">
             <a:extLst>
               <a:ext uri="{FF2B5EF4-FFF2-40B4-BE49-F238E27FC236}">
-                <a16:creationId xmlns:a16="http://schemas.microsoft.com/office/drawing/2014/main" id="{5C6AA2F8-50ED-3647-AEA1-E34559135061}"/>
+                <a16:creationId xmlns:a16="http://schemas.microsoft.com/office/drawing/2014/main" xmlns="" id="{5C6AA2F8-50ED-3647-AEA1-E34559135061}"/>
               </a:ext>
             </a:extLst>
           </p:cNvPr>
@@ -4729,7 +4984,7 @@
           <p:cNvPr id="5" name="Datumsplatzhalter 4">
             <a:extLst>
               <a:ext uri="{FF2B5EF4-FFF2-40B4-BE49-F238E27FC236}">
-                <a16:creationId xmlns:a16="http://schemas.microsoft.com/office/drawing/2014/main" id="{BC5543C1-9669-C64B-9EBE-5E94B1E17274}"/>
+                <a16:creationId xmlns:a16="http://schemas.microsoft.com/office/drawing/2014/main" xmlns="" id="{BC5543C1-9669-C64B-9EBE-5E94B1E17274}"/>
               </a:ext>
             </a:extLst>
           </p:cNvPr>
@@ -4747,7 +5002,7 @@
           <a:p>
             <a:fld id="{82F48383-FCA3-904D-BAB7-C3DA57C34025}" type="datetimeFigureOut">
               <a:rPr lang="de-DE" smtClean="0"/>
-              <a:t>01.07.19</a:t>
+              <a:t>02.07.2019</a:t>
             </a:fld>
             <a:endParaRPr lang="de-DE"/>
           </a:p>
@@ -4758,7 +5013,7 @@
           <p:cNvPr id="6" name="Fußzeilenplatzhalter 5">
             <a:extLst>
               <a:ext uri="{FF2B5EF4-FFF2-40B4-BE49-F238E27FC236}">
-                <a16:creationId xmlns:a16="http://schemas.microsoft.com/office/drawing/2014/main" id="{54557C59-F283-944A-816A-C03DD83F3A97}"/>
+                <a16:creationId xmlns:a16="http://schemas.microsoft.com/office/drawing/2014/main" xmlns="" id="{54557C59-F283-944A-816A-C03DD83F3A97}"/>
               </a:ext>
             </a:extLst>
           </p:cNvPr>
@@ -4783,7 +5038,7 @@
           <p:cNvPr id="7" name="Foliennummernplatzhalter 6">
             <a:extLst>
               <a:ext uri="{FF2B5EF4-FFF2-40B4-BE49-F238E27FC236}">
-                <a16:creationId xmlns:a16="http://schemas.microsoft.com/office/drawing/2014/main" id="{6179C710-E331-EE4C-93AE-08FB8966BF32}"/>
+                <a16:creationId xmlns:a16="http://schemas.microsoft.com/office/drawing/2014/main" xmlns="" id="{6179C710-E331-EE4C-93AE-08FB8966BF32}"/>
               </a:ext>
             </a:extLst>
           </p:cNvPr>
@@ -4842,7 +5097,7 @@
           <p:cNvPr id="2" name="Titel 1">
             <a:extLst>
               <a:ext uri="{FF2B5EF4-FFF2-40B4-BE49-F238E27FC236}">
-                <a16:creationId xmlns:a16="http://schemas.microsoft.com/office/drawing/2014/main" id="{AD2ECE74-C933-E44E-95B1-F16000E13C95}"/>
+                <a16:creationId xmlns:a16="http://schemas.microsoft.com/office/drawing/2014/main" xmlns="" id="{AD2ECE74-C933-E44E-95B1-F16000E13C95}"/>
               </a:ext>
             </a:extLst>
           </p:cNvPr>
@@ -4879,7 +5134,7 @@
           <p:cNvPr id="3" name="Bildplatzhalter 2">
             <a:extLst>
               <a:ext uri="{FF2B5EF4-FFF2-40B4-BE49-F238E27FC236}">
-                <a16:creationId xmlns:a16="http://schemas.microsoft.com/office/drawing/2014/main" id="{03FEF7E5-F3DF-5141-83FE-98C75B214B39}"/>
+                <a16:creationId xmlns:a16="http://schemas.microsoft.com/office/drawing/2014/main" xmlns="" id="{03FEF7E5-F3DF-5141-83FE-98C75B214B39}"/>
               </a:ext>
             </a:extLst>
           </p:cNvPr>
@@ -4946,7 +5201,7 @@
           <p:cNvPr id="4" name="Textplatzhalter 3">
             <a:extLst>
               <a:ext uri="{FF2B5EF4-FFF2-40B4-BE49-F238E27FC236}">
-                <a16:creationId xmlns:a16="http://schemas.microsoft.com/office/drawing/2014/main" id="{6CB8AA1C-0014-1E4C-94BD-C32414268D3A}"/>
+                <a16:creationId xmlns:a16="http://schemas.microsoft.com/office/drawing/2014/main" xmlns="" id="{6CB8AA1C-0014-1E4C-94BD-C32414268D3A}"/>
               </a:ext>
             </a:extLst>
           </p:cNvPr>
@@ -5020,7 +5275,7 @@
           <p:cNvPr id="5" name="Datumsplatzhalter 4">
             <a:extLst>
               <a:ext uri="{FF2B5EF4-FFF2-40B4-BE49-F238E27FC236}">
-                <a16:creationId xmlns:a16="http://schemas.microsoft.com/office/drawing/2014/main" id="{3E12F7FF-A4AE-0749-83D0-9E8694912287}"/>
+                <a16:creationId xmlns:a16="http://schemas.microsoft.com/office/drawing/2014/main" xmlns="" id="{3E12F7FF-A4AE-0749-83D0-9E8694912287}"/>
               </a:ext>
             </a:extLst>
           </p:cNvPr>
@@ -5038,7 +5293,7 @@
           <a:p>
             <a:fld id="{82F48383-FCA3-904D-BAB7-C3DA57C34025}" type="datetimeFigureOut">
               <a:rPr lang="de-DE" smtClean="0"/>
-              <a:t>01.07.19</a:t>
+              <a:t>02.07.2019</a:t>
             </a:fld>
             <a:endParaRPr lang="de-DE"/>
           </a:p>
@@ -5049,7 +5304,7 @@
           <p:cNvPr id="6" name="Fußzeilenplatzhalter 5">
             <a:extLst>
               <a:ext uri="{FF2B5EF4-FFF2-40B4-BE49-F238E27FC236}">
-                <a16:creationId xmlns:a16="http://schemas.microsoft.com/office/drawing/2014/main" id="{0F1B4690-838E-E14E-B13F-D7C19E602E64}"/>
+                <a16:creationId xmlns:a16="http://schemas.microsoft.com/office/drawing/2014/main" xmlns="" id="{0F1B4690-838E-E14E-B13F-D7C19E602E64}"/>
               </a:ext>
             </a:extLst>
           </p:cNvPr>
@@ -5074,7 +5329,7 @@
           <p:cNvPr id="7" name="Foliennummernplatzhalter 6">
             <a:extLst>
               <a:ext uri="{FF2B5EF4-FFF2-40B4-BE49-F238E27FC236}">
-                <a16:creationId xmlns:a16="http://schemas.microsoft.com/office/drawing/2014/main" id="{7A8D8463-A954-6748-9879-ADC8AF02B50D}"/>
+                <a16:creationId xmlns:a16="http://schemas.microsoft.com/office/drawing/2014/main" xmlns="" id="{7A8D8463-A954-6748-9879-ADC8AF02B50D}"/>
               </a:ext>
             </a:extLst>
           </p:cNvPr>
@@ -5141,7 +5396,7 @@
           <p:cNvPr id="2" name="Titelplatzhalter 1">
             <a:extLst>
               <a:ext uri="{FF2B5EF4-FFF2-40B4-BE49-F238E27FC236}">
-                <a16:creationId xmlns:a16="http://schemas.microsoft.com/office/drawing/2014/main" id="{F3BBD851-5D2A-0241-81EC-77B06DAD8D51}"/>
+                <a16:creationId xmlns:a16="http://schemas.microsoft.com/office/drawing/2014/main" xmlns="" id="{F3BBD851-5D2A-0241-81EC-77B06DAD8D51}"/>
               </a:ext>
             </a:extLst>
           </p:cNvPr>
@@ -5179,7 +5434,7 @@
           <p:cNvPr id="3" name="Textplatzhalter 2">
             <a:extLst>
               <a:ext uri="{FF2B5EF4-FFF2-40B4-BE49-F238E27FC236}">
-                <a16:creationId xmlns:a16="http://schemas.microsoft.com/office/drawing/2014/main" id="{6AF28E1A-8C3C-824D-A69D-B77AD2003BE1}"/>
+                <a16:creationId xmlns:a16="http://schemas.microsoft.com/office/drawing/2014/main" xmlns="" id="{6AF28E1A-8C3C-824D-A69D-B77AD2003BE1}"/>
               </a:ext>
             </a:extLst>
           </p:cNvPr>
@@ -5221,7 +5476,7 @@
           <p:cNvPr id="4" name="Datumsplatzhalter 3">
             <a:extLst>
               <a:ext uri="{FF2B5EF4-FFF2-40B4-BE49-F238E27FC236}">
-                <a16:creationId xmlns:a16="http://schemas.microsoft.com/office/drawing/2014/main" id="{14F36C74-AEF6-324A-939D-781EA85E6B37}"/>
+                <a16:creationId xmlns:a16="http://schemas.microsoft.com/office/drawing/2014/main" xmlns="" id="{14F36C74-AEF6-324A-939D-781EA85E6B37}"/>
               </a:ext>
             </a:extLst>
           </p:cNvPr>
@@ -5257,7 +5512,7 @@
           <a:p>
             <a:fld id="{82F48383-FCA3-904D-BAB7-C3DA57C34025}" type="datetimeFigureOut">
               <a:rPr lang="de-DE" smtClean="0"/>
-              <a:t>01.07.19</a:t>
+              <a:t>02.07.2019</a:t>
             </a:fld>
             <a:endParaRPr lang="de-DE"/>
           </a:p>
@@ -5268,7 +5523,7 @@
           <p:cNvPr id="5" name="Fußzeilenplatzhalter 4">
             <a:extLst>
               <a:ext uri="{FF2B5EF4-FFF2-40B4-BE49-F238E27FC236}">
-                <a16:creationId xmlns:a16="http://schemas.microsoft.com/office/drawing/2014/main" id="{CF454ED0-5B84-894F-BB54-EE635A5499CA}"/>
+                <a16:creationId xmlns:a16="http://schemas.microsoft.com/office/drawing/2014/main" xmlns="" id="{CF454ED0-5B84-894F-BB54-EE635A5499CA}"/>
               </a:ext>
             </a:extLst>
           </p:cNvPr>
@@ -5311,7 +5566,7 @@
           <p:cNvPr id="6" name="Foliennummernplatzhalter 5">
             <a:extLst>
               <a:ext uri="{FF2B5EF4-FFF2-40B4-BE49-F238E27FC236}">
-                <a16:creationId xmlns:a16="http://schemas.microsoft.com/office/drawing/2014/main" id="{A276BFAA-BED4-FD44-A7A3-E7419BE028A8}"/>
+                <a16:creationId xmlns:a16="http://schemas.microsoft.com/office/drawing/2014/main" xmlns="" id="{A276BFAA-BED4-FD44-A7A3-E7419BE028A8}"/>
               </a:ext>
             </a:extLst>
           </p:cNvPr>
@@ -5687,10 +5942,10 @@
           <p:cNvPr id="26" name="Rectangle 25">
             <a:extLst>
               <a:ext uri="{FF2B5EF4-FFF2-40B4-BE49-F238E27FC236}">
-                <a16:creationId xmlns:a16="http://schemas.microsoft.com/office/drawing/2014/main" id="{6F9EB9F2-07E2-4D64-BBD8-BB5B217F1218}"/>
+                <a16:creationId xmlns:a16="http://schemas.microsoft.com/office/drawing/2014/main" xmlns="" id="{6F9EB9F2-07E2-4D64-BBD8-BB5B217F1218}"/>
               </a:ext>
               <a:ext uri="{C183D7F6-B498-43B3-948B-1728B52AA6E4}">
-                <adec:decorative xmlns:adec="http://schemas.microsoft.com/office/drawing/2017/decorative" val="1"/>
+                <adec:decorative xmlns:adec="http://schemas.microsoft.com/office/drawing/2017/decorative" xmlns="" val="1"/>
               </a:ext>
             </a:extLst>
           </p:cNvPr>
@@ -5700,7 +5955,7 @@
           <p:nvPr>
             <p:extLst>
               <p:ext uri="{386F3935-93C4-4BCD-93E2-E3B085C9AB24}">
-                <p16:designElem xmlns:p16="http://schemas.microsoft.com/office/powerpoint/2015/main" val="1"/>
+                <p16:designElem xmlns:p16="http://schemas.microsoft.com/office/powerpoint/2015/main" xmlns="" val="1"/>
               </p:ext>
             </p:extLst>
           </p:nvPr>
@@ -5752,7 +6007,7 @@
           <p:cNvPr id="2" name="Titel 1">
             <a:extLst>
               <a:ext uri="{FF2B5EF4-FFF2-40B4-BE49-F238E27FC236}">
-                <a16:creationId xmlns:a16="http://schemas.microsoft.com/office/drawing/2014/main" id="{3E2C9346-6092-1E41-B6A4-C53308C7DFBF}"/>
+                <a16:creationId xmlns:a16="http://schemas.microsoft.com/office/drawing/2014/main" xmlns="" id="{3E2C9346-6092-1E41-B6A4-C53308C7DFBF}"/>
               </a:ext>
             </a:extLst>
           </p:cNvPr>
@@ -5800,10 +6055,10 @@
           <p:cNvPr id="28" name="Straight Connector 27">
             <a:extLst>
               <a:ext uri="{FF2B5EF4-FFF2-40B4-BE49-F238E27FC236}">
-                <a16:creationId xmlns:a16="http://schemas.microsoft.com/office/drawing/2014/main" id="{F0C57C7C-DFE9-4A1E-B7A9-DF40E63366BB}"/>
+                <a16:creationId xmlns:a16="http://schemas.microsoft.com/office/drawing/2014/main" xmlns="" id="{F0C57C7C-DFE9-4A1E-B7A9-DF40E63366BB}"/>
               </a:ext>
               <a:ext uri="{C183D7F6-B498-43B3-948B-1728B52AA6E4}">
-                <adec:decorative xmlns:adec="http://schemas.microsoft.com/office/drawing/2017/decorative" val="1"/>
+                <adec:decorative xmlns:adec="http://schemas.microsoft.com/office/drawing/2017/decorative" xmlns="" val="1"/>
               </a:ext>
             </a:extLst>
           </p:cNvPr>
@@ -5813,7 +6068,7 @@
           <p:nvPr>
             <p:extLst>
               <p:ext uri="{386F3935-93C4-4BCD-93E2-E3B085C9AB24}">
-                <p16:designElem xmlns:p16="http://schemas.microsoft.com/office/powerpoint/2015/main" val="1"/>
+                <p16:designElem xmlns:p16="http://schemas.microsoft.com/office/powerpoint/2015/main" xmlns="" val="1"/>
               </p:ext>
             </p:extLst>
           </p:nvPr>
@@ -5905,10 +6160,10 @@
           <p:cNvPr id="8" name="Rectangle 7">
             <a:extLst>
               <a:ext uri="{FF2B5EF4-FFF2-40B4-BE49-F238E27FC236}">
-                <a16:creationId xmlns:a16="http://schemas.microsoft.com/office/drawing/2014/main" id="{8D70B121-56F4-4848-B38B-182089D909FA}"/>
+                <a16:creationId xmlns:a16="http://schemas.microsoft.com/office/drawing/2014/main" xmlns="" id="{8D70B121-56F4-4848-B38B-182089D909FA}"/>
               </a:ext>
               <a:ext uri="{C183D7F6-B498-43B3-948B-1728B52AA6E4}">
-                <adec:decorative xmlns:adec="http://schemas.microsoft.com/office/drawing/2017/decorative" val="1"/>
+                <adec:decorative xmlns:adec="http://schemas.microsoft.com/office/drawing/2017/decorative" xmlns="" val="1"/>
               </a:ext>
             </a:extLst>
           </p:cNvPr>
@@ -5918,7 +6173,7 @@
           <p:nvPr>
             <p:extLst>
               <p:ext uri="{386F3935-93C4-4BCD-93E2-E3B085C9AB24}">
-                <p16:designElem xmlns:p16="http://schemas.microsoft.com/office/powerpoint/2015/main" val="1"/>
+                <p16:designElem xmlns:p16="http://schemas.microsoft.com/office/powerpoint/2015/main" xmlns="" val="1"/>
               </p:ext>
             </p:extLst>
           </p:nvPr>
@@ -5970,7 +6225,7 @@
           <p:cNvPr id="2" name="Titel 1">
             <a:extLst>
               <a:ext uri="{FF2B5EF4-FFF2-40B4-BE49-F238E27FC236}">
-                <a16:creationId xmlns:a16="http://schemas.microsoft.com/office/drawing/2014/main" id="{0B5D0F8F-C92F-BC46-ACC4-7A21698DD272}"/>
+                <a16:creationId xmlns:a16="http://schemas.microsoft.com/office/drawing/2014/main" xmlns="" id="{0B5D0F8F-C92F-BC46-ACC4-7A21698DD272}"/>
               </a:ext>
             </a:extLst>
           </p:cNvPr>
@@ -6010,10 +6265,10 @@
           <p:cNvPr id="10" name="Straight Connector 9">
             <a:extLst>
               <a:ext uri="{FF2B5EF4-FFF2-40B4-BE49-F238E27FC236}">
-                <a16:creationId xmlns:a16="http://schemas.microsoft.com/office/drawing/2014/main" id="{2D72A2C9-F3CA-4216-8BAD-FA4C970C3C4E}"/>
+                <a16:creationId xmlns:a16="http://schemas.microsoft.com/office/drawing/2014/main" xmlns="" id="{2D72A2C9-F3CA-4216-8BAD-FA4C970C3C4E}"/>
               </a:ext>
               <a:ext uri="{C183D7F6-B498-43B3-948B-1728B52AA6E4}">
-                <adec:decorative xmlns:adec="http://schemas.microsoft.com/office/drawing/2017/decorative" val="1"/>
+                <adec:decorative xmlns:adec="http://schemas.microsoft.com/office/drawing/2017/decorative" xmlns="" val="1"/>
               </a:ext>
             </a:extLst>
           </p:cNvPr>
@@ -6023,7 +6278,7 @@
           <p:nvPr>
             <p:extLst>
               <p:ext uri="{386F3935-93C4-4BCD-93E2-E3B085C9AB24}">
-                <p16:designElem xmlns:p16="http://schemas.microsoft.com/office/powerpoint/2015/main" val="1"/>
+                <p16:designElem xmlns:p16="http://schemas.microsoft.com/office/powerpoint/2015/main" xmlns="" val="1"/>
               </p:ext>
             </p:extLst>
           </p:nvPr>
@@ -6065,7 +6320,7 @@
           <p:cNvPr id="3" name="Inhaltsplatzhalter 2">
             <a:extLst>
               <a:ext uri="{FF2B5EF4-FFF2-40B4-BE49-F238E27FC236}">
-                <a16:creationId xmlns:a16="http://schemas.microsoft.com/office/drawing/2014/main" id="{692C889E-3E0C-9E40-9512-4230892B2B42}"/>
+                <a16:creationId xmlns:a16="http://schemas.microsoft.com/office/drawing/2014/main" xmlns="" id="{692C889E-3E0C-9E40-9512-4230892B2B42}"/>
               </a:ext>
             </a:extLst>
           </p:cNvPr>
@@ -6194,10 +6449,10 @@
           <p:cNvPr id="19" name="Rectangle 18">
             <a:extLst>
               <a:ext uri="{FF2B5EF4-FFF2-40B4-BE49-F238E27FC236}">
-                <a16:creationId xmlns:a16="http://schemas.microsoft.com/office/drawing/2014/main" id="{8D70B121-56F4-4848-B38B-182089D909FA}"/>
+                <a16:creationId xmlns:a16="http://schemas.microsoft.com/office/drawing/2014/main" xmlns="" id="{8D70B121-56F4-4848-B38B-182089D909FA}"/>
               </a:ext>
               <a:ext uri="{C183D7F6-B498-43B3-948B-1728B52AA6E4}">
-                <adec:decorative xmlns:adec="http://schemas.microsoft.com/office/drawing/2017/decorative" val="1"/>
+                <adec:decorative xmlns:adec="http://schemas.microsoft.com/office/drawing/2017/decorative" xmlns="" val="1"/>
               </a:ext>
             </a:extLst>
           </p:cNvPr>
@@ -6207,7 +6462,7 @@
           <p:nvPr>
             <p:extLst>
               <p:ext uri="{386F3935-93C4-4BCD-93E2-E3B085C9AB24}">
-                <p16:designElem xmlns:p16="http://schemas.microsoft.com/office/powerpoint/2015/main" val="1"/>
+                <p16:designElem xmlns:p16="http://schemas.microsoft.com/office/powerpoint/2015/main" xmlns="" val="1"/>
               </p:ext>
             </p:extLst>
           </p:nvPr>
@@ -6259,7 +6514,7 @@
           <p:cNvPr id="2" name="Titel 1">
             <a:extLst>
               <a:ext uri="{FF2B5EF4-FFF2-40B4-BE49-F238E27FC236}">
-                <a16:creationId xmlns:a16="http://schemas.microsoft.com/office/drawing/2014/main" id="{35BFDC70-A169-E142-B051-5ABC9190E094}"/>
+                <a16:creationId xmlns:a16="http://schemas.microsoft.com/office/drawing/2014/main" xmlns="" id="{35BFDC70-A169-E142-B051-5ABC9190E094}"/>
               </a:ext>
             </a:extLst>
           </p:cNvPr>
@@ -6310,10 +6565,10 @@
           <p:cNvPr id="21" name="Straight Connector 20">
             <a:extLst>
               <a:ext uri="{FF2B5EF4-FFF2-40B4-BE49-F238E27FC236}">
-                <a16:creationId xmlns:a16="http://schemas.microsoft.com/office/drawing/2014/main" id="{2D72A2C9-F3CA-4216-8BAD-FA4C970C3C4E}"/>
+                <a16:creationId xmlns:a16="http://schemas.microsoft.com/office/drawing/2014/main" xmlns="" id="{2D72A2C9-F3CA-4216-8BAD-FA4C970C3C4E}"/>
               </a:ext>
               <a:ext uri="{C183D7F6-B498-43B3-948B-1728B52AA6E4}">
-                <adec:decorative xmlns:adec="http://schemas.microsoft.com/office/drawing/2017/decorative" val="1"/>
+                <adec:decorative xmlns:adec="http://schemas.microsoft.com/office/drawing/2017/decorative" xmlns="" val="1"/>
               </a:ext>
             </a:extLst>
           </p:cNvPr>
@@ -6323,7 +6578,7 @@
           <p:nvPr>
             <p:extLst>
               <p:ext uri="{386F3935-93C4-4BCD-93E2-E3B085C9AB24}">
-                <p16:designElem xmlns:p16="http://schemas.microsoft.com/office/powerpoint/2015/main" val="1"/>
+                <p16:designElem xmlns:p16="http://schemas.microsoft.com/office/powerpoint/2015/main" xmlns="" val="1"/>
               </p:ext>
             </p:extLst>
           </p:nvPr>
@@ -6360,8 +6615,8 @@
           </a:fontRef>
         </p:style>
       </p:cxnSp>
-      <mc:AlternateContent xmlns:mc="http://schemas.openxmlformats.org/markup-compatibility/2006" xmlns:pslz="http://schemas.microsoft.com/office/powerpoint/2016/slidezoom">
-        <mc:Choice Requires="pslz">
+      <mc:AlternateContent xmlns:mc="http://schemas.openxmlformats.org/markup-compatibility/2006">
+        <mc:Choice xmlns:pslz="http://schemas.microsoft.com/office/powerpoint/2016/slidezoom" xmlns="" Requires="pslz">
           <p:graphicFrame>
             <p:nvGraphicFramePr>
               <p:cNvPr id="10" name="Folienzoom 9">
@@ -6418,14 +6673,14 @@
             </a:graphic>
           </p:graphicFrame>
         </mc:Choice>
-        <mc:Fallback xmlns="">
+        <mc:Fallback>
           <p:pic>
             <p:nvPicPr>
               <p:cNvPr id="10" name="Folienzoom 9">
                 <a:hlinkClick r:id="rId4" action="ppaction://hlinksldjump"/>
                 <a:extLst>
                   <a:ext uri="{FF2B5EF4-FFF2-40B4-BE49-F238E27FC236}">
-                    <a16:creationId xmlns:a16="http://schemas.microsoft.com/office/drawing/2014/main" id="{B215CFD4-A22E-BE4F-9AB9-4E33929D0E8E}"/>
+                    <a16:creationId xmlns:a16="http://schemas.microsoft.com/office/drawing/2014/main" xmlns="" xmlns:pslz="http://schemas.microsoft.com/office/powerpoint/2016/slidezoom" id="{B215CFD4-A22E-BE4F-9AB9-4E33929D0E8E}"/>
                   </a:ext>
                 </a:extLst>
               </p:cNvPr>
@@ -6500,10 +6755,10 @@
           <p:cNvPr id="19" name="Rectangle 18">
             <a:extLst>
               <a:ext uri="{FF2B5EF4-FFF2-40B4-BE49-F238E27FC236}">
-                <a16:creationId xmlns:a16="http://schemas.microsoft.com/office/drawing/2014/main" id="{8D70B121-56F4-4848-B38B-182089D909FA}"/>
+                <a16:creationId xmlns:a16="http://schemas.microsoft.com/office/drawing/2014/main" xmlns="" id="{8D70B121-56F4-4848-B38B-182089D909FA}"/>
               </a:ext>
               <a:ext uri="{C183D7F6-B498-43B3-948B-1728B52AA6E4}">
-                <adec:decorative xmlns:adec="http://schemas.microsoft.com/office/drawing/2017/decorative" val="1"/>
+                <adec:decorative xmlns:adec="http://schemas.microsoft.com/office/drawing/2017/decorative" xmlns="" val="1"/>
               </a:ext>
             </a:extLst>
           </p:cNvPr>
@@ -6513,7 +6768,7 @@
           <p:nvPr>
             <p:extLst>
               <p:ext uri="{386F3935-93C4-4BCD-93E2-E3B085C9AB24}">
-                <p16:designElem xmlns:p16="http://schemas.microsoft.com/office/powerpoint/2015/main" val="1"/>
+                <p16:designElem xmlns:p16="http://schemas.microsoft.com/office/powerpoint/2015/main" xmlns="" val="1"/>
               </p:ext>
             </p:extLst>
           </p:nvPr>
@@ -6565,10 +6820,10 @@
           <p:cNvPr id="21" name="Straight Connector 20">
             <a:extLst>
               <a:ext uri="{FF2B5EF4-FFF2-40B4-BE49-F238E27FC236}">
-                <a16:creationId xmlns:a16="http://schemas.microsoft.com/office/drawing/2014/main" id="{2D72A2C9-F3CA-4216-8BAD-FA4C970C3C4E}"/>
+                <a16:creationId xmlns:a16="http://schemas.microsoft.com/office/drawing/2014/main" xmlns="" id="{2D72A2C9-F3CA-4216-8BAD-FA4C970C3C4E}"/>
               </a:ext>
               <a:ext uri="{C183D7F6-B498-43B3-948B-1728B52AA6E4}">
-                <adec:decorative xmlns:adec="http://schemas.microsoft.com/office/drawing/2017/decorative" val="1"/>
+                <adec:decorative xmlns:adec="http://schemas.microsoft.com/office/drawing/2017/decorative" xmlns="" val="1"/>
               </a:ext>
             </a:extLst>
           </p:cNvPr>
@@ -6578,7 +6833,7 @@
           <p:nvPr>
             <p:extLst>
               <p:ext uri="{386F3935-93C4-4BCD-93E2-E3B085C9AB24}">
-                <p16:designElem xmlns:p16="http://schemas.microsoft.com/office/powerpoint/2015/main" val="1"/>
+                <p16:designElem xmlns:p16="http://schemas.microsoft.com/office/powerpoint/2015/main" xmlns="" val="1"/>
               </p:ext>
             </p:extLst>
           </p:nvPr>
@@ -6620,7 +6875,7 @@
           <p:cNvPr id="4" name="Grafik 3" descr="Ein Bild, das Screenshot enthält.&#10;&#10;Automatisch generierte Beschreibung">
             <a:extLst>
               <a:ext uri="{FF2B5EF4-FFF2-40B4-BE49-F238E27FC236}">
-                <a16:creationId xmlns:a16="http://schemas.microsoft.com/office/drawing/2014/main" id="{CA8E3E2A-3140-AC49-8635-006BC43846E8}"/>
+                <a16:creationId xmlns:a16="http://schemas.microsoft.com/office/drawing/2014/main" xmlns="" id="{CA8E3E2A-3140-AC49-8635-006BC43846E8}"/>
               </a:ext>
             </a:extLst>
           </p:cNvPr>
@@ -6688,10 +6943,10 @@
           <p:cNvPr id="19" name="Rectangle 18">
             <a:extLst>
               <a:ext uri="{FF2B5EF4-FFF2-40B4-BE49-F238E27FC236}">
-                <a16:creationId xmlns:a16="http://schemas.microsoft.com/office/drawing/2014/main" id="{8D70B121-56F4-4848-B38B-182089D909FA}"/>
+                <a16:creationId xmlns:a16="http://schemas.microsoft.com/office/drawing/2014/main" xmlns="" id="{8D70B121-56F4-4848-B38B-182089D909FA}"/>
               </a:ext>
               <a:ext uri="{C183D7F6-B498-43B3-948B-1728B52AA6E4}">
-                <adec:decorative xmlns:adec="http://schemas.microsoft.com/office/drawing/2017/decorative" val="1"/>
+                <adec:decorative xmlns:adec="http://schemas.microsoft.com/office/drawing/2017/decorative" xmlns="" val="1"/>
               </a:ext>
             </a:extLst>
           </p:cNvPr>
@@ -6701,7 +6956,7 @@
           <p:nvPr>
             <p:extLst>
               <p:ext uri="{386F3935-93C4-4BCD-93E2-E3B085C9AB24}">
-                <p16:designElem xmlns:p16="http://schemas.microsoft.com/office/powerpoint/2015/main" val="1"/>
+                <p16:designElem xmlns:p16="http://schemas.microsoft.com/office/powerpoint/2015/main" xmlns="" val="1"/>
               </p:ext>
             </p:extLst>
           </p:nvPr>
@@ -6753,7 +7008,7 @@
           <p:cNvPr id="2" name="Titel 1">
             <a:extLst>
               <a:ext uri="{FF2B5EF4-FFF2-40B4-BE49-F238E27FC236}">
-                <a16:creationId xmlns:a16="http://schemas.microsoft.com/office/drawing/2014/main" id="{35BFDC70-A169-E142-B051-5ABC9190E094}"/>
+                <a16:creationId xmlns:a16="http://schemas.microsoft.com/office/drawing/2014/main" xmlns="" id="{35BFDC70-A169-E142-B051-5ABC9190E094}"/>
               </a:ext>
             </a:extLst>
           </p:cNvPr>
@@ -6804,10 +7059,10 @@
           <p:cNvPr id="21" name="Straight Connector 20">
             <a:extLst>
               <a:ext uri="{FF2B5EF4-FFF2-40B4-BE49-F238E27FC236}">
-                <a16:creationId xmlns:a16="http://schemas.microsoft.com/office/drawing/2014/main" id="{2D72A2C9-F3CA-4216-8BAD-FA4C970C3C4E}"/>
+                <a16:creationId xmlns:a16="http://schemas.microsoft.com/office/drawing/2014/main" xmlns="" id="{2D72A2C9-F3CA-4216-8BAD-FA4C970C3C4E}"/>
               </a:ext>
               <a:ext uri="{C183D7F6-B498-43B3-948B-1728B52AA6E4}">
-                <adec:decorative xmlns:adec="http://schemas.microsoft.com/office/drawing/2017/decorative" val="1"/>
+                <adec:decorative xmlns:adec="http://schemas.microsoft.com/office/drawing/2017/decorative" xmlns="" val="1"/>
               </a:ext>
             </a:extLst>
           </p:cNvPr>
@@ -6817,7 +7072,7 @@
           <p:nvPr>
             <p:extLst>
               <p:ext uri="{386F3935-93C4-4BCD-93E2-E3B085C9AB24}">
-                <p16:designElem xmlns:p16="http://schemas.microsoft.com/office/powerpoint/2015/main" val="1"/>
+                <p16:designElem xmlns:p16="http://schemas.microsoft.com/office/powerpoint/2015/main" xmlns="" val="1"/>
               </p:ext>
             </p:extLst>
           </p:nvPr>
@@ -6859,7 +7114,7 @@
           <p:cNvPr id="8" name="Inhaltsplatzhalter 4">
             <a:extLst>
               <a:ext uri="{FF2B5EF4-FFF2-40B4-BE49-F238E27FC236}">
-                <a16:creationId xmlns:a16="http://schemas.microsoft.com/office/drawing/2014/main" id="{A8E625C4-6DB1-9D42-BFEA-DE37A6F928F3}"/>
+                <a16:creationId xmlns:a16="http://schemas.microsoft.com/office/drawing/2014/main" xmlns="" id="{A8E625C4-6DB1-9D42-BFEA-DE37A6F928F3}"/>
               </a:ext>
             </a:extLst>
           </p:cNvPr>
@@ -6947,10 +7202,10 @@
           <p:cNvPr id="8" name="Rectangle 7">
             <a:extLst>
               <a:ext uri="{FF2B5EF4-FFF2-40B4-BE49-F238E27FC236}">
-                <a16:creationId xmlns:a16="http://schemas.microsoft.com/office/drawing/2014/main" id="{8D70B121-56F4-4848-B38B-182089D909FA}"/>
+                <a16:creationId xmlns:a16="http://schemas.microsoft.com/office/drawing/2014/main" xmlns="" id="{8D70B121-56F4-4848-B38B-182089D909FA}"/>
               </a:ext>
               <a:ext uri="{C183D7F6-B498-43B3-948B-1728B52AA6E4}">
-                <adec:decorative xmlns:adec="http://schemas.microsoft.com/office/drawing/2017/decorative" val="1"/>
+                <adec:decorative xmlns:adec="http://schemas.microsoft.com/office/drawing/2017/decorative" xmlns="" val="1"/>
               </a:ext>
             </a:extLst>
           </p:cNvPr>
@@ -6960,7 +7215,7 @@
           <p:nvPr>
             <p:extLst>
               <p:ext uri="{386F3935-93C4-4BCD-93E2-E3B085C9AB24}">
-                <p16:designElem xmlns:p16="http://schemas.microsoft.com/office/powerpoint/2015/main" val="1"/>
+                <p16:designElem xmlns:p16="http://schemas.microsoft.com/office/powerpoint/2015/main" xmlns="" val="1"/>
               </p:ext>
             </p:extLst>
           </p:nvPr>
@@ -7012,7 +7267,7 @@
           <p:cNvPr id="2" name="Titel 1">
             <a:extLst>
               <a:ext uri="{FF2B5EF4-FFF2-40B4-BE49-F238E27FC236}">
-                <a16:creationId xmlns:a16="http://schemas.microsoft.com/office/drawing/2014/main" id="{0B5D0F8F-C92F-BC46-ACC4-7A21698DD272}"/>
+                <a16:creationId xmlns:a16="http://schemas.microsoft.com/office/drawing/2014/main" xmlns="" id="{0B5D0F8F-C92F-BC46-ACC4-7A21698DD272}"/>
               </a:ext>
             </a:extLst>
           </p:cNvPr>
@@ -7052,10 +7307,10 @@
           <p:cNvPr id="10" name="Straight Connector 9">
             <a:extLst>
               <a:ext uri="{FF2B5EF4-FFF2-40B4-BE49-F238E27FC236}">
-                <a16:creationId xmlns:a16="http://schemas.microsoft.com/office/drawing/2014/main" id="{2D72A2C9-F3CA-4216-8BAD-FA4C970C3C4E}"/>
+                <a16:creationId xmlns:a16="http://schemas.microsoft.com/office/drawing/2014/main" xmlns="" id="{2D72A2C9-F3CA-4216-8BAD-FA4C970C3C4E}"/>
               </a:ext>
               <a:ext uri="{C183D7F6-B498-43B3-948B-1728B52AA6E4}">
-                <adec:decorative xmlns:adec="http://schemas.microsoft.com/office/drawing/2017/decorative" val="1"/>
+                <adec:decorative xmlns:adec="http://schemas.microsoft.com/office/drawing/2017/decorative" xmlns="" val="1"/>
               </a:ext>
             </a:extLst>
           </p:cNvPr>
@@ -7065,7 +7320,7 @@
           <p:nvPr>
             <p:extLst>
               <p:ext uri="{386F3935-93C4-4BCD-93E2-E3B085C9AB24}">
-                <p16:designElem xmlns:p16="http://schemas.microsoft.com/office/powerpoint/2015/main" val="1"/>
+                <p16:designElem xmlns:p16="http://schemas.microsoft.com/office/powerpoint/2015/main" xmlns="" val="1"/>
               </p:ext>
             </p:extLst>
           </p:nvPr>
@@ -7107,7 +7362,7 @@
           <p:cNvPr id="3" name="Inhaltsplatzhalter 2">
             <a:extLst>
               <a:ext uri="{FF2B5EF4-FFF2-40B4-BE49-F238E27FC236}">
-                <a16:creationId xmlns:a16="http://schemas.microsoft.com/office/drawing/2014/main" id="{692C889E-3E0C-9E40-9512-4230892B2B42}"/>
+                <a16:creationId xmlns:a16="http://schemas.microsoft.com/office/drawing/2014/main" xmlns="" id="{692C889E-3E0C-9E40-9512-4230892B2B42}"/>
               </a:ext>
             </a:extLst>
           </p:cNvPr>
@@ -7235,10 +7490,10 @@
           <p:cNvPr id="19" name="Rectangle 18">
             <a:extLst>
               <a:ext uri="{FF2B5EF4-FFF2-40B4-BE49-F238E27FC236}">
-                <a16:creationId xmlns:a16="http://schemas.microsoft.com/office/drawing/2014/main" id="{8D70B121-56F4-4848-B38B-182089D909FA}"/>
+                <a16:creationId xmlns:a16="http://schemas.microsoft.com/office/drawing/2014/main" xmlns="" id="{8D70B121-56F4-4848-B38B-182089D909FA}"/>
               </a:ext>
               <a:ext uri="{C183D7F6-B498-43B3-948B-1728B52AA6E4}">
-                <adec:decorative xmlns:adec="http://schemas.microsoft.com/office/drawing/2017/decorative" val="1"/>
+                <adec:decorative xmlns:adec="http://schemas.microsoft.com/office/drawing/2017/decorative" xmlns="" val="1"/>
               </a:ext>
             </a:extLst>
           </p:cNvPr>
@@ -7248,7 +7503,7 @@
           <p:nvPr>
             <p:extLst>
               <p:ext uri="{386F3935-93C4-4BCD-93E2-E3B085C9AB24}">
-                <p16:designElem xmlns:p16="http://schemas.microsoft.com/office/powerpoint/2015/main" val="1"/>
+                <p16:designElem xmlns:p16="http://schemas.microsoft.com/office/powerpoint/2015/main" xmlns="" val="1"/>
               </p:ext>
             </p:extLst>
           </p:nvPr>
@@ -7300,7 +7555,7 @@
           <p:cNvPr id="2" name="Titel 1">
             <a:extLst>
               <a:ext uri="{FF2B5EF4-FFF2-40B4-BE49-F238E27FC236}">
-                <a16:creationId xmlns:a16="http://schemas.microsoft.com/office/drawing/2014/main" id="{35BFDC70-A169-E142-B051-5ABC9190E094}"/>
+                <a16:creationId xmlns:a16="http://schemas.microsoft.com/office/drawing/2014/main" xmlns="" id="{35BFDC70-A169-E142-B051-5ABC9190E094}"/>
               </a:ext>
             </a:extLst>
           </p:cNvPr>
@@ -7348,10 +7603,10 @@
           <p:cNvPr id="21" name="Straight Connector 20">
             <a:extLst>
               <a:ext uri="{FF2B5EF4-FFF2-40B4-BE49-F238E27FC236}">
-                <a16:creationId xmlns:a16="http://schemas.microsoft.com/office/drawing/2014/main" id="{2D72A2C9-F3CA-4216-8BAD-FA4C970C3C4E}"/>
+                <a16:creationId xmlns:a16="http://schemas.microsoft.com/office/drawing/2014/main" xmlns="" id="{2D72A2C9-F3CA-4216-8BAD-FA4C970C3C4E}"/>
               </a:ext>
               <a:ext uri="{C183D7F6-B498-43B3-948B-1728B52AA6E4}">
-                <adec:decorative xmlns:adec="http://schemas.microsoft.com/office/drawing/2017/decorative" val="1"/>
+                <adec:decorative xmlns:adec="http://schemas.microsoft.com/office/drawing/2017/decorative" xmlns="" val="1"/>
               </a:ext>
             </a:extLst>
           </p:cNvPr>
@@ -7361,7 +7616,7 @@
           <p:nvPr>
             <p:extLst>
               <p:ext uri="{386F3935-93C4-4BCD-93E2-E3B085C9AB24}">
-                <p16:designElem xmlns:p16="http://schemas.microsoft.com/office/powerpoint/2015/main" val="1"/>
+                <p16:designElem xmlns:p16="http://schemas.microsoft.com/office/powerpoint/2015/main" xmlns="" val="1"/>
               </p:ext>
             </p:extLst>
           </p:nvPr>
@@ -7403,7 +7658,7 @@
           <p:cNvPr id="8" name="Inhaltsplatzhalter 4">
             <a:extLst>
               <a:ext uri="{FF2B5EF4-FFF2-40B4-BE49-F238E27FC236}">
-                <a16:creationId xmlns:a16="http://schemas.microsoft.com/office/drawing/2014/main" id="{A8E625C4-6DB1-9D42-BFEA-DE37A6F928F3}"/>
+                <a16:creationId xmlns:a16="http://schemas.microsoft.com/office/drawing/2014/main" xmlns="" id="{A8E625C4-6DB1-9D42-BFEA-DE37A6F928F3}"/>
               </a:ext>
             </a:extLst>
           </p:cNvPr>
@@ -7474,7 +7729,7 @@
           <p:cNvPr id="5" name="Rechteck 4">
             <a:extLst>
               <a:ext uri="{FF2B5EF4-FFF2-40B4-BE49-F238E27FC236}">
-                <a16:creationId xmlns:a16="http://schemas.microsoft.com/office/drawing/2014/main" id="{6C91387F-AF56-614F-B14F-5E345367B7AF}"/>
+                <a16:creationId xmlns:a16="http://schemas.microsoft.com/office/drawing/2014/main" xmlns="" id="{6C91387F-AF56-614F-B14F-5E345367B7AF}"/>
               </a:ext>
             </a:extLst>
           </p:cNvPr>
@@ -7526,7 +7781,7 @@
           <p:cNvPr id="2" name="Titel 1">
             <a:extLst>
               <a:ext uri="{FF2B5EF4-FFF2-40B4-BE49-F238E27FC236}">
-                <a16:creationId xmlns:a16="http://schemas.microsoft.com/office/drawing/2014/main" id="{35BFDC70-A169-E142-B051-5ABC9190E094}"/>
+                <a16:creationId xmlns:a16="http://schemas.microsoft.com/office/drawing/2014/main" xmlns="" id="{35BFDC70-A169-E142-B051-5ABC9190E094}"/>
               </a:ext>
             </a:extLst>
           </p:cNvPr>
@@ -7606,7 +7861,7 @@
           <p:cNvPr id="6" name="Titel 1">
             <a:extLst>
               <a:ext uri="{FF2B5EF4-FFF2-40B4-BE49-F238E27FC236}">
-                <a16:creationId xmlns:a16="http://schemas.microsoft.com/office/drawing/2014/main" id="{E7C2CB7B-ACCE-46AA-B361-C575579F8987}"/>
+                <a16:creationId xmlns:a16="http://schemas.microsoft.com/office/drawing/2014/main" xmlns="" id="{E7C2CB7B-ACCE-46AA-B361-C575579F8987}"/>
               </a:ext>
             </a:extLst>
           </p:cNvPr>
@@ -7662,7 +7917,7 @@
           <p:cNvPr id="8" name="Grafik 7">
             <a:extLst>
               <a:ext uri="{FF2B5EF4-FFF2-40B4-BE49-F238E27FC236}">
-                <a16:creationId xmlns:a16="http://schemas.microsoft.com/office/drawing/2014/main" id="{C89ECDFD-2E29-4183-B4C5-57C14F623766}"/>
+                <a16:creationId xmlns:a16="http://schemas.microsoft.com/office/drawing/2014/main" xmlns="" id="{C89ECDFD-2E29-4183-B4C5-57C14F623766}"/>
               </a:ext>
             </a:extLst>
           </p:cNvPr>
@@ -7722,7 +7977,7 @@
           <p:cNvPr id="4" name="Rechteck 3">
             <a:extLst>
               <a:ext uri="{FF2B5EF4-FFF2-40B4-BE49-F238E27FC236}">
-                <a16:creationId xmlns:a16="http://schemas.microsoft.com/office/drawing/2014/main" id="{E4D21FBE-9E79-4438-A9C4-A86631E75D3D}"/>
+                <a16:creationId xmlns:a16="http://schemas.microsoft.com/office/drawing/2014/main" xmlns="" id="{E4D21FBE-9E79-4438-A9C4-A86631E75D3D}"/>
               </a:ext>
             </a:extLst>
           </p:cNvPr>
@@ -7774,7 +8029,7 @@
           <p:cNvPr id="2" name="Titel 1">
             <a:extLst>
               <a:ext uri="{FF2B5EF4-FFF2-40B4-BE49-F238E27FC236}">
-                <a16:creationId xmlns:a16="http://schemas.microsoft.com/office/drawing/2014/main" id="{5D43DF7A-1A5D-4ACC-A604-ABDFA208B266}"/>
+                <a16:creationId xmlns:a16="http://schemas.microsoft.com/office/drawing/2014/main" xmlns="" id="{5D43DF7A-1A5D-4ACC-A604-ABDFA208B266}"/>
               </a:ext>
             </a:extLst>
           </p:cNvPr>
@@ -7799,7 +8054,7 @@
           <p:cNvPr id="3" name="Inhaltsplatzhalter 2">
             <a:extLst>
               <a:ext uri="{FF2B5EF4-FFF2-40B4-BE49-F238E27FC236}">
-                <a16:creationId xmlns:a16="http://schemas.microsoft.com/office/drawing/2014/main" id="{C24FCB4C-0151-435F-B548-7A9594A11125}"/>
+                <a16:creationId xmlns:a16="http://schemas.microsoft.com/office/drawing/2014/main" xmlns="" id="{C24FCB4C-0151-435F-B548-7A9594A11125}"/>
               </a:ext>
             </a:extLst>
           </p:cNvPr>
@@ -7824,7 +8079,7 @@
           <p:cNvPr id="5" name="Grafik 4">
             <a:extLst>
               <a:ext uri="{FF2B5EF4-FFF2-40B4-BE49-F238E27FC236}">
-                <a16:creationId xmlns:a16="http://schemas.microsoft.com/office/drawing/2014/main" id="{1C4ABC61-F649-4941-9A69-5363F27C5C7A}"/>
+                <a16:creationId xmlns:a16="http://schemas.microsoft.com/office/drawing/2014/main" xmlns="" id="{1C4ABC61-F649-4941-9A69-5363F27C5C7A}"/>
               </a:ext>
             </a:extLst>
           </p:cNvPr>
@@ -7884,7 +8139,7 @@
           <p:cNvPr id="5" name="Rechteck 4">
             <a:extLst>
               <a:ext uri="{FF2B5EF4-FFF2-40B4-BE49-F238E27FC236}">
-                <a16:creationId xmlns:a16="http://schemas.microsoft.com/office/drawing/2014/main" id="{6C91387F-AF56-614F-B14F-5E345367B7AF}"/>
+                <a16:creationId xmlns:a16="http://schemas.microsoft.com/office/drawing/2014/main" xmlns="" id="{6C91387F-AF56-614F-B14F-5E345367B7AF}"/>
               </a:ext>
             </a:extLst>
           </p:cNvPr>
@@ -7936,7 +8191,7 @@
           <p:cNvPr id="2" name="Titel 1">
             <a:extLst>
               <a:ext uri="{FF2B5EF4-FFF2-40B4-BE49-F238E27FC236}">
-                <a16:creationId xmlns:a16="http://schemas.microsoft.com/office/drawing/2014/main" id="{35BFDC70-A169-E142-B051-5ABC9190E094}"/>
+                <a16:creationId xmlns:a16="http://schemas.microsoft.com/office/drawing/2014/main" xmlns="" id="{35BFDC70-A169-E142-B051-5ABC9190E094}"/>
               </a:ext>
             </a:extLst>
           </p:cNvPr>
@@ -8016,7 +8271,7 @@
           <p:cNvPr id="6" name="Titel 1">
             <a:extLst>
               <a:ext uri="{FF2B5EF4-FFF2-40B4-BE49-F238E27FC236}">
-                <a16:creationId xmlns:a16="http://schemas.microsoft.com/office/drawing/2014/main" id="{E7C2CB7B-ACCE-46AA-B361-C575579F8987}"/>
+                <a16:creationId xmlns:a16="http://schemas.microsoft.com/office/drawing/2014/main" xmlns="" id="{E7C2CB7B-ACCE-46AA-B361-C575579F8987}"/>
               </a:ext>
             </a:extLst>
           </p:cNvPr>
@@ -8072,7 +8327,7 @@
           <p:cNvPr id="4" name="Grafik 3">
             <a:extLst>
               <a:ext uri="{FF2B5EF4-FFF2-40B4-BE49-F238E27FC236}">
-                <a16:creationId xmlns:a16="http://schemas.microsoft.com/office/drawing/2014/main" id="{9CE66A13-0C75-4FD9-A123-2756CAAD340B}"/>
+                <a16:creationId xmlns:a16="http://schemas.microsoft.com/office/drawing/2014/main" xmlns="" id="{9CE66A13-0C75-4FD9-A123-2756CAAD340B}"/>
               </a:ext>
             </a:extLst>
           </p:cNvPr>
@@ -8132,7 +8387,7 @@
           <p:cNvPr id="4" name="Rechteck 3">
             <a:extLst>
               <a:ext uri="{FF2B5EF4-FFF2-40B4-BE49-F238E27FC236}">
-                <a16:creationId xmlns:a16="http://schemas.microsoft.com/office/drawing/2014/main" id="{E4D21FBE-9E79-4438-A9C4-A86631E75D3D}"/>
+                <a16:creationId xmlns:a16="http://schemas.microsoft.com/office/drawing/2014/main" xmlns="" id="{E4D21FBE-9E79-4438-A9C4-A86631E75D3D}"/>
               </a:ext>
             </a:extLst>
           </p:cNvPr>
@@ -8184,7 +8439,7 @@
           <p:cNvPr id="2" name="Titel 1">
             <a:extLst>
               <a:ext uri="{FF2B5EF4-FFF2-40B4-BE49-F238E27FC236}">
-                <a16:creationId xmlns:a16="http://schemas.microsoft.com/office/drawing/2014/main" id="{5D43DF7A-1A5D-4ACC-A604-ABDFA208B266}"/>
+                <a16:creationId xmlns:a16="http://schemas.microsoft.com/office/drawing/2014/main" xmlns="" id="{5D43DF7A-1A5D-4ACC-A604-ABDFA208B266}"/>
               </a:ext>
             </a:extLst>
           </p:cNvPr>
@@ -8209,7 +8464,7 @@
           <p:cNvPr id="3" name="Inhaltsplatzhalter 2">
             <a:extLst>
               <a:ext uri="{FF2B5EF4-FFF2-40B4-BE49-F238E27FC236}">
-                <a16:creationId xmlns:a16="http://schemas.microsoft.com/office/drawing/2014/main" id="{C24FCB4C-0151-435F-B548-7A9594A11125}"/>
+                <a16:creationId xmlns:a16="http://schemas.microsoft.com/office/drawing/2014/main" xmlns="" id="{C24FCB4C-0151-435F-B548-7A9594A11125}"/>
               </a:ext>
             </a:extLst>
           </p:cNvPr>
@@ -8234,7 +8489,7 @@
           <p:cNvPr id="6" name="Grafik 5">
             <a:extLst>
               <a:ext uri="{FF2B5EF4-FFF2-40B4-BE49-F238E27FC236}">
-                <a16:creationId xmlns:a16="http://schemas.microsoft.com/office/drawing/2014/main" id="{996B219C-4061-4FC7-A31B-3666889455F9}"/>
+                <a16:creationId xmlns:a16="http://schemas.microsoft.com/office/drawing/2014/main" xmlns="" id="{996B219C-4061-4FC7-A31B-3666889455F9}"/>
               </a:ext>
             </a:extLst>
           </p:cNvPr>
@@ -8251,7 +8506,7 @@
         </p:blipFill>
         <p:spPr>
           <a:xfrm>
-            <a:off x="1403935" y="1073496"/>
+            <a:off x="1502789" y="1144588"/>
             <a:ext cx="8890105" cy="3901315"/>
           </a:xfrm>
           <a:prstGeom prst="rect">
@@ -8302,10 +8557,10 @@
           <p:cNvPr id="8" name="Rectangle 7">
             <a:extLst>
               <a:ext uri="{FF2B5EF4-FFF2-40B4-BE49-F238E27FC236}">
-                <a16:creationId xmlns:a16="http://schemas.microsoft.com/office/drawing/2014/main" id="{8D70B121-56F4-4848-B38B-182089D909FA}"/>
+                <a16:creationId xmlns:a16="http://schemas.microsoft.com/office/drawing/2014/main" xmlns="" id="{8D70B121-56F4-4848-B38B-182089D909FA}"/>
               </a:ext>
               <a:ext uri="{C183D7F6-B498-43B3-948B-1728B52AA6E4}">
-                <adec:decorative xmlns:adec="http://schemas.microsoft.com/office/drawing/2017/decorative" val="1"/>
+                <adec:decorative xmlns:adec="http://schemas.microsoft.com/office/drawing/2017/decorative" xmlns="" val="1"/>
               </a:ext>
             </a:extLst>
           </p:cNvPr>
@@ -8315,7 +8570,7 @@
           <p:nvPr>
             <p:extLst>
               <p:ext uri="{386F3935-93C4-4BCD-93E2-E3B085C9AB24}">
-                <p16:designElem xmlns:p16="http://schemas.microsoft.com/office/powerpoint/2015/main" val="1"/>
+                <p16:designElem xmlns:p16="http://schemas.microsoft.com/office/powerpoint/2015/main" xmlns="" val="1"/>
               </p:ext>
             </p:extLst>
           </p:nvPr>
@@ -8367,7 +8622,7 @@
           <p:cNvPr id="2" name="Titel 1">
             <a:extLst>
               <a:ext uri="{FF2B5EF4-FFF2-40B4-BE49-F238E27FC236}">
-                <a16:creationId xmlns:a16="http://schemas.microsoft.com/office/drawing/2014/main" id="{0B5D0F8F-C92F-BC46-ACC4-7A21698DD272}"/>
+                <a16:creationId xmlns:a16="http://schemas.microsoft.com/office/drawing/2014/main" xmlns="" id="{0B5D0F8F-C92F-BC46-ACC4-7A21698DD272}"/>
               </a:ext>
             </a:extLst>
           </p:cNvPr>
@@ -8407,10 +8662,10 @@
           <p:cNvPr id="10" name="Straight Connector 9">
             <a:extLst>
               <a:ext uri="{FF2B5EF4-FFF2-40B4-BE49-F238E27FC236}">
-                <a16:creationId xmlns:a16="http://schemas.microsoft.com/office/drawing/2014/main" id="{2D72A2C9-F3CA-4216-8BAD-FA4C970C3C4E}"/>
+                <a16:creationId xmlns:a16="http://schemas.microsoft.com/office/drawing/2014/main" xmlns="" id="{2D72A2C9-F3CA-4216-8BAD-FA4C970C3C4E}"/>
               </a:ext>
               <a:ext uri="{C183D7F6-B498-43B3-948B-1728B52AA6E4}">
-                <adec:decorative xmlns:adec="http://schemas.microsoft.com/office/drawing/2017/decorative" val="1"/>
+                <adec:decorative xmlns:adec="http://schemas.microsoft.com/office/drawing/2017/decorative" xmlns="" val="1"/>
               </a:ext>
             </a:extLst>
           </p:cNvPr>
@@ -8420,7 +8675,7 @@
           <p:nvPr>
             <p:extLst>
               <p:ext uri="{386F3935-93C4-4BCD-93E2-E3B085C9AB24}">
-                <p16:designElem xmlns:p16="http://schemas.microsoft.com/office/powerpoint/2015/main" val="1"/>
+                <p16:designElem xmlns:p16="http://schemas.microsoft.com/office/powerpoint/2015/main" xmlns="" val="1"/>
               </p:ext>
             </p:extLst>
           </p:nvPr>
@@ -8462,7 +8717,7 @@
           <p:cNvPr id="3" name="Inhaltsplatzhalter 2">
             <a:extLst>
               <a:ext uri="{FF2B5EF4-FFF2-40B4-BE49-F238E27FC236}">
-                <a16:creationId xmlns:a16="http://schemas.microsoft.com/office/drawing/2014/main" id="{692C889E-3E0C-9E40-9512-4230892B2B42}"/>
+                <a16:creationId xmlns:a16="http://schemas.microsoft.com/office/drawing/2014/main" xmlns="" id="{692C889E-3E0C-9E40-9512-4230892B2B42}"/>
               </a:ext>
             </a:extLst>
           </p:cNvPr>
@@ -8579,7 +8834,7 @@
           <p:cNvPr id="5" name="Rechteck 4">
             <a:extLst>
               <a:ext uri="{FF2B5EF4-FFF2-40B4-BE49-F238E27FC236}">
-                <a16:creationId xmlns:a16="http://schemas.microsoft.com/office/drawing/2014/main" id="{6C91387F-AF56-614F-B14F-5E345367B7AF}"/>
+                <a16:creationId xmlns:a16="http://schemas.microsoft.com/office/drawing/2014/main" xmlns="" id="{6C91387F-AF56-614F-B14F-5E345367B7AF}"/>
               </a:ext>
             </a:extLst>
           </p:cNvPr>
@@ -8631,7 +8886,7 @@
           <p:cNvPr id="2" name="Titel 1">
             <a:extLst>
               <a:ext uri="{FF2B5EF4-FFF2-40B4-BE49-F238E27FC236}">
-                <a16:creationId xmlns:a16="http://schemas.microsoft.com/office/drawing/2014/main" id="{35BFDC70-A169-E142-B051-5ABC9190E094}"/>
+                <a16:creationId xmlns:a16="http://schemas.microsoft.com/office/drawing/2014/main" xmlns="" id="{35BFDC70-A169-E142-B051-5ABC9190E094}"/>
               </a:ext>
             </a:extLst>
           </p:cNvPr>
@@ -8679,7 +8934,7 @@
           <p:cNvPr id="6" name="Titel 1">
             <a:extLst>
               <a:ext uri="{FF2B5EF4-FFF2-40B4-BE49-F238E27FC236}">
-                <a16:creationId xmlns:a16="http://schemas.microsoft.com/office/drawing/2014/main" id="{E7C2CB7B-ACCE-46AA-B361-C575579F8987}"/>
+                <a16:creationId xmlns:a16="http://schemas.microsoft.com/office/drawing/2014/main" xmlns="" id="{E7C2CB7B-ACCE-46AA-B361-C575579F8987}"/>
               </a:ext>
             </a:extLst>
           </p:cNvPr>
@@ -8735,7 +8990,7 @@
           <p:cNvPr id="7" name="Grafik 6">
             <a:extLst>
               <a:ext uri="{FF2B5EF4-FFF2-40B4-BE49-F238E27FC236}">
-                <a16:creationId xmlns:a16="http://schemas.microsoft.com/office/drawing/2014/main" id="{756E846B-B403-4984-98B4-4C01CA73B356}"/>
+                <a16:creationId xmlns:a16="http://schemas.microsoft.com/office/drawing/2014/main" xmlns="" id="{756E846B-B403-4984-98B4-4C01CA73B356}"/>
               </a:ext>
             </a:extLst>
           </p:cNvPr>
@@ -8765,7 +9020,7 @@
           <p:cNvPr id="4" name="Grafik 3">
             <a:extLst>
               <a:ext uri="{FF2B5EF4-FFF2-40B4-BE49-F238E27FC236}">
-                <a16:creationId xmlns:a16="http://schemas.microsoft.com/office/drawing/2014/main" id="{A26447F2-DF28-4EAF-B8D1-EFC7A98F7721}"/>
+                <a16:creationId xmlns:a16="http://schemas.microsoft.com/office/drawing/2014/main" xmlns="" id="{A26447F2-DF28-4EAF-B8D1-EFC7A98F7721}"/>
               </a:ext>
             </a:extLst>
           </p:cNvPr>
@@ -8795,7 +9050,7 @@
           <p:cNvPr id="3" name="Grafik 2">
             <a:extLst>
               <a:ext uri="{FF2B5EF4-FFF2-40B4-BE49-F238E27FC236}">
-                <a16:creationId xmlns:a16="http://schemas.microsoft.com/office/drawing/2014/main" id="{DB99CD9C-1E94-4D53-99E7-DF6B67865684}"/>
+                <a16:creationId xmlns:a16="http://schemas.microsoft.com/office/drawing/2014/main" xmlns="" id="{DB99CD9C-1E94-4D53-99E7-DF6B67865684}"/>
               </a:ext>
             </a:extLst>
           </p:cNvPr>
@@ -9044,7 +9299,7 @@
           <p:cNvPr id="5" name="Rechteck 4">
             <a:extLst>
               <a:ext uri="{FF2B5EF4-FFF2-40B4-BE49-F238E27FC236}">
-                <a16:creationId xmlns:a16="http://schemas.microsoft.com/office/drawing/2014/main" id="{6C91387F-AF56-614F-B14F-5E345367B7AF}"/>
+                <a16:creationId xmlns:a16="http://schemas.microsoft.com/office/drawing/2014/main" xmlns="" id="{6C91387F-AF56-614F-B14F-5E345367B7AF}"/>
               </a:ext>
             </a:extLst>
           </p:cNvPr>
@@ -9096,7 +9351,7 @@
           <p:cNvPr id="2" name="Titel 1">
             <a:extLst>
               <a:ext uri="{FF2B5EF4-FFF2-40B4-BE49-F238E27FC236}">
-                <a16:creationId xmlns:a16="http://schemas.microsoft.com/office/drawing/2014/main" id="{35BFDC70-A169-E142-B051-5ABC9190E094}"/>
+                <a16:creationId xmlns:a16="http://schemas.microsoft.com/office/drawing/2014/main" xmlns="" id="{35BFDC70-A169-E142-B051-5ABC9190E094}"/>
               </a:ext>
             </a:extLst>
           </p:cNvPr>
@@ -9120,6 +9375,17 @@
           <a:lstStyle/>
           <a:p>
             <a:pPr algn="ctr"/>
+            <a:r>
+              <a:rPr lang="en-US" sz="4000" kern="1200" dirty="0">
+                <a:solidFill>
+                  <a:schemeClr val="accent1"/>
+                </a:solidFill>
+                <a:latin typeface="+mj-lt"/>
+                <a:ea typeface="+mj-ea"/>
+                <a:cs typeface="+mj-cs"/>
+              </a:rPr>
+              <a:t/>
+            </a:r>
             <a:br>
               <a:rPr lang="en-US" sz="4000" kern="1200" dirty="0">
                 <a:solidFill>
@@ -9146,7 +9412,7 @@
           <p:cNvPr id="6" name="Titel 1">
             <a:extLst>
               <a:ext uri="{FF2B5EF4-FFF2-40B4-BE49-F238E27FC236}">
-                <a16:creationId xmlns:a16="http://schemas.microsoft.com/office/drawing/2014/main" id="{E7C2CB7B-ACCE-46AA-B361-C575579F8987}"/>
+                <a16:creationId xmlns:a16="http://schemas.microsoft.com/office/drawing/2014/main" xmlns="" id="{E7C2CB7B-ACCE-46AA-B361-C575579F8987}"/>
               </a:ext>
             </a:extLst>
           </p:cNvPr>
@@ -9202,7 +9468,7 @@
           <p:cNvPr id="4" name="Grafik 3">
             <a:extLst>
               <a:ext uri="{FF2B5EF4-FFF2-40B4-BE49-F238E27FC236}">
-                <a16:creationId xmlns:a16="http://schemas.microsoft.com/office/drawing/2014/main" id="{9CC9583D-5C73-4A70-A2FE-E33805DE3ECD}"/>
+                <a16:creationId xmlns:a16="http://schemas.microsoft.com/office/drawing/2014/main" xmlns="" id="{9CC9583D-5C73-4A70-A2FE-E33805DE3ECD}"/>
               </a:ext>
             </a:extLst>
           </p:cNvPr>
@@ -9267,13 +9533,13 @@
       </p:grpSpPr>
       <p:sp>
         <p:nvSpPr>
-          <p:cNvPr id="19" name="Rectangle 18">
-            <a:extLst>
-              <a:ext uri="{FF2B5EF4-FFF2-40B4-BE49-F238E27FC236}">
-                <a16:creationId xmlns:a16="http://schemas.microsoft.com/office/drawing/2014/main" id="{8D70B121-56F4-4848-B38B-182089D909FA}"/>
+          <p:cNvPr id="8" name="Rectangle 7">
+            <a:extLst>
+              <a:ext uri="{FF2B5EF4-FFF2-40B4-BE49-F238E27FC236}">
+                <a16:creationId xmlns:a16="http://schemas.microsoft.com/office/drawing/2014/main" xmlns="" id="{8D70B121-56F4-4848-B38B-182089D909FA}"/>
               </a:ext>
               <a:ext uri="{C183D7F6-B498-43B3-948B-1728B52AA6E4}">
-                <adec:decorative xmlns:adec="http://schemas.microsoft.com/office/drawing/2017/decorative" val="1"/>
+                <adec:decorative xmlns:adec="http://schemas.microsoft.com/office/drawing/2017/decorative" xmlns="" val="1"/>
               </a:ext>
             </a:extLst>
           </p:cNvPr>
@@ -9283,7 +9549,7 @@
           <p:nvPr>
             <p:extLst>
               <p:ext uri="{386F3935-93C4-4BCD-93E2-E3B085C9AB24}">
-                <p16:designElem xmlns:p16="http://schemas.microsoft.com/office/powerpoint/2015/main" val="1"/>
+                <p16:designElem xmlns:p16="http://schemas.microsoft.com/office/powerpoint/2015/main" xmlns="" val="1"/>
               </p:ext>
             </p:extLst>
           </p:nvPr>
@@ -9335,7 +9601,7 @@
           <p:cNvPr id="2" name="Titel 1">
             <a:extLst>
               <a:ext uri="{FF2B5EF4-FFF2-40B4-BE49-F238E27FC236}">
-                <a16:creationId xmlns:a16="http://schemas.microsoft.com/office/drawing/2014/main" id="{35BFDC70-A169-E142-B051-5ABC9190E094}"/>
+                <a16:creationId xmlns:a16="http://schemas.microsoft.com/office/drawing/2014/main" xmlns="" id="{0B5D0F8F-C92F-BC46-ACC4-7A21698DD272}"/>
               </a:ext>
             </a:extLst>
           </p:cNvPr>
@@ -9348,53 +9614,37 @@
         </p:nvSpPr>
         <p:spPr>
           <a:xfrm>
-            <a:off x="861390" y="963877"/>
-            <a:ext cx="3471171" cy="4930246"/>
+            <a:off x="838200" y="963877"/>
+            <a:ext cx="3494362" cy="4930246"/>
           </a:xfrm>
         </p:spPr>
         <p:txBody>
-          <a:bodyPr vert="horz" lIns="91440" tIns="45720" rIns="91440" bIns="45720" rtlCol="0">
+          <a:bodyPr>
             <a:normAutofit/>
           </a:bodyPr>
           <a:lstStyle/>
           <a:p>
-            <a:pPr algn="ctr"/>
-            <a:r>
-              <a:rPr lang="en-US" dirty="0" err="1">
+            <a:pPr algn="r"/>
+            <a:r>
+              <a:rPr lang="de-DE" dirty="0">
                 <a:solidFill>
                   <a:schemeClr val="accent1"/>
                 </a:solidFill>
               </a:rPr>
-              <a:t>Einführung</a:t>
-            </a:r>
-            <a:r>
-              <a:rPr lang="en-US" dirty="0">
-                <a:solidFill>
-                  <a:schemeClr val="accent1"/>
-                </a:solidFill>
-              </a:rPr>
-              <a:t> in den Code</a:t>
-            </a:r>
-            <a:endParaRPr lang="en-US" kern="1200" dirty="0">
-              <a:solidFill>
-                <a:schemeClr val="accent1"/>
-              </a:solidFill>
-              <a:latin typeface="+mj-lt"/>
-              <a:ea typeface="+mj-ea"/>
-              <a:cs typeface="+mj-cs"/>
-            </a:endParaRPr>
+              <a:t>Gliederung	</a:t>
+            </a:r>
           </a:p>
         </p:txBody>
       </p:sp>
       <p:cxnSp>
         <p:nvCxnSpPr>
-          <p:cNvPr id="21" name="Straight Connector 20">
-            <a:extLst>
-              <a:ext uri="{FF2B5EF4-FFF2-40B4-BE49-F238E27FC236}">
-                <a16:creationId xmlns:a16="http://schemas.microsoft.com/office/drawing/2014/main" id="{2D72A2C9-F3CA-4216-8BAD-FA4C970C3C4E}"/>
+          <p:cNvPr id="10" name="Straight Connector 9">
+            <a:extLst>
+              <a:ext uri="{FF2B5EF4-FFF2-40B4-BE49-F238E27FC236}">
+                <a16:creationId xmlns:a16="http://schemas.microsoft.com/office/drawing/2014/main" xmlns="" id="{2D72A2C9-F3CA-4216-8BAD-FA4C970C3C4E}"/>
               </a:ext>
               <a:ext uri="{C183D7F6-B498-43B3-948B-1728B52AA6E4}">
-                <adec:decorative xmlns:adec="http://schemas.microsoft.com/office/drawing/2017/decorative" val="1"/>
+                <adec:decorative xmlns:adec="http://schemas.microsoft.com/office/drawing/2017/decorative" xmlns="" val="1"/>
               </a:ext>
             </a:extLst>
           </p:cNvPr>
@@ -9404,7 +9654,7 @@
           <p:nvPr>
             <p:extLst>
               <p:ext uri="{386F3935-93C4-4BCD-93E2-E3B085C9AB24}">
-                <p16:designElem xmlns:p16="http://schemas.microsoft.com/office/powerpoint/2015/main" val="1"/>
+                <p16:designElem xmlns:p16="http://schemas.microsoft.com/office/powerpoint/2015/main" xmlns="" val="1"/>
               </p:ext>
             </p:extLst>
           </p:nvPr>
@@ -9443,10 +9693,10 @@
       </p:cxnSp>
       <p:sp>
         <p:nvSpPr>
-          <p:cNvPr id="8" name="Inhaltsplatzhalter 4">
-            <a:extLst>
-              <a:ext uri="{FF2B5EF4-FFF2-40B4-BE49-F238E27FC236}">
-                <a16:creationId xmlns:a16="http://schemas.microsoft.com/office/drawing/2014/main" id="{A8E625C4-6DB1-9D42-BFEA-DE37A6F928F3}"/>
+          <p:cNvPr id="3" name="Inhaltsplatzhalter 2">
+            <a:extLst>
+              <a:ext uri="{FF2B5EF4-FFF2-40B4-BE49-F238E27FC236}">
+                <a16:creationId xmlns:a16="http://schemas.microsoft.com/office/drawing/2014/main" xmlns="" id="{692C889E-3E0C-9E40-9512-4230892B2B42}"/>
               </a:ext>
             </a:extLst>
           </p:cNvPr>
@@ -9459,8 +9709,8 @@
         </p:nvSpPr>
         <p:spPr>
           <a:xfrm>
-            <a:off x="5097419" y="963877"/>
-            <a:ext cx="5686424" cy="4930246"/>
+            <a:off x="4976031" y="963877"/>
+            <a:ext cx="6377769" cy="4930246"/>
           </a:xfrm>
         </p:spPr>
         <p:txBody>
@@ -9469,20 +9719,98 @@
           </a:bodyPr>
           <a:lstStyle/>
           <a:p>
-            <a:endParaRPr lang="de-DE" dirty="0"/>
+            <a:r>
+              <a:rPr lang="de-DE" sz="2400" dirty="0"/>
+              <a:t>Einführung in das Thema</a:t>
+            </a:r>
+          </a:p>
+          <a:p>
+            <a:r>
+              <a:rPr lang="de-DE" sz="2400" dirty="0"/>
+              <a:t>Theoretische Grundlagen</a:t>
+            </a:r>
+          </a:p>
+          <a:p>
+            <a:pPr lvl="1"/>
+            <a:r>
+              <a:rPr lang="de-DE" sz="2000" dirty="0"/>
+              <a:t>Anwendungen</a:t>
+            </a:r>
+          </a:p>
+          <a:p>
+            <a:r>
+              <a:rPr lang="de-DE" sz="2400" dirty="0"/>
+              <a:t>Aufgabenstellung</a:t>
+            </a:r>
+          </a:p>
+          <a:p>
+            <a:r>
+              <a:rPr lang="de-DE" sz="2400" dirty="0"/>
+              <a:t>Implementierung</a:t>
+            </a:r>
+          </a:p>
+          <a:p>
+            <a:pPr lvl="1"/>
+            <a:r>
+              <a:rPr lang="de-DE" sz="2000" dirty="0"/>
+              <a:t>Herangehensweise </a:t>
+            </a:r>
+          </a:p>
+          <a:p>
+            <a:pPr lvl="1"/>
+            <a:r>
+              <a:rPr lang="de-DE" sz="2000" dirty="0">
+                <a:solidFill>
+                  <a:srgbClr val="0070C0"/>
+                </a:solidFill>
+              </a:rPr>
+              <a:t>Einführung in den </a:t>
+            </a:r>
+            <a:r>
+              <a:rPr lang="de-DE" sz="2000" dirty="0" smtClean="0">
+                <a:solidFill>
+                  <a:srgbClr val="0070C0"/>
+                </a:solidFill>
+              </a:rPr>
+              <a:t>Code (Ab hier Alex)</a:t>
+            </a:r>
+            <a:endParaRPr lang="de-DE" sz="2000" dirty="0">
+              <a:solidFill>
+                <a:srgbClr val="0070C0"/>
+              </a:solidFill>
+            </a:endParaRPr>
+          </a:p>
+          <a:p>
+            <a:r>
+              <a:rPr lang="de-DE" sz="2400" dirty="0"/>
+              <a:t>Präsentation des Ergebnisses</a:t>
+            </a:r>
+          </a:p>
+          <a:p>
+            <a:r>
+              <a:rPr lang="de-DE" sz="2400" dirty="0"/>
+              <a:t>Fazit </a:t>
+            </a:r>
           </a:p>
         </p:txBody>
       </p:sp>
     </p:spTree>
     <p:extLst>
       <p:ext uri="{BB962C8B-B14F-4D97-AF65-F5344CB8AC3E}">
-        <p14:creationId xmlns:p14="http://schemas.microsoft.com/office/powerpoint/2010/main" val="1206238072"/>
+        <p14:creationId xmlns:p14="http://schemas.microsoft.com/office/powerpoint/2010/main" val="520733985"/>
       </p:ext>
     </p:extLst>
   </p:cSld>
   <p:clrMapOvr>
     <a:masterClrMapping/>
   </p:clrMapOvr>
+  <p:timing>
+    <p:tnLst>
+      <p:par>
+        <p:cTn id="1" dur="indefinite" restart="never" nodeType="tmRoot"/>
+      </p:par>
+    </p:tnLst>
+  </p:timing>
 </p:sld>
 </file>
 
@@ -9516,10 +9844,10 @@
           <p:cNvPr id="19" name="Rectangle 18">
             <a:extLst>
               <a:ext uri="{FF2B5EF4-FFF2-40B4-BE49-F238E27FC236}">
-                <a16:creationId xmlns:a16="http://schemas.microsoft.com/office/drawing/2014/main" id="{8D70B121-56F4-4848-B38B-182089D909FA}"/>
+                <a16:creationId xmlns:a16="http://schemas.microsoft.com/office/drawing/2014/main" xmlns="" id="{8D70B121-56F4-4848-B38B-182089D909FA}"/>
               </a:ext>
               <a:ext uri="{C183D7F6-B498-43B3-948B-1728B52AA6E4}">
-                <adec:decorative xmlns:adec="http://schemas.microsoft.com/office/drawing/2017/decorative" val="1"/>
+                <adec:decorative xmlns:adec="http://schemas.microsoft.com/office/drawing/2017/decorative" xmlns="" val="1"/>
               </a:ext>
             </a:extLst>
           </p:cNvPr>
@@ -9529,7 +9857,7 @@
           <p:nvPr>
             <p:extLst>
               <p:ext uri="{386F3935-93C4-4BCD-93E2-E3B085C9AB24}">
-                <p16:designElem xmlns:p16="http://schemas.microsoft.com/office/powerpoint/2015/main" val="1"/>
+                <p16:designElem xmlns:p16="http://schemas.microsoft.com/office/powerpoint/2015/main" xmlns="" val="1"/>
               </p:ext>
             </p:extLst>
           </p:nvPr>
@@ -9581,7 +9909,7 @@
           <p:cNvPr id="2" name="Titel 1">
             <a:extLst>
               <a:ext uri="{FF2B5EF4-FFF2-40B4-BE49-F238E27FC236}">
-                <a16:creationId xmlns:a16="http://schemas.microsoft.com/office/drawing/2014/main" id="{35BFDC70-A169-E142-B051-5ABC9190E094}"/>
+                <a16:creationId xmlns:a16="http://schemas.microsoft.com/office/drawing/2014/main" xmlns="" id="{35BFDC70-A169-E142-B051-5ABC9190E094}"/>
               </a:ext>
             </a:extLst>
           </p:cNvPr>
@@ -9637,10 +9965,10 @@
           <p:cNvPr id="21" name="Straight Connector 20">
             <a:extLst>
               <a:ext uri="{FF2B5EF4-FFF2-40B4-BE49-F238E27FC236}">
-                <a16:creationId xmlns:a16="http://schemas.microsoft.com/office/drawing/2014/main" id="{2D72A2C9-F3CA-4216-8BAD-FA4C970C3C4E}"/>
+                <a16:creationId xmlns:a16="http://schemas.microsoft.com/office/drawing/2014/main" xmlns="" id="{2D72A2C9-F3CA-4216-8BAD-FA4C970C3C4E}"/>
               </a:ext>
               <a:ext uri="{C183D7F6-B498-43B3-948B-1728B52AA6E4}">
-                <adec:decorative xmlns:adec="http://schemas.microsoft.com/office/drawing/2017/decorative" val="1"/>
+                <adec:decorative xmlns:adec="http://schemas.microsoft.com/office/drawing/2017/decorative" xmlns="" val="1"/>
               </a:ext>
             </a:extLst>
           </p:cNvPr>
@@ -9650,7 +9978,7 @@
           <p:nvPr>
             <p:extLst>
               <p:ext uri="{386F3935-93C4-4BCD-93E2-E3B085C9AB24}">
-                <p16:designElem xmlns:p16="http://schemas.microsoft.com/office/powerpoint/2015/main" val="1"/>
+                <p16:designElem xmlns:p16="http://schemas.microsoft.com/office/powerpoint/2015/main" xmlns="" val="1"/>
               </p:ext>
             </p:extLst>
           </p:nvPr>
@@ -9692,7 +10020,7 @@
           <p:cNvPr id="8" name="Inhaltsplatzhalter 4">
             <a:extLst>
               <a:ext uri="{FF2B5EF4-FFF2-40B4-BE49-F238E27FC236}">
-                <a16:creationId xmlns:a16="http://schemas.microsoft.com/office/drawing/2014/main" id="{A8E625C4-6DB1-9D42-BFEA-DE37A6F928F3}"/>
+                <a16:creationId xmlns:a16="http://schemas.microsoft.com/office/drawing/2014/main" xmlns="" id="{A8E625C4-6DB1-9D42-BFEA-DE37A6F928F3}"/>
               </a:ext>
             </a:extLst>
           </p:cNvPr>
@@ -9715,7 +10043,30 @@
           </a:bodyPr>
           <a:lstStyle/>
           <a:p>
-            <a:endParaRPr lang="de-DE" dirty="0"/>
+            <a:r>
+              <a:rPr lang="de-DE" dirty="0" smtClean="0"/>
+              <a:t>1. Beispiel (Aufgabe und neuer Knoten)</a:t>
+            </a:r>
+          </a:p>
+          <a:p>
+            <a:r>
+              <a:rPr lang="de-DE" dirty="0" smtClean="0"/>
+              <a:t>2. Erster Überblick über den Code</a:t>
+            </a:r>
+          </a:p>
+          <a:p>
+            <a:r>
+              <a:rPr lang="de-DE" dirty="0" smtClean="0"/>
+              <a:t>3. Ein </a:t>
+            </a:r>
+            <a:r>
+              <a:rPr lang="de-DE" dirty="0" smtClean="0"/>
+              <a:t>O</a:t>
+            </a:r>
+            <a:r>
+              <a:rPr lang="de-DE" dirty="0" smtClean="0"/>
+              <a:t>ptimierungsbeispiel (Max – Flow)</a:t>
+            </a:r>
           </a:p>
         </p:txBody>
       </p:sp>
@@ -9729,6 +10080,13 @@
   <p:clrMapOvr>
     <a:masterClrMapping/>
   </p:clrMapOvr>
+  <p:timing>
+    <p:tnLst>
+      <p:par>
+        <p:cTn id="1" dur="indefinite" restart="never" nodeType="tmRoot"/>
+      </p:par>
+    </p:tnLst>
+  </p:timing>
 </p:sld>
 </file>
 
@@ -9759,13 +10117,13 @@
       </p:grpSpPr>
       <p:sp>
         <p:nvSpPr>
-          <p:cNvPr id="8" name="Rectangle 7">
-            <a:extLst>
-              <a:ext uri="{FF2B5EF4-FFF2-40B4-BE49-F238E27FC236}">
-                <a16:creationId xmlns:a16="http://schemas.microsoft.com/office/drawing/2014/main" id="{8D70B121-56F4-4848-B38B-182089D909FA}"/>
+          <p:cNvPr id="19" name="Rectangle 18">
+            <a:extLst>
+              <a:ext uri="{FF2B5EF4-FFF2-40B4-BE49-F238E27FC236}">
+                <a16:creationId xmlns:a16="http://schemas.microsoft.com/office/drawing/2014/main" xmlns="" id="{8D70B121-56F4-4848-B38B-182089D909FA}"/>
               </a:ext>
               <a:ext uri="{C183D7F6-B498-43B3-948B-1728B52AA6E4}">
-                <adec:decorative xmlns:adec="http://schemas.microsoft.com/office/drawing/2017/decorative" val="1"/>
+                <adec:decorative xmlns:adec="http://schemas.microsoft.com/office/drawing/2017/decorative" xmlns="" val="1"/>
               </a:ext>
             </a:extLst>
           </p:cNvPr>
@@ -9775,7 +10133,7 @@
           <p:nvPr>
             <p:extLst>
               <p:ext uri="{386F3935-93C4-4BCD-93E2-E3B085C9AB24}">
-                <p16:designElem xmlns:p16="http://schemas.microsoft.com/office/powerpoint/2015/main" val="1"/>
+                <p16:designElem xmlns:p16="http://schemas.microsoft.com/office/powerpoint/2015/main" xmlns="" val="1"/>
               </p:ext>
             </p:extLst>
           </p:nvPr>
@@ -9827,7 +10185,7 @@
           <p:cNvPr id="2" name="Titel 1">
             <a:extLst>
               <a:ext uri="{FF2B5EF4-FFF2-40B4-BE49-F238E27FC236}">
-                <a16:creationId xmlns:a16="http://schemas.microsoft.com/office/drawing/2014/main" id="{0B5D0F8F-C92F-BC46-ACC4-7A21698DD272}"/>
+                <a16:creationId xmlns:a16="http://schemas.microsoft.com/office/drawing/2014/main" xmlns="" id="{35BFDC70-A169-E142-B051-5ABC9190E094}"/>
               </a:ext>
             </a:extLst>
           </p:cNvPr>
@@ -9840,37 +10198,77 @@
         </p:nvSpPr>
         <p:spPr>
           <a:xfrm>
-            <a:off x="838200" y="963877"/>
-            <a:ext cx="3494362" cy="4930246"/>
+            <a:off x="861390" y="963877"/>
+            <a:ext cx="3471171" cy="4930246"/>
           </a:xfrm>
         </p:spPr>
         <p:txBody>
-          <a:bodyPr>
+          <a:bodyPr vert="horz" lIns="91440" tIns="45720" rIns="91440" bIns="45720" rtlCol="0">
             <a:normAutofit/>
           </a:bodyPr>
           <a:lstStyle/>
           <a:p>
-            <a:pPr algn="r"/>
-            <a:r>
-              <a:rPr lang="de-DE" dirty="0">
+            <a:pPr algn="ctr"/>
+            <a:r>
+              <a:rPr lang="en-US" dirty="0" smtClean="0">
                 <a:solidFill>
                   <a:schemeClr val="accent1"/>
                 </a:solidFill>
               </a:rPr>
-              <a:t>Gliederung	</a:t>
-            </a:r>
+              <a:t>Recap des </a:t>
+            </a:r>
+            <a:r>
+              <a:rPr lang="en-US" dirty="0" err="1">
+                <a:solidFill>
+                  <a:schemeClr val="accent1"/>
+                </a:solidFill>
+              </a:rPr>
+              <a:t>m</a:t>
+            </a:r>
+            <a:r>
+              <a:rPr lang="en-US" dirty="0" err="1" smtClean="0">
+                <a:solidFill>
+                  <a:schemeClr val="accent1"/>
+                </a:solidFill>
+              </a:rPr>
+              <a:t>aximaler</a:t>
+            </a:r>
+            <a:r>
+              <a:rPr lang="en-US" dirty="0" smtClean="0">
+                <a:solidFill>
+                  <a:schemeClr val="accent1"/>
+                </a:solidFill>
+              </a:rPr>
+              <a:t> </a:t>
+            </a:r>
+            <a:r>
+              <a:rPr lang="en-US" dirty="0" err="1" smtClean="0">
+                <a:solidFill>
+                  <a:schemeClr val="accent1"/>
+                </a:solidFill>
+              </a:rPr>
+              <a:t>Fluss</a:t>
+            </a:r>
+            <a:endParaRPr lang="en-US" kern="1200" dirty="0">
+              <a:solidFill>
+                <a:schemeClr val="accent1"/>
+              </a:solidFill>
+              <a:latin typeface="+mj-lt"/>
+              <a:ea typeface="+mj-ea"/>
+              <a:cs typeface="+mj-cs"/>
+            </a:endParaRPr>
           </a:p>
         </p:txBody>
       </p:sp>
       <p:cxnSp>
         <p:nvCxnSpPr>
-          <p:cNvPr id="10" name="Straight Connector 9">
-            <a:extLst>
-              <a:ext uri="{FF2B5EF4-FFF2-40B4-BE49-F238E27FC236}">
-                <a16:creationId xmlns:a16="http://schemas.microsoft.com/office/drawing/2014/main" id="{2D72A2C9-F3CA-4216-8BAD-FA4C970C3C4E}"/>
+          <p:cNvPr id="21" name="Straight Connector 20">
+            <a:extLst>
+              <a:ext uri="{FF2B5EF4-FFF2-40B4-BE49-F238E27FC236}">
+                <a16:creationId xmlns:a16="http://schemas.microsoft.com/office/drawing/2014/main" xmlns="" id="{2D72A2C9-F3CA-4216-8BAD-FA4C970C3C4E}"/>
               </a:ext>
               <a:ext uri="{C183D7F6-B498-43B3-948B-1728B52AA6E4}">
-                <adec:decorative xmlns:adec="http://schemas.microsoft.com/office/drawing/2017/decorative" val="1"/>
+                <adec:decorative xmlns:adec="http://schemas.microsoft.com/office/drawing/2017/decorative" xmlns="" val="1"/>
               </a:ext>
             </a:extLst>
           </p:cNvPr>
@@ -9880,7 +10278,7 @@
           <p:nvPr>
             <p:extLst>
               <p:ext uri="{386F3935-93C4-4BCD-93E2-E3B085C9AB24}">
-                <p16:designElem xmlns:p16="http://schemas.microsoft.com/office/powerpoint/2015/main" val="1"/>
+                <p16:designElem xmlns:p16="http://schemas.microsoft.com/office/powerpoint/2015/main" xmlns="" val="1"/>
               </p:ext>
             </p:extLst>
           </p:nvPr>
@@ -9919,10 +10317,10 @@
       </p:cxnSp>
       <p:sp>
         <p:nvSpPr>
-          <p:cNvPr id="3" name="Inhaltsplatzhalter 2">
-            <a:extLst>
-              <a:ext uri="{FF2B5EF4-FFF2-40B4-BE49-F238E27FC236}">
-                <a16:creationId xmlns:a16="http://schemas.microsoft.com/office/drawing/2014/main" id="{692C889E-3E0C-9E40-9512-4230892B2B42}"/>
+          <p:cNvPr id="8" name="Inhaltsplatzhalter 4">
+            <a:extLst>
+              <a:ext uri="{FF2B5EF4-FFF2-40B4-BE49-F238E27FC236}">
+                <a16:creationId xmlns:a16="http://schemas.microsoft.com/office/drawing/2014/main" xmlns="" id="{A8E625C4-6DB1-9D42-BFEA-DE37A6F928F3}"/>
               </a:ext>
             </a:extLst>
           </p:cNvPr>
@@ -9935,8 +10333,8 @@
         </p:nvSpPr>
         <p:spPr>
           <a:xfrm>
-            <a:off x="4976031" y="963877"/>
-            <a:ext cx="6377769" cy="4930246"/>
+            <a:off x="5097419" y="963877"/>
+            <a:ext cx="5686424" cy="4930246"/>
           </a:xfrm>
         </p:spPr>
         <p:txBody>
@@ -9946,63 +10344,26 @@
           <a:lstStyle/>
           <a:p>
             <a:r>
-              <a:rPr lang="de-DE" sz="2400" dirty="0"/>
-              <a:t>Einführung in das Thema</a:t>
-            </a:r>
-          </a:p>
-          <a:p>
-            <a:r>
-              <a:rPr lang="de-DE" sz="2400" dirty="0"/>
-              <a:t>Theoretische Grundlagen</a:t>
-            </a:r>
-          </a:p>
-          <a:p>
-            <a:pPr lvl="1"/>
-            <a:r>
-              <a:rPr lang="de-DE" sz="2000" dirty="0"/>
-              <a:t>Anwendungen</a:t>
-            </a:r>
-          </a:p>
-          <a:p>
-            <a:r>
-              <a:rPr lang="de-DE" sz="2400" dirty="0"/>
-              <a:t>Aufgabenstellung</a:t>
-            </a:r>
-          </a:p>
-          <a:p>
-            <a:r>
-              <a:rPr lang="de-DE" sz="2400" dirty="0"/>
-              <a:t>Implementierung</a:t>
-            </a:r>
-          </a:p>
-          <a:p>
-            <a:pPr lvl="1"/>
-            <a:r>
-              <a:rPr lang="de-DE" sz="2000" dirty="0"/>
-              <a:t>Herangehensweise </a:t>
-            </a:r>
-          </a:p>
-          <a:p>
-            <a:pPr lvl="1"/>
-            <a:r>
-              <a:rPr lang="de-DE" sz="2000" dirty="0"/>
-              <a:t>Einführung in den Code</a:t>
-            </a:r>
-          </a:p>
-          <a:p>
-            <a:r>
-              <a:rPr lang="de-DE" sz="2400" dirty="0">
-                <a:solidFill>
-                  <a:schemeClr val="accent1"/>
-                </a:solidFill>
-              </a:rPr>
-              <a:t>Präsentation des Ergebnisses</a:t>
-            </a:r>
-          </a:p>
-          <a:p>
-            <a:r>
-              <a:rPr lang="de-DE" sz="2400" dirty="0"/>
-              <a:t>Fazit </a:t>
+              <a:rPr lang="de-DE" dirty="0" smtClean="0"/>
+              <a:t>Gerichteter Graph </a:t>
+            </a:r>
+          </a:p>
+          <a:p>
+            <a:r>
+              <a:rPr lang="de-DE" dirty="0" smtClean="0"/>
+              <a:t>Maximaler Fluss (Max Flow) zwischen Quelle und Senke </a:t>
+            </a:r>
+          </a:p>
+          <a:p>
+            <a:r>
+              <a:rPr lang="de-DE" dirty="0" smtClean="0"/>
+              <a:t>Kapazitätsgrenzen sollen nicht überschritten</a:t>
+            </a:r>
+          </a:p>
+          <a:p>
+            <a:r>
+              <a:rPr lang="de-DE" dirty="0" smtClean="0"/>
+              <a:t>Also nicht minimieren der Kosten sondern maximieren der Ware</a:t>
             </a:r>
           </a:p>
         </p:txBody>
@@ -10010,7 +10371,7 @@
     </p:spTree>
     <p:extLst>
       <p:ext uri="{BB962C8B-B14F-4D97-AF65-F5344CB8AC3E}">
-        <p14:creationId xmlns:p14="http://schemas.microsoft.com/office/powerpoint/2010/main" val="682947769"/>
+        <p14:creationId xmlns:p14="http://schemas.microsoft.com/office/powerpoint/2010/main" val="2070238935"/>
       </p:ext>
     </p:extLst>
   </p:cSld>
@@ -10050,10 +10411,10 @@
           <p:cNvPr id="19" name="Rectangle 18">
             <a:extLst>
               <a:ext uri="{FF2B5EF4-FFF2-40B4-BE49-F238E27FC236}">
-                <a16:creationId xmlns:a16="http://schemas.microsoft.com/office/drawing/2014/main" id="{8D70B121-56F4-4848-B38B-182089D909FA}"/>
+                <a16:creationId xmlns:a16="http://schemas.microsoft.com/office/drawing/2014/main" xmlns="" id="{8D70B121-56F4-4848-B38B-182089D909FA}"/>
               </a:ext>
               <a:ext uri="{C183D7F6-B498-43B3-948B-1728B52AA6E4}">
-                <adec:decorative xmlns:adec="http://schemas.microsoft.com/office/drawing/2017/decorative" val="1"/>
+                <adec:decorative xmlns:adec="http://schemas.microsoft.com/office/drawing/2017/decorative" xmlns="" val="1"/>
               </a:ext>
             </a:extLst>
           </p:cNvPr>
@@ -10063,7 +10424,7 @@
           <p:nvPr>
             <p:extLst>
               <p:ext uri="{386F3935-93C4-4BCD-93E2-E3B085C9AB24}">
-                <p16:designElem xmlns:p16="http://schemas.microsoft.com/office/powerpoint/2015/main" val="1"/>
+                <p16:designElem xmlns:p16="http://schemas.microsoft.com/office/powerpoint/2015/main" xmlns="" val="1"/>
               </p:ext>
             </p:extLst>
           </p:nvPr>
@@ -10115,7 +10476,7 @@
           <p:cNvPr id="2" name="Titel 1">
             <a:extLst>
               <a:ext uri="{FF2B5EF4-FFF2-40B4-BE49-F238E27FC236}">
-                <a16:creationId xmlns:a16="http://schemas.microsoft.com/office/drawing/2014/main" id="{35BFDC70-A169-E142-B051-5ABC9190E094}"/>
+                <a16:creationId xmlns:a16="http://schemas.microsoft.com/office/drawing/2014/main" xmlns="" id="{35BFDC70-A169-E142-B051-5ABC9190E094}"/>
               </a:ext>
             </a:extLst>
           </p:cNvPr>
@@ -10140,12 +10501,12 @@
           <a:p>
             <a:pPr algn="ctr"/>
             <a:r>
-              <a:rPr lang="en-US" dirty="0" err="1">
+              <a:rPr lang="en-US" dirty="0" smtClean="0">
                 <a:solidFill>
                   <a:schemeClr val="accent1"/>
                 </a:solidFill>
               </a:rPr>
-              <a:t>Endergebnis</a:t>
+              <a:t>Der Code</a:t>
             </a:r>
             <a:endParaRPr lang="en-US" kern="1200" dirty="0">
               <a:solidFill>
@@ -10163,10 +10524,10 @@
           <p:cNvPr id="21" name="Straight Connector 20">
             <a:extLst>
               <a:ext uri="{FF2B5EF4-FFF2-40B4-BE49-F238E27FC236}">
-                <a16:creationId xmlns:a16="http://schemas.microsoft.com/office/drawing/2014/main" id="{2D72A2C9-F3CA-4216-8BAD-FA4C970C3C4E}"/>
+                <a16:creationId xmlns:a16="http://schemas.microsoft.com/office/drawing/2014/main" xmlns="" id="{2D72A2C9-F3CA-4216-8BAD-FA4C970C3C4E}"/>
               </a:ext>
               <a:ext uri="{C183D7F6-B498-43B3-948B-1728B52AA6E4}">
-                <adec:decorative xmlns:adec="http://schemas.microsoft.com/office/drawing/2017/decorative" val="1"/>
+                <adec:decorative xmlns:adec="http://schemas.microsoft.com/office/drawing/2017/decorative" xmlns="" val="1"/>
               </a:ext>
             </a:extLst>
           </p:cNvPr>
@@ -10176,7 +10537,7 @@
           <p:nvPr>
             <p:extLst>
               <p:ext uri="{386F3935-93C4-4BCD-93E2-E3B085C9AB24}">
-                <p16:designElem xmlns:p16="http://schemas.microsoft.com/office/powerpoint/2015/main" val="1"/>
+                <p16:designElem xmlns:p16="http://schemas.microsoft.com/office/powerpoint/2015/main" xmlns="" val="1"/>
               </p:ext>
             </p:extLst>
           </p:nvPr>
@@ -10218,7 +10579,7 @@
           <p:cNvPr id="8" name="Inhaltsplatzhalter 4">
             <a:extLst>
               <a:ext uri="{FF2B5EF4-FFF2-40B4-BE49-F238E27FC236}">
-                <a16:creationId xmlns:a16="http://schemas.microsoft.com/office/drawing/2014/main" id="{A8E625C4-6DB1-9D42-BFEA-DE37A6F928F3}"/>
+                <a16:creationId xmlns:a16="http://schemas.microsoft.com/office/drawing/2014/main" xmlns="" id="{A8E625C4-6DB1-9D42-BFEA-DE37A6F928F3}"/>
               </a:ext>
             </a:extLst>
           </p:cNvPr>
@@ -10248,22 +10609,10 @@
               <a:rPr lang="de-DE" dirty="0">
                 <a:sym typeface="Wingdings" pitchFamily="2" charset="2"/>
               </a:rPr>
-              <a:t> Swap </a:t>
-            </a:r>
-            <a:r>
-              <a:rPr lang="de-DE" dirty="0" err="1">
-                <a:sym typeface="Wingdings" pitchFamily="2" charset="2"/>
-              </a:rPr>
-              <a:t>to</a:t>
-            </a:r>
-            <a:r>
-              <a:rPr lang="de-DE" dirty="0">
-                <a:sym typeface="Wingdings" pitchFamily="2" charset="2"/>
-              </a:rPr>
-              <a:t> </a:t>
-            </a:r>
-            <a:r>
-              <a:rPr lang="de-DE" dirty="0" err="1">
+              <a:t> </a:t>
+            </a:r>
+            <a:r>
+              <a:rPr lang="de-DE" dirty="0" err="1" smtClean="0">
                 <a:sym typeface="Wingdings" pitchFamily="2" charset="2"/>
               </a:rPr>
               <a:t>Sagemath</a:t>
@@ -10315,10 +10664,10 @@
           <p:cNvPr id="19" name="Rectangle 18">
             <a:extLst>
               <a:ext uri="{FF2B5EF4-FFF2-40B4-BE49-F238E27FC236}">
-                <a16:creationId xmlns:a16="http://schemas.microsoft.com/office/drawing/2014/main" id="{8D70B121-56F4-4848-B38B-182089D909FA}"/>
+                <a16:creationId xmlns:a16="http://schemas.microsoft.com/office/drawing/2014/main" xmlns="" id="{8D70B121-56F4-4848-B38B-182089D909FA}"/>
               </a:ext>
               <a:ext uri="{C183D7F6-B498-43B3-948B-1728B52AA6E4}">
-                <adec:decorative xmlns:adec="http://schemas.microsoft.com/office/drawing/2017/decorative" val="1"/>
+                <adec:decorative xmlns:adec="http://schemas.microsoft.com/office/drawing/2017/decorative" xmlns="" val="1"/>
               </a:ext>
             </a:extLst>
           </p:cNvPr>
@@ -10328,7 +10677,7 @@
           <p:nvPr>
             <p:extLst>
               <p:ext uri="{386F3935-93C4-4BCD-93E2-E3B085C9AB24}">
-                <p16:designElem xmlns:p16="http://schemas.microsoft.com/office/powerpoint/2015/main" val="1"/>
+                <p16:designElem xmlns:p16="http://schemas.microsoft.com/office/powerpoint/2015/main" xmlns="" val="1"/>
               </p:ext>
             </p:extLst>
           </p:nvPr>
@@ -10380,7 +10729,7 @@
           <p:cNvPr id="2" name="Titel 1">
             <a:extLst>
               <a:ext uri="{FF2B5EF4-FFF2-40B4-BE49-F238E27FC236}">
-                <a16:creationId xmlns:a16="http://schemas.microsoft.com/office/drawing/2014/main" id="{35BFDC70-A169-E142-B051-5ABC9190E094}"/>
+                <a16:creationId xmlns:a16="http://schemas.microsoft.com/office/drawing/2014/main" xmlns="" id="{35BFDC70-A169-E142-B051-5ABC9190E094}"/>
               </a:ext>
             </a:extLst>
           </p:cNvPr>
@@ -10405,15 +10754,44 @@
           <a:p>
             <a:pPr algn="ctr"/>
             <a:r>
-              <a:rPr lang="en-US" kern="1200" dirty="0" err="1">
+              <a:rPr lang="en-US" dirty="0" smtClean="0">
                 <a:solidFill>
                   <a:schemeClr val="accent1"/>
                 </a:solidFill>
-                <a:latin typeface="+mj-lt"/>
-                <a:ea typeface="+mj-ea"/>
-                <a:cs typeface="+mj-cs"/>
               </a:rPr>
-              <a:t>Fazit</a:t>
+              <a:t>Unser vs </a:t>
+            </a:r>
+            <a:r>
+              <a:rPr lang="en-US" dirty="0" err="1">
+                <a:solidFill>
+                  <a:schemeClr val="accent1"/>
+                </a:solidFill>
+              </a:rPr>
+              <a:t>A</a:t>
+            </a:r>
+            <a:r>
+              <a:rPr lang="en-US" dirty="0" err="1" smtClean="0">
+                <a:solidFill>
+                  <a:schemeClr val="accent1"/>
+                </a:solidFill>
+              </a:rPr>
+              <a:t>ndere</a:t>
+            </a:r>
+            <a:r>
+              <a:rPr lang="en-US" dirty="0" smtClean="0">
+                <a:solidFill>
+                  <a:schemeClr val="accent1"/>
+                </a:solidFill>
+              </a:rPr>
+              <a:t> </a:t>
+            </a:r>
+            <a:r>
+              <a:rPr lang="en-US" dirty="0" err="1" smtClean="0">
+                <a:solidFill>
+                  <a:schemeClr val="accent1"/>
+                </a:solidFill>
+              </a:rPr>
+              <a:t>Lösungen</a:t>
             </a:r>
             <a:endParaRPr lang="en-US" kern="1200" dirty="0">
               <a:solidFill>
@@ -10431,10 +10809,10 @@
           <p:cNvPr id="21" name="Straight Connector 20">
             <a:extLst>
               <a:ext uri="{FF2B5EF4-FFF2-40B4-BE49-F238E27FC236}">
-                <a16:creationId xmlns:a16="http://schemas.microsoft.com/office/drawing/2014/main" id="{2D72A2C9-F3CA-4216-8BAD-FA4C970C3C4E}"/>
+                <a16:creationId xmlns:a16="http://schemas.microsoft.com/office/drawing/2014/main" xmlns="" id="{2D72A2C9-F3CA-4216-8BAD-FA4C970C3C4E}"/>
               </a:ext>
               <a:ext uri="{C183D7F6-B498-43B3-948B-1728B52AA6E4}">
-                <adec:decorative xmlns:adec="http://schemas.microsoft.com/office/drawing/2017/decorative" val="1"/>
+                <adec:decorative xmlns:adec="http://schemas.microsoft.com/office/drawing/2017/decorative" xmlns="" val="1"/>
               </a:ext>
             </a:extLst>
           </p:cNvPr>
@@ -10444,7 +10822,7 @@
           <p:nvPr>
             <p:extLst>
               <p:ext uri="{386F3935-93C4-4BCD-93E2-E3B085C9AB24}">
-                <p16:designElem xmlns:p16="http://schemas.microsoft.com/office/powerpoint/2015/main" val="1"/>
+                <p16:designElem xmlns:p16="http://schemas.microsoft.com/office/powerpoint/2015/main" xmlns="" val="1"/>
               </p:ext>
             </p:extLst>
           </p:nvPr>
@@ -10486,7 +10864,7 @@
           <p:cNvPr id="8" name="Inhaltsplatzhalter 4">
             <a:extLst>
               <a:ext uri="{FF2B5EF4-FFF2-40B4-BE49-F238E27FC236}">
-                <a16:creationId xmlns:a16="http://schemas.microsoft.com/office/drawing/2014/main" id="{A8E625C4-6DB1-9D42-BFEA-DE37A6F928F3}"/>
+                <a16:creationId xmlns:a16="http://schemas.microsoft.com/office/drawing/2014/main" xmlns="" id="{A8E625C4-6DB1-9D42-BFEA-DE37A6F928F3}"/>
               </a:ext>
             </a:extLst>
           </p:cNvPr>
@@ -10512,6 +10890,30 @@
             <a:pPr marL="0" indent="0">
               <a:buNone/>
             </a:pPr>
+            <a:r>
+              <a:rPr lang="de-DE" dirty="0">
+                <a:sym typeface="Wingdings" pitchFamily="2" charset="2"/>
+              </a:rPr>
+              <a:t> Swap </a:t>
+            </a:r>
+            <a:r>
+              <a:rPr lang="de-DE" dirty="0" err="1">
+                <a:sym typeface="Wingdings" pitchFamily="2" charset="2"/>
+              </a:rPr>
+              <a:t>to</a:t>
+            </a:r>
+            <a:r>
+              <a:rPr lang="de-DE" dirty="0">
+                <a:sym typeface="Wingdings" pitchFamily="2" charset="2"/>
+              </a:rPr>
+              <a:t> </a:t>
+            </a:r>
+            <a:r>
+              <a:rPr lang="de-DE" dirty="0" err="1">
+                <a:sym typeface="Wingdings" pitchFamily="2" charset="2"/>
+              </a:rPr>
+              <a:t>Sagemath</a:t>
+            </a:r>
             <a:endParaRPr lang="de-DE" dirty="0"/>
           </a:p>
         </p:txBody>
@@ -10519,7 +10921,7 @@
     </p:spTree>
     <p:extLst>
       <p:ext uri="{BB962C8B-B14F-4D97-AF65-F5344CB8AC3E}">
-        <p14:creationId xmlns:p14="http://schemas.microsoft.com/office/powerpoint/2010/main" val="3670826346"/>
+        <p14:creationId xmlns:p14="http://schemas.microsoft.com/office/powerpoint/2010/main" val="931069158"/>
       </p:ext>
     </p:extLst>
   </p:cSld>
@@ -10556,13 +10958,13 @@
       </p:grpSpPr>
       <p:sp>
         <p:nvSpPr>
-          <p:cNvPr id="19" name="Rectangle 18">
-            <a:extLst>
-              <a:ext uri="{FF2B5EF4-FFF2-40B4-BE49-F238E27FC236}">
-                <a16:creationId xmlns:a16="http://schemas.microsoft.com/office/drawing/2014/main" id="{8D70B121-56F4-4848-B38B-182089D909FA}"/>
+          <p:cNvPr id="8" name="Rectangle 7">
+            <a:extLst>
+              <a:ext uri="{FF2B5EF4-FFF2-40B4-BE49-F238E27FC236}">
+                <a16:creationId xmlns:a16="http://schemas.microsoft.com/office/drawing/2014/main" xmlns="" id="{8D70B121-56F4-4848-B38B-182089D909FA}"/>
               </a:ext>
               <a:ext uri="{C183D7F6-B498-43B3-948B-1728B52AA6E4}">
-                <adec:decorative xmlns:adec="http://schemas.microsoft.com/office/drawing/2017/decorative" val="1"/>
+                <adec:decorative xmlns:adec="http://schemas.microsoft.com/office/drawing/2017/decorative" xmlns="" val="1"/>
               </a:ext>
             </a:extLst>
           </p:cNvPr>
@@ -10572,7 +10974,7 @@
           <p:nvPr>
             <p:extLst>
               <p:ext uri="{386F3935-93C4-4BCD-93E2-E3B085C9AB24}">
-                <p16:designElem xmlns:p16="http://schemas.microsoft.com/office/powerpoint/2015/main" val="1"/>
+                <p16:designElem xmlns:p16="http://schemas.microsoft.com/office/powerpoint/2015/main" xmlns="" val="1"/>
               </p:ext>
             </p:extLst>
           </p:nvPr>
@@ -10624,7 +11026,7 @@
           <p:cNvPr id="2" name="Titel 1">
             <a:extLst>
               <a:ext uri="{FF2B5EF4-FFF2-40B4-BE49-F238E27FC236}">
-                <a16:creationId xmlns:a16="http://schemas.microsoft.com/office/drawing/2014/main" id="{35BFDC70-A169-E142-B051-5ABC9190E094}"/>
+                <a16:creationId xmlns:a16="http://schemas.microsoft.com/office/drawing/2014/main" xmlns="" id="{0B5D0F8F-C92F-BC46-ACC4-7A21698DD272}"/>
               </a:ext>
             </a:extLst>
           </p:cNvPr>
@@ -10637,48 +11039,37 @@
         </p:nvSpPr>
         <p:spPr>
           <a:xfrm>
-            <a:off x="401956" y="963877"/>
-            <a:ext cx="4171949" cy="4930246"/>
+            <a:off x="838200" y="963877"/>
+            <a:ext cx="3494362" cy="4930246"/>
           </a:xfrm>
         </p:spPr>
         <p:txBody>
-          <a:bodyPr vert="horz" lIns="91440" tIns="45720" rIns="91440" bIns="45720" rtlCol="0">
+          <a:bodyPr>
             <a:normAutofit/>
           </a:bodyPr>
           <a:lstStyle/>
           <a:p>
-            <a:pPr algn="ctr"/>
-            <a:r>
-              <a:rPr lang="en-US" sz="4000" kern="1200" dirty="0" err="1">
+            <a:pPr algn="r"/>
+            <a:r>
+              <a:rPr lang="de-DE" dirty="0">
                 <a:solidFill>
                   <a:schemeClr val="accent1"/>
                 </a:solidFill>
-                <a:latin typeface="+mj-lt"/>
-                <a:ea typeface="+mj-ea"/>
-                <a:cs typeface="+mj-cs"/>
               </a:rPr>
-              <a:t>Quellen</a:t>
-            </a:r>
-            <a:endParaRPr lang="en-US" sz="4000" kern="1200" dirty="0">
-              <a:solidFill>
-                <a:schemeClr val="accent1"/>
-              </a:solidFill>
-              <a:latin typeface="+mj-lt"/>
-              <a:ea typeface="+mj-ea"/>
-              <a:cs typeface="+mj-cs"/>
-            </a:endParaRPr>
+              <a:t>Gliederung	</a:t>
+            </a:r>
           </a:p>
         </p:txBody>
       </p:sp>
       <p:cxnSp>
         <p:nvCxnSpPr>
-          <p:cNvPr id="21" name="Straight Connector 20">
-            <a:extLst>
-              <a:ext uri="{FF2B5EF4-FFF2-40B4-BE49-F238E27FC236}">
-                <a16:creationId xmlns:a16="http://schemas.microsoft.com/office/drawing/2014/main" id="{2D72A2C9-F3CA-4216-8BAD-FA4C970C3C4E}"/>
+          <p:cNvPr id="10" name="Straight Connector 9">
+            <a:extLst>
+              <a:ext uri="{FF2B5EF4-FFF2-40B4-BE49-F238E27FC236}">
+                <a16:creationId xmlns:a16="http://schemas.microsoft.com/office/drawing/2014/main" xmlns="" id="{2D72A2C9-F3CA-4216-8BAD-FA4C970C3C4E}"/>
               </a:ext>
               <a:ext uri="{C183D7F6-B498-43B3-948B-1728B52AA6E4}">
-                <adec:decorative xmlns:adec="http://schemas.microsoft.com/office/drawing/2017/decorative" val="1"/>
+                <adec:decorative xmlns:adec="http://schemas.microsoft.com/office/drawing/2017/decorative" xmlns="" val="1"/>
               </a:ext>
             </a:extLst>
           </p:cNvPr>
@@ -10688,7 +11079,7 @@
           <p:nvPr>
             <p:extLst>
               <p:ext uri="{386F3935-93C4-4BCD-93E2-E3B085C9AB24}">
-                <p16:designElem xmlns:p16="http://schemas.microsoft.com/office/powerpoint/2015/main" val="1"/>
+                <p16:designElem xmlns:p16="http://schemas.microsoft.com/office/powerpoint/2015/main" xmlns="" val="1"/>
               </p:ext>
             </p:extLst>
           </p:nvPr>
@@ -10727,10 +11118,10 @@
       </p:cxnSp>
       <p:sp>
         <p:nvSpPr>
-          <p:cNvPr id="8" name="Inhaltsplatzhalter 4">
-            <a:extLst>
-              <a:ext uri="{FF2B5EF4-FFF2-40B4-BE49-F238E27FC236}">
-                <a16:creationId xmlns:a16="http://schemas.microsoft.com/office/drawing/2014/main" id="{C28895E4-2A18-3F46-B985-F6164DBE329F}"/>
+          <p:cNvPr id="3" name="Inhaltsplatzhalter 2">
+            <a:extLst>
+              <a:ext uri="{FF2B5EF4-FFF2-40B4-BE49-F238E27FC236}">
+                <a16:creationId xmlns:a16="http://schemas.microsoft.com/office/drawing/2014/main" xmlns="" id="{692C889E-3E0C-9E40-9512-4230892B2B42}"/>
               </a:ext>
             </a:extLst>
           </p:cNvPr>
@@ -10743,57 +11134,87 @@
         </p:nvSpPr>
         <p:spPr>
           <a:xfrm>
-            <a:off x="5097419" y="963877"/>
-            <a:ext cx="5686424" cy="4930246"/>
+            <a:off x="4976031" y="963877"/>
+            <a:ext cx="6377769" cy="4930246"/>
           </a:xfrm>
         </p:spPr>
         <p:txBody>
-          <a:bodyPr>
+          <a:bodyPr anchor="ctr">
             <a:normAutofit/>
           </a:bodyPr>
           <a:lstStyle/>
           <a:p>
             <a:r>
-              <a:rPr lang="de-DE" sz="1400" dirty="0">
-                <a:hlinkClick r:id="rId3"/>
+              <a:rPr lang="de-DE" sz="2400" dirty="0"/>
+              <a:t>Einführung in das Thema</a:t>
+            </a:r>
+          </a:p>
+          <a:p>
+            <a:r>
+              <a:rPr lang="de-DE" sz="2400" dirty="0"/>
+              <a:t>Theoretische Grundlagen</a:t>
+            </a:r>
+          </a:p>
+          <a:p>
+            <a:pPr lvl="1"/>
+            <a:r>
+              <a:rPr lang="de-DE" sz="2000" dirty="0"/>
+              <a:t>Anwendungen</a:t>
+            </a:r>
+          </a:p>
+          <a:p>
+            <a:r>
+              <a:rPr lang="de-DE" sz="2400" dirty="0"/>
+              <a:t>Aufgabenstellung</a:t>
+            </a:r>
+          </a:p>
+          <a:p>
+            <a:r>
+              <a:rPr lang="de-DE" sz="2400" dirty="0"/>
+              <a:t>Implementierung</a:t>
+            </a:r>
+          </a:p>
+          <a:p>
+            <a:pPr lvl="1"/>
+            <a:r>
+              <a:rPr lang="de-DE" sz="2000" dirty="0"/>
+              <a:t>Herangehensweise </a:t>
+            </a:r>
+          </a:p>
+          <a:p>
+            <a:pPr lvl="1"/>
+            <a:r>
+              <a:rPr lang="de-DE" sz="2000" dirty="0"/>
+              <a:t>Einführung in den Code</a:t>
+            </a:r>
+          </a:p>
+          <a:p>
+            <a:r>
+              <a:rPr lang="de-DE" sz="2400" dirty="0" smtClean="0">
+                <a:solidFill>
+                  <a:schemeClr val="accent1"/>
+                </a:solidFill>
               </a:rPr>
-              <a:t>http://page.mi.fu-berlin.de/alt/vorlesungen/sem0809/folien-polcwiartek.pdf</a:t>
-            </a:r>
-            <a:endParaRPr lang="de-DE" sz="1400" dirty="0"/>
-          </a:p>
-          <a:p>
-            <a:r>
-              <a:rPr lang="de-DE" sz="1400" dirty="0">
-                <a:hlinkClick r:id="rId4"/>
-              </a:rPr>
-              <a:t>https://www.net.in.tum.de/fileadmin/TUM/NET/NET-2012-04-1/NET-2012-04-1_05.pdf</a:t>
-            </a:r>
-            <a:endParaRPr lang="de-DE" sz="1400" dirty="0"/>
-          </a:p>
-          <a:p>
-            <a:r>
-              <a:rPr lang="de-DE" sz="1400" dirty="0">
-                <a:hlinkClick r:id="rId5"/>
-              </a:rPr>
-              <a:t>https://www-m9.ma.tum.de/Allgemeines/GraphAlgorithmen</a:t>
-            </a:r>
-            <a:endParaRPr lang="de-DE" sz="1400"/>
-          </a:p>
-          <a:p>
-            <a:endParaRPr lang="de-DE" sz="1400" dirty="0"/>
-          </a:p>
-          <a:p>
-            <a:endParaRPr lang="de-DE" sz="1400" dirty="0"/>
-          </a:p>
-          <a:p>
-            <a:endParaRPr lang="de-DE" dirty="0"/>
+              <a:t>Das finale Ergebnisses</a:t>
+            </a:r>
+            <a:endParaRPr lang="de-DE" sz="2400" dirty="0">
+              <a:solidFill>
+                <a:schemeClr val="accent1"/>
+              </a:solidFill>
+            </a:endParaRPr>
+          </a:p>
+          <a:p>
+            <a:r>
+              <a:rPr lang="de-DE" sz="2400" dirty="0"/>
+              <a:t>Fazit </a:t>
+            </a:r>
           </a:p>
         </p:txBody>
       </p:sp>
     </p:spTree>
     <p:extLst>
       <p:ext uri="{BB962C8B-B14F-4D97-AF65-F5344CB8AC3E}">
-        <p14:creationId xmlns:p14="http://schemas.microsoft.com/office/powerpoint/2010/main" val="2918339293"/>
+        <p14:creationId xmlns:p14="http://schemas.microsoft.com/office/powerpoint/2010/main" val="682947769"/>
       </p:ext>
     </p:extLst>
   </p:cSld>
@@ -10830,13 +11251,13 @@
       </p:grpSpPr>
       <p:sp>
         <p:nvSpPr>
-          <p:cNvPr id="7" name="Rectangle 6">
-            <a:extLst>
-              <a:ext uri="{FF2B5EF4-FFF2-40B4-BE49-F238E27FC236}">
-                <a16:creationId xmlns:a16="http://schemas.microsoft.com/office/drawing/2014/main" id="{6F9EB9F2-07E2-4D64-BBD8-BB5B217F1218}"/>
+          <p:cNvPr id="19" name="Rectangle 18">
+            <a:extLst>
+              <a:ext uri="{FF2B5EF4-FFF2-40B4-BE49-F238E27FC236}">
+                <a16:creationId xmlns:a16="http://schemas.microsoft.com/office/drawing/2014/main" xmlns="" id="{8D70B121-56F4-4848-B38B-182089D909FA}"/>
               </a:ext>
               <a:ext uri="{C183D7F6-B498-43B3-948B-1728B52AA6E4}">
-                <adec:decorative xmlns:adec="http://schemas.microsoft.com/office/drawing/2017/decorative" val="1"/>
+                <adec:decorative xmlns:adec="http://schemas.microsoft.com/office/drawing/2017/decorative" xmlns="" val="1"/>
               </a:ext>
             </a:extLst>
           </p:cNvPr>
@@ -10846,7 +11267,1189 @@
           <p:nvPr>
             <p:extLst>
               <p:ext uri="{386F3935-93C4-4BCD-93E2-E3B085C9AB24}">
-                <p16:designElem xmlns:p16="http://schemas.microsoft.com/office/powerpoint/2015/main" val="1"/>
+                <p16:designElem xmlns:p16="http://schemas.microsoft.com/office/powerpoint/2015/main" xmlns="" val="1"/>
+              </p:ext>
+            </p:extLst>
+          </p:nvPr>
+        </p:nvSpPr>
+        <p:spPr bwMode="ltGray">
+          <a:xfrm>
+            <a:off x="321564" y="320040"/>
+            <a:ext cx="11548872" cy="6217920"/>
+          </a:xfrm>
+          <a:prstGeom prst="rect">
+            <a:avLst/>
+          </a:prstGeom>
+          <a:solidFill>
+            <a:schemeClr val="tx1">
+              <a:alpha val="8000"/>
+            </a:schemeClr>
+          </a:solidFill>
+          <a:ln w="127000" cap="sq" cmpd="thinThick">
+            <a:noFill/>
+          </a:ln>
+        </p:spPr>
+        <p:style>
+          <a:lnRef idx="2">
+            <a:schemeClr val="accent1">
+              <a:shade val="50000"/>
+            </a:schemeClr>
+          </a:lnRef>
+          <a:fillRef idx="1">
+            <a:schemeClr val="accent1"/>
+          </a:fillRef>
+          <a:effectRef idx="0">
+            <a:schemeClr val="accent1"/>
+          </a:effectRef>
+          <a:fontRef idx="minor">
+            <a:schemeClr val="lt1"/>
+          </a:fontRef>
+        </p:style>
+        <p:txBody>
+          <a:bodyPr rtlCol="0" anchor="ctr"/>
+          <a:lstStyle/>
+          <a:p>
+            <a:pPr algn="ctr"/>
+            <a:endParaRPr lang="en-US"/>
+          </a:p>
+        </p:txBody>
+      </p:sp>
+      <p:sp>
+        <p:nvSpPr>
+          <p:cNvPr id="2" name="Titel 1">
+            <a:extLst>
+              <a:ext uri="{FF2B5EF4-FFF2-40B4-BE49-F238E27FC236}">
+                <a16:creationId xmlns:a16="http://schemas.microsoft.com/office/drawing/2014/main" xmlns="" id="{35BFDC70-A169-E142-B051-5ABC9190E094}"/>
+              </a:ext>
+            </a:extLst>
+          </p:cNvPr>
+          <p:cNvSpPr>
+            <a:spLocks noGrp="1"/>
+          </p:cNvSpPr>
+          <p:nvPr>
+            <p:ph type="title"/>
+          </p:nvPr>
+        </p:nvSpPr>
+        <p:spPr>
+          <a:xfrm>
+            <a:off x="861390" y="963877"/>
+            <a:ext cx="3471171" cy="4930246"/>
+          </a:xfrm>
+        </p:spPr>
+        <p:txBody>
+          <a:bodyPr vert="horz" lIns="91440" tIns="45720" rIns="91440" bIns="45720" rtlCol="0">
+            <a:normAutofit/>
+          </a:bodyPr>
+          <a:lstStyle/>
+          <a:p>
+            <a:pPr algn="ctr"/>
+            <a:r>
+              <a:rPr lang="en-US" dirty="0" err="1">
+                <a:solidFill>
+                  <a:schemeClr val="accent1"/>
+                </a:solidFill>
+              </a:rPr>
+              <a:t>Endergebnis</a:t>
+            </a:r>
+            <a:endParaRPr lang="en-US" kern="1200" dirty="0">
+              <a:solidFill>
+                <a:schemeClr val="accent1"/>
+              </a:solidFill>
+              <a:latin typeface="+mj-lt"/>
+              <a:ea typeface="+mj-ea"/>
+              <a:cs typeface="+mj-cs"/>
+            </a:endParaRPr>
+          </a:p>
+        </p:txBody>
+      </p:sp>
+      <p:cxnSp>
+        <p:nvCxnSpPr>
+          <p:cNvPr id="21" name="Straight Connector 20">
+            <a:extLst>
+              <a:ext uri="{FF2B5EF4-FFF2-40B4-BE49-F238E27FC236}">
+                <a16:creationId xmlns:a16="http://schemas.microsoft.com/office/drawing/2014/main" xmlns="" id="{2D72A2C9-F3CA-4216-8BAD-FA4C970C3C4E}"/>
+              </a:ext>
+              <a:ext uri="{C183D7F6-B498-43B3-948B-1728B52AA6E4}">
+                <adec:decorative xmlns:adec="http://schemas.microsoft.com/office/drawing/2017/decorative" xmlns="" val="1"/>
+              </a:ext>
+            </a:extLst>
+          </p:cNvPr>
+          <p:cNvCxnSpPr>
+            <a:cxnSpLocks noGrp="1" noRot="1" noChangeAspect="1" noMove="1" noResize="1" noEditPoints="1" noAdjustHandles="1" noChangeArrowheads="1" noChangeShapeType="1"/>
+          </p:cNvCxnSpPr>
+          <p:nvPr>
+            <p:extLst>
+              <p:ext uri="{386F3935-93C4-4BCD-93E2-E3B085C9AB24}">
+                <p16:designElem xmlns:p16="http://schemas.microsoft.com/office/powerpoint/2015/main" xmlns="" val="1"/>
+              </p:ext>
+            </p:extLst>
+          </p:nvPr>
+        </p:nvCxnSpPr>
+        <p:spPr>
+          <a:xfrm>
+            <a:off x="4654296" y="2057400"/>
+            <a:ext cx="0" cy="2743200"/>
+          </a:xfrm>
+          <a:prstGeom prst="line">
+            <a:avLst/>
+          </a:prstGeom>
+          <a:ln w="19050">
+            <a:solidFill>
+              <a:schemeClr val="tx1">
+                <a:lumMod val="85000"/>
+                <a:lumOff val="15000"/>
+              </a:schemeClr>
+            </a:solidFill>
+          </a:ln>
+        </p:spPr>
+        <p:style>
+          <a:lnRef idx="1">
+            <a:schemeClr val="accent1"/>
+          </a:lnRef>
+          <a:fillRef idx="0">
+            <a:schemeClr val="accent1"/>
+          </a:fillRef>
+          <a:effectRef idx="0">
+            <a:schemeClr val="accent1"/>
+          </a:effectRef>
+          <a:fontRef idx="minor">
+            <a:schemeClr val="tx1"/>
+          </a:fontRef>
+        </p:style>
+      </p:cxnSp>
+      <p:sp>
+        <p:nvSpPr>
+          <p:cNvPr id="8" name="Inhaltsplatzhalter 4">
+            <a:extLst>
+              <a:ext uri="{FF2B5EF4-FFF2-40B4-BE49-F238E27FC236}">
+                <a16:creationId xmlns:a16="http://schemas.microsoft.com/office/drawing/2014/main" xmlns="" id="{A8E625C4-6DB1-9D42-BFEA-DE37A6F928F3}"/>
+              </a:ext>
+            </a:extLst>
+          </p:cNvPr>
+          <p:cNvSpPr>
+            <a:spLocks noGrp="1"/>
+          </p:cNvSpPr>
+          <p:nvPr>
+            <p:ph idx="1"/>
+          </p:nvPr>
+        </p:nvSpPr>
+        <p:spPr>
+          <a:xfrm>
+            <a:off x="5097419" y="963877"/>
+            <a:ext cx="5686424" cy="4930246"/>
+          </a:xfrm>
+        </p:spPr>
+        <p:txBody>
+          <a:bodyPr anchor="ctr">
+            <a:normAutofit/>
+          </a:bodyPr>
+          <a:lstStyle/>
+          <a:p>
+            <a:pPr>
+              <a:buFontTx/>
+              <a:buChar char="-"/>
+            </a:pPr>
+            <a:r>
+              <a:rPr lang="de-DE" dirty="0" smtClean="0">
+                <a:sym typeface="Wingdings" pitchFamily="2" charset="2"/>
+              </a:rPr>
+              <a:t>Maximalen Fluss </a:t>
+            </a:r>
+          </a:p>
+          <a:p>
+            <a:pPr>
+              <a:buFontTx/>
+              <a:buChar char="-"/>
+            </a:pPr>
+            <a:r>
+              <a:rPr lang="de-DE" dirty="0" smtClean="0">
+                <a:sym typeface="Wingdings" pitchFamily="2" charset="2"/>
+              </a:rPr>
+              <a:t>Minimale Kosten </a:t>
+            </a:r>
+          </a:p>
+          <a:p>
+            <a:pPr lvl="1">
+              <a:buFontTx/>
+              <a:buChar char="-"/>
+            </a:pPr>
+            <a:r>
+              <a:rPr lang="de-DE" dirty="0" smtClean="0">
+                <a:sym typeface="Wingdings" pitchFamily="2" charset="2"/>
+              </a:rPr>
+              <a:t>Mit Kapazitätsgrenzen</a:t>
+            </a:r>
+          </a:p>
+          <a:p>
+            <a:pPr lvl="1">
+              <a:buFontTx/>
+              <a:buChar char="-"/>
+            </a:pPr>
+            <a:r>
+              <a:rPr lang="de-DE" dirty="0" smtClean="0">
+                <a:sym typeface="Wingdings" pitchFamily="2" charset="2"/>
+              </a:rPr>
+              <a:t>Ohne Kapazitätsgrenzen</a:t>
+            </a:r>
+          </a:p>
+        </p:txBody>
+      </p:sp>
+    </p:spTree>
+    <p:extLst>
+      <p:ext uri="{BB962C8B-B14F-4D97-AF65-F5344CB8AC3E}">
+        <p14:creationId xmlns:p14="http://schemas.microsoft.com/office/powerpoint/2010/main" val="2366605710"/>
+      </p:ext>
+    </p:extLst>
+  </p:cSld>
+  <p:clrMapOvr>
+    <a:masterClrMapping/>
+  </p:clrMapOvr>
+</p:sld>
+</file>
+
+<file path=ppt/slides/slide29.xml><?xml version="1.0" encoding="utf-8"?>
+<p:sld xmlns:a="http://schemas.openxmlformats.org/drawingml/2006/main" xmlns:r="http://schemas.openxmlformats.org/officeDocument/2006/relationships" xmlns:p="http://schemas.openxmlformats.org/presentationml/2006/main">
+  <p:cSld>
+    <p:bg>
+      <p:bgPr>
+        <a:solidFill>
+          <a:schemeClr val="bg1"/>
+        </a:solidFill>
+        <a:effectLst/>
+      </p:bgPr>
+    </p:bg>
+    <p:spTree>
+      <p:nvGrpSpPr>
+        <p:cNvPr id="1" name=""/>
+        <p:cNvGrpSpPr/>
+        <p:nvPr/>
+      </p:nvGrpSpPr>
+      <p:grpSpPr>
+        <a:xfrm>
+          <a:off x="0" y="0"/>
+          <a:ext cx="0" cy="0"/>
+          <a:chOff x="0" y="0"/>
+          <a:chExt cx="0" cy="0"/>
+        </a:xfrm>
+      </p:grpSpPr>
+      <p:sp>
+        <p:nvSpPr>
+          <p:cNvPr id="19" name="Rectangle 18">
+            <a:extLst>
+              <a:ext uri="{FF2B5EF4-FFF2-40B4-BE49-F238E27FC236}">
+                <a16:creationId xmlns:a16="http://schemas.microsoft.com/office/drawing/2014/main" xmlns="" id="{8D70B121-56F4-4848-B38B-182089D909FA}"/>
+              </a:ext>
+              <a:ext uri="{C183D7F6-B498-43B3-948B-1728B52AA6E4}">
+                <adec:decorative xmlns:adec="http://schemas.microsoft.com/office/drawing/2017/decorative" xmlns="" val="1"/>
+              </a:ext>
+            </a:extLst>
+          </p:cNvPr>
+          <p:cNvSpPr>
+            <a:spLocks noGrp="1" noRot="1" noChangeAspect="1" noMove="1" noResize="1" noEditPoints="1" noAdjustHandles="1" noChangeArrowheads="1" noChangeShapeType="1" noTextEdit="1"/>
+          </p:cNvSpPr>
+          <p:nvPr>
+            <p:extLst>
+              <p:ext uri="{386F3935-93C4-4BCD-93E2-E3B085C9AB24}">
+                <p16:designElem xmlns:p16="http://schemas.microsoft.com/office/powerpoint/2015/main" xmlns="" val="1"/>
+              </p:ext>
+            </p:extLst>
+          </p:nvPr>
+        </p:nvSpPr>
+        <p:spPr bwMode="ltGray">
+          <a:xfrm>
+            <a:off x="321564" y="320040"/>
+            <a:ext cx="11548872" cy="6217920"/>
+          </a:xfrm>
+          <a:prstGeom prst="rect">
+            <a:avLst/>
+          </a:prstGeom>
+          <a:solidFill>
+            <a:schemeClr val="tx1">
+              <a:alpha val="8000"/>
+            </a:schemeClr>
+          </a:solidFill>
+          <a:ln w="127000" cap="sq" cmpd="thinThick">
+            <a:noFill/>
+          </a:ln>
+        </p:spPr>
+        <p:style>
+          <a:lnRef idx="2">
+            <a:schemeClr val="accent1">
+              <a:shade val="50000"/>
+            </a:schemeClr>
+          </a:lnRef>
+          <a:fillRef idx="1">
+            <a:schemeClr val="accent1"/>
+          </a:fillRef>
+          <a:effectRef idx="0">
+            <a:schemeClr val="accent1"/>
+          </a:effectRef>
+          <a:fontRef idx="minor">
+            <a:schemeClr val="lt1"/>
+          </a:fontRef>
+        </p:style>
+        <p:txBody>
+          <a:bodyPr rtlCol="0" anchor="ctr"/>
+          <a:lstStyle/>
+          <a:p>
+            <a:pPr algn="ctr"/>
+            <a:endParaRPr lang="en-US"/>
+          </a:p>
+        </p:txBody>
+      </p:sp>
+      <p:sp>
+        <p:nvSpPr>
+          <p:cNvPr id="2" name="Titel 1">
+            <a:extLst>
+              <a:ext uri="{FF2B5EF4-FFF2-40B4-BE49-F238E27FC236}">
+                <a16:creationId xmlns:a16="http://schemas.microsoft.com/office/drawing/2014/main" xmlns="" id="{35BFDC70-A169-E142-B051-5ABC9190E094}"/>
+              </a:ext>
+            </a:extLst>
+          </p:cNvPr>
+          <p:cNvSpPr>
+            <a:spLocks noGrp="1"/>
+          </p:cNvSpPr>
+          <p:nvPr>
+            <p:ph type="title"/>
+          </p:nvPr>
+        </p:nvSpPr>
+        <p:spPr>
+          <a:xfrm>
+            <a:off x="861390" y="963877"/>
+            <a:ext cx="3471171" cy="4930246"/>
+          </a:xfrm>
+        </p:spPr>
+        <p:txBody>
+          <a:bodyPr vert="horz" lIns="91440" tIns="45720" rIns="91440" bIns="45720" rtlCol="0">
+            <a:normAutofit/>
+          </a:bodyPr>
+          <a:lstStyle/>
+          <a:p>
+            <a:pPr algn="ctr"/>
+            <a:r>
+              <a:rPr lang="en-US" kern="1200" dirty="0" err="1" smtClean="0">
+                <a:solidFill>
+                  <a:schemeClr val="accent1"/>
+                </a:solidFill>
+                <a:latin typeface="+mj-lt"/>
+                <a:ea typeface="+mj-ea"/>
+                <a:cs typeface="+mj-cs"/>
+              </a:rPr>
+              <a:t>Fazit</a:t>
+            </a:r>
+            <a:r>
+              <a:rPr lang="en-US" kern="1200" dirty="0" smtClean="0">
+                <a:solidFill>
+                  <a:schemeClr val="accent1"/>
+                </a:solidFill>
+                <a:latin typeface="+mj-lt"/>
+                <a:ea typeface="+mj-ea"/>
+                <a:cs typeface="+mj-cs"/>
+              </a:rPr>
+              <a:t> </a:t>
+            </a:r>
+            <a:endParaRPr lang="en-US" kern="1200" dirty="0">
+              <a:solidFill>
+                <a:schemeClr val="accent1"/>
+              </a:solidFill>
+              <a:latin typeface="+mj-lt"/>
+              <a:ea typeface="+mj-ea"/>
+              <a:cs typeface="+mj-cs"/>
+            </a:endParaRPr>
+          </a:p>
+        </p:txBody>
+      </p:sp>
+      <p:cxnSp>
+        <p:nvCxnSpPr>
+          <p:cNvPr id="21" name="Straight Connector 20">
+            <a:extLst>
+              <a:ext uri="{FF2B5EF4-FFF2-40B4-BE49-F238E27FC236}">
+                <a16:creationId xmlns:a16="http://schemas.microsoft.com/office/drawing/2014/main" xmlns="" id="{2D72A2C9-F3CA-4216-8BAD-FA4C970C3C4E}"/>
+              </a:ext>
+              <a:ext uri="{C183D7F6-B498-43B3-948B-1728B52AA6E4}">
+                <adec:decorative xmlns:adec="http://schemas.microsoft.com/office/drawing/2017/decorative" xmlns="" val="1"/>
+              </a:ext>
+            </a:extLst>
+          </p:cNvPr>
+          <p:cNvCxnSpPr>
+            <a:cxnSpLocks noGrp="1" noRot="1" noChangeAspect="1" noMove="1" noResize="1" noEditPoints="1" noAdjustHandles="1" noChangeArrowheads="1" noChangeShapeType="1"/>
+          </p:cNvCxnSpPr>
+          <p:nvPr>
+            <p:extLst>
+              <p:ext uri="{386F3935-93C4-4BCD-93E2-E3B085C9AB24}">
+                <p16:designElem xmlns:p16="http://schemas.microsoft.com/office/powerpoint/2015/main" xmlns="" val="1"/>
+              </p:ext>
+            </p:extLst>
+          </p:nvPr>
+        </p:nvCxnSpPr>
+        <p:spPr>
+          <a:xfrm>
+            <a:off x="4654296" y="2057400"/>
+            <a:ext cx="0" cy="2743200"/>
+          </a:xfrm>
+          <a:prstGeom prst="line">
+            <a:avLst/>
+          </a:prstGeom>
+          <a:ln w="19050">
+            <a:solidFill>
+              <a:schemeClr val="tx1">
+                <a:lumMod val="85000"/>
+                <a:lumOff val="15000"/>
+              </a:schemeClr>
+            </a:solidFill>
+          </a:ln>
+        </p:spPr>
+        <p:style>
+          <a:lnRef idx="1">
+            <a:schemeClr val="accent1"/>
+          </a:lnRef>
+          <a:fillRef idx="0">
+            <a:schemeClr val="accent1"/>
+          </a:fillRef>
+          <a:effectRef idx="0">
+            <a:schemeClr val="accent1"/>
+          </a:effectRef>
+          <a:fontRef idx="minor">
+            <a:schemeClr val="tx1"/>
+          </a:fontRef>
+        </p:style>
+      </p:cxnSp>
+      <p:sp>
+        <p:nvSpPr>
+          <p:cNvPr id="8" name="Inhaltsplatzhalter 4">
+            <a:extLst>
+              <a:ext uri="{FF2B5EF4-FFF2-40B4-BE49-F238E27FC236}">
+                <a16:creationId xmlns:a16="http://schemas.microsoft.com/office/drawing/2014/main" xmlns="" id="{A8E625C4-6DB1-9D42-BFEA-DE37A6F928F3}"/>
+              </a:ext>
+            </a:extLst>
+          </p:cNvPr>
+          <p:cNvSpPr>
+            <a:spLocks noGrp="1"/>
+          </p:cNvSpPr>
+          <p:nvPr>
+            <p:ph idx="1"/>
+          </p:nvPr>
+        </p:nvSpPr>
+        <p:spPr>
+          <a:xfrm>
+            <a:off x="5097419" y="963877"/>
+            <a:ext cx="5686424" cy="4930246"/>
+          </a:xfrm>
+        </p:spPr>
+        <p:txBody>
+          <a:bodyPr anchor="ctr">
+            <a:normAutofit/>
+          </a:bodyPr>
+          <a:lstStyle/>
+          <a:p>
+            <a:pPr>
+              <a:buFontTx/>
+              <a:buChar char="-"/>
+            </a:pPr>
+            <a:r>
+              <a:rPr lang="de-DE" dirty="0" smtClean="0"/>
+              <a:t>Ist ein Problem mit realem Bezug</a:t>
+            </a:r>
+          </a:p>
+          <a:p>
+            <a:pPr>
+              <a:buFontTx/>
+              <a:buChar char="-"/>
+            </a:pPr>
+            <a:r>
+              <a:rPr lang="de-DE" dirty="0" smtClean="0"/>
+              <a:t>Ein echtes Alltagsproblem</a:t>
+            </a:r>
+          </a:p>
+          <a:p>
+            <a:pPr>
+              <a:buFontTx/>
+              <a:buChar char="-"/>
+            </a:pPr>
+            <a:r>
+              <a:rPr lang="de-DE" dirty="0" smtClean="0"/>
+              <a:t>Wird herangezogen um andere Probleme zu lösen </a:t>
+            </a:r>
+          </a:p>
+          <a:p>
+            <a:pPr>
+              <a:buFontTx/>
+              <a:buChar char="-"/>
+            </a:pPr>
+            <a:r>
+              <a:rPr lang="de-DE" dirty="0" smtClean="0"/>
+              <a:t>Verbindet viele interessante Teilgebiete der Mathematik (Lineare Algebra, </a:t>
+            </a:r>
+            <a:r>
+              <a:rPr lang="de-DE" dirty="0" err="1" smtClean="0"/>
+              <a:t>Operations</a:t>
+            </a:r>
+            <a:r>
+              <a:rPr lang="de-DE" dirty="0" smtClean="0"/>
+              <a:t> Research, ..)</a:t>
+            </a:r>
+            <a:endParaRPr lang="de-DE" dirty="0" smtClean="0"/>
+          </a:p>
+          <a:p>
+            <a:pPr>
+              <a:buFontTx/>
+              <a:buChar char="-"/>
+            </a:pPr>
+            <a:endParaRPr lang="de-DE" dirty="0"/>
+          </a:p>
+        </p:txBody>
+      </p:sp>
+    </p:spTree>
+    <p:extLst>
+      <p:ext uri="{BB962C8B-B14F-4D97-AF65-F5344CB8AC3E}">
+        <p14:creationId xmlns:p14="http://schemas.microsoft.com/office/powerpoint/2010/main" val="3670826346"/>
+      </p:ext>
+    </p:extLst>
+  </p:cSld>
+  <p:clrMapOvr>
+    <a:masterClrMapping/>
+  </p:clrMapOvr>
+</p:sld>
+</file>
+
+<file path=ppt/slides/slide3.xml><?xml version="1.0" encoding="utf-8"?>
+<p:sld xmlns:a="http://schemas.openxmlformats.org/drawingml/2006/main" xmlns:r="http://schemas.openxmlformats.org/officeDocument/2006/relationships" xmlns:p="http://schemas.openxmlformats.org/presentationml/2006/main">
+  <p:cSld>
+    <p:bg>
+      <p:bgPr>
+        <a:solidFill>
+          <a:schemeClr val="bg1"/>
+        </a:solidFill>
+        <a:effectLst/>
+      </p:bgPr>
+    </p:bg>
+    <p:spTree>
+      <p:nvGrpSpPr>
+        <p:cNvPr id="1" name=""/>
+        <p:cNvGrpSpPr/>
+        <p:nvPr/>
+      </p:nvGrpSpPr>
+      <p:grpSpPr>
+        <a:xfrm>
+          <a:off x="0" y="0"/>
+          <a:ext cx="0" cy="0"/>
+          <a:chOff x="0" y="0"/>
+          <a:chExt cx="0" cy="0"/>
+        </a:xfrm>
+      </p:grpSpPr>
+      <p:sp>
+        <p:nvSpPr>
+          <p:cNvPr id="8" name="Rectangle 7">
+            <a:extLst>
+              <a:ext uri="{FF2B5EF4-FFF2-40B4-BE49-F238E27FC236}">
+                <a16:creationId xmlns:a16="http://schemas.microsoft.com/office/drawing/2014/main" xmlns="" id="{8D70B121-56F4-4848-B38B-182089D909FA}"/>
+              </a:ext>
+              <a:ext uri="{C183D7F6-B498-43B3-948B-1728B52AA6E4}">
+                <adec:decorative xmlns:adec="http://schemas.microsoft.com/office/drawing/2017/decorative" xmlns="" val="1"/>
+              </a:ext>
+            </a:extLst>
+          </p:cNvPr>
+          <p:cNvSpPr>
+            <a:spLocks noGrp="1" noRot="1" noChangeAspect="1" noMove="1" noResize="1" noEditPoints="1" noAdjustHandles="1" noChangeArrowheads="1" noChangeShapeType="1" noTextEdit="1"/>
+          </p:cNvSpPr>
+          <p:nvPr>
+            <p:extLst>
+              <p:ext uri="{386F3935-93C4-4BCD-93E2-E3B085C9AB24}">
+                <p16:designElem xmlns:p16="http://schemas.microsoft.com/office/powerpoint/2015/main" xmlns="" val="1"/>
+              </p:ext>
+            </p:extLst>
+          </p:nvPr>
+        </p:nvSpPr>
+        <p:spPr bwMode="ltGray">
+          <a:xfrm>
+            <a:off x="321564" y="320040"/>
+            <a:ext cx="11548872" cy="6217920"/>
+          </a:xfrm>
+          <a:prstGeom prst="rect">
+            <a:avLst/>
+          </a:prstGeom>
+          <a:solidFill>
+            <a:schemeClr val="tx1">
+              <a:alpha val="8000"/>
+            </a:schemeClr>
+          </a:solidFill>
+          <a:ln w="127000" cap="sq" cmpd="thinThick">
+            <a:noFill/>
+          </a:ln>
+        </p:spPr>
+        <p:style>
+          <a:lnRef idx="2">
+            <a:schemeClr val="accent1">
+              <a:shade val="50000"/>
+            </a:schemeClr>
+          </a:lnRef>
+          <a:fillRef idx="1">
+            <a:schemeClr val="accent1"/>
+          </a:fillRef>
+          <a:effectRef idx="0">
+            <a:schemeClr val="accent1"/>
+          </a:effectRef>
+          <a:fontRef idx="minor">
+            <a:schemeClr val="lt1"/>
+          </a:fontRef>
+        </p:style>
+        <p:txBody>
+          <a:bodyPr rtlCol="0" anchor="ctr"/>
+          <a:lstStyle/>
+          <a:p>
+            <a:pPr algn="ctr"/>
+            <a:endParaRPr lang="en-US"/>
+          </a:p>
+        </p:txBody>
+      </p:sp>
+      <p:sp>
+        <p:nvSpPr>
+          <p:cNvPr id="2" name="Titel 1">
+            <a:extLst>
+              <a:ext uri="{FF2B5EF4-FFF2-40B4-BE49-F238E27FC236}">
+                <a16:creationId xmlns:a16="http://schemas.microsoft.com/office/drawing/2014/main" xmlns="" id="{0B5D0F8F-C92F-BC46-ACC4-7A21698DD272}"/>
+              </a:ext>
+            </a:extLst>
+          </p:cNvPr>
+          <p:cNvSpPr>
+            <a:spLocks noGrp="1"/>
+          </p:cNvSpPr>
+          <p:nvPr>
+            <p:ph type="title"/>
+          </p:nvPr>
+        </p:nvSpPr>
+        <p:spPr>
+          <a:xfrm>
+            <a:off x="838200" y="963877"/>
+            <a:ext cx="3494362" cy="4930246"/>
+          </a:xfrm>
+        </p:spPr>
+        <p:txBody>
+          <a:bodyPr>
+            <a:normAutofit/>
+          </a:bodyPr>
+          <a:lstStyle/>
+          <a:p>
+            <a:pPr algn="r"/>
+            <a:r>
+              <a:rPr lang="de-DE" dirty="0">
+                <a:solidFill>
+                  <a:schemeClr val="accent1"/>
+                </a:solidFill>
+              </a:rPr>
+              <a:t>Gliederung	</a:t>
+            </a:r>
+          </a:p>
+        </p:txBody>
+      </p:sp>
+      <p:cxnSp>
+        <p:nvCxnSpPr>
+          <p:cNvPr id="10" name="Straight Connector 9">
+            <a:extLst>
+              <a:ext uri="{FF2B5EF4-FFF2-40B4-BE49-F238E27FC236}">
+                <a16:creationId xmlns:a16="http://schemas.microsoft.com/office/drawing/2014/main" xmlns="" id="{2D72A2C9-F3CA-4216-8BAD-FA4C970C3C4E}"/>
+              </a:ext>
+              <a:ext uri="{C183D7F6-B498-43B3-948B-1728B52AA6E4}">
+                <adec:decorative xmlns:adec="http://schemas.microsoft.com/office/drawing/2017/decorative" xmlns="" val="1"/>
+              </a:ext>
+            </a:extLst>
+          </p:cNvPr>
+          <p:cNvCxnSpPr>
+            <a:cxnSpLocks noGrp="1" noRot="1" noChangeAspect="1" noMove="1" noResize="1" noEditPoints="1" noAdjustHandles="1" noChangeArrowheads="1" noChangeShapeType="1"/>
+          </p:cNvCxnSpPr>
+          <p:nvPr>
+            <p:extLst>
+              <p:ext uri="{386F3935-93C4-4BCD-93E2-E3B085C9AB24}">
+                <p16:designElem xmlns:p16="http://schemas.microsoft.com/office/powerpoint/2015/main" xmlns="" val="1"/>
+              </p:ext>
+            </p:extLst>
+          </p:nvPr>
+        </p:nvCxnSpPr>
+        <p:spPr>
+          <a:xfrm>
+            <a:off x="4654296" y="2057400"/>
+            <a:ext cx="0" cy="2743200"/>
+          </a:xfrm>
+          <a:prstGeom prst="line">
+            <a:avLst/>
+          </a:prstGeom>
+          <a:ln w="19050">
+            <a:solidFill>
+              <a:schemeClr val="tx1">
+                <a:lumMod val="85000"/>
+                <a:lumOff val="15000"/>
+              </a:schemeClr>
+            </a:solidFill>
+          </a:ln>
+        </p:spPr>
+        <p:style>
+          <a:lnRef idx="1">
+            <a:schemeClr val="accent1"/>
+          </a:lnRef>
+          <a:fillRef idx="0">
+            <a:schemeClr val="accent1"/>
+          </a:fillRef>
+          <a:effectRef idx="0">
+            <a:schemeClr val="accent1"/>
+          </a:effectRef>
+          <a:fontRef idx="minor">
+            <a:schemeClr val="tx1"/>
+          </a:fontRef>
+        </p:style>
+      </p:cxnSp>
+      <p:sp>
+        <p:nvSpPr>
+          <p:cNvPr id="3" name="Inhaltsplatzhalter 2">
+            <a:extLst>
+              <a:ext uri="{FF2B5EF4-FFF2-40B4-BE49-F238E27FC236}">
+                <a16:creationId xmlns:a16="http://schemas.microsoft.com/office/drawing/2014/main" xmlns="" id="{692C889E-3E0C-9E40-9512-4230892B2B42}"/>
+              </a:ext>
+            </a:extLst>
+          </p:cNvPr>
+          <p:cNvSpPr>
+            <a:spLocks noGrp="1"/>
+          </p:cNvSpPr>
+          <p:nvPr>
+            <p:ph idx="1"/>
+          </p:nvPr>
+        </p:nvSpPr>
+        <p:spPr>
+          <a:xfrm>
+            <a:off x="4976031" y="963877"/>
+            <a:ext cx="6377769" cy="4930246"/>
+          </a:xfrm>
+        </p:spPr>
+        <p:txBody>
+          <a:bodyPr anchor="ctr">
+            <a:normAutofit/>
+          </a:bodyPr>
+          <a:lstStyle/>
+          <a:p>
+            <a:r>
+              <a:rPr lang="de-DE" sz="2400" dirty="0">
+                <a:solidFill>
+                  <a:schemeClr val="accent1"/>
+                </a:solidFill>
+              </a:rPr>
+              <a:t>Einführung in das Thema</a:t>
+            </a:r>
+          </a:p>
+          <a:p>
+            <a:r>
+              <a:rPr lang="de-DE" sz="2400" dirty="0"/>
+              <a:t>Theoretische Grundlagen</a:t>
+            </a:r>
+            <a:endParaRPr lang="de-DE" sz="2000" dirty="0"/>
+          </a:p>
+          <a:p>
+            <a:pPr lvl="1"/>
+            <a:r>
+              <a:rPr lang="de-DE" sz="2000" dirty="0"/>
+              <a:t>Anwendungen</a:t>
+            </a:r>
+          </a:p>
+          <a:p>
+            <a:r>
+              <a:rPr lang="de-DE" sz="2400" dirty="0"/>
+              <a:t>Aufgabenstellung</a:t>
+            </a:r>
+          </a:p>
+          <a:p>
+            <a:r>
+              <a:rPr lang="de-DE" sz="2400" dirty="0"/>
+              <a:t>Implementierung</a:t>
+            </a:r>
+          </a:p>
+          <a:p>
+            <a:pPr lvl="1"/>
+            <a:r>
+              <a:rPr lang="de-DE" sz="2000" dirty="0"/>
+              <a:t>Herangehensweise </a:t>
+            </a:r>
+          </a:p>
+          <a:p>
+            <a:pPr lvl="1"/>
+            <a:r>
+              <a:rPr lang="de-DE" sz="2000" dirty="0"/>
+              <a:t>Einführung in den Code</a:t>
+            </a:r>
+          </a:p>
+          <a:p>
+            <a:pPr lvl="1"/>
+            <a:r>
+              <a:rPr lang="de-DE" sz="2000" dirty="0"/>
+              <a:t>Präsentation des Ergebnisses</a:t>
+            </a:r>
+          </a:p>
+          <a:p>
+            <a:r>
+              <a:rPr lang="de-DE" sz="2400" dirty="0"/>
+              <a:t>Fazit </a:t>
+            </a:r>
+          </a:p>
+        </p:txBody>
+      </p:sp>
+    </p:spTree>
+    <p:extLst>
+      <p:ext uri="{BB962C8B-B14F-4D97-AF65-F5344CB8AC3E}">
+        <p14:creationId xmlns:p14="http://schemas.microsoft.com/office/powerpoint/2010/main" val="3758769095"/>
+      </p:ext>
+    </p:extLst>
+  </p:cSld>
+  <p:clrMapOvr>
+    <a:masterClrMapping/>
+  </p:clrMapOvr>
+</p:sld>
+</file>
+
+<file path=ppt/slides/slide30.xml><?xml version="1.0" encoding="utf-8"?>
+<p:sld xmlns:a="http://schemas.openxmlformats.org/drawingml/2006/main" xmlns:r="http://schemas.openxmlformats.org/officeDocument/2006/relationships" xmlns:p="http://schemas.openxmlformats.org/presentationml/2006/main">
+  <p:cSld>
+    <p:bg>
+      <p:bgPr>
+        <a:solidFill>
+          <a:schemeClr val="bg1"/>
+        </a:solidFill>
+        <a:effectLst/>
+      </p:bgPr>
+    </p:bg>
+    <p:spTree>
+      <p:nvGrpSpPr>
+        <p:cNvPr id="1" name=""/>
+        <p:cNvGrpSpPr/>
+        <p:nvPr/>
+      </p:nvGrpSpPr>
+      <p:grpSpPr>
+        <a:xfrm>
+          <a:off x="0" y="0"/>
+          <a:ext cx="0" cy="0"/>
+          <a:chOff x="0" y="0"/>
+          <a:chExt cx="0" cy="0"/>
+        </a:xfrm>
+      </p:grpSpPr>
+      <p:sp>
+        <p:nvSpPr>
+          <p:cNvPr id="19" name="Rectangle 18">
+            <a:extLst>
+              <a:ext uri="{FF2B5EF4-FFF2-40B4-BE49-F238E27FC236}">
+                <a16:creationId xmlns:a16="http://schemas.microsoft.com/office/drawing/2014/main" xmlns="" id="{8D70B121-56F4-4848-B38B-182089D909FA}"/>
+              </a:ext>
+              <a:ext uri="{C183D7F6-B498-43B3-948B-1728B52AA6E4}">
+                <adec:decorative xmlns:adec="http://schemas.microsoft.com/office/drawing/2017/decorative" xmlns="" val="1"/>
+              </a:ext>
+            </a:extLst>
+          </p:cNvPr>
+          <p:cNvSpPr>
+            <a:spLocks noGrp="1" noRot="1" noChangeAspect="1" noMove="1" noResize="1" noEditPoints="1" noAdjustHandles="1" noChangeArrowheads="1" noChangeShapeType="1" noTextEdit="1"/>
+          </p:cNvSpPr>
+          <p:nvPr>
+            <p:extLst>
+              <p:ext uri="{386F3935-93C4-4BCD-93E2-E3B085C9AB24}">
+                <p16:designElem xmlns:p16="http://schemas.microsoft.com/office/powerpoint/2015/main" xmlns="" val="1"/>
+              </p:ext>
+            </p:extLst>
+          </p:nvPr>
+        </p:nvSpPr>
+        <p:spPr bwMode="ltGray">
+          <a:xfrm>
+            <a:off x="321564" y="320040"/>
+            <a:ext cx="11548872" cy="6217920"/>
+          </a:xfrm>
+          <a:prstGeom prst="rect">
+            <a:avLst/>
+          </a:prstGeom>
+          <a:solidFill>
+            <a:schemeClr val="tx1">
+              <a:alpha val="8000"/>
+            </a:schemeClr>
+          </a:solidFill>
+          <a:ln w="127000" cap="sq" cmpd="thinThick">
+            <a:noFill/>
+          </a:ln>
+        </p:spPr>
+        <p:style>
+          <a:lnRef idx="2">
+            <a:schemeClr val="accent1">
+              <a:shade val="50000"/>
+            </a:schemeClr>
+          </a:lnRef>
+          <a:fillRef idx="1">
+            <a:schemeClr val="accent1"/>
+          </a:fillRef>
+          <a:effectRef idx="0">
+            <a:schemeClr val="accent1"/>
+          </a:effectRef>
+          <a:fontRef idx="minor">
+            <a:schemeClr val="lt1"/>
+          </a:fontRef>
+        </p:style>
+        <p:txBody>
+          <a:bodyPr rtlCol="0" anchor="ctr"/>
+          <a:lstStyle/>
+          <a:p>
+            <a:pPr algn="ctr"/>
+            <a:endParaRPr lang="en-US"/>
+          </a:p>
+        </p:txBody>
+      </p:sp>
+      <p:sp>
+        <p:nvSpPr>
+          <p:cNvPr id="2" name="Titel 1">
+            <a:extLst>
+              <a:ext uri="{FF2B5EF4-FFF2-40B4-BE49-F238E27FC236}">
+                <a16:creationId xmlns:a16="http://schemas.microsoft.com/office/drawing/2014/main" xmlns="" id="{35BFDC70-A169-E142-B051-5ABC9190E094}"/>
+              </a:ext>
+            </a:extLst>
+          </p:cNvPr>
+          <p:cNvSpPr>
+            <a:spLocks noGrp="1"/>
+          </p:cNvSpPr>
+          <p:nvPr>
+            <p:ph type="title"/>
+          </p:nvPr>
+        </p:nvSpPr>
+        <p:spPr>
+          <a:xfrm>
+            <a:off x="401956" y="963877"/>
+            <a:ext cx="4171949" cy="4930246"/>
+          </a:xfrm>
+        </p:spPr>
+        <p:txBody>
+          <a:bodyPr vert="horz" lIns="91440" tIns="45720" rIns="91440" bIns="45720" rtlCol="0">
+            <a:normAutofit/>
+          </a:bodyPr>
+          <a:lstStyle/>
+          <a:p>
+            <a:pPr algn="ctr"/>
+            <a:r>
+              <a:rPr lang="en-US" sz="4000" kern="1200" dirty="0" err="1">
+                <a:solidFill>
+                  <a:schemeClr val="accent1"/>
+                </a:solidFill>
+                <a:latin typeface="+mj-lt"/>
+                <a:ea typeface="+mj-ea"/>
+                <a:cs typeface="+mj-cs"/>
+              </a:rPr>
+              <a:t>Quellen</a:t>
+            </a:r>
+            <a:endParaRPr lang="en-US" sz="4000" kern="1200" dirty="0">
+              <a:solidFill>
+                <a:schemeClr val="accent1"/>
+              </a:solidFill>
+              <a:latin typeface="+mj-lt"/>
+              <a:ea typeface="+mj-ea"/>
+              <a:cs typeface="+mj-cs"/>
+            </a:endParaRPr>
+          </a:p>
+        </p:txBody>
+      </p:sp>
+      <p:cxnSp>
+        <p:nvCxnSpPr>
+          <p:cNvPr id="21" name="Straight Connector 20">
+            <a:extLst>
+              <a:ext uri="{FF2B5EF4-FFF2-40B4-BE49-F238E27FC236}">
+                <a16:creationId xmlns:a16="http://schemas.microsoft.com/office/drawing/2014/main" xmlns="" id="{2D72A2C9-F3CA-4216-8BAD-FA4C970C3C4E}"/>
+              </a:ext>
+              <a:ext uri="{C183D7F6-B498-43B3-948B-1728B52AA6E4}">
+                <adec:decorative xmlns:adec="http://schemas.microsoft.com/office/drawing/2017/decorative" xmlns="" val="1"/>
+              </a:ext>
+            </a:extLst>
+          </p:cNvPr>
+          <p:cNvCxnSpPr>
+            <a:cxnSpLocks noGrp="1" noRot="1" noChangeAspect="1" noMove="1" noResize="1" noEditPoints="1" noAdjustHandles="1" noChangeArrowheads="1" noChangeShapeType="1"/>
+          </p:cNvCxnSpPr>
+          <p:nvPr>
+            <p:extLst>
+              <p:ext uri="{386F3935-93C4-4BCD-93E2-E3B085C9AB24}">
+                <p16:designElem xmlns:p16="http://schemas.microsoft.com/office/powerpoint/2015/main" xmlns="" val="1"/>
+              </p:ext>
+            </p:extLst>
+          </p:nvPr>
+        </p:nvCxnSpPr>
+        <p:spPr>
+          <a:xfrm>
+            <a:off x="4654296" y="2057400"/>
+            <a:ext cx="0" cy="2743200"/>
+          </a:xfrm>
+          <a:prstGeom prst="line">
+            <a:avLst/>
+          </a:prstGeom>
+          <a:ln w="19050">
+            <a:solidFill>
+              <a:schemeClr val="tx1">
+                <a:lumMod val="85000"/>
+                <a:lumOff val="15000"/>
+              </a:schemeClr>
+            </a:solidFill>
+          </a:ln>
+        </p:spPr>
+        <p:style>
+          <a:lnRef idx="1">
+            <a:schemeClr val="accent1"/>
+          </a:lnRef>
+          <a:fillRef idx="0">
+            <a:schemeClr val="accent1"/>
+          </a:fillRef>
+          <a:effectRef idx="0">
+            <a:schemeClr val="accent1"/>
+          </a:effectRef>
+          <a:fontRef idx="minor">
+            <a:schemeClr val="tx1"/>
+          </a:fontRef>
+        </p:style>
+      </p:cxnSp>
+      <p:sp>
+        <p:nvSpPr>
+          <p:cNvPr id="8" name="Inhaltsplatzhalter 4">
+            <a:extLst>
+              <a:ext uri="{FF2B5EF4-FFF2-40B4-BE49-F238E27FC236}">
+                <a16:creationId xmlns:a16="http://schemas.microsoft.com/office/drawing/2014/main" xmlns="" id="{C28895E4-2A18-3F46-B985-F6164DBE329F}"/>
+              </a:ext>
+            </a:extLst>
+          </p:cNvPr>
+          <p:cNvSpPr>
+            <a:spLocks noGrp="1"/>
+          </p:cNvSpPr>
+          <p:nvPr>
+            <p:ph idx="1"/>
+          </p:nvPr>
+        </p:nvSpPr>
+        <p:spPr>
+          <a:xfrm>
+            <a:off x="5097419" y="963877"/>
+            <a:ext cx="5686424" cy="4930246"/>
+          </a:xfrm>
+        </p:spPr>
+        <p:txBody>
+          <a:bodyPr>
+            <a:normAutofit/>
+          </a:bodyPr>
+          <a:lstStyle/>
+          <a:p>
+            <a:r>
+              <a:rPr lang="de-DE" sz="1400" dirty="0">
+                <a:hlinkClick r:id="rId3"/>
+              </a:rPr>
+              <a:t>http://page.mi.fu-berlin.de/alt/vorlesungen/sem0809/folien-polcwiartek.pdf</a:t>
+            </a:r>
+            <a:endParaRPr lang="de-DE" sz="1400" dirty="0"/>
+          </a:p>
+          <a:p>
+            <a:r>
+              <a:rPr lang="de-DE" sz="1400" dirty="0">
+                <a:hlinkClick r:id="rId4"/>
+              </a:rPr>
+              <a:t>https://www.net.in.tum.de/fileadmin/TUM/NET/NET-2012-04-1/NET-2012-04-1_05.pdf</a:t>
+            </a:r>
+            <a:endParaRPr lang="de-DE" sz="1400" dirty="0"/>
+          </a:p>
+          <a:p>
+            <a:r>
+              <a:rPr lang="de-DE" sz="1400" dirty="0">
+                <a:hlinkClick r:id="rId5"/>
+              </a:rPr>
+              <a:t>https://www-m9.ma.tum.de/Allgemeines/GraphAlgorithmen</a:t>
+            </a:r>
+            <a:endParaRPr lang="de-DE" sz="1400" dirty="0"/>
+          </a:p>
+          <a:p>
+            <a:r>
+              <a:rPr lang="de-DE" sz="1400" dirty="0">
+                <a:hlinkClick r:id="rId6"/>
+              </a:rPr>
+              <a:t>https://</a:t>
+            </a:r>
+            <a:r>
+              <a:rPr lang="de-DE" sz="1400" dirty="0" smtClean="0">
+                <a:hlinkClick r:id="rId6"/>
+              </a:rPr>
+              <a:t>www.youtube.com/watch?v=wJyWDCOPGpA</a:t>
+            </a:r>
+            <a:endParaRPr lang="de-DE" sz="1400" dirty="0"/>
+          </a:p>
+          <a:p>
+            <a:r>
+              <a:rPr lang="de-DE" sz="1400" dirty="0">
+                <a:hlinkClick r:id="rId7"/>
+              </a:rPr>
+              <a:t>http://</a:t>
+            </a:r>
+            <a:r>
+              <a:rPr lang="de-DE" sz="1400" dirty="0" smtClean="0">
+                <a:hlinkClick r:id="rId7"/>
+              </a:rPr>
+              <a:t>www.informatikseite.de/algorithmen/node18.php</a:t>
+            </a:r>
+            <a:endParaRPr lang="de-DE" sz="1400" dirty="0" smtClean="0"/>
+          </a:p>
+          <a:p>
+            <a:endParaRPr lang="de-DE" sz="1400" dirty="0" smtClean="0"/>
+          </a:p>
+          <a:p>
+            <a:endParaRPr lang="de-DE" sz="1400" dirty="0"/>
+          </a:p>
+          <a:p>
+            <a:endParaRPr lang="de-DE" dirty="0"/>
+          </a:p>
+        </p:txBody>
+      </p:sp>
+    </p:spTree>
+    <p:extLst>
+      <p:ext uri="{BB962C8B-B14F-4D97-AF65-F5344CB8AC3E}">
+        <p14:creationId xmlns:p14="http://schemas.microsoft.com/office/powerpoint/2010/main" val="2918339293"/>
+      </p:ext>
+    </p:extLst>
+  </p:cSld>
+  <p:clrMapOvr>
+    <a:masterClrMapping/>
+  </p:clrMapOvr>
+</p:sld>
+</file>
+
+<file path=ppt/slides/slide31.xml><?xml version="1.0" encoding="utf-8"?>
+<p:sld xmlns:a="http://schemas.openxmlformats.org/drawingml/2006/main" xmlns:r="http://schemas.openxmlformats.org/officeDocument/2006/relationships" xmlns:p="http://schemas.openxmlformats.org/presentationml/2006/main">
+  <p:cSld>
+    <p:bg>
+      <p:bgPr>
+        <a:solidFill>
+          <a:schemeClr val="bg1"/>
+        </a:solidFill>
+        <a:effectLst/>
+      </p:bgPr>
+    </p:bg>
+    <p:spTree>
+      <p:nvGrpSpPr>
+        <p:cNvPr id="1" name=""/>
+        <p:cNvGrpSpPr/>
+        <p:nvPr/>
+      </p:nvGrpSpPr>
+      <p:grpSpPr>
+        <a:xfrm>
+          <a:off x="0" y="0"/>
+          <a:ext cx="0" cy="0"/>
+          <a:chOff x="0" y="0"/>
+          <a:chExt cx="0" cy="0"/>
+        </a:xfrm>
+      </p:grpSpPr>
+      <p:sp>
+        <p:nvSpPr>
+          <p:cNvPr id="7" name="Rectangle 6">
+            <a:extLst>
+              <a:ext uri="{FF2B5EF4-FFF2-40B4-BE49-F238E27FC236}">
+                <a16:creationId xmlns:a16="http://schemas.microsoft.com/office/drawing/2014/main" xmlns="" id="{6F9EB9F2-07E2-4D64-BBD8-BB5B217F1218}"/>
+              </a:ext>
+              <a:ext uri="{C183D7F6-B498-43B3-948B-1728B52AA6E4}">
+                <adec:decorative xmlns:adec="http://schemas.microsoft.com/office/drawing/2017/decorative" xmlns="" val="1"/>
+              </a:ext>
+            </a:extLst>
+          </p:cNvPr>
+          <p:cNvSpPr>
+            <a:spLocks noGrp="1" noRot="1" noChangeAspect="1" noMove="1" noResize="1" noEditPoints="1" noAdjustHandles="1" noChangeArrowheads="1" noChangeShapeType="1" noTextEdit="1"/>
+          </p:cNvSpPr>
+          <p:nvPr>
+            <p:extLst>
+              <p:ext uri="{386F3935-93C4-4BCD-93E2-E3B085C9AB24}">
+                <p16:designElem xmlns:p16="http://schemas.microsoft.com/office/powerpoint/2015/main" xmlns="" val="1"/>
               </p:ext>
             </p:extLst>
           </p:nvPr>
@@ -10898,7 +12501,7 @@
           <p:cNvPr id="2" name="Titel 1">
             <a:extLst>
               <a:ext uri="{FF2B5EF4-FFF2-40B4-BE49-F238E27FC236}">
-                <a16:creationId xmlns:a16="http://schemas.microsoft.com/office/drawing/2014/main" id="{8CCF408F-A9A7-BB42-8132-EB1552B49212}"/>
+                <a16:creationId xmlns:a16="http://schemas.microsoft.com/office/drawing/2014/main" xmlns="" id="{8CCF408F-A9A7-BB42-8132-EB1552B49212}"/>
               </a:ext>
             </a:extLst>
           </p:cNvPr>
@@ -10993,10 +12596,10 @@
           <p:cNvPr id="9" name="Straight Connector 8">
             <a:extLst>
               <a:ext uri="{FF2B5EF4-FFF2-40B4-BE49-F238E27FC236}">
-                <a16:creationId xmlns:a16="http://schemas.microsoft.com/office/drawing/2014/main" id="{F0C57C7C-DFE9-4A1E-B7A9-DF40E63366BB}"/>
+                <a16:creationId xmlns:a16="http://schemas.microsoft.com/office/drawing/2014/main" xmlns="" id="{F0C57C7C-DFE9-4A1E-B7A9-DF40E63366BB}"/>
               </a:ext>
               <a:ext uri="{C183D7F6-B498-43B3-948B-1728B52AA6E4}">
-                <adec:decorative xmlns:adec="http://schemas.microsoft.com/office/drawing/2017/decorative" val="1"/>
+                <adec:decorative xmlns:adec="http://schemas.microsoft.com/office/drawing/2017/decorative" xmlns="" val="1"/>
               </a:ext>
             </a:extLst>
           </p:cNvPr>
@@ -11006,7 +12609,7 @@
           <p:nvPr>
             <p:extLst>
               <p:ext uri="{386F3935-93C4-4BCD-93E2-E3B085C9AB24}">
-                <p16:designElem xmlns:p16="http://schemas.microsoft.com/office/powerpoint/2015/main" val="1"/>
+                <p16:designElem xmlns:p16="http://schemas.microsoft.com/office/powerpoint/2015/main" xmlns="" val="1"/>
               </p:ext>
             </p:extLst>
           </p:nvPr>
@@ -11056,7 +12659,7 @@
 </p:sld>
 </file>
 
-<file path=ppt/slides/slide3.xml><?xml version="1.0" encoding="utf-8"?>
+<file path=ppt/slides/slide4.xml><?xml version="1.0" encoding="utf-8"?>
 <p:sld xmlns:a="http://schemas.openxmlformats.org/drawingml/2006/main" xmlns:r="http://schemas.openxmlformats.org/officeDocument/2006/relationships" xmlns:p="http://schemas.openxmlformats.org/presentationml/2006/main">
   <p:cSld>
     <p:bg>
@@ -11083,13 +12686,13 @@
       </p:grpSpPr>
       <p:sp>
         <p:nvSpPr>
-          <p:cNvPr id="8" name="Rectangle 7">
-            <a:extLst>
-              <a:ext uri="{FF2B5EF4-FFF2-40B4-BE49-F238E27FC236}">
-                <a16:creationId xmlns:a16="http://schemas.microsoft.com/office/drawing/2014/main" id="{8D70B121-56F4-4848-B38B-182089D909FA}"/>
+          <p:cNvPr id="19" name="Rectangle 18">
+            <a:extLst>
+              <a:ext uri="{FF2B5EF4-FFF2-40B4-BE49-F238E27FC236}">
+                <a16:creationId xmlns:a16="http://schemas.microsoft.com/office/drawing/2014/main" xmlns="" id="{8D70B121-56F4-4848-B38B-182089D909FA}"/>
               </a:ext>
               <a:ext uri="{C183D7F6-B498-43B3-948B-1728B52AA6E4}">
-                <adec:decorative xmlns:adec="http://schemas.microsoft.com/office/drawing/2017/decorative" val="1"/>
+                <adec:decorative xmlns:adec="http://schemas.microsoft.com/office/drawing/2017/decorative" xmlns="" val="1"/>
               </a:ext>
             </a:extLst>
           </p:cNvPr>
@@ -11099,7 +12702,7 @@
           <p:nvPr>
             <p:extLst>
               <p:ext uri="{386F3935-93C4-4BCD-93E2-E3B085C9AB24}">
-                <p16:designElem xmlns:p16="http://schemas.microsoft.com/office/powerpoint/2015/main" val="1"/>
+                <p16:designElem xmlns:p16="http://schemas.microsoft.com/office/powerpoint/2015/main" xmlns="" val="1"/>
               </p:ext>
             </p:extLst>
           </p:nvPr>
@@ -11141,60 +12744,49 @@
           <a:bodyPr rtlCol="0" anchor="ctr"/>
           <a:lstStyle/>
           <a:p>
-            <a:pPr algn="ctr"/>
-            <a:endParaRPr lang="en-US"/>
-          </a:p>
-        </p:txBody>
-      </p:sp>
-      <p:sp>
-        <p:nvSpPr>
-          <p:cNvPr id="2" name="Titel 1">
-            <a:extLst>
-              <a:ext uri="{FF2B5EF4-FFF2-40B4-BE49-F238E27FC236}">
-                <a16:creationId xmlns:a16="http://schemas.microsoft.com/office/drawing/2014/main" id="{0B5D0F8F-C92F-BC46-ACC4-7A21698DD272}"/>
-              </a:ext>
-            </a:extLst>
-          </p:cNvPr>
-          <p:cNvSpPr>
-            <a:spLocks noGrp="1"/>
-          </p:cNvSpPr>
-          <p:nvPr>
-            <p:ph type="title"/>
-          </p:nvPr>
-        </p:nvSpPr>
-        <p:spPr>
-          <a:xfrm>
-            <a:off x="838200" y="963877"/>
-            <a:ext cx="3494362" cy="4930246"/>
-          </a:xfrm>
-        </p:spPr>
-        <p:txBody>
-          <a:bodyPr>
-            <a:normAutofit/>
-          </a:bodyPr>
-          <a:lstStyle/>
-          <a:p>
-            <a:pPr algn="r"/>
-            <a:r>
-              <a:rPr lang="de-DE" dirty="0">
-                <a:solidFill>
-                  <a:schemeClr val="accent1"/>
-                </a:solidFill>
-              </a:rPr>
-              <a:t>Gliederung	</a:t>
-            </a:r>
+            <a:pPr marL="0" marR="0" lvl="0" indent="0" algn="ctr" defTabSz="914400" rtl="0" eaLnBrk="1" fontAlgn="auto" latinLnBrk="0" hangingPunct="1">
+              <a:lnSpc>
+                <a:spcPct val="100000"/>
+              </a:lnSpc>
+              <a:spcBef>
+                <a:spcPts val="0"/>
+              </a:spcBef>
+              <a:spcAft>
+                <a:spcPts val="0"/>
+              </a:spcAft>
+              <a:buClrTx/>
+              <a:buSzTx/>
+              <a:buFontTx/>
+              <a:buNone/>
+              <a:tabLst/>
+              <a:defRPr/>
+            </a:pPr>
+            <a:endParaRPr kumimoji="0" lang="en-US" sz="1800" b="0" i="0" u="none" strike="noStrike" kern="1200" cap="none" spc="0" normalizeH="0" baseline="0" noProof="0">
+              <a:ln>
+                <a:noFill/>
+              </a:ln>
+              <a:solidFill>
+                <a:prstClr val="white"/>
+              </a:solidFill>
+              <a:effectLst/>
+              <a:uLnTx/>
+              <a:uFillTx/>
+              <a:latin typeface="Calibri" panose="020F0502020204030204"/>
+              <a:ea typeface="+mn-ea"/>
+              <a:cs typeface="+mn-cs"/>
+            </a:endParaRPr>
           </a:p>
         </p:txBody>
       </p:sp>
       <p:cxnSp>
         <p:nvCxnSpPr>
-          <p:cNvPr id="10" name="Straight Connector 9">
-            <a:extLst>
-              <a:ext uri="{FF2B5EF4-FFF2-40B4-BE49-F238E27FC236}">
-                <a16:creationId xmlns:a16="http://schemas.microsoft.com/office/drawing/2014/main" id="{2D72A2C9-F3CA-4216-8BAD-FA4C970C3C4E}"/>
+          <p:cNvPr id="21" name="Straight Connector 20">
+            <a:extLst>
+              <a:ext uri="{FF2B5EF4-FFF2-40B4-BE49-F238E27FC236}">
+                <a16:creationId xmlns:a16="http://schemas.microsoft.com/office/drawing/2014/main" xmlns="" id="{2D72A2C9-F3CA-4216-8BAD-FA4C970C3C4E}"/>
               </a:ext>
               <a:ext uri="{C183D7F6-B498-43B3-948B-1728B52AA6E4}">
-                <adec:decorative xmlns:adec="http://schemas.microsoft.com/office/drawing/2017/decorative" val="1"/>
+                <adec:decorative xmlns:adec="http://schemas.microsoft.com/office/drawing/2017/decorative" xmlns="" val="1"/>
               </a:ext>
             </a:extLst>
           </p:cNvPr>
@@ -11204,7 +12796,7 @@
           <p:nvPr>
             <p:extLst>
               <p:ext uri="{386F3935-93C4-4BCD-93E2-E3B085C9AB24}">
-                <p16:designElem xmlns:p16="http://schemas.microsoft.com/office/powerpoint/2015/main" val="1"/>
+                <p16:designElem xmlns:p16="http://schemas.microsoft.com/office/powerpoint/2015/main" xmlns="" val="1"/>
               </p:ext>
             </p:extLst>
           </p:nvPr>
@@ -11243,289 +12835,10 @@
       </p:cxnSp>
       <p:sp>
         <p:nvSpPr>
-          <p:cNvPr id="3" name="Inhaltsplatzhalter 2">
-            <a:extLst>
-              <a:ext uri="{FF2B5EF4-FFF2-40B4-BE49-F238E27FC236}">
-                <a16:creationId xmlns:a16="http://schemas.microsoft.com/office/drawing/2014/main" id="{692C889E-3E0C-9E40-9512-4230892B2B42}"/>
-              </a:ext>
-            </a:extLst>
-          </p:cNvPr>
-          <p:cNvSpPr>
-            <a:spLocks noGrp="1"/>
-          </p:cNvSpPr>
-          <p:nvPr>
-            <p:ph idx="1"/>
-          </p:nvPr>
-        </p:nvSpPr>
-        <p:spPr>
-          <a:xfrm>
-            <a:off x="4976031" y="963877"/>
-            <a:ext cx="6377769" cy="4930246"/>
-          </a:xfrm>
-        </p:spPr>
-        <p:txBody>
-          <a:bodyPr anchor="ctr">
-            <a:normAutofit/>
-          </a:bodyPr>
-          <a:lstStyle/>
-          <a:p>
-            <a:r>
-              <a:rPr lang="de-DE" sz="2400" dirty="0">
-                <a:solidFill>
-                  <a:schemeClr val="accent1"/>
-                </a:solidFill>
-              </a:rPr>
-              <a:t>Einführung in das Thema</a:t>
-            </a:r>
-          </a:p>
-          <a:p>
-            <a:r>
-              <a:rPr lang="de-DE" sz="2400" dirty="0"/>
-              <a:t>Theoretische Grundlagen</a:t>
-            </a:r>
-            <a:endParaRPr lang="de-DE" sz="2000" dirty="0"/>
-          </a:p>
-          <a:p>
-            <a:pPr lvl="1"/>
-            <a:r>
-              <a:rPr lang="de-DE" sz="2000" dirty="0"/>
-              <a:t>Anwendungen</a:t>
-            </a:r>
-          </a:p>
-          <a:p>
-            <a:r>
-              <a:rPr lang="de-DE" sz="2400" dirty="0"/>
-              <a:t>Aufgabenstellung</a:t>
-            </a:r>
-          </a:p>
-          <a:p>
-            <a:r>
-              <a:rPr lang="de-DE" sz="2400" dirty="0"/>
-              <a:t>Implementierung</a:t>
-            </a:r>
-          </a:p>
-          <a:p>
-            <a:pPr lvl="1"/>
-            <a:r>
-              <a:rPr lang="de-DE" sz="2000" dirty="0"/>
-              <a:t>Herangehensweise </a:t>
-            </a:r>
-          </a:p>
-          <a:p>
-            <a:pPr lvl="1"/>
-            <a:r>
-              <a:rPr lang="de-DE" sz="2000" dirty="0"/>
-              <a:t>Einführung in den Code</a:t>
-            </a:r>
-          </a:p>
-          <a:p>
-            <a:pPr lvl="1"/>
-            <a:r>
-              <a:rPr lang="de-DE" sz="2000" dirty="0"/>
-              <a:t>Präsentation des Ergebnisses</a:t>
-            </a:r>
-          </a:p>
-          <a:p>
-            <a:r>
-              <a:rPr lang="de-DE" sz="2400" dirty="0"/>
-              <a:t>Fazit </a:t>
-            </a:r>
-          </a:p>
-        </p:txBody>
-      </p:sp>
-    </p:spTree>
-    <p:extLst>
-      <p:ext uri="{BB962C8B-B14F-4D97-AF65-F5344CB8AC3E}">
-        <p14:creationId xmlns:p14="http://schemas.microsoft.com/office/powerpoint/2010/main" val="3758769095"/>
-      </p:ext>
-    </p:extLst>
-  </p:cSld>
-  <p:clrMapOvr>
-    <a:masterClrMapping/>
-  </p:clrMapOvr>
-</p:sld>
-</file>
-
-<file path=ppt/slides/slide4.xml><?xml version="1.0" encoding="utf-8"?>
-<p:sld xmlns:a="http://schemas.openxmlformats.org/drawingml/2006/main" xmlns:r="http://schemas.openxmlformats.org/officeDocument/2006/relationships" xmlns:p="http://schemas.openxmlformats.org/presentationml/2006/main">
-  <p:cSld>
-    <p:bg>
-      <p:bgPr>
-        <a:solidFill>
-          <a:schemeClr val="bg1"/>
-        </a:solidFill>
-        <a:effectLst/>
-      </p:bgPr>
-    </p:bg>
-    <p:spTree>
-      <p:nvGrpSpPr>
-        <p:cNvPr id="1" name=""/>
-        <p:cNvGrpSpPr/>
-        <p:nvPr/>
-      </p:nvGrpSpPr>
-      <p:grpSpPr>
-        <a:xfrm>
-          <a:off x="0" y="0"/>
-          <a:ext cx="0" cy="0"/>
-          <a:chOff x="0" y="0"/>
-          <a:chExt cx="0" cy="0"/>
-        </a:xfrm>
-      </p:grpSpPr>
-      <p:sp>
-        <p:nvSpPr>
-          <p:cNvPr id="19" name="Rectangle 18">
-            <a:extLst>
-              <a:ext uri="{FF2B5EF4-FFF2-40B4-BE49-F238E27FC236}">
-                <a16:creationId xmlns:a16="http://schemas.microsoft.com/office/drawing/2014/main" id="{8D70B121-56F4-4848-B38B-182089D909FA}"/>
-              </a:ext>
-              <a:ext uri="{C183D7F6-B498-43B3-948B-1728B52AA6E4}">
-                <adec:decorative xmlns:adec="http://schemas.microsoft.com/office/drawing/2017/decorative" val="1"/>
-              </a:ext>
-            </a:extLst>
-          </p:cNvPr>
-          <p:cNvSpPr>
-            <a:spLocks noGrp="1" noRot="1" noChangeAspect="1" noMove="1" noResize="1" noEditPoints="1" noAdjustHandles="1" noChangeArrowheads="1" noChangeShapeType="1" noTextEdit="1"/>
-          </p:cNvSpPr>
-          <p:nvPr>
-            <p:extLst>
-              <p:ext uri="{386F3935-93C4-4BCD-93E2-E3B085C9AB24}">
-                <p16:designElem xmlns:p16="http://schemas.microsoft.com/office/powerpoint/2015/main" val="1"/>
-              </p:ext>
-            </p:extLst>
-          </p:nvPr>
-        </p:nvSpPr>
-        <p:spPr bwMode="ltGray">
-          <a:xfrm>
-            <a:off x="321564" y="320040"/>
-            <a:ext cx="11548872" cy="6217920"/>
-          </a:xfrm>
-          <a:prstGeom prst="rect">
-            <a:avLst/>
-          </a:prstGeom>
-          <a:solidFill>
-            <a:schemeClr val="tx1">
-              <a:alpha val="8000"/>
-            </a:schemeClr>
-          </a:solidFill>
-          <a:ln w="127000" cap="sq" cmpd="thinThick">
-            <a:noFill/>
-          </a:ln>
-        </p:spPr>
-        <p:style>
-          <a:lnRef idx="2">
-            <a:schemeClr val="accent1">
-              <a:shade val="50000"/>
-            </a:schemeClr>
-          </a:lnRef>
-          <a:fillRef idx="1">
-            <a:schemeClr val="accent1"/>
-          </a:fillRef>
-          <a:effectRef idx="0">
-            <a:schemeClr val="accent1"/>
-          </a:effectRef>
-          <a:fontRef idx="minor">
-            <a:schemeClr val="lt1"/>
-          </a:fontRef>
-        </p:style>
-        <p:txBody>
-          <a:bodyPr rtlCol="0" anchor="ctr"/>
-          <a:lstStyle/>
-          <a:p>
-            <a:pPr marL="0" marR="0" lvl="0" indent="0" algn="ctr" defTabSz="914400" rtl="0" eaLnBrk="1" fontAlgn="auto" latinLnBrk="0" hangingPunct="1">
-              <a:lnSpc>
-                <a:spcPct val="100000"/>
-              </a:lnSpc>
-              <a:spcBef>
-                <a:spcPts val="0"/>
-              </a:spcBef>
-              <a:spcAft>
-                <a:spcPts val="0"/>
-              </a:spcAft>
-              <a:buClrTx/>
-              <a:buSzTx/>
-              <a:buFontTx/>
-              <a:buNone/>
-              <a:tabLst/>
-              <a:defRPr/>
-            </a:pPr>
-            <a:endParaRPr kumimoji="0" lang="en-US" sz="1800" b="0" i="0" u="none" strike="noStrike" kern="1200" cap="none" spc="0" normalizeH="0" baseline="0" noProof="0">
-              <a:ln>
-                <a:noFill/>
-              </a:ln>
-              <a:solidFill>
-                <a:prstClr val="white"/>
-              </a:solidFill>
-              <a:effectLst/>
-              <a:uLnTx/>
-              <a:uFillTx/>
-              <a:latin typeface="Calibri" panose="020F0502020204030204"/>
-              <a:ea typeface="+mn-ea"/>
-              <a:cs typeface="+mn-cs"/>
-            </a:endParaRPr>
-          </a:p>
-        </p:txBody>
-      </p:sp>
-      <p:cxnSp>
-        <p:nvCxnSpPr>
-          <p:cNvPr id="21" name="Straight Connector 20">
-            <a:extLst>
-              <a:ext uri="{FF2B5EF4-FFF2-40B4-BE49-F238E27FC236}">
-                <a16:creationId xmlns:a16="http://schemas.microsoft.com/office/drawing/2014/main" id="{2D72A2C9-F3CA-4216-8BAD-FA4C970C3C4E}"/>
-              </a:ext>
-              <a:ext uri="{C183D7F6-B498-43B3-948B-1728B52AA6E4}">
-                <adec:decorative xmlns:adec="http://schemas.microsoft.com/office/drawing/2017/decorative" val="1"/>
-              </a:ext>
-            </a:extLst>
-          </p:cNvPr>
-          <p:cNvCxnSpPr>
-            <a:cxnSpLocks noGrp="1" noRot="1" noChangeAspect="1" noMove="1" noResize="1" noEditPoints="1" noAdjustHandles="1" noChangeArrowheads="1" noChangeShapeType="1"/>
-          </p:cNvCxnSpPr>
-          <p:nvPr>
-            <p:extLst>
-              <p:ext uri="{386F3935-93C4-4BCD-93E2-E3B085C9AB24}">
-                <p16:designElem xmlns:p16="http://schemas.microsoft.com/office/powerpoint/2015/main" val="1"/>
-              </p:ext>
-            </p:extLst>
-          </p:nvPr>
-        </p:nvCxnSpPr>
-        <p:spPr>
-          <a:xfrm>
-            <a:off x="4654296" y="2057400"/>
-            <a:ext cx="0" cy="2743200"/>
-          </a:xfrm>
-          <a:prstGeom prst="line">
-            <a:avLst/>
-          </a:prstGeom>
-          <a:ln w="19050">
-            <a:solidFill>
-              <a:schemeClr val="tx1">
-                <a:lumMod val="85000"/>
-                <a:lumOff val="15000"/>
-              </a:schemeClr>
-            </a:solidFill>
-          </a:ln>
-        </p:spPr>
-        <p:style>
-          <a:lnRef idx="1">
-            <a:schemeClr val="accent1"/>
-          </a:lnRef>
-          <a:fillRef idx="0">
-            <a:schemeClr val="accent1"/>
-          </a:fillRef>
-          <a:effectRef idx="0">
-            <a:schemeClr val="accent1"/>
-          </a:effectRef>
-          <a:fontRef idx="minor">
-            <a:schemeClr val="tx1"/>
-          </a:fontRef>
-        </p:style>
-      </p:cxnSp>
-      <p:sp>
-        <p:nvSpPr>
           <p:cNvPr id="5" name="Rechteck 4">
             <a:extLst>
               <a:ext uri="{FF2B5EF4-FFF2-40B4-BE49-F238E27FC236}">
-                <a16:creationId xmlns:a16="http://schemas.microsoft.com/office/drawing/2014/main" id="{6C91387F-AF56-614F-B14F-5E345367B7AF}"/>
+                <a16:creationId xmlns:a16="http://schemas.microsoft.com/office/drawing/2014/main" xmlns="" id="{6C91387F-AF56-614F-B14F-5E345367B7AF}"/>
               </a:ext>
             </a:extLst>
           </p:cNvPr>
@@ -11606,7 +12919,7 @@
           <p:cNvPr id="2" name="Titel 1">
             <a:extLst>
               <a:ext uri="{FF2B5EF4-FFF2-40B4-BE49-F238E27FC236}">
-                <a16:creationId xmlns:a16="http://schemas.microsoft.com/office/drawing/2014/main" id="{35BFDC70-A169-E142-B051-5ABC9190E094}"/>
+                <a16:creationId xmlns:a16="http://schemas.microsoft.com/office/drawing/2014/main" xmlns="" id="{35BFDC70-A169-E142-B051-5ABC9190E094}"/>
               </a:ext>
             </a:extLst>
           </p:cNvPr>
@@ -11646,7 +12959,7 @@
           <p:cNvPr id="6" name="Rechteck 5">
             <a:extLst>
               <a:ext uri="{FF2B5EF4-FFF2-40B4-BE49-F238E27FC236}">
-                <a16:creationId xmlns:a16="http://schemas.microsoft.com/office/drawing/2014/main" id="{B21205B6-3884-4AD1-996C-39D66F295553}"/>
+                <a16:creationId xmlns:a16="http://schemas.microsoft.com/office/drawing/2014/main" xmlns="" id="{B21205B6-3884-4AD1-996C-39D66F295553}"/>
               </a:ext>
             </a:extLst>
           </p:cNvPr>
@@ -11727,7 +13040,7 @@
           <p:cNvPr id="7" name="Grafik 6">
             <a:extLst>
               <a:ext uri="{FF2B5EF4-FFF2-40B4-BE49-F238E27FC236}">
-                <a16:creationId xmlns:a16="http://schemas.microsoft.com/office/drawing/2014/main" id="{D878A5C2-A8AA-4358-9003-B99120CDFE3F}"/>
+                <a16:creationId xmlns:a16="http://schemas.microsoft.com/office/drawing/2014/main" xmlns="" id="{D878A5C2-A8AA-4358-9003-B99120CDFE3F}"/>
               </a:ext>
             </a:extLst>
           </p:cNvPr>
@@ -11795,10 +13108,10 @@
           <p:cNvPr id="8" name="Rectangle 7">
             <a:extLst>
               <a:ext uri="{FF2B5EF4-FFF2-40B4-BE49-F238E27FC236}">
-                <a16:creationId xmlns:a16="http://schemas.microsoft.com/office/drawing/2014/main" id="{8D70B121-56F4-4848-B38B-182089D909FA}"/>
+                <a16:creationId xmlns:a16="http://schemas.microsoft.com/office/drawing/2014/main" xmlns="" id="{8D70B121-56F4-4848-B38B-182089D909FA}"/>
               </a:ext>
               <a:ext uri="{C183D7F6-B498-43B3-948B-1728B52AA6E4}">
-                <adec:decorative xmlns:adec="http://schemas.microsoft.com/office/drawing/2017/decorative" val="1"/>
+                <adec:decorative xmlns:adec="http://schemas.microsoft.com/office/drawing/2017/decorative" xmlns="" val="1"/>
               </a:ext>
             </a:extLst>
           </p:cNvPr>
@@ -11808,7 +13121,7 @@
           <p:nvPr>
             <p:extLst>
               <p:ext uri="{386F3935-93C4-4BCD-93E2-E3B085C9AB24}">
-                <p16:designElem xmlns:p16="http://schemas.microsoft.com/office/powerpoint/2015/main" val="1"/>
+                <p16:designElem xmlns:p16="http://schemas.microsoft.com/office/powerpoint/2015/main" xmlns="" val="1"/>
               </p:ext>
             </p:extLst>
           </p:nvPr>
@@ -11860,7 +13173,7 @@
           <p:cNvPr id="2" name="Titel 1">
             <a:extLst>
               <a:ext uri="{FF2B5EF4-FFF2-40B4-BE49-F238E27FC236}">
-                <a16:creationId xmlns:a16="http://schemas.microsoft.com/office/drawing/2014/main" id="{0B5D0F8F-C92F-BC46-ACC4-7A21698DD272}"/>
+                <a16:creationId xmlns:a16="http://schemas.microsoft.com/office/drawing/2014/main" xmlns="" id="{0B5D0F8F-C92F-BC46-ACC4-7A21698DD272}"/>
               </a:ext>
             </a:extLst>
           </p:cNvPr>
@@ -11900,10 +13213,10 @@
           <p:cNvPr id="10" name="Straight Connector 9">
             <a:extLst>
               <a:ext uri="{FF2B5EF4-FFF2-40B4-BE49-F238E27FC236}">
-                <a16:creationId xmlns:a16="http://schemas.microsoft.com/office/drawing/2014/main" id="{2D72A2C9-F3CA-4216-8BAD-FA4C970C3C4E}"/>
+                <a16:creationId xmlns:a16="http://schemas.microsoft.com/office/drawing/2014/main" xmlns="" id="{2D72A2C9-F3CA-4216-8BAD-FA4C970C3C4E}"/>
               </a:ext>
               <a:ext uri="{C183D7F6-B498-43B3-948B-1728B52AA6E4}">
-                <adec:decorative xmlns:adec="http://schemas.microsoft.com/office/drawing/2017/decorative" val="1"/>
+                <adec:decorative xmlns:adec="http://schemas.microsoft.com/office/drawing/2017/decorative" xmlns="" val="1"/>
               </a:ext>
             </a:extLst>
           </p:cNvPr>
@@ -11913,7 +13226,7 @@
           <p:nvPr>
             <p:extLst>
               <p:ext uri="{386F3935-93C4-4BCD-93E2-E3B085C9AB24}">
-                <p16:designElem xmlns:p16="http://schemas.microsoft.com/office/powerpoint/2015/main" val="1"/>
+                <p16:designElem xmlns:p16="http://schemas.microsoft.com/office/powerpoint/2015/main" xmlns="" val="1"/>
               </p:ext>
             </p:extLst>
           </p:nvPr>
@@ -11950,8 +13263,8 @@
           </a:fontRef>
         </p:style>
       </p:cxnSp>
-      <mc:AlternateContent xmlns:mc="http://schemas.openxmlformats.org/markup-compatibility/2006" xmlns:pslz="http://schemas.microsoft.com/office/powerpoint/2016/slidezoom">
-        <mc:Choice Requires="pslz">
+      <mc:AlternateContent xmlns:mc="http://schemas.openxmlformats.org/markup-compatibility/2006">
+        <mc:Choice xmlns:pslz="http://schemas.microsoft.com/office/powerpoint/2016/slidezoom" xmlns="" Requires="pslz">
           <p:graphicFrame>
             <p:nvGraphicFramePr>
               <p:cNvPr id="7" name="Folienzoom 6">
@@ -12008,14 +13321,14 @@
             </a:graphic>
           </p:graphicFrame>
         </mc:Choice>
-        <mc:Fallback xmlns="">
+        <mc:Fallback>
           <p:pic>
             <p:nvPicPr>
               <p:cNvPr id="7" name="Folienzoom 6">
                 <a:hlinkClick r:id="rId4" action="ppaction://hlinksldjump"/>
                 <a:extLst>
                   <a:ext uri="{FF2B5EF4-FFF2-40B4-BE49-F238E27FC236}">
-                    <a16:creationId xmlns:a16="http://schemas.microsoft.com/office/drawing/2014/main" id="{6938BB69-754F-2F4B-94EF-34BD069095AD}"/>
+                    <a16:creationId xmlns:a16="http://schemas.microsoft.com/office/drawing/2014/main" xmlns="" xmlns:pslz="http://schemas.microsoft.com/office/powerpoint/2016/slidezoom" id="{6938BB69-754F-2F4B-94EF-34BD069095AD}"/>
                   </a:ext>
                 </a:extLst>
               </p:cNvPr>
@@ -12090,10 +13403,10 @@
           <p:cNvPr id="8" name="Rectangle 7">
             <a:extLst>
               <a:ext uri="{FF2B5EF4-FFF2-40B4-BE49-F238E27FC236}">
-                <a16:creationId xmlns:a16="http://schemas.microsoft.com/office/drawing/2014/main" id="{8D70B121-56F4-4848-B38B-182089D909FA}"/>
+                <a16:creationId xmlns:a16="http://schemas.microsoft.com/office/drawing/2014/main" xmlns="" id="{8D70B121-56F4-4848-B38B-182089D909FA}"/>
               </a:ext>
               <a:ext uri="{C183D7F6-B498-43B3-948B-1728B52AA6E4}">
-                <adec:decorative xmlns:adec="http://schemas.microsoft.com/office/drawing/2017/decorative" val="1"/>
+                <adec:decorative xmlns:adec="http://schemas.microsoft.com/office/drawing/2017/decorative" xmlns="" val="1"/>
               </a:ext>
             </a:extLst>
           </p:cNvPr>
@@ -12103,7 +13416,7 @@
           <p:nvPr>
             <p:extLst>
               <p:ext uri="{386F3935-93C4-4BCD-93E2-E3B085C9AB24}">
-                <p16:designElem xmlns:p16="http://schemas.microsoft.com/office/powerpoint/2015/main" val="1"/>
+                <p16:designElem xmlns:p16="http://schemas.microsoft.com/office/powerpoint/2015/main" xmlns="" val="1"/>
               </p:ext>
             </p:extLst>
           </p:nvPr>
@@ -12155,10 +13468,10 @@
           <p:cNvPr id="10" name="Straight Connector 9">
             <a:extLst>
               <a:ext uri="{FF2B5EF4-FFF2-40B4-BE49-F238E27FC236}">
-                <a16:creationId xmlns:a16="http://schemas.microsoft.com/office/drawing/2014/main" id="{2D72A2C9-F3CA-4216-8BAD-FA4C970C3C4E}"/>
+                <a16:creationId xmlns:a16="http://schemas.microsoft.com/office/drawing/2014/main" xmlns="" id="{2D72A2C9-F3CA-4216-8BAD-FA4C970C3C4E}"/>
               </a:ext>
               <a:ext uri="{C183D7F6-B498-43B3-948B-1728B52AA6E4}">
-                <adec:decorative xmlns:adec="http://schemas.microsoft.com/office/drawing/2017/decorative" val="1"/>
+                <adec:decorative xmlns:adec="http://schemas.microsoft.com/office/drawing/2017/decorative" xmlns="" val="1"/>
               </a:ext>
             </a:extLst>
           </p:cNvPr>
@@ -12168,7 +13481,7 @@
           <p:nvPr>
             <p:extLst>
               <p:ext uri="{386F3935-93C4-4BCD-93E2-E3B085C9AB24}">
-                <p16:designElem xmlns:p16="http://schemas.microsoft.com/office/powerpoint/2015/main" val="1"/>
+                <p16:designElem xmlns:p16="http://schemas.microsoft.com/office/powerpoint/2015/main" xmlns="" val="1"/>
               </p:ext>
             </p:extLst>
           </p:nvPr>
@@ -12210,7 +13523,7 @@
           <p:cNvPr id="20" name="Textfeld 19">
             <a:extLst>
               <a:ext uri="{FF2B5EF4-FFF2-40B4-BE49-F238E27FC236}">
-                <a16:creationId xmlns:a16="http://schemas.microsoft.com/office/drawing/2014/main" id="{22318D91-F3FB-1D4F-8CA1-574E5C5A021C}"/>
+                <a16:creationId xmlns:a16="http://schemas.microsoft.com/office/drawing/2014/main" xmlns="" id="{22318D91-F3FB-1D4F-8CA1-574E5C5A021C}"/>
               </a:ext>
             </a:extLst>
           </p:cNvPr>
@@ -12262,7 +13575,7 @@
           <p:cNvPr id="21" name="Grafik 20">
             <a:extLst>
               <a:ext uri="{FF2B5EF4-FFF2-40B4-BE49-F238E27FC236}">
-                <a16:creationId xmlns:a16="http://schemas.microsoft.com/office/drawing/2014/main" id="{5ACE5D07-54C6-4407-8C9E-551B71135727}"/>
+                <a16:creationId xmlns:a16="http://schemas.microsoft.com/office/drawing/2014/main" xmlns="" id="{5ACE5D07-54C6-4407-8C9E-551B71135727}"/>
               </a:ext>
             </a:extLst>
           </p:cNvPr>
@@ -12330,10 +13643,10 @@
           <p:cNvPr id="19" name="Rectangle 18">
             <a:extLst>
               <a:ext uri="{FF2B5EF4-FFF2-40B4-BE49-F238E27FC236}">
-                <a16:creationId xmlns:a16="http://schemas.microsoft.com/office/drawing/2014/main" id="{8D70B121-56F4-4848-B38B-182089D909FA}"/>
+                <a16:creationId xmlns:a16="http://schemas.microsoft.com/office/drawing/2014/main" xmlns="" id="{8D70B121-56F4-4848-B38B-182089D909FA}"/>
               </a:ext>
               <a:ext uri="{C183D7F6-B498-43B3-948B-1728B52AA6E4}">
-                <adec:decorative xmlns:adec="http://schemas.microsoft.com/office/drawing/2017/decorative" val="1"/>
+                <adec:decorative xmlns:adec="http://schemas.microsoft.com/office/drawing/2017/decorative" xmlns="" val="1"/>
               </a:ext>
             </a:extLst>
           </p:cNvPr>
@@ -12343,7 +13656,7 @@
           <p:nvPr>
             <p:extLst>
               <p:ext uri="{386F3935-93C4-4BCD-93E2-E3B085C9AB24}">
-                <p16:designElem xmlns:p16="http://schemas.microsoft.com/office/powerpoint/2015/main" val="1"/>
+                <p16:designElem xmlns:p16="http://schemas.microsoft.com/office/powerpoint/2015/main" xmlns="" val="1"/>
               </p:ext>
             </p:extLst>
           </p:nvPr>
@@ -12395,7 +13708,7 @@
           <p:cNvPr id="2" name="Titel 1">
             <a:extLst>
               <a:ext uri="{FF2B5EF4-FFF2-40B4-BE49-F238E27FC236}">
-                <a16:creationId xmlns:a16="http://schemas.microsoft.com/office/drawing/2014/main" id="{35BFDC70-A169-E142-B051-5ABC9190E094}"/>
+                <a16:creationId xmlns:a16="http://schemas.microsoft.com/office/drawing/2014/main" xmlns="" id="{35BFDC70-A169-E142-B051-5ABC9190E094}"/>
               </a:ext>
             </a:extLst>
           </p:cNvPr>
@@ -12430,6 +13743,14 @@
               </a:rPr>
               <a:t>Grundlagen</a:t>
             </a:r>
+            <a:r>
+              <a:rPr lang="en-US" dirty="0">
+                <a:solidFill>
+                  <a:schemeClr val="accent1"/>
+                </a:solidFill>
+              </a:rPr>
+              <a:t/>
+            </a:r>
             <a:br>
               <a:rPr lang="en-US" dirty="0">
                 <a:solidFill>
@@ -12477,10 +13798,10 @@
           <p:cNvPr id="21" name="Straight Connector 20">
             <a:extLst>
               <a:ext uri="{FF2B5EF4-FFF2-40B4-BE49-F238E27FC236}">
-                <a16:creationId xmlns:a16="http://schemas.microsoft.com/office/drawing/2014/main" id="{2D72A2C9-F3CA-4216-8BAD-FA4C970C3C4E}"/>
+                <a16:creationId xmlns:a16="http://schemas.microsoft.com/office/drawing/2014/main" xmlns="" id="{2D72A2C9-F3CA-4216-8BAD-FA4C970C3C4E}"/>
               </a:ext>
               <a:ext uri="{C183D7F6-B498-43B3-948B-1728B52AA6E4}">
-                <adec:decorative xmlns:adec="http://schemas.microsoft.com/office/drawing/2017/decorative" val="1"/>
+                <adec:decorative xmlns:adec="http://schemas.microsoft.com/office/drawing/2017/decorative" xmlns="" val="1"/>
               </a:ext>
             </a:extLst>
           </p:cNvPr>
@@ -12490,7 +13811,7 @@
           <p:nvPr>
             <p:extLst>
               <p:ext uri="{386F3935-93C4-4BCD-93E2-E3B085C9AB24}">
-                <p16:designElem xmlns:p16="http://schemas.microsoft.com/office/powerpoint/2015/main" val="1"/>
+                <p16:designElem xmlns:p16="http://schemas.microsoft.com/office/powerpoint/2015/main" xmlns="" val="1"/>
               </p:ext>
             </p:extLst>
           </p:nvPr>
@@ -12532,7 +13853,7 @@
           <p:cNvPr id="14" name="Inhaltsplatzhalter 2">
             <a:extLst>
               <a:ext uri="{FF2B5EF4-FFF2-40B4-BE49-F238E27FC236}">
-                <a16:creationId xmlns:a16="http://schemas.microsoft.com/office/drawing/2014/main" id="{53B37B3D-655D-0342-AF1C-93DFDD28CF29}"/>
+                <a16:creationId xmlns:a16="http://schemas.microsoft.com/office/drawing/2014/main" xmlns="" id="{53B37B3D-655D-0342-AF1C-93DFDD28CF29}"/>
               </a:ext>
             </a:extLst>
           </p:cNvPr>
@@ -12656,10 +13977,10 @@
           <p:cNvPr id="19" name="Rectangle 18">
             <a:extLst>
               <a:ext uri="{FF2B5EF4-FFF2-40B4-BE49-F238E27FC236}">
-                <a16:creationId xmlns:a16="http://schemas.microsoft.com/office/drawing/2014/main" id="{8D70B121-56F4-4848-B38B-182089D909FA}"/>
+                <a16:creationId xmlns:a16="http://schemas.microsoft.com/office/drawing/2014/main" xmlns="" id="{8D70B121-56F4-4848-B38B-182089D909FA}"/>
               </a:ext>
               <a:ext uri="{C183D7F6-B498-43B3-948B-1728B52AA6E4}">
-                <adec:decorative xmlns:adec="http://schemas.microsoft.com/office/drawing/2017/decorative" val="1"/>
+                <adec:decorative xmlns:adec="http://schemas.microsoft.com/office/drawing/2017/decorative" xmlns="" val="1"/>
               </a:ext>
             </a:extLst>
           </p:cNvPr>
@@ -12669,7 +13990,7 @@
           <p:nvPr>
             <p:extLst>
               <p:ext uri="{386F3935-93C4-4BCD-93E2-E3B085C9AB24}">
-                <p16:designElem xmlns:p16="http://schemas.microsoft.com/office/powerpoint/2015/main" val="1"/>
+                <p16:designElem xmlns:p16="http://schemas.microsoft.com/office/powerpoint/2015/main" xmlns="" val="1"/>
               </p:ext>
             </p:extLst>
           </p:nvPr>
@@ -12721,10 +14042,10 @@
           <p:cNvPr id="21" name="Straight Connector 20">
             <a:extLst>
               <a:ext uri="{FF2B5EF4-FFF2-40B4-BE49-F238E27FC236}">
-                <a16:creationId xmlns:a16="http://schemas.microsoft.com/office/drawing/2014/main" id="{2D72A2C9-F3CA-4216-8BAD-FA4C970C3C4E}"/>
+                <a16:creationId xmlns:a16="http://schemas.microsoft.com/office/drawing/2014/main" xmlns="" id="{2D72A2C9-F3CA-4216-8BAD-FA4C970C3C4E}"/>
               </a:ext>
               <a:ext uri="{C183D7F6-B498-43B3-948B-1728B52AA6E4}">
-                <adec:decorative xmlns:adec="http://schemas.microsoft.com/office/drawing/2017/decorative" val="1"/>
+                <adec:decorative xmlns:adec="http://schemas.microsoft.com/office/drawing/2017/decorative" xmlns="" val="1"/>
               </a:ext>
             </a:extLst>
           </p:cNvPr>
@@ -12734,7 +14055,7 @@
           <p:nvPr>
             <p:extLst>
               <p:ext uri="{386F3935-93C4-4BCD-93E2-E3B085C9AB24}">
-                <p16:designElem xmlns:p16="http://schemas.microsoft.com/office/powerpoint/2015/main" val="1"/>
+                <p16:designElem xmlns:p16="http://schemas.microsoft.com/office/powerpoint/2015/main" xmlns="" val="1"/>
               </p:ext>
             </p:extLst>
           </p:nvPr>
@@ -12776,7 +14097,7 @@
           <p:cNvPr id="14" name="Inhaltsplatzhalter 2">
             <a:extLst>
               <a:ext uri="{FF2B5EF4-FFF2-40B4-BE49-F238E27FC236}">
-                <a16:creationId xmlns:a16="http://schemas.microsoft.com/office/drawing/2014/main" id="{53B37B3D-655D-0342-AF1C-93DFDD28CF29}"/>
+                <a16:creationId xmlns:a16="http://schemas.microsoft.com/office/drawing/2014/main" xmlns="" id="{53B37B3D-655D-0342-AF1C-93DFDD28CF29}"/>
               </a:ext>
             </a:extLst>
           </p:cNvPr>
@@ -12990,7 +14311,7 @@
           <p:cNvPr id="20" name="Gruppieren 19">
             <a:extLst>
               <a:ext uri="{FF2B5EF4-FFF2-40B4-BE49-F238E27FC236}">
-                <a16:creationId xmlns:a16="http://schemas.microsoft.com/office/drawing/2014/main" id="{50ECC846-FE00-5642-8853-EEE6E8A01659}"/>
+                <a16:creationId xmlns:a16="http://schemas.microsoft.com/office/drawing/2014/main" xmlns="" id="{50ECC846-FE00-5642-8853-EEE6E8A01659}"/>
               </a:ext>
             </a:extLst>
           </p:cNvPr>
@@ -13010,7 +14331,7 @@
             <p:cNvPr id="22" name="Grafik 21">
               <a:extLst>
                 <a:ext uri="{FF2B5EF4-FFF2-40B4-BE49-F238E27FC236}">
-                  <a16:creationId xmlns:a16="http://schemas.microsoft.com/office/drawing/2014/main" id="{4E6774A5-9359-5A4C-9D07-47945BA0A9B3}"/>
+                  <a16:creationId xmlns:a16="http://schemas.microsoft.com/office/drawing/2014/main" xmlns="" id="{4E6774A5-9359-5A4C-9D07-47945BA0A9B3}"/>
                 </a:ext>
               </a:extLst>
             </p:cNvPr>
@@ -13040,7 +14361,7 @@
             <p:cNvPr id="23" name="Dreieck 22">
               <a:extLst>
                 <a:ext uri="{FF2B5EF4-FFF2-40B4-BE49-F238E27FC236}">
-                  <a16:creationId xmlns:a16="http://schemas.microsoft.com/office/drawing/2014/main" id="{C58FCFF5-FFE5-1240-AE4D-8FE755FB7696}"/>
+                  <a16:creationId xmlns:a16="http://schemas.microsoft.com/office/drawing/2014/main" xmlns="" id="{C58FCFF5-FFE5-1240-AE4D-8FE755FB7696}"/>
                 </a:ext>
               </a:extLst>
             </p:cNvPr>
@@ -13086,7 +14407,7 @@
             <p:cNvPr id="24" name="Dreieck 23">
               <a:extLst>
                 <a:ext uri="{FF2B5EF4-FFF2-40B4-BE49-F238E27FC236}">
-                  <a16:creationId xmlns:a16="http://schemas.microsoft.com/office/drawing/2014/main" id="{45F58FCA-1036-9842-AC1B-581E8445154F}"/>
+                  <a16:creationId xmlns:a16="http://schemas.microsoft.com/office/drawing/2014/main" xmlns="" id="{45F58FCA-1036-9842-AC1B-581E8445154F}"/>
                 </a:ext>
               </a:extLst>
             </p:cNvPr>
@@ -13132,7 +14453,7 @@
             <p:cNvPr id="25" name="Dreieck 24">
               <a:extLst>
                 <a:ext uri="{FF2B5EF4-FFF2-40B4-BE49-F238E27FC236}">
-                  <a16:creationId xmlns:a16="http://schemas.microsoft.com/office/drawing/2014/main" id="{F32A8848-A721-984F-933E-9E9622B747AD}"/>
+                  <a16:creationId xmlns:a16="http://schemas.microsoft.com/office/drawing/2014/main" xmlns="" id="{F32A8848-A721-984F-933E-9E9622B747AD}"/>
                 </a:ext>
               </a:extLst>
             </p:cNvPr>
@@ -13178,7 +14499,7 @@
             <p:cNvPr id="26" name="Dreieck 25">
               <a:extLst>
                 <a:ext uri="{FF2B5EF4-FFF2-40B4-BE49-F238E27FC236}">
-                  <a16:creationId xmlns:a16="http://schemas.microsoft.com/office/drawing/2014/main" id="{80771BCA-609E-164A-B463-F6A1D4A2CEAE}"/>
+                  <a16:creationId xmlns:a16="http://schemas.microsoft.com/office/drawing/2014/main" xmlns="" id="{80771BCA-609E-164A-B463-F6A1D4A2CEAE}"/>
                 </a:ext>
               </a:extLst>
             </p:cNvPr>
@@ -13224,7 +14545,7 @@
             <p:cNvPr id="27" name="Dreieck 26">
               <a:extLst>
                 <a:ext uri="{FF2B5EF4-FFF2-40B4-BE49-F238E27FC236}">
-                  <a16:creationId xmlns:a16="http://schemas.microsoft.com/office/drawing/2014/main" id="{D74FB55B-722F-AF4E-B788-08B063B85B99}"/>
+                  <a16:creationId xmlns:a16="http://schemas.microsoft.com/office/drawing/2014/main" xmlns="" id="{D74FB55B-722F-AF4E-B788-08B063B85B99}"/>
                 </a:ext>
               </a:extLst>
             </p:cNvPr>
@@ -13270,7 +14591,7 @@
             <p:cNvPr id="28" name="Dreieck 27">
               <a:extLst>
                 <a:ext uri="{FF2B5EF4-FFF2-40B4-BE49-F238E27FC236}">
-                  <a16:creationId xmlns:a16="http://schemas.microsoft.com/office/drawing/2014/main" id="{E28615C0-4C02-CA41-ABCF-97C87E10A370}"/>
+                  <a16:creationId xmlns:a16="http://schemas.microsoft.com/office/drawing/2014/main" xmlns="" id="{E28615C0-4C02-CA41-ABCF-97C87E10A370}"/>
                 </a:ext>
               </a:extLst>
             </p:cNvPr>
@@ -13316,7 +14637,7 @@
             <p:cNvPr id="29" name="Dreieck 28">
               <a:extLst>
                 <a:ext uri="{FF2B5EF4-FFF2-40B4-BE49-F238E27FC236}">
-                  <a16:creationId xmlns:a16="http://schemas.microsoft.com/office/drawing/2014/main" id="{FBA1CE75-BDA7-5541-B332-841CA5A0F3D8}"/>
+                  <a16:creationId xmlns:a16="http://schemas.microsoft.com/office/drawing/2014/main" xmlns="" id="{FBA1CE75-BDA7-5541-B332-841CA5A0F3D8}"/>
                 </a:ext>
               </a:extLst>
             </p:cNvPr>
@@ -13362,7 +14683,7 @@
             <p:cNvPr id="30" name="Dreieck 29">
               <a:extLst>
                 <a:ext uri="{FF2B5EF4-FFF2-40B4-BE49-F238E27FC236}">
-                  <a16:creationId xmlns:a16="http://schemas.microsoft.com/office/drawing/2014/main" id="{54C42A26-F415-894B-B37F-08315630F5A1}"/>
+                  <a16:creationId xmlns:a16="http://schemas.microsoft.com/office/drawing/2014/main" xmlns="" id="{54C42A26-F415-894B-B37F-08315630F5A1}"/>
                 </a:ext>
               </a:extLst>
             </p:cNvPr>
@@ -13447,10 +14768,10 @@
           <p:cNvPr id="8" name="Rectangle 7">
             <a:extLst>
               <a:ext uri="{FF2B5EF4-FFF2-40B4-BE49-F238E27FC236}">
-                <a16:creationId xmlns:a16="http://schemas.microsoft.com/office/drawing/2014/main" id="{8D70B121-56F4-4848-B38B-182089D909FA}"/>
+                <a16:creationId xmlns:a16="http://schemas.microsoft.com/office/drawing/2014/main" xmlns="" id="{8D70B121-56F4-4848-B38B-182089D909FA}"/>
               </a:ext>
               <a:ext uri="{C183D7F6-B498-43B3-948B-1728B52AA6E4}">
-                <adec:decorative xmlns:adec="http://schemas.microsoft.com/office/drawing/2017/decorative" val="1"/>
+                <adec:decorative xmlns:adec="http://schemas.microsoft.com/office/drawing/2017/decorative" xmlns="" val="1"/>
               </a:ext>
             </a:extLst>
           </p:cNvPr>
@@ -13460,7 +14781,7 @@
           <p:nvPr>
             <p:extLst>
               <p:ext uri="{386F3935-93C4-4BCD-93E2-E3B085C9AB24}">
-                <p16:designElem xmlns:p16="http://schemas.microsoft.com/office/powerpoint/2015/main" val="1"/>
+                <p16:designElem xmlns:p16="http://schemas.microsoft.com/office/powerpoint/2015/main" xmlns="" val="1"/>
               </p:ext>
             </p:extLst>
           </p:nvPr>
@@ -13512,7 +14833,7 @@
           <p:cNvPr id="2" name="Titel 1">
             <a:extLst>
               <a:ext uri="{FF2B5EF4-FFF2-40B4-BE49-F238E27FC236}">
-                <a16:creationId xmlns:a16="http://schemas.microsoft.com/office/drawing/2014/main" id="{0B5D0F8F-C92F-BC46-ACC4-7A21698DD272}"/>
+                <a16:creationId xmlns:a16="http://schemas.microsoft.com/office/drawing/2014/main" xmlns="" id="{0B5D0F8F-C92F-BC46-ACC4-7A21698DD272}"/>
               </a:ext>
             </a:extLst>
           </p:cNvPr>
@@ -13552,10 +14873,10 @@
           <p:cNvPr id="10" name="Straight Connector 9">
             <a:extLst>
               <a:ext uri="{FF2B5EF4-FFF2-40B4-BE49-F238E27FC236}">
-                <a16:creationId xmlns:a16="http://schemas.microsoft.com/office/drawing/2014/main" id="{2D72A2C9-F3CA-4216-8BAD-FA4C970C3C4E}"/>
+                <a16:creationId xmlns:a16="http://schemas.microsoft.com/office/drawing/2014/main" xmlns="" id="{2D72A2C9-F3CA-4216-8BAD-FA4C970C3C4E}"/>
               </a:ext>
               <a:ext uri="{C183D7F6-B498-43B3-948B-1728B52AA6E4}">
-                <adec:decorative xmlns:adec="http://schemas.microsoft.com/office/drawing/2017/decorative" val="1"/>
+                <adec:decorative xmlns:adec="http://schemas.microsoft.com/office/drawing/2017/decorative" xmlns="" val="1"/>
               </a:ext>
             </a:extLst>
           </p:cNvPr>
@@ -13565,7 +14886,7 @@
           <p:nvPr>
             <p:extLst>
               <p:ext uri="{386F3935-93C4-4BCD-93E2-E3B085C9AB24}">
-                <p16:designElem xmlns:p16="http://schemas.microsoft.com/office/powerpoint/2015/main" val="1"/>
+                <p16:designElem xmlns:p16="http://schemas.microsoft.com/office/powerpoint/2015/main" xmlns="" val="1"/>
               </p:ext>
             </p:extLst>
           </p:nvPr>
@@ -13607,7 +14928,7 @@
           <p:cNvPr id="3" name="Inhaltsplatzhalter 2">
             <a:extLst>
               <a:ext uri="{FF2B5EF4-FFF2-40B4-BE49-F238E27FC236}">
-                <a16:creationId xmlns:a16="http://schemas.microsoft.com/office/drawing/2014/main" id="{692C889E-3E0C-9E40-9512-4230892B2B42}"/>
+                <a16:creationId xmlns:a16="http://schemas.microsoft.com/office/drawing/2014/main" xmlns="" id="{692C889E-3E0C-9E40-9512-4230892B2B42}"/>
               </a:ext>
             </a:extLst>
           </p:cNvPr>

--- a/Praktikum_6/Abgabe 6.pptx
+++ b/Praktikum_6/Abgabe 6.pptx
@@ -5,7 +5,7 @@
     <p:sldMasterId id="2147483648" r:id="rId1"/>
   </p:sldMasterIdLst>
   <p:notesMasterIdLst>
-    <p:notesMasterId r:id="rId33"/>
+    <p:notesMasterId r:id="rId35"/>
   </p:notesMasterIdLst>
   <p:sldIdLst>
     <p:sldId id="256" r:id="rId2"/>
@@ -31,14 +31,16 @@
     <p:sldId id="296" r:id="rId22"/>
     <p:sldId id="305" r:id="rId23"/>
     <p:sldId id="291" r:id="rId24"/>
-    <p:sldId id="308" r:id="rId25"/>
-    <p:sldId id="292" r:id="rId26"/>
-    <p:sldId id="307" r:id="rId27"/>
-    <p:sldId id="304" r:id="rId28"/>
-    <p:sldId id="306" r:id="rId29"/>
+    <p:sldId id="309" r:id="rId25"/>
+    <p:sldId id="315" r:id="rId26"/>
+    <p:sldId id="311" r:id="rId27"/>
+    <p:sldId id="314" r:id="rId28"/>
+    <p:sldId id="308" r:id="rId29"/>
     <p:sldId id="293" r:id="rId30"/>
-    <p:sldId id="281" r:id="rId31"/>
-    <p:sldId id="277" r:id="rId32"/>
+    <p:sldId id="312" r:id="rId31"/>
+    <p:sldId id="313" r:id="rId32"/>
+    <p:sldId id="281" r:id="rId33"/>
+    <p:sldId id="277" r:id="rId34"/>
   </p:sldIdLst>
   <p:sldSz cx="12192000" cy="6858000"/>
   <p:notesSz cx="6858000" cy="9144000"/>
@@ -1719,7 +1721,7 @@
     </p:spTree>
     <p:extLst>
       <p:ext uri="{BB962C8B-B14F-4D97-AF65-F5344CB8AC3E}">
-        <p14:creationId xmlns:p14="http://schemas.microsoft.com/office/powerpoint/2010/main" val="544103937"/>
+        <p14:creationId xmlns:p14="http://schemas.microsoft.com/office/powerpoint/2010/main" val="1091515136"/>
       </p:ext>
     </p:extLst>
   </p:cSld>
@@ -1803,7 +1805,7 @@
     </p:spTree>
     <p:extLst>
       <p:ext uri="{BB962C8B-B14F-4D97-AF65-F5344CB8AC3E}">
-        <p14:creationId xmlns:p14="http://schemas.microsoft.com/office/powerpoint/2010/main" val="643875343"/>
+        <p14:creationId xmlns:p14="http://schemas.microsoft.com/office/powerpoint/2010/main" val="406160463"/>
       </p:ext>
     </p:extLst>
   </p:cSld>
@@ -1887,7 +1889,7 @@
     </p:spTree>
     <p:extLst>
       <p:ext uri="{BB962C8B-B14F-4D97-AF65-F5344CB8AC3E}">
-        <p14:creationId xmlns:p14="http://schemas.microsoft.com/office/powerpoint/2010/main" val="3636832353"/>
+        <p14:creationId xmlns:p14="http://schemas.microsoft.com/office/powerpoint/2010/main" val="2791557570"/>
       </p:ext>
     </p:extLst>
   </p:cSld>
@@ -1971,7 +1973,7 @@
     </p:spTree>
     <p:extLst>
       <p:ext uri="{BB962C8B-B14F-4D97-AF65-F5344CB8AC3E}">
-        <p14:creationId xmlns:p14="http://schemas.microsoft.com/office/powerpoint/2010/main" val="1908329357"/>
+        <p14:creationId xmlns:p14="http://schemas.microsoft.com/office/powerpoint/2010/main" val="4137031017"/>
       </p:ext>
     </p:extLst>
   </p:cSld>
@@ -2055,7 +2057,7 @@
     </p:spTree>
     <p:extLst>
       <p:ext uri="{BB962C8B-B14F-4D97-AF65-F5344CB8AC3E}">
-        <p14:creationId xmlns:p14="http://schemas.microsoft.com/office/powerpoint/2010/main" val="1974299714"/>
+        <p14:creationId xmlns:p14="http://schemas.microsoft.com/office/powerpoint/2010/main" val="544103937"/>
       </p:ext>
     </p:extLst>
   </p:cSld>
@@ -2223,7 +2225,91 @@
     </p:spTree>
     <p:extLst>
       <p:ext uri="{BB962C8B-B14F-4D97-AF65-F5344CB8AC3E}">
-        <p14:creationId xmlns:p14="http://schemas.microsoft.com/office/powerpoint/2010/main" val="2360861896"/>
+        <p14:creationId xmlns:p14="http://schemas.microsoft.com/office/powerpoint/2010/main" val="3561241889"/>
+      </p:ext>
+    </p:extLst>
+  </p:cSld>
+  <p:clrMapOvr>
+    <a:masterClrMapping/>
+  </p:clrMapOvr>
+</p:notes>
+</file>
+
+<file path=ppt/notesSlides/notesSlide29.xml><?xml version="1.0" encoding="utf-8"?>
+<p:notes xmlns:a="http://schemas.openxmlformats.org/drawingml/2006/main" xmlns:r="http://schemas.openxmlformats.org/officeDocument/2006/relationships" xmlns:p="http://schemas.openxmlformats.org/presentationml/2006/main">
+  <p:cSld>
+    <p:spTree>
+      <p:nvGrpSpPr>
+        <p:cNvPr id="1" name=""/>
+        <p:cNvGrpSpPr/>
+        <p:nvPr/>
+      </p:nvGrpSpPr>
+      <p:grpSpPr>
+        <a:xfrm>
+          <a:off x="0" y="0"/>
+          <a:ext cx="0" cy="0"/>
+          <a:chOff x="0" y="0"/>
+          <a:chExt cx="0" cy="0"/>
+        </a:xfrm>
+      </p:grpSpPr>
+      <p:sp>
+        <p:nvSpPr>
+          <p:cNvPr id="2" name="Folienbildplatzhalter 1"/>
+          <p:cNvSpPr>
+            <a:spLocks noGrp="1" noRot="1" noChangeAspect="1"/>
+          </p:cNvSpPr>
+          <p:nvPr>
+            <p:ph type="sldImg"/>
+          </p:nvPr>
+        </p:nvSpPr>
+        <p:spPr/>
+      </p:sp>
+      <p:sp>
+        <p:nvSpPr>
+          <p:cNvPr id="3" name="Notizenplatzhalter 2"/>
+          <p:cNvSpPr>
+            <a:spLocks noGrp="1"/>
+          </p:cNvSpPr>
+          <p:nvPr>
+            <p:ph type="body" idx="1"/>
+          </p:nvPr>
+        </p:nvSpPr>
+        <p:spPr/>
+        <p:txBody>
+          <a:bodyPr/>
+          <a:lstStyle/>
+          <a:p>
+            <a:endParaRPr lang="de-DE" dirty="0"/>
+          </a:p>
+        </p:txBody>
+      </p:sp>
+      <p:sp>
+        <p:nvSpPr>
+          <p:cNvPr id="4" name="Foliennummernplatzhalter 3"/>
+          <p:cNvSpPr>
+            <a:spLocks noGrp="1"/>
+          </p:cNvSpPr>
+          <p:nvPr>
+            <p:ph type="sldNum" sz="quarter" idx="5"/>
+          </p:nvPr>
+        </p:nvSpPr>
+        <p:spPr/>
+        <p:txBody>
+          <a:bodyPr/>
+          <a:lstStyle/>
+          <a:p>
+            <a:fld id="{52267A27-16C0-714D-83C5-54B46B511F52}" type="slidenum">
+              <a:rPr lang="de-DE" smtClean="0"/>
+              <a:t>31</a:t>
+            </a:fld>
+            <a:endParaRPr lang="de-DE"/>
+          </a:p>
+        </p:txBody>
+      </p:sp>
+    </p:spTree>
+    <p:extLst>
+      <p:ext uri="{BB962C8B-B14F-4D97-AF65-F5344CB8AC3E}">
+        <p14:creationId xmlns:p14="http://schemas.microsoft.com/office/powerpoint/2010/main" val="2116576985"/>
       </p:ext>
     </p:extLst>
   </p:cSld>
@@ -2377,6 +2463,90 @@
 </p:notes>
 </file>
 
+<file path=ppt/notesSlides/notesSlide30.xml><?xml version="1.0" encoding="utf-8"?>
+<p:notes xmlns:a="http://schemas.openxmlformats.org/drawingml/2006/main" xmlns:r="http://schemas.openxmlformats.org/officeDocument/2006/relationships" xmlns:p="http://schemas.openxmlformats.org/presentationml/2006/main">
+  <p:cSld>
+    <p:spTree>
+      <p:nvGrpSpPr>
+        <p:cNvPr id="1" name=""/>
+        <p:cNvGrpSpPr/>
+        <p:nvPr/>
+      </p:nvGrpSpPr>
+      <p:grpSpPr>
+        <a:xfrm>
+          <a:off x="0" y="0"/>
+          <a:ext cx="0" cy="0"/>
+          <a:chOff x="0" y="0"/>
+          <a:chExt cx="0" cy="0"/>
+        </a:xfrm>
+      </p:grpSpPr>
+      <p:sp>
+        <p:nvSpPr>
+          <p:cNvPr id="2" name="Folienbildplatzhalter 1"/>
+          <p:cNvSpPr>
+            <a:spLocks noGrp="1" noRot="1" noChangeAspect="1"/>
+          </p:cNvSpPr>
+          <p:nvPr>
+            <p:ph type="sldImg"/>
+          </p:nvPr>
+        </p:nvSpPr>
+        <p:spPr/>
+      </p:sp>
+      <p:sp>
+        <p:nvSpPr>
+          <p:cNvPr id="3" name="Notizenplatzhalter 2"/>
+          <p:cNvSpPr>
+            <a:spLocks noGrp="1"/>
+          </p:cNvSpPr>
+          <p:nvPr>
+            <p:ph type="body" idx="1"/>
+          </p:nvPr>
+        </p:nvSpPr>
+        <p:spPr/>
+        <p:txBody>
+          <a:bodyPr/>
+          <a:lstStyle/>
+          <a:p>
+            <a:endParaRPr lang="de-DE" dirty="0"/>
+          </a:p>
+        </p:txBody>
+      </p:sp>
+      <p:sp>
+        <p:nvSpPr>
+          <p:cNvPr id="4" name="Foliennummernplatzhalter 3"/>
+          <p:cNvSpPr>
+            <a:spLocks noGrp="1"/>
+          </p:cNvSpPr>
+          <p:nvPr>
+            <p:ph type="sldNum" sz="quarter" idx="5"/>
+          </p:nvPr>
+        </p:nvSpPr>
+        <p:spPr/>
+        <p:txBody>
+          <a:bodyPr/>
+          <a:lstStyle/>
+          <a:p>
+            <a:fld id="{52267A27-16C0-714D-83C5-54B46B511F52}" type="slidenum">
+              <a:rPr lang="de-DE" smtClean="0"/>
+              <a:t>32</a:t>
+            </a:fld>
+            <a:endParaRPr lang="de-DE"/>
+          </a:p>
+        </p:txBody>
+      </p:sp>
+    </p:spTree>
+    <p:extLst>
+      <p:ext uri="{BB962C8B-B14F-4D97-AF65-F5344CB8AC3E}">
+        <p14:creationId xmlns:p14="http://schemas.microsoft.com/office/powerpoint/2010/main" val="2360861896"/>
+      </p:ext>
+    </p:extLst>
+  </p:cSld>
+  <p:clrMapOvr>
+    <a:masterClrMapping/>
+  </p:clrMapOvr>
+</p:notes>
+</file>
+
 <file path=ppt/notesSlides/notesSlide4.xml><?xml version="1.0" encoding="utf-8"?>
 <p:notes xmlns:a="http://schemas.openxmlformats.org/drawingml/2006/main" xmlns:r="http://schemas.openxmlformats.org/officeDocument/2006/relationships" xmlns:p="http://schemas.openxmlformats.org/presentationml/2006/main">
   <p:cSld>
@@ -2944,7 +3114,7 @@
           <p:cNvPr id="2" name="Titel 1">
             <a:extLst>
               <a:ext uri="{FF2B5EF4-FFF2-40B4-BE49-F238E27FC236}">
-                <a16:creationId xmlns:a16="http://schemas.microsoft.com/office/drawing/2014/main" xmlns="" id="{9729E139-B9C1-1343-8D77-54875F0E38E2}"/>
+                <a16:creationId xmlns="" xmlns:a16="http://schemas.microsoft.com/office/drawing/2014/main" id="{9729E139-B9C1-1343-8D77-54875F0E38E2}"/>
               </a:ext>
             </a:extLst>
           </p:cNvPr>
@@ -2981,7 +3151,7 @@
           <p:cNvPr id="3" name="Untertitel 2">
             <a:extLst>
               <a:ext uri="{FF2B5EF4-FFF2-40B4-BE49-F238E27FC236}">
-                <a16:creationId xmlns:a16="http://schemas.microsoft.com/office/drawing/2014/main" xmlns="" id="{CD0DC60B-5925-7245-9AD4-70DD2088C669}"/>
+                <a16:creationId xmlns="" xmlns:a16="http://schemas.microsoft.com/office/drawing/2014/main" id="{CD0DC60B-5925-7245-9AD4-70DD2088C669}"/>
               </a:ext>
             </a:extLst>
           </p:cNvPr>
@@ -3051,7 +3221,7 @@
           <p:cNvPr id="4" name="Datumsplatzhalter 3">
             <a:extLst>
               <a:ext uri="{FF2B5EF4-FFF2-40B4-BE49-F238E27FC236}">
-                <a16:creationId xmlns:a16="http://schemas.microsoft.com/office/drawing/2014/main" xmlns="" id="{48071E95-2AB9-EB43-8B4E-ECA6DA6E4AD5}"/>
+                <a16:creationId xmlns="" xmlns:a16="http://schemas.microsoft.com/office/drawing/2014/main" id="{48071E95-2AB9-EB43-8B4E-ECA6DA6E4AD5}"/>
               </a:ext>
             </a:extLst>
           </p:cNvPr>
@@ -3080,7 +3250,7 @@
           <p:cNvPr id="5" name="Fußzeilenplatzhalter 4">
             <a:extLst>
               <a:ext uri="{FF2B5EF4-FFF2-40B4-BE49-F238E27FC236}">
-                <a16:creationId xmlns:a16="http://schemas.microsoft.com/office/drawing/2014/main" xmlns="" id="{F1BDF94A-7043-F94B-A957-905DCDFD9521}"/>
+                <a16:creationId xmlns="" xmlns:a16="http://schemas.microsoft.com/office/drawing/2014/main" id="{F1BDF94A-7043-F94B-A957-905DCDFD9521}"/>
               </a:ext>
             </a:extLst>
           </p:cNvPr>
@@ -3105,7 +3275,7 @@
           <p:cNvPr id="6" name="Foliennummernplatzhalter 5">
             <a:extLst>
               <a:ext uri="{FF2B5EF4-FFF2-40B4-BE49-F238E27FC236}">
-                <a16:creationId xmlns:a16="http://schemas.microsoft.com/office/drawing/2014/main" xmlns="" id="{32A861AE-5302-CD4F-9C7C-2BFEE23DBE0B}"/>
+                <a16:creationId xmlns="" xmlns:a16="http://schemas.microsoft.com/office/drawing/2014/main" id="{32A861AE-5302-CD4F-9C7C-2BFEE23DBE0B}"/>
               </a:ext>
             </a:extLst>
           </p:cNvPr>
@@ -3164,7 +3334,7 @@
           <p:cNvPr id="2" name="Titel 1">
             <a:extLst>
               <a:ext uri="{FF2B5EF4-FFF2-40B4-BE49-F238E27FC236}">
-                <a16:creationId xmlns:a16="http://schemas.microsoft.com/office/drawing/2014/main" xmlns="" id="{63E0E303-0843-9E43-B4FE-B741D51AF29D}"/>
+                <a16:creationId xmlns="" xmlns:a16="http://schemas.microsoft.com/office/drawing/2014/main" id="{63E0E303-0843-9E43-B4FE-B741D51AF29D}"/>
               </a:ext>
             </a:extLst>
           </p:cNvPr>
@@ -3192,7 +3362,7 @@
           <p:cNvPr id="3" name="Vertikaler Textplatzhalter 2">
             <a:extLst>
               <a:ext uri="{FF2B5EF4-FFF2-40B4-BE49-F238E27FC236}">
-                <a16:creationId xmlns:a16="http://schemas.microsoft.com/office/drawing/2014/main" xmlns="" id="{E389E2A2-C12F-4044-8208-9AC0B7DA7698}"/>
+                <a16:creationId xmlns="" xmlns:a16="http://schemas.microsoft.com/office/drawing/2014/main" id="{E389E2A2-C12F-4044-8208-9AC0B7DA7698}"/>
               </a:ext>
             </a:extLst>
           </p:cNvPr>
@@ -3224,7 +3394,7 @@
           <p:cNvPr id="4" name="Datumsplatzhalter 3">
             <a:extLst>
               <a:ext uri="{FF2B5EF4-FFF2-40B4-BE49-F238E27FC236}">
-                <a16:creationId xmlns:a16="http://schemas.microsoft.com/office/drawing/2014/main" xmlns="" id="{D51E15B6-E46A-6E41-87EF-FB1CB3BE30B6}"/>
+                <a16:creationId xmlns="" xmlns:a16="http://schemas.microsoft.com/office/drawing/2014/main" id="{D51E15B6-E46A-6E41-87EF-FB1CB3BE30B6}"/>
               </a:ext>
             </a:extLst>
           </p:cNvPr>
@@ -3253,7 +3423,7 @@
           <p:cNvPr id="5" name="Fußzeilenplatzhalter 4">
             <a:extLst>
               <a:ext uri="{FF2B5EF4-FFF2-40B4-BE49-F238E27FC236}">
-                <a16:creationId xmlns:a16="http://schemas.microsoft.com/office/drawing/2014/main" xmlns="" id="{0B5FA6FB-9899-E140-BC17-76C683560149}"/>
+                <a16:creationId xmlns="" xmlns:a16="http://schemas.microsoft.com/office/drawing/2014/main" id="{0B5FA6FB-9899-E140-BC17-76C683560149}"/>
               </a:ext>
             </a:extLst>
           </p:cNvPr>
@@ -3278,7 +3448,7 @@
           <p:cNvPr id="6" name="Foliennummernplatzhalter 5">
             <a:extLst>
               <a:ext uri="{FF2B5EF4-FFF2-40B4-BE49-F238E27FC236}">
-                <a16:creationId xmlns:a16="http://schemas.microsoft.com/office/drawing/2014/main" xmlns="" id="{C0350015-ADC1-E74B-8051-43AB5C8B14FC}"/>
+                <a16:creationId xmlns="" xmlns:a16="http://schemas.microsoft.com/office/drawing/2014/main" id="{C0350015-ADC1-E74B-8051-43AB5C8B14FC}"/>
               </a:ext>
             </a:extLst>
           </p:cNvPr>
@@ -3337,7 +3507,7 @@
           <p:cNvPr id="2" name="Vertikaler Titel 1">
             <a:extLst>
               <a:ext uri="{FF2B5EF4-FFF2-40B4-BE49-F238E27FC236}">
-                <a16:creationId xmlns:a16="http://schemas.microsoft.com/office/drawing/2014/main" xmlns="" id="{CD5514F9-5F1A-1849-BD9D-42DE2B7A8602}"/>
+                <a16:creationId xmlns="" xmlns:a16="http://schemas.microsoft.com/office/drawing/2014/main" id="{CD5514F9-5F1A-1849-BD9D-42DE2B7A8602}"/>
               </a:ext>
             </a:extLst>
           </p:cNvPr>
@@ -3370,7 +3540,7 @@
           <p:cNvPr id="3" name="Vertikaler Textplatzhalter 2">
             <a:extLst>
               <a:ext uri="{FF2B5EF4-FFF2-40B4-BE49-F238E27FC236}">
-                <a16:creationId xmlns:a16="http://schemas.microsoft.com/office/drawing/2014/main" xmlns="" id="{3BF2A873-5EA8-CB4C-AE0C-2BA2237C50DB}"/>
+                <a16:creationId xmlns="" xmlns:a16="http://schemas.microsoft.com/office/drawing/2014/main" id="{3BF2A873-5EA8-CB4C-AE0C-2BA2237C50DB}"/>
               </a:ext>
             </a:extLst>
           </p:cNvPr>
@@ -3407,7 +3577,7 @@
           <p:cNvPr id="4" name="Datumsplatzhalter 3">
             <a:extLst>
               <a:ext uri="{FF2B5EF4-FFF2-40B4-BE49-F238E27FC236}">
-                <a16:creationId xmlns:a16="http://schemas.microsoft.com/office/drawing/2014/main" xmlns="" id="{7CF35C86-7F7F-7D4A-9E5E-691310FDB770}"/>
+                <a16:creationId xmlns="" xmlns:a16="http://schemas.microsoft.com/office/drawing/2014/main" id="{7CF35C86-7F7F-7D4A-9E5E-691310FDB770}"/>
               </a:ext>
             </a:extLst>
           </p:cNvPr>
@@ -3436,7 +3606,7 @@
           <p:cNvPr id="5" name="Fußzeilenplatzhalter 4">
             <a:extLst>
               <a:ext uri="{FF2B5EF4-FFF2-40B4-BE49-F238E27FC236}">
-                <a16:creationId xmlns:a16="http://schemas.microsoft.com/office/drawing/2014/main" xmlns="" id="{3F495B2B-E913-4740-9EBA-30653E27DE50}"/>
+                <a16:creationId xmlns="" xmlns:a16="http://schemas.microsoft.com/office/drawing/2014/main" id="{3F495B2B-E913-4740-9EBA-30653E27DE50}"/>
               </a:ext>
             </a:extLst>
           </p:cNvPr>
@@ -3461,7 +3631,7 @@
           <p:cNvPr id="6" name="Foliennummernplatzhalter 5">
             <a:extLst>
               <a:ext uri="{FF2B5EF4-FFF2-40B4-BE49-F238E27FC236}">
-                <a16:creationId xmlns:a16="http://schemas.microsoft.com/office/drawing/2014/main" xmlns="" id="{1B917D15-5200-3A4B-932D-A97B10281BDC}"/>
+                <a16:creationId xmlns="" xmlns:a16="http://schemas.microsoft.com/office/drawing/2014/main" id="{1B917D15-5200-3A4B-932D-A97B10281BDC}"/>
               </a:ext>
             </a:extLst>
           </p:cNvPr>
@@ -3520,7 +3690,7 @@
           <p:cNvPr id="2" name="Titel 1">
             <a:extLst>
               <a:ext uri="{FF2B5EF4-FFF2-40B4-BE49-F238E27FC236}">
-                <a16:creationId xmlns:a16="http://schemas.microsoft.com/office/drawing/2014/main" xmlns="" id="{D905D12F-79BE-CD41-9F97-DD37C1750845}"/>
+                <a16:creationId xmlns="" xmlns:a16="http://schemas.microsoft.com/office/drawing/2014/main" id="{D905D12F-79BE-CD41-9F97-DD37C1750845}"/>
               </a:ext>
             </a:extLst>
           </p:cNvPr>
@@ -3548,7 +3718,7 @@
           <p:cNvPr id="3" name="Inhaltsplatzhalter 2">
             <a:extLst>
               <a:ext uri="{FF2B5EF4-FFF2-40B4-BE49-F238E27FC236}">
-                <a16:creationId xmlns:a16="http://schemas.microsoft.com/office/drawing/2014/main" xmlns="" id="{D8957224-0D0D-7746-BCBD-E4F8208E8E10}"/>
+                <a16:creationId xmlns="" xmlns:a16="http://schemas.microsoft.com/office/drawing/2014/main" id="{D8957224-0D0D-7746-BCBD-E4F8208E8E10}"/>
               </a:ext>
             </a:extLst>
           </p:cNvPr>
@@ -3580,7 +3750,7 @@
           <p:cNvPr id="4" name="Datumsplatzhalter 3">
             <a:extLst>
               <a:ext uri="{FF2B5EF4-FFF2-40B4-BE49-F238E27FC236}">
-                <a16:creationId xmlns:a16="http://schemas.microsoft.com/office/drawing/2014/main" xmlns="" id="{0B4E4D52-5024-2A4E-8037-AED189B9E264}"/>
+                <a16:creationId xmlns="" xmlns:a16="http://schemas.microsoft.com/office/drawing/2014/main" id="{0B4E4D52-5024-2A4E-8037-AED189B9E264}"/>
               </a:ext>
             </a:extLst>
           </p:cNvPr>
@@ -3609,7 +3779,7 @@
           <p:cNvPr id="5" name="Fußzeilenplatzhalter 4">
             <a:extLst>
               <a:ext uri="{FF2B5EF4-FFF2-40B4-BE49-F238E27FC236}">
-                <a16:creationId xmlns:a16="http://schemas.microsoft.com/office/drawing/2014/main" xmlns="" id="{12897E99-FDA3-BF4B-86A3-95486763DDF9}"/>
+                <a16:creationId xmlns="" xmlns:a16="http://schemas.microsoft.com/office/drawing/2014/main" id="{12897E99-FDA3-BF4B-86A3-95486763DDF9}"/>
               </a:ext>
             </a:extLst>
           </p:cNvPr>
@@ -3634,7 +3804,7 @@
           <p:cNvPr id="6" name="Foliennummernplatzhalter 5">
             <a:extLst>
               <a:ext uri="{FF2B5EF4-FFF2-40B4-BE49-F238E27FC236}">
-                <a16:creationId xmlns:a16="http://schemas.microsoft.com/office/drawing/2014/main" xmlns="" id="{EE1AA7CD-B421-C740-8D36-D478D7689E50}"/>
+                <a16:creationId xmlns="" xmlns:a16="http://schemas.microsoft.com/office/drawing/2014/main" id="{EE1AA7CD-B421-C740-8D36-D478D7689E50}"/>
               </a:ext>
             </a:extLst>
           </p:cNvPr>
@@ -3693,7 +3863,7 @@
           <p:cNvPr id="2" name="Titel 1">
             <a:extLst>
               <a:ext uri="{FF2B5EF4-FFF2-40B4-BE49-F238E27FC236}">
-                <a16:creationId xmlns:a16="http://schemas.microsoft.com/office/drawing/2014/main" xmlns="" id="{0A061298-7A62-2F4C-B6A3-0A8BB714DFA3}"/>
+                <a16:creationId xmlns="" xmlns:a16="http://schemas.microsoft.com/office/drawing/2014/main" id="{0A061298-7A62-2F4C-B6A3-0A8BB714DFA3}"/>
               </a:ext>
             </a:extLst>
           </p:cNvPr>
@@ -3730,7 +3900,7 @@
           <p:cNvPr id="3" name="Textplatzhalter 2">
             <a:extLst>
               <a:ext uri="{FF2B5EF4-FFF2-40B4-BE49-F238E27FC236}">
-                <a16:creationId xmlns:a16="http://schemas.microsoft.com/office/drawing/2014/main" xmlns="" id="{EF880BAB-4A8A-F247-B79A-5FB85578A25C}"/>
+                <a16:creationId xmlns="" xmlns:a16="http://schemas.microsoft.com/office/drawing/2014/main" id="{EF880BAB-4A8A-F247-B79A-5FB85578A25C}"/>
               </a:ext>
             </a:extLst>
           </p:cNvPr>
@@ -3858,7 +4028,7 @@
           <p:cNvPr id="4" name="Datumsplatzhalter 3">
             <a:extLst>
               <a:ext uri="{FF2B5EF4-FFF2-40B4-BE49-F238E27FC236}">
-                <a16:creationId xmlns:a16="http://schemas.microsoft.com/office/drawing/2014/main" xmlns="" id="{5C1CF969-A856-B443-84E7-5170F0482FB6}"/>
+                <a16:creationId xmlns="" xmlns:a16="http://schemas.microsoft.com/office/drawing/2014/main" id="{5C1CF969-A856-B443-84E7-5170F0482FB6}"/>
               </a:ext>
             </a:extLst>
           </p:cNvPr>
@@ -3887,7 +4057,7 @@
           <p:cNvPr id="5" name="Fußzeilenplatzhalter 4">
             <a:extLst>
               <a:ext uri="{FF2B5EF4-FFF2-40B4-BE49-F238E27FC236}">
-                <a16:creationId xmlns:a16="http://schemas.microsoft.com/office/drawing/2014/main" xmlns="" id="{A8270CB1-A61B-984D-BC84-AC4F045BD50C}"/>
+                <a16:creationId xmlns="" xmlns:a16="http://schemas.microsoft.com/office/drawing/2014/main" id="{A8270CB1-A61B-984D-BC84-AC4F045BD50C}"/>
               </a:ext>
             </a:extLst>
           </p:cNvPr>
@@ -3912,7 +4082,7 @@
           <p:cNvPr id="6" name="Foliennummernplatzhalter 5">
             <a:extLst>
               <a:ext uri="{FF2B5EF4-FFF2-40B4-BE49-F238E27FC236}">
-                <a16:creationId xmlns:a16="http://schemas.microsoft.com/office/drawing/2014/main" xmlns="" id="{FCECD375-628F-DA42-A831-7F718D0EB176}"/>
+                <a16:creationId xmlns="" xmlns:a16="http://schemas.microsoft.com/office/drawing/2014/main" id="{FCECD375-628F-DA42-A831-7F718D0EB176}"/>
               </a:ext>
             </a:extLst>
           </p:cNvPr>
@@ -3971,7 +4141,7 @@
           <p:cNvPr id="2" name="Titel 1">
             <a:extLst>
               <a:ext uri="{FF2B5EF4-FFF2-40B4-BE49-F238E27FC236}">
-                <a16:creationId xmlns:a16="http://schemas.microsoft.com/office/drawing/2014/main" xmlns="" id="{80E4E4B0-260E-644D-B091-8D4ECF7CC9B0}"/>
+                <a16:creationId xmlns="" xmlns:a16="http://schemas.microsoft.com/office/drawing/2014/main" id="{80E4E4B0-260E-644D-B091-8D4ECF7CC9B0}"/>
               </a:ext>
             </a:extLst>
           </p:cNvPr>
@@ -3999,7 +4169,7 @@
           <p:cNvPr id="3" name="Inhaltsplatzhalter 2">
             <a:extLst>
               <a:ext uri="{FF2B5EF4-FFF2-40B4-BE49-F238E27FC236}">
-                <a16:creationId xmlns:a16="http://schemas.microsoft.com/office/drawing/2014/main" xmlns="" id="{61D23B07-CED5-CA4E-87AD-D2D5FACA2F01}"/>
+                <a16:creationId xmlns="" xmlns:a16="http://schemas.microsoft.com/office/drawing/2014/main" id="{61D23B07-CED5-CA4E-87AD-D2D5FACA2F01}"/>
               </a:ext>
             </a:extLst>
           </p:cNvPr>
@@ -4036,7 +4206,7 @@
           <p:cNvPr id="4" name="Inhaltsplatzhalter 3">
             <a:extLst>
               <a:ext uri="{FF2B5EF4-FFF2-40B4-BE49-F238E27FC236}">
-                <a16:creationId xmlns:a16="http://schemas.microsoft.com/office/drawing/2014/main" xmlns="" id="{EC933EF0-6705-964F-A423-C4CD1C51F0E3}"/>
+                <a16:creationId xmlns="" xmlns:a16="http://schemas.microsoft.com/office/drawing/2014/main" id="{EC933EF0-6705-964F-A423-C4CD1C51F0E3}"/>
               </a:ext>
             </a:extLst>
           </p:cNvPr>
@@ -4073,7 +4243,7 @@
           <p:cNvPr id="5" name="Datumsplatzhalter 4">
             <a:extLst>
               <a:ext uri="{FF2B5EF4-FFF2-40B4-BE49-F238E27FC236}">
-                <a16:creationId xmlns:a16="http://schemas.microsoft.com/office/drawing/2014/main" xmlns="" id="{4007FD09-99BE-0B4F-877F-711C21654352}"/>
+                <a16:creationId xmlns="" xmlns:a16="http://schemas.microsoft.com/office/drawing/2014/main" id="{4007FD09-99BE-0B4F-877F-711C21654352}"/>
               </a:ext>
             </a:extLst>
           </p:cNvPr>
@@ -4102,7 +4272,7 @@
           <p:cNvPr id="6" name="Fußzeilenplatzhalter 5">
             <a:extLst>
               <a:ext uri="{FF2B5EF4-FFF2-40B4-BE49-F238E27FC236}">
-                <a16:creationId xmlns:a16="http://schemas.microsoft.com/office/drawing/2014/main" xmlns="" id="{25A4E2E0-2F8B-664C-A019-87A33C679F04}"/>
+                <a16:creationId xmlns="" xmlns:a16="http://schemas.microsoft.com/office/drawing/2014/main" id="{25A4E2E0-2F8B-664C-A019-87A33C679F04}"/>
               </a:ext>
             </a:extLst>
           </p:cNvPr>
@@ -4127,7 +4297,7 @@
           <p:cNvPr id="7" name="Foliennummernplatzhalter 6">
             <a:extLst>
               <a:ext uri="{FF2B5EF4-FFF2-40B4-BE49-F238E27FC236}">
-                <a16:creationId xmlns:a16="http://schemas.microsoft.com/office/drawing/2014/main" xmlns="" id="{A5C35ABB-E1A2-344E-A2AE-FB7DB3DB6E4D}"/>
+                <a16:creationId xmlns="" xmlns:a16="http://schemas.microsoft.com/office/drawing/2014/main" id="{A5C35ABB-E1A2-344E-A2AE-FB7DB3DB6E4D}"/>
               </a:ext>
             </a:extLst>
           </p:cNvPr>
@@ -4186,7 +4356,7 @@
           <p:cNvPr id="2" name="Titel 1">
             <a:extLst>
               <a:ext uri="{FF2B5EF4-FFF2-40B4-BE49-F238E27FC236}">
-                <a16:creationId xmlns:a16="http://schemas.microsoft.com/office/drawing/2014/main" xmlns="" id="{90A92756-B025-954F-BB8C-31EAF4F45171}"/>
+                <a16:creationId xmlns="" xmlns:a16="http://schemas.microsoft.com/office/drawing/2014/main" id="{90A92756-B025-954F-BB8C-31EAF4F45171}"/>
               </a:ext>
             </a:extLst>
           </p:cNvPr>
@@ -4219,7 +4389,7 @@
           <p:cNvPr id="3" name="Textplatzhalter 2">
             <a:extLst>
               <a:ext uri="{FF2B5EF4-FFF2-40B4-BE49-F238E27FC236}">
-                <a16:creationId xmlns:a16="http://schemas.microsoft.com/office/drawing/2014/main" xmlns="" id="{497B8FA7-E40E-E04D-8E82-8D25D0FE009D}"/>
+                <a16:creationId xmlns="" xmlns:a16="http://schemas.microsoft.com/office/drawing/2014/main" id="{497B8FA7-E40E-E04D-8E82-8D25D0FE009D}"/>
               </a:ext>
             </a:extLst>
           </p:cNvPr>
@@ -4293,7 +4463,7 @@
           <p:cNvPr id="4" name="Inhaltsplatzhalter 3">
             <a:extLst>
               <a:ext uri="{FF2B5EF4-FFF2-40B4-BE49-F238E27FC236}">
-                <a16:creationId xmlns:a16="http://schemas.microsoft.com/office/drawing/2014/main" xmlns="" id="{9DB891E8-89E7-8D44-827F-D9B3C359A443}"/>
+                <a16:creationId xmlns="" xmlns:a16="http://schemas.microsoft.com/office/drawing/2014/main" id="{9DB891E8-89E7-8D44-827F-D9B3C359A443}"/>
               </a:ext>
             </a:extLst>
           </p:cNvPr>
@@ -4330,7 +4500,7 @@
           <p:cNvPr id="5" name="Textplatzhalter 4">
             <a:extLst>
               <a:ext uri="{FF2B5EF4-FFF2-40B4-BE49-F238E27FC236}">
-                <a16:creationId xmlns:a16="http://schemas.microsoft.com/office/drawing/2014/main" xmlns="" id="{C4A992B5-BEA7-864F-B9A3-B0D6EC89AEB3}"/>
+                <a16:creationId xmlns="" xmlns:a16="http://schemas.microsoft.com/office/drawing/2014/main" id="{C4A992B5-BEA7-864F-B9A3-B0D6EC89AEB3}"/>
               </a:ext>
             </a:extLst>
           </p:cNvPr>
@@ -4404,7 +4574,7 @@
           <p:cNvPr id="6" name="Inhaltsplatzhalter 5">
             <a:extLst>
               <a:ext uri="{FF2B5EF4-FFF2-40B4-BE49-F238E27FC236}">
-                <a16:creationId xmlns:a16="http://schemas.microsoft.com/office/drawing/2014/main" xmlns="" id="{C6F24F96-7021-F04D-BE0C-70D6C357A6AE}"/>
+                <a16:creationId xmlns="" xmlns:a16="http://schemas.microsoft.com/office/drawing/2014/main" id="{C6F24F96-7021-F04D-BE0C-70D6C357A6AE}"/>
               </a:ext>
             </a:extLst>
           </p:cNvPr>
@@ -4441,7 +4611,7 @@
           <p:cNvPr id="7" name="Datumsplatzhalter 6">
             <a:extLst>
               <a:ext uri="{FF2B5EF4-FFF2-40B4-BE49-F238E27FC236}">
-                <a16:creationId xmlns:a16="http://schemas.microsoft.com/office/drawing/2014/main" xmlns="" id="{BE8C1B9C-6184-CB4E-998F-A480AA5D43AB}"/>
+                <a16:creationId xmlns="" xmlns:a16="http://schemas.microsoft.com/office/drawing/2014/main" id="{BE8C1B9C-6184-CB4E-998F-A480AA5D43AB}"/>
               </a:ext>
             </a:extLst>
           </p:cNvPr>
@@ -4470,7 +4640,7 @@
           <p:cNvPr id="8" name="Fußzeilenplatzhalter 7">
             <a:extLst>
               <a:ext uri="{FF2B5EF4-FFF2-40B4-BE49-F238E27FC236}">
-                <a16:creationId xmlns:a16="http://schemas.microsoft.com/office/drawing/2014/main" xmlns="" id="{99C2775A-AE5F-FB42-B461-4A3C859181DF}"/>
+                <a16:creationId xmlns="" xmlns:a16="http://schemas.microsoft.com/office/drawing/2014/main" id="{99C2775A-AE5F-FB42-B461-4A3C859181DF}"/>
               </a:ext>
             </a:extLst>
           </p:cNvPr>
@@ -4495,7 +4665,7 @@
           <p:cNvPr id="9" name="Foliennummernplatzhalter 8">
             <a:extLst>
               <a:ext uri="{FF2B5EF4-FFF2-40B4-BE49-F238E27FC236}">
-                <a16:creationId xmlns:a16="http://schemas.microsoft.com/office/drawing/2014/main" xmlns="" id="{9E7E469E-F8E9-864F-8754-123A6C0AF0FA}"/>
+                <a16:creationId xmlns="" xmlns:a16="http://schemas.microsoft.com/office/drawing/2014/main" id="{9E7E469E-F8E9-864F-8754-123A6C0AF0FA}"/>
               </a:ext>
             </a:extLst>
           </p:cNvPr>
@@ -4554,7 +4724,7 @@
           <p:cNvPr id="2" name="Titel 1">
             <a:extLst>
               <a:ext uri="{FF2B5EF4-FFF2-40B4-BE49-F238E27FC236}">
-                <a16:creationId xmlns:a16="http://schemas.microsoft.com/office/drawing/2014/main" xmlns="" id="{27B83529-C5C5-D144-9F6A-C5D11E437C82}"/>
+                <a16:creationId xmlns="" xmlns:a16="http://schemas.microsoft.com/office/drawing/2014/main" id="{27B83529-C5C5-D144-9F6A-C5D11E437C82}"/>
               </a:ext>
             </a:extLst>
           </p:cNvPr>
@@ -4582,7 +4752,7 @@
           <p:cNvPr id="3" name="Datumsplatzhalter 2">
             <a:extLst>
               <a:ext uri="{FF2B5EF4-FFF2-40B4-BE49-F238E27FC236}">
-                <a16:creationId xmlns:a16="http://schemas.microsoft.com/office/drawing/2014/main" xmlns="" id="{74D3C6F4-02B6-A540-A96A-C806AF1D7567}"/>
+                <a16:creationId xmlns="" xmlns:a16="http://schemas.microsoft.com/office/drawing/2014/main" id="{74D3C6F4-02B6-A540-A96A-C806AF1D7567}"/>
               </a:ext>
             </a:extLst>
           </p:cNvPr>
@@ -4611,7 +4781,7 @@
           <p:cNvPr id="4" name="Fußzeilenplatzhalter 3">
             <a:extLst>
               <a:ext uri="{FF2B5EF4-FFF2-40B4-BE49-F238E27FC236}">
-                <a16:creationId xmlns:a16="http://schemas.microsoft.com/office/drawing/2014/main" xmlns="" id="{4B864B59-4F52-AC41-9BF9-9DF815F6F997}"/>
+                <a16:creationId xmlns="" xmlns:a16="http://schemas.microsoft.com/office/drawing/2014/main" id="{4B864B59-4F52-AC41-9BF9-9DF815F6F997}"/>
               </a:ext>
             </a:extLst>
           </p:cNvPr>
@@ -4636,7 +4806,7 @@
           <p:cNvPr id="5" name="Foliennummernplatzhalter 4">
             <a:extLst>
               <a:ext uri="{FF2B5EF4-FFF2-40B4-BE49-F238E27FC236}">
-                <a16:creationId xmlns:a16="http://schemas.microsoft.com/office/drawing/2014/main" xmlns="" id="{71CB689E-DE78-C74D-AB5B-8D48ABB7E879}"/>
+                <a16:creationId xmlns="" xmlns:a16="http://schemas.microsoft.com/office/drawing/2014/main" id="{71CB689E-DE78-C74D-AB5B-8D48ABB7E879}"/>
               </a:ext>
             </a:extLst>
           </p:cNvPr>
@@ -4695,7 +4865,7 @@
           <p:cNvPr id="2" name="Datumsplatzhalter 1">
             <a:extLst>
               <a:ext uri="{FF2B5EF4-FFF2-40B4-BE49-F238E27FC236}">
-                <a16:creationId xmlns:a16="http://schemas.microsoft.com/office/drawing/2014/main" xmlns="" id="{5BC291DB-90BD-9241-99D8-1F5124577947}"/>
+                <a16:creationId xmlns="" xmlns:a16="http://schemas.microsoft.com/office/drawing/2014/main" id="{5BC291DB-90BD-9241-99D8-1F5124577947}"/>
               </a:ext>
             </a:extLst>
           </p:cNvPr>
@@ -4724,7 +4894,7 @@
           <p:cNvPr id="3" name="Fußzeilenplatzhalter 2">
             <a:extLst>
               <a:ext uri="{FF2B5EF4-FFF2-40B4-BE49-F238E27FC236}">
-                <a16:creationId xmlns:a16="http://schemas.microsoft.com/office/drawing/2014/main" xmlns="" id="{4E7EC7FC-159A-C44F-876B-3776F19A851A}"/>
+                <a16:creationId xmlns="" xmlns:a16="http://schemas.microsoft.com/office/drawing/2014/main" id="{4E7EC7FC-159A-C44F-876B-3776F19A851A}"/>
               </a:ext>
             </a:extLst>
           </p:cNvPr>
@@ -4749,7 +4919,7 @@
           <p:cNvPr id="4" name="Foliennummernplatzhalter 3">
             <a:extLst>
               <a:ext uri="{FF2B5EF4-FFF2-40B4-BE49-F238E27FC236}">
-                <a16:creationId xmlns:a16="http://schemas.microsoft.com/office/drawing/2014/main" xmlns="" id="{1DB2D74F-318D-EE4A-9108-D8BB5459A64E}"/>
+                <a16:creationId xmlns="" xmlns:a16="http://schemas.microsoft.com/office/drawing/2014/main" id="{1DB2D74F-318D-EE4A-9108-D8BB5459A64E}"/>
               </a:ext>
             </a:extLst>
           </p:cNvPr>
@@ -4808,7 +4978,7 @@
           <p:cNvPr id="2" name="Titel 1">
             <a:extLst>
               <a:ext uri="{FF2B5EF4-FFF2-40B4-BE49-F238E27FC236}">
-                <a16:creationId xmlns:a16="http://schemas.microsoft.com/office/drawing/2014/main" xmlns="" id="{1F503ED0-8A44-D44C-8A18-A34E562AAAB3}"/>
+                <a16:creationId xmlns="" xmlns:a16="http://schemas.microsoft.com/office/drawing/2014/main" id="{1F503ED0-8A44-D44C-8A18-A34E562AAAB3}"/>
               </a:ext>
             </a:extLst>
           </p:cNvPr>
@@ -4845,7 +5015,7 @@
           <p:cNvPr id="3" name="Inhaltsplatzhalter 2">
             <a:extLst>
               <a:ext uri="{FF2B5EF4-FFF2-40B4-BE49-F238E27FC236}">
-                <a16:creationId xmlns:a16="http://schemas.microsoft.com/office/drawing/2014/main" xmlns="" id="{D3932178-D92F-7848-9D38-3F69B5D68A5F}"/>
+                <a16:creationId xmlns="" xmlns:a16="http://schemas.microsoft.com/office/drawing/2014/main" id="{D3932178-D92F-7848-9D38-3F69B5D68A5F}"/>
               </a:ext>
             </a:extLst>
           </p:cNvPr>
@@ -4910,7 +5080,7 @@
           <p:cNvPr id="4" name="Textplatzhalter 3">
             <a:extLst>
               <a:ext uri="{FF2B5EF4-FFF2-40B4-BE49-F238E27FC236}">
-                <a16:creationId xmlns:a16="http://schemas.microsoft.com/office/drawing/2014/main" xmlns="" id="{5C6AA2F8-50ED-3647-AEA1-E34559135061}"/>
+                <a16:creationId xmlns="" xmlns:a16="http://schemas.microsoft.com/office/drawing/2014/main" id="{5C6AA2F8-50ED-3647-AEA1-E34559135061}"/>
               </a:ext>
             </a:extLst>
           </p:cNvPr>
@@ -4984,7 +5154,7 @@
           <p:cNvPr id="5" name="Datumsplatzhalter 4">
             <a:extLst>
               <a:ext uri="{FF2B5EF4-FFF2-40B4-BE49-F238E27FC236}">
-                <a16:creationId xmlns:a16="http://schemas.microsoft.com/office/drawing/2014/main" xmlns="" id="{BC5543C1-9669-C64B-9EBE-5E94B1E17274}"/>
+                <a16:creationId xmlns="" xmlns:a16="http://schemas.microsoft.com/office/drawing/2014/main" id="{BC5543C1-9669-C64B-9EBE-5E94B1E17274}"/>
               </a:ext>
             </a:extLst>
           </p:cNvPr>
@@ -5013,7 +5183,7 @@
           <p:cNvPr id="6" name="Fußzeilenplatzhalter 5">
             <a:extLst>
               <a:ext uri="{FF2B5EF4-FFF2-40B4-BE49-F238E27FC236}">
-                <a16:creationId xmlns:a16="http://schemas.microsoft.com/office/drawing/2014/main" xmlns="" id="{54557C59-F283-944A-816A-C03DD83F3A97}"/>
+                <a16:creationId xmlns="" xmlns:a16="http://schemas.microsoft.com/office/drawing/2014/main" id="{54557C59-F283-944A-816A-C03DD83F3A97}"/>
               </a:ext>
             </a:extLst>
           </p:cNvPr>
@@ -5038,7 +5208,7 @@
           <p:cNvPr id="7" name="Foliennummernplatzhalter 6">
             <a:extLst>
               <a:ext uri="{FF2B5EF4-FFF2-40B4-BE49-F238E27FC236}">
-                <a16:creationId xmlns:a16="http://schemas.microsoft.com/office/drawing/2014/main" xmlns="" id="{6179C710-E331-EE4C-93AE-08FB8966BF32}"/>
+                <a16:creationId xmlns="" xmlns:a16="http://schemas.microsoft.com/office/drawing/2014/main" id="{6179C710-E331-EE4C-93AE-08FB8966BF32}"/>
               </a:ext>
             </a:extLst>
           </p:cNvPr>
@@ -5097,7 +5267,7 @@
           <p:cNvPr id="2" name="Titel 1">
             <a:extLst>
               <a:ext uri="{FF2B5EF4-FFF2-40B4-BE49-F238E27FC236}">
-                <a16:creationId xmlns:a16="http://schemas.microsoft.com/office/drawing/2014/main" xmlns="" id="{AD2ECE74-C933-E44E-95B1-F16000E13C95}"/>
+                <a16:creationId xmlns="" xmlns:a16="http://schemas.microsoft.com/office/drawing/2014/main" id="{AD2ECE74-C933-E44E-95B1-F16000E13C95}"/>
               </a:ext>
             </a:extLst>
           </p:cNvPr>
@@ -5134,7 +5304,7 @@
           <p:cNvPr id="3" name="Bildplatzhalter 2">
             <a:extLst>
               <a:ext uri="{FF2B5EF4-FFF2-40B4-BE49-F238E27FC236}">
-                <a16:creationId xmlns:a16="http://schemas.microsoft.com/office/drawing/2014/main" xmlns="" id="{03FEF7E5-F3DF-5141-83FE-98C75B214B39}"/>
+                <a16:creationId xmlns="" xmlns:a16="http://schemas.microsoft.com/office/drawing/2014/main" id="{03FEF7E5-F3DF-5141-83FE-98C75B214B39}"/>
               </a:ext>
             </a:extLst>
           </p:cNvPr>
@@ -5201,7 +5371,7 @@
           <p:cNvPr id="4" name="Textplatzhalter 3">
             <a:extLst>
               <a:ext uri="{FF2B5EF4-FFF2-40B4-BE49-F238E27FC236}">
-                <a16:creationId xmlns:a16="http://schemas.microsoft.com/office/drawing/2014/main" xmlns="" id="{6CB8AA1C-0014-1E4C-94BD-C32414268D3A}"/>
+                <a16:creationId xmlns="" xmlns:a16="http://schemas.microsoft.com/office/drawing/2014/main" id="{6CB8AA1C-0014-1E4C-94BD-C32414268D3A}"/>
               </a:ext>
             </a:extLst>
           </p:cNvPr>
@@ -5275,7 +5445,7 @@
           <p:cNvPr id="5" name="Datumsplatzhalter 4">
             <a:extLst>
               <a:ext uri="{FF2B5EF4-FFF2-40B4-BE49-F238E27FC236}">
-                <a16:creationId xmlns:a16="http://schemas.microsoft.com/office/drawing/2014/main" xmlns="" id="{3E12F7FF-A4AE-0749-83D0-9E8694912287}"/>
+                <a16:creationId xmlns="" xmlns:a16="http://schemas.microsoft.com/office/drawing/2014/main" id="{3E12F7FF-A4AE-0749-83D0-9E8694912287}"/>
               </a:ext>
             </a:extLst>
           </p:cNvPr>
@@ -5304,7 +5474,7 @@
           <p:cNvPr id="6" name="Fußzeilenplatzhalter 5">
             <a:extLst>
               <a:ext uri="{FF2B5EF4-FFF2-40B4-BE49-F238E27FC236}">
-                <a16:creationId xmlns:a16="http://schemas.microsoft.com/office/drawing/2014/main" xmlns="" id="{0F1B4690-838E-E14E-B13F-D7C19E602E64}"/>
+                <a16:creationId xmlns="" xmlns:a16="http://schemas.microsoft.com/office/drawing/2014/main" id="{0F1B4690-838E-E14E-B13F-D7C19E602E64}"/>
               </a:ext>
             </a:extLst>
           </p:cNvPr>
@@ -5329,7 +5499,7 @@
           <p:cNvPr id="7" name="Foliennummernplatzhalter 6">
             <a:extLst>
               <a:ext uri="{FF2B5EF4-FFF2-40B4-BE49-F238E27FC236}">
-                <a16:creationId xmlns:a16="http://schemas.microsoft.com/office/drawing/2014/main" xmlns="" id="{7A8D8463-A954-6748-9879-ADC8AF02B50D}"/>
+                <a16:creationId xmlns="" xmlns:a16="http://schemas.microsoft.com/office/drawing/2014/main" id="{7A8D8463-A954-6748-9879-ADC8AF02B50D}"/>
               </a:ext>
             </a:extLst>
           </p:cNvPr>
@@ -5396,7 +5566,7 @@
           <p:cNvPr id="2" name="Titelplatzhalter 1">
             <a:extLst>
               <a:ext uri="{FF2B5EF4-FFF2-40B4-BE49-F238E27FC236}">
-                <a16:creationId xmlns:a16="http://schemas.microsoft.com/office/drawing/2014/main" xmlns="" id="{F3BBD851-5D2A-0241-81EC-77B06DAD8D51}"/>
+                <a16:creationId xmlns="" xmlns:a16="http://schemas.microsoft.com/office/drawing/2014/main" id="{F3BBD851-5D2A-0241-81EC-77B06DAD8D51}"/>
               </a:ext>
             </a:extLst>
           </p:cNvPr>
@@ -5434,7 +5604,7 @@
           <p:cNvPr id="3" name="Textplatzhalter 2">
             <a:extLst>
               <a:ext uri="{FF2B5EF4-FFF2-40B4-BE49-F238E27FC236}">
-                <a16:creationId xmlns:a16="http://schemas.microsoft.com/office/drawing/2014/main" xmlns="" id="{6AF28E1A-8C3C-824D-A69D-B77AD2003BE1}"/>
+                <a16:creationId xmlns="" xmlns:a16="http://schemas.microsoft.com/office/drawing/2014/main" id="{6AF28E1A-8C3C-824D-A69D-B77AD2003BE1}"/>
               </a:ext>
             </a:extLst>
           </p:cNvPr>
@@ -5476,7 +5646,7 @@
           <p:cNvPr id="4" name="Datumsplatzhalter 3">
             <a:extLst>
               <a:ext uri="{FF2B5EF4-FFF2-40B4-BE49-F238E27FC236}">
-                <a16:creationId xmlns:a16="http://schemas.microsoft.com/office/drawing/2014/main" xmlns="" id="{14F36C74-AEF6-324A-939D-781EA85E6B37}"/>
+                <a16:creationId xmlns="" xmlns:a16="http://schemas.microsoft.com/office/drawing/2014/main" id="{14F36C74-AEF6-324A-939D-781EA85E6B37}"/>
               </a:ext>
             </a:extLst>
           </p:cNvPr>
@@ -5523,7 +5693,7 @@
           <p:cNvPr id="5" name="Fußzeilenplatzhalter 4">
             <a:extLst>
               <a:ext uri="{FF2B5EF4-FFF2-40B4-BE49-F238E27FC236}">
-                <a16:creationId xmlns:a16="http://schemas.microsoft.com/office/drawing/2014/main" xmlns="" id="{CF454ED0-5B84-894F-BB54-EE635A5499CA}"/>
+                <a16:creationId xmlns="" xmlns:a16="http://schemas.microsoft.com/office/drawing/2014/main" id="{CF454ED0-5B84-894F-BB54-EE635A5499CA}"/>
               </a:ext>
             </a:extLst>
           </p:cNvPr>
@@ -5566,7 +5736,7 @@
           <p:cNvPr id="6" name="Foliennummernplatzhalter 5">
             <a:extLst>
               <a:ext uri="{FF2B5EF4-FFF2-40B4-BE49-F238E27FC236}">
-                <a16:creationId xmlns:a16="http://schemas.microsoft.com/office/drawing/2014/main" xmlns="" id="{A276BFAA-BED4-FD44-A7A3-E7419BE028A8}"/>
+                <a16:creationId xmlns="" xmlns:a16="http://schemas.microsoft.com/office/drawing/2014/main" id="{A276BFAA-BED4-FD44-A7A3-E7419BE028A8}"/>
               </a:ext>
             </a:extLst>
           </p:cNvPr>
@@ -5942,10 +6112,10 @@
           <p:cNvPr id="26" name="Rectangle 25">
             <a:extLst>
               <a:ext uri="{FF2B5EF4-FFF2-40B4-BE49-F238E27FC236}">
-                <a16:creationId xmlns:a16="http://schemas.microsoft.com/office/drawing/2014/main" xmlns="" id="{6F9EB9F2-07E2-4D64-BBD8-BB5B217F1218}"/>
+                <a16:creationId xmlns="" xmlns:a16="http://schemas.microsoft.com/office/drawing/2014/main" id="{6F9EB9F2-07E2-4D64-BBD8-BB5B217F1218}"/>
               </a:ext>
               <a:ext uri="{C183D7F6-B498-43B3-948B-1728B52AA6E4}">
-                <adec:decorative xmlns:adec="http://schemas.microsoft.com/office/drawing/2017/decorative" xmlns="" val="1"/>
+                <adec:decorative xmlns="" xmlns:adec="http://schemas.microsoft.com/office/drawing/2017/decorative" val="1"/>
               </a:ext>
             </a:extLst>
           </p:cNvPr>
@@ -5955,7 +6125,7 @@
           <p:nvPr>
             <p:extLst>
               <p:ext uri="{386F3935-93C4-4BCD-93E2-E3B085C9AB24}">
-                <p16:designElem xmlns:p16="http://schemas.microsoft.com/office/powerpoint/2015/main" xmlns="" val="1"/>
+                <p16:designElem xmlns="" xmlns:p16="http://schemas.microsoft.com/office/powerpoint/2015/main" val="1"/>
               </p:ext>
             </p:extLst>
           </p:nvPr>
@@ -6007,7 +6177,7 @@
           <p:cNvPr id="2" name="Titel 1">
             <a:extLst>
               <a:ext uri="{FF2B5EF4-FFF2-40B4-BE49-F238E27FC236}">
-                <a16:creationId xmlns:a16="http://schemas.microsoft.com/office/drawing/2014/main" xmlns="" id="{3E2C9346-6092-1E41-B6A4-C53308C7DFBF}"/>
+                <a16:creationId xmlns="" xmlns:a16="http://schemas.microsoft.com/office/drawing/2014/main" id="{3E2C9346-6092-1E41-B6A4-C53308C7DFBF}"/>
               </a:ext>
             </a:extLst>
           </p:cNvPr>
@@ -6055,10 +6225,10 @@
           <p:cNvPr id="28" name="Straight Connector 27">
             <a:extLst>
               <a:ext uri="{FF2B5EF4-FFF2-40B4-BE49-F238E27FC236}">
-                <a16:creationId xmlns:a16="http://schemas.microsoft.com/office/drawing/2014/main" xmlns="" id="{F0C57C7C-DFE9-4A1E-B7A9-DF40E63366BB}"/>
+                <a16:creationId xmlns="" xmlns:a16="http://schemas.microsoft.com/office/drawing/2014/main" id="{F0C57C7C-DFE9-4A1E-B7A9-DF40E63366BB}"/>
               </a:ext>
               <a:ext uri="{C183D7F6-B498-43B3-948B-1728B52AA6E4}">
-                <adec:decorative xmlns:adec="http://schemas.microsoft.com/office/drawing/2017/decorative" xmlns="" val="1"/>
+                <adec:decorative xmlns="" xmlns:adec="http://schemas.microsoft.com/office/drawing/2017/decorative" val="1"/>
               </a:ext>
             </a:extLst>
           </p:cNvPr>
@@ -6068,7 +6238,7 @@
           <p:nvPr>
             <p:extLst>
               <p:ext uri="{386F3935-93C4-4BCD-93E2-E3B085C9AB24}">
-                <p16:designElem xmlns:p16="http://schemas.microsoft.com/office/powerpoint/2015/main" xmlns="" val="1"/>
+                <p16:designElem xmlns="" xmlns:p16="http://schemas.microsoft.com/office/powerpoint/2015/main" val="1"/>
               </p:ext>
             </p:extLst>
           </p:nvPr>
@@ -6127,6 +6297,13 @@
       </p:transition>
     </mc:Fallback>
   </mc:AlternateContent>
+  <p:timing>
+    <p:tnLst>
+      <p:par>
+        <p:cTn id="1" dur="indefinite" restart="never" nodeType="tmRoot"/>
+      </p:par>
+    </p:tnLst>
+  </p:timing>
 </p:sld>
 </file>
 
@@ -6160,10 +6337,10 @@
           <p:cNvPr id="8" name="Rectangle 7">
             <a:extLst>
               <a:ext uri="{FF2B5EF4-FFF2-40B4-BE49-F238E27FC236}">
-                <a16:creationId xmlns:a16="http://schemas.microsoft.com/office/drawing/2014/main" xmlns="" id="{8D70B121-56F4-4848-B38B-182089D909FA}"/>
+                <a16:creationId xmlns="" xmlns:a16="http://schemas.microsoft.com/office/drawing/2014/main" id="{8D70B121-56F4-4848-B38B-182089D909FA}"/>
               </a:ext>
               <a:ext uri="{C183D7F6-B498-43B3-948B-1728B52AA6E4}">
-                <adec:decorative xmlns:adec="http://schemas.microsoft.com/office/drawing/2017/decorative" xmlns="" val="1"/>
+                <adec:decorative xmlns="" xmlns:adec="http://schemas.microsoft.com/office/drawing/2017/decorative" val="1"/>
               </a:ext>
             </a:extLst>
           </p:cNvPr>
@@ -6173,7 +6350,7 @@
           <p:nvPr>
             <p:extLst>
               <p:ext uri="{386F3935-93C4-4BCD-93E2-E3B085C9AB24}">
-                <p16:designElem xmlns:p16="http://schemas.microsoft.com/office/powerpoint/2015/main" xmlns="" val="1"/>
+                <p16:designElem xmlns="" xmlns:p16="http://schemas.microsoft.com/office/powerpoint/2015/main" val="1"/>
               </p:ext>
             </p:extLst>
           </p:nvPr>
@@ -6225,7 +6402,7 @@
           <p:cNvPr id="2" name="Titel 1">
             <a:extLst>
               <a:ext uri="{FF2B5EF4-FFF2-40B4-BE49-F238E27FC236}">
-                <a16:creationId xmlns:a16="http://schemas.microsoft.com/office/drawing/2014/main" xmlns="" id="{0B5D0F8F-C92F-BC46-ACC4-7A21698DD272}"/>
+                <a16:creationId xmlns="" xmlns:a16="http://schemas.microsoft.com/office/drawing/2014/main" id="{0B5D0F8F-C92F-BC46-ACC4-7A21698DD272}"/>
               </a:ext>
             </a:extLst>
           </p:cNvPr>
@@ -6265,10 +6442,10 @@
           <p:cNvPr id="10" name="Straight Connector 9">
             <a:extLst>
               <a:ext uri="{FF2B5EF4-FFF2-40B4-BE49-F238E27FC236}">
-                <a16:creationId xmlns:a16="http://schemas.microsoft.com/office/drawing/2014/main" xmlns="" id="{2D72A2C9-F3CA-4216-8BAD-FA4C970C3C4E}"/>
+                <a16:creationId xmlns="" xmlns:a16="http://schemas.microsoft.com/office/drawing/2014/main" id="{2D72A2C9-F3CA-4216-8BAD-FA4C970C3C4E}"/>
               </a:ext>
               <a:ext uri="{C183D7F6-B498-43B3-948B-1728B52AA6E4}">
-                <adec:decorative xmlns:adec="http://schemas.microsoft.com/office/drawing/2017/decorative" xmlns="" val="1"/>
+                <adec:decorative xmlns="" xmlns:adec="http://schemas.microsoft.com/office/drawing/2017/decorative" val="1"/>
               </a:ext>
             </a:extLst>
           </p:cNvPr>
@@ -6278,7 +6455,7 @@
           <p:nvPr>
             <p:extLst>
               <p:ext uri="{386F3935-93C4-4BCD-93E2-E3B085C9AB24}">
-                <p16:designElem xmlns:p16="http://schemas.microsoft.com/office/powerpoint/2015/main" xmlns="" val="1"/>
+                <p16:designElem xmlns="" xmlns:p16="http://schemas.microsoft.com/office/powerpoint/2015/main" val="1"/>
               </p:ext>
             </p:extLst>
           </p:nvPr>
@@ -6320,7 +6497,7 @@
           <p:cNvPr id="3" name="Inhaltsplatzhalter 2">
             <a:extLst>
               <a:ext uri="{FF2B5EF4-FFF2-40B4-BE49-F238E27FC236}">
-                <a16:creationId xmlns:a16="http://schemas.microsoft.com/office/drawing/2014/main" xmlns="" id="{692C889E-3E0C-9E40-9512-4230892B2B42}"/>
+                <a16:creationId xmlns="" xmlns:a16="http://schemas.microsoft.com/office/drawing/2014/main" id="{692C889E-3E0C-9E40-9512-4230892B2B42}"/>
               </a:ext>
             </a:extLst>
           </p:cNvPr>
@@ -6394,15 +6571,16 @@
           <a:p>
             <a:pPr lvl="1"/>
             <a:r>
-              <a:rPr lang="de-DE" sz="2000" dirty="0"/>
+              <a:rPr lang="de-DE" sz="2000" dirty="0" smtClean="0"/>
               <a:t>Präsentation des Ergebnisses</a:t>
             </a:r>
           </a:p>
           <a:p>
             <a:r>
-              <a:rPr lang="de-DE" sz="2400" dirty="0"/>
+              <a:rPr lang="de-DE" sz="2400" dirty="0" smtClean="0"/>
               <a:t>Fazit </a:t>
             </a:r>
+            <a:endParaRPr lang="de-DE" sz="2400" dirty="0"/>
           </a:p>
         </p:txBody>
       </p:sp>
@@ -6416,6 +6594,13 @@
   <p:clrMapOvr>
     <a:masterClrMapping/>
   </p:clrMapOvr>
+  <p:timing>
+    <p:tnLst>
+      <p:par>
+        <p:cTn id="1" dur="indefinite" restart="never" nodeType="tmRoot"/>
+      </p:par>
+    </p:tnLst>
+  </p:timing>
 </p:sld>
 </file>
 
@@ -6449,10 +6634,10 @@
           <p:cNvPr id="19" name="Rectangle 18">
             <a:extLst>
               <a:ext uri="{FF2B5EF4-FFF2-40B4-BE49-F238E27FC236}">
-                <a16:creationId xmlns:a16="http://schemas.microsoft.com/office/drawing/2014/main" xmlns="" id="{8D70B121-56F4-4848-B38B-182089D909FA}"/>
+                <a16:creationId xmlns="" xmlns:a16="http://schemas.microsoft.com/office/drawing/2014/main" id="{8D70B121-56F4-4848-B38B-182089D909FA}"/>
               </a:ext>
               <a:ext uri="{C183D7F6-B498-43B3-948B-1728B52AA6E4}">
-                <adec:decorative xmlns:adec="http://schemas.microsoft.com/office/drawing/2017/decorative" xmlns="" val="1"/>
+                <adec:decorative xmlns="" xmlns:adec="http://schemas.microsoft.com/office/drawing/2017/decorative" val="1"/>
               </a:ext>
             </a:extLst>
           </p:cNvPr>
@@ -6462,7 +6647,7 @@
           <p:nvPr>
             <p:extLst>
               <p:ext uri="{386F3935-93C4-4BCD-93E2-E3B085C9AB24}">
-                <p16:designElem xmlns:p16="http://schemas.microsoft.com/office/powerpoint/2015/main" xmlns="" val="1"/>
+                <p16:designElem xmlns="" xmlns:p16="http://schemas.microsoft.com/office/powerpoint/2015/main" val="1"/>
               </p:ext>
             </p:extLst>
           </p:nvPr>
@@ -6514,7 +6699,7 @@
           <p:cNvPr id="2" name="Titel 1">
             <a:extLst>
               <a:ext uri="{FF2B5EF4-FFF2-40B4-BE49-F238E27FC236}">
-                <a16:creationId xmlns:a16="http://schemas.microsoft.com/office/drawing/2014/main" xmlns="" id="{35BFDC70-A169-E142-B051-5ABC9190E094}"/>
+                <a16:creationId xmlns="" xmlns:a16="http://schemas.microsoft.com/office/drawing/2014/main" id="{35BFDC70-A169-E142-B051-5ABC9190E094}"/>
               </a:ext>
             </a:extLst>
           </p:cNvPr>
@@ -6565,10 +6750,10 @@
           <p:cNvPr id="21" name="Straight Connector 20">
             <a:extLst>
               <a:ext uri="{FF2B5EF4-FFF2-40B4-BE49-F238E27FC236}">
-                <a16:creationId xmlns:a16="http://schemas.microsoft.com/office/drawing/2014/main" xmlns="" id="{2D72A2C9-F3CA-4216-8BAD-FA4C970C3C4E}"/>
+                <a16:creationId xmlns="" xmlns:a16="http://schemas.microsoft.com/office/drawing/2014/main" id="{2D72A2C9-F3CA-4216-8BAD-FA4C970C3C4E}"/>
               </a:ext>
               <a:ext uri="{C183D7F6-B498-43B3-948B-1728B52AA6E4}">
-                <adec:decorative xmlns:adec="http://schemas.microsoft.com/office/drawing/2017/decorative" xmlns="" val="1"/>
+                <adec:decorative xmlns="" xmlns:adec="http://schemas.microsoft.com/office/drawing/2017/decorative" val="1"/>
               </a:ext>
             </a:extLst>
           </p:cNvPr>
@@ -6578,7 +6763,7 @@
           <p:nvPr>
             <p:extLst>
               <p:ext uri="{386F3935-93C4-4BCD-93E2-E3B085C9AB24}">
-                <p16:designElem xmlns:p16="http://schemas.microsoft.com/office/powerpoint/2015/main" xmlns="" val="1"/>
+                <p16:designElem xmlns="" xmlns:p16="http://schemas.microsoft.com/office/powerpoint/2015/main" val="1"/>
               </p:ext>
             </p:extLst>
           </p:nvPr>
@@ -6616,7 +6801,7 @@
         </p:style>
       </p:cxnSp>
       <mc:AlternateContent xmlns:mc="http://schemas.openxmlformats.org/markup-compatibility/2006">
-        <mc:Choice xmlns:pslz="http://schemas.microsoft.com/office/powerpoint/2016/slidezoom" xmlns="" Requires="pslz">
+        <mc:Choice xmlns="" xmlns:pslz="http://schemas.microsoft.com/office/powerpoint/2016/slidezoom" Requires="pslz">
           <p:graphicFrame>
             <p:nvGraphicFramePr>
               <p:cNvPr id="10" name="Folienzoom 9">
@@ -6680,7 +6865,7 @@
                 <a:hlinkClick r:id="rId4" action="ppaction://hlinksldjump"/>
                 <a:extLst>
                   <a:ext uri="{FF2B5EF4-FFF2-40B4-BE49-F238E27FC236}">
-                    <a16:creationId xmlns:a16="http://schemas.microsoft.com/office/drawing/2014/main" xmlns="" xmlns:pslz="http://schemas.microsoft.com/office/powerpoint/2016/slidezoom" id="{B215CFD4-A22E-BE4F-9AB9-4E33929D0E8E}"/>
+                    <a16:creationId xmlns:pslz="http://schemas.microsoft.com/office/powerpoint/2016/slidezoom" xmlns="" xmlns:a16="http://schemas.microsoft.com/office/drawing/2014/main" id="{B215CFD4-A22E-BE4F-9AB9-4E33929D0E8E}"/>
                   </a:ext>
                 </a:extLst>
               </p:cNvPr>
@@ -6722,6 +6907,13 @@
   <p:clrMapOvr>
     <a:masterClrMapping/>
   </p:clrMapOvr>
+  <p:timing>
+    <p:tnLst>
+      <p:par>
+        <p:cTn id="1" dur="indefinite" restart="never" nodeType="tmRoot"/>
+      </p:par>
+    </p:tnLst>
+  </p:timing>
 </p:sld>
 </file>
 
@@ -6755,10 +6947,10 @@
           <p:cNvPr id="19" name="Rectangle 18">
             <a:extLst>
               <a:ext uri="{FF2B5EF4-FFF2-40B4-BE49-F238E27FC236}">
-                <a16:creationId xmlns:a16="http://schemas.microsoft.com/office/drawing/2014/main" xmlns="" id="{8D70B121-56F4-4848-B38B-182089D909FA}"/>
+                <a16:creationId xmlns="" xmlns:a16="http://schemas.microsoft.com/office/drawing/2014/main" id="{8D70B121-56F4-4848-B38B-182089D909FA}"/>
               </a:ext>
               <a:ext uri="{C183D7F6-B498-43B3-948B-1728B52AA6E4}">
-                <adec:decorative xmlns:adec="http://schemas.microsoft.com/office/drawing/2017/decorative" xmlns="" val="1"/>
+                <adec:decorative xmlns="" xmlns:adec="http://schemas.microsoft.com/office/drawing/2017/decorative" val="1"/>
               </a:ext>
             </a:extLst>
           </p:cNvPr>
@@ -6768,7 +6960,7 @@
           <p:nvPr>
             <p:extLst>
               <p:ext uri="{386F3935-93C4-4BCD-93E2-E3B085C9AB24}">
-                <p16:designElem xmlns:p16="http://schemas.microsoft.com/office/powerpoint/2015/main" xmlns="" val="1"/>
+                <p16:designElem xmlns="" xmlns:p16="http://schemas.microsoft.com/office/powerpoint/2015/main" val="1"/>
               </p:ext>
             </p:extLst>
           </p:nvPr>
@@ -6820,10 +7012,10 @@
           <p:cNvPr id="21" name="Straight Connector 20">
             <a:extLst>
               <a:ext uri="{FF2B5EF4-FFF2-40B4-BE49-F238E27FC236}">
-                <a16:creationId xmlns:a16="http://schemas.microsoft.com/office/drawing/2014/main" xmlns="" id="{2D72A2C9-F3CA-4216-8BAD-FA4C970C3C4E}"/>
+                <a16:creationId xmlns="" xmlns:a16="http://schemas.microsoft.com/office/drawing/2014/main" id="{2D72A2C9-F3CA-4216-8BAD-FA4C970C3C4E}"/>
               </a:ext>
               <a:ext uri="{C183D7F6-B498-43B3-948B-1728B52AA6E4}">
-                <adec:decorative xmlns:adec="http://schemas.microsoft.com/office/drawing/2017/decorative" xmlns="" val="1"/>
+                <adec:decorative xmlns="" xmlns:adec="http://schemas.microsoft.com/office/drawing/2017/decorative" val="1"/>
               </a:ext>
             </a:extLst>
           </p:cNvPr>
@@ -6833,7 +7025,7 @@
           <p:nvPr>
             <p:extLst>
               <p:ext uri="{386F3935-93C4-4BCD-93E2-E3B085C9AB24}">
-                <p16:designElem xmlns:p16="http://schemas.microsoft.com/office/powerpoint/2015/main" xmlns="" val="1"/>
+                <p16:designElem xmlns="" xmlns:p16="http://schemas.microsoft.com/office/powerpoint/2015/main" val="1"/>
               </p:ext>
             </p:extLst>
           </p:nvPr>
@@ -6875,7 +7067,7 @@
           <p:cNvPr id="4" name="Grafik 3" descr="Ein Bild, das Screenshot enthält.&#10;&#10;Automatisch generierte Beschreibung">
             <a:extLst>
               <a:ext uri="{FF2B5EF4-FFF2-40B4-BE49-F238E27FC236}">
-                <a16:creationId xmlns:a16="http://schemas.microsoft.com/office/drawing/2014/main" xmlns="" id="{CA8E3E2A-3140-AC49-8635-006BC43846E8}"/>
+                <a16:creationId xmlns="" xmlns:a16="http://schemas.microsoft.com/office/drawing/2014/main" id="{CA8E3E2A-3140-AC49-8635-006BC43846E8}"/>
               </a:ext>
             </a:extLst>
           </p:cNvPr>
@@ -6910,6 +7102,13 @@
   <p:clrMapOvr>
     <a:masterClrMapping/>
   </p:clrMapOvr>
+  <p:timing>
+    <p:tnLst>
+      <p:par>
+        <p:cTn id="1" dur="indefinite" restart="never" nodeType="tmRoot"/>
+      </p:par>
+    </p:tnLst>
+  </p:timing>
 </p:sld>
 </file>
 
@@ -6943,10 +7142,10 @@
           <p:cNvPr id="19" name="Rectangle 18">
             <a:extLst>
               <a:ext uri="{FF2B5EF4-FFF2-40B4-BE49-F238E27FC236}">
-                <a16:creationId xmlns:a16="http://schemas.microsoft.com/office/drawing/2014/main" xmlns="" id="{8D70B121-56F4-4848-B38B-182089D909FA}"/>
+                <a16:creationId xmlns="" xmlns:a16="http://schemas.microsoft.com/office/drawing/2014/main" id="{8D70B121-56F4-4848-B38B-182089D909FA}"/>
               </a:ext>
               <a:ext uri="{C183D7F6-B498-43B3-948B-1728B52AA6E4}">
-                <adec:decorative xmlns:adec="http://schemas.microsoft.com/office/drawing/2017/decorative" xmlns="" val="1"/>
+                <adec:decorative xmlns="" xmlns:adec="http://schemas.microsoft.com/office/drawing/2017/decorative" val="1"/>
               </a:ext>
             </a:extLst>
           </p:cNvPr>
@@ -6956,7 +7155,7 @@
           <p:nvPr>
             <p:extLst>
               <p:ext uri="{386F3935-93C4-4BCD-93E2-E3B085C9AB24}">
-                <p16:designElem xmlns:p16="http://schemas.microsoft.com/office/powerpoint/2015/main" xmlns="" val="1"/>
+                <p16:designElem xmlns="" xmlns:p16="http://schemas.microsoft.com/office/powerpoint/2015/main" val="1"/>
               </p:ext>
             </p:extLst>
           </p:nvPr>
@@ -7008,7 +7207,7 @@
           <p:cNvPr id="2" name="Titel 1">
             <a:extLst>
               <a:ext uri="{FF2B5EF4-FFF2-40B4-BE49-F238E27FC236}">
-                <a16:creationId xmlns:a16="http://schemas.microsoft.com/office/drawing/2014/main" xmlns="" id="{35BFDC70-A169-E142-B051-5ABC9190E094}"/>
+                <a16:creationId xmlns="" xmlns:a16="http://schemas.microsoft.com/office/drawing/2014/main" id="{35BFDC70-A169-E142-B051-5ABC9190E094}"/>
               </a:ext>
             </a:extLst>
           </p:cNvPr>
@@ -7059,10 +7258,10 @@
           <p:cNvPr id="21" name="Straight Connector 20">
             <a:extLst>
               <a:ext uri="{FF2B5EF4-FFF2-40B4-BE49-F238E27FC236}">
-                <a16:creationId xmlns:a16="http://schemas.microsoft.com/office/drawing/2014/main" xmlns="" id="{2D72A2C9-F3CA-4216-8BAD-FA4C970C3C4E}"/>
+                <a16:creationId xmlns="" xmlns:a16="http://schemas.microsoft.com/office/drawing/2014/main" id="{2D72A2C9-F3CA-4216-8BAD-FA4C970C3C4E}"/>
               </a:ext>
               <a:ext uri="{C183D7F6-B498-43B3-948B-1728B52AA6E4}">
-                <adec:decorative xmlns:adec="http://schemas.microsoft.com/office/drawing/2017/decorative" xmlns="" val="1"/>
+                <adec:decorative xmlns="" xmlns:adec="http://schemas.microsoft.com/office/drawing/2017/decorative" val="1"/>
               </a:ext>
             </a:extLst>
           </p:cNvPr>
@@ -7072,7 +7271,7 @@
           <p:nvPr>
             <p:extLst>
               <p:ext uri="{386F3935-93C4-4BCD-93E2-E3B085C9AB24}">
-                <p16:designElem xmlns:p16="http://schemas.microsoft.com/office/powerpoint/2015/main" xmlns="" val="1"/>
+                <p16:designElem xmlns="" xmlns:p16="http://schemas.microsoft.com/office/powerpoint/2015/main" val="1"/>
               </p:ext>
             </p:extLst>
           </p:nvPr>
@@ -7114,7 +7313,7 @@
           <p:cNvPr id="8" name="Inhaltsplatzhalter 4">
             <a:extLst>
               <a:ext uri="{FF2B5EF4-FFF2-40B4-BE49-F238E27FC236}">
-                <a16:creationId xmlns:a16="http://schemas.microsoft.com/office/drawing/2014/main" xmlns="" id="{A8E625C4-6DB1-9D42-BFEA-DE37A6F928F3}"/>
+                <a16:creationId xmlns="" xmlns:a16="http://schemas.microsoft.com/office/drawing/2014/main" id="{A8E625C4-6DB1-9D42-BFEA-DE37A6F928F3}"/>
               </a:ext>
             </a:extLst>
           </p:cNvPr>
@@ -7169,6 +7368,13 @@
   <p:clrMapOvr>
     <a:masterClrMapping/>
   </p:clrMapOvr>
+  <p:timing>
+    <p:tnLst>
+      <p:par>
+        <p:cTn id="1" dur="indefinite" restart="never" nodeType="tmRoot"/>
+      </p:par>
+    </p:tnLst>
+  </p:timing>
 </p:sld>
 </file>
 
@@ -7202,10 +7408,10 @@
           <p:cNvPr id="8" name="Rectangle 7">
             <a:extLst>
               <a:ext uri="{FF2B5EF4-FFF2-40B4-BE49-F238E27FC236}">
-                <a16:creationId xmlns:a16="http://schemas.microsoft.com/office/drawing/2014/main" xmlns="" id="{8D70B121-56F4-4848-B38B-182089D909FA}"/>
+                <a16:creationId xmlns="" xmlns:a16="http://schemas.microsoft.com/office/drawing/2014/main" id="{8D70B121-56F4-4848-B38B-182089D909FA}"/>
               </a:ext>
               <a:ext uri="{C183D7F6-B498-43B3-948B-1728B52AA6E4}">
-                <adec:decorative xmlns:adec="http://schemas.microsoft.com/office/drawing/2017/decorative" xmlns="" val="1"/>
+                <adec:decorative xmlns="" xmlns:adec="http://schemas.microsoft.com/office/drawing/2017/decorative" val="1"/>
               </a:ext>
             </a:extLst>
           </p:cNvPr>
@@ -7215,7 +7421,7 @@
           <p:nvPr>
             <p:extLst>
               <p:ext uri="{386F3935-93C4-4BCD-93E2-E3B085C9AB24}">
-                <p16:designElem xmlns:p16="http://schemas.microsoft.com/office/powerpoint/2015/main" xmlns="" val="1"/>
+                <p16:designElem xmlns="" xmlns:p16="http://schemas.microsoft.com/office/powerpoint/2015/main" val="1"/>
               </p:ext>
             </p:extLst>
           </p:nvPr>
@@ -7267,7 +7473,7 @@
           <p:cNvPr id="2" name="Titel 1">
             <a:extLst>
               <a:ext uri="{FF2B5EF4-FFF2-40B4-BE49-F238E27FC236}">
-                <a16:creationId xmlns:a16="http://schemas.microsoft.com/office/drawing/2014/main" xmlns="" id="{0B5D0F8F-C92F-BC46-ACC4-7A21698DD272}"/>
+                <a16:creationId xmlns="" xmlns:a16="http://schemas.microsoft.com/office/drawing/2014/main" id="{0B5D0F8F-C92F-BC46-ACC4-7A21698DD272}"/>
               </a:ext>
             </a:extLst>
           </p:cNvPr>
@@ -7307,10 +7513,10 @@
           <p:cNvPr id="10" name="Straight Connector 9">
             <a:extLst>
               <a:ext uri="{FF2B5EF4-FFF2-40B4-BE49-F238E27FC236}">
-                <a16:creationId xmlns:a16="http://schemas.microsoft.com/office/drawing/2014/main" xmlns="" id="{2D72A2C9-F3CA-4216-8BAD-FA4C970C3C4E}"/>
+                <a16:creationId xmlns="" xmlns:a16="http://schemas.microsoft.com/office/drawing/2014/main" id="{2D72A2C9-F3CA-4216-8BAD-FA4C970C3C4E}"/>
               </a:ext>
               <a:ext uri="{C183D7F6-B498-43B3-948B-1728B52AA6E4}">
-                <adec:decorative xmlns:adec="http://schemas.microsoft.com/office/drawing/2017/decorative" xmlns="" val="1"/>
+                <adec:decorative xmlns="" xmlns:adec="http://schemas.microsoft.com/office/drawing/2017/decorative" val="1"/>
               </a:ext>
             </a:extLst>
           </p:cNvPr>
@@ -7320,7 +7526,7 @@
           <p:nvPr>
             <p:extLst>
               <p:ext uri="{386F3935-93C4-4BCD-93E2-E3B085C9AB24}">
-                <p16:designElem xmlns:p16="http://schemas.microsoft.com/office/powerpoint/2015/main" xmlns="" val="1"/>
+                <p16:designElem xmlns="" xmlns:p16="http://schemas.microsoft.com/office/powerpoint/2015/main" val="1"/>
               </p:ext>
             </p:extLst>
           </p:nvPr>
@@ -7362,7 +7568,7 @@
           <p:cNvPr id="3" name="Inhaltsplatzhalter 2">
             <a:extLst>
               <a:ext uri="{FF2B5EF4-FFF2-40B4-BE49-F238E27FC236}">
-                <a16:creationId xmlns:a16="http://schemas.microsoft.com/office/drawing/2014/main" xmlns="" id="{692C889E-3E0C-9E40-9512-4230892B2B42}"/>
+                <a16:creationId xmlns="" xmlns:a16="http://schemas.microsoft.com/office/drawing/2014/main" id="{692C889E-3E0C-9E40-9512-4230892B2B42}"/>
               </a:ext>
             </a:extLst>
           </p:cNvPr>
@@ -7435,15 +7641,16 @@
           </a:p>
           <a:p>
             <a:r>
-              <a:rPr lang="de-DE" sz="2400" dirty="0"/>
+              <a:rPr lang="de-DE" sz="2400" dirty="0" smtClean="0"/>
               <a:t>Präsentation des Ergebnisses</a:t>
             </a:r>
           </a:p>
           <a:p>
             <a:r>
-              <a:rPr lang="de-DE" sz="2400" dirty="0"/>
+              <a:rPr lang="de-DE" sz="2400" dirty="0" smtClean="0"/>
               <a:t>Fazit </a:t>
             </a:r>
+            <a:endParaRPr lang="de-DE" sz="2400" dirty="0"/>
           </a:p>
         </p:txBody>
       </p:sp>
@@ -7457,6 +7664,13 @@
   <p:clrMapOvr>
     <a:masterClrMapping/>
   </p:clrMapOvr>
+  <p:timing>
+    <p:tnLst>
+      <p:par>
+        <p:cTn id="1" dur="indefinite" restart="never" nodeType="tmRoot"/>
+      </p:par>
+    </p:tnLst>
+  </p:timing>
 </p:sld>
 </file>
 
@@ -7490,10 +7704,10 @@
           <p:cNvPr id="19" name="Rectangle 18">
             <a:extLst>
               <a:ext uri="{FF2B5EF4-FFF2-40B4-BE49-F238E27FC236}">
-                <a16:creationId xmlns:a16="http://schemas.microsoft.com/office/drawing/2014/main" xmlns="" id="{8D70B121-56F4-4848-B38B-182089D909FA}"/>
+                <a16:creationId xmlns="" xmlns:a16="http://schemas.microsoft.com/office/drawing/2014/main" id="{8D70B121-56F4-4848-B38B-182089D909FA}"/>
               </a:ext>
               <a:ext uri="{C183D7F6-B498-43B3-948B-1728B52AA6E4}">
-                <adec:decorative xmlns:adec="http://schemas.microsoft.com/office/drawing/2017/decorative" xmlns="" val="1"/>
+                <adec:decorative xmlns="" xmlns:adec="http://schemas.microsoft.com/office/drawing/2017/decorative" val="1"/>
               </a:ext>
             </a:extLst>
           </p:cNvPr>
@@ -7503,7 +7717,7 @@
           <p:nvPr>
             <p:extLst>
               <p:ext uri="{386F3935-93C4-4BCD-93E2-E3B085C9AB24}">
-                <p16:designElem xmlns:p16="http://schemas.microsoft.com/office/powerpoint/2015/main" xmlns="" val="1"/>
+                <p16:designElem xmlns="" xmlns:p16="http://schemas.microsoft.com/office/powerpoint/2015/main" val="1"/>
               </p:ext>
             </p:extLst>
           </p:nvPr>
@@ -7555,7 +7769,7 @@
           <p:cNvPr id="2" name="Titel 1">
             <a:extLst>
               <a:ext uri="{FF2B5EF4-FFF2-40B4-BE49-F238E27FC236}">
-                <a16:creationId xmlns:a16="http://schemas.microsoft.com/office/drawing/2014/main" xmlns="" id="{35BFDC70-A169-E142-B051-5ABC9190E094}"/>
+                <a16:creationId xmlns="" xmlns:a16="http://schemas.microsoft.com/office/drawing/2014/main" id="{35BFDC70-A169-E142-B051-5ABC9190E094}"/>
               </a:ext>
             </a:extLst>
           </p:cNvPr>
@@ -7603,10 +7817,10 @@
           <p:cNvPr id="21" name="Straight Connector 20">
             <a:extLst>
               <a:ext uri="{FF2B5EF4-FFF2-40B4-BE49-F238E27FC236}">
-                <a16:creationId xmlns:a16="http://schemas.microsoft.com/office/drawing/2014/main" xmlns="" id="{2D72A2C9-F3CA-4216-8BAD-FA4C970C3C4E}"/>
+                <a16:creationId xmlns="" xmlns:a16="http://schemas.microsoft.com/office/drawing/2014/main" id="{2D72A2C9-F3CA-4216-8BAD-FA4C970C3C4E}"/>
               </a:ext>
               <a:ext uri="{C183D7F6-B498-43B3-948B-1728B52AA6E4}">
-                <adec:decorative xmlns:adec="http://schemas.microsoft.com/office/drawing/2017/decorative" xmlns="" val="1"/>
+                <adec:decorative xmlns="" xmlns:adec="http://schemas.microsoft.com/office/drawing/2017/decorative" val="1"/>
               </a:ext>
             </a:extLst>
           </p:cNvPr>
@@ -7616,7 +7830,7 @@
           <p:nvPr>
             <p:extLst>
               <p:ext uri="{386F3935-93C4-4BCD-93E2-E3B085C9AB24}">
-                <p16:designElem xmlns:p16="http://schemas.microsoft.com/office/powerpoint/2015/main" xmlns="" val="1"/>
+                <p16:designElem xmlns="" xmlns:p16="http://schemas.microsoft.com/office/powerpoint/2015/main" val="1"/>
               </p:ext>
             </p:extLst>
           </p:nvPr>
@@ -7658,7 +7872,7 @@
           <p:cNvPr id="8" name="Inhaltsplatzhalter 4">
             <a:extLst>
               <a:ext uri="{FF2B5EF4-FFF2-40B4-BE49-F238E27FC236}">
-                <a16:creationId xmlns:a16="http://schemas.microsoft.com/office/drawing/2014/main" xmlns="" id="{A8E625C4-6DB1-9D42-BFEA-DE37A6F928F3}"/>
+                <a16:creationId xmlns="" xmlns:a16="http://schemas.microsoft.com/office/drawing/2014/main" id="{A8E625C4-6DB1-9D42-BFEA-DE37A6F928F3}"/>
               </a:ext>
             </a:extLst>
           </p:cNvPr>
@@ -7704,6 +7918,13 @@
   <p:clrMapOvr>
     <a:masterClrMapping/>
   </p:clrMapOvr>
+  <p:timing>
+    <p:tnLst>
+      <p:par>
+        <p:cTn id="1" dur="indefinite" restart="never" nodeType="tmRoot"/>
+      </p:par>
+    </p:tnLst>
+  </p:timing>
 </p:sld>
 </file>
 
@@ -7729,7 +7950,7 @@
           <p:cNvPr id="5" name="Rechteck 4">
             <a:extLst>
               <a:ext uri="{FF2B5EF4-FFF2-40B4-BE49-F238E27FC236}">
-                <a16:creationId xmlns:a16="http://schemas.microsoft.com/office/drawing/2014/main" xmlns="" id="{6C91387F-AF56-614F-B14F-5E345367B7AF}"/>
+                <a16:creationId xmlns="" xmlns:a16="http://schemas.microsoft.com/office/drawing/2014/main" id="{6C91387F-AF56-614F-B14F-5E345367B7AF}"/>
               </a:ext>
             </a:extLst>
           </p:cNvPr>
@@ -7781,7 +8002,7 @@
           <p:cNvPr id="2" name="Titel 1">
             <a:extLst>
               <a:ext uri="{FF2B5EF4-FFF2-40B4-BE49-F238E27FC236}">
-                <a16:creationId xmlns:a16="http://schemas.microsoft.com/office/drawing/2014/main" xmlns="" id="{35BFDC70-A169-E142-B051-5ABC9190E094}"/>
+                <a16:creationId xmlns="" xmlns:a16="http://schemas.microsoft.com/office/drawing/2014/main" id="{35BFDC70-A169-E142-B051-5ABC9190E094}"/>
               </a:ext>
             </a:extLst>
           </p:cNvPr>
@@ -7861,7 +8082,7 @@
           <p:cNvPr id="6" name="Titel 1">
             <a:extLst>
               <a:ext uri="{FF2B5EF4-FFF2-40B4-BE49-F238E27FC236}">
-                <a16:creationId xmlns:a16="http://schemas.microsoft.com/office/drawing/2014/main" xmlns="" id="{E7C2CB7B-ACCE-46AA-B361-C575579F8987}"/>
+                <a16:creationId xmlns="" xmlns:a16="http://schemas.microsoft.com/office/drawing/2014/main" id="{E7C2CB7B-ACCE-46AA-B361-C575579F8987}"/>
               </a:ext>
             </a:extLst>
           </p:cNvPr>
@@ -7917,7 +8138,7 @@
           <p:cNvPr id="8" name="Grafik 7">
             <a:extLst>
               <a:ext uri="{FF2B5EF4-FFF2-40B4-BE49-F238E27FC236}">
-                <a16:creationId xmlns:a16="http://schemas.microsoft.com/office/drawing/2014/main" xmlns="" id="{C89ECDFD-2E29-4183-B4C5-57C14F623766}"/>
+                <a16:creationId xmlns="" xmlns:a16="http://schemas.microsoft.com/office/drawing/2014/main" id="{C89ECDFD-2E29-4183-B4C5-57C14F623766}"/>
               </a:ext>
             </a:extLst>
           </p:cNvPr>
@@ -7952,6 +8173,13 @@
   <p:clrMapOvr>
     <a:masterClrMapping/>
   </p:clrMapOvr>
+  <p:timing>
+    <p:tnLst>
+      <p:par>
+        <p:cTn id="1" dur="indefinite" restart="never" nodeType="tmRoot"/>
+      </p:par>
+    </p:tnLst>
+  </p:timing>
 </p:sld>
 </file>
 
@@ -7977,7 +8205,7 @@
           <p:cNvPr id="4" name="Rechteck 3">
             <a:extLst>
               <a:ext uri="{FF2B5EF4-FFF2-40B4-BE49-F238E27FC236}">
-                <a16:creationId xmlns:a16="http://schemas.microsoft.com/office/drawing/2014/main" xmlns="" id="{E4D21FBE-9E79-4438-A9C4-A86631E75D3D}"/>
+                <a16:creationId xmlns="" xmlns:a16="http://schemas.microsoft.com/office/drawing/2014/main" id="{E4D21FBE-9E79-4438-A9C4-A86631E75D3D}"/>
               </a:ext>
             </a:extLst>
           </p:cNvPr>
@@ -8029,7 +8257,7 @@
           <p:cNvPr id="2" name="Titel 1">
             <a:extLst>
               <a:ext uri="{FF2B5EF4-FFF2-40B4-BE49-F238E27FC236}">
-                <a16:creationId xmlns:a16="http://schemas.microsoft.com/office/drawing/2014/main" xmlns="" id="{5D43DF7A-1A5D-4ACC-A604-ABDFA208B266}"/>
+                <a16:creationId xmlns="" xmlns:a16="http://schemas.microsoft.com/office/drawing/2014/main" id="{5D43DF7A-1A5D-4ACC-A604-ABDFA208B266}"/>
               </a:ext>
             </a:extLst>
           </p:cNvPr>
@@ -8054,7 +8282,7 @@
           <p:cNvPr id="3" name="Inhaltsplatzhalter 2">
             <a:extLst>
               <a:ext uri="{FF2B5EF4-FFF2-40B4-BE49-F238E27FC236}">
-                <a16:creationId xmlns:a16="http://schemas.microsoft.com/office/drawing/2014/main" xmlns="" id="{C24FCB4C-0151-435F-B548-7A9594A11125}"/>
+                <a16:creationId xmlns="" xmlns:a16="http://schemas.microsoft.com/office/drawing/2014/main" id="{C24FCB4C-0151-435F-B548-7A9594A11125}"/>
               </a:ext>
             </a:extLst>
           </p:cNvPr>
@@ -8079,7 +8307,7 @@
           <p:cNvPr id="5" name="Grafik 4">
             <a:extLst>
               <a:ext uri="{FF2B5EF4-FFF2-40B4-BE49-F238E27FC236}">
-                <a16:creationId xmlns:a16="http://schemas.microsoft.com/office/drawing/2014/main" xmlns="" id="{1C4ABC61-F649-4941-9A69-5363F27C5C7A}"/>
+                <a16:creationId xmlns="" xmlns:a16="http://schemas.microsoft.com/office/drawing/2014/main" id="{1C4ABC61-F649-4941-9A69-5363F27C5C7A}"/>
               </a:ext>
             </a:extLst>
           </p:cNvPr>
@@ -8114,6 +8342,13 @@
   <p:clrMapOvr>
     <a:masterClrMapping/>
   </p:clrMapOvr>
+  <p:timing>
+    <p:tnLst>
+      <p:par>
+        <p:cTn id="1" dur="indefinite" restart="never" nodeType="tmRoot"/>
+      </p:par>
+    </p:tnLst>
+  </p:timing>
 </p:sld>
 </file>
 
@@ -8139,7 +8374,7 @@
           <p:cNvPr id="5" name="Rechteck 4">
             <a:extLst>
               <a:ext uri="{FF2B5EF4-FFF2-40B4-BE49-F238E27FC236}">
-                <a16:creationId xmlns:a16="http://schemas.microsoft.com/office/drawing/2014/main" xmlns="" id="{6C91387F-AF56-614F-B14F-5E345367B7AF}"/>
+                <a16:creationId xmlns="" xmlns:a16="http://schemas.microsoft.com/office/drawing/2014/main" id="{6C91387F-AF56-614F-B14F-5E345367B7AF}"/>
               </a:ext>
             </a:extLst>
           </p:cNvPr>
@@ -8191,7 +8426,7 @@
           <p:cNvPr id="2" name="Titel 1">
             <a:extLst>
               <a:ext uri="{FF2B5EF4-FFF2-40B4-BE49-F238E27FC236}">
-                <a16:creationId xmlns:a16="http://schemas.microsoft.com/office/drawing/2014/main" xmlns="" id="{35BFDC70-A169-E142-B051-5ABC9190E094}"/>
+                <a16:creationId xmlns="" xmlns:a16="http://schemas.microsoft.com/office/drawing/2014/main" id="{35BFDC70-A169-E142-B051-5ABC9190E094}"/>
               </a:ext>
             </a:extLst>
           </p:cNvPr>
@@ -8271,7 +8506,7 @@
           <p:cNvPr id="6" name="Titel 1">
             <a:extLst>
               <a:ext uri="{FF2B5EF4-FFF2-40B4-BE49-F238E27FC236}">
-                <a16:creationId xmlns:a16="http://schemas.microsoft.com/office/drawing/2014/main" xmlns="" id="{E7C2CB7B-ACCE-46AA-B361-C575579F8987}"/>
+                <a16:creationId xmlns="" xmlns:a16="http://schemas.microsoft.com/office/drawing/2014/main" id="{E7C2CB7B-ACCE-46AA-B361-C575579F8987}"/>
               </a:ext>
             </a:extLst>
           </p:cNvPr>
@@ -8327,7 +8562,7 @@
           <p:cNvPr id="4" name="Grafik 3">
             <a:extLst>
               <a:ext uri="{FF2B5EF4-FFF2-40B4-BE49-F238E27FC236}">
-                <a16:creationId xmlns:a16="http://schemas.microsoft.com/office/drawing/2014/main" xmlns="" id="{9CE66A13-0C75-4FD9-A123-2756CAAD340B}"/>
+                <a16:creationId xmlns="" xmlns:a16="http://schemas.microsoft.com/office/drawing/2014/main" id="{9CE66A13-0C75-4FD9-A123-2756CAAD340B}"/>
               </a:ext>
             </a:extLst>
           </p:cNvPr>
@@ -8362,6 +8597,13 @@
   <p:clrMapOvr>
     <a:masterClrMapping/>
   </p:clrMapOvr>
+  <p:timing>
+    <p:tnLst>
+      <p:par>
+        <p:cTn id="1" dur="indefinite" restart="never" nodeType="tmRoot"/>
+      </p:par>
+    </p:tnLst>
+  </p:timing>
 </p:sld>
 </file>
 
@@ -8387,7 +8629,7 @@
           <p:cNvPr id="4" name="Rechteck 3">
             <a:extLst>
               <a:ext uri="{FF2B5EF4-FFF2-40B4-BE49-F238E27FC236}">
-                <a16:creationId xmlns:a16="http://schemas.microsoft.com/office/drawing/2014/main" xmlns="" id="{E4D21FBE-9E79-4438-A9C4-A86631E75D3D}"/>
+                <a16:creationId xmlns="" xmlns:a16="http://schemas.microsoft.com/office/drawing/2014/main" id="{E4D21FBE-9E79-4438-A9C4-A86631E75D3D}"/>
               </a:ext>
             </a:extLst>
           </p:cNvPr>
@@ -8439,7 +8681,7 @@
           <p:cNvPr id="2" name="Titel 1">
             <a:extLst>
               <a:ext uri="{FF2B5EF4-FFF2-40B4-BE49-F238E27FC236}">
-                <a16:creationId xmlns:a16="http://schemas.microsoft.com/office/drawing/2014/main" xmlns="" id="{5D43DF7A-1A5D-4ACC-A604-ABDFA208B266}"/>
+                <a16:creationId xmlns="" xmlns:a16="http://schemas.microsoft.com/office/drawing/2014/main" id="{5D43DF7A-1A5D-4ACC-A604-ABDFA208B266}"/>
               </a:ext>
             </a:extLst>
           </p:cNvPr>
@@ -8464,7 +8706,7 @@
           <p:cNvPr id="3" name="Inhaltsplatzhalter 2">
             <a:extLst>
               <a:ext uri="{FF2B5EF4-FFF2-40B4-BE49-F238E27FC236}">
-                <a16:creationId xmlns:a16="http://schemas.microsoft.com/office/drawing/2014/main" xmlns="" id="{C24FCB4C-0151-435F-B548-7A9594A11125}"/>
+                <a16:creationId xmlns="" xmlns:a16="http://schemas.microsoft.com/office/drawing/2014/main" id="{C24FCB4C-0151-435F-B548-7A9594A11125}"/>
               </a:ext>
             </a:extLst>
           </p:cNvPr>
@@ -8489,7 +8731,7 @@
           <p:cNvPr id="6" name="Grafik 5">
             <a:extLst>
               <a:ext uri="{FF2B5EF4-FFF2-40B4-BE49-F238E27FC236}">
-                <a16:creationId xmlns:a16="http://schemas.microsoft.com/office/drawing/2014/main" xmlns="" id="{996B219C-4061-4FC7-A31B-3666889455F9}"/>
+                <a16:creationId xmlns="" xmlns:a16="http://schemas.microsoft.com/office/drawing/2014/main" id="{996B219C-4061-4FC7-A31B-3666889455F9}"/>
               </a:ext>
             </a:extLst>
           </p:cNvPr>
@@ -8524,6 +8766,13 @@
   <p:clrMapOvr>
     <a:masterClrMapping/>
   </p:clrMapOvr>
+  <p:timing>
+    <p:tnLst>
+      <p:par>
+        <p:cTn id="1" dur="indefinite" restart="never" nodeType="tmRoot"/>
+      </p:par>
+    </p:tnLst>
+  </p:timing>
 </p:sld>
 </file>
 
@@ -8557,10 +8806,10 @@
           <p:cNvPr id="8" name="Rectangle 7">
             <a:extLst>
               <a:ext uri="{FF2B5EF4-FFF2-40B4-BE49-F238E27FC236}">
-                <a16:creationId xmlns:a16="http://schemas.microsoft.com/office/drawing/2014/main" xmlns="" id="{8D70B121-56F4-4848-B38B-182089D909FA}"/>
+                <a16:creationId xmlns="" xmlns:a16="http://schemas.microsoft.com/office/drawing/2014/main" id="{8D70B121-56F4-4848-B38B-182089D909FA}"/>
               </a:ext>
               <a:ext uri="{C183D7F6-B498-43B3-948B-1728B52AA6E4}">
-                <adec:decorative xmlns:adec="http://schemas.microsoft.com/office/drawing/2017/decorative" xmlns="" val="1"/>
+                <adec:decorative xmlns="" xmlns:adec="http://schemas.microsoft.com/office/drawing/2017/decorative" val="1"/>
               </a:ext>
             </a:extLst>
           </p:cNvPr>
@@ -8570,7 +8819,7 @@
           <p:nvPr>
             <p:extLst>
               <p:ext uri="{386F3935-93C4-4BCD-93E2-E3B085C9AB24}">
-                <p16:designElem xmlns:p16="http://schemas.microsoft.com/office/powerpoint/2015/main" xmlns="" val="1"/>
+                <p16:designElem xmlns="" xmlns:p16="http://schemas.microsoft.com/office/powerpoint/2015/main" val="1"/>
               </p:ext>
             </p:extLst>
           </p:nvPr>
@@ -8622,7 +8871,7 @@
           <p:cNvPr id="2" name="Titel 1">
             <a:extLst>
               <a:ext uri="{FF2B5EF4-FFF2-40B4-BE49-F238E27FC236}">
-                <a16:creationId xmlns:a16="http://schemas.microsoft.com/office/drawing/2014/main" xmlns="" id="{0B5D0F8F-C92F-BC46-ACC4-7A21698DD272}"/>
+                <a16:creationId xmlns="" xmlns:a16="http://schemas.microsoft.com/office/drawing/2014/main" id="{0B5D0F8F-C92F-BC46-ACC4-7A21698DD272}"/>
               </a:ext>
             </a:extLst>
           </p:cNvPr>
@@ -8662,10 +8911,10 @@
           <p:cNvPr id="10" name="Straight Connector 9">
             <a:extLst>
               <a:ext uri="{FF2B5EF4-FFF2-40B4-BE49-F238E27FC236}">
-                <a16:creationId xmlns:a16="http://schemas.microsoft.com/office/drawing/2014/main" xmlns="" id="{2D72A2C9-F3CA-4216-8BAD-FA4C970C3C4E}"/>
+                <a16:creationId xmlns="" xmlns:a16="http://schemas.microsoft.com/office/drawing/2014/main" id="{2D72A2C9-F3CA-4216-8BAD-FA4C970C3C4E}"/>
               </a:ext>
               <a:ext uri="{C183D7F6-B498-43B3-948B-1728B52AA6E4}">
-                <adec:decorative xmlns:adec="http://schemas.microsoft.com/office/drawing/2017/decorative" xmlns="" val="1"/>
+                <adec:decorative xmlns="" xmlns:adec="http://schemas.microsoft.com/office/drawing/2017/decorative" val="1"/>
               </a:ext>
             </a:extLst>
           </p:cNvPr>
@@ -8675,7 +8924,7 @@
           <p:nvPr>
             <p:extLst>
               <p:ext uri="{386F3935-93C4-4BCD-93E2-E3B085C9AB24}">
-                <p16:designElem xmlns:p16="http://schemas.microsoft.com/office/powerpoint/2015/main" xmlns="" val="1"/>
+                <p16:designElem xmlns="" xmlns:p16="http://schemas.microsoft.com/office/powerpoint/2015/main" val="1"/>
               </p:ext>
             </p:extLst>
           </p:nvPr>
@@ -8717,7 +8966,7 @@
           <p:cNvPr id="3" name="Inhaltsplatzhalter 2">
             <a:extLst>
               <a:ext uri="{FF2B5EF4-FFF2-40B4-BE49-F238E27FC236}">
-                <a16:creationId xmlns:a16="http://schemas.microsoft.com/office/drawing/2014/main" xmlns="" id="{692C889E-3E0C-9E40-9512-4230892B2B42}"/>
+                <a16:creationId xmlns="" xmlns:a16="http://schemas.microsoft.com/office/drawing/2014/main" id="{692C889E-3E0C-9E40-9512-4230892B2B42}"/>
               </a:ext>
             </a:extLst>
           </p:cNvPr>
@@ -8787,15 +9036,16 @@
           <a:p>
             <a:pPr lvl="1"/>
             <a:r>
-              <a:rPr lang="de-DE" sz="2000" dirty="0"/>
+              <a:rPr lang="de-DE" sz="2000" dirty="0" smtClean="0"/>
               <a:t>Präsentation des Ergebnisses</a:t>
             </a:r>
           </a:p>
           <a:p>
             <a:r>
-              <a:rPr lang="de-DE" sz="2400" dirty="0"/>
+              <a:rPr lang="de-DE" sz="2400" dirty="0" smtClean="0"/>
               <a:t>Fazit </a:t>
             </a:r>
+            <a:endParaRPr lang="de-DE" sz="2400" dirty="0"/>
           </a:p>
         </p:txBody>
       </p:sp>
@@ -8809,6 +9059,13 @@
   <p:clrMapOvr>
     <a:masterClrMapping/>
   </p:clrMapOvr>
+  <p:timing>
+    <p:tnLst>
+      <p:par>
+        <p:cTn id="1" dur="indefinite" restart="never" nodeType="tmRoot"/>
+      </p:par>
+    </p:tnLst>
+  </p:timing>
 </p:sld>
 </file>
 
@@ -8834,7 +9091,7 @@
           <p:cNvPr id="5" name="Rechteck 4">
             <a:extLst>
               <a:ext uri="{FF2B5EF4-FFF2-40B4-BE49-F238E27FC236}">
-                <a16:creationId xmlns:a16="http://schemas.microsoft.com/office/drawing/2014/main" xmlns="" id="{6C91387F-AF56-614F-B14F-5E345367B7AF}"/>
+                <a16:creationId xmlns="" xmlns:a16="http://schemas.microsoft.com/office/drawing/2014/main" id="{6C91387F-AF56-614F-B14F-5E345367B7AF}"/>
               </a:ext>
             </a:extLst>
           </p:cNvPr>
@@ -8886,7 +9143,7 @@
           <p:cNvPr id="2" name="Titel 1">
             <a:extLst>
               <a:ext uri="{FF2B5EF4-FFF2-40B4-BE49-F238E27FC236}">
-                <a16:creationId xmlns:a16="http://schemas.microsoft.com/office/drawing/2014/main" xmlns="" id="{35BFDC70-A169-E142-B051-5ABC9190E094}"/>
+                <a16:creationId xmlns="" xmlns:a16="http://schemas.microsoft.com/office/drawing/2014/main" id="{35BFDC70-A169-E142-B051-5ABC9190E094}"/>
               </a:ext>
             </a:extLst>
           </p:cNvPr>
@@ -8934,7 +9191,7 @@
           <p:cNvPr id="6" name="Titel 1">
             <a:extLst>
               <a:ext uri="{FF2B5EF4-FFF2-40B4-BE49-F238E27FC236}">
-                <a16:creationId xmlns:a16="http://schemas.microsoft.com/office/drawing/2014/main" xmlns="" id="{E7C2CB7B-ACCE-46AA-B361-C575579F8987}"/>
+                <a16:creationId xmlns="" xmlns:a16="http://schemas.microsoft.com/office/drawing/2014/main" id="{E7C2CB7B-ACCE-46AA-B361-C575579F8987}"/>
               </a:ext>
             </a:extLst>
           </p:cNvPr>
@@ -8990,7 +9247,7 @@
           <p:cNvPr id="7" name="Grafik 6">
             <a:extLst>
               <a:ext uri="{FF2B5EF4-FFF2-40B4-BE49-F238E27FC236}">
-                <a16:creationId xmlns:a16="http://schemas.microsoft.com/office/drawing/2014/main" xmlns="" id="{756E846B-B403-4984-98B4-4C01CA73B356}"/>
+                <a16:creationId xmlns="" xmlns:a16="http://schemas.microsoft.com/office/drawing/2014/main" id="{756E846B-B403-4984-98B4-4C01CA73B356}"/>
               </a:ext>
             </a:extLst>
           </p:cNvPr>
@@ -9020,7 +9277,7 @@
           <p:cNvPr id="4" name="Grafik 3">
             <a:extLst>
               <a:ext uri="{FF2B5EF4-FFF2-40B4-BE49-F238E27FC236}">
-                <a16:creationId xmlns:a16="http://schemas.microsoft.com/office/drawing/2014/main" xmlns="" id="{A26447F2-DF28-4EAF-B8D1-EFC7A98F7721}"/>
+                <a16:creationId xmlns="" xmlns:a16="http://schemas.microsoft.com/office/drawing/2014/main" id="{A26447F2-DF28-4EAF-B8D1-EFC7A98F7721}"/>
               </a:ext>
             </a:extLst>
           </p:cNvPr>
@@ -9050,7 +9307,7 @@
           <p:cNvPr id="3" name="Grafik 2">
             <a:extLst>
               <a:ext uri="{FF2B5EF4-FFF2-40B4-BE49-F238E27FC236}">
-                <a16:creationId xmlns:a16="http://schemas.microsoft.com/office/drawing/2014/main" xmlns="" id="{DB99CD9C-1E94-4D53-99E7-DF6B67865684}"/>
+                <a16:creationId xmlns="" xmlns:a16="http://schemas.microsoft.com/office/drawing/2014/main" id="{DB99CD9C-1E94-4D53-99E7-DF6B67865684}"/>
               </a:ext>
             </a:extLst>
           </p:cNvPr>
@@ -9299,7 +9556,7 @@
           <p:cNvPr id="5" name="Rechteck 4">
             <a:extLst>
               <a:ext uri="{FF2B5EF4-FFF2-40B4-BE49-F238E27FC236}">
-                <a16:creationId xmlns:a16="http://schemas.microsoft.com/office/drawing/2014/main" xmlns="" id="{6C91387F-AF56-614F-B14F-5E345367B7AF}"/>
+                <a16:creationId xmlns="" xmlns:a16="http://schemas.microsoft.com/office/drawing/2014/main" id="{6C91387F-AF56-614F-B14F-5E345367B7AF}"/>
               </a:ext>
             </a:extLst>
           </p:cNvPr>
@@ -9351,7 +9608,7 @@
           <p:cNvPr id="2" name="Titel 1">
             <a:extLst>
               <a:ext uri="{FF2B5EF4-FFF2-40B4-BE49-F238E27FC236}">
-                <a16:creationId xmlns:a16="http://schemas.microsoft.com/office/drawing/2014/main" xmlns="" id="{35BFDC70-A169-E142-B051-5ABC9190E094}"/>
+                <a16:creationId xmlns="" xmlns:a16="http://schemas.microsoft.com/office/drawing/2014/main" id="{35BFDC70-A169-E142-B051-5ABC9190E094}"/>
               </a:ext>
             </a:extLst>
           </p:cNvPr>
@@ -9412,7 +9669,7 @@
           <p:cNvPr id="6" name="Titel 1">
             <a:extLst>
               <a:ext uri="{FF2B5EF4-FFF2-40B4-BE49-F238E27FC236}">
-                <a16:creationId xmlns:a16="http://schemas.microsoft.com/office/drawing/2014/main" xmlns="" id="{E7C2CB7B-ACCE-46AA-B361-C575579F8987}"/>
+                <a16:creationId xmlns="" xmlns:a16="http://schemas.microsoft.com/office/drawing/2014/main" id="{E7C2CB7B-ACCE-46AA-B361-C575579F8987}"/>
               </a:ext>
             </a:extLst>
           </p:cNvPr>
@@ -9468,7 +9725,7 @@
           <p:cNvPr id="4" name="Grafik 3">
             <a:extLst>
               <a:ext uri="{FF2B5EF4-FFF2-40B4-BE49-F238E27FC236}">
-                <a16:creationId xmlns:a16="http://schemas.microsoft.com/office/drawing/2014/main" xmlns="" id="{9CC9583D-5C73-4A70-A2FE-E33805DE3ECD}"/>
+                <a16:creationId xmlns="" xmlns:a16="http://schemas.microsoft.com/office/drawing/2014/main" id="{9CC9583D-5C73-4A70-A2FE-E33805DE3ECD}"/>
               </a:ext>
             </a:extLst>
           </p:cNvPr>
@@ -9503,6 +9760,13 @@
   <p:clrMapOvr>
     <a:masterClrMapping/>
   </p:clrMapOvr>
+  <p:timing>
+    <p:tnLst>
+      <p:par>
+        <p:cTn id="1" dur="indefinite" restart="never" nodeType="tmRoot"/>
+      </p:par>
+    </p:tnLst>
+  </p:timing>
 </p:sld>
 </file>
 
@@ -9536,10 +9800,10 @@
           <p:cNvPr id="8" name="Rectangle 7">
             <a:extLst>
               <a:ext uri="{FF2B5EF4-FFF2-40B4-BE49-F238E27FC236}">
-                <a16:creationId xmlns:a16="http://schemas.microsoft.com/office/drawing/2014/main" xmlns="" id="{8D70B121-56F4-4848-B38B-182089D909FA}"/>
+                <a16:creationId xmlns="" xmlns:a16="http://schemas.microsoft.com/office/drawing/2014/main" id="{8D70B121-56F4-4848-B38B-182089D909FA}"/>
               </a:ext>
               <a:ext uri="{C183D7F6-B498-43B3-948B-1728B52AA6E4}">
-                <adec:decorative xmlns:adec="http://schemas.microsoft.com/office/drawing/2017/decorative" xmlns="" val="1"/>
+                <adec:decorative xmlns="" xmlns:adec="http://schemas.microsoft.com/office/drawing/2017/decorative" val="1"/>
               </a:ext>
             </a:extLst>
           </p:cNvPr>
@@ -9549,7 +9813,7 @@
           <p:nvPr>
             <p:extLst>
               <p:ext uri="{386F3935-93C4-4BCD-93E2-E3B085C9AB24}">
-                <p16:designElem xmlns:p16="http://schemas.microsoft.com/office/powerpoint/2015/main" xmlns="" val="1"/>
+                <p16:designElem xmlns="" xmlns:p16="http://schemas.microsoft.com/office/powerpoint/2015/main" val="1"/>
               </p:ext>
             </p:extLst>
           </p:nvPr>
@@ -9601,7 +9865,7 @@
           <p:cNvPr id="2" name="Titel 1">
             <a:extLst>
               <a:ext uri="{FF2B5EF4-FFF2-40B4-BE49-F238E27FC236}">
-                <a16:creationId xmlns:a16="http://schemas.microsoft.com/office/drawing/2014/main" xmlns="" id="{0B5D0F8F-C92F-BC46-ACC4-7A21698DD272}"/>
+                <a16:creationId xmlns="" xmlns:a16="http://schemas.microsoft.com/office/drawing/2014/main" id="{0B5D0F8F-C92F-BC46-ACC4-7A21698DD272}"/>
               </a:ext>
             </a:extLst>
           </p:cNvPr>
@@ -9641,10 +9905,10 @@
           <p:cNvPr id="10" name="Straight Connector 9">
             <a:extLst>
               <a:ext uri="{FF2B5EF4-FFF2-40B4-BE49-F238E27FC236}">
-                <a16:creationId xmlns:a16="http://schemas.microsoft.com/office/drawing/2014/main" xmlns="" id="{2D72A2C9-F3CA-4216-8BAD-FA4C970C3C4E}"/>
+                <a16:creationId xmlns="" xmlns:a16="http://schemas.microsoft.com/office/drawing/2014/main" id="{2D72A2C9-F3CA-4216-8BAD-FA4C970C3C4E}"/>
               </a:ext>
               <a:ext uri="{C183D7F6-B498-43B3-948B-1728B52AA6E4}">
-                <adec:decorative xmlns:adec="http://schemas.microsoft.com/office/drawing/2017/decorative" xmlns="" val="1"/>
+                <adec:decorative xmlns="" xmlns:adec="http://schemas.microsoft.com/office/drawing/2017/decorative" val="1"/>
               </a:ext>
             </a:extLst>
           </p:cNvPr>
@@ -9654,7 +9918,7 @@
           <p:nvPr>
             <p:extLst>
               <p:ext uri="{386F3935-93C4-4BCD-93E2-E3B085C9AB24}">
-                <p16:designElem xmlns:p16="http://schemas.microsoft.com/office/powerpoint/2015/main" xmlns="" val="1"/>
+                <p16:designElem xmlns="" xmlns:p16="http://schemas.microsoft.com/office/powerpoint/2015/main" val="1"/>
               </p:ext>
             </p:extLst>
           </p:nvPr>
@@ -9696,7 +9960,7 @@
           <p:cNvPr id="3" name="Inhaltsplatzhalter 2">
             <a:extLst>
               <a:ext uri="{FF2B5EF4-FFF2-40B4-BE49-F238E27FC236}">
-                <a16:creationId xmlns:a16="http://schemas.microsoft.com/office/drawing/2014/main" xmlns="" id="{692C889E-3E0C-9E40-9512-4230892B2B42}"/>
+                <a16:creationId xmlns="" xmlns:a16="http://schemas.microsoft.com/office/drawing/2014/main" id="{692C889E-3E0C-9E40-9512-4230892B2B42}"/>
               </a:ext>
             </a:extLst>
           </p:cNvPr>
@@ -9772,25 +10036,22 @@
                   <a:srgbClr val="0070C0"/>
                 </a:solidFill>
               </a:rPr>
-              <a:t>Code (Ab hier Alex)</a:t>
-            </a:r>
-            <a:endParaRPr lang="de-DE" sz="2000" dirty="0">
-              <a:solidFill>
-                <a:srgbClr val="0070C0"/>
-              </a:solidFill>
-            </a:endParaRPr>
-          </a:p>
-          <a:p>
-            <a:r>
-              <a:rPr lang="de-DE" sz="2400" dirty="0"/>
+              <a:t>Code</a:t>
+            </a:r>
+          </a:p>
+          <a:p>
+            <a:pPr lvl="1"/>
+            <a:r>
+              <a:rPr lang="de-DE" sz="2000" dirty="0" smtClean="0"/>
               <a:t>Präsentation des Ergebnisses</a:t>
             </a:r>
           </a:p>
           <a:p>
             <a:r>
-              <a:rPr lang="de-DE" sz="2400" dirty="0"/>
+              <a:rPr lang="de-DE" sz="2400" dirty="0" smtClean="0"/>
               <a:t>Fazit </a:t>
             </a:r>
+            <a:endParaRPr lang="de-DE" sz="2400" dirty="0"/>
           </a:p>
         </p:txBody>
       </p:sp>
@@ -9844,10 +10105,10 @@
           <p:cNvPr id="19" name="Rectangle 18">
             <a:extLst>
               <a:ext uri="{FF2B5EF4-FFF2-40B4-BE49-F238E27FC236}">
-                <a16:creationId xmlns:a16="http://schemas.microsoft.com/office/drawing/2014/main" xmlns="" id="{8D70B121-56F4-4848-B38B-182089D909FA}"/>
+                <a16:creationId xmlns="" xmlns:a16="http://schemas.microsoft.com/office/drawing/2014/main" id="{8D70B121-56F4-4848-B38B-182089D909FA}"/>
               </a:ext>
               <a:ext uri="{C183D7F6-B498-43B3-948B-1728B52AA6E4}">
-                <adec:decorative xmlns:adec="http://schemas.microsoft.com/office/drawing/2017/decorative" xmlns="" val="1"/>
+                <adec:decorative xmlns="" xmlns:adec="http://schemas.microsoft.com/office/drawing/2017/decorative" val="1"/>
               </a:ext>
             </a:extLst>
           </p:cNvPr>
@@ -9857,7 +10118,7 @@
           <p:nvPr>
             <p:extLst>
               <p:ext uri="{386F3935-93C4-4BCD-93E2-E3B085C9AB24}">
-                <p16:designElem xmlns:p16="http://schemas.microsoft.com/office/powerpoint/2015/main" xmlns="" val="1"/>
+                <p16:designElem xmlns="" xmlns:p16="http://schemas.microsoft.com/office/powerpoint/2015/main" val="1"/>
               </p:ext>
             </p:extLst>
           </p:nvPr>
@@ -9909,7 +10170,7 @@
           <p:cNvPr id="2" name="Titel 1">
             <a:extLst>
               <a:ext uri="{FF2B5EF4-FFF2-40B4-BE49-F238E27FC236}">
-                <a16:creationId xmlns:a16="http://schemas.microsoft.com/office/drawing/2014/main" xmlns="" id="{35BFDC70-A169-E142-B051-5ABC9190E094}"/>
+                <a16:creationId xmlns="" xmlns:a16="http://schemas.microsoft.com/office/drawing/2014/main" id="{35BFDC70-A169-E142-B051-5ABC9190E094}"/>
               </a:ext>
             </a:extLst>
           </p:cNvPr>
@@ -9965,10 +10226,10 @@
           <p:cNvPr id="21" name="Straight Connector 20">
             <a:extLst>
               <a:ext uri="{FF2B5EF4-FFF2-40B4-BE49-F238E27FC236}">
-                <a16:creationId xmlns:a16="http://schemas.microsoft.com/office/drawing/2014/main" xmlns="" id="{2D72A2C9-F3CA-4216-8BAD-FA4C970C3C4E}"/>
+                <a16:creationId xmlns="" xmlns:a16="http://schemas.microsoft.com/office/drawing/2014/main" id="{2D72A2C9-F3CA-4216-8BAD-FA4C970C3C4E}"/>
               </a:ext>
               <a:ext uri="{C183D7F6-B498-43B3-948B-1728B52AA6E4}">
-                <adec:decorative xmlns:adec="http://schemas.microsoft.com/office/drawing/2017/decorative" xmlns="" val="1"/>
+                <adec:decorative xmlns="" xmlns:adec="http://schemas.microsoft.com/office/drawing/2017/decorative" val="1"/>
               </a:ext>
             </a:extLst>
           </p:cNvPr>
@@ -9978,7 +10239,7 @@
           <p:nvPr>
             <p:extLst>
               <p:ext uri="{386F3935-93C4-4BCD-93E2-E3B085C9AB24}">
-                <p16:designElem xmlns:p16="http://schemas.microsoft.com/office/powerpoint/2015/main" xmlns="" val="1"/>
+                <p16:designElem xmlns="" xmlns:p16="http://schemas.microsoft.com/office/powerpoint/2015/main" val="1"/>
               </p:ext>
             </p:extLst>
           </p:nvPr>
@@ -10020,7 +10281,7 @@
           <p:cNvPr id="8" name="Inhaltsplatzhalter 4">
             <a:extLst>
               <a:ext uri="{FF2B5EF4-FFF2-40B4-BE49-F238E27FC236}">
-                <a16:creationId xmlns:a16="http://schemas.microsoft.com/office/drawing/2014/main" xmlns="" id="{A8E625C4-6DB1-9D42-BFEA-DE37A6F928F3}"/>
+                <a16:creationId xmlns="" xmlns:a16="http://schemas.microsoft.com/office/drawing/2014/main" id="{A8E625C4-6DB1-9D42-BFEA-DE37A6F928F3}"/>
               </a:ext>
             </a:extLst>
           </p:cNvPr>
@@ -10045,27 +10306,40 @@
           <a:p>
             <a:r>
               <a:rPr lang="de-DE" dirty="0" smtClean="0"/>
-              <a:t>1. Beispiel (Aufgabe und neuer Knoten)</a:t>
-            </a:r>
-          </a:p>
-          <a:p>
+              <a:t>Erster </a:t>
+            </a:r>
             <a:r>
               <a:rPr lang="de-DE" dirty="0" smtClean="0"/>
-              <a:t>2. Erster Überblick über den Code</a:t>
-            </a:r>
-          </a:p>
-          <a:p>
+              <a:t>Überblick über den </a:t>
+            </a:r>
             <a:r>
               <a:rPr lang="de-DE" dirty="0" smtClean="0"/>
-              <a:t>3. Ein </a:t>
+              <a:t>Code</a:t>
+            </a:r>
+          </a:p>
+          <a:p>
+            <a:r>
+              <a:rPr lang="de-DE" dirty="0"/>
+              <a:t>Neuer Knoten </a:t>
             </a:r>
             <a:r>
               <a:rPr lang="de-DE" dirty="0" smtClean="0"/>
-              <a:t>O</a:t>
-            </a:r>
+              <a:t>hinzufügen</a:t>
+            </a:r>
+            <a:endParaRPr lang="de-DE" dirty="0" smtClean="0"/>
+          </a:p>
+          <a:p>
             <a:r>
               <a:rPr lang="de-DE" dirty="0" smtClean="0"/>
-              <a:t>ptimierungsbeispiel (Max – Flow)</a:t>
+              <a:t>Ein Beispielfunktion (</a:t>
+            </a:r>
+            <a:r>
+              <a:rPr lang="de-DE" dirty="0" smtClean="0"/>
+              <a:t>max.</a:t>
+            </a:r>
+            <a:r>
+              <a:rPr lang="de-DE" dirty="0" smtClean="0"/>
+              <a:t> Fluss)</a:t>
             </a:r>
           </a:p>
         </p:txBody>
@@ -10120,10 +10394,10 @@
           <p:cNvPr id="19" name="Rectangle 18">
             <a:extLst>
               <a:ext uri="{FF2B5EF4-FFF2-40B4-BE49-F238E27FC236}">
-                <a16:creationId xmlns:a16="http://schemas.microsoft.com/office/drawing/2014/main" xmlns="" id="{8D70B121-56F4-4848-B38B-182089D909FA}"/>
+                <a16:creationId xmlns="" xmlns:a16="http://schemas.microsoft.com/office/drawing/2014/main" id="{8D70B121-56F4-4848-B38B-182089D909FA}"/>
               </a:ext>
               <a:ext uri="{C183D7F6-B498-43B3-948B-1728B52AA6E4}">
-                <adec:decorative xmlns:adec="http://schemas.microsoft.com/office/drawing/2017/decorative" xmlns="" val="1"/>
+                <adec:decorative xmlns="" xmlns:adec="http://schemas.microsoft.com/office/drawing/2017/decorative" val="1"/>
               </a:ext>
             </a:extLst>
           </p:cNvPr>
@@ -10133,7 +10407,7 @@
           <p:nvPr>
             <p:extLst>
               <p:ext uri="{386F3935-93C4-4BCD-93E2-E3B085C9AB24}">
-                <p16:designElem xmlns:p16="http://schemas.microsoft.com/office/powerpoint/2015/main" xmlns="" val="1"/>
+                <p16:designElem xmlns="" xmlns:p16="http://schemas.microsoft.com/office/powerpoint/2015/main" val="1"/>
               </p:ext>
             </p:extLst>
           </p:nvPr>
@@ -10185,7 +10459,7 @@
           <p:cNvPr id="2" name="Titel 1">
             <a:extLst>
               <a:ext uri="{FF2B5EF4-FFF2-40B4-BE49-F238E27FC236}">
-                <a16:creationId xmlns:a16="http://schemas.microsoft.com/office/drawing/2014/main" xmlns="" id="{35BFDC70-A169-E142-B051-5ABC9190E094}"/>
+                <a16:creationId xmlns="" xmlns:a16="http://schemas.microsoft.com/office/drawing/2014/main" id="{35BFDC70-A169-E142-B051-5ABC9190E094}"/>
               </a:ext>
             </a:extLst>
           </p:cNvPr>
@@ -10210,28 +10484,12 @@
           <a:p>
             <a:pPr algn="ctr"/>
             <a:r>
-              <a:rPr lang="en-US" dirty="0" smtClean="0">
-                <a:solidFill>
-                  <a:schemeClr val="accent1"/>
-                </a:solidFill>
-              </a:rPr>
-              <a:t>Recap des </a:t>
-            </a:r>
-            <a:r>
-              <a:rPr lang="en-US" dirty="0" err="1">
-                <a:solidFill>
-                  <a:schemeClr val="accent1"/>
-                </a:solidFill>
-              </a:rPr>
-              <a:t>m</a:t>
-            </a:r>
-            <a:r>
               <a:rPr lang="en-US" dirty="0" err="1" smtClean="0">
                 <a:solidFill>
                   <a:schemeClr val="accent1"/>
                 </a:solidFill>
               </a:rPr>
-              <a:t>aximaler</a:t>
+              <a:t>Wichtige</a:t>
             </a:r>
             <a:r>
               <a:rPr lang="en-US" dirty="0" smtClean="0">
@@ -10247,7 +10505,7 @@
                   <a:schemeClr val="accent1"/>
                 </a:solidFill>
               </a:rPr>
-              <a:t>Fluss</a:t>
+              <a:t>Begriffe</a:t>
             </a:r>
             <a:endParaRPr lang="en-US" kern="1200" dirty="0">
               <a:solidFill>
@@ -10265,10 +10523,10 @@
           <p:cNvPr id="21" name="Straight Connector 20">
             <a:extLst>
               <a:ext uri="{FF2B5EF4-FFF2-40B4-BE49-F238E27FC236}">
-                <a16:creationId xmlns:a16="http://schemas.microsoft.com/office/drawing/2014/main" xmlns="" id="{2D72A2C9-F3CA-4216-8BAD-FA4C970C3C4E}"/>
+                <a16:creationId xmlns="" xmlns:a16="http://schemas.microsoft.com/office/drawing/2014/main" id="{2D72A2C9-F3CA-4216-8BAD-FA4C970C3C4E}"/>
               </a:ext>
               <a:ext uri="{C183D7F6-B498-43B3-948B-1728B52AA6E4}">
-                <adec:decorative xmlns:adec="http://schemas.microsoft.com/office/drawing/2017/decorative" xmlns="" val="1"/>
+                <adec:decorative xmlns="" xmlns:adec="http://schemas.microsoft.com/office/drawing/2017/decorative" val="1"/>
               </a:ext>
             </a:extLst>
           </p:cNvPr>
@@ -10278,7 +10536,7 @@
           <p:nvPr>
             <p:extLst>
               <p:ext uri="{386F3935-93C4-4BCD-93E2-E3B085C9AB24}">
-                <p16:designElem xmlns:p16="http://schemas.microsoft.com/office/powerpoint/2015/main" xmlns="" val="1"/>
+                <p16:designElem xmlns="" xmlns:p16="http://schemas.microsoft.com/office/powerpoint/2015/main" val="1"/>
               </p:ext>
             </p:extLst>
           </p:nvPr>
@@ -10320,7 +10578,7 @@
           <p:cNvPr id="8" name="Inhaltsplatzhalter 4">
             <a:extLst>
               <a:ext uri="{FF2B5EF4-FFF2-40B4-BE49-F238E27FC236}">
-                <a16:creationId xmlns:a16="http://schemas.microsoft.com/office/drawing/2014/main" xmlns="" id="{A8E625C4-6DB1-9D42-BFEA-DE37A6F928F3}"/>
+                <a16:creationId xmlns="" xmlns:a16="http://schemas.microsoft.com/office/drawing/2014/main" id="{A8E625C4-6DB1-9D42-BFEA-DE37A6F928F3}"/>
               </a:ext>
             </a:extLst>
           </p:cNvPr>
@@ -10343,41 +10601,43 @@
           </a:bodyPr>
           <a:lstStyle/>
           <a:p>
-            <a:r>
-              <a:rPr lang="de-DE" dirty="0" smtClean="0"/>
-              <a:t>Gerichteter Graph </a:t>
-            </a:r>
-          </a:p>
-          <a:p>
-            <a:r>
-              <a:rPr lang="de-DE" dirty="0" smtClean="0"/>
-              <a:t>Maximaler Fluss (Max Flow) zwischen Quelle und Senke </a:t>
-            </a:r>
-          </a:p>
-          <a:p>
-            <a:r>
-              <a:rPr lang="de-DE" dirty="0" smtClean="0"/>
-              <a:t>Kapazitätsgrenzen sollen nicht überschritten</a:t>
-            </a:r>
-          </a:p>
-          <a:p>
-            <a:r>
-              <a:rPr lang="de-DE" dirty="0" smtClean="0"/>
-              <a:t>Also nicht minimieren der Kosten sondern maximieren der Ware</a:t>
-            </a:r>
+            <a:pPr>
+              <a:buFont typeface="Wingdings" panose="05000000000000000000" pitchFamily="2" charset="2"/>
+              <a:buChar char="à"/>
+            </a:pPr>
+            <a:r>
+              <a:rPr lang="de-DE" smtClean="0">
+                <a:sym typeface="Wingdings" pitchFamily="2" charset="2"/>
+              </a:rPr>
+              <a:t>Inzidenzmatrix</a:t>
+            </a:r>
+          </a:p>
+          <a:p>
+            <a:pPr>
+              <a:buFont typeface="Wingdings" panose="05000000000000000000" pitchFamily="2" charset="2"/>
+              <a:buChar char="à"/>
+            </a:pPr>
+            <a:endParaRPr lang="de-DE" dirty="0"/>
           </a:p>
         </p:txBody>
       </p:sp>
     </p:spTree>
     <p:extLst>
       <p:ext uri="{BB962C8B-B14F-4D97-AF65-F5344CB8AC3E}">
-        <p14:creationId xmlns:p14="http://schemas.microsoft.com/office/powerpoint/2010/main" val="2070238935"/>
+        <p14:creationId xmlns:p14="http://schemas.microsoft.com/office/powerpoint/2010/main" val="1347059265"/>
       </p:ext>
     </p:extLst>
   </p:cSld>
   <p:clrMapOvr>
     <a:masterClrMapping/>
   </p:clrMapOvr>
+  <p:timing>
+    <p:tnLst>
+      <p:par>
+        <p:cTn id="1" dur="indefinite" restart="never" nodeType="tmRoot"/>
+      </p:par>
+    </p:tnLst>
+  </p:timing>
 </p:sld>
 </file>
 
@@ -10411,10 +10671,10 @@
           <p:cNvPr id="19" name="Rectangle 18">
             <a:extLst>
               <a:ext uri="{FF2B5EF4-FFF2-40B4-BE49-F238E27FC236}">
-                <a16:creationId xmlns:a16="http://schemas.microsoft.com/office/drawing/2014/main" xmlns="" id="{8D70B121-56F4-4848-B38B-182089D909FA}"/>
+                <a16:creationId xmlns="" xmlns:a16="http://schemas.microsoft.com/office/drawing/2014/main" id="{8D70B121-56F4-4848-B38B-182089D909FA}"/>
               </a:ext>
               <a:ext uri="{C183D7F6-B498-43B3-948B-1728B52AA6E4}">
-                <adec:decorative xmlns:adec="http://schemas.microsoft.com/office/drawing/2017/decorative" xmlns="" val="1"/>
+                <adec:decorative xmlns="" xmlns:adec="http://schemas.microsoft.com/office/drawing/2017/decorative" val="1"/>
               </a:ext>
             </a:extLst>
           </p:cNvPr>
@@ -10424,7 +10684,7 @@
           <p:nvPr>
             <p:extLst>
               <p:ext uri="{386F3935-93C4-4BCD-93E2-E3B085C9AB24}">
-                <p16:designElem xmlns:p16="http://schemas.microsoft.com/office/powerpoint/2015/main" xmlns="" val="1"/>
+                <p16:designElem xmlns="" xmlns:p16="http://schemas.microsoft.com/office/powerpoint/2015/main" val="1"/>
               </p:ext>
             </p:extLst>
           </p:nvPr>
@@ -10476,7 +10736,7 @@
           <p:cNvPr id="2" name="Titel 1">
             <a:extLst>
               <a:ext uri="{FF2B5EF4-FFF2-40B4-BE49-F238E27FC236}">
-                <a16:creationId xmlns:a16="http://schemas.microsoft.com/office/drawing/2014/main" xmlns="" id="{35BFDC70-A169-E142-B051-5ABC9190E094}"/>
+                <a16:creationId xmlns="" xmlns:a16="http://schemas.microsoft.com/office/drawing/2014/main" id="{35BFDC70-A169-E142-B051-5ABC9190E094}"/>
               </a:ext>
             </a:extLst>
           </p:cNvPr>
@@ -10524,10 +10784,10 @@
           <p:cNvPr id="21" name="Straight Connector 20">
             <a:extLst>
               <a:ext uri="{FF2B5EF4-FFF2-40B4-BE49-F238E27FC236}">
-                <a16:creationId xmlns:a16="http://schemas.microsoft.com/office/drawing/2014/main" xmlns="" id="{2D72A2C9-F3CA-4216-8BAD-FA4C970C3C4E}"/>
+                <a16:creationId xmlns="" xmlns:a16="http://schemas.microsoft.com/office/drawing/2014/main" id="{2D72A2C9-F3CA-4216-8BAD-FA4C970C3C4E}"/>
               </a:ext>
               <a:ext uri="{C183D7F6-B498-43B3-948B-1728B52AA6E4}">
-                <adec:decorative xmlns:adec="http://schemas.microsoft.com/office/drawing/2017/decorative" xmlns="" val="1"/>
+                <adec:decorative xmlns="" xmlns:adec="http://schemas.microsoft.com/office/drawing/2017/decorative" val="1"/>
               </a:ext>
             </a:extLst>
           </p:cNvPr>
@@ -10537,7 +10797,7 @@
           <p:nvPr>
             <p:extLst>
               <p:ext uri="{386F3935-93C4-4BCD-93E2-E3B085C9AB24}">
-                <p16:designElem xmlns:p16="http://schemas.microsoft.com/office/powerpoint/2015/main" xmlns="" val="1"/>
+                <p16:designElem xmlns="" xmlns:p16="http://schemas.microsoft.com/office/powerpoint/2015/main" val="1"/>
               </p:ext>
             </p:extLst>
           </p:nvPr>
@@ -10574,63 +10834,52 @@
           </a:fontRef>
         </p:style>
       </p:cxnSp>
-      <p:sp>
-        <p:nvSpPr>
-          <p:cNvPr id="8" name="Inhaltsplatzhalter 4">
+      <p:pic>
+        <p:nvPicPr>
+          <p:cNvPr id="4" name="Inhaltsplatzhalter 3"/>
+          <p:cNvPicPr>
+            <a:picLocks noGrp="1" noChangeAspect="1"/>
+          </p:cNvPicPr>
+          <p:nvPr>
+            <p:ph idx="1"/>
+          </p:nvPr>
+        </p:nvPicPr>
+        <p:blipFill>
+          <a:blip r:embed="rId3">
             <a:extLst>
-              <a:ext uri="{FF2B5EF4-FFF2-40B4-BE49-F238E27FC236}">
-                <a16:creationId xmlns:a16="http://schemas.microsoft.com/office/drawing/2014/main" xmlns="" id="{A8E625C4-6DB1-9D42-BFEA-DE37A6F928F3}"/>
+              <a:ext uri="{28A0092B-C50C-407E-A947-70E740481C1C}">
+                <a14:useLocalDpi xmlns:a14="http://schemas.microsoft.com/office/drawing/2010/main" val="0"/>
               </a:ext>
             </a:extLst>
-          </p:cNvPr>
-          <p:cNvSpPr>
-            <a:spLocks noGrp="1"/>
-          </p:cNvSpPr>
-          <p:nvPr>
-            <p:ph idx="1"/>
-          </p:nvPr>
-        </p:nvSpPr>
+          </a:blip>
+          <a:stretch>
+            <a:fillRect/>
+          </a:stretch>
+        </p:blipFill>
         <p:spPr>
           <a:xfrm>
-            <a:off x="5097419" y="963877"/>
-            <a:ext cx="5686424" cy="4930246"/>
+            <a:off x="7301071" y="2467704"/>
+            <a:ext cx="1922591" cy="1922591"/>
           </a:xfrm>
         </p:spPr>
-        <p:txBody>
-          <a:bodyPr anchor="ctr">
-            <a:normAutofit/>
-          </a:bodyPr>
-          <a:lstStyle/>
-          <a:p>
-            <a:pPr marL="0" indent="0">
-              <a:buNone/>
-            </a:pPr>
-            <a:r>
-              <a:rPr lang="de-DE" dirty="0">
-                <a:sym typeface="Wingdings" pitchFamily="2" charset="2"/>
-              </a:rPr>
-              <a:t> </a:t>
-            </a:r>
-            <a:r>
-              <a:rPr lang="de-DE" dirty="0" err="1" smtClean="0">
-                <a:sym typeface="Wingdings" pitchFamily="2" charset="2"/>
-              </a:rPr>
-              <a:t>Sagemath</a:t>
-            </a:r>
-            <a:endParaRPr lang="de-DE" dirty="0"/>
-          </a:p>
-        </p:txBody>
-      </p:sp>
+      </p:pic>
     </p:spTree>
     <p:extLst>
       <p:ext uri="{BB962C8B-B14F-4D97-AF65-F5344CB8AC3E}">
-        <p14:creationId xmlns:p14="http://schemas.microsoft.com/office/powerpoint/2010/main" val="1266032376"/>
+        <p14:creationId xmlns:p14="http://schemas.microsoft.com/office/powerpoint/2010/main" val="1172390065"/>
       </p:ext>
     </p:extLst>
   </p:cSld>
   <p:clrMapOvr>
     <a:masterClrMapping/>
   </p:clrMapOvr>
+  <p:timing>
+    <p:tnLst>
+      <p:par>
+        <p:cTn id="1" dur="indefinite" restart="never" nodeType="tmRoot"/>
+      </p:par>
+    </p:tnLst>
+  </p:timing>
 </p:sld>
 </file>
 
@@ -10661,13 +10910,13 @@
       </p:grpSpPr>
       <p:sp>
         <p:nvSpPr>
-          <p:cNvPr id="19" name="Rectangle 18">
+          <p:cNvPr id="8" name="Rectangle 7">
             <a:extLst>
               <a:ext uri="{FF2B5EF4-FFF2-40B4-BE49-F238E27FC236}">
-                <a16:creationId xmlns:a16="http://schemas.microsoft.com/office/drawing/2014/main" xmlns="" id="{8D70B121-56F4-4848-B38B-182089D909FA}"/>
+                <a16:creationId xmlns="" xmlns:a16="http://schemas.microsoft.com/office/drawing/2014/main" id="{8D70B121-56F4-4848-B38B-182089D909FA}"/>
               </a:ext>
               <a:ext uri="{C183D7F6-B498-43B3-948B-1728B52AA6E4}">
-                <adec:decorative xmlns:adec="http://schemas.microsoft.com/office/drawing/2017/decorative" xmlns="" val="1"/>
+                <adec:decorative xmlns="" xmlns:adec="http://schemas.microsoft.com/office/drawing/2017/decorative" val="1"/>
               </a:ext>
             </a:extLst>
           </p:cNvPr>
@@ -10677,7 +10926,7 @@
           <p:nvPr>
             <p:extLst>
               <p:ext uri="{386F3935-93C4-4BCD-93E2-E3B085C9AB24}">
-                <p16:designElem xmlns:p16="http://schemas.microsoft.com/office/powerpoint/2015/main" xmlns="" val="1"/>
+                <p16:designElem xmlns="" xmlns:p16="http://schemas.microsoft.com/office/powerpoint/2015/main" val="1"/>
               </p:ext>
             </p:extLst>
           </p:nvPr>
@@ -10729,7 +10978,7 @@
           <p:cNvPr id="2" name="Titel 1">
             <a:extLst>
               <a:ext uri="{FF2B5EF4-FFF2-40B4-BE49-F238E27FC236}">
-                <a16:creationId xmlns:a16="http://schemas.microsoft.com/office/drawing/2014/main" xmlns="" id="{35BFDC70-A169-E142-B051-5ABC9190E094}"/>
+                <a16:creationId xmlns="" xmlns:a16="http://schemas.microsoft.com/office/drawing/2014/main" id="{0B5D0F8F-C92F-BC46-ACC4-7A21698DD272}"/>
               </a:ext>
             </a:extLst>
           </p:cNvPr>
@@ -10742,77 +10991,37 @@
         </p:nvSpPr>
         <p:spPr>
           <a:xfrm>
-            <a:off x="861390" y="963877"/>
-            <a:ext cx="3471171" cy="4930246"/>
+            <a:off x="838200" y="963877"/>
+            <a:ext cx="3494362" cy="4930246"/>
           </a:xfrm>
         </p:spPr>
         <p:txBody>
-          <a:bodyPr vert="horz" lIns="91440" tIns="45720" rIns="91440" bIns="45720" rtlCol="0">
+          <a:bodyPr>
             <a:normAutofit/>
           </a:bodyPr>
           <a:lstStyle/>
           <a:p>
-            <a:pPr algn="ctr"/>
-            <a:r>
-              <a:rPr lang="en-US" dirty="0" smtClean="0">
+            <a:pPr algn="r"/>
+            <a:r>
+              <a:rPr lang="de-DE" dirty="0">
                 <a:solidFill>
                   <a:schemeClr val="accent1"/>
                 </a:solidFill>
               </a:rPr>
-              <a:t>Unser vs </a:t>
-            </a:r>
-            <a:r>
-              <a:rPr lang="en-US" dirty="0" err="1">
-                <a:solidFill>
-                  <a:schemeClr val="accent1"/>
-                </a:solidFill>
-              </a:rPr>
-              <a:t>A</a:t>
-            </a:r>
-            <a:r>
-              <a:rPr lang="en-US" dirty="0" err="1" smtClean="0">
-                <a:solidFill>
-                  <a:schemeClr val="accent1"/>
-                </a:solidFill>
-              </a:rPr>
-              <a:t>ndere</a:t>
-            </a:r>
-            <a:r>
-              <a:rPr lang="en-US" dirty="0" smtClean="0">
-                <a:solidFill>
-                  <a:schemeClr val="accent1"/>
-                </a:solidFill>
-              </a:rPr>
-              <a:t> </a:t>
-            </a:r>
-            <a:r>
-              <a:rPr lang="en-US" dirty="0" err="1" smtClean="0">
-                <a:solidFill>
-                  <a:schemeClr val="accent1"/>
-                </a:solidFill>
-              </a:rPr>
-              <a:t>Lösungen</a:t>
-            </a:r>
-            <a:endParaRPr lang="en-US" kern="1200" dirty="0">
-              <a:solidFill>
-                <a:schemeClr val="accent1"/>
-              </a:solidFill>
-              <a:latin typeface="+mj-lt"/>
-              <a:ea typeface="+mj-ea"/>
-              <a:cs typeface="+mj-cs"/>
-            </a:endParaRPr>
+              <a:t>Gliederung	</a:t>
+            </a:r>
           </a:p>
         </p:txBody>
       </p:sp>
       <p:cxnSp>
         <p:nvCxnSpPr>
-          <p:cNvPr id="21" name="Straight Connector 20">
+          <p:cNvPr id="10" name="Straight Connector 9">
             <a:extLst>
               <a:ext uri="{FF2B5EF4-FFF2-40B4-BE49-F238E27FC236}">
-                <a16:creationId xmlns:a16="http://schemas.microsoft.com/office/drawing/2014/main" xmlns="" id="{2D72A2C9-F3CA-4216-8BAD-FA4C970C3C4E}"/>
+                <a16:creationId xmlns="" xmlns:a16="http://schemas.microsoft.com/office/drawing/2014/main" id="{2D72A2C9-F3CA-4216-8BAD-FA4C970C3C4E}"/>
               </a:ext>
               <a:ext uri="{C183D7F6-B498-43B3-948B-1728B52AA6E4}">
-                <adec:decorative xmlns:adec="http://schemas.microsoft.com/office/drawing/2017/decorative" xmlns="" val="1"/>
+                <adec:decorative xmlns="" xmlns:adec="http://schemas.microsoft.com/office/drawing/2017/decorative" val="1"/>
               </a:ext>
             </a:extLst>
           </p:cNvPr>
@@ -10822,7 +11031,7 @@
           <p:nvPr>
             <p:extLst>
               <p:ext uri="{386F3935-93C4-4BCD-93E2-E3B085C9AB24}">
-                <p16:designElem xmlns:p16="http://schemas.microsoft.com/office/powerpoint/2015/main" xmlns="" val="1"/>
+                <p16:designElem xmlns="" xmlns:p16="http://schemas.microsoft.com/office/powerpoint/2015/main" val="1"/>
               </p:ext>
             </p:extLst>
           </p:nvPr>
@@ -10861,10 +11070,10 @@
       </p:cxnSp>
       <p:sp>
         <p:nvSpPr>
-          <p:cNvPr id="8" name="Inhaltsplatzhalter 4">
+          <p:cNvPr id="3" name="Inhaltsplatzhalter 2">
             <a:extLst>
               <a:ext uri="{FF2B5EF4-FFF2-40B4-BE49-F238E27FC236}">
-                <a16:creationId xmlns:a16="http://schemas.microsoft.com/office/drawing/2014/main" xmlns="" id="{A8E625C4-6DB1-9D42-BFEA-DE37A6F928F3}"/>
+                <a16:creationId xmlns="" xmlns:a16="http://schemas.microsoft.com/office/drawing/2014/main" id="{692C889E-3E0C-9E40-9512-4230892B2B42}"/>
               </a:ext>
             </a:extLst>
           </p:cNvPr>
@@ -10877,8 +11086,8 @@
         </p:nvSpPr>
         <p:spPr>
           <a:xfrm>
-            <a:off x="5097419" y="963877"/>
-            <a:ext cx="5686424" cy="4930246"/>
+            <a:off x="4976031" y="963877"/>
+            <a:ext cx="6377769" cy="4930246"/>
           </a:xfrm>
         </p:spPr>
         <p:txBody>
@@ -10887,47 +11096,91 @@
           </a:bodyPr>
           <a:lstStyle/>
           <a:p>
-            <a:pPr marL="0" indent="0">
-              <a:buNone/>
-            </a:pPr>
-            <a:r>
-              <a:rPr lang="de-DE" dirty="0">
-                <a:sym typeface="Wingdings" pitchFamily="2" charset="2"/>
+            <a:r>
+              <a:rPr lang="de-DE" sz="2400" dirty="0"/>
+              <a:t>Einführung in das Thema</a:t>
+            </a:r>
+          </a:p>
+          <a:p>
+            <a:r>
+              <a:rPr lang="de-DE" sz="2400" dirty="0"/>
+              <a:t>Theoretische Grundlagen</a:t>
+            </a:r>
+          </a:p>
+          <a:p>
+            <a:pPr lvl="1"/>
+            <a:r>
+              <a:rPr lang="de-DE" sz="2000" dirty="0"/>
+              <a:t>Anwendungen</a:t>
+            </a:r>
+          </a:p>
+          <a:p>
+            <a:r>
+              <a:rPr lang="de-DE" sz="2400" dirty="0"/>
+              <a:t>Aufgabenstellung</a:t>
+            </a:r>
+          </a:p>
+          <a:p>
+            <a:r>
+              <a:rPr lang="de-DE" sz="2400" dirty="0"/>
+              <a:t>Implementierung</a:t>
+            </a:r>
+          </a:p>
+          <a:p>
+            <a:pPr lvl="1"/>
+            <a:r>
+              <a:rPr lang="de-DE" sz="2000" dirty="0"/>
+              <a:t>Herangehensweise </a:t>
+            </a:r>
+          </a:p>
+          <a:p>
+            <a:pPr lvl="1"/>
+            <a:r>
+              <a:rPr lang="de-DE" sz="2000" dirty="0"/>
+              <a:t>Einführung in den </a:t>
+            </a:r>
+            <a:r>
+              <a:rPr lang="de-DE" sz="2000" dirty="0" smtClean="0"/>
+              <a:t>Code</a:t>
+            </a:r>
+          </a:p>
+          <a:p>
+            <a:pPr lvl="1"/>
+            <a:r>
+              <a:rPr lang="de-DE" sz="2000" dirty="0" smtClean="0">
+                <a:solidFill>
+                  <a:srgbClr val="0070C0"/>
+                </a:solidFill>
               </a:rPr>
-              <a:t> Swap </a:t>
-            </a:r>
-            <a:r>
-              <a:rPr lang="de-DE" dirty="0" err="1">
-                <a:sym typeface="Wingdings" pitchFamily="2" charset="2"/>
-              </a:rPr>
-              <a:t>to</a:t>
-            </a:r>
-            <a:r>
-              <a:rPr lang="de-DE" dirty="0">
-                <a:sym typeface="Wingdings" pitchFamily="2" charset="2"/>
-              </a:rPr>
-              <a:t> </a:t>
-            </a:r>
-            <a:r>
-              <a:rPr lang="de-DE" dirty="0" err="1">
-                <a:sym typeface="Wingdings" pitchFamily="2" charset="2"/>
-              </a:rPr>
-              <a:t>Sagemath</a:t>
-            </a:r>
-            <a:endParaRPr lang="de-DE" dirty="0"/>
+              <a:t>Präsentation des Ergebnisses</a:t>
+            </a:r>
+          </a:p>
+          <a:p>
+            <a:r>
+              <a:rPr lang="de-DE" sz="2400" dirty="0" smtClean="0"/>
+              <a:t>Fazit </a:t>
+            </a:r>
+            <a:endParaRPr lang="de-DE" sz="2400" dirty="0"/>
           </a:p>
         </p:txBody>
       </p:sp>
     </p:spTree>
     <p:extLst>
       <p:ext uri="{BB962C8B-B14F-4D97-AF65-F5344CB8AC3E}">
-        <p14:creationId xmlns:p14="http://schemas.microsoft.com/office/powerpoint/2010/main" val="931069158"/>
+        <p14:creationId xmlns:p14="http://schemas.microsoft.com/office/powerpoint/2010/main" val="3478974392"/>
       </p:ext>
     </p:extLst>
   </p:cSld>
   <p:clrMapOvr>
     <a:masterClrMapping/>
   </p:clrMapOvr>
+  <p:timing>
+    <p:tnLst>
+      <p:par>
+        <p:cTn id="1" dur="indefinite" restart="never" nodeType="tmRoot"/>
+      </p:par>
+    </p:tnLst>
+  </p:timing>
 </p:sld>
 </file>
 
@@ -10961,10 +11214,10 @@
           <p:cNvPr id="8" name="Rectangle 7">
             <a:extLst>
               <a:ext uri="{FF2B5EF4-FFF2-40B4-BE49-F238E27FC236}">
-                <a16:creationId xmlns:a16="http://schemas.microsoft.com/office/drawing/2014/main" xmlns="" id="{8D70B121-56F4-4848-B38B-182089D909FA}"/>
+                <a16:creationId xmlns="" xmlns:a16="http://schemas.microsoft.com/office/drawing/2014/main" id="{8D70B121-56F4-4848-B38B-182089D909FA}"/>
               </a:ext>
               <a:ext uri="{C183D7F6-B498-43B3-948B-1728B52AA6E4}">
-                <adec:decorative xmlns:adec="http://schemas.microsoft.com/office/drawing/2017/decorative" xmlns="" val="1"/>
+                <adec:decorative xmlns="" xmlns:adec="http://schemas.microsoft.com/office/drawing/2017/decorative" val="1"/>
               </a:ext>
             </a:extLst>
           </p:cNvPr>
@@ -10974,7 +11227,7 @@
           <p:nvPr>
             <p:extLst>
               <p:ext uri="{386F3935-93C4-4BCD-93E2-E3B085C9AB24}">
-                <p16:designElem xmlns:p16="http://schemas.microsoft.com/office/powerpoint/2015/main" xmlns="" val="1"/>
+                <p16:designElem xmlns="" xmlns:p16="http://schemas.microsoft.com/office/powerpoint/2015/main" val="1"/>
               </p:ext>
             </p:extLst>
           </p:nvPr>
@@ -11023,10 +11276,4709 @@
       </p:sp>
       <p:sp>
         <p:nvSpPr>
+          <p:cNvPr id="6" name="Textfeld 5"/>
+          <p:cNvSpPr txBox="1"/>
+          <p:nvPr/>
+        </p:nvSpPr>
+        <p:spPr>
+          <a:xfrm>
+            <a:off x="4916391" y="5701350"/>
+            <a:ext cx="1853513" cy="646331"/>
+          </a:xfrm>
+          <a:prstGeom prst="rect">
+            <a:avLst/>
+          </a:prstGeom>
+          <a:noFill/>
+        </p:spPr>
+        <p:txBody>
+          <a:bodyPr wrap="square" rtlCol="0">
+            <a:spAutoFit/>
+          </a:bodyPr>
+          <a:lstStyle/>
+          <a:p>
+            <a:r>
+              <a:rPr lang="de-DE" b="1" dirty="0" smtClean="0">
+                <a:solidFill>
+                  <a:srgbClr val="FF0000"/>
+                </a:solidFill>
+              </a:rPr>
+              <a:t>Rote: </a:t>
+            </a:r>
+            <a:r>
+              <a:rPr lang="de-DE" dirty="0" smtClean="0"/>
+              <a:t>Kosten</a:t>
+            </a:r>
+          </a:p>
+          <a:p>
+            <a:r>
+              <a:rPr lang="de-DE" b="1" dirty="0" smtClean="0">
+                <a:solidFill>
+                  <a:srgbClr val="0070C0"/>
+                </a:solidFill>
+              </a:rPr>
+              <a:t>Blau: </a:t>
+            </a:r>
+            <a:r>
+              <a:rPr lang="de-DE" dirty="0" smtClean="0"/>
+              <a:t>Kapazität</a:t>
+            </a:r>
+            <a:endParaRPr lang="de-DE" dirty="0"/>
+          </a:p>
+        </p:txBody>
+      </p:sp>
+      <p:grpSp>
+        <p:nvGrpSpPr>
+          <p:cNvPr id="9" name="Gruppieren 8">
+            <a:extLst>
+              <a:ext uri="{FF2B5EF4-FFF2-40B4-BE49-F238E27FC236}">
+                <a16:creationId xmlns="" xmlns:a16="http://schemas.microsoft.com/office/drawing/2014/main" id="{50ECC846-FE00-5642-8853-EEE6E8A01659}"/>
+              </a:ext>
+            </a:extLst>
+          </p:cNvPr>
+          <p:cNvGrpSpPr/>
+          <p:nvPr/>
+        </p:nvGrpSpPr>
+        <p:grpSpPr>
+          <a:xfrm>
+            <a:off x="2497172" y="2026478"/>
+            <a:ext cx="6691950" cy="2767060"/>
+            <a:chOff x="2192238" y="1846394"/>
+            <a:chExt cx="7807523" cy="3165212"/>
+          </a:xfrm>
+        </p:grpSpPr>
+        <p:sp>
+          <p:nvSpPr>
+            <p:cNvPr id="12" name="Dreieck 22">
+              <a:extLst>
+                <a:ext uri="{FF2B5EF4-FFF2-40B4-BE49-F238E27FC236}">
+                  <a16:creationId xmlns="" xmlns:a16="http://schemas.microsoft.com/office/drawing/2014/main" id="{C58FCFF5-FFE5-1240-AE4D-8FE755FB7696}"/>
+                </a:ext>
+              </a:extLst>
+            </p:cNvPr>
+            <p:cNvSpPr/>
+            <p:nvPr/>
+          </p:nvSpPr>
+          <p:spPr>
+            <a:xfrm>
+              <a:off x="4770782" y="2690192"/>
+              <a:ext cx="225287" cy="132521"/>
+            </a:xfrm>
+            <a:prstGeom prst="triangle">
+              <a:avLst/>
+            </a:prstGeom>
+          </p:spPr>
+          <p:style>
+            <a:lnRef idx="2">
+              <a:schemeClr val="accent1">
+                <a:shade val="50000"/>
+              </a:schemeClr>
+            </a:lnRef>
+            <a:fillRef idx="1">
+              <a:schemeClr val="accent1"/>
+            </a:fillRef>
+            <a:effectRef idx="0">
+              <a:schemeClr val="accent1"/>
+            </a:effectRef>
+            <a:fontRef idx="minor">
+              <a:schemeClr val="lt1"/>
+            </a:fontRef>
+          </p:style>
+          <p:txBody>
+            <a:bodyPr rtlCol="0" anchor="ctr"/>
+            <a:lstStyle/>
+            <a:p>
+              <a:pPr algn="ctr"/>
+              <a:endParaRPr lang="de-DE"/>
+            </a:p>
+          </p:txBody>
+        </p:sp>
+        <p:pic>
+          <p:nvPicPr>
+            <p:cNvPr id="11" name="Grafik 10">
+              <a:extLst>
+                <a:ext uri="{FF2B5EF4-FFF2-40B4-BE49-F238E27FC236}">
+                  <a16:creationId xmlns="" xmlns:a16="http://schemas.microsoft.com/office/drawing/2014/main" id="{4E6774A5-9359-5A4C-9D07-47945BA0A9B3}"/>
+                </a:ext>
+              </a:extLst>
+            </p:cNvPr>
+            <p:cNvPicPr>
+              <a:picLocks noChangeAspect="1"/>
+            </p:cNvPicPr>
+            <p:nvPr/>
+          </p:nvPicPr>
+          <p:blipFill>
+            <a:blip r:embed="rId3"/>
+            <a:stretch>
+              <a:fillRect/>
+            </a:stretch>
+          </p:blipFill>
+          <p:spPr>
+            <a:xfrm>
+              <a:off x="2192238" y="1846394"/>
+              <a:ext cx="7807523" cy="3165212"/>
+            </a:xfrm>
+            <a:prstGeom prst="rect">
+              <a:avLst/>
+            </a:prstGeom>
+          </p:spPr>
+        </p:pic>
+        <p:sp>
+          <p:nvSpPr>
+            <p:cNvPr id="13" name="Dreieck 23">
+              <a:extLst>
+                <a:ext uri="{FF2B5EF4-FFF2-40B4-BE49-F238E27FC236}">
+                  <a16:creationId xmlns="" xmlns:a16="http://schemas.microsoft.com/office/drawing/2014/main" id="{45F58FCA-1036-9842-AC1B-581E8445154F}"/>
+                </a:ext>
+              </a:extLst>
+            </p:cNvPr>
+            <p:cNvSpPr/>
+            <p:nvPr/>
+          </p:nvSpPr>
+          <p:spPr>
+            <a:xfrm rot="3677808">
+              <a:off x="4481190" y="2559880"/>
+              <a:ext cx="225287" cy="132521"/>
+            </a:xfrm>
+            <a:prstGeom prst="triangle">
+              <a:avLst/>
+            </a:prstGeom>
+          </p:spPr>
+          <p:style>
+            <a:lnRef idx="2">
+              <a:schemeClr val="accent1">
+                <a:shade val="50000"/>
+              </a:schemeClr>
+            </a:lnRef>
+            <a:fillRef idx="1">
+              <a:schemeClr val="accent1"/>
+            </a:fillRef>
+            <a:effectRef idx="0">
+              <a:schemeClr val="accent1"/>
+            </a:effectRef>
+            <a:fontRef idx="minor">
+              <a:schemeClr val="lt1"/>
+            </a:fontRef>
+          </p:style>
+          <p:txBody>
+            <a:bodyPr rtlCol="0" anchor="ctr"/>
+            <a:lstStyle/>
+            <a:p>
+              <a:pPr algn="ctr"/>
+              <a:endParaRPr lang="de-DE" dirty="0"/>
+            </a:p>
+          </p:txBody>
+        </p:sp>
+        <p:sp>
+          <p:nvSpPr>
+            <p:cNvPr id="14" name="Dreieck 24">
+              <a:extLst>
+                <a:ext uri="{FF2B5EF4-FFF2-40B4-BE49-F238E27FC236}">
+                  <a16:creationId xmlns="" xmlns:a16="http://schemas.microsoft.com/office/drawing/2014/main" id="{F32A8848-A721-984F-933E-9E9622B747AD}"/>
+                </a:ext>
+              </a:extLst>
+            </p:cNvPr>
+            <p:cNvSpPr/>
+            <p:nvPr/>
+          </p:nvSpPr>
+          <p:spPr>
+            <a:xfrm rot="6878945">
+              <a:off x="4492693" y="4351465"/>
+              <a:ext cx="225287" cy="132521"/>
+            </a:xfrm>
+            <a:prstGeom prst="triangle">
+              <a:avLst/>
+            </a:prstGeom>
+          </p:spPr>
+          <p:style>
+            <a:lnRef idx="2">
+              <a:schemeClr val="accent1">
+                <a:shade val="50000"/>
+              </a:schemeClr>
+            </a:lnRef>
+            <a:fillRef idx="1">
+              <a:schemeClr val="accent1"/>
+            </a:fillRef>
+            <a:effectRef idx="0">
+              <a:schemeClr val="accent1"/>
+            </a:effectRef>
+            <a:fontRef idx="minor">
+              <a:schemeClr val="lt1"/>
+            </a:fontRef>
+          </p:style>
+          <p:txBody>
+            <a:bodyPr rtlCol="0" anchor="ctr"/>
+            <a:lstStyle/>
+            <a:p>
+              <a:pPr algn="ctr"/>
+              <a:endParaRPr lang="de-DE"/>
+            </a:p>
+          </p:txBody>
+        </p:sp>
+        <p:sp>
+          <p:nvSpPr>
+            <p:cNvPr id="15" name="Dreieck 25">
+              <a:extLst>
+                <a:ext uri="{FF2B5EF4-FFF2-40B4-BE49-F238E27FC236}">
+                  <a16:creationId xmlns="" xmlns:a16="http://schemas.microsoft.com/office/drawing/2014/main" id="{80771BCA-609E-164A-B463-F6A1D4A2CEAE}"/>
+                </a:ext>
+              </a:extLst>
+            </p:cNvPr>
+            <p:cNvSpPr/>
+            <p:nvPr/>
+          </p:nvSpPr>
+          <p:spPr>
+            <a:xfrm rot="3016238">
+              <a:off x="6645367" y="2627471"/>
+              <a:ext cx="225287" cy="132521"/>
+            </a:xfrm>
+            <a:prstGeom prst="triangle">
+              <a:avLst/>
+            </a:prstGeom>
+          </p:spPr>
+          <p:style>
+            <a:lnRef idx="2">
+              <a:schemeClr val="accent1">
+                <a:shade val="50000"/>
+              </a:schemeClr>
+            </a:lnRef>
+            <a:fillRef idx="1">
+              <a:schemeClr val="accent1"/>
+            </a:fillRef>
+            <a:effectRef idx="0">
+              <a:schemeClr val="accent1"/>
+            </a:effectRef>
+            <a:fontRef idx="minor">
+              <a:schemeClr val="lt1"/>
+            </a:fontRef>
+          </p:style>
+          <p:txBody>
+            <a:bodyPr rtlCol="0" anchor="ctr"/>
+            <a:lstStyle/>
+            <a:p>
+              <a:pPr algn="ctr"/>
+              <a:endParaRPr lang="de-DE"/>
+            </a:p>
+          </p:txBody>
+        </p:sp>
+        <p:sp>
+          <p:nvSpPr>
+            <p:cNvPr id="16" name="Dreieck 26">
+              <a:extLst>
+                <a:ext uri="{FF2B5EF4-FFF2-40B4-BE49-F238E27FC236}">
+                  <a16:creationId xmlns="" xmlns:a16="http://schemas.microsoft.com/office/drawing/2014/main" id="{D74FB55B-722F-AF4E-B788-08B063B85B99}"/>
+                </a:ext>
+              </a:extLst>
+            </p:cNvPr>
+            <p:cNvSpPr/>
+            <p:nvPr/>
+          </p:nvSpPr>
+          <p:spPr>
+            <a:xfrm rot="5400000">
+              <a:off x="6541072" y="2385845"/>
+              <a:ext cx="225287" cy="132521"/>
+            </a:xfrm>
+            <a:prstGeom prst="triangle">
+              <a:avLst/>
+            </a:prstGeom>
+          </p:spPr>
+          <p:style>
+            <a:lnRef idx="2">
+              <a:schemeClr val="accent1">
+                <a:shade val="50000"/>
+              </a:schemeClr>
+            </a:lnRef>
+            <a:fillRef idx="1">
+              <a:schemeClr val="accent1"/>
+            </a:fillRef>
+            <a:effectRef idx="0">
+              <a:schemeClr val="accent1"/>
+            </a:effectRef>
+            <a:fontRef idx="minor">
+              <a:schemeClr val="lt1"/>
+            </a:fontRef>
+          </p:style>
+          <p:txBody>
+            <a:bodyPr rtlCol="0" anchor="ctr"/>
+            <a:lstStyle/>
+            <a:p>
+              <a:pPr algn="ctr"/>
+              <a:endParaRPr lang="de-DE"/>
+            </a:p>
+          </p:txBody>
+        </p:sp>
+        <p:sp>
+          <p:nvSpPr>
+            <p:cNvPr id="17" name="Dreieck 27">
+              <a:extLst>
+                <a:ext uri="{FF2B5EF4-FFF2-40B4-BE49-F238E27FC236}">
+                  <a16:creationId xmlns="" xmlns:a16="http://schemas.microsoft.com/office/drawing/2014/main" id="{E28615C0-4C02-CA41-ABCF-97C87E10A370}"/>
+                </a:ext>
+              </a:extLst>
+            </p:cNvPr>
+            <p:cNvSpPr/>
+            <p:nvPr/>
+          </p:nvSpPr>
+          <p:spPr>
+            <a:xfrm rot="5400000">
+              <a:off x="6541072" y="4481479"/>
+              <a:ext cx="225287" cy="132521"/>
+            </a:xfrm>
+            <a:prstGeom prst="triangle">
+              <a:avLst/>
+            </a:prstGeom>
+          </p:spPr>
+          <p:style>
+            <a:lnRef idx="2">
+              <a:schemeClr val="accent1">
+                <a:shade val="50000"/>
+              </a:schemeClr>
+            </a:lnRef>
+            <a:fillRef idx="1">
+              <a:schemeClr val="accent1"/>
+            </a:fillRef>
+            <a:effectRef idx="0">
+              <a:schemeClr val="accent1"/>
+            </a:effectRef>
+            <a:fontRef idx="minor">
+              <a:schemeClr val="lt1"/>
+            </a:fontRef>
+          </p:style>
+          <p:txBody>
+            <a:bodyPr rtlCol="0" anchor="ctr"/>
+            <a:lstStyle/>
+            <a:p>
+              <a:pPr algn="ctr"/>
+              <a:endParaRPr lang="de-DE"/>
+            </a:p>
+          </p:txBody>
+        </p:sp>
+        <p:sp>
+          <p:nvSpPr>
+            <p:cNvPr id="18" name="Dreieck 28">
+              <a:extLst>
+                <a:ext uri="{FF2B5EF4-FFF2-40B4-BE49-F238E27FC236}">
+                  <a16:creationId xmlns="" xmlns:a16="http://schemas.microsoft.com/office/drawing/2014/main" id="{FBA1CE75-BDA7-5541-B332-841CA5A0F3D8}"/>
+                </a:ext>
+              </a:extLst>
+            </p:cNvPr>
+            <p:cNvSpPr/>
+            <p:nvPr/>
+          </p:nvSpPr>
+          <p:spPr>
+            <a:xfrm rot="3738898">
+              <a:off x="8654635" y="3604502"/>
+              <a:ext cx="225287" cy="132521"/>
+            </a:xfrm>
+            <a:prstGeom prst="triangle">
+              <a:avLst/>
+            </a:prstGeom>
+          </p:spPr>
+          <p:style>
+            <a:lnRef idx="2">
+              <a:schemeClr val="accent1">
+                <a:shade val="50000"/>
+              </a:schemeClr>
+            </a:lnRef>
+            <a:fillRef idx="1">
+              <a:schemeClr val="accent1"/>
+            </a:fillRef>
+            <a:effectRef idx="0">
+              <a:schemeClr val="accent1"/>
+            </a:effectRef>
+            <a:fontRef idx="minor">
+              <a:schemeClr val="lt1"/>
+            </a:fontRef>
+          </p:style>
+          <p:txBody>
+            <a:bodyPr rtlCol="0" anchor="ctr"/>
+            <a:lstStyle/>
+            <a:p>
+              <a:pPr algn="ctr"/>
+              <a:endParaRPr lang="de-DE"/>
+            </a:p>
+          </p:txBody>
+        </p:sp>
+        <p:sp>
+          <p:nvSpPr>
+            <p:cNvPr id="19" name="Dreieck 29">
+              <a:extLst>
+                <a:ext uri="{FF2B5EF4-FFF2-40B4-BE49-F238E27FC236}">
+                  <a16:creationId xmlns="" xmlns:a16="http://schemas.microsoft.com/office/drawing/2014/main" id="{54C42A26-F415-894B-B37F-08315630F5A1}"/>
+                </a:ext>
+              </a:extLst>
+            </p:cNvPr>
+            <p:cNvSpPr/>
+            <p:nvPr/>
+          </p:nvSpPr>
+          <p:spPr>
+            <a:xfrm rot="6859344">
+              <a:off x="8650399" y="3251511"/>
+              <a:ext cx="225287" cy="132521"/>
+            </a:xfrm>
+            <a:prstGeom prst="triangle">
+              <a:avLst/>
+            </a:prstGeom>
+          </p:spPr>
+          <p:style>
+            <a:lnRef idx="2">
+              <a:schemeClr val="accent1">
+                <a:shade val="50000"/>
+              </a:schemeClr>
+            </a:lnRef>
+            <a:fillRef idx="1">
+              <a:schemeClr val="accent1"/>
+            </a:fillRef>
+            <a:effectRef idx="0">
+              <a:schemeClr val="accent1"/>
+            </a:effectRef>
+            <a:fontRef idx="minor">
+              <a:schemeClr val="lt1"/>
+            </a:fontRef>
+          </p:style>
+          <p:txBody>
+            <a:bodyPr rtlCol="0" anchor="ctr"/>
+            <a:lstStyle/>
+            <a:p>
+              <a:pPr algn="ctr"/>
+              <a:endParaRPr lang="de-DE"/>
+            </a:p>
+          </p:txBody>
+        </p:sp>
+      </p:grpSp>
+      <p:sp>
+        <p:nvSpPr>
+          <p:cNvPr id="7" name="Textfeld 6"/>
+          <p:cNvSpPr txBox="1"/>
+          <p:nvPr/>
+        </p:nvSpPr>
+        <p:spPr>
+          <a:xfrm>
+            <a:off x="3218778" y="1046307"/>
+            <a:ext cx="5239267" cy="646331"/>
+          </a:xfrm>
+          <a:prstGeom prst="rect">
+            <a:avLst/>
+          </a:prstGeom>
+          <a:noFill/>
+        </p:spPr>
+        <p:txBody>
+          <a:bodyPr wrap="square" rtlCol="0">
+            <a:spAutoFit/>
+          </a:bodyPr>
+          <a:lstStyle/>
+          <a:p>
+            <a:pPr algn="just"/>
+            <a:r>
+              <a:rPr lang="de-DE" b="1" dirty="0" smtClean="0"/>
+              <a:t>Welche wäre unter Berücksichtigung der Kapazitäten Ihrer Meinung nach der günstigste Pfad ?</a:t>
+            </a:r>
+            <a:endParaRPr lang="de-DE" b="1" dirty="0"/>
+          </a:p>
+        </p:txBody>
+      </p:sp>
+      <p:sp>
+        <p:nvSpPr>
+          <p:cNvPr id="23" name="Gleichschenkliges Dreieck 22"/>
+          <p:cNvSpPr/>
+          <p:nvPr/>
+        </p:nvSpPr>
+        <p:spPr>
+          <a:xfrm rot="10800000">
+            <a:off x="6509751" y="4059193"/>
+            <a:ext cx="247135" cy="101981"/>
+          </a:xfrm>
+          <a:prstGeom prst="triangle">
+            <a:avLst/>
+          </a:prstGeom>
+        </p:spPr>
+        <p:style>
+          <a:lnRef idx="2">
+            <a:schemeClr val="accent1">
+              <a:shade val="50000"/>
+            </a:schemeClr>
+          </a:lnRef>
+          <a:fillRef idx="1">
+            <a:schemeClr val="accent1"/>
+          </a:fillRef>
+          <a:effectRef idx="0">
+            <a:schemeClr val="accent1"/>
+          </a:effectRef>
+          <a:fontRef idx="minor">
+            <a:schemeClr val="lt1"/>
+          </a:fontRef>
+        </p:style>
+        <p:txBody>
+          <a:bodyPr rtlCol="0" anchor="ctr"/>
+          <a:lstStyle/>
+          <a:p>
+            <a:pPr algn="ctr"/>
+            <a:endParaRPr lang="de-DE"/>
+          </a:p>
+        </p:txBody>
+      </p:sp>
+      <p:pic>
+        <p:nvPicPr>
+          <p:cNvPr id="21" name="Grafik 20">
+            <a:extLst>
+              <a:ext uri="{FF2B5EF4-FFF2-40B4-BE49-F238E27FC236}">
+                <a16:creationId xmlns="" xmlns:a16="http://schemas.microsoft.com/office/drawing/2014/main" id="{D878A5C2-A8AA-4358-9003-B99120CDFE3F}"/>
+              </a:ext>
+            </a:extLst>
+          </p:cNvPr>
+          <p:cNvPicPr>
+            <a:picLocks noChangeAspect="1"/>
+          </p:cNvPicPr>
+          <p:nvPr/>
+        </p:nvPicPr>
+        <p:blipFill>
+          <a:blip r:embed="rId4"/>
+          <a:stretch>
+            <a:fillRect/>
+          </a:stretch>
+        </p:blipFill>
+        <p:spPr>
+          <a:xfrm>
+            <a:off x="3218778" y="614518"/>
+            <a:ext cx="5002644" cy="5002644"/>
+          </a:xfrm>
+          <a:prstGeom prst="rect">
+            <a:avLst/>
+          </a:prstGeom>
+        </p:spPr>
+      </p:pic>
+    </p:spTree>
+    <p:extLst>
+      <p:ext uri="{BB962C8B-B14F-4D97-AF65-F5344CB8AC3E}">
+        <p14:creationId xmlns:p14="http://schemas.microsoft.com/office/powerpoint/2010/main" val="2735280047"/>
+      </p:ext>
+    </p:extLst>
+  </p:cSld>
+  <p:clrMapOvr>
+    <a:masterClrMapping/>
+  </p:clrMapOvr>
+  <p:timing>
+    <p:tnLst>
+      <p:par>
+        <p:cTn id="1" dur="indefinite" restart="never" nodeType="tmRoot">
+          <p:childTnLst>
+            <p:seq concurrent="1" nextAc="seek">
+              <p:cTn id="2" restart="whenNotActive" fill="hold" evtFilter="cancelBubble" nodeType="interactiveSeq">
+                <p:stCondLst>
+                  <p:cond evt="onClick" delay="0">
+                    <p:tgtEl>
+                      <p:spTgt spid="8"/>
+                    </p:tgtEl>
+                  </p:cond>
+                </p:stCondLst>
+                <p:endSync evt="end" delay="0">
+                  <p:rtn val="all"/>
+                </p:endSync>
+                <p:childTnLst>
+                  <p:par>
+                    <p:cTn id="3" fill="hold">
+                      <p:stCondLst>
+                        <p:cond delay="0"/>
+                      </p:stCondLst>
+                      <p:childTnLst>
+                        <p:par>
+                          <p:cTn id="4" fill="hold">
+                            <p:stCondLst>
+                              <p:cond delay="0"/>
+                            </p:stCondLst>
+                            <p:childTnLst>
+                              <p:par>
+                                <p:cTn id="5" presetID="1" presetClass="entr" presetSubtype="0" fill="hold" grpId="0" nodeType="clickEffect">
+                                  <p:stCondLst>
+                                    <p:cond delay="0"/>
+                                  </p:stCondLst>
+                                  <p:childTnLst>
+                                    <p:set>
+                                      <p:cBhvr>
+                                        <p:cTn id="6" dur="1" fill="hold">
+                                          <p:stCondLst>
+                                            <p:cond delay="0"/>
+                                          </p:stCondLst>
+                                        </p:cTn>
+                                        <p:tgtEl>
+                                          <p:spTgt spid="8"/>
+                                        </p:tgtEl>
+                                        <p:attrNameLst>
+                                          <p:attrName>style.visibility</p:attrName>
+                                        </p:attrNameLst>
+                                      </p:cBhvr>
+                                      <p:to>
+                                        <p:strVal val="visible"/>
+                                      </p:to>
+                                    </p:set>
+                                  </p:childTnLst>
+                                </p:cTn>
+                              </p:par>
+                            </p:childTnLst>
+                          </p:cTn>
+                        </p:par>
+                      </p:childTnLst>
+                    </p:cTn>
+                  </p:par>
+                </p:childTnLst>
+              </p:cTn>
+              <p:nextCondLst>
+                <p:cond evt="onClick" delay="0">
+                  <p:tgtEl>
+                    <p:spTgt spid="8"/>
+                  </p:tgtEl>
+                </p:cond>
+              </p:nextCondLst>
+            </p:seq>
+            <p:seq concurrent="1" nextAc="seek">
+              <p:cTn id="7" restart="whenNotActive" fill="hold" evtFilter="cancelBubble" nodeType="interactiveSeq">
+                <p:stCondLst>
+                  <p:cond evt="onClick" delay="0">
+                    <p:tgtEl>
+                      <p:spTgt spid="6"/>
+                    </p:tgtEl>
+                  </p:cond>
+                </p:stCondLst>
+                <p:endSync evt="end" delay="0">
+                  <p:rtn val="all"/>
+                </p:endSync>
+                <p:childTnLst>
+                  <p:par>
+                    <p:cTn id="8" fill="hold">
+                      <p:stCondLst>
+                        <p:cond delay="0"/>
+                      </p:stCondLst>
+                      <p:childTnLst>
+                        <p:par>
+                          <p:cTn id="9" fill="hold">
+                            <p:stCondLst>
+                              <p:cond delay="0"/>
+                            </p:stCondLst>
+                            <p:childTnLst>
+                              <p:par>
+                                <p:cTn id="10" presetID="1" presetClass="entr" presetSubtype="0" fill="hold" nodeType="clickEffect">
+                                  <p:stCondLst>
+                                    <p:cond delay="0"/>
+                                  </p:stCondLst>
+                                  <p:childTnLst>
+                                    <p:set>
+                                      <p:cBhvr>
+                                        <p:cTn id="11" dur="1" fill="hold">
+                                          <p:stCondLst>
+                                            <p:cond delay="0"/>
+                                          </p:stCondLst>
+                                        </p:cTn>
+                                        <p:tgtEl>
+                                          <p:spTgt spid="21"/>
+                                        </p:tgtEl>
+                                        <p:attrNameLst>
+                                          <p:attrName>style.visibility</p:attrName>
+                                        </p:attrNameLst>
+                                      </p:cBhvr>
+                                      <p:to>
+                                        <p:strVal val="visible"/>
+                                      </p:to>
+                                    </p:set>
+                                  </p:childTnLst>
+                                </p:cTn>
+                              </p:par>
+                            </p:childTnLst>
+                          </p:cTn>
+                        </p:par>
+                      </p:childTnLst>
+                    </p:cTn>
+                  </p:par>
+                </p:childTnLst>
+              </p:cTn>
+              <p:nextCondLst>
+                <p:cond evt="onClick" delay="0">
+                  <p:tgtEl>
+                    <p:spTgt spid="6"/>
+                  </p:tgtEl>
+                </p:cond>
+              </p:nextCondLst>
+            </p:seq>
+            <p:seq concurrent="1" nextAc="seek">
+              <p:cTn id="12" restart="whenNotActive" fill="hold" evtFilter="cancelBubble" nodeType="interactiveSeq">
+                <p:stCondLst>
+                  <p:cond evt="onClick" delay="0">
+                    <p:tgtEl>
+                      <p:spTgt spid="21"/>
+                    </p:tgtEl>
+                  </p:cond>
+                </p:stCondLst>
+                <p:endSync evt="end" delay="0">
+                  <p:rtn val="all"/>
+                </p:endSync>
+                <p:childTnLst>
+                  <p:par>
+                    <p:cTn id="13" fill="hold">
+                      <p:stCondLst>
+                        <p:cond delay="0"/>
+                      </p:stCondLst>
+                      <p:childTnLst>
+                        <p:par>
+                          <p:cTn id="14" fill="hold">
+                            <p:stCondLst>
+                              <p:cond delay="0"/>
+                            </p:stCondLst>
+                            <p:childTnLst>
+                              <p:par>
+                                <p:cTn id="15" presetID="53" presetClass="exit" presetSubtype="32" fill="hold" nodeType="clickEffect">
+                                  <p:stCondLst>
+                                    <p:cond delay="0"/>
+                                  </p:stCondLst>
+                                  <p:childTnLst>
+                                    <p:anim calcmode="lin" valueType="num">
+                                      <p:cBhvr>
+                                        <p:cTn id="16" dur="500"/>
+                                        <p:tgtEl>
+                                          <p:spTgt spid="21"/>
+                                        </p:tgtEl>
+                                        <p:attrNameLst>
+                                          <p:attrName>ppt_w</p:attrName>
+                                        </p:attrNameLst>
+                                      </p:cBhvr>
+                                      <p:tavLst>
+                                        <p:tav tm="0">
+                                          <p:val>
+                                            <p:strVal val="ppt_w"/>
+                                          </p:val>
+                                        </p:tav>
+                                        <p:tav tm="100000">
+                                          <p:val>
+                                            <p:fltVal val="0"/>
+                                          </p:val>
+                                        </p:tav>
+                                      </p:tavLst>
+                                    </p:anim>
+                                    <p:anim calcmode="lin" valueType="num">
+                                      <p:cBhvr>
+                                        <p:cTn id="17" dur="500"/>
+                                        <p:tgtEl>
+                                          <p:spTgt spid="21"/>
+                                        </p:tgtEl>
+                                        <p:attrNameLst>
+                                          <p:attrName>ppt_h</p:attrName>
+                                        </p:attrNameLst>
+                                      </p:cBhvr>
+                                      <p:tavLst>
+                                        <p:tav tm="0">
+                                          <p:val>
+                                            <p:strVal val="ppt_h"/>
+                                          </p:val>
+                                        </p:tav>
+                                        <p:tav tm="100000">
+                                          <p:val>
+                                            <p:fltVal val="0"/>
+                                          </p:val>
+                                        </p:tav>
+                                      </p:tavLst>
+                                    </p:anim>
+                                    <p:animEffect transition="out" filter="fade">
+                                      <p:cBhvr>
+                                        <p:cTn id="18" dur="500"/>
+                                        <p:tgtEl>
+                                          <p:spTgt spid="21"/>
+                                        </p:tgtEl>
+                                      </p:cBhvr>
+                                    </p:animEffect>
+                                    <p:set>
+                                      <p:cBhvr>
+                                        <p:cTn id="19" dur="1" fill="hold">
+                                          <p:stCondLst>
+                                            <p:cond delay="499"/>
+                                          </p:stCondLst>
+                                        </p:cTn>
+                                        <p:tgtEl>
+                                          <p:spTgt spid="21"/>
+                                        </p:tgtEl>
+                                        <p:attrNameLst>
+                                          <p:attrName>style.visibility</p:attrName>
+                                        </p:attrNameLst>
+                                      </p:cBhvr>
+                                      <p:to>
+                                        <p:strVal val="hidden"/>
+                                      </p:to>
+                                    </p:set>
+                                  </p:childTnLst>
+                                </p:cTn>
+                              </p:par>
+                            </p:childTnLst>
+                          </p:cTn>
+                        </p:par>
+                      </p:childTnLst>
+                    </p:cTn>
+                  </p:par>
+                </p:childTnLst>
+              </p:cTn>
+              <p:nextCondLst>
+                <p:cond evt="onClick" delay="0">
+                  <p:tgtEl>
+                    <p:spTgt spid="21"/>
+                  </p:tgtEl>
+                </p:cond>
+              </p:nextCondLst>
+            </p:seq>
+          </p:childTnLst>
+        </p:cTn>
+      </p:par>
+    </p:tnLst>
+    <p:bldLst>
+      <p:bldP spid="8" grpId="0" animBg="1"/>
+    </p:bldLst>
+  </p:timing>
+</p:sld>
+</file>
+
+<file path=ppt/slides/slide28.xml><?xml version="1.0" encoding="utf-8"?>
+<p:sld xmlns:a="http://schemas.openxmlformats.org/drawingml/2006/main" xmlns:r="http://schemas.openxmlformats.org/officeDocument/2006/relationships" xmlns:p="http://schemas.openxmlformats.org/presentationml/2006/main">
+  <p:cSld>
+    <p:bg>
+      <p:bgPr>
+        <a:solidFill>
+          <a:schemeClr val="bg1"/>
+        </a:solidFill>
+        <a:effectLst/>
+      </p:bgPr>
+    </p:bg>
+    <p:spTree>
+      <p:nvGrpSpPr>
+        <p:cNvPr id="1" name=""/>
+        <p:cNvGrpSpPr/>
+        <p:nvPr/>
+      </p:nvGrpSpPr>
+      <p:grpSpPr>
+        <a:xfrm>
+          <a:off x="0" y="0"/>
+          <a:ext cx="0" cy="0"/>
+          <a:chOff x="0" y="0"/>
+          <a:chExt cx="0" cy="0"/>
+        </a:xfrm>
+      </p:grpSpPr>
+      <p:sp>
+        <p:nvSpPr>
+          <p:cNvPr id="19" name="Rectangle 18">
+            <a:extLst>
+              <a:ext uri="{FF2B5EF4-FFF2-40B4-BE49-F238E27FC236}">
+                <a16:creationId xmlns="" xmlns:a16="http://schemas.microsoft.com/office/drawing/2014/main" id="{8D70B121-56F4-4848-B38B-182089D909FA}"/>
+              </a:ext>
+              <a:ext uri="{C183D7F6-B498-43B3-948B-1728B52AA6E4}">
+                <adec:decorative xmlns="" xmlns:adec="http://schemas.microsoft.com/office/drawing/2017/decorative" val="1"/>
+              </a:ext>
+            </a:extLst>
+          </p:cNvPr>
+          <p:cNvSpPr>
+            <a:spLocks noGrp="1" noRot="1" noChangeAspect="1" noMove="1" noResize="1" noEditPoints="1" noAdjustHandles="1" noChangeArrowheads="1" noChangeShapeType="1" noTextEdit="1"/>
+          </p:cNvSpPr>
+          <p:nvPr>
+            <p:extLst>
+              <p:ext uri="{386F3935-93C4-4BCD-93E2-E3B085C9AB24}">
+                <p16:designElem xmlns="" xmlns:p16="http://schemas.microsoft.com/office/powerpoint/2015/main" val="1"/>
+              </p:ext>
+            </p:extLst>
+          </p:nvPr>
+        </p:nvSpPr>
+        <p:spPr bwMode="ltGray">
+          <a:xfrm>
+            <a:off x="321564" y="320040"/>
+            <a:ext cx="11548872" cy="6217920"/>
+          </a:xfrm>
+          <a:prstGeom prst="rect">
+            <a:avLst/>
+          </a:prstGeom>
+          <a:solidFill>
+            <a:schemeClr val="tx1">
+              <a:alpha val="8000"/>
+            </a:schemeClr>
+          </a:solidFill>
+          <a:ln w="127000" cap="sq" cmpd="thinThick">
+            <a:noFill/>
+          </a:ln>
+        </p:spPr>
+        <p:style>
+          <a:lnRef idx="2">
+            <a:schemeClr val="accent1">
+              <a:shade val="50000"/>
+            </a:schemeClr>
+          </a:lnRef>
+          <a:fillRef idx="1">
+            <a:schemeClr val="accent1"/>
+          </a:fillRef>
+          <a:effectRef idx="0">
+            <a:schemeClr val="accent1"/>
+          </a:effectRef>
+          <a:fontRef idx="minor">
+            <a:schemeClr val="lt1"/>
+          </a:fontRef>
+        </p:style>
+        <p:txBody>
+          <a:bodyPr rtlCol="0" anchor="ctr"/>
+          <a:lstStyle/>
+          <a:p>
+            <a:pPr algn="ctr"/>
+            <a:endParaRPr lang="en-US"/>
+          </a:p>
+        </p:txBody>
+      </p:sp>
+      <p:sp>
+        <p:nvSpPr>
           <p:cNvPr id="2" name="Titel 1">
             <a:extLst>
               <a:ext uri="{FF2B5EF4-FFF2-40B4-BE49-F238E27FC236}">
-                <a16:creationId xmlns:a16="http://schemas.microsoft.com/office/drawing/2014/main" xmlns="" id="{0B5D0F8F-C92F-BC46-ACC4-7A21698DD272}"/>
+                <a16:creationId xmlns="" xmlns:a16="http://schemas.microsoft.com/office/drawing/2014/main" id="{35BFDC70-A169-E142-B051-5ABC9190E094}"/>
+              </a:ext>
+            </a:extLst>
+          </p:cNvPr>
+          <p:cNvSpPr>
+            <a:spLocks noGrp="1"/>
+          </p:cNvSpPr>
+          <p:nvPr>
+            <p:ph type="title"/>
+          </p:nvPr>
+        </p:nvSpPr>
+        <p:spPr>
+          <a:xfrm>
+            <a:off x="861390" y="963877"/>
+            <a:ext cx="3471171" cy="4930246"/>
+          </a:xfrm>
+        </p:spPr>
+        <p:txBody>
+          <a:bodyPr vert="horz" lIns="91440" tIns="45720" rIns="91440" bIns="45720" rtlCol="0">
+            <a:normAutofit/>
+          </a:bodyPr>
+          <a:lstStyle/>
+          <a:p>
+            <a:pPr algn="ctr"/>
+            <a:r>
+              <a:rPr lang="en-US" dirty="0" smtClean="0">
+                <a:solidFill>
+                  <a:schemeClr val="accent1"/>
+                </a:solidFill>
+              </a:rPr>
+              <a:t> </a:t>
+            </a:r>
+            <a:endParaRPr lang="en-US" kern="1200" dirty="0">
+              <a:solidFill>
+                <a:schemeClr val="accent1"/>
+              </a:solidFill>
+              <a:latin typeface="+mj-lt"/>
+              <a:ea typeface="+mj-ea"/>
+              <a:cs typeface="+mj-cs"/>
+            </a:endParaRPr>
+          </a:p>
+        </p:txBody>
+      </p:sp>
+      <p:sp>
+        <p:nvSpPr>
+          <p:cNvPr id="8" name="Inhaltsplatzhalter 4">
+            <a:extLst>
+              <a:ext uri="{FF2B5EF4-FFF2-40B4-BE49-F238E27FC236}">
+                <a16:creationId xmlns="" xmlns:a16="http://schemas.microsoft.com/office/drawing/2014/main" id="{A8E625C4-6DB1-9D42-BFEA-DE37A6F928F3}"/>
+              </a:ext>
+            </a:extLst>
+          </p:cNvPr>
+          <p:cNvSpPr>
+            <a:spLocks noGrp="1"/>
+          </p:cNvSpPr>
+          <p:nvPr>
+            <p:ph idx="1"/>
+          </p:nvPr>
+        </p:nvSpPr>
+        <p:spPr>
+          <a:xfrm>
+            <a:off x="4976032" y="963828"/>
+            <a:ext cx="5686424" cy="4930246"/>
+          </a:xfrm>
+        </p:spPr>
+        <p:txBody>
+          <a:bodyPr anchor="ctr">
+            <a:normAutofit/>
+          </a:bodyPr>
+          <a:lstStyle/>
+          <a:p>
+            <a:r>
+              <a:rPr lang="de-DE" dirty="0" smtClean="0"/>
+              <a:t> </a:t>
+            </a:r>
+            <a:endParaRPr lang="de-DE" dirty="0" smtClean="0"/>
+          </a:p>
+        </p:txBody>
+      </p:sp>
+      <p:pic>
+        <p:nvPicPr>
+          <p:cNvPr id="4" name="Grafik 3"/>
+          <p:cNvPicPr>
+            <a:picLocks noChangeAspect="1"/>
+          </p:cNvPicPr>
+          <p:nvPr/>
+        </p:nvPicPr>
+        <p:blipFill>
+          <a:blip r:embed="rId3"/>
+          <a:stretch>
+            <a:fillRect/>
+          </a:stretch>
+        </p:blipFill>
+        <p:spPr>
+          <a:xfrm>
+            <a:off x="4103305" y="413128"/>
+            <a:ext cx="3985390" cy="6124832"/>
+          </a:xfrm>
+          <a:prstGeom prst="rect">
+            <a:avLst/>
+          </a:prstGeom>
+        </p:spPr>
+      </p:pic>
+      <p:cxnSp>
+        <p:nvCxnSpPr>
+          <p:cNvPr id="9" name="Gerade Verbindung mit Pfeil 8"/>
+          <p:cNvCxnSpPr/>
+          <p:nvPr/>
+        </p:nvCxnSpPr>
+        <p:spPr>
+          <a:xfrm>
+            <a:off x="3006811" y="593124"/>
+            <a:ext cx="1828800" cy="0"/>
+          </a:xfrm>
+          <a:prstGeom prst="straightConnector1">
+            <a:avLst/>
+          </a:prstGeom>
+          <a:ln>
+            <a:tailEnd type="triangle"/>
+          </a:ln>
+        </p:spPr>
+        <p:style>
+          <a:lnRef idx="3">
+            <a:schemeClr val="accent4"/>
+          </a:lnRef>
+          <a:fillRef idx="0">
+            <a:schemeClr val="accent4"/>
+          </a:fillRef>
+          <a:effectRef idx="2">
+            <a:schemeClr val="accent4"/>
+          </a:effectRef>
+          <a:fontRef idx="minor">
+            <a:schemeClr val="tx1"/>
+          </a:fontRef>
+        </p:style>
+      </p:cxnSp>
+      <p:sp>
+        <p:nvSpPr>
+          <p:cNvPr id="10" name="Textfeld 9"/>
+          <p:cNvSpPr txBox="1"/>
+          <p:nvPr/>
+        </p:nvSpPr>
+        <p:spPr>
+          <a:xfrm>
+            <a:off x="2245242" y="372715"/>
+            <a:ext cx="873211" cy="369332"/>
+          </a:xfrm>
+          <a:prstGeom prst="rect">
+            <a:avLst/>
+          </a:prstGeom>
+          <a:noFill/>
+        </p:spPr>
+        <p:txBody>
+          <a:bodyPr wrap="square" rtlCol="0">
+            <a:spAutoFit/>
+          </a:bodyPr>
+          <a:lstStyle/>
+          <a:p>
+            <a:r>
+              <a:rPr lang="de-DE" dirty="0" smtClean="0"/>
+              <a:t>Quelle </a:t>
+            </a:r>
+            <a:endParaRPr lang="de-DE" dirty="0"/>
+          </a:p>
+        </p:txBody>
+      </p:sp>
+      <p:cxnSp>
+        <p:nvCxnSpPr>
+          <p:cNvPr id="12" name="Gerade Verbindung mit Pfeil 11"/>
+          <p:cNvCxnSpPr/>
+          <p:nvPr/>
+        </p:nvCxnSpPr>
+        <p:spPr>
+          <a:xfrm flipH="1">
+            <a:off x="4597514" y="659027"/>
+            <a:ext cx="309076" cy="1794613"/>
+          </a:xfrm>
+          <a:prstGeom prst="straightConnector1">
+            <a:avLst/>
+          </a:prstGeom>
+          <a:ln w="19050">
+            <a:solidFill>
+              <a:srgbClr val="FF0000"/>
+            </a:solidFill>
+            <a:tailEnd type="triangle"/>
+          </a:ln>
+        </p:spPr>
+        <p:style>
+          <a:lnRef idx="1">
+            <a:schemeClr val="accent1"/>
+          </a:lnRef>
+          <a:fillRef idx="0">
+            <a:schemeClr val="accent1"/>
+          </a:fillRef>
+          <a:effectRef idx="0">
+            <a:schemeClr val="accent1"/>
+          </a:effectRef>
+          <a:fontRef idx="minor">
+            <a:schemeClr val="tx1"/>
+          </a:fontRef>
+        </p:style>
+      </p:cxnSp>
+      <p:cxnSp>
+        <p:nvCxnSpPr>
+          <p:cNvPr id="22" name="Gerade Verbindung mit Pfeil 21"/>
+          <p:cNvCxnSpPr/>
+          <p:nvPr/>
+        </p:nvCxnSpPr>
+        <p:spPr>
+          <a:xfrm>
+            <a:off x="4976032" y="659027"/>
+            <a:ext cx="1334152" cy="1738184"/>
+          </a:xfrm>
+          <a:prstGeom prst="straightConnector1">
+            <a:avLst/>
+          </a:prstGeom>
+          <a:ln w="28575">
+            <a:solidFill>
+              <a:srgbClr val="FF0000"/>
+            </a:solidFill>
+            <a:tailEnd type="triangle"/>
+          </a:ln>
+        </p:spPr>
+        <p:style>
+          <a:lnRef idx="1">
+            <a:schemeClr val="accent1"/>
+          </a:lnRef>
+          <a:fillRef idx="0">
+            <a:schemeClr val="accent1"/>
+          </a:fillRef>
+          <a:effectRef idx="0">
+            <a:schemeClr val="accent1"/>
+          </a:effectRef>
+          <a:fontRef idx="minor">
+            <a:schemeClr val="tx1"/>
+          </a:fontRef>
+        </p:style>
+      </p:cxnSp>
+      <p:cxnSp>
+        <p:nvCxnSpPr>
+          <p:cNvPr id="27" name="Gerade Verbindung mit Pfeil 26"/>
+          <p:cNvCxnSpPr/>
+          <p:nvPr/>
+        </p:nvCxnSpPr>
+        <p:spPr>
+          <a:xfrm flipH="1">
+            <a:off x="7578812" y="6334897"/>
+            <a:ext cx="1573426" cy="0"/>
+          </a:xfrm>
+          <a:prstGeom prst="straightConnector1">
+            <a:avLst/>
+          </a:prstGeom>
+          <a:ln>
+            <a:tailEnd type="triangle"/>
+          </a:ln>
+        </p:spPr>
+        <p:style>
+          <a:lnRef idx="3">
+            <a:schemeClr val="accent4"/>
+          </a:lnRef>
+          <a:fillRef idx="0">
+            <a:schemeClr val="accent4"/>
+          </a:fillRef>
+          <a:effectRef idx="2">
+            <a:schemeClr val="accent4"/>
+          </a:effectRef>
+          <a:fontRef idx="minor">
+            <a:schemeClr val="tx1"/>
+          </a:fontRef>
+        </p:style>
+      </p:cxnSp>
+      <p:sp>
+        <p:nvSpPr>
+          <p:cNvPr id="28" name="Textfeld 27"/>
+          <p:cNvSpPr txBox="1"/>
+          <p:nvPr/>
+        </p:nvSpPr>
+        <p:spPr>
+          <a:xfrm>
+            <a:off x="9166714" y="6150231"/>
+            <a:ext cx="1631091" cy="369332"/>
+          </a:xfrm>
+          <a:prstGeom prst="rect">
+            <a:avLst/>
+          </a:prstGeom>
+          <a:noFill/>
+        </p:spPr>
+        <p:txBody>
+          <a:bodyPr wrap="square" rtlCol="0">
+            <a:spAutoFit/>
+          </a:bodyPr>
+          <a:lstStyle/>
+          <a:p>
+            <a:r>
+              <a:rPr lang="de-DE" dirty="0" smtClean="0"/>
+              <a:t>Senke</a:t>
+            </a:r>
+            <a:endParaRPr lang="de-DE" dirty="0"/>
+          </a:p>
+        </p:txBody>
+      </p:sp>
+      <p:sp>
+        <p:nvSpPr>
+          <p:cNvPr id="31" name="Textfeld 30"/>
+          <p:cNvSpPr txBox="1"/>
+          <p:nvPr/>
+        </p:nvSpPr>
+        <p:spPr>
+          <a:xfrm>
+            <a:off x="782595" y="2767914"/>
+            <a:ext cx="2685535" cy="646331"/>
+          </a:xfrm>
+          <a:prstGeom prst="rect">
+            <a:avLst/>
+          </a:prstGeom>
+          <a:noFill/>
+        </p:spPr>
+        <p:txBody>
+          <a:bodyPr wrap="square" rtlCol="0">
+            <a:spAutoFit/>
+          </a:bodyPr>
+          <a:lstStyle/>
+          <a:p>
+            <a:r>
+              <a:rPr lang="de-DE" dirty="0" smtClean="0"/>
+              <a:t>Minimale Kosten mit Kapazitätsbeschränkung</a:t>
+            </a:r>
+            <a:endParaRPr lang="de-DE" dirty="0"/>
+          </a:p>
+        </p:txBody>
+      </p:sp>
+      <p:cxnSp>
+        <p:nvCxnSpPr>
+          <p:cNvPr id="33" name="Gerade Verbindung mit Pfeil 32"/>
+          <p:cNvCxnSpPr/>
+          <p:nvPr/>
+        </p:nvCxnSpPr>
+        <p:spPr>
+          <a:xfrm>
+            <a:off x="4660900" y="2609850"/>
+            <a:ext cx="1286819" cy="1739728"/>
+          </a:xfrm>
+          <a:prstGeom prst="straightConnector1">
+            <a:avLst/>
+          </a:prstGeom>
+          <a:ln w="19050">
+            <a:solidFill>
+              <a:srgbClr val="FF0000"/>
+            </a:solidFill>
+            <a:tailEnd type="triangle"/>
+          </a:ln>
+        </p:spPr>
+        <p:style>
+          <a:lnRef idx="1">
+            <a:schemeClr val="accent1"/>
+          </a:lnRef>
+          <a:fillRef idx="0">
+            <a:schemeClr val="accent1"/>
+          </a:fillRef>
+          <a:effectRef idx="0">
+            <a:schemeClr val="accent1"/>
+          </a:effectRef>
+          <a:fontRef idx="minor">
+            <a:schemeClr val="tx1"/>
+          </a:fontRef>
+        </p:style>
+      </p:cxnSp>
+      <p:cxnSp>
+        <p:nvCxnSpPr>
+          <p:cNvPr id="39" name="Gerade Verbindung mit Pfeil 38"/>
+          <p:cNvCxnSpPr/>
+          <p:nvPr/>
+        </p:nvCxnSpPr>
+        <p:spPr>
+          <a:xfrm flipH="1">
+            <a:off x="6027420" y="2537460"/>
+            <a:ext cx="282765" cy="1812118"/>
+          </a:xfrm>
+          <a:prstGeom prst="straightConnector1">
+            <a:avLst/>
+          </a:prstGeom>
+          <a:ln w="19050">
+            <a:solidFill>
+              <a:srgbClr val="FF0000"/>
+            </a:solidFill>
+            <a:tailEnd type="triangle"/>
+          </a:ln>
+        </p:spPr>
+        <p:style>
+          <a:lnRef idx="1">
+            <a:schemeClr val="accent1"/>
+          </a:lnRef>
+          <a:fillRef idx="0">
+            <a:schemeClr val="accent1"/>
+          </a:fillRef>
+          <a:effectRef idx="0">
+            <a:schemeClr val="accent1"/>
+          </a:effectRef>
+          <a:fontRef idx="minor">
+            <a:schemeClr val="tx1"/>
+          </a:fontRef>
+        </p:style>
+      </p:cxnSp>
+      <p:cxnSp>
+        <p:nvCxnSpPr>
+          <p:cNvPr id="42" name="Gerade Verbindung mit Pfeil 41"/>
+          <p:cNvCxnSpPr/>
+          <p:nvPr/>
+        </p:nvCxnSpPr>
+        <p:spPr>
+          <a:xfrm>
+            <a:off x="6379627" y="2499360"/>
+            <a:ext cx="1369610" cy="1738184"/>
+          </a:xfrm>
+          <a:prstGeom prst="straightConnector1">
+            <a:avLst/>
+          </a:prstGeom>
+          <a:ln w="28575">
+            <a:solidFill>
+              <a:srgbClr val="FF0000"/>
+            </a:solidFill>
+            <a:tailEnd type="triangle"/>
+          </a:ln>
+        </p:spPr>
+        <p:style>
+          <a:lnRef idx="1">
+            <a:schemeClr val="accent1"/>
+          </a:lnRef>
+          <a:fillRef idx="0">
+            <a:schemeClr val="accent1"/>
+          </a:fillRef>
+          <a:effectRef idx="0">
+            <a:schemeClr val="accent1"/>
+          </a:effectRef>
+          <a:fontRef idx="minor">
+            <a:schemeClr val="tx1"/>
+          </a:fontRef>
+        </p:style>
+      </p:cxnSp>
+      <p:cxnSp>
+        <p:nvCxnSpPr>
+          <p:cNvPr id="44" name="Gerade Verbindung mit Pfeil 43"/>
+          <p:cNvCxnSpPr/>
+          <p:nvPr/>
+        </p:nvCxnSpPr>
+        <p:spPr>
+          <a:xfrm flipH="1">
+            <a:off x="7435130" y="4377793"/>
+            <a:ext cx="353634" cy="1850218"/>
+          </a:xfrm>
+          <a:prstGeom prst="straightConnector1">
+            <a:avLst/>
+          </a:prstGeom>
+          <a:ln w="28575">
+            <a:solidFill>
+              <a:srgbClr val="FF0000"/>
+            </a:solidFill>
+            <a:tailEnd type="triangle"/>
+          </a:ln>
+        </p:spPr>
+        <p:style>
+          <a:lnRef idx="1">
+            <a:schemeClr val="accent1"/>
+          </a:lnRef>
+          <a:fillRef idx="0">
+            <a:schemeClr val="accent1"/>
+          </a:fillRef>
+          <a:effectRef idx="0">
+            <a:schemeClr val="accent1"/>
+          </a:effectRef>
+          <a:fontRef idx="minor">
+            <a:schemeClr val="tx1"/>
+          </a:fontRef>
+        </p:style>
+      </p:cxnSp>
+      <p:cxnSp>
+        <p:nvCxnSpPr>
+          <p:cNvPr id="48" name="Gerade Verbindung mit Pfeil 47"/>
+          <p:cNvCxnSpPr/>
+          <p:nvPr/>
+        </p:nvCxnSpPr>
+        <p:spPr>
+          <a:xfrm>
+            <a:off x="6066945" y="4517183"/>
+            <a:ext cx="1286819" cy="1739728"/>
+          </a:xfrm>
+          <a:prstGeom prst="straightConnector1">
+            <a:avLst/>
+          </a:prstGeom>
+          <a:ln w="19050">
+            <a:solidFill>
+              <a:srgbClr val="FF0000"/>
+            </a:solidFill>
+            <a:tailEnd type="triangle"/>
+          </a:ln>
+        </p:spPr>
+        <p:style>
+          <a:lnRef idx="1">
+            <a:schemeClr val="accent1"/>
+          </a:lnRef>
+          <a:fillRef idx="0">
+            <a:schemeClr val="accent1"/>
+          </a:fillRef>
+          <a:effectRef idx="0">
+            <a:schemeClr val="accent1"/>
+          </a:effectRef>
+          <a:fontRef idx="minor">
+            <a:schemeClr val="tx1"/>
+          </a:fontRef>
+        </p:style>
+      </p:cxnSp>
+      <p:sp>
+        <p:nvSpPr>
+          <p:cNvPr id="49" name="Ellipse 48"/>
+          <p:cNvSpPr/>
+          <p:nvPr/>
+        </p:nvSpPr>
+        <p:spPr>
+          <a:xfrm>
+            <a:off x="5097780" y="2301704"/>
+            <a:ext cx="281939" cy="341406"/>
+          </a:xfrm>
+          <a:prstGeom prst="ellipse">
+            <a:avLst/>
+          </a:prstGeom>
+          <a:noFill/>
+        </p:spPr>
+        <p:style>
+          <a:lnRef idx="2">
+            <a:schemeClr val="accent6"/>
+          </a:lnRef>
+          <a:fillRef idx="1">
+            <a:schemeClr val="lt1"/>
+          </a:fillRef>
+          <a:effectRef idx="0">
+            <a:schemeClr val="accent6"/>
+          </a:effectRef>
+          <a:fontRef idx="minor">
+            <a:schemeClr val="dk1"/>
+          </a:fontRef>
+        </p:style>
+        <p:txBody>
+          <a:bodyPr rtlCol="0" anchor="ctr"/>
+          <a:lstStyle/>
+          <a:p>
+            <a:pPr algn="ctr"/>
+            <a:endParaRPr lang="de-DE"/>
+          </a:p>
+        </p:txBody>
+      </p:sp>
+      <p:sp>
+        <p:nvSpPr>
+          <p:cNvPr id="50" name="Ellipse 49"/>
+          <p:cNvSpPr/>
+          <p:nvPr/>
+        </p:nvSpPr>
+        <p:spPr>
+          <a:xfrm>
+            <a:off x="4342637" y="1357416"/>
+            <a:ext cx="281939" cy="341406"/>
+          </a:xfrm>
+          <a:prstGeom prst="ellipse">
+            <a:avLst/>
+          </a:prstGeom>
+          <a:noFill/>
+        </p:spPr>
+        <p:style>
+          <a:lnRef idx="2">
+            <a:schemeClr val="accent6"/>
+          </a:lnRef>
+          <a:fillRef idx="1">
+            <a:schemeClr val="lt1"/>
+          </a:fillRef>
+          <a:effectRef idx="0">
+            <a:schemeClr val="accent6"/>
+          </a:effectRef>
+          <a:fontRef idx="minor">
+            <a:schemeClr val="dk1"/>
+          </a:fontRef>
+        </p:style>
+        <p:txBody>
+          <a:bodyPr rtlCol="0" anchor="ctr"/>
+          <a:lstStyle/>
+          <a:p>
+            <a:pPr algn="ctr"/>
+            <a:endParaRPr lang="de-DE"/>
+          </a:p>
+        </p:txBody>
+      </p:sp>
+      <p:sp>
+        <p:nvSpPr>
+          <p:cNvPr id="51" name="Ellipse 50"/>
+          <p:cNvSpPr/>
+          <p:nvPr/>
+        </p:nvSpPr>
+        <p:spPr>
+          <a:xfrm>
+            <a:off x="5203116" y="1340786"/>
+            <a:ext cx="281939" cy="341406"/>
+          </a:xfrm>
+          <a:prstGeom prst="ellipse">
+            <a:avLst/>
+          </a:prstGeom>
+          <a:noFill/>
+        </p:spPr>
+        <p:style>
+          <a:lnRef idx="2">
+            <a:schemeClr val="accent6"/>
+          </a:lnRef>
+          <a:fillRef idx="1">
+            <a:schemeClr val="lt1"/>
+          </a:fillRef>
+          <a:effectRef idx="0">
+            <a:schemeClr val="accent6"/>
+          </a:effectRef>
+          <a:fontRef idx="minor">
+            <a:schemeClr val="dk1"/>
+          </a:fontRef>
+        </p:style>
+        <p:txBody>
+          <a:bodyPr rtlCol="0" anchor="ctr"/>
+          <a:lstStyle/>
+          <a:p>
+            <a:pPr algn="ctr"/>
+            <a:endParaRPr lang="de-DE"/>
+          </a:p>
+        </p:txBody>
+      </p:sp>
+      <p:cxnSp>
+        <p:nvCxnSpPr>
+          <p:cNvPr id="53" name="Gerade Verbindung mit Pfeil 52"/>
+          <p:cNvCxnSpPr/>
+          <p:nvPr/>
+        </p:nvCxnSpPr>
+        <p:spPr>
+          <a:xfrm flipV="1">
+            <a:off x="3278176" y="1575149"/>
+            <a:ext cx="1924940" cy="671697"/>
+          </a:xfrm>
+          <a:prstGeom prst="straightConnector1">
+            <a:avLst/>
+          </a:prstGeom>
+          <a:ln>
+            <a:tailEnd type="triangle"/>
+          </a:ln>
+        </p:spPr>
+        <p:style>
+          <a:lnRef idx="1">
+            <a:schemeClr val="dk1"/>
+          </a:lnRef>
+          <a:fillRef idx="0">
+            <a:schemeClr val="dk1"/>
+          </a:fillRef>
+          <a:effectRef idx="0">
+            <a:schemeClr val="dk1"/>
+          </a:effectRef>
+          <a:fontRef idx="minor">
+            <a:schemeClr val="tx1"/>
+          </a:fontRef>
+        </p:style>
+      </p:cxnSp>
+      <p:cxnSp>
+        <p:nvCxnSpPr>
+          <p:cNvPr id="56" name="Gerade Verbindung mit Pfeil 55"/>
+          <p:cNvCxnSpPr/>
+          <p:nvPr/>
+        </p:nvCxnSpPr>
+        <p:spPr>
+          <a:xfrm flipV="1">
+            <a:off x="3278176" y="1558141"/>
+            <a:ext cx="1078509" cy="671696"/>
+          </a:xfrm>
+          <a:prstGeom prst="straightConnector1">
+            <a:avLst/>
+          </a:prstGeom>
+          <a:ln>
+            <a:tailEnd type="triangle"/>
+          </a:ln>
+        </p:spPr>
+        <p:style>
+          <a:lnRef idx="1">
+            <a:schemeClr val="dk1"/>
+          </a:lnRef>
+          <a:fillRef idx="0">
+            <a:schemeClr val="dk1"/>
+          </a:fillRef>
+          <a:effectRef idx="0">
+            <a:schemeClr val="dk1"/>
+          </a:effectRef>
+          <a:fontRef idx="minor">
+            <a:schemeClr val="tx1"/>
+          </a:fontRef>
+        </p:style>
+      </p:cxnSp>
+      <p:sp>
+        <p:nvSpPr>
+          <p:cNvPr id="58" name="Gewitterblitz 57"/>
+          <p:cNvSpPr/>
+          <p:nvPr/>
+        </p:nvSpPr>
+        <p:spPr>
+          <a:xfrm rot="368010">
+            <a:off x="2851212" y="1955971"/>
+            <a:ext cx="596329" cy="732113"/>
+          </a:xfrm>
+          <a:prstGeom prst="lightningBolt">
+            <a:avLst/>
+          </a:prstGeom>
+        </p:spPr>
+        <p:style>
+          <a:lnRef idx="2">
+            <a:schemeClr val="accent4">
+              <a:shade val="50000"/>
+            </a:schemeClr>
+          </a:lnRef>
+          <a:fillRef idx="1">
+            <a:schemeClr val="accent4"/>
+          </a:fillRef>
+          <a:effectRef idx="0">
+            <a:schemeClr val="accent4"/>
+          </a:effectRef>
+          <a:fontRef idx="minor">
+            <a:schemeClr val="lt1"/>
+          </a:fontRef>
+        </p:style>
+        <p:txBody>
+          <a:bodyPr rtlCol="0" anchor="ctr"/>
+          <a:lstStyle/>
+          <a:p>
+            <a:pPr algn="ctr"/>
+            <a:endParaRPr lang="de-DE"/>
+          </a:p>
+        </p:txBody>
+      </p:sp>
+    </p:spTree>
+    <p:extLst>
+      <p:ext uri="{BB962C8B-B14F-4D97-AF65-F5344CB8AC3E}">
+        <p14:creationId xmlns:p14="http://schemas.microsoft.com/office/powerpoint/2010/main" val="2070238935"/>
+      </p:ext>
+    </p:extLst>
+  </p:cSld>
+  <p:clrMapOvr>
+    <a:masterClrMapping/>
+  </p:clrMapOvr>
+  <p:timing>
+    <p:tnLst>
+      <p:par>
+        <p:cTn id="1" dur="indefinite" restart="never" nodeType="tmRoot">
+          <p:childTnLst>
+            <p:seq concurrent="1" nextAc="seek">
+              <p:cTn id="2" dur="indefinite" nodeType="mainSeq">
+                <p:childTnLst>
+                  <p:par>
+                    <p:cTn id="3" fill="hold">
+                      <p:stCondLst>
+                        <p:cond delay="indefinite"/>
+                      </p:stCondLst>
+                      <p:childTnLst>
+                        <p:par>
+                          <p:cTn id="4" fill="hold">
+                            <p:stCondLst>
+                              <p:cond delay="0"/>
+                            </p:stCondLst>
+                            <p:childTnLst>
+                              <p:par>
+                                <p:cTn id="5" presetID="42" presetClass="entr" presetSubtype="0" fill="hold" nodeType="clickEffect">
+                                  <p:stCondLst>
+                                    <p:cond delay="0"/>
+                                  </p:stCondLst>
+                                  <p:childTnLst>
+                                    <p:set>
+                                      <p:cBhvr>
+                                        <p:cTn id="6" dur="1" fill="hold">
+                                          <p:stCondLst>
+                                            <p:cond delay="0"/>
+                                          </p:stCondLst>
+                                        </p:cTn>
+                                        <p:tgtEl>
+                                          <p:spTgt spid="9"/>
+                                        </p:tgtEl>
+                                        <p:attrNameLst>
+                                          <p:attrName>style.visibility</p:attrName>
+                                        </p:attrNameLst>
+                                      </p:cBhvr>
+                                      <p:to>
+                                        <p:strVal val="visible"/>
+                                      </p:to>
+                                    </p:set>
+                                    <p:animEffect transition="in" filter="fade">
+                                      <p:cBhvr>
+                                        <p:cTn id="7" dur="1000"/>
+                                        <p:tgtEl>
+                                          <p:spTgt spid="9"/>
+                                        </p:tgtEl>
+                                      </p:cBhvr>
+                                    </p:animEffect>
+                                    <p:anim calcmode="lin" valueType="num">
+                                      <p:cBhvr>
+                                        <p:cTn id="8" dur="1000" fill="hold"/>
+                                        <p:tgtEl>
+                                          <p:spTgt spid="9"/>
+                                        </p:tgtEl>
+                                        <p:attrNameLst>
+                                          <p:attrName>ppt_x</p:attrName>
+                                        </p:attrNameLst>
+                                      </p:cBhvr>
+                                      <p:tavLst>
+                                        <p:tav tm="0">
+                                          <p:val>
+                                            <p:strVal val="#ppt_x"/>
+                                          </p:val>
+                                        </p:tav>
+                                        <p:tav tm="100000">
+                                          <p:val>
+                                            <p:strVal val="#ppt_x"/>
+                                          </p:val>
+                                        </p:tav>
+                                      </p:tavLst>
+                                    </p:anim>
+                                    <p:anim calcmode="lin" valueType="num">
+                                      <p:cBhvr>
+                                        <p:cTn id="9" dur="1000" fill="hold"/>
+                                        <p:tgtEl>
+                                          <p:spTgt spid="9"/>
+                                        </p:tgtEl>
+                                        <p:attrNameLst>
+                                          <p:attrName>ppt_y</p:attrName>
+                                        </p:attrNameLst>
+                                      </p:cBhvr>
+                                      <p:tavLst>
+                                        <p:tav tm="0">
+                                          <p:val>
+                                            <p:strVal val="#ppt_y+.1"/>
+                                          </p:val>
+                                        </p:tav>
+                                        <p:tav tm="100000">
+                                          <p:val>
+                                            <p:strVal val="#ppt_y"/>
+                                          </p:val>
+                                        </p:tav>
+                                      </p:tavLst>
+                                    </p:anim>
+                                  </p:childTnLst>
+                                </p:cTn>
+                              </p:par>
+                              <p:par>
+                                <p:cTn id="10" presetID="42" presetClass="entr" presetSubtype="0" fill="hold" grpId="0" nodeType="withEffect">
+                                  <p:stCondLst>
+                                    <p:cond delay="0"/>
+                                  </p:stCondLst>
+                                  <p:childTnLst>
+                                    <p:set>
+                                      <p:cBhvr>
+                                        <p:cTn id="11" dur="1" fill="hold">
+                                          <p:stCondLst>
+                                            <p:cond delay="0"/>
+                                          </p:stCondLst>
+                                        </p:cTn>
+                                        <p:tgtEl>
+                                          <p:spTgt spid="10"/>
+                                        </p:tgtEl>
+                                        <p:attrNameLst>
+                                          <p:attrName>style.visibility</p:attrName>
+                                        </p:attrNameLst>
+                                      </p:cBhvr>
+                                      <p:to>
+                                        <p:strVal val="visible"/>
+                                      </p:to>
+                                    </p:set>
+                                    <p:animEffect transition="in" filter="fade">
+                                      <p:cBhvr>
+                                        <p:cTn id="12" dur="1000"/>
+                                        <p:tgtEl>
+                                          <p:spTgt spid="10"/>
+                                        </p:tgtEl>
+                                      </p:cBhvr>
+                                    </p:animEffect>
+                                    <p:anim calcmode="lin" valueType="num">
+                                      <p:cBhvr>
+                                        <p:cTn id="13" dur="1000" fill="hold"/>
+                                        <p:tgtEl>
+                                          <p:spTgt spid="10"/>
+                                        </p:tgtEl>
+                                        <p:attrNameLst>
+                                          <p:attrName>ppt_x</p:attrName>
+                                        </p:attrNameLst>
+                                      </p:cBhvr>
+                                      <p:tavLst>
+                                        <p:tav tm="0">
+                                          <p:val>
+                                            <p:strVal val="#ppt_x"/>
+                                          </p:val>
+                                        </p:tav>
+                                        <p:tav tm="100000">
+                                          <p:val>
+                                            <p:strVal val="#ppt_x"/>
+                                          </p:val>
+                                        </p:tav>
+                                      </p:tavLst>
+                                    </p:anim>
+                                    <p:anim calcmode="lin" valueType="num">
+                                      <p:cBhvr>
+                                        <p:cTn id="14" dur="1000" fill="hold"/>
+                                        <p:tgtEl>
+                                          <p:spTgt spid="10"/>
+                                        </p:tgtEl>
+                                        <p:attrNameLst>
+                                          <p:attrName>ppt_y</p:attrName>
+                                        </p:attrNameLst>
+                                      </p:cBhvr>
+                                      <p:tavLst>
+                                        <p:tav tm="0">
+                                          <p:val>
+                                            <p:strVal val="#ppt_y+.1"/>
+                                          </p:val>
+                                        </p:tav>
+                                        <p:tav tm="100000">
+                                          <p:val>
+                                            <p:strVal val="#ppt_y"/>
+                                          </p:val>
+                                        </p:tav>
+                                      </p:tavLst>
+                                    </p:anim>
+                                  </p:childTnLst>
+                                </p:cTn>
+                              </p:par>
+                            </p:childTnLst>
+                          </p:cTn>
+                        </p:par>
+                      </p:childTnLst>
+                    </p:cTn>
+                  </p:par>
+                  <p:par>
+                    <p:cTn id="15" fill="hold">
+                      <p:stCondLst>
+                        <p:cond delay="indefinite"/>
+                      </p:stCondLst>
+                      <p:childTnLst>
+                        <p:par>
+                          <p:cTn id="16" fill="hold">
+                            <p:stCondLst>
+                              <p:cond delay="0"/>
+                            </p:stCondLst>
+                            <p:childTnLst>
+                              <p:par>
+                                <p:cTn id="17" presetID="42" presetClass="entr" presetSubtype="0" fill="hold" nodeType="clickEffect">
+                                  <p:stCondLst>
+                                    <p:cond delay="0"/>
+                                  </p:stCondLst>
+                                  <p:childTnLst>
+                                    <p:set>
+                                      <p:cBhvr>
+                                        <p:cTn id="18" dur="1" fill="hold">
+                                          <p:stCondLst>
+                                            <p:cond delay="0"/>
+                                          </p:stCondLst>
+                                        </p:cTn>
+                                        <p:tgtEl>
+                                          <p:spTgt spid="27"/>
+                                        </p:tgtEl>
+                                        <p:attrNameLst>
+                                          <p:attrName>style.visibility</p:attrName>
+                                        </p:attrNameLst>
+                                      </p:cBhvr>
+                                      <p:to>
+                                        <p:strVal val="visible"/>
+                                      </p:to>
+                                    </p:set>
+                                    <p:animEffect transition="in" filter="fade">
+                                      <p:cBhvr>
+                                        <p:cTn id="19" dur="1000"/>
+                                        <p:tgtEl>
+                                          <p:spTgt spid="27"/>
+                                        </p:tgtEl>
+                                      </p:cBhvr>
+                                    </p:animEffect>
+                                    <p:anim calcmode="lin" valueType="num">
+                                      <p:cBhvr>
+                                        <p:cTn id="20" dur="1000" fill="hold"/>
+                                        <p:tgtEl>
+                                          <p:spTgt spid="27"/>
+                                        </p:tgtEl>
+                                        <p:attrNameLst>
+                                          <p:attrName>ppt_x</p:attrName>
+                                        </p:attrNameLst>
+                                      </p:cBhvr>
+                                      <p:tavLst>
+                                        <p:tav tm="0">
+                                          <p:val>
+                                            <p:strVal val="#ppt_x"/>
+                                          </p:val>
+                                        </p:tav>
+                                        <p:tav tm="100000">
+                                          <p:val>
+                                            <p:strVal val="#ppt_x"/>
+                                          </p:val>
+                                        </p:tav>
+                                      </p:tavLst>
+                                    </p:anim>
+                                    <p:anim calcmode="lin" valueType="num">
+                                      <p:cBhvr>
+                                        <p:cTn id="21" dur="1000" fill="hold"/>
+                                        <p:tgtEl>
+                                          <p:spTgt spid="27"/>
+                                        </p:tgtEl>
+                                        <p:attrNameLst>
+                                          <p:attrName>ppt_y</p:attrName>
+                                        </p:attrNameLst>
+                                      </p:cBhvr>
+                                      <p:tavLst>
+                                        <p:tav tm="0">
+                                          <p:val>
+                                            <p:strVal val="#ppt_y+.1"/>
+                                          </p:val>
+                                        </p:tav>
+                                        <p:tav tm="100000">
+                                          <p:val>
+                                            <p:strVal val="#ppt_y"/>
+                                          </p:val>
+                                        </p:tav>
+                                      </p:tavLst>
+                                    </p:anim>
+                                  </p:childTnLst>
+                                </p:cTn>
+                              </p:par>
+                              <p:par>
+                                <p:cTn id="22" presetID="42" presetClass="entr" presetSubtype="0" fill="hold" grpId="0" nodeType="withEffect">
+                                  <p:stCondLst>
+                                    <p:cond delay="0"/>
+                                  </p:stCondLst>
+                                  <p:childTnLst>
+                                    <p:set>
+                                      <p:cBhvr>
+                                        <p:cTn id="23" dur="1" fill="hold">
+                                          <p:stCondLst>
+                                            <p:cond delay="0"/>
+                                          </p:stCondLst>
+                                        </p:cTn>
+                                        <p:tgtEl>
+                                          <p:spTgt spid="28"/>
+                                        </p:tgtEl>
+                                        <p:attrNameLst>
+                                          <p:attrName>style.visibility</p:attrName>
+                                        </p:attrNameLst>
+                                      </p:cBhvr>
+                                      <p:to>
+                                        <p:strVal val="visible"/>
+                                      </p:to>
+                                    </p:set>
+                                    <p:animEffect transition="in" filter="fade">
+                                      <p:cBhvr>
+                                        <p:cTn id="24" dur="1000"/>
+                                        <p:tgtEl>
+                                          <p:spTgt spid="28"/>
+                                        </p:tgtEl>
+                                      </p:cBhvr>
+                                    </p:animEffect>
+                                    <p:anim calcmode="lin" valueType="num">
+                                      <p:cBhvr>
+                                        <p:cTn id="25" dur="1000" fill="hold"/>
+                                        <p:tgtEl>
+                                          <p:spTgt spid="28"/>
+                                        </p:tgtEl>
+                                        <p:attrNameLst>
+                                          <p:attrName>ppt_x</p:attrName>
+                                        </p:attrNameLst>
+                                      </p:cBhvr>
+                                      <p:tavLst>
+                                        <p:tav tm="0">
+                                          <p:val>
+                                            <p:strVal val="#ppt_x"/>
+                                          </p:val>
+                                        </p:tav>
+                                        <p:tav tm="100000">
+                                          <p:val>
+                                            <p:strVal val="#ppt_x"/>
+                                          </p:val>
+                                        </p:tav>
+                                      </p:tavLst>
+                                    </p:anim>
+                                    <p:anim calcmode="lin" valueType="num">
+                                      <p:cBhvr>
+                                        <p:cTn id="26" dur="1000" fill="hold"/>
+                                        <p:tgtEl>
+                                          <p:spTgt spid="28"/>
+                                        </p:tgtEl>
+                                        <p:attrNameLst>
+                                          <p:attrName>ppt_y</p:attrName>
+                                        </p:attrNameLst>
+                                      </p:cBhvr>
+                                      <p:tavLst>
+                                        <p:tav tm="0">
+                                          <p:val>
+                                            <p:strVal val="#ppt_y+.1"/>
+                                          </p:val>
+                                        </p:tav>
+                                        <p:tav tm="100000">
+                                          <p:val>
+                                            <p:strVal val="#ppt_y"/>
+                                          </p:val>
+                                        </p:tav>
+                                      </p:tavLst>
+                                    </p:anim>
+                                  </p:childTnLst>
+                                </p:cTn>
+                              </p:par>
+                            </p:childTnLst>
+                          </p:cTn>
+                        </p:par>
+                      </p:childTnLst>
+                    </p:cTn>
+                  </p:par>
+                  <p:par>
+                    <p:cTn id="27" fill="hold">
+                      <p:stCondLst>
+                        <p:cond delay="indefinite"/>
+                      </p:stCondLst>
+                      <p:childTnLst>
+                        <p:par>
+                          <p:cTn id="28" fill="hold">
+                            <p:stCondLst>
+                              <p:cond delay="0"/>
+                            </p:stCondLst>
+                            <p:childTnLst>
+                              <p:par>
+                                <p:cTn id="29" presetID="2" presetClass="entr" presetSubtype="4" fill="hold" grpId="0" nodeType="clickEffect">
+                                  <p:stCondLst>
+                                    <p:cond delay="0"/>
+                                  </p:stCondLst>
+                                  <p:childTnLst>
+                                    <p:set>
+                                      <p:cBhvr>
+                                        <p:cTn id="30" dur="1" fill="hold">
+                                          <p:stCondLst>
+                                            <p:cond delay="0"/>
+                                          </p:stCondLst>
+                                        </p:cTn>
+                                        <p:tgtEl>
+                                          <p:spTgt spid="31"/>
+                                        </p:tgtEl>
+                                        <p:attrNameLst>
+                                          <p:attrName>style.visibility</p:attrName>
+                                        </p:attrNameLst>
+                                      </p:cBhvr>
+                                      <p:to>
+                                        <p:strVal val="visible"/>
+                                      </p:to>
+                                    </p:set>
+                                    <p:anim calcmode="lin" valueType="num">
+                                      <p:cBhvr additive="base">
+                                        <p:cTn id="31" dur="500" fill="hold"/>
+                                        <p:tgtEl>
+                                          <p:spTgt spid="31"/>
+                                        </p:tgtEl>
+                                        <p:attrNameLst>
+                                          <p:attrName>ppt_x</p:attrName>
+                                        </p:attrNameLst>
+                                      </p:cBhvr>
+                                      <p:tavLst>
+                                        <p:tav tm="0">
+                                          <p:val>
+                                            <p:strVal val="#ppt_x"/>
+                                          </p:val>
+                                        </p:tav>
+                                        <p:tav tm="100000">
+                                          <p:val>
+                                            <p:strVal val="#ppt_x"/>
+                                          </p:val>
+                                        </p:tav>
+                                      </p:tavLst>
+                                    </p:anim>
+                                    <p:anim calcmode="lin" valueType="num">
+                                      <p:cBhvr additive="base">
+                                        <p:cTn id="32" dur="500" fill="hold"/>
+                                        <p:tgtEl>
+                                          <p:spTgt spid="31"/>
+                                        </p:tgtEl>
+                                        <p:attrNameLst>
+                                          <p:attrName>ppt_y</p:attrName>
+                                        </p:attrNameLst>
+                                      </p:cBhvr>
+                                      <p:tavLst>
+                                        <p:tav tm="0">
+                                          <p:val>
+                                            <p:strVal val="1+#ppt_h/2"/>
+                                          </p:val>
+                                        </p:tav>
+                                        <p:tav tm="100000">
+                                          <p:val>
+                                            <p:strVal val="#ppt_y"/>
+                                          </p:val>
+                                        </p:tav>
+                                      </p:tavLst>
+                                    </p:anim>
+                                  </p:childTnLst>
+                                </p:cTn>
+                              </p:par>
+                            </p:childTnLst>
+                          </p:cTn>
+                        </p:par>
+                      </p:childTnLst>
+                    </p:cTn>
+                  </p:par>
+                  <p:par>
+                    <p:cTn id="33" fill="hold">
+                      <p:stCondLst>
+                        <p:cond delay="indefinite"/>
+                      </p:stCondLst>
+                      <p:childTnLst>
+                        <p:par>
+                          <p:cTn id="34" fill="hold">
+                            <p:stCondLst>
+                              <p:cond delay="0"/>
+                            </p:stCondLst>
+                            <p:childTnLst>
+                              <p:par>
+                                <p:cTn id="35" presetID="6" presetClass="entr" presetSubtype="16" fill="hold" nodeType="clickEffect">
+                                  <p:stCondLst>
+                                    <p:cond delay="0"/>
+                                  </p:stCondLst>
+                                  <p:childTnLst>
+                                    <p:set>
+                                      <p:cBhvr>
+                                        <p:cTn id="36" dur="1" fill="hold">
+                                          <p:stCondLst>
+                                            <p:cond delay="0"/>
+                                          </p:stCondLst>
+                                        </p:cTn>
+                                        <p:tgtEl>
+                                          <p:spTgt spid="12"/>
+                                        </p:tgtEl>
+                                        <p:attrNameLst>
+                                          <p:attrName>style.visibility</p:attrName>
+                                        </p:attrNameLst>
+                                      </p:cBhvr>
+                                      <p:to>
+                                        <p:strVal val="visible"/>
+                                      </p:to>
+                                    </p:set>
+                                    <p:animEffect transition="in" filter="circle(in)">
+                                      <p:cBhvr>
+                                        <p:cTn id="37" dur="2000"/>
+                                        <p:tgtEl>
+                                          <p:spTgt spid="12"/>
+                                        </p:tgtEl>
+                                      </p:cBhvr>
+                                    </p:animEffect>
+                                  </p:childTnLst>
+                                </p:cTn>
+                              </p:par>
+                              <p:par>
+                                <p:cTn id="38" presetID="6" presetClass="entr" presetSubtype="16" fill="hold" nodeType="withEffect">
+                                  <p:stCondLst>
+                                    <p:cond delay="0"/>
+                                  </p:stCondLst>
+                                  <p:childTnLst>
+                                    <p:set>
+                                      <p:cBhvr>
+                                        <p:cTn id="39" dur="1" fill="hold">
+                                          <p:stCondLst>
+                                            <p:cond delay="0"/>
+                                          </p:stCondLst>
+                                        </p:cTn>
+                                        <p:tgtEl>
+                                          <p:spTgt spid="22"/>
+                                        </p:tgtEl>
+                                        <p:attrNameLst>
+                                          <p:attrName>style.visibility</p:attrName>
+                                        </p:attrNameLst>
+                                      </p:cBhvr>
+                                      <p:to>
+                                        <p:strVal val="visible"/>
+                                      </p:to>
+                                    </p:set>
+                                    <p:animEffect transition="in" filter="circle(in)">
+                                      <p:cBhvr>
+                                        <p:cTn id="40" dur="2000"/>
+                                        <p:tgtEl>
+                                          <p:spTgt spid="22"/>
+                                        </p:tgtEl>
+                                      </p:cBhvr>
+                                    </p:animEffect>
+                                  </p:childTnLst>
+                                </p:cTn>
+                              </p:par>
+                              <p:par>
+                                <p:cTn id="41" presetID="6" presetClass="entr" presetSubtype="16" fill="hold" nodeType="withEffect">
+                                  <p:stCondLst>
+                                    <p:cond delay="0"/>
+                                  </p:stCondLst>
+                                  <p:childTnLst>
+                                    <p:set>
+                                      <p:cBhvr>
+                                        <p:cTn id="42" dur="1" fill="hold">
+                                          <p:stCondLst>
+                                            <p:cond delay="0"/>
+                                          </p:stCondLst>
+                                        </p:cTn>
+                                        <p:tgtEl>
+                                          <p:spTgt spid="33"/>
+                                        </p:tgtEl>
+                                        <p:attrNameLst>
+                                          <p:attrName>style.visibility</p:attrName>
+                                        </p:attrNameLst>
+                                      </p:cBhvr>
+                                      <p:to>
+                                        <p:strVal val="visible"/>
+                                      </p:to>
+                                    </p:set>
+                                    <p:animEffect transition="in" filter="circle(in)">
+                                      <p:cBhvr>
+                                        <p:cTn id="43" dur="2000"/>
+                                        <p:tgtEl>
+                                          <p:spTgt spid="33"/>
+                                        </p:tgtEl>
+                                      </p:cBhvr>
+                                    </p:animEffect>
+                                  </p:childTnLst>
+                                </p:cTn>
+                              </p:par>
+                              <p:par>
+                                <p:cTn id="44" presetID="6" presetClass="entr" presetSubtype="16" fill="hold" nodeType="withEffect">
+                                  <p:stCondLst>
+                                    <p:cond delay="0"/>
+                                  </p:stCondLst>
+                                  <p:childTnLst>
+                                    <p:set>
+                                      <p:cBhvr>
+                                        <p:cTn id="45" dur="1" fill="hold">
+                                          <p:stCondLst>
+                                            <p:cond delay="0"/>
+                                          </p:stCondLst>
+                                        </p:cTn>
+                                        <p:tgtEl>
+                                          <p:spTgt spid="39"/>
+                                        </p:tgtEl>
+                                        <p:attrNameLst>
+                                          <p:attrName>style.visibility</p:attrName>
+                                        </p:attrNameLst>
+                                      </p:cBhvr>
+                                      <p:to>
+                                        <p:strVal val="visible"/>
+                                      </p:to>
+                                    </p:set>
+                                    <p:animEffect transition="in" filter="circle(in)">
+                                      <p:cBhvr>
+                                        <p:cTn id="46" dur="2000"/>
+                                        <p:tgtEl>
+                                          <p:spTgt spid="39"/>
+                                        </p:tgtEl>
+                                      </p:cBhvr>
+                                    </p:animEffect>
+                                  </p:childTnLst>
+                                </p:cTn>
+                              </p:par>
+                              <p:par>
+                                <p:cTn id="47" presetID="6" presetClass="entr" presetSubtype="16" fill="hold" nodeType="withEffect">
+                                  <p:stCondLst>
+                                    <p:cond delay="0"/>
+                                  </p:stCondLst>
+                                  <p:childTnLst>
+                                    <p:set>
+                                      <p:cBhvr>
+                                        <p:cTn id="48" dur="1" fill="hold">
+                                          <p:stCondLst>
+                                            <p:cond delay="0"/>
+                                          </p:stCondLst>
+                                        </p:cTn>
+                                        <p:tgtEl>
+                                          <p:spTgt spid="42"/>
+                                        </p:tgtEl>
+                                        <p:attrNameLst>
+                                          <p:attrName>style.visibility</p:attrName>
+                                        </p:attrNameLst>
+                                      </p:cBhvr>
+                                      <p:to>
+                                        <p:strVal val="visible"/>
+                                      </p:to>
+                                    </p:set>
+                                    <p:animEffect transition="in" filter="circle(in)">
+                                      <p:cBhvr>
+                                        <p:cTn id="49" dur="2000"/>
+                                        <p:tgtEl>
+                                          <p:spTgt spid="42"/>
+                                        </p:tgtEl>
+                                      </p:cBhvr>
+                                    </p:animEffect>
+                                  </p:childTnLst>
+                                </p:cTn>
+                              </p:par>
+                              <p:par>
+                                <p:cTn id="50" presetID="6" presetClass="entr" presetSubtype="16" fill="hold" nodeType="withEffect">
+                                  <p:stCondLst>
+                                    <p:cond delay="0"/>
+                                  </p:stCondLst>
+                                  <p:childTnLst>
+                                    <p:set>
+                                      <p:cBhvr>
+                                        <p:cTn id="51" dur="1" fill="hold">
+                                          <p:stCondLst>
+                                            <p:cond delay="0"/>
+                                          </p:stCondLst>
+                                        </p:cTn>
+                                        <p:tgtEl>
+                                          <p:spTgt spid="44"/>
+                                        </p:tgtEl>
+                                        <p:attrNameLst>
+                                          <p:attrName>style.visibility</p:attrName>
+                                        </p:attrNameLst>
+                                      </p:cBhvr>
+                                      <p:to>
+                                        <p:strVal val="visible"/>
+                                      </p:to>
+                                    </p:set>
+                                    <p:animEffect transition="in" filter="circle(in)">
+                                      <p:cBhvr>
+                                        <p:cTn id="52" dur="2000"/>
+                                        <p:tgtEl>
+                                          <p:spTgt spid="44"/>
+                                        </p:tgtEl>
+                                      </p:cBhvr>
+                                    </p:animEffect>
+                                  </p:childTnLst>
+                                </p:cTn>
+                              </p:par>
+                              <p:par>
+                                <p:cTn id="53" presetID="6" presetClass="entr" presetSubtype="16" fill="hold" nodeType="withEffect">
+                                  <p:stCondLst>
+                                    <p:cond delay="0"/>
+                                  </p:stCondLst>
+                                  <p:childTnLst>
+                                    <p:set>
+                                      <p:cBhvr>
+                                        <p:cTn id="54" dur="1" fill="hold">
+                                          <p:stCondLst>
+                                            <p:cond delay="0"/>
+                                          </p:stCondLst>
+                                        </p:cTn>
+                                        <p:tgtEl>
+                                          <p:spTgt spid="48"/>
+                                        </p:tgtEl>
+                                        <p:attrNameLst>
+                                          <p:attrName>style.visibility</p:attrName>
+                                        </p:attrNameLst>
+                                      </p:cBhvr>
+                                      <p:to>
+                                        <p:strVal val="visible"/>
+                                      </p:to>
+                                    </p:set>
+                                    <p:animEffect transition="in" filter="circle(in)">
+                                      <p:cBhvr>
+                                        <p:cTn id="55" dur="2000"/>
+                                        <p:tgtEl>
+                                          <p:spTgt spid="48"/>
+                                        </p:tgtEl>
+                                      </p:cBhvr>
+                                    </p:animEffect>
+                                  </p:childTnLst>
+                                </p:cTn>
+                              </p:par>
+                            </p:childTnLst>
+                          </p:cTn>
+                        </p:par>
+                      </p:childTnLst>
+                    </p:cTn>
+                  </p:par>
+                  <p:par>
+                    <p:cTn id="56" fill="hold">
+                      <p:stCondLst>
+                        <p:cond delay="indefinite"/>
+                      </p:stCondLst>
+                      <p:childTnLst>
+                        <p:par>
+                          <p:cTn id="57" fill="hold">
+                            <p:stCondLst>
+                              <p:cond delay="0"/>
+                            </p:stCondLst>
+                            <p:childTnLst>
+                              <p:par>
+                                <p:cTn id="58" presetID="53" presetClass="entr" presetSubtype="16" fill="hold" grpId="0" nodeType="clickEffect">
+                                  <p:stCondLst>
+                                    <p:cond delay="0"/>
+                                  </p:stCondLst>
+                                  <p:childTnLst>
+                                    <p:set>
+                                      <p:cBhvr>
+                                        <p:cTn id="59" dur="1" fill="hold">
+                                          <p:stCondLst>
+                                            <p:cond delay="0"/>
+                                          </p:stCondLst>
+                                        </p:cTn>
+                                        <p:tgtEl>
+                                          <p:spTgt spid="49"/>
+                                        </p:tgtEl>
+                                        <p:attrNameLst>
+                                          <p:attrName>style.visibility</p:attrName>
+                                        </p:attrNameLst>
+                                      </p:cBhvr>
+                                      <p:to>
+                                        <p:strVal val="visible"/>
+                                      </p:to>
+                                    </p:set>
+                                    <p:anim calcmode="lin" valueType="num">
+                                      <p:cBhvr>
+                                        <p:cTn id="60" dur="500" fill="hold"/>
+                                        <p:tgtEl>
+                                          <p:spTgt spid="49"/>
+                                        </p:tgtEl>
+                                        <p:attrNameLst>
+                                          <p:attrName>ppt_w</p:attrName>
+                                        </p:attrNameLst>
+                                      </p:cBhvr>
+                                      <p:tavLst>
+                                        <p:tav tm="0">
+                                          <p:val>
+                                            <p:fltVal val="0"/>
+                                          </p:val>
+                                        </p:tav>
+                                        <p:tav tm="100000">
+                                          <p:val>
+                                            <p:strVal val="#ppt_w"/>
+                                          </p:val>
+                                        </p:tav>
+                                      </p:tavLst>
+                                    </p:anim>
+                                    <p:anim calcmode="lin" valueType="num">
+                                      <p:cBhvr>
+                                        <p:cTn id="61" dur="500" fill="hold"/>
+                                        <p:tgtEl>
+                                          <p:spTgt spid="49"/>
+                                        </p:tgtEl>
+                                        <p:attrNameLst>
+                                          <p:attrName>ppt_h</p:attrName>
+                                        </p:attrNameLst>
+                                      </p:cBhvr>
+                                      <p:tavLst>
+                                        <p:tav tm="0">
+                                          <p:val>
+                                            <p:fltVal val="0"/>
+                                          </p:val>
+                                        </p:tav>
+                                        <p:tav tm="100000">
+                                          <p:val>
+                                            <p:strVal val="#ppt_h"/>
+                                          </p:val>
+                                        </p:tav>
+                                      </p:tavLst>
+                                    </p:anim>
+                                    <p:animEffect transition="in" filter="fade">
+                                      <p:cBhvr>
+                                        <p:cTn id="62" dur="500"/>
+                                        <p:tgtEl>
+                                          <p:spTgt spid="49"/>
+                                        </p:tgtEl>
+                                      </p:cBhvr>
+                                    </p:animEffect>
+                                  </p:childTnLst>
+                                </p:cTn>
+                              </p:par>
+                            </p:childTnLst>
+                          </p:cTn>
+                        </p:par>
+                      </p:childTnLst>
+                    </p:cTn>
+                  </p:par>
+                  <p:par>
+                    <p:cTn id="63" fill="hold">
+                      <p:stCondLst>
+                        <p:cond delay="indefinite"/>
+                      </p:stCondLst>
+                      <p:childTnLst>
+                        <p:par>
+                          <p:cTn id="64" fill="hold">
+                            <p:stCondLst>
+                              <p:cond delay="0"/>
+                            </p:stCondLst>
+                            <p:childTnLst>
+                              <p:par>
+                                <p:cTn id="65" presetID="53" presetClass="entr" presetSubtype="16" fill="hold" grpId="0" nodeType="clickEffect">
+                                  <p:stCondLst>
+                                    <p:cond delay="0"/>
+                                  </p:stCondLst>
+                                  <p:childTnLst>
+                                    <p:set>
+                                      <p:cBhvr>
+                                        <p:cTn id="66" dur="1" fill="hold">
+                                          <p:stCondLst>
+                                            <p:cond delay="0"/>
+                                          </p:stCondLst>
+                                        </p:cTn>
+                                        <p:tgtEl>
+                                          <p:spTgt spid="51"/>
+                                        </p:tgtEl>
+                                        <p:attrNameLst>
+                                          <p:attrName>style.visibility</p:attrName>
+                                        </p:attrNameLst>
+                                      </p:cBhvr>
+                                      <p:to>
+                                        <p:strVal val="visible"/>
+                                      </p:to>
+                                    </p:set>
+                                    <p:anim calcmode="lin" valueType="num">
+                                      <p:cBhvr>
+                                        <p:cTn id="67" dur="500" fill="hold"/>
+                                        <p:tgtEl>
+                                          <p:spTgt spid="51"/>
+                                        </p:tgtEl>
+                                        <p:attrNameLst>
+                                          <p:attrName>ppt_w</p:attrName>
+                                        </p:attrNameLst>
+                                      </p:cBhvr>
+                                      <p:tavLst>
+                                        <p:tav tm="0">
+                                          <p:val>
+                                            <p:fltVal val="0"/>
+                                          </p:val>
+                                        </p:tav>
+                                        <p:tav tm="100000">
+                                          <p:val>
+                                            <p:strVal val="#ppt_w"/>
+                                          </p:val>
+                                        </p:tav>
+                                      </p:tavLst>
+                                    </p:anim>
+                                    <p:anim calcmode="lin" valueType="num">
+                                      <p:cBhvr>
+                                        <p:cTn id="68" dur="500" fill="hold"/>
+                                        <p:tgtEl>
+                                          <p:spTgt spid="51"/>
+                                        </p:tgtEl>
+                                        <p:attrNameLst>
+                                          <p:attrName>ppt_h</p:attrName>
+                                        </p:attrNameLst>
+                                      </p:cBhvr>
+                                      <p:tavLst>
+                                        <p:tav tm="0">
+                                          <p:val>
+                                            <p:fltVal val="0"/>
+                                          </p:val>
+                                        </p:tav>
+                                        <p:tav tm="100000">
+                                          <p:val>
+                                            <p:strVal val="#ppt_h"/>
+                                          </p:val>
+                                        </p:tav>
+                                      </p:tavLst>
+                                    </p:anim>
+                                    <p:animEffect transition="in" filter="fade">
+                                      <p:cBhvr>
+                                        <p:cTn id="69" dur="500"/>
+                                        <p:tgtEl>
+                                          <p:spTgt spid="51"/>
+                                        </p:tgtEl>
+                                      </p:cBhvr>
+                                    </p:animEffect>
+                                  </p:childTnLst>
+                                </p:cTn>
+                              </p:par>
+                              <p:par>
+                                <p:cTn id="70" presetID="53" presetClass="entr" presetSubtype="16" fill="hold" grpId="0" nodeType="withEffect">
+                                  <p:stCondLst>
+                                    <p:cond delay="0"/>
+                                  </p:stCondLst>
+                                  <p:childTnLst>
+                                    <p:set>
+                                      <p:cBhvr>
+                                        <p:cTn id="71" dur="1" fill="hold">
+                                          <p:stCondLst>
+                                            <p:cond delay="0"/>
+                                          </p:stCondLst>
+                                        </p:cTn>
+                                        <p:tgtEl>
+                                          <p:spTgt spid="50"/>
+                                        </p:tgtEl>
+                                        <p:attrNameLst>
+                                          <p:attrName>style.visibility</p:attrName>
+                                        </p:attrNameLst>
+                                      </p:cBhvr>
+                                      <p:to>
+                                        <p:strVal val="visible"/>
+                                      </p:to>
+                                    </p:set>
+                                    <p:anim calcmode="lin" valueType="num">
+                                      <p:cBhvr>
+                                        <p:cTn id="72" dur="500" fill="hold"/>
+                                        <p:tgtEl>
+                                          <p:spTgt spid="50"/>
+                                        </p:tgtEl>
+                                        <p:attrNameLst>
+                                          <p:attrName>ppt_w</p:attrName>
+                                        </p:attrNameLst>
+                                      </p:cBhvr>
+                                      <p:tavLst>
+                                        <p:tav tm="0">
+                                          <p:val>
+                                            <p:fltVal val="0"/>
+                                          </p:val>
+                                        </p:tav>
+                                        <p:tav tm="100000">
+                                          <p:val>
+                                            <p:strVal val="#ppt_w"/>
+                                          </p:val>
+                                        </p:tav>
+                                      </p:tavLst>
+                                    </p:anim>
+                                    <p:anim calcmode="lin" valueType="num">
+                                      <p:cBhvr>
+                                        <p:cTn id="73" dur="500" fill="hold"/>
+                                        <p:tgtEl>
+                                          <p:spTgt spid="50"/>
+                                        </p:tgtEl>
+                                        <p:attrNameLst>
+                                          <p:attrName>ppt_h</p:attrName>
+                                        </p:attrNameLst>
+                                      </p:cBhvr>
+                                      <p:tavLst>
+                                        <p:tav tm="0">
+                                          <p:val>
+                                            <p:fltVal val="0"/>
+                                          </p:val>
+                                        </p:tav>
+                                        <p:tav tm="100000">
+                                          <p:val>
+                                            <p:strVal val="#ppt_h"/>
+                                          </p:val>
+                                        </p:tav>
+                                      </p:tavLst>
+                                    </p:anim>
+                                    <p:animEffect transition="in" filter="fade">
+                                      <p:cBhvr>
+                                        <p:cTn id="74" dur="500"/>
+                                        <p:tgtEl>
+                                          <p:spTgt spid="50"/>
+                                        </p:tgtEl>
+                                      </p:cBhvr>
+                                    </p:animEffect>
+                                  </p:childTnLst>
+                                </p:cTn>
+                              </p:par>
+                            </p:childTnLst>
+                          </p:cTn>
+                        </p:par>
+                      </p:childTnLst>
+                    </p:cTn>
+                  </p:par>
+                  <p:par>
+                    <p:cTn id="75" fill="hold">
+                      <p:stCondLst>
+                        <p:cond delay="indefinite"/>
+                      </p:stCondLst>
+                      <p:childTnLst>
+                        <p:par>
+                          <p:cTn id="76" fill="hold">
+                            <p:stCondLst>
+                              <p:cond delay="0"/>
+                            </p:stCondLst>
+                            <p:childTnLst>
+                              <p:par>
+                                <p:cTn id="77" presetID="22" presetClass="entr" presetSubtype="4" fill="hold" nodeType="clickEffect">
+                                  <p:stCondLst>
+                                    <p:cond delay="0"/>
+                                  </p:stCondLst>
+                                  <p:childTnLst>
+                                    <p:set>
+                                      <p:cBhvr>
+                                        <p:cTn id="78" dur="1" fill="hold">
+                                          <p:stCondLst>
+                                            <p:cond delay="0"/>
+                                          </p:stCondLst>
+                                        </p:cTn>
+                                        <p:tgtEl>
+                                          <p:spTgt spid="53"/>
+                                        </p:tgtEl>
+                                        <p:attrNameLst>
+                                          <p:attrName>style.visibility</p:attrName>
+                                        </p:attrNameLst>
+                                      </p:cBhvr>
+                                      <p:to>
+                                        <p:strVal val="visible"/>
+                                      </p:to>
+                                    </p:set>
+                                    <p:animEffect transition="in" filter="wipe(down)">
+                                      <p:cBhvr>
+                                        <p:cTn id="79" dur="500"/>
+                                        <p:tgtEl>
+                                          <p:spTgt spid="53"/>
+                                        </p:tgtEl>
+                                      </p:cBhvr>
+                                    </p:animEffect>
+                                  </p:childTnLst>
+                                </p:cTn>
+                              </p:par>
+                              <p:par>
+                                <p:cTn id="80" presetID="22" presetClass="entr" presetSubtype="4" fill="hold" nodeType="withEffect">
+                                  <p:stCondLst>
+                                    <p:cond delay="0"/>
+                                  </p:stCondLst>
+                                  <p:childTnLst>
+                                    <p:set>
+                                      <p:cBhvr>
+                                        <p:cTn id="81" dur="1" fill="hold">
+                                          <p:stCondLst>
+                                            <p:cond delay="0"/>
+                                          </p:stCondLst>
+                                        </p:cTn>
+                                        <p:tgtEl>
+                                          <p:spTgt spid="56"/>
+                                        </p:tgtEl>
+                                        <p:attrNameLst>
+                                          <p:attrName>style.visibility</p:attrName>
+                                        </p:attrNameLst>
+                                      </p:cBhvr>
+                                      <p:to>
+                                        <p:strVal val="visible"/>
+                                      </p:to>
+                                    </p:set>
+                                    <p:animEffect transition="in" filter="wipe(down)">
+                                      <p:cBhvr>
+                                        <p:cTn id="82" dur="500"/>
+                                        <p:tgtEl>
+                                          <p:spTgt spid="56"/>
+                                        </p:tgtEl>
+                                      </p:cBhvr>
+                                    </p:animEffect>
+                                  </p:childTnLst>
+                                </p:cTn>
+                              </p:par>
+                            </p:childTnLst>
+                          </p:cTn>
+                        </p:par>
+                      </p:childTnLst>
+                    </p:cTn>
+                  </p:par>
+                  <p:par>
+                    <p:cTn id="83" fill="hold">
+                      <p:stCondLst>
+                        <p:cond delay="indefinite"/>
+                      </p:stCondLst>
+                      <p:childTnLst>
+                        <p:par>
+                          <p:cTn id="84" fill="hold">
+                            <p:stCondLst>
+                              <p:cond delay="0"/>
+                            </p:stCondLst>
+                            <p:childTnLst>
+                              <p:par>
+                                <p:cTn id="85" presetID="1" presetClass="entr" presetSubtype="0" fill="hold" grpId="0" nodeType="clickEffect">
+                                  <p:stCondLst>
+                                    <p:cond delay="0"/>
+                                  </p:stCondLst>
+                                  <p:childTnLst>
+                                    <p:set>
+                                      <p:cBhvr>
+                                        <p:cTn id="86" dur="1" fill="hold">
+                                          <p:stCondLst>
+                                            <p:cond delay="0"/>
+                                          </p:stCondLst>
+                                        </p:cTn>
+                                        <p:tgtEl>
+                                          <p:spTgt spid="58"/>
+                                        </p:tgtEl>
+                                        <p:attrNameLst>
+                                          <p:attrName>style.visibility</p:attrName>
+                                        </p:attrNameLst>
+                                      </p:cBhvr>
+                                      <p:to>
+                                        <p:strVal val="visible"/>
+                                      </p:to>
+                                    </p:set>
+                                  </p:childTnLst>
+                                </p:cTn>
+                              </p:par>
+                            </p:childTnLst>
+                          </p:cTn>
+                        </p:par>
+                      </p:childTnLst>
+                    </p:cTn>
+                  </p:par>
+                </p:childTnLst>
+              </p:cTn>
+              <p:prevCondLst>
+                <p:cond evt="onPrev" delay="0">
+                  <p:tgtEl>
+                    <p:sldTgt/>
+                  </p:tgtEl>
+                </p:cond>
+              </p:prevCondLst>
+              <p:nextCondLst>
+                <p:cond evt="onNext" delay="0">
+                  <p:tgtEl>
+                    <p:sldTgt/>
+                  </p:tgtEl>
+                </p:cond>
+              </p:nextCondLst>
+            </p:seq>
+          </p:childTnLst>
+        </p:cTn>
+      </p:par>
+    </p:tnLst>
+    <p:bldLst>
+      <p:bldP spid="10" grpId="0"/>
+      <p:bldP spid="28" grpId="0"/>
+      <p:bldP spid="31" grpId="0"/>
+      <p:bldP spid="49" grpId="0" animBg="1"/>
+      <p:bldP spid="50" grpId="0" animBg="1"/>
+      <p:bldP spid="51" grpId="0" animBg="1"/>
+      <p:bldP spid="58" grpId="0" animBg="1"/>
+    </p:bldLst>
+  </p:timing>
+</p:sld>
+</file>
+
+<file path=ppt/slides/slide29.xml><?xml version="1.0" encoding="utf-8"?>
+<p:sld xmlns:a="http://schemas.openxmlformats.org/drawingml/2006/main" xmlns:r="http://schemas.openxmlformats.org/officeDocument/2006/relationships" xmlns:p="http://schemas.openxmlformats.org/presentationml/2006/main">
+  <p:cSld>
+    <p:bg>
+      <p:bgPr>
+        <a:solidFill>
+          <a:schemeClr val="bg1"/>
+        </a:solidFill>
+        <a:effectLst/>
+      </p:bgPr>
+    </p:bg>
+    <p:spTree>
+      <p:nvGrpSpPr>
+        <p:cNvPr id="1" name=""/>
+        <p:cNvGrpSpPr/>
+        <p:nvPr/>
+      </p:nvGrpSpPr>
+      <p:grpSpPr>
+        <a:xfrm>
+          <a:off x="0" y="0"/>
+          <a:ext cx="0" cy="0"/>
+          <a:chOff x="0" y="0"/>
+          <a:chExt cx="0" cy="0"/>
+        </a:xfrm>
+      </p:grpSpPr>
+      <p:sp>
+        <p:nvSpPr>
+          <p:cNvPr id="19" name="Rectangle 18">
+            <a:extLst>
+              <a:ext uri="{FF2B5EF4-FFF2-40B4-BE49-F238E27FC236}">
+                <a16:creationId xmlns="" xmlns:a16="http://schemas.microsoft.com/office/drawing/2014/main" id="{8D70B121-56F4-4848-B38B-182089D909FA}"/>
+              </a:ext>
+              <a:ext uri="{C183D7F6-B498-43B3-948B-1728B52AA6E4}">
+                <adec:decorative xmlns="" xmlns:adec="http://schemas.microsoft.com/office/drawing/2017/decorative" val="1"/>
+              </a:ext>
+            </a:extLst>
+          </p:cNvPr>
+          <p:cNvSpPr>
+            <a:spLocks noGrp="1" noRot="1" noChangeAspect="1" noMove="1" noResize="1" noEditPoints="1" noAdjustHandles="1" noChangeArrowheads="1" noChangeShapeType="1" noTextEdit="1"/>
+          </p:cNvSpPr>
+          <p:nvPr>
+            <p:extLst>
+              <p:ext uri="{386F3935-93C4-4BCD-93E2-E3B085C9AB24}">
+                <p16:designElem xmlns="" xmlns:p16="http://schemas.microsoft.com/office/powerpoint/2015/main" val="1"/>
+              </p:ext>
+            </p:extLst>
+          </p:nvPr>
+        </p:nvSpPr>
+        <p:spPr bwMode="ltGray">
+          <a:xfrm>
+            <a:off x="321564" y="320040"/>
+            <a:ext cx="11548872" cy="6217920"/>
+          </a:xfrm>
+          <a:prstGeom prst="rect">
+            <a:avLst/>
+          </a:prstGeom>
+          <a:solidFill>
+            <a:schemeClr val="tx1">
+              <a:alpha val="8000"/>
+            </a:schemeClr>
+          </a:solidFill>
+          <a:ln w="127000" cap="sq" cmpd="thinThick">
+            <a:noFill/>
+          </a:ln>
+        </p:spPr>
+        <p:style>
+          <a:lnRef idx="2">
+            <a:schemeClr val="accent1">
+              <a:shade val="50000"/>
+            </a:schemeClr>
+          </a:lnRef>
+          <a:fillRef idx="1">
+            <a:schemeClr val="accent1"/>
+          </a:fillRef>
+          <a:effectRef idx="0">
+            <a:schemeClr val="accent1"/>
+          </a:effectRef>
+          <a:fontRef idx="minor">
+            <a:schemeClr val="lt1"/>
+          </a:fontRef>
+        </p:style>
+        <p:txBody>
+          <a:bodyPr rtlCol="0" anchor="ctr"/>
+          <a:lstStyle/>
+          <a:p>
+            <a:pPr algn="ctr"/>
+            <a:endParaRPr lang="en-US"/>
+          </a:p>
+        </p:txBody>
+      </p:sp>
+      <p:pic>
+        <p:nvPicPr>
+          <p:cNvPr id="5" name="Grafik 4"/>
+          <p:cNvPicPr>
+            <a:picLocks noChangeAspect="1"/>
+          </p:cNvPicPr>
+          <p:nvPr/>
+        </p:nvPicPr>
+        <p:blipFill>
+          <a:blip r:embed="rId3"/>
+          <a:stretch>
+            <a:fillRect/>
+          </a:stretch>
+        </p:blipFill>
+        <p:spPr>
+          <a:xfrm>
+            <a:off x="3893536" y="2366962"/>
+            <a:ext cx="3762375" cy="2124075"/>
+          </a:xfrm>
+          <a:prstGeom prst="rect">
+            <a:avLst/>
+          </a:prstGeom>
+        </p:spPr>
+      </p:pic>
+      <p:cxnSp>
+        <p:nvCxnSpPr>
+          <p:cNvPr id="10" name="Gerade Verbindung mit Pfeil 9"/>
+          <p:cNvCxnSpPr/>
+          <p:nvPr/>
+        </p:nvCxnSpPr>
+        <p:spPr>
+          <a:xfrm>
+            <a:off x="2224402" y="3815744"/>
+            <a:ext cx="1828800" cy="0"/>
+          </a:xfrm>
+          <a:prstGeom prst="straightConnector1">
+            <a:avLst/>
+          </a:prstGeom>
+          <a:ln>
+            <a:tailEnd type="triangle"/>
+          </a:ln>
+        </p:spPr>
+        <p:style>
+          <a:lnRef idx="3">
+            <a:schemeClr val="accent4"/>
+          </a:lnRef>
+          <a:fillRef idx="0">
+            <a:schemeClr val="accent4"/>
+          </a:fillRef>
+          <a:effectRef idx="2">
+            <a:schemeClr val="accent4"/>
+          </a:effectRef>
+          <a:fontRef idx="minor">
+            <a:schemeClr val="tx1"/>
+          </a:fontRef>
+        </p:style>
+      </p:cxnSp>
+      <p:sp>
+        <p:nvSpPr>
+          <p:cNvPr id="11" name="Textfeld 10"/>
+          <p:cNvSpPr txBox="1"/>
+          <p:nvPr/>
+        </p:nvSpPr>
+        <p:spPr>
+          <a:xfrm>
+            <a:off x="1462833" y="3595335"/>
+            <a:ext cx="873211" cy="369332"/>
+          </a:xfrm>
+          <a:prstGeom prst="rect">
+            <a:avLst/>
+          </a:prstGeom>
+          <a:noFill/>
+        </p:spPr>
+        <p:txBody>
+          <a:bodyPr wrap="square" rtlCol="0">
+            <a:spAutoFit/>
+          </a:bodyPr>
+          <a:lstStyle/>
+          <a:p>
+            <a:r>
+              <a:rPr lang="de-DE" dirty="0" smtClean="0"/>
+              <a:t>Quelle </a:t>
+            </a:r>
+            <a:endParaRPr lang="de-DE" dirty="0"/>
+          </a:p>
+        </p:txBody>
+      </p:sp>
+      <p:cxnSp>
+        <p:nvCxnSpPr>
+          <p:cNvPr id="12" name="Gerade Verbindung mit Pfeil 11"/>
+          <p:cNvCxnSpPr/>
+          <p:nvPr/>
+        </p:nvCxnSpPr>
+        <p:spPr>
+          <a:xfrm flipH="1">
+            <a:off x="7564336" y="3050878"/>
+            <a:ext cx="1573426" cy="0"/>
+          </a:xfrm>
+          <a:prstGeom prst="straightConnector1">
+            <a:avLst/>
+          </a:prstGeom>
+          <a:ln>
+            <a:tailEnd type="triangle"/>
+          </a:ln>
+        </p:spPr>
+        <p:style>
+          <a:lnRef idx="3">
+            <a:schemeClr val="accent4"/>
+          </a:lnRef>
+          <a:fillRef idx="0">
+            <a:schemeClr val="accent4"/>
+          </a:fillRef>
+          <a:effectRef idx="2">
+            <a:schemeClr val="accent4"/>
+          </a:effectRef>
+          <a:fontRef idx="minor">
+            <a:schemeClr val="tx1"/>
+          </a:fontRef>
+        </p:style>
+      </p:cxnSp>
+      <p:sp>
+        <p:nvSpPr>
+          <p:cNvPr id="13" name="Textfeld 12"/>
+          <p:cNvSpPr txBox="1"/>
+          <p:nvPr/>
+        </p:nvSpPr>
+        <p:spPr>
+          <a:xfrm>
+            <a:off x="9152238" y="2866212"/>
+            <a:ext cx="1631091" cy="369332"/>
+          </a:xfrm>
+          <a:prstGeom prst="rect">
+            <a:avLst/>
+          </a:prstGeom>
+          <a:noFill/>
+        </p:spPr>
+        <p:txBody>
+          <a:bodyPr wrap="square" rtlCol="0">
+            <a:spAutoFit/>
+          </a:bodyPr>
+          <a:lstStyle/>
+          <a:p>
+            <a:r>
+              <a:rPr lang="de-DE" dirty="0" smtClean="0"/>
+              <a:t>Senke</a:t>
+            </a:r>
+            <a:endParaRPr lang="de-DE" dirty="0"/>
+          </a:p>
+        </p:txBody>
+      </p:sp>
+      <p:sp>
+        <p:nvSpPr>
+          <p:cNvPr id="14" name="Textfeld 13"/>
+          <p:cNvSpPr txBox="1"/>
+          <p:nvPr/>
+        </p:nvSpPr>
+        <p:spPr>
+          <a:xfrm>
+            <a:off x="4598921" y="1291841"/>
+            <a:ext cx="2685535" cy="646331"/>
+          </a:xfrm>
+          <a:prstGeom prst="rect">
+            <a:avLst/>
+          </a:prstGeom>
+          <a:noFill/>
+        </p:spPr>
+        <p:txBody>
+          <a:bodyPr wrap="square" rtlCol="0">
+            <a:spAutoFit/>
+          </a:bodyPr>
+          <a:lstStyle/>
+          <a:p>
+            <a:r>
+              <a:rPr lang="de-DE" dirty="0" smtClean="0"/>
+              <a:t>Minimale Kosten ohne Kapazitätsbeschränkung</a:t>
+            </a:r>
+            <a:endParaRPr lang="de-DE" dirty="0"/>
+          </a:p>
+        </p:txBody>
+      </p:sp>
+      <p:sp>
+        <p:nvSpPr>
+          <p:cNvPr id="15" name="Ellipse 14"/>
+          <p:cNvSpPr/>
+          <p:nvPr/>
+        </p:nvSpPr>
+        <p:spPr>
+          <a:xfrm rot="19988422">
+            <a:off x="4182913" y="3411210"/>
+            <a:ext cx="1020202" cy="341406"/>
+          </a:xfrm>
+          <a:prstGeom prst="ellipse">
+            <a:avLst/>
+          </a:prstGeom>
+          <a:noFill/>
+        </p:spPr>
+        <p:style>
+          <a:lnRef idx="2">
+            <a:schemeClr val="accent6"/>
+          </a:lnRef>
+          <a:fillRef idx="1">
+            <a:schemeClr val="lt1"/>
+          </a:fillRef>
+          <a:effectRef idx="0">
+            <a:schemeClr val="accent6"/>
+          </a:effectRef>
+          <a:fontRef idx="minor">
+            <a:schemeClr val="dk1"/>
+          </a:fontRef>
+        </p:style>
+        <p:txBody>
+          <a:bodyPr rtlCol="0" anchor="ctr"/>
+          <a:lstStyle/>
+          <a:p>
+            <a:pPr algn="ctr"/>
+            <a:endParaRPr lang="de-DE"/>
+          </a:p>
+        </p:txBody>
+      </p:sp>
+      <p:cxnSp>
+        <p:nvCxnSpPr>
+          <p:cNvPr id="17" name="Gerade Verbindung mit Pfeil 16"/>
+          <p:cNvCxnSpPr/>
+          <p:nvPr/>
+        </p:nvCxnSpPr>
+        <p:spPr>
+          <a:xfrm flipV="1">
+            <a:off x="2673981" y="4156863"/>
+            <a:ext cx="1924940" cy="671697"/>
+          </a:xfrm>
+          <a:prstGeom prst="straightConnector1">
+            <a:avLst/>
+          </a:prstGeom>
+          <a:ln>
+            <a:tailEnd type="triangle"/>
+          </a:ln>
+        </p:spPr>
+        <p:style>
+          <a:lnRef idx="1">
+            <a:schemeClr val="dk1"/>
+          </a:lnRef>
+          <a:fillRef idx="0">
+            <a:schemeClr val="dk1"/>
+          </a:fillRef>
+          <a:effectRef idx="0">
+            <a:schemeClr val="dk1"/>
+          </a:effectRef>
+          <a:fontRef idx="minor">
+            <a:schemeClr val="tx1"/>
+          </a:fontRef>
+        </p:style>
+      </p:cxnSp>
+      <p:cxnSp>
+        <p:nvCxnSpPr>
+          <p:cNvPr id="18" name="Gerade Verbindung mit Pfeil 17"/>
+          <p:cNvCxnSpPr/>
+          <p:nvPr/>
+        </p:nvCxnSpPr>
+        <p:spPr>
+          <a:xfrm>
+            <a:off x="3753553" y="2895140"/>
+            <a:ext cx="714908" cy="606816"/>
+          </a:xfrm>
+          <a:prstGeom prst="straightConnector1">
+            <a:avLst/>
+          </a:prstGeom>
+          <a:ln>
+            <a:tailEnd type="triangle"/>
+          </a:ln>
+        </p:spPr>
+        <p:style>
+          <a:lnRef idx="1">
+            <a:schemeClr val="dk1"/>
+          </a:lnRef>
+          <a:fillRef idx="0">
+            <a:schemeClr val="dk1"/>
+          </a:fillRef>
+          <a:effectRef idx="0">
+            <a:schemeClr val="dk1"/>
+          </a:effectRef>
+          <a:fontRef idx="minor">
+            <a:schemeClr val="tx1"/>
+          </a:fontRef>
+        </p:style>
+      </p:cxnSp>
+      <p:sp>
+        <p:nvSpPr>
+          <p:cNvPr id="20" name="Gewitterblitz 19"/>
+          <p:cNvSpPr/>
+          <p:nvPr/>
+        </p:nvSpPr>
+        <p:spPr>
+          <a:xfrm rot="962404">
+            <a:off x="3256811" y="2448589"/>
+            <a:ext cx="596329" cy="732113"/>
+          </a:xfrm>
+          <a:prstGeom prst="lightningBolt">
+            <a:avLst/>
+          </a:prstGeom>
+        </p:spPr>
+        <p:style>
+          <a:lnRef idx="2">
+            <a:schemeClr val="accent4">
+              <a:shade val="50000"/>
+            </a:schemeClr>
+          </a:lnRef>
+          <a:fillRef idx="1">
+            <a:schemeClr val="accent4"/>
+          </a:fillRef>
+          <a:effectRef idx="0">
+            <a:schemeClr val="accent4"/>
+          </a:effectRef>
+          <a:fontRef idx="minor">
+            <a:schemeClr val="lt1"/>
+          </a:fontRef>
+        </p:style>
+        <p:txBody>
+          <a:bodyPr rtlCol="0" anchor="ctr"/>
+          <a:lstStyle/>
+          <a:p>
+            <a:pPr algn="ctr"/>
+            <a:endParaRPr lang="de-DE"/>
+          </a:p>
+        </p:txBody>
+      </p:sp>
+      <p:sp>
+        <p:nvSpPr>
+          <p:cNvPr id="27" name="&quot;Nein&quot;-Symbol 26"/>
+          <p:cNvSpPr/>
+          <p:nvPr/>
+        </p:nvSpPr>
+        <p:spPr>
+          <a:xfrm>
+            <a:off x="2224402" y="4723771"/>
+            <a:ext cx="449579" cy="453081"/>
+          </a:xfrm>
+          <a:prstGeom prst="noSmoking">
+            <a:avLst/>
+          </a:prstGeom>
+          <a:solidFill>
+            <a:srgbClr val="FF0000"/>
+          </a:solidFill>
+          <a:ln>
+            <a:solidFill>
+              <a:srgbClr val="C00000"/>
+            </a:solidFill>
+          </a:ln>
+        </p:spPr>
+        <p:style>
+          <a:lnRef idx="2">
+            <a:schemeClr val="accent6">
+              <a:shade val="50000"/>
+            </a:schemeClr>
+          </a:lnRef>
+          <a:fillRef idx="1">
+            <a:schemeClr val="accent6"/>
+          </a:fillRef>
+          <a:effectRef idx="0">
+            <a:schemeClr val="accent6"/>
+          </a:effectRef>
+          <a:fontRef idx="minor">
+            <a:schemeClr val="lt1"/>
+          </a:fontRef>
+        </p:style>
+        <p:txBody>
+          <a:bodyPr rtlCol="0" anchor="ctr"/>
+          <a:lstStyle/>
+          <a:p>
+            <a:pPr algn="ctr"/>
+            <a:endParaRPr lang="de-DE">
+              <a:solidFill>
+                <a:schemeClr val="tx1"/>
+              </a:solidFill>
+            </a:endParaRPr>
+          </a:p>
+        </p:txBody>
+      </p:sp>
+      <p:grpSp>
+        <p:nvGrpSpPr>
+          <p:cNvPr id="28" name="Gruppieren 27">
+            <a:extLst>
+              <a:ext uri="{FF2B5EF4-FFF2-40B4-BE49-F238E27FC236}">
+                <a16:creationId xmlns="" xmlns:a16="http://schemas.microsoft.com/office/drawing/2014/main" id="{50ECC846-FE00-5642-8853-EEE6E8A01659}"/>
+              </a:ext>
+            </a:extLst>
+          </p:cNvPr>
+          <p:cNvGrpSpPr/>
+          <p:nvPr/>
+        </p:nvGrpSpPr>
+        <p:grpSpPr>
+          <a:xfrm>
+            <a:off x="3636451" y="4629675"/>
+            <a:ext cx="4269210" cy="1778033"/>
+            <a:chOff x="2192238" y="1846394"/>
+            <a:chExt cx="7807523" cy="3165212"/>
+          </a:xfrm>
+        </p:grpSpPr>
+        <p:sp>
+          <p:nvSpPr>
+            <p:cNvPr id="29" name="Dreieck 22">
+              <a:extLst>
+                <a:ext uri="{FF2B5EF4-FFF2-40B4-BE49-F238E27FC236}">
+                  <a16:creationId xmlns="" xmlns:a16="http://schemas.microsoft.com/office/drawing/2014/main" id="{C58FCFF5-FFE5-1240-AE4D-8FE755FB7696}"/>
+                </a:ext>
+              </a:extLst>
+            </p:cNvPr>
+            <p:cNvSpPr/>
+            <p:nvPr/>
+          </p:nvSpPr>
+          <p:spPr>
+            <a:xfrm>
+              <a:off x="4770782" y="2690192"/>
+              <a:ext cx="225287" cy="132521"/>
+            </a:xfrm>
+            <a:prstGeom prst="triangle">
+              <a:avLst/>
+            </a:prstGeom>
+          </p:spPr>
+          <p:style>
+            <a:lnRef idx="2">
+              <a:schemeClr val="accent1">
+                <a:shade val="50000"/>
+              </a:schemeClr>
+            </a:lnRef>
+            <a:fillRef idx="1">
+              <a:schemeClr val="accent1"/>
+            </a:fillRef>
+            <a:effectRef idx="0">
+              <a:schemeClr val="accent1"/>
+            </a:effectRef>
+            <a:fontRef idx="minor">
+              <a:schemeClr val="lt1"/>
+            </a:fontRef>
+          </p:style>
+          <p:txBody>
+            <a:bodyPr rtlCol="0" anchor="ctr"/>
+            <a:lstStyle/>
+            <a:p>
+              <a:pPr algn="ctr"/>
+              <a:endParaRPr lang="de-DE"/>
+            </a:p>
+          </p:txBody>
+        </p:sp>
+        <p:pic>
+          <p:nvPicPr>
+            <p:cNvPr id="30" name="Grafik 29">
+              <a:extLst>
+                <a:ext uri="{FF2B5EF4-FFF2-40B4-BE49-F238E27FC236}">
+                  <a16:creationId xmlns="" xmlns:a16="http://schemas.microsoft.com/office/drawing/2014/main" id="{4E6774A5-9359-5A4C-9D07-47945BA0A9B3}"/>
+                </a:ext>
+              </a:extLst>
+            </p:cNvPr>
+            <p:cNvPicPr>
+              <a:picLocks noChangeAspect="1"/>
+            </p:cNvPicPr>
+            <p:nvPr/>
+          </p:nvPicPr>
+          <p:blipFill>
+            <a:blip r:embed="rId4"/>
+            <a:stretch>
+              <a:fillRect/>
+            </a:stretch>
+          </p:blipFill>
+          <p:spPr>
+            <a:xfrm>
+              <a:off x="2192238" y="1846394"/>
+              <a:ext cx="7807523" cy="3165212"/>
+            </a:xfrm>
+            <a:prstGeom prst="rect">
+              <a:avLst/>
+            </a:prstGeom>
+          </p:spPr>
+        </p:pic>
+        <p:sp>
+          <p:nvSpPr>
+            <p:cNvPr id="31" name="Dreieck 23">
+              <a:extLst>
+                <a:ext uri="{FF2B5EF4-FFF2-40B4-BE49-F238E27FC236}">
+                  <a16:creationId xmlns="" xmlns:a16="http://schemas.microsoft.com/office/drawing/2014/main" id="{45F58FCA-1036-9842-AC1B-581E8445154F}"/>
+                </a:ext>
+              </a:extLst>
+            </p:cNvPr>
+            <p:cNvSpPr/>
+            <p:nvPr/>
+          </p:nvSpPr>
+          <p:spPr>
+            <a:xfrm rot="3677808">
+              <a:off x="4481190" y="2559880"/>
+              <a:ext cx="225287" cy="132521"/>
+            </a:xfrm>
+            <a:prstGeom prst="triangle">
+              <a:avLst/>
+            </a:prstGeom>
+          </p:spPr>
+          <p:style>
+            <a:lnRef idx="2">
+              <a:schemeClr val="accent1">
+                <a:shade val="50000"/>
+              </a:schemeClr>
+            </a:lnRef>
+            <a:fillRef idx="1">
+              <a:schemeClr val="accent1"/>
+            </a:fillRef>
+            <a:effectRef idx="0">
+              <a:schemeClr val="accent1"/>
+            </a:effectRef>
+            <a:fontRef idx="minor">
+              <a:schemeClr val="lt1"/>
+            </a:fontRef>
+          </p:style>
+          <p:txBody>
+            <a:bodyPr rtlCol="0" anchor="ctr"/>
+            <a:lstStyle/>
+            <a:p>
+              <a:pPr algn="ctr"/>
+              <a:endParaRPr lang="de-DE" dirty="0"/>
+            </a:p>
+          </p:txBody>
+        </p:sp>
+        <p:sp>
+          <p:nvSpPr>
+            <p:cNvPr id="32" name="Dreieck 24">
+              <a:extLst>
+                <a:ext uri="{FF2B5EF4-FFF2-40B4-BE49-F238E27FC236}">
+                  <a16:creationId xmlns="" xmlns:a16="http://schemas.microsoft.com/office/drawing/2014/main" id="{F32A8848-A721-984F-933E-9E9622B747AD}"/>
+                </a:ext>
+              </a:extLst>
+            </p:cNvPr>
+            <p:cNvSpPr/>
+            <p:nvPr/>
+          </p:nvSpPr>
+          <p:spPr>
+            <a:xfrm rot="6878945">
+              <a:off x="4492693" y="4351465"/>
+              <a:ext cx="225287" cy="132521"/>
+            </a:xfrm>
+            <a:prstGeom prst="triangle">
+              <a:avLst/>
+            </a:prstGeom>
+          </p:spPr>
+          <p:style>
+            <a:lnRef idx="2">
+              <a:schemeClr val="accent1">
+                <a:shade val="50000"/>
+              </a:schemeClr>
+            </a:lnRef>
+            <a:fillRef idx="1">
+              <a:schemeClr val="accent1"/>
+            </a:fillRef>
+            <a:effectRef idx="0">
+              <a:schemeClr val="accent1"/>
+            </a:effectRef>
+            <a:fontRef idx="minor">
+              <a:schemeClr val="lt1"/>
+            </a:fontRef>
+          </p:style>
+          <p:txBody>
+            <a:bodyPr rtlCol="0" anchor="ctr"/>
+            <a:lstStyle/>
+            <a:p>
+              <a:pPr algn="ctr"/>
+              <a:endParaRPr lang="de-DE"/>
+            </a:p>
+          </p:txBody>
+        </p:sp>
+        <p:sp>
+          <p:nvSpPr>
+            <p:cNvPr id="33" name="Dreieck 25">
+              <a:extLst>
+                <a:ext uri="{FF2B5EF4-FFF2-40B4-BE49-F238E27FC236}">
+                  <a16:creationId xmlns="" xmlns:a16="http://schemas.microsoft.com/office/drawing/2014/main" id="{80771BCA-609E-164A-B463-F6A1D4A2CEAE}"/>
+                </a:ext>
+              </a:extLst>
+            </p:cNvPr>
+            <p:cNvSpPr/>
+            <p:nvPr/>
+          </p:nvSpPr>
+          <p:spPr>
+            <a:xfrm rot="3016238">
+              <a:off x="6645367" y="2627471"/>
+              <a:ext cx="225287" cy="132521"/>
+            </a:xfrm>
+            <a:prstGeom prst="triangle">
+              <a:avLst/>
+            </a:prstGeom>
+          </p:spPr>
+          <p:style>
+            <a:lnRef idx="2">
+              <a:schemeClr val="accent1">
+                <a:shade val="50000"/>
+              </a:schemeClr>
+            </a:lnRef>
+            <a:fillRef idx="1">
+              <a:schemeClr val="accent1"/>
+            </a:fillRef>
+            <a:effectRef idx="0">
+              <a:schemeClr val="accent1"/>
+            </a:effectRef>
+            <a:fontRef idx="minor">
+              <a:schemeClr val="lt1"/>
+            </a:fontRef>
+          </p:style>
+          <p:txBody>
+            <a:bodyPr rtlCol="0" anchor="ctr"/>
+            <a:lstStyle/>
+            <a:p>
+              <a:pPr algn="ctr"/>
+              <a:endParaRPr lang="de-DE"/>
+            </a:p>
+          </p:txBody>
+        </p:sp>
+        <p:sp>
+          <p:nvSpPr>
+            <p:cNvPr id="34" name="Dreieck 26">
+              <a:extLst>
+                <a:ext uri="{FF2B5EF4-FFF2-40B4-BE49-F238E27FC236}">
+                  <a16:creationId xmlns="" xmlns:a16="http://schemas.microsoft.com/office/drawing/2014/main" id="{D74FB55B-722F-AF4E-B788-08B063B85B99}"/>
+                </a:ext>
+              </a:extLst>
+            </p:cNvPr>
+            <p:cNvSpPr/>
+            <p:nvPr/>
+          </p:nvSpPr>
+          <p:spPr>
+            <a:xfrm rot="5400000">
+              <a:off x="6541072" y="2385845"/>
+              <a:ext cx="225287" cy="132521"/>
+            </a:xfrm>
+            <a:prstGeom prst="triangle">
+              <a:avLst/>
+            </a:prstGeom>
+          </p:spPr>
+          <p:style>
+            <a:lnRef idx="2">
+              <a:schemeClr val="accent1">
+                <a:shade val="50000"/>
+              </a:schemeClr>
+            </a:lnRef>
+            <a:fillRef idx="1">
+              <a:schemeClr val="accent1"/>
+            </a:fillRef>
+            <a:effectRef idx="0">
+              <a:schemeClr val="accent1"/>
+            </a:effectRef>
+            <a:fontRef idx="minor">
+              <a:schemeClr val="lt1"/>
+            </a:fontRef>
+          </p:style>
+          <p:txBody>
+            <a:bodyPr rtlCol="0" anchor="ctr"/>
+            <a:lstStyle/>
+            <a:p>
+              <a:pPr algn="ctr"/>
+              <a:endParaRPr lang="de-DE"/>
+            </a:p>
+          </p:txBody>
+        </p:sp>
+        <p:sp>
+          <p:nvSpPr>
+            <p:cNvPr id="35" name="Dreieck 27">
+              <a:extLst>
+                <a:ext uri="{FF2B5EF4-FFF2-40B4-BE49-F238E27FC236}">
+                  <a16:creationId xmlns="" xmlns:a16="http://schemas.microsoft.com/office/drawing/2014/main" id="{E28615C0-4C02-CA41-ABCF-97C87E10A370}"/>
+                </a:ext>
+              </a:extLst>
+            </p:cNvPr>
+            <p:cNvSpPr/>
+            <p:nvPr/>
+          </p:nvSpPr>
+          <p:spPr>
+            <a:xfrm rot="5400000">
+              <a:off x="6541072" y="4481479"/>
+              <a:ext cx="225287" cy="132521"/>
+            </a:xfrm>
+            <a:prstGeom prst="triangle">
+              <a:avLst/>
+            </a:prstGeom>
+          </p:spPr>
+          <p:style>
+            <a:lnRef idx="2">
+              <a:schemeClr val="accent1">
+                <a:shade val="50000"/>
+              </a:schemeClr>
+            </a:lnRef>
+            <a:fillRef idx="1">
+              <a:schemeClr val="accent1"/>
+            </a:fillRef>
+            <a:effectRef idx="0">
+              <a:schemeClr val="accent1"/>
+            </a:effectRef>
+            <a:fontRef idx="minor">
+              <a:schemeClr val="lt1"/>
+            </a:fontRef>
+          </p:style>
+          <p:txBody>
+            <a:bodyPr rtlCol="0" anchor="ctr"/>
+            <a:lstStyle/>
+            <a:p>
+              <a:pPr algn="ctr"/>
+              <a:endParaRPr lang="de-DE"/>
+            </a:p>
+          </p:txBody>
+        </p:sp>
+        <p:sp>
+          <p:nvSpPr>
+            <p:cNvPr id="36" name="Dreieck 28">
+              <a:extLst>
+                <a:ext uri="{FF2B5EF4-FFF2-40B4-BE49-F238E27FC236}">
+                  <a16:creationId xmlns="" xmlns:a16="http://schemas.microsoft.com/office/drawing/2014/main" id="{FBA1CE75-BDA7-5541-B332-841CA5A0F3D8}"/>
+                </a:ext>
+              </a:extLst>
+            </p:cNvPr>
+            <p:cNvSpPr/>
+            <p:nvPr/>
+          </p:nvSpPr>
+          <p:spPr>
+            <a:xfrm rot="3738898">
+              <a:off x="8654635" y="3604502"/>
+              <a:ext cx="225287" cy="132521"/>
+            </a:xfrm>
+            <a:prstGeom prst="triangle">
+              <a:avLst/>
+            </a:prstGeom>
+          </p:spPr>
+          <p:style>
+            <a:lnRef idx="2">
+              <a:schemeClr val="accent1">
+                <a:shade val="50000"/>
+              </a:schemeClr>
+            </a:lnRef>
+            <a:fillRef idx="1">
+              <a:schemeClr val="accent1"/>
+            </a:fillRef>
+            <a:effectRef idx="0">
+              <a:schemeClr val="accent1"/>
+            </a:effectRef>
+            <a:fontRef idx="minor">
+              <a:schemeClr val="lt1"/>
+            </a:fontRef>
+          </p:style>
+          <p:txBody>
+            <a:bodyPr rtlCol="0" anchor="ctr"/>
+            <a:lstStyle/>
+            <a:p>
+              <a:pPr algn="ctr"/>
+              <a:endParaRPr lang="de-DE"/>
+            </a:p>
+          </p:txBody>
+        </p:sp>
+        <p:sp>
+          <p:nvSpPr>
+            <p:cNvPr id="37" name="Dreieck 29">
+              <a:extLst>
+                <a:ext uri="{FF2B5EF4-FFF2-40B4-BE49-F238E27FC236}">
+                  <a16:creationId xmlns="" xmlns:a16="http://schemas.microsoft.com/office/drawing/2014/main" id="{54C42A26-F415-894B-B37F-08315630F5A1}"/>
+                </a:ext>
+              </a:extLst>
+            </p:cNvPr>
+            <p:cNvSpPr/>
+            <p:nvPr/>
+          </p:nvSpPr>
+          <p:spPr>
+            <a:xfrm rot="6859344">
+              <a:off x="8650399" y="3251511"/>
+              <a:ext cx="225287" cy="132521"/>
+            </a:xfrm>
+            <a:prstGeom prst="triangle">
+              <a:avLst/>
+            </a:prstGeom>
+          </p:spPr>
+          <p:style>
+            <a:lnRef idx="2">
+              <a:schemeClr val="accent1">
+                <a:shade val="50000"/>
+              </a:schemeClr>
+            </a:lnRef>
+            <a:fillRef idx="1">
+              <a:schemeClr val="accent1"/>
+            </a:fillRef>
+            <a:effectRef idx="0">
+              <a:schemeClr val="accent1"/>
+            </a:effectRef>
+            <a:fontRef idx="minor">
+              <a:schemeClr val="lt1"/>
+            </a:fontRef>
+          </p:style>
+          <p:txBody>
+            <a:bodyPr rtlCol="0" anchor="ctr"/>
+            <a:lstStyle/>
+            <a:p>
+              <a:pPr algn="ctr"/>
+              <a:endParaRPr lang="de-DE"/>
+            </a:p>
+          </p:txBody>
+        </p:sp>
+      </p:grpSp>
+    </p:spTree>
+    <p:extLst>
+      <p:ext uri="{BB962C8B-B14F-4D97-AF65-F5344CB8AC3E}">
+        <p14:creationId xmlns:p14="http://schemas.microsoft.com/office/powerpoint/2010/main" val="3670826346"/>
+      </p:ext>
+    </p:extLst>
+  </p:cSld>
+  <p:clrMapOvr>
+    <a:masterClrMapping/>
+  </p:clrMapOvr>
+  <p:timing>
+    <p:tnLst>
+      <p:par>
+        <p:cTn id="1" dur="indefinite" restart="never" nodeType="tmRoot">
+          <p:childTnLst>
+            <p:seq concurrent="1" nextAc="seek">
+              <p:cTn id="2" dur="indefinite" nodeType="mainSeq">
+                <p:childTnLst>
+                  <p:par>
+                    <p:cTn id="3" fill="hold">
+                      <p:stCondLst>
+                        <p:cond delay="indefinite"/>
+                      </p:stCondLst>
+                      <p:childTnLst>
+                        <p:par>
+                          <p:cTn id="4" fill="hold">
+                            <p:stCondLst>
+                              <p:cond delay="0"/>
+                            </p:stCondLst>
+                            <p:childTnLst>
+                              <p:par>
+                                <p:cTn id="5" presetID="42" presetClass="entr" presetSubtype="0" fill="hold" nodeType="clickEffect">
+                                  <p:stCondLst>
+                                    <p:cond delay="0"/>
+                                  </p:stCondLst>
+                                  <p:childTnLst>
+                                    <p:set>
+                                      <p:cBhvr>
+                                        <p:cTn id="6" dur="1" fill="hold">
+                                          <p:stCondLst>
+                                            <p:cond delay="0"/>
+                                          </p:stCondLst>
+                                        </p:cTn>
+                                        <p:tgtEl>
+                                          <p:spTgt spid="10"/>
+                                        </p:tgtEl>
+                                        <p:attrNameLst>
+                                          <p:attrName>style.visibility</p:attrName>
+                                        </p:attrNameLst>
+                                      </p:cBhvr>
+                                      <p:to>
+                                        <p:strVal val="visible"/>
+                                      </p:to>
+                                    </p:set>
+                                    <p:animEffect transition="in" filter="fade">
+                                      <p:cBhvr>
+                                        <p:cTn id="7" dur="1000"/>
+                                        <p:tgtEl>
+                                          <p:spTgt spid="10"/>
+                                        </p:tgtEl>
+                                      </p:cBhvr>
+                                    </p:animEffect>
+                                    <p:anim calcmode="lin" valueType="num">
+                                      <p:cBhvr>
+                                        <p:cTn id="8" dur="1000" fill="hold"/>
+                                        <p:tgtEl>
+                                          <p:spTgt spid="10"/>
+                                        </p:tgtEl>
+                                        <p:attrNameLst>
+                                          <p:attrName>ppt_x</p:attrName>
+                                        </p:attrNameLst>
+                                      </p:cBhvr>
+                                      <p:tavLst>
+                                        <p:tav tm="0">
+                                          <p:val>
+                                            <p:strVal val="#ppt_x"/>
+                                          </p:val>
+                                        </p:tav>
+                                        <p:tav tm="100000">
+                                          <p:val>
+                                            <p:strVal val="#ppt_x"/>
+                                          </p:val>
+                                        </p:tav>
+                                      </p:tavLst>
+                                    </p:anim>
+                                    <p:anim calcmode="lin" valueType="num">
+                                      <p:cBhvr>
+                                        <p:cTn id="9" dur="1000" fill="hold"/>
+                                        <p:tgtEl>
+                                          <p:spTgt spid="10"/>
+                                        </p:tgtEl>
+                                        <p:attrNameLst>
+                                          <p:attrName>ppt_y</p:attrName>
+                                        </p:attrNameLst>
+                                      </p:cBhvr>
+                                      <p:tavLst>
+                                        <p:tav tm="0">
+                                          <p:val>
+                                            <p:strVal val="#ppt_y+.1"/>
+                                          </p:val>
+                                        </p:tav>
+                                        <p:tav tm="100000">
+                                          <p:val>
+                                            <p:strVal val="#ppt_y"/>
+                                          </p:val>
+                                        </p:tav>
+                                      </p:tavLst>
+                                    </p:anim>
+                                  </p:childTnLst>
+                                </p:cTn>
+                              </p:par>
+                              <p:par>
+                                <p:cTn id="10" presetID="42" presetClass="entr" presetSubtype="0" fill="hold" grpId="0" nodeType="withEffect">
+                                  <p:stCondLst>
+                                    <p:cond delay="0"/>
+                                  </p:stCondLst>
+                                  <p:childTnLst>
+                                    <p:set>
+                                      <p:cBhvr>
+                                        <p:cTn id="11" dur="1" fill="hold">
+                                          <p:stCondLst>
+                                            <p:cond delay="0"/>
+                                          </p:stCondLst>
+                                        </p:cTn>
+                                        <p:tgtEl>
+                                          <p:spTgt spid="11"/>
+                                        </p:tgtEl>
+                                        <p:attrNameLst>
+                                          <p:attrName>style.visibility</p:attrName>
+                                        </p:attrNameLst>
+                                      </p:cBhvr>
+                                      <p:to>
+                                        <p:strVal val="visible"/>
+                                      </p:to>
+                                    </p:set>
+                                    <p:animEffect transition="in" filter="fade">
+                                      <p:cBhvr>
+                                        <p:cTn id="12" dur="1000"/>
+                                        <p:tgtEl>
+                                          <p:spTgt spid="11"/>
+                                        </p:tgtEl>
+                                      </p:cBhvr>
+                                    </p:animEffect>
+                                    <p:anim calcmode="lin" valueType="num">
+                                      <p:cBhvr>
+                                        <p:cTn id="13" dur="1000" fill="hold"/>
+                                        <p:tgtEl>
+                                          <p:spTgt spid="11"/>
+                                        </p:tgtEl>
+                                        <p:attrNameLst>
+                                          <p:attrName>ppt_x</p:attrName>
+                                        </p:attrNameLst>
+                                      </p:cBhvr>
+                                      <p:tavLst>
+                                        <p:tav tm="0">
+                                          <p:val>
+                                            <p:strVal val="#ppt_x"/>
+                                          </p:val>
+                                        </p:tav>
+                                        <p:tav tm="100000">
+                                          <p:val>
+                                            <p:strVal val="#ppt_x"/>
+                                          </p:val>
+                                        </p:tav>
+                                      </p:tavLst>
+                                    </p:anim>
+                                    <p:anim calcmode="lin" valueType="num">
+                                      <p:cBhvr>
+                                        <p:cTn id="14" dur="1000" fill="hold"/>
+                                        <p:tgtEl>
+                                          <p:spTgt spid="11"/>
+                                        </p:tgtEl>
+                                        <p:attrNameLst>
+                                          <p:attrName>ppt_y</p:attrName>
+                                        </p:attrNameLst>
+                                      </p:cBhvr>
+                                      <p:tavLst>
+                                        <p:tav tm="0">
+                                          <p:val>
+                                            <p:strVal val="#ppt_y+.1"/>
+                                          </p:val>
+                                        </p:tav>
+                                        <p:tav tm="100000">
+                                          <p:val>
+                                            <p:strVal val="#ppt_y"/>
+                                          </p:val>
+                                        </p:tav>
+                                      </p:tavLst>
+                                    </p:anim>
+                                  </p:childTnLst>
+                                </p:cTn>
+                              </p:par>
+                              <p:par>
+                                <p:cTn id="15" presetID="42" presetClass="entr" presetSubtype="0" fill="hold" nodeType="withEffect">
+                                  <p:stCondLst>
+                                    <p:cond delay="0"/>
+                                  </p:stCondLst>
+                                  <p:childTnLst>
+                                    <p:set>
+                                      <p:cBhvr>
+                                        <p:cTn id="16" dur="1" fill="hold">
+                                          <p:stCondLst>
+                                            <p:cond delay="0"/>
+                                          </p:stCondLst>
+                                        </p:cTn>
+                                        <p:tgtEl>
+                                          <p:spTgt spid="12"/>
+                                        </p:tgtEl>
+                                        <p:attrNameLst>
+                                          <p:attrName>style.visibility</p:attrName>
+                                        </p:attrNameLst>
+                                      </p:cBhvr>
+                                      <p:to>
+                                        <p:strVal val="visible"/>
+                                      </p:to>
+                                    </p:set>
+                                    <p:animEffect transition="in" filter="fade">
+                                      <p:cBhvr>
+                                        <p:cTn id="17" dur="1000"/>
+                                        <p:tgtEl>
+                                          <p:spTgt spid="12"/>
+                                        </p:tgtEl>
+                                      </p:cBhvr>
+                                    </p:animEffect>
+                                    <p:anim calcmode="lin" valueType="num">
+                                      <p:cBhvr>
+                                        <p:cTn id="18" dur="1000" fill="hold"/>
+                                        <p:tgtEl>
+                                          <p:spTgt spid="12"/>
+                                        </p:tgtEl>
+                                        <p:attrNameLst>
+                                          <p:attrName>ppt_x</p:attrName>
+                                        </p:attrNameLst>
+                                      </p:cBhvr>
+                                      <p:tavLst>
+                                        <p:tav tm="0">
+                                          <p:val>
+                                            <p:strVal val="#ppt_x"/>
+                                          </p:val>
+                                        </p:tav>
+                                        <p:tav tm="100000">
+                                          <p:val>
+                                            <p:strVal val="#ppt_x"/>
+                                          </p:val>
+                                        </p:tav>
+                                      </p:tavLst>
+                                    </p:anim>
+                                    <p:anim calcmode="lin" valueType="num">
+                                      <p:cBhvr>
+                                        <p:cTn id="19" dur="1000" fill="hold"/>
+                                        <p:tgtEl>
+                                          <p:spTgt spid="12"/>
+                                        </p:tgtEl>
+                                        <p:attrNameLst>
+                                          <p:attrName>ppt_y</p:attrName>
+                                        </p:attrNameLst>
+                                      </p:cBhvr>
+                                      <p:tavLst>
+                                        <p:tav tm="0">
+                                          <p:val>
+                                            <p:strVal val="#ppt_y+.1"/>
+                                          </p:val>
+                                        </p:tav>
+                                        <p:tav tm="100000">
+                                          <p:val>
+                                            <p:strVal val="#ppt_y"/>
+                                          </p:val>
+                                        </p:tav>
+                                      </p:tavLst>
+                                    </p:anim>
+                                  </p:childTnLst>
+                                </p:cTn>
+                              </p:par>
+                              <p:par>
+                                <p:cTn id="20" presetID="42" presetClass="entr" presetSubtype="0" fill="hold" grpId="0" nodeType="withEffect">
+                                  <p:stCondLst>
+                                    <p:cond delay="0"/>
+                                  </p:stCondLst>
+                                  <p:childTnLst>
+                                    <p:set>
+                                      <p:cBhvr>
+                                        <p:cTn id="21" dur="1" fill="hold">
+                                          <p:stCondLst>
+                                            <p:cond delay="0"/>
+                                          </p:stCondLst>
+                                        </p:cTn>
+                                        <p:tgtEl>
+                                          <p:spTgt spid="13"/>
+                                        </p:tgtEl>
+                                        <p:attrNameLst>
+                                          <p:attrName>style.visibility</p:attrName>
+                                        </p:attrNameLst>
+                                      </p:cBhvr>
+                                      <p:to>
+                                        <p:strVal val="visible"/>
+                                      </p:to>
+                                    </p:set>
+                                    <p:animEffect transition="in" filter="fade">
+                                      <p:cBhvr>
+                                        <p:cTn id="22" dur="1000"/>
+                                        <p:tgtEl>
+                                          <p:spTgt spid="13"/>
+                                        </p:tgtEl>
+                                      </p:cBhvr>
+                                    </p:animEffect>
+                                    <p:anim calcmode="lin" valueType="num">
+                                      <p:cBhvr>
+                                        <p:cTn id="23" dur="1000" fill="hold"/>
+                                        <p:tgtEl>
+                                          <p:spTgt spid="13"/>
+                                        </p:tgtEl>
+                                        <p:attrNameLst>
+                                          <p:attrName>ppt_x</p:attrName>
+                                        </p:attrNameLst>
+                                      </p:cBhvr>
+                                      <p:tavLst>
+                                        <p:tav tm="0">
+                                          <p:val>
+                                            <p:strVal val="#ppt_x"/>
+                                          </p:val>
+                                        </p:tav>
+                                        <p:tav tm="100000">
+                                          <p:val>
+                                            <p:strVal val="#ppt_x"/>
+                                          </p:val>
+                                        </p:tav>
+                                      </p:tavLst>
+                                    </p:anim>
+                                    <p:anim calcmode="lin" valueType="num">
+                                      <p:cBhvr>
+                                        <p:cTn id="24" dur="1000" fill="hold"/>
+                                        <p:tgtEl>
+                                          <p:spTgt spid="13"/>
+                                        </p:tgtEl>
+                                        <p:attrNameLst>
+                                          <p:attrName>ppt_y</p:attrName>
+                                        </p:attrNameLst>
+                                      </p:cBhvr>
+                                      <p:tavLst>
+                                        <p:tav tm="0">
+                                          <p:val>
+                                            <p:strVal val="#ppt_y+.1"/>
+                                          </p:val>
+                                        </p:tav>
+                                        <p:tav tm="100000">
+                                          <p:val>
+                                            <p:strVal val="#ppt_y"/>
+                                          </p:val>
+                                        </p:tav>
+                                      </p:tavLst>
+                                    </p:anim>
+                                  </p:childTnLst>
+                                </p:cTn>
+                              </p:par>
+                            </p:childTnLst>
+                          </p:cTn>
+                        </p:par>
+                      </p:childTnLst>
+                    </p:cTn>
+                  </p:par>
+                  <p:par>
+                    <p:cTn id="25" fill="hold">
+                      <p:stCondLst>
+                        <p:cond delay="indefinite"/>
+                      </p:stCondLst>
+                      <p:childTnLst>
+                        <p:par>
+                          <p:cTn id="26" fill="hold">
+                            <p:stCondLst>
+                              <p:cond delay="0"/>
+                            </p:stCondLst>
+                            <p:childTnLst>
+                              <p:par>
+                                <p:cTn id="27" presetID="22" presetClass="entr" presetSubtype="4" fill="hold" grpId="0" nodeType="clickEffect">
+                                  <p:stCondLst>
+                                    <p:cond delay="0"/>
+                                  </p:stCondLst>
+                                  <p:childTnLst>
+                                    <p:set>
+                                      <p:cBhvr>
+                                        <p:cTn id="28" dur="1" fill="hold">
+                                          <p:stCondLst>
+                                            <p:cond delay="0"/>
+                                          </p:stCondLst>
+                                        </p:cTn>
+                                        <p:tgtEl>
+                                          <p:spTgt spid="14"/>
+                                        </p:tgtEl>
+                                        <p:attrNameLst>
+                                          <p:attrName>style.visibility</p:attrName>
+                                        </p:attrNameLst>
+                                      </p:cBhvr>
+                                      <p:to>
+                                        <p:strVal val="visible"/>
+                                      </p:to>
+                                    </p:set>
+                                    <p:animEffect transition="in" filter="wipe(down)">
+                                      <p:cBhvr>
+                                        <p:cTn id="29" dur="500"/>
+                                        <p:tgtEl>
+                                          <p:spTgt spid="14"/>
+                                        </p:tgtEl>
+                                      </p:cBhvr>
+                                    </p:animEffect>
+                                  </p:childTnLst>
+                                </p:cTn>
+                              </p:par>
+                            </p:childTnLst>
+                          </p:cTn>
+                        </p:par>
+                      </p:childTnLst>
+                    </p:cTn>
+                  </p:par>
+                  <p:par>
+                    <p:cTn id="30" fill="hold">
+                      <p:stCondLst>
+                        <p:cond delay="indefinite"/>
+                      </p:stCondLst>
+                      <p:childTnLst>
+                        <p:par>
+                          <p:cTn id="31" fill="hold">
+                            <p:stCondLst>
+                              <p:cond delay="0"/>
+                            </p:stCondLst>
+                            <p:childTnLst>
+                              <p:par>
+                                <p:cTn id="32" presetID="21" presetClass="entr" presetSubtype="1" fill="hold" grpId="0" nodeType="clickEffect">
+                                  <p:stCondLst>
+                                    <p:cond delay="0"/>
+                                  </p:stCondLst>
+                                  <p:childTnLst>
+                                    <p:set>
+                                      <p:cBhvr>
+                                        <p:cTn id="33" dur="1" fill="hold">
+                                          <p:stCondLst>
+                                            <p:cond delay="0"/>
+                                          </p:stCondLst>
+                                        </p:cTn>
+                                        <p:tgtEl>
+                                          <p:spTgt spid="15"/>
+                                        </p:tgtEl>
+                                        <p:attrNameLst>
+                                          <p:attrName>style.visibility</p:attrName>
+                                        </p:attrNameLst>
+                                      </p:cBhvr>
+                                      <p:to>
+                                        <p:strVal val="visible"/>
+                                      </p:to>
+                                    </p:set>
+                                    <p:animEffect transition="in" filter="wheel(1)">
+                                      <p:cBhvr>
+                                        <p:cTn id="34" dur="2000"/>
+                                        <p:tgtEl>
+                                          <p:spTgt spid="15"/>
+                                        </p:tgtEl>
+                                      </p:cBhvr>
+                                    </p:animEffect>
+                                  </p:childTnLst>
+                                </p:cTn>
+                              </p:par>
+                            </p:childTnLst>
+                          </p:cTn>
+                        </p:par>
+                      </p:childTnLst>
+                    </p:cTn>
+                  </p:par>
+                  <p:par>
+                    <p:cTn id="35" fill="hold">
+                      <p:stCondLst>
+                        <p:cond delay="indefinite"/>
+                      </p:stCondLst>
+                      <p:childTnLst>
+                        <p:par>
+                          <p:cTn id="36" fill="hold">
+                            <p:stCondLst>
+                              <p:cond delay="0"/>
+                            </p:stCondLst>
+                            <p:childTnLst>
+                              <p:par>
+                                <p:cTn id="37" presetID="22" presetClass="entr" presetSubtype="4" fill="hold" nodeType="clickEffect">
+                                  <p:stCondLst>
+                                    <p:cond delay="0"/>
+                                  </p:stCondLst>
+                                  <p:childTnLst>
+                                    <p:set>
+                                      <p:cBhvr>
+                                        <p:cTn id="38" dur="1" fill="hold">
+                                          <p:stCondLst>
+                                            <p:cond delay="0"/>
+                                          </p:stCondLst>
+                                        </p:cTn>
+                                        <p:tgtEl>
+                                          <p:spTgt spid="18"/>
+                                        </p:tgtEl>
+                                        <p:attrNameLst>
+                                          <p:attrName>style.visibility</p:attrName>
+                                        </p:attrNameLst>
+                                      </p:cBhvr>
+                                      <p:to>
+                                        <p:strVal val="visible"/>
+                                      </p:to>
+                                    </p:set>
+                                    <p:animEffect transition="in" filter="wipe(down)">
+                                      <p:cBhvr>
+                                        <p:cTn id="39" dur="500"/>
+                                        <p:tgtEl>
+                                          <p:spTgt spid="18"/>
+                                        </p:tgtEl>
+                                      </p:cBhvr>
+                                    </p:animEffect>
+                                  </p:childTnLst>
+                                </p:cTn>
+                              </p:par>
+                            </p:childTnLst>
+                          </p:cTn>
+                        </p:par>
+                      </p:childTnLst>
+                    </p:cTn>
+                  </p:par>
+                  <p:par>
+                    <p:cTn id="40" fill="hold">
+                      <p:stCondLst>
+                        <p:cond delay="indefinite"/>
+                      </p:stCondLst>
+                      <p:childTnLst>
+                        <p:par>
+                          <p:cTn id="41" fill="hold">
+                            <p:stCondLst>
+                              <p:cond delay="0"/>
+                            </p:stCondLst>
+                            <p:childTnLst>
+                              <p:par>
+                                <p:cTn id="42" presetID="42" presetClass="entr" presetSubtype="0" fill="hold" grpId="0" nodeType="clickEffect">
+                                  <p:stCondLst>
+                                    <p:cond delay="0"/>
+                                  </p:stCondLst>
+                                  <p:childTnLst>
+                                    <p:set>
+                                      <p:cBhvr>
+                                        <p:cTn id="43" dur="1" fill="hold">
+                                          <p:stCondLst>
+                                            <p:cond delay="0"/>
+                                          </p:stCondLst>
+                                        </p:cTn>
+                                        <p:tgtEl>
+                                          <p:spTgt spid="20"/>
+                                        </p:tgtEl>
+                                        <p:attrNameLst>
+                                          <p:attrName>style.visibility</p:attrName>
+                                        </p:attrNameLst>
+                                      </p:cBhvr>
+                                      <p:to>
+                                        <p:strVal val="visible"/>
+                                      </p:to>
+                                    </p:set>
+                                    <p:animEffect transition="in" filter="fade">
+                                      <p:cBhvr>
+                                        <p:cTn id="44" dur="1000"/>
+                                        <p:tgtEl>
+                                          <p:spTgt spid="20"/>
+                                        </p:tgtEl>
+                                      </p:cBhvr>
+                                    </p:animEffect>
+                                    <p:anim calcmode="lin" valueType="num">
+                                      <p:cBhvr>
+                                        <p:cTn id="45" dur="1000" fill="hold"/>
+                                        <p:tgtEl>
+                                          <p:spTgt spid="20"/>
+                                        </p:tgtEl>
+                                        <p:attrNameLst>
+                                          <p:attrName>ppt_x</p:attrName>
+                                        </p:attrNameLst>
+                                      </p:cBhvr>
+                                      <p:tavLst>
+                                        <p:tav tm="0">
+                                          <p:val>
+                                            <p:strVal val="#ppt_x"/>
+                                          </p:val>
+                                        </p:tav>
+                                        <p:tav tm="100000">
+                                          <p:val>
+                                            <p:strVal val="#ppt_x"/>
+                                          </p:val>
+                                        </p:tav>
+                                      </p:tavLst>
+                                    </p:anim>
+                                    <p:anim calcmode="lin" valueType="num">
+                                      <p:cBhvr>
+                                        <p:cTn id="46" dur="1000" fill="hold"/>
+                                        <p:tgtEl>
+                                          <p:spTgt spid="20"/>
+                                        </p:tgtEl>
+                                        <p:attrNameLst>
+                                          <p:attrName>ppt_y</p:attrName>
+                                        </p:attrNameLst>
+                                      </p:cBhvr>
+                                      <p:tavLst>
+                                        <p:tav tm="0">
+                                          <p:val>
+                                            <p:strVal val="#ppt_y+.1"/>
+                                          </p:val>
+                                        </p:tav>
+                                        <p:tav tm="100000">
+                                          <p:val>
+                                            <p:strVal val="#ppt_y"/>
+                                          </p:val>
+                                        </p:tav>
+                                      </p:tavLst>
+                                    </p:anim>
+                                  </p:childTnLst>
+                                </p:cTn>
+                              </p:par>
+                            </p:childTnLst>
+                          </p:cTn>
+                        </p:par>
+                      </p:childTnLst>
+                    </p:cTn>
+                  </p:par>
+                  <p:par>
+                    <p:cTn id="47" fill="hold">
+                      <p:stCondLst>
+                        <p:cond delay="indefinite"/>
+                      </p:stCondLst>
+                      <p:childTnLst>
+                        <p:par>
+                          <p:cTn id="48" fill="hold">
+                            <p:stCondLst>
+                              <p:cond delay="0"/>
+                            </p:stCondLst>
+                            <p:childTnLst>
+                              <p:par>
+                                <p:cTn id="49" presetID="22" presetClass="entr" presetSubtype="4" fill="hold" grpId="0" nodeType="clickEffect">
+                                  <p:stCondLst>
+                                    <p:cond delay="0"/>
+                                  </p:stCondLst>
+                                  <p:childTnLst>
+                                    <p:set>
+                                      <p:cBhvr>
+                                        <p:cTn id="50" dur="1" fill="hold">
+                                          <p:stCondLst>
+                                            <p:cond delay="0"/>
+                                          </p:stCondLst>
+                                        </p:cTn>
+                                        <p:tgtEl>
+                                          <p:spTgt spid="27"/>
+                                        </p:tgtEl>
+                                        <p:attrNameLst>
+                                          <p:attrName>style.visibility</p:attrName>
+                                        </p:attrNameLst>
+                                      </p:cBhvr>
+                                      <p:to>
+                                        <p:strVal val="visible"/>
+                                      </p:to>
+                                    </p:set>
+                                    <p:animEffect transition="in" filter="wipe(down)">
+                                      <p:cBhvr>
+                                        <p:cTn id="51" dur="500"/>
+                                        <p:tgtEl>
+                                          <p:spTgt spid="27"/>
+                                        </p:tgtEl>
+                                      </p:cBhvr>
+                                    </p:animEffect>
+                                  </p:childTnLst>
+                                </p:cTn>
+                              </p:par>
+                              <p:par>
+                                <p:cTn id="52" presetID="22" presetClass="entr" presetSubtype="4" fill="hold" nodeType="withEffect">
+                                  <p:stCondLst>
+                                    <p:cond delay="0"/>
+                                  </p:stCondLst>
+                                  <p:childTnLst>
+                                    <p:set>
+                                      <p:cBhvr>
+                                        <p:cTn id="53" dur="1" fill="hold">
+                                          <p:stCondLst>
+                                            <p:cond delay="0"/>
+                                          </p:stCondLst>
+                                        </p:cTn>
+                                        <p:tgtEl>
+                                          <p:spTgt spid="17"/>
+                                        </p:tgtEl>
+                                        <p:attrNameLst>
+                                          <p:attrName>style.visibility</p:attrName>
+                                        </p:attrNameLst>
+                                      </p:cBhvr>
+                                      <p:to>
+                                        <p:strVal val="visible"/>
+                                      </p:to>
+                                    </p:set>
+                                    <p:animEffect transition="in" filter="wipe(down)">
+                                      <p:cBhvr>
+                                        <p:cTn id="54" dur="500"/>
+                                        <p:tgtEl>
+                                          <p:spTgt spid="17"/>
+                                        </p:tgtEl>
+                                      </p:cBhvr>
+                                    </p:animEffect>
+                                  </p:childTnLst>
+                                </p:cTn>
+                              </p:par>
+                            </p:childTnLst>
+                          </p:cTn>
+                        </p:par>
+                      </p:childTnLst>
+                    </p:cTn>
+                  </p:par>
+                </p:childTnLst>
+              </p:cTn>
+              <p:prevCondLst>
+                <p:cond evt="onPrev" delay="0">
+                  <p:tgtEl>
+                    <p:sldTgt/>
+                  </p:tgtEl>
+                </p:cond>
+              </p:prevCondLst>
+              <p:nextCondLst>
+                <p:cond evt="onNext" delay="0">
+                  <p:tgtEl>
+                    <p:sldTgt/>
+                  </p:tgtEl>
+                </p:cond>
+              </p:nextCondLst>
+            </p:seq>
+            <p:seq concurrent="1" nextAc="seek">
+              <p:cTn id="55" restart="whenNotActive" fill="hold" evtFilter="cancelBubble" nodeType="interactiveSeq">
+                <p:stCondLst>
+                  <p:cond evt="onClick" delay="0">
+                    <p:tgtEl>
+                      <p:spTgt spid="11"/>
+                    </p:tgtEl>
+                  </p:cond>
+                </p:stCondLst>
+                <p:endSync evt="end" delay="0">
+                  <p:rtn val="all"/>
+                </p:endSync>
+                <p:childTnLst>
+                  <p:par>
+                    <p:cTn id="56" fill="hold">
+                      <p:stCondLst>
+                        <p:cond delay="0"/>
+                      </p:stCondLst>
+                      <p:childTnLst>
+                        <p:par>
+                          <p:cTn id="57" fill="hold">
+                            <p:stCondLst>
+                              <p:cond delay="0"/>
+                            </p:stCondLst>
+                            <p:childTnLst>
+                              <p:par>
+                                <p:cTn id="58" presetID="1" presetClass="entr" presetSubtype="0" fill="hold" nodeType="clickEffect">
+                                  <p:stCondLst>
+                                    <p:cond delay="0"/>
+                                  </p:stCondLst>
+                                  <p:childTnLst>
+                                    <p:set>
+                                      <p:cBhvr>
+                                        <p:cTn id="59" dur="1" fill="hold">
+                                          <p:stCondLst>
+                                            <p:cond delay="0"/>
+                                          </p:stCondLst>
+                                        </p:cTn>
+                                        <p:tgtEl>
+                                          <p:spTgt spid="28"/>
+                                        </p:tgtEl>
+                                        <p:attrNameLst>
+                                          <p:attrName>style.visibility</p:attrName>
+                                        </p:attrNameLst>
+                                      </p:cBhvr>
+                                      <p:to>
+                                        <p:strVal val="visible"/>
+                                      </p:to>
+                                    </p:set>
+                                  </p:childTnLst>
+                                </p:cTn>
+                              </p:par>
+                            </p:childTnLst>
+                          </p:cTn>
+                        </p:par>
+                      </p:childTnLst>
+                    </p:cTn>
+                  </p:par>
+                  <p:par>
+                    <p:cTn id="60" fill="hold">
+                      <p:stCondLst>
+                        <p:cond delay="indefinite"/>
+                      </p:stCondLst>
+                      <p:childTnLst>
+                        <p:par>
+                          <p:cTn id="61" fill="hold">
+                            <p:stCondLst>
+                              <p:cond delay="0"/>
+                            </p:stCondLst>
+                            <p:childTnLst>
+                              <p:par>
+                                <p:cTn id="62" presetID="10" presetClass="exit" presetSubtype="0" fill="hold" nodeType="clickEffect">
+                                  <p:stCondLst>
+                                    <p:cond delay="0"/>
+                                  </p:stCondLst>
+                                  <p:childTnLst>
+                                    <p:animEffect transition="out" filter="fade">
+                                      <p:cBhvr>
+                                        <p:cTn id="63" dur="500"/>
+                                        <p:tgtEl>
+                                          <p:spTgt spid="28"/>
+                                        </p:tgtEl>
+                                      </p:cBhvr>
+                                    </p:animEffect>
+                                    <p:set>
+                                      <p:cBhvr>
+                                        <p:cTn id="64" dur="1" fill="hold">
+                                          <p:stCondLst>
+                                            <p:cond delay="499"/>
+                                          </p:stCondLst>
+                                        </p:cTn>
+                                        <p:tgtEl>
+                                          <p:spTgt spid="28"/>
+                                        </p:tgtEl>
+                                        <p:attrNameLst>
+                                          <p:attrName>style.visibility</p:attrName>
+                                        </p:attrNameLst>
+                                      </p:cBhvr>
+                                      <p:to>
+                                        <p:strVal val="hidden"/>
+                                      </p:to>
+                                    </p:set>
+                                  </p:childTnLst>
+                                </p:cTn>
+                              </p:par>
+                            </p:childTnLst>
+                          </p:cTn>
+                        </p:par>
+                      </p:childTnLst>
+                    </p:cTn>
+                  </p:par>
+                </p:childTnLst>
+              </p:cTn>
+              <p:nextCondLst>
+                <p:cond evt="onClick" delay="0">
+                  <p:tgtEl>
+                    <p:spTgt spid="11"/>
+                  </p:tgtEl>
+                </p:cond>
+              </p:nextCondLst>
+            </p:seq>
+          </p:childTnLst>
+        </p:cTn>
+      </p:par>
+    </p:tnLst>
+    <p:bldLst>
+      <p:bldP spid="11" grpId="0"/>
+      <p:bldP spid="13" grpId="0"/>
+      <p:bldP spid="14" grpId="0"/>
+      <p:bldP spid="15" grpId="0" animBg="1"/>
+      <p:bldP spid="20" grpId="0" animBg="1"/>
+      <p:bldP spid="27" grpId="0" animBg="1"/>
+    </p:bldLst>
+  </p:timing>
+</p:sld>
+</file>
+
+<file path=ppt/slides/slide3.xml><?xml version="1.0" encoding="utf-8"?>
+<p:sld xmlns:a="http://schemas.openxmlformats.org/drawingml/2006/main" xmlns:r="http://schemas.openxmlformats.org/officeDocument/2006/relationships" xmlns:p="http://schemas.openxmlformats.org/presentationml/2006/main">
+  <p:cSld>
+    <p:bg>
+      <p:bgPr>
+        <a:solidFill>
+          <a:schemeClr val="bg1"/>
+        </a:solidFill>
+        <a:effectLst/>
+      </p:bgPr>
+    </p:bg>
+    <p:spTree>
+      <p:nvGrpSpPr>
+        <p:cNvPr id="1" name=""/>
+        <p:cNvGrpSpPr/>
+        <p:nvPr/>
+      </p:nvGrpSpPr>
+      <p:grpSpPr>
+        <a:xfrm>
+          <a:off x="0" y="0"/>
+          <a:ext cx="0" cy="0"/>
+          <a:chOff x="0" y="0"/>
+          <a:chExt cx="0" cy="0"/>
+        </a:xfrm>
+      </p:grpSpPr>
+      <p:sp>
+        <p:nvSpPr>
+          <p:cNvPr id="8" name="Rectangle 7">
+            <a:extLst>
+              <a:ext uri="{FF2B5EF4-FFF2-40B4-BE49-F238E27FC236}">
+                <a16:creationId xmlns="" xmlns:a16="http://schemas.microsoft.com/office/drawing/2014/main" id="{8D70B121-56F4-4848-B38B-182089D909FA}"/>
+              </a:ext>
+              <a:ext uri="{C183D7F6-B498-43B3-948B-1728B52AA6E4}">
+                <adec:decorative xmlns="" xmlns:adec="http://schemas.microsoft.com/office/drawing/2017/decorative" val="1"/>
+              </a:ext>
+            </a:extLst>
+          </p:cNvPr>
+          <p:cNvSpPr>
+            <a:spLocks noGrp="1" noRot="1" noChangeAspect="1" noMove="1" noResize="1" noEditPoints="1" noAdjustHandles="1" noChangeArrowheads="1" noChangeShapeType="1" noTextEdit="1"/>
+          </p:cNvSpPr>
+          <p:nvPr>
+            <p:extLst>
+              <p:ext uri="{386F3935-93C4-4BCD-93E2-E3B085C9AB24}">
+                <p16:designElem xmlns="" xmlns:p16="http://schemas.microsoft.com/office/powerpoint/2015/main" val="1"/>
+              </p:ext>
+            </p:extLst>
+          </p:nvPr>
+        </p:nvSpPr>
+        <p:spPr bwMode="ltGray">
+          <a:xfrm>
+            <a:off x="321564" y="320040"/>
+            <a:ext cx="11548872" cy="6217920"/>
+          </a:xfrm>
+          <a:prstGeom prst="rect">
+            <a:avLst/>
+          </a:prstGeom>
+          <a:solidFill>
+            <a:schemeClr val="tx1">
+              <a:alpha val="8000"/>
+            </a:schemeClr>
+          </a:solidFill>
+          <a:ln w="127000" cap="sq" cmpd="thinThick">
+            <a:noFill/>
+          </a:ln>
+        </p:spPr>
+        <p:style>
+          <a:lnRef idx="2">
+            <a:schemeClr val="accent1">
+              <a:shade val="50000"/>
+            </a:schemeClr>
+          </a:lnRef>
+          <a:fillRef idx="1">
+            <a:schemeClr val="accent1"/>
+          </a:fillRef>
+          <a:effectRef idx="0">
+            <a:schemeClr val="accent1"/>
+          </a:effectRef>
+          <a:fontRef idx="minor">
+            <a:schemeClr val="lt1"/>
+          </a:fontRef>
+        </p:style>
+        <p:txBody>
+          <a:bodyPr rtlCol="0" anchor="ctr"/>
+          <a:lstStyle/>
+          <a:p>
+            <a:pPr algn="ctr"/>
+            <a:endParaRPr lang="en-US"/>
+          </a:p>
+        </p:txBody>
+      </p:sp>
+      <p:sp>
+        <p:nvSpPr>
+          <p:cNvPr id="2" name="Titel 1">
+            <a:extLst>
+              <a:ext uri="{FF2B5EF4-FFF2-40B4-BE49-F238E27FC236}">
+                <a16:creationId xmlns="" xmlns:a16="http://schemas.microsoft.com/office/drawing/2014/main" id="{0B5D0F8F-C92F-BC46-ACC4-7A21698DD272}"/>
               </a:ext>
             </a:extLst>
           </p:cNvPr>
@@ -11066,10 +16018,10 @@
           <p:cNvPr id="10" name="Straight Connector 9">
             <a:extLst>
               <a:ext uri="{FF2B5EF4-FFF2-40B4-BE49-F238E27FC236}">
-                <a16:creationId xmlns:a16="http://schemas.microsoft.com/office/drawing/2014/main" xmlns="" id="{2D72A2C9-F3CA-4216-8BAD-FA4C970C3C4E}"/>
+                <a16:creationId xmlns="" xmlns:a16="http://schemas.microsoft.com/office/drawing/2014/main" id="{2D72A2C9-F3CA-4216-8BAD-FA4C970C3C4E}"/>
               </a:ext>
               <a:ext uri="{C183D7F6-B498-43B3-948B-1728B52AA6E4}">
-                <adec:decorative xmlns:adec="http://schemas.microsoft.com/office/drawing/2017/decorative" xmlns="" val="1"/>
+                <adec:decorative xmlns="" xmlns:adec="http://schemas.microsoft.com/office/drawing/2017/decorative" val="1"/>
               </a:ext>
             </a:extLst>
           </p:cNvPr>
@@ -11079,7 +16031,7 @@
           <p:nvPr>
             <p:extLst>
               <p:ext uri="{386F3935-93C4-4BCD-93E2-E3B085C9AB24}">
-                <p16:designElem xmlns:p16="http://schemas.microsoft.com/office/powerpoint/2015/main" xmlns="" val="1"/>
+                <p16:designElem xmlns="" xmlns:p16="http://schemas.microsoft.com/office/powerpoint/2015/main" val="1"/>
               </p:ext>
             </p:extLst>
           </p:nvPr>
@@ -11121,7 +16073,7 @@
           <p:cNvPr id="3" name="Inhaltsplatzhalter 2">
             <a:extLst>
               <a:ext uri="{FF2B5EF4-FFF2-40B4-BE49-F238E27FC236}">
-                <a16:creationId xmlns:a16="http://schemas.microsoft.com/office/drawing/2014/main" xmlns="" id="{692C889E-3E0C-9E40-9512-4230892B2B42}"/>
+                <a16:creationId xmlns="" xmlns:a16="http://schemas.microsoft.com/office/drawing/2014/main" id="{692C889E-3E0C-9E40-9512-4230892B2B42}"/>
               </a:ext>
             </a:extLst>
           </p:cNvPr>
@@ -11145,86 +16097,91 @@
           <a:lstStyle/>
           <a:p>
             <a:r>
-              <a:rPr lang="de-DE" sz="2400" dirty="0"/>
-              <a:t>Einführung in das Thema</a:t>
-            </a:r>
-          </a:p>
-          <a:p>
-            <a:r>
-              <a:rPr lang="de-DE" sz="2400" dirty="0"/>
-              <a:t>Theoretische Grundlagen</a:t>
-            </a:r>
-          </a:p>
-          <a:p>
-            <a:pPr lvl="1"/>
-            <a:r>
-              <a:rPr lang="de-DE" sz="2000" dirty="0"/>
-              <a:t>Anwendungen</a:t>
-            </a:r>
-          </a:p>
-          <a:p>
-            <a:r>
-              <a:rPr lang="de-DE" sz="2400" dirty="0"/>
-              <a:t>Aufgabenstellung</a:t>
-            </a:r>
-          </a:p>
-          <a:p>
-            <a:r>
-              <a:rPr lang="de-DE" sz="2400" dirty="0"/>
-              <a:t>Implementierung</a:t>
-            </a:r>
-          </a:p>
-          <a:p>
-            <a:pPr lvl="1"/>
-            <a:r>
-              <a:rPr lang="de-DE" sz="2000" dirty="0"/>
-              <a:t>Herangehensweise </a:t>
-            </a:r>
-          </a:p>
-          <a:p>
-            <a:pPr lvl="1"/>
-            <a:r>
-              <a:rPr lang="de-DE" sz="2000" dirty="0"/>
-              <a:t>Einführung in den Code</a:t>
-            </a:r>
-          </a:p>
-          <a:p>
-            <a:r>
-              <a:rPr lang="de-DE" sz="2400" dirty="0" smtClean="0">
+              <a:rPr lang="de-DE" sz="2400" dirty="0">
                 <a:solidFill>
                   <a:schemeClr val="accent1"/>
                 </a:solidFill>
               </a:rPr>
-              <a:t>Das finale Ergebnisses</a:t>
-            </a:r>
-            <a:endParaRPr lang="de-DE" sz="2400" dirty="0">
-              <a:solidFill>
-                <a:schemeClr val="accent1"/>
-              </a:solidFill>
-            </a:endParaRPr>
+              <a:t>Einführung in das Thema</a:t>
+            </a:r>
           </a:p>
           <a:p>
             <a:r>
               <a:rPr lang="de-DE" sz="2400" dirty="0"/>
+              <a:t>Theoretische Grundlagen</a:t>
+            </a:r>
+            <a:endParaRPr lang="de-DE" sz="2000" dirty="0"/>
+          </a:p>
+          <a:p>
+            <a:pPr lvl="1"/>
+            <a:r>
+              <a:rPr lang="de-DE" sz="2000" dirty="0"/>
+              <a:t>Anwendungen</a:t>
+            </a:r>
+          </a:p>
+          <a:p>
+            <a:r>
+              <a:rPr lang="de-DE" sz="2400" dirty="0"/>
+              <a:t>Aufgabenstellung</a:t>
+            </a:r>
+          </a:p>
+          <a:p>
+            <a:r>
+              <a:rPr lang="de-DE" sz="2400" dirty="0"/>
+              <a:t>Implementierung</a:t>
+            </a:r>
+          </a:p>
+          <a:p>
+            <a:pPr lvl="1"/>
+            <a:r>
+              <a:rPr lang="de-DE" sz="2000" dirty="0"/>
+              <a:t>Herangehensweise </a:t>
+            </a:r>
+          </a:p>
+          <a:p>
+            <a:pPr lvl="1"/>
+            <a:r>
+              <a:rPr lang="de-DE" sz="2000" dirty="0"/>
+              <a:t>Einführung in den Code</a:t>
+            </a:r>
+          </a:p>
+          <a:p>
+            <a:pPr lvl="1"/>
+            <a:r>
+              <a:rPr lang="de-DE" sz="2000" dirty="0" smtClean="0"/>
+              <a:t>Präsentation des Ergebnisses</a:t>
+            </a:r>
+          </a:p>
+          <a:p>
+            <a:r>
+              <a:rPr lang="de-DE" sz="2400" dirty="0" smtClean="0"/>
               <a:t>Fazit </a:t>
             </a:r>
+            <a:endParaRPr lang="de-DE" sz="2400" dirty="0"/>
           </a:p>
         </p:txBody>
       </p:sp>
     </p:spTree>
     <p:extLst>
       <p:ext uri="{BB962C8B-B14F-4D97-AF65-F5344CB8AC3E}">
-        <p14:creationId xmlns:p14="http://schemas.microsoft.com/office/powerpoint/2010/main" val="682947769"/>
+        <p14:creationId xmlns:p14="http://schemas.microsoft.com/office/powerpoint/2010/main" val="3758769095"/>
       </p:ext>
     </p:extLst>
   </p:cSld>
   <p:clrMapOvr>
     <a:masterClrMapping/>
   </p:clrMapOvr>
+  <p:timing>
+    <p:tnLst>
+      <p:par>
+        <p:cTn id="1" dur="indefinite" restart="never" nodeType="tmRoot"/>
+      </p:par>
+    </p:tnLst>
+  </p:timing>
 </p:sld>
 </file>
 
-<file path=ppt/slides/slide28.xml><?xml version="1.0" encoding="utf-8"?>
+<file path=ppt/slides/slide30.xml><?xml version="1.0" encoding="utf-8"?>
 <p:sld xmlns:a="http://schemas.openxmlformats.org/drawingml/2006/main" xmlns:r="http://schemas.openxmlformats.org/officeDocument/2006/relationships" xmlns:p="http://schemas.openxmlformats.org/presentationml/2006/main">
   <p:cSld>
     <p:bg>
@@ -11254,10 +16211,10 @@
           <p:cNvPr id="19" name="Rectangle 18">
             <a:extLst>
               <a:ext uri="{FF2B5EF4-FFF2-40B4-BE49-F238E27FC236}">
-                <a16:creationId xmlns:a16="http://schemas.microsoft.com/office/drawing/2014/main" xmlns="" id="{8D70B121-56F4-4848-B38B-182089D909FA}"/>
+                <a16:creationId xmlns="" xmlns:a16="http://schemas.microsoft.com/office/drawing/2014/main" id="{8D70B121-56F4-4848-B38B-182089D909FA}"/>
               </a:ext>
               <a:ext uri="{C183D7F6-B498-43B3-948B-1728B52AA6E4}">
-                <adec:decorative xmlns:adec="http://schemas.microsoft.com/office/drawing/2017/decorative" xmlns="" val="1"/>
+                <adec:decorative xmlns="" xmlns:adec="http://schemas.microsoft.com/office/drawing/2017/decorative" val="1"/>
               </a:ext>
             </a:extLst>
           </p:cNvPr>
@@ -11267,7 +16224,7 @@
           <p:nvPr>
             <p:extLst>
               <p:ext uri="{386F3935-93C4-4BCD-93E2-E3B085C9AB24}">
-                <p16:designElem xmlns:p16="http://schemas.microsoft.com/office/powerpoint/2015/main" xmlns="" val="1"/>
+                <p16:designElem xmlns="" xmlns:p16="http://schemas.microsoft.com/office/powerpoint/2015/main" val="1"/>
               </p:ext>
             </p:extLst>
           </p:nvPr>
@@ -11319,7 +16276,7 @@
           <p:cNvPr id="2" name="Titel 1">
             <a:extLst>
               <a:ext uri="{FF2B5EF4-FFF2-40B4-BE49-F238E27FC236}">
-                <a16:creationId xmlns:a16="http://schemas.microsoft.com/office/drawing/2014/main" xmlns="" id="{35BFDC70-A169-E142-B051-5ABC9190E094}"/>
+                <a16:creationId xmlns="" xmlns:a16="http://schemas.microsoft.com/office/drawing/2014/main" id="{35BFDC70-A169-E142-B051-5ABC9190E094}"/>
               </a:ext>
             </a:extLst>
           </p:cNvPr>
@@ -11344,12 +16301,26 @@
           <a:p>
             <a:pPr algn="ctr"/>
             <a:r>
-              <a:rPr lang="en-US" dirty="0" err="1">
+              <a:rPr lang="de-DE" kern="1200" dirty="0" smtClean="0">
                 <a:solidFill>
                   <a:schemeClr val="accent1"/>
                 </a:solidFill>
+                <a:latin typeface="+mj-lt"/>
+                <a:ea typeface="+mj-ea"/>
+                <a:cs typeface="+mj-cs"/>
               </a:rPr>
-              <a:t>Endergebnis</a:t>
+              <a:t>Fazit</a:t>
+            </a:r>
+            <a:r>
+              <a:rPr lang="en-US" kern="1200" dirty="0" smtClean="0">
+                <a:solidFill>
+                  <a:schemeClr val="accent1"/>
+                </a:solidFill>
+                <a:latin typeface="+mj-lt"/>
+                <a:ea typeface="+mj-ea"/>
+                <a:cs typeface="+mj-cs"/>
+              </a:rPr>
+              <a:t> </a:t>
             </a:r>
             <a:endParaRPr lang="en-US" kern="1200" dirty="0">
               <a:solidFill>
@@ -11367,10 +16338,10 @@
           <p:cNvPr id="21" name="Straight Connector 20">
             <a:extLst>
               <a:ext uri="{FF2B5EF4-FFF2-40B4-BE49-F238E27FC236}">
-                <a16:creationId xmlns:a16="http://schemas.microsoft.com/office/drawing/2014/main" xmlns="" id="{2D72A2C9-F3CA-4216-8BAD-FA4C970C3C4E}"/>
+                <a16:creationId xmlns="" xmlns:a16="http://schemas.microsoft.com/office/drawing/2014/main" id="{2D72A2C9-F3CA-4216-8BAD-FA4C970C3C4E}"/>
               </a:ext>
               <a:ext uri="{C183D7F6-B498-43B3-948B-1728B52AA6E4}">
-                <adec:decorative xmlns:adec="http://schemas.microsoft.com/office/drawing/2017/decorative" xmlns="" val="1"/>
+                <adec:decorative xmlns="" xmlns:adec="http://schemas.microsoft.com/office/drawing/2017/decorative" val="1"/>
               </a:ext>
             </a:extLst>
           </p:cNvPr>
@@ -11380,7 +16351,7 @@
           <p:nvPr>
             <p:extLst>
               <p:ext uri="{386F3935-93C4-4BCD-93E2-E3B085C9AB24}">
-                <p16:designElem xmlns:p16="http://schemas.microsoft.com/office/powerpoint/2015/main" xmlns="" val="1"/>
+                <p16:designElem xmlns="" xmlns:p16="http://schemas.microsoft.com/office/powerpoint/2015/main" val="1"/>
               </p:ext>
             </p:extLst>
           </p:nvPr>
@@ -11422,7 +16393,7 @@
           <p:cNvPr id="8" name="Inhaltsplatzhalter 4">
             <a:extLst>
               <a:ext uri="{FF2B5EF4-FFF2-40B4-BE49-F238E27FC236}">
-                <a16:creationId xmlns:a16="http://schemas.microsoft.com/office/drawing/2014/main" xmlns="" id="{A8E625C4-6DB1-9D42-BFEA-DE37A6F928F3}"/>
+                <a16:creationId xmlns="" xmlns:a16="http://schemas.microsoft.com/office/drawing/2014/main" id="{A8E625C4-6DB1-9D42-BFEA-DE37A6F928F3}"/>
               </a:ext>
             </a:extLst>
           </p:cNvPr>
@@ -11450,10 +16421,8 @@
               <a:buChar char="-"/>
             </a:pPr>
             <a:r>
-              <a:rPr lang="de-DE" dirty="0" smtClean="0">
-                <a:sym typeface="Wingdings" pitchFamily="2" charset="2"/>
-              </a:rPr>
-              <a:t>Maximalen Fluss </a:t>
+              <a:rPr lang="de-DE" dirty="0" smtClean="0"/>
+              <a:t>Ist ein Problem mit realem Bezug</a:t>
             </a:r>
           </a:p>
           <a:p>
@@ -11462,52 +16431,68 @@
               <a:buChar char="-"/>
             </a:pPr>
             <a:r>
-              <a:rPr lang="de-DE" dirty="0" smtClean="0">
-                <a:sym typeface="Wingdings" pitchFamily="2" charset="2"/>
-              </a:rPr>
-              <a:t>Minimale Kosten </a:t>
-            </a:r>
-          </a:p>
-          <a:p>
-            <a:pPr lvl="1">
+              <a:rPr lang="de-DE" dirty="0" smtClean="0"/>
+              <a:t>Ein echtes Alltagsproblem</a:t>
+            </a:r>
+          </a:p>
+          <a:p>
+            <a:pPr>
               <a:buFontTx/>
               <a:buChar char="-"/>
             </a:pPr>
             <a:r>
-              <a:rPr lang="de-DE" dirty="0" smtClean="0">
-                <a:sym typeface="Wingdings" pitchFamily="2" charset="2"/>
-              </a:rPr>
-              <a:t>Mit Kapazitätsgrenzen</a:t>
-            </a:r>
-          </a:p>
-          <a:p>
-            <a:pPr lvl="1">
+              <a:rPr lang="de-DE" dirty="0" smtClean="0"/>
+              <a:t>Wird herangezogen um andere Probleme zu lösen </a:t>
+            </a:r>
+          </a:p>
+          <a:p>
+            <a:pPr>
               <a:buFontTx/>
               <a:buChar char="-"/>
             </a:pPr>
             <a:r>
-              <a:rPr lang="de-DE" dirty="0" smtClean="0">
-                <a:sym typeface="Wingdings" pitchFamily="2" charset="2"/>
-              </a:rPr>
-              <a:t>Ohne Kapazitätsgrenzen</a:t>
-            </a:r>
+              <a:rPr lang="de-DE" dirty="0" smtClean="0"/>
+              <a:t>Verbindet viele interessante Teilgebiete der Mathematik (Lineare Algebra, </a:t>
+            </a:r>
+            <a:r>
+              <a:rPr lang="de-DE" dirty="0" smtClean="0"/>
+              <a:t>Operation </a:t>
+            </a:r>
+            <a:r>
+              <a:rPr lang="de-DE" dirty="0" smtClean="0"/>
+              <a:t>Research, ..)</a:t>
+            </a:r>
+          </a:p>
+          <a:p>
+            <a:pPr>
+              <a:buFontTx/>
+              <a:buChar char="-"/>
+            </a:pPr>
+            <a:endParaRPr lang="de-DE" dirty="0"/>
           </a:p>
         </p:txBody>
       </p:sp>
     </p:spTree>
     <p:extLst>
       <p:ext uri="{BB962C8B-B14F-4D97-AF65-F5344CB8AC3E}">
-        <p14:creationId xmlns:p14="http://schemas.microsoft.com/office/powerpoint/2010/main" val="2366605710"/>
+        <p14:creationId xmlns:p14="http://schemas.microsoft.com/office/powerpoint/2010/main" val="1240399206"/>
       </p:ext>
     </p:extLst>
   </p:cSld>
   <p:clrMapOvr>
     <a:masterClrMapping/>
   </p:clrMapOvr>
+  <p:timing>
+    <p:tnLst>
+      <p:par>
+        <p:cTn id="1" dur="indefinite" restart="never" nodeType="tmRoot"/>
+      </p:par>
+    </p:tnLst>
+  </p:timing>
 </p:sld>
 </file>
 
-<file path=ppt/slides/slide29.xml><?xml version="1.0" encoding="utf-8"?>
+<file path=ppt/slides/slide31.xml><?xml version="1.0" encoding="utf-8"?>
 <p:sld xmlns:a="http://schemas.openxmlformats.org/drawingml/2006/main" xmlns:r="http://schemas.openxmlformats.org/officeDocument/2006/relationships" xmlns:p="http://schemas.openxmlformats.org/presentationml/2006/main">
   <p:cSld>
     <p:bg>
@@ -11537,10 +16522,10 @@
           <p:cNvPr id="19" name="Rectangle 18">
             <a:extLst>
               <a:ext uri="{FF2B5EF4-FFF2-40B4-BE49-F238E27FC236}">
-                <a16:creationId xmlns:a16="http://schemas.microsoft.com/office/drawing/2014/main" xmlns="" id="{8D70B121-56F4-4848-B38B-182089D909FA}"/>
+                <a16:creationId xmlns="" xmlns:a16="http://schemas.microsoft.com/office/drawing/2014/main" id="{8D70B121-56F4-4848-B38B-182089D909FA}"/>
               </a:ext>
               <a:ext uri="{C183D7F6-B498-43B3-948B-1728B52AA6E4}">
-                <adec:decorative xmlns:adec="http://schemas.microsoft.com/office/drawing/2017/decorative" xmlns="" val="1"/>
+                <adec:decorative xmlns="" xmlns:adec="http://schemas.microsoft.com/office/drawing/2017/decorative" val="1"/>
               </a:ext>
             </a:extLst>
           </p:cNvPr>
@@ -11550,7 +16535,7 @@
           <p:nvPr>
             <p:extLst>
               <p:ext uri="{386F3935-93C4-4BCD-93E2-E3B085C9AB24}">
-                <p16:designElem xmlns:p16="http://schemas.microsoft.com/office/powerpoint/2015/main" xmlns="" val="1"/>
+                <p16:designElem xmlns="" xmlns:p16="http://schemas.microsoft.com/office/powerpoint/2015/main" val="1"/>
               </p:ext>
             </p:extLst>
           </p:nvPr>
@@ -11593,7 +16578,7 @@
           <a:lstStyle/>
           <a:p>
             <a:pPr algn="ctr"/>
-            <a:endParaRPr lang="en-US"/>
+            <a:endParaRPr lang="en-US" dirty="0"/>
           </a:p>
         </p:txBody>
       </p:sp>
@@ -11602,7 +16587,7 @@
           <p:cNvPr id="2" name="Titel 1">
             <a:extLst>
               <a:ext uri="{FF2B5EF4-FFF2-40B4-BE49-F238E27FC236}">
-                <a16:creationId xmlns:a16="http://schemas.microsoft.com/office/drawing/2014/main" xmlns="" id="{35BFDC70-A169-E142-B051-5ABC9190E094}"/>
+                <a16:creationId xmlns="" xmlns:a16="http://schemas.microsoft.com/office/drawing/2014/main" id="{35BFDC70-A169-E142-B051-5ABC9190E094}"/>
               </a:ext>
             </a:extLst>
           </p:cNvPr>
@@ -11627,7 +16612,7 @@
           <a:p>
             <a:pPr algn="ctr"/>
             <a:r>
-              <a:rPr lang="en-US" kern="1200" dirty="0" err="1" smtClean="0">
+              <a:rPr lang="de-DE" kern="1200" dirty="0" smtClean="0">
                 <a:solidFill>
                   <a:schemeClr val="accent1"/>
                 </a:solidFill>
@@ -11635,7 +16620,7 @@
                 <a:ea typeface="+mj-ea"/>
                 <a:cs typeface="+mj-cs"/>
               </a:rPr>
-              <a:t>Fazit</a:t>
+              <a:t>Zeit für Fragen</a:t>
             </a:r>
             <a:r>
               <a:rPr lang="en-US" kern="1200" dirty="0" smtClean="0">
@@ -11664,10 +16649,10 @@
           <p:cNvPr id="21" name="Straight Connector 20">
             <a:extLst>
               <a:ext uri="{FF2B5EF4-FFF2-40B4-BE49-F238E27FC236}">
-                <a16:creationId xmlns:a16="http://schemas.microsoft.com/office/drawing/2014/main" xmlns="" id="{2D72A2C9-F3CA-4216-8BAD-FA4C970C3C4E}"/>
+                <a16:creationId xmlns="" xmlns:a16="http://schemas.microsoft.com/office/drawing/2014/main" id="{2D72A2C9-F3CA-4216-8BAD-FA4C970C3C4E}"/>
               </a:ext>
               <a:ext uri="{C183D7F6-B498-43B3-948B-1728B52AA6E4}">
-                <adec:decorative xmlns:adec="http://schemas.microsoft.com/office/drawing/2017/decorative" xmlns="" val="1"/>
+                <adec:decorative xmlns="" xmlns:adec="http://schemas.microsoft.com/office/drawing/2017/decorative" val="1"/>
               </a:ext>
             </a:extLst>
           </p:cNvPr>
@@ -11677,7 +16662,7 @@
           <p:nvPr>
             <p:extLst>
               <p:ext uri="{386F3935-93C4-4BCD-93E2-E3B085C9AB24}">
-                <p16:designElem xmlns:p16="http://schemas.microsoft.com/office/powerpoint/2015/main" xmlns="" val="1"/>
+                <p16:designElem xmlns="" xmlns:p16="http://schemas.microsoft.com/office/powerpoint/2015/main" val="1"/>
               </p:ext>
             </p:extLst>
           </p:nvPr>
@@ -11714,105 +16699,57 @@
           </a:fontRef>
         </p:style>
       </p:cxnSp>
-      <p:sp>
-        <p:nvSpPr>
-          <p:cNvPr id="8" name="Inhaltsplatzhalter 4">
+      <p:pic>
+        <p:nvPicPr>
+          <p:cNvPr id="4" name="Grafik 3"/>
+          <p:cNvPicPr>
+            <a:picLocks noChangeAspect="1"/>
+          </p:cNvPicPr>
+          <p:nvPr/>
+        </p:nvPicPr>
+        <p:blipFill>
+          <a:blip r:embed="rId3">
             <a:extLst>
-              <a:ext uri="{FF2B5EF4-FFF2-40B4-BE49-F238E27FC236}">
-                <a16:creationId xmlns:a16="http://schemas.microsoft.com/office/drawing/2014/main" xmlns="" id="{A8E625C4-6DB1-9D42-BFEA-DE37A6F928F3}"/>
+              <a:ext uri="{28A0092B-C50C-407E-A947-70E740481C1C}">
+                <a14:useLocalDpi xmlns:a14="http://schemas.microsoft.com/office/drawing/2010/main" val="0"/>
               </a:ext>
             </a:extLst>
-          </p:cNvPr>
-          <p:cNvSpPr>
-            <a:spLocks noGrp="1"/>
-          </p:cNvSpPr>
-          <p:nvPr>
-            <p:ph idx="1"/>
-          </p:nvPr>
-        </p:nvSpPr>
+          </a:blip>
+          <a:stretch>
+            <a:fillRect/>
+          </a:stretch>
+        </p:blipFill>
         <p:spPr>
           <a:xfrm>
-            <a:off x="5097419" y="963877"/>
-            <a:ext cx="5686424" cy="4930246"/>
+            <a:off x="6802637" y="1762897"/>
+            <a:ext cx="2919458" cy="3917092"/>
           </a:xfrm>
+          <a:prstGeom prst="rect">
+            <a:avLst/>
+          </a:prstGeom>
         </p:spPr>
-        <p:txBody>
-          <a:bodyPr anchor="ctr">
-            <a:normAutofit/>
-          </a:bodyPr>
-          <a:lstStyle/>
-          <a:p>
-            <a:pPr>
-              <a:buFontTx/>
-              <a:buChar char="-"/>
-            </a:pPr>
-            <a:r>
-              <a:rPr lang="de-DE" dirty="0" smtClean="0"/>
-              <a:t>Ist ein Problem mit realem Bezug</a:t>
-            </a:r>
-          </a:p>
-          <a:p>
-            <a:pPr>
-              <a:buFontTx/>
-              <a:buChar char="-"/>
-            </a:pPr>
-            <a:r>
-              <a:rPr lang="de-DE" dirty="0" smtClean="0"/>
-              <a:t>Ein echtes Alltagsproblem</a:t>
-            </a:r>
-          </a:p>
-          <a:p>
-            <a:pPr>
-              <a:buFontTx/>
-              <a:buChar char="-"/>
-            </a:pPr>
-            <a:r>
-              <a:rPr lang="de-DE" dirty="0" smtClean="0"/>
-              <a:t>Wird herangezogen um andere Probleme zu lösen </a:t>
-            </a:r>
-          </a:p>
-          <a:p>
-            <a:pPr>
-              <a:buFontTx/>
-              <a:buChar char="-"/>
-            </a:pPr>
-            <a:r>
-              <a:rPr lang="de-DE" dirty="0" smtClean="0"/>
-              <a:t>Verbindet viele interessante Teilgebiete der Mathematik (Lineare Algebra, </a:t>
-            </a:r>
-            <a:r>
-              <a:rPr lang="de-DE" dirty="0" err="1" smtClean="0"/>
-              <a:t>Operations</a:t>
-            </a:r>
-            <a:r>
-              <a:rPr lang="de-DE" dirty="0" smtClean="0"/>
-              <a:t> Research, ..)</a:t>
-            </a:r>
-            <a:endParaRPr lang="de-DE" dirty="0" smtClean="0"/>
-          </a:p>
-          <a:p>
-            <a:pPr>
-              <a:buFontTx/>
-              <a:buChar char="-"/>
-            </a:pPr>
-            <a:endParaRPr lang="de-DE" dirty="0"/>
-          </a:p>
-        </p:txBody>
-      </p:sp>
+      </p:pic>
     </p:spTree>
     <p:extLst>
       <p:ext uri="{BB962C8B-B14F-4D97-AF65-F5344CB8AC3E}">
-        <p14:creationId xmlns:p14="http://schemas.microsoft.com/office/powerpoint/2010/main" val="3670826346"/>
+        <p14:creationId xmlns:p14="http://schemas.microsoft.com/office/powerpoint/2010/main" val="2429559903"/>
       </p:ext>
     </p:extLst>
   </p:cSld>
   <p:clrMapOvr>
     <a:masterClrMapping/>
   </p:clrMapOvr>
+  <p:timing>
+    <p:tnLst>
+      <p:par>
+        <p:cTn id="1" dur="indefinite" restart="never" nodeType="tmRoot"/>
+      </p:par>
+    </p:tnLst>
+  </p:timing>
 </p:sld>
 </file>
 
-<file path=ppt/slides/slide3.xml><?xml version="1.0" encoding="utf-8"?>
+<file path=ppt/slides/slide32.xml><?xml version="1.0" encoding="utf-8"?>
 <p:sld xmlns:a="http://schemas.openxmlformats.org/drawingml/2006/main" xmlns:r="http://schemas.openxmlformats.org/officeDocument/2006/relationships" xmlns:p="http://schemas.openxmlformats.org/presentationml/2006/main">
   <p:cSld>
     <p:bg>
@@ -11839,13 +16776,13 @@
       </p:grpSpPr>
       <p:sp>
         <p:nvSpPr>
-          <p:cNvPr id="8" name="Rectangle 7">
+          <p:cNvPr id="19" name="Rectangle 18">
             <a:extLst>
               <a:ext uri="{FF2B5EF4-FFF2-40B4-BE49-F238E27FC236}">
-                <a16:creationId xmlns:a16="http://schemas.microsoft.com/office/drawing/2014/main" xmlns="" id="{8D70B121-56F4-4848-B38B-182089D909FA}"/>
+                <a16:creationId xmlns="" xmlns:a16="http://schemas.microsoft.com/office/drawing/2014/main" id="{8D70B121-56F4-4848-B38B-182089D909FA}"/>
               </a:ext>
               <a:ext uri="{C183D7F6-B498-43B3-948B-1728B52AA6E4}">
-                <adec:decorative xmlns:adec="http://schemas.microsoft.com/office/drawing/2017/decorative" xmlns="" val="1"/>
+                <adec:decorative xmlns="" xmlns:adec="http://schemas.microsoft.com/office/drawing/2017/decorative" val="1"/>
               </a:ext>
             </a:extLst>
           </p:cNvPr>
@@ -11855,7 +16792,7 @@
           <p:nvPr>
             <p:extLst>
               <p:ext uri="{386F3935-93C4-4BCD-93E2-E3B085C9AB24}">
-                <p16:designElem xmlns:p16="http://schemas.microsoft.com/office/powerpoint/2015/main" xmlns="" val="1"/>
+                <p16:designElem xmlns="" xmlns:p16="http://schemas.microsoft.com/office/powerpoint/2015/main" val="1"/>
               </p:ext>
             </p:extLst>
           </p:nvPr>
@@ -11907,7 +16844,7 @@
           <p:cNvPr id="2" name="Titel 1">
             <a:extLst>
               <a:ext uri="{FF2B5EF4-FFF2-40B4-BE49-F238E27FC236}">
-                <a16:creationId xmlns:a16="http://schemas.microsoft.com/office/drawing/2014/main" xmlns="" id="{0B5D0F8F-C92F-BC46-ACC4-7A21698DD272}"/>
+                <a16:creationId xmlns="" xmlns:a16="http://schemas.microsoft.com/office/drawing/2014/main" id="{35BFDC70-A169-E142-B051-5ABC9190E094}"/>
               </a:ext>
             </a:extLst>
           </p:cNvPr>
@@ -11920,37 +16857,48 @@
         </p:nvSpPr>
         <p:spPr>
           <a:xfrm>
-            <a:off x="838200" y="963877"/>
-            <a:ext cx="3494362" cy="4930246"/>
+            <a:off x="401956" y="963877"/>
+            <a:ext cx="4171949" cy="4930246"/>
           </a:xfrm>
         </p:spPr>
         <p:txBody>
-          <a:bodyPr>
+          <a:bodyPr vert="horz" lIns="91440" tIns="45720" rIns="91440" bIns="45720" rtlCol="0">
             <a:normAutofit/>
           </a:bodyPr>
           <a:lstStyle/>
           <a:p>
-            <a:pPr algn="r"/>
-            <a:r>
-              <a:rPr lang="de-DE" dirty="0">
+            <a:pPr algn="ctr"/>
+            <a:r>
+              <a:rPr lang="en-US" sz="4000" kern="1200" dirty="0" err="1">
                 <a:solidFill>
                   <a:schemeClr val="accent1"/>
                 </a:solidFill>
+                <a:latin typeface="+mj-lt"/>
+                <a:ea typeface="+mj-ea"/>
+                <a:cs typeface="+mj-cs"/>
               </a:rPr>
-              <a:t>Gliederung	</a:t>
-            </a:r>
+              <a:t>Quellen</a:t>
+            </a:r>
+            <a:endParaRPr lang="en-US" sz="4000" kern="1200" dirty="0">
+              <a:solidFill>
+                <a:schemeClr val="accent1"/>
+              </a:solidFill>
+              <a:latin typeface="+mj-lt"/>
+              <a:ea typeface="+mj-ea"/>
+              <a:cs typeface="+mj-cs"/>
+            </a:endParaRPr>
           </a:p>
         </p:txBody>
       </p:sp>
       <p:cxnSp>
         <p:nvCxnSpPr>
-          <p:cNvPr id="10" name="Straight Connector 9">
+          <p:cNvPr id="21" name="Straight Connector 20">
             <a:extLst>
               <a:ext uri="{FF2B5EF4-FFF2-40B4-BE49-F238E27FC236}">
-                <a16:creationId xmlns:a16="http://schemas.microsoft.com/office/drawing/2014/main" xmlns="" id="{2D72A2C9-F3CA-4216-8BAD-FA4C970C3C4E}"/>
+                <a16:creationId xmlns="" xmlns:a16="http://schemas.microsoft.com/office/drawing/2014/main" id="{2D72A2C9-F3CA-4216-8BAD-FA4C970C3C4E}"/>
               </a:ext>
               <a:ext uri="{C183D7F6-B498-43B3-948B-1728B52AA6E4}">
-                <adec:decorative xmlns:adec="http://schemas.microsoft.com/office/drawing/2017/decorative" xmlns="" val="1"/>
+                <adec:decorative xmlns="" xmlns:adec="http://schemas.microsoft.com/office/drawing/2017/decorative" val="1"/>
               </a:ext>
             </a:extLst>
           </p:cNvPr>
@@ -11960,7 +16908,7 @@
           <p:nvPr>
             <p:extLst>
               <p:ext uri="{386F3935-93C4-4BCD-93E2-E3B085C9AB24}">
-                <p16:designElem xmlns:p16="http://schemas.microsoft.com/office/powerpoint/2015/main" xmlns="" val="1"/>
+                <p16:designElem xmlns="" xmlns:p16="http://schemas.microsoft.com/office/powerpoint/2015/main" val="1"/>
               </p:ext>
             </p:extLst>
           </p:nvPr>
@@ -11999,10 +16947,10 @@
       </p:cxnSp>
       <p:sp>
         <p:nvSpPr>
-          <p:cNvPr id="3" name="Inhaltsplatzhalter 2">
+          <p:cNvPr id="8" name="Inhaltsplatzhalter 4">
             <a:extLst>
               <a:ext uri="{FF2B5EF4-FFF2-40B4-BE49-F238E27FC236}">
-                <a16:creationId xmlns:a16="http://schemas.microsoft.com/office/drawing/2014/main" xmlns="" id="{692C889E-3E0C-9E40-9512-4230892B2B42}"/>
+                <a16:creationId xmlns="" xmlns:a16="http://schemas.microsoft.com/office/drawing/2014/main" id="{C28895E4-2A18-3F46-B985-F6164DBE329F}"/>
               </a:ext>
             </a:extLst>
           </p:cNvPr>
@@ -12015,84 +16963,105 @@
         </p:nvSpPr>
         <p:spPr>
           <a:xfrm>
-            <a:off x="4976031" y="963877"/>
-            <a:ext cx="6377769" cy="4930246"/>
+            <a:off x="5097419" y="963877"/>
+            <a:ext cx="5686424" cy="4930246"/>
           </a:xfrm>
         </p:spPr>
         <p:txBody>
-          <a:bodyPr anchor="ctr">
+          <a:bodyPr>
             <a:normAutofit/>
           </a:bodyPr>
           <a:lstStyle/>
           <a:p>
             <a:r>
-              <a:rPr lang="de-DE" sz="2400" dirty="0">
-                <a:solidFill>
-                  <a:schemeClr val="accent1"/>
-                </a:solidFill>
+              <a:rPr lang="de-DE" sz="1400" dirty="0">
+                <a:hlinkClick r:id="rId3"/>
               </a:rPr>
-              <a:t>Einführung in das Thema</a:t>
-            </a:r>
-          </a:p>
-          <a:p>
-            <a:r>
-              <a:rPr lang="de-DE" sz="2400" dirty="0"/>
-              <a:t>Theoretische Grundlagen</a:t>
-            </a:r>
-            <a:endParaRPr lang="de-DE" sz="2000" dirty="0"/>
-          </a:p>
-          <a:p>
-            <a:pPr lvl="1"/>
-            <a:r>
-              <a:rPr lang="de-DE" sz="2000" dirty="0"/>
-              <a:t>Anwendungen</a:t>
-            </a:r>
-          </a:p>
-          <a:p>
-            <a:r>
-              <a:rPr lang="de-DE" sz="2400" dirty="0"/>
-              <a:t>Aufgabenstellung</a:t>
-            </a:r>
-          </a:p>
-          <a:p>
-            <a:r>
-              <a:rPr lang="de-DE" sz="2400" dirty="0"/>
-              <a:t>Implementierung</a:t>
-            </a:r>
-          </a:p>
-          <a:p>
-            <a:pPr lvl="1"/>
-            <a:r>
-              <a:rPr lang="de-DE" sz="2000" dirty="0"/>
-              <a:t>Herangehensweise </a:t>
-            </a:r>
-          </a:p>
-          <a:p>
-            <a:pPr lvl="1"/>
-            <a:r>
-              <a:rPr lang="de-DE" sz="2000" dirty="0"/>
-              <a:t>Einführung in den Code</a:t>
-            </a:r>
-          </a:p>
-          <a:p>
-            <a:pPr lvl="1"/>
-            <a:r>
-              <a:rPr lang="de-DE" sz="2000" dirty="0"/>
-              <a:t>Präsentation des Ergebnisses</a:t>
-            </a:r>
-          </a:p>
-          <a:p>
-            <a:r>
-              <a:rPr lang="de-DE" sz="2400" dirty="0"/>
-              <a:t>Fazit </a:t>
-            </a:r>
+              <a:t>http://page.mi.fu-berlin.de/alt/vorlesungen/sem0809/folien-polcwiartek.pdf</a:t>
+            </a:r>
+            <a:endParaRPr lang="de-DE" sz="1400" dirty="0"/>
+          </a:p>
+          <a:p>
+            <a:r>
+              <a:rPr lang="de-DE" sz="1400" dirty="0">
+                <a:hlinkClick r:id="rId4"/>
+              </a:rPr>
+              <a:t>https://www.net.in.tum.de/fileadmin/TUM/NET/NET-2012-04-1/NET-2012-04-1_05.pdf</a:t>
+            </a:r>
+            <a:endParaRPr lang="de-DE" sz="1400" dirty="0"/>
+          </a:p>
+          <a:p>
+            <a:r>
+              <a:rPr lang="de-DE" sz="1400" dirty="0">
+                <a:hlinkClick r:id="rId5"/>
+              </a:rPr>
+              <a:t>https://www-m9.ma.tum.de/Allgemeines/GraphAlgorithmen</a:t>
+            </a:r>
+            <a:endParaRPr lang="de-DE" sz="1400" dirty="0"/>
+          </a:p>
+          <a:p>
+            <a:r>
+              <a:rPr lang="de-DE" sz="1400" dirty="0">
+                <a:hlinkClick r:id="rId6"/>
+              </a:rPr>
+              <a:t>https://</a:t>
+            </a:r>
+            <a:r>
+              <a:rPr lang="de-DE" sz="1400" dirty="0" smtClean="0">
+                <a:hlinkClick r:id="rId6"/>
+              </a:rPr>
+              <a:t>www.youtube.com/watch?v=wJyWDCOPGpA</a:t>
+            </a:r>
+            <a:endParaRPr lang="de-DE" sz="1400" dirty="0"/>
+          </a:p>
+          <a:p>
+            <a:r>
+              <a:rPr lang="de-DE" sz="1400" dirty="0">
+                <a:hlinkClick r:id="rId7"/>
+              </a:rPr>
+              <a:t>http://</a:t>
+            </a:r>
+            <a:r>
+              <a:rPr lang="de-DE" sz="1400" dirty="0" smtClean="0">
+                <a:hlinkClick r:id="rId7"/>
+              </a:rPr>
+              <a:t>www.informatikseite.de/algorithmen/node18.php</a:t>
+            </a:r>
+            <a:endParaRPr lang="de-DE" sz="1400" dirty="0" smtClean="0"/>
+          </a:p>
+          <a:p>
+            <a:r>
+              <a:rPr lang="de-DE" sz="1400" dirty="0">
+                <a:hlinkClick r:id="rId8"/>
+              </a:rPr>
+              <a:t>http://</a:t>
+            </a:r>
+            <a:r>
+              <a:rPr lang="de-DE" sz="1400" dirty="0" smtClean="0">
+                <a:hlinkClick r:id="rId8"/>
+              </a:rPr>
+              <a:t>www.mi.fu-berlin.de/wiki/pub/Main/GunnarKlauP1winter0708/discMath_klau_maxflow.pdf</a:t>
+            </a:r>
+            <a:endParaRPr lang="de-DE" sz="1400" dirty="0" smtClean="0"/>
+          </a:p>
+          <a:p>
+            <a:endParaRPr lang="de-DE" sz="1400" dirty="0" smtClean="0"/>
+          </a:p>
+          <a:p>
+            <a:endParaRPr lang="de-DE" sz="1400" dirty="0" smtClean="0"/>
+          </a:p>
+          <a:p>
+            <a:endParaRPr lang="de-DE" sz="1400" dirty="0"/>
+          </a:p>
+          <a:p>
+            <a:endParaRPr lang="de-DE" dirty="0"/>
           </a:p>
         </p:txBody>
       </p:sp>
     </p:spTree>
     <p:extLst>
       <p:ext uri="{BB962C8B-B14F-4D97-AF65-F5344CB8AC3E}">
-        <p14:creationId xmlns:p14="http://schemas.microsoft.com/office/powerpoint/2010/main" val="3758769095"/>
+        <p14:creationId xmlns:p14="http://schemas.microsoft.com/office/powerpoint/2010/main" val="2918339293"/>
       </p:ext>
     </p:extLst>
   </p:cSld>
@@ -12102,7 +17071,7 @@
 </p:sld>
 </file>
 
-<file path=ppt/slides/slide30.xml><?xml version="1.0" encoding="utf-8"?>
+<file path=ppt/slides/slide33.xml><?xml version="1.0" encoding="utf-8"?>
 <p:sld xmlns:a="http://schemas.openxmlformats.org/drawingml/2006/main" xmlns:r="http://schemas.openxmlformats.org/officeDocument/2006/relationships" xmlns:p="http://schemas.openxmlformats.org/presentationml/2006/main">
   <p:cSld>
     <p:bg>
@@ -12129,317 +17098,13 @@
       </p:grpSpPr>
       <p:sp>
         <p:nvSpPr>
-          <p:cNvPr id="19" name="Rectangle 18">
-            <a:extLst>
-              <a:ext uri="{FF2B5EF4-FFF2-40B4-BE49-F238E27FC236}">
-                <a16:creationId xmlns:a16="http://schemas.microsoft.com/office/drawing/2014/main" xmlns="" id="{8D70B121-56F4-4848-B38B-182089D909FA}"/>
-              </a:ext>
-              <a:ext uri="{C183D7F6-B498-43B3-948B-1728B52AA6E4}">
-                <adec:decorative xmlns:adec="http://schemas.microsoft.com/office/drawing/2017/decorative" xmlns="" val="1"/>
-              </a:ext>
-            </a:extLst>
-          </p:cNvPr>
-          <p:cNvSpPr>
-            <a:spLocks noGrp="1" noRot="1" noChangeAspect="1" noMove="1" noResize="1" noEditPoints="1" noAdjustHandles="1" noChangeArrowheads="1" noChangeShapeType="1" noTextEdit="1"/>
-          </p:cNvSpPr>
-          <p:nvPr>
-            <p:extLst>
-              <p:ext uri="{386F3935-93C4-4BCD-93E2-E3B085C9AB24}">
-                <p16:designElem xmlns:p16="http://schemas.microsoft.com/office/powerpoint/2015/main" xmlns="" val="1"/>
-              </p:ext>
-            </p:extLst>
-          </p:nvPr>
-        </p:nvSpPr>
-        <p:spPr bwMode="ltGray">
-          <a:xfrm>
-            <a:off x="321564" y="320040"/>
-            <a:ext cx="11548872" cy="6217920"/>
-          </a:xfrm>
-          <a:prstGeom prst="rect">
-            <a:avLst/>
-          </a:prstGeom>
-          <a:solidFill>
-            <a:schemeClr val="tx1">
-              <a:alpha val="8000"/>
-            </a:schemeClr>
-          </a:solidFill>
-          <a:ln w="127000" cap="sq" cmpd="thinThick">
-            <a:noFill/>
-          </a:ln>
-        </p:spPr>
-        <p:style>
-          <a:lnRef idx="2">
-            <a:schemeClr val="accent1">
-              <a:shade val="50000"/>
-            </a:schemeClr>
-          </a:lnRef>
-          <a:fillRef idx="1">
-            <a:schemeClr val="accent1"/>
-          </a:fillRef>
-          <a:effectRef idx="0">
-            <a:schemeClr val="accent1"/>
-          </a:effectRef>
-          <a:fontRef idx="minor">
-            <a:schemeClr val="lt1"/>
-          </a:fontRef>
-        </p:style>
-        <p:txBody>
-          <a:bodyPr rtlCol="0" anchor="ctr"/>
-          <a:lstStyle/>
-          <a:p>
-            <a:pPr algn="ctr"/>
-            <a:endParaRPr lang="en-US"/>
-          </a:p>
-        </p:txBody>
-      </p:sp>
-      <p:sp>
-        <p:nvSpPr>
-          <p:cNvPr id="2" name="Titel 1">
-            <a:extLst>
-              <a:ext uri="{FF2B5EF4-FFF2-40B4-BE49-F238E27FC236}">
-                <a16:creationId xmlns:a16="http://schemas.microsoft.com/office/drawing/2014/main" xmlns="" id="{35BFDC70-A169-E142-B051-5ABC9190E094}"/>
-              </a:ext>
-            </a:extLst>
-          </p:cNvPr>
-          <p:cNvSpPr>
-            <a:spLocks noGrp="1"/>
-          </p:cNvSpPr>
-          <p:nvPr>
-            <p:ph type="title"/>
-          </p:nvPr>
-        </p:nvSpPr>
-        <p:spPr>
-          <a:xfrm>
-            <a:off x="401956" y="963877"/>
-            <a:ext cx="4171949" cy="4930246"/>
-          </a:xfrm>
-        </p:spPr>
-        <p:txBody>
-          <a:bodyPr vert="horz" lIns="91440" tIns="45720" rIns="91440" bIns="45720" rtlCol="0">
-            <a:normAutofit/>
-          </a:bodyPr>
-          <a:lstStyle/>
-          <a:p>
-            <a:pPr algn="ctr"/>
-            <a:r>
-              <a:rPr lang="en-US" sz="4000" kern="1200" dirty="0" err="1">
-                <a:solidFill>
-                  <a:schemeClr val="accent1"/>
-                </a:solidFill>
-                <a:latin typeface="+mj-lt"/>
-                <a:ea typeface="+mj-ea"/>
-                <a:cs typeface="+mj-cs"/>
-              </a:rPr>
-              <a:t>Quellen</a:t>
-            </a:r>
-            <a:endParaRPr lang="en-US" sz="4000" kern="1200" dirty="0">
-              <a:solidFill>
-                <a:schemeClr val="accent1"/>
-              </a:solidFill>
-              <a:latin typeface="+mj-lt"/>
-              <a:ea typeface="+mj-ea"/>
-              <a:cs typeface="+mj-cs"/>
-            </a:endParaRPr>
-          </a:p>
-        </p:txBody>
-      </p:sp>
-      <p:cxnSp>
-        <p:nvCxnSpPr>
-          <p:cNvPr id="21" name="Straight Connector 20">
-            <a:extLst>
-              <a:ext uri="{FF2B5EF4-FFF2-40B4-BE49-F238E27FC236}">
-                <a16:creationId xmlns:a16="http://schemas.microsoft.com/office/drawing/2014/main" xmlns="" id="{2D72A2C9-F3CA-4216-8BAD-FA4C970C3C4E}"/>
-              </a:ext>
-              <a:ext uri="{C183D7F6-B498-43B3-948B-1728B52AA6E4}">
-                <adec:decorative xmlns:adec="http://schemas.microsoft.com/office/drawing/2017/decorative" xmlns="" val="1"/>
-              </a:ext>
-            </a:extLst>
-          </p:cNvPr>
-          <p:cNvCxnSpPr>
-            <a:cxnSpLocks noGrp="1" noRot="1" noChangeAspect="1" noMove="1" noResize="1" noEditPoints="1" noAdjustHandles="1" noChangeArrowheads="1" noChangeShapeType="1"/>
-          </p:cNvCxnSpPr>
-          <p:nvPr>
-            <p:extLst>
-              <p:ext uri="{386F3935-93C4-4BCD-93E2-E3B085C9AB24}">
-                <p16:designElem xmlns:p16="http://schemas.microsoft.com/office/powerpoint/2015/main" xmlns="" val="1"/>
-              </p:ext>
-            </p:extLst>
-          </p:nvPr>
-        </p:nvCxnSpPr>
-        <p:spPr>
-          <a:xfrm>
-            <a:off x="4654296" y="2057400"/>
-            <a:ext cx="0" cy="2743200"/>
-          </a:xfrm>
-          <a:prstGeom prst="line">
-            <a:avLst/>
-          </a:prstGeom>
-          <a:ln w="19050">
-            <a:solidFill>
-              <a:schemeClr val="tx1">
-                <a:lumMod val="85000"/>
-                <a:lumOff val="15000"/>
-              </a:schemeClr>
-            </a:solidFill>
-          </a:ln>
-        </p:spPr>
-        <p:style>
-          <a:lnRef idx="1">
-            <a:schemeClr val="accent1"/>
-          </a:lnRef>
-          <a:fillRef idx="0">
-            <a:schemeClr val="accent1"/>
-          </a:fillRef>
-          <a:effectRef idx="0">
-            <a:schemeClr val="accent1"/>
-          </a:effectRef>
-          <a:fontRef idx="minor">
-            <a:schemeClr val="tx1"/>
-          </a:fontRef>
-        </p:style>
-      </p:cxnSp>
-      <p:sp>
-        <p:nvSpPr>
-          <p:cNvPr id="8" name="Inhaltsplatzhalter 4">
-            <a:extLst>
-              <a:ext uri="{FF2B5EF4-FFF2-40B4-BE49-F238E27FC236}">
-                <a16:creationId xmlns:a16="http://schemas.microsoft.com/office/drawing/2014/main" xmlns="" id="{C28895E4-2A18-3F46-B985-F6164DBE329F}"/>
-              </a:ext>
-            </a:extLst>
-          </p:cNvPr>
-          <p:cNvSpPr>
-            <a:spLocks noGrp="1"/>
-          </p:cNvSpPr>
-          <p:nvPr>
-            <p:ph idx="1"/>
-          </p:nvPr>
-        </p:nvSpPr>
-        <p:spPr>
-          <a:xfrm>
-            <a:off x="5097419" y="963877"/>
-            <a:ext cx="5686424" cy="4930246"/>
-          </a:xfrm>
-        </p:spPr>
-        <p:txBody>
-          <a:bodyPr>
-            <a:normAutofit/>
-          </a:bodyPr>
-          <a:lstStyle/>
-          <a:p>
-            <a:r>
-              <a:rPr lang="de-DE" sz="1400" dirty="0">
-                <a:hlinkClick r:id="rId3"/>
-              </a:rPr>
-              <a:t>http://page.mi.fu-berlin.de/alt/vorlesungen/sem0809/folien-polcwiartek.pdf</a:t>
-            </a:r>
-            <a:endParaRPr lang="de-DE" sz="1400" dirty="0"/>
-          </a:p>
-          <a:p>
-            <a:r>
-              <a:rPr lang="de-DE" sz="1400" dirty="0">
-                <a:hlinkClick r:id="rId4"/>
-              </a:rPr>
-              <a:t>https://www.net.in.tum.de/fileadmin/TUM/NET/NET-2012-04-1/NET-2012-04-1_05.pdf</a:t>
-            </a:r>
-            <a:endParaRPr lang="de-DE" sz="1400" dirty="0"/>
-          </a:p>
-          <a:p>
-            <a:r>
-              <a:rPr lang="de-DE" sz="1400" dirty="0">
-                <a:hlinkClick r:id="rId5"/>
-              </a:rPr>
-              <a:t>https://www-m9.ma.tum.de/Allgemeines/GraphAlgorithmen</a:t>
-            </a:r>
-            <a:endParaRPr lang="de-DE" sz="1400" dirty="0"/>
-          </a:p>
-          <a:p>
-            <a:r>
-              <a:rPr lang="de-DE" sz="1400" dirty="0">
-                <a:hlinkClick r:id="rId6"/>
-              </a:rPr>
-              <a:t>https://</a:t>
-            </a:r>
-            <a:r>
-              <a:rPr lang="de-DE" sz="1400" dirty="0" smtClean="0">
-                <a:hlinkClick r:id="rId6"/>
-              </a:rPr>
-              <a:t>www.youtube.com/watch?v=wJyWDCOPGpA</a:t>
-            </a:r>
-            <a:endParaRPr lang="de-DE" sz="1400" dirty="0"/>
-          </a:p>
-          <a:p>
-            <a:r>
-              <a:rPr lang="de-DE" sz="1400" dirty="0">
-                <a:hlinkClick r:id="rId7"/>
-              </a:rPr>
-              <a:t>http://</a:t>
-            </a:r>
-            <a:r>
-              <a:rPr lang="de-DE" sz="1400" dirty="0" smtClean="0">
-                <a:hlinkClick r:id="rId7"/>
-              </a:rPr>
-              <a:t>www.informatikseite.de/algorithmen/node18.php</a:t>
-            </a:r>
-            <a:endParaRPr lang="de-DE" sz="1400" dirty="0" smtClean="0"/>
-          </a:p>
-          <a:p>
-            <a:endParaRPr lang="de-DE" sz="1400" dirty="0" smtClean="0"/>
-          </a:p>
-          <a:p>
-            <a:endParaRPr lang="de-DE" sz="1400" dirty="0"/>
-          </a:p>
-          <a:p>
-            <a:endParaRPr lang="de-DE" dirty="0"/>
-          </a:p>
-        </p:txBody>
-      </p:sp>
-    </p:spTree>
-    <p:extLst>
-      <p:ext uri="{BB962C8B-B14F-4D97-AF65-F5344CB8AC3E}">
-        <p14:creationId xmlns:p14="http://schemas.microsoft.com/office/powerpoint/2010/main" val="2918339293"/>
-      </p:ext>
-    </p:extLst>
-  </p:cSld>
-  <p:clrMapOvr>
-    <a:masterClrMapping/>
-  </p:clrMapOvr>
-</p:sld>
-</file>
-
-<file path=ppt/slides/slide31.xml><?xml version="1.0" encoding="utf-8"?>
-<p:sld xmlns:a="http://schemas.openxmlformats.org/drawingml/2006/main" xmlns:r="http://schemas.openxmlformats.org/officeDocument/2006/relationships" xmlns:p="http://schemas.openxmlformats.org/presentationml/2006/main">
-  <p:cSld>
-    <p:bg>
-      <p:bgPr>
-        <a:solidFill>
-          <a:schemeClr val="bg1"/>
-        </a:solidFill>
-        <a:effectLst/>
-      </p:bgPr>
-    </p:bg>
-    <p:spTree>
-      <p:nvGrpSpPr>
-        <p:cNvPr id="1" name=""/>
-        <p:cNvGrpSpPr/>
-        <p:nvPr/>
-      </p:nvGrpSpPr>
-      <p:grpSpPr>
-        <a:xfrm>
-          <a:off x="0" y="0"/>
-          <a:ext cx="0" cy="0"/>
-          <a:chOff x="0" y="0"/>
-          <a:chExt cx="0" cy="0"/>
-        </a:xfrm>
-      </p:grpSpPr>
-      <p:sp>
-        <p:nvSpPr>
           <p:cNvPr id="7" name="Rectangle 6">
             <a:extLst>
               <a:ext uri="{FF2B5EF4-FFF2-40B4-BE49-F238E27FC236}">
-                <a16:creationId xmlns:a16="http://schemas.microsoft.com/office/drawing/2014/main" xmlns="" id="{6F9EB9F2-07E2-4D64-BBD8-BB5B217F1218}"/>
+                <a16:creationId xmlns="" xmlns:a16="http://schemas.microsoft.com/office/drawing/2014/main" id="{6F9EB9F2-07E2-4D64-BBD8-BB5B217F1218}"/>
               </a:ext>
               <a:ext uri="{C183D7F6-B498-43B3-948B-1728B52AA6E4}">
-                <adec:decorative xmlns:adec="http://schemas.microsoft.com/office/drawing/2017/decorative" xmlns="" val="1"/>
+                <adec:decorative xmlns="" xmlns:adec="http://schemas.microsoft.com/office/drawing/2017/decorative" val="1"/>
               </a:ext>
             </a:extLst>
           </p:cNvPr>
@@ -12449,7 +17114,7 @@
           <p:nvPr>
             <p:extLst>
               <p:ext uri="{386F3935-93C4-4BCD-93E2-E3B085C9AB24}">
-                <p16:designElem xmlns:p16="http://schemas.microsoft.com/office/powerpoint/2015/main" xmlns="" val="1"/>
+                <p16:designElem xmlns="" xmlns:p16="http://schemas.microsoft.com/office/powerpoint/2015/main" val="1"/>
               </p:ext>
             </p:extLst>
           </p:nvPr>
@@ -12501,7 +17166,7 @@
           <p:cNvPr id="2" name="Titel 1">
             <a:extLst>
               <a:ext uri="{FF2B5EF4-FFF2-40B4-BE49-F238E27FC236}">
-                <a16:creationId xmlns:a16="http://schemas.microsoft.com/office/drawing/2014/main" xmlns="" id="{8CCF408F-A9A7-BB42-8132-EB1552B49212}"/>
+                <a16:creationId xmlns="" xmlns:a16="http://schemas.microsoft.com/office/drawing/2014/main" id="{8CCF408F-A9A7-BB42-8132-EB1552B49212}"/>
               </a:ext>
             </a:extLst>
           </p:cNvPr>
@@ -12596,10 +17261,10 @@
           <p:cNvPr id="9" name="Straight Connector 8">
             <a:extLst>
               <a:ext uri="{FF2B5EF4-FFF2-40B4-BE49-F238E27FC236}">
-                <a16:creationId xmlns:a16="http://schemas.microsoft.com/office/drawing/2014/main" xmlns="" id="{F0C57C7C-DFE9-4A1E-B7A9-DF40E63366BB}"/>
+                <a16:creationId xmlns="" xmlns:a16="http://schemas.microsoft.com/office/drawing/2014/main" id="{F0C57C7C-DFE9-4A1E-B7A9-DF40E63366BB}"/>
               </a:ext>
               <a:ext uri="{C183D7F6-B498-43B3-948B-1728B52AA6E4}">
-                <adec:decorative xmlns:adec="http://schemas.microsoft.com/office/drawing/2017/decorative" xmlns="" val="1"/>
+                <adec:decorative xmlns="" xmlns:adec="http://schemas.microsoft.com/office/drawing/2017/decorative" val="1"/>
               </a:ext>
             </a:extLst>
           </p:cNvPr>
@@ -12609,7 +17274,7 @@
           <p:nvPr>
             <p:extLst>
               <p:ext uri="{386F3935-93C4-4BCD-93E2-E3B085C9AB24}">
-                <p16:designElem xmlns:p16="http://schemas.microsoft.com/office/powerpoint/2015/main" xmlns="" val="1"/>
+                <p16:designElem xmlns="" xmlns:p16="http://schemas.microsoft.com/office/powerpoint/2015/main" val="1"/>
               </p:ext>
             </p:extLst>
           </p:nvPr>
@@ -12689,10 +17354,10 @@
           <p:cNvPr id="19" name="Rectangle 18">
             <a:extLst>
               <a:ext uri="{FF2B5EF4-FFF2-40B4-BE49-F238E27FC236}">
-                <a16:creationId xmlns:a16="http://schemas.microsoft.com/office/drawing/2014/main" xmlns="" id="{8D70B121-56F4-4848-B38B-182089D909FA}"/>
+                <a16:creationId xmlns="" xmlns:a16="http://schemas.microsoft.com/office/drawing/2014/main" id="{8D70B121-56F4-4848-B38B-182089D909FA}"/>
               </a:ext>
               <a:ext uri="{C183D7F6-B498-43B3-948B-1728B52AA6E4}">
-                <adec:decorative xmlns:adec="http://schemas.microsoft.com/office/drawing/2017/decorative" xmlns="" val="1"/>
+                <adec:decorative xmlns="" xmlns:adec="http://schemas.microsoft.com/office/drawing/2017/decorative" val="1"/>
               </a:ext>
             </a:extLst>
           </p:cNvPr>
@@ -12702,7 +17367,7 @@
           <p:nvPr>
             <p:extLst>
               <p:ext uri="{386F3935-93C4-4BCD-93E2-E3B085C9AB24}">
-                <p16:designElem xmlns:p16="http://schemas.microsoft.com/office/powerpoint/2015/main" xmlns="" val="1"/>
+                <p16:designElem xmlns="" xmlns:p16="http://schemas.microsoft.com/office/powerpoint/2015/main" val="1"/>
               </p:ext>
             </p:extLst>
           </p:nvPr>
@@ -12783,10 +17448,10 @@
           <p:cNvPr id="21" name="Straight Connector 20">
             <a:extLst>
               <a:ext uri="{FF2B5EF4-FFF2-40B4-BE49-F238E27FC236}">
-                <a16:creationId xmlns:a16="http://schemas.microsoft.com/office/drawing/2014/main" xmlns="" id="{2D72A2C9-F3CA-4216-8BAD-FA4C970C3C4E}"/>
+                <a16:creationId xmlns="" xmlns:a16="http://schemas.microsoft.com/office/drawing/2014/main" id="{2D72A2C9-F3CA-4216-8BAD-FA4C970C3C4E}"/>
               </a:ext>
               <a:ext uri="{C183D7F6-B498-43B3-948B-1728B52AA6E4}">
-                <adec:decorative xmlns:adec="http://schemas.microsoft.com/office/drawing/2017/decorative" xmlns="" val="1"/>
+                <adec:decorative xmlns="" xmlns:adec="http://schemas.microsoft.com/office/drawing/2017/decorative" val="1"/>
               </a:ext>
             </a:extLst>
           </p:cNvPr>
@@ -12796,7 +17461,7 @@
           <p:nvPr>
             <p:extLst>
               <p:ext uri="{386F3935-93C4-4BCD-93E2-E3B085C9AB24}">
-                <p16:designElem xmlns:p16="http://schemas.microsoft.com/office/powerpoint/2015/main" xmlns="" val="1"/>
+                <p16:designElem xmlns="" xmlns:p16="http://schemas.microsoft.com/office/powerpoint/2015/main" val="1"/>
               </p:ext>
             </p:extLst>
           </p:nvPr>
@@ -12838,7 +17503,7 @@
           <p:cNvPr id="5" name="Rechteck 4">
             <a:extLst>
               <a:ext uri="{FF2B5EF4-FFF2-40B4-BE49-F238E27FC236}">
-                <a16:creationId xmlns:a16="http://schemas.microsoft.com/office/drawing/2014/main" xmlns="" id="{6C91387F-AF56-614F-B14F-5E345367B7AF}"/>
+                <a16:creationId xmlns="" xmlns:a16="http://schemas.microsoft.com/office/drawing/2014/main" id="{6C91387F-AF56-614F-B14F-5E345367B7AF}"/>
               </a:ext>
             </a:extLst>
           </p:cNvPr>
@@ -12919,7 +17584,7 @@
           <p:cNvPr id="2" name="Titel 1">
             <a:extLst>
               <a:ext uri="{FF2B5EF4-FFF2-40B4-BE49-F238E27FC236}">
-                <a16:creationId xmlns:a16="http://schemas.microsoft.com/office/drawing/2014/main" xmlns="" id="{35BFDC70-A169-E142-B051-5ABC9190E094}"/>
+                <a16:creationId xmlns="" xmlns:a16="http://schemas.microsoft.com/office/drawing/2014/main" id="{35BFDC70-A169-E142-B051-5ABC9190E094}"/>
               </a:ext>
             </a:extLst>
           </p:cNvPr>
@@ -12959,7 +17624,7 @@
           <p:cNvPr id="6" name="Rechteck 5">
             <a:extLst>
               <a:ext uri="{FF2B5EF4-FFF2-40B4-BE49-F238E27FC236}">
-                <a16:creationId xmlns:a16="http://schemas.microsoft.com/office/drawing/2014/main" xmlns="" id="{B21205B6-3884-4AD1-996C-39D66F295553}"/>
+                <a16:creationId xmlns="" xmlns:a16="http://schemas.microsoft.com/office/drawing/2014/main" id="{B21205B6-3884-4AD1-996C-39D66F295553}"/>
               </a:ext>
             </a:extLst>
           </p:cNvPr>
@@ -13040,7 +17705,7 @@
           <p:cNvPr id="7" name="Grafik 6">
             <a:extLst>
               <a:ext uri="{FF2B5EF4-FFF2-40B4-BE49-F238E27FC236}">
-                <a16:creationId xmlns:a16="http://schemas.microsoft.com/office/drawing/2014/main" xmlns="" id="{D878A5C2-A8AA-4358-9003-B99120CDFE3F}"/>
+                <a16:creationId xmlns="" xmlns:a16="http://schemas.microsoft.com/office/drawing/2014/main" id="{D878A5C2-A8AA-4358-9003-B99120CDFE3F}"/>
               </a:ext>
             </a:extLst>
           </p:cNvPr>
@@ -13075,6 +17740,13 @@
   <p:clrMapOvr>
     <a:masterClrMapping/>
   </p:clrMapOvr>
+  <p:timing>
+    <p:tnLst>
+      <p:par>
+        <p:cTn id="1" dur="indefinite" restart="never" nodeType="tmRoot"/>
+      </p:par>
+    </p:tnLst>
+  </p:timing>
 </p:sld>
 </file>
 
@@ -13108,10 +17780,10 @@
           <p:cNvPr id="8" name="Rectangle 7">
             <a:extLst>
               <a:ext uri="{FF2B5EF4-FFF2-40B4-BE49-F238E27FC236}">
-                <a16:creationId xmlns:a16="http://schemas.microsoft.com/office/drawing/2014/main" xmlns="" id="{8D70B121-56F4-4848-B38B-182089D909FA}"/>
+                <a16:creationId xmlns="" xmlns:a16="http://schemas.microsoft.com/office/drawing/2014/main" id="{8D70B121-56F4-4848-B38B-182089D909FA}"/>
               </a:ext>
               <a:ext uri="{C183D7F6-B498-43B3-948B-1728B52AA6E4}">
-                <adec:decorative xmlns:adec="http://schemas.microsoft.com/office/drawing/2017/decorative" xmlns="" val="1"/>
+                <adec:decorative xmlns="" xmlns:adec="http://schemas.microsoft.com/office/drawing/2017/decorative" val="1"/>
               </a:ext>
             </a:extLst>
           </p:cNvPr>
@@ -13121,7 +17793,7 @@
           <p:nvPr>
             <p:extLst>
               <p:ext uri="{386F3935-93C4-4BCD-93E2-E3B085C9AB24}">
-                <p16:designElem xmlns:p16="http://schemas.microsoft.com/office/powerpoint/2015/main" xmlns="" val="1"/>
+                <p16:designElem xmlns="" xmlns:p16="http://schemas.microsoft.com/office/powerpoint/2015/main" val="1"/>
               </p:ext>
             </p:extLst>
           </p:nvPr>
@@ -13173,7 +17845,7 @@
           <p:cNvPr id="2" name="Titel 1">
             <a:extLst>
               <a:ext uri="{FF2B5EF4-FFF2-40B4-BE49-F238E27FC236}">
-                <a16:creationId xmlns:a16="http://schemas.microsoft.com/office/drawing/2014/main" xmlns="" id="{0B5D0F8F-C92F-BC46-ACC4-7A21698DD272}"/>
+                <a16:creationId xmlns="" xmlns:a16="http://schemas.microsoft.com/office/drawing/2014/main" id="{0B5D0F8F-C92F-BC46-ACC4-7A21698DD272}"/>
               </a:ext>
             </a:extLst>
           </p:cNvPr>
@@ -13213,10 +17885,10 @@
           <p:cNvPr id="10" name="Straight Connector 9">
             <a:extLst>
               <a:ext uri="{FF2B5EF4-FFF2-40B4-BE49-F238E27FC236}">
-                <a16:creationId xmlns:a16="http://schemas.microsoft.com/office/drawing/2014/main" xmlns="" id="{2D72A2C9-F3CA-4216-8BAD-FA4C970C3C4E}"/>
+                <a16:creationId xmlns="" xmlns:a16="http://schemas.microsoft.com/office/drawing/2014/main" id="{2D72A2C9-F3CA-4216-8BAD-FA4C970C3C4E}"/>
               </a:ext>
               <a:ext uri="{C183D7F6-B498-43B3-948B-1728B52AA6E4}">
-                <adec:decorative xmlns:adec="http://schemas.microsoft.com/office/drawing/2017/decorative" xmlns="" val="1"/>
+                <adec:decorative xmlns="" xmlns:adec="http://schemas.microsoft.com/office/drawing/2017/decorative" val="1"/>
               </a:ext>
             </a:extLst>
           </p:cNvPr>
@@ -13226,7 +17898,7 @@
           <p:nvPr>
             <p:extLst>
               <p:ext uri="{386F3935-93C4-4BCD-93E2-E3B085C9AB24}">
-                <p16:designElem xmlns:p16="http://schemas.microsoft.com/office/powerpoint/2015/main" xmlns="" val="1"/>
+                <p16:designElem xmlns="" xmlns:p16="http://schemas.microsoft.com/office/powerpoint/2015/main" val="1"/>
               </p:ext>
             </p:extLst>
           </p:nvPr>
@@ -13264,7 +17936,7 @@
         </p:style>
       </p:cxnSp>
       <mc:AlternateContent xmlns:mc="http://schemas.openxmlformats.org/markup-compatibility/2006">
-        <mc:Choice xmlns:pslz="http://schemas.microsoft.com/office/powerpoint/2016/slidezoom" xmlns="" Requires="pslz">
+        <mc:Choice xmlns="" xmlns:pslz="http://schemas.microsoft.com/office/powerpoint/2016/slidezoom" Requires="pslz">
           <p:graphicFrame>
             <p:nvGraphicFramePr>
               <p:cNvPr id="7" name="Folienzoom 6">
@@ -13328,7 +18000,7 @@
                 <a:hlinkClick r:id="rId4" action="ppaction://hlinksldjump"/>
                 <a:extLst>
                   <a:ext uri="{FF2B5EF4-FFF2-40B4-BE49-F238E27FC236}">
-                    <a16:creationId xmlns:a16="http://schemas.microsoft.com/office/drawing/2014/main" xmlns="" xmlns:pslz="http://schemas.microsoft.com/office/powerpoint/2016/slidezoom" id="{6938BB69-754F-2F4B-94EF-34BD069095AD}"/>
+                    <a16:creationId xmlns:pslz="http://schemas.microsoft.com/office/powerpoint/2016/slidezoom" xmlns="" xmlns:a16="http://schemas.microsoft.com/office/drawing/2014/main" id="{6938BB69-754F-2F4B-94EF-34BD069095AD}"/>
                   </a:ext>
                 </a:extLst>
               </p:cNvPr>
@@ -13370,6 +18042,13 @@
   <p:clrMapOvr>
     <a:masterClrMapping/>
   </p:clrMapOvr>
+  <p:timing>
+    <p:tnLst>
+      <p:par>
+        <p:cTn id="1" dur="indefinite" restart="never" nodeType="tmRoot"/>
+      </p:par>
+    </p:tnLst>
+  </p:timing>
 </p:sld>
 </file>
 
@@ -13403,10 +18082,10 @@
           <p:cNvPr id="8" name="Rectangle 7">
             <a:extLst>
               <a:ext uri="{FF2B5EF4-FFF2-40B4-BE49-F238E27FC236}">
-                <a16:creationId xmlns:a16="http://schemas.microsoft.com/office/drawing/2014/main" xmlns="" id="{8D70B121-56F4-4848-B38B-182089D909FA}"/>
+                <a16:creationId xmlns="" xmlns:a16="http://schemas.microsoft.com/office/drawing/2014/main" id="{8D70B121-56F4-4848-B38B-182089D909FA}"/>
               </a:ext>
               <a:ext uri="{C183D7F6-B498-43B3-948B-1728B52AA6E4}">
-                <adec:decorative xmlns:adec="http://schemas.microsoft.com/office/drawing/2017/decorative" xmlns="" val="1"/>
+                <adec:decorative xmlns="" xmlns:adec="http://schemas.microsoft.com/office/drawing/2017/decorative" val="1"/>
               </a:ext>
             </a:extLst>
           </p:cNvPr>
@@ -13416,7 +18095,7 @@
           <p:nvPr>
             <p:extLst>
               <p:ext uri="{386F3935-93C4-4BCD-93E2-E3B085C9AB24}">
-                <p16:designElem xmlns:p16="http://schemas.microsoft.com/office/powerpoint/2015/main" xmlns="" val="1"/>
+                <p16:designElem xmlns="" xmlns:p16="http://schemas.microsoft.com/office/powerpoint/2015/main" val="1"/>
               </p:ext>
             </p:extLst>
           </p:nvPr>
@@ -13468,10 +18147,10 @@
           <p:cNvPr id="10" name="Straight Connector 9">
             <a:extLst>
               <a:ext uri="{FF2B5EF4-FFF2-40B4-BE49-F238E27FC236}">
-                <a16:creationId xmlns:a16="http://schemas.microsoft.com/office/drawing/2014/main" xmlns="" id="{2D72A2C9-F3CA-4216-8BAD-FA4C970C3C4E}"/>
+                <a16:creationId xmlns="" xmlns:a16="http://schemas.microsoft.com/office/drawing/2014/main" id="{2D72A2C9-F3CA-4216-8BAD-FA4C970C3C4E}"/>
               </a:ext>
               <a:ext uri="{C183D7F6-B498-43B3-948B-1728B52AA6E4}">
-                <adec:decorative xmlns:adec="http://schemas.microsoft.com/office/drawing/2017/decorative" xmlns="" val="1"/>
+                <adec:decorative xmlns="" xmlns:adec="http://schemas.microsoft.com/office/drawing/2017/decorative" val="1"/>
               </a:ext>
             </a:extLst>
           </p:cNvPr>
@@ -13481,7 +18160,7 @@
           <p:nvPr>
             <p:extLst>
               <p:ext uri="{386F3935-93C4-4BCD-93E2-E3B085C9AB24}">
-                <p16:designElem xmlns:p16="http://schemas.microsoft.com/office/powerpoint/2015/main" xmlns="" val="1"/>
+                <p16:designElem xmlns="" xmlns:p16="http://schemas.microsoft.com/office/powerpoint/2015/main" val="1"/>
               </p:ext>
             </p:extLst>
           </p:nvPr>
@@ -13523,7 +18202,7 @@
           <p:cNvPr id="20" name="Textfeld 19">
             <a:extLst>
               <a:ext uri="{FF2B5EF4-FFF2-40B4-BE49-F238E27FC236}">
-                <a16:creationId xmlns:a16="http://schemas.microsoft.com/office/drawing/2014/main" xmlns="" id="{22318D91-F3FB-1D4F-8CA1-574E5C5A021C}"/>
+                <a16:creationId xmlns="" xmlns:a16="http://schemas.microsoft.com/office/drawing/2014/main" id="{22318D91-F3FB-1D4F-8CA1-574E5C5A021C}"/>
               </a:ext>
             </a:extLst>
           </p:cNvPr>
@@ -13575,7 +18254,7 @@
           <p:cNvPr id="21" name="Grafik 20">
             <a:extLst>
               <a:ext uri="{FF2B5EF4-FFF2-40B4-BE49-F238E27FC236}">
-                <a16:creationId xmlns:a16="http://schemas.microsoft.com/office/drawing/2014/main" xmlns="" id="{5ACE5D07-54C6-4407-8C9E-551B71135727}"/>
+                <a16:creationId xmlns="" xmlns:a16="http://schemas.microsoft.com/office/drawing/2014/main" id="{5ACE5D07-54C6-4407-8C9E-551B71135727}"/>
               </a:ext>
             </a:extLst>
           </p:cNvPr>
@@ -13610,6 +18289,13 @@
   <p:clrMapOvr>
     <a:masterClrMapping/>
   </p:clrMapOvr>
+  <p:timing>
+    <p:tnLst>
+      <p:par>
+        <p:cTn id="1" dur="indefinite" restart="never" nodeType="tmRoot"/>
+      </p:par>
+    </p:tnLst>
+  </p:timing>
 </p:sld>
 </file>
 
@@ -13643,10 +18329,10 @@
           <p:cNvPr id="19" name="Rectangle 18">
             <a:extLst>
               <a:ext uri="{FF2B5EF4-FFF2-40B4-BE49-F238E27FC236}">
-                <a16:creationId xmlns:a16="http://schemas.microsoft.com/office/drawing/2014/main" xmlns="" id="{8D70B121-56F4-4848-B38B-182089D909FA}"/>
+                <a16:creationId xmlns="" xmlns:a16="http://schemas.microsoft.com/office/drawing/2014/main" id="{8D70B121-56F4-4848-B38B-182089D909FA}"/>
               </a:ext>
               <a:ext uri="{C183D7F6-B498-43B3-948B-1728B52AA6E4}">
-                <adec:decorative xmlns:adec="http://schemas.microsoft.com/office/drawing/2017/decorative" xmlns="" val="1"/>
+                <adec:decorative xmlns="" xmlns:adec="http://schemas.microsoft.com/office/drawing/2017/decorative" val="1"/>
               </a:ext>
             </a:extLst>
           </p:cNvPr>
@@ -13656,7 +18342,7 @@
           <p:nvPr>
             <p:extLst>
               <p:ext uri="{386F3935-93C4-4BCD-93E2-E3B085C9AB24}">
-                <p16:designElem xmlns:p16="http://schemas.microsoft.com/office/powerpoint/2015/main" xmlns="" val="1"/>
+                <p16:designElem xmlns="" xmlns:p16="http://schemas.microsoft.com/office/powerpoint/2015/main" val="1"/>
               </p:ext>
             </p:extLst>
           </p:nvPr>
@@ -13708,7 +18394,7 @@
           <p:cNvPr id="2" name="Titel 1">
             <a:extLst>
               <a:ext uri="{FF2B5EF4-FFF2-40B4-BE49-F238E27FC236}">
-                <a16:creationId xmlns:a16="http://schemas.microsoft.com/office/drawing/2014/main" xmlns="" id="{35BFDC70-A169-E142-B051-5ABC9190E094}"/>
+                <a16:creationId xmlns="" xmlns:a16="http://schemas.microsoft.com/office/drawing/2014/main" id="{35BFDC70-A169-E142-B051-5ABC9190E094}"/>
               </a:ext>
             </a:extLst>
           </p:cNvPr>
@@ -13798,10 +18484,10 @@
           <p:cNvPr id="21" name="Straight Connector 20">
             <a:extLst>
               <a:ext uri="{FF2B5EF4-FFF2-40B4-BE49-F238E27FC236}">
-                <a16:creationId xmlns:a16="http://schemas.microsoft.com/office/drawing/2014/main" xmlns="" id="{2D72A2C9-F3CA-4216-8BAD-FA4C970C3C4E}"/>
+                <a16:creationId xmlns="" xmlns:a16="http://schemas.microsoft.com/office/drawing/2014/main" id="{2D72A2C9-F3CA-4216-8BAD-FA4C970C3C4E}"/>
               </a:ext>
               <a:ext uri="{C183D7F6-B498-43B3-948B-1728B52AA6E4}">
-                <adec:decorative xmlns:adec="http://schemas.microsoft.com/office/drawing/2017/decorative" xmlns="" val="1"/>
+                <adec:decorative xmlns="" xmlns:adec="http://schemas.microsoft.com/office/drawing/2017/decorative" val="1"/>
               </a:ext>
             </a:extLst>
           </p:cNvPr>
@@ -13811,7 +18497,7 @@
           <p:nvPr>
             <p:extLst>
               <p:ext uri="{386F3935-93C4-4BCD-93E2-E3B085C9AB24}">
-                <p16:designElem xmlns:p16="http://schemas.microsoft.com/office/powerpoint/2015/main" xmlns="" val="1"/>
+                <p16:designElem xmlns="" xmlns:p16="http://schemas.microsoft.com/office/powerpoint/2015/main" val="1"/>
               </p:ext>
             </p:extLst>
           </p:nvPr>
@@ -13853,7 +18539,7 @@
           <p:cNvPr id="14" name="Inhaltsplatzhalter 2">
             <a:extLst>
               <a:ext uri="{FF2B5EF4-FFF2-40B4-BE49-F238E27FC236}">
-                <a16:creationId xmlns:a16="http://schemas.microsoft.com/office/drawing/2014/main" xmlns="" id="{53B37B3D-655D-0342-AF1C-93DFDD28CF29}"/>
+                <a16:creationId xmlns="" xmlns:a16="http://schemas.microsoft.com/office/drawing/2014/main" id="{53B37B3D-655D-0342-AF1C-93DFDD28CF29}"/>
               </a:ext>
             </a:extLst>
           </p:cNvPr>
@@ -13944,6 +18630,13 @@
   <p:clrMapOvr>
     <a:masterClrMapping/>
   </p:clrMapOvr>
+  <p:timing>
+    <p:tnLst>
+      <p:par>
+        <p:cTn id="1" dur="indefinite" restart="never" nodeType="tmRoot"/>
+      </p:par>
+    </p:tnLst>
+  </p:timing>
 </p:sld>
 </file>
 
@@ -13977,10 +18670,10 @@
           <p:cNvPr id="19" name="Rectangle 18">
             <a:extLst>
               <a:ext uri="{FF2B5EF4-FFF2-40B4-BE49-F238E27FC236}">
-                <a16:creationId xmlns:a16="http://schemas.microsoft.com/office/drawing/2014/main" xmlns="" id="{8D70B121-56F4-4848-B38B-182089D909FA}"/>
+                <a16:creationId xmlns="" xmlns:a16="http://schemas.microsoft.com/office/drawing/2014/main" id="{8D70B121-56F4-4848-B38B-182089D909FA}"/>
               </a:ext>
               <a:ext uri="{C183D7F6-B498-43B3-948B-1728B52AA6E4}">
-                <adec:decorative xmlns:adec="http://schemas.microsoft.com/office/drawing/2017/decorative" xmlns="" val="1"/>
+                <adec:decorative xmlns="" xmlns:adec="http://schemas.microsoft.com/office/drawing/2017/decorative" val="1"/>
               </a:ext>
             </a:extLst>
           </p:cNvPr>
@@ -13990,7 +18683,7 @@
           <p:nvPr>
             <p:extLst>
               <p:ext uri="{386F3935-93C4-4BCD-93E2-E3B085C9AB24}">
-                <p16:designElem xmlns:p16="http://schemas.microsoft.com/office/powerpoint/2015/main" xmlns="" val="1"/>
+                <p16:designElem xmlns="" xmlns:p16="http://schemas.microsoft.com/office/powerpoint/2015/main" val="1"/>
               </p:ext>
             </p:extLst>
           </p:nvPr>
@@ -14042,10 +18735,10 @@
           <p:cNvPr id="21" name="Straight Connector 20">
             <a:extLst>
               <a:ext uri="{FF2B5EF4-FFF2-40B4-BE49-F238E27FC236}">
-                <a16:creationId xmlns:a16="http://schemas.microsoft.com/office/drawing/2014/main" xmlns="" id="{2D72A2C9-F3CA-4216-8BAD-FA4C970C3C4E}"/>
+                <a16:creationId xmlns="" xmlns:a16="http://schemas.microsoft.com/office/drawing/2014/main" id="{2D72A2C9-F3CA-4216-8BAD-FA4C970C3C4E}"/>
               </a:ext>
               <a:ext uri="{C183D7F6-B498-43B3-948B-1728B52AA6E4}">
-                <adec:decorative xmlns:adec="http://schemas.microsoft.com/office/drawing/2017/decorative" xmlns="" val="1"/>
+                <adec:decorative xmlns="" xmlns:adec="http://schemas.microsoft.com/office/drawing/2017/decorative" val="1"/>
               </a:ext>
             </a:extLst>
           </p:cNvPr>
@@ -14055,7 +18748,7 @@
           <p:nvPr>
             <p:extLst>
               <p:ext uri="{386F3935-93C4-4BCD-93E2-E3B085C9AB24}">
-                <p16:designElem xmlns:p16="http://schemas.microsoft.com/office/powerpoint/2015/main" xmlns="" val="1"/>
+                <p16:designElem xmlns="" xmlns:p16="http://schemas.microsoft.com/office/powerpoint/2015/main" val="1"/>
               </p:ext>
             </p:extLst>
           </p:nvPr>
@@ -14097,7 +18790,7 @@
           <p:cNvPr id="14" name="Inhaltsplatzhalter 2">
             <a:extLst>
               <a:ext uri="{FF2B5EF4-FFF2-40B4-BE49-F238E27FC236}">
-                <a16:creationId xmlns:a16="http://schemas.microsoft.com/office/drawing/2014/main" xmlns="" id="{53B37B3D-655D-0342-AF1C-93DFDD28CF29}"/>
+                <a16:creationId xmlns="" xmlns:a16="http://schemas.microsoft.com/office/drawing/2014/main" id="{53B37B3D-655D-0342-AF1C-93DFDD28CF29}"/>
               </a:ext>
             </a:extLst>
           </p:cNvPr>
@@ -14311,7 +19004,7 @@
           <p:cNvPr id="20" name="Gruppieren 19">
             <a:extLst>
               <a:ext uri="{FF2B5EF4-FFF2-40B4-BE49-F238E27FC236}">
-                <a16:creationId xmlns:a16="http://schemas.microsoft.com/office/drawing/2014/main" xmlns="" id="{50ECC846-FE00-5642-8853-EEE6E8A01659}"/>
+                <a16:creationId xmlns="" xmlns:a16="http://schemas.microsoft.com/office/drawing/2014/main" id="{50ECC846-FE00-5642-8853-EEE6E8A01659}"/>
               </a:ext>
             </a:extLst>
           </p:cNvPr>
@@ -14331,7 +19024,7 @@
             <p:cNvPr id="22" name="Grafik 21">
               <a:extLst>
                 <a:ext uri="{FF2B5EF4-FFF2-40B4-BE49-F238E27FC236}">
-                  <a16:creationId xmlns:a16="http://schemas.microsoft.com/office/drawing/2014/main" xmlns="" id="{4E6774A5-9359-5A4C-9D07-47945BA0A9B3}"/>
+                  <a16:creationId xmlns="" xmlns:a16="http://schemas.microsoft.com/office/drawing/2014/main" id="{4E6774A5-9359-5A4C-9D07-47945BA0A9B3}"/>
                 </a:ext>
               </a:extLst>
             </p:cNvPr>
@@ -14361,7 +19054,7 @@
             <p:cNvPr id="23" name="Dreieck 22">
               <a:extLst>
                 <a:ext uri="{FF2B5EF4-FFF2-40B4-BE49-F238E27FC236}">
-                  <a16:creationId xmlns:a16="http://schemas.microsoft.com/office/drawing/2014/main" xmlns="" id="{C58FCFF5-FFE5-1240-AE4D-8FE755FB7696}"/>
+                  <a16:creationId xmlns="" xmlns:a16="http://schemas.microsoft.com/office/drawing/2014/main" id="{C58FCFF5-FFE5-1240-AE4D-8FE755FB7696}"/>
                 </a:ext>
               </a:extLst>
             </p:cNvPr>
@@ -14407,7 +19100,7 @@
             <p:cNvPr id="24" name="Dreieck 23">
               <a:extLst>
                 <a:ext uri="{FF2B5EF4-FFF2-40B4-BE49-F238E27FC236}">
-                  <a16:creationId xmlns:a16="http://schemas.microsoft.com/office/drawing/2014/main" xmlns="" id="{45F58FCA-1036-9842-AC1B-581E8445154F}"/>
+                  <a16:creationId xmlns="" xmlns:a16="http://schemas.microsoft.com/office/drawing/2014/main" id="{45F58FCA-1036-9842-AC1B-581E8445154F}"/>
                 </a:ext>
               </a:extLst>
             </p:cNvPr>
@@ -14453,7 +19146,7 @@
             <p:cNvPr id="25" name="Dreieck 24">
               <a:extLst>
                 <a:ext uri="{FF2B5EF4-FFF2-40B4-BE49-F238E27FC236}">
-                  <a16:creationId xmlns:a16="http://schemas.microsoft.com/office/drawing/2014/main" xmlns="" id="{F32A8848-A721-984F-933E-9E9622B747AD}"/>
+                  <a16:creationId xmlns="" xmlns:a16="http://schemas.microsoft.com/office/drawing/2014/main" id="{F32A8848-A721-984F-933E-9E9622B747AD}"/>
                 </a:ext>
               </a:extLst>
             </p:cNvPr>
@@ -14499,7 +19192,7 @@
             <p:cNvPr id="26" name="Dreieck 25">
               <a:extLst>
                 <a:ext uri="{FF2B5EF4-FFF2-40B4-BE49-F238E27FC236}">
-                  <a16:creationId xmlns:a16="http://schemas.microsoft.com/office/drawing/2014/main" xmlns="" id="{80771BCA-609E-164A-B463-F6A1D4A2CEAE}"/>
+                  <a16:creationId xmlns="" xmlns:a16="http://schemas.microsoft.com/office/drawing/2014/main" id="{80771BCA-609E-164A-B463-F6A1D4A2CEAE}"/>
                 </a:ext>
               </a:extLst>
             </p:cNvPr>
@@ -14545,7 +19238,7 @@
             <p:cNvPr id="27" name="Dreieck 26">
               <a:extLst>
                 <a:ext uri="{FF2B5EF4-FFF2-40B4-BE49-F238E27FC236}">
-                  <a16:creationId xmlns:a16="http://schemas.microsoft.com/office/drawing/2014/main" xmlns="" id="{D74FB55B-722F-AF4E-B788-08B063B85B99}"/>
+                  <a16:creationId xmlns="" xmlns:a16="http://schemas.microsoft.com/office/drawing/2014/main" id="{D74FB55B-722F-AF4E-B788-08B063B85B99}"/>
                 </a:ext>
               </a:extLst>
             </p:cNvPr>
@@ -14591,7 +19284,7 @@
             <p:cNvPr id="28" name="Dreieck 27">
               <a:extLst>
                 <a:ext uri="{FF2B5EF4-FFF2-40B4-BE49-F238E27FC236}">
-                  <a16:creationId xmlns:a16="http://schemas.microsoft.com/office/drawing/2014/main" xmlns="" id="{E28615C0-4C02-CA41-ABCF-97C87E10A370}"/>
+                  <a16:creationId xmlns="" xmlns:a16="http://schemas.microsoft.com/office/drawing/2014/main" id="{E28615C0-4C02-CA41-ABCF-97C87E10A370}"/>
                 </a:ext>
               </a:extLst>
             </p:cNvPr>
@@ -14637,7 +19330,7 @@
             <p:cNvPr id="29" name="Dreieck 28">
               <a:extLst>
                 <a:ext uri="{FF2B5EF4-FFF2-40B4-BE49-F238E27FC236}">
-                  <a16:creationId xmlns:a16="http://schemas.microsoft.com/office/drawing/2014/main" xmlns="" id="{FBA1CE75-BDA7-5541-B332-841CA5A0F3D8}"/>
+                  <a16:creationId xmlns="" xmlns:a16="http://schemas.microsoft.com/office/drawing/2014/main" id="{FBA1CE75-BDA7-5541-B332-841CA5A0F3D8}"/>
                 </a:ext>
               </a:extLst>
             </p:cNvPr>
@@ -14683,7 +19376,7 @@
             <p:cNvPr id="30" name="Dreieck 29">
               <a:extLst>
                 <a:ext uri="{FF2B5EF4-FFF2-40B4-BE49-F238E27FC236}">
-                  <a16:creationId xmlns:a16="http://schemas.microsoft.com/office/drawing/2014/main" xmlns="" id="{54C42A26-F415-894B-B37F-08315630F5A1}"/>
+                  <a16:creationId xmlns="" xmlns:a16="http://schemas.microsoft.com/office/drawing/2014/main" id="{54C42A26-F415-894B-B37F-08315630F5A1}"/>
                 </a:ext>
               </a:extLst>
             </p:cNvPr>
@@ -14735,6 +19428,13 @@
   <p:clrMapOvr>
     <a:masterClrMapping/>
   </p:clrMapOvr>
+  <p:timing>
+    <p:tnLst>
+      <p:par>
+        <p:cTn id="1" dur="indefinite" restart="never" nodeType="tmRoot"/>
+      </p:par>
+    </p:tnLst>
+  </p:timing>
 </p:sld>
 </file>
 
@@ -14768,10 +19468,10 @@
           <p:cNvPr id="8" name="Rectangle 7">
             <a:extLst>
               <a:ext uri="{FF2B5EF4-FFF2-40B4-BE49-F238E27FC236}">
-                <a16:creationId xmlns:a16="http://schemas.microsoft.com/office/drawing/2014/main" xmlns="" id="{8D70B121-56F4-4848-B38B-182089D909FA}"/>
+                <a16:creationId xmlns="" xmlns:a16="http://schemas.microsoft.com/office/drawing/2014/main" id="{8D70B121-56F4-4848-B38B-182089D909FA}"/>
               </a:ext>
               <a:ext uri="{C183D7F6-B498-43B3-948B-1728B52AA6E4}">
-                <adec:decorative xmlns:adec="http://schemas.microsoft.com/office/drawing/2017/decorative" xmlns="" val="1"/>
+                <adec:decorative xmlns="" xmlns:adec="http://schemas.microsoft.com/office/drawing/2017/decorative" val="1"/>
               </a:ext>
             </a:extLst>
           </p:cNvPr>
@@ -14781,7 +19481,7 @@
           <p:nvPr>
             <p:extLst>
               <p:ext uri="{386F3935-93C4-4BCD-93E2-E3B085C9AB24}">
-                <p16:designElem xmlns:p16="http://schemas.microsoft.com/office/powerpoint/2015/main" xmlns="" val="1"/>
+                <p16:designElem xmlns="" xmlns:p16="http://schemas.microsoft.com/office/powerpoint/2015/main" val="1"/>
               </p:ext>
             </p:extLst>
           </p:nvPr>
@@ -14833,7 +19533,7 @@
           <p:cNvPr id="2" name="Titel 1">
             <a:extLst>
               <a:ext uri="{FF2B5EF4-FFF2-40B4-BE49-F238E27FC236}">
-                <a16:creationId xmlns:a16="http://schemas.microsoft.com/office/drawing/2014/main" xmlns="" id="{0B5D0F8F-C92F-BC46-ACC4-7A21698DD272}"/>
+                <a16:creationId xmlns="" xmlns:a16="http://schemas.microsoft.com/office/drawing/2014/main" id="{0B5D0F8F-C92F-BC46-ACC4-7A21698DD272}"/>
               </a:ext>
             </a:extLst>
           </p:cNvPr>
@@ -14873,10 +19573,10 @@
           <p:cNvPr id="10" name="Straight Connector 9">
             <a:extLst>
               <a:ext uri="{FF2B5EF4-FFF2-40B4-BE49-F238E27FC236}">
-                <a16:creationId xmlns:a16="http://schemas.microsoft.com/office/drawing/2014/main" xmlns="" id="{2D72A2C9-F3CA-4216-8BAD-FA4C970C3C4E}"/>
+                <a16:creationId xmlns="" xmlns:a16="http://schemas.microsoft.com/office/drawing/2014/main" id="{2D72A2C9-F3CA-4216-8BAD-FA4C970C3C4E}"/>
               </a:ext>
               <a:ext uri="{C183D7F6-B498-43B3-948B-1728B52AA6E4}">
-                <adec:decorative xmlns:adec="http://schemas.microsoft.com/office/drawing/2017/decorative" xmlns="" val="1"/>
+                <adec:decorative xmlns="" xmlns:adec="http://schemas.microsoft.com/office/drawing/2017/decorative" val="1"/>
               </a:ext>
             </a:extLst>
           </p:cNvPr>
@@ -14886,7 +19586,7 @@
           <p:nvPr>
             <p:extLst>
               <p:ext uri="{386F3935-93C4-4BCD-93E2-E3B085C9AB24}">
-                <p16:designElem xmlns:p16="http://schemas.microsoft.com/office/powerpoint/2015/main" xmlns="" val="1"/>
+                <p16:designElem xmlns="" xmlns:p16="http://schemas.microsoft.com/office/powerpoint/2015/main" val="1"/>
               </p:ext>
             </p:extLst>
           </p:nvPr>
@@ -14928,7 +19628,7 @@
           <p:cNvPr id="3" name="Inhaltsplatzhalter 2">
             <a:extLst>
               <a:ext uri="{FF2B5EF4-FFF2-40B4-BE49-F238E27FC236}">
-                <a16:creationId xmlns:a16="http://schemas.microsoft.com/office/drawing/2014/main" xmlns="" id="{692C889E-3E0C-9E40-9512-4230892B2B42}"/>
+                <a16:creationId xmlns="" xmlns:a16="http://schemas.microsoft.com/office/drawing/2014/main" id="{692C889E-3E0C-9E40-9512-4230892B2B42}"/>
               </a:ext>
             </a:extLst>
           </p:cNvPr>
@@ -14990,6 +19690,13 @@
   <p:clrMapOvr>
     <a:masterClrMapping/>
   </p:clrMapOvr>
+  <p:timing>
+    <p:tnLst>
+      <p:par>
+        <p:cTn id="1" dur="indefinite" restart="never" nodeType="tmRoot"/>
+      </p:par>
+    </p:tnLst>
+  </p:timing>
 </p:sld>
 </file>
 

--- a/Praktikum_6/Abgabe 6.pptx
+++ b/Praktikum_6/Abgabe 6.pptx
@@ -3114,7 +3114,7 @@
           <p:cNvPr id="2" name="Titel 1">
             <a:extLst>
               <a:ext uri="{FF2B5EF4-FFF2-40B4-BE49-F238E27FC236}">
-                <a16:creationId xmlns="" xmlns:a16="http://schemas.microsoft.com/office/drawing/2014/main" id="{9729E139-B9C1-1343-8D77-54875F0E38E2}"/>
+                <a16:creationId xmlns:a16="http://schemas.microsoft.com/office/drawing/2014/main" xmlns="" id="{9729E139-B9C1-1343-8D77-54875F0E38E2}"/>
               </a:ext>
             </a:extLst>
           </p:cNvPr>
@@ -3151,7 +3151,7 @@
           <p:cNvPr id="3" name="Untertitel 2">
             <a:extLst>
               <a:ext uri="{FF2B5EF4-FFF2-40B4-BE49-F238E27FC236}">
-                <a16:creationId xmlns="" xmlns:a16="http://schemas.microsoft.com/office/drawing/2014/main" id="{CD0DC60B-5925-7245-9AD4-70DD2088C669}"/>
+                <a16:creationId xmlns:a16="http://schemas.microsoft.com/office/drawing/2014/main" xmlns="" id="{CD0DC60B-5925-7245-9AD4-70DD2088C669}"/>
               </a:ext>
             </a:extLst>
           </p:cNvPr>
@@ -3221,7 +3221,7 @@
           <p:cNvPr id="4" name="Datumsplatzhalter 3">
             <a:extLst>
               <a:ext uri="{FF2B5EF4-FFF2-40B4-BE49-F238E27FC236}">
-                <a16:creationId xmlns="" xmlns:a16="http://schemas.microsoft.com/office/drawing/2014/main" id="{48071E95-2AB9-EB43-8B4E-ECA6DA6E4AD5}"/>
+                <a16:creationId xmlns:a16="http://schemas.microsoft.com/office/drawing/2014/main" xmlns="" id="{48071E95-2AB9-EB43-8B4E-ECA6DA6E4AD5}"/>
               </a:ext>
             </a:extLst>
           </p:cNvPr>
@@ -3250,7 +3250,7 @@
           <p:cNvPr id="5" name="Fußzeilenplatzhalter 4">
             <a:extLst>
               <a:ext uri="{FF2B5EF4-FFF2-40B4-BE49-F238E27FC236}">
-                <a16:creationId xmlns="" xmlns:a16="http://schemas.microsoft.com/office/drawing/2014/main" id="{F1BDF94A-7043-F94B-A957-905DCDFD9521}"/>
+                <a16:creationId xmlns:a16="http://schemas.microsoft.com/office/drawing/2014/main" xmlns="" id="{F1BDF94A-7043-F94B-A957-905DCDFD9521}"/>
               </a:ext>
             </a:extLst>
           </p:cNvPr>
@@ -3275,7 +3275,7 @@
           <p:cNvPr id="6" name="Foliennummernplatzhalter 5">
             <a:extLst>
               <a:ext uri="{FF2B5EF4-FFF2-40B4-BE49-F238E27FC236}">
-                <a16:creationId xmlns="" xmlns:a16="http://schemas.microsoft.com/office/drawing/2014/main" id="{32A861AE-5302-CD4F-9C7C-2BFEE23DBE0B}"/>
+                <a16:creationId xmlns:a16="http://schemas.microsoft.com/office/drawing/2014/main" xmlns="" id="{32A861AE-5302-CD4F-9C7C-2BFEE23DBE0B}"/>
               </a:ext>
             </a:extLst>
           </p:cNvPr>
@@ -3334,7 +3334,7 @@
           <p:cNvPr id="2" name="Titel 1">
             <a:extLst>
               <a:ext uri="{FF2B5EF4-FFF2-40B4-BE49-F238E27FC236}">
-                <a16:creationId xmlns="" xmlns:a16="http://schemas.microsoft.com/office/drawing/2014/main" id="{63E0E303-0843-9E43-B4FE-B741D51AF29D}"/>
+                <a16:creationId xmlns:a16="http://schemas.microsoft.com/office/drawing/2014/main" xmlns="" id="{63E0E303-0843-9E43-B4FE-B741D51AF29D}"/>
               </a:ext>
             </a:extLst>
           </p:cNvPr>
@@ -3362,7 +3362,7 @@
           <p:cNvPr id="3" name="Vertikaler Textplatzhalter 2">
             <a:extLst>
               <a:ext uri="{FF2B5EF4-FFF2-40B4-BE49-F238E27FC236}">
-                <a16:creationId xmlns="" xmlns:a16="http://schemas.microsoft.com/office/drawing/2014/main" id="{E389E2A2-C12F-4044-8208-9AC0B7DA7698}"/>
+                <a16:creationId xmlns:a16="http://schemas.microsoft.com/office/drawing/2014/main" xmlns="" id="{E389E2A2-C12F-4044-8208-9AC0B7DA7698}"/>
               </a:ext>
             </a:extLst>
           </p:cNvPr>
@@ -3394,7 +3394,7 @@
           <p:cNvPr id="4" name="Datumsplatzhalter 3">
             <a:extLst>
               <a:ext uri="{FF2B5EF4-FFF2-40B4-BE49-F238E27FC236}">
-                <a16:creationId xmlns="" xmlns:a16="http://schemas.microsoft.com/office/drawing/2014/main" id="{D51E15B6-E46A-6E41-87EF-FB1CB3BE30B6}"/>
+                <a16:creationId xmlns:a16="http://schemas.microsoft.com/office/drawing/2014/main" xmlns="" id="{D51E15B6-E46A-6E41-87EF-FB1CB3BE30B6}"/>
               </a:ext>
             </a:extLst>
           </p:cNvPr>
@@ -3423,7 +3423,7 @@
           <p:cNvPr id="5" name="Fußzeilenplatzhalter 4">
             <a:extLst>
               <a:ext uri="{FF2B5EF4-FFF2-40B4-BE49-F238E27FC236}">
-                <a16:creationId xmlns="" xmlns:a16="http://schemas.microsoft.com/office/drawing/2014/main" id="{0B5FA6FB-9899-E140-BC17-76C683560149}"/>
+                <a16:creationId xmlns:a16="http://schemas.microsoft.com/office/drawing/2014/main" xmlns="" id="{0B5FA6FB-9899-E140-BC17-76C683560149}"/>
               </a:ext>
             </a:extLst>
           </p:cNvPr>
@@ -3448,7 +3448,7 @@
           <p:cNvPr id="6" name="Foliennummernplatzhalter 5">
             <a:extLst>
               <a:ext uri="{FF2B5EF4-FFF2-40B4-BE49-F238E27FC236}">
-                <a16:creationId xmlns="" xmlns:a16="http://schemas.microsoft.com/office/drawing/2014/main" id="{C0350015-ADC1-E74B-8051-43AB5C8B14FC}"/>
+                <a16:creationId xmlns:a16="http://schemas.microsoft.com/office/drawing/2014/main" xmlns="" id="{C0350015-ADC1-E74B-8051-43AB5C8B14FC}"/>
               </a:ext>
             </a:extLst>
           </p:cNvPr>
@@ -3507,7 +3507,7 @@
           <p:cNvPr id="2" name="Vertikaler Titel 1">
             <a:extLst>
               <a:ext uri="{FF2B5EF4-FFF2-40B4-BE49-F238E27FC236}">
-                <a16:creationId xmlns="" xmlns:a16="http://schemas.microsoft.com/office/drawing/2014/main" id="{CD5514F9-5F1A-1849-BD9D-42DE2B7A8602}"/>
+                <a16:creationId xmlns:a16="http://schemas.microsoft.com/office/drawing/2014/main" xmlns="" id="{CD5514F9-5F1A-1849-BD9D-42DE2B7A8602}"/>
               </a:ext>
             </a:extLst>
           </p:cNvPr>
@@ -3540,7 +3540,7 @@
           <p:cNvPr id="3" name="Vertikaler Textplatzhalter 2">
             <a:extLst>
               <a:ext uri="{FF2B5EF4-FFF2-40B4-BE49-F238E27FC236}">
-                <a16:creationId xmlns="" xmlns:a16="http://schemas.microsoft.com/office/drawing/2014/main" id="{3BF2A873-5EA8-CB4C-AE0C-2BA2237C50DB}"/>
+                <a16:creationId xmlns:a16="http://schemas.microsoft.com/office/drawing/2014/main" xmlns="" id="{3BF2A873-5EA8-CB4C-AE0C-2BA2237C50DB}"/>
               </a:ext>
             </a:extLst>
           </p:cNvPr>
@@ -3577,7 +3577,7 @@
           <p:cNvPr id="4" name="Datumsplatzhalter 3">
             <a:extLst>
               <a:ext uri="{FF2B5EF4-FFF2-40B4-BE49-F238E27FC236}">
-                <a16:creationId xmlns="" xmlns:a16="http://schemas.microsoft.com/office/drawing/2014/main" id="{7CF35C86-7F7F-7D4A-9E5E-691310FDB770}"/>
+                <a16:creationId xmlns:a16="http://schemas.microsoft.com/office/drawing/2014/main" xmlns="" id="{7CF35C86-7F7F-7D4A-9E5E-691310FDB770}"/>
               </a:ext>
             </a:extLst>
           </p:cNvPr>
@@ -3606,7 +3606,7 @@
           <p:cNvPr id="5" name="Fußzeilenplatzhalter 4">
             <a:extLst>
               <a:ext uri="{FF2B5EF4-FFF2-40B4-BE49-F238E27FC236}">
-                <a16:creationId xmlns="" xmlns:a16="http://schemas.microsoft.com/office/drawing/2014/main" id="{3F495B2B-E913-4740-9EBA-30653E27DE50}"/>
+                <a16:creationId xmlns:a16="http://schemas.microsoft.com/office/drawing/2014/main" xmlns="" id="{3F495B2B-E913-4740-9EBA-30653E27DE50}"/>
               </a:ext>
             </a:extLst>
           </p:cNvPr>
@@ -3631,7 +3631,7 @@
           <p:cNvPr id="6" name="Foliennummernplatzhalter 5">
             <a:extLst>
               <a:ext uri="{FF2B5EF4-FFF2-40B4-BE49-F238E27FC236}">
-                <a16:creationId xmlns="" xmlns:a16="http://schemas.microsoft.com/office/drawing/2014/main" id="{1B917D15-5200-3A4B-932D-A97B10281BDC}"/>
+                <a16:creationId xmlns:a16="http://schemas.microsoft.com/office/drawing/2014/main" xmlns="" id="{1B917D15-5200-3A4B-932D-A97B10281BDC}"/>
               </a:ext>
             </a:extLst>
           </p:cNvPr>
@@ -3690,7 +3690,7 @@
           <p:cNvPr id="2" name="Titel 1">
             <a:extLst>
               <a:ext uri="{FF2B5EF4-FFF2-40B4-BE49-F238E27FC236}">
-                <a16:creationId xmlns="" xmlns:a16="http://schemas.microsoft.com/office/drawing/2014/main" id="{D905D12F-79BE-CD41-9F97-DD37C1750845}"/>
+                <a16:creationId xmlns:a16="http://schemas.microsoft.com/office/drawing/2014/main" xmlns="" id="{D905D12F-79BE-CD41-9F97-DD37C1750845}"/>
               </a:ext>
             </a:extLst>
           </p:cNvPr>
@@ -3718,7 +3718,7 @@
           <p:cNvPr id="3" name="Inhaltsplatzhalter 2">
             <a:extLst>
               <a:ext uri="{FF2B5EF4-FFF2-40B4-BE49-F238E27FC236}">
-                <a16:creationId xmlns="" xmlns:a16="http://schemas.microsoft.com/office/drawing/2014/main" id="{D8957224-0D0D-7746-BCBD-E4F8208E8E10}"/>
+                <a16:creationId xmlns:a16="http://schemas.microsoft.com/office/drawing/2014/main" xmlns="" id="{D8957224-0D0D-7746-BCBD-E4F8208E8E10}"/>
               </a:ext>
             </a:extLst>
           </p:cNvPr>
@@ -3750,7 +3750,7 @@
           <p:cNvPr id="4" name="Datumsplatzhalter 3">
             <a:extLst>
               <a:ext uri="{FF2B5EF4-FFF2-40B4-BE49-F238E27FC236}">
-                <a16:creationId xmlns="" xmlns:a16="http://schemas.microsoft.com/office/drawing/2014/main" id="{0B4E4D52-5024-2A4E-8037-AED189B9E264}"/>
+                <a16:creationId xmlns:a16="http://schemas.microsoft.com/office/drawing/2014/main" xmlns="" id="{0B4E4D52-5024-2A4E-8037-AED189B9E264}"/>
               </a:ext>
             </a:extLst>
           </p:cNvPr>
@@ -3779,7 +3779,7 @@
           <p:cNvPr id="5" name="Fußzeilenplatzhalter 4">
             <a:extLst>
               <a:ext uri="{FF2B5EF4-FFF2-40B4-BE49-F238E27FC236}">
-                <a16:creationId xmlns="" xmlns:a16="http://schemas.microsoft.com/office/drawing/2014/main" id="{12897E99-FDA3-BF4B-86A3-95486763DDF9}"/>
+                <a16:creationId xmlns:a16="http://schemas.microsoft.com/office/drawing/2014/main" xmlns="" id="{12897E99-FDA3-BF4B-86A3-95486763DDF9}"/>
               </a:ext>
             </a:extLst>
           </p:cNvPr>
@@ -3804,7 +3804,7 @@
           <p:cNvPr id="6" name="Foliennummernplatzhalter 5">
             <a:extLst>
               <a:ext uri="{FF2B5EF4-FFF2-40B4-BE49-F238E27FC236}">
-                <a16:creationId xmlns="" xmlns:a16="http://schemas.microsoft.com/office/drawing/2014/main" id="{EE1AA7CD-B421-C740-8D36-D478D7689E50}"/>
+                <a16:creationId xmlns:a16="http://schemas.microsoft.com/office/drawing/2014/main" xmlns="" id="{EE1AA7CD-B421-C740-8D36-D478D7689E50}"/>
               </a:ext>
             </a:extLst>
           </p:cNvPr>
@@ -3863,7 +3863,7 @@
           <p:cNvPr id="2" name="Titel 1">
             <a:extLst>
               <a:ext uri="{FF2B5EF4-FFF2-40B4-BE49-F238E27FC236}">
-                <a16:creationId xmlns="" xmlns:a16="http://schemas.microsoft.com/office/drawing/2014/main" id="{0A061298-7A62-2F4C-B6A3-0A8BB714DFA3}"/>
+                <a16:creationId xmlns:a16="http://schemas.microsoft.com/office/drawing/2014/main" xmlns="" id="{0A061298-7A62-2F4C-B6A3-0A8BB714DFA3}"/>
               </a:ext>
             </a:extLst>
           </p:cNvPr>
@@ -3900,7 +3900,7 @@
           <p:cNvPr id="3" name="Textplatzhalter 2">
             <a:extLst>
               <a:ext uri="{FF2B5EF4-FFF2-40B4-BE49-F238E27FC236}">
-                <a16:creationId xmlns="" xmlns:a16="http://schemas.microsoft.com/office/drawing/2014/main" id="{EF880BAB-4A8A-F247-B79A-5FB85578A25C}"/>
+                <a16:creationId xmlns:a16="http://schemas.microsoft.com/office/drawing/2014/main" xmlns="" id="{EF880BAB-4A8A-F247-B79A-5FB85578A25C}"/>
               </a:ext>
             </a:extLst>
           </p:cNvPr>
@@ -4028,7 +4028,7 @@
           <p:cNvPr id="4" name="Datumsplatzhalter 3">
             <a:extLst>
               <a:ext uri="{FF2B5EF4-FFF2-40B4-BE49-F238E27FC236}">
-                <a16:creationId xmlns="" xmlns:a16="http://schemas.microsoft.com/office/drawing/2014/main" id="{5C1CF969-A856-B443-84E7-5170F0482FB6}"/>
+                <a16:creationId xmlns:a16="http://schemas.microsoft.com/office/drawing/2014/main" xmlns="" id="{5C1CF969-A856-B443-84E7-5170F0482FB6}"/>
               </a:ext>
             </a:extLst>
           </p:cNvPr>
@@ -4057,7 +4057,7 @@
           <p:cNvPr id="5" name="Fußzeilenplatzhalter 4">
             <a:extLst>
               <a:ext uri="{FF2B5EF4-FFF2-40B4-BE49-F238E27FC236}">
-                <a16:creationId xmlns="" xmlns:a16="http://schemas.microsoft.com/office/drawing/2014/main" id="{A8270CB1-A61B-984D-BC84-AC4F045BD50C}"/>
+                <a16:creationId xmlns:a16="http://schemas.microsoft.com/office/drawing/2014/main" xmlns="" id="{A8270CB1-A61B-984D-BC84-AC4F045BD50C}"/>
               </a:ext>
             </a:extLst>
           </p:cNvPr>
@@ -4082,7 +4082,7 @@
           <p:cNvPr id="6" name="Foliennummernplatzhalter 5">
             <a:extLst>
               <a:ext uri="{FF2B5EF4-FFF2-40B4-BE49-F238E27FC236}">
-                <a16:creationId xmlns="" xmlns:a16="http://schemas.microsoft.com/office/drawing/2014/main" id="{FCECD375-628F-DA42-A831-7F718D0EB176}"/>
+                <a16:creationId xmlns:a16="http://schemas.microsoft.com/office/drawing/2014/main" xmlns="" id="{FCECD375-628F-DA42-A831-7F718D0EB176}"/>
               </a:ext>
             </a:extLst>
           </p:cNvPr>
@@ -4141,7 +4141,7 @@
           <p:cNvPr id="2" name="Titel 1">
             <a:extLst>
               <a:ext uri="{FF2B5EF4-FFF2-40B4-BE49-F238E27FC236}">
-                <a16:creationId xmlns="" xmlns:a16="http://schemas.microsoft.com/office/drawing/2014/main" id="{80E4E4B0-260E-644D-B091-8D4ECF7CC9B0}"/>
+                <a16:creationId xmlns:a16="http://schemas.microsoft.com/office/drawing/2014/main" xmlns="" id="{80E4E4B0-260E-644D-B091-8D4ECF7CC9B0}"/>
               </a:ext>
             </a:extLst>
           </p:cNvPr>
@@ -4169,7 +4169,7 @@
           <p:cNvPr id="3" name="Inhaltsplatzhalter 2">
             <a:extLst>
               <a:ext uri="{FF2B5EF4-FFF2-40B4-BE49-F238E27FC236}">
-                <a16:creationId xmlns="" xmlns:a16="http://schemas.microsoft.com/office/drawing/2014/main" id="{61D23B07-CED5-CA4E-87AD-D2D5FACA2F01}"/>
+                <a16:creationId xmlns:a16="http://schemas.microsoft.com/office/drawing/2014/main" xmlns="" id="{61D23B07-CED5-CA4E-87AD-D2D5FACA2F01}"/>
               </a:ext>
             </a:extLst>
           </p:cNvPr>
@@ -4206,7 +4206,7 @@
           <p:cNvPr id="4" name="Inhaltsplatzhalter 3">
             <a:extLst>
               <a:ext uri="{FF2B5EF4-FFF2-40B4-BE49-F238E27FC236}">
-                <a16:creationId xmlns="" xmlns:a16="http://schemas.microsoft.com/office/drawing/2014/main" id="{EC933EF0-6705-964F-A423-C4CD1C51F0E3}"/>
+                <a16:creationId xmlns:a16="http://schemas.microsoft.com/office/drawing/2014/main" xmlns="" id="{EC933EF0-6705-964F-A423-C4CD1C51F0E3}"/>
               </a:ext>
             </a:extLst>
           </p:cNvPr>
@@ -4243,7 +4243,7 @@
           <p:cNvPr id="5" name="Datumsplatzhalter 4">
             <a:extLst>
               <a:ext uri="{FF2B5EF4-FFF2-40B4-BE49-F238E27FC236}">
-                <a16:creationId xmlns="" xmlns:a16="http://schemas.microsoft.com/office/drawing/2014/main" id="{4007FD09-99BE-0B4F-877F-711C21654352}"/>
+                <a16:creationId xmlns:a16="http://schemas.microsoft.com/office/drawing/2014/main" xmlns="" id="{4007FD09-99BE-0B4F-877F-711C21654352}"/>
               </a:ext>
             </a:extLst>
           </p:cNvPr>
@@ -4272,7 +4272,7 @@
           <p:cNvPr id="6" name="Fußzeilenplatzhalter 5">
             <a:extLst>
               <a:ext uri="{FF2B5EF4-FFF2-40B4-BE49-F238E27FC236}">
-                <a16:creationId xmlns="" xmlns:a16="http://schemas.microsoft.com/office/drawing/2014/main" id="{25A4E2E0-2F8B-664C-A019-87A33C679F04}"/>
+                <a16:creationId xmlns:a16="http://schemas.microsoft.com/office/drawing/2014/main" xmlns="" id="{25A4E2E0-2F8B-664C-A019-87A33C679F04}"/>
               </a:ext>
             </a:extLst>
           </p:cNvPr>
@@ -4297,7 +4297,7 @@
           <p:cNvPr id="7" name="Foliennummernplatzhalter 6">
             <a:extLst>
               <a:ext uri="{FF2B5EF4-FFF2-40B4-BE49-F238E27FC236}">
-                <a16:creationId xmlns="" xmlns:a16="http://schemas.microsoft.com/office/drawing/2014/main" id="{A5C35ABB-E1A2-344E-A2AE-FB7DB3DB6E4D}"/>
+                <a16:creationId xmlns:a16="http://schemas.microsoft.com/office/drawing/2014/main" xmlns="" id="{A5C35ABB-E1A2-344E-A2AE-FB7DB3DB6E4D}"/>
               </a:ext>
             </a:extLst>
           </p:cNvPr>
@@ -4356,7 +4356,7 @@
           <p:cNvPr id="2" name="Titel 1">
             <a:extLst>
               <a:ext uri="{FF2B5EF4-FFF2-40B4-BE49-F238E27FC236}">
-                <a16:creationId xmlns="" xmlns:a16="http://schemas.microsoft.com/office/drawing/2014/main" id="{90A92756-B025-954F-BB8C-31EAF4F45171}"/>
+                <a16:creationId xmlns:a16="http://schemas.microsoft.com/office/drawing/2014/main" xmlns="" id="{90A92756-B025-954F-BB8C-31EAF4F45171}"/>
               </a:ext>
             </a:extLst>
           </p:cNvPr>
@@ -4389,7 +4389,7 @@
           <p:cNvPr id="3" name="Textplatzhalter 2">
             <a:extLst>
               <a:ext uri="{FF2B5EF4-FFF2-40B4-BE49-F238E27FC236}">
-                <a16:creationId xmlns="" xmlns:a16="http://schemas.microsoft.com/office/drawing/2014/main" id="{497B8FA7-E40E-E04D-8E82-8D25D0FE009D}"/>
+                <a16:creationId xmlns:a16="http://schemas.microsoft.com/office/drawing/2014/main" xmlns="" id="{497B8FA7-E40E-E04D-8E82-8D25D0FE009D}"/>
               </a:ext>
             </a:extLst>
           </p:cNvPr>
@@ -4463,7 +4463,7 @@
           <p:cNvPr id="4" name="Inhaltsplatzhalter 3">
             <a:extLst>
               <a:ext uri="{FF2B5EF4-FFF2-40B4-BE49-F238E27FC236}">
-                <a16:creationId xmlns="" xmlns:a16="http://schemas.microsoft.com/office/drawing/2014/main" id="{9DB891E8-89E7-8D44-827F-D9B3C359A443}"/>
+                <a16:creationId xmlns:a16="http://schemas.microsoft.com/office/drawing/2014/main" xmlns="" id="{9DB891E8-89E7-8D44-827F-D9B3C359A443}"/>
               </a:ext>
             </a:extLst>
           </p:cNvPr>
@@ -4500,7 +4500,7 @@
           <p:cNvPr id="5" name="Textplatzhalter 4">
             <a:extLst>
               <a:ext uri="{FF2B5EF4-FFF2-40B4-BE49-F238E27FC236}">
-                <a16:creationId xmlns="" xmlns:a16="http://schemas.microsoft.com/office/drawing/2014/main" id="{C4A992B5-BEA7-864F-B9A3-B0D6EC89AEB3}"/>
+                <a16:creationId xmlns:a16="http://schemas.microsoft.com/office/drawing/2014/main" xmlns="" id="{C4A992B5-BEA7-864F-B9A3-B0D6EC89AEB3}"/>
               </a:ext>
             </a:extLst>
           </p:cNvPr>
@@ -4574,7 +4574,7 @@
           <p:cNvPr id="6" name="Inhaltsplatzhalter 5">
             <a:extLst>
               <a:ext uri="{FF2B5EF4-FFF2-40B4-BE49-F238E27FC236}">
-                <a16:creationId xmlns="" xmlns:a16="http://schemas.microsoft.com/office/drawing/2014/main" id="{C6F24F96-7021-F04D-BE0C-70D6C357A6AE}"/>
+                <a16:creationId xmlns:a16="http://schemas.microsoft.com/office/drawing/2014/main" xmlns="" id="{C6F24F96-7021-F04D-BE0C-70D6C357A6AE}"/>
               </a:ext>
             </a:extLst>
           </p:cNvPr>
@@ -4611,7 +4611,7 @@
           <p:cNvPr id="7" name="Datumsplatzhalter 6">
             <a:extLst>
               <a:ext uri="{FF2B5EF4-FFF2-40B4-BE49-F238E27FC236}">
-                <a16:creationId xmlns="" xmlns:a16="http://schemas.microsoft.com/office/drawing/2014/main" id="{BE8C1B9C-6184-CB4E-998F-A480AA5D43AB}"/>
+                <a16:creationId xmlns:a16="http://schemas.microsoft.com/office/drawing/2014/main" xmlns="" id="{BE8C1B9C-6184-CB4E-998F-A480AA5D43AB}"/>
               </a:ext>
             </a:extLst>
           </p:cNvPr>
@@ -4640,7 +4640,7 @@
           <p:cNvPr id="8" name="Fußzeilenplatzhalter 7">
             <a:extLst>
               <a:ext uri="{FF2B5EF4-FFF2-40B4-BE49-F238E27FC236}">
-                <a16:creationId xmlns="" xmlns:a16="http://schemas.microsoft.com/office/drawing/2014/main" id="{99C2775A-AE5F-FB42-B461-4A3C859181DF}"/>
+                <a16:creationId xmlns:a16="http://schemas.microsoft.com/office/drawing/2014/main" xmlns="" id="{99C2775A-AE5F-FB42-B461-4A3C859181DF}"/>
               </a:ext>
             </a:extLst>
           </p:cNvPr>
@@ -4665,7 +4665,7 @@
           <p:cNvPr id="9" name="Foliennummernplatzhalter 8">
             <a:extLst>
               <a:ext uri="{FF2B5EF4-FFF2-40B4-BE49-F238E27FC236}">
-                <a16:creationId xmlns="" xmlns:a16="http://schemas.microsoft.com/office/drawing/2014/main" id="{9E7E469E-F8E9-864F-8754-123A6C0AF0FA}"/>
+                <a16:creationId xmlns:a16="http://schemas.microsoft.com/office/drawing/2014/main" xmlns="" id="{9E7E469E-F8E9-864F-8754-123A6C0AF0FA}"/>
               </a:ext>
             </a:extLst>
           </p:cNvPr>
@@ -4724,7 +4724,7 @@
           <p:cNvPr id="2" name="Titel 1">
             <a:extLst>
               <a:ext uri="{FF2B5EF4-FFF2-40B4-BE49-F238E27FC236}">
-                <a16:creationId xmlns="" xmlns:a16="http://schemas.microsoft.com/office/drawing/2014/main" id="{27B83529-C5C5-D144-9F6A-C5D11E437C82}"/>
+                <a16:creationId xmlns:a16="http://schemas.microsoft.com/office/drawing/2014/main" xmlns="" id="{27B83529-C5C5-D144-9F6A-C5D11E437C82}"/>
               </a:ext>
             </a:extLst>
           </p:cNvPr>
@@ -4752,7 +4752,7 @@
           <p:cNvPr id="3" name="Datumsplatzhalter 2">
             <a:extLst>
               <a:ext uri="{FF2B5EF4-FFF2-40B4-BE49-F238E27FC236}">
-                <a16:creationId xmlns="" xmlns:a16="http://schemas.microsoft.com/office/drawing/2014/main" id="{74D3C6F4-02B6-A540-A96A-C806AF1D7567}"/>
+                <a16:creationId xmlns:a16="http://schemas.microsoft.com/office/drawing/2014/main" xmlns="" id="{74D3C6F4-02B6-A540-A96A-C806AF1D7567}"/>
               </a:ext>
             </a:extLst>
           </p:cNvPr>
@@ -4781,7 +4781,7 @@
           <p:cNvPr id="4" name="Fußzeilenplatzhalter 3">
             <a:extLst>
               <a:ext uri="{FF2B5EF4-FFF2-40B4-BE49-F238E27FC236}">
-                <a16:creationId xmlns="" xmlns:a16="http://schemas.microsoft.com/office/drawing/2014/main" id="{4B864B59-4F52-AC41-9BF9-9DF815F6F997}"/>
+                <a16:creationId xmlns:a16="http://schemas.microsoft.com/office/drawing/2014/main" xmlns="" id="{4B864B59-4F52-AC41-9BF9-9DF815F6F997}"/>
               </a:ext>
             </a:extLst>
           </p:cNvPr>
@@ -4806,7 +4806,7 @@
           <p:cNvPr id="5" name="Foliennummernplatzhalter 4">
             <a:extLst>
               <a:ext uri="{FF2B5EF4-FFF2-40B4-BE49-F238E27FC236}">
-                <a16:creationId xmlns="" xmlns:a16="http://schemas.microsoft.com/office/drawing/2014/main" id="{71CB689E-DE78-C74D-AB5B-8D48ABB7E879}"/>
+                <a16:creationId xmlns:a16="http://schemas.microsoft.com/office/drawing/2014/main" xmlns="" id="{71CB689E-DE78-C74D-AB5B-8D48ABB7E879}"/>
               </a:ext>
             </a:extLst>
           </p:cNvPr>
@@ -4865,7 +4865,7 @@
           <p:cNvPr id="2" name="Datumsplatzhalter 1">
             <a:extLst>
               <a:ext uri="{FF2B5EF4-FFF2-40B4-BE49-F238E27FC236}">
-                <a16:creationId xmlns="" xmlns:a16="http://schemas.microsoft.com/office/drawing/2014/main" id="{5BC291DB-90BD-9241-99D8-1F5124577947}"/>
+                <a16:creationId xmlns:a16="http://schemas.microsoft.com/office/drawing/2014/main" xmlns="" id="{5BC291DB-90BD-9241-99D8-1F5124577947}"/>
               </a:ext>
             </a:extLst>
           </p:cNvPr>
@@ -4894,7 +4894,7 @@
           <p:cNvPr id="3" name="Fußzeilenplatzhalter 2">
             <a:extLst>
               <a:ext uri="{FF2B5EF4-FFF2-40B4-BE49-F238E27FC236}">
-                <a16:creationId xmlns="" xmlns:a16="http://schemas.microsoft.com/office/drawing/2014/main" id="{4E7EC7FC-159A-C44F-876B-3776F19A851A}"/>
+                <a16:creationId xmlns:a16="http://schemas.microsoft.com/office/drawing/2014/main" xmlns="" id="{4E7EC7FC-159A-C44F-876B-3776F19A851A}"/>
               </a:ext>
             </a:extLst>
           </p:cNvPr>
@@ -4919,7 +4919,7 @@
           <p:cNvPr id="4" name="Foliennummernplatzhalter 3">
             <a:extLst>
               <a:ext uri="{FF2B5EF4-FFF2-40B4-BE49-F238E27FC236}">
-                <a16:creationId xmlns="" xmlns:a16="http://schemas.microsoft.com/office/drawing/2014/main" id="{1DB2D74F-318D-EE4A-9108-D8BB5459A64E}"/>
+                <a16:creationId xmlns:a16="http://schemas.microsoft.com/office/drawing/2014/main" xmlns="" id="{1DB2D74F-318D-EE4A-9108-D8BB5459A64E}"/>
               </a:ext>
             </a:extLst>
           </p:cNvPr>
@@ -4978,7 +4978,7 @@
           <p:cNvPr id="2" name="Titel 1">
             <a:extLst>
               <a:ext uri="{FF2B5EF4-FFF2-40B4-BE49-F238E27FC236}">
-                <a16:creationId xmlns="" xmlns:a16="http://schemas.microsoft.com/office/drawing/2014/main" id="{1F503ED0-8A44-D44C-8A18-A34E562AAAB3}"/>
+                <a16:creationId xmlns:a16="http://schemas.microsoft.com/office/drawing/2014/main" xmlns="" id="{1F503ED0-8A44-D44C-8A18-A34E562AAAB3}"/>
               </a:ext>
             </a:extLst>
           </p:cNvPr>
@@ -5015,7 +5015,7 @@
           <p:cNvPr id="3" name="Inhaltsplatzhalter 2">
             <a:extLst>
               <a:ext uri="{FF2B5EF4-FFF2-40B4-BE49-F238E27FC236}">
-                <a16:creationId xmlns="" xmlns:a16="http://schemas.microsoft.com/office/drawing/2014/main" id="{D3932178-D92F-7848-9D38-3F69B5D68A5F}"/>
+                <a16:creationId xmlns:a16="http://schemas.microsoft.com/office/drawing/2014/main" xmlns="" id="{D3932178-D92F-7848-9D38-3F69B5D68A5F}"/>
               </a:ext>
             </a:extLst>
           </p:cNvPr>
@@ -5080,7 +5080,7 @@
           <p:cNvPr id="4" name="Textplatzhalter 3">
             <a:extLst>
               <a:ext uri="{FF2B5EF4-FFF2-40B4-BE49-F238E27FC236}">
-                <a16:creationId xmlns="" xmlns:a16="http://schemas.microsoft.com/office/drawing/2014/main" id="{5C6AA2F8-50ED-3647-AEA1-E34559135061}"/>
+                <a16:creationId xmlns:a16="http://schemas.microsoft.com/office/drawing/2014/main" xmlns="" id="{5C6AA2F8-50ED-3647-AEA1-E34559135061}"/>
               </a:ext>
             </a:extLst>
           </p:cNvPr>
@@ -5154,7 +5154,7 @@
           <p:cNvPr id="5" name="Datumsplatzhalter 4">
             <a:extLst>
               <a:ext uri="{FF2B5EF4-FFF2-40B4-BE49-F238E27FC236}">
-                <a16:creationId xmlns="" xmlns:a16="http://schemas.microsoft.com/office/drawing/2014/main" id="{BC5543C1-9669-C64B-9EBE-5E94B1E17274}"/>
+                <a16:creationId xmlns:a16="http://schemas.microsoft.com/office/drawing/2014/main" xmlns="" id="{BC5543C1-9669-C64B-9EBE-5E94B1E17274}"/>
               </a:ext>
             </a:extLst>
           </p:cNvPr>
@@ -5183,7 +5183,7 @@
           <p:cNvPr id="6" name="Fußzeilenplatzhalter 5">
             <a:extLst>
               <a:ext uri="{FF2B5EF4-FFF2-40B4-BE49-F238E27FC236}">
-                <a16:creationId xmlns="" xmlns:a16="http://schemas.microsoft.com/office/drawing/2014/main" id="{54557C59-F283-944A-816A-C03DD83F3A97}"/>
+                <a16:creationId xmlns:a16="http://schemas.microsoft.com/office/drawing/2014/main" xmlns="" id="{54557C59-F283-944A-816A-C03DD83F3A97}"/>
               </a:ext>
             </a:extLst>
           </p:cNvPr>
@@ -5208,7 +5208,7 @@
           <p:cNvPr id="7" name="Foliennummernplatzhalter 6">
             <a:extLst>
               <a:ext uri="{FF2B5EF4-FFF2-40B4-BE49-F238E27FC236}">
-                <a16:creationId xmlns="" xmlns:a16="http://schemas.microsoft.com/office/drawing/2014/main" id="{6179C710-E331-EE4C-93AE-08FB8966BF32}"/>
+                <a16:creationId xmlns:a16="http://schemas.microsoft.com/office/drawing/2014/main" xmlns="" id="{6179C710-E331-EE4C-93AE-08FB8966BF32}"/>
               </a:ext>
             </a:extLst>
           </p:cNvPr>
@@ -5267,7 +5267,7 @@
           <p:cNvPr id="2" name="Titel 1">
             <a:extLst>
               <a:ext uri="{FF2B5EF4-FFF2-40B4-BE49-F238E27FC236}">
-                <a16:creationId xmlns="" xmlns:a16="http://schemas.microsoft.com/office/drawing/2014/main" id="{AD2ECE74-C933-E44E-95B1-F16000E13C95}"/>
+                <a16:creationId xmlns:a16="http://schemas.microsoft.com/office/drawing/2014/main" xmlns="" id="{AD2ECE74-C933-E44E-95B1-F16000E13C95}"/>
               </a:ext>
             </a:extLst>
           </p:cNvPr>
@@ -5304,7 +5304,7 @@
           <p:cNvPr id="3" name="Bildplatzhalter 2">
             <a:extLst>
               <a:ext uri="{FF2B5EF4-FFF2-40B4-BE49-F238E27FC236}">
-                <a16:creationId xmlns="" xmlns:a16="http://schemas.microsoft.com/office/drawing/2014/main" id="{03FEF7E5-F3DF-5141-83FE-98C75B214B39}"/>
+                <a16:creationId xmlns:a16="http://schemas.microsoft.com/office/drawing/2014/main" xmlns="" id="{03FEF7E5-F3DF-5141-83FE-98C75B214B39}"/>
               </a:ext>
             </a:extLst>
           </p:cNvPr>
@@ -5371,7 +5371,7 @@
           <p:cNvPr id="4" name="Textplatzhalter 3">
             <a:extLst>
               <a:ext uri="{FF2B5EF4-FFF2-40B4-BE49-F238E27FC236}">
-                <a16:creationId xmlns="" xmlns:a16="http://schemas.microsoft.com/office/drawing/2014/main" id="{6CB8AA1C-0014-1E4C-94BD-C32414268D3A}"/>
+                <a16:creationId xmlns:a16="http://schemas.microsoft.com/office/drawing/2014/main" xmlns="" id="{6CB8AA1C-0014-1E4C-94BD-C32414268D3A}"/>
               </a:ext>
             </a:extLst>
           </p:cNvPr>
@@ -5445,7 +5445,7 @@
           <p:cNvPr id="5" name="Datumsplatzhalter 4">
             <a:extLst>
               <a:ext uri="{FF2B5EF4-FFF2-40B4-BE49-F238E27FC236}">
-                <a16:creationId xmlns="" xmlns:a16="http://schemas.microsoft.com/office/drawing/2014/main" id="{3E12F7FF-A4AE-0749-83D0-9E8694912287}"/>
+                <a16:creationId xmlns:a16="http://schemas.microsoft.com/office/drawing/2014/main" xmlns="" id="{3E12F7FF-A4AE-0749-83D0-9E8694912287}"/>
               </a:ext>
             </a:extLst>
           </p:cNvPr>
@@ -5474,7 +5474,7 @@
           <p:cNvPr id="6" name="Fußzeilenplatzhalter 5">
             <a:extLst>
               <a:ext uri="{FF2B5EF4-FFF2-40B4-BE49-F238E27FC236}">
-                <a16:creationId xmlns="" xmlns:a16="http://schemas.microsoft.com/office/drawing/2014/main" id="{0F1B4690-838E-E14E-B13F-D7C19E602E64}"/>
+                <a16:creationId xmlns:a16="http://schemas.microsoft.com/office/drawing/2014/main" xmlns="" id="{0F1B4690-838E-E14E-B13F-D7C19E602E64}"/>
               </a:ext>
             </a:extLst>
           </p:cNvPr>
@@ -5499,7 +5499,7 @@
           <p:cNvPr id="7" name="Foliennummernplatzhalter 6">
             <a:extLst>
               <a:ext uri="{FF2B5EF4-FFF2-40B4-BE49-F238E27FC236}">
-                <a16:creationId xmlns="" xmlns:a16="http://schemas.microsoft.com/office/drawing/2014/main" id="{7A8D8463-A954-6748-9879-ADC8AF02B50D}"/>
+                <a16:creationId xmlns:a16="http://schemas.microsoft.com/office/drawing/2014/main" xmlns="" id="{7A8D8463-A954-6748-9879-ADC8AF02B50D}"/>
               </a:ext>
             </a:extLst>
           </p:cNvPr>
@@ -5566,7 +5566,7 @@
           <p:cNvPr id="2" name="Titelplatzhalter 1">
             <a:extLst>
               <a:ext uri="{FF2B5EF4-FFF2-40B4-BE49-F238E27FC236}">
-                <a16:creationId xmlns="" xmlns:a16="http://schemas.microsoft.com/office/drawing/2014/main" id="{F3BBD851-5D2A-0241-81EC-77B06DAD8D51}"/>
+                <a16:creationId xmlns:a16="http://schemas.microsoft.com/office/drawing/2014/main" xmlns="" id="{F3BBD851-5D2A-0241-81EC-77B06DAD8D51}"/>
               </a:ext>
             </a:extLst>
           </p:cNvPr>
@@ -5604,7 +5604,7 @@
           <p:cNvPr id="3" name="Textplatzhalter 2">
             <a:extLst>
               <a:ext uri="{FF2B5EF4-FFF2-40B4-BE49-F238E27FC236}">
-                <a16:creationId xmlns="" xmlns:a16="http://schemas.microsoft.com/office/drawing/2014/main" id="{6AF28E1A-8C3C-824D-A69D-B77AD2003BE1}"/>
+                <a16:creationId xmlns:a16="http://schemas.microsoft.com/office/drawing/2014/main" xmlns="" id="{6AF28E1A-8C3C-824D-A69D-B77AD2003BE1}"/>
               </a:ext>
             </a:extLst>
           </p:cNvPr>
@@ -5646,7 +5646,7 @@
           <p:cNvPr id="4" name="Datumsplatzhalter 3">
             <a:extLst>
               <a:ext uri="{FF2B5EF4-FFF2-40B4-BE49-F238E27FC236}">
-                <a16:creationId xmlns="" xmlns:a16="http://schemas.microsoft.com/office/drawing/2014/main" id="{14F36C74-AEF6-324A-939D-781EA85E6B37}"/>
+                <a16:creationId xmlns:a16="http://schemas.microsoft.com/office/drawing/2014/main" xmlns="" id="{14F36C74-AEF6-324A-939D-781EA85E6B37}"/>
               </a:ext>
             </a:extLst>
           </p:cNvPr>
@@ -5693,7 +5693,7 @@
           <p:cNvPr id="5" name="Fußzeilenplatzhalter 4">
             <a:extLst>
               <a:ext uri="{FF2B5EF4-FFF2-40B4-BE49-F238E27FC236}">
-                <a16:creationId xmlns="" xmlns:a16="http://schemas.microsoft.com/office/drawing/2014/main" id="{CF454ED0-5B84-894F-BB54-EE635A5499CA}"/>
+                <a16:creationId xmlns:a16="http://schemas.microsoft.com/office/drawing/2014/main" xmlns="" id="{CF454ED0-5B84-894F-BB54-EE635A5499CA}"/>
               </a:ext>
             </a:extLst>
           </p:cNvPr>
@@ -5736,7 +5736,7 @@
           <p:cNvPr id="6" name="Foliennummernplatzhalter 5">
             <a:extLst>
               <a:ext uri="{FF2B5EF4-FFF2-40B4-BE49-F238E27FC236}">
-                <a16:creationId xmlns="" xmlns:a16="http://schemas.microsoft.com/office/drawing/2014/main" id="{A276BFAA-BED4-FD44-A7A3-E7419BE028A8}"/>
+                <a16:creationId xmlns:a16="http://schemas.microsoft.com/office/drawing/2014/main" xmlns="" id="{A276BFAA-BED4-FD44-A7A3-E7419BE028A8}"/>
               </a:ext>
             </a:extLst>
           </p:cNvPr>
@@ -6112,10 +6112,10 @@
           <p:cNvPr id="26" name="Rectangle 25">
             <a:extLst>
               <a:ext uri="{FF2B5EF4-FFF2-40B4-BE49-F238E27FC236}">
-                <a16:creationId xmlns="" xmlns:a16="http://schemas.microsoft.com/office/drawing/2014/main" id="{6F9EB9F2-07E2-4D64-BBD8-BB5B217F1218}"/>
+                <a16:creationId xmlns:a16="http://schemas.microsoft.com/office/drawing/2014/main" xmlns="" id="{6F9EB9F2-07E2-4D64-BBD8-BB5B217F1218}"/>
               </a:ext>
               <a:ext uri="{C183D7F6-B498-43B3-948B-1728B52AA6E4}">
-                <adec:decorative xmlns="" xmlns:adec="http://schemas.microsoft.com/office/drawing/2017/decorative" val="1"/>
+                <adec:decorative xmlns:adec="http://schemas.microsoft.com/office/drawing/2017/decorative" xmlns="" val="1"/>
               </a:ext>
             </a:extLst>
           </p:cNvPr>
@@ -6125,7 +6125,7 @@
           <p:nvPr>
             <p:extLst>
               <p:ext uri="{386F3935-93C4-4BCD-93E2-E3B085C9AB24}">
-                <p16:designElem xmlns="" xmlns:p16="http://schemas.microsoft.com/office/powerpoint/2015/main" val="1"/>
+                <p16:designElem xmlns:p16="http://schemas.microsoft.com/office/powerpoint/2015/main" xmlns="" val="1"/>
               </p:ext>
             </p:extLst>
           </p:nvPr>
@@ -6177,7 +6177,7 @@
           <p:cNvPr id="2" name="Titel 1">
             <a:extLst>
               <a:ext uri="{FF2B5EF4-FFF2-40B4-BE49-F238E27FC236}">
-                <a16:creationId xmlns="" xmlns:a16="http://schemas.microsoft.com/office/drawing/2014/main" id="{3E2C9346-6092-1E41-B6A4-C53308C7DFBF}"/>
+                <a16:creationId xmlns:a16="http://schemas.microsoft.com/office/drawing/2014/main" xmlns="" id="{3E2C9346-6092-1E41-B6A4-C53308C7DFBF}"/>
               </a:ext>
             </a:extLst>
           </p:cNvPr>
@@ -6225,10 +6225,10 @@
           <p:cNvPr id="28" name="Straight Connector 27">
             <a:extLst>
               <a:ext uri="{FF2B5EF4-FFF2-40B4-BE49-F238E27FC236}">
-                <a16:creationId xmlns="" xmlns:a16="http://schemas.microsoft.com/office/drawing/2014/main" id="{F0C57C7C-DFE9-4A1E-B7A9-DF40E63366BB}"/>
+                <a16:creationId xmlns:a16="http://schemas.microsoft.com/office/drawing/2014/main" xmlns="" id="{F0C57C7C-DFE9-4A1E-B7A9-DF40E63366BB}"/>
               </a:ext>
               <a:ext uri="{C183D7F6-B498-43B3-948B-1728B52AA6E4}">
-                <adec:decorative xmlns="" xmlns:adec="http://schemas.microsoft.com/office/drawing/2017/decorative" val="1"/>
+                <adec:decorative xmlns:adec="http://schemas.microsoft.com/office/drawing/2017/decorative" xmlns="" val="1"/>
               </a:ext>
             </a:extLst>
           </p:cNvPr>
@@ -6238,7 +6238,7 @@
           <p:nvPr>
             <p:extLst>
               <p:ext uri="{386F3935-93C4-4BCD-93E2-E3B085C9AB24}">
-                <p16:designElem xmlns="" xmlns:p16="http://schemas.microsoft.com/office/powerpoint/2015/main" val="1"/>
+                <p16:designElem xmlns:p16="http://schemas.microsoft.com/office/powerpoint/2015/main" xmlns="" val="1"/>
               </p:ext>
             </p:extLst>
           </p:nvPr>
@@ -6337,10 +6337,10 @@
           <p:cNvPr id="8" name="Rectangle 7">
             <a:extLst>
               <a:ext uri="{FF2B5EF4-FFF2-40B4-BE49-F238E27FC236}">
-                <a16:creationId xmlns="" xmlns:a16="http://schemas.microsoft.com/office/drawing/2014/main" id="{8D70B121-56F4-4848-B38B-182089D909FA}"/>
+                <a16:creationId xmlns:a16="http://schemas.microsoft.com/office/drawing/2014/main" xmlns="" id="{8D70B121-56F4-4848-B38B-182089D909FA}"/>
               </a:ext>
               <a:ext uri="{C183D7F6-B498-43B3-948B-1728B52AA6E4}">
-                <adec:decorative xmlns="" xmlns:adec="http://schemas.microsoft.com/office/drawing/2017/decorative" val="1"/>
+                <adec:decorative xmlns:adec="http://schemas.microsoft.com/office/drawing/2017/decorative" xmlns="" val="1"/>
               </a:ext>
             </a:extLst>
           </p:cNvPr>
@@ -6350,7 +6350,7 @@
           <p:nvPr>
             <p:extLst>
               <p:ext uri="{386F3935-93C4-4BCD-93E2-E3B085C9AB24}">
-                <p16:designElem xmlns="" xmlns:p16="http://schemas.microsoft.com/office/powerpoint/2015/main" val="1"/>
+                <p16:designElem xmlns:p16="http://schemas.microsoft.com/office/powerpoint/2015/main" xmlns="" val="1"/>
               </p:ext>
             </p:extLst>
           </p:nvPr>
@@ -6402,7 +6402,7 @@
           <p:cNvPr id="2" name="Titel 1">
             <a:extLst>
               <a:ext uri="{FF2B5EF4-FFF2-40B4-BE49-F238E27FC236}">
-                <a16:creationId xmlns="" xmlns:a16="http://schemas.microsoft.com/office/drawing/2014/main" id="{0B5D0F8F-C92F-BC46-ACC4-7A21698DD272}"/>
+                <a16:creationId xmlns:a16="http://schemas.microsoft.com/office/drawing/2014/main" xmlns="" id="{0B5D0F8F-C92F-BC46-ACC4-7A21698DD272}"/>
               </a:ext>
             </a:extLst>
           </p:cNvPr>
@@ -6442,10 +6442,10 @@
           <p:cNvPr id="10" name="Straight Connector 9">
             <a:extLst>
               <a:ext uri="{FF2B5EF4-FFF2-40B4-BE49-F238E27FC236}">
-                <a16:creationId xmlns="" xmlns:a16="http://schemas.microsoft.com/office/drawing/2014/main" id="{2D72A2C9-F3CA-4216-8BAD-FA4C970C3C4E}"/>
+                <a16:creationId xmlns:a16="http://schemas.microsoft.com/office/drawing/2014/main" xmlns="" id="{2D72A2C9-F3CA-4216-8BAD-FA4C970C3C4E}"/>
               </a:ext>
               <a:ext uri="{C183D7F6-B498-43B3-948B-1728B52AA6E4}">
-                <adec:decorative xmlns="" xmlns:adec="http://schemas.microsoft.com/office/drawing/2017/decorative" val="1"/>
+                <adec:decorative xmlns:adec="http://schemas.microsoft.com/office/drawing/2017/decorative" xmlns="" val="1"/>
               </a:ext>
             </a:extLst>
           </p:cNvPr>
@@ -6455,7 +6455,7 @@
           <p:nvPr>
             <p:extLst>
               <p:ext uri="{386F3935-93C4-4BCD-93E2-E3B085C9AB24}">
-                <p16:designElem xmlns="" xmlns:p16="http://schemas.microsoft.com/office/powerpoint/2015/main" val="1"/>
+                <p16:designElem xmlns:p16="http://schemas.microsoft.com/office/powerpoint/2015/main" xmlns="" val="1"/>
               </p:ext>
             </p:extLst>
           </p:nvPr>
@@ -6497,7 +6497,7 @@
           <p:cNvPr id="3" name="Inhaltsplatzhalter 2">
             <a:extLst>
               <a:ext uri="{FF2B5EF4-FFF2-40B4-BE49-F238E27FC236}">
-                <a16:creationId xmlns="" xmlns:a16="http://schemas.microsoft.com/office/drawing/2014/main" id="{692C889E-3E0C-9E40-9512-4230892B2B42}"/>
+                <a16:creationId xmlns:a16="http://schemas.microsoft.com/office/drawing/2014/main" xmlns="" id="{692C889E-3E0C-9E40-9512-4230892B2B42}"/>
               </a:ext>
             </a:extLst>
           </p:cNvPr>
@@ -6634,10 +6634,10 @@
           <p:cNvPr id="19" name="Rectangle 18">
             <a:extLst>
               <a:ext uri="{FF2B5EF4-FFF2-40B4-BE49-F238E27FC236}">
-                <a16:creationId xmlns="" xmlns:a16="http://schemas.microsoft.com/office/drawing/2014/main" id="{8D70B121-56F4-4848-B38B-182089D909FA}"/>
+                <a16:creationId xmlns:a16="http://schemas.microsoft.com/office/drawing/2014/main" xmlns="" id="{8D70B121-56F4-4848-B38B-182089D909FA}"/>
               </a:ext>
               <a:ext uri="{C183D7F6-B498-43B3-948B-1728B52AA6E4}">
-                <adec:decorative xmlns="" xmlns:adec="http://schemas.microsoft.com/office/drawing/2017/decorative" val="1"/>
+                <adec:decorative xmlns:adec="http://schemas.microsoft.com/office/drawing/2017/decorative" xmlns="" val="1"/>
               </a:ext>
             </a:extLst>
           </p:cNvPr>
@@ -6647,7 +6647,7 @@
           <p:nvPr>
             <p:extLst>
               <p:ext uri="{386F3935-93C4-4BCD-93E2-E3B085C9AB24}">
-                <p16:designElem xmlns="" xmlns:p16="http://schemas.microsoft.com/office/powerpoint/2015/main" val="1"/>
+                <p16:designElem xmlns:p16="http://schemas.microsoft.com/office/powerpoint/2015/main" xmlns="" val="1"/>
               </p:ext>
             </p:extLst>
           </p:nvPr>
@@ -6699,7 +6699,7 @@
           <p:cNvPr id="2" name="Titel 1">
             <a:extLst>
               <a:ext uri="{FF2B5EF4-FFF2-40B4-BE49-F238E27FC236}">
-                <a16:creationId xmlns="" xmlns:a16="http://schemas.microsoft.com/office/drawing/2014/main" id="{35BFDC70-A169-E142-B051-5ABC9190E094}"/>
+                <a16:creationId xmlns:a16="http://schemas.microsoft.com/office/drawing/2014/main" xmlns="" id="{35BFDC70-A169-E142-B051-5ABC9190E094}"/>
               </a:ext>
             </a:extLst>
           </p:cNvPr>
@@ -6750,10 +6750,10 @@
           <p:cNvPr id="21" name="Straight Connector 20">
             <a:extLst>
               <a:ext uri="{FF2B5EF4-FFF2-40B4-BE49-F238E27FC236}">
-                <a16:creationId xmlns="" xmlns:a16="http://schemas.microsoft.com/office/drawing/2014/main" id="{2D72A2C9-F3CA-4216-8BAD-FA4C970C3C4E}"/>
+                <a16:creationId xmlns:a16="http://schemas.microsoft.com/office/drawing/2014/main" xmlns="" id="{2D72A2C9-F3CA-4216-8BAD-FA4C970C3C4E}"/>
               </a:ext>
               <a:ext uri="{C183D7F6-B498-43B3-948B-1728B52AA6E4}">
-                <adec:decorative xmlns="" xmlns:adec="http://schemas.microsoft.com/office/drawing/2017/decorative" val="1"/>
+                <adec:decorative xmlns:adec="http://schemas.microsoft.com/office/drawing/2017/decorative" xmlns="" val="1"/>
               </a:ext>
             </a:extLst>
           </p:cNvPr>
@@ -6763,7 +6763,7 @@
           <p:nvPr>
             <p:extLst>
               <p:ext uri="{386F3935-93C4-4BCD-93E2-E3B085C9AB24}">
-                <p16:designElem xmlns="" xmlns:p16="http://schemas.microsoft.com/office/powerpoint/2015/main" val="1"/>
+                <p16:designElem xmlns:p16="http://schemas.microsoft.com/office/powerpoint/2015/main" xmlns="" val="1"/>
               </p:ext>
             </p:extLst>
           </p:nvPr>
@@ -6801,7 +6801,7 @@
         </p:style>
       </p:cxnSp>
       <mc:AlternateContent xmlns:mc="http://schemas.openxmlformats.org/markup-compatibility/2006">
-        <mc:Choice xmlns="" xmlns:pslz="http://schemas.microsoft.com/office/powerpoint/2016/slidezoom" Requires="pslz">
+        <mc:Choice xmlns:pslz="http://schemas.microsoft.com/office/powerpoint/2016/slidezoom" xmlns="" Requires="pslz">
           <p:graphicFrame>
             <p:nvGraphicFramePr>
               <p:cNvPr id="10" name="Folienzoom 9">
@@ -6865,7 +6865,7 @@
                 <a:hlinkClick r:id="rId4" action="ppaction://hlinksldjump"/>
                 <a:extLst>
                   <a:ext uri="{FF2B5EF4-FFF2-40B4-BE49-F238E27FC236}">
-                    <a16:creationId xmlns:pslz="http://schemas.microsoft.com/office/powerpoint/2016/slidezoom" xmlns="" xmlns:a16="http://schemas.microsoft.com/office/drawing/2014/main" id="{B215CFD4-A22E-BE4F-9AB9-4E33929D0E8E}"/>
+                    <a16:creationId xmlns:a16="http://schemas.microsoft.com/office/drawing/2014/main" xmlns="" xmlns:pslz="http://schemas.microsoft.com/office/powerpoint/2016/slidezoom" id="{B215CFD4-A22E-BE4F-9AB9-4E33929D0E8E}"/>
                   </a:ext>
                 </a:extLst>
               </p:cNvPr>
@@ -6947,10 +6947,10 @@
           <p:cNvPr id="19" name="Rectangle 18">
             <a:extLst>
               <a:ext uri="{FF2B5EF4-FFF2-40B4-BE49-F238E27FC236}">
-                <a16:creationId xmlns="" xmlns:a16="http://schemas.microsoft.com/office/drawing/2014/main" id="{8D70B121-56F4-4848-B38B-182089D909FA}"/>
+                <a16:creationId xmlns:a16="http://schemas.microsoft.com/office/drawing/2014/main" xmlns="" id="{8D70B121-56F4-4848-B38B-182089D909FA}"/>
               </a:ext>
               <a:ext uri="{C183D7F6-B498-43B3-948B-1728B52AA6E4}">
-                <adec:decorative xmlns="" xmlns:adec="http://schemas.microsoft.com/office/drawing/2017/decorative" val="1"/>
+                <adec:decorative xmlns:adec="http://schemas.microsoft.com/office/drawing/2017/decorative" xmlns="" val="1"/>
               </a:ext>
             </a:extLst>
           </p:cNvPr>
@@ -6960,7 +6960,7 @@
           <p:nvPr>
             <p:extLst>
               <p:ext uri="{386F3935-93C4-4BCD-93E2-E3B085C9AB24}">
-                <p16:designElem xmlns="" xmlns:p16="http://schemas.microsoft.com/office/powerpoint/2015/main" val="1"/>
+                <p16:designElem xmlns:p16="http://schemas.microsoft.com/office/powerpoint/2015/main" xmlns="" val="1"/>
               </p:ext>
             </p:extLst>
           </p:nvPr>
@@ -7012,10 +7012,10 @@
           <p:cNvPr id="21" name="Straight Connector 20">
             <a:extLst>
               <a:ext uri="{FF2B5EF4-FFF2-40B4-BE49-F238E27FC236}">
-                <a16:creationId xmlns="" xmlns:a16="http://schemas.microsoft.com/office/drawing/2014/main" id="{2D72A2C9-F3CA-4216-8BAD-FA4C970C3C4E}"/>
+                <a16:creationId xmlns:a16="http://schemas.microsoft.com/office/drawing/2014/main" xmlns="" id="{2D72A2C9-F3CA-4216-8BAD-FA4C970C3C4E}"/>
               </a:ext>
               <a:ext uri="{C183D7F6-B498-43B3-948B-1728B52AA6E4}">
-                <adec:decorative xmlns="" xmlns:adec="http://schemas.microsoft.com/office/drawing/2017/decorative" val="1"/>
+                <adec:decorative xmlns:adec="http://schemas.microsoft.com/office/drawing/2017/decorative" xmlns="" val="1"/>
               </a:ext>
             </a:extLst>
           </p:cNvPr>
@@ -7025,7 +7025,7 @@
           <p:nvPr>
             <p:extLst>
               <p:ext uri="{386F3935-93C4-4BCD-93E2-E3B085C9AB24}">
-                <p16:designElem xmlns="" xmlns:p16="http://schemas.microsoft.com/office/powerpoint/2015/main" val="1"/>
+                <p16:designElem xmlns:p16="http://schemas.microsoft.com/office/powerpoint/2015/main" xmlns="" val="1"/>
               </p:ext>
             </p:extLst>
           </p:nvPr>
@@ -7067,7 +7067,7 @@
           <p:cNvPr id="4" name="Grafik 3" descr="Ein Bild, das Screenshot enthält.&#10;&#10;Automatisch generierte Beschreibung">
             <a:extLst>
               <a:ext uri="{FF2B5EF4-FFF2-40B4-BE49-F238E27FC236}">
-                <a16:creationId xmlns="" xmlns:a16="http://schemas.microsoft.com/office/drawing/2014/main" id="{CA8E3E2A-3140-AC49-8635-006BC43846E8}"/>
+                <a16:creationId xmlns:a16="http://schemas.microsoft.com/office/drawing/2014/main" xmlns="" id="{CA8E3E2A-3140-AC49-8635-006BC43846E8}"/>
               </a:ext>
             </a:extLst>
           </p:cNvPr>
@@ -7142,10 +7142,10 @@
           <p:cNvPr id="19" name="Rectangle 18">
             <a:extLst>
               <a:ext uri="{FF2B5EF4-FFF2-40B4-BE49-F238E27FC236}">
-                <a16:creationId xmlns="" xmlns:a16="http://schemas.microsoft.com/office/drawing/2014/main" id="{8D70B121-56F4-4848-B38B-182089D909FA}"/>
+                <a16:creationId xmlns:a16="http://schemas.microsoft.com/office/drawing/2014/main" xmlns="" id="{8D70B121-56F4-4848-B38B-182089D909FA}"/>
               </a:ext>
               <a:ext uri="{C183D7F6-B498-43B3-948B-1728B52AA6E4}">
-                <adec:decorative xmlns="" xmlns:adec="http://schemas.microsoft.com/office/drawing/2017/decorative" val="1"/>
+                <adec:decorative xmlns:adec="http://schemas.microsoft.com/office/drawing/2017/decorative" xmlns="" val="1"/>
               </a:ext>
             </a:extLst>
           </p:cNvPr>
@@ -7155,7 +7155,7 @@
           <p:nvPr>
             <p:extLst>
               <p:ext uri="{386F3935-93C4-4BCD-93E2-E3B085C9AB24}">
-                <p16:designElem xmlns="" xmlns:p16="http://schemas.microsoft.com/office/powerpoint/2015/main" val="1"/>
+                <p16:designElem xmlns:p16="http://schemas.microsoft.com/office/powerpoint/2015/main" xmlns="" val="1"/>
               </p:ext>
             </p:extLst>
           </p:nvPr>
@@ -7207,7 +7207,7 @@
           <p:cNvPr id="2" name="Titel 1">
             <a:extLst>
               <a:ext uri="{FF2B5EF4-FFF2-40B4-BE49-F238E27FC236}">
-                <a16:creationId xmlns="" xmlns:a16="http://schemas.microsoft.com/office/drawing/2014/main" id="{35BFDC70-A169-E142-B051-5ABC9190E094}"/>
+                <a16:creationId xmlns:a16="http://schemas.microsoft.com/office/drawing/2014/main" xmlns="" id="{35BFDC70-A169-E142-B051-5ABC9190E094}"/>
               </a:ext>
             </a:extLst>
           </p:cNvPr>
@@ -7258,10 +7258,10 @@
           <p:cNvPr id="21" name="Straight Connector 20">
             <a:extLst>
               <a:ext uri="{FF2B5EF4-FFF2-40B4-BE49-F238E27FC236}">
-                <a16:creationId xmlns="" xmlns:a16="http://schemas.microsoft.com/office/drawing/2014/main" id="{2D72A2C9-F3CA-4216-8BAD-FA4C970C3C4E}"/>
+                <a16:creationId xmlns:a16="http://schemas.microsoft.com/office/drawing/2014/main" xmlns="" id="{2D72A2C9-F3CA-4216-8BAD-FA4C970C3C4E}"/>
               </a:ext>
               <a:ext uri="{C183D7F6-B498-43B3-948B-1728B52AA6E4}">
-                <adec:decorative xmlns="" xmlns:adec="http://schemas.microsoft.com/office/drawing/2017/decorative" val="1"/>
+                <adec:decorative xmlns:adec="http://schemas.microsoft.com/office/drawing/2017/decorative" xmlns="" val="1"/>
               </a:ext>
             </a:extLst>
           </p:cNvPr>
@@ -7271,7 +7271,7 @@
           <p:nvPr>
             <p:extLst>
               <p:ext uri="{386F3935-93C4-4BCD-93E2-E3B085C9AB24}">
-                <p16:designElem xmlns="" xmlns:p16="http://schemas.microsoft.com/office/powerpoint/2015/main" val="1"/>
+                <p16:designElem xmlns:p16="http://schemas.microsoft.com/office/powerpoint/2015/main" xmlns="" val="1"/>
               </p:ext>
             </p:extLst>
           </p:nvPr>
@@ -7313,7 +7313,7 @@
           <p:cNvPr id="8" name="Inhaltsplatzhalter 4">
             <a:extLst>
               <a:ext uri="{FF2B5EF4-FFF2-40B4-BE49-F238E27FC236}">
-                <a16:creationId xmlns="" xmlns:a16="http://schemas.microsoft.com/office/drawing/2014/main" id="{A8E625C4-6DB1-9D42-BFEA-DE37A6F928F3}"/>
+                <a16:creationId xmlns:a16="http://schemas.microsoft.com/office/drawing/2014/main" xmlns="" id="{A8E625C4-6DB1-9D42-BFEA-DE37A6F928F3}"/>
               </a:ext>
             </a:extLst>
           </p:cNvPr>
@@ -7408,10 +7408,10 @@
           <p:cNvPr id="8" name="Rectangle 7">
             <a:extLst>
               <a:ext uri="{FF2B5EF4-FFF2-40B4-BE49-F238E27FC236}">
-                <a16:creationId xmlns="" xmlns:a16="http://schemas.microsoft.com/office/drawing/2014/main" id="{8D70B121-56F4-4848-B38B-182089D909FA}"/>
+                <a16:creationId xmlns:a16="http://schemas.microsoft.com/office/drawing/2014/main" xmlns="" id="{8D70B121-56F4-4848-B38B-182089D909FA}"/>
               </a:ext>
               <a:ext uri="{C183D7F6-B498-43B3-948B-1728B52AA6E4}">
-                <adec:decorative xmlns="" xmlns:adec="http://schemas.microsoft.com/office/drawing/2017/decorative" val="1"/>
+                <adec:decorative xmlns:adec="http://schemas.microsoft.com/office/drawing/2017/decorative" xmlns="" val="1"/>
               </a:ext>
             </a:extLst>
           </p:cNvPr>
@@ -7421,7 +7421,7 @@
           <p:nvPr>
             <p:extLst>
               <p:ext uri="{386F3935-93C4-4BCD-93E2-E3B085C9AB24}">
-                <p16:designElem xmlns="" xmlns:p16="http://schemas.microsoft.com/office/powerpoint/2015/main" val="1"/>
+                <p16:designElem xmlns:p16="http://schemas.microsoft.com/office/powerpoint/2015/main" xmlns="" val="1"/>
               </p:ext>
             </p:extLst>
           </p:nvPr>
@@ -7473,7 +7473,7 @@
           <p:cNvPr id="2" name="Titel 1">
             <a:extLst>
               <a:ext uri="{FF2B5EF4-FFF2-40B4-BE49-F238E27FC236}">
-                <a16:creationId xmlns="" xmlns:a16="http://schemas.microsoft.com/office/drawing/2014/main" id="{0B5D0F8F-C92F-BC46-ACC4-7A21698DD272}"/>
+                <a16:creationId xmlns:a16="http://schemas.microsoft.com/office/drawing/2014/main" xmlns="" id="{0B5D0F8F-C92F-BC46-ACC4-7A21698DD272}"/>
               </a:ext>
             </a:extLst>
           </p:cNvPr>
@@ -7513,10 +7513,10 @@
           <p:cNvPr id="10" name="Straight Connector 9">
             <a:extLst>
               <a:ext uri="{FF2B5EF4-FFF2-40B4-BE49-F238E27FC236}">
-                <a16:creationId xmlns="" xmlns:a16="http://schemas.microsoft.com/office/drawing/2014/main" id="{2D72A2C9-F3CA-4216-8BAD-FA4C970C3C4E}"/>
+                <a16:creationId xmlns:a16="http://schemas.microsoft.com/office/drawing/2014/main" xmlns="" id="{2D72A2C9-F3CA-4216-8BAD-FA4C970C3C4E}"/>
               </a:ext>
               <a:ext uri="{C183D7F6-B498-43B3-948B-1728B52AA6E4}">
-                <adec:decorative xmlns="" xmlns:adec="http://schemas.microsoft.com/office/drawing/2017/decorative" val="1"/>
+                <adec:decorative xmlns:adec="http://schemas.microsoft.com/office/drawing/2017/decorative" xmlns="" val="1"/>
               </a:ext>
             </a:extLst>
           </p:cNvPr>
@@ -7526,7 +7526,7 @@
           <p:nvPr>
             <p:extLst>
               <p:ext uri="{386F3935-93C4-4BCD-93E2-E3B085C9AB24}">
-                <p16:designElem xmlns="" xmlns:p16="http://schemas.microsoft.com/office/powerpoint/2015/main" val="1"/>
+                <p16:designElem xmlns:p16="http://schemas.microsoft.com/office/powerpoint/2015/main" xmlns="" val="1"/>
               </p:ext>
             </p:extLst>
           </p:nvPr>
@@ -7568,7 +7568,7 @@
           <p:cNvPr id="3" name="Inhaltsplatzhalter 2">
             <a:extLst>
               <a:ext uri="{FF2B5EF4-FFF2-40B4-BE49-F238E27FC236}">
-                <a16:creationId xmlns="" xmlns:a16="http://schemas.microsoft.com/office/drawing/2014/main" id="{692C889E-3E0C-9E40-9512-4230892B2B42}"/>
+                <a16:creationId xmlns:a16="http://schemas.microsoft.com/office/drawing/2014/main" xmlns="" id="{692C889E-3E0C-9E40-9512-4230892B2B42}"/>
               </a:ext>
             </a:extLst>
           </p:cNvPr>
@@ -7704,10 +7704,10 @@
           <p:cNvPr id="19" name="Rectangle 18">
             <a:extLst>
               <a:ext uri="{FF2B5EF4-FFF2-40B4-BE49-F238E27FC236}">
-                <a16:creationId xmlns="" xmlns:a16="http://schemas.microsoft.com/office/drawing/2014/main" id="{8D70B121-56F4-4848-B38B-182089D909FA}"/>
+                <a16:creationId xmlns:a16="http://schemas.microsoft.com/office/drawing/2014/main" xmlns="" id="{8D70B121-56F4-4848-B38B-182089D909FA}"/>
               </a:ext>
               <a:ext uri="{C183D7F6-B498-43B3-948B-1728B52AA6E4}">
-                <adec:decorative xmlns="" xmlns:adec="http://schemas.microsoft.com/office/drawing/2017/decorative" val="1"/>
+                <adec:decorative xmlns:adec="http://schemas.microsoft.com/office/drawing/2017/decorative" xmlns="" val="1"/>
               </a:ext>
             </a:extLst>
           </p:cNvPr>
@@ -7717,7 +7717,7 @@
           <p:nvPr>
             <p:extLst>
               <p:ext uri="{386F3935-93C4-4BCD-93E2-E3B085C9AB24}">
-                <p16:designElem xmlns="" xmlns:p16="http://schemas.microsoft.com/office/powerpoint/2015/main" val="1"/>
+                <p16:designElem xmlns:p16="http://schemas.microsoft.com/office/powerpoint/2015/main" xmlns="" val="1"/>
               </p:ext>
             </p:extLst>
           </p:nvPr>
@@ -7769,7 +7769,7 @@
           <p:cNvPr id="2" name="Titel 1">
             <a:extLst>
               <a:ext uri="{FF2B5EF4-FFF2-40B4-BE49-F238E27FC236}">
-                <a16:creationId xmlns="" xmlns:a16="http://schemas.microsoft.com/office/drawing/2014/main" id="{35BFDC70-A169-E142-B051-5ABC9190E094}"/>
+                <a16:creationId xmlns:a16="http://schemas.microsoft.com/office/drawing/2014/main" xmlns="" id="{35BFDC70-A169-E142-B051-5ABC9190E094}"/>
               </a:ext>
             </a:extLst>
           </p:cNvPr>
@@ -7817,10 +7817,10 @@
           <p:cNvPr id="21" name="Straight Connector 20">
             <a:extLst>
               <a:ext uri="{FF2B5EF4-FFF2-40B4-BE49-F238E27FC236}">
-                <a16:creationId xmlns="" xmlns:a16="http://schemas.microsoft.com/office/drawing/2014/main" id="{2D72A2C9-F3CA-4216-8BAD-FA4C970C3C4E}"/>
+                <a16:creationId xmlns:a16="http://schemas.microsoft.com/office/drawing/2014/main" xmlns="" id="{2D72A2C9-F3CA-4216-8BAD-FA4C970C3C4E}"/>
               </a:ext>
               <a:ext uri="{C183D7F6-B498-43B3-948B-1728B52AA6E4}">
-                <adec:decorative xmlns="" xmlns:adec="http://schemas.microsoft.com/office/drawing/2017/decorative" val="1"/>
+                <adec:decorative xmlns:adec="http://schemas.microsoft.com/office/drawing/2017/decorative" xmlns="" val="1"/>
               </a:ext>
             </a:extLst>
           </p:cNvPr>
@@ -7830,7 +7830,7 @@
           <p:nvPr>
             <p:extLst>
               <p:ext uri="{386F3935-93C4-4BCD-93E2-E3B085C9AB24}">
-                <p16:designElem xmlns="" xmlns:p16="http://schemas.microsoft.com/office/powerpoint/2015/main" val="1"/>
+                <p16:designElem xmlns:p16="http://schemas.microsoft.com/office/powerpoint/2015/main" xmlns="" val="1"/>
               </p:ext>
             </p:extLst>
           </p:nvPr>
@@ -7872,7 +7872,7 @@
           <p:cNvPr id="8" name="Inhaltsplatzhalter 4">
             <a:extLst>
               <a:ext uri="{FF2B5EF4-FFF2-40B4-BE49-F238E27FC236}">
-                <a16:creationId xmlns="" xmlns:a16="http://schemas.microsoft.com/office/drawing/2014/main" id="{A8E625C4-6DB1-9D42-BFEA-DE37A6F928F3}"/>
+                <a16:creationId xmlns:a16="http://schemas.microsoft.com/office/drawing/2014/main" xmlns="" id="{A8E625C4-6DB1-9D42-BFEA-DE37A6F928F3}"/>
               </a:ext>
             </a:extLst>
           </p:cNvPr>
@@ -7950,7 +7950,7 @@
           <p:cNvPr id="5" name="Rechteck 4">
             <a:extLst>
               <a:ext uri="{FF2B5EF4-FFF2-40B4-BE49-F238E27FC236}">
-                <a16:creationId xmlns="" xmlns:a16="http://schemas.microsoft.com/office/drawing/2014/main" id="{6C91387F-AF56-614F-B14F-5E345367B7AF}"/>
+                <a16:creationId xmlns:a16="http://schemas.microsoft.com/office/drawing/2014/main" xmlns="" id="{6C91387F-AF56-614F-B14F-5E345367B7AF}"/>
               </a:ext>
             </a:extLst>
           </p:cNvPr>
@@ -8002,7 +8002,7 @@
           <p:cNvPr id="2" name="Titel 1">
             <a:extLst>
               <a:ext uri="{FF2B5EF4-FFF2-40B4-BE49-F238E27FC236}">
-                <a16:creationId xmlns="" xmlns:a16="http://schemas.microsoft.com/office/drawing/2014/main" id="{35BFDC70-A169-E142-B051-5ABC9190E094}"/>
+                <a16:creationId xmlns:a16="http://schemas.microsoft.com/office/drawing/2014/main" xmlns="" id="{35BFDC70-A169-E142-B051-5ABC9190E094}"/>
               </a:ext>
             </a:extLst>
           </p:cNvPr>
@@ -8082,7 +8082,7 @@
           <p:cNvPr id="6" name="Titel 1">
             <a:extLst>
               <a:ext uri="{FF2B5EF4-FFF2-40B4-BE49-F238E27FC236}">
-                <a16:creationId xmlns="" xmlns:a16="http://schemas.microsoft.com/office/drawing/2014/main" id="{E7C2CB7B-ACCE-46AA-B361-C575579F8987}"/>
+                <a16:creationId xmlns:a16="http://schemas.microsoft.com/office/drawing/2014/main" xmlns="" id="{E7C2CB7B-ACCE-46AA-B361-C575579F8987}"/>
               </a:ext>
             </a:extLst>
           </p:cNvPr>
@@ -8138,7 +8138,7 @@
           <p:cNvPr id="8" name="Grafik 7">
             <a:extLst>
               <a:ext uri="{FF2B5EF4-FFF2-40B4-BE49-F238E27FC236}">
-                <a16:creationId xmlns="" xmlns:a16="http://schemas.microsoft.com/office/drawing/2014/main" id="{C89ECDFD-2E29-4183-B4C5-57C14F623766}"/>
+                <a16:creationId xmlns:a16="http://schemas.microsoft.com/office/drawing/2014/main" xmlns="" id="{C89ECDFD-2E29-4183-B4C5-57C14F623766}"/>
               </a:ext>
             </a:extLst>
           </p:cNvPr>
@@ -8205,7 +8205,7 @@
           <p:cNvPr id="4" name="Rechteck 3">
             <a:extLst>
               <a:ext uri="{FF2B5EF4-FFF2-40B4-BE49-F238E27FC236}">
-                <a16:creationId xmlns="" xmlns:a16="http://schemas.microsoft.com/office/drawing/2014/main" id="{E4D21FBE-9E79-4438-A9C4-A86631E75D3D}"/>
+                <a16:creationId xmlns:a16="http://schemas.microsoft.com/office/drawing/2014/main" xmlns="" id="{E4D21FBE-9E79-4438-A9C4-A86631E75D3D}"/>
               </a:ext>
             </a:extLst>
           </p:cNvPr>
@@ -8257,7 +8257,7 @@
           <p:cNvPr id="2" name="Titel 1">
             <a:extLst>
               <a:ext uri="{FF2B5EF4-FFF2-40B4-BE49-F238E27FC236}">
-                <a16:creationId xmlns="" xmlns:a16="http://schemas.microsoft.com/office/drawing/2014/main" id="{5D43DF7A-1A5D-4ACC-A604-ABDFA208B266}"/>
+                <a16:creationId xmlns:a16="http://schemas.microsoft.com/office/drawing/2014/main" xmlns="" id="{5D43DF7A-1A5D-4ACC-A604-ABDFA208B266}"/>
               </a:ext>
             </a:extLst>
           </p:cNvPr>
@@ -8282,7 +8282,7 @@
           <p:cNvPr id="3" name="Inhaltsplatzhalter 2">
             <a:extLst>
               <a:ext uri="{FF2B5EF4-FFF2-40B4-BE49-F238E27FC236}">
-                <a16:creationId xmlns="" xmlns:a16="http://schemas.microsoft.com/office/drawing/2014/main" id="{C24FCB4C-0151-435F-B548-7A9594A11125}"/>
+                <a16:creationId xmlns:a16="http://schemas.microsoft.com/office/drawing/2014/main" xmlns="" id="{C24FCB4C-0151-435F-B548-7A9594A11125}"/>
               </a:ext>
             </a:extLst>
           </p:cNvPr>
@@ -8307,7 +8307,7 @@
           <p:cNvPr id="5" name="Grafik 4">
             <a:extLst>
               <a:ext uri="{FF2B5EF4-FFF2-40B4-BE49-F238E27FC236}">
-                <a16:creationId xmlns="" xmlns:a16="http://schemas.microsoft.com/office/drawing/2014/main" id="{1C4ABC61-F649-4941-9A69-5363F27C5C7A}"/>
+                <a16:creationId xmlns:a16="http://schemas.microsoft.com/office/drawing/2014/main" xmlns="" id="{1C4ABC61-F649-4941-9A69-5363F27C5C7A}"/>
               </a:ext>
             </a:extLst>
           </p:cNvPr>
@@ -8374,7 +8374,7 @@
           <p:cNvPr id="5" name="Rechteck 4">
             <a:extLst>
               <a:ext uri="{FF2B5EF4-FFF2-40B4-BE49-F238E27FC236}">
-                <a16:creationId xmlns="" xmlns:a16="http://schemas.microsoft.com/office/drawing/2014/main" id="{6C91387F-AF56-614F-B14F-5E345367B7AF}"/>
+                <a16:creationId xmlns:a16="http://schemas.microsoft.com/office/drawing/2014/main" xmlns="" id="{6C91387F-AF56-614F-B14F-5E345367B7AF}"/>
               </a:ext>
             </a:extLst>
           </p:cNvPr>
@@ -8426,7 +8426,7 @@
           <p:cNvPr id="2" name="Titel 1">
             <a:extLst>
               <a:ext uri="{FF2B5EF4-FFF2-40B4-BE49-F238E27FC236}">
-                <a16:creationId xmlns="" xmlns:a16="http://schemas.microsoft.com/office/drawing/2014/main" id="{35BFDC70-A169-E142-B051-5ABC9190E094}"/>
+                <a16:creationId xmlns:a16="http://schemas.microsoft.com/office/drawing/2014/main" xmlns="" id="{35BFDC70-A169-E142-B051-5ABC9190E094}"/>
               </a:ext>
             </a:extLst>
           </p:cNvPr>
@@ -8506,7 +8506,7 @@
           <p:cNvPr id="6" name="Titel 1">
             <a:extLst>
               <a:ext uri="{FF2B5EF4-FFF2-40B4-BE49-F238E27FC236}">
-                <a16:creationId xmlns="" xmlns:a16="http://schemas.microsoft.com/office/drawing/2014/main" id="{E7C2CB7B-ACCE-46AA-B361-C575579F8987}"/>
+                <a16:creationId xmlns:a16="http://schemas.microsoft.com/office/drawing/2014/main" xmlns="" id="{E7C2CB7B-ACCE-46AA-B361-C575579F8987}"/>
               </a:ext>
             </a:extLst>
           </p:cNvPr>
@@ -8562,7 +8562,7 @@
           <p:cNvPr id="4" name="Grafik 3">
             <a:extLst>
               <a:ext uri="{FF2B5EF4-FFF2-40B4-BE49-F238E27FC236}">
-                <a16:creationId xmlns="" xmlns:a16="http://schemas.microsoft.com/office/drawing/2014/main" id="{9CE66A13-0C75-4FD9-A123-2756CAAD340B}"/>
+                <a16:creationId xmlns:a16="http://schemas.microsoft.com/office/drawing/2014/main" xmlns="" id="{9CE66A13-0C75-4FD9-A123-2756CAAD340B}"/>
               </a:ext>
             </a:extLst>
           </p:cNvPr>
@@ -8629,7 +8629,7 @@
           <p:cNvPr id="4" name="Rechteck 3">
             <a:extLst>
               <a:ext uri="{FF2B5EF4-FFF2-40B4-BE49-F238E27FC236}">
-                <a16:creationId xmlns="" xmlns:a16="http://schemas.microsoft.com/office/drawing/2014/main" id="{E4D21FBE-9E79-4438-A9C4-A86631E75D3D}"/>
+                <a16:creationId xmlns:a16="http://schemas.microsoft.com/office/drawing/2014/main" xmlns="" id="{E4D21FBE-9E79-4438-A9C4-A86631E75D3D}"/>
               </a:ext>
             </a:extLst>
           </p:cNvPr>
@@ -8681,7 +8681,7 @@
           <p:cNvPr id="2" name="Titel 1">
             <a:extLst>
               <a:ext uri="{FF2B5EF4-FFF2-40B4-BE49-F238E27FC236}">
-                <a16:creationId xmlns="" xmlns:a16="http://schemas.microsoft.com/office/drawing/2014/main" id="{5D43DF7A-1A5D-4ACC-A604-ABDFA208B266}"/>
+                <a16:creationId xmlns:a16="http://schemas.microsoft.com/office/drawing/2014/main" xmlns="" id="{5D43DF7A-1A5D-4ACC-A604-ABDFA208B266}"/>
               </a:ext>
             </a:extLst>
           </p:cNvPr>
@@ -8706,7 +8706,7 @@
           <p:cNvPr id="3" name="Inhaltsplatzhalter 2">
             <a:extLst>
               <a:ext uri="{FF2B5EF4-FFF2-40B4-BE49-F238E27FC236}">
-                <a16:creationId xmlns="" xmlns:a16="http://schemas.microsoft.com/office/drawing/2014/main" id="{C24FCB4C-0151-435F-B548-7A9594A11125}"/>
+                <a16:creationId xmlns:a16="http://schemas.microsoft.com/office/drawing/2014/main" xmlns="" id="{C24FCB4C-0151-435F-B548-7A9594A11125}"/>
               </a:ext>
             </a:extLst>
           </p:cNvPr>
@@ -8731,7 +8731,7 @@
           <p:cNvPr id="6" name="Grafik 5">
             <a:extLst>
               <a:ext uri="{FF2B5EF4-FFF2-40B4-BE49-F238E27FC236}">
-                <a16:creationId xmlns="" xmlns:a16="http://schemas.microsoft.com/office/drawing/2014/main" id="{996B219C-4061-4FC7-A31B-3666889455F9}"/>
+                <a16:creationId xmlns:a16="http://schemas.microsoft.com/office/drawing/2014/main" xmlns="" id="{996B219C-4061-4FC7-A31B-3666889455F9}"/>
               </a:ext>
             </a:extLst>
           </p:cNvPr>
@@ -8806,10 +8806,10 @@
           <p:cNvPr id="8" name="Rectangle 7">
             <a:extLst>
               <a:ext uri="{FF2B5EF4-FFF2-40B4-BE49-F238E27FC236}">
-                <a16:creationId xmlns="" xmlns:a16="http://schemas.microsoft.com/office/drawing/2014/main" id="{8D70B121-56F4-4848-B38B-182089D909FA}"/>
+                <a16:creationId xmlns:a16="http://schemas.microsoft.com/office/drawing/2014/main" xmlns="" id="{8D70B121-56F4-4848-B38B-182089D909FA}"/>
               </a:ext>
               <a:ext uri="{C183D7F6-B498-43B3-948B-1728B52AA6E4}">
-                <adec:decorative xmlns="" xmlns:adec="http://schemas.microsoft.com/office/drawing/2017/decorative" val="1"/>
+                <adec:decorative xmlns:adec="http://schemas.microsoft.com/office/drawing/2017/decorative" xmlns="" val="1"/>
               </a:ext>
             </a:extLst>
           </p:cNvPr>
@@ -8819,7 +8819,7 @@
           <p:nvPr>
             <p:extLst>
               <p:ext uri="{386F3935-93C4-4BCD-93E2-E3B085C9AB24}">
-                <p16:designElem xmlns="" xmlns:p16="http://schemas.microsoft.com/office/powerpoint/2015/main" val="1"/>
+                <p16:designElem xmlns:p16="http://schemas.microsoft.com/office/powerpoint/2015/main" xmlns="" val="1"/>
               </p:ext>
             </p:extLst>
           </p:nvPr>
@@ -8871,7 +8871,7 @@
           <p:cNvPr id="2" name="Titel 1">
             <a:extLst>
               <a:ext uri="{FF2B5EF4-FFF2-40B4-BE49-F238E27FC236}">
-                <a16:creationId xmlns="" xmlns:a16="http://schemas.microsoft.com/office/drawing/2014/main" id="{0B5D0F8F-C92F-BC46-ACC4-7A21698DD272}"/>
+                <a16:creationId xmlns:a16="http://schemas.microsoft.com/office/drawing/2014/main" xmlns="" id="{0B5D0F8F-C92F-BC46-ACC4-7A21698DD272}"/>
               </a:ext>
             </a:extLst>
           </p:cNvPr>
@@ -8911,10 +8911,10 @@
           <p:cNvPr id="10" name="Straight Connector 9">
             <a:extLst>
               <a:ext uri="{FF2B5EF4-FFF2-40B4-BE49-F238E27FC236}">
-                <a16:creationId xmlns="" xmlns:a16="http://schemas.microsoft.com/office/drawing/2014/main" id="{2D72A2C9-F3CA-4216-8BAD-FA4C970C3C4E}"/>
+                <a16:creationId xmlns:a16="http://schemas.microsoft.com/office/drawing/2014/main" xmlns="" id="{2D72A2C9-F3CA-4216-8BAD-FA4C970C3C4E}"/>
               </a:ext>
               <a:ext uri="{C183D7F6-B498-43B3-948B-1728B52AA6E4}">
-                <adec:decorative xmlns="" xmlns:adec="http://schemas.microsoft.com/office/drawing/2017/decorative" val="1"/>
+                <adec:decorative xmlns:adec="http://schemas.microsoft.com/office/drawing/2017/decorative" xmlns="" val="1"/>
               </a:ext>
             </a:extLst>
           </p:cNvPr>
@@ -8924,7 +8924,7 @@
           <p:nvPr>
             <p:extLst>
               <p:ext uri="{386F3935-93C4-4BCD-93E2-E3B085C9AB24}">
-                <p16:designElem xmlns="" xmlns:p16="http://schemas.microsoft.com/office/powerpoint/2015/main" val="1"/>
+                <p16:designElem xmlns:p16="http://schemas.microsoft.com/office/powerpoint/2015/main" xmlns="" val="1"/>
               </p:ext>
             </p:extLst>
           </p:nvPr>
@@ -8966,7 +8966,7 @@
           <p:cNvPr id="3" name="Inhaltsplatzhalter 2">
             <a:extLst>
               <a:ext uri="{FF2B5EF4-FFF2-40B4-BE49-F238E27FC236}">
-                <a16:creationId xmlns="" xmlns:a16="http://schemas.microsoft.com/office/drawing/2014/main" id="{692C889E-3E0C-9E40-9512-4230892B2B42}"/>
+                <a16:creationId xmlns:a16="http://schemas.microsoft.com/office/drawing/2014/main" xmlns="" id="{692C889E-3E0C-9E40-9512-4230892B2B42}"/>
               </a:ext>
             </a:extLst>
           </p:cNvPr>
@@ -9091,7 +9091,7 @@
           <p:cNvPr id="5" name="Rechteck 4">
             <a:extLst>
               <a:ext uri="{FF2B5EF4-FFF2-40B4-BE49-F238E27FC236}">
-                <a16:creationId xmlns="" xmlns:a16="http://schemas.microsoft.com/office/drawing/2014/main" id="{6C91387F-AF56-614F-B14F-5E345367B7AF}"/>
+                <a16:creationId xmlns:a16="http://schemas.microsoft.com/office/drawing/2014/main" xmlns="" id="{6C91387F-AF56-614F-B14F-5E345367B7AF}"/>
               </a:ext>
             </a:extLst>
           </p:cNvPr>
@@ -9143,7 +9143,7 @@
           <p:cNvPr id="2" name="Titel 1">
             <a:extLst>
               <a:ext uri="{FF2B5EF4-FFF2-40B4-BE49-F238E27FC236}">
-                <a16:creationId xmlns="" xmlns:a16="http://schemas.microsoft.com/office/drawing/2014/main" id="{35BFDC70-A169-E142-B051-5ABC9190E094}"/>
+                <a16:creationId xmlns:a16="http://schemas.microsoft.com/office/drawing/2014/main" xmlns="" id="{35BFDC70-A169-E142-B051-5ABC9190E094}"/>
               </a:ext>
             </a:extLst>
           </p:cNvPr>
@@ -9191,7 +9191,7 @@
           <p:cNvPr id="6" name="Titel 1">
             <a:extLst>
               <a:ext uri="{FF2B5EF4-FFF2-40B4-BE49-F238E27FC236}">
-                <a16:creationId xmlns="" xmlns:a16="http://schemas.microsoft.com/office/drawing/2014/main" id="{E7C2CB7B-ACCE-46AA-B361-C575579F8987}"/>
+                <a16:creationId xmlns:a16="http://schemas.microsoft.com/office/drawing/2014/main" xmlns="" id="{E7C2CB7B-ACCE-46AA-B361-C575579F8987}"/>
               </a:ext>
             </a:extLst>
           </p:cNvPr>
@@ -9247,7 +9247,7 @@
           <p:cNvPr id="7" name="Grafik 6">
             <a:extLst>
               <a:ext uri="{FF2B5EF4-FFF2-40B4-BE49-F238E27FC236}">
-                <a16:creationId xmlns="" xmlns:a16="http://schemas.microsoft.com/office/drawing/2014/main" id="{756E846B-B403-4984-98B4-4C01CA73B356}"/>
+                <a16:creationId xmlns:a16="http://schemas.microsoft.com/office/drawing/2014/main" xmlns="" id="{756E846B-B403-4984-98B4-4C01CA73B356}"/>
               </a:ext>
             </a:extLst>
           </p:cNvPr>
@@ -9277,7 +9277,7 @@
           <p:cNvPr id="4" name="Grafik 3">
             <a:extLst>
               <a:ext uri="{FF2B5EF4-FFF2-40B4-BE49-F238E27FC236}">
-                <a16:creationId xmlns="" xmlns:a16="http://schemas.microsoft.com/office/drawing/2014/main" id="{A26447F2-DF28-4EAF-B8D1-EFC7A98F7721}"/>
+                <a16:creationId xmlns:a16="http://schemas.microsoft.com/office/drawing/2014/main" xmlns="" id="{A26447F2-DF28-4EAF-B8D1-EFC7A98F7721}"/>
               </a:ext>
             </a:extLst>
           </p:cNvPr>
@@ -9307,7 +9307,7 @@
           <p:cNvPr id="3" name="Grafik 2">
             <a:extLst>
               <a:ext uri="{FF2B5EF4-FFF2-40B4-BE49-F238E27FC236}">
-                <a16:creationId xmlns="" xmlns:a16="http://schemas.microsoft.com/office/drawing/2014/main" id="{DB99CD9C-1E94-4D53-99E7-DF6B67865684}"/>
+                <a16:creationId xmlns:a16="http://schemas.microsoft.com/office/drawing/2014/main" xmlns="" id="{DB99CD9C-1E94-4D53-99E7-DF6B67865684}"/>
               </a:ext>
             </a:extLst>
           </p:cNvPr>
@@ -9556,7 +9556,7 @@
           <p:cNvPr id="5" name="Rechteck 4">
             <a:extLst>
               <a:ext uri="{FF2B5EF4-FFF2-40B4-BE49-F238E27FC236}">
-                <a16:creationId xmlns="" xmlns:a16="http://schemas.microsoft.com/office/drawing/2014/main" id="{6C91387F-AF56-614F-B14F-5E345367B7AF}"/>
+                <a16:creationId xmlns:a16="http://schemas.microsoft.com/office/drawing/2014/main" xmlns="" id="{6C91387F-AF56-614F-B14F-5E345367B7AF}"/>
               </a:ext>
             </a:extLst>
           </p:cNvPr>
@@ -9608,7 +9608,7 @@
           <p:cNvPr id="2" name="Titel 1">
             <a:extLst>
               <a:ext uri="{FF2B5EF4-FFF2-40B4-BE49-F238E27FC236}">
-                <a16:creationId xmlns="" xmlns:a16="http://schemas.microsoft.com/office/drawing/2014/main" id="{35BFDC70-A169-E142-B051-5ABC9190E094}"/>
+                <a16:creationId xmlns:a16="http://schemas.microsoft.com/office/drawing/2014/main" xmlns="" id="{35BFDC70-A169-E142-B051-5ABC9190E094}"/>
               </a:ext>
             </a:extLst>
           </p:cNvPr>
@@ -9669,7 +9669,7 @@
           <p:cNvPr id="6" name="Titel 1">
             <a:extLst>
               <a:ext uri="{FF2B5EF4-FFF2-40B4-BE49-F238E27FC236}">
-                <a16:creationId xmlns="" xmlns:a16="http://schemas.microsoft.com/office/drawing/2014/main" id="{E7C2CB7B-ACCE-46AA-B361-C575579F8987}"/>
+                <a16:creationId xmlns:a16="http://schemas.microsoft.com/office/drawing/2014/main" xmlns="" id="{E7C2CB7B-ACCE-46AA-B361-C575579F8987}"/>
               </a:ext>
             </a:extLst>
           </p:cNvPr>
@@ -9725,7 +9725,7 @@
           <p:cNvPr id="4" name="Grafik 3">
             <a:extLst>
               <a:ext uri="{FF2B5EF4-FFF2-40B4-BE49-F238E27FC236}">
-                <a16:creationId xmlns="" xmlns:a16="http://schemas.microsoft.com/office/drawing/2014/main" id="{9CC9583D-5C73-4A70-A2FE-E33805DE3ECD}"/>
+                <a16:creationId xmlns:a16="http://schemas.microsoft.com/office/drawing/2014/main" xmlns="" id="{9CC9583D-5C73-4A70-A2FE-E33805DE3ECD}"/>
               </a:ext>
             </a:extLst>
           </p:cNvPr>
@@ -9800,10 +9800,10 @@
           <p:cNvPr id="8" name="Rectangle 7">
             <a:extLst>
               <a:ext uri="{FF2B5EF4-FFF2-40B4-BE49-F238E27FC236}">
-                <a16:creationId xmlns="" xmlns:a16="http://schemas.microsoft.com/office/drawing/2014/main" id="{8D70B121-56F4-4848-B38B-182089D909FA}"/>
+                <a16:creationId xmlns:a16="http://schemas.microsoft.com/office/drawing/2014/main" xmlns="" id="{8D70B121-56F4-4848-B38B-182089D909FA}"/>
               </a:ext>
               <a:ext uri="{C183D7F6-B498-43B3-948B-1728B52AA6E4}">
-                <adec:decorative xmlns="" xmlns:adec="http://schemas.microsoft.com/office/drawing/2017/decorative" val="1"/>
+                <adec:decorative xmlns:adec="http://schemas.microsoft.com/office/drawing/2017/decorative" xmlns="" val="1"/>
               </a:ext>
             </a:extLst>
           </p:cNvPr>
@@ -9813,7 +9813,7 @@
           <p:nvPr>
             <p:extLst>
               <p:ext uri="{386F3935-93C4-4BCD-93E2-E3B085C9AB24}">
-                <p16:designElem xmlns="" xmlns:p16="http://schemas.microsoft.com/office/powerpoint/2015/main" val="1"/>
+                <p16:designElem xmlns:p16="http://schemas.microsoft.com/office/powerpoint/2015/main" xmlns="" val="1"/>
               </p:ext>
             </p:extLst>
           </p:nvPr>
@@ -9865,7 +9865,7 @@
           <p:cNvPr id="2" name="Titel 1">
             <a:extLst>
               <a:ext uri="{FF2B5EF4-FFF2-40B4-BE49-F238E27FC236}">
-                <a16:creationId xmlns="" xmlns:a16="http://schemas.microsoft.com/office/drawing/2014/main" id="{0B5D0F8F-C92F-BC46-ACC4-7A21698DD272}"/>
+                <a16:creationId xmlns:a16="http://schemas.microsoft.com/office/drawing/2014/main" xmlns="" id="{0B5D0F8F-C92F-BC46-ACC4-7A21698DD272}"/>
               </a:ext>
             </a:extLst>
           </p:cNvPr>
@@ -9905,10 +9905,10 @@
           <p:cNvPr id="10" name="Straight Connector 9">
             <a:extLst>
               <a:ext uri="{FF2B5EF4-FFF2-40B4-BE49-F238E27FC236}">
-                <a16:creationId xmlns="" xmlns:a16="http://schemas.microsoft.com/office/drawing/2014/main" id="{2D72A2C9-F3CA-4216-8BAD-FA4C970C3C4E}"/>
+                <a16:creationId xmlns:a16="http://schemas.microsoft.com/office/drawing/2014/main" xmlns="" id="{2D72A2C9-F3CA-4216-8BAD-FA4C970C3C4E}"/>
               </a:ext>
               <a:ext uri="{C183D7F6-B498-43B3-948B-1728B52AA6E4}">
-                <adec:decorative xmlns="" xmlns:adec="http://schemas.microsoft.com/office/drawing/2017/decorative" val="1"/>
+                <adec:decorative xmlns:adec="http://schemas.microsoft.com/office/drawing/2017/decorative" xmlns="" val="1"/>
               </a:ext>
             </a:extLst>
           </p:cNvPr>
@@ -9918,7 +9918,7 @@
           <p:nvPr>
             <p:extLst>
               <p:ext uri="{386F3935-93C4-4BCD-93E2-E3B085C9AB24}">
-                <p16:designElem xmlns="" xmlns:p16="http://schemas.microsoft.com/office/powerpoint/2015/main" val="1"/>
+                <p16:designElem xmlns:p16="http://schemas.microsoft.com/office/powerpoint/2015/main" xmlns="" val="1"/>
               </p:ext>
             </p:extLst>
           </p:nvPr>
@@ -9960,7 +9960,7 @@
           <p:cNvPr id="3" name="Inhaltsplatzhalter 2">
             <a:extLst>
               <a:ext uri="{FF2B5EF4-FFF2-40B4-BE49-F238E27FC236}">
-                <a16:creationId xmlns="" xmlns:a16="http://schemas.microsoft.com/office/drawing/2014/main" id="{692C889E-3E0C-9E40-9512-4230892B2B42}"/>
+                <a16:creationId xmlns:a16="http://schemas.microsoft.com/office/drawing/2014/main" xmlns="" id="{692C889E-3E0C-9E40-9512-4230892B2B42}"/>
               </a:ext>
             </a:extLst>
           </p:cNvPr>
@@ -10105,10 +10105,10 @@
           <p:cNvPr id="19" name="Rectangle 18">
             <a:extLst>
               <a:ext uri="{FF2B5EF4-FFF2-40B4-BE49-F238E27FC236}">
-                <a16:creationId xmlns="" xmlns:a16="http://schemas.microsoft.com/office/drawing/2014/main" id="{8D70B121-56F4-4848-B38B-182089D909FA}"/>
+                <a16:creationId xmlns:a16="http://schemas.microsoft.com/office/drawing/2014/main" xmlns="" id="{8D70B121-56F4-4848-B38B-182089D909FA}"/>
               </a:ext>
               <a:ext uri="{C183D7F6-B498-43B3-948B-1728B52AA6E4}">
-                <adec:decorative xmlns="" xmlns:adec="http://schemas.microsoft.com/office/drawing/2017/decorative" val="1"/>
+                <adec:decorative xmlns:adec="http://schemas.microsoft.com/office/drawing/2017/decorative" xmlns="" val="1"/>
               </a:ext>
             </a:extLst>
           </p:cNvPr>
@@ -10118,7 +10118,7 @@
           <p:nvPr>
             <p:extLst>
               <p:ext uri="{386F3935-93C4-4BCD-93E2-E3B085C9AB24}">
-                <p16:designElem xmlns="" xmlns:p16="http://schemas.microsoft.com/office/powerpoint/2015/main" val="1"/>
+                <p16:designElem xmlns:p16="http://schemas.microsoft.com/office/powerpoint/2015/main" xmlns="" val="1"/>
               </p:ext>
             </p:extLst>
           </p:nvPr>
@@ -10170,7 +10170,7 @@
           <p:cNvPr id="2" name="Titel 1">
             <a:extLst>
               <a:ext uri="{FF2B5EF4-FFF2-40B4-BE49-F238E27FC236}">
-                <a16:creationId xmlns="" xmlns:a16="http://schemas.microsoft.com/office/drawing/2014/main" id="{35BFDC70-A169-E142-B051-5ABC9190E094}"/>
+                <a16:creationId xmlns:a16="http://schemas.microsoft.com/office/drawing/2014/main" xmlns="" id="{35BFDC70-A169-E142-B051-5ABC9190E094}"/>
               </a:ext>
             </a:extLst>
           </p:cNvPr>
@@ -10226,10 +10226,10 @@
           <p:cNvPr id="21" name="Straight Connector 20">
             <a:extLst>
               <a:ext uri="{FF2B5EF4-FFF2-40B4-BE49-F238E27FC236}">
-                <a16:creationId xmlns="" xmlns:a16="http://schemas.microsoft.com/office/drawing/2014/main" id="{2D72A2C9-F3CA-4216-8BAD-FA4C970C3C4E}"/>
+                <a16:creationId xmlns:a16="http://schemas.microsoft.com/office/drawing/2014/main" xmlns="" id="{2D72A2C9-F3CA-4216-8BAD-FA4C970C3C4E}"/>
               </a:ext>
               <a:ext uri="{C183D7F6-B498-43B3-948B-1728B52AA6E4}">
-                <adec:decorative xmlns="" xmlns:adec="http://schemas.microsoft.com/office/drawing/2017/decorative" val="1"/>
+                <adec:decorative xmlns:adec="http://schemas.microsoft.com/office/drawing/2017/decorative" xmlns="" val="1"/>
               </a:ext>
             </a:extLst>
           </p:cNvPr>
@@ -10239,7 +10239,7 @@
           <p:nvPr>
             <p:extLst>
               <p:ext uri="{386F3935-93C4-4BCD-93E2-E3B085C9AB24}">
-                <p16:designElem xmlns="" xmlns:p16="http://schemas.microsoft.com/office/powerpoint/2015/main" val="1"/>
+                <p16:designElem xmlns:p16="http://schemas.microsoft.com/office/powerpoint/2015/main" xmlns="" val="1"/>
               </p:ext>
             </p:extLst>
           </p:nvPr>
@@ -10281,7 +10281,7 @@
           <p:cNvPr id="8" name="Inhaltsplatzhalter 4">
             <a:extLst>
               <a:ext uri="{FF2B5EF4-FFF2-40B4-BE49-F238E27FC236}">
-                <a16:creationId xmlns="" xmlns:a16="http://schemas.microsoft.com/office/drawing/2014/main" id="{A8E625C4-6DB1-9D42-BFEA-DE37A6F928F3}"/>
+                <a16:creationId xmlns:a16="http://schemas.microsoft.com/office/drawing/2014/main" xmlns="" id="{A8E625C4-6DB1-9D42-BFEA-DE37A6F928F3}"/>
               </a:ext>
             </a:extLst>
           </p:cNvPr>
@@ -10306,15 +10306,7 @@
           <a:p>
             <a:r>
               <a:rPr lang="de-DE" dirty="0" smtClean="0"/>
-              <a:t>Erster </a:t>
-            </a:r>
-            <a:r>
-              <a:rPr lang="de-DE" dirty="0" smtClean="0"/>
-              <a:t>Überblick über den </a:t>
-            </a:r>
-            <a:r>
-              <a:rPr lang="de-DE" dirty="0" smtClean="0"/>
-              <a:t>Code</a:t>
+              <a:t>Erster Überblick über den Code</a:t>
             </a:r>
           </a:p>
           <a:p>
@@ -10326,20 +10318,11 @@
               <a:rPr lang="de-DE" dirty="0" smtClean="0"/>
               <a:t>hinzufügen</a:t>
             </a:r>
-            <a:endParaRPr lang="de-DE" dirty="0" smtClean="0"/>
           </a:p>
           <a:p>
             <a:r>
               <a:rPr lang="de-DE" dirty="0" smtClean="0"/>
-              <a:t>Ein Beispielfunktion (</a:t>
-            </a:r>
-            <a:r>
-              <a:rPr lang="de-DE" dirty="0" smtClean="0"/>
-              <a:t>max.</a:t>
-            </a:r>
-            <a:r>
-              <a:rPr lang="de-DE" dirty="0" smtClean="0"/>
-              <a:t> Fluss)</a:t>
+              <a:t>Ein Beispielfunktion (max. Fluss)</a:t>
             </a:r>
           </a:p>
         </p:txBody>
@@ -10394,10 +10377,10 @@
           <p:cNvPr id="19" name="Rectangle 18">
             <a:extLst>
               <a:ext uri="{FF2B5EF4-FFF2-40B4-BE49-F238E27FC236}">
-                <a16:creationId xmlns="" xmlns:a16="http://schemas.microsoft.com/office/drawing/2014/main" id="{8D70B121-56F4-4848-B38B-182089D909FA}"/>
+                <a16:creationId xmlns:a16="http://schemas.microsoft.com/office/drawing/2014/main" xmlns="" id="{8D70B121-56F4-4848-B38B-182089D909FA}"/>
               </a:ext>
               <a:ext uri="{C183D7F6-B498-43B3-948B-1728B52AA6E4}">
-                <adec:decorative xmlns="" xmlns:adec="http://schemas.microsoft.com/office/drawing/2017/decorative" val="1"/>
+                <adec:decorative xmlns:adec="http://schemas.microsoft.com/office/drawing/2017/decorative" xmlns="" val="1"/>
               </a:ext>
             </a:extLst>
           </p:cNvPr>
@@ -10407,7 +10390,7 @@
           <p:nvPr>
             <p:extLst>
               <p:ext uri="{386F3935-93C4-4BCD-93E2-E3B085C9AB24}">
-                <p16:designElem xmlns="" xmlns:p16="http://schemas.microsoft.com/office/powerpoint/2015/main" val="1"/>
+                <p16:designElem xmlns:p16="http://schemas.microsoft.com/office/powerpoint/2015/main" xmlns="" val="1"/>
               </p:ext>
             </p:extLst>
           </p:nvPr>
@@ -10459,7 +10442,7 @@
           <p:cNvPr id="2" name="Titel 1">
             <a:extLst>
               <a:ext uri="{FF2B5EF4-FFF2-40B4-BE49-F238E27FC236}">
-                <a16:creationId xmlns="" xmlns:a16="http://schemas.microsoft.com/office/drawing/2014/main" id="{35BFDC70-A169-E142-B051-5ABC9190E094}"/>
+                <a16:creationId xmlns:a16="http://schemas.microsoft.com/office/drawing/2014/main" xmlns="" id="{35BFDC70-A169-E142-B051-5ABC9190E094}"/>
               </a:ext>
             </a:extLst>
           </p:cNvPr>
@@ -10523,10 +10506,10 @@
           <p:cNvPr id="21" name="Straight Connector 20">
             <a:extLst>
               <a:ext uri="{FF2B5EF4-FFF2-40B4-BE49-F238E27FC236}">
-                <a16:creationId xmlns="" xmlns:a16="http://schemas.microsoft.com/office/drawing/2014/main" id="{2D72A2C9-F3CA-4216-8BAD-FA4C970C3C4E}"/>
+                <a16:creationId xmlns:a16="http://schemas.microsoft.com/office/drawing/2014/main" xmlns="" id="{2D72A2C9-F3CA-4216-8BAD-FA4C970C3C4E}"/>
               </a:ext>
               <a:ext uri="{C183D7F6-B498-43B3-948B-1728B52AA6E4}">
-                <adec:decorative xmlns="" xmlns:adec="http://schemas.microsoft.com/office/drawing/2017/decorative" val="1"/>
+                <adec:decorative xmlns:adec="http://schemas.microsoft.com/office/drawing/2017/decorative" xmlns="" val="1"/>
               </a:ext>
             </a:extLst>
           </p:cNvPr>
@@ -10536,7 +10519,7 @@
           <p:nvPr>
             <p:extLst>
               <p:ext uri="{386F3935-93C4-4BCD-93E2-E3B085C9AB24}">
-                <p16:designElem xmlns="" xmlns:p16="http://schemas.microsoft.com/office/powerpoint/2015/main" val="1"/>
+                <p16:designElem xmlns:p16="http://schemas.microsoft.com/office/powerpoint/2015/main" xmlns="" val="1"/>
               </p:ext>
             </p:extLst>
           </p:nvPr>
@@ -10578,7 +10561,7 @@
           <p:cNvPr id="8" name="Inhaltsplatzhalter 4">
             <a:extLst>
               <a:ext uri="{FF2B5EF4-FFF2-40B4-BE49-F238E27FC236}">
-                <a16:creationId xmlns="" xmlns:a16="http://schemas.microsoft.com/office/drawing/2014/main" id="{A8E625C4-6DB1-9D42-BFEA-DE37A6F928F3}"/>
+                <a16:creationId xmlns:a16="http://schemas.microsoft.com/office/drawing/2014/main" xmlns="" id="{A8E625C4-6DB1-9D42-BFEA-DE37A6F928F3}"/>
               </a:ext>
             </a:extLst>
           </p:cNvPr>
@@ -10671,10 +10654,10 @@
           <p:cNvPr id="19" name="Rectangle 18">
             <a:extLst>
               <a:ext uri="{FF2B5EF4-FFF2-40B4-BE49-F238E27FC236}">
-                <a16:creationId xmlns="" xmlns:a16="http://schemas.microsoft.com/office/drawing/2014/main" id="{8D70B121-56F4-4848-B38B-182089D909FA}"/>
+                <a16:creationId xmlns:a16="http://schemas.microsoft.com/office/drawing/2014/main" xmlns="" id="{8D70B121-56F4-4848-B38B-182089D909FA}"/>
               </a:ext>
               <a:ext uri="{C183D7F6-B498-43B3-948B-1728B52AA6E4}">
-                <adec:decorative xmlns="" xmlns:adec="http://schemas.microsoft.com/office/drawing/2017/decorative" val="1"/>
+                <adec:decorative xmlns:adec="http://schemas.microsoft.com/office/drawing/2017/decorative" xmlns="" val="1"/>
               </a:ext>
             </a:extLst>
           </p:cNvPr>
@@ -10684,7 +10667,7 @@
           <p:nvPr>
             <p:extLst>
               <p:ext uri="{386F3935-93C4-4BCD-93E2-E3B085C9AB24}">
-                <p16:designElem xmlns="" xmlns:p16="http://schemas.microsoft.com/office/powerpoint/2015/main" val="1"/>
+                <p16:designElem xmlns:p16="http://schemas.microsoft.com/office/powerpoint/2015/main" xmlns="" val="1"/>
               </p:ext>
             </p:extLst>
           </p:nvPr>
@@ -10736,7 +10719,7 @@
           <p:cNvPr id="2" name="Titel 1">
             <a:extLst>
               <a:ext uri="{FF2B5EF4-FFF2-40B4-BE49-F238E27FC236}">
-                <a16:creationId xmlns="" xmlns:a16="http://schemas.microsoft.com/office/drawing/2014/main" id="{35BFDC70-A169-E142-B051-5ABC9190E094}"/>
+                <a16:creationId xmlns:a16="http://schemas.microsoft.com/office/drawing/2014/main" xmlns="" id="{35BFDC70-A169-E142-B051-5ABC9190E094}"/>
               </a:ext>
             </a:extLst>
           </p:cNvPr>
@@ -10784,10 +10767,10 @@
           <p:cNvPr id="21" name="Straight Connector 20">
             <a:extLst>
               <a:ext uri="{FF2B5EF4-FFF2-40B4-BE49-F238E27FC236}">
-                <a16:creationId xmlns="" xmlns:a16="http://schemas.microsoft.com/office/drawing/2014/main" id="{2D72A2C9-F3CA-4216-8BAD-FA4C970C3C4E}"/>
+                <a16:creationId xmlns:a16="http://schemas.microsoft.com/office/drawing/2014/main" xmlns="" id="{2D72A2C9-F3CA-4216-8BAD-FA4C970C3C4E}"/>
               </a:ext>
               <a:ext uri="{C183D7F6-B498-43B3-948B-1728B52AA6E4}">
-                <adec:decorative xmlns="" xmlns:adec="http://schemas.microsoft.com/office/drawing/2017/decorative" val="1"/>
+                <adec:decorative xmlns:adec="http://schemas.microsoft.com/office/drawing/2017/decorative" xmlns="" val="1"/>
               </a:ext>
             </a:extLst>
           </p:cNvPr>
@@ -10797,7 +10780,7 @@
           <p:nvPr>
             <p:extLst>
               <p:ext uri="{386F3935-93C4-4BCD-93E2-E3B085C9AB24}">
-                <p16:designElem xmlns="" xmlns:p16="http://schemas.microsoft.com/office/powerpoint/2015/main" val="1"/>
+                <p16:designElem xmlns:p16="http://schemas.microsoft.com/office/powerpoint/2015/main" xmlns="" val="1"/>
               </p:ext>
             </p:extLst>
           </p:nvPr>
@@ -10913,10 +10896,10 @@
           <p:cNvPr id="8" name="Rectangle 7">
             <a:extLst>
               <a:ext uri="{FF2B5EF4-FFF2-40B4-BE49-F238E27FC236}">
-                <a16:creationId xmlns="" xmlns:a16="http://schemas.microsoft.com/office/drawing/2014/main" id="{8D70B121-56F4-4848-B38B-182089D909FA}"/>
+                <a16:creationId xmlns:a16="http://schemas.microsoft.com/office/drawing/2014/main" xmlns="" id="{8D70B121-56F4-4848-B38B-182089D909FA}"/>
               </a:ext>
               <a:ext uri="{C183D7F6-B498-43B3-948B-1728B52AA6E4}">
-                <adec:decorative xmlns="" xmlns:adec="http://schemas.microsoft.com/office/drawing/2017/decorative" val="1"/>
+                <adec:decorative xmlns:adec="http://schemas.microsoft.com/office/drawing/2017/decorative" xmlns="" val="1"/>
               </a:ext>
             </a:extLst>
           </p:cNvPr>
@@ -10926,7 +10909,7 @@
           <p:nvPr>
             <p:extLst>
               <p:ext uri="{386F3935-93C4-4BCD-93E2-E3B085C9AB24}">
-                <p16:designElem xmlns="" xmlns:p16="http://schemas.microsoft.com/office/powerpoint/2015/main" val="1"/>
+                <p16:designElem xmlns:p16="http://schemas.microsoft.com/office/powerpoint/2015/main" xmlns="" val="1"/>
               </p:ext>
             </p:extLst>
           </p:nvPr>
@@ -10978,7 +10961,7 @@
           <p:cNvPr id="2" name="Titel 1">
             <a:extLst>
               <a:ext uri="{FF2B5EF4-FFF2-40B4-BE49-F238E27FC236}">
-                <a16:creationId xmlns="" xmlns:a16="http://schemas.microsoft.com/office/drawing/2014/main" id="{0B5D0F8F-C92F-BC46-ACC4-7A21698DD272}"/>
+                <a16:creationId xmlns:a16="http://schemas.microsoft.com/office/drawing/2014/main" xmlns="" id="{0B5D0F8F-C92F-BC46-ACC4-7A21698DD272}"/>
               </a:ext>
             </a:extLst>
           </p:cNvPr>
@@ -11018,10 +11001,10 @@
           <p:cNvPr id="10" name="Straight Connector 9">
             <a:extLst>
               <a:ext uri="{FF2B5EF4-FFF2-40B4-BE49-F238E27FC236}">
-                <a16:creationId xmlns="" xmlns:a16="http://schemas.microsoft.com/office/drawing/2014/main" id="{2D72A2C9-F3CA-4216-8BAD-FA4C970C3C4E}"/>
+                <a16:creationId xmlns:a16="http://schemas.microsoft.com/office/drawing/2014/main" xmlns="" id="{2D72A2C9-F3CA-4216-8BAD-FA4C970C3C4E}"/>
               </a:ext>
               <a:ext uri="{C183D7F6-B498-43B3-948B-1728B52AA6E4}">
-                <adec:decorative xmlns="" xmlns:adec="http://schemas.microsoft.com/office/drawing/2017/decorative" val="1"/>
+                <adec:decorative xmlns:adec="http://schemas.microsoft.com/office/drawing/2017/decorative" xmlns="" val="1"/>
               </a:ext>
             </a:extLst>
           </p:cNvPr>
@@ -11031,7 +11014,7 @@
           <p:nvPr>
             <p:extLst>
               <p:ext uri="{386F3935-93C4-4BCD-93E2-E3B085C9AB24}">
-                <p16:designElem xmlns="" xmlns:p16="http://schemas.microsoft.com/office/powerpoint/2015/main" val="1"/>
+                <p16:designElem xmlns:p16="http://schemas.microsoft.com/office/powerpoint/2015/main" xmlns="" val="1"/>
               </p:ext>
             </p:extLst>
           </p:nvPr>
@@ -11073,7 +11056,7 @@
           <p:cNvPr id="3" name="Inhaltsplatzhalter 2">
             <a:extLst>
               <a:ext uri="{FF2B5EF4-FFF2-40B4-BE49-F238E27FC236}">
-                <a16:creationId xmlns="" xmlns:a16="http://schemas.microsoft.com/office/drawing/2014/main" id="{692C889E-3E0C-9E40-9512-4230892B2B42}"/>
+                <a16:creationId xmlns:a16="http://schemas.microsoft.com/office/drawing/2014/main" xmlns="" id="{692C889E-3E0C-9E40-9512-4230892B2B42}"/>
               </a:ext>
             </a:extLst>
           </p:cNvPr>
@@ -11214,10 +11197,10 @@
           <p:cNvPr id="8" name="Rectangle 7">
             <a:extLst>
               <a:ext uri="{FF2B5EF4-FFF2-40B4-BE49-F238E27FC236}">
-                <a16:creationId xmlns="" xmlns:a16="http://schemas.microsoft.com/office/drawing/2014/main" id="{8D70B121-56F4-4848-B38B-182089D909FA}"/>
+                <a16:creationId xmlns:a16="http://schemas.microsoft.com/office/drawing/2014/main" xmlns="" id="{8D70B121-56F4-4848-B38B-182089D909FA}"/>
               </a:ext>
               <a:ext uri="{C183D7F6-B498-43B3-948B-1728B52AA6E4}">
-                <adec:decorative xmlns="" xmlns:adec="http://schemas.microsoft.com/office/drawing/2017/decorative" val="1"/>
+                <adec:decorative xmlns:adec="http://schemas.microsoft.com/office/drawing/2017/decorative" xmlns="" val="1"/>
               </a:ext>
             </a:extLst>
           </p:cNvPr>
@@ -11227,7 +11210,7 @@
           <p:nvPr>
             <p:extLst>
               <p:ext uri="{386F3935-93C4-4BCD-93E2-E3B085C9AB24}">
-                <p16:designElem xmlns="" xmlns:p16="http://schemas.microsoft.com/office/powerpoint/2015/main" val="1"/>
+                <p16:designElem xmlns:p16="http://schemas.microsoft.com/office/powerpoint/2015/main" xmlns="" val="1"/>
               </p:ext>
             </p:extLst>
           </p:nvPr>
@@ -11331,7 +11314,7 @@
           <p:cNvPr id="9" name="Gruppieren 8">
             <a:extLst>
               <a:ext uri="{FF2B5EF4-FFF2-40B4-BE49-F238E27FC236}">
-                <a16:creationId xmlns="" xmlns:a16="http://schemas.microsoft.com/office/drawing/2014/main" id="{50ECC846-FE00-5642-8853-EEE6E8A01659}"/>
+                <a16:creationId xmlns:a16="http://schemas.microsoft.com/office/drawing/2014/main" xmlns="" id="{50ECC846-FE00-5642-8853-EEE6E8A01659}"/>
               </a:ext>
             </a:extLst>
           </p:cNvPr>
@@ -11351,7 +11334,7 @@
             <p:cNvPr id="12" name="Dreieck 22">
               <a:extLst>
                 <a:ext uri="{FF2B5EF4-FFF2-40B4-BE49-F238E27FC236}">
-                  <a16:creationId xmlns="" xmlns:a16="http://schemas.microsoft.com/office/drawing/2014/main" id="{C58FCFF5-FFE5-1240-AE4D-8FE755FB7696}"/>
+                  <a16:creationId xmlns:a16="http://schemas.microsoft.com/office/drawing/2014/main" xmlns="" id="{C58FCFF5-FFE5-1240-AE4D-8FE755FB7696}"/>
                 </a:ext>
               </a:extLst>
             </p:cNvPr>
@@ -11397,7 +11380,7 @@
             <p:cNvPr id="11" name="Grafik 10">
               <a:extLst>
                 <a:ext uri="{FF2B5EF4-FFF2-40B4-BE49-F238E27FC236}">
-                  <a16:creationId xmlns="" xmlns:a16="http://schemas.microsoft.com/office/drawing/2014/main" id="{4E6774A5-9359-5A4C-9D07-47945BA0A9B3}"/>
+                  <a16:creationId xmlns:a16="http://schemas.microsoft.com/office/drawing/2014/main" xmlns="" id="{4E6774A5-9359-5A4C-9D07-47945BA0A9B3}"/>
                 </a:ext>
               </a:extLst>
             </p:cNvPr>
@@ -11427,7 +11410,7 @@
             <p:cNvPr id="13" name="Dreieck 23">
               <a:extLst>
                 <a:ext uri="{FF2B5EF4-FFF2-40B4-BE49-F238E27FC236}">
-                  <a16:creationId xmlns="" xmlns:a16="http://schemas.microsoft.com/office/drawing/2014/main" id="{45F58FCA-1036-9842-AC1B-581E8445154F}"/>
+                  <a16:creationId xmlns:a16="http://schemas.microsoft.com/office/drawing/2014/main" xmlns="" id="{45F58FCA-1036-9842-AC1B-581E8445154F}"/>
                 </a:ext>
               </a:extLst>
             </p:cNvPr>
@@ -11473,7 +11456,7 @@
             <p:cNvPr id="14" name="Dreieck 24">
               <a:extLst>
                 <a:ext uri="{FF2B5EF4-FFF2-40B4-BE49-F238E27FC236}">
-                  <a16:creationId xmlns="" xmlns:a16="http://schemas.microsoft.com/office/drawing/2014/main" id="{F32A8848-A721-984F-933E-9E9622B747AD}"/>
+                  <a16:creationId xmlns:a16="http://schemas.microsoft.com/office/drawing/2014/main" xmlns="" id="{F32A8848-A721-984F-933E-9E9622B747AD}"/>
                 </a:ext>
               </a:extLst>
             </p:cNvPr>
@@ -11519,7 +11502,7 @@
             <p:cNvPr id="15" name="Dreieck 25">
               <a:extLst>
                 <a:ext uri="{FF2B5EF4-FFF2-40B4-BE49-F238E27FC236}">
-                  <a16:creationId xmlns="" xmlns:a16="http://schemas.microsoft.com/office/drawing/2014/main" id="{80771BCA-609E-164A-B463-F6A1D4A2CEAE}"/>
+                  <a16:creationId xmlns:a16="http://schemas.microsoft.com/office/drawing/2014/main" xmlns="" id="{80771BCA-609E-164A-B463-F6A1D4A2CEAE}"/>
                 </a:ext>
               </a:extLst>
             </p:cNvPr>
@@ -11565,7 +11548,7 @@
             <p:cNvPr id="16" name="Dreieck 26">
               <a:extLst>
                 <a:ext uri="{FF2B5EF4-FFF2-40B4-BE49-F238E27FC236}">
-                  <a16:creationId xmlns="" xmlns:a16="http://schemas.microsoft.com/office/drawing/2014/main" id="{D74FB55B-722F-AF4E-B788-08B063B85B99}"/>
+                  <a16:creationId xmlns:a16="http://schemas.microsoft.com/office/drawing/2014/main" xmlns="" id="{D74FB55B-722F-AF4E-B788-08B063B85B99}"/>
                 </a:ext>
               </a:extLst>
             </p:cNvPr>
@@ -11611,7 +11594,7 @@
             <p:cNvPr id="17" name="Dreieck 27">
               <a:extLst>
                 <a:ext uri="{FF2B5EF4-FFF2-40B4-BE49-F238E27FC236}">
-                  <a16:creationId xmlns="" xmlns:a16="http://schemas.microsoft.com/office/drawing/2014/main" id="{E28615C0-4C02-CA41-ABCF-97C87E10A370}"/>
+                  <a16:creationId xmlns:a16="http://schemas.microsoft.com/office/drawing/2014/main" xmlns="" id="{E28615C0-4C02-CA41-ABCF-97C87E10A370}"/>
                 </a:ext>
               </a:extLst>
             </p:cNvPr>
@@ -11657,7 +11640,7 @@
             <p:cNvPr id="18" name="Dreieck 28">
               <a:extLst>
                 <a:ext uri="{FF2B5EF4-FFF2-40B4-BE49-F238E27FC236}">
-                  <a16:creationId xmlns="" xmlns:a16="http://schemas.microsoft.com/office/drawing/2014/main" id="{FBA1CE75-BDA7-5541-B332-841CA5A0F3D8}"/>
+                  <a16:creationId xmlns:a16="http://schemas.microsoft.com/office/drawing/2014/main" xmlns="" id="{FBA1CE75-BDA7-5541-B332-841CA5A0F3D8}"/>
                 </a:ext>
               </a:extLst>
             </p:cNvPr>
@@ -11703,7 +11686,7 @@
             <p:cNvPr id="19" name="Dreieck 29">
               <a:extLst>
                 <a:ext uri="{FF2B5EF4-FFF2-40B4-BE49-F238E27FC236}">
-                  <a16:creationId xmlns="" xmlns:a16="http://schemas.microsoft.com/office/drawing/2014/main" id="{54C42A26-F415-894B-B37F-08315630F5A1}"/>
+                  <a16:creationId xmlns:a16="http://schemas.microsoft.com/office/drawing/2014/main" xmlns="" id="{54C42A26-F415-894B-B37F-08315630F5A1}"/>
                 </a:ext>
               </a:extLst>
             </p:cNvPr>
@@ -11821,7 +11804,7 @@
           <p:cNvPr id="21" name="Grafik 20">
             <a:extLst>
               <a:ext uri="{FF2B5EF4-FFF2-40B4-BE49-F238E27FC236}">
-                <a16:creationId xmlns="" xmlns:a16="http://schemas.microsoft.com/office/drawing/2014/main" id="{D878A5C2-A8AA-4358-9003-B99120CDFE3F}"/>
+                <a16:creationId xmlns:a16="http://schemas.microsoft.com/office/drawing/2014/main" xmlns="" id="{D878A5C2-A8AA-4358-9003-B99120CDFE3F}"/>
               </a:ext>
             </a:extLst>
           </p:cNvPr>
@@ -12160,10 +12143,10 @@
           <p:cNvPr id="19" name="Rectangle 18">
             <a:extLst>
               <a:ext uri="{FF2B5EF4-FFF2-40B4-BE49-F238E27FC236}">
-                <a16:creationId xmlns="" xmlns:a16="http://schemas.microsoft.com/office/drawing/2014/main" id="{8D70B121-56F4-4848-B38B-182089D909FA}"/>
+                <a16:creationId xmlns:a16="http://schemas.microsoft.com/office/drawing/2014/main" xmlns="" id="{8D70B121-56F4-4848-B38B-182089D909FA}"/>
               </a:ext>
               <a:ext uri="{C183D7F6-B498-43B3-948B-1728B52AA6E4}">
-                <adec:decorative xmlns="" xmlns:adec="http://schemas.microsoft.com/office/drawing/2017/decorative" val="1"/>
+                <adec:decorative xmlns:adec="http://schemas.microsoft.com/office/drawing/2017/decorative" xmlns="" val="1"/>
               </a:ext>
             </a:extLst>
           </p:cNvPr>
@@ -12173,7 +12156,7 @@
           <p:nvPr>
             <p:extLst>
               <p:ext uri="{386F3935-93C4-4BCD-93E2-E3B085C9AB24}">
-                <p16:designElem xmlns="" xmlns:p16="http://schemas.microsoft.com/office/powerpoint/2015/main" val="1"/>
+                <p16:designElem xmlns:p16="http://schemas.microsoft.com/office/powerpoint/2015/main" xmlns="" val="1"/>
               </p:ext>
             </p:extLst>
           </p:nvPr>
@@ -12225,7 +12208,7 @@
           <p:cNvPr id="2" name="Titel 1">
             <a:extLst>
               <a:ext uri="{FF2B5EF4-FFF2-40B4-BE49-F238E27FC236}">
-                <a16:creationId xmlns="" xmlns:a16="http://schemas.microsoft.com/office/drawing/2014/main" id="{35BFDC70-A169-E142-B051-5ABC9190E094}"/>
+                <a16:creationId xmlns:a16="http://schemas.microsoft.com/office/drawing/2014/main" xmlns="" id="{35BFDC70-A169-E142-B051-5ABC9190E094}"/>
               </a:ext>
             </a:extLst>
           </p:cNvPr>
@@ -12273,7 +12256,7 @@
           <p:cNvPr id="8" name="Inhaltsplatzhalter 4">
             <a:extLst>
               <a:ext uri="{FF2B5EF4-FFF2-40B4-BE49-F238E27FC236}">
-                <a16:creationId xmlns="" xmlns:a16="http://schemas.microsoft.com/office/drawing/2014/main" id="{A8E625C4-6DB1-9D42-BFEA-DE37A6F928F3}"/>
+                <a16:creationId xmlns:a16="http://schemas.microsoft.com/office/drawing/2014/main" xmlns="" id="{A8E625C4-6DB1-9D42-BFEA-DE37A6F928F3}"/>
               </a:ext>
             </a:extLst>
           </p:cNvPr>
@@ -12300,7 +12283,6 @@
               <a:rPr lang="de-DE" dirty="0" smtClean="0"/>
               <a:t> </a:t>
             </a:r>
-            <a:endParaRPr lang="de-DE" dirty="0" smtClean="0"/>
           </a:p>
         </p:txBody>
       </p:sp>
@@ -14167,10 +14149,10 @@
           <p:cNvPr id="19" name="Rectangle 18">
             <a:extLst>
               <a:ext uri="{FF2B5EF4-FFF2-40B4-BE49-F238E27FC236}">
-                <a16:creationId xmlns="" xmlns:a16="http://schemas.microsoft.com/office/drawing/2014/main" id="{8D70B121-56F4-4848-B38B-182089D909FA}"/>
+                <a16:creationId xmlns:a16="http://schemas.microsoft.com/office/drawing/2014/main" xmlns="" id="{8D70B121-56F4-4848-B38B-182089D909FA}"/>
               </a:ext>
               <a:ext uri="{C183D7F6-B498-43B3-948B-1728B52AA6E4}">
-                <adec:decorative xmlns="" xmlns:adec="http://schemas.microsoft.com/office/drawing/2017/decorative" val="1"/>
+                <adec:decorative xmlns:adec="http://schemas.microsoft.com/office/drawing/2017/decorative" xmlns="" val="1"/>
               </a:ext>
             </a:extLst>
           </p:cNvPr>
@@ -14180,7 +14162,7 @@
           <p:nvPr>
             <p:extLst>
               <p:ext uri="{386F3935-93C4-4BCD-93E2-E3B085C9AB24}">
-                <p16:designElem xmlns="" xmlns:p16="http://schemas.microsoft.com/office/powerpoint/2015/main" val="1"/>
+                <p16:designElem xmlns:p16="http://schemas.microsoft.com/office/powerpoint/2015/main" xmlns="" val="1"/>
               </p:ext>
             </p:extLst>
           </p:nvPr>
@@ -14609,7 +14591,7 @@
           <p:cNvPr id="28" name="Gruppieren 27">
             <a:extLst>
               <a:ext uri="{FF2B5EF4-FFF2-40B4-BE49-F238E27FC236}">
-                <a16:creationId xmlns="" xmlns:a16="http://schemas.microsoft.com/office/drawing/2014/main" id="{50ECC846-FE00-5642-8853-EEE6E8A01659}"/>
+                <a16:creationId xmlns:a16="http://schemas.microsoft.com/office/drawing/2014/main" xmlns="" id="{50ECC846-FE00-5642-8853-EEE6E8A01659}"/>
               </a:ext>
             </a:extLst>
           </p:cNvPr>
@@ -14629,7 +14611,7 @@
             <p:cNvPr id="29" name="Dreieck 22">
               <a:extLst>
                 <a:ext uri="{FF2B5EF4-FFF2-40B4-BE49-F238E27FC236}">
-                  <a16:creationId xmlns="" xmlns:a16="http://schemas.microsoft.com/office/drawing/2014/main" id="{C58FCFF5-FFE5-1240-AE4D-8FE755FB7696}"/>
+                  <a16:creationId xmlns:a16="http://schemas.microsoft.com/office/drawing/2014/main" xmlns="" id="{C58FCFF5-FFE5-1240-AE4D-8FE755FB7696}"/>
                 </a:ext>
               </a:extLst>
             </p:cNvPr>
@@ -14675,7 +14657,7 @@
             <p:cNvPr id="30" name="Grafik 29">
               <a:extLst>
                 <a:ext uri="{FF2B5EF4-FFF2-40B4-BE49-F238E27FC236}">
-                  <a16:creationId xmlns="" xmlns:a16="http://schemas.microsoft.com/office/drawing/2014/main" id="{4E6774A5-9359-5A4C-9D07-47945BA0A9B3}"/>
+                  <a16:creationId xmlns:a16="http://schemas.microsoft.com/office/drawing/2014/main" xmlns="" id="{4E6774A5-9359-5A4C-9D07-47945BA0A9B3}"/>
                 </a:ext>
               </a:extLst>
             </p:cNvPr>
@@ -14705,7 +14687,7 @@
             <p:cNvPr id="31" name="Dreieck 23">
               <a:extLst>
                 <a:ext uri="{FF2B5EF4-FFF2-40B4-BE49-F238E27FC236}">
-                  <a16:creationId xmlns="" xmlns:a16="http://schemas.microsoft.com/office/drawing/2014/main" id="{45F58FCA-1036-9842-AC1B-581E8445154F}"/>
+                  <a16:creationId xmlns:a16="http://schemas.microsoft.com/office/drawing/2014/main" xmlns="" id="{45F58FCA-1036-9842-AC1B-581E8445154F}"/>
                 </a:ext>
               </a:extLst>
             </p:cNvPr>
@@ -14751,7 +14733,7 @@
             <p:cNvPr id="32" name="Dreieck 24">
               <a:extLst>
                 <a:ext uri="{FF2B5EF4-FFF2-40B4-BE49-F238E27FC236}">
-                  <a16:creationId xmlns="" xmlns:a16="http://schemas.microsoft.com/office/drawing/2014/main" id="{F32A8848-A721-984F-933E-9E9622B747AD}"/>
+                  <a16:creationId xmlns:a16="http://schemas.microsoft.com/office/drawing/2014/main" xmlns="" id="{F32A8848-A721-984F-933E-9E9622B747AD}"/>
                 </a:ext>
               </a:extLst>
             </p:cNvPr>
@@ -14797,7 +14779,7 @@
             <p:cNvPr id="33" name="Dreieck 25">
               <a:extLst>
                 <a:ext uri="{FF2B5EF4-FFF2-40B4-BE49-F238E27FC236}">
-                  <a16:creationId xmlns="" xmlns:a16="http://schemas.microsoft.com/office/drawing/2014/main" id="{80771BCA-609E-164A-B463-F6A1D4A2CEAE}"/>
+                  <a16:creationId xmlns:a16="http://schemas.microsoft.com/office/drawing/2014/main" xmlns="" id="{80771BCA-609E-164A-B463-F6A1D4A2CEAE}"/>
                 </a:ext>
               </a:extLst>
             </p:cNvPr>
@@ -14843,7 +14825,7 @@
             <p:cNvPr id="34" name="Dreieck 26">
               <a:extLst>
                 <a:ext uri="{FF2B5EF4-FFF2-40B4-BE49-F238E27FC236}">
-                  <a16:creationId xmlns="" xmlns:a16="http://schemas.microsoft.com/office/drawing/2014/main" id="{D74FB55B-722F-AF4E-B788-08B063B85B99}"/>
+                  <a16:creationId xmlns:a16="http://schemas.microsoft.com/office/drawing/2014/main" xmlns="" id="{D74FB55B-722F-AF4E-B788-08B063B85B99}"/>
                 </a:ext>
               </a:extLst>
             </p:cNvPr>
@@ -14889,7 +14871,7 @@
             <p:cNvPr id="35" name="Dreieck 27">
               <a:extLst>
                 <a:ext uri="{FF2B5EF4-FFF2-40B4-BE49-F238E27FC236}">
-                  <a16:creationId xmlns="" xmlns:a16="http://schemas.microsoft.com/office/drawing/2014/main" id="{E28615C0-4C02-CA41-ABCF-97C87E10A370}"/>
+                  <a16:creationId xmlns:a16="http://schemas.microsoft.com/office/drawing/2014/main" xmlns="" id="{E28615C0-4C02-CA41-ABCF-97C87E10A370}"/>
                 </a:ext>
               </a:extLst>
             </p:cNvPr>
@@ -14935,7 +14917,7 @@
             <p:cNvPr id="36" name="Dreieck 28">
               <a:extLst>
                 <a:ext uri="{FF2B5EF4-FFF2-40B4-BE49-F238E27FC236}">
-                  <a16:creationId xmlns="" xmlns:a16="http://schemas.microsoft.com/office/drawing/2014/main" id="{FBA1CE75-BDA7-5541-B332-841CA5A0F3D8}"/>
+                  <a16:creationId xmlns:a16="http://schemas.microsoft.com/office/drawing/2014/main" xmlns="" id="{FBA1CE75-BDA7-5541-B332-841CA5A0F3D8}"/>
                 </a:ext>
               </a:extLst>
             </p:cNvPr>
@@ -14981,7 +14963,7 @@
             <p:cNvPr id="37" name="Dreieck 29">
               <a:extLst>
                 <a:ext uri="{FF2B5EF4-FFF2-40B4-BE49-F238E27FC236}">
-                  <a16:creationId xmlns="" xmlns:a16="http://schemas.microsoft.com/office/drawing/2014/main" id="{54C42A26-F415-894B-B37F-08315630F5A1}"/>
+                  <a16:creationId xmlns:a16="http://schemas.microsoft.com/office/drawing/2014/main" xmlns="" id="{54C42A26-F415-894B-B37F-08315630F5A1}"/>
                 </a:ext>
               </a:extLst>
             </p:cNvPr>
@@ -15913,10 +15895,10 @@
           <p:cNvPr id="8" name="Rectangle 7">
             <a:extLst>
               <a:ext uri="{FF2B5EF4-FFF2-40B4-BE49-F238E27FC236}">
-                <a16:creationId xmlns="" xmlns:a16="http://schemas.microsoft.com/office/drawing/2014/main" id="{8D70B121-56F4-4848-B38B-182089D909FA}"/>
+                <a16:creationId xmlns:a16="http://schemas.microsoft.com/office/drawing/2014/main" xmlns="" id="{8D70B121-56F4-4848-B38B-182089D909FA}"/>
               </a:ext>
               <a:ext uri="{C183D7F6-B498-43B3-948B-1728B52AA6E4}">
-                <adec:decorative xmlns="" xmlns:adec="http://schemas.microsoft.com/office/drawing/2017/decorative" val="1"/>
+                <adec:decorative xmlns:adec="http://schemas.microsoft.com/office/drawing/2017/decorative" xmlns="" val="1"/>
               </a:ext>
             </a:extLst>
           </p:cNvPr>
@@ -15926,7 +15908,7 @@
           <p:nvPr>
             <p:extLst>
               <p:ext uri="{386F3935-93C4-4BCD-93E2-E3B085C9AB24}">
-                <p16:designElem xmlns="" xmlns:p16="http://schemas.microsoft.com/office/powerpoint/2015/main" val="1"/>
+                <p16:designElem xmlns:p16="http://schemas.microsoft.com/office/powerpoint/2015/main" xmlns="" val="1"/>
               </p:ext>
             </p:extLst>
           </p:nvPr>
@@ -15978,7 +15960,7 @@
           <p:cNvPr id="2" name="Titel 1">
             <a:extLst>
               <a:ext uri="{FF2B5EF4-FFF2-40B4-BE49-F238E27FC236}">
-                <a16:creationId xmlns="" xmlns:a16="http://schemas.microsoft.com/office/drawing/2014/main" id="{0B5D0F8F-C92F-BC46-ACC4-7A21698DD272}"/>
+                <a16:creationId xmlns:a16="http://schemas.microsoft.com/office/drawing/2014/main" xmlns="" id="{0B5D0F8F-C92F-BC46-ACC4-7A21698DD272}"/>
               </a:ext>
             </a:extLst>
           </p:cNvPr>
@@ -16018,10 +16000,10 @@
           <p:cNvPr id="10" name="Straight Connector 9">
             <a:extLst>
               <a:ext uri="{FF2B5EF4-FFF2-40B4-BE49-F238E27FC236}">
-                <a16:creationId xmlns="" xmlns:a16="http://schemas.microsoft.com/office/drawing/2014/main" id="{2D72A2C9-F3CA-4216-8BAD-FA4C970C3C4E}"/>
+                <a16:creationId xmlns:a16="http://schemas.microsoft.com/office/drawing/2014/main" xmlns="" id="{2D72A2C9-F3CA-4216-8BAD-FA4C970C3C4E}"/>
               </a:ext>
               <a:ext uri="{C183D7F6-B498-43B3-948B-1728B52AA6E4}">
-                <adec:decorative xmlns="" xmlns:adec="http://schemas.microsoft.com/office/drawing/2017/decorative" val="1"/>
+                <adec:decorative xmlns:adec="http://schemas.microsoft.com/office/drawing/2017/decorative" xmlns="" val="1"/>
               </a:ext>
             </a:extLst>
           </p:cNvPr>
@@ -16031,7 +16013,7 @@
           <p:nvPr>
             <p:extLst>
               <p:ext uri="{386F3935-93C4-4BCD-93E2-E3B085C9AB24}">
-                <p16:designElem xmlns="" xmlns:p16="http://schemas.microsoft.com/office/powerpoint/2015/main" val="1"/>
+                <p16:designElem xmlns:p16="http://schemas.microsoft.com/office/powerpoint/2015/main" xmlns="" val="1"/>
               </p:ext>
             </p:extLst>
           </p:nvPr>
@@ -16073,7 +16055,7 @@
           <p:cNvPr id="3" name="Inhaltsplatzhalter 2">
             <a:extLst>
               <a:ext uri="{FF2B5EF4-FFF2-40B4-BE49-F238E27FC236}">
-                <a16:creationId xmlns="" xmlns:a16="http://schemas.microsoft.com/office/drawing/2014/main" id="{692C889E-3E0C-9E40-9512-4230892B2B42}"/>
+                <a16:creationId xmlns:a16="http://schemas.microsoft.com/office/drawing/2014/main" xmlns="" id="{692C889E-3E0C-9E40-9512-4230892B2B42}"/>
               </a:ext>
             </a:extLst>
           </p:cNvPr>
@@ -16211,10 +16193,10 @@
           <p:cNvPr id="19" name="Rectangle 18">
             <a:extLst>
               <a:ext uri="{FF2B5EF4-FFF2-40B4-BE49-F238E27FC236}">
-                <a16:creationId xmlns="" xmlns:a16="http://schemas.microsoft.com/office/drawing/2014/main" id="{8D70B121-56F4-4848-B38B-182089D909FA}"/>
+                <a16:creationId xmlns:a16="http://schemas.microsoft.com/office/drawing/2014/main" xmlns="" id="{8D70B121-56F4-4848-B38B-182089D909FA}"/>
               </a:ext>
               <a:ext uri="{C183D7F6-B498-43B3-948B-1728B52AA6E4}">
-                <adec:decorative xmlns="" xmlns:adec="http://schemas.microsoft.com/office/drawing/2017/decorative" val="1"/>
+                <adec:decorative xmlns:adec="http://schemas.microsoft.com/office/drawing/2017/decorative" xmlns="" val="1"/>
               </a:ext>
             </a:extLst>
           </p:cNvPr>
@@ -16224,7 +16206,7 @@
           <p:nvPr>
             <p:extLst>
               <p:ext uri="{386F3935-93C4-4BCD-93E2-E3B085C9AB24}">
-                <p16:designElem xmlns="" xmlns:p16="http://schemas.microsoft.com/office/powerpoint/2015/main" val="1"/>
+                <p16:designElem xmlns:p16="http://schemas.microsoft.com/office/powerpoint/2015/main" xmlns="" val="1"/>
               </p:ext>
             </p:extLst>
           </p:nvPr>
@@ -16276,7 +16258,7 @@
           <p:cNvPr id="2" name="Titel 1">
             <a:extLst>
               <a:ext uri="{FF2B5EF4-FFF2-40B4-BE49-F238E27FC236}">
-                <a16:creationId xmlns="" xmlns:a16="http://schemas.microsoft.com/office/drawing/2014/main" id="{35BFDC70-A169-E142-B051-5ABC9190E094}"/>
+                <a16:creationId xmlns:a16="http://schemas.microsoft.com/office/drawing/2014/main" xmlns="" id="{35BFDC70-A169-E142-B051-5ABC9190E094}"/>
               </a:ext>
             </a:extLst>
           </p:cNvPr>
@@ -16338,10 +16320,10 @@
           <p:cNvPr id="21" name="Straight Connector 20">
             <a:extLst>
               <a:ext uri="{FF2B5EF4-FFF2-40B4-BE49-F238E27FC236}">
-                <a16:creationId xmlns="" xmlns:a16="http://schemas.microsoft.com/office/drawing/2014/main" id="{2D72A2C9-F3CA-4216-8BAD-FA4C970C3C4E}"/>
+                <a16:creationId xmlns:a16="http://schemas.microsoft.com/office/drawing/2014/main" xmlns="" id="{2D72A2C9-F3CA-4216-8BAD-FA4C970C3C4E}"/>
               </a:ext>
               <a:ext uri="{C183D7F6-B498-43B3-948B-1728B52AA6E4}">
-                <adec:decorative xmlns="" xmlns:adec="http://schemas.microsoft.com/office/drawing/2017/decorative" val="1"/>
+                <adec:decorative xmlns:adec="http://schemas.microsoft.com/office/drawing/2017/decorative" xmlns="" val="1"/>
               </a:ext>
             </a:extLst>
           </p:cNvPr>
@@ -16351,7 +16333,7 @@
           <p:nvPr>
             <p:extLst>
               <p:ext uri="{386F3935-93C4-4BCD-93E2-E3B085C9AB24}">
-                <p16:designElem xmlns="" xmlns:p16="http://schemas.microsoft.com/office/powerpoint/2015/main" val="1"/>
+                <p16:designElem xmlns:p16="http://schemas.microsoft.com/office/powerpoint/2015/main" xmlns="" val="1"/>
               </p:ext>
             </p:extLst>
           </p:nvPr>
@@ -16393,7 +16375,7 @@
           <p:cNvPr id="8" name="Inhaltsplatzhalter 4">
             <a:extLst>
               <a:ext uri="{FF2B5EF4-FFF2-40B4-BE49-F238E27FC236}">
-                <a16:creationId xmlns="" xmlns:a16="http://schemas.microsoft.com/office/drawing/2014/main" id="{A8E625C4-6DB1-9D42-BFEA-DE37A6F928F3}"/>
+                <a16:creationId xmlns:a16="http://schemas.microsoft.com/office/drawing/2014/main" xmlns="" id="{A8E625C4-6DB1-9D42-BFEA-DE37A6F928F3}"/>
               </a:ext>
             </a:extLst>
           </p:cNvPr>
@@ -16452,15 +16434,7 @@
             </a:pPr>
             <a:r>
               <a:rPr lang="de-DE" dirty="0" smtClean="0"/>
-              <a:t>Verbindet viele interessante Teilgebiete der Mathematik (Lineare Algebra, </a:t>
-            </a:r>
-            <a:r>
-              <a:rPr lang="de-DE" dirty="0" smtClean="0"/>
-              <a:t>Operation </a:t>
-            </a:r>
-            <a:r>
-              <a:rPr lang="de-DE" dirty="0" smtClean="0"/>
-              <a:t>Research, ..)</a:t>
+              <a:t>Verbindet viele interessante Teilgebiete der Mathematik (Lineare Algebra, Operation Research, ..)</a:t>
             </a:r>
           </a:p>
           <a:p>
@@ -16522,10 +16496,10 @@
           <p:cNvPr id="19" name="Rectangle 18">
             <a:extLst>
               <a:ext uri="{FF2B5EF4-FFF2-40B4-BE49-F238E27FC236}">
-                <a16:creationId xmlns="" xmlns:a16="http://schemas.microsoft.com/office/drawing/2014/main" id="{8D70B121-56F4-4848-B38B-182089D909FA}"/>
+                <a16:creationId xmlns:a16="http://schemas.microsoft.com/office/drawing/2014/main" xmlns="" id="{8D70B121-56F4-4848-B38B-182089D909FA}"/>
               </a:ext>
               <a:ext uri="{C183D7F6-B498-43B3-948B-1728B52AA6E4}">
-                <adec:decorative xmlns="" xmlns:adec="http://schemas.microsoft.com/office/drawing/2017/decorative" val="1"/>
+                <adec:decorative xmlns:adec="http://schemas.microsoft.com/office/drawing/2017/decorative" xmlns="" val="1"/>
               </a:ext>
             </a:extLst>
           </p:cNvPr>
@@ -16535,7 +16509,7 @@
           <p:nvPr>
             <p:extLst>
               <p:ext uri="{386F3935-93C4-4BCD-93E2-E3B085C9AB24}">
-                <p16:designElem xmlns="" xmlns:p16="http://schemas.microsoft.com/office/powerpoint/2015/main" val="1"/>
+                <p16:designElem xmlns:p16="http://schemas.microsoft.com/office/powerpoint/2015/main" xmlns="" val="1"/>
               </p:ext>
             </p:extLst>
           </p:nvPr>
@@ -16587,7 +16561,7 @@
           <p:cNvPr id="2" name="Titel 1">
             <a:extLst>
               <a:ext uri="{FF2B5EF4-FFF2-40B4-BE49-F238E27FC236}">
-                <a16:creationId xmlns="" xmlns:a16="http://schemas.microsoft.com/office/drawing/2014/main" id="{35BFDC70-A169-E142-B051-5ABC9190E094}"/>
+                <a16:creationId xmlns:a16="http://schemas.microsoft.com/office/drawing/2014/main" xmlns="" id="{35BFDC70-A169-E142-B051-5ABC9190E094}"/>
               </a:ext>
             </a:extLst>
           </p:cNvPr>
@@ -16649,10 +16623,10 @@
           <p:cNvPr id="21" name="Straight Connector 20">
             <a:extLst>
               <a:ext uri="{FF2B5EF4-FFF2-40B4-BE49-F238E27FC236}">
-                <a16:creationId xmlns="" xmlns:a16="http://schemas.microsoft.com/office/drawing/2014/main" id="{2D72A2C9-F3CA-4216-8BAD-FA4C970C3C4E}"/>
+                <a16:creationId xmlns:a16="http://schemas.microsoft.com/office/drawing/2014/main" xmlns="" id="{2D72A2C9-F3CA-4216-8BAD-FA4C970C3C4E}"/>
               </a:ext>
               <a:ext uri="{C183D7F6-B498-43B3-948B-1728B52AA6E4}">
-                <adec:decorative xmlns="" xmlns:adec="http://schemas.microsoft.com/office/drawing/2017/decorative" val="1"/>
+                <adec:decorative xmlns:adec="http://schemas.microsoft.com/office/drawing/2017/decorative" xmlns="" val="1"/>
               </a:ext>
             </a:extLst>
           </p:cNvPr>
@@ -16662,7 +16636,7 @@
           <p:nvPr>
             <p:extLst>
               <p:ext uri="{386F3935-93C4-4BCD-93E2-E3B085C9AB24}">
-                <p16:designElem xmlns="" xmlns:p16="http://schemas.microsoft.com/office/powerpoint/2015/main" val="1"/>
+                <p16:designElem xmlns:p16="http://schemas.microsoft.com/office/powerpoint/2015/main" xmlns="" val="1"/>
               </p:ext>
             </p:extLst>
           </p:nvPr>
@@ -16779,10 +16753,10 @@
           <p:cNvPr id="19" name="Rectangle 18">
             <a:extLst>
               <a:ext uri="{FF2B5EF4-FFF2-40B4-BE49-F238E27FC236}">
-                <a16:creationId xmlns="" xmlns:a16="http://schemas.microsoft.com/office/drawing/2014/main" id="{8D70B121-56F4-4848-B38B-182089D909FA}"/>
+                <a16:creationId xmlns:a16="http://schemas.microsoft.com/office/drawing/2014/main" xmlns="" id="{8D70B121-56F4-4848-B38B-182089D909FA}"/>
               </a:ext>
               <a:ext uri="{C183D7F6-B498-43B3-948B-1728B52AA6E4}">
-                <adec:decorative xmlns="" xmlns:adec="http://schemas.microsoft.com/office/drawing/2017/decorative" val="1"/>
+                <adec:decorative xmlns:adec="http://schemas.microsoft.com/office/drawing/2017/decorative" xmlns="" val="1"/>
               </a:ext>
             </a:extLst>
           </p:cNvPr>
@@ -16792,7 +16766,7 @@
           <p:nvPr>
             <p:extLst>
               <p:ext uri="{386F3935-93C4-4BCD-93E2-E3B085C9AB24}">
-                <p16:designElem xmlns="" xmlns:p16="http://schemas.microsoft.com/office/powerpoint/2015/main" val="1"/>
+                <p16:designElem xmlns:p16="http://schemas.microsoft.com/office/powerpoint/2015/main" xmlns="" val="1"/>
               </p:ext>
             </p:extLst>
           </p:nvPr>
@@ -16844,7 +16818,7 @@
           <p:cNvPr id="2" name="Titel 1">
             <a:extLst>
               <a:ext uri="{FF2B5EF4-FFF2-40B4-BE49-F238E27FC236}">
-                <a16:creationId xmlns="" xmlns:a16="http://schemas.microsoft.com/office/drawing/2014/main" id="{35BFDC70-A169-E142-B051-5ABC9190E094}"/>
+                <a16:creationId xmlns:a16="http://schemas.microsoft.com/office/drawing/2014/main" xmlns="" id="{35BFDC70-A169-E142-B051-5ABC9190E094}"/>
               </a:ext>
             </a:extLst>
           </p:cNvPr>
@@ -16895,10 +16869,10 @@
           <p:cNvPr id="21" name="Straight Connector 20">
             <a:extLst>
               <a:ext uri="{FF2B5EF4-FFF2-40B4-BE49-F238E27FC236}">
-                <a16:creationId xmlns="" xmlns:a16="http://schemas.microsoft.com/office/drawing/2014/main" id="{2D72A2C9-F3CA-4216-8BAD-FA4C970C3C4E}"/>
+                <a16:creationId xmlns:a16="http://schemas.microsoft.com/office/drawing/2014/main" xmlns="" id="{2D72A2C9-F3CA-4216-8BAD-FA4C970C3C4E}"/>
               </a:ext>
               <a:ext uri="{C183D7F6-B498-43B3-948B-1728B52AA6E4}">
-                <adec:decorative xmlns="" xmlns:adec="http://schemas.microsoft.com/office/drawing/2017/decorative" val="1"/>
+                <adec:decorative xmlns:adec="http://schemas.microsoft.com/office/drawing/2017/decorative" xmlns="" val="1"/>
               </a:ext>
             </a:extLst>
           </p:cNvPr>
@@ -16908,7 +16882,7 @@
           <p:nvPr>
             <p:extLst>
               <p:ext uri="{386F3935-93C4-4BCD-93E2-E3B085C9AB24}">
-                <p16:designElem xmlns="" xmlns:p16="http://schemas.microsoft.com/office/powerpoint/2015/main" val="1"/>
+                <p16:designElem xmlns:p16="http://schemas.microsoft.com/office/powerpoint/2015/main" xmlns="" val="1"/>
               </p:ext>
             </p:extLst>
           </p:nvPr>
@@ -16950,7 +16924,7 @@
           <p:cNvPr id="8" name="Inhaltsplatzhalter 4">
             <a:extLst>
               <a:ext uri="{FF2B5EF4-FFF2-40B4-BE49-F238E27FC236}">
-                <a16:creationId xmlns="" xmlns:a16="http://schemas.microsoft.com/office/drawing/2014/main" id="{C28895E4-2A18-3F46-B985-F6164DBE329F}"/>
+                <a16:creationId xmlns:a16="http://schemas.microsoft.com/office/drawing/2014/main" xmlns="" id="{C28895E4-2A18-3F46-B985-F6164DBE329F}"/>
               </a:ext>
             </a:extLst>
           </p:cNvPr>
@@ -17068,6 +17042,13 @@
   <p:clrMapOvr>
     <a:masterClrMapping/>
   </p:clrMapOvr>
+  <p:timing>
+    <p:tnLst>
+      <p:par>
+        <p:cTn id="1" dur="indefinite" restart="never" nodeType="tmRoot"/>
+      </p:par>
+    </p:tnLst>
+  </p:timing>
 </p:sld>
 </file>
 
@@ -17101,10 +17082,10 @@
           <p:cNvPr id="7" name="Rectangle 6">
             <a:extLst>
               <a:ext uri="{FF2B5EF4-FFF2-40B4-BE49-F238E27FC236}">
-                <a16:creationId xmlns="" xmlns:a16="http://schemas.microsoft.com/office/drawing/2014/main" id="{6F9EB9F2-07E2-4D64-BBD8-BB5B217F1218}"/>
+                <a16:creationId xmlns:a16="http://schemas.microsoft.com/office/drawing/2014/main" xmlns="" id="{6F9EB9F2-07E2-4D64-BBD8-BB5B217F1218}"/>
               </a:ext>
               <a:ext uri="{C183D7F6-B498-43B3-948B-1728B52AA6E4}">
-                <adec:decorative xmlns="" xmlns:adec="http://schemas.microsoft.com/office/drawing/2017/decorative" val="1"/>
+                <adec:decorative xmlns:adec="http://schemas.microsoft.com/office/drawing/2017/decorative" xmlns="" val="1"/>
               </a:ext>
             </a:extLst>
           </p:cNvPr>
@@ -17114,7 +17095,7 @@
           <p:nvPr>
             <p:extLst>
               <p:ext uri="{386F3935-93C4-4BCD-93E2-E3B085C9AB24}">
-                <p16:designElem xmlns="" xmlns:p16="http://schemas.microsoft.com/office/powerpoint/2015/main" val="1"/>
+                <p16:designElem xmlns:p16="http://schemas.microsoft.com/office/powerpoint/2015/main" xmlns="" val="1"/>
               </p:ext>
             </p:extLst>
           </p:nvPr>
@@ -17166,7 +17147,7 @@
           <p:cNvPr id="2" name="Titel 1">
             <a:extLst>
               <a:ext uri="{FF2B5EF4-FFF2-40B4-BE49-F238E27FC236}">
-                <a16:creationId xmlns="" xmlns:a16="http://schemas.microsoft.com/office/drawing/2014/main" id="{8CCF408F-A9A7-BB42-8132-EB1552B49212}"/>
+                <a16:creationId xmlns:a16="http://schemas.microsoft.com/office/drawing/2014/main" xmlns="" id="{8CCF408F-A9A7-BB42-8132-EB1552B49212}"/>
               </a:ext>
             </a:extLst>
           </p:cNvPr>
@@ -17261,10 +17242,10 @@
           <p:cNvPr id="9" name="Straight Connector 8">
             <a:extLst>
               <a:ext uri="{FF2B5EF4-FFF2-40B4-BE49-F238E27FC236}">
-                <a16:creationId xmlns="" xmlns:a16="http://schemas.microsoft.com/office/drawing/2014/main" id="{F0C57C7C-DFE9-4A1E-B7A9-DF40E63366BB}"/>
+                <a16:creationId xmlns:a16="http://schemas.microsoft.com/office/drawing/2014/main" xmlns="" id="{F0C57C7C-DFE9-4A1E-B7A9-DF40E63366BB}"/>
               </a:ext>
               <a:ext uri="{C183D7F6-B498-43B3-948B-1728B52AA6E4}">
-                <adec:decorative xmlns="" xmlns:adec="http://schemas.microsoft.com/office/drawing/2017/decorative" val="1"/>
+                <adec:decorative xmlns:adec="http://schemas.microsoft.com/office/drawing/2017/decorative" xmlns="" val="1"/>
               </a:ext>
             </a:extLst>
           </p:cNvPr>
@@ -17274,7 +17255,7 @@
           <p:nvPr>
             <p:extLst>
               <p:ext uri="{386F3935-93C4-4BCD-93E2-E3B085C9AB24}">
-                <p16:designElem xmlns="" xmlns:p16="http://schemas.microsoft.com/office/powerpoint/2015/main" val="1"/>
+                <p16:designElem xmlns:p16="http://schemas.microsoft.com/office/powerpoint/2015/main" xmlns="" val="1"/>
               </p:ext>
             </p:extLst>
           </p:nvPr>
@@ -17321,6 +17302,13 @@
   <p:clrMapOvr>
     <a:masterClrMapping/>
   </p:clrMapOvr>
+  <p:timing>
+    <p:tnLst>
+      <p:par>
+        <p:cTn id="1" dur="indefinite" restart="never" nodeType="tmRoot"/>
+      </p:par>
+    </p:tnLst>
+  </p:timing>
 </p:sld>
 </file>
 
@@ -17354,10 +17342,10 @@
           <p:cNvPr id="19" name="Rectangle 18">
             <a:extLst>
               <a:ext uri="{FF2B5EF4-FFF2-40B4-BE49-F238E27FC236}">
-                <a16:creationId xmlns="" xmlns:a16="http://schemas.microsoft.com/office/drawing/2014/main" id="{8D70B121-56F4-4848-B38B-182089D909FA}"/>
+                <a16:creationId xmlns:a16="http://schemas.microsoft.com/office/drawing/2014/main" xmlns="" id="{8D70B121-56F4-4848-B38B-182089D909FA}"/>
               </a:ext>
               <a:ext uri="{C183D7F6-B498-43B3-948B-1728B52AA6E4}">
-                <adec:decorative xmlns="" xmlns:adec="http://schemas.microsoft.com/office/drawing/2017/decorative" val="1"/>
+                <adec:decorative xmlns:adec="http://schemas.microsoft.com/office/drawing/2017/decorative" xmlns="" val="1"/>
               </a:ext>
             </a:extLst>
           </p:cNvPr>
@@ -17367,7 +17355,7 @@
           <p:nvPr>
             <p:extLst>
               <p:ext uri="{386F3935-93C4-4BCD-93E2-E3B085C9AB24}">
-                <p16:designElem xmlns="" xmlns:p16="http://schemas.microsoft.com/office/powerpoint/2015/main" val="1"/>
+                <p16:designElem xmlns:p16="http://schemas.microsoft.com/office/powerpoint/2015/main" xmlns="" val="1"/>
               </p:ext>
             </p:extLst>
           </p:nvPr>
@@ -17448,10 +17436,10 @@
           <p:cNvPr id="21" name="Straight Connector 20">
             <a:extLst>
               <a:ext uri="{FF2B5EF4-FFF2-40B4-BE49-F238E27FC236}">
-                <a16:creationId xmlns="" xmlns:a16="http://schemas.microsoft.com/office/drawing/2014/main" id="{2D72A2C9-F3CA-4216-8BAD-FA4C970C3C4E}"/>
+                <a16:creationId xmlns:a16="http://schemas.microsoft.com/office/drawing/2014/main" xmlns="" id="{2D72A2C9-F3CA-4216-8BAD-FA4C970C3C4E}"/>
               </a:ext>
               <a:ext uri="{C183D7F6-B498-43B3-948B-1728B52AA6E4}">
-                <adec:decorative xmlns="" xmlns:adec="http://schemas.microsoft.com/office/drawing/2017/decorative" val="1"/>
+                <adec:decorative xmlns:adec="http://schemas.microsoft.com/office/drawing/2017/decorative" xmlns="" val="1"/>
               </a:ext>
             </a:extLst>
           </p:cNvPr>
@@ -17461,7 +17449,7 @@
           <p:nvPr>
             <p:extLst>
               <p:ext uri="{386F3935-93C4-4BCD-93E2-E3B085C9AB24}">
-                <p16:designElem xmlns="" xmlns:p16="http://schemas.microsoft.com/office/powerpoint/2015/main" val="1"/>
+                <p16:designElem xmlns:p16="http://schemas.microsoft.com/office/powerpoint/2015/main" xmlns="" val="1"/>
               </p:ext>
             </p:extLst>
           </p:nvPr>
@@ -17503,7 +17491,7 @@
           <p:cNvPr id="5" name="Rechteck 4">
             <a:extLst>
               <a:ext uri="{FF2B5EF4-FFF2-40B4-BE49-F238E27FC236}">
-                <a16:creationId xmlns="" xmlns:a16="http://schemas.microsoft.com/office/drawing/2014/main" id="{6C91387F-AF56-614F-B14F-5E345367B7AF}"/>
+                <a16:creationId xmlns:a16="http://schemas.microsoft.com/office/drawing/2014/main" xmlns="" id="{6C91387F-AF56-614F-B14F-5E345367B7AF}"/>
               </a:ext>
             </a:extLst>
           </p:cNvPr>
@@ -17584,7 +17572,7 @@
           <p:cNvPr id="2" name="Titel 1">
             <a:extLst>
               <a:ext uri="{FF2B5EF4-FFF2-40B4-BE49-F238E27FC236}">
-                <a16:creationId xmlns="" xmlns:a16="http://schemas.microsoft.com/office/drawing/2014/main" id="{35BFDC70-A169-E142-B051-5ABC9190E094}"/>
+                <a16:creationId xmlns:a16="http://schemas.microsoft.com/office/drawing/2014/main" xmlns="" id="{35BFDC70-A169-E142-B051-5ABC9190E094}"/>
               </a:ext>
             </a:extLst>
           </p:cNvPr>
@@ -17624,7 +17612,7 @@
           <p:cNvPr id="6" name="Rechteck 5">
             <a:extLst>
               <a:ext uri="{FF2B5EF4-FFF2-40B4-BE49-F238E27FC236}">
-                <a16:creationId xmlns="" xmlns:a16="http://schemas.microsoft.com/office/drawing/2014/main" id="{B21205B6-3884-4AD1-996C-39D66F295553}"/>
+                <a16:creationId xmlns:a16="http://schemas.microsoft.com/office/drawing/2014/main" xmlns="" id="{B21205B6-3884-4AD1-996C-39D66F295553}"/>
               </a:ext>
             </a:extLst>
           </p:cNvPr>
@@ -17705,7 +17693,7 @@
           <p:cNvPr id="7" name="Grafik 6">
             <a:extLst>
               <a:ext uri="{FF2B5EF4-FFF2-40B4-BE49-F238E27FC236}">
-                <a16:creationId xmlns="" xmlns:a16="http://schemas.microsoft.com/office/drawing/2014/main" id="{D878A5C2-A8AA-4358-9003-B99120CDFE3F}"/>
+                <a16:creationId xmlns:a16="http://schemas.microsoft.com/office/drawing/2014/main" xmlns="" id="{D878A5C2-A8AA-4358-9003-B99120CDFE3F}"/>
               </a:ext>
             </a:extLst>
           </p:cNvPr>
@@ -17780,10 +17768,10 @@
           <p:cNvPr id="8" name="Rectangle 7">
             <a:extLst>
               <a:ext uri="{FF2B5EF4-FFF2-40B4-BE49-F238E27FC236}">
-                <a16:creationId xmlns="" xmlns:a16="http://schemas.microsoft.com/office/drawing/2014/main" id="{8D70B121-56F4-4848-B38B-182089D909FA}"/>
+                <a16:creationId xmlns:a16="http://schemas.microsoft.com/office/drawing/2014/main" xmlns="" id="{8D70B121-56F4-4848-B38B-182089D909FA}"/>
               </a:ext>
               <a:ext uri="{C183D7F6-B498-43B3-948B-1728B52AA6E4}">
-                <adec:decorative xmlns="" xmlns:adec="http://schemas.microsoft.com/office/drawing/2017/decorative" val="1"/>
+                <adec:decorative xmlns:adec="http://schemas.microsoft.com/office/drawing/2017/decorative" xmlns="" val="1"/>
               </a:ext>
             </a:extLst>
           </p:cNvPr>
@@ -17793,7 +17781,7 @@
           <p:nvPr>
             <p:extLst>
               <p:ext uri="{386F3935-93C4-4BCD-93E2-E3B085C9AB24}">
-                <p16:designElem xmlns="" xmlns:p16="http://schemas.microsoft.com/office/powerpoint/2015/main" val="1"/>
+                <p16:designElem xmlns:p16="http://schemas.microsoft.com/office/powerpoint/2015/main" xmlns="" val="1"/>
               </p:ext>
             </p:extLst>
           </p:nvPr>
@@ -17845,7 +17833,7 @@
           <p:cNvPr id="2" name="Titel 1">
             <a:extLst>
               <a:ext uri="{FF2B5EF4-FFF2-40B4-BE49-F238E27FC236}">
-                <a16:creationId xmlns="" xmlns:a16="http://schemas.microsoft.com/office/drawing/2014/main" id="{0B5D0F8F-C92F-BC46-ACC4-7A21698DD272}"/>
+                <a16:creationId xmlns:a16="http://schemas.microsoft.com/office/drawing/2014/main" xmlns="" id="{0B5D0F8F-C92F-BC46-ACC4-7A21698DD272}"/>
               </a:ext>
             </a:extLst>
           </p:cNvPr>
@@ -17885,10 +17873,10 @@
           <p:cNvPr id="10" name="Straight Connector 9">
             <a:extLst>
               <a:ext uri="{FF2B5EF4-FFF2-40B4-BE49-F238E27FC236}">
-                <a16:creationId xmlns="" xmlns:a16="http://schemas.microsoft.com/office/drawing/2014/main" id="{2D72A2C9-F3CA-4216-8BAD-FA4C970C3C4E}"/>
+                <a16:creationId xmlns:a16="http://schemas.microsoft.com/office/drawing/2014/main" xmlns="" id="{2D72A2C9-F3CA-4216-8BAD-FA4C970C3C4E}"/>
               </a:ext>
               <a:ext uri="{C183D7F6-B498-43B3-948B-1728B52AA6E4}">
-                <adec:decorative xmlns="" xmlns:adec="http://schemas.microsoft.com/office/drawing/2017/decorative" val="1"/>
+                <adec:decorative xmlns:adec="http://schemas.microsoft.com/office/drawing/2017/decorative" xmlns="" val="1"/>
               </a:ext>
             </a:extLst>
           </p:cNvPr>
@@ -17898,7 +17886,7 @@
           <p:nvPr>
             <p:extLst>
               <p:ext uri="{386F3935-93C4-4BCD-93E2-E3B085C9AB24}">
-                <p16:designElem xmlns="" xmlns:p16="http://schemas.microsoft.com/office/powerpoint/2015/main" val="1"/>
+                <p16:designElem xmlns:p16="http://schemas.microsoft.com/office/powerpoint/2015/main" xmlns="" val="1"/>
               </p:ext>
             </p:extLst>
           </p:nvPr>
@@ -17936,7 +17924,7 @@
         </p:style>
       </p:cxnSp>
       <mc:AlternateContent xmlns:mc="http://schemas.openxmlformats.org/markup-compatibility/2006">
-        <mc:Choice xmlns="" xmlns:pslz="http://schemas.microsoft.com/office/powerpoint/2016/slidezoom" Requires="pslz">
+        <mc:Choice xmlns:pslz="http://schemas.microsoft.com/office/powerpoint/2016/slidezoom" xmlns="" Requires="pslz">
           <p:graphicFrame>
             <p:nvGraphicFramePr>
               <p:cNvPr id="7" name="Folienzoom 6">
@@ -18000,7 +17988,7 @@
                 <a:hlinkClick r:id="rId4" action="ppaction://hlinksldjump"/>
                 <a:extLst>
                   <a:ext uri="{FF2B5EF4-FFF2-40B4-BE49-F238E27FC236}">
-                    <a16:creationId xmlns:pslz="http://schemas.microsoft.com/office/powerpoint/2016/slidezoom" xmlns="" xmlns:a16="http://schemas.microsoft.com/office/drawing/2014/main" id="{6938BB69-754F-2F4B-94EF-34BD069095AD}"/>
+                    <a16:creationId xmlns:a16="http://schemas.microsoft.com/office/drawing/2014/main" xmlns="" xmlns:pslz="http://schemas.microsoft.com/office/powerpoint/2016/slidezoom" id="{6938BB69-754F-2F4B-94EF-34BD069095AD}"/>
                   </a:ext>
                 </a:extLst>
               </p:cNvPr>
@@ -18082,10 +18070,10 @@
           <p:cNvPr id="8" name="Rectangle 7">
             <a:extLst>
               <a:ext uri="{FF2B5EF4-FFF2-40B4-BE49-F238E27FC236}">
-                <a16:creationId xmlns="" xmlns:a16="http://schemas.microsoft.com/office/drawing/2014/main" id="{8D70B121-56F4-4848-B38B-182089D909FA}"/>
+                <a16:creationId xmlns:a16="http://schemas.microsoft.com/office/drawing/2014/main" xmlns="" id="{8D70B121-56F4-4848-B38B-182089D909FA}"/>
               </a:ext>
               <a:ext uri="{C183D7F6-B498-43B3-948B-1728B52AA6E4}">
-                <adec:decorative xmlns="" xmlns:adec="http://schemas.microsoft.com/office/drawing/2017/decorative" val="1"/>
+                <adec:decorative xmlns:adec="http://schemas.microsoft.com/office/drawing/2017/decorative" xmlns="" val="1"/>
               </a:ext>
             </a:extLst>
           </p:cNvPr>
@@ -18095,7 +18083,7 @@
           <p:nvPr>
             <p:extLst>
               <p:ext uri="{386F3935-93C4-4BCD-93E2-E3B085C9AB24}">
-                <p16:designElem xmlns="" xmlns:p16="http://schemas.microsoft.com/office/powerpoint/2015/main" val="1"/>
+                <p16:designElem xmlns:p16="http://schemas.microsoft.com/office/powerpoint/2015/main" xmlns="" val="1"/>
               </p:ext>
             </p:extLst>
           </p:nvPr>
@@ -18147,10 +18135,10 @@
           <p:cNvPr id="10" name="Straight Connector 9">
             <a:extLst>
               <a:ext uri="{FF2B5EF4-FFF2-40B4-BE49-F238E27FC236}">
-                <a16:creationId xmlns="" xmlns:a16="http://schemas.microsoft.com/office/drawing/2014/main" id="{2D72A2C9-F3CA-4216-8BAD-FA4C970C3C4E}"/>
+                <a16:creationId xmlns:a16="http://schemas.microsoft.com/office/drawing/2014/main" xmlns="" id="{2D72A2C9-F3CA-4216-8BAD-FA4C970C3C4E}"/>
               </a:ext>
               <a:ext uri="{C183D7F6-B498-43B3-948B-1728B52AA6E4}">
-                <adec:decorative xmlns="" xmlns:adec="http://schemas.microsoft.com/office/drawing/2017/decorative" val="1"/>
+                <adec:decorative xmlns:adec="http://schemas.microsoft.com/office/drawing/2017/decorative" xmlns="" val="1"/>
               </a:ext>
             </a:extLst>
           </p:cNvPr>
@@ -18160,7 +18148,7 @@
           <p:nvPr>
             <p:extLst>
               <p:ext uri="{386F3935-93C4-4BCD-93E2-E3B085C9AB24}">
-                <p16:designElem xmlns="" xmlns:p16="http://schemas.microsoft.com/office/powerpoint/2015/main" val="1"/>
+                <p16:designElem xmlns:p16="http://schemas.microsoft.com/office/powerpoint/2015/main" xmlns="" val="1"/>
               </p:ext>
             </p:extLst>
           </p:nvPr>
@@ -18202,7 +18190,7 @@
           <p:cNvPr id="20" name="Textfeld 19">
             <a:extLst>
               <a:ext uri="{FF2B5EF4-FFF2-40B4-BE49-F238E27FC236}">
-                <a16:creationId xmlns="" xmlns:a16="http://schemas.microsoft.com/office/drawing/2014/main" id="{22318D91-F3FB-1D4F-8CA1-574E5C5A021C}"/>
+                <a16:creationId xmlns:a16="http://schemas.microsoft.com/office/drawing/2014/main" xmlns="" id="{22318D91-F3FB-1D4F-8CA1-574E5C5A021C}"/>
               </a:ext>
             </a:extLst>
           </p:cNvPr>
@@ -18254,7 +18242,7 @@
           <p:cNvPr id="21" name="Grafik 20">
             <a:extLst>
               <a:ext uri="{FF2B5EF4-FFF2-40B4-BE49-F238E27FC236}">
-                <a16:creationId xmlns="" xmlns:a16="http://schemas.microsoft.com/office/drawing/2014/main" id="{5ACE5D07-54C6-4407-8C9E-551B71135727}"/>
+                <a16:creationId xmlns:a16="http://schemas.microsoft.com/office/drawing/2014/main" xmlns="" id="{5ACE5D07-54C6-4407-8C9E-551B71135727}"/>
               </a:ext>
             </a:extLst>
           </p:cNvPr>
@@ -18329,10 +18317,10 @@
           <p:cNvPr id="19" name="Rectangle 18">
             <a:extLst>
               <a:ext uri="{FF2B5EF4-FFF2-40B4-BE49-F238E27FC236}">
-                <a16:creationId xmlns="" xmlns:a16="http://schemas.microsoft.com/office/drawing/2014/main" id="{8D70B121-56F4-4848-B38B-182089D909FA}"/>
+                <a16:creationId xmlns:a16="http://schemas.microsoft.com/office/drawing/2014/main" xmlns="" id="{8D70B121-56F4-4848-B38B-182089D909FA}"/>
               </a:ext>
               <a:ext uri="{C183D7F6-B498-43B3-948B-1728B52AA6E4}">
-                <adec:decorative xmlns="" xmlns:adec="http://schemas.microsoft.com/office/drawing/2017/decorative" val="1"/>
+                <adec:decorative xmlns:adec="http://schemas.microsoft.com/office/drawing/2017/decorative" xmlns="" val="1"/>
               </a:ext>
             </a:extLst>
           </p:cNvPr>
@@ -18342,7 +18330,7 @@
           <p:nvPr>
             <p:extLst>
               <p:ext uri="{386F3935-93C4-4BCD-93E2-E3B085C9AB24}">
-                <p16:designElem xmlns="" xmlns:p16="http://schemas.microsoft.com/office/powerpoint/2015/main" val="1"/>
+                <p16:designElem xmlns:p16="http://schemas.microsoft.com/office/powerpoint/2015/main" xmlns="" val="1"/>
               </p:ext>
             </p:extLst>
           </p:nvPr>
@@ -18394,7 +18382,7 @@
           <p:cNvPr id="2" name="Titel 1">
             <a:extLst>
               <a:ext uri="{FF2B5EF4-FFF2-40B4-BE49-F238E27FC236}">
-                <a16:creationId xmlns="" xmlns:a16="http://schemas.microsoft.com/office/drawing/2014/main" id="{35BFDC70-A169-E142-B051-5ABC9190E094}"/>
+                <a16:creationId xmlns:a16="http://schemas.microsoft.com/office/drawing/2014/main" xmlns="" id="{35BFDC70-A169-E142-B051-5ABC9190E094}"/>
               </a:ext>
             </a:extLst>
           </p:cNvPr>
@@ -18484,10 +18472,10 @@
           <p:cNvPr id="21" name="Straight Connector 20">
             <a:extLst>
               <a:ext uri="{FF2B5EF4-FFF2-40B4-BE49-F238E27FC236}">
-                <a16:creationId xmlns="" xmlns:a16="http://schemas.microsoft.com/office/drawing/2014/main" id="{2D72A2C9-F3CA-4216-8BAD-FA4C970C3C4E}"/>
+                <a16:creationId xmlns:a16="http://schemas.microsoft.com/office/drawing/2014/main" xmlns="" id="{2D72A2C9-F3CA-4216-8BAD-FA4C970C3C4E}"/>
               </a:ext>
               <a:ext uri="{C183D7F6-B498-43B3-948B-1728B52AA6E4}">
-                <adec:decorative xmlns="" xmlns:adec="http://schemas.microsoft.com/office/drawing/2017/decorative" val="1"/>
+                <adec:decorative xmlns:adec="http://schemas.microsoft.com/office/drawing/2017/decorative" xmlns="" val="1"/>
               </a:ext>
             </a:extLst>
           </p:cNvPr>
@@ -18497,7 +18485,7 @@
           <p:nvPr>
             <p:extLst>
               <p:ext uri="{386F3935-93C4-4BCD-93E2-E3B085C9AB24}">
-                <p16:designElem xmlns="" xmlns:p16="http://schemas.microsoft.com/office/powerpoint/2015/main" val="1"/>
+                <p16:designElem xmlns:p16="http://schemas.microsoft.com/office/powerpoint/2015/main" xmlns="" val="1"/>
               </p:ext>
             </p:extLst>
           </p:nvPr>
@@ -18539,7 +18527,7 @@
           <p:cNvPr id="14" name="Inhaltsplatzhalter 2">
             <a:extLst>
               <a:ext uri="{FF2B5EF4-FFF2-40B4-BE49-F238E27FC236}">
-                <a16:creationId xmlns="" xmlns:a16="http://schemas.microsoft.com/office/drawing/2014/main" id="{53B37B3D-655D-0342-AF1C-93DFDD28CF29}"/>
+                <a16:creationId xmlns:a16="http://schemas.microsoft.com/office/drawing/2014/main" xmlns="" id="{53B37B3D-655D-0342-AF1C-93DFDD28CF29}"/>
               </a:ext>
             </a:extLst>
           </p:cNvPr>
@@ -18670,10 +18658,10 @@
           <p:cNvPr id="19" name="Rectangle 18">
             <a:extLst>
               <a:ext uri="{FF2B5EF4-FFF2-40B4-BE49-F238E27FC236}">
-                <a16:creationId xmlns="" xmlns:a16="http://schemas.microsoft.com/office/drawing/2014/main" id="{8D70B121-56F4-4848-B38B-182089D909FA}"/>
+                <a16:creationId xmlns:a16="http://schemas.microsoft.com/office/drawing/2014/main" xmlns="" id="{8D70B121-56F4-4848-B38B-182089D909FA}"/>
               </a:ext>
               <a:ext uri="{C183D7F6-B498-43B3-948B-1728B52AA6E4}">
-                <adec:decorative xmlns="" xmlns:adec="http://schemas.microsoft.com/office/drawing/2017/decorative" val="1"/>
+                <adec:decorative xmlns:adec="http://schemas.microsoft.com/office/drawing/2017/decorative" xmlns="" val="1"/>
               </a:ext>
             </a:extLst>
           </p:cNvPr>
@@ -18683,7 +18671,7 @@
           <p:nvPr>
             <p:extLst>
               <p:ext uri="{386F3935-93C4-4BCD-93E2-E3B085C9AB24}">
-                <p16:designElem xmlns="" xmlns:p16="http://schemas.microsoft.com/office/powerpoint/2015/main" val="1"/>
+                <p16:designElem xmlns:p16="http://schemas.microsoft.com/office/powerpoint/2015/main" xmlns="" val="1"/>
               </p:ext>
             </p:extLst>
           </p:nvPr>
@@ -18735,10 +18723,10 @@
           <p:cNvPr id="21" name="Straight Connector 20">
             <a:extLst>
               <a:ext uri="{FF2B5EF4-FFF2-40B4-BE49-F238E27FC236}">
-                <a16:creationId xmlns="" xmlns:a16="http://schemas.microsoft.com/office/drawing/2014/main" id="{2D72A2C9-F3CA-4216-8BAD-FA4C970C3C4E}"/>
+                <a16:creationId xmlns:a16="http://schemas.microsoft.com/office/drawing/2014/main" xmlns="" id="{2D72A2C9-F3CA-4216-8BAD-FA4C970C3C4E}"/>
               </a:ext>
               <a:ext uri="{C183D7F6-B498-43B3-948B-1728B52AA6E4}">
-                <adec:decorative xmlns="" xmlns:adec="http://schemas.microsoft.com/office/drawing/2017/decorative" val="1"/>
+                <adec:decorative xmlns:adec="http://schemas.microsoft.com/office/drawing/2017/decorative" xmlns="" val="1"/>
               </a:ext>
             </a:extLst>
           </p:cNvPr>
@@ -18748,7 +18736,7 @@
           <p:nvPr>
             <p:extLst>
               <p:ext uri="{386F3935-93C4-4BCD-93E2-E3B085C9AB24}">
-                <p16:designElem xmlns="" xmlns:p16="http://schemas.microsoft.com/office/powerpoint/2015/main" val="1"/>
+                <p16:designElem xmlns:p16="http://schemas.microsoft.com/office/powerpoint/2015/main" xmlns="" val="1"/>
               </p:ext>
             </p:extLst>
           </p:nvPr>
@@ -18790,7 +18778,7 @@
           <p:cNvPr id="14" name="Inhaltsplatzhalter 2">
             <a:extLst>
               <a:ext uri="{FF2B5EF4-FFF2-40B4-BE49-F238E27FC236}">
-                <a16:creationId xmlns="" xmlns:a16="http://schemas.microsoft.com/office/drawing/2014/main" id="{53B37B3D-655D-0342-AF1C-93DFDD28CF29}"/>
+                <a16:creationId xmlns:a16="http://schemas.microsoft.com/office/drawing/2014/main" xmlns="" id="{53B37B3D-655D-0342-AF1C-93DFDD28CF29}"/>
               </a:ext>
             </a:extLst>
           </p:cNvPr>
@@ -19004,7 +18992,7 @@
           <p:cNvPr id="20" name="Gruppieren 19">
             <a:extLst>
               <a:ext uri="{FF2B5EF4-FFF2-40B4-BE49-F238E27FC236}">
-                <a16:creationId xmlns="" xmlns:a16="http://schemas.microsoft.com/office/drawing/2014/main" id="{50ECC846-FE00-5642-8853-EEE6E8A01659}"/>
+                <a16:creationId xmlns:a16="http://schemas.microsoft.com/office/drawing/2014/main" xmlns="" id="{50ECC846-FE00-5642-8853-EEE6E8A01659}"/>
               </a:ext>
             </a:extLst>
           </p:cNvPr>
@@ -19024,7 +19012,7 @@
             <p:cNvPr id="22" name="Grafik 21">
               <a:extLst>
                 <a:ext uri="{FF2B5EF4-FFF2-40B4-BE49-F238E27FC236}">
-                  <a16:creationId xmlns="" xmlns:a16="http://schemas.microsoft.com/office/drawing/2014/main" id="{4E6774A5-9359-5A4C-9D07-47945BA0A9B3}"/>
+                  <a16:creationId xmlns:a16="http://schemas.microsoft.com/office/drawing/2014/main" xmlns="" id="{4E6774A5-9359-5A4C-9D07-47945BA0A9B3}"/>
                 </a:ext>
               </a:extLst>
             </p:cNvPr>
@@ -19054,7 +19042,7 @@
             <p:cNvPr id="23" name="Dreieck 22">
               <a:extLst>
                 <a:ext uri="{FF2B5EF4-FFF2-40B4-BE49-F238E27FC236}">
-                  <a16:creationId xmlns="" xmlns:a16="http://schemas.microsoft.com/office/drawing/2014/main" id="{C58FCFF5-FFE5-1240-AE4D-8FE755FB7696}"/>
+                  <a16:creationId xmlns:a16="http://schemas.microsoft.com/office/drawing/2014/main" xmlns="" id="{C58FCFF5-FFE5-1240-AE4D-8FE755FB7696}"/>
                 </a:ext>
               </a:extLst>
             </p:cNvPr>
@@ -19100,7 +19088,7 @@
             <p:cNvPr id="24" name="Dreieck 23">
               <a:extLst>
                 <a:ext uri="{FF2B5EF4-FFF2-40B4-BE49-F238E27FC236}">
-                  <a16:creationId xmlns="" xmlns:a16="http://schemas.microsoft.com/office/drawing/2014/main" id="{45F58FCA-1036-9842-AC1B-581E8445154F}"/>
+                  <a16:creationId xmlns:a16="http://schemas.microsoft.com/office/drawing/2014/main" xmlns="" id="{45F58FCA-1036-9842-AC1B-581E8445154F}"/>
                 </a:ext>
               </a:extLst>
             </p:cNvPr>
@@ -19146,7 +19134,7 @@
             <p:cNvPr id="25" name="Dreieck 24">
               <a:extLst>
                 <a:ext uri="{FF2B5EF4-FFF2-40B4-BE49-F238E27FC236}">
-                  <a16:creationId xmlns="" xmlns:a16="http://schemas.microsoft.com/office/drawing/2014/main" id="{F32A8848-A721-984F-933E-9E9622B747AD}"/>
+                  <a16:creationId xmlns:a16="http://schemas.microsoft.com/office/drawing/2014/main" xmlns="" id="{F32A8848-A721-984F-933E-9E9622B747AD}"/>
                 </a:ext>
               </a:extLst>
             </p:cNvPr>
@@ -19192,7 +19180,7 @@
             <p:cNvPr id="26" name="Dreieck 25">
               <a:extLst>
                 <a:ext uri="{FF2B5EF4-FFF2-40B4-BE49-F238E27FC236}">
-                  <a16:creationId xmlns="" xmlns:a16="http://schemas.microsoft.com/office/drawing/2014/main" id="{80771BCA-609E-164A-B463-F6A1D4A2CEAE}"/>
+                  <a16:creationId xmlns:a16="http://schemas.microsoft.com/office/drawing/2014/main" xmlns="" id="{80771BCA-609E-164A-B463-F6A1D4A2CEAE}"/>
                 </a:ext>
               </a:extLst>
             </p:cNvPr>
@@ -19238,7 +19226,7 @@
             <p:cNvPr id="27" name="Dreieck 26">
               <a:extLst>
                 <a:ext uri="{FF2B5EF4-FFF2-40B4-BE49-F238E27FC236}">
-                  <a16:creationId xmlns="" xmlns:a16="http://schemas.microsoft.com/office/drawing/2014/main" id="{D74FB55B-722F-AF4E-B788-08B063B85B99}"/>
+                  <a16:creationId xmlns:a16="http://schemas.microsoft.com/office/drawing/2014/main" xmlns="" id="{D74FB55B-722F-AF4E-B788-08B063B85B99}"/>
                 </a:ext>
               </a:extLst>
             </p:cNvPr>
@@ -19284,7 +19272,7 @@
             <p:cNvPr id="28" name="Dreieck 27">
               <a:extLst>
                 <a:ext uri="{FF2B5EF4-FFF2-40B4-BE49-F238E27FC236}">
-                  <a16:creationId xmlns="" xmlns:a16="http://schemas.microsoft.com/office/drawing/2014/main" id="{E28615C0-4C02-CA41-ABCF-97C87E10A370}"/>
+                  <a16:creationId xmlns:a16="http://schemas.microsoft.com/office/drawing/2014/main" xmlns="" id="{E28615C0-4C02-CA41-ABCF-97C87E10A370}"/>
                 </a:ext>
               </a:extLst>
             </p:cNvPr>
@@ -19330,7 +19318,7 @@
             <p:cNvPr id="29" name="Dreieck 28">
               <a:extLst>
                 <a:ext uri="{FF2B5EF4-FFF2-40B4-BE49-F238E27FC236}">
-                  <a16:creationId xmlns="" xmlns:a16="http://schemas.microsoft.com/office/drawing/2014/main" id="{FBA1CE75-BDA7-5541-B332-841CA5A0F3D8}"/>
+                  <a16:creationId xmlns:a16="http://schemas.microsoft.com/office/drawing/2014/main" xmlns="" id="{FBA1CE75-BDA7-5541-B332-841CA5A0F3D8}"/>
                 </a:ext>
               </a:extLst>
             </p:cNvPr>
@@ -19376,7 +19364,7 @@
             <p:cNvPr id="30" name="Dreieck 29">
               <a:extLst>
                 <a:ext uri="{FF2B5EF4-FFF2-40B4-BE49-F238E27FC236}">
-                  <a16:creationId xmlns="" xmlns:a16="http://schemas.microsoft.com/office/drawing/2014/main" id="{54C42A26-F415-894B-B37F-08315630F5A1}"/>
+                  <a16:creationId xmlns:a16="http://schemas.microsoft.com/office/drawing/2014/main" xmlns="" id="{54C42A26-F415-894B-B37F-08315630F5A1}"/>
                 </a:ext>
               </a:extLst>
             </p:cNvPr>
@@ -19468,10 +19456,10 @@
           <p:cNvPr id="8" name="Rectangle 7">
             <a:extLst>
               <a:ext uri="{FF2B5EF4-FFF2-40B4-BE49-F238E27FC236}">
-                <a16:creationId xmlns="" xmlns:a16="http://schemas.microsoft.com/office/drawing/2014/main" id="{8D70B121-56F4-4848-B38B-182089D909FA}"/>
+                <a16:creationId xmlns:a16="http://schemas.microsoft.com/office/drawing/2014/main" xmlns="" id="{8D70B121-56F4-4848-B38B-182089D909FA}"/>
               </a:ext>
               <a:ext uri="{C183D7F6-B498-43B3-948B-1728B52AA6E4}">
-                <adec:decorative xmlns="" xmlns:adec="http://schemas.microsoft.com/office/drawing/2017/decorative" val="1"/>
+                <adec:decorative xmlns:adec="http://schemas.microsoft.com/office/drawing/2017/decorative" xmlns="" val="1"/>
               </a:ext>
             </a:extLst>
           </p:cNvPr>
@@ -19481,7 +19469,7 @@
           <p:nvPr>
             <p:extLst>
               <p:ext uri="{386F3935-93C4-4BCD-93E2-E3B085C9AB24}">
-                <p16:designElem xmlns="" xmlns:p16="http://schemas.microsoft.com/office/powerpoint/2015/main" val="1"/>
+                <p16:designElem xmlns:p16="http://schemas.microsoft.com/office/powerpoint/2015/main" xmlns="" val="1"/>
               </p:ext>
             </p:extLst>
           </p:nvPr>
@@ -19533,7 +19521,7 @@
           <p:cNvPr id="2" name="Titel 1">
             <a:extLst>
               <a:ext uri="{FF2B5EF4-FFF2-40B4-BE49-F238E27FC236}">
-                <a16:creationId xmlns="" xmlns:a16="http://schemas.microsoft.com/office/drawing/2014/main" id="{0B5D0F8F-C92F-BC46-ACC4-7A21698DD272}"/>
+                <a16:creationId xmlns:a16="http://schemas.microsoft.com/office/drawing/2014/main" xmlns="" id="{0B5D0F8F-C92F-BC46-ACC4-7A21698DD272}"/>
               </a:ext>
             </a:extLst>
           </p:cNvPr>
@@ -19573,10 +19561,10 @@
           <p:cNvPr id="10" name="Straight Connector 9">
             <a:extLst>
               <a:ext uri="{FF2B5EF4-FFF2-40B4-BE49-F238E27FC236}">
-                <a16:creationId xmlns="" xmlns:a16="http://schemas.microsoft.com/office/drawing/2014/main" id="{2D72A2C9-F3CA-4216-8BAD-FA4C970C3C4E}"/>
+                <a16:creationId xmlns:a16="http://schemas.microsoft.com/office/drawing/2014/main" xmlns="" id="{2D72A2C9-F3CA-4216-8BAD-FA4C970C3C4E}"/>
               </a:ext>
               <a:ext uri="{C183D7F6-B498-43B3-948B-1728B52AA6E4}">
-                <adec:decorative xmlns="" xmlns:adec="http://schemas.microsoft.com/office/drawing/2017/decorative" val="1"/>
+                <adec:decorative xmlns:adec="http://schemas.microsoft.com/office/drawing/2017/decorative" xmlns="" val="1"/>
               </a:ext>
             </a:extLst>
           </p:cNvPr>
@@ -19586,7 +19574,7 @@
           <p:nvPr>
             <p:extLst>
               <p:ext uri="{386F3935-93C4-4BCD-93E2-E3B085C9AB24}">
-                <p16:designElem xmlns="" xmlns:p16="http://schemas.microsoft.com/office/powerpoint/2015/main" val="1"/>
+                <p16:designElem xmlns:p16="http://schemas.microsoft.com/office/powerpoint/2015/main" xmlns="" val="1"/>
               </p:ext>
             </p:extLst>
           </p:nvPr>
@@ -19628,7 +19616,7 @@
           <p:cNvPr id="3" name="Inhaltsplatzhalter 2">
             <a:extLst>
               <a:ext uri="{FF2B5EF4-FFF2-40B4-BE49-F238E27FC236}">
-                <a16:creationId xmlns="" xmlns:a16="http://schemas.microsoft.com/office/drawing/2014/main" id="{692C889E-3E0C-9E40-9512-4230892B2B42}"/>
+                <a16:creationId xmlns:a16="http://schemas.microsoft.com/office/drawing/2014/main" xmlns="" id="{692C889E-3E0C-9E40-9512-4230892B2B42}"/>
               </a:ext>
             </a:extLst>
           </p:cNvPr>

--- a/Praktikum_6/Abgabe 6.pptx
+++ b/Praktikum_6/Abgabe 6.pptx
@@ -5,7 +5,7 @@
     <p:sldMasterId id="2147483648" r:id="rId1"/>
   </p:sldMasterIdLst>
   <p:notesMasterIdLst>
-    <p:notesMasterId r:id="rId35"/>
+    <p:notesMasterId r:id="rId36"/>
   </p:notesMasterIdLst>
   <p:sldIdLst>
     <p:sldId id="256" r:id="rId2"/>
@@ -32,15 +32,16 @@
     <p:sldId id="305" r:id="rId23"/>
     <p:sldId id="291" r:id="rId24"/>
     <p:sldId id="309" r:id="rId25"/>
-    <p:sldId id="315" r:id="rId26"/>
-    <p:sldId id="311" r:id="rId27"/>
-    <p:sldId id="314" r:id="rId28"/>
-    <p:sldId id="308" r:id="rId29"/>
-    <p:sldId id="293" r:id="rId30"/>
-    <p:sldId id="312" r:id="rId31"/>
-    <p:sldId id="313" r:id="rId32"/>
-    <p:sldId id="281" r:id="rId33"/>
-    <p:sldId id="277" r:id="rId34"/>
+    <p:sldId id="316" r:id="rId26"/>
+    <p:sldId id="315" r:id="rId27"/>
+    <p:sldId id="311" r:id="rId28"/>
+    <p:sldId id="314" r:id="rId29"/>
+    <p:sldId id="308" r:id="rId30"/>
+    <p:sldId id="293" r:id="rId31"/>
+    <p:sldId id="312" r:id="rId32"/>
+    <p:sldId id="313" r:id="rId33"/>
+    <p:sldId id="281" r:id="rId34"/>
+    <p:sldId id="277" r:id="rId35"/>
   </p:sldIdLst>
   <p:sldSz cx="12192000" cy="6858000"/>
   <p:notesSz cx="6858000" cy="9144000"/>
@@ -1805,7 +1806,7 @@
     </p:spTree>
     <p:extLst>
       <p:ext uri="{BB962C8B-B14F-4D97-AF65-F5344CB8AC3E}">
-        <p14:creationId xmlns:p14="http://schemas.microsoft.com/office/powerpoint/2010/main" val="406160463"/>
+        <p14:creationId xmlns:p14="http://schemas.microsoft.com/office/powerpoint/2010/main" val="1618161514"/>
       </p:ext>
     </p:extLst>
   </p:cSld>
@@ -1889,7 +1890,7 @@
     </p:spTree>
     <p:extLst>
       <p:ext uri="{BB962C8B-B14F-4D97-AF65-F5344CB8AC3E}">
-        <p14:creationId xmlns:p14="http://schemas.microsoft.com/office/powerpoint/2010/main" val="2791557570"/>
+        <p14:creationId xmlns:p14="http://schemas.microsoft.com/office/powerpoint/2010/main" val="406160463"/>
       </p:ext>
     </p:extLst>
   </p:cSld>
@@ -1973,7 +1974,7 @@
     </p:spTree>
     <p:extLst>
       <p:ext uri="{BB962C8B-B14F-4D97-AF65-F5344CB8AC3E}">
-        <p14:creationId xmlns:p14="http://schemas.microsoft.com/office/powerpoint/2010/main" val="4137031017"/>
+        <p14:creationId xmlns:p14="http://schemas.microsoft.com/office/powerpoint/2010/main" val="2791557570"/>
       </p:ext>
     </p:extLst>
   </p:cSld>
@@ -2057,7 +2058,7 @@
     </p:spTree>
     <p:extLst>
       <p:ext uri="{BB962C8B-B14F-4D97-AF65-F5344CB8AC3E}">
-        <p14:creationId xmlns:p14="http://schemas.microsoft.com/office/powerpoint/2010/main" val="544103937"/>
+        <p14:creationId xmlns:p14="http://schemas.microsoft.com/office/powerpoint/2010/main" val="4137031017"/>
       </p:ext>
     </p:extLst>
   </p:cSld>
@@ -2141,7 +2142,7 @@
     </p:spTree>
     <p:extLst>
       <p:ext uri="{BB962C8B-B14F-4D97-AF65-F5344CB8AC3E}">
-        <p14:creationId xmlns:p14="http://schemas.microsoft.com/office/powerpoint/2010/main" val="601079304"/>
+        <p14:creationId xmlns:p14="http://schemas.microsoft.com/office/powerpoint/2010/main" val="544103937"/>
       </p:ext>
     </p:extLst>
   </p:cSld>
@@ -2225,7 +2226,7 @@
     </p:spTree>
     <p:extLst>
       <p:ext uri="{BB962C8B-B14F-4D97-AF65-F5344CB8AC3E}">
-        <p14:creationId xmlns:p14="http://schemas.microsoft.com/office/powerpoint/2010/main" val="3561241889"/>
+        <p14:creationId xmlns:p14="http://schemas.microsoft.com/office/powerpoint/2010/main" val="601079304"/>
       </p:ext>
     </p:extLst>
   </p:cSld>
@@ -2309,7 +2310,7 @@
     </p:spTree>
     <p:extLst>
       <p:ext uri="{BB962C8B-B14F-4D97-AF65-F5344CB8AC3E}">
-        <p14:creationId xmlns:p14="http://schemas.microsoft.com/office/powerpoint/2010/main" val="2116576985"/>
+        <p14:creationId xmlns:p14="http://schemas.microsoft.com/office/powerpoint/2010/main" val="3561241889"/>
       </p:ext>
     </p:extLst>
   </p:cSld>
@@ -2537,6 +2538,90 @@
     </p:spTree>
     <p:extLst>
       <p:ext uri="{BB962C8B-B14F-4D97-AF65-F5344CB8AC3E}">
+        <p14:creationId xmlns:p14="http://schemas.microsoft.com/office/powerpoint/2010/main" val="2116576985"/>
+      </p:ext>
+    </p:extLst>
+  </p:cSld>
+  <p:clrMapOvr>
+    <a:masterClrMapping/>
+  </p:clrMapOvr>
+</p:notes>
+</file>
+
+<file path=ppt/notesSlides/notesSlide31.xml><?xml version="1.0" encoding="utf-8"?>
+<p:notes xmlns:a="http://schemas.openxmlformats.org/drawingml/2006/main" xmlns:r="http://schemas.openxmlformats.org/officeDocument/2006/relationships" xmlns:p="http://schemas.openxmlformats.org/presentationml/2006/main">
+  <p:cSld>
+    <p:spTree>
+      <p:nvGrpSpPr>
+        <p:cNvPr id="1" name=""/>
+        <p:cNvGrpSpPr/>
+        <p:nvPr/>
+      </p:nvGrpSpPr>
+      <p:grpSpPr>
+        <a:xfrm>
+          <a:off x="0" y="0"/>
+          <a:ext cx="0" cy="0"/>
+          <a:chOff x="0" y="0"/>
+          <a:chExt cx="0" cy="0"/>
+        </a:xfrm>
+      </p:grpSpPr>
+      <p:sp>
+        <p:nvSpPr>
+          <p:cNvPr id="2" name="Folienbildplatzhalter 1"/>
+          <p:cNvSpPr>
+            <a:spLocks noGrp="1" noRot="1" noChangeAspect="1"/>
+          </p:cNvSpPr>
+          <p:nvPr>
+            <p:ph type="sldImg"/>
+          </p:nvPr>
+        </p:nvSpPr>
+        <p:spPr/>
+      </p:sp>
+      <p:sp>
+        <p:nvSpPr>
+          <p:cNvPr id="3" name="Notizenplatzhalter 2"/>
+          <p:cNvSpPr>
+            <a:spLocks noGrp="1"/>
+          </p:cNvSpPr>
+          <p:nvPr>
+            <p:ph type="body" idx="1"/>
+          </p:nvPr>
+        </p:nvSpPr>
+        <p:spPr/>
+        <p:txBody>
+          <a:bodyPr/>
+          <a:lstStyle/>
+          <a:p>
+            <a:endParaRPr lang="de-DE" dirty="0"/>
+          </a:p>
+        </p:txBody>
+      </p:sp>
+      <p:sp>
+        <p:nvSpPr>
+          <p:cNvPr id="4" name="Foliennummernplatzhalter 3"/>
+          <p:cNvSpPr>
+            <a:spLocks noGrp="1"/>
+          </p:cNvSpPr>
+          <p:nvPr>
+            <p:ph type="sldNum" sz="quarter" idx="5"/>
+          </p:nvPr>
+        </p:nvSpPr>
+        <p:spPr/>
+        <p:txBody>
+          <a:bodyPr/>
+          <a:lstStyle/>
+          <a:p>
+            <a:fld id="{52267A27-16C0-714D-83C5-54B46B511F52}" type="slidenum">
+              <a:rPr lang="de-DE" smtClean="0"/>
+              <a:t>33</a:t>
+            </a:fld>
+            <a:endParaRPr lang="de-DE"/>
+          </a:p>
+        </p:txBody>
+      </p:sp>
+    </p:spTree>
+    <p:extLst>
+      <p:ext uri="{BB962C8B-B14F-4D97-AF65-F5344CB8AC3E}">
         <p14:creationId xmlns:p14="http://schemas.microsoft.com/office/powerpoint/2010/main" val="2360861896"/>
       </p:ext>
     </p:extLst>
@@ -3114,7 +3199,7 @@
           <p:cNvPr id="2" name="Titel 1">
             <a:extLst>
               <a:ext uri="{FF2B5EF4-FFF2-40B4-BE49-F238E27FC236}">
-                <a16:creationId xmlns:a16="http://schemas.microsoft.com/office/drawing/2014/main" xmlns="" id="{9729E139-B9C1-1343-8D77-54875F0E38E2}"/>
+                <a16:creationId xmlns="" xmlns:a16="http://schemas.microsoft.com/office/drawing/2014/main" id="{9729E139-B9C1-1343-8D77-54875F0E38E2}"/>
               </a:ext>
             </a:extLst>
           </p:cNvPr>
@@ -3151,7 +3236,7 @@
           <p:cNvPr id="3" name="Untertitel 2">
             <a:extLst>
               <a:ext uri="{FF2B5EF4-FFF2-40B4-BE49-F238E27FC236}">
-                <a16:creationId xmlns:a16="http://schemas.microsoft.com/office/drawing/2014/main" xmlns="" id="{CD0DC60B-5925-7245-9AD4-70DD2088C669}"/>
+                <a16:creationId xmlns="" xmlns:a16="http://schemas.microsoft.com/office/drawing/2014/main" id="{CD0DC60B-5925-7245-9AD4-70DD2088C669}"/>
               </a:ext>
             </a:extLst>
           </p:cNvPr>
@@ -3221,7 +3306,7 @@
           <p:cNvPr id="4" name="Datumsplatzhalter 3">
             <a:extLst>
               <a:ext uri="{FF2B5EF4-FFF2-40B4-BE49-F238E27FC236}">
-                <a16:creationId xmlns:a16="http://schemas.microsoft.com/office/drawing/2014/main" xmlns="" id="{48071E95-2AB9-EB43-8B4E-ECA6DA6E4AD5}"/>
+                <a16:creationId xmlns="" xmlns:a16="http://schemas.microsoft.com/office/drawing/2014/main" id="{48071E95-2AB9-EB43-8B4E-ECA6DA6E4AD5}"/>
               </a:ext>
             </a:extLst>
           </p:cNvPr>
@@ -3250,7 +3335,7 @@
           <p:cNvPr id="5" name="Fußzeilenplatzhalter 4">
             <a:extLst>
               <a:ext uri="{FF2B5EF4-FFF2-40B4-BE49-F238E27FC236}">
-                <a16:creationId xmlns:a16="http://schemas.microsoft.com/office/drawing/2014/main" xmlns="" id="{F1BDF94A-7043-F94B-A957-905DCDFD9521}"/>
+                <a16:creationId xmlns="" xmlns:a16="http://schemas.microsoft.com/office/drawing/2014/main" id="{F1BDF94A-7043-F94B-A957-905DCDFD9521}"/>
               </a:ext>
             </a:extLst>
           </p:cNvPr>
@@ -3275,7 +3360,7 @@
           <p:cNvPr id="6" name="Foliennummernplatzhalter 5">
             <a:extLst>
               <a:ext uri="{FF2B5EF4-FFF2-40B4-BE49-F238E27FC236}">
-                <a16:creationId xmlns:a16="http://schemas.microsoft.com/office/drawing/2014/main" xmlns="" id="{32A861AE-5302-CD4F-9C7C-2BFEE23DBE0B}"/>
+                <a16:creationId xmlns="" xmlns:a16="http://schemas.microsoft.com/office/drawing/2014/main" id="{32A861AE-5302-CD4F-9C7C-2BFEE23DBE0B}"/>
               </a:ext>
             </a:extLst>
           </p:cNvPr>
@@ -3334,7 +3419,7 @@
           <p:cNvPr id="2" name="Titel 1">
             <a:extLst>
               <a:ext uri="{FF2B5EF4-FFF2-40B4-BE49-F238E27FC236}">
-                <a16:creationId xmlns:a16="http://schemas.microsoft.com/office/drawing/2014/main" xmlns="" id="{63E0E303-0843-9E43-B4FE-B741D51AF29D}"/>
+                <a16:creationId xmlns="" xmlns:a16="http://schemas.microsoft.com/office/drawing/2014/main" id="{63E0E303-0843-9E43-B4FE-B741D51AF29D}"/>
               </a:ext>
             </a:extLst>
           </p:cNvPr>
@@ -3362,7 +3447,7 @@
           <p:cNvPr id="3" name="Vertikaler Textplatzhalter 2">
             <a:extLst>
               <a:ext uri="{FF2B5EF4-FFF2-40B4-BE49-F238E27FC236}">
-                <a16:creationId xmlns:a16="http://schemas.microsoft.com/office/drawing/2014/main" xmlns="" id="{E389E2A2-C12F-4044-8208-9AC0B7DA7698}"/>
+                <a16:creationId xmlns="" xmlns:a16="http://schemas.microsoft.com/office/drawing/2014/main" id="{E389E2A2-C12F-4044-8208-9AC0B7DA7698}"/>
               </a:ext>
             </a:extLst>
           </p:cNvPr>
@@ -3394,7 +3479,7 @@
           <p:cNvPr id="4" name="Datumsplatzhalter 3">
             <a:extLst>
               <a:ext uri="{FF2B5EF4-FFF2-40B4-BE49-F238E27FC236}">
-                <a16:creationId xmlns:a16="http://schemas.microsoft.com/office/drawing/2014/main" xmlns="" id="{D51E15B6-E46A-6E41-87EF-FB1CB3BE30B6}"/>
+                <a16:creationId xmlns="" xmlns:a16="http://schemas.microsoft.com/office/drawing/2014/main" id="{D51E15B6-E46A-6E41-87EF-FB1CB3BE30B6}"/>
               </a:ext>
             </a:extLst>
           </p:cNvPr>
@@ -3423,7 +3508,7 @@
           <p:cNvPr id="5" name="Fußzeilenplatzhalter 4">
             <a:extLst>
               <a:ext uri="{FF2B5EF4-FFF2-40B4-BE49-F238E27FC236}">
-                <a16:creationId xmlns:a16="http://schemas.microsoft.com/office/drawing/2014/main" xmlns="" id="{0B5FA6FB-9899-E140-BC17-76C683560149}"/>
+                <a16:creationId xmlns="" xmlns:a16="http://schemas.microsoft.com/office/drawing/2014/main" id="{0B5FA6FB-9899-E140-BC17-76C683560149}"/>
               </a:ext>
             </a:extLst>
           </p:cNvPr>
@@ -3448,7 +3533,7 @@
           <p:cNvPr id="6" name="Foliennummernplatzhalter 5">
             <a:extLst>
               <a:ext uri="{FF2B5EF4-FFF2-40B4-BE49-F238E27FC236}">
-                <a16:creationId xmlns:a16="http://schemas.microsoft.com/office/drawing/2014/main" xmlns="" id="{C0350015-ADC1-E74B-8051-43AB5C8B14FC}"/>
+                <a16:creationId xmlns="" xmlns:a16="http://schemas.microsoft.com/office/drawing/2014/main" id="{C0350015-ADC1-E74B-8051-43AB5C8B14FC}"/>
               </a:ext>
             </a:extLst>
           </p:cNvPr>
@@ -3507,7 +3592,7 @@
           <p:cNvPr id="2" name="Vertikaler Titel 1">
             <a:extLst>
               <a:ext uri="{FF2B5EF4-FFF2-40B4-BE49-F238E27FC236}">
-                <a16:creationId xmlns:a16="http://schemas.microsoft.com/office/drawing/2014/main" xmlns="" id="{CD5514F9-5F1A-1849-BD9D-42DE2B7A8602}"/>
+                <a16:creationId xmlns="" xmlns:a16="http://schemas.microsoft.com/office/drawing/2014/main" id="{CD5514F9-5F1A-1849-BD9D-42DE2B7A8602}"/>
               </a:ext>
             </a:extLst>
           </p:cNvPr>
@@ -3540,7 +3625,7 @@
           <p:cNvPr id="3" name="Vertikaler Textplatzhalter 2">
             <a:extLst>
               <a:ext uri="{FF2B5EF4-FFF2-40B4-BE49-F238E27FC236}">
-                <a16:creationId xmlns:a16="http://schemas.microsoft.com/office/drawing/2014/main" xmlns="" id="{3BF2A873-5EA8-CB4C-AE0C-2BA2237C50DB}"/>
+                <a16:creationId xmlns="" xmlns:a16="http://schemas.microsoft.com/office/drawing/2014/main" id="{3BF2A873-5EA8-CB4C-AE0C-2BA2237C50DB}"/>
               </a:ext>
             </a:extLst>
           </p:cNvPr>
@@ -3577,7 +3662,7 @@
           <p:cNvPr id="4" name="Datumsplatzhalter 3">
             <a:extLst>
               <a:ext uri="{FF2B5EF4-FFF2-40B4-BE49-F238E27FC236}">
-                <a16:creationId xmlns:a16="http://schemas.microsoft.com/office/drawing/2014/main" xmlns="" id="{7CF35C86-7F7F-7D4A-9E5E-691310FDB770}"/>
+                <a16:creationId xmlns="" xmlns:a16="http://schemas.microsoft.com/office/drawing/2014/main" id="{7CF35C86-7F7F-7D4A-9E5E-691310FDB770}"/>
               </a:ext>
             </a:extLst>
           </p:cNvPr>
@@ -3606,7 +3691,7 @@
           <p:cNvPr id="5" name="Fußzeilenplatzhalter 4">
             <a:extLst>
               <a:ext uri="{FF2B5EF4-FFF2-40B4-BE49-F238E27FC236}">
-                <a16:creationId xmlns:a16="http://schemas.microsoft.com/office/drawing/2014/main" xmlns="" id="{3F495B2B-E913-4740-9EBA-30653E27DE50}"/>
+                <a16:creationId xmlns="" xmlns:a16="http://schemas.microsoft.com/office/drawing/2014/main" id="{3F495B2B-E913-4740-9EBA-30653E27DE50}"/>
               </a:ext>
             </a:extLst>
           </p:cNvPr>
@@ -3631,7 +3716,7 @@
           <p:cNvPr id="6" name="Foliennummernplatzhalter 5">
             <a:extLst>
               <a:ext uri="{FF2B5EF4-FFF2-40B4-BE49-F238E27FC236}">
-                <a16:creationId xmlns:a16="http://schemas.microsoft.com/office/drawing/2014/main" xmlns="" id="{1B917D15-5200-3A4B-932D-A97B10281BDC}"/>
+                <a16:creationId xmlns="" xmlns:a16="http://schemas.microsoft.com/office/drawing/2014/main" id="{1B917D15-5200-3A4B-932D-A97B10281BDC}"/>
               </a:ext>
             </a:extLst>
           </p:cNvPr>
@@ -3690,7 +3775,7 @@
           <p:cNvPr id="2" name="Titel 1">
             <a:extLst>
               <a:ext uri="{FF2B5EF4-FFF2-40B4-BE49-F238E27FC236}">
-                <a16:creationId xmlns:a16="http://schemas.microsoft.com/office/drawing/2014/main" xmlns="" id="{D905D12F-79BE-CD41-9F97-DD37C1750845}"/>
+                <a16:creationId xmlns="" xmlns:a16="http://schemas.microsoft.com/office/drawing/2014/main" id="{D905D12F-79BE-CD41-9F97-DD37C1750845}"/>
               </a:ext>
             </a:extLst>
           </p:cNvPr>
@@ -3718,7 +3803,7 @@
           <p:cNvPr id="3" name="Inhaltsplatzhalter 2">
             <a:extLst>
               <a:ext uri="{FF2B5EF4-FFF2-40B4-BE49-F238E27FC236}">
-                <a16:creationId xmlns:a16="http://schemas.microsoft.com/office/drawing/2014/main" xmlns="" id="{D8957224-0D0D-7746-BCBD-E4F8208E8E10}"/>
+                <a16:creationId xmlns="" xmlns:a16="http://schemas.microsoft.com/office/drawing/2014/main" id="{D8957224-0D0D-7746-BCBD-E4F8208E8E10}"/>
               </a:ext>
             </a:extLst>
           </p:cNvPr>
@@ -3750,7 +3835,7 @@
           <p:cNvPr id="4" name="Datumsplatzhalter 3">
             <a:extLst>
               <a:ext uri="{FF2B5EF4-FFF2-40B4-BE49-F238E27FC236}">
-                <a16:creationId xmlns:a16="http://schemas.microsoft.com/office/drawing/2014/main" xmlns="" id="{0B4E4D52-5024-2A4E-8037-AED189B9E264}"/>
+                <a16:creationId xmlns="" xmlns:a16="http://schemas.microsoft.com/office/drawing/2014/main" id="{0B4E4D52-5024-2A4E-8037-AED189B9E264}"/>
               </a:ext>
             </a:extLst>
           </p:cNvPr>
@@ -3779,7 +3864,7 @@
           <p:cNvPr id="5" name="Fußzeilenplatzhalter 4">
             <a:extLst>
               <a:ext uri="{FF2B5EF4-FFF2-40B4-BE49-F238E27FC236}">
-                <a16:creationId xmlns:a16="http://schemas.microsoft.com/office/drawing/2014/main" xmlns="" id="{12897E99-FDA3-BF4B-86A3-95486763DDF9}"/>
+                <a16:creationId xmlns="" xmlns:a16="http://schemas.microsoft.com/office/drawing/2014/main" id="{12897E99-FDA3-BF4B-86A3-95486763DDF9}"/>
               </a:ext>
             </a:extLst>
           </p:cNvPr>
@@ -3804,7 +3889,7 @@
           <p:cNvPr id="6" name="Foliennummernplatzhalter 5">
             <a:extLst>
               <a:ext uri="{FF2B5EF4-FFF2-40B4-BE49-F238E27FC236}">
-                <a16:creationId xmlns:a16="http://schemas.microsoft.com/office/drawing/2014/main" xmlns="" id="{EE1AA7CD-B421-C740-8D36-D478D7689E50}"/>
+                <a16:creationId xmlns="" xmlns:a16="http://schemas.microsoft.com/office/drawing/2014/main" id="{EE1AA7CD-B421-C740-8D36-D478D7689E50}"/>
               </a:ext>
             </a:extLst>
           </p:cNvPr>
@@ -3863,7 +3948,7 @@
           <p:cNvPr id="2" name="Titel 1">
             <a:extLst>
               <a:ext uri="{FF2B5EF4-FFF2-40B4-BE49-F238E27FC236}">
-                <a16:creationId xmlns:a16="http://schemas.microsoft.com/office/drawing/2014/main" xmlns="" id="{0A061298-7A62-2F4C-B6A3-0A8BB714DFA3}"/>
+                <a16:creationId xmlns="" xmlns:a16="http://schemas.microsoft.com/office/drawing/2014/main" id="{0A061298-7A62-2F4C-B6A3-0A8BB714DFA3}"/>
               </a:ext>
             </a:extLst>
           </p:cNvPr>
@@ -3900,7 +3985,7 @@
           <p:cNvPr id="3" name="Textplatzhalter 2">
             <a:extLst>
               <a:ext uri="{FF2B5EF4-FFF2-40B4-BE49-F238E27FC236}">
-                <a16:creationId xmlns:a16="http://schemas.microsoft.com/office/drawing/2014/main" xmlns="" id="{EF880BAB-4A8A-F247-B79A-5FB85578A25C}"/>
+                <a16:creationId xmlns="" xmlns:a16="http://schemas.microsoft.com/office/drawing/2014/main" id="{EF880BAB-4A8A-F247-B79A-5FB85578A25C}"/>
               </a:ext>
             </a:extLst>
           </p:cNvPr>
@@ -4028,7 +4113,7 @@
           <p:cNvPr id="4" name="Datumsplatzhalter 3">
             <a:extLst>
               <a:ext uri="{FF2B5EF4-FFF2-40B4-BE49-F238E27FC236}">
-                <a16:creationId xmlns:a16="http://schemas.microsoft.com/office/drawing/2014/main" xmlns="" id="{5C1CF969-A856-B443-84E7-5170F0482FB6}"/>
+                <a16:creationId xmlns="" xmlns:a16="http://schemas.microsoft.com/office/drawing/2014/main" id="{5C1CF969-A856-B443-84E7-5170F0482FB6}"/>
               </a:ext>
             </a:extLst>
           </p:cNvPr>
@@ -4057,7 +4142,7 @@
           <p:cNvPr id="5" name="Fußzeilenplatzhalter 4">
             <a:extLst>
               <a:ext uri="{FF2B5EF4-FFF2-40B4-BE49-F238E27FC236}">
-                <a16:creationId xmlns:a16="http://schemas.microsoft.com/office/drawing/2014/main" xmlns="" id="{A8270CB1-A61B-984D-BC84-AC4F045BD50C}"/>
+                <a16:creationId xmlns="" xmlns:a16="http://schemas.microsoft.com/office/drawing/2014/main" id="{A8270CB1-A61B-984D-BC84-AC4F045BD50C}"/>
               </a:ext>
             </a:extLst>
           </p:cNvPr>
@@ -4082,7 +4167,7 @@
           <p:cNvPr id="6" name="Foliennummernplatzhalter 5">
             <a:extLst>
               <a:ext uri="{FF2B5EF4-FFF2-40B4-BE49-F238E27FC236}">
-                <a16:creationId xmlns:a16="http://schemas.microsoft.com/office/drawing/2014/main" xmlns="" id="{FCECD375-628F-DA42-A831-7F718D0EB176}"/>
+                <a16:creationId xmlns="" xmlns:a16="http://schemas.microsoft.com/office/drawing/2014/main" id="{FCECD375-628F-DA42-A831-7F718D0EB176}"/>
               </a:ext>
             </a:extLst>
           </p:cNvPr>
@@ -4141,7 +4226,7 @@
           <p:cNvPr id="2" name="Titel 1">
             <a:extLst>
               <a:ext uri="{FF2B5EF4-FFF2-40B4-BE49-F238E27FC236}">
-                <a16:creationId xmlns:a16="http://schemas.microsoft.com/office/drawing/2014/main" xmlns="" id="{80E4E4B0-260E-644D-B091-8D4ECF7CC9B0}"/>
+                <a16:creationId xmlns="" xmlns:a16="http://schemas.microsoft.com/office/drawing/2014/main" id="{80E4E4B0-260E-644D-B091-8D4ECF7CC9B0}"/>
               </a:ext>
             </a:extLst>
           </p:cNvPr>
@@ -4169,7 +4254,7 @@
           <p:cNvPr id="3" name="Inhaltsplatzhalter 2">
             <a:extLst>
               <a:ext uri="{FF2B5EF4-FFF2-40B4-BE49-F238E27FC236}">
-                <a16:creationId xmlns:a16="http://schemas.microsoft.com/office/drawing/2014/main" xmlns="" id="{61D23B07-CED5-CA4E-87AD-D2D5FACA2F01}"/>
+                <a16:creationId xmlns="" xmlns:a16="http://schemas.microsoft.com/office/drawing/2014/main" id="{61D23B07-CED5-CA4E-87AD-D2D5FACA2F01}"/>
               </a:ext>
             </a:extLst>
           </p:cNvPr>
@@ -4206,7 +4291,7 @@
           <p:cNvPr id="4" name="Inhaltsplatzhalter 3">
             <a:extLst>
               <a:ext uri="{FF2B5EF4-FFF2-40B4-BE49-F238E27FC236}">
-                <a16:creationId xmlns:a16="http://schemas.microsoft.com/office/drawing/2014/main" xmlns="" id="{EC933EF0-6705-964F-A423-C4CD1C51F0E3}"/>
+                <a16:creationId xmlns="" xmlns:a16="http://schemas.microsoft.com/office/drawing/2014/main" id="{EC933EF0-6705-964F-A423-C4CD1C51F0E3}"/>
               </a:ext>
             </a:extLst>
           </p:cNvPr>
@@ -4243,7 +4328,7 @@
           <p:cNvPr id="5" name="Datumsplatzhalter 4">
             <a:extLst>
               <a:ext uri="{FF2B5EF4-FFF2-40B4-BE49-F238E27FC236}">
-                <a16:creationId xmlns:a16="http://schemas.microsoft.com/office/drawing/2014/main" xmlns="" id="{4007FD09-99BE-0B4F-877F-711C21654352}"/>
+                <a16:creationId xmlns="" xmlns:a16="http://schemas.microsoft.com/office/drawing/2014/main" id="{4007FD09-99BE-0B4F-877F-711C21654352}"/>
               </a:ext>
             </a:extLst>
           </p:cNvPr>
@@ -4272,7 +4357,7 @@
           <p:cNvPr id="6" name="Fußzeilenplatzhalter 5">
             <a:extLst>
               <a:ext uri="{FF2B5EF4-FFF2-40B4-BE49-F238E27FC236}">
-                <a16:creationId xmlns:a16="http://schemas.microsoft.com/office/drawing/2014/main" xmlns="" id="{25A4E2E0-2F8B-664C-A019-87A33C679F04}"/>
+                <a16:creationId xmlns="" xmlns:a16="http://schemas.microsoft.com/office/drawing/2014/main" id="{25A4E2E0-2F8B-664C-A019-87A33C679F04}"/>
               </a:ext>
             </a:extLst>
           </p:cNvPr>
@@ -4297,7 +4382,7 @@
           <p:cNvPr id="7" name="Foliennummernplatzhalter 6">
             <a:extLst>
               <a:ext uri="{FF2B5EF4-FFF2-40B4-BE49-F238E27FC236}">
-                <a16:creationId xmlns:a16="http://schemas.microsoft.com/office/drawing/2014/main" xmlns="" id="{A5C35ABB-E1A2-344E-A2AE-FB7DB3DB6E4D}"/>
+                <a16:creationId xmlns="" xmlns:a16="http://schemas.microsoft.com/office/drawing/2014/main" id="{A5C35ABB-E1A2-344E-A2AE-FB7DB3DB6E4D}"/>
               </a:ext>
             </a:extLst>
           </p:cNvPr>
@@ -4356,7 +4441,7 @@
           <p:cNvPr id="2" name="Titel 1">
             <a:extLst>
               <a:ext uri="{FF2B5EF4-FFF2-40B4-BE49-F238E27FC236}">
-                <a16:creationId xmlns:a16="http://schemas.microsoft.com/office/drawing/2014/main" xmlns="" id="{90A92756-B025-954F-BB8C-31EAF4F45171}"/>
+                <a16:creationId xmlns="" xmlns:a16="http://schemas.microsoft.com/office/drawing/2014/main" id="{90A92756-B025-954F-BB8C-31EAF4F45171}"/>
               </a:ext>
             </a:extLst>
           </p:cNvPr>
@@ -4389,7 +4474,7 @@
           <p:cNvPr id="3" name="Textplatzhalter 2">
             <a:extLst>
               <a:ext uri="{FF2B5EF4-FFF2-40B4-BE49-F238E27FC236}">
-                <a16:creationId xmlns:a16="http://schemas.microsoft.com/office/drawing/2014/main" xmlns="" id="{497B8FA7-E40E-E04D-8E82-8D25D0FE009D}"/>
+                <a16:creationId xmlns="" xmlns:a16="http://schemas.microsoft.com/office/drawing/2014/main" id="{497B8FA7-E40E-E04D-8E82-8D25D0FE009D}"/>
               </a:ext>
             </a:extLst>
           </p:cNvPr>
@@ -4463,7 +4548,7 @@
           <p:cNvPr id="4" name="Inhaltsplatzhalter 3">
             <a:extLst>
               <a:ext uri="{FF2B5EF4-FFF2-40B4-BE49-F238E27FC236}">
-                <a16:creationId xmlns:a16="http://schemas.microsoft.com/office/drawing/2014/main" xmlns="" id="{9DB891E8-89E7-8D44-827F-D9B3C359A443}"/>
+                <a16:creationId xmlns="" xmlns:a16="http://schemas.microsoft.com/office/drawing/2014/main" id="{9DB891E8-89E7-8D44-827F-D9B3C359A443}"/>
               </a:ext>
             </a:extLst>
           </p:cNvPr>
@@ -4500,7 +4585,7 @@
           <p:cNvPr id="5" name="Textplatzhalter 4">
             <a:extLst>
               <a:ext uri="{FF2B5EF4-FFF2-40B4-BE49-F238E27FC236}">
-                <a16:creationId xmlns:a16="http://schemas.microsoft.com/office/drawing/2014/main" xmlns="" id="{C4A992B5-BEA7-864F-B9A3-B0D6EC89AEB3}"/>
+                <a16:creationId xmlns="" xmlns:a16="http://schemas.microsoft.com/office/drawing/2014/main" id="{C4A992B5-BEA7-864F-B9A3-B0D6EC89AEB3}"/>
               </a:ext>
             </a:extLst>
           </p:cNvPr>
@@ -4574,7 +4659,7 @@
           <p:cNvPr id="6" name="Inhaltsplatzhalter 5">
             <a:extLst>
               <a:ext uri="{FF2B5EF4-FFF2-40B4-BE49-F238E27FC236}">
-                <a16:creationId xmlns:a16="http://schemas.microsoft.com/office/drawing/2014/main" xmlns="" id="{C6F24F96-7021-F04D-BE0C-70D6C357A6AE}"/>
+                <a16:creationId xmlns="" xmlns:a16="http://schemas.microsoft.com/office/drawing/2014/main" id="{C6F24F96-7021-F04D-BE0C-70D6C357A6AE}"/>
               </a:ext>
             </a:extLst>
           </p:cNvPr>
@@ -4611,7 +4696,7 @@
           <p:cNvPr id="7" name="Datumsplatzhalter 6">
             <a:extLst>
               <a:ext uri="{FF2B5EF4-FFF2-40B4-BE49-F238E27FC236}">
-                <a16:creationId xmlns:a16="http://schemas.microsoft.com/office/drawing/2014/main" xmlns="" id="{BE8C1B9C-6184-CB4E-998F-A480AA5D43AB}"/>
+                <a16:creationId xmlns="" xmlns:a16="http://schemas.microsoft.com/office/drawing/2014/main" id="{BE8C1B9C-6184-CB4E-998F-A480AA5D43AB}"/>
               </a:ext>
             </a:extLst>
           </p:cNvPr>
@@ -4640,7 +4725,7 @@
           <p:cNvPr id="8" name="Fußzeilenplatzhalter 7">
             <a:extLst>
               <a:ext uri="{FF2B5EF4-FFF2-40B4-BE49-F238E27FC236}">
-                <a16:creationId xmlns:a16="http://schemas.microsoft.com/office/drawing/2014/main" xmlns="" id="{99C2775A-AE5F-FB42-B461-4A3C859181DF}"/>
+                <a16:creationId xmlns="" xmlns:a16="http://schemas.microsoft.com/office/drawing/2014/main" id="{99C2775A-AE5F-FB42-B461-4A3C859181DF}"/>
               </a:ext>
             </a:extLst>
           </p:cNvPr>
@@ -4665,7 +4750,7 @@
           <p:cNvPr id="9" name="Foliennummernplatzhalter 8">
             <a:extLst>
               <a:ext uri="{FF2B5EF4-FFF2-40B4-BE49-F238E27FC236}">
-                <a16:creationId xmlns:a16="http://schemas.microsoft.com/office/drawing/2014/main" xmlns="" id="{9E7E469E-F8E9-864F-8754-123A6C0AF0FA}"/>
+                <a16:creationId xmlns="" xmlns:a16="http://schemas.microsoft.com/office/drawing/2014/main" id="{9E7E469E-F8E9-864F-8754-123A6C0AF0FA}"/>
               </a:ext>
             </a:extLst>
           </p:cNvPr>
@@ -4724,7 +4809,7 @@
           <p:cNvPr id="2" name="Titel 1">
             <a:extLst>
               <a:ext uri="{FF2B5EF4-FFF2-40B4-BE49-F238E27FC236}">
-                <a16:creationId xmlns:a16="http://schemas.microsoft.com/office/drawing/2014/main" xmlns="" id="{27B83529-C5C5-D144-9F6A-C5D11E437C82}"/>
+                <a16:creationId xmlns="" xmlns:a16="http://schemas.microsoft.com/office/drawing/2014/main" id="{27B83529-C5C5-D144-9F6A-C5D11E437C82}"/>
               </a:ext>
             </a:extLst>
           </p:cNvPr>
@@ -4752,7 +4837,7 @@
           <p:cNvPr id="3" name="Datumsplatzhalter 2">
             <a:extLst>
               <a:ext uri="{FF2B5EF4-FFF2-40B4-BE49-F238E27FC236}">
-                <a16:creationId xmlns:a16="http://schemas.microsoft.com/office/drawing/2014/main" xmlns="" id="{74D3C6F4-02B6-A540-A96A-C806AF1D7567}"/>
+                <a16:creationId xmlns="" xmlns:a16="http://schemas.microsoft.com/office/drawing/2014/main" id="{74D3C6F4-02B6-A540-A96A-C806AF1D7567}"/>
               </a:ext>
             </a:extLst>
           </p:cNvPr>
@@ -4781,7 +4866,7 @@
           <p:cNvPr id="4" name="Fußzeilenplatzhalter 3">
             <a:extLst>
               <a:ext uri="{FF2B5EF4-FFF2-40B4-BE49-F238E27FC236}">
-                <a16:creationId xmlns:a16="http://schemas.microsoft.com/office/drawing/2014/main" xmlns="" id="{4B864B59-4F52-AC41-9BF9-9DF815F6F997}"/>
+                <a16:creationId xmlns="" xmlns:a16="http://schemas.microsoft.com/office/drawing/2014/main" id="{4B864B59-4F52-AC41-9BF9-9DF815F6F997}"/>
               </a:ext>
             </a:extLst>
           </p:cNvPr>
@@ -4806,7 +4891,7 @@
           <p:cNvPr id="5" name="Foliennummernplatzhalter 4">
             <a:extLst>
               <a:ext uri="{FF2B5EF4-FFF2-40B4-BE49-F238E27FC236}">
-                <a16:creationId xmlns:a16="http://schemas.microsoft.com/office/drawing/2014/main" xmlns="" id="{71CB689E-DE78-C74D-AB5B-8D48ABB7E879}"/>
+                <a16:creationId xmlns="" xmlns:a16="http://schemas.microsoft.com/office/drawing/2014/main" id="{71CB689E-DE78-C74D-AB5B-8D48ABB7E879}"/>
               </a:ext>
             </a:extLst>
           </p:cNvPr>
@@ -4865,7 +4950,7 @@
           <p:cNvPr id="2" name="Datumsplatzhalter 1">
             <a:extLst>
               <a:ext uri="{FF2B5EF4-FFF2-40B4-BE49-F238E27FC236}">
-                <a16:creationId xmlns:a16="http://schemas.microsoft.com/office/drawing/2014/main" xmlns="" id="{5BC291DB-90BD-9241-99D8-1F5124577947}"/>
+                <a16:creationId xmlns="" xmlns:a16="http://schemas.microsoft.com/office/drawing/2014/main" id="{5BC291DB-90BD-9241-99D8-1F5124577947}"/>
               </a:ext>
             </a:extLst>
           </p:cNvPr>
@@ -4894,7 +4979,7 @@
           <p:cNvPr id="3" name="Fußzeilenplatzhalter 2">
             <a:extLst>
               <a:ext uri="{FF2B5EF4-FFF2-40B4-BE49-F238E27FC236}">
-                <a16:creationId xmlns:a16="http://schemas.microsoft.com/office/drawing/2014/main" xmlns="" id="{4E7EC7FC-159A-C44F-876B-3776F19A851A}"/>
+                <a16:creationId xmlns="" xmlns:a16="http://schemas.microsoft.com/office/drawing/2014/main" id="{4E7EC7FC-159A-C44F-876B-3776F19A851A}"/>
               </a:ext>
             </a:extLst>
           </p:cNvPr>
@@ -4919,7 +5004,7 @@
           <p:cNvPr id="4" name="Foliennummernplatzhalter 3">
             <a:extLst>
               <a:ext uri="{FF2B5EF4-FFF2-40B4-BE49-F238E27FC236}">
-                <a16:creationId xmlns:a16="http://schemas.microsoft.com/office/drawing/2014/main" xmlns="" id="{1DB2D74F-318D-EE4A-9108-D8BB5459A64E}"/>
+                <a16:creationId xmlns="" xmlns:a16="http://schemas.microsoft.com/office/drawing/2014/main" id="{1DB2D74F-318D-EE4A-9108-D8BB5459A64E}"/>
               </a:ext>
             </a:extLst>
           </p:cNvPr>
@@ -4978,7 +5063,7 @@
           <p:cNvPr id="2" name="Titel 1">
             <a:extLst>
               <a:ext uri="{FF2B5EF4-FFF2-40B4-BE49-F238E27FC236}">
-                <a16:creationId xmlns:a16="http://schemas.microsoft.com/office/drawing/2014/main" xmlns="" id="{1F503ED0-8A44-D44C-8A18-A34E562AAAB3}"/>
+                <a16:creationId xmlns="" xmlns:a16="http://schemas.microsoft.com/office/drawing/2014/main" id="{1F503ED0-8A44-D44C-8A18-A34E562AAAB3}"/>
               </a:ext>
             </a:extLst>
           </p:cNvPr>
@@ -5015,7 +5100,7 @@
           <p:cNvPr id="3" name="Inhaltsplatzhalter 2">
             <a:extLst>
               <a:ext uri="{FF2B5EF4-FFF2-40B4-BE49-F238E27FC236}">
-                <a16:creationId xmlns:a16="http://schemas.microsoft.com/office/drawing/2014/main" xmlns="" id="{D3932178-D92F-7848-9D38-3F69B5D68A5F}"/>
+                <a16:creationId xmlns="" xmlns:a16="http://schemas.microsoft.com/office/drawing/2014/main" id="{D3932178-D92F-7848-9D38-3F69B5D68A5F}"/>
               </a:ext>
             </a:extLst>
           </p:cNvPr>
@@ -5080,7 +5165,7 @@
           <p:cNvPr id="4" name="Textplatzhalter 3">
             <a:extLst>
               <a:ext uri="{FF2B5EF4-FFF2-40B4-BE49-F238E27FC236}">
-                <a16:creationId xmlns:a16="http://schemas.microsoft.com/office/drawing/2014/main" xmlns="" id="{5C6AA2F8-50ED-3647-AEA1-E34559135061}"/>
+                <a16:creationId xmlns="" xmlns:a16="http://schemas.microsoft.com/office/drawing/2014/main" id="{5C6AA2F8-50ED-3647-AEA1-E34559135061}"/>
               </a:ext>
             </a:extLst>
           </p:cNvPr>
@@ -5154,7 +5239,7 @@
           <p:cNvPr id="5" name="Datumsplatzhalter 4">
             <a:extLst>
               <a:ext uri="{FF2B5EF4-FFF2-40B4-BE49-F238E27FC236}">
-                <a16:creationId xmlns:a16="http://schemas.microsoft.com/office/drawing/2014/main" xmlns="" id="{BC5543C1-9669-C64B-9EBE-5E94B1E17274}"/>
+                <a16:creationId xmlns="" xmlns:a16="http://schemas.microsoft.com/office/drawing/2014/main" id="{BC5543C1-9669-C64B-9EBE-5E94B1E17274}"/>
               </a:ext>
             </a:extLst>
           </p:cNvPr>
@@ -5183,7 +5268,7 @@
           <p:cNvPr id="6" name="Fußzeilenplatzhalter 5">
             <a:extLst>
               <a:ext uri="{FF2B5EF4-FFF2-40B4-BE49-F238E27FC236}">
-                <a16:creationId xmlns:a16="http://schemas.microsoft.com/office/drawing/2014/main" xmlns="" id="{54557C59-F283-944A-816A-C03DD83F3A97}"/>
+                <a16:creationId xmlns="" xmlns:a16="http://schemas.microsoft.com/office/drawing/2014/main" id="{54557C59-F283-944A-816A-C03DD83F3A97}"/>
               </a:ext>
             </a:extLst>
           </p:cNvPr>
@@ -5208,7 +5293,7 @@
           <p:cNvPr id="7" name="Foliennummernplatzhalter 6">
             <a:extLst>
               <a:ext uri="{FF2B5EF4-FFF2-40B4-BE49-F238E27FC236}">
-                <a16:creationId xmlns:a16="http://schemas.microsoft.com/office/drawing/2014/main" xmlns="" id="{6179C710-E331-EE4C-93AE-08FB8966BF32}"/>
+                <a16:creationId xmlns="" xmlns:a16="http://schemas.microsoft.com/office/drawing/2014/main" id="{6179C710-E331-EE4C-93AE-08FB8966BF32}"/>
               </a:ext>
             </a:extLst>
           </p:cNvPr>
@@ -5267,7 +5352,7 @@
           <p:cNvPr id="2" name="Titel 1">
             <a:extLst>
               <a:ext uri="{FF2B5EF4-FFF2-40B4-BE49-F238E27FC236}">
-                <a16:creationId xmlns:a16="http://schemas.microsoft.com/office/drawing/2014/main" xmlns="" id="{AD2ECE74-C933-E44E-95B1-F16000E13C95}"/>
+                <a16:creationId xmlns="" xmlns:a16="http://schemas.microsoft.com/office/drawing/2014/main" id="{AD2ECE74-C933-E44E-95B1-F16000E13C95}"/>
               </a:ext>
             </a:extLst>
           </p:cNvPr>
@@ -5304,7 +5389,7 @@
           <p:cNvPr id="3" name="Bildplatzhalter 2">
             <a:extLst>
               <a:ext uri="{FF2B5EF4-FFF2-40B4-BE49-F238E27FC236}">
-                <a16:creationId xmlns:a16="http://schemas.microsoft.com/office/drawing/2014/main" xmlns="" id="{03FEF7E5-F3DF-5141-83FE-98C75B214B39}"/>
+                <a16:creationId xmlns="" xmlns:a16="http://schemas.microsoft.com/office/drawing/2014/main" id="{03FEF7E5-F3DF-5141-83FE-98C75B214B39}"/>
               </a:ext>
             </a:extLst>
           </p:cNvPr>
@@ -5371,7 +5456,7 @@
           <p:cNvPr id="4" name="Textplatzhalter 3">
             <a:extLst>
               <a:ext uri="{FF2B5EF4-FFF2-40B4-BE49-F238E27FC236}">
-                <a16:creationId xmlns:a16="http://schemas.microsoft.com/office/drawing/2014/main" xmlns="" id="{6CB8AA1C-0014-1E4C-94BD-C32414268D3A}"/>
+                <a16:creationId xmlns="" xmlns:a16="http://schemas.microsoft.com/office/drawing/2014/main" id="{6CB8AA1C-0014-1E4C-94BD-C32414268D3A}"/>
               </a:ext>
             </a:extLst>
           </p:cNvPr>
@@ -5445,7 +5530,7 @@
           <p:cNvPr id="5" name="Datumsplatzhalter 4">
             <a:extLst>
               <a:ext uri="{FF2B5EF4-FFF2-40B4-BE49-F238E27FC236}">
-                <a16:creationId xmlns:a16="http://schemas.microsoft.com/office/drawing/2014/main" xmlns="" id="{3E12F7FF-A4AE-0749-83D0-9E8694912287}"/>
+                <a16:creationId xmlns="" xmlns:a16="http://schemas.microsoft.com/office/drawing/2014/main" id="{3E12F7FF-A4AE-0749-83D0-9E8694912287}"/>
               </a:ext>
             </a:extLst>
           </p:cNvPr>
@@ -5474,7 +5559,7 @@
           <p:cNvPr id="6" name="Fußzeilenplatzhalter 5">
             <a:extLst>
               <a:ext uri="{FF2B5EF4-FFF2-40B4-BE49-F238E27FC236}">
-                <a16:creationId xmlns:a16="http://schemas.microsoft.com/office/drawing/2014/main" xmlns="" id="{0F1B4690-838E-E14E-B13F-D7C19E602E64}"/>
+                <a16:creationId xmlns="" xmlns:a16="http://schemas.microsoft.com/office/drawing/2014/main" id="{0F1B4690-838E-E14E-B13F-D7C19E602E64}"/>
               </a:ext>
             </a:extLst>
           </p:cNvPr>
@@ -5499,7 +5584,7 @@
           <p:cNvPr id="7" name="Foliennummernplatzhalter 6">
             <a:extLst>
               <a:ext uri="{FF2B5EF4-FFF2-40B4-BE49-F238E27FC236}">
-                <a16:creationId xmlns:a16="http://schemas.microsoft.com/office/drawing/2014/main" xmlns="" id="{7A8D8463-A954-6748-9879-ADC8AF02B50D}"/>
+                <a16:creationId xmlns="" xmlns:a16="http://schemas.microsoft.com/office/drawing/2014/main" id="{7A8D8463-A954-6748-9879-ADC8AF02B50D}"/>
               </a:ext>
             </a:extLst>
           </p:cNvPr>
@@ -5566,7 +5651,7 @@
           <p:cNvPr id="2" name="Titelplatzhalter 1">
             <a:extLst>
               <a:ext uri="{FF2B5EF4-FFF2-40B4-BE49-F238E27FC236}">
-                <a16:creationId xmlns:a16="http://schemas.microsoft.com/office/drawing/2014/main" xmlns="" id="{F3BBD851-5D2A-0241-81EC-77B06DAD8D51}"/>
+                <a16:creationId xmlns="" xmlns:a16="http://schemas.microsoft.com/office/drawing/2014/main" id="{F3BBD851-5D2A-0241-81EC-77B06DAD8D51}"/>
               </a:ext>
             </a:extLst>
           </p:cNvPr>
@@ -5604,7 +5689,7 @@
           <p:cNvPr id="3" name="Textplatzhalter 2">
             <a:extLst>
               <a:ext uri="{FF2B5EF4-FFF2-40B4-BE49-F238E27FC236}">
-                <a16:creationId xmlns:a16="http://schemas.microsoft.com/office/drawing/2014/main" xmlns="" id="{6AF28E1A-8C3C-824D-A69D-B77AD2003BE1}"/>
+                <a16:creationId xmlns="" xmlns:a16="http://schemas.microsoft.com/office/drawing/2014/main" id="{6AF28E1A-8C3C-824D-A69D-B77AD2003BE1}"/>
               </a:ext>
             </a:extLst>
           </p:cNvPr>
@@ -5646,7 +5731,7 @@
           <p:cNvPr id="4" name="Datumsplatzhalter 3">
             <a:extLst>
               <a:ext uri="{FF2B5EF4-FFF2-40B4-BE49-F238E27FC236}">
-                <a16:creationId xmlns:a16="http://schemas.microsoft.com/office/drawing/2014/main" xmlns="" id="{14F36C74-AEF6-324A-939D-781EA85E6B37}"/>
+                <a16:creationId xmlns="" xmlns:a16="http://schemas.microsoft.com/office/drawing/2014/main" id="{14F36C74-AEF6-324A-939D-781EA85E6B37}"/>
               </a:ext>
             </a:extLst>
           </p:cNvPr>
@@ -5693,7 +5778,7 @@
           <p:cNvPr id="5" name="Fußzeilenplatzhalter 4">
             <a:extLst>
               <a:ext uri="{FF2B5EF4-FFF2-40B4-BE49-F238E27FC236}">
-                <a16:creationId xmlns:a16="http://schemas.microsoft.com/office/drawing/2014/main" xmlns="" id="{CF454ED0-5B84-894F-BB54-EE635A5499CA}"/>
+                <a16:creationId xmlns="" xmlns:a16="http://schemas.microsoft.com/office/drawing/2014/main" id="{CF454ED0-5B84-894F-BB54-EE635A5499CA}"/>
               </a:ext>
             </a:extLst>
           </p:cNvPr>
@@ -5736,7 +5821,7 @@
           <p:cNvPr id="6" name="Foliennummernplatzhalter 5">
             <a:extLst>
               <a:ext uri="{FF2B5EF4-FFF2-40B4-BE49-F238E27FC236}">
-                <a16:creationId xmlns:a16="http://schemas.microsoft.com/office/drawing/2014/main" xmlns="" id="{A276BFAA-BED4-FD44-A7A3-E7419BE028A8}"/>
+                <a16:creationId xmlns="" xmlns:a16="http://schemas.microsoft.com/office/drawing/2014/main" id="{A276BFAA-BED4-FD44-A7A3-E7419BE028A8}"/>
               </a:ext>
             </a:extLst>
           </p:cNvPr>
@@ -6112,10 +6197,10 @@
           <p:cNvPr id="26" name="Rectangle 25">
             <a:extLst>
               <a:ext uri="{FF2B5EF4-FFF2-40B4-BE49-F238E27FC236}">
-                <a16:creationId xmlns:a16="http://schemas.microsoft.com/office/drawing/2014/main" xmlns="" id="{6F9EB9F2-07E2-4D64-BBD8-BB5B217F1218}"/>
+                <a16:creationId xmlns="" xmlns:a16="http://schemas.microsoft.com/office/drawing/2014/main" id="{6F9EB9F2-07E2-4D64-BBD8-BB5B217F1218}"/>
               </a:ext>
               <a:ext uri="{C183D7F6-B498-43B3-948B-1728B52AA6E4}">
-                <adec:decorative xmlns:adec="http://schemas.microsoft.com/office/drawing/2017/decorative" xmlns="" val="1"/>
+                <adec:decorative xmlns="" xmlns:adec="http://schemas.microsoft.com/office/drawing/2017/decorative" val="1"/>
               </a:ext>
             </a:extLst>
           </p:cNvPr>
@@ -6125,7 +6210,7 @@
           <p:nvPr>
             <p:extLst>
               <p:ext uri="{386F3935-93C4-4BCD-93E2-E3B085C9AB24}">
-                <p16:designElem xmlns:p16="http://schemas.microsoft.com/office/powerpoint/2015/main" xmlns="" val="1"/>
+                <p16:designElem xmlns="" xmlns:p16="http://schemas.microsoft.com/office/powerpoint/2015/main" val="1"/>
               </p:ext>
             </p:extLst>
           </p:nvPr>
@@ -6177,7 +6262,7 @@
           <p:cNvPr id="2" name="Titel 1">
             <a:extLst>
               <a:ext uri="{FF2B5EF4-FFF2-40B4-BE49-F238E27FC236}">
-                <a16:creationId xmlns:a16="http://schemas.microsoft.com/office/drawing/2014/main" xmlns="" id="{3E2C9346-6092-1E41-B6A4-C53308C7DFBF}"/>
+                <a16:creationId xmlns="" xmlns:a16="http://schemas.microsoft.com/office/drawing/2014/main" id="{3E2C9346-6092-1E41-B6A4-C53308C7DFBF}"/>
               </a:ext>
             </a:extLst>
           </p:cNvPr>
@@ -6225,10 +6310,10 @@
           <p:cNvPr id="28" name="Straight Connector 27">
             <a:extLst>
               <a:ext uri="{FF2B5EF4-FFF2-40B4-BE49-F238E27FC236}">
-                <a16:creationId xmlns:a16="http://schemas.microsoft.com/office/drawing/2014/main" xmlns="" id="{F0C57C7C-DFE9-4A1E-B7A9-DF40E63366BB}"/>
+                <a16:creationId xmlns="" xmlns:a16="http://schemas.microsoft.com/office/drawing/2014/main" id="{F0C57C7C-DFE9-4A1E-B7A9-DF40E63366BB}"/>
               </a:ext>
               <a:ext uri="{C183D7F6-B498-43B3-948B-1728B52AA6E4}">
-                <adec:decorative xmlns:adec="http://schemas.microsoft.com/office/drawing/2017/decorative" xmlns="" val="1"/>
+                <adec:decorative xmlns="" xmlns:adec="http://schemas.microsoft.com/office/drawing/2017/decorative" val="1"/>
               </a:ext>
             </a:extLst>
           </p:cNvPr>
@@ -6238,7 +6323,7 @@
           <p:nvPr>
             <p:extLst>
               <p:ext uri="{386F3935-93C4-4BCD-93E2-E3B085C9AB24}">
-                <p16:designElem xmlns:p16="http://schemas.microsoft.com/office/powerpoint/2015/main" xmlns="" val="1"/>
+                <p16:designElem xmlns="" xmlns:p16="http://schemas.microsoft.com/office/powerpoint/2015/main" val="1"/>
               </p:ext>
             </p:extLst>
           </p:nvPr>
@@ -6337,10 +6422,10 @@
           <p:cNvPr id="8" name="Rectangle 7">
             <a:extLst>
               <a:ext uri="{FF2B5EF4-FFF2-40B4-BE49-F238E27FC236}">
-                <a16:creationId xmlns:a16="http://schemas.microsoft.com/office/drawing/2014/main" xmlns="" id="{8D70B121-56F4-4848-B38B-182089D909FA}"/>
+                <a16:creationId xmlns="" xmlns:a16="http://schemas.microsoft.com/office/drawing/2014/main" id="{8D70B121-56F4-4848-B38B-182089D909FA}"/>
               </a:ext>
               <a:ext uri="{C183D7F6-B498-43B3-948B-1728B52AA6E4}">
-                <adec:decorative xmlns:adec="http://schemas.microsoft.com/office/drawing/2017/decorative" xmlns="" val="1"/>
+                <adec:decorative xmlns="" xmlns:adec="http://schemas.microsoft.com/office/drawing/2017/decorative" val="1"/>
               </a:ext>
             </a:extLst>
           </p:cNvPr>
@@ -6350,7 +6435,7 @@
           <p:nvPr>
             <p:extLst>
               <p:ext uri="{386F3935-93C4-4BCD-93E2-E3B085C9AB24}">
-                <p16:designElem xmlns:p16="http://schemas.microsoft.com/office/powerpoint/2015/main" xmlns="" val="1"/>
+                <p16:designElem xmlns="" xmlns:p16="http://schemas.microsoft.com/office/powerpoint/2015/main" val="1"/>
               </p:ext>
             </p:extLst>
           </p:nvPr>
@@ -6402,7 +6487,7 @@
           <p:cNvPr id="2" name="Titel 1">
             <a:extLst>
               <a:ext uri="{FF2B5EF4-FFF2-40B4-BE49-F238E27FC236}">
-                <a16:creationId xmlns:a16="http://schemas.microsoft.com/office/drawing/2014/main" xmlns="" id="{0B5D0F8F-C92F-BC46-ACC4-7A21698DD272}"/>
+                <a16:creationId xmlns="" xmlns:a16="http://schemas.microsoft.com/office/drawing/2014/main" id="{0B5D0F8F-C92F-BC46-ACC4-7A21698DD272}"/>
               </a:ext>
             </a:extLst>
           </p:cNvPr>
@@ -6442,10 +6527,10 @@
           <p:cNvPr id="10" name="Straight Connector 9">
             <a:extLst>
               <a:ext uri="{FF2B5EF4-FFF2-40B4-BE49-F238E27FC236}">
-                <a16:creationId xmlns:a16="http://schemas.microsoft.com/office/drawing/2014/main" xmlns="" id="{2D72A2C9-F3CA-4216-8BAD-FA4C970C3C4E}"/>
+                <a16:creationId xmlns="" xmlns:a16="http://schemas.microsoft.com/office/drawing/2014/main" id="{2D72A2C9-F3CA-4216-8BAD-FA4C970C3C4E}"/>
               </a:ext>
               <a:ext uri="{C183D7F6-B498-43B3-948B-1728B52AA6E4}">
-                <adec:decorative xmlns:adec="http://schemas.microsoft.com/office/drawing/2017/decorative" xmlns="" val="1"/>
+                <adec:decorative xmlns="" xmlns:adec="http://schemas.microsoft.com/office/drawing/2017/decorative" val="1"/>
               </a:ext>
             </a:extLst>
           </p:cNvPr>
@@ -6455,7 +6540,7 @@
           <p:nvPr>
             <p:extLst>
               <p:ext uri="{386F3935-93C4-4BCD-93E2-E3B085C9AB24}">
-                <p16:designElem xmlns:p16="http://schemas.microsoft.com/office/powerpoint/2015/main" xmlns="" val="1"/>
+                <p16:designElem xmlns="" xmlns:p16="http://schemas.microsoft.com/office/powerpoint/2015/main" val="1"/>
               </p:ext>
             </p:extLst>
           </p:nvPr>
@@ -6497,7 +6582,7 @@
           <p:cNvPr id="3" name="Inhaltsplatzhalter 2">
             <a:extLst>
               <a:ext uri="{FF2B5EF4-FFF2-40B4-BE49-F238E27FC236}">
-                <a16:creationId xmlns:a16="http://schemas.microsoft.com/office/drawing/2014/main" xmlns="" id="{692C889E-3E0C-9E40-9512-4230892B2B42}"/>
+                <a16:creationId xmlns="" xmlns:a16="http://schemas.microsoft.com/office/drawing/2014/main" id="{692C889E-3E0C-9E40-9512-4230892B2B42}"/>
               </a:ext>
             </a:extLst>
           </p:cNvPr>
@@ -6634,10 +6719,10 @@
           <p:cNvPr id="19" name="Rectangle 18">
             <a:extLst>
               <a:ext uri="{FF2B5EF4-FFF2-40B4-BE49-F238E27FC236}">
-                <a16:creationId xmlns:a16="http://schemas.microsoft.com/office/drawing/2014/main" xmlns="" id="{8D70B121-56F4-4848-B38B-182089D909FA}"/>
+                <a16:creationId xmlns="" xmlns:a16="http://schemas.microsoft.com/office/drawing/2014/main" id="{8D70B121-56F4-4848-B38B-182089D909FA}"/>
               </a:ext>
               <a:ext uri="{C183D7F6-B498-43B3-948B-1728B52AA6E4}">
-                <adec:decorative xmlns:adec="http://schemas.microsoft.com/office/drawing/2017/decorative" xmlns="" val="1"/>
+                <adec:decorative xmlns="" xmlns:adec="http://schemas.microsoft.com/office/drawing/2017/decorative" val="1"/>
               </a:ext>
             </a:extLst>
           </p:cNvPr>
@@ -6647,7 +6732,7 @@
           <p:nvPr>
             <p:extLst>
               <p:ext uri="{386F3935-93C4-4BCD-93E2-E3B085C9AB24}">
-                <p16:designElem xmlns:p16="http://schemas.microsoft.com/office/powerpoint/2015/main" xmlns="" val="1"/>
+                <p16:designElem xmlns="" xmlns:p16="http://schemas.microsoft.com/office/powerpoint/2015/main" val="1"/>
               </p:ext>
             </p:extLst>
           </p:nvPr>
@@ -6699,7 +6784,7 @@
           <p:cNvPr id="2" name="Titel 1">
             <a:extLst>
               <a:ext uri="{FF2B5EF4-FFF2-40B4-BE49-F238E27FC236}">
-                <a16:creationId xmlns:a16="http://schemas.microsoft.com/office/drawing/2014/main" xmlns="" id="{35BFDC70-A169-E142-B051-5ABC9190E094}"/>
+                <a16:creationId xmlns="" xmlns:a16="http://schemas.microsoft.com/office/drawing/2014/main" id="{35BFDC70-A169-E142-B051-5ABC9190E094}"/>
               </a:ext>
             </a:extLst>
           </p:cNvPr>
@@ -6750,10 +6835,10 @@
           <p:cNvPr id="21" name="Straight Connector 20">
             <a:extLst>
               <a:ext uri="{FF2B5EF4-FFF2-40B4-BE49-F238E27FC236}">
-                <a16:creationId xmlns:a16="http://schemas.microsoft.com/office/drawing/2014/main" xmlns="" id="{2D72A2C9-F3CA-4216-8BAD-FA4C970C3C4E}"/>
+                <a16:creationId xmlns="" xmlns:a16="http://schemas.microsoft.com/office/drawing/2014/main" id="{2D72A2C9-F3CA-4216-8BAD-FA4C970C3C4E}"/>
               </a:ext>
               <a:ext uri="{C183D7F6-B498-43B3-948B-1728B52AA6E4}">
-                <adec:decorative xmlns:adec="http://schemas.microsoft.com/office/drawing/2017/decorative" xmlns="" val="1"/>
+                <adec:decorative xmlns="" xmlns:adec="http://schemas.microsoft.com/office/drawing/2017/decorative" val="1"/>
               </a:ext>
             </a:extLst>
           </p:cNvPr>
@@ -6763,7 +6848,7 @@
           <p:nvPr>
             <p:extLst>
               <p:ext uri="{386F3935-93C4-4BCD-93E2-E3B085C9AB24}">
-                <p16:designElem xmlns:p16="http://schemas.microsoft.com/office/powerpoint/2015/main" xmlns="" val="1"/>
+                <p16:designElem xmlns="" xmlns:p16="http://schemas.microsoft.com/office/powerpoint/2015/main" val="1"/>
               </p:ext>
             </p:extLst>
           </p:nvPr>
@@ -6801,7 +6886,7 @@
         </p:style>
       </p:cxnSp>
       <mc:AlternateContent xmlns:mc="http://schemas.openxmlformats.org/markup-compatibility/2006">
-        <mc:Choice xmlns:pslz="http://schemas.microsoft.com/office/powerpoint/2016/slidezoom" xmlns="" Requires="pslz">
+        <mc:Choice xmlns="" xmlns:pslz="http://schemas.microsoft.com/office/powerpoint/2016/slidezoom" Requires="pslz">
           <p:graphicFrame>
             <p:nvGraphicFramePr>
               <p:cNvPr id="10" name="Folienzoom 9">
@@ -6865,7 +6950,7 @@
                 <a:hlinkClick r:id="rId4" action="ppaction://hlinksldjump"/>
                 <a:extLst>
                   <a:ext uri="{FF2B5EF4-FFF2-40B4-BE49-F238E27FC236}">
-                    <a16:creationId xmlns:a16="http://schemas.microsoft.com/office/drawing/2014/main" xmlns="" xmlns:pslz="http://schemas.microsoft.com/office/powerpoint/2016/slidezoom" id="{B215CFD4-A22E-BE4F-9AB9-4E33929D0E8E}"/>
+                    <a16:creationId xmlns:pslz="http://schemas.microsoft.com/office/powerpoint/2016/slidezoom" xmlns="" xmlns:a16="http://schemas.microsoft.com/office/drawing/2014/main" id="{B215CFD4-A22E-BE4F-9AB9-4E33929D0E8E}"/>
                   </a:ext>
                 </a:extLst>
               </p:cNvPr>
@@ -6947,10 +7032,10 @@
           <p:cNvPr id="19" name="Rectangle 18">
             <a:extLst>
               <a:ext uri="{FF2B5EF4-FFF2-40B4-BE49-F238E27FC236}">
-                <a16:creationId xmlns:a16="http://schemas.microsoft.com/office/drawing/2014/main" xmlns="" id="{8D70B121-56F4-4848-B38B-182089D909FA}"/>
+                <a16:creationId xmlns="" xmlns:a16="http://schemas.microsoft.com/office/drawing/2014/main" id="{8D70B121-56F4-4848-B38B-182089D909FA}"/>
               </a:ext>
               <a:ext uri="{C183D7F6-B498-43B3-948B-1728B52AA6E4}">
-                <adec:decorative xmlns:adec="http://schemas.microsoft.com/office/drawing/2017/decorative" xmlns="" val="1"/>
+                <adec:decorative xmlns="" xmlns:adec="http://schemas.microsoft.com/office/drawing/2017/decorative" val="1"/>
               </a:ext>
             </a:extLst>
           </p:cNvPr>
@@ -6960,7 +7045,7 @@
           <p:nvPr>
             <p:extLst>
               <p:ext uri="{386F3935-93C4-4BCD-93E2-E3B085C9AB24}">
-                <p16:designElem xmlns:p16="http://schemas.microsoft.com/office/powerpoint/2015/main" xmlns="" val="1"/>
+                <p16:designElem xmlns="" xmlns:p16="http://schemas.microsoft.com/office/powerpoint/2015/main" val="1"/>
               </p:ext>
             </p:extLst>
           </p:nvPr>
@@ -7012,10 +7097,10 @@
           <p:cNvPr id="21" name="Straight Connector 20">
             <a:extLst>
               <a:ext uri="{FF2B5EF4-FFF2-40B4-BE49-F238E27FC236}">
-                <a16:creationId xmlns:a16="http://schemas.microsoft.com/office/drawing/2014/main" xmlns="" id="{2D72A2C9-F3CA-4216-8BAD-FA4C970C3C4E}"/>
+                <a16:creationId xmlns="" xmlns:a16="http://schemas.microsoft.com/office/drawing/2014/main" id="{2D72A2C9-F3CA-4216-8BAD-FA4C970C3C4E}"/>
               </a:ext>
               <a:ext uri="{C183D7F6-B498-43B3-948B-1728B52AA6E4}">
-                <adec:decorative xmlns:adec="http://schemas.microsoft.com/office/drawing/2017/decorative" xmlns="" val="1"/>
+                <adec:decorative xmlns="" xmlns:adec="http://schemas.microsoft.com/office/drawing/2017/decorative" val="1"/>
               </a:ext>
             </a:extLst>
           </p:cNvPr>
@@ -7025,7 +7110,7 @@
           <p:nvPr>
             <p:extLst>
               <p:ext uri="{386F3935-93C4-4BCD-93E2-E3B085C9AB24}">
-                <p16:designElem xmlns:p16="http://schemas.microsoft.com/office/powerpoint/2015/main" xmlns="" val="1"/>
+                <p16:designElem xmlns="" xmlns:p16="http://schemas.microsoft.com/office/powerpoint/2015/main" val="1"/>
               </p:ext>
             </p:extLst>
           </p:nvPr>
@@ -7067,7 +7152,7 @@
           <p:cNvPr id="4" name="Grafik 3" descr="Ein Bild, das Screenshot enthält.&#10;&#10;Automatisch generierte Beschreibung">
             <a:extLst>
               <a:ext uri="{FF2B5EF4-FFF2-40B4-BE49-F238E27FC236}">
-                <a16:creationId xmlns:a16="http://schemas.microsoft.com/office/drawing/2014/main" xmlns="" id="{CA8E3E2A-3140-AC49-8635-006BC43846E8}"/>
+                <a16:creationId xmlns="" xmlns:a16="http://schemas.microsoft.com/office/drawing/2014/main" id="{CA8E3E2A-3140-AC49-8635-006BC43846E8}"/>
               </a:ext>
             </a:extLst>
           </p:cNvPr>
@@ -7142,10 +7227,10 @@
           <p:cNvPr id="19" name="Rectangle 18">
             <a:extLst>
               <a:ext uri="{FF2B5EF4-FFF2-40B4-BE49-F238E27FC236}">
-                <a16:creationId xmlns:a16="http://schemas.microsoft.com/office/drawing/2014/main" xmlns="" id="{8D70B121-56F4-4848-B38B-182089D909FA}"/>
+                <a16:creationId xmlns="" xmlns:a16="http://schemas.microsoft.com/office/drawing/2014/main" id="{8D70B121-56F4-4848-B38B-182089D909FA}"/>
               </a:ext>
               <a:ext uri="{C183D7F6-B498-43B3-948B-1728B52AA6E4}">
-                <adec:decorative xmlns:adec="http://schemas.microsoft.com/office/drawing/2017/decorative" xmlns="" val="1"/>
+                <adec:decorative xmlns="" xmlns:adec="http://schemas.microsoft.com/office/drawing/2017/decorative" val="1"/>
               </a:ext>
             </a:extLst>
           </p:cNvPr>
@@ -7155,7 +7240,7 @@
           <p:nvPr>
             <p:extLst>
               <p:ext uri="{386F3935-93C4-4BCD-93E2-E3B085C9AB24}">
-                <p16:designElem xmlns:p16="http://schemas.microsoft.com/office/powerpoint/2015/main" xmlns="" val="1"/>
+                <p16:designElem xmlns="" xmlns:p16="http://schemas.microsoft.com/office/powerpoint/2015/main" val="1"/>
               </p:ext>
             </p:extLst>
           </p:nvPr>
@@ -7207,7 +7292,7 @@
           <p:cNvPr id="2" name="Titel 1">
             <a:extLst>
               <a:ext uri="{FF2B5EF4-FFF2-40B4-BE49-F238E27FC236}">
-                <a16:creationId xmlns:a16="http://schemas.microsoft.com/office/drawing/2014/main" xmlns="" id="{35BFDC70-A169-E142-B051-5ABC9190E094}"/>
+                <a16:creationId xmlns="" xmlns:a16="http://schemas.microsoft.com/office/drawing/2014/main" id="{35BFDC70-A169-E142-B051-5ABC9190E094}"/>
               </a:ext>
             </a:extLst>
           </p:cNvPr>
@@ -7258,10 +7343,10 @@
           <p:cNvPr id="21" name="Straight Connector 20">
             <a:extLst>
               <a:ext uri="{FF2B5EF4-FFF2-40B4-BE49-F238E27FC236}">
-                <a16:creationId xmlns:a16="http://schemas.microsoft.com/office/drawing/2014/main" xmlns="" id="{2D72A2C9-F3CA-4216-8BAD-FA4C970C3C4E}"/>
+                <a16:creationId xmlns="" xmlns:a16="http://schemas.microsoft.com/office/drawing/2014/main" id="{2D72A2C9-F3CA-4216-8BAD-FA4C970C3C4E}"/>
               </a:ext>
               <a:ext uri="{C183D7F6-B498-43B3-948B-1728B52AA6E4}">
-                <adec:decorative xmlns:adec="http://schemas.microsoft.com/office/drawing/2017/decorative" xmlns="" val="1"/>
+                <adec:decorative xmlns="" xmlns:adec="http://schemas.microsoft.com/office/drawing/2017/decorative" val="1"/>
               </a:ext>
             </a:extLst>
           </p:cNvPr>
@@ -7271,7 +7356,7 @@
           <p:nvPr>
             <p:extLst>
               <p:ext uri="{386F3935-93C4-4BCD-93E2-E3B085C9AB24}">
-                <p16:designElem xmlns:p16="http://schemas.microsoft.com/office/powerpoint/2015/main" xmlns="" val="1"/>
+                <p16:designElem xmlns="" xmlns:p16="http://schemas.microsoft.com/office/powerpoint/2015/main" val="1"/>
               </p:ext>
             </p:extLst>
           </p:nvPr>
@@ -7313,7 +7398,7 @@
           <p:cNvPr id="8" name="Inhaltsplatzhalter 4">
             <a:extLst>
               <a:ext uri="{FF2B5EF4-FFF2-40B4-BE49-F238E27FC236}">
-                <a16:creationId xmlns:a16="http://schemas.microsoft.com/office/drawing/2014/main" xmlns="" id="{A8E625C4-6DB1-9D42-BFEA-DE37A6F928F3}"/>
+                <a16:creationId xmlns="" xmlns:a16="http://schemas.microsoft.com/office/drawing/2014/main" id="{A8E625C4-6DB1-9D42-BFEA-DE37A6F928F3}"/>
               </a:ext>
             </a:extLst>
           </p:cNvPr>
@@ -7408,10 +7493,10 @@
           <p:cNvPr id="8" name="Rectangle 7">
             <a:extLst>
               <a:ext uri="{FF2B5EF4-FFF2-40B4-BE49-F238E27FC236}">
-                <a16:creationId xmlns:a16="http://schemas.microsoft.com/office/drawing/2014/main" xmlns="" id="{8D70B121-56F4-4848-B38B-182089D909FA}"/>
+                <a16:creationId xmlns="" xmlns:a16="http://schemas.microsoft.com/office/drawing/2014/main" id="{8D70B121-56F4-4848-B38B-182089D909FA}"/>
               </a:ext>
               <a:ext uri="{C183D7F6-B498-43B3-948B-1728B52AA6E4}">
-                <adec:decorative xmlns:adec="http://schemas.microsoft.com/office/drawing/2017/decorative" xmlns="" val="1"/>
+                <adec:decorative xmlns="" xmlns:adec="http://schemas.microsoft.com/office/drawing/2017/decorative" val="1"/>
               </a:ext>
             </a:extLst>
           </p:cNvPr>
@@ -7421,7 +7506,7 @@
           <p:nvPr>
             <p:extLst>
               <p:ext uri="{386F3935-93C4-4BCD-93E2-E3B085C9AB24}">
-                <p16:designElem xmlns:p16="http://schemas.microsoft.com/office/powerpoint/2015/main" xmlns="" val="1"/>
+                <p16:designElem xmlns="" xmlns:p16="http://schemas.microsoft.com/office/powerpoint/2015/main" val="1"/>
               </p:ext>
             </p:extLst>
           </p:nvPr>
@@ -7473,7 +7558,7 @@
           <p:cNvPr id="2" name="Titel 1">
             <a:extLst>
               <a:ext uri="{FF2B5EF4-FFF2-40B4-BE49-F238E27FC236}">
-                <a16:creationId xmlns:a16="http://schemas.microsoft.com/office/drawing/2014/main" xmlns="" id="{0B5D0F8F-C92F-BC46-ACC4-7A21698DD272}"/>
+                <a16:creationId xmlns="" xmlns:a16="http://schemas.microsoft.com/office/drawing/2014/main" id="{0B5D0F8F-C92F-BC46-ACC4-7A21698DD272}"/>
               </a:ext>
             </a:extLst>
           </p:cNvPr>
@@ -7513,10 +7598,10 @@
           <p:cNvPr id="10" name="Straight Connector 9">
             <a:extLst>
               <a:ext uri="{FF2B5EF4-FFF2-40B4-BE49-F238E27FC236}">
-                <a16:creationId xmlns:a16="http://schemas.microsoft.com/office/drawing/2014/main" xmlns="" id="{2D72A2C9-F3CA-4216-8BAD-FA4C970C3C4E}"/>
+                <a16:creationId xmlns="" xmlns:a16="http://schemas.microsoft.com/office/drawing/2014/main" id="{2D72A2C9-F3CA-4216-8BAD-FA4C970C3C4E}"/>
               </a:ext>
               <a:ext uri="{C183D7F6-B498-43B3-948B-1728B52AA6E4}">
-                <adec:decorative xmlns:adec="http://schemas.microsoft.com/office/drawing/2017/decorative" xmlns="" val="1"/>
+                <adec:decorative xmlns="" xmlns:adec="http://schemas.microsoft.com/office/drawing/2017/decorative" val="1"/>
               </a:ext>
             </a:extLst>
           </p:cNvPr>
@@ -7526,7 +7611,7 @@
           <p:nvPr>
             <p:extLst>
               <p:ext uri="{386F3935-93C4-4BCD-93E2-E3B085C9AB24}">
-                <p16:designElem xmlns:p16="http://schemas.microsoft.com/office/powerpoint/2015/main" xmlns="" val="1"/>
+                <p16:designElem xmlns="" xmlns:p16="http://schemas.microsoft.com/office/powerpoint/2015/main" val="1"/>
               </p:ext>
             </p:extLst>
           </p:nvPr>
@@ -7568,7 +7653,7 @@
           <p:cNvPr id="3" name="Inhaltsplatzhalter 2">
             <a:extLst>
               <a:ext uri="{FF2B5EF4-FFF2-40B4-BE49-F238E27FC236}">
-                <a16:creationId xmlns:a16="http://schemas.microsoft.com/office/drawing/2014/main" xmlns="" id="{692C889E-3E0C-9E40-9512-4230892B2B42}"/>
+                <a16:creationId xmlns="" xmlns:a16="http://schemas.microsoft.com/office/drawing/2014/main" id="{692C889E-3E0C-9E40-9512-4230892B2B42}"/>
               </a:ext>
             </a:extLst>
           </p:cNvPr>
@@ -7704,10 +7789,10 @@
           <p:cNvPr id="19" name="Rectangle 18">
             <a:extLst>
               <a:ext uri="{FF2B5EF4-FFF2-40B4-BE49-F238E27FC236}">
-                <a16:creationId xmlns:a16="http://schemas.microsoft.com/office/drawing/2014/main" xmlns="" id="{8D70B121-56F4-4848-B38B-182089D909FA}"/>
+                <a16:creationId xmlns="" xmlns:a16="http://schemas.microsoft.com/office/drawing/2014/main" id="{8D70B121-56F4-4848-B38B-182089D909FA}"/>
               </a:ext>
               <a:ext uri="{C183D7F6-B498-43B3-948B-1728B52AA6E4}">
-                <adec:decorative xmlns:adec="http://schemas.microsoft.com/office/drawing/2017/decorative" xmlns="" val="1"/>
+                <adec:decorative xmlns="" xmlns:adec="http://schemas.microsoft.com/office/drawing/2017/decorative" val="1"/>
               </a:ext>
             </a:extLst>
           </p:cNvPr>
@@ -7717,7 +7802,7 @@
           <p:nvPr>
             <p:extLst>
               <p:ext uri="{386F3935-93C4-4BCD-93E2-E3B085C9AB24}">
-                <p16:designElem xmlns:p16="http://schemas.microsoft.com/office/powerpoint/2015/main" xmlns="" val="1"/>
+                <p16:designElem xmlns="" xmlns:p16="http://schemas.microsoft.com/office/powerpoint/2015/main" val="1"/>
               </p:ext>
             </p:extLst>
           </p:nvPr>
@@ -7769,7 +7854,7 @@
           <p:cNvPr id="2" name="Titel 1">
             <a:extLst>
               <a:ext uri="{FF2B5EF4-FFF2-40B4-BE49-F238E27FC236}">
-                <a16:creationId xmlns:a16="http://schemas.microsoft.com/office/drawing/2014/main" xmlns="" id="{35BFDC70-A169-E142-B051-5ABC9190E094}"/>
+                <a16:creationId xmlns="" xmlns:a16="http://schemas.microsoft.com/office/drawing/2014/main" id="{35BFDC70-A169-E142-B051-5ABC9190E094}"/>
               </a:ext>
             </a:extLst>
           </p:cNvPr>
@@ -7817,10 +7902,10 @@
           <p:cNvPr id="21" name="Straight Connector 20">
             <a:extLst>
               <a:ext uri="{FF2B5EF4-FFF2-40B4-BE49-F238E27FC236}">
-                <a16:creationId xmlns:a16="http://schemas.microsoft.com/office/drawing/2014/main" xmlns="" id="{2D72A2C9-F3CA-4216-8BAD-FA4C970C3C4E}"/>
+                <a16:creationId xmlns="" xmlns:a16="http://schemas.microsoft.com/office/drawing/2014/main" id="{2D72A2C9-F3CA-4216-8BAD-FA4C970C3C4E}"/>
               </a:ext>
               <a:ext uri="{C183D7F6-B498-43B3-948B-1728B52AA6E4}">
-                <adec:decorative xmlns:adec="http://schemas.microsoft.com/office/drawing/2017/decorative" xmlns="" val="1"/>
+                <adec:decorative xmlns="" xmlns:adec="http://schemas.microsoft.com/office/drawing/2017/decorative" val="1"/>
               </a:ext>
             </a:extLst>
           </p:cNvPr>
@@ -7830,7 +7915,7 @@
           <p:nvPr>
             <p:extLst>
               <p:ext uri="{386F3935-93C4-4BCD-93E2-E3B085C9AB24}">
-                <p16:designElem xmlns:p16="http://schemas.microsoft.com/office/powerpoint/2015/main" xmlns="" val="1"/>
+                <p16:designElem xmlns="" xmlns:p16="http://schemas.microsoft.com/office/powerpoint/2015/main" val="1"/>
               </p:ext>
             </p:extLst>
           </p:nvPr>
@@ -7872,7 +7957,7 @@
           <p:cNvPr id="8" name="Inhaltsplatzhalter 4">
             <a:extLst>
               <a:ext uri="{FF2B5EF4-FFF2-40B4-BE49-F238E27FC236}">
-                <a16:creationId xmlns:a16="http://schemas.microsoft.com/office/drawing/2014/main" xmlns="" id="{A8E625C4-6DB1-9D42-BFEA-DE37A6F928F3}"/>
+                <a16:creationId xmlns="" xmlns:a16="http://schemas.microsoft.com/office/drawing/2014/main" id="{A8E625C4-6DB1-9D42-BFEA-DE37A6F928F3}"/>
               </a:ext>
             </a:extLst>
           </p:cNvPr>
@@ -7950,7 +8035,7 @@
           <p:cNvPr id="5" name="Rechteck 4">
             <a:extLst>
               <a:ext uri="{FF2B5EF4-FFF2-40B4-BE49-F238E27FC236}">
-                <a16:creationId xmlns:a16="http://schemas.microsoft.com/office/drawing/2014/main" xmlns="" id="{6C91387F-AF56-614F-B14F-5E345367B7AF}"/>
+                <a16:creationId xmlns="" xmlns:a16="http://schemas.microsoft.com/office/drawing/2014/main" id="{6C91387F-AF56-614F-B14F-5E345367B7AF}"/>
               </a:ext>
             </a:extLst>
           </p:cNvPr>
@@ -8002,7 +8087,7 @@
           <p:cNvPr id="2" name="Titel 1">
             <a:extLst>
               <a:ext uri="{FF2B5EF4-FFF2-40B4-BE49-F238E27FC236}">
-                <a16:creationId xmlns:a16="http://schemas.microsoft.com/office/drawing/2014/main" xmlns="" id="{35BFDC70-A169-E142-B051-5ABC9190E094}"/>
+                <a16:creationId xmlns="" xmlns:a16="http://schemas.microsoft.com/office/drawing/2014/main" id="{35BFDC70-A169-E142-B051-5ABC9190E094}"/>
               </a:ext>
             </a:extLst>
           </p:cNvPr>
@@ -8082,7 +8167,7 @@
           <p:cNvPr id="6" name="Titel 1">
             <a:extLst>
               <a:ext uri="{FF2B5EF4-FFF2-40B4-BE49-F238E27FC236}">
-                <a16:creationId xmlns:a16="http://schemas.microsoft.com/office/drawing/2014/main" xmlns="" id="{E7C2CB7B-ACCE-46AA-B361-C575579F8987}"/>
+                <a16:creationId xmlns="" xmlns:a16="http://schemas.microsoft.com/office/drawing/2014/main" id="{E7C2CB7B-ACCE-46AA-B361-C575579F8987}"/>
               </a:ext>
             </a:extLst>
           </p:cNvPr>
@@ -8138,7 +8223,7 @@
           <p:cNvPr id="8" name="Grafik 7">
             <a:extLst>
               <a:ext uri="{FF2B5EF4-FFF2-40B4-BE49-F238E27FC236}">
-                <a16:creationId xmlns:a16="http://schemas.microsoft.com/office/drawing/2014/main" xmlns="" id="{C89ECDFD-2E29-4183-B4C5-57C14F623766}"/>
+                <a16:creationId xmlns="" xmlns:a16="http://schemas.microsoft.com/office/drawing/2014/main" id="{C89ECDFD-2E29-4183-B4C5-57C14F623766}"/>
               </a:ext>
             </a:extLst>
           </p:cNvPr>
@@ -8205,7 +8290,7 @@
           <p:cNvPr id="4" name="Rechteck 3">
             <a:extLst>
               <a:ext uri="{FF2B5EF4-FFF2-40B4-BE49-F238E27FC236}">
-                <a16:creationId xmlns:a16="http://schemas.microsoft.com/office/drawing/2014/main" xmlns="" id="{E4D21FBE-9E79-4438-A9C4-A86631E75D3D}"/>
+                <a16:creationId xmlns="" xmlns:a16="http://schemas.microsoft.com/office/drawing/2014/main" id="{E4D21FBE-9E79-4438-A9C4-A86631E75D3D}"/>
               </a:ext>
             </a:extLst>
           </p:cNvPr>
@@ -8257,7 +8342,7 @@
           <p:cNvPr id="2" name="Titel 1">
             <a:extLst>
               <a:ext uri="{FF2B5EF4-FFF2-40B4-BE49-F238E27FC236}">
-                <a16:creationId xmlns:a16="http://schemas.microsoft.com/office/drawing/2014/main" xmlns="" id="{5D43DF7A-1A5D-4ACC-A604-ABDFA208B266}"/>
+                <a16:creationId xmlns="" xmlns:a16="http://schemas.microsoft.com/office/drawing/2014/main" id="{5D43DF7A-1A5D-4ACC-A604-ABDFA208B266}"/>
               </a:ext>
             </a:extLst>
           </p:cNvPr>
@@ -8282,7 +8367,7 @@
           <p:cNvPr id="3" name="Inhaltsplatzhalter 2">
             <a:extLst>
               <a:ext uri="{FF2B5EF4-FFF2-40B4-BE49-F238E27FC236}">
-                <a16:creationId xmlns:a16="http://schemas.microsoft.com/office/drawing/2014/main" xmlns="" id="{C24FCB4C-0151-435F-B548-7A9594A11125}"/>
+                <a16:creationId xmlns="" xmlns:a16="http://schemas.microsoft.com/office/drawing/2014/main" id="{C24FCB4C-0151-435F-B548-7A9594A11125}"/>
               </a:ext>
             </a:extLst>
           </p:cNvPr>
@@ -8307,7 +8392,7 @@
           <p:cNvPr id="5" name="Grafik 4">
             <a:extLst>
               <a:ext uri="{FF2B5EF4-FFF2-40B4-BE49-F238E27FC236}">
-                <a16:creationId xmlns:a16="http://schemas.microsoft.com/office/drawing/2014/main" xmlns="" id="{1C4ABC61-F649-4941-9A69-5363F27C5C7A}"/>
+                <a16:creationId xmlns="" xmlns:a16="http://schemas.microsoft.com/office/drawing/2014/main" id="{1C4ABC61-F649-4941-9A69-5363F27C5C7A}"/>
               </a:ext>
             </a:extLst>
           </p:cNvPr>
@@ -8374,7 +8459,7 @@
           <p:cNvPr id="5" name="Rechteck 4">
             <a:extLst>
               <a:ext uri="{FF2B5EF4-FFF2-40B4-BE49-F238E27FC236}">
-                <a16:creationId xmlns:a16="http://schemas.microsoft.com/office/drawing/2014/main" xmlns="" id="{6C91387F-AF56-614F-B14F-5E345367B7AF}"/>
+                <a16:creationId xmlns="" xmlns:a16="http://schemas.microsoft.com/office/drawing/2014/main" id="{6C91387F-AF56-614F-B14F-5E345367B7AF}"/>
               </a:ext>
             </a:extLst>
           </p:cNvPr>
@@ -8426,7 +8511,7 @@
           <p:cNvPr id="2" name="Titel 1">
             <a:extLst>
               <a:ext uri="{FF2B5EF4-FFF2-40B4-BE49-F238E27FC236}">
-                <a16:creationId xmlns:a16="http://schemas.microsoft.com/office/drawing/2014/main" xmlns="" id="{35BFDC70-A169-E142-B051-5ABC9190E094}"/>
+                <a16:creationId xmlns="" xmlns:a16="http://schemas.microsoft.com/office/drawing/2014/main" id="{35BFDC70-A169-E142-B051-5ABC9190E094}"/>
               </a:ext>
             </a:extLst>
           </p:cNvPr>
@@ -8506,7 +8591,7 @@
           <p:cNvPr id="6" name="Titel 1">
             <a:extLst>
               <a:ext uri="{FF2B5EF4-FFF2-40B4-BE49-F238E27FC236}">
-                <a16:creationId xmlns:a16="http://schemas.microsoft.com/office/drawing/2014/main" xmlns="" id="{E7C2CB7B-ACCE-46AA-B361-C575579F8987}"/>
+                <a16:creationId xmlns="" xmlns:a16="http://schemas.microsoft.com/office/drawing/2014/main" id="{E7C2CB7B-ACCE-46AA-B361-C575579F8987}"/>
               </a:ext>
             </a:extLst>
           </p:cNvPr>
@@ -8562,7 +8647,7 @@
           <p:cNvPr id="4" name="Grafik 3">
             <a:extLst>
               <a:ext uri="{FF2B5EF4-FFF2-40B4-BE49-F238E27FC236}">
-                <a16:creationId xmlns:a16="http://schemas.microsoft.com/office/drawing/2014/main" xmlns="" id="{9CE66A13-0C75-4FD9-A123-2756CAAD340B}"/>
+                <a16:creationId xmlns="" xmlns:a16="http://schemas.microsoft.com/office/drawing/2014/main" id="{9CE66A13-0C75-4FD9-A123-2756CAAD340B}"/>
               </a:ext>
             </a:extLst>
           </p:cNvPr>
@@ -8629,7 +8714,7 @@
           <p:cNvPr id="4" name="Rechteck 3">
             <a:extLst>
               <a:ext uri="{FF2B5EF4-FFF2-40B4-BE49-F238E27FC236}">
-                <a16:creationId xmlns:a16="http://schemas.microsoft.com/office/drawing/2014/main" xmlns="" id="{E4D21FBE-9E79-4438-A9C4-A86631E75D3D}"/>
+                <a16:creationId xmlns="" xmlns:a16="http://schemas.microsoft.com/office/drawing/2014/main" id="{E4D21FBE-9E79-4438-A9C4-A86631E75D3D}"/>
               </a:ext>
             </a:extLst>
           </p:cNvPr>
@@ -8681,7 +8766,7 @@
           <p:cNvPr id="2" name="Titel 1">
             <a:extLst>
               <a:ext uri="{FF2B5EF4-FFF2-40B4-BE49-F238E27FC236}">
-                <a16:creationId xmlns:a16="http://schemas.microsoft.com/office/drawing/2014/main" xmlns="" id="{5D43DF7A-1A5D-4ACC-A604-ABDFA208B266}"/>
+                <a16:creationId xmlns="" xmlns:a16="http://schemas.microsoft.com/office/drawing/2014/main" id="{5D43DF7A-1A5D-4ACC-A604-ABDFA208B266}"/>
               </a:ext>
             </a:extLst>
           </p:cNvPr>
@@ -8706,7 +8791,7 @@
           <p:cNvPr id="3" name="Inhaltsplatzhalter 2">
             <a:extLst>
               <a:ext uri="{FF2B5EF4-FFF2-40B4-BE49-F238E27FC236}">
-                <a16:creationId xmlns:a16="http://schemas.microsoft.com/office/drawing/2014/main" xmlns="" id="{C24FCB4C-0151-435F-B548-7A9594A11125}"/>
+                <a16:creationId xmlns="" xmlns:a16="http://schemas.microsoft.com/office/drawing/2014/main" id="{C24FCB4C-0151-435F-B548-7A9594A11125}"/>
               </a:ext>
             </a:extLst>
           </p:cNvPr>
@@ -8731,7 +8816,7 @@
           <p:cNvPr id="6" name="Grafik 5">
             <a:extLst>
               <a:ext uri="{FF2B5EF4-FFF2-40B4-BE49-F238E27FC236}">
-                <a16:creationId xmlns:a16="http://schemas.microsoft.com/office/drawing/2014/main" xmlns="" id="{996B219C-4061-4FC7-A31B-3666889455F9}"/>
+                <a16:creationId xmlns="" xmlns:a16="http://schemas.microsoft.com/office/drawing/2014/main" id="{996B219C-4061-4FC7-A31B-3666889455F9}"/>
               </a:ext>
             </a:extLst>
           </p:cNvPr>
@@ -8806,10 +8891,10 @@
           <p:cNvPr id="8" name="Rectangle 7">
             <a:extLst>
               <a:ext uri="{FF2B5EF4-FFF2-40B4-BE49-F238E27FC236}">
-                <a16:creationId xmlns:a16="http://schemas.microsoft.com/office/drawing/2014/main" xmlns="" id="{8D70B121-56F4-4848-B38B-182089D909FA}"/>
+                <a16:creationId xmlns="" xmlns:a16="http://schemas.microsoft.com/office/drawing/2014/main" id="{8D70B121-56F4-4848-B38B-182089D909FA}"/>
               </a:ext>
               <a:ext uri="{C183D7F6-B498-43B3-948B-1728B52AA6E4}">
-                <adec:decorative xmlns:adec="http://schemas.microsoft.com/office/drawing/2017/decorative" xmlns="" val="1"/>
+                <adec:decorative xmlns="" xmlns:adec="http://schemas.microsoft.com/office/drawing/2017/decorative" val="1"/>
               </a:ext>
             </a:extLst>
           </p:cNvPr>
@@ -8819,7 +8904,7 @@
           <p:nvPr>
             <p:extLst>
               <p:ext uri="{386F3935-93C4-4BCD-93E2-E3B085C9AB24}">
-                <p16:designElem xmlns:p16="http://schemas.microsoft.com/office/powerpoint/2015/main" xmlns="" val="1"/>
+                <p16:designElem xmlns="" xmlns:p16="http://schemas.microsoft.com/office/powerpoint/2015/main" val="1"/>
               </p:ext>
             </p:extLst>
           </p:nvPr>
@@ -8871,7 +8956,7 @@
           <p:cNvPr id="2" name="Titel 1">
             <a:extLst>
               <a:ext uri="{FF2B5EF4-FFF2-40B4-BE49-F238E27FC236}">
-                <a16:creationId xmlns:a16="http://schemas.microsoft.com/office/drawing/2014/main" xmlns="" id="{0B5D0F8F-C92F-BC46-ACC4-7A21698DD272}"/>
+                <a16:creationId xmlns="" xmlns:a16="http://schemas.microsoft.com/office/drawing/2014/main" id="{0B5D0F8F-C92F-BC46-ACC4-7A21698DD272}"/>
               </a:ext>
             </a:extLst>
           </p:cNvPr>
@@ -8911,10 +8996,10 @@
           <p:cNvPr id="10" name="Straight Connector 9">
             <a:extLst>
               <a:ext uri="{FF2B5EF4-FFF2-40B4-BE49-F238E27FC236}">
-                <a16:creationId xmlns:a16="http://schemas.microsoft.com/office/drawing/2014/main" xmlns="" id="{2D72A2C9-F3CA-4216-8BAD-FA4C970C3C4E}"/>
+                <a16:creationId xmlns="" xmlns:a16="http://schemas.microsoft.com/office/drawing/2014/main" id="{2D72A2C9-F3CA-4216-8BAD-FA4C970C3C4E}"/>
               </a:ext>
               <a:ext uri="{C183D7F6-B498-43B3-948B-1728B52AA6E4}">
-                <adec:decorative xmlns:adec="http://schemas.microsoft.com/office/drawing/2017/decorative" xmlns="" val="1"/>
+                <adec:decorative xmlns="" xmlns:adec="http://schemas.microsoft.com/office/drawing/2017/decorative" val="1"/>
               </a:ext>
             </a:extLst>
           </p:cNvPr>
@@ -8924,7 +9009,7 @@
           <p:nvPr>
             <p:extLst>
               <p:ext uri="{386F3935-93C4-4BCD-93E2-E3B085C9AB24}">
-                <p16:designElem xmlns:p16="http://schemas.microsoft.com/office/powerpoint/2015/main" xmlns="" val="1"/>
+                <p16:designElem xmlns="" xmlns:p16="http://schemas.microsoft.com/office/powerpoint/2015/main" val="1"/>
               </p:ext>
             </p:extLst>
           </p:nvPr>
@@ -8966,7 +9051,7 @@
           <p:cNvPr id="3" name="Inhaltsplatzhalter 2">
             <a:extLst>
               <a:ext uri="{FF2B5EF4-FFF2-40B4-BE49-F238E27FC236}">
-                <a16:creationId xmlns:a16="http://schemas.microsoft.com/office/drawing/2014/main" xmlns="" id="{692C889E-3E0C-9E40-9512-4230892B2B42}"/>
+                <a16:creationId xmlns="" xmlns:a16="http://schemas.microsoft.com/office/drawing/2014/main" id="{692C889E-3E0C-9E40-9512-4230892B2B42}"/>
               </a:ext>
             </a:extLst>
           </p:cNvPr>
@@ -9091,7 +9176,7 @@
           <p:cNvPr id="5" name="Rechteck 4">
             <a:extLst>
               <a:ext uri="{FF2B5EF4-FFF2-40B4-BE49-F238E27FC236}">
-                <a16:creationId xmlns:a16="http://schemas.microsoft.com/office/drawing/2014/main" xmlns="" id="{6C91387F-AF56-614F-B14F-5E345367B7AF}"/>
+                <a16:creationId xmlns="" xmlns:a16="http://schemas.microsoft.com/office/drawing/2014/main" id="{6C91387F-AF56-614F-B14F-5E345367B7AF}"/>
               </a:ext>
             </a:extLst>
           </p:cNvPr>
@@ -9143,7 +9228,7 @@
           <p:cNvPr id="2" name="Titel 1">
             <a:extLst>
               <a:ext uri="{FF2B5EF4-FFF2-40B4-BE49-F238E27FC236}">
-                <a16:creationId xmlns:a16="http://schemas.microsoft.com/office/drawing/2014/main" xmlns="" id="{35BFDC70-A169-E142-B051-5ABC9190E094}"/>
+                <a16:creationId xmlns="" xmlns:a16="http://schemas.microsoft.com/office/drawing/2014/main" id="{35BFDC70-A169-E142-B051-5ABC9190E094}"/>
               </a:ext>
             </a:extLst>
           </p:cNvPr>
@@ -9191,7 +9276,7 @@
           <p:cNvPr id="6" name="Titel 1">
             <a:extLst>
               <a:ext uri="{FF2B5EF4-FFF2-40B4-BE49-F238E27FC236}">
-                <a16:creationId xmlns:a16="http://schemas.microsoft.com/office/drawing/2014/main" xmlns="" id="{E7C2CB7B-ACCE-46AA-B361-C575579F8987}"/>
+                <a16:creationId xmlns="" xmlns:a16="http://schemas.microsoft.com/office/drawing/2014/main" id="{E7C2CB7B-ACCE-46AA-B361-C575579F8987}"/>
               </a:ext>
             </a:extLst>
           </p:cNvPr>
@@ -9247,7 +9332,7 @@
           <p:cNvPr id="7" name="Grafik 6">
             <a:extLst>
               <a:ext uri="{FF2B5EF4-FFF2-40B4-BE49-F238E27FC236}">
-                <a16:creationId xmlns:a16="http://schemas.microsoft.com/office/drawing/2014/main" xmlns="" id="{756E846B-B403-4984-98B4-4C01CA73B356}"/>
+                <a16:creationId xmlns="" xmlns:a16="http://schemas.microsoft.com/office/drawing/2014/main" id="{756E846B-B403-4984-98B4-4C01CA73B356}"/>
               </a:ext>
             </a:extLst>
           </p:cNvPr>
@@ -9277,7 +9362,7 @@
           <p:cNvPr id="4" name="Grafik 3">
             <a:extLst>
               <a:ext uri="{FF2B5EF4-FFF2-40B4-BE49-F238E27FC236}">
-                <a16:creationId xmlns:a16="http://schemas.microsoft.com/office/drawing/2014/main" xmlns="" id="{A26447F2-DF28-4EAF-B8D1-EFC7A98F7721}"/>
+                <a16:creationId xmlns="" xmlns:a16="http://schemas.microsoft.com/office/drawing/2014/main" id="{A26447F2-DF28-4EAF-B8D1-EFC7A98F7721}"/>
               </a:ext>
             </a:extLst>
           </p:cNvPr>
@@ -9307,7 +9392,7 @@
           <p:cNvPr id="3" name="Grafik 2">
             <a:extLst>
               <a:ext uri="{FF2B5EF4-FFF2-40B4-BE49-F238E27FC236}">
-                <a16:creationId xmlns:a16="http://schemas.microsoft.com/office/drawing/2014/main" xmlns="" id="{DB99CD9C-1E94-4D53-99E7-DF6B67865684}"/>
+                <a16:creationId xmlns="" xmlns:a16="http://schemas.microsoft.com/office/drawing/2014/main" id="{DB99CD9C-1E94-4D53-99E7-DF6B67865684}"/>
               </a:ext>
             </a:extLst>
           </p:cNvPr>
@@ -9556,7 +9641,7 @@
           <p:cNvPr id="5" name="Rechteck 4">
             <a:extLst>
               <a:ext uri="{FF2B5EF4-FFF2-40B4-BE49-F238E27FC236}">
-                <a16:creationId xmlns:a16="http://schemas.microsoft.com/office/drawing/2014/main" xmlns="" id="{6C91387F-AF56-614F-B14F-5E345367B7AF}"/>
+                <a16:creationId xmlns="" xmlns:a16="http://schemas.microsoft.com/office/drawing/2014/main" id="{6C91387F-AF56-614F-B14F-5E345367B7AF}"/>
               </a:ext>
             </a:extLst>
           </p:cNvPr>
@@ -9608,7 +9693,7 @@
           <p:cNvPr id="2" name="Titel 1">
             <a:extLst>
               <a:ext uri="{FF2B5EF4-FFF2-40B4-BE49-F238E27FC236}">
-                <a16:creationId xmlns:a16="http://schemas.microsoft.com/office/drawing/2014/main" xmlns="" id="{35BFDC70-A169-E142-B051-5ABC9190E094}"/>
+                <a16:creationId xmlns="" xmlns:a16="http://schemas.microsoft.com/office/drawing/2014/main" id="{35BFDC70-A169-E142-B051-5ABC9190E094}"/>
               </a:ext>
             </a:extLst>
           </p:cNvPr>
@@ -9669,7 +9754,7 @@
           <p:cNvPr id="6" name="Titel 1">
             <a:extLst>
               <a:ext uri="{FF2B5EF4-FFF2-40B4-BE49-F238E27FC236}">
-                <a16:creationId xmlns:a16="http://schemas.microsoft.com/office/drawing/2014/main" xmlns="" id="{E7C2CB7B-ACCE-46AA-B361-C575579F8987}"/>
+                <a16:creationId xmlns="" xmlns:a16="http://schemas.microsoft.com/office/drawing/2014/main" id="{E7C2CB7B-ACCE-46AA-B361-C575579F8987}"/>
               </a:ext>
             </a:extLst>
           </p:cNvPr>
@@ -9725,7 +9810,7 @@
           <p:cNvPr id="4" name="Grafik 3">
             <a:extLst>
               <a:ext uri="{FF2B5EF4-FFF2-40B4-BE49-F238E27FC236}">
-                <a16:creationId xmlns:a16="http://schemas.microsoft.com/office/drawing/2014/main" xmlns="" id="{9CC9583D-5C73-4A70-A2FE-E33805DE3ECD}"/>
+                <a16:creationId xmlns="" xmlns:a16="http://schemas.microsoft.com/office/drawing/2014/main" id="{9CC9583D-5C73-4A70-A2FE-E33805DE3ECD}"/>
               </a:ext>
             </a:extLst>
           </p:cNvPr>
@@ -9800,10 +9885,10 @@
           <p:cNvPr id="8" name="Rectangle 7">
             <a:extLst>
               <a:ext uri="{FF2B5EF4-FFF2-40B4-BE49-F238E27FC236}">
-                <a16:creationId xmlns:a16="http://schemas.microsoft.com/office/drawing/2014/main" xmlns="" id="{8D70B121-56F4-4848-B38B-182089D909FA}"/>
+                <a16:creationId xmlns="" xmlns:a16="http://schemas.microsoft.com/office/drawing/2014/main" id="{8D70B121-56F4-4848-B38B-182089D909FA}"/>
               </a:ext>
               <a:ext uri="{C183D7F6-B498-43B3-948B-1728B52AA6E4}">
-                <adec:decorative xmlns:adec="http://schemas.microsoft.com/office/drawing/2017/decorative" xmlns="" val="1"/>
+                <adec:decorative xmlns="" xmlns:adec="http://schemas.microsoft.com/office/drawing/2017/decorative" val="1"/>
               </a:ext>
             </a:extLst>
           </p:cNvPr>
@@ -9813,7 +9898,7 @@
           <p:nvPr>
             <p:extLst>
               <p:ext uri="{386F3935-93C4-4BCD-93E2-E3B085C9AB24}">
-                <p16:designElem xmlns:p16="http://schemas.microsoft.com/office/powerpoint/2015/main" xmlns="" val="1"/>
+                <p16:designElem xmlns="" xmlns:p16="http://schemas.microsoft.com/office/powerpoint/2015/main" val="1"/>
               </p:ext>
             </p:extLst>
           </p:nvPr>
@@ -9865,7 +9950,7 @@
           <p:cNvPr id="2" name="Titel 1">
             <a:extLst>
               <a:ext uri="{FF2B5EF4-FFF2-40B4-BE49-F238E27FC236}">
-                <a16:creationId xmlns:a16="http://schemas.microsoft.com/office/drawing/2014/main" xmlns="" id="{0B5D0F8F-C92F-BC46-ACC4-7A21698DD272}"/>
+                <a16:creationId xmlns="" xmlns:a16="http://schemas.microsoft.com/office/drawing/2014/main" id="{0B5D0F8F-C92F-BC46-ACC4-7A21698DD272}"/>
               </a:ext>
             </a:extLst>
           </p:cNvPr>
@@ -9905,10 +9990,10 @@
           <p:cNvPr id="10" name="Straight Connector 9">
             <a:extLst>
               <a:ext uri="{FF2B5EF4-FFF2-40B4-BE49-F238E27FC236}">
-                <a16:creationId xmlns:a16="http://schemas.microsoft.com/office/drawing/2014/main" xmlns="" id="{2D72A2C9-F3CA-4216-8BAD-FA4C970C3C4E}"/>
+                <a16:creationId xmlns="" xmlns:a16="http://schemas.microsoft.com/office/drawing/2014/main" id="{2D72A2C9-F3CA-4216-8BAD-FA4C970C3C4E}"/>
               </a:ext>
               <a:ext uri="{C183D7F6-B498-43B3-948B-1728B52AA6E4}">
-                <adec:decorative xmlns:adec="http://schemas.microsoft.com/office/drawing/2017/decorative" xmlns="" val="1"/>
+                <adec:decorative xmlns="" xmlns:adec="http://schemas.microsoft.com/office/drawing/2017/decorative" val="1"/>
               </a:ext>
             </a:extLst>
           </p:cNvPr>
@@ -9918,7 +10003,7 @@
           <p:nvPr>
             <p:extLst>
               <p:ext uri="{386F3935-93C4-4BCD-93E2-E3B085C9AB24}">
-                <p16:designElem xmlns:p16="http://schemas.microsoft.com/office/powerpoint/2015/main" xmlns="" val="1"/>
+                <p16:designElem xmlns="" xmlns:p16="http://schemas.microsoft.com/office/powerpoint/2015/main" val="1"/>
               </p:ext>
             </p:extLst>
           </p:nvPr>
@@ -9960,7 +10045,7 @@
           <p:cNvPr id="3" name="Inhaltsplatzhalter 2">
             <a:extLst>
               <a:ext uri="{FF2B5EF4-FFF2-40B4-BE49-F238E27FC236}">
-                <a16:creationId xmlns:a16="http://schemas.microsoft.com/office/drawing/2014/main" xmlns="" id="{692C889E-3E0C-9E40-9512-4230892B2B42}"/>
+                <a16:creationId xmlns="" xmlns:a16="http://schemas.microsoft.com/office/drawing/2014/main" id="{692C889E-3E0C-9E40-9512-4230892B2B42}"/>
               </a:ext>
             </a:extLst>
           </p:cNvPr>
@@ -10105,10 +10190,10 @@
           <p:cNvPr id="19" name="Rectangle 18">
             <a:extLst>
               <a:ext uri="{FF2B5EF4-FFF2-40B4-BE49-F238E27FC236}">
-                <a16:creationId xmlns:a16="http://schemas.microsoft.com/office/drawing/2014/main" xmlns="" id="{8D70B121-56F4-4848-B38B-182089D909FA}"/>
+                <a16:creationId xmlns="" xmlns:a16="http://schemas.microsoft.com/office/drawing/2014/main" id="{8D70B121-56F4-4848-B38B-182089D909FA}"/>
               </a:ext>
               <a:ext uri="{C183D7F6-B498-43B3-948B-1728B52AA6E4}">
-                <adec:decorative xmlns:adec="http://schemas.microsoft.com/office/drawing/2017/decorative" xmlns="" val="1"/>
+                <adec:decorative xmlns="" xmlns:adec="http://schemas.microsoft.com/office/drawing/2017/decorative" val="1"/>
               </a:ext>
             </a:extLst>
           </p:cNvPr>
@@ -10118,7 +10203,7 @@
           <p:nvPr>
             <p:extLst>
               <p:ext uri="{386F3935-93C4-4BCD-93E2-E3B085C9AB24}">
-                <p16:designElem xmlns:p16="http://schemas.microsoft.com/office/powerpoint/2015/main" xmlns="" val="1"/>
+                <p16:designElem xmlns="" xmlns:p16="http://schemas.microsoft.com/office/powerpoint/2015/main" val="1"/>
               </p:ext>
             </p:extLst>
           </p:nvPr>
@@ -10170,7 +10255,7 @@
           <p:cNvPr id="2" name="Titel 1">
             <a:extLst>
               <a:ext uri="{FF2B5EF4-FFF2-40B4-BE49-F238E27FC236}">
-                <a16:creationId xmlns:a16="http://schemas.microsoft.com/office/drawing/2014/main" xmlns="" id="{35BFDC70-A169-E142-B051-5ABC9190E094}"/>
+                <a16:creationId xmlns="" xmlns:a16="http://schemas.microsoft.com/office/drawing/2014/main" id="{35BFDC70-A169-E142-B051-5ABC9190E094}"/>
               </a:ext>
             </a:extLst>
           </p:cNvPr>
@@ -10226,10 +10311,10 @@
           <p:cNvPr id="21" name="Straight Connector 20">
             <a:extLst>
               <a:ext uri="{FF2B5EF4-FFF2-40B4-BE49-F238E27FC236}">
-                <a16:creationId xmlns:a16="http://schemas.microsoft.com/office/drawing/2014/main" xmlns="" id="{2D72A2C9-F3CA-4216-8BAD-FA4C970C3C4E}"/>
+                <a16:creationId xmlns="" xmlns:a16="http://schemas.microsoft.com/office/drawing/2014/main" id="{2D72A2C9-F3CA-4216-8BAD-FA4C970C3C4E}"/>
               </a:ext>
               <a:ext uri="{C183D7F6-B498-43B3-948B-1728B52AA6E4}">
-                <adec:decorative xmlns:adec="http://schemas.microsoft.com/office/drawing/2017/decorative" xmlns="" val="1"/>
+                <adec:decorative xmlns="" xmlns:adec="http://schemas.microsoft.com/office/drawing/2017/decorative" val="1"/>
               </a:ext>
             </a:extLst>
           </p:cNvPr>
@@ -10239,7 +10324,7 @@
           <p:nvPr>
             <p:extLst>
               <p:ext uri="{386F3935-93C4-4BCD-93E2-E3B085C9AB24}">
-                <p16:designElem xmlns:p16="http://schemas.microsoft.com/office/powerpoint/2015/main" xmlns="" val="1"/>
+                <p16:designElem xmlns="" xmlns:p16="http://schemas.microsoft.com/office/powerpoint/2015/main" val="1"/>
               </p:ext>
             </p:extLst>
           </p:nvPr>
@@ -10281,7 +10366,7 @@
           <p:cNvPr id="8" name="Inhaltsplatzhalter 4">
             <a:extLst>
               <a:ext uri="{FF2B5EF4-FFF2-40B4-BE49-F238E27FC236}">
-                <a16:creationId xmlns:a16="http://schemas.microsoft.com/office/drawing/2014/main" xmlns="" id="{A8E625C4-6DB1-9D42-BFEA-DE37A6F928F3}"/>
+                <a16:creationId xmlns="" xmlns:a16="http://schemas.microsoft.com/office/drawing/2014/main" id="{A8E625C4-6DB1-9D42-BFEA-DE37A6F928F3}"/>
               </a:ext>
             </a:extLst>
           </p:cNvPr>
@@ -10377,10 +10462,10 @@
           <p:cNvPr id="19" name="Rectangle 18">
             <a:extLst>
               <a:ext uri="{FF2B5EF4-FFF2-40B4-BE49-F238E27FC236}">
-                <a16:creationId xmlns:a16="http://schemas.microsoft.com/office/drawing/2014/main" xmlns="" id="{8D70B121-56F4-4848-B38B-182089D909FA}"/>
+                <a16:creationId xmlns="" xmlns:a16="http://schemas.microsoft.com/office/drawing/2014/main" id="{8D70B121-56F4-4848-B38B-182089D909FA}"/>
               </a:ext>
               <a:ext uri="{C183D7F6-B498-43B3-948B-1728B52AA6E4}">
-                <adec:decorative xmlns:adec="http://schemas.microsoft.com/office/drawing/2017/decorative" xmlns="" val="1"/>
+                <adec:decorative xmlns="" xmlns:adec="http://schemas.microsoft.com/office/drawing/2017/decorative" val="1"/>
               </a:ext>
             </a:extLst>
           </p:cNvPr>
@@ -10390,7 +10475,7 @@
           <p:nvPr>
             <p:extLst>
               <p:ext uri="{386F3935-93C4-4BCD-93E2-E3B085C9AB24}">
-                <p16:designElem xmlns:p16="http://schemas.microsoft.com/office/powerpoint/2015/main" xmlns="" val="1"/>
+                <p16:designElem xmlns="" xmlns:p16="http://schemas.microsoft.com/office/powerpoint/2015/main" val="1"/>
               </p:ext>
             </p:extLst>
           </p:nvPr>
@@ -10442,7 +10527,7 @@
           <p:cNvPr id="2" name="Titel 1">
             <a:extLst>
               <a:ext uri="{FF2B5EF4-FFF2-40B4-BE49-F238E27FC236}">
-                <a16:creationId xmlns:a16="http://schemas.microsoft.com/office/drawing/2014/main" xmlns="" id="{35BFDC70-A169-E142-B051-5ABC9190E094}"/>
+                <a16:creationId xmlns="" xmlns:a16="http://schemas.microsoft.com/office/drawing/2014/main" id="{35BFDC70-A169-E142-B051-5ABC9190E094}"/>
               </a:ext>
             </a:extLst>
           </p:cNvPr>
@@ -10472,23 +10557,7 @@
                   <a:schemeClr val="accent1"/>
                 </a:solidFill>
               </a:rPr>
-              <a:t>Wichtige</a:t>
-            </a:r>
-            <a:r>
-              <a:rPr lang="en-US" dirty="0" smtClean="0">
-                <a:solidFill>
-                  <a:schemeClr val="accent1"/>
-                </a:solidFill>
-              </a:rPr>
-              <a:t> </a:t>
-            </a:r>
-            <a:r>
-              <a:rPr lang="en-US" dirty="0" err="1" smtClean="0">
-                <a:solidFill>
-                  <a:schemeClr val="accent1"/>
-                </a:solidFill>
-              </a:rPr>
-              <a:t>Begriffe</a:t>
+              <a:t>Inzidenzmatrix</a:t>
             </a:r>
             <a:endParaRPr lang="en-US" kern="1200" dirty="0">
               <a:solidFill>
@@ -10506,10 +10575,10 @@
           <p:cNvPr id="21" name="Straight Connector 20">
             <a:extLst>
               <a:ext uri="{FF2B5EF4-FFF2-40B4-BE49-F238E27FC236}">
-                <a16:creationId xmlns:a16="http://schemas.microsoft.com/office/drawing/2014/main" xmlns="" id="{2D72A2C9-F3CA-4216-8BAD-FA4C970C3C4E}"/>
+                <a16:creationId xmlns="" xmlns:a16="http://schemas.microsoft.com/office/drawing/2014/main" id="{2D72A2C9-F3CA-4216-8BAD-FA4C970C3C4E}"/>
               </a:ext>
               <a:ext uri="{C183D7F6-B498-43B3-948B-1728B52AA6E4}">
-                <adec:decorative xmlns:adec="http://schemas.microsoft.com/office/drawing/2017/decorative" xmlns="" val="1"/>
+                <adec:decorative xmlns="" xmlns:adec="http://schemas.microsoft.com/office/drawing/2017/decorative" val="1"/>
               </a:ext>
             </a:extLst>
           </p:cNvPr>
@@ -10519,7 +10588,7 @@
           <p:nvPr>
             <p:extLst>
               <p:ext uri="{386F3935-93C4-4BCD-93E2-E3B085C9AB24}">
-                <p16:designElem xmlns:p16="http://schemas.microsoft.com/office/powerpoint/2015/main" xmlns="" val="1"/>
+                <p16:designElem xmlns="" xmlns:p16="http://schemas.microsoft.com/office/powerpoint/2015/main" val="1"/>
               </p:ext>
             </p:extLst>
           </p:nvPr>
@@ -10556,51 +10625,233 @@
           </a:fontRef>
         </p:style>
       </p:cxnSp>
-      <p:sp>
-        <p:nvSpPr>
-          <p:cNvPr id="8" name="Inhaltsplatzhalter 4">
+      <p:pic>
+        <p:nvPicPr>
+          <p:cNvPr id="6" name="Grafik 5"/>
+          <p:cNvPicPr/>
+          <p:nvPr/>
+        </p:nvPicPr>
+        <p:blipFill>
+          <a:blip r:embed="rId3">
+            <a:extLst>
+              <a:ext uri="{28A0092B-C50C-407E-A947-70E740481C1C}">
+                <a14:useLocalDpi xmlns:a14="http://schemas.microsoft.com/office/drawing/2010/main" val="0"/>
+              </a:ext>
+            </a:extLst>
+          </a:blip>
+          <a:srcRect l="3809" t="9837" r="6059" b="7019"/>
+          <a:stretch>
+            <a:fillRect/>
+          </a:stretch>
+        </p:blipFill>
+        <p:spPr bwMode="auto">
+          <a:xfrm>
+            <a:off x="6675911" y="878865"/>
+            <a:ext cx="3172910" cy="1320638"/>
+          </a:xfrm>
+          <a:prstGeom prst="rect">
+            <a:avLst/>
+          </a:prstGeom>
+          <a:noFill/>
+        </p:spPr>
+      </p:pic>
+      <p:pic>
+        <p:nvPicPr>
+          <p:cNvPr id="9" name="Grafik 8">
             <a:extLst>
               <a:ext uri="{FF2B5EF4-FFF2-40B4-BE49-F238E27FC236}">
-                <a16:creationId xmlns:a16="http://schemas.microsoft.com/office/drawing/2014/main" xmlns="" id="{A8E625C4-6DB1-9D42-BFEA-DE37A6F928F3}"/>
+                <a16:creationId xmlns="" xmlns:a16="http://schemas.microsoft.com/office/drawing/2014/main" id="{5ACE5D07-54C6-4407-8C9E-551B71135727}"/>
               </a:ext>
             </a:extLst>
           </p:cNvPr>
-          <p:cNvSpPr>
-            <a:spLocks noGrp="1"/>
-          </p:cNvSpPr>
-          <p:nvPr>
-            <p:ph idx="1"/>
-          </p:nvPr>
-        </p:nvSpPr>
+          <p:cNvPicPr>
+            <a:picLocks noChangeAspect="1"/>
+          </p:cNvPicPr>
+          <p:nvPr/>
+        </p:nvPicPr>
+        <p:blipFill>
+          <a:blip r:embed="rId4"/>
+          <a:stretch>
+            <a:fillRect/>
+          </a:stretch>
+        </p:blipFill>
         <p:spPr>
           <a:xfrm>
-            <a:off x="5097419" y="963877"/>
-            <a:ext cx="5686424" cy="4930246"/>
+            <a:off x="5678328" y="3696570"/>
+            <a:ext cx="5168077" cy="2208060"/>
           </a:xfrm>
+          <a:prstGeom prst="rect">
+            <a:avLst/>
+          </a:prstGeom>
         </p:spPr>
-        <p:txBody>
-          <a:bodyPr anchor="ctr">
-            <a:normAutofit/>
+      </p:pic>
+      <p:cxnSp>
+        <p:nvCxnSpPr>
+          <p:cNvPr id="5" name="Gerade Verbindung mit Pfeil 4"/>
+          <p:cNvCxnSpPr/>
+          <p:nvPr/>
+        </p:nvCxnSpPr>
+        <p:spPr>
+          <a:xfrm flipH="1">
+            <a:off x="6458465" y="1079349"/>
+            <a:ext cx="502508" cy="3014856"/>
+          </a:xfrm>
+          <a:prstGeom prst="straightConnector1">
+            <a:avLst/>
+          </a:prstGeom>
+          <a:ln>
+            <a:tailEnd type="triangle"/>
+          </a:ln>
+        </p:spPr>
+        <p:style>
+          <a:lnRef idx="3">
+            <a:schemeClr val="accent1"/>
+          </a:lnRef>
+          <a:fillRef idx="0">
+            <a:schemeClr val="accent1"/>
+          </a:fillRef>
+          <a:effectRef idx="2">
+            <a:schemeClr val="accent1"/>
+          </a:effectRef>
+          <a:fontRef idx="minor">
+            <a:schemeClr val="tx1"/>
+          </a:fontRef>
+        </p:style>
+      </p:cxnSp>
+      <p:sp>
+        <p:nvSpPr>
+          <p:cNvPr id="7" name="Geschweifte Klammer rechts 6"/>
+          <p:cNvSpPr/>
+          <p:nvPr/>
+        </p:nvSpPr>
+        <p:spPr>
+          <a:xfrm rot="14587166">
+            <a:off x="6448706" y="3681924"/>
+            <a:ext cx="288325" cy="1219200"/>
+          </a:xfrm>
+          <a:prstGeom prst="rightBrace">
+            <a:avLst/>
+          </a:prstGeom>
+        </p:spPr>
+        <p:style>
+          <a:lnRef idx="3">
+            <a:schemeClr val="accent6"/>
+          </a:lnRef>
+          <a:fillRef idx="0">
+            <a:schemeClr val="accent6"/>
+          </a:fillRef>
+          <a:effectRef idx="2">
+            <a:schemeClr val="accent6"/>
+          </a:effectRef>
+          <a:fontRef idx="minor">
+            <a:schemeClr val="tx1"/>
+          </a:fontRef>
+        </p:style>
+        <p:txBody>
+          <a:bodyPr rtlCol="0" anchor="ctr"/>
+          <a:lstStyle/>
+          <a:p>
+            <a:pPr algn="ctr"/>
+            <a:endParaRPr lang="de-DE"/>
+          </a:p>
+        </p:txBody>
+      </p:sp>
+      <p:sp>
+        <p:nvSpPr>
+          <p:cNvPr id="10" name="Textfeld 9"/>
+          <p:cNvSpPr txBox="1"/>
+          <p:nvPr/>
+        </p:nvSpPr>
+        <p:spPr>
+          <a:xfrm>
+            <a:off x="4315425" y="5585750"/>
+            <a:ext cx="2573489" cy="923330"/>
+          </a:xfrm>
+          <a:prstGeom prst="rect">
+            <a:avLst/>
+          </a:prstGeom>
+        </p:spPr>
+        <p:style>
+          <a:lnRef idx="0">
+            <a:schemeClr val="accent5"/>
+          </a:lnRef>
+          <a:fillRef idx="3">
+            <a:schemeClr val="accent5"/>
+          </a:fillRef>
+          <a:effectRef idx="3">
+            <a:schemeClr val="accent5"/>
+          </a:effectRef>
+          <a:fontRef idx="minor">
+            <a:schemeClr val="lt1"/>
+          </a:fontRef>
+        </p:style>
+        <p:txBody>
+          <a:bodyPr wrap="square" rtlCol="0">
+            <a:spAutoFit/>
           </a:bodyPr>
           <a:lstStyle/>
           <a:p>
-            <a:pPr>
-              <a:buFont typeface="Wingdings" panose="05000000000000000000" pitchFamily="2" charset="2"/>
-              <a:buChar char="à"/>
-            </a:pPr>
-            <a:r>
-              <a:rPr lang="de-DE" smtClean="0">
-                <a:sym typeface="Wingdings" pitchFamily="2" charset="2"/>
-              </a:rPr>
-              <a:t>Inzidenzmatrix</a:t>
-            </a:r>
-          </a:p>
-          <a:p>
-            <a:pPr>
-              <a:buFont typeface="Wingdings" panose="05000000000000000000" pitchFamily="2" charset="2"/>
-              <a:buChar char="à"/>
-            </a:pPr>
+            <a:r>
+              <a:rPr lang="de-DE" dirty="0" smtClean="0"/>
+              <a:t>-1 = von B nach A</a:t>
+            </a:r>
+          </a:p>
+          <a:p>
+            <a:r>
+              <a:rPr lang="de-DE" dirty="0" smtClean="0"/>
+              <a:t>1 = von A nach B</a:t>
+            </a:r>
+          </a:p>
+          <a:p>
+            <a:r>
+              <a:rPr lang="de-DE" dirty="0" smtClean="0"/>
+              <a:t>0 = Keine Verbindung</a:t>
+            </a:r>
             <a:endParaRPr lang="de-DE" dirty="0"/>
+          </a:p>
+        </p:txBody>
+      </p:sp>
+      <p:sp>
+        <p:nvSpPr>
+          <p:cNvPr id="12" name="Ellipse 11"/>
+          <p:cNvSpPr/>
+          <p:nvPr/>
+        </p:nvSpPr>
+        <p:spPr>
+          <a:xfrm>
+            <a:off x="6780201" y="849985"/>
+            <a:ext cx="353767" cy="295074"/>
+          </a:xfrm>
+          <a:prstGeom prst="ellipse">
+            <a:avLst/>
+          </a:prstGeom>
+          <a:noFill/>
+          <a:ln w="19050">
+            <a:solidFill>
+              <a:srgbClr val="FF0000"/>
+            </a:solidFill>
+          </a:ln>
+        </p:spPr>
+        <p:style>
+          <a:lnRef idx="1">
+            <a:schemeClr val="accent4"/>
+          </a:lnRef>
+          <a:fillRef idx="2">
+            <a:schemeClr val="accent4"/>
+          </a:fillRef>
+          <a:effectRef idx="1">
+            <a:schemeClr val="accent4"/>
+          </a:effectRef>
+          <a:fontRef idx="minor">
+            <a:schemeClr val="dk1"/>
+          </a:fontRef>
+        </p:style>
+        <p:txBody>
+          <a:bodyPr rtlCol="0" anchor="ctr"/>
+          <a:lstStyle/>
+          <a:p>
+            <a:pPr algn="ctr"/>
+            <a:endParaRPr lang="de-DE"/>
           </a:p>
         </p:txBody>
       </p:sp>
@@ -10654,10 +10905,10 @@
           <p:cNvPr id="19" name="Rectangle 18">
             <a:extLst>
               <a:ext uri="{FF2B5EF4-FFF2-40B4-BE49-F238E27FC236}">
-                <a16:creationId xmlns:a16="http://schemas.microsoft.com/office/drawing/2014/main" xmlns="" id="{8D70B121-56F4-4848-B38B-182089D909FA}"/>
+                <a16:creationId xmlns="" xmlns:a16="http://schemas.microsoft.com/office/drawing/2014/main" id="{8D70B121-56F4-4848-B38B-182089D909FA}"/>
               </a:ext>
               <a:ext uri="{C183D7F6-B498-43B3-948B-1728B52AA6E4}">
-                <adec:decorative xmlns:adec="http://schemas.microsoft.com/office/drawing/2017/decorative" xmlns="" val="1"/>
+                <adec:decorative xmlns="" xmlns:adec="http://schemas.microsoft.com/office/drawing/2017/decorative" val="1"/>
               </a:ext>
             </a:extLst>
           </p:cNvPr>
@@ -10667,7 +10918,7 @@
           <p:nvPr>
             <p:extLst>
               <p:ext uri="{386F3935-93C4-4BCD-93E2-E3B085C9AB24}">
-                <p16:designElem xmlns:p16="http://schemas.microsoft.com/office/powerpoint/2015/main" xmlns="" val="1"/>
+                <p16:designElem xmlns="" xmlns:p16="http://schemas.microsoft.com/office/powerpoint/2015/main" val="1"/>
               </p:ext>
             </p:extLst>
           </p:nvPr>
@@ -10719,7 +10970,7 @@
           <p:cNvPr id="2" name="Titel 1">
             <a:extLst>
               <a:ext uri="{FF2B5EF4-FFF2-40B4-BE49-F238E27FC236}">
-                <a16:creationId xmlns:a16="http://schemas.microsoft.com/office/drawing/2014/main" xmlns="" id="{35BFDC70-A169-E142-B051-5ABC9190E094}"/>
+                <a16:creationId xmlns="" xmlns:a16="http://schemas.microsoft.com/office/drawing/2014/main" id="{35BFDC70-A169-E142-B051-5ABC9190E094}"/>
               </a:ext>
             </a:extLst>
           </p:cNvPr>
@@ -10749,7 +11000,39 @@
                   <a:schemeClr val="accent1"/>
                 </a:solidFill>
               </a:rPr>
-              <a:t>Der Code</a:t>
+              <a:t>Was </a:t>
+            </a:r>
+            <a:r>
+              <a:rPr lang="en-US" dirty="0" err="1" smtClean="0">
+                <a:solidFill>
+                  <a:schemeClr val="accent1"/>
+                </a:solidFill>
+              </a:rPr>
+              <a:t>brauchen</a:t>
+            </a:r>
+            <a:r>
+              <a:rPr lang="en-US" dirty="0" smtClean="0">
+                <a:solidFill>
+                  <a:schemeClr val="accent1"/>
+                </a:solidFill>
+              </a:rPr>
+              <a:t> </a:t>
+            </a:r>
+            <a:r>
+              <a:rPr lang="en-US" dirty="0" err="1" smtClean="0">
+                <a:solidFill>
+                  <a:schemeClr val="accent1"/>
+                </a:solidFill>
+              </a:rPr>
+              <a:t>wir</a:t>
+            </a:r>
+            <a:r>
+              <a:rPr lang="en-US" dirty="0" smtClean="0">
+                <a:solidFill>
+                  <a:schemeClr val="accent1"/>
+                </a:solidFill>
+              </a:rPr>
+              <a:t>?</a:t>
             </a:r>
             <a:endParaRPr lang="en-US" kern="1200" dirty="0">
               <a:solidFill>
@@ -10767,10 +11050,10 @@
           <p:cNvPr id="21" name="Straight Connector 20">
             <a:extLst>
               <a:ext uri="{FF2B5EF4-FFF2-40B4-BE49-F238E27FC236}">
-                <a16:creationId xmlns:a16="http://schemas.microsoft.com/office/drawing/2014/main" xmlns="" id="{2D72A2C9-F3CA-4216-8BAD-FA4C970C3C4E}"/>
+                <a16:creationId xmlns="" xmlns:a16="http://schemas.microsoft.com/office/drawing/2014/main" id="{2D72A2C9-F3CA-4216-8BAD-FA4C970C3C4E}"/>
               </a:ext>
               <a:ext uri="{C183D7F6-B498-43B3-948B-1728B52AA6E4}">
-                <adec:decorative xmlns:adec="http://schemas.microsoft.com/office/drawing/2017/decorative" xmlns="" val="1"/>
+                <adec:decorative xmlns="" xmlns:adec="http://schemas.microsoft.com/office/drawing/2017/decorative" val="1"/>
               </a:ext>
             </a:extLst>
           </p:cNvPr>
@@ -10780,7 +11063,7 @@
           <p:nvPr>
             <p:extLst>
               <p:ext uri="{386F3935-93C4-4BCD-93E2-E3B085C9AB24}">
-                <p16:designElem xmlns:p16="http://schemas.microsoft.com/office/powerpoint/2015/main" xmlns="" val="1"/>
+                <p16:designElem xmlns="" xmlns:p16="http://schemas.microsoft.com/office/powerpoint/2015/main" val="1"/>
               </p:ext>
             </p:extLst>
           </p:nvPr>
@@ -10817,39 +11100,134 @@
           </a:fontRef>
         </p:style>
       </p:cxnSp>
-      <p:pic>
-        <p:nvPicPr>
-          <p:cNvPr id="4" name="Inhaltsplatzhalter 3"/>
-          <p:cNvPicPr>
-            <a:picLocks noGrp="1" noChangeAspect="1"/>
-          </p:cNvPicPr>
-          <p:nvPr>
-            <p:ph idx="1"/>
-          </p:nvPr>
-        </p:nvPicPr>
-        <p:blipFill>
-          <a:blip r:embed="rId3">
-            <a:extLst>
-              <a:ext uri="{28A0092B-C50C-407E-A947-70E740481C1C}">
-                <a14:useLocalDpi xmlns:a14="http://schemas.microsoft.com/office/drawing/2010/main" val="0"/>
-              </a:ext>
-            </a:extLst>
-          </a:blip>
-          <a:stretch>
-            <a:fillRect/>
-          </a:stretch>
-        </p:blipFill>
+      <p:sp>
+        <p:nvSpPr>
+          <p:cNvPr id="3" name="Textfeld 2"/>
+          <p:cNvSpPr txBox="1"/>
+          <p:nvPr/>
+        </p:nvSpPr>
         <p:spPr>
           <a:xfrm>
-            <a:off x="7301071" y="2467704"/>
-            <a:ext cx="1922591" cy="1922591"/>
+            <a:off x="5123750" y="2553780"/>
+            <a:ext cx="6277233" cy="2308324"/>
           </a:xfrm>
+          <a:prstGeom prst="rect">
+            <a:avLst/>
+          </a:prstGeom>
+          <a:noFill/>
         </p:spPr>
-      </p:pic>
+        <p:txBody>
+          <a:bodyPr wrap="square" rtlCol="0">
+            <a:spAutoFit/>
+          </a:bodyPr>
+          <a:lstStyle/>
+          <a:p>
+            <a:pPr marL="342900" indent="-342900">
+              <a:buAutoNum type="arabicPeriod"/>
+            </a:pPr>
+            <a:r>
+              <a:rPr lang="de-DE" dirty="0" smtClean="0"/>
+              <a:t>Anzahl der Kanten</a:t>
+            </a:r>
+          </a:p>
+          <a:p>
+            <a:pPr marL="342900" indent="-342900">
+              <a:buAutoNum type="arabicPeriod"/>
+            </a:pPr>
+            <a:r>
+              <a:rPr lang="de-DE" dirty="0" smtClean="0"/>
+              <a:t>Anzahl der Knoten</a:t>
+            </a:r>
+          </a:p>
+          <a:p>
+            <a:pPr marL="342900" indent="-342900">
+              <a:buAutoNum type="arabicPeriod"/>
+            </a:pPr>
+            <a:r>
+              <a:rPr lang="de-DE" dirty="0" smtClean="0"/>
+              <a:t>Eine Inzidenz Matrix</a:t>
+            </a:r>
+          </a:p>
+          <a:p>
+            <a:pPr marL="342900" indent="-342900">
+              <a:buAutoNum type="arabicPeriod"/>
+            </a:pPr>
+            <a:r>
+              <a:rPr lang="de-DE" dirty="0" smtClean="0"/>
+              <a:t>Einen Vektor gegen den wir optimieren ( c )</a:t>
+            </a:r>
+          </a:p>
+          <a:p>
+            <a:pPr marL="342900" indent="-342900">
+              <a:buAutoNum type="arabicPeriod"/>
+            </a:pPr>
+            <a:r>
+              <a:rPr lang="de-DE" dirty="0" smtClean="0"/>
+              <a:t>Eine Vektor zur Überprüfung ( b ) </a:t>
+            </a:r>
+          </a:p>
+          <a:p>
+            <a:pPr marL="342900" indent="-342900">
+              <a:buAutoNum type="arabicPeriod"/>
+            </a:pPr>
+            <a:r>
+              <a:rPr lang="de-DE" dirty="0" err="1" smtClean="0"/>
+              <a:t>Lower</a:t>
+            </a:r>
+            <a:r>
+              <a:rPr lang="de-DE" dirty="0" smtClean="0"/>
+              <a:t>- und </a:t>
+            </a:r>
+            <a:r>
+              <a:rPr lang="de-DE" dirty="0" err="1" smtClean="0"/>
+              <a:t>Upper-Bound</a:t>
+            </a:r>
+            <a:r>
+              <a:rPr lang="de-DE" dirty="0" smtClean="0"/>
+              <a:t> ( </a:t>
+            </a:r>
+            <a:r>
+              <a:rPr lang="de-DE" dirty="0" err="1" smtClean="0"/>
+              <a:t>lb</a:t>
+            </a:r>
+            <a:r>
+              <a:rPr lang="de-DE" dirty="0" smtClean="0"/>
+              <a:t>, </a:t>
+            </a:r>
+            <a:r>
+              <a:rPr lang="de-DE" dirty="0" err="1" smtClean="0"/>
+              <a:t>ub</a:t>
+            </a:r>
+            <a:r>
+              <a:rPr lang="de-DE" dirty="0" smtClean="0"/>
+              <a:t> )</a:t>
+            </a:r>
+          </a:p>
+          <a:p>
+            <a:pPr marL="342900" indent="-342900">
+              <a:buAutoNum type="arabicPeriod"/>
+            </a:pPr>
+            <a:r>
+              <a:rPr lang="de-DE" dirty="0" err="1" smtClean="0"/>
+              <a:t>Ax</a:t>
+            </a:r>
+            <a:r>
+              <a:rPr lang="de-DE" dirty="0" smtClean="0"/>
+              <a:t> = b </a:t>
+            </a:r>
+          </a:p>
+          <a:p>
+            <a:pPr marL="342900" indent="-342900">
+              <a:buAutoNum type="arabicPeriod"/>
+            </a:pPr>
+            <a:endParaRPr lang="de-DE" dirty="0"/>
+          </a:p>
+        </p:txBody>
+      </p:sp>
     </p:spTree>
     <p:extLst>
       <p:ext uri="{BB962C8B-B14F-4D97-AF65-F5344CB8AC3E}">
-        <p14:creationId xmlns:p14="http://schemas.microsoft.com/office/powerpoint/2010/main" val="1172390065"/>
+        <p14:creationId xmlns:p14="http://schemas.microsoft.com/office/powerpoint/2010/main" val="101354344"/>
       </p:ext>
     </p:extLst>
   </p:cSld>
@@ -10893,13 +11271,13 @@
       </p:grpSpPr>
       <p:sp>
         <p:nvSpPr>
-          <p:cNvPr id="8" name="Rectangle 7">
+          <p:cNvPr id="19" name="Rectangle 18">
             <a:extLst>
               <a:ext uri="{FF2B5EF4-FFF2-40B4-BE49-F238E27FC236}">
-                <a16:creationId xmlns:a16="http://schemas.microsoft.com/office/drawing/2014/main" xmlns="" id="{8D70B121-56F4-4848-B38B-182089D909FA}"/>
+                <a16:creationId xmlns="" xmlns:a16="http://schemas.microsoft.com/office/drawing/2014/main" id="{8D70B121-56F4-4848-B38B-182089D909FA}"/>
               </a:ext>
               <a:ext uri="{C183D7F6-B498-43B3-948B-1728B52AA6E4}">
-                <adec:decorative xmlns:adec="http://schemas.microsoft.com/office/drawing/2017/decorative" xmlns="" val="1"/>
+                <adec:decorative xmlns="" xmlns:adec="http://schemas.microsoft.com/office/drawing/2017/decorative" val="1"/>
               </a:ext>
             </a:extLst>
           </p:cNvPr>
@@ -10909,7 +11287,7 @@
           <p:nvPr>
             <p:extLst>
               <p:ext uri="{386F3935-93C4-4BCD-93E2-E3B085C9AB24}">
-                <p16:designElem xmlns:p16="http://schemas.microsoft.com/office/powerpoint/2015/main" xmlns="" val="1"/>
+                <p16:designElem xmlns="" xmlns:p16="http://schemas.microsoft.com/office/powerpoint/2015/main" val="1"/>
               </p:ext>
             </p:extLst>
           </p:nvPr>
@@ -10961,7 +11339,7 @@
           <p:cNvPr id="2" name="Titel 1">
             <a:extLst>
               <a:ext uri="{FF2B5EF4-FFF2-40B4-BE49-F238E27FC236}">
-                <a16:creationId xmlns:a16="http://schemas.microsoft.com/office/drawing/2014/main" xmlns="" id="{0B5D0F8F-C92F-BC46-ACC4-7A21698DD272}"/>
+                <a16:creationId xmlns="" xmlns:a16="http://schemas.microsoft.com/office/drawing/2014/main" id="{35BFDC70-A169-E142-B051-5ABC9190E094}"/>
               </a:ext>
             </a:extLst>
           </p:cNvPr>
@@ -10974,37 +11352,45 @@
         </p:nvSpPr>
         <p:spPr>
           <a:xfrm>
-            <a:off x="838200" y="963877"/>
-            <a:ext cx="3494362" cy="4930246"/>
+            <a:off x="861390" y="963877"/>
+            <a:ext cx="3471171" cy="4930246"/>
           </a:xfrm>
         </p:spPr>
         <p:txBody>
-          <a:bodyPr>
+          <a:bodyPr vert="horz" lIns="91440" tIns="45720" rIns="91440" bIns="45720" rtlCol="0">
             <a:normAutofit/>
           </a:bodyPr>
           <a:lstStyle/>
           <a:p>
-            <a:pPr algn="r"/>
-            <a:r>
-              <a:rPr lang="de-DE" dirty="0">
+            <a:pPr algn="ctr"/>
+            <a:r>
+              <a:rPr lang="en-US" dirty="0" smtClean="0">
                 <a:solidFill>
                   <a:schemeClr val="accent1"/>
                 </a:solidFill>
               </a:rPr>
-              <a:t>Gliederung	</a:t>
-            </a:r>
+              <a:t>Der Code</a:t>
+            </a:r>
+            <a:endParaRPr lang="en-US" kern="1200" dirty="0">
+              <a:solidFill>
+                <a:schemeClr val="accent1"/>
+              </a:solidFill>
+              <a:latin typeface="+mj-lt"/>
+              <a:ea typeface="+mj-ea"/>
+              <a:cs typeface="+mj-cs"/>
+            </a:endParaRPr>
           </a:p>
         </p:txBody>
       </p:sp>
       <p:cxnSp>
         <p:nvCxnSpPr>
-          <p:cNvPr id="10" name="Straight Connector 9">
+          <p:cNvPr id="21" name="Straight Connector 20">
             <a:extLst>
               <a:ext uri="{FF2B5EF4-FFF2-40B4-BE49-F238E27FC236}">
-                <a16:creationId xmlns:a16="http://schemas.microsoft.com/office/drawing/2014/main" xmlns="" id="{2D72A2C9-F3CA-4216-8BAD-FA4C970C3C4E}"/>
+                <a16:creationId xmlns="" xmlns:a16="http://schemas.microsoft.com/office/drawing/2014/main" id="{2D72A2C9-F3CA-4216-8BAD-FA4C970C3C4E}"/>
               </a:ext>
               <a:ext uri="{C183D7F6-B498-43B3-948B-1728B52AA6E4}">
-                <adec:decorative xmlns:adec="http://schemas.microsoft.com/office/drawing/2017/decorative" xmlns="" val="1"/>
+                <adec:decorative xmlns="" xmlns:adec="http://schemas.microsoft.com/office/drawing/2017/decorative" val="1"/>
               </a:ext>
             </a:extLst>
           </p:cNvPr>
@@ -11014,7 +11400,7 @@
           <p:nvPr>
             <p:extLst>
               <p:ext uri="{386F3935-93C4-4BCD-93E2-E3B085C9AB24}">
-                <p16:designElem xmlns:p16="http://schemas.microsoft.com/office/powerpoint/2015/main" xmlns="" val="1"/>
+                <p16:designElem xmlns="" xmlns:p16="http://schemas.microsoft.com/office/powerpoint/2015/main" val="1"/>
               </p:ext>
             </p:extLst>
           </p:nvPr>
@@ -11051,106 +11437,39 @@
           </a:fontRef>
         </p:style>
       </p:cxnSp>
-      <p:sp>
-        <p:nvSpPr>
-          <p:cNvPr id="3" name="Inhaltsplatzhalter 2">
+      <p:pic>
+        <p:nvPicPr>
+          <p:cNvPr id="4" name="Inhaltsplatzhalter 3"/>
+          <p:cNvPicPr>
+            <a:picLocks noGrp="1" noChangeAspect="1"/>
+          </p:cNvPicPr>
+          <p:nvPr>
+            <p:ph idx="1"/>
+          </p:nvPr>
+        </p:nvPicPr>
+        <p:blipFill>
+          <a:blip r:embed="rId3">
             <a:extLst>
-              <a:ext uri="{FF2B5EF4-FFF2-40B4-BE49-F238E27FC236}">
-                <a16:creationId xmlns:a16="http://schemas.microsoft.com/office/drawing/2014/main" xmlns="" id="{692C889E-3E0C-9E40-9512-4230892B2B42}"/>
+              <a:ext uri="{28A0092B-C50C-407E-A947-70E740481C1C}">
+                <a14:useLocalDpi xmlns:a14="http://schemas.microsoft.com/office/drawing/2010/main" val="0"/>
               </a:ext>
             </a:extLst>
-          </p:cNvPr>
-          <p:cNvSpPr>
-            <a:spLocks noGrp="1"/>
-          </p:cNvSpPr>
-          <p:nvPr>
-            <p:ph idx="1"/>
-          </p:nvPr>
-        </p:nvSpPr>
+          </a:blip>
+          <a:stretch>
+            <a:fillRect/>
+          </a:stretch>
+        </p:blipFill>
         <p:spPr>
           <a:xfrm>
-            <a:off x="4976031" y="963877"/>
-            <a:ext cx="6377769" cy="4930246"/>
+            <a:off x="7301071" y="2467704"/>
+            <a:ext cx="1922591" cy="1922591"/>
           </a:xfrm>
         </p:spPr>
-        <p:txBody>
-          <a:bodyPr anchor="ctr">
-            <a:normAutofit/>
-          </a:bodyPr>
-          <a:lstStyle/>
-          <a:p>
-            <a:r>
-              <a:rPr lang="de-DE" sz="2400" dirty="0"/>
-              <a:t>Einführung in das Thema</a:t>
-            </a:r>
-          </a:p>
-          <a:p>
-            <a:r>
-              <a:rPr lang="de-DE" sz="2400" dirty="0"/>
-              <a:t>Theoretische Grundlagen</a:t>
-            </a:r>
-          </a:p>
-          <a:p>
-            <a:pPr lvl="1"/>
-            <a:r>
-              <a:rPr lang="de-DE" sz="2000" dirty="0"/>
-              <a:t>Anwendungen</a:t>
-            </a:r>
-          </a:p>
-          <a:p>
-            <a:r>
-              <a:rPr lang="de-DE" sz="2400" dirty="0"/>
-              <a:t>Aufgabenstellung</a:t>
-            </a:r>
-          </a:p>
-          <a:p>
-            <a:r>
-              <a:rPr lang="de-DE" sz="2400" dirty="0"/>
-              <a:t>Implementierung</a:t>
-            </a:r>
-          </a:p>
-          <a:p>
-            <a:pPr lvl="1"/>
-            <a:r>
-              <a:rPr lang="de-DE" sz="2000" dirty="0"/>
-              <a:t>Herangehensweise </a:t>
-            </a:r>
-          </a:p>
-          <a:p>
-            <a:pPr lvl="1"/>
-            <a:r>
-              <a:rPr lang="de-DE" sz="2000" dirty="0"/>
-              <a:t>Einführung in den </a:t>
-            </a:r>
-            <a:r>
-              <a:rPr lang="de-DE" sz="2000" dirty="0" smtClean="0"/>
-              <a:t>Code</a:t>
-            </a:r>
-          </a:p>
-          <a:p>
-            <a:pPr lvl="1"/>
-            <a:r>
-              <a:rPr lang="de-DE" sz="2000" dirty="0" smtClean="0">
-                <a:solidFill>
-                  <a:srgbClr val="0070C0"/>
-                </a:solidFill>
-              </a:rPr>
-              <a:t>Präsentation des Ergebnisses</a:t>
-            </a:r>
-          </a:p>
-          <a:p>
-            <a:r>
-              <a:rPr lang="de-DE" sz="2400" dirty="0" smtClean="0"/>
-              <a:t>Fazit </a:t>
-            </a:r>
-            <a:endParaRPr lang="de-DE" sz="2400" dirty="0"/>
-          </a:p>
-        </p:txBody>
-      </p:sp>
+      </p:pic>
     </p:spTree>
     <p:extLst>
       <p:ext uri="{BB962C8B-B14F-4D97-AF65-F5344CB8AC3E}">
-        <p14:creationId xmlns:p14="http://schemas.microsoft.com/office/powerpoint/2010/main" val="3478974392"/>
+        <p14:creationId xmlns:p14="http://schemas.microsoft.com/office/powerpoint/2010/main" val="1172390065"/>
       </p:ext>
     </p:extLst>
   </p:cSld>
@@ -11197,10 +11516,10 @@
           <p:cNvPr id="8" name="Rectangle 7">
             <a:extLst>
               <a:ext uri="{FF2B5EF4-FFF2-40B4-BE49-F238E27FC236}">
-                <a16:creationId xmlns:a16="http://schemas.microsoft.com/office/drawing/2014/main" xmlns="" id="{8D70B121-56F4-4848-B38B-182089D909FA}"/>
+                <a16:creationId xmlns="" xmlns:a16="http://schemas.microsoft.com/office/drawing/2014/main" id="{8D70B121-56F4-4848-B38B-182089D909FA}"/>
               </a:ext>
               <a:ext uri="{C183D7F6-B498-43B3-948B-1728B52AA6E4}">
-                <adec:decorative xmlns:adec="http://schemas.microsoft.com/office/drawing/2017/decorative" xmlns="" val="1"/>
+                <adec:decorative xmlns="" xmlns:adec="http://schemas.microsoft.com/office/drawing/2017/decorative" val="1"/>
               </a:ext>
             </a:extLst>
           </p:cNvPr>
@@ -11210,7 +11529,7 @@
           <p:nvPr>
             <p:extLst>
               <p:ext uri="{386F3935-93C4-4BCD-93E2-E3B085C9AB24}">
-                <p16:designElem xmlns:p16="http://schemas.microsoft.com/office/powerpoint/2015/main" xmlns="" val="1"/>
+                <p16:designElem xmlns="" xmlns:p16="http://schemas.microsoft.com/office/powerpoint/2015/main" val="1"/>
               </p:ext>
             </p:extLst>
           </p:nvPr>
@@ -11259,6 +11578,307 @@
       </p:sp>
       <p:sp>
         <p:nvSpPr>
+          <p:cNvPr id="2" name="Titel 1">
+            <a:extLst>
+              <a:ext uri="{FF2B5EF4-FFF2-40B4-BE49-F238E27FC236}">
+                <a16:creationId xmlns="" xmlns:a16="http://schemas.microsoft.com/office/drawing/2014/main" id="{0B5D0F8F-C92F-BC46-ACC4-7A21698DD272}"/>
+              </a:ext>
+            </a:extLst>
+          </p:cNvPr>
+          <p:cNvSpPr>
+            <a:spLocks noGrp="1"/>
+          </p:cNvSpPr>
+          <p:nvPr>
+            <p:ph type="title"/>
+          </p:nvPr>
+        </p:nvSpPr>
+        <p:spPr>
+          <a:xfrm>
+            <a:off x="838200" y="963877"/>
+            <a:ext cx="3494362" cy="4930246"/>
+          </a:xfrm>
+        </p:spPr>
+        <p:txBody>
+          <a:bodyPr>
+            <a:normAutofit/>
+          </a:bodyPr>
+          <a:lstStyle/>
+          <a:p>
+            <a:pPr algn="r"/>
+            <a:r>
+              <a:rPr lang="de-DE" dirty="0">
+                <a:solidFill>
+                  <a:schemeClr val="accent1"/>
+                </a:solidFill>
+              </a:rPr>
+              <a:t>Gliederung	</a:t>
+            </a:r>
+          </a:p>
+        </p:txBody>
+      </p:sp>
+      <p:cxnSp>
+        <p:nvCxnSpPr>
+          <p:cNvPr id="10" name="Straight Connector 9">
+            <a:extLst>
+              <a:ext uri="{FF2B5EF4-FFF2-40B4-BE49-F238E27FC236}">
+                <a16:creationId xmlns="" xmlns:a16="http://schemas.microsoft.com/office/drawing/2014/main" id="{2D72A2C9-F3CA-4216-8BAD-FA4C970C3C4E}"/>
+              </a:ext>
+              <a:ext uri="{C183D7F6-B498-43B3-948B-1728B52AA6E4}">
+                <adec:decorative xmlns="" xmlns:adec="http://schemas.microsoft.com/office/drawing/2017/decorative" val="1"/>
+              </a:ext>
+            </a:extLst>
+          </p:cNvPr>
+          <p:cNvCxnSpPr>
+            <a:cxnSpLocks noGrp="1" noRot="1" noChangeAspect="1" noMove="1" noResize="1" noEditPoints="1" noAdjustHandles="1" noChangeArrowheads="1" noChangeShapeType="1"/>
+          </p:cNvCxnSpPr>
+          <p:nvPr>
+            <p:extLst>
+              <p:ext uri="{386F3935-93C4-4BCD-93E2-E3B085C9AB24}">
+                <p16:designElem xmlns="" xmlns:p16="http://schemas.microsoft.com/office/powerpoint/2015/main" val="1"/>
+              </p:ext>
+            </p:extLst>
+          </p:nvPr>
+        </p:nvCxnSpPr>
+        <p:spPr>
+          <a:xfrm>
+            <a:off x="4654296" y="2057400"/>
+            <a:ext cx="0" cy="2743200"/>
+          </a:xfrm>
+          <a:prstGeom prst="line">
+            <a:avLst/>
+          </a:prstGeom>
+          <a:ln w="19050">
+            <a:solidFill>
+              <a:schemeClr val="tx1">
+                <a:lumMod val="85000"/>
+                <a:lumOff val="15000"/>
+              </a:schemeClr>
+            </a:solidFill>
+          </a:ln>
+        </p:spPr>
+        <p:style>
+          <a:lnRef idx="1">
+            <a:schemeClr val="accent1"/>
+          </a:lnRef>
+          <a:fillRef idx="0">
+            <a:schemeClr val="accent1"/>
+          </a:fillRef>
+          <a:effectRef idx="0">
+            <a:schemeClr val="accent1"/>
+          </a:effectRef>
+          <a:fontRef idx="minor">
+            <a:schemeClr val="tx1"/>
+          </a:fontRef>
+        </p:style>
+      </p:cxnSp>
+      <p:sp>
+        <p:nvSpPr>
+          <p:cNvPr id="3" name="Inhaltsplatzhalter 2">
+            <a:extLst>
+              <a:ext uri="{FF2B5EF4-FFF2-40B4-BE49-F238E27FC236}">
+                <a16:creationId xmlns="" xmlns:a16="http://schemas.microsoft.com/office/drawing/2014/main" id="{692C889E-3E0C-9E40-9512-4230892B2B42}"/>
+              </a:ext>
+            </a:extLst>
+          </p:cNvPr>
+          <p:cNvSpPr>
+            <a:spLocks noGrp="1"/>
+          </p:cNvSpPr>
+          <p:nvPr>
+            <p:ph idx="1"/>
+          </p:nvPr>
+        </p:nvSpPr>
+        <p:spPr>
+          <a:xfrm>
+            <a:off x="4976031" y="963877"/>
+            <a:ext cx="6377769" cy="4930246"/>
+          </a:xfrm>
+        </p:spPr>
+        <p:txBody>
+          <a:bodyPr anchor="ctr">
+            <a:normAutofit/>
+          </a:bodyPr>
+          <a:lstStyle/>
+          <a:p>
+            <a:r>
+              <a:rPr lang="de-DE" sz="2400" dirty="0"/>
+              <a:t>Einführung in das Thema</a:t>
+            </a:r>
+          </a:p>
+          <a:p>
+            <a:r>
+              <a:rPr lang="de-DE" sz="2400" dirty="0"/>
+              <a:t>Theoretische Grundlagen</a:t>
+            </a:r>
+          </a:p>
+          <a:p>
+            <a:pPr lvl="1"/>
+            <a:r>
+              <a:rPr lang="de-DE" sz="2000" dirty="0"/>
+              <a:t>Anwendungen</a:t>
+            </a:r>
+          </a:p>
+          <a:p>
+            <a:r>
+              <a:rPr lang="de-DE" sz="2400" dirty="0"/>
+              <a:t>Aufgabenstellung</a:t>
+            </a:r>
+          </a:p>
+          <a:p>
+            <a:r>
+              <a:rPr lang="de-DE" sz="2400" dirty="0"/>
+              <a:t>Implementierung</a:t>
+            </a:r>
+          </a:p>
+          <a:p>
+            <a:pPr lvl="1"/>
+            <a:r>
+              <a:rPr lang="de-DE" sz="2000" dirty="0"/>
+              <a:t>Herangehensweise </a:t>
+            </a:r>
+          </a:p>
+          <a:p>
+            <a:pPr lvl="1"/>
+            <a:r>
+              <a:rPr lang="de-DE" sz="2000" dirty="0"/>
+              <a:t>Einführung in den </a:t>
+            </a:r>
+            <a:r>
+              <a:rPr lang="de-DE" sz="2000" dirty="0" smtClean="0"/>
+              <a:t>Code</a:t>
+            </a:r>
+          </a:p>
+          <a:p>
+            <a:pPr lvl="1"/>
+            <a:r>
+              <a:rPr lang="de-DE" sz="2000" dirty="0" smtClean="0">
+                <a:solidFill>
+                  <a:srgbClr val="0070C0"/>
+                </a:solidFill>
+              </a:rPr>
+              <a:t>Präsentation des Ergebnisses</a:t>
+            </a:r>
+          </a:p>
+          <a:p>
+            <a:r>
+              <a:rPr lang="de-DE" sz="2400" dirty="0" smtClean="0"/>
+              <a:t>Fazit </a:t>
+            </a:r>
+            <a:endParaRPr lang="de-DE" sz="2400" dirty="0"/>
+          </a:p>
+        </p:txBody>
+      </p:sp>
+    </p:spTree>
+    <p:extLst>
+      <p:ext uri="{BB962C8B-B14F-4D97-AF65-F5344CB8AC3E}">
+        <p14:creationId xmlns:p14="http://schemas.microsoft.com/office/powerpoint/2010/main" val="3478974392"/>
+      </p:ext>
+    </p:extLst>
+  </p:cSld>
+  <p:clrMapOvr>
+    <a:masterClrMapping/>
+  </p:clrMapOvr>
+  <p:timing>
+    <p:tnLst>
+      <p:par>
+        <p:cTn id="1" dur="indefinite" restart="never" nodeType="tmRoot"/>
+      </p:par>
+    </p:tnLst>
+  </p:timing>
+</p:sld>
+</file>
+
+<file path=ppt/slides/slide28.xml><?xml version="1.0" encoding="utf-8"?>
+<p:sld xmlns:a="http://schemas.openxmlformats.org/drawingml/2006/main" xmlns:r="http://schemas.openxmlformats.org/officeDocument/2006/relationships" xmlns:p="http://schemas.openxmlformats.org/presentationml/2006/main">
+  <p:cSld>
+    <p:bg>
+      <p:bgPr>
+        <a:solidFill>
+          <a:schemeClr val="bg1"/>
+        </a:solidFill>
+        <a:effectLst/>
+      </p:bgPr>
+    </p:bg>
+    <p:spTree>
+      <p:nvGrpSpPr>
+        <p:cNvPr id="1" name=""/>
+        <p:cNvGrpSpPr/>
+        <p:nvPr/>
+      </p:nvGrpSpPr>
+      <p:grpSpPr>
+        <a:xfrm>
+          <a:off x="0" y="0"/>
+          <a:ext cx="0" cy="0"/>
+          <a:chOff x="0" y="0"/>
+          <a:chExt cx="0" cy="0"/>
+        </a:xfrm>
+      </p:grpSpPr>
+      <p:sp>
+        <p:nvSpPr>
+          <p:cNvPr id="8" name="Rectangle 7">
+            <a:extLst>
+              <a:ext uri="{FF2B5EF4-FFF2-40B4-BE49-F238E27FC236}">
+                <a16:creationId xmlns="" xmlns:a16="http://schemas.microsoft.com/office/drawing/2014/main" id="{8D70B121-56F4-4848-B38B-182089D909FA}"/>
+              </a:ext>
+              <a:ext uri="{C183D7F6-B498-43B3-948B-1728B52AA6E4}">
+                <adec:decorative xmlns="" xmlns:adec="http://schemas.microsoft.com/office/drawing/2017/decorative" val="1"/>
+              </a:ext>
+            </a:extLst>
+          </p:cNvPr>
+          <p:cNvSpPr>
+            <a:spLocks noGrp="1" noRot="1" noChangeAspect="1" noMove="1" noResize="1" noEditPoints="1" noAdjustHandles="1" noChangeArrowheads="1" noChangeShapeType="1" noTextEdit="1"/>
+          </p:cNvSpPr>
+          <p:nvPr>
+            <p:extLst>
+              <p:ext uri="{386F3935-93C4-4BCD-93E2-E3B085C9AB24}">
+                <p16:designElem xmlns="" xmlns:p16="http://schemas.microsoft.com/office/powerpoint/2015/main" val="1"/>
+              </p:ext>
+            </p:extLst>
+          </p:nvPr>
+        </p:nvSpPr>
+        <p:spPr bwMode="ltGray">
+          <a:xfrm>
+            <a:off x="321564" y="320040"/>
+            <a:ext cx="11548872" cy="6217920"/>
+          </a:xfrm>
+          <a:prstGeom prst="rect">
+            <a:avLst/>
+          </a:prstGeom>
+          <a:solidFill>
+            <a:schemeClr val="tx1">
+              <a:alpha val="8000"/>
+            </a:schemeClr>
+          </a:solidFill>
+          <a:ln w="127000" cap="sq" cmpd="thinThick">
+            <a:noFill/>
+          </a:ln>
+        </p:spPr>
+        <p:style>
+          <a:lnRef idx="2">
+            <a:schemeClr val="accent1">
+              <a:shade val="50000"/>
+            </a:schemeClr>
+          </a:lnRef>
+          <a:fillRef idx="1">
+            <a:schemeClr val="accent1"/>
+          </a:fillRef>
+          <a:effectRef idx="0">
+            <a:schemeClr val="accent1"/>
+          </a:effectRef>
+          <a:fontRef idx="minor">
+            <a:schemeClr val="lt1"/>
+          </a:fontRef>
+        </p:style>
+        <p:txBody>
+          <a:bodyPr rtlCol="0" anchor="ctr"/>
+          <a:lstStyle/>
+          <a:p>
+            <a:pPr algn="ctr"/>
+            <a:endParaRPr lang="en-US"/>
+          </a:p>
+        </p:txBody>
+      </p:sp>
+      <p:sp>
+        <p:nvSpPr>
           <p:cNvPr id="6" name="Textfeld 5"/>
           <p:cNvSpPr txBox="1"/>
           <p:nvPr/>
@@ -11314,7 +11934,7 @@
           <p:cNvPr id="9" name="Gruppieren 8">
             <a:extLst>
               <a:ext uri="{FF2B5EF4-FFF2-40B4-BE49-F238E27FC236}">
-                <a16:creationId xmlns:a16="http://schemas.microsoft.com/office/drawing/2014/main" xmlns="" id="{50ECC846-FE00-5642-8853-EEE6E8A01659}"/>
+                <a16:creationId xmlns="" xmlns:a16="http://schemas.microsoft.com/office/drawing/2014/main" id="{50ECC846-FE00-5642-8853-EEE6E8A01659}"/>
               </a:ext>
             </a:extLst>
           </p:cNvPr>
@@ -11334,7 +11954,7 @@
             <p:cNvPr id="12" name="Dreieck 22">
               <a:extLst>
                 <a:ext uri="{FF2B5EF4-FFF2-40B4-BE49-F238E27FC236}">
-                  <a16:creationId xmlns:a16="http://schemas.microsoft.com/office/drawing/2014/main" xmlns="" id="{C58FCFF5-FFE5-1240-AE4D-8FE755FB7696}"/>
+                  <a16:creationId xmlns="" xmlns:a16="http://schemas.microsoft.com/office/drawing/2014/main" id="{C58FCFF5-FFE5-1240-AE4D-8FE755FB7696}"/>
                 </a:ext>
               </a:extLst>
             </p:cNvPr>
@@ -11380,7 +12000,7 @@
             <p:cNvPr id="11" name="Grafik 10">
               <a:extLst>
                 <a:ext uri="{FF2B5EF4-FFF2-40B4-BE49-F238E27FC236}">
-                  <a16:creationId xmlns:a16="http://schemas.microsoft.com/office/drawing/2014/main" xmlns="" id="{4E6774A5-9359-5A4C-9D07-47945BA0A9B3}"/>
+                  <a16:creationId xmlns="" xmlns:a16="http://schemas.microsoft.com/office/drawing/2014/main" id="{4E6774A5-9359-5A4C-9D07-47945BA0A9B3}"/>
                 </a:ext>
               </a:extLst>
             </p:cNvPr>
@@ -11410,7 +12030,7 @@
             <p:cNvPr id="13" name="Dreieck 23">
               <a:extLst>
                 <a:ext uri="{FF2B5EF4-FFF2-40B4-BE49-F238E27FC236}">
-                  <a16:creationId xmlns:a16="http://schemas.microsoft.com/office/drawing/2014/main" xmlns="" id="{45F58FCA-1036-9842-AC1B-581E8445154F}"/>
+                  <a16:creationId xmlns="" xmlns:a16="http://schemas.microsoft.com/office/drawing/2014/main" id="{45F58FCA-1036-9842-AC1B-581E8445154F}"/>
                 </a:ext>
               </a:extLst>
             </p:cNvPr>
@@ -11456,7 +12076,7 @@
             <p:cNvPr id="14" name="Dreieck 24">
               <a:extLst>
                 <a:ext uri="{FF2B5EF4-FFF2-40B4-BE49-F238E27FC236}">
-                  <a16:creationId xmlns:a16="http://schemas.microsoft.com/office/drawing/2014/main" xmlns="" id="{F32A8848-A721-984F-933E-9E9622B747AD}"/>
+                  <a16:creationId xmlns="" xmlns:a16="http://schemas.microsoft.com/office/drawing/2014/main" id="{F32A8848-A721-984F-933E-9E9622B747AD}"/>
                 </a:ext>
               </a:extLst>
             </p:cNvPr>
@@ -11502,7 +12122,7 @@
             <p:cNvPr id="15" name="Dreieck 25">
               <a:extLst>
                 <a:ext uri="{FF2B5EF4-FFF2-40B4-BE49-F238E27FC236}">
-                  <a16:creationId xmlns:a16="http://schemas.microsoft.com/office/drawing/2014/main" xmlns="" id="{80771BCA-609E-164A-B463-F6A1D4A2CEAE}"/>
+                  <a16:creationId xmlns="" xmlns:a16="http://schemas.microsoft.com/office/drawing/2014/main" id="{80771BCA-609E-164A-B463-F6A1D4A2CEAE}"/>
                 </a:ext>
               </a:extLst>
             </p:cNvPr>
@@ -11548,7 +12168,7 @@
             <p:cNvPr id="16" name="Dreieck 26">
               <a:extLst>
                 <a:ext uri="{FF2B5EF4-FFF2-40B4-BE49-F238E27FC236}">
-                  <a16:creationId xmlns:a16="http://schemas.microsoft.com/office/drawing/2014/main" xmlns="" id="{D74FB55B-722F-AF4E-B788-08B063B85B99}"/>
+                  <a16:creationId xmlns="" xmlns:a16="http://schemas.microsoft.com/office/drawing/2014/main" id="{D74FB55B-722F-AF4E-B788-08B063B85B99}"/>
                 </a:ext>
               </a:extLst>
             </p:cNvPr>
@@ -11594,7 +12214,7 @@
             <p:cNvPr id="17" name="Dreieck 27">
               <a:extLst>
                 <a:ext uri="{FF2B5EF4-FFF2-40B4-BE49-F238E27FC236}">
-                  <a16:creationId xmlns:a16="http://schemas.microsoft.com/office/drawing/2014/main" xmlns="" id="{E28615C0-4C02-CA41-ABCF-97C87E10A370}"/>
+                  <a16:creationId xmlns="" xmlns:a16="http://schemas.microsoft.com/office/drawing/2014/main" id="{E28615C0-4C02-CA41-ABCF-97C87E10A370}"/>
                 </a:ext>
               </a:extLst>
             </p:cNvPr>
@@ -11640,7 +12260,7 @@
             <p:cNvPr id="18" name="Dreieck 28">
               <a:extLst>
                 <a:ext uri="{FF2B5EF4-FFF2-40B4-BE49-F238E27FC236}">
-                  <a16:creationId xmlns:a16="http://schemas.microsoft.com/office/drawing/2014/main" xmlns="" id="{FBA1CE75-BDA7-5541-B332-841CA5A0F3D8}"/>
+                  <a16:creationId xmlns="" xmlns:a16="http://schemas.microsoft.com/office/drawing/2014/main" id="{FBA1CE75-BDA7-5541-B332-841CA5A0F3D8}"/>
                 </a:ext>
               </a:extLst>
             </p:cNvPr>
@@ -11686,7 +12306,7 @@
             <p:cNvPr id="19" name="Dreieck 29">
               <a:extLst>
                 <a:ext uri="{FF2B5EF4-FFF2-40B4-BE49-F238E27FC236}">
-                  <a16:creationId xmlns:a16="http://schemas.microsoft.com/office/drawing/2014/main" xmlns="" id="{54C42A26-F415-894B-B37F-08315630F5A1}"/>
+                  <a16:creationId xmlns="" xmlns:a16="http://schemas.microsoft.com/office/drawing/2014/main" id="{54C42A26-F415-894B-B37F-08315630F5A1}"/>
                 </a:ext>
               </a:extLst>
             </p:cNvPr>
@@ -11804,7 +12424,7 @@
           <p:cNvPr id="21" name="Grafik 20">
             <a:extLst>
               <a:ext uri="{FF2B5EF4-FFF2-40B4-BE49-F238E27FC236}">
-                <a16:creationId xmlns:a16="http://schemas.microsoft.com/office/drawing/2014/main" xmlns="" id="{D878A5C2-A8AA-4358-9003-B99120CDFE3F}"/>
+                <a16:creationId xmlns="" xmlns:a16="http://schemas.microsoft.com/office/drawing/2014/main" id="{D878A5C2-A8AA-4358-9003-B99120CDFE3F}"/>
               </a:ext>
             </a:extLst>
           </p:cNvPr>
@@ -12113,7 +12733,7 @@
 </p:sld>
 </file>
 
-<file path=ppt/slides/slide28.xml><?xml version="1.0" encoding="utf-8"?>
+<file path=ppt/slides/slide29.xml><?xml version="1.0" encoding="utf-8"?>
 <p:sld xmlns:a="http://schemas.openxmlformats.org/drawingml/2006/main" xmlns:r="http://schemas.openxmlformats.org/officeDocument/2006/relationships" xmlns:p="http://schemas.openxmlformats.org/presentationml/2006/main">
   <p:cSld>
     <p:bg>
@@ -12143,10 +12763,10 @@
           <p:cNvPr id="19" name="Rectangle 18">
             <a:extLst>
               <a:ext uri="{FF2B5EF4-FFF2-40B4-BE49-F238E27FC236}">
-                <a16:creationId xmlns:a16="http://schemas.microsoft.com/office/drawing/2014/main" xmlns="" id="{8D70B121-56F4-4848-B38B-182089D909FA}"/>
+                <a16:creationId xmlns="" xmlns:a16="http://schemas.microsoft.com/office/drawing/2014/main" id="{8D70B121-56F4-4848-B38B-182089D909FA}"/>
               </a:ext>
               <a:ext uri="{C183D7F6-B498-43B3-948B-1728B52AA6E4}">
-                <adec:decorative xmlns:adec="http://schemas.microsoft.com/office/drawing/2017/decorative" xmlns="" val="1"/>
+                <adec:decorative xmlns="" xmlns:adec="http://schemas.microsoft.com/office/drawing/2017/decorative" val="1"/>
               </a:ext>
             </a:extLst>
           </p:cNvPr>
@@ -12156,7 +12776,7 @@
           <p:nvPr>
             <p:extLst>
               <p:ext uri="{386F3935-93C4-4BCD-93E2-E3B085C9AB24}">
-                <p16:designElem xmlns:p16="http://schemas.microsoft.com/office/powerpoint/2015/main" xmlns="" val="1"/>
+                <p16:designElem xmlns="" xmlns:p16="http://schemas.microsoft.com/office/powerpoint/2015/main" val="1"/>
               </p:ext>
             </p:extLst>
           </p:nvPr>
@@ -12208,7 +12828,7 @@
           <p:cNvPr id="2" name="Titel 1">
             <a:extLst>
               <a:ext uri="{FF2B5EF4-FFF2-40B4-BE49-F238E27FC236}">
-                <a16:creationId xmlns:a16="http://schemas.microsoft.com/office/drawing/2014/main" xmlns="" id="{35BFDC70-A169-E142-B051-5ABC9190E094}"/>
+                <a16:creationId xmlns="" xmlns:a16="http://schemas.microsoft.com/office/drawing/2014/main" id="{35BFDC70-A169-E142-B051-5ABC9190E094}"/>
               </a:ext>
             </a:extLst>
           </p:cNvPr>
@@ -12256,7 +12876,7 @@
           <p:cNvPr id="8" name="Inhaltsplatzhalter 4">
             <a:extLst>
               <a:ext uri="{FF2B5EF4-FFF2-40B4-BE49-F238E27FC236}">
-                <a16:creationId xmlns:a16="http://schemas.microsoft.com/office/drawing/2014/main" xmlns="" id="{A8E625C4-6DB1-9D42-BFEA-DE37A6F928F3}"/>
+                <a16:creationId xmlns="" xmlns:a16="http://schemas.microsoft.com/office/drawing/2014/main" id="{A8E625C4-6DB1-9D42-BFEA-DE37A6F928F3}"/>
               </a:ext>
             </a:extLst>
           </p:cNvPr>
@@ -14119,7 +14739,7 @@
 </p:sld>
 </file>
 
-<file path=ppt/slides/slide29.xml><?xml version="1.0" encoding="utf-8"?>
+<file path=ppt/slides/slide3.xml><?xml version="1.0" encoding="utf-8"?>
 <p:sld xmlns:a="http://schemas.openxmlformats.org/drawingml/2006/main" xmlns:r="http://schemas.openxmlformats.org/officeDocument/2006/relationships" xmlns:p="http://schemas.openxmlformats.org/presentationml/2006/main">
   <p:cSld>
     <p:bg>
@@ -14146,13 +14766,311 @@
       </p:grpSpPr>
       <p:sp>
         <p:nvSpPr>
+          <p:cNvPr id="8" name="Rectangle 7">
+            <a:extLst>
+              <a:ext uri="{FF2B5EF4-FFF2-40B4-BE49-F238E27FC236}">
+                <a16:creationId xmlns="" xmlns:a16="http://schemas.microsoft.com/office/drawing/2014/main" id="{8D70B121-56F4-4848-B38B-182089D909FA}"/>
+              </a:ext>
+              <a:ext uri="{C183D7F6-B498-43B3-948B-1728B52AA6E4}">
+                <adec:decorative xmlns="" xmlns:adec="http://schemas.microsoft.com/office/drawing/2017/decorative" val="1"/>
+              </a:ext>
+            </a:extLst>
+          </p:cNvPr>
+          <p:cNvSpPr>
+            <a:spLocks noGrp="1" noRot="1" noChangeAspect="1" noMove="1" noResize="1" noEditPoints="1" noAdjustHandles="1" noChangeArrowheads="1" noChangeShapeType="1" noTextEdit="1"/>
+          </p:cNvSpPr>
+          <p:nvPr>
+            <p:extLst>
+              <p:ext uri="{386F3935-93C4-4BCD-93E2-E3B085C9AB24}">
+                <p16:designElem xmlns="" xmlns:p16="http://schemas.microsoft.com/office/powerpoint/2015/main" val="1"/>
+              </p:ext>
+            </p:extLst>
+          </p:nvPr>
+        </p:nvSpPr>
+        <p:spPr bwMode="ltGray">
+          <a:xfrm>
+            <a:off x="321564" y="320040"/>
+            <a:ext cx="11548872" cy="6217920"/>
+          </a:xfrm>
+          <a:prstGeom prst="rect">
+            <a:avLst/>
+          </a:prstGeom>
+          <a:solidFill>
+            <a:schemeClr val="tx1">
+              <a:alpha val="8000"/>
+            </a:schemeClr>
+          </a:solidFill>
+          <a:ln w="127000" cap="sq" cmpd="thinThick">
+            <a:noFill/>
+          </a:ln>
+        </p:spPr>
+        <p:style>
+          <a:lnRef idx="2">
+            <a:schemeClr val="accent1">
+              <a:shade val="50000"/>
+            </a:schemeClr>
+          </a:lnRef>
+          <a:fillRef idx="1">
+            <a:schemeClr val="accent1"/>
+          </a:fillRef>
+          <a:effectRef idx="0">
+            <a:schemeClr val="accent1"/>
+          </a:effectRef>
+          <a:fontRef idx="minor">
+            <a:schemeClr val="lt1"/>
+          </a:fontRef>
+        </p:style>
+        <p:txBody>
+          <a:bodyPr rtlCol="0" anchor="ctr"/>
+          <a:lstStyle/>
+          <a:p>
+            <a:pPr algn="ctr"/>
+            <a:endParaRPr lang="en-US"/>
+          </a:p>
+        </p:txBody>
+      </p:sp>
+      <p:sp>
+        <p:nvSpPr>
+          <p:cNvPr id="2" name="Titel 1">
+            <a:extLst>
+              <a:ext uri="{FF2B5EF4-FFF2-40B4-BE49-F238E27FC236}">
+                <a16:creationId xmlns="" xmlns:a16="http://schemas.microsoft.com/office/drawing/2014/main" id="{0B5D0F8F-C92F-BC46-ACC4-7A21698DD272}"/>
+              </a:ext>
+            </a:extLst>
+          </p:cNvPr>
+          <p:cNvSpPr>
+            <a:spLocks noGrp="1"/>
+          </p:cNvSpPr>
+          <p:nvPr>
+            <p:ph type="title"/>
+          </p:nvPr>
+        </p:nvSpPr>
+        <p:spPr>
+          <a:xfrm>
+            <a:off x="838200" y="963877"/>
+            <a:ext cx="3494362" cy="4930246"/>
+          </a:xfrm>
+        </p:spPr>
+        <p:txBody>
+          <a:bodyPr>
+            <a:normAutofit/>
+          </a:bodyPr>
+          <a:lstStyle/>
+          <a:p>
+            <a:pPr algn="r"/>
+            <a:r>
+              <a:rPr lang="de-DE" dirty="0">
+                <a:solidFill>
+                  <a:schemeClr val="accent1"/>
+                </a:solidFill>
+              </a:rPr>
+              <a:t>Gliederung	</a:t>
+            </a:r>
+          </a:p>
+        </p:txBody>
+      </p:sp>
+      <p:cxnSp>
+        <p:nvCxnSpPr>
+          <p:cNvPr id="10" name="Straight Connector 9">
+            <a:extLst>
+              <a:ext uri="{FF2B5EF4-FFF2-40B4-BE49-F238E27FC236}">
+                <a16:creationId xmlns="" xmlns:a16="http://schemas.microsoft.com/office/drawing/2014/main" id="{2D72A2C9-F3CA-4216-8BAD-FA4C970C3C4E}"/>
+              </a:ext>
+              <a:ext uri="{C183D7F6-B498-43B3-948B-1728B52AA6E4}">
+                <adec:decorative xmlns="" xmlns:adec="http://schemas.microsoft.com/office/drawing/2017/decorative" val="1"/>
+              </a:ext>
+            </a:extLst>
+          </p:cNvPr>
+          <p:cNvCxnSpPr>
+            <a:cxnSpLocks noGrp="1" noRot="1" noChangeAspect="1" noMove="1" noResize="1" noEditPoints="1" noAdjustHandles="1" noChangeArrowheads="1" noChangeShapeType="1"/>
+          </p:cNvCxnSpPr>
+          <p:nvPr>
+            <p:extLst>
+              <p:ext uri="{386F3935-93C4-4BCD-93E2-E3B085C9AB24}">
+                <p16:designElem xmlns="" xmlns:p16="http://schemas.microsoft.com/office/powerpoint/2015/main" val="1"/>
+              </p:ext>
+            </p:extLst>
+          </p:nvPr>
+        </p:nvCxnSpPr>
+        <p:spPr>
+          <a:xfrm>
+            <a:off x="4654296" y="2057400"/>
+            <a:ext cx="0" cy="2743200"/>
+          </a:xfrm>
+          <a:prstGeom prst="line">
+            <a:avLst/>
+          </a:prstGeom>
+          <a:ln w="19050">
+            <a:solidFill>
+              <a:schemeClr val="tx1">
+                <a:lumMod val="85000"/>
+                <a:lumOff val="15000"/>
+              </a:schemeClr>
+            </a:solidFill>
+          </a:ln>
+        </p:spPr>
+        <p:style>
+          <a:lnRef idx="1">
+            <a:schemeClr val="accent1"/>
+          </a:lnRef>
+          <a:fillRef idx="0">
+            <a:schemeClr val="accent1"/>
+          </a:fillRef>
+          <a:effectRef idx="0">
+            <a:schemeClr val="accent1"/>
+          </a:effectRef>
+          <a:fontRef idx="minor">
+            <a:schemeClr val="tx1"/>
+          </a:fontRef>
+        </p:style>
+      </p:cxnSp>
+      <p:sp>
+        <p:nvSpPr>
+          <p:cNvPr id="3" name="Inhaltsplatzhalter 2">
+            <a:extLst>
+              <a:ext uri="{FF2B5EF4-FFF2-40B4-BE49-F238E27FC236}">
+                <a16:creationId xmlns="" xmlns:a16="http://schemas.microsoft.com/office/drawing/2014/main" id="{692C889E-3E0C-9E40-9512-4230892B2B42}"/>
+              </a:ext>
+            </a:extLst>
+          </p:cNvPr>
+          <p:cNvSpPr>
+            <a:spLocks noGrp="1"/>
+          </p:cNvSpPr>
+          <p:nvPr>
+            <p:ph idx="1"/>
+          </p:nvPr>
+        </p:nvSpPr>
+        <p:spPr>
+          <a:xfrm>
+            <a:off x="4976031" y="963877"/>
+            <a:ext cx="6377769" cy="4930246"/>
+          </a:xfrm>
+        </p:spPr>
+        <p:txBody>
+          <a:bodyPr anchor="ctr">
+            <a:normAutofit/>
+          </a:bodyPr>
+          <a:lstStyle/>
+          <a:p>
+            <a:r>
+              <a:rPr lang="de-DE" sz="2400" dirty="0">
+                <a:solidFill>
+                  <a:schemeClr val="accent1"/>
+                </a:solidFill>
+              </a:rPr>
+              <a:t>Einführung in das Thema</a:t>
+            </a:r>
+          </a:p>
+          <a:p>
+            <a:r>
+              <a:rPr lang="de-DE" sz="2400" dirty="0"/>
+              <a:t>Theoretische Grundlagen</a:t>
+            </a:r>
+            <a:endParaRPr lang="de-DE" sz="2000" dirty="0"/>
+          </a:p>
+          <a:p>
+            <a:pPr lvl="1"/>
+            <a:r>
+              <a:rPr lang="de-DE" sz="2000" dirty="0"/>
+              <a:t>Anwendungen</a:t>
+            </a:r>
+          </a:p>
+          <a:p>
+            <a:r>
+              <a:rPr lang="de-DE" sz="2400" dirty="0"/>
+              <a:t>Aufgabenstellung</a:t>
+            </a:r>
+          </a:p>
+          <a:p>
+            <a:r>
+              <a:rPr lang="de-DE" sz="2400" dirty="0"/>
+              <a:t>Implementierung</a:t>
+            </a:r>
+          </a:p>
+          <a:p>
+            <a:pPr lvl="1"/>
+            <a:r>
+              <a:rPr lang="de-DE" sz="2000" dirty="0"/>
+              <a:t>Herangehensweise </a:t>
+            </a:r>
+          </a:p>
+          <a:p>
+            <a:pPr lvl="1"/>
+            <a:r>
+              <a:rPr lang="de-DE" sz="2000" dirty="0"/>
+              <a:t>Einführung in den Code</a:t>
+            </a:r>
+          </a:p>
+          <a:p>
+            <a:pPr lvl="1"/>
+            <a:r>
+              <a:rPr lang="de-DE" sz="2000" dirty="0" smtClean="0"/>
+              <a:t>Präsentation des Ergebnisses</a:t>
+            </a:r>
+          </a:p>
+          <a:p>
+            <a:r>
+              <a:rPr lang="de-DE" sz="2400" dirty="0" smtClean="0"/>
+              <a:t>Fazit </a:t>
+            </a:r>
+            <a:endParaRPr lang="de-DE" sz="2400" dirty="0"/>
+          </a:p>
+        </p:txBody>
+      </p:sp>
+    </p:spTree>
+    <p:extLst>
+      <p:ext uri="{BB962C8B-B14F-4D97-AF65-F5344CB8AC3E}">
+        <p14:creationId xmlns:p14="http://schemas.microsoft.com/office/powerpoint/2010/main" val="3758769095"/>
+      </p:ext>
+    </p:extLst>
+  </p:cSld>
+  <p:clrMapOvr>
+    <a:masterClrMapping/>
+  </p:clrMapOvr>
+  <p:timing>
+    <p:tnLst>
+      <p:par>
+        <p:cTn id="1" dur="indefinite" restart="never" nodeType="tmRoot"/>
+      </p:par>
+    </p:tnLst>
+  </p:timing>
+</p:sld>
+</file>
+
+<file path=ppt/slides/slide30.xml><?xml version="1.0" encoding="utf-8"?>
+<p:sld xmlns:a="http://schemas.openxmlformats.org/drawingml/2006/main" xmlns:r="http://schemas.openxmlformats.org/officeDocument/2006/relationships" xmlns:p="http://schemas.openxmlformats.org/presentationml/2006/main">
+  <p:cSld>
+    <p:bg>
+      <p:bgPr>
+        <a:solidFill>
+          <a:schemeClr val="bg1"/>
+        </a:solidFill>
+        <a:effectLst/>
+      </p:bgPr>
+    </p:bg>
+    <p:spTree>
+      <p:nvGrpSpPr>
+        <p:cNvPr id="1" name=""/>
+        <p:cNvGrpSpPr/>
+        <p:nvPr/>
+      </p:nvGrpSpPr>
+      <p:grpSpPr>
+        <a:xfrm>
+          <a:off x="0" y="0"/>
+          <a:ext cx="0" cy="0"/>
+          <a:chOff x="0" y="0"/>
+          <a:chExt cx="0" cy="0"/>
+        </a:xfrm>
+      </p:grpSpPr>
+      <p:sp>
+        <p:nvSpPr>
           <p:cNvPr id="19" name="Rectangle 18">
             <a:extLst>
               <a:ext uri="{FF2B5EF4-FFF2-40B4-BE49-F238E27FC236}">
-                <a16:creationId xmlns:a16="http://schemas.microsoft.com/office/drawing/2014/main" xmlns="" id="{8D70B121-56F4-4848-B38B-182089D909FA}"/>
+                <a16:creationId xmlns="" xmlns:a16="http://schemas.microsoft.com/office/drawing/2014/main" id="{8D70B121-56F4-4848-B38B-182089D909FA}"/>
               </a:ext>
               <a:ext uri="{C183D7F6-B498-43B3-948B-1728B52AA6E4}">
-                <adec:decorative xmlns:adec="http://schemas.microsoft.com/office/drawing/2017/decorative" xmlns="" val="1"/>
+                <adec:decorative xmlns="" xmlns:adec="http://schemas.microsoft.com/office/drawing/2017/decorative" val="1"/>
               </a:ext>
             </a:extLst>
           </p:cNvPr>
@@ -14162,7 +15080,7 @@
           <p:nvPr>
             <p:extLst>
               <p:ext uri="{386F3935-93C4-4BCD-93E2-E3B085C9AB24}">
-                <p16:designElem xmlns:p16="http://schemas.microsoft.com/office/powerpoint/2015/main" xmlns="" val="1"/>
+                <p16:designElem xmlns="" xmlns:p16="http://schemas.microsoft.com/office/powerpoint/2015/main" val="1"/>
               </p:ext>
             </p:extLst>
           </p:nvPr>
@@ -14591,7 +15509,7 @@
           <p:cNvPr id="28" name="Gruppieren 27">
             <a:extLst>
               <a:ext uri="{FF2B5EF4-FFF2-40B4-BE49-F238E27FC236}">
-                <a16:creationId xmlns:a16="http://schemas.microsoft.com/office/drawing/2014/main" xmlns="" id="{50ECC846-FE00-5642-8853-EEE6E8A01659}"/>
+                <a16:creationId xmlns="" xmlns:a16="http://schemas.microsoft.com/office/drawing/2014/main" id="{50ECC846-FE00-5642-8853-EEE6E8A01659}"/>
               </a:ext>
             </a:extLst>
           </p:cNvPr>
@@ -14611,7 +15529,7 @@
             <p:cNvPr id="29" name="Dreieck 22">
               <a:extLst>
                 <a:ext uri="{FF2B5EF4-FFF2-40B4-BE49-F238E27FC236}">
-                  <a16:creationId xmlns:a16="http://schemas.microsoft.com/office/drawing/2014/main" xmlns="" id="{C58FCFF5-FFE5-1240-AE4D-8FE755FB7696}"/>
+                  <a16:creationId xmlns="" xmlns:a16="http://schemas.microsoft.com/office/drawing/2014/main" id="{C58FCFF5-FFE5-1240-AE4D-8FE755FB7696}"/>
                 </a:ext>
               </a:extLst>
             </p:cNvPr>
@@ -14657,7 +15575,7 @@
             <p:cNvPr id="30" name="Grafik 29">
               <a:extLst>
                 <a:ext uri="{FF2B5EF4-FFF2-40B4-BE49-F238E27FC236}">
-                  <a16:creationId xmlns:a16="http://schemas.microsoft.com/office/drawing/2014/main" xmlns="" id="{4E6774A5-9359-5A4C-9D07-47945BA0A9B3}"/>
+                  <a16:creationId xmlns="" xmlns:a16="http://schemas.microsoft.com/office/drawing/2014/main" id="{4E6774A5-9359-5A4C-9D07-47945BA0A9B3}"/>
                 </a:ext>
               </a:extLst>
             </p:cNvPr>
@@ -14687,7 +15605,7 @@
             <p:cNvPr id="31" name="Dreieck 23">
               <a:extLst>
                 <a:ext uri="{FF2B5EF4-FFF2-40B4-BE49-F238E27FC236}">
-                  <a16:creationId xmlns:a16="http://schemas.microsoft.com/office/drawing/2014/main" xmlns="" id="{45F58FCA-1036-9842-AC1B-581E8445154F}"/>
+                  <a16:creationId xmlns="" xmlns:a16="http://schemas.microsoft.com/office/drawing/2014/main" id="{45F58FCA-1036-9842-AC1B-581E8445154F}"/>
                 </a:ext>
               </a:extLst>
             </p:cNvPr>
@@ -14733,7 +15651,7 @@
             <p:cNvPr id="32" name="Dreieck 24">
               <a:extLst>
                 <a:ext uri="{FF2B5EF4-FFF2-40B4-BE49-F238E27FC236}">
-                  <a16:creationId xmlns:a16="http://schemas.microsoft.com/office/drawing/2014/main" xmlns="" id="{F32A8848-A721-984F-933E-9E9622B747AD}"/>
+                  <a16:creationId xmlns="" xmlns:a16="http://schemas.microsoft.com/office/drawing/2014/main" id="{F32A8848-A721-984F-933E-9E9622B747AD}"/>
                 </a:ext>
               </a:extLst>
             </p:cNvPr>
@@ -14779,7 +15697,7 @@
             <p:cNvPr id="33" name="Dreieck 25">
               <a:extLst>
                 <a:ext uri="{FF2B5EF4-FFF2-40B4-BE49-F238E27FC236}">
-                  <a16:creationId xmlns:a16="http://schemas.microsoft.com/office/drawing/2014/main" xmlns="" id="{80771BCA-609E-164A-B463-F6A1D4A2CEAE}"/>
+                  <a16:creationId xmlns="" xmlns:a16="http://schemas.microsoft.com/office/drawing/2014/main" id="{80771BCA-609E-164A-B463-F6A1D4A2CEAE}"/>
                 </a:ext>
               </a:extLst>
             </p:cNvPr>
@@ -14825,7 +15743,7 @@
             <p:cNvPr id="34" name="Dreieck 26">
               <a:extLst>
                 <a:ext uri="{FF2B5EF4-FFF2-40B4-BE49-F238E27FC236}">
-                  <a16:creationId xmlns:a16="http://schemas.microsoft.com/office/drawing/2014/main" xmlns="" id="{D74FB55B-722F-AF4E-B788-08B063B85B99}"/>
+                  <a16:creationId xmlns="" xmlns:a16="http://schemas.microsoft.com/office/drawing/2014/main" id="{D74FB55B-722F-AF4E-B788-08B063B85B99}"/>
                 </a:ext>
               </a:extLst>
             </p:cNvPr>
@@ -14871,7 +15789,7 @@
             <p:cNvPr id="35" name="Dreieck 27">
               <a:extLst>
                 <a:ext uri="{FF2B5EF4-FFF2-40B4-BE49-F238E27FC236}">
-                  <a16:creationId xmlns:a16="http://schemas.microsoft.com/office/drawing/2014/main" xmlns="" id="{E28615C0-4C02-CA41-ABCF-97C87E10A370}"/>
+                  <a16:creationId xmlns="" xmlns:a16="http://schemas.microsoft.com/office/drawing/2014/main" id="{E28615C0-4C02-CA41-ABCF-97C87E10A370}"/>
                 </a:ext>
               </a:extLst>
             </p:cNvPr>
@@ -14917,7 +15835,7 @@
             <p:cNvPr id="36" name="Dreieck 28">
               <a:extLst>
                 <a:ext uri="{FF2B5EF4-FFF2-40B4-BE49-F238E27FC236}">
-                  <a16:creationId xmlns:a16="http://schemas.microsoft.com/office/drawing/2014/main" xmlns="" id="{FBA1CE75-BDA7-5541-B332-841CA5A0F3D8}"/>
+                  <a16:creationId xmlns="" xmlns:a16="http://schemas.microsoft.com/office/drawing/2014/main" id="{FBA1CE75-BDA7-5541-B332-841CA5A0F3D8}"/>
                 </a:ext>
               </a:extLst>
             </p:cNvPr>
@@ -14963,7 +15881,7 @@
             <p:cNvPr id="37" name="Dreieck 29">
               <a:extLst>
                 <a:ext uri="{FF2B5EF4-FFF2-40B4-BE49-F238E27FC236}">
-                  <a16:creationId xmlns:a16="http://schemas.microsoft.com/office/drawing/2014/main" xmlns="" id="{54C42A26-F415-894B-B37F-08315630F5A1}"/>
+                  <a16:creationId xmlns="" xmlns:a16="http://schemas.microsoft.com/office/drawing/2014/main" id="{54C42A26-F415-894B-B37F-08315630F5A1}"/>
                 </a:ext>
               </a:extLst>
             </p:cNvPr>
@@ -15865,7 +16783,7 @@
 </p:sld>
 </file>
 
-<file path=ppt/slides/slide3.xml><?xml version="1.0" encoding="utf-8"?>
+<file path=ppt/slides/slide31.xml><?xml version="1.0" encoding="utf-8"?>
 <p:sld xmlns:a="http://schemas.openxmlformats.org/drawingml/2006/main" xmlns:r="http://schemas.openxmlformats.org/officeDocument/2006/relationships" xmlns:p="http://schemas.openxmlformats.org/presentationml/2006/main">
   <p:cSld>
     <p:bg>
@@ -15892,13 +16810,13 @@
       </p:grpSpPr>
       <p:sp>
         <p:nvSpPr>
-          <p:cNvPr id="8" name="Rectangle 7">
+          <p:cNvPr id="19" name="Rectangle 18">
             <a:extLst>
               <a:ext uri="{FF2B5EF4-FFF2-40B4-BE49-F238E27FC236}">
-                <a16:creationId xmlns:a16="http://schemas.microsoft.com/office/drawing/2014/main" xmlns="" id="{8D70B121-56F4-4848-B38B-182089D909FA}"/>
+                <a16:creationId xmlns="" xmlns:a16="http://schemas.microsoft.com/office/drawing/2014/main" id="{8D70B121-56F4-4848-B38B-182089D909FA}"/>
               </a:ext>
               <a:ext uri="{C183D7F6-B498-43B3-948B-1728B52AA6E4}">
-                <adec:decorative xmlns:adec="http://schemas.microsoft.com/office/drawing/2017/decorative" xmlns="" val="1"/>
+                <adec:decorative xmlns="" xmlns:adec="http://schemas.microsoft.com/office/drawing/2017/decorative" val="1"/>
               </a:ext>
             </a:extLst>
           </p:cNvPr>
@@ -15908,7 +16826,7 @@
           <p:nvPr>
             <p:extLst>
               <p:ext uri="{386F3935-93C4-4BCD-93E2-E3B085C9AB24}">
-                <p16:designElem xmlns:p16="http://schemas.microsoft.com/office/powerpoint/2015/main" xmlns="" val="1"/>
+                <p16:designElem xmlns="" xmlns:p16="http://schemas.microsoft.com/office/powerpoint/2015/main" val="1"/>
               </p:ext>
             </p:extLst>
           </p:nvPr>
@@ -15960,7 +16878,7 @@
           <p:cNvPr id="2" name="Titel 1">
             <a:extLst>
               <a:ext uri="{FF2B5EF4-FFF2-40B4-BE49-F238E27FC236}">
-                <a16:creationId xmlns:a16="http://schemas.microsoft.com/office/drawing/2014/main" xmlns="" id="{0B5D0F8F-C92F-BC46-ACC4-7A21698DD272}"/>
+                <a16:creationId xmlns="" xmlns:a16="http://schemas.microsoft.com/office/drawing/2014/main" id="{35BFDC70-A169-E142-B051-5ABC9190E094}"/>
               </a:ext>
             </a:extLst>
           </p:cNvPr>
@@ -15973,37 +16891,59 @@
         </p:nvSpPr>
         <p:spPr>
           <a:xfrm>
-            <a:off x="838200" y="963877"/>
-            <a:ext cx="3494362" cy="4930246"/>
+            <a:off x="861390" y="963877"/>
+            <a:ext cx="3471171" cy="4930246"/>
           </a:xfrm>
         </p:spPr>
         <p:txBody>
-          <a:bodyPr>
+          <a:bodyPr vert="horz" lIns="91440" tIns="45720" rIns="91440" bIns="45720" rtlCol="0">
             <a:normAutofit/>
           </a:bodyPr>
           <a:lstStyle/>
           <a:p>
-            <a:pPr algn="r"/>
-            <a:r>
-              <a:rPr lang="de-DE" dirty="0">
+            <a:pPr algn="ctr"/>
+            <a:r>
+              <a:rPr lang="de-DE" kern="1200" dirty="0" smtClean="0">
                 <a:solidFill>
                   <a:schemeClr val="accent1"/>
                 </a:solidFill>
+                <a:latin typeface="+mj-lt"/>
+                <a:ea typeface="+mj-ea"/>
+                <a:cs typeface="+mj-cs"/>
               </a:rPr>
-              <a:t>Gliederung	</a:t>
-            </a:r>
+              <a:t>Fazit</a:t>
+            </a:r>
+            <a:r>
+              <a:rPr lang="en-US" kern="1200" dirty="0" smtClean="0">
+                <a:solidFill>
+                  <a:schemeClr val="accent1"/>
+                </a:solidFill>
+                <a:latin typeface="+mj-lt"/>
+                <a:ea typeface="+mj-ea"/>
+                <a:cs typeface="+mj-cs"/>
+              </a:rPr>
+              <a:t> </a:t>
+            </a:r>
+            <a:endParaRPr lang="en-US" kern="1200" dirty="0">
+              <a:solidFill>
+                <a:schemeClr val="accent1"/>
+              </a:solidFill>
+              <a:latin typeface="+mj-lt"/>
+              <a:ea typeface="+mj-ea"/>
+              <a:cs typeface="+mj-cs"/>
+            </a:endParaRPr>
           </a:p>
         </p:txBody>
       </p:sp>
       <p:cxnSp>
         <p:nvCxnSpPr>
-          <p:cNvPr id="10" name="Straight Connector 9">
+          <p:cNvPr id="21" name="Straight Connector 20">
             <a:extLst>
               <a:ext uri="{FF2B5EF4-FFF2-40B4-BE49-F238E27FC236}">
-                <a16:creationId xmlns:a16="http://schemas.microsoft.com/office/drawing/2014/main" xmlns="" id="{2D72A2C9-F3CA-4216-8BAD-FA4C970C3C4E}"/>
+                <a16:creationId xmlns="" xmlns:a16="http://schemas.microsoft.com/office/drawing/2014/main" id="{2D72A2C9-F3CA-4216-8BAD-FA4C970C3C4E}"/>
               </a:ext>
               <a:ext uri="{C183D7F6-B498-43B3-948B-1728B52AA6E4}">
-                <adec:decorative xmlns:adec="http://schemas.microsoft.com/office/drawing/2017/decorative" xmlns="" val="1"/>
+                <adec:decorative xmlns="" xmlns:adec="http://schemas.microsoft.com/office/drawing/2017/decorative" val="1"/>
               </a:ext>
             </a:extLst>
           </p:cNvPr>
@@ -16013,7 +16953,7 @@
           <p:nvPr>
             <p:extLst>
               <p:ext uri="{386F3935-93C4-4BCD-93E2-E3B085C9AB24}">
-                <p16:designElem xmlns:p16="http://schemas.microsoft.com/office/powerpoint/2015/main" xmlns="" val="1"/>
+                <p16:designElem xmlns="" xmlns:p16="http://schemas.microsoft.com/office/powerpoint/2015/main" val="1"/>
               </p:ext>
             </p:extLst>
           </p:nvPr>
@@ -16052,10 +16992,10 @@
       </p:cxnSp>
       <p:sp>
         <p:nvSpPr>
-          <p:cNvPr id="3" name="Inhaltsplatzhalter 2">
+          <p:cNvPr id="8" name="Inhaltsplatzhalter 4">
             <a:extLst>
               <a:ext uri="{FF2B5EF4-FFF2-40B4-BE49-F238E27FC236}">
-                <a16:creationId xmlns:a16="http://schemas.microsoft.com/office/drawing/2014/main" xmlns="" id="{692C889E-3E0C-9E40-9512-4230892B2B42}"/>
+                <a16:creationId xmlns="" xmlns:a16="http://schemas.microsoft.com/office/drawing/2014/main" id="{A8E625C4-6DB1-9D42-BFEA-DE37A6F928F3}"/>
               </a:ext>
             </a:extLst>
           </p:cNvPr>
@@ -16068,8 +17008,8 @@
         </p:nvSpPr>
         <p:spPr>
           <a:xfrm>
-            <a:off x="4976031" y="963877"/>
-            <a:ext cx="6377769" cy="4930246"/>
+            <a:off x="5097419" y="963877"/>
+            <a:ext cx="5686424" cy="4930246"/>
           </a:xfrm>
         </p:spPr>
         <p:txBody>
@@ -16078,75 +17018,58 @@
           </a:bodyPr>
           <a:lstStyle/>
           <a:p>
-            <a:r>
-              <a:rPr lang="de-DE" sz="2400" dirty="0">
-                <a:solidFill>
-                  <a:schemeClr val="accent1"/>
-                </a:solidFill>
-              </a:rPr>
-              <a:t>Einführung in das Thema</a:t>
-            </a:r>
-          </a:p>
-          <a:p>
-            <a:r>
-              <a:rPr lang="de-DE" sz="2400" dirty="0"/>
-              <a:t>Theoretische Grundlagen</a:t>
-            </a:r>
-            <a:endParaRPr lang="de-DE" sz="2000" dirty="0"/>
-          </a:p>
-          <a:p>
-            <a:pPr lvl="1"/>
-            <a:r>
-              <a:rPr lang="de-DE" sz="2000" dirty="0"/>
-              <a:t>Anwendungen</a:t>
-            </a:r>
-          </a:p>
-          <a:p>
-            <a:r>
-              <a:rPr lang="de-DE" sz="2400" dirty="0"/>
-              <a:t>Aufgabenstellung</a:t>
-            </a:r>
-          </a:p>
-          <a:p>
-            <a:r>
-              <a:rPr lang="de-DE" sz="2400" dirty="0"/>
-              <a:t>Implementierung</a:t>
-            </a:r>
-          </a:p>
-          <a:p>
-            <a:pPr lvl="1"/>
-            <a:r>
-              <a:rPr lang="de-DE" sz="2000" dirty="0"/>
-              <a:t>Herangehensweise </a:t>
-            </a:r>
-          </a:p>
-          <a:p>
-            <a:pPr lvl="1"/>
-            <a:r>
-              <a:rPr lang="de-DE" sz="2000" dirty="0"/>
-              <a:t>Einführung in den Code</a:t>
-            </a:r>
-          </a:p>
-          <a:p>
-            <a:pPr lvl="1"/>
-            <a:r>
-              <a:rPr lang="de-DE" sz="2000" dirty="0" smtClean="0"/>
-              <a:t>Präsentation des Ergebnisses</a:t>
-            </a:r>
-          </a:p>
-          <a:p>
-            <a:r>
-              <a:rPr lang="de-DE" sz="2400" dirty="0" smtClean="0"/>
-              <a:t>Fazit </a:t>
-            </a:r>
-            <a:endParaRPr lang="de-DE" sz="2400" dirty="0"/>
+            <a:pPr>
+              <a:buFontTx/>
+              <a:buChar char="-"/>
+            </a:pPr>
+            <a:r>
+              <a:rPr lang="de-DE" dirty="0" smtClean="0"/>
+              <a:t>Ist ein Problem mit realem Bezug</a:t>
+            </a:r>
+          </a:p>
+          <a:p>
+            <a:pPr>
+              <a:buFontTx/>
+              <a:buChar char="-"/>
+            </a:pPr>
+            <a:r>
+              <a:rPr lang="de-DE" dirty="0" smtClean="0"/>
+              <a:t>Ein echtes Alltagsproblem</a:t>
+            </a:r>
+          </a:p>
+          <a:p>
+            <a:pPr>
+              <a:buFontTx/>
+              <a:buChar char="-"/>
+            </a:pPr>
+            <a:r>
+              <a:rPr lang="de-DE" dirty="0" smtClean="0"/>
+              <a:t>Wird herangezogen um andere Probleme zu lösen </a:t>
+            </a:r>
+          </a:p>
+          <a:p>
+            <a:pPr>
+              <a:buFontTx/>
+              <a:buChar char="-"/>
+            </a:pPr>
+            <a:r>
+              <a:rPr lang="de-DE" dirty="0" smtClean="0"/>
+              <a:t>Verbindet viele interessante Teilgebiete der Mathematik (Lineare Algebra, Operation Research, ..)</a:t>
+            </a:r>
+          </a:p>
+          <a:p>
+            <a:pPr>
+              <a:buFontTx/>
+              <a:buChar char="-"/>
+            </a:pPr>
+            <a:endParaRPr lang="de-DE" dirty="0"/>
           </a:p>
         </p:txBody>
       </p:sp>
     </p:spTree>
     <p:extLst>
       <p:ext uri="{BB962C8B-B14F-4D97-AF65-F5344CB8AC3E}">
-        <p14:creationId xmlns:p14="http://schemas.microsoft.com/office/powerpoint/2010/main" val="3758769095"/>
+        <p14:creationId xmlns:p14="http://schemas.microsoft.com/office/powerpoint/2010/main" val="1240399206"/>
       </p:ext>
     </p:extLst>
   </p:cSld>
@@ -16163,7 +17086,7 @@
 </p:sld>
 </file>
 
-<file path=ppt/slides/slide30.xml><?xml version="1.0" encoding="utf-8"?>
+<file path=ppt/slides/slide32.xml><?xml version="1.0" encoding="utf-8"?>
 <p:sld xmlns:a="http://schemas.openxmlformats.org/drawingml/2006/main" xmlns:r="http://schemas.openxmlformats.org/officeDocument/2006/relationships" xmlns:p="http://schemas.openxmlformats.org/presentationml/2006/main">
   <p:cSld>
     <p:bg>
@@ -16193,10 +17116,10 @@
           <p:cNvPr id="19" name="Rectangle 18">
             <a:extLst>
               <a:ext uri="{FF2B5EF4-FFF2-40B4-BE49-F238E27FC236}">
-                <a16:creationId xmlns:a16="http://schemas.microsoft.com/office/drawing/2014/main" xmlns="" id="{8D70B121-56F4-4848-B38B-182089D909FA}"/>
+                <a16:creationId xmlns="" xmlns:a16="http://schemas.microsoft.com/office/drawing/2014/main" id="{8D70B121-56F4-4848-B38B-182089D909FA}"/>
               </a:ext>
               <a:ext uri="{C183D7F6-B498-43B3-948B-1728B52AA6E4}">
-                <adec:decorative xmlns:adec="http://schemas.microsoft.com/office/drawing/2017/decorative" xmlns="" val="1"/>
+                <adec:decorative xmlns="" xmlns:adec="http://schemas.microsoft.com/office/drawing/2017/decorative" val="1"/>
               </a:ext>
             </a:extLst>
           </p:cNvPr>
@@ -16206,7 +17129,7 @@
           <p:nvPr>
             <p:extLst>
               <p:ext uri="{386F3935-93C4-4BCD-93E2-E3B085C9AB24}">
-                <p16:designElem xmlns:p16="http://schemas.microsoft.com/office/powerpoint/2015/main" xmlns="" val="1"/>
+                <p16:designElem xmlns="" xmlns:p16="http://schemas.microsoft.com/office/powerpoint/2015/main" val="1"/>
               </p:ext>
             </p:extLst>
           </p:nvPr>
@@ -16249,7 +17172,7 @@
           <a:lstStyle/>
           <a:p>
             <a:pPr algn="ctr"/>
-            <a:endParaRPr lang="en-US"/>
+            <a:endParaRPr lang="en-US" dirty="0"/>
           </a:p>
         </p:txBody>
       </p:sp>
@@ -16258,7 +17181,7 @@
           <p:cNvPr id="2" name="Titel 1">
             <a:extLst>
               <a:ext uri="{FF2B5EF4-FFF2-40B4-BE49-F238E27FC236}">
-                <a16:creationId xmlns:a16="http://schemas.microsoft.com/office/drawing/2014/main" xmlns="" id="{35BFDC70-A169-E142-B051-5ABC9190E094}"/>
+                <a16:creationId xmlns="" xmlns:a16="http://schemas.microsoft.com/office/drawing/2014/main" id="{35BFDC70-A169-E142-B051-5ABC9190E094}"/>
               </a:ext>
             </a:extLst>
           </p:cNvPr>
@@ -16291,7 +17214,7 @@
                 <a:ea typeface="+mj-ea"/>
                 <a:cs typeface="+mj-cs"/>
               </a:rPr>
-              <a:t>Fazit</a:t>
+              <a:t>Zeit für Fragen</a:t>
             </a:r>
             <a:r>
               <a:rPr lang="en-US" kern="1200" dirty="0" smtClean="0">
@@ -16320,10 +17243,10 @@
           <p:cNvPr id="21" name="Straight Connector 20">
             <a:extLst>
               <a:ext uri="{FF2B5EF4-FFF2-40B4-BE49-F238E27FC236}">
-                <a16:creationId xmlns:a16="http://schemas.microsoft.com/office/drawing/2014/main" xmlns="" id="{2D72A2C9-F3CA-4216-8BAD-FA4C970C3C4E}"/>
+                <a16:creationId xmlns="" xmlns:a16="http://schemas.microsoft.com/office/drawing/2014/main" id="{2D72A2C9-F3CA-4216-8BAD-FA4C970C3C4E}"/>
               </a:ext>
               <a:ext uri="{C183D7F6-B498-43B3-948B-1728B52AA6E4}">
-                <adec:decorative xmlns:adec="http://schemas.microsoft.com/office/drawing/2017/decorative" xmlns="" val="1"/>
+                <adec:decorative xmlns="" xmlns:adec="http://schemas.microsoft.com/office/drawing/2017/decorative" val="1"/>
               </a:ext>
             </a:extLst>
           </p:cNvPr>
@@ -16333,310 +17256,7 @@
           <p:nvPr>
             <p:extLst>
               <p:ext uri="{386F3935-93C4-4BCD-93E2-E3B085C9AB24}">
-                <p16:designElem xmlns:p16="http://schemas.microsoft.com/office/powerpoint/2015/main" xmlns="" val="1"/>
-              </p:ext>
-            </p:extLst>
-          </p:nvPr>
-        </p:nvCxnSpPr>
-        <p:spPr>
-          <a:xfrm>
-            <a:off x="4654296" y="2057400"/>
-            <a:ext cx="0" cy="2743200"/>
-          </a:xfrm>
-          <a:prstGeom prst="line">
-            <a:avLst/>
-          </a:prstGeom>
-          <a:ln w="19050">
-            <a:solidFill>
-              <a:schemeClr val="tx1">
-                <a:lumMod val="85000"/>
-                <a:lumOff val="15000"/>
-              </a:schemeClr>
-            </a:solidFill>
-          </a:ln>
-        </p:spPr>
-        <p:style>
-          <a:lnRef idx="1">
-            <a:schemeClr val="accent1"/>
-          </a:lnRef>
-          <a:fillRef idx="0">
-            <a:schemeClr val="accent1"/>
-          </a:fillRef>
-          <a:effectRef idx="0">
-            <a:schemeClr val="accent1"/>
-          </a:effectRef>
-          <a:fontRef idx="minor">
-            <a:schemeClr val="tx1"/>
-          </a:fontRef>
-        </p:style>
-      </p:cxnSp>
-      <p:sp>
-        <p:nvSpPr>
-          <p:cNvPr id="8" name="Inhaltsplatzhalter 4">
-            <a:extLst>
-              <a:ext uri="{FF2B5EF4-FFF2-40B4-BE49-F238E27FC236}">
-                <a16:creationId xmlns:a16="http://schemas.microsoft.com/office/drawing/2014/main" xmlns="" id="{A8E625C4-6DB1-9D42-BFEA-DE37A6F928F3}"/>
-              </a:ext>
-            </a:extLst>
-          </p:cNvPr>
-          <p:cNvSpPr>
-            <a:spLocks noGrp="1"/>
-          </p:cNvSpPr>
-          <p:nvPr>
-            <p:ph idx="1"/>
-          </p:nvPr>
-        </p:nvSpPr>
-        <p:spPr>
-          <a:xfrm>
-            <a:off x="5097419" y="963877"/>
-            <a:ext cx="5686424" cy="4930246"/>
-          </a:xfrm>
-        </p:spPr>
-        <p:txBody>
-          <a:bodyPr anchor="ctr">
-            <a:normAutofit/>
-          </a:bodyPr>
-          <a:lstStyle/>
-          <a:p>
-            <a:pPr>
-              <a:buFontTx/>
-              <a:buChar char="-"/>
-            </a:pPr>
-            <a:r>
-              <a:rPr lang="de-DE" dirty="0" smtClean="0"/>
-              <a:t>Ist ein Problem mit realem Bezug</a:t>
-            </a:r>
-          </a:p>
-          <a:p>
-            <a:pPr>
-              <a:buFontTx/>
-              <a:buChar char="-"/>
-            </a:pPr>
-            <a:r>
-              <a:rPr lang="de-DE" dirty="0" smtClean="0"/>
-              <a:t>Ein echtes Alltagsproblem</a:t>
-            </a:r>
-          </a:p>
-          <a:p>
-            <a:pPr>
-              <a:buFontTx/>
-              <a:buChar char="-"/>
-            </a:pPr>
-            <a:r>
-              <a:rPr lang="de-DE" dirty="0" smtClean="0"/>
-              <a:t>Wird herangezogen um andere Probleme zu lösen </a:t>
-            </a:r>
-          </a:p>
-          <a:p>
-            <a:pPr>
-              <a:buFontTx/>
-              <a:buChar char="-"/>
-            </a:pPr>
-            <a:r>
-              <a:rPr lang="de-DE" dirty="0" smtClean="0"/>
-              <a:t>Verbindet viele interessante Teilgebiete der Mathematik (Lineare Algebra, Operation Research, ..)</a:t>
-            </a:r>
-          </a:p>
-          <a:p>
-            <a:pPr>
-              <a:buFontTx/>
-              <a:buChar char="-"/>
-            </a:pPr>
-            <a:endParaRPr lang="de-DE" dirty="0"/>
-          </a:p>
-        </p:txBody>
-      </p:sp>
-    </p:spTree>
-    <p:extLst>
-      <p:ext uri="{BB962C8B-B14F-4D97-AF65-F5344CB8AC3E}">
-        <p14:creationId xmlns:p14="http://schemas.microsoft.com/office/powerpoint/2010/main" val="1240399206"/>
-      </p:ext>
-    </p:extLst>
-  </p:cSld>
-  <p:clrMapOvr>
-    <a:masterClrMapping/>
-  </p:clrMapOvr>
-  <p:timing>
-    <p:tnLst>
-      <p:par>
-        <p:cTn id="1" dur="indefinite" restart="never" nodeType="tmRoot"/>
-      </p:par>
-    </p:tnLst>
-  </p:timing>
-</p:sld>
-</file>
-
-<file path=ppt/slides/slide31.xml><?xml version="1.0" encoding="utf-8"?>
-<p:sld xmlns:a="http://schemas.openxmlformats.org/drawingml/2006/main" xmlns:r="http://schemas.openxmlformats.org/officeDocument/2006/relationships" xmlns:p="http://schemas.openxmlformats.org/presentationml/2006/main">
-  <p:cSld>
-    <p:bg>
-      <p:bgPr>
-        <a:solidFill>
-          <a:schemeClr val="bg1"/>
-        </a:solidFill>
-        <a:effectLst/>
-      </p:bgPr>
-    </p:bg>
-    <p:spTree>
-      <p:nvGrpSpPr>
-        <p:cNvPr id="1" name=""/>
-        <p:cNvGrpSpPr/>
-        <p:nvPr/>
-      </p:nvGrpSpPr>
-      <p:grpSpPr>
-        <a:xfrm>
-          <a:off x="0" y="0"/>
-          <a:ext cx="0" cy="0"/>
-          <a:chOff x="0" y="0"/>
-          <a:chExt cx="0" cy="0"/>
-        </a:xfrm>
-      </p:grpSpPr>
-      <p:sp>
-        <p:nvSpPr>
-          <p:cNvPr id="19" name="Rectangle 18">
-            <a:extLst>
-              <a:ext uri="{FF2B5EF4-FFF2-40B4-BE49-F238E27FC236}">
-                <a16:creationId xmlns:a16="http://schemas.microsoft.com/office/drawing/2014/main" xmlns="" id="{8D70B121-56F4-4848-B38B-182089D909FA}"/>
-              </a:ext>
-              <a:ext uri="{C183D7F6-B498-43B3-948B-1728B52AA6E4}">
-                <adec:decorative xmlns:adec="http://schemas.microsoft.com/office/drawing/2017/decorative" xmlns="" val="1"/>
-              </a:ext>
-            </a:extLst>
-          </p:cNvPr>
-          <p:cNvSpPr>
-            <a:spLocks noGrp="1" noRot="1" noChangeAspect="1" noMove="1" noResize="1" noEditPoints="1" noAdjustHandles="1" noChangeArrowheads="1" noChangeShapeType="1" noTextEdit="1"/>
-          </p:cNvSpPr>
-          <p:nvPr>
-            <p:extLst>
-              <p:ext uri="{386F3935-93C4-4BCD-93E2-E3B085C9AB24}">
-                <p16:designElem xmlns:p16="http://schemas.microsoft.com/office/powerpoint/2015/main" xmlns="" val="1"/>
-              </p:ext>
-            </p:extLst>
-          </p:nvPr>
-        </p:nvSpPr>
-        <p:spPr bwMode="ltGray">
-          <a:xfrm>
-            <a:off x="321564" y="320040"/>
-            <a:ext cx="11548872" cy="6217920"/>
-          </a:xfrm>
-          <a:prstGeom prst="rect">
-            <a:avLst/>
-          </a:prstGeom>
-          <a:solidFill>
-            <a:schemeClr val="tx1">
-              <a:alpha val="8000"/>
-            </a:schemeClr>
-          </a:solidFill>
-          <a:ln w="127000" cap="sq" cmpd="thinThick">
-            <a:noFill/>
-          </a:ln>
-        </p:spPr>
-        <p:style>
-          <a:lnRef idx="2">
-            <a:schemeClr val="accent1">
-              <a:shade val="50000"/>
-            </a:schemeClr>
-          </a:lnRef>
-          <a:fillRef idx="1">
-            <a:schemeClr val="accent1"/>
-          </a:fillRef>
-          <a:effectRef idx="0">
-            <a:schemeClr val="accent1"/>
-          </a:effectRef>
-          <a:fontRef idx="minor">
-            <a:schemeClr val="lt1"/>
-          </a:fontRef>
-        </p:style>
-        <p:txBody>
-          <a:bodyPr rtlCol="0" anchor="ctr"/>
-          <a:lstStyle/>
-          <a:p>
-            <a:pPr algn="ctr"/>
-            <a:endParaRPr lang="en-US" dirty="0"/>
-          </a:p>
-        </p:txBody>
-      </p:sp>
-      <p:sp>
-        <p:nvSpPr>
-          <p:cNvPr id="2" name="Titel 1">
-            <a:extLst>
-              <a:ext uri="{FF2B5EF4-FFF2-40B4-BE49-F238E27FC236}">
-                <a16:creationId xmlns:a16="http://schemas.microsoft.com/office/drawing/2014/main" xmlns="" id="{35BFDC70-A169-E142-B051-5ABC9190E094}"/>
-              </a:ext>
-            </a:extLst>
-          </p:cNvPr>
-          <p:cNvSpPr>
-            <a:spLocks noGrp="1"/>
-          </p:cNvSpPr>
-          <p:nvPr>
-            <p:ph type="title"/>
-          </p:nvPr>
-        </p:nvSpPr>
-        <p:spPr>
-          <a:xfrm>
-            <a:off x="861390" y="963877"/>
-            <a:ext cx="3471171" cy="4930246"/>
-          </a:xfrm>
-        </p:spPr>
-        <p:txBody>
-          <a:bodyPr vert="horz" lIns="91440" tIns="45720" rIns="91440" bIns="45720" rtlCol="0">
-            <a:normAutofit/>
-          </a:bodyPr>
-          <a:lstStyle/>
-          <a:p>
-            <a:pPr algn="ctr"/>
-            <a:r>
-              <a:rPr lang="de-DE" kern="1200" dirty="0" smtClean="0">
-                <a:solidFill>
-                  <a:schemeClr val="accent1"/>
-                </a:solidFill>
-                <a:latin typeface="+mj-lt"/>
-                <a:ea typeface="+mj-ea"/>
-                <a:cs typeface="+mj-cs"/>
-              </a:rPr>
-              <a:t>Zeit für Fragen</a:t>
-            </a:r>
-            <a:r>
-              <a:rPr lang="en-US" kern="1200" dirty="0" smtClean="0">
-                <a:solidFill>
-                  <a:schemeClr val="accent1"/>
-                </a:solidFill>
-                <a:latin typeface="+mj-lt"/>
-                <a:ea typeface="+mj-ea"/>
-                <a:cs typeface="+mj-cs"/>
-              </a:rPr>
-              <a:t> </a:t>
-            </a:r>
-            <a:endParaRPr lang="en-US" kern="1200" dirty="0">
-              <a:solidFill>
-                <a:schemeClr val="accent1"/>
-              </a:solidFill>
-              <a:latin typeface="+mj-lt"/>
-              <a:ea typeface="+mj-ea"/>
-              <a:cs typeface="+mj-cs"/>
-            </a:endParaRPr>
-          </a:p>
-        </p:txBody>
-      </p:sp>
-      <p:cxnSp>
-        <p:nvCxnSpPr>
-          <p:cNvPr id="21" name="Straight Connector 20">
-            <a:extLst>
-              <a:ext uri="{FF2B5EF4-FFF2-40B4-BE49-F238E27FC236}">
-                <a16:creationId xmlns:a16="http://schemas.microsoft.com/office/drawing/2014/main" xmlns="" id="{2D72A2C9-F3CA-4216-8BAD-FA4C970C3C4E}"/>
-              </a:ext>
-              <a:ext uri="{C183D7F6-B498-43B3-948B-1728B52AA6E4}">
-                <adec:decorative xmlns:adec="http://schemas.microsoft.com/office/drawing/2017/decorative" xmlns="" val="1"/>
-              </a:ext>
-            </a:extLst>
-          </p:cNvPr>
-          <p:cNvCxnSpPr>
-            <a:cxnSpLocks noGrp="1" noRot="1" noChangeAspect="1" noMove="1" noResize="1" noEditPoints="1" noAdjustHandles="1" noChangeArrowheads="1" noChangeShapeType="1"/>
-          </p:cNvCxnSpPr>
-          <p:nvPr>
-            <p:extLst>
-              <p:ext uri="{386F3935-93C4-4BCD-93E2-E3B085C9AB24}">
-                <p16:designElem xmlns:p16="http://schemas.microsoft.com/office/powerpoint/2015/main" xmlns="" val="1"/>
+                <p16:designElem xmlns="" xmlns:p16="http://schemas.microsoft.com/office/powerpoint/2015/main" val="1"/>
               </p:ext>
             </p:extLst>
           </p:nvPr>
@@ -16723,7 +17343,7 @@
 </p:sld>
 </file>
 
-<file path=ppt/slides/slide32.xml><?xml version="1.0" encoding="utf-8"?>
+<file path=ppt/slides/slide33.xml><?xml version="1.0" encoding="utf-8"?>
 <p:sld xmlns:a="http://schemas.openxmlformats.org/drawingml/2006/main" xmlns:r="http://schemas.openxmlformats.org/officeDocument/2006/relationships" xmlns:p="http://schemas.openxmlformats.org/presentationml/2006/main">
   <p:cSld>
     <p:bg>
@@ -16753,10 +17373,10 @@
           <p:cNvPr id="19" name="Rectangle 18">
             <a:extLst>
               <a:ext uri="{FF2B5EF4-FFF2-40B4-BE49-F238E27FC236}">
-                <a16:creationId xmlns:a16="http://schemas.microsoft.com/office/drawing/2014/main" xmlns="" id="{8D70B121-56F4-4848-B38B-182089D909FA}"/>
+                <a16:creationId xmlns="" xmlns:a16="http://schemas.microsoft.com/office/drawing/2014/main" id="{8D70B121-56F4-4848-B38B-182089D909FA}"/>
               </a:ext>
               <a:ext uri="{C183D7F6-B498-43B3-948B-1728B52AA6E4}">
-                <adec:decorative xmlns:adec="http://schemas.microsoft.com/office/drawing/2017/decorative" xmlns="" val="1"/>
+                <adec:decorative xmlns="" xmlns:adec="http://schemas.microsoft.com/office/drawing/2017/decorative" val="1"/>
               </a:ext>
             </a:extLst>
           </p:cNvPr>
@@ -16766,7 +17386,7 @@
           <p:nvPr>
             <p:extLst>
               <p:ext uri="{386F3935-93C4-4BCD-93E2-E3B085C9AB24}">
-                <p16:designElem xmlns:p16="http://schemas.microsoft.com/office/powerpoint/2015/main" xmlns="" val="1"/>
+                <p16:designElem xmlns="" xmlns:p16="http://schemas.microsoft.com/office/powerpoint/2015/main" val="1"/>
               </p:ext>
             </p:extLst>
           </p:nvPr>
@@ -16818,7 +17438,7 @@
           <p:cNvPr id="2" name="Titel 1">
             <a:extLst>
               <a:ext uri="{FF2B5EF4-FFF2-40B4-BE49-F238E27FC236}">
-                <a16:creationId xmlns:a16="http://schemas.microsoft.com/office/drawing/2014/main" xmlns="" id="{35BFDC70-A169-E142-B051-5ABC9190E094}"/>
+                <a16:creationId xmlns="" xmlns:a16="http://schemas.microsoft.com/office/drawing/2014/main" id="{35BFDC70-A169-E142-B051-5ABC9190E094}"/>
               </a:ext>
             </a:extLst>
           </p:cNvPr>
@@ -16869,10 +17489,10 @@
           <p:cNvPr id="21" name="Straight Connector 20">
             <a:extLst>
               <a:ext uri="{FF2B5EF4-FFF2-40B4-BE49-F238E27FC236}">
-                <a16:creationId xmlns:a16="http://schemas.microsoft.com/office/drawing/2014/main" xmlns="" id="{2D72A2C9-F3CA-4216-8BAD-FA4C970C3C4E}"/>
+                <a16:creationId xmlns="" xmlns:a16="http://schemas.microsoft.com/office/drawing/2014/main" id="{2D72A2C9-F3CA-4216-8BAD-FA4C970C3C4E}"/>
               </a:ext>
               <a:ext uri="{C183D7F6-B498-43B3-948B-1728B52AA6E4}">
-                <adec:decorative xmlns:adec="http://schemas.microsoft.com/office/drawing/2017/decorative" xmlns="" val="1"/>
+                <adec:decorative xmlns="" xmlns:adec="http://schemas.microsoft.com/office/drawing/2017/decorative" val="1"/>
               </a:ext>
             </a:extLst>
           </p:cNvPr>
@@ -16882,7 +17502,7 @@
           <p:nvPr>
             <p:extLst>
               <p:ext uri="{386F3935-93C4-4BCD-93E2-E3B085C9AB24}">
-                <p16:designElem xmlns:p16="http://schemas.microsoft.com/office/powerpoint/2015/main" xmlns="" val="1"/>
+                <p16:designElem xmlns="" xmlns:p16="http://schemas.microsoft.com/office/powerpoint/2015/main" val="1"/>
               </p:ext>
             </p:extLst>
           </p:nvPr>
@@ -16924,7 +17544,7 @@
           <p:cNvPr id="8" name="Inhaltsplatzhalter 4">
             <a:extLst>
               <a:ext uri="{FF2B5EF4-FFF2-40B4-BE49-F238E27FC236}">
-                <a16:creationId xmlns:a16="http://schemas.microsoft.com/office/drawing/2014/main" xmlns="" id="{C28895E4-2A18-3F46-B985-F6164DBE329F}"/>
+                <a16:creationId xmlns="" xmlns:a16="http://schemas.microsoft.com/office/drawing/2014/main" id="{C28895E4-2A18-3F46-B985-F6164DBE329F}"/>
               </a:ext>
             </a:extLst>
           </p:cNvPr>
@@ -17052,7 +17672,7 @@
 </p:sld>
 </file>
 
-<file path=ppt/slides/slide33.xml><?xml version="1.0" encoding="utf-8"?>
+<file path=ppt/slides/slide34.xml><?xml version="1.0" encoding="utf-8"?>
 <p:sld xmlns:a="http://schemas.openxmlformats.org/drawingml/2006/main" xmlns:r="http://schemas.openxmlformats.org/officeDocument/2006/relationships" xmlns:p="http://schemas.openxmlformats.org/presentationml/2006/main">
   <p:cSld>
     <p:bg>
@@ -17082,10 +17702,10 @@
           <p:cNvPr id="7" name="Rectangle 6">
             <a:extLst>
               <a:ext uri="{FF2B5EF4-FFF2-40B4-BE49-F238E27FC236}">
-                <a16:creationId xmlns:a16="http://schemas.microsoft.com/office/drawing/2014/main" xmlns="" id="{6F9EB9F2-07E2-4D64-BBD8-BB5B217F1218}"/>
+                <a16:creationId xmlns="" xmlns:a16="http://schemas.microsoft.com/office/drawing/2014/main" id="{6F9EB9F2-07E2-4D64-BBD8-BB5B217F1218}"/>
               </a:ext>
               <a:ext uri="{C183D7F6-B498-43B3-948B-1728B52AA6E4}">
-                <adec:decorative xmlns:adec="http://schemas.microsoft.com/office/drawing/2017/decorative" xmlns="" val="1"/>
+                <adec:decorative xmlns="" xmlns:adec="http://schemas.microsoft.com/office/drawing/2017/decorative" val="1"/>
               </a:ext>
             </a:extLst>
           </p:cNvPr>
@@ -17095,7 +17715,7 @@
           <p:nvPr>
             <p:extLst>
               <p:ext uri="{386F3935-93C4-4BCD-93E2-E3B085C9AB24}">
-                <p16:designElem xmlns:p16="http://schemas.microsoft.com/office/powerpoint/2015/main" xmlns="" val="1"/>
+                <p16:designElem xmlns="" xmlns:p16="http://schemas.microsoft.com/office/powerpoint/2015/main" val="1"/>
               </p:ext>
             </p:extLst>
           </p:nvPr>
@@ -17147,7 +17767,7 @@
           <p:cNvPr id="2" name="Titel 1">
             <a:extLst>
               <a:ext uri="{FF2B5EF4-FFF2-40B4-BE49-F238E27FC236}">
-                <a16:creationId xmlns:a16="http://schemas.microsoft.com/office/drawing/2014/main" xmlns="" id="{8CCF408F-A9A7-BB42-8132-EB1552B49212}"/>
+                <a16:creationId xmlns="" xmlns:a16="http://schemas.microsoft.com/office/drawing/2014/main" id="{8CCF408F-A9A7-BB42-8132-EB1552B49212}"/>
               </a:ext>
             </a:extLst>
           </p:cNvPr>
@@ -17242,10 +17862,10 @@
           <p:cNvPr id="9" name="Straight Connector 8">
             <a:extLst>
               <a:ext uri="{FF2B5EF4-FFF2-40B4-BE49-F238E27FC236}">
-                <a16:creationId xmlns:a16="http://schemas.microsoft.com/office/drawing/2014/main" xmlns="" id="{F0C57C7C-DFE9-4A1E-B7A9-DF40E63366BB}"/>
+                <a16:creationId xmlns="" xmlns:a16="http://schemas.microsoft.com/office/drawing/2014/main" id="{F0C57C7C-DFE9-4A1E-B7A9-DF40E63366BB}"/>
               </a:ext>
               <a:ext uri="{C183D7F6-B498-43B3-948B-1728B52AA6E4}">
-                <adec:decorative xmlns:adec="http://schemas.microsoft.com/office/drawing/2017/decorative" xmlns="" val="1"/>
+                <adec:decorative xmlns="" xmlns:adec="http://schemas.microsoft.com/office/drawing/2017/decorative" val="1"/>
               </a:ext>
             </a:extLst>
           </p:cNvPr>
@@ -17255,7 +17875,7 @@
           <p:nvPr>
             <p:extLst>
               <p:ext uri="{386F3935-93C4-4BCD-93E2-E3B085C9AB24}">
-                <p16:designElem xmlns:p16="http://schemas.microsoft.com/office/powerpoint/2015/main" xmlns="" val="1"/>
+                <p16:designElem xmlns="" xmlns:p16="http://schemas.microsoft.com/office/powerpoint/2015/main" val="1"/>
               </p:ext>
             </p:extLst>
           </p:nvPr>
@@ -17342,10 +17962,10 @@
           <p:cNvPr id="19" name="Rectangle 18">
             <a:extLst>
               <a:ext uri="{FF2B5EF4-FFF2-40B4-BE49-F238E27FC236}">
-                <a16:creationId xmlns:a16="http://schemas.microsoft.com/office/drawing/2014/main" xmlns="" id="{8D70B121-56F4-4848-B38B-182089D909FA}"/>
+                <a16:creationId xmlns="" xmlns:a16="http://schemas.microsoft.com/office/drawing/2014/main" id="{8D70B121-56F4-4848-B38B-182089D909FA}"/>
               </a:ext>
               <a:ext uri="{C183D7F6-B498-43B3-948B-1728B52AA6E4}">
-                <adec:decorative xmlns:adec="http://schemas.microsoft.com/office/drawing/2017/decorative" xmlns="" val="1"/>
+                <adec:decorative xmlns="" xmlns:adec="http://schemas.microsoft.com/office/drawing/2017/decorative" val="1"/>
               </a:ext>
             </a:extLst>
           </p:cNvPr>
@@ -17355,7 +17975,7 @@
           <p:nvPr>
             <p:extLst>
               <p:ext uri="{386F3935-93C4-4BCD-93E2-E3B085C9AB24}">
-                <p16:designElem xmlns:p16="http://schemas.microsoft.com/office/powerpoint/2015/main" xmlns="" val="1"/>
+                <p16:designElem xmlns="" xmlns:p16="http://schemas.microsoft.com/office/powerpoint/2015/main" val="1"/>
               </p:ext>
             </p:extLst>
           </p:nvPr>
@@ -17436,10 +18056,10 @@
           <p:cNvPr id="21" name="Straight Connector 20">
             <a:extLst>
               <a:ext uri="{FF2B5EF4-FFF2-40B4-BE49-F238E27FC236}">
-                <a16:creationId xmlns:a16="http://schemas.microsoft.com/office/drawing/2014/main" xmlns="" id="{2D72A2C9-F3CA-4216-8BAD-FA4C970C3C4E}"/>
+                <a16:creationId xmlns="" xmlns:a16="http://schemas.microsoft.com/office/drawing/2014/main" id="{2D72A2C9-F3CA-4216-8BAD-FA4C970C3C4E}"/>
               </a:ext>
               <a:ext uri="{C183D7F6-B498-43B3-948B-1728B52AA6E4}">
-                <adec:decorative xmlns:adec="http://schemas.microsoft.com/office/drawing/2017/decorative" xmlns="" val="1"/>
+                <adec:decorative xmlns="" xmlns:adec="http://schemas.microsoft.com/office/drawing/2017/decorative" val="1"/>
               </a:ext>
             </a:extLst>
           </p:cNvPr>
@@ -17449,7 +18069,7 @@
           <p:nvPr>
             <p:extLst>
               <p:ext uri="{386F3935-93C4-4BCD-93E2-E3B085C9AB24}">
-                <p16:designElem xmlns:p16="http://schemas.microsoft.com/office/powerpoint/2015/main" xmlns="" val="1"/>
+                <p16:designElem xmlns="" xmlns:p16="http://schemas.microsoft.com/office/powerpoint/2015/main" val="1"/>
               </p:ext>
             </p:extLst>
           </p:nvPr>
@@ -17491,7 +18111,7 @@
           <p:cNvPr id="5" name="Rechteck 4">
             <a:extLst>
               <a:ext uri="{FF2B5EF4-FFF2-40B4-BE49-F238E27FC236}">
-                <a16:creationId xmlns:a16="http://schemas.microsoft.com/office/drawing/2014/main" xmlns="" id="{6C91387F-AF56-614F-B14F-5E345367B7AF}"/>
+                <a16:creationId xmlns="" xmlns:a16="http://schemas.microsoft.com/office/drawing/2014/main" id="{6C91387F-AF56-614F-B14F-5E345367B7AF}"/>
               </a:ext>
             </a:extLst>
           </p:cNvPr>
@@ -17572,7 +18192,7 @@
           <p:cNvPr id="2" name="Titel 1">
             <a:extLst>
               <a:ext uri="{FF2B5EF4-FFF2-40B4-BE49-F238E27FC236}">
-                <a16:creationId xmlns:a16="http://schemas.microsoft.com/office/drawing/2014/main" xmlns="" id="{35BFDC70-A169-E142-B051-5ABC9190E094}"/>
+                <a16:creationId xmlns="" xmlns:a16="http://schemas.microsoft.com/office/drawing/2014/main" id="{35BFDC70-A169-E142-B051-5ABC9190E094}"/>
               </a:ext>
             </a:extLst>
           </p:cNvPr>
@@ -17612,7 +18232,7 @@
           <p:cNvPr id="6" name="Rechteck 5">
             <a:extLst>
               <a:ext uri="{FF2B5EF4-FFF2-40B4-BE49-F238E27FC236}">
-                <a16:creationId xmlns:a16="http://schemas.microsoft.com/office/drawing/2014/main" xmlns="" id="{B21205B6-3884-4AD1-996C-39D66F295553}"/>
+                <a16:creationId xmlns="" xmlns:a16="http://schemas.microsoft.com/office/drawing/2014/main" id="{B21205B6-3884-4AD1-996C-39D66F295553}"/>
               </a:ext>
             </a:extLst>
           </p:cNvPr>
@@ -17693,7 +18313,7 @@
           <p:cNvPr id="7" name="Grafik 6">
             <a:extLst>
               <a:ext uri="{FF2B5EF4-FFF2-40B4-BE49-F238E27FC236}">
-                <a16:creationId xmlns:a16="http://schemas.microsoft.com/office/drawing/2014/main" xmlns="" id="{D878A5C2-A8AA-4358-9003-B99120CDFE3F}"/>
+                <a16:creationId xmlns="" xmlns:a16="http://schemas.microsoft.com/office/drawing/2014/main" id="{D878A5C2-A8AA-4358-9003-B99120CDFE3F}"/>
               </a:ext>
             </a:extLst>
           </p:cNvPr>
@@ -17768,10 +18388,10 @@
           <p:cNvPr id="8" name="Rectangle 7">
             <a:extLst>
               <a:ext uri="{FF2B5EF4-FFF2-40B4-BE49-F238E27FC236}">
-                <a16:creationId xmlns:a16="http://schemas.microsoft.com/office/drawing/2014/main" xmlns="" id="{8D70B121-56F4-4848-B38B-182089D909FA}"/>
+                <a16:creationId xmlns="" xmlns:a16="http://schemas.microsoft.com/office/drawing/2014/main" id="{8D70B121-56F4-4848-B38B-182089D909FA}"/>
               </a:ext>
               <a:ext uri="{C183D7F6-B498-43B3-948B-1728B52AA6E4}">
-                <adec:decorative xmlns:adec="http://schemas.microsoft.com/office/drawing/2017/decorative" xmlns="" val="1"/>
+                <adec:decorative xmlns="" xmlns:adec="http://schemas.microsoft.com/office/drawing/2017/decorative" val="1"/>
               </a:ext>
             </a:extLst>
           </p:cNvPr>
@@ -17781,7 +18401,7 @@
           <p:nvPr>
             <p:extLst>
               <p:ext uri="{386F3935-93C4-4BCD-93E2-E3B085C9AB24}">
-                <p16:designElem xmlns:p16="http://schemas.microsoft.com/office/powerpoint/2015/main" xmlns="" val="1"/>
+                <p16:designElem xmlns="" xmlns:p16="http://schemas.microsoft.com/office/powerpoint/2015/main" val="1"/>
               </p:ext>
             </p:extLst>
           </p:nvPr>
@@ -17833,7 +18453,7 @@
           <p:cNvPr id="2" name="Titel 1">
             <a:extLst>
               <a:ext uri="{FF2B5EF4-FFF2-40B4-BE49-F238E27FC236}">
-                <a16:creationId xmlns:a16="http://schemas.microsoft.com/office/drawing/2014/main" xmlns="" id="{0B5D0F8F-C92F-BC46-ACC4-7A21698DD272}"/>
+                <a16:creationId xmlns="" xmlns:a16="http://schemas.microsoft.com/office/drawing/2014/main" id="{0B5D0F8F-C92F-BC46-ACC4-7A21698DD272}"/>
               </a:ext>
             </a:extLst>
           </p:cNvPr>
@@ -17873,10 +18493,10 @@
           <p:cNvPr id="10" name="Straight Connector 9">
             <a:extLst>
               <a:ext uri="{FF2B5EF4-FFF2-40B4-BE49-F238E27FC236}">
-                <a16:creationId xmlns:a16="http://schemas.microsoft.com/office/drawing/2014/main" xmlns="" id="{2D72A2C9-F3CA-4216-8BAD-FA4C970C3C4E}"/>
+                <a16:creationId xmlns="" xmlns:a16="http://schemas.microsoft.com/office/drawing/2014/main" id="{2D72A2C9-F3CA-4216-8BAD-FA4C970C3C4E}"/>
               </a:ext>
               <a:ext uri="{C183D7F6-B498-43B3-948B-1728B52AA6E4}">
-                <adec:decorative xmlns:adec="http://schemas.microsoft.com/office/drawing/2017/decorative" xmlns="" val="1"/>
+                <adec:decorative xmlns="" xmlns:adec="http://schemas.microsoft.com/office/drawing/2017/decorative" val="1"/>
               </a:ext>
             </a:extLst>
           </p:cNvPr>
@@ -17886,7 +18506,7 @@
           <p:nvPr>
             <p:extLst>
               <p:ext uri="{386F3935-93C4-4BCD-93E2-E3B085C9AB24}">
-                <p16:designElem xmlns:p16="http://schemas.microsoft.com/office/powerpoint/2015/main" xmlns="" val="1"/>
+                <p16:designElem xmlns="" xmlns:p16="http://schemas.microsoft.com/office/powerpoint/2015/main" val="1"/>
               </p:ext>
             </p:extLst>
           </p:nvPr>
@@ -17924,7 +18544,7 @@
         </p:style>
       </p:cxnSp>
       <mc:AlternateContent xmlns:mc="http://schemas.openxmlformats.org/markup-compatibility/2006">
-        <mc:Choice xmlns:pslz="http://schemas.microsoft.com/office/powerpoint/2016/slidezoom" xmlns="" Requires="pslz">
+        <mc:Choice xmlns="" xmlns:pslz="http://schemas.microsoft.com/office/powerpoint/2016/slidezoom" Requires="pslz">
           <p:graphicFrame>
             <p:nvGraphicFramePr>
               <p:cNvPr id="7" name="Folienzoom 6">
@@ -17988,7 +18608,7 @@
                 <a:hlinkClick r:id="rId4" action="ppaction://hlinksldjump"/>
                 <a:extLst>
                   <a:ext uri="{FF2B5EF4-FFF2-40B4-BE49-F238E27FC236}">
-                    <a16:creationId xmlns:a16="http://schemas.microsoft.com/office/drawing/2014/main" xmlns="" xmlns:pslz="http://schemas.microsoft.com/office/powerpoint/2016/slidezoom" id="{6938BB69-754F-2F4B-94EF-34BD069095AD}"/>
+                    <a16:creationId xmlns:pslz="http://schemas.microsoft.com/office/powerpoint/2016/slidezoom" xmlns="" xmlns:a16="http://schemas.microsoft.com/office/drawing/2014/main" id="{6938BB69-754F-2F4B-94EF-34BD069095AD}"/>
                   </a:ext>
                 </a:extLst>
               </p:cNvPr>
@@ -18070,10 +18690,10 @@
           <p:cNvPr id="8" name="Rectangle 7">
             <a:extLst>
               <a:ext uri="{FF2B5EF4-FFF2-40B4-BE49-F238E27FC236}">
-                <a16:creationId xmlns:a16="http://schemas.microsoft.com/office/drawing/2014/main" xmlns="" id="{8D70B121-56F4-4848-B38B-182089D909FA}"/>
+                <a16:creationId xmlns="" xmlns:a16="http://schemas.microsoft.com/office/drawing/2014/main" id="{8D70B121-56F4-4848-B38B-182089D909FA}"/>
               </a:ext>
               <a:ext uri="{C183D7F6-B498-43B3-948B-1728B52AA6E4}">
-                <adec:decorative xmlns:adec="http://schemas.microsoft.com/office/drawing/2017/decorative" xmlns="" val="1"/>
+                <adec:decorative xmlns="" xmlns:adec="http://schemas.microsoft.com/office/drawing/2017/decorative" val="1"/>
               </a:ext>
             </a:extLst>
           </p:cNvPr>
@@ -18083,7 +18703,7 @@
           <p:nvPr>
             <p:extLst>
               <p:ext uri="{386F3935-93C4-4BCD-93E2-E3B085C9AB24}">
-                <p16:designElem xmlns:p16="http://schemas.microsoft.com/office/powerpoint/2015/main" xmlns="" val="1"/>
+                <p16:designElem xmlns="" xmlns:p16="http://schemas.microsoft.com/office/powerpoint/2015/main" val="1"/>
               </p:ext>
             </p:extLst>
           </p:nvPr>
@@ -18135,10 +18755,10 @@
           <p:cNvPr id="10" name="Straight Connector 9">
             <a:extLst>
               <a:ext uri="{FF2B5EF4-FFF2-40B4-BE49-F238E27FC236}">
-                <a16:creationId xmlns:a16="http://schemas.microsoft.com/office/drawing/2014/main" xmlns="" id="{2D72A2C9-F3CA-4216-8BAD-FA4C970C3C4E}"/>
+                <a16:creationId xmlns="" xmlns:a16="http://schemas.microsoft.com/office/drawing/2014/main" id="{2D72A2C9-F3CA-4216-8BAD-FA4C970C3C4E}"/>
               </a:ext>
               <a:ext uri="{C183D7F6-B498-43B3-948B-1728B52AA6E4}">
-                <adec:decorative xmlns:adec="http://schemas.microsoft.com/office/drawing/2017/decorative" xmlns="" val="1"/>
+                <adec:decorative xmlns="" xmlns:adec="http://schemas.microsoft.com/office/drawing/2017/decorative" val="1"/>
               </a:ext>
             </a:extLst>
           </p:cNvPr>
@@ -18148,7 +18768,7 @@
           <p:nvPr>
             <p:extLst>
               <p:ext uri="{386F3935-93C4-4BCD-93E2-E3B085C9AB24}">
-                <p16:designElem xmlns:p16="http://schemas.microsoft.com/office/powerpoint/2015/main" xmlns="" val="1"/>
+                <p16:designElem xmlns="" xmlns:p16="http://schemas.microsoft.com/office/powerpoint/2015/main" val="1"/>
               </p:ext>
             </p:extLst>
           </p:nvPr>
@@ -18190,7 +18810,7 @@
           <p:cNvPr id="20" name="Textfeld 19">
             <a:extLst>
               <a:ext uri="{FF2B5EF4-FFF2-40B4-BE49-F238E27FC236}">
-                <a16:creationId xmlns:a16="http://schemas.microsoft.com/office/drawing/2014/main" xmlns="" id="{22318D91-F3FB-1D4F-8CA1-574E5C5A021C}"/>
+                <a16:creationId xmlns="" xmlns:a16="http://schemas.microsoft.com/office/drawing/2014/main" id="{22318D91-F3FB-1D4F-8CA1-574E5C5A021C}"/>
               </a:ext>
             </a:extLst>
           </p:cNvPr>
@@ -18242,7 +18862,7 @@
           <p:cNvPr id="21" name="Grafik 20">
             <a:extLst>
               <a:ext uri="{FF2B5EF4-FFF2-40B4-BE49-F238E27FC236}">
-                <a16:creationId xmlns:a16="http://schemas.microsoft.com/office/drawing/2014/main" xmlns="" id="{5ACE5D07-54C6-4407-8C9E-551B71135727}"/>
+                <a16:creationId xmlns="" xmlns:a16="http://schemas.microsoft.com/office/drawing/2014/main" id="{5ACE5D07-54C6-4407-8C9E-551B71135727}"/>
               </a:ext>
             </a:extLst>
           </p:cNvPr>
@@ -18317,10 +18937,10 @@
           <p:cNvPr id="19" name="Rectangle 18">
             <a:extLst>
               <a:ext uri="{FF2B5EF4-FFF2-40B4-BE49-F238E27FC236}">
-                <a16:creationId xmlns:a16="http://schemas.microsoft.com/office/drawing/2014/main" xmlns="" id="{8D70B121-56F4-4848-B38B-182089D909FA}"/>
+                <a16:creationId xmlns="" xmlns:a16="http://schemas.microsoft.com/office/drawing/2014/main" id="{8D70B121-56F4-4848-B38B-182089D909FA}"/>
               </a:ext>
               <a:ext uri="{C183D7F6-B498-43B3-948B-1728B52AA6E4}">
-                <adec:decorative xmlns:adec="http://schemas.microsoft.com/office/drawing/2017/decorative" xmlns="" val="1"/>
+                <adec:decorative xmlns="" xmlns:adec="http://schemas.microsoft.com/office/drawing/2017/decorative" val="1"/>
               </a:ext>
             </a:extLst>
           </p:cNvPr>
@@ -18330,7 +18950,7 @@
           <p:nvPr>
             <p:extLst>
               <p:ext uri="{386F3935-93C4-4BCD-93E2-E3B085C9AB24}">
-                <p16:designElem xmlns:p16="http://schemas.microsoft.com/office/powerpoint/2015/main" xmlns="" val="1"/>
+                <p16:designElem xmlns="" xmlns:p16="http://schemas.microsoft.com/office/powerpoint/2015/main" val="1"/>
               </p:ext>
             </p:extLst>
           </p:nvPr>
@@ -18382,7 +19002,7 @@
           <p:cNvPr id="2" name="Titel 1">
             <a:extLst>
               <a:ext uri="{FF2B5EF4-FFF2-40B4-BE49-F238E27FC236}">
-                <a16:creationId xmlns:a16="http://schemas.microsoft.com/office/drawing/2014/main" xmlns="" id="{35BFDC70-A169-E142-B051-5ABC9190E094}"/>
+                <a16:creationId xmlns="" xmlns:a16="http://schemas.microsoft.com/office/drawing/2014/main" id="{35BFDC70-A169-E142-B051-5ABC9190E094}"/>
               </a:ext>
             </a:extLst>
           </p:cNvPr>
@@ -18472,10 +19092,10 @@
           <p:cNvPr id="21" name="Straight Connector 20">
             <a:extLst>
               <a:ext uri="{FF2B5EF4-FFF2-40B4-BE49-F238E27FC236}">
-                <a16:creationId xmlns:a16="http://schemas.microsoft.com/office/drawing/2014/main" xmlns="" id="{2D72A2C9-F3CA-4216-8BAD-FA4C970C3C4E}"/>
+                <a16:creationId xmlns="" xmlns:a16="http://schemas.microsoft.com/office/drawing/2014/main" id="{2D72A2C9-F3CA-4216-8BAD-FA4C970C3C4E}"/>
               </a:ext>
               <a:ext uri="{C183D7F6-B498-43B3-948B-1728B52AA6E4}">
-                <adec:decorative xmlns:adec="http://schemas.microsoft.com/office/drawing/2017/decorative" xmlns="" val="1"/>
+                <adec:decorative xmlns="" xmlns:adec="http://schemas.microsoft.com/office/drawing/2017/decorative" val="1"/>
               </a:ext>
             </a:extLst>
           </p:cNvPr>
@@ -18485,7 +19105,7 @@
           <p:nvPr>
             <p:extLst>
               <p:ext uri="{386F3935-93C4-4BCD-93E2-E3B085C9AB24}">
-                <p16:designElem xmlns:p16="http://schemas.microsoft.com/office/powerpoint/2015/main" xmlns="" val="1"/>
+                <p16:designElem xmlns="" xmlns:p16="http://schemas.microsoft.com/office/powerpoint/2015/main" val="1"/>
               </p:ext>
             </p:extLst>
           </p:nvPr>
@@ -18527,7 +19147,7 @@
           <p:cNvPr id="14" name="Inhaltsplatzhalter 2">
             <a:extLst>
               <a:ext uri="{FF2B5EF4-FFF2-40B4-BE49-F238E27FC236}">
-                <a16:creationId xmlns:a16="http://schemas.microsoft.com/office/drawing/2014/main" xmlns="" id="{53B37B3D-655D-0342-AF1C-93DFDD28CF29}"/>
+                <a16:creationId xmlns="" xmlns:a16="http://schemas.microsoft.com/office/drawing/2014/main" id="{53B37B3D-655D-0342-AF1C-93DFDD28CF29}"/>
               </a:ext>
             </a:extLst>
           </p:cNvPr>
@@ -18658,10 +19278,10 @@
           <p:cNvPr id="19" name="Rectangle 18">
             <a:extLst>
               <a:ext uri="{FF2B5EF4-FFF2-40B4-BE49-F238E27FC236}">
-                <a16:creationId xmlns:a16="http://schemas.microsoft.com/office/drawing/2014/main" xmlns="" id="{8D70B121-56F4-4848-B38B-182089D909FA}"/>
+                <a16:creationId xmlns="" xmlns:a16="http://schemas.microsoft.com/office/drawing/2014/main" id="{8D70B121-56F4-4848-B38B-182089D909FA}"/>
               </a:ext>
               <a:ext uri="{C183D7F6-B498-43B3-948B-1728B52AA6E4}">
-                <adec:decorative xmlns:adec="http://schemas.microsoft.com/office/drawing/2017/decorative" xmlns="" val="1"/>
+                <adec:decorative xmlns="" xmlns:adec="http://schemas.microsoft.com/office/drawing/2017/decorative" val="1"/>
               </a:ext>
             </a:extLst>
           </p:cNvPr>
@@ -18671,7 +19291,7 @@
           <p:nvPr>
             <p:extLst>
               <p:ext uri="{386F3935-93C4-4BCD-93E2-E3B085C9AB24}">
-                <p16:designElem xmlns:p16="http://schemas.microsoft.com/office/powerpoint/2015/main" xmlns="" val="1"/>
+                <p16:designElem xmlns="" xmlns:p16="http://schemas.microsoft.com/office/powerpoint/2015/main" val="1"/>
               </p:ext>
             </p:extLst>
           </p:nvPr>
@@ -18723,10 +19343,10 @@
           <p:cNvPr id="21" name="Straight Connector 20">
             <a:extLst>
               <a:ext uri="{FF2B5EF4-FFF2-40B4-BE49-F238E27FC236}">
-                <a16:creationId xmlns:a16="http://schemas.microsoft.com/office/drawing/2014/main" xmlns="" id="{2D72A2C9-F3CA-4216-8BAD-FA4C970C3C4E}"/>
+                <a16:creationId xmlns="" xmlns:a16="http://schemas.microsoft.com/office/drawing/2014/main" id="{2D72A2C9-F3CA-4216-8BAD-FA4C970C3C4E}"/>
               </a:ext>
               <a:ext uri="{C183D7F6-B498-43B3-948B-1728B52AA6E4}">
-                <adec:decorative xmlns:adec="http://schemas.microsoft.com/office/drawing/2017/decorative" xmlns="" val="1"/>
+                <adec:decorative xmlns="" xmlns:adec="http://schemas.microsoft.com/office/drawing/2017/decorative" val="1"/>
               </a:ext>
             </a:extLst>
           </p:cNvPr>
@@ -18736,7 +19356,7 @@
           <p:nvPr>
             <p:extLst>
               <p:ext uri="{386F3935-93C4-4BCD-93E2-E3B085C9AB24}">
-                <p16:designElem xmlns:p16="http://schemas.microsoft.com/office/powerpoint/2015/main" xmlns="" val="1"/>
+                <p16:designElem xmlns="" xmlns:p16="http://schemas.microsoft.com/office/powerpoint/2015/main" val="1"/>
               </p:ext>
             </p:extLst>
           </p:nvPr>
@@ -18778,7 +19398,7 @@
           <p:cNvPr id="14" name="Inhaltsplatzhalter 2">
             <a:extLst>
               <a:ext uri="{FF2B5EF4-FFF2-40B4-BE49-F238E27FC236}">
-                <a16:creationId xmlns:a16="http://schemas.microsoft.com/office/drawing/2014/main" xmlns="" id="{53B37B3D-655D-0342-AF1C-93DFDD28CF29}"/>
+                <a16:creationId xmlns="" xmlns:a16="http://schemas.microsoft.com/office/drawing/2014/main" id="{53B37B3D-655D-0342-AF1C-93DFDD28CF29}"/>
               </a:ext>
             </a:extLst>
           </p:cNvPr>
@@ -18992,7 +19612,7 @@
           <p:cNvPr id="20" name="Gruppieren 19">
             <a:extLst>
               <a:ext uri="{FF2B5EF4-FFF2-40B4-BE49-F238E27FC236}">
-                <a16:creationId xmlns:a16="http://schemas.microsoft.com/office/drawing/2014/main" xmlns="" id="{50ECC846-FE00-5642-8853-EEE6E8A01659}"/>
+                <a16:creationId xmlns="" xmlns:a16="http://schemas.microsoft.com/office/drawing/2014/main" id="{50ECC846-FE00-5642-8853-EEE6E8A01659}"/>
               </a:ext>
             </a:extLst>
           </p:cNvPr>
@@ -19012,7 +19632,7 @@
             <p:cNvPr id="22" name="Grafik 21">
               <a:extLst>
                 <a:ext uri="{FF2B5EF4-FFF2-40B4-BE49-F238E27FC236}">
-                  <a16:creationId xmlns:a16="http://schemas.microsoft.com/office/drawing/2014/main" xmlns="" id="{4E6774A5-9359-5A4C-9D07-47945BA0A9B3}"/>
+                  <a16:creationId xmlns="" xmlns:a16="http://schemas.microsoft.com/office/drawing/2014/main" id="{4E6774A5-9359-5A4C-9D07-47945BA0A9B3}"/>
                 </a:ext>
               </a:extLst>
             </p:cNvPr>
@@ -19042,7 +19662,7 @@
             <p:cNvPr id="23" name="Dreieck 22">
               <a:extLst>
                 <a:ext uri="{FF2B5EF4-FFF2-40B4-BE49-F238E27FC236}">
-                  <a16:creationId xmlns:a16="http://schemas.microsoft.com/office/drawing/2014/main" xmlns="" id="{C58FCFF5-FFE5-1240-AE4D-8FE755FB7696}"/>
+                  <a16:creationId xmlns="" xmlns:a16="http://schemas.microsoft.com/office/drawing/2014/main" id="{C58FCFF5-FFE5-1240-AE4D-8FE755FB7696}"/>
                 </a:ext>
               </a:extLst>
             </p:cNvPr>
@@ -19088,7 +19708,7 @@
             <p:cNvPr id="24" name="Dreieck 23">
               <a:extLst>
                 <a:ext uri="{FF2B5EF4-FFF2-40B4-BE49-F238E27FC236}">
-                  <a16:creationId xmlns:a16="http://schemas.microsoft.com/office/drawing/2014/main" xmlns="" id="{45F58FCA-1036-9842-AC1B-581E8445154F}"/>
+                  <a16:creationId xmlns="" xmlns:a16="http://schemas.microsoft.com/office/drawing/2014/main" id="{45F58FCA-1036-9842-AC1B-581E8445154F}"/>
                 </a:ext>
               </a:extLst>
             </p:cNvPr>
@@ -19134,7 +19754,7 @@
             <p:cNvPr id="25" name="Dreieck 24">
               <a:extLst>
                 <a:ext uri="{FF2B5EF4-FFF2-40B4-BE49-F238E27FC236}">
-                  <a16:creationId xmlns:a16="http://schemas.microsoft.com/office/drawing/2014/main" xmlns="" id="{F32A8848-A721-984F-933E-9E9622B747AD}"/>
+                  <a16:creationId xmlns="" xmlns:a16="http://schemas.microsoft.com/office/drawing/2014/main" id="{F32A8848-A721-984F-933E-9E9622B747AD}"/>
                 </a:ext>
               </a:extLst>
             </p:cNvPr>
@@ -19180,7 +19800,7 @@
             <p:cNvPr id="26" name="Dreieck 25">
               <a:extLst>
                 <a:ext uri="{FF2B5EF4-FFF2-40B4-BE49-F238E27FC236}">
-                  <a16:creationId xmlns:a16="http://schemas.microsoft.com/office/drawing/2014/main" xmlns="" id="{80771BCA-609E-164A-B463-F6A1D4A2CEAE}"/>
+                  <a16:creationId xmlns="" xmlns:a16="http://schemas.microsoft.com/office/drawing/2014/main" id="{80771BCA-609E-164A-B463-F6A1D4A2CEAE}"/>
                 </a:ext>
               </a:extLst>
             </p:cNvPr>
@@ -19226,7 +19846,7 @@
             <p:cNvPr id="27" name="Dreieck 26">
               <a:extLst>
                 <a:ext uri="{FF2B5EF4-FFF2-40B4-BE49-F238E27FC236}">
-                  <a16:creationId xmlns:a16="http://schemas.microsoft.com/office/drawing/2014/main" xmlns="" id="{D74FB55B-722F-AF4E-B788-08B063B85B99}"/>
+                  <a16:creationId xmlns="" xmlns:a16="http://schemas.microsoft.com/office/drawing/2014/main" id="{D74FB55B-722F-AF4E-B788-08B063B85B99}"/>
                 </a:ext>
               </a:extLst>
             </p:cNvPr>
@@ -19272,7 +19892,7 @@
             <p:cNvPr id="28" name="Dreieck 27">
               <a:extLst>
                 <a:ext uri="{FF2B5EF4-FFF2-40B4-BE49-F238E27FC236}">
-                  <a16:creationId xmlns:a16="http://schemas.microsoft.com/office/drawing/2014/main" xmlns="" id="{E28615C0-4C02-CA41-ABCF-97C87E10A370}"/>
+                  <a16:creationId xmlns="" xmlns:a16="http://schemas.microsoft.com/office/drawing/2014/main" id="{E28615C0-4C02-CA41-ABCF-97C87E10A370}"/>
                 </a:ext>
               </a:extLst>
             </p:cNvPr>
@@ -19318,7 +19938,7 @@
             <p:cNvPr id="29" name="Dreieck 28">
               <a:extLst>
                 <a:ext uri="{FF2B5EF4-FFF2-40B4-BE49-F238E27FC236}">
-                  <a16:creationId xmlns:a16="http://schemas.microsoft.com/office/drawing/2014/main" xmlns="" id="{FBA1CE75-BDA7-5541-B332-841CA5A0F3D8}"/>
+                  <a16:creationId xmlns="" xmlns:a16="http://schemas.microsoft.com/office/drawing/2014/main" id="{FBA1CE75-BDA7-5541-B332-841CA5A0F3D8}"/>
                 </a:ext>
               </a:extLst>
             </p:cNvPr>
@@ -19364,7 +19984,7 @@
             <p:cNvPr id="30" name="Dreieck 29">
               <a:extLst>
                 <a:ext uri="{FF2B5EF4-FFF2-40B4-BE49-F238E27FC236}">
-                  <a16:creationId xmlns:a16="http://schemas.microsoft.com/office/drawing/2014/main" xmlns="" id="{54C42A26-F415-894B-B37F-08315630F5A1}"/>
+                  <a16:creationId xmlns="" xmlns:a16="http://schemas.microsoft.com/office/drawing/2014/main" id="{54C42A26-F415-894B-B37F-08315630F5A1}"/>
                 </a:ext>
               </a:extLst>
             </p:cNvPr>
@@ -19456,10 +20076,10 @@
           <p:cNvPr id="8" name="Rectangle 7">
             <a:extLst>
               <a:ext uri="{FF2B5EF4-FFF2-40B4-BE49-F238E27FC236}">
-                <a16:creationId xmlns:a16="http://schemas.microsoft.com/office/drawing/2014/main" xmlns="" id="{8D70B121-56F4-4848-B38B-182089D909FA}"/>
+                <a16:creationId xmlns="" xmlns:a16="http://schemas.microsoft.com/office/drawing/2014/main" id="{8D70B121-56F4-4848-B38B-182089D909FA}"/>
               </a:ext>
               <a:ext uri="{C183D7F6-B498-43B3-948B-1728B52AA6E4}">
-                <adec:decorative xmlns:adec="http://schemas.microsoft.com/office/drawing/2017/decorative" xmlns="" val="1"/>
+                <adec:decorative xmlns="" xmlns:adec="http://schemas.microsoft.com/office/drawing/2017/decorative" val="1"/>
               </a:ext>
             </a:extLst>
           </p:cNvPr>
@@ -19469,7 +20089,7 @@
           <p:nvPr>
             <p:extLst>
               <p:ext uri="{386F3935-93C4-4BCD-93E2-E3B085C9AB24}">
-                <p16:designElem xmlns:p16="http://schemas.microsoft.com/office/powerpoint/2015/main" xmlns="" val="1"/>
+                <p16:designElem xmlns="" xmlns:p16="http://schemas.microsoft.com/office/powerpoint/2015/main" val="1"/>
               </p:ext>
             </p:extLst>
           </p:nvPr>
@@ -19521,7 +20141,7 @@
           <p:cNvPr id="2" name="Titel 1">
             <a:extLst>
               <a:ext uri="{FF2B5EF4-FFF2-40B4-BE49-F238E27FC236}">
-                <a16:creationId xmlns:a16="http://schemas.microsoft.com/office/drawing/2014/main" xmlns="" id="{0B5D0F8F-C92F-BC46-ACC4-7A21698DD272}"/>
+                <a16:creationId xmlns="" xmlns:a16="http://schemas.microsoft.com/office/drawing/2014/main" id="{0B5D0F8F-C92F-BC46-ACC4-7A21698DD272}"/>
               </a:ext>
             </a:extLst>
           </p:cNvPr>
@@ -19561,10 +20181,10 @@
           <p:cNvPr id="10" name="Straight Connector 9">
             <a:extLst>
               <a:ext uri="{FF2B5EF4-FFF2-40B4-BE49-F238E27FC236}">
-                <a16:creationId xmlns:a16="http://schemas.microsoft.com/office/drawing/2014/main" xmlns="" id="{2D72A2C9-F3CA-4216-8BAD-FA4C970C3C4E}"/>
+                <a16:creationId xmlns="" xmlns:a16="http://schemas.microsoft.com/office/drawing/2014/main" id="{2D72A2C9-F3CA-4216-8BAD-FA4C970C3C4E}"/>
               </a:ext>
               <a:ext uri="{C183D7F6-B498-43B3-948B-1728B52AA6E4}">
-                <adec:decorative xmlns:adec="http://schemas.microsoft.com/office/drawing/2017/decorative" xmlns="" val="1"/>
+                <adec:decorative xmlns="" xmlns:adec="http://schemas.microsoft.com/office/drawing/2017/decorative" val="1"/>
               </a:ext>
             </a:extLst>
           </p:cNvPr>
@@ -19574,7 +20194,7 @@
           <p:nvPr>
             <p:extLst>
               <p:ext uri="{386F3935-93C4-4BCD-93E2-E3B085C9AB24}">
-                <p16:designElem xmlns:p16="http://schemas.microsoft.com/office/powerpoint/2015/main" xmlns="" val="1"/>
+                <p16:designElem xmlns="" xmlns:p16="http://schemas.microsoft.com/office/powerpoint/2015/main" val="1"/>
               </p:ext>
             </p:extLst>
           </p:nvPr>
@@ -19616,7 +20236,7 @@
           <p:cNvPr id="3" name="Inhaltsplatzhalter 2">
             <a:extLst>
               <a:ext uri="{FF2B5EF4-FFF2-40B4-BE49-F238E27FC236}">
-                <a16:creationId xmlns:a16="http://schemas.microsoft.com/office/drawing/2014/main" xmlns="" id="{692C889E-3E0C-9E40-9512-4230892B2B42}"/>
+                <a16:creationId xmlns="" xmlns:a16="http://schemas.microsoft.com/office/drawing/2014/main" id="{692C889E-3E0C-9E40-9512-4230892B2B42}"/>
               </a:ext>
             </a:extLst>
           </p:cNvPr>

--- a/Praktikum_6/Abgabe 6.pptx
+++ b/Praktikum_6/Abgabe 6.pptx
@@ -18,13 +18,13 @@
     <p:sldId id="282" r:id="rId9"/>
     <p:sldId id="283" r:id="rId10"/>
     <p:sldId id="288" r:id="rId11"/>
-    <p:sldId id="265" r:id="rId12"/>
-    <p:sldId id="280" r:id="rId13"/>
-    <p:sldId id="266" r:id="rId14"/>
-    <p:sldId id="303" r:id="rId15"/>
-    <p:sldId id="285" r:id="rId16"/>
-    <p:sldId id="297" r:id="rId17"/>
-    <p:sldId id="299" r:id="rId18"/>
+    <p:sldId id="318" r:id="rId12"/>
+    <p:sldId id="266" r:id="rId13"/>
+    <p:sldId id="303" r:id="rId14"/>
+    <p:sldId id="285" r:id="rId15"/>
+    <p:sldId id="297" r:id="rId16"/>
+    <p:sldId id="299" r:id="rId17"/>
+    <p:sldId id="319" r:id="rId18"/>
     <p:sldId id="298" r:id="rId19"/>
     <p:sldId id="301" r:id="rId20"/>
     <p:sldId id="295" r:id="rId21"/>
@@ -619,18 +619,78 @@
           <a:bodyPr/>
           <a:lstStyle/>
           <a:p>
+            <a:pPr marL="0" marR="0" lvl="0" indent="0" algn="r" defTabSz="914400" rtl="0" eaLnBrk="1" fontAlgn="auto" latinLnBrk="0" hangingPunct="1">
+              <a:lnSpc>
+                <a:spcPct val="100000"/>
+              </a:lnSpc>
+              <a:spcBef>
+                <a:spcPts val="0"/>
+              </a:spcBef>
+              <a:spcAft>
+                <a:spcPts val="0"/>
+              </a:spcAft>
+              <a:buClrTx/>
+              <a:buSzTx/>
+              <a:buFontTx/>
+              <a:buNone/>
+              <a:tabLst/>
+              <a:defRPr/>
+            </a:pPr>
             <a:fld id="{52267A27-16C0-714D-83C5-54B46B511F52}" type="slidenum">
-              <a:rPr lang="de-DE" smtClean="0"/>
+              <a:rPr kumimoji="0" lang="de-DE" sz="1200" b="0" i="0" u="none" strike="noStrike" kern="1200" cap="none" spc="0" normalizeH="0" baseline="0" noProof="0" smtClean="0">
+                <a:ln>
+                  <a:noFill/>
+                </a:ln>
+                <a:solidFill>
+                  <a:prstClr val="black"/>
+                </a:solidFill>
+                <a:effectLst/>
+                <a:uLnTx/>
+                <a:uFillTx/>
+                <a:latin typeface="Calibri" panose="020F0502020204030204"/>
+                <a:ea typeface="+mn-ea"/>
+                <a:cs typeface="+mn-cs"/>
+              </a:rPr>
+              <a:pPr marL="0" marR="0" lvl="0" indent="0" algn="r" defTabSz="914400" rtl="0" eaLnBrk="1" fontAlgn="auto" latinLnBrk="0" hangingPunct="1">
+                <a:lnSpc>
+                  <a:spcPct val="100000"/>
+                </a:lnSpc>
+                <a:spcBef>
+                  <a:spcPts val="0"/>
+                </a:spcBef>
+                <a:spcAft>
+                  <a:spcPts val="0"/>
+                </a:spcAft>
+                <a:buClrTx/>
+                <a:buSzTx/>
+                <a:buFontTx/>
+                <a:buNone/>
+                <a:tabLst/>
+                <a:defRPr/>
+              </a:pPr>
               <a:t>11</a:t>
             </a:fld>
-            <a:endParaRPr lang="de-DE"/>
+            <a:endParaRPr kumimoji="0" lang="de-DE" sz="1200" b="0" i="0" u="none" strike="noStrike" kern="1200" cap="none" spc="0" normalizeH="0" baseline="0" noProof="0">
+              <a:ln>
+                <a:noFill/>
+              </a:ln>
+              <a:solidFill>
+                <a:prstClr val="black"/>
+              </a:solidFill>
+              <a:effectLst/>
+              <a:uLnTx/>
+              <a:uFillTx/>
+              <a:latin typeface="Calibri" panose="020F0502020204030204"/>
+              <a:ea typeface="+mn-ea"/>
+              <a:cs typeface="+mn-cs"/>
+            </a:endParaRPr>
           </a:p>
         </p:txBody>
       </p:sp>
     </p:spTree>
     <p:extLst>
       <p:ext uri="{BB962C8B-B14F-4D97-AF65-F5344CB8AC3E}">
-        <p14:creationId xmlns:p14="http://schemas.microsoft.com/office/powerpoint/2010/main" val="3907381587"/>
+        <p14:creationId xmlns:p14="http://schemas.microsoft.com/office/powerpoint/2010/main" val="1226551224"/>
       </p:ext>
     </p:extLst>
   </p:cSld>
@@ -714,7 +774,7 @@
     </p:spTree>
     <p:extLst>
       <p:ext uri="{BB962C8B-B14F-4D97-AF65-F5344CB8AC3E}">
-        <p14:creationId xmlns:p14="http://schemas.microsoft.com/office/powerpoint/2010/main" val="4218874713"/>
+        <p14:creationId xmlns:p14="http://schemas.microsoft.com/office/powerpoint/2010/main" val="3958004286"/>
       </p:ext>
     </p:extLst>
   </p:cSld>
@@ -798,7 +858,7 @@
     </p:spTree>
     <p:extLst>
       <p:ext uri="{BB962C8B-B14F-4D97-AF65-F5344CB8AC3E}">
-        <p14:creationId xmlns:p14="http://schemas.microsoft.com/office/powerpoint/2010/main" val="3958004286"/>
+        <p14:creationId xmlns:p14="http://schemas.microsoft.com/office/powerpoint/2010/main" val="376070762"/>
       </p:ext>
     </p:extLst>
   </p:cSld>
@@ -882,7 +942,7 @@
     </p:spTree>
     <p:extLst>
       <p:ext uri="{BB962C8B-B14F-4D97-AF65-F5344CB8AC3E}">
-        <p14:creationId xmlns:p14="http://schemas.microsoft.com/office/powerpoint/2010/main" val="376070762"/>
+        <p14:creationId xmlns:p14="http://schemas.microsoft.com/office/powerpoint/2010/main" val="2881906443"/>
       </p:ext>
     </p:extLst>
   </p:cSld>
@@ -966,7 +1026,7 @@
     </p:spTree>
     <p:extLst>
       <p:ext uri="{BB962C8B-B14F-4D97-AF65-F5344CB8AC3E}">
-        <p14:creationId xmlns:p14="http://schemas.microsoft.com/office/powerpoint/2010/main" val="2881906443"/>
+        <p14:creationId xmlns:p14="http://schemas.microsoft.com/office/powerpoint/2010/main" val="2244615714"/>
       </p:ext>
     </p:extLst>
   </p:cSld>
@@ -1041,7 +1101,7 @@
           <a:p>
             <a:fld id="{52267A27-16C0-714D-83C5-54B46B511F52}" type="slidenum">
               <a:rPr lang="de-DE" smtClean="0"/>
-              <a:t>16</a:t>
+              <a:t>18</a:t>
             </a:fld>
             <a:endParaRPr lang="de-DE"/>
           </a:p>
@@ -1050,7 +1110,7 @@
     </p:spTree>
     <p:extLst>
       <p:ext uri="{BB962C8B-B14F-4D97-AF65-F5344CB8AC3E}">
-        <p14:creationId xmlns:p14="http://schemas.microsoft.com/office/powerpoint/2010/main" val="2244615714"/>
+        <p14:creationId xmlns:p14="http://schemas.microsoft.com/office/powerpoint/2010/main" val="674328114"/>
       </p:ext>
     </p:extLst>
   </p:cSld>
@@ -1125,7 +1185,7 @@
           <a:p>
             <a:fld id="{52267A27-16C0-714D-83C5-54B46B511F52}" type="slidenum">
               <a:rPr lang="de-DE" smtClean="0"/>
-              <a:t>18</a:t>
+              <a:t>19</a:t>
             </a:fld>
             <a:endParaRPr lang="de-DE"/>
           </a:p>
@@ -1134,7 +1194,7 @@
     </p:spTree>
     <p:extLst>
       <p:ext uri="{BB962C8B-B14F-4D97-AF65-F5344CB8AC3E}">
-        <p14:creationId xmlns:p14="http://schemas.microsoft.com/office/powerpoint/2010/main" val="674328114"/>
+        <p14:creationId xmlns:p14="http://schemas.microsoft.com/office/powerpoint/2010/main" val="695971297"/>
       </p:ext>
     </p:extLst>
   </p:cSld>
@@ -1209,7 +1269,7 @@
           <a:p>
             <a:fld id="{52267A27-16C0-714D-83C5-54B46B511F52}" type="slidenum">
               <a:rPr lang="de-DE" smtClean="0"/>
-              <a:t>19</a:t>
+              <a:t>20</a:t>
             </a:fld>
             <a:endParaRPr lang="de-DE"/>
           </a:p>
@@ -1218,7 +1278,7 @@
     </p:spTree>
     <p:extLst>
       <p:ext uri="{BB962C8B-B14F-4D97-AF65-F5344CB8AC3E}">
-        <p14:creationId xmlns:p14="http://schemas.microsoft.com/office/powerpoint/2010/main" val="695971297"/>
+        <p14:creationId xmlns:p14="http://schemas.microsoft.com/office/powerpoint/2010/main" val="336732748"/>
       </p:ext>
     </p:extLst>
   </p:cSld>
@@ -1293,7 +1353,7 @@
           <a:p>
             <a:fld id="{52267A27-16C0-714D-83C5-54B46B511F52}" type="slidenum">
               <a:rPr lang="de-DE" smtClean="0"/>
-              <a:t>20</a:t>
+              <a:t>21</a:t>
             </a:fld>
             <a:endParaRPr lang="de-DE"/>
           </a:p>
@@ -1302,7 +1362,7 @@
     </p:spTree>
     <p:extLst>
       <p:ext uri="{BB962C8B-B14F-4D97-AF65-F5344CB8AC3E}">
-        <p14:creationId xmlns:p14="http://schemas.microsoft.com/office/powerpoint/2010/main" val="336732748"/>
+        <p14:creationId xmlns:p14="http://schemas.microsoft.com/office/powerpoint/2010/main" val="1442763933"/>
       </p:ext>
     </p:extLst>
   </p:cSld>
@@ -1377,7 +1437,7 @@
           <a:p>
             <a:fld id="{52267A27-16C0-714D-83C5-54B46B511F52}" type="slidenum">
               <a:rPr lang="de-DE" smtClean="0"/>
-              <a:t>21</a:t>
+              <a:t>22</a:t>
             </a:fld>
             <a:endParaRPr lang="de-DE"/>
           </a:p>
@@ -1386,7 +1446,7 @@
     </p:spTree>
     <p:extLst>
       <p:ext uri="{BB962C8B-B14F-4D97-AF65-F5344CB8AC3E}">
-        <p14:creationId xmlns:p14="http://schemas.microsoft.com/office/powerpoint/2010/main" val="1442763933"/>
+        <p14:creationId xmlns:p14="http://schemas.microsoft.com/office/powerpoint/2010/main" val="375144338"/>
       </p:ext>
     </p:extLst>
   </p:cSld>
@@ -1545,7 +1605,7 @@
           <a:p>
             <a:fld id="{52267A27-16C0-714D-83C5-54B46B511F52}" type="slidenum">
               <a:rPr lang="de-DE" smtClean="0"/>
-              <a:t>22</a:t>
+              <a:t>23</a:t>
             </a:fld>
             <a:endParaRPr lang="de-DE"/>
           </a:p>
@@ -1554,7 +1614,7 @@
     </p:spTree>
     <p:extLst>
       <p:ext uri="{BB962C8B-B14F-4D97-AF65-F5344CB8AC3E}">
-        <p14:creationId xmlns:p14="http://schemas.microsoft.com/office/powerpoint/2010/main" val="375144338"/>
+        <p14:creationId xmlns:p14="http://schemas.microsoft.com/office/powerpoint/2010/main" val="3149404558"/>
       </p:ext>
     </p:extLst>
   </p:cSld>
@@ -1629,7 +1689,7 @@
           <a:p>
             <a:fld id="{52267A27-16C0-714D-83C5-54B46B511F52}" type="slidenum">
               <a:rPr lang="de-DE" smtClean="0"/>
-              <a:t>23</a:t>
+              <a:t>24</a:t>
             </a:fld>
             <a:endParaRPr lang="de-DE"/>
           </a:p>
@@ -1638,7 +1698,7 @@
     </p:spTree>
     <p:extLst>
       <p:ext uri="{BB962C8B-B14F-4D97-AF65-F5344CB8AC3E}">
-        <p14:creationId xmlns:p14="http://schemas.microsoft.com/office/powerpoint/2010/main" val="3149404558"/>
+        <p14:creationId xmlns:p14="http://schemas.microsoft.com/office/powerpoint/2010/main" val="1091515136"/>
       </p:ext>
     </p:extLst>
   </p:cSld>
@@ -1713,7 +1773,7 @@
           <a:p>
             <a:fld id="{52267A27-16C0-714D-83C5-54B46B511F52}" type="slidenum">
               <a:rPr lang="de-DE" smtClean="0"/>
-              <a:t>24</a:t>
+              <a:t>25</a:t>
             </a:fld>
             <a:endParaRPr lang="de-DE"/>
           </a:p>
@@ -1722,7 +1782,7 @@
     </p:spTree>
     <p:extLst>
       <p:ext uri="{BB962C8B-B14F-4D97-AF65-F5344CB8AC3E}">
-        <p14:creationId xmlns:p14="http://schemas.microsoft.com/office/powerpoint/2010/main" val="1091515136"/>
+        <p14:creationId xmlns:p14="http://schemas.microsoft.com/office/powerpoint/2010/main" val="1618161514"/>
       </p:ext>
     </p:extLst>
   </p:cSld>
@@ -1797,7 +1857,7 @@
           <a:p>
             <a:fld id="{52267A27-16C0-714D-83C5-54B46B511F52}" type="slidenum">
               <a:rPr lang="de-DE" smtClean="0"/>
-              <a:t>25</a:t>
+              <a:t>26</a:t>
             </a:fld>
             <a:endParaRPr lang="de-DE"/>
           </a:p>
@@ -1806,7 +1866,7 @@
     </p:spTree>
     <p:extLst>
       <p:ext uri="{BB962C8B-B14F-4D97-AF65-F5344CB8AC3E}">
-        <p14:creationId xmlns:p14="http://schemas.microsoft.com/office/powerpoint/2010/main" val="1618161514"/>
+        <p14:creationId xmlns:p14="http://schemas.microsoft.com/office/powerpoint/2010/main" val="406160463"/>
       </p:ext>
     </p:extLst>
   </p:cSld>
@@ -1881,7 +1941,7 @@
           <a:p>
             <a:fld id="{52267A27-16C0-714D-83C5-54B46B511F52}" type="slidenum">
               <a:rPr lang="de-DE" smtClean="0"/>
-              <a:t>26</a:t>
+              <a:t>27</a:t>
             </a:fld>
             <a:endParaRPr lang="de-DE"/>
           </a:p>
@@ -1890,7 +1950,7 @@
     </p:spTree>
     <p:extLst>
       <p:ext uri="{BB962C8B-B14F-4D97-AF65-F5344CB8AC3E}">
-        <p14:creationId xmlns:p14="http://schemas.microsoft.com/office/powerpoint/2010/main" val="406160463"/>
+        <p14:creationId xmlns:p14="http://schemas.microsoft.com/office/powerpoint/2010/main" val="2791557570"/>
       </p:ext>
     </p:extLst>
   </p:cSld>
@@ -1965,7 +2025,7 @@
           <a:p>
             <a:fld id="{52267A27-16C0-714D-83C5-54B46B511F52}" type="slidenum">
               <a:rPr lang="de-DE" smtClean="0"/>
-              <a:t>27</a:t>
+              <a:t>28</a:t>
             </a:fld>
             <a:endParaRPr lang="de-DE"/>
           </a:p>
@@ -1974,7 +2034,7 @@
     </p:spTree>
     <p:extLst>
       <p:ext uri="{BB962C8B-B14F-4D97-AF65-F5344CB8AC3E}">
-        <p14:creationId xmlns:p14="http://schemas.microsoft.com/office/powerpoint/2010/main" val="2791557570"/>
+        <p14:creationId xmlns:p14="http://schemas.microsoft.com/office/powerpoint/2010/main" val="4137031017"/>
       </p:ext>
     </p:extLst>
   </p:cSld>
@@ -2049,7 +2109,7 @@
           <a:p>
             <a:fld id="{52267A27-16C0-714D-83C5-54B46B511F52}" type="slidenum">
               <a:rPr lang="de-DE" smtClean="0"/>
-              <a:t>28</a:t>
+              <a:t>29</a:t>
             </a:fld>
             <a:endParaRPr lang="de-DE"/>
           </a:p>
@@ -2058,7 +2118,7 @@
     </p:spTree>
     <p:extLst>
       <p:ext uri="{BB962C8B-B14F-4D97-AF65-F5344CB8AC3E}">
-        <p14:creationId xmlns:p14="http://schemas.microsoft.com/office/powerpoint/2010/main" val="4137031017"/>
+        <p14:creationId xmlns:p14="http://schemas.microsoft.com/office/powerpoint/2010/main" val="544103937"/>
       </p:ext>
     </p:extLst>
   </p:cSld>
@@ -2133,7 +2193,7 @@
           <a:p>
             <a:fld id="{52267A27-16C0-714D-83C5-54B46B511F52}" type="slidenum">
               <a:rPr lang="de-DE" smtClean="0"/>
-              <a:t>29</a:t>
+              <a:t>30</a:t>
             </a:fld>
             <a:endParaRPr lang="de-DE"/>
           </a:p>
@@ -2142,7 +2202,7 @@
     </p:spTree>
     <p:extLst>
       <p:ext uri="{BB962C8B-B14F-4D97-AF65-F5344CB8AC3E}">
-        <p14:creationId xmlns:p14="http://schemas.microsoft.com/office/powerpoint/2010/main" val="544103937"/>
+        <p14:creationId xmlns:p14="http://schemas.microsoft.com/office/powerpoint/2010/main" val="601079304"/>
       </p:ext>
     </p:extLst>
   </p:cSld>
@@ -2217,7 +2277,7 @@
           <a:p>
             <a:fld id="{52267A27-16C0-714D-83C5-54B46B511F52}" type="slidenum">
               <a:rPr lang="de-DE" smtClean="0"/>
-              <a:t>30</a:t>
+              <a:t>31</a:t>
             </a:fld>
             <a:endParaRPr lang="de-DE"/>
           </a:p>
@@ -2226,7 +2286,7 @@
     </p:spTree>
     <p:extLst>
       <p:ext uri="{BB962C8B-B14F-4D97-AF65-F5344CB8AC3E}">
-        <p14:creationId xmlns:p14="http://schemas.microsoft.com/office/powerpoint/2010/main" val="601079304"/>
+        <p14:creationId xmlns:p14="http://schemas.microsoft.com/office/powerpoint/2010/main" val="3561241889"/>
       </p:ext>
     </p:extLst>
   </p:cSld>
@@ -2301,7 +2361,7 @@
           <a:p>
             <a:fld id="{52267A27-16C0-714D-83C5-54B46B511F52}" type="slidenum">
               <a:rPr lang="de-DE" smtClean="0"/>
-              <a:t>31</a:t>
+              <a:t>32</a:t>
             </a:fld>
             <a:endParaRPr lang="de-DE"/>
           </a:p>
@@ -2310,7 +2370,7 @@
     </p:spTree>
     <p:extLst>
       <p:ext uri="{BB962C8B-B14F-4D97-AF65-F5344CB8AC3E}">
-        <p14:creationId xmlns:p14="http://schemas.microsoft.com/office/powerpoint/2010/main" val="3561241889"/>
+        <p14:creationId xmlns:p14="http://schemas.microsoft.com/office/powerpoint/2010/main" val="2116576985"/>
       </p:ext>
     </p:extLst>
   </p:cSld>
@@ -2529,90 +2589,6 @@
           <a:p>
             <a:fld id="{52267A27-16C0-714D-83C5-54B46B511F52}" type="slidenum">
               <a:rPr lang="de-DE" smtClean="0"/>
-              <a:t>32</a:t>
-            </a:fld>
-            <a:endParaRPr lang="de-DE"/>
-          </a:p>
-        </p:txBody>
-      </p:sp>
-    </p:spTree>
-    <p:extLst>
-      <p:ext uri="{BB962C8B-B14F-4D97-AF65-F5344CB8AC3E}">
-        <p14:creationId xmlns:p14="http://schemas.microsoft.com/office/powerpoint/2010/main" val="2116576985"/>
-      </p:ext>
-    </p:extLst>
-  </p:cSld>
-  <p:clrMapOvr>
-    <a:masterClrMapping/>
-  </p:clrMapOvr>
-</p:notes>
-</file>
-
-<file path=ppt/notesSlides/notesSlide31.xml><?xml version="1.0" encoding="utf-8"?>
-<p:notes xmlns:a="http://schemas.openxmlformats.org/drawingml/2006/main" xmlns:r="http://schemas.openxmlformats.org/officeDocument/2006/relationships" xmlns:p="http://schemas.openxmlformats.org/presentationml/2006/main">
-  <p:cSld>
-    <p:spTree>
-      <p:nvGrpSpPr>
-        <p:cNvPr id="1" name=""/>
-        <p:cNvGrpSpPr/>
-        <p:nvPr/>
-      </p:nvGrpSpPr>
-      <p:grpSpPr>
-        <a:xfrm>
-          <a:off x="0" y="0"/>
-          <a:ext cx="0" cy="0"/>
-          <a:chOff x="0" y="0"/>
-          <a:chExt cx="0" cy="0"/>
-        </a:xfrm>
-      </p:grpSpPr>
-      <p:sp>
-        <p:nvSpPr>
-          <p:cNvPr id="2" name="Folienbildplatzhalter 1"/>
-          <p:cNvSpPr>
-            <a:spLocks noGrp="1" noRot="1" noChangeAspect="1"/>
-          </p:cNvSpPr>
-          <p:nvPr>
-            <p:ph type="sldImg"/>
-          </p:nvPr>
-        </p:nvSpPr>
-        <p:spPr/>
-      </p:sp>
-      <p:sp>
-        <p:nvSpPr>
-          <p:cNvPr id="3" name="Notizenplatzhalter 2"/>
-          <p:cNvSpPr>
-            <a:spLocks noGrp="1"/>
-          </p:cNvSpPr>
-          <p:nvPr>
-            <p:ph type="body" idx="1"/>
-          </p:nvPr>
-        </p:nvSpPr>
-        <p:spPr/>
-        <p:txBody>
-          <a:bodyPr/>
-          <a:lstStyle/>
-          <a:p>
-            <a:endParaRPr lang="de-DE" dirty="0"/>
-          </a:p>
-        </p:txBody>
-      </p:sp>
-      <p:sp>
-        <p:nvSpPr>
-          <p:cNvPr id="4" name="Foliennummernplatzhalter 3"/>
-          <p:cNvSpPr>
-            <a:spLocks noGrp="1"/>
-          </p:cNvSpPr>
-          <p:nvPr>
-            <p:ph type="sldNum" sz="quarter" idx="5"/>
-          </p:nvPr>
-        </p:nvSpPr>
-        <p:spPr/>
-        <p:txBody>
-          <a:bodyPr/>
-          <a:lstStyle/>
-          <a:p>
-            <a:fld id="{52267A27-16C0-714D-83C5-54B46B511F52}" type="slidenum">
-              <a:rPr lang="de-DE" smtClean="0"/>
               <a:t>33</a:t>
             </a:fld>
             <a:endParaRPr lang="de-DE"/>
@@ -3199,7 +3175,7 @@
           <p:cNvPr id="2" name="Titel 1">
             <a:extLst>
               <a:ext uri="{FF2B5EF4-FFF2-40B4-BE49-F238E27FC236}">
-                <a16:creationId xmlns="" xmlns:a16="http://schemas.microsoft.com/office/drawing/2014/main" id="{9729E139-B9C1-1343-8D77-54875F0E38E2}"/>
+                <a16:creationId xmlns:a16="http://schemas.microsoft.com/office/drawing/2014/main" id="{9729E139-B9C1-1343-8D77-54875F0E38E2}"/>
               </a:ext>
             </a:extLst>
           </p:cNvPr>
@@ -3236,7 +3212,7 @@
           <p:cNvPr id="3" name="Untertitel 2">
             <a:extLst>
               <a:ext uri="{FF2B5EF4-FFF2-40B4-BE49-F238E27FC236}">
-                <a16:creationId xmlns="" xmlns:a16="http://schemas.microsoft.com/office/drawing/2014/main" id="{CD0DC60B-5925-7245-9AD4-70DD2088C669}"/>
+                <a16:creationId xmlns:a16="http://schemas.microsoft.com/office/drawing/2014/main" id="{CD0DC60B-5925-7245-9AD4-70DD2088C669}"/>
               </a:ext>
             </a:extLst>
           </p:cNvPr>
@@ -3306,7 +3282,7 @@
           <p:cNvPr id="4" name="Datumsplatzhalter 3">
             <a:extLst>
               <a:ext uri="{FF2B5EF4-FFF2-40B4-BE49-F238E27FC236}">
-                <a16:creationId xmlns="" xmlns:a16="http://schemas.microsoft.com/office/drawing/2014/main" id="{48071E95-2AB9-EB43-8B4E-ECA6DA6E4AD5}"/>
+                <a16:creationId xmlns:a16="http://schemas.microsoft.com/office/drawing/2014/main" id="{48071E95-2AB9-EB43-8B4E-ECA6DA6E4AD5}"/>
               </a:ext>
             </a:extLst>
           </p:cNvPr>
@@ -3335,7 +3311,7 @@
           <p:cNvPr id="5" name="Fußzeilenplatzhalter 4">
             <a:extLst>
               <a:ext uri="{FF2B5EF4-FFF2-40B4-BE49-F238E27FC236}">
-                <a16:creationId xmlns="" xmlns:a16="http://schemas.microsoft.com/office/drawing/2014/main" id="{F1BDF94A-7043-F94B-A957-905DCDFD9521}"/>
+                <a16:creationId xmlns:a16="http://schemas.microsoft.com/office/drawing/2014/main" id="{F1BDF94A-7043-F94B-A957-905DCDFD9521}"/>
               </a:ext>
             </a:extLst>
           </p:cNvPr>
@@ -3360,7 +3336,7 @@
           <p:cNvPr id="6" name="Foliennummernplatzhalter 5">
             <a:extLst>
               <a:ext uri="{FF2B5EF4-FFF2-40B4-BE49-F238E27FC236}">
-                <a16:creationId xmlns="" xmlns:a16="http://schemas.microsoft.com/office/drawing/2014/main" id="{32A861AE-5302-CD4F-9C7C-2BFEE23DBE0B}"/>
+                <a16:creationId xmlns:a16="http://schemas.microsoft.com/office/drawing/2014/main" id="{32A861AE-5302-CD4F-9C7C-2BFEE23DBE0B}"/>
               </a:ext>
             </a:extLst>
           </p:cNvPr>
@@ -3419,7 +3395,7 @@
           <p:cNvPr id="2" name="Titel 1">
             <a:extLst>
               <a:ext uri="{FF2B5EF4-FFF2-40B4-BE49-F238E27FC236}">
-                <a16:creationId xmlns="" xmlns:a16="http://schemas.microsoft.com/office/drawing/2014/main" id="{63E0E303-0843-9E43-B4FE-B741D51AF29D}"/>
+                <a16:creationId xmlns:a16="http://schemas.microsoft.com/office/drawing/2014/main" id="{63E0E303-0843-9E43-B4FE-B741D51AF29D}"/>
               </a:ext>
             </a:extLst>
           </p:cNvPr>
@@ -3447,7 +3423,7 @@
           <p:cNvPr id="3" name="Vertikaler Textplatzhalter 2">
             <a:extLst>
               <a:ext uri="{FF2B5EF4-FFF2-40B4-BE49-F238E27FC236}">
-                <a16:creationId xmlns="" xmlns:a16="http://schemas.microsoft.com/office/drawing/2014/main" id="{E389E2A2-C12F-4044-8208-9AC0B7DA7698}"/>
+                <a16:creationId xmlns:a16="http://schemas.microsoft.com/office/drawing/2014/main" id="{E389E2A2-C12F-4044-8208-9AC0B7DA7698}"/>
               </a:ext>
             </a:extLst>
           </p:cNvPr>
@@ -3479,7 +3455,7 @@
           <p:cNvPr id="4" name="Datumsplatzhalter 3">
             <a:extLst>
               <a:ext uri="{FF2B5EF4-FFF2-40B4-BE49-F238E27FC236}">
-                <a16:creationId xmlns="" xmlns:a16="http://schemas.microsoft.com/office/drawing/2014/main" id="{D51E15B6-E46A-6E41-87EF-FB1CB3BE30B6}"/>
+                <a16:creationId xmlns:a16="http://schemas.microsoft.com/office/drawing/2014/main" id="{D51E15B6-E46A-6E41-87EF-FB1CB3BE30B6}"/>
               </a:ext>
             </a:extLst>
           </p:cNvPr>
@@ -3508,7 +3484,7 @@
           <p:cNvPr id="5" name="Fußzeilenplatzhalter 4">
             <a:extLst>
               <a:ext uri="{FF2B5EF4-FFF2-40B4-BE49-F238E27FC236}">
-                <a16:creationId xmlns="" xmlns:a16="http://schemas.microsoft.com/office/drawing/2014/main" id="{0B5FA6FB-9899-E140-BC17-76C683560149}"/>
+                <a16:creationId xmlns:a16="http://schemas.microsoft.com/office/drawing/2014/main" id="{0B5FA6FB-9899-E140-BC17-76C683560149}"/>
               </a:ext>
             </a:extLst>
           </p:cNvPr>
@@ -3533,7 +3509,7 @@
           <p:cNvPr id="6" name="Foliennummernplatzhalter 5">
             <a:extLst>
               <a:ext uri="{FF2B5EF4-FFF2-40B4-BE49-F238E27FC236}">
-                <a16:creationId xmlns="" xmlns:a16="http://schemas.microsoft.com/office/drawing/2014/main" id="{C0350015-ADC1-E74B-8051-43AB5C8B14FC}"/>
+                <a16:creationId xmlns:a16="http://schemas.microsoft.com/office/drawing/2014/main" id="{C0350015-ADC1-E74B-8051-43AB5C8B14FC}"/>
               </a:ext>
             </a:extLst>
           </p:cNvPr>
@@ -3592,7 +3568,7 @@
           <p:cNvPr id="2" name="Vertikaler Titel 1">
             <a:extLst>
               <a:ext uri="{FF2B5EF4-FFF2-40B4-BE49-F238E27FC236}">
-                <a16:creationId xmlns="" xmlns:a16="http://schemas.microsoft.com/office/drawing/2014/main" id="{CD5514F9-5F1A-1849-BD9D-42DE2B7A8602}"/>
+                <a16:creationId xmlns:a16="http://schemas.microsoft.com/office/drawing/2014/main" id="{CD5514F9-5F1A-1849-BD9D-42DE2B7A8602}"/>
               </a:ext>
             </a:extLst>
           </p:cNvPr>
@@ -3625,7 +3601,7 @@
           <p:cNvPr id="3" name="Vertikaler Textplatzhalter 2">
             <a:extLst>
               <a:ext uri="{FF2B5EF4-FFF2-40B4-BE49-F238E27FC236}">
-                <a16:creationId xmlns="" xmlns:a16="http://schemas.microsoft.com/office/drawing/2014/main" id="{3BF2A873-5EA8-CB4C-AE0C-2BA2237C50DB}"/>
+                <a16:creationId xmlns:a16="http://schemas.microsoft.com/office/drawing/2014/main" id="{3BF2A873-5EA8-CB4C-AE0C-2BA2237C50DB}"/>
               </a:ext>
             </a:extLst>
           </p:cNvPr>
@@ -3662,7 +3638,7 @@
           <p:cNvPr id="4" name="Datumsplatzhalter 3">
             <a:extLst>
               <a:ext uri="{FF2B5EF4-FFF2-40B4-BE49-F238E27FC236}">
-                <a16:creationId xmlns="" xmlns:a16="http://schemas.microsoft.com/office/drawing/2014/main" id="{7CF35C86-7F7F-7D4A-9E5E-691310FDB770}"/>
+                <a16:creationId xmlns:a16="http://schemas.microsoft.com/office/drawing/2014/main" id="{7CF35C86-7F7F-7D4A-9E5E-691310FDB770}"/>
               </a:ext>
             </a:extLst>
           </p:cNvPr>
@@ -3691,7 +3667,7 @@
           <p:cNvPr id="5" name="Fußzeilenplatzhalter 4">
             <a:extLst>
               <a:ext uri="{FF2B5EF4-FFF2-40B4-BE49-F238E27FC236}">
-                <a16:creationId xmlns="" xmlns:a16="http://schemas.microsoft.com/office/drawing/2014/main" id="{3F495B2B-E913-4740-9EBA-30653E27DE50}"/>
+                <a16:creationId xmlns:a16="http://schemas.microsoft.com/office/drawing/2014/main" id="{3F495B2B-E913-4740-9EBA-30653E27DE50}"/>
               </a:ext>
             </a:extLst>
           </p:cNvPr>
@@ -3716,7 +3692,7 @@
           <p:cNvPr id="6" name="Foliennummernplatzhalter 5">
             <a:extLst>
               <a:ext uri="{FF2B5EF4-FFF2-40B4-BE49-F238E27FC236}">
-                <a16:creationId xmlns="" xmlns:a16="http://schemas.microsoft.com/office/drawing/2014/main" id="{1B917D15-5200-3A4B-932D-A97B10281BDC}"/>
+                <a16:creationId xmlns:a16="http://schemas.microsoft.com/office/drawing/2014/main" id="{1B917D15-5200-3A4B-932D-A97B10281BDC}"/>
               </a:ext>
             </a:extLst>
           </p:cNvPr>
@@ -3775,7 +3751,7 @@
           <p:cNvPr id="2" name="Titel 1">
             <a:extLst>
               <a:ext uri="{FF2B5EF4-FFF2-40B4-BE49-F238E27FC236}">
-                <a16:creationId xmlns="" xmlns:a16="http://schemas.microsoft.com/office/drawing/2014/main" id="{D905D12F-79BE-CD41-9F97-DD37C1750845}"/>
+                <a16:creationId xmlns:a16="http://schemas.microsoft.com/office/drawing/2014/main" id="{D905D12F-79BE-CD41-9F97-DD37C1750845}"/>
               </a:ext>
             </a:extLst>
           </p:cNvPr>
@@ -3803,7 +3779,7 @@
           <p:cNvPr id="3" name="Inhaltsplatzhalter 2">
             <a:extLst>
               <a:ext uri="{FF2B5EF4-FFF2-40B4-BE49-F238E27FC236}">
-                <a16:creationId xmlns="" xmlns:a16="http://schemas.microsoft.com/office/drawing/2014/main" id="{D8957224-0D0D-7746-BCBD-E4F8208E8E10}"/>
+                <a16:creationId xmlns:a16="http://schemas.microsoft.com/office/drawing/2014/main" id="{D8957224-0D0D-7746-BCBD-E4F8208E8E10}"/>
               </a:ext>
             </a:extLst>
           </p:cNvPr>
@@ -3835,7 +3811,7 @@
           <p:cNvPr id="4" name="Datumsplatzhalter 3">
             <a:extLst>
               <a:ext uri="{FF2B5EF4-FFF2-40B4-BE49-F238E27FC236}">
-                <a16:creationId xmlns="" xmlns:a16="http://schemas.microsoft.com/office/drawing/2014/main" id="{0B4E4D52-5024-2A4E-8037-AED189B9E264}"/>
+                <a16:creationId xmlns:a16="http://schemas.microsoft.com/office/drawing/2014/main" id="{0B4E4D52-5024-2A4E-8037-AED189B9E264}"/>
               </a:ext>
             </a:extLst>
           </p:cNvPr>
@@ -3864,7 +3840,7 @@
           <p:cNvPr id="5" name="Fußzeilenplatzhalter 4">
             <a:extLst>
               <a:ext uri="{FF2B5EF4-FFF2-40B4-BE49-F238E27FC236}">
-                <a16:creationId xmlns="" xmlns:a16="http://schemas.microsoft.com/office/drawing/2014/main" id="{12897E99-FDA3-BF4B-86A3-95486763DDF9}"/>
+                <a16:creationId xmlns:a16="http://schemas.microsoft.com/office/drawing/2014/main" id="{12897E99-FDA3-BF4B-86A3-95486763DDF9}"/>
               </a:ext>
             </a:extLst>
           </p:cNvPr>
@@ -3889,7 +3865,7 @@
           <p:cNvPr id="6" name="Foliennummernplatzhalter 5">
             <a:extLst>
               <a:ext uri="{FF2B5EF4-FFF2-40B4-BE49-F238E27FC236}">
-                <a16:creationId xmlns="" xmlns:a16="http://schemas.microsoft.com/office/drawing/2014/main" id="{EE1AA7CD-B421-C740-8D36-D478D7689E50}"/>
+                <a16:creationId xmlns:a16="http://schemas.microsoft.com/office/drawing/2014/main" id="{EE1AA7CD-B421-C740-8D36-D478D7689E50}"/>
               </a:ext>
             </a:extLst>
           </p:cNvPr>
@@ -3948,7 +3924,7 @@
           <p:cNvPr id="2" name="Titel 1">
             <a:extLst>
               <a:ext uri="{FF2B5EF4-FFF2-40B4-BE49-F238E27FC236}">
-                <a16:creationId xmlns="" xmlns:a16="http://schemas.microsoft.com/office/drawing/2014/main" id="{0A061298-7A62-2F4C-B6A3-0A8BB714DFA3}"/>
+                <a16:creationId xmlns:a16="http://schemas.microsoft.com/office/drawing/2014/main" id="{0A061298-7A62-2F4C-B6A3-0A8BB714DFA3}"/>
               </a:ext>
             </a:extLst>
           </p:cNvPr>
@@ -3985,7 +3961,7 @@
           <p:cNvPr id="3" name="Textplatzhalter 2">
             <a:extLst>
               <a:ext uri="{FF2B5EF4-FFF2-40B4-BE49-F238E27FC236}">
-                <a16:creationId xmlns="" xmlns:a16="http://schemas.microsoft.com/office/drawing/2014/main" id="{EF880BAB-4A8A-F247-B79A-5FB85578A25C}"/>
+                <a16:creationId xmlns:a16="http://schemas.microsoft.com/office/drawing/2014/main" id="{EF880BAB-4A8A-F247-B79A-5FB85578A25C}"/>
               </a:ext>
             </a:extLst>
           </p:cNvPr>
@@ -4113,7 +4089,7 @@
           <p:cNvPr id="4" name="Datumsplatzhalter 3">
             <a:extLst>
               <a:ext uri="{FF2B5EF4-FFF2-40B4-BE49-F238E27FC236}">
-                <a16:creationId xmlns="" xmlns:a16="http://schemas.microsoft.com/office/drawing/2014/main" id="{5C1CF969-A856-B443-84E7-5170F0482FB6}"/>
+                <a16:creationId xmlns:a16="http://schemas.microsoft.com/office/drawing/2014/main" id="{5C1CF969-A856-B443-84E7-5170F0482FB6}"/>
               </a:ext>
             </a:extLst>
           </p:cNvPr>
@@ -4142,7 +4118,7 @@
           <p:cNvPr id="5" name="Fußzeilenplatzhalter 4">
             <a:extLst>
               <a:ext uri="{FF2B5EF4-FFF2-40B4-BE49-F238E27FC236}">
-                <a16:creationId xmlns="" xmlns:a16="http://schemas.microsoft.com/office/drawing/2014/main" id="{A8270CB1-A61B-984D-BC84-AC4F045BD50C}"/>
+                <a16:creationId xmlns:a16="http://schemas.microsoft.com/office/drawing/2014/main" id="{A8270CB1-A61B-984D-BC84-AC4F045BD50C}"/>
               </a:ext>
             </a:extLst>
           </p:cNvPr>
@@ -4167,7 +4143,7 @@
           <p:cNvPr id="6" name="Foliennummernplatzhalter 5">
             <a:extLst>
               <a:ext uri="{FF2B5EF4-FFF2-40B4-BE49-F238E27FC236}">
-                <a16:creationId xmlns="" xmlns:a16="http://schemas.microsoft.com/office/drawing/2014/main" id="{FCECD375-628F-DA42-A831-7F718D0EB176}"/>
+                <a16:creationId xmlns:a16="http://schemas.microsoft.com/office/drawing/2014/main" id="{FCECD375-628F-DA42-A831-7F718D0EB176}"/>
               </a:ext>
             </a:extLst>
           </p:cNvPr>
@@ -4226,7 +4202,7 @@
           <p:cNvPr id="2" name="Titel 1">
             <a:extLst>
               <a:ext uri="{FF2B5EF4-FFF2-40B4-BE49-F238E27FC236}">
-                <a16:creationId xmlns="" xmlns:a16="http://schemas.microsoft.com/office/drawing/2014/main" id="{80E4E4B0-260E-644D-B091-8D4ECF7CC9B0}"/>
+                <a16:creationId xmlns:a16="http://schemas.microsoft.com/office/drawing/2014/main" id="{80E4E4B0-260E-644D-B091-8D4ECF7CC9B0}"/>
               </a:ext>
             </a:extLst>
           </p:cNvPr>
@@ -4254,7 +4230,7 @@
           <p:cNvPr id="3" name="Inhaltsplatzhalter 2">
             <a:extLst>
               <a:ext uri="{FF2B5EF4-FFF2-40B4-BE49-F238E27FC236}">
-                <a16:creationId xmlns="" xmlns:a16="http://schemas.microsoft.com/office/drawing/2014/main" id="{61D23B07-CED5-CA4E-87AD-D2D5FACA2F01}"/>
+                <a16:creationId xmlns:a16="http://schemas.microsoft.com/office/drawing/2014/main" id="{61D23B07-CED5-CA4E-87AD-D2D5FACA2F01}"/>
               </a:ext>
             </a:extLst>
           </p:cNvPr>
@@ -4291,7 +4267,7 @@
           <p:cNvPr id="4" name="Inhaltsplatzhalter 3">
             <a:extLst>
               <a:ext uri="{FF2B5EF4-FFF2-40B4-BE49-F238E27FC236}">
-                <a16:creationId xmlns="" xmlns:a16="http://schemas.microsoft.com/office/drawing/2014/main" id="{EC933EF0-6705-964F-A423-C4CD1C51F0E3}"/>
+                <a16:creationId xmlns:a16="http://schemas.microsoft.com/office/drawing/2014/main" id="{EC933EF0-6705-964F-A423-C4CD1C51F0E3}"/>
               </a:ext>
             </a:extLst>
           </p:cNvPr>
@@ -4328,7 +4304,7 @@
           <p:cNvPr id="5" name="Datumsplatzhalter 4">
             <a:extLst>
               <a:ext uri="{FF2B5EF4-FFF2-40B4-BE49-F238E27FC236}">
-                <a16:creationId xmlns="" xmlns:a16="http://schemas.microsoft.com/office/drawing/2014/main" id="{4007FD09-99BE-0B4F-877F-711C21654352}"/>
+                <a16:creationId xmlns:a16="http://schemas.microsoft.com/office/drawing/2014/main" id="{4007FD09-99BE-0B4F-877F-711C21654352}"/>
               </a:ext>
             </a:extLst>
           </p:cNvPr>
@@ -4357,7 +4333,7 @@
           <p:cNvPr id="6" name="Fußzeilenplatzhalter 5">
             <a:extLst>
               <a:ext uri="{FF2B5EF4-FFF2-40B4-BE49-F238E27FC236}">
-                <a16:creationId xmlns="" xmlns:a16="http://schemas.microsoft.com/office/drawing/2014/main" id="{25A4E2E0-2F8B-664C-A019-87A33C679F04}"/>
+                <a16:creationId xmlns:a16="http://schemas.microsoft.com/office/drawing/2014/main" id="{25A4E2E0-2F8B-664C-A019-87A33C679F04}"/>
               </a:ext>
             </a:extLst>
           </p:cNvPr>
@@ -4382,7 +4358,7 @@
           <p:cNvPr id="7" name="Foliennummernplatzhalter 6">
             <a:extLst>
               <a:ext uri="{FF2B5EF4-FFF2-40B4-BE49-F238E27FC236}">
-                <a16:creationId xmlns="" xmlns:a16="http://schemas.microsoft.com/office/drawing/2014/main" id="{A5C35ABB-E1A2-344E-A2AE-FB7DB3DB6E4D}"/>
+                <a16:creationId xmlns:a16="http://schemas.microsoft.com/office/drawing/2014/main" id="{A5C35ABB-E1A2-344E-A2AE-FB7DB3DB6E4D}"/>
               </a:ext>
             </a:extLst>
           </p:cNvPr>
@@ -4441,7 +4417,7 @@
           <p:cNvPr id="2" name="Titel 1">
             <a:extLst>
               <a:ext uri="{FF2B5EF4-FFF2-40B4-BE49-F238E27FC236}">
-                <a16:creationId xmlns="" xmlns:a16="http://schemas.microsoft.com/office/drawing/2014/main" id="{90A92756-B025-954F-BB8C-31EAF4F45171}"/>
+                <a16:creationId xmlns:a16="http://schemas.microsoft.com/office/drawing/2014/main" id="{90A92756-B025-954F-BB8C-31EAF4F45171}"/>
               </a:ext>
             </a:extLst>
           </p:cNvPr>
@@ -4474,7 +4450,7 @@
           <p:cNvPr id="3" name="Textplatzhalter 2">
             <a:extLst>
               <a:ext uri="{FF2B5EF4-FFF2-40B4-BE49-F238E27FC236}">
-                <a16:creationId xmlns="" xmlns:a16="http://schemas.microsoft.com/office/drawing/2014/main" id="{497B8FA7-E40E-E04D-8E82-8D25D0FE009D}"/>
+                <a16:creationId xmlns:a16="http://schemas.microsoft.com/office/drawing/2014/main" id="{497B8FA7-E40E-E04D-8E82-8D25D0FE009D}"/>
               </a:ext>
             </a:extLst>
           </p:cNvPr>
@@ -4548,7 +4524,7 @@
           <p:cNvPr id="4" name="Inhaltsplatzhalter 3">
             <a:extLst>
               <a:ext uri="{FF2B5EF4-FFF2-40B4-BE49-F238E27FC236}">
-                <a16:creationId xmlns="" xmlns:a16="http://schemas.microsoft.com/office/drawing/2014/main" id="{9DB891E8-89E7-8D44-827F-D9B3C359A443}"/>
+                <a16:creationId xmlns:a16="http://schemas.microsoft.com/office/drawing/2014/main" id="{9DB891E8-89E7-8D44-827F-D9B3C359A443}"/>
               </a:ext>
             </a:extLst>
           </p:cNvPr>
@@ -4585,7 +4561,7 @@
           <p:cNvPr id="5" name="Textplatzhalter 4">
             <a:extLst>
               <a:ext uri="{FF2B5EF4-FFF2-40B4-BE49-F238E27FC236}">
-                <a16:creationId xmlns="" xmlns:a16="http://schemas.microsoft.com/office/drawing/2014/main" id="{C4A992B5-BEA7-864F-B9A3-B0D6EC89AEB3}"/>
+                <a16:creationId xmlns:a16="http://schemas.microsoft.com/office/drawing/2014/main" id="{C4A992B5-BEA7-864F-B9A3-B0D6EC89AEB3}"/>
               </a:ext>
             </a:extLst>
           </p:cNvPr>
@@ -4659,7 +4635,7 @@
           <p:cNvPr id="6" name="Inhaltsplatzhalter 5">
             <a:extLst>
               <a:ext uri="{FF2B5EF4-FFF2-40B4-BE49-F238E27FC236}">
-                <a16:creationId xmlns="" xmlns:a16="http://schemas.microsoft.com/office/drawing/2014/main" id="{C6F24F96-7021-F04D-BE0C-70D6C357A6AE}"/>
+                <a16:creationId xmlns:a16="http://schemas.microsoft.com/office/drawing/2014/main" id="{C6F24F96-7021-F04D-BE0C-70D6C357A6AE}"/>
               </a:ext>
             </a:extLst>
           </p:cNvPr>
@@ -4696,7 +4672,7 @@
           <p:cNvPr id="7" name="Datumsplatzhalter 6">
             <a:extLst>
               <a:ext uri="{FF2B5EF4-FFF2-40B4-BE49-F238E27FC236}">
-                <a16:creationId xmlns="" xmlns:a16="http://schemas.microsoft.com/office/drawing/2014/main" id="{BE8C1B9C-6184-CB4E-998F-A480AA5D43AB}"/>
+                <a16:creationId xmlns:a16="http://schemas.microsoft.com/office/drawing/2014/main" id="{BE8C1B9C-6184-CB4E-998F-A480AA5D43AB}"/>
               </a:ext>
             </a:extLst>
           </p:cNvPr>
@@ -4725,7 +4701,7 @@
           <p:cNvPr id="8" name="Fußzeilenplatzhalter 7">
             <a:extLst>
               <a:ext uri="{FF2B5EF4-FFF2-40B4-BE49-F238E27FC236}">
-                <a16:creationId xmlns="" xmlns:a16="http://schemas.microsoft.com/office/drawing/2014/main" id="{99C2775A-AE5F-FB42-B461-4A3C859181DF}"/>
+                <a16:creationId xmlns:a16="http://schemas.microsoft.com/office/drawing/2014/main" id="{99C2775A-AE5F-FB42-B461-4A3C859181DF}"/>
               </a:ext>
             </a:extLst>
           </p:cNvPr>
@@ -4750,7 +4726,7 @@
           <p:cNvPr id="9" name="Foliennummernplatzhalter 8">
             <a:extLst>
               <a:ext uri="{FF2B5EF4-FFF2-40B4-BE49-F238E27FC236}">
-                <a16:creationId xmlns="" xmlns:a16="http://schemas.microsoft.com/office/drawing/2014/main" id="{9E7E469E-F8E9-864F-8754-123A6C0AF0FA}"/>
+                <a16:creationId xmlns:a16="http://schemas.microsoft.com/office/drawing/2014/main" id="{9E7E469E-F8E9-864F-8754-123A6C0AF0FA}"/>
               </a:ext>
             </a:extLst>
           </p:cNvPr>
@@ -4809,7 +4785,7 @@
           <p:cNvPr id="2" name="Titel 1">
             <a:extLst>
               <a:ext uri="{FF2B5EF4-FFF2-40B4-BE49-F238E27FC236}">
-                <a16:creationId xmlns="" xmlns:a16="http://schemas.microsoft.com/office/drawing/2014/main" id="{27B83529-C5C5-D144-9F6A-C5D11E437C82}"/>
+                <a16:creationId xmlns:a16="http://schemas.microsoft.com/office/drawing/2014/main" id="{27B83529-C5C5-D144-9F6A-C5D11E437C82}"/>
               </a:ext>
             </a:extLst>
           </p:cNvPr>
@@ -4837,7 +4813,7 @@
           <p:cNvPr id="3" name="Datumsplatzhalter 2">
             <a:extLst>
               <a:ext uri="{FF2B5EF4-FFF2-40B4-BE49-F238E27FC236}">
-                <a16:creationId xmlns="" xmlns:a16="http://schemas.microsoft.com/office/drawing/2014/main" id="{74D3C6F4-02B6-A540-A96A-C806AF1D7567}"/>
+                <a16:creationId xmlns:a16="http://schemas.microsoft.com/office/drawing/2014/main" id="{74D3C6F4-02B6-A540-A96A-C806AF1D7567}"/>
               </a:ext>
             </a:extLst>
           </p:cNvPr>
@@ -4866,7 +4842,7 @@
           <p:cNvPr id="4" name="Fußzeilenplatzhalter 3">
             <a:extLst>
               <a:ext uri="{FF2B5EF4-FFF2-40B4-BE49-F238E27FC236}">
-                <a16:creationId xmlns="" xmlns:a16="http://schemas.microsoft.com/office/drawing/2014/main" id="{4B864B59-4F52-AC41-9BF9-9DF815F6F997}"/>
+                <a16:creationId xmlns:a16="http://schemas.microsoft.com/office/drawing/2014/main" id="{4B864B59-4F52-AC41-9BF9-9DF815F6F997}"/>
               </a:ext>
             </a:extLst>
           </p:cNvPr>
@@ -4891,7 +4867,7 @@
           <p:cNvPr id="5" name="Foliennummernplatzhalter 4">
             <a:extLst>
               <a:ext uri="{FF2B5EF4-FFF2-40B4-BE49-F238E27FC236}">
-                <a16:creationId xmlns="" xmlns:a16="http://schemas.microsoft.com/office/drawing/2014/main" id="{71CB689E-DE78-C74D-AB5B-8D48ABB7E879}"/>
+                <a16:creationId xmlns:a16="http://schemas.microsoft.com/office/drawing/2014/main" id="{71CB689E-DE78-C74D-AB5B-8D48ABB7E879}"/>
               </a:ext>
             </a:extLst>
           </p:cNvPr>
@@ -4950,7 +4926,7 @@
           <p:cNvPr id="2" name="Datumsplatzhalter 1">
             <a:extLst>
               <a:ext uri="{FF2B5EF4-FFF2-40B4-BE49-F238E27FC236}">
-                <a16:creationId xmlns="" xmlns:a16="http://schemas.microsoft.com/office/drawing/2014/main" id="{5BC291DB-90BD-9241-99D8-1F5124577947}"/>
+                <a16:creationId xmlns:a16="http://schemas.microsoft.com/office/drawing/2014/main" id="{5BC291DB-90BD-9241-99D8-1F5124577947}"/>
               </a:ext>
             </a:extLst>
           </p:cNvPr>
@@ -4979,7 +4955,7 @@
           <p:cNvPr id="3" name="Fußzeilenplatzhalter 2">
             <a:extLst>
               <a:ext uri="{FF2B5EF4-FFF2-40B4-BE49-F238E27FC236}">
-                <a16:creationId xmlns="" xmlns:a16="http://schemas.microsoft.com/office/drawing/2014/main" id="{4E7EC7FC-159A-C44F-876B-3776F19A851A}"/>
+                <a16:creationId xmlns:a16="http://schemas.microsoft.com/office/drawing/2014/main" id="{4E7EC7FC-159A-C44F-876B-3776F19A851A}"/>
               </a:ext>
             </a:extLst>
           </p:cNvPr>
@@ -5004,7 +4980,7 @@
           <p:cNvPr id="4" name="Foliennummernplatzhalter 3">
             <a:extLst>
               <a:ext uri="{FF2B5EF4-FFF2-40B4-BE49-F238E27FC236}">
-                <a16:creationId xmlns="" xmlns:a16="http://schemas.microsoft.com/office/drawing/2014/main" id="{1DB2D74F-318D-EE4A-9108-D8BB5459A64E}"/>
+                <a16:creationId xmlns:a16="http://schemas.microsoft.com/office/drawing/2014/main" id="{1DB2D74F-318D-EE4A-9108-D8BB5459A64E}"/>
               </a:ext>
             </a:extLst>
           </p:cNvPr>
@@ -5063,7 +5039,7 @@
           <p:cNvPr id="2" name="Titel 1">
             <a:extLst>
               <a:ext uri="{FF2B5EF4-FFF2-40B4-BE49-F238E27FC236}">
-                <a16:creationId xmlns="" xmlns:a16="http://schemas.microsoft.com/office/drawing/2014/main" id="{1F503ED0-8A44-D44C-8A18-A34E562AAAB3}"/>
+                <a16:creationId xmlns:a16="http://schemas.microsoft.com/office/drawing/2014/main" id="{1F503ED0-8A44-D44C-8A18-A34E562AAAB3}"/>
               </a:ext>
             </a:extLst>
           </p:cNvPr>
@@ -5100,7 +5076,7 @@
           <p:cNvPr id="3" name="Inhaltsplatzhalter 2">
             <a:extLst>
               <a:ext uri="{FF2B5EF4-FFF2-40B4-BE49-F238E27FC236}">
-                <a16:creationId xmlns="" xmlns:a16="http://schemas.microsoft.com/office/drawing/2014/main" id="{D3932178-D92F-7848-9D38-3F69B5D68A5F}"/>
+                <a16:creationId xmlns:a16="http://schemas.microsoft.com/office/drawing/2014/main" id="{D3932178-D92F-7848-9D38-3F69B5D68A5F}"/>
               </a:ext>
             </a:extLst>
           </p:cNvPr>
@@ -5165,7 +5141,7 @@
           <p:cNvPr id="4" name="Textplatzhalter 3">
             <a:extLst>
               <a:ext uri="{FF2B5EF4-FFF2-40B4-BE49-F238E27FC236}">
-                <a16:creationId xmlns="" xmlns:a16="http://schemas.microsoft.com/office/drawing/2014/main" id="{5C6AA2F8-50ED-3647-AEA1-E34559135061}"/>
+                <a16:creationId xmlns:a16="http://schemas.microsoft.com/office/drawing/2014/main" id="{5C6AA2F8-50ED-3647-AEA1-E34559135061}"/>
               </a:ext>
             </a:extLst>
           </p:cNvPr>
@@ -5239,7 +5215,7 @@
           <p:cNvPr id="5" name="Datumsplatzhalter 4">
             <a:extLst>
               <a:ext uri="{FF2B5EF4-FFF2-40B4-BE49-F238E27FC236}">
-                <a16:creationId xmlns="" xmlns:a16="http://schemas.microsoft.com/office/drawing/2014/main" id="{BC5543C1-9669-C64B-9EBE-5E94B1E17274}"/>
+                <a16:creationId xmlns:a16="http://schemas.microsoft.com/office/drawing/2014/main" id="{BC5543C1-9669-C64B-9EBE-5E94B1E17274}"/>
               </a:ext>
             </a:extLst>
           </p:cNvPr>
@@ -5268,7 +5244,7 @@
           <p:cNvPr id="6" name="Fußzeilenplatzhalter 5">
             <a:extLst>
               <a:ext uri="{FF2B5EF4-FFF2-40B4-BE49-F238E27FC236}">
-                <a16:creationId xmlns="" xmlns:a16="http://schemas.microsoft.com/office/drawing/2014/main" id="{54557C59-F283-944A-816A-C03DD83F3A97}"/>
+                <a16:creationId xmlns:a16="http://schemas.microsoft.com/office/drawing/2014/main" id="{54557C59-F283-944A-816A-C03DD83F3A97}"/>
               </a:ext>
             </a:extLst>
           </p:cNvPr>
@@ -5293,7 +5269,7 @@
           <p:cNvPr id="7" name="Foliennummernplatzhalter 6">
             <a:extLst>
               <a:ext uri="{FF2B5EF4-FFF2-40B4-BE49-F238E27FC236}">
-                <a16:creationId xmlns="" xmlns:a16="http://schemas.microsoft.com/office/drawing/2014/main" id="{6179C710-E331-EE4C-93AE-08FB8966BF32}"/>
+                <a16:creationId xmlns:a16="http://schemas.microsoft.com/office/drawing/2014/main" id="{6179C710-E331-EE4C-93AE-08FB8966BF32}"/>
               </a:ext>
             </a:extLst>
           </p:cNvPr>
@@ -5352,7 +5328,7 @@
           <p:cNvPr id="2" name="Titel 1">
             <a:extLst>
               <a:ext uri="{FF2B5EF4-FFF2-40B4-BE49-F238E27FC236}">
-                <a16:creationId xmlns="" xmlns:a16="http://schemas.microsoft.com/office/drawing/2014/main" id="{AD2ECE74-C933-E44E-95B1-F16000E13C95}"/>
+                <a16:creationId xmlns:a16="http://schemas.microsoft.com/office/drawing/2014/main" id="{AD2ECE74-C933-E44E-95B1-F16000E13C95}"/>
               </a:ext>
             </a:extLst>
           </p:cNvPr>
@@ -5389,7 +5365,7 @@
           <p:cNvPr id="3" name="Bildplatzhalter 2">
             <a:extLst>
               <a:ext uri="{FF2B5EF4-FFF2-40B4-BE49-F238E27FC236}">
-                <a16:creationId xmlns="" xmlns:a16="http://schemas.microsoft.com/office/drawing/2014/main" id="{03FEF7E5-F3DF-5141-83FE-98C75B214B39}"/>
+                <a16:creationId xmlns:a16="http://schemas.microsoft.com/office/drawing/2014/main" id="{03FEF7E5-F3DF-5141-83FE-98C75B214B39}"/>
               </a:ext>
             </a:extLst>
           </p:cNvPr>
@@ -5456,7 +5432,7 @@
           <p:cNvPr id="4" name="Textplatzhalter 3">
             <a:extLst>
               <a:ext uri="{FF2B5EF4-FFF2-40B4-BE49-F238E27FC236}">
-                <a16:creationId xmlns="" xmlns:a16="http://schemas.microsoft.com/office/drawing/2014/main" id="{6CB8AA1C-0014-1E4C-94BD-C32414268D3A}"/>
+                <a16:creationId xmlns:a16="http://schemas.microsoft.com/office/drawing/2014/main" id="{6CB8AA1C-0014-1E4C-94BD-C32414268D3A}"/>
               </a:ext>
             </a:extLst>
           </p:cNvPr>
@@ -5530,7 +5506,7 @@
           <p:cNvPr id="5" name="Datumsplatzhalter 4">
             <a:extLst>
               <a:ext uri="{FF2B5EF4-FFF2-40B4-BE49-F238E27FC236}">
-                <a16:creationId xmlns="" xmlns:a16="http://schemas.microsoft.com/office/drawing/2014/main" id="{3E12F7FF-A4AE-0749-83D0-9E8694912287}"/>
+                <a16:creationId xmlns:a16="http://schemas.microsoft.com/office/drawing/2014/main" id="{3E12F7FF-A4AE-0749-83D0-9E8694912287}"/>
               </a:ext>
             </a:extLst>
           </p:cNvPr>
@@ -5559,7 +5535,7 @@
           <p:cNvPr id="6" name="Fußzeilenplatzhalter 5">
             <a:extLst>
               <a:ext uri="{FF2B5EF4-FFF2-40B4-BE49-F238E27FC236}">
-                <a16:creationId xmlns="" xmlns:a16="http://schemas.microsoft.com/office/drawing/2014/main" id="{0F1B4690-838E-E14E-B13F-D7C19E602E64}"/>
+                <a16:creationId xmlns:a16="http://schemas.microsoft.com/office/drawing/2014/main" id="{0F1B4690-838E-E14E-B13F-D7C19E602E64}"/>
               </a:ext>
             </a:extLst>
           </p:cNvPr>
@@ -5584,7 +5560,7 @@
           <p:cNvPr id="7" name="Foliennummernplatzhalter 6">
             <a:extLst>
               <a:ext uri="{FF2B5EF4-FFF2-40B4-BE49-F238E27FC236}">
-                <a16:creationId xmlns="" xmlns:a16="http://schemas.microsoft.com/office/drawing/2014/main" id="{7A8D8463-A954-6748-9879-ADC8AF02B50D}"/>
+                <a16:creationId xmlns:a16="http://schemas.microsoft.com/office/drawing/2014/main" id="{7A8D8463-A954-6748-9879-ADC8AF02B50D}"/>
               </a:ext>
             </a:extLst>
           </p:cNvPr>
@@ -5651,7 +5627,7 @@
           <p:cNvPr id="2" name="Titelplatzhalter 1">
             <a:extLst>
               <a:ext uri="{FF2B5EF4-FFF2-40B4-BE49-F238E27FC236}">
-                <a16:creationId xmlns="" xmlns:a16="http://schemas.microsoft.com/office/drawing/2014/main" id="{F3BBD851-5D2A-0241-81EC-77B06DAD8D51}"/>
+                <a16:creationId xmlns:a16="http://schemas.microsoft.com/office/drawing/2014/main" id="{F3BBD851-5D2A-0241-81EC-77B06DAD8D51}"/>
               </a:ext>
             </a:extLst>
           </p:cNvPr>
@@ -5689,7 +5665,7 @@
           <p:cNvPr id="3" name="Textplatzhalter 2">
             <a:extLst>
               <a:ext uri="{FF2B5EF4-FFF2-40B4-BE49-F238E27FC236}">
-                <a16:creationId xmlns="" xmlns:a16="http://schemas.microsoft.com/office/drawing/2014/main" id="{6AF28E1A-8C3C-824D-A69D-B77AD2003BE1}"/>
+                <a16:creationId xmlns:a16="http://schemas.microsoft.com/office/drawing/2014/main" id="{6AF28E1A-8C3C-824D-A69D-B77AD2003BE1}"/>
               </a:ext>
             </a:extLst>
           </p:cNvPr>
@@ -5731,7 +5707,7 @@
           <p:cNvPr id="4" name="Datumsplatzhalter 3">
             <a:extLst>
               <a:ext uri="{FF2B5EF4-FFF2-40B4-BE49-F238E27FC236}">
-                <a16:creationId xmlns="" xmlns:a16="http://schemas.microsoft.com/office/drawing/2014/main" id="{14F36C74-AEF6-324A-939D-781EA85E6B37}"/>
+                <a16:creationId xmlns:a16="http://schemas.microsoft.com/office/drawing/2014/main" id="{14F36C74-AEF6-324A-939D-781EA85E6B37}"/>
               </a:ext>
             </a:extLst>
           </p:cNvPr>
@@ -5778,7 +5754,7 @@
           <p:cNvPr id="5" name="Fußzeilenplatzhalter 4">
             <a:extLst>
               <a:ext uri="{FF2B5EF4-FFF2-40B4-BE49-F238E27FC236}">
-                <a16:creationId xmlns="" xmlns:a16="http://schemas.microsoft.com/office/drawing/2014/main" id="{CF454ED0-5B84-894F-BB54-EE635A5499CA}"/>
+                <a16:creationId xmlns:a16="http://schemas.microsoft.com/office/drawing/2014/main" id="{CF454ED0-5B84-894F-BB54-EE635A5499CA}"/>
               </a:ext>
             </a:extLst>
           </p:cNvPr>
@@ -5821,7 +5797,7 @@
           <p:cNvPr id="6" name="Foliennummernplatzhalter 5">
             <a:extLst>
               <a:ext uri="{FF2B5EF4-FFF2-40B4-BE49-F238E27FC236}">
-                <a16:creationId xmlns="" xmlns:a16="http://schemas.microsoft.com/office/drawing/2014/main" id="{A276BFAA-BED4-FD44-A7A3-E7419BE028A8}"/>
+                <a16:creationId xmlns:a16="http://schemas.microsoft.com/office/drawing/2014/main" id="{A276BFAA-BED4-FD44-A7A3-E7419BE028A8}"/>
               </a:ext>
             </a:extLst>
           </p:cNvPr>
@@ -6197,10 +6173,10 @@
           <p:cNvPr id="26" name="Rectangle 25">
             <a:extLst>
               <a:ext uri="{FF2B5EF4-FFF2-40B4-BE49-F238E27FC236}">
-                <a16:creationId xmlns="" xmlns:a16="http://schemas.microsoft.com/office/drawing/2014/main" id="{6F9EB9F2-07E2-4D64-BBD8-BB5B217F1218}"/>
+                <a16:creationId xmlns:a16="http://schemas.microsoft.com/office/drawing/2014/main" id="{6F9EB9F2-07E2-4D64-BBD8-BB5B217F1218}"/>
               </a:ext>
               <a:ext uri="{C183D7F6-B498-43B3-948B-1728B52AA6E4}">
-                <adec:decorative xmlns="" xmlns:adec="http://schemas.microsoft.com/office/drawing/2017/decorative" val="1"/>
+                <adec:decorative xmlns:adec="http://schemas.microsoft.com/office/drawing/2017/decorative" val="1"/>
               </a:ext>
             </a:extLst>
           </p:cNvPr>
@@ -6210,7 +6186,7 @@
           <p:nvPr>
             <p:extLst>
               <p:ext uri="{386F3935-93C4-4BCD-93E2-E3B085C9AB24}">
-                <p16:designElem xmlns="" xmlns:p16="http://schemas.microsoft.com/office/powerpoint/2015/main" val="1"/>
+                <p16:designElem xmlns:p16="http://schemas.microsoft.com/office/powerpoint/2015/main" val="1"/>
               </p:ext>
             </p:extLst>
           </p:nvPr>
@@ -6262,7 +6238,7 @@
           <p:cNvPr id="2" name="Titel 1">
             <a:extLst>
               <a:ext uri="{FF2B5EF4-FFF2-40B4-BE49-F238E27FC236}">
-                <a16:creationId xmlns="" xmlns:a16="http://schemas.microsoft.com/office/drawing/2014/main" id="{3E2C9346-6092-1E41-B6A4-C53308C7DFBF}"/>
+                <a16:creationId xmlns:a16="http://schemas.microsoft.com/office/drawing/2014/main" id="{3E2C9346-6092-1E41-B6A4-C53308C7DFBF}"/>
               </a:ext>
             </a:extLst>
           </p:cNvPr>
@@ -6310,10 +6286,10 @@
           <p:cNvPr id="28" name="Straight Connector 27">
             <a:extLst>
               <a:ext uri="{FF2B5EF4-FFF2-40B4-BE49-F238E27FC236}">
-                <a16:creationId xmlns="" xmlns:a16="http://schemas.microsoft.com/office/drawing/2014/main" id="{F0C57C7C-DFE9-4A1E-B7A9-DF40E63366BB}"/>
+                <a16:creationId xmlns:a16="http://schemas.microsoft.com/office/drawing/2014/main" id="{F0C57C7C-DFE9-4A1E-B7A9-DF40E63366BB}"/>
               </a:ext>
               <a:ext uri="{C183D7F6-B498-43B3-948B-1728B52AA6E4}">
-                <adec:decorative xmlns="" xmlns:adec="http://schemas.microsoft.com/office/drawing/2017/decorative" val="1"/>
+                <adec:decorative xmlns:adec="http://schemas.microsoft.com/office/drawing/2017/decorative" val="1"/>
               </a:ext>
             </a:extLst>
           </p:cNvPr>
@@ -6323,7 +6299,7 @@
           <p:nvPr>
             <p:extLst>
               <p:ext uri="{386F3935-93C4-4BCD-93E2-E3B085C9AB24}">
-                <p16:designElem xmlns="" xmlns:p16="http://schemas.microsoft.com/office/powerpoint/2015/main" val="1"/>
+                <p16:designElem xmlns:p16="http://schemas.microsoft.com/office/powerpoint/2015/main" val="1"/>
               </p:ext>
             </p:extLst>
           </p:nvPr>
@@ -6382,13 +6358,6 @@
       </p:transition>
     </mc:Fallback>
   </mc:AlternateContent>
-  <p:timing>
-    <p:tnLst>
-      <p:par>
-        <p:cTn id="1" dur="indefinite" restart="never" nodeType="tmRoot"/>
-      </p:par>
-    </p:tnLst>
-  </p:timing>
 </p:sld>
 </file>
 
@@ -6422,10 +6391,10 @@
           <p:cNvPr id="8" name="Rectangle 7">
             <a:extLst>
               <a:ext uri="{FF2B5EF4-FFF2-40B4-BE49-F238E27FC236}">
-                <a16:creationId xmlns="" xmlns:a16="http://schemas.microsoft.com/office/drawing/2014/main" id="{8D70B121-56F4-4848-B38B-182089D909FA}"/>
+                <a16:creationId xmlns:a16="http://schemas.microsoft.com/office/drawing/2014/main" id="{8D70B121-56F4-4848-B38B-182089D909FA}"/>
               </a:ext>
               <a:ext uri="{C183D7F6-B498-43B3-948B-1728B52AA6E4}">
-                <adec:decorative xmlns="" xmlns:adec="http://schemas.microsoft.com/office/drawing/2017/decorative" val="1"/>
+                <adec:decorative xmlns:adec="http://schemas.microsoft.com/office/drawing/2017/decorative" val="1"/>
               </a:ext>
             </a:extLst>
           </p:cNvPr>
@@ -6435,7 +6404,7 @@
           <p:nvPr>
             <p:extLst>
               <p:ext uri="{386F3935-93C4-4BCD-93E2-E3B085C9AB24}">
-                <p16:designElem xmlns="" xmlns:p16="http://schemas.microsoft.com/office/powerpoint/2015/main" val="1"/>
+                <p16:designElem xmlns:p16="http://schemas.microsoft.com/office/powerpoint/2015/main" val="1"/>
               </p:ext>
             </p:extLst>
           </p:nvPr>
@@ -6487,7 +6456,7 @@
           <p:cNvPr id="2" name="Titel 1">
             <a:extLst>
               <a:ext uri="{FF2B5EF4-FFF2-40B4-BE49-F238E27FC236}">
-                <a16:creationId xmlns="" xmlns:a16="http://schemas.microsoft.com/office/drawing/2014/main" id="{0B5D0F8F-C92F-BC46-ACC4-7A21698DD272}"/>
+                <a16:creationId xmlns:a16="http://schemas.microsoft.com/office/drawing/2014/main" id="{0B5D0F8F-C92F-BC46-ACC4-7A21698DD272}"/>
               </a:ext>
             </a:extLst>
           </p:cNvPr>
@@ -6527,10 +6496,10 @@
           <p:cNvPr id="10" name="Straight Connector 9">
             <a:extLst>
               <a:ext uri="{FF2B5EF4-FFF2-40B4-BE49-F238E27FC236}">
-                <a16:creationId xmlns="" xmlns:a16="http://schemas.microsoft.com/office/drawing/2014/main" id="{2D72A2C9-F3CA-4216-8BAD-FA4C970C3C4E}"/>
+                <a16:creationId xmlns:a16="http://schemas.microsoft.com/office/drawing/2014/main" id="{2D72A2C9-F3CA-4216-8BAD-FA4C970C3C4E}"/>
               </a:ext>
               <a:ext uri="{C183D7F6-B498-43B3-948B-1728B52AA6E4}">
-                <adec:decorative xmlns="" xmlns:adec="http://schemas.microsoft.com/office/drawing/2017/decorative" val="1"/>
+                <adec:decorative xmlns:adec="http://schemas.microsoft.com/office/drawing/2017/decorative" val="1"/>
               </a:ext>
             </a:extLst>
           </p:cNvPr>
@@ -6540,7 +6509,7 @@
           <p:nvPr>
             <p:extLst>
               <p:ext uri="{386F3935-93C4-4BCD-93E2-E3B085C9AB24}">
-                <p16:designElem xmlns="" xmlns:p16="http://schemas.microsoft.com/office/powerpoint/2015/main" val="1"/>
+                <p16:designElem xmlns:p16="http://schemas.microsoft.com/office/powerpoint/2015/main" val="1"/>
               </p:ext>
             </p:extLst>
           </p:nvPr>
@@ -6582,7 +6551,7 @@
           <p:cNvPr id="3" name="Inhaltsplatzhalter 2">
             <a:extLst>
               <a:ext uri="{FF2B5EF4-FFF2-40B4-BE49-F238E27FC236}">
-                <a16:creationId xmlns="" xmlns:a16="http://schemas.microsoft.com/office/drawing/2014/main" id="{692C889E-3E0C-9E40-9512-4230892B2B42}"/>
+                <a16:creationId xmlns:a16="http://schemas.microsoft.com/office/drawing/2014/main" id="{692C889E-3E0C-9E40-9512-4230892B2B42}"/>
               </a:ext>
             </a:extLst>
           </p:cNvPr>
@@ -6656,16 +6625,15 @@
           <a:p>
             <a:pPr lvl="1"/>
             <a:r>
-              <a:rPr lang="de-DE" sz="2000" dirty="0" smtClean="0"/>
+              <a:rPr lang="de-DE" sz="2000" dirty="0"/>
               <a:t>Präsentation des Ergebnisses</a:t>
             </a:r>
           </a:p>
           <a:p>
             <a:r>
-              <a:rPr lang="de-DE" sz="2400" dirty="0" smtClean="0"/>
+              <a:rPr lang="de-DE" sz="2400" dirty="0"/>
               <a:t>Fazit </a:t>
             </a:r>
-            <a:endParaRPr lang="de-DE" sz="2400" dirty="0"/>
           </a:p>
         </p:txBody>
       </p:sp>
@@ -6679,13 +6647,6 @@
   <p:clrMapOvr>
     <a:masterClrMapping/>
   </p:clrMapOvr>
-  <p:timing>
-    <p:tnLst>
-      <p:par>
-        <p:cTn id="1" dur="indefinite" restart="never" nodeType="tmRoot"/>
-      </p:par>
-    </p:tnLst>
-  </p:timing>
 </p:sld>
 </file>
 
@@ -6716,13 +6677,13 @@
       </p:grpSpPr>
       <p:sp>
         <p:nvSpPr>
-          <p:cNvPr id="19" name="Rectangle 18">
+          <p:cNvPr id="8" name="Rectangle 7">
             <a:extLst>
               <a:ext uri="{FF2B5EF4-FFF2-40B4-BE49-F238E27FC236}">
-                <a16:creationId xmlns="" xmlns:a16="http://schemas.microsoft.com/office/drawing/2014/main" id="{8D70B121-56F4-4848-B38B-182089D909FA}"/>
+                <a16:creationId xmlns:a16="http://schemas.microsoft.com/office/drawing/2014/main" id="{8D70B121-56F4-4848-B38B-182089D909FA}"/>
               </a:ext>
               <a:ext uri="{C183D7F6-B498-43B3-948B-1728B52AA6E4}">
-                <adec:decorative xmlns="" xmlns:adec="http://schemas.microsoft.com/office/drawing/2017/decorative" val="1"/>
+                <adec:decorative xmlns:adec="http://schemas.microsoft.com/office/drawing/2017/decorative" val="1"/>
               </a:ext>
             </a:extLst>
           </p:cNvPr>
@@ -6732,7 +6693,7 @@
           <p:nvPr>
             <p:extLst>
               <p:ext uri="{386F3935-93C4-4BCD-93E2-E3B085C9AB24}">
-                <p16:designElem xmlns="" xmlns:p16="http://schemas.microsoft.com/office/powerpoint/2015/main" val="1"/>
+                <p16:designElem xmlns:p16="http://schemas.microsoft.com/office/powerpoint/2015/main" val="1"/>
               </p:ext>
             </p:extLst>
           </p:nvPr>
@@ -6774,8 +6735,37 @@
           <a:bodyPr rtlCol="0" anchor="ctr"/>
           <a:lstStyle/>
           <a:p>
-            <a:pPr algn="ctr"/>
-            <a:endParaRPr lang="en-US"/>
+            <a:pPr marL="0" marR="0" lvl="0" indent="0" algn="ctr" defTabSz="914400" rtl="0" eaLnBrk="1" fontAlgn="auto" latinLnBrk="0" hangingPunct="1">
+              <a:lnSpc>
+                <a:spcPct val="100000"/>
+              </a:lnSpc>
+              <a:spcBef>
+                <a:spcPts val="0"/>
+              </a:spcBef>
+              <a:spcAft>
+                <a:spcPts val="0"/>
+              </a:spcAft>
+              <a:buClrTx/>
+              <a:buSzTx/>
+              <a:buFontTx/>
+              <a:buNone/>
+              <a:tabLst/>
+              <a:defRPr/>
+            </a:pPr>
+            <a:endParaRPr kumimoji="0" lang="en-US" sz="1800" b="0" i="0" u="none" strike="noStrike" kern="1200" cap="none" spc="0" normalizeH="0" baseline="0" noProof="0">
+              <a:ln>
+                <a:noFill/>
+              </a:ln>
+              <a:solidFill>
+                <a:prstClr val="white"/>
+              </a:solidFill>
+              <a:effectLst/>
+              <a:uLnTx/>
+              <a:uFillTx/>
+              <a:latin typeface="Calibri" panose="020F0502020204030204"/>
+              <a:ea typeface="+mn-ea"/>
+              <a:cs typeface="+mn-cs"/>
+            </a:endParaRPr>
           </a:p>
         </p:txBody>
       </p:sp>
@@ -6784,7 +6774,7 @@
           <p:cNvPr id="2" name="Titel 1">
             <a:extLst>
               <a:ext uri="{FF2B5EF4-FFF2-40B4-BE49-F238E27FC236}">
-                <a16:creationId xmlns="" xmlns:a16="http://schemas.microsoft.com/office/drawing/2014/main" id="{35BFDC70-A169-E142-B051-5ABC9190E094}"/>
+                <a16:creationId xmlns:a16="http://schemas.microsoft.com/office/drawing/2014/main" id="{0B5D0F8F-C92F-BC46-ACC4-7A21698DD272}"/>
               </a:ext>
             </a:extLst>
           </p:cNvPr>
@@ -6797,48 +6787,34 @@
         </p:nvSpPr>
         <p:spPr>
           <a:xfrm>
-            <a:off x="321564" y="963877"/>
-            <a:ext cx="4250436" cy="4930246"/>
+            <a:off x="838200" y="963877"/>
+            <a:ext cx="3494362" cy="4930246"/>
           </a:xfrm>
         </p:spPr>
         <p:txBody>
-          <a:bodyPr vert="horz" lIns="91440" tIns="45720" rIns="91440" bIns="45720" rtlCol="0">
+          <a:bodyPr>
             <a:normAutofit/>
           </a:bodyPr>
           <a:lstStyle/>
           <a:p>
-            <a:pPr algn="ctr"/>
-            <a:r>
-              <a:rPr lang="en-US" kern="1200" dirty="0" err="1">
-                <a:solidFill>
-                  <a:schemeClr val="accent1"/>
-                </a:solidFill>
-                <a:latin typeface="+mj-lt"/>
-                <a:ea typeface="+mj-ea"/>
-                <a:cs typeface="+mj-cs"/>
-              </a:rPr>
-              <a:t>Aufgabenstellung</a:t>
-            </a:r>
-            <a:endParaRPr lang="en-US" kern="1200" dirty="0">
+            <a:pPr algn="r"/>
+            <a:endParaRPr lang="de-DE" dirty="0">
               <a:solidFill>
                 <a:schemeClr val="accent1"/>
               </a:solidFill>
-              <a:latin typeface="+mj-lt"/>
-              <a:ea typeface="+mj-ea"/>
-              <a:cs typeface="+mj-cs"/>
             </a:endParaRPr>
           </a:p>
         </p:txBody>
       </p:sp>
       <p:cxnSp>
         <p:nvCxnSpPr>
-          <p:cNvPr id="21" name="Straight Connector 20">
+          <p:cNvPr id="10" name="Straight Connector 9">
             <a:extLst>
               <a:ext uri="{FF2B5EF4-FFF2-40B4-BE49-F238E27FC236}">
-                <a16:creationId xmlns="" xmlns:a16="http://schemas.microsoft.com/office/drawing/2014/main" id="{2D72A2C9-F3CA-4216-8BAD-FA4C970C3C4E}"/>
+                <a16:creationId xmlns:a16="http://schemas.microsoft.com/office/drawing/2014/main" id="{2D72A2C9-F3CA-4216-8BAD-FA4C970C3C4E}"/>
               </a:ext>
               <a:ext uri="{C183D7F6-B498-43B3-948B-1728B52AA6E4}">
-                <adec:decorative xmlns="" xmlns:adec="http://schemas.microsoft.com/office/drawing/2017/decorative" val="1"/>
+                <adec:decorative xmlns:adec="http://schemas.microsoft.com/office/drawing/2017/decorative" val="1"/>
               </a:ext>
             </a:extLst>
           </p:cNvPr>
@@ -6848,7 +6824,7 @@
           <p:nvPr>
             <p:extLst>
               <p:ext uri="{386F3935-93C4-4BCD-93E2-E3B085C9AB24}">
-                <p16:designElem xmlns="" xmlns:p16="http://schemas.microsoft.com/office/powerpoint/2015/main" val="1"/>
+                <p16:designElem xmlns:p16="http://schemas.microsoft.com/office/powerpoint/2015/main" val="1"/>
               </p:ext>
             </p:extLst>
           </p:nvPr>
@@ -6885,107 +6861,132 @@
           </a:fontRef>
         </p:style>
       </p:cxnSp>
-      <mc:AlternateContent xmlns:mc="http://schemas.openxmlformats.org/markup-compatibility/2006">
-        <mc:Choice xmlns="" xmlns:pslz="http://schemas.microsoft.com/office/powerpoint/2016/slidezoom" Requires="pslz">
-          <p:graphicFrame>
-            <p:nvGraphicFramePr>
-              <p:cNvPr id="10" name="Folienzoom 9">
-                <a:extLst>
-                  <a:ext uri="{FF2B5EF4-FFF2-40B4-BE49-F238E27FC236}">
-                    <a16:creationId xmlns:a16="http://schemas.microsoft.com/office/drawing/2014/main" id="{B215CFD4-A22E-BE4F-9AB9-4E33929D0E8E}"/>
-                  </a:ext>
-                </a:extLst>
-              </p:cNvPr>
-              <p:cNvGraphicFramePr>
-                <a:graphicFrameLocks noChangeAspect="1"/>
-              </p:cNvGraphicFramePr>
-              <p:nvPr>
-                <p:extLst>
-                  <p:ext uri="{D42A27DB-BD31-4B8C-83A1-F6EECF244321}">
-                    <p14:modId xmlns:p14="http://schemas.microsoft.com/office/powerpoint/2010/main" val="3247223462"/>
-                  </p:ext>
-                </p:extLst>
-              </p:nvPr>
-            </p:nvGraphicFramePr>
-            <p:xfrm>
-              <a:off x="6096000" y="2149955"/>
-              <a:ext cx="4547713" cy="2558089"/>
-            </p:xfrm>
-            <a:graphic>
-              <a:graphicData uri="http://schemas.microsoft.com/office/powerpoint/2016/slidezoom">
-                <pslz:sldZm>
-                  <pslz:sldZmObj sldId="280" cId="3341833323">
-                    <pslz:zmPr id="{0A281CB1-4FB9-AB4A-AC90-C09EBC61CB7D}" returnToParent="0" transitionDur="1000">
-                      <p166:blipFill xmlns:p166="http://schemas.microsoft.com/office/powerpoint/2016/6/main">
-                        <a:blip r:embed="rId3"/>
-                        <a:stretch>
-                          <a:fillRect/>
-                        </a:stretch>
-                      </p166:blipFill>
-                      <p166:spPr xmlns:p166="http://schemas.microsoft.com/office/powerpoint/2016/6/main">
-                        <a:xfrm>
-                          <a:off x="0" y="0"/>
-                          <a:ext cx="4547713" cy="2558089"/>
-                        </a:xfrm>
-                        <a:prstGeom prst="rect">
-                          <a:avLst/>
-                        </a:prstGeom>
-                        <a:ln w="3175">
-                          <a:solidFill>
-                            <a:prstClr val="ltGray"/>
-                          </a:solidFill>
-                        </a:ln>
-                      </p166:spPr>
-                    </pslz:zmPr>
-                  </pslz:sldZmObj>
-                </pslz:sldZm>
-              </a:graphicData>
-            </a:graphic>
-          </p:graphicFrame>
-        </mc:Choice>
-        <mc:Fallback>
-          <p:pic>
-            <p:nvPicPr>
-              <p:cNvPr id="10" name="Folienzoom 9">
-                <a:hlinkClick r:id="rId4" action="ppaction://hlinksldjump"/>
-                <a:extLst>
-                  <a:ext uri="{FF2B5EF4-FFF2-40B4-BE49-F238E27FC236}">
-                    <a16:creationId xmlns:pslz="http://schemas.microsoft.com/office/powerpoint/2016/slidezoom" xmlns="" xmlns:a16="http://schemas.microsoft.com/office/drawing/2014/main" id="{B215CFD4-A22E-BE4F-9AB9-4E33929D0E8E}"/>
-                  </a:ext>
-                </a:extLst>
-              </p:cNvPr>
-              <p:cNvPicPr>
-                <a:picLocks noGrp="1" noRot="1" noChangeAspect="1" noMove="1" noResize="1" noEditPoints="1" noAdjustHandles="1" noChangeArrowheads="1" noChangeShapeType="1"/>
-              </p:cNvPicPr>
-              <p:nvPr/>
-            </p:nvPicPr>
-            <p:blipFill>
-              <a:blip r:embed="rId5"/>
-              <a:stretch>
-                <a:fillRect/>
-              </a:stretch>
-            </p:blipFill>
-            <p:spPr>
-              <a:xfrm>
-                <a:off x="6096000" y="2149955"/>
-                <a:ext cx="4547713" cy="2558089"/>
-              </a:xfrm>
-              <a:prstGeom prst="rect">
-                <a:avLst/>
-              </a:prstGeom>
-              <a:ln w="3175">
-                <a:solidFill>
-                  <a:prstClr val="ltGray"/>
-                </a:solidFill>
-              </a:ln>
-            </p:spPr>
-          </p:pic>
-        </mc:Fallback>
-      </mc:AlternateContent>
+      <p:sp>
+        <p:nvSpPr>
+          <p:cNvPr id="3" name="Inhaltsplatzhalter 2">
+            <a:extLst>
+              <a:ext uri="{FF2B5EF4-FFF2-40B4-BE49-F238E27FC236}">
+                <a16:creationId xmlns:a16="http://schemas.microsoft.com/office/drawing/2014/main" id="{692C889E-3E0C-9E40-9512-4230892B2B42}"/>
+              </a:ext>
+            </a:extLst>
+          </p:cNvPr>
+          <p:cNvSpPr>
+            <a:spLocks noGrp="1"/>
+          </p:cNvSpPr>
+          <p:nvPr>
+            <p:ph idx="1"/>
+          </p:nvPr>
+        </p:nvSpPr>
+        <p:spPr>
+          <a:xfrm>
+            <a:off x="4976031" y="963877"/>
+            <a:ext cx="6377769" cy="4930246"/>
+          </a:xfrm>
+        </p:spPr>
+        <p:txBody>
+          <a:bodyPr anchor="ctr">
+            <a:normAutofit/>
+          </a:bodyPr>
+          <a:lstStyle/>
+          <a:p>
+            <a:endParaRPr lang="de-DE" sz="2400" dirty="0"/>
+          </a:p>
+        </p:txBody>
+      </p:sp>
+      <p:pic>
+        <p:nvPicPr>
+          <p:cNvPr id="6" name="Grafik 5" descr="Ein Bild, das Objekt, Armleuchter enthält.&#10;&#10;Automatisch generierte Beschreibung">
+            <a:extLst>
+              <a:ext uri="{FF2B5EF4-FFF2-40B4-BE49-F238E27FC236}">
+                <a16:creationId xmlns:a16="http://schemas.microsoft.com/office/drawing/2014/main" id="{42AE886E-AF0B-4F78-8C5C-F5EEBC312DAF}"/>
+              </a:ext>
+            </a:extLst>
+          </p:cNvPr>
+          <p:cNvPicPr>
+            <a:picLocks noChangeAspect="1"/>
+          </p:cNvPicPr>
+          <p:nvPr/>
+        </p:nvPicPr>
+        <p:blipFill>
+          <a:blip r:embed="rId3"/>
+          <a:stretch>
+            <a:fillRect/>
+          </a:stretch>
+        </p:blipFill>
+        <p:spPr>
+          <a:xfrm>
+            <a:off x="562599" y="557703"/>
+            <a:ext cx="5722879" cy="6119079"/>
+          </a:xfrm>
+          <a:prstGeom prst="rect">
+            <a:avLst/>
+          </a:prstGeom>
+        </p:spPr>
+      </p:pic>
+      <p:pic>
+        <p:nvPicPr>
+          <p:cNvPr id="7" name="Grafik 6">
+            <a:extLst>
+              <a:ext uri="{FF2B5EF4-FFF2-40B4-BE49-F238E27FC236}">
+                <a16:creationId xmlns:a16="http://schemas.microsoft.com/office/drawing/2014/main" id="{672EC0A2-866C-4221-BFFF-1AF5DB69558C}"/>
+              </a:ext>
+            </a:extLst>
+          </p:cNvPr>
+          <p:cNvPicPr>
+            <a:picLocks noChangeAspect="1"/>
+          </p:cNvPicPr>
+          <p:nvPr/>
+        </p:nvPicPr>
+        <p:blipFill>
+          <a:blip r:embed="rId4"/>
+          <a:stretch>
+            <a:fillRect/>
+          </a:stretch>
+        </p:blipFill>
+        <p:spPr>
+          <a:xfrm>
+            <a:off x="6928947" y="963877"/>
+            <a:ext cx="4553953" cy="5185853"/>
+          </a:xfrm>
+          <a:prstGeom prst="rect">
+            <a:avLst/>
+          </a:prstGeom>
+        </p:spPr>
+      </p:pic>
+      <p:pic>
+        <p:nvPicPr>
+          <p:cNvPr id="9" name="Grafik 8" descr="Ein Bild, das Gebäude, draußen, Zaun, Boden enthält.&#10;&#10;Automatisch generierte Beschreibung">
+            <a:extLst>
+              <a:ext uri="{FF2B5EF4-FFF2-40B4-BE49-F238E27FC236}">
+                <a16:creationId xmlns:a16="http://schemas.microsoft.com/office/drawing/2014/main" id="{B45F9E0C-8779-45C9-B45D-AD0B7A8E3EB2}"/>
+              </a:ext>
+            </a:extLst>
+          </p:cNvPr>
+          <p:cNvPicPr>
+            <a:picLocks noChangeAspect="1"/>
+          </p:cNvPicPr>
+          <p:nvPr/>
+        </p:nvPicPr>
+        <p:blipFill>
+          <a:blip r:embed="rId5"/>
+          <a:stretch>
+            <a:fillRect/>
+          </a:stretch>
+        </p:blipFill>
+        <p:spPr>
+          <a:xfrm>
+            <a:off x="321564" y="82061"/>
+            <a:ext cx="11548872" cy="6496240"/>
+          </a:xfrm>
+          <a:prstGeom prst="rect">
+            <a:avLst/>
+          </a:prstGeom>
+        </p:spPr>
+      </p:pic>
     </p:spTree>
     <p:extLst>
       <p:ext uri="{BB962C8B-B14F-4D97-AF65-F5344CB8AC3E}">
-        <p14:creationId xmlns:p14="http://schemas.microsoft.com/office/powerpoint/2010/main" val="1068006670"/>
+        <p14:creationId xmlns:p14="http://schemas.microsoft.com/office/powerpoint/2010/main" val="816862948"/>
       </p:ext>
     </p:extLst>
   </p:cSld>
@@ -6995,7 +6996,189 @@
   <p:timing>
     <p:tnLst>
       <p:par>
-        <p:cTn id="1" dur="indefinite" restart="never" nodeType="tmRoot"/>
+        <p:cTn id="1" dur="indefinite" restart="never" nodeType="tmRoot">
+          <p:childTnLst>
+            <p:seq concurrent="1" nextAc="seek">
+              <p:cTn id="2" dur="indefinite" nodeType="mainSeq">
+                <p:childTnLst>
+                  <p:par>
+                    <p:cTn id="3" fill="hold">
+                      <p:stCondLst>
+                        <p:cond delay="indefinite"/>
+                      </p:stCondLst>
+                      <p:childTnLst>
+                        <p:par>
+                          <p:cTn id="4" fill="hold">
+                            <p:stCondLst>
+                              <p:cond delay="0"/>
+                            </p:stCondLst>
+                            <p:childTnLst>
+                              <p:par>
+                                <p:cTn id="5" presetID="10" presetClass="entr" presetSubtype="0" fill="hold" nodeType="clickEffect">
+                                  <p:stCondLst>
+                                    <p:cond delay="0"/>
+                                  </p:stCondLst>
+                                  <p:childTnLst>
+                                    <p:set>
+                                      <p:cBhvr>
+                                        <p:cTn id="6" dur="1" fill="hold">
+                                          <p:stCondLst>
+                                            <p:cond delay="0"/>
+                                          </p:stCondLst>
+                                        </p:cTn>
+                                        <p:tgtEl>
+                                          <p:spTgt spid="6"/>
+                                        </p:tgtEl>
+                                        <p:attrNameLst>
+                                          <p:attrName>style.visibility</p:attrName>
+                                        </p:attrNameLst>
+                                      </p:cBhvr>
+                                      <p:to>
+                                        <p:strVal val="visible"/>
+                                      </p:to>
+                                    </p:set>
+                                    <p:animEffect transition="in" filter="fade">
+                                      <p:cBhvr>
+                                        <p:cTn id="7" dur="500"/>
+                                        <p:tgtEl>
+                                          <p:spTgt spid="6"/>
+                                        </p:tgtEl>
+                                      </p:cBhvr>
+                                    </p:animEffect>
+                                  </p:childTnLst>
+                                </p:cTn>
+                              </p:par>
+                            </p:childTnLst>
+                          </p:cTn>
+                        </p:par>
+                      </p:childTnLst>
+                    </p:cTn>
+                  </p:par>
+                  <p:par>
+                    <p:cTn id="8" fill="hold">
+                      <p:stCondLst>
+                        <p:cond delay="indefinite"/>
+                      </p:stCondLst>
+                      <p:childTnLst>
+                        <p:par>
+                          <p:cTn id="9" fill="hold">
+                            <p:stCondLst>
+                              <p:cond delay="0"/>
+                            </p:stCondLst>
+                            <p:childTnLst>
+                              <p:par>
+                                <p:cTn id="10" presetID="10" presetClass="entr" presetSubtype="0" fill="hold" nodeType="clickEffect">
+                                  <p:stCondLst>
+                                    <p:cond delay="0"/>
+                                  </p:stCondLst>
+                                  <p:childTnLst>
+                                    <p:set>
+                                      <p:cBhvr>
+                                        <p:cTn id="11" dur="1" fill="hold">
+                                          <p:stCondLst>
+                                            <p:cond delay="0"/>
+                                          </p:stCondLst>
+                                        </p:cTn>
+                                        <p:tgtEl>
+                                          <p:spTgt spid="7"/>
+                                        </p:tgtEl>
+                                        <p:attrNameLst>
+                                          <p:attrName>style.visibility</p:attrName>
+                                        </p:attrNameLst>
+                                      </p:cBhvr>
+                                      <p:to>
+                                        <p:strVal val="visible"/>
+                                      </p:to>
+                                    </p:set>
+                                    <p:animEffect transition="in" filter="fade">
+                                      <p:cBhvr>
+                                        <p:cTn id="12" dur="500"/>
+                                        <p:tgtEl>
+                                          <p:spTgt spid="7"/>
+                                        </p:tgtEl>
+                                      </p:cBhvr>
+                                    </p:animEffect>
+                                  </p:childTnLst>
+                                </p:cTn>
+                              </p:par>
+                            </p:childTnLst>
+                          </p:cTn>
+                        </p:par>
+                      </p:childTnLst>
+                    </p:cTn>
+                  </p:par>
+                  <p:par>
+                    <p:cTn id="13" fill="hold">
+                      <p:stCondLst>
+                        <p:cond delay="indefinite"/>
+                      </p:stCondLst>
+                      <p:childTnLst>
+                        <p:par>
+                          <p:cTn id="14" fill="hold">
+                            <p:stCondLst>
+                              <p:cond delay="0"/>
+                            </p:stCondLst>
+                            <p:childTnLst>
+                              <p:par>
+                                <p:cTn id="15" presetID="10" presetClass="entr" presetSubtype="0" fill="hold" nodeType="clickEffect">
+                                  <p:stCondLst>
+                                    <p:cond delay="0"/>
+                                  </p:stCondLst>
+                                  <p:childTnLst>
+                                    <p:set>
+                                      <p:cBhvr>
+                                        <p:cTn id="16" dur="1" fill="hold">
+                                          <p:stCondLst>
+                                            <p:cond delay="0"/>
+                                          </p:stCondLst>
+                                        </p:cTn>
+                                        <p:tgtEl>
+                                          <p:spTgt spid="9"/>
+                                        </p:tgtEl>
+                                        <p:attrNameLst>
+                                          <p:attrName>style.visibility</p:attrName>
+                                        </p:attrNameLst>
+                                      </p:cBhvr>
+                                      <p:to>
+                                        <p:strVal val="visible"/>
+                                      </p:to>
+                                    </p:set>
+                                    <p:animEffect transition="in" filter="fade">
+                                      <p:cBhvr>
+                                        <p:cTn id="17" dur="500"/>
+                                        <p:tgtEl>
+                                          <p:spTgt spid="9"/>
+                                        </p:tgtEl>
+                                      </p:cBhvr>
+                                    </p:animEffect>
+                                  </p:childTnLst>
+                                </p:cTn>
+                              </p:par>
+                            </p:childTnLst>
+                          </p:cTn>
+                        </p:par>
+                      </p:childTnLst>
+                    </p:cTn>
+                  </p:par>
+                </p:childTnLst>
+              </p:cTn>
+              <p:prevCondLst>
+                <p:cond evt="onPrev" delay="0">
+                  <p:tgtEl>
+                    <p:sldTgt/>
+                  </p:tgtEl>
+                </p:cond>
+              </p:prevCondLst>
+              <p:nextCondLst>
+                <p:cond evt="onNext" delay="0">
+                  <p:tgtEl>
+                    <p:sldTgt/>
+                  </p:tgtEl>
+                </p:cond>
+              </p:nextCondLst>
+            </p:seq>
+          </p:childTnLst>
+        </p:cTn>
       </p:par>
     </p:tnLst>
   </p:timing>
@@ -7032,10 +7215,10 @@
           <p:cNvPr id="19" name="Rectangle 18">
             <a:extLst>
               <a:ext uri="{FF2B5EF4-FFF2-40B4-BE49-F238E27FC236}">
-                <a16:creationId xmlns="" xmlns:a16="http://schemas.microsoft.com/office/drawing/2014/main" id="{8D70B121-56F4-4848-B38B-182089D909FA}"/>
+                <a16:creationId xmlns:a16="http://schemas.microsoft.com/office/drawing/2014/main" id="{8D70B121-56F4-4848-B38B-182089D909FA}"/>
               </a:ext>
               <a:ext uri="{C183D7F6-B498-43B3-948B-1728B52AA6E4}">
-                <adec:decorative xmlns="" xmlns:adec="http://schemas.microsoft.com/office/drawing/2017/decorative" val="1"/>
+                <adec:decorative xmlns:adec="http://schemas.microsoft.com/office/drawing/2017/decorative" val="1"/>
               </a:ext>
             </a:extLst>
           </p:cNvPr>
@@ -7045,7 +7228,7 @@
           <p:nvPr>
             <p:extLst>
               <p:ext uri="{386F3935-93C4-4BCD-93E2-E3B085C9AB24}">
-                <p16:designElem xmlns="" xmlns:p16="http://schemas.microsoft.com/office/powerpoint/2015/main" val="1"/>
+                <p16:designElem xmlns:p16="http://schemas.microsoft.com/office/powerpoint/2015/main" val="1"/>
               </p:ext>
             </p:extLst>
           </p:nvPr>
@@ -7092,15 +7275,66 @@
           </a:p>
         </p:txBody>
       </p:sp>
+      <p:sp>
+        <p:nvSpPr>
+          <p:cNvPr id="2" name="Titel 1">
+            <a:extLst>
+              <a:ext uri="{FF2B5EF4-FFF2-40B4-BE49-F238E27FC236}">
+                <a16:creationId xmlns:a16="http://schemas.microsoft.com/office/drawing/2014/main" id="{35BFDC70-A169-E142-B051-5ABC9190E094}"/>
+              </a:ext>
+            </a:extLst>
+          </p:cNvPr>
+          <p:cNvSpPr>
+            <a:spLocks noGrp="1"/>
+          </p:cNvSpPr>
+          <p:nvPr>
+            <p:ph type="title"/>
+          </p:nvPr>
+        </p:nvSpPr>
+        <p:spPr>
+          <a:xfrm>
+            <a:off x="838200" y="963877"/>
+            <a:ext cx="3494362" cy="4930246"/>
+          </a:xfrm>
+        </p:spPr>
+        <p:txBody>
+          <a:bodyPr vert="horz" lIns="91440" tIns="45720" rIns="91440" bIns="45720" rtlCol="0">
+            <a:normAutofit/>
+          </a:bodyPr>
+          <a:lstStyle/>
+          <a:p>
+            <a:pPr algn="ctr"/>
+            <a:r>
+              <a:rPr lang="en-US" kern="1200" dirty="0" err="1">
+                <a:solidFill>
+                  <a:schemeClr val="accent1"/>
+                </a:solidFill>
+                <a:latin typeface="+mj-lt"/>
+                <a:ea typeface="+mj-ea"/>
+                <a:cs typeface="+mj-cs"/>
+              </a:rPr>
+              <a:t>Ziel</a:t>
+            </a:r>
+            <a:endParaRPr lang="en-US" kern="1200" dirty="0">
+              <a:solidFill>
+                <a:schemeClr val="accent1"/>
+              </a:solidFill>
+              <a:latin typeface="+mj-lt"/>
+              <a:ea typeface="+mj-ea"/>
+              <a:cs typeface="+mj-cs"/>
+            </a:endParaRPr>
+          </a:p>
+        </p:txBody>
+      </p:sp>
       <p:cxnSp>
         <p:nvCxnSpPr>
           <p:cNvPr id="21" name="Straight Connector 20">
             <a:extLst>
               <a:ext uri="{FF2B5EF4-FFF2-40B4-BE49-F238E27FC236}">
-                <a16:creationId xmlns="" xmlns:a16="http://schemas.microsoft.com/office/drawing/2014/main" id="{2D72A2C9-F3CA-4216-8BAD-FA4C970C3C4E}"/>
+                <a16:creationId xmlns:a16="http://schemas.microsoft.com/office/drawing/2014/main" id="{2D72A2C9-F3CA-4216-8BAD-FA4C970C3C4E}"/>
               </a:ext>
               <a:ext uri="{C183D7F6-B498-43B3-948B-1728B52AA6E4}">
-                <adec:decorative xmlns="" xmlns:adec="http://schemas.microsoft.com/office/drawing/2017/decorative" val="1"/>
+                <adec:decorative xmlns:adec="http://schemas.microsoft.com/office/drawing/2017/decorative" val="1"/>
               </a:ext>
             </a:extLst>
           </p:cNvPr>
@@ -7110,7 +7344,7 @@
           <p:nvPr>
             <p:extLst>
               <p:ext uri="{386F3935-93C4-4BCD-93E2-E3B085C9AB24}">
-                <p16:designElem xmlns="" xmlns:p16="http://schemas.microsoft.com/office/powerpoint/2015/main" val="1"/>
+                <p16:designElem xmlns:p16="http://schemas.microsoft.com/office/powerpoint/2015/main" val="1"/>
               </p:ext>
             </p:extLst>
           </p:nvPr>
@@ -7147,53 +7381,84 @@
           </a:fontRef>
         </p:style>
       </p:cxnSp>
-      <p:pic>
-        <p:nvPicPr>
-          <p:cNvPr id="4" name="Grafik 3" descr="Ein Bild, das Screenshot enthält.&#10;&#10;Automatisch generierte Beschreibung">
+      <p:sp>
+        <p:nvSpPr>
+          <p:cNvPr id="8" name="Inhaltsplatzhalter 4">
             <a:extLst>
               <a:ext uri="{FF2B5EF4-FFF2-40B4-BE49-F238E27FC236}">
-                <a16:creationId xmlns="" xmlns:a16="http://schemas.microsoft.com/office/drawing/2014/main" id="{CA8E3E2A-3140-AC49-8635-006BC43846E8}"/>
+                <a16:creationId xmlns:a16="http://schemas.microsoft.com/office/drawing/2014/main" id="{A8E625C4-6DB1-9D42-BFEA-DE37A6F928F3}"/>
               </a:ext>
             </a:extLst>
           </p:cNvPr>
-          <p:cNvPicPr>
-            <a:picLocks noChangeAspect="1"/>
-          </p:cNvPicPr>
-          <p:nvPr/>
-        </p:nvPicPr>
-        <p:blipFill>
-          <a:blip r:embed="rId3"/>
-          <a:stretch>
-            <a:fillRect/>
-          </a:stretch>
-        </p:blipFill>
+          <p:cNvSpPr>
+            <a:spLocks noGrp="1"/>
+          </p:cNvSpPr>
+          <p:nvPr>
+            <p:ph idx="1"/>
+          </p:nvPr>
+        </p:nvSpPr>
         <p:spPr>
           <a:xfrm>
-            <a:off x="1016393" y="1153885"/>
-            <a:ext cx="10159213" cy="4385129"/>
+            <a:off x="5097419" y="963877"/>
+            <a:ext cx="5686424" cy="4930246"/>
           </a:xfrm>
-          <a:prstGeom prst="rect">
-            <a:avLst/>
-          </a:prstGeom>
         </p:spPr>
-      </p:pic>
+        <p:txBody>
+          <a:bodyPr anchor="ctr">
+            <a:normAutofit/>
+          </a:bodyPr>
+          <a:lstStyle/>
+          <a:p>
+            <a:pPr marL="0" indent="0">
+              <a:buNone/>
+            </a:pPr>
+            <a:r>
+              <a:rPr lang="de-DE" u="sng" dirty="0"/>
+              <a:t>2 Ziele:</a:t>
+            </a:r>
+          </a:p>
+          <a:p>
+            <a:r>
+              <a:rPr lang="de-DE" dirty="0"/>
+              <a:t>Die transportierte Menge soll maximiert werden</a:t>
+            </a:r>
+          </a:p>
+          <a:p>
+            <a:pPr marL="0" indent="0">
+              <a:buNone/>
+            </a:pPr>
+            <a:r>
+              <a:rPr lang="de-DE" dirty="0"/>
+              <a:t>     -&gt; Maximaler Fluss ()</a:t>
+            </a:r>
+          </a:p>
+          <a:p>
+            <a:r>
+              <a:rPr lang="de-DE" dirty="0"/>
+              <a:t>Eine bestimmte Menge zu minimalen Transportkosten</a:t>
+            </a:r>
+          </a:p>
+          <a:p>
+            <a:pPr marL="0" indent="0">
+              <a:buNone/>
+            </a:pPr>
+            <a:r>
+              <a:rPr lang="de-DE" dirty="0"/>
+              <a:t>      -&gt; Transportkosten Problem</a:t>
+            </a:r>
+          </a:p>
+        </p:txBody>
+      </p:sp>
     </p:spTree>
     <p:extLst>
       <p:ext uri="{BB962C8B-B14F-4D97-AF65-F5344CB8AC3E}">
-        <p14:creationId xmlns:p14="http://schemas.microsoft.com/office/powerpoint/2010/main" val="3341833323"/>
+        <p14:creationId xmlns:p14="http://schemas.microsoft.com/office/powerpoint/2010/main" val="3963641023"/>
       </p:ext>
     </p:extLst>
   </p:cSld>
   <p:clrMapOvr>
     <a:masterClrMapping/>
   </p:clrMapOvr>
-  <p:timing>
-    <p:tnLst>
-      <p:par>
-        <p:cTn id="1" dur="indefinite" restart="never" nodeType="tmRoot"/>
-      </p:par>
-    </p:tnLst>
-  </p:timing>
 </p:sld>
 </file>
 
@@ -7224,13 +7489,13 @@
       </p:grpSpPr>
       <p:sp>
         <p:nvSpPr>
-          <p:cNvPr id="19" name="Rectangle 18">
+          <p:cNvPr id="8" name="Rectangle 7">
             <a:extLst>
               <a:ext uri="{FF2B5EF4-FFF2-40B4-BE49-F238E27FC236}">
-                <a16:creationId xmlns="" xmlns:a16="http://schemas.microsoft.com/office/drawing/2014/main" id="{8D70B121-56F4-4848-B38B-182089D909FA}"/>
+                <a16:creationId xmlns:a16="http://schemas.microsoft.com/office/drawing/2014/main" id="{8D70B121-56F4-4848-B38B-182089D909FA}"/>
               </a:ext>
               <a:ext uri="{C183D7F6-B498-43B3-948B-1728B52AA6E4}">
-                <adec:decorative xmlns="" xmlns:adec="http://schemas.microsoft.com/office/drawing/2017/decorative" val="1"/>
+                <adec:decorative xmlns:adec="http://schemas.microsoft.com/office/drawing/2017/decorative" val="1"/>
               </a:ext>
             </a:extLst>
           </p:cNvPr>
@@ -7240,7 +7505,7 @@
           <p:nvPr>
             <p:extLst>
               <p:ext uri="{386F3935-93C4-4BCD-93E2-E3B085C9AB24}">
-                <p16:designElem xmlns="" xmlns:p16="http://schemas.microsoft.com/office/powerpoint/2015/main" val="1"/>
+                <p16:designElem xmlns:p16="http://schemas.microsoft.com/office/powerpoint/2015/main" val="1"/>
               </p:ext>
             </p:extLst>
           </p:nvPr>
@@ -7292,7 +7557,7 @@
           <p:cNvPr id="2" name="Titel 1">
             <a:extLst>
               <a:ext uri="{FF2B5EF4-FFF2-40B4-BE49-F238E27FC236}">
-                <a16:creationId xmlns="" xmlns:a16="http://schemas.microsoft.com/office/drawing/2014/main" id="{35BFDC70-A169-E142-B051-5ABC9190E094}"/>
+                <a16:creationId xmlns:a16="http://schemas.microsoft.com/office/drawing/2014/main" id="{0B5D0F8F-C92F-BC46-ACC4-7A21698DD272}"/>
               </a:ext>
             </a:extLst>
           </p:cNvPr>
@@ -7310,43 +7575,32 @@
           </a:xfrm>
         </p:spPr>
         <p:txBody>
-          <a:bodyPr vert="horz" lIns="91440" tIns="45720" rIns="91440" bIns="45720" rtlCol="0">
+          <a:bodyPr>
             <a:normAutofit/>
           </a:bodyPr>
           <a:lstStyle/>
           <a:p>
-            <a:pPr algn="ctr"/>
-            <a:r>
-              <a:rPr lang="en-US" kern="1200" dirty="0" err="1">
+            <a:pPr algn="r"/>
+            <a:r>
+              <a:rPr lang="de-DE" dirty="0">
                 <a:solidFill>
                   <a:schemeClr val="accent1"/>
                 </a:solidFill>
-                <a:latin typeface="+mj-lt"/>
-                <a:ea typeface="+mj-ea"/>
-                <a:cs typeface="+mj-cs"/>
               </a:rPr>
-              <a:t>Ziel</a:t>
-            </a:r>
-            <a:endParaRPr lang="en-US" kern="1200" dirty="0">
-              <a:solidFill>
-                <a:schemeClr val="accent1"/>
-              </a:solidFill>
-              <a:latin typeface="+mj-lt"/>
-              <a:ea typeface="+mj-ea"/>
-              <a:cs typeface="+mj-cs"/>
-            </a:endParaRPr>
+              <a:t>Gliederung	</a:t>
+            </a:r>
           </a:p>
         </p:txBody>
       </p:sp>
       <p:cxnSp>
         <p:nvCxnSpPr>
-          <p:cNvPr id="21" name="Straight Connector 20">
+          <p:cNvPr id="10" name="Straight Connector 9">
             <a:extLst>
               <a:ext uri="{FF2B5EF4-FFF2-40B4-BE49-F238E27FC236}">
-                <a16:creationId xmlns="" xmlns:a16="http://schemas.microsoft.com/office/drawing/2014/main" id="{2D72A2C9-F3CA-4216-8BAD-FA4C970C3C4E}"/>
+                <a16:creationId xmlns:a16="http://schemas.microsoft.com/office/drawing/2014/main" id="{2D72A2C9-F3CA-4216-8BAD-FA4C970C3C4E}"/>
               </a:ext>
               <a:ext uri="{C183D7F6-B498-43B3-948B-1728B52AA6E4}">
-                <adec:decorative xmlns="" xmlns:adec="http://schemas.microsoft.com/office/drawing/2017/decorative" val="1"/>
+                <adec:decorative xmlns:adec="http://schemas.microsoft.com/office/drawing/2017/decorative" val="1"/>
               </a:ext>
             </a:extLst>
           </p:cNvPr>
@@ -7356,7 +7610,7 @@
           <p:nvPr>
             <p:extLst>
               <p:ext uri="{386F3935-93C4-4BCD-93E2-E3B085C9AB24}">
-                <p16:designElem xmlns="" xmlns:p16="http://schemas.microsoft.com/office/powerpoint/2015/main" val="1"/>
+                <p16:designElem xmlns:p16="http://schemas.microsoft.com/office/powerpoint/2015/main" val="1"/>
               </p:ext>
             </p:extLst>
           </p:nvPr>
@@ -7395,10 +7649,10 @@
       </p:cxnSp>
       <p:sp>
         <p:nvSpPr>
-          <p:cNvPr id="8" name="Inhaltsplatzhalter 4">
+          <p:cNvPr id="3" name="Inhaltsplatzhalter 2">
             <a:extLst>
               <a:ext uri="{FF2B5EF4-FFF2-40B4-BE49-F238E27FC236}">
-                <a16:creationId xmlns="" xmlns:a16="http://schemas.microsoft.com/office/drawing/2014/main" id="{A8E625C4-6DB1-9D42-BFEA-DE37A6F928F3}"/>
+                <a16:creationId xmlns:a16="http://schemas.microsoft.com/office/drawing/2014/main" id="{692C889E-3E0C-9E40-9512-4230892B2B42}"/>
               </a:ext>
             </a:extLst>
           </p:cNvPr>
@@ -7411,8 +7665,8 @@
         </p:nvSpPr>
         <p:spPr>
           <a:xfrm>
-            <a:off x="5097419" y="963877"/>
-            <a:ext cx="5686424" cy="4930246"/>
+            <a:off x="4976031" y="963877"/>
+            <a:ext cx="6377769" cy="4930246"/>
           </a:xfrm>
         </p:spPr>
         <p:txBody>
@@ -7421,24 +7675,64 @@
           </a:bodyPr>
           <a:lstStyle/>
           <a:p>
-            <a:pPr marL="0" indent="0">
-              <a:buNone/>
-            </a:pPr>
-            <a:r>
-              <a:rPr lang="de-DE" u="sng" dirty="0"/>
-              <a:t>2 Ziele:</a:t>
-            </a:r>
-          </a:p>
-          <a:p>
             <a:r>
               <a:rPr lang="de-DE" sz="2400" dirty="0"/>
-              <a:t>Die transportierte Menge soll maximiert werden</a:t>
+              <a:t>Einführung in das Thema</a:t>
             </a:r>
           </a:p>
           <a:p>
             <a:r>
               <a:rPr lang="de-DE" sz="2400" dirty="0"/>
-              <a:t>Eine bestimmte Menge zu minimalen Transportkosten</a:t>
+              <a:t>Theoretische Grundlagen</a:t>
+            </a:r>
+          </a:p>
+          <a:p>
+            <a:pPr lvl="1"/>
+            <a:r>
+              <a:rPr lang="de-DE" sz="2000" dirty="0"/>
+              <a:t>Anwendungen</a:t>
+            </a:r>
+          </a:p>
+          <a:p>
+            <a:r>
+              <a:rPr lang="de-DE" sz="2400" dirty="0"/>
+              <a:t>Aufgabenstellung</a:t>
+            </a:r>
+          </a:p>
+          <a:p>
+            <a:r>
+              <a:rPr lang="de-DE" sz="2400" dirty="0">
+                <a:solidFill>
+                  <a:schemeClr val="accent1"/>
+                </a:solidFill>
+              </a:rPr>
+              <a:t>Implementierung</a:t>
+            </a:r>
+          </a:p>
+          <a:p>
+            <a:pPr lvl="1"/>
+            <a:r>
+              <a:rPr lang="de-DE" sz="2000" dirty="0"/>
+              <a:t>Herangehensweise </a:t>
+            </a:r>
+          </a:p>
+          <a:p>
+            <a:pPr lvl="1"/>
+            <a:r>
+              <a:rPr lang="de-DE" sz="2000" dirty="0"/>
+              <a:t>Einführung in den Code</a:t>
+            </a:r>
+          </a:p>
+          <a:p>
+            <a:r>
+              <a:rPr lang="de-DE" sz="2400" dirty="0"/>
+              <a:t>Präsentation des Ergebnisses</a:t>
+            </a:r>
+          </a:p>
+          <a:p>
+            <a:r>
+              <a:rPr lang="de-DE" sz="2400" dirty="0"/>
+              <a:t>Fazit </a:t>
             </a:r>
           </a:p>
         </p:txBody>
@@ -7446,20 +7740,13 @@
     </p:spTree>
     <p:extLst>
       <p:ext uri="{BB962C8B-B14F-4D97-AF65-F5344CB8AC3E}">
-        <p14:creationId xmlns:p14="http://schemas.microsoft.com/office/powerpoint/2010/main" val="3963641023"/>
+        <p14:creationId xmlns:p14="http://schemas.microsoft.com/office/powerpoint/2010/main" val="2089299263"/>
       </p:ext>
     </p:extLst>
   </p:cSld>
   <p:clrMapOvr>
     <a:masterClrMapping/>
   </p:clrMapOvr>
-  <p:timing>
-    <p:tnLst>
-      <p:par>
-        <p:cTn id="1" dur="indefinite" restart="never" nodeType="tmRoot"/>
-      </p:par>
-    </p:tnLst>
-  </p:timing>
 </p:sld>
 </file>
 
@@ -7490,13 +7777,13 @@
       </p:grpSpPr>
       <p:sp>
         <p:nvSpPr>
-          <p:cNvPr id="8" name="Rectangle 7">
+          <p:cNvPr id="19" name="Rectangle 18">
             <a:extLst>
               <a:ext uri="{FF2B5EF4-FFF2-40B4-BE49-F238E27FC236}">
-                <a16:creationId xmlns="" xmlns:a16="http://schemas.microsoft.com/office/drawing/2014/main" id="{8D70B121-56F4-4848-B38B-182089D909FA}"/>
+                <a16:creationId xmlns:a16="http://schemas.microsoft.com/office/drawing/2014/main" id="{8D70B121-56F4-4848-B38B-182089D909FA}"/>
               </a:ext>
               <a:ext uri="{C183D7F6-B498-43B3-948B-1728B52AA6E4}">
-                <adec:decorative xmlns="" xmlns:adec="http://schemas.microsoft.com/office/drawing/2017/decorative" val="1"/>
+                <adec:decorative xmlns:adec="http://schemas.microsoft.com/office/drawing/2017/decorative" val="1"/>
               </a:ext>
             </a:extLst>
           </p:cNvPr>
@@ -7506,7 +7793,7 @@
           <p:nvPr>
             <p:extLst>
               <p:ext uri="{386F3935-93C4-4BCD-93E2-E3B085C9AB24}">
-                <p16:designElem xmlns="" xmlns:p16="http://schemas.microsoft.com/office/powerpoint/2015/main" val="1"/>
+                <p16:designElem xmlns:p16="http://schemas.microsoft.com/office/powerpoint/2015/main" val="1"/>
               </p:ext>
             </p:extLst>
           </p:nvPr>
@@ -7558,7 +7845,7 @@
           <p:cNvPr id="2" name="Titel 1">
             <a:extLst>
               <a:ext uri="{FF2B5EF4-FFF2-40B4-BE49-F238E27FC236}">
-                <a16:creationId xmlns="" xmlns:a16="http://schemas.microsoft.com/office/drawing/2014/main" id="{0B5D0F8F-C92F-BC46-ACC4-7A21698DD272}"/>
+                <a16:creationId xmlns:a16="http://schemas.microsoft.com/office/drawing/2014/main" id="{35BFDC70-A169-E142-B051-5ABC9190E094}"/>
               </a:ext>
             </a:extLst>
           </p:cNvPr>
@@ -7571,37 +7858,45 @@
         </p:nvSpPr>
         <p:spPr>
           <a:xfrm>
-            <a:off x="838200" y="963877"/>
-            <a:ext cx="3494362" cy="4930246"/>
+            <a:off x="861390" y="963877"/>
+            <a:ext cx="3471171" cy="4930246"/>
           </a:xfrm>
         </p:spPr>
         <p:txBody>
-          <a:bodyPr>
+          <a:bodyPr vert="horz" lIns="91440" tIns="45720" rIns="91440" bIns="45720" rtlCol="0">
             <a:normAutofit/>
           </a:bodyPr>
           <a:lstStyle/>
           <a:p>
-            <a:pPr algn="r"/>
-            <a:r>
-              <a:rPr lang="de-DE" dirty="0">
+            <a:pPr algn="ctr"/>
+            <a:r>
+              <a:rPr lang="en-US" dirty="0" err="1">
                 <a:solidFill>
                   <a:schemeClr val="accent1"/>
                 </a:solidFill>
               </a:rPr>
-              <a:t>Gliederung	</a:t>
-            </a:r>
+              <a:t>Herangehens-weise</a:t>
+            </a:r>
+            <a:endParaRPr lang="en-US" kern="1200" dirty="0">
+              <a:solidFill>
+                <a:schemeClr val="accent1"/>
+              </a:solidFill>
+              <a:latin typeface="+mj-lt"/>
+              <a:ea typeface="+mj-ea"/>
+              <a:cs typeface="+mj-cs"/>
+            </a:endParaRPr>
           </a:p>
         </p:txBody>
       </p:sp>
       <p:cxnSp>
         <p:nvCxnSpPr>
-          <p:cNvPr id="10" name="Straight Connector 9">
+          <p:cNvPr id="21" name="Straight Connector 20">
             <a:extLst>
               <a:ext uri="{FF2B5EF4-FFF2-40B4-BE49-F238E27FC236}">
-                <a16:creationId xmlns="" xmlns:a16="http://schemas.microsoft.com/office/drawing/2014/main" id="{2D72A2C9-F3CA-4216-8BAD-FA4C970C3C4E}"/>
+                <a16:creationId xmlns:a16="http://schemas.microsoft.com/office/drawing/2014/main" id="{2D72A2C9-F3CA-4216-8BAD-FA4C970C3C4E}"/>
               </a:ext>
               <a:ext uri="{C183D7F6-B498-43B3-948B-1728B52AA6E4}">
-                <adec:decorative xmlns="" xmlns:adec="http://schemas.microsoft.com/office/drawing/2017/decorative" val="1"/>
+                <adec:decorative xmlns:adec="http://schemas.microsoft.com/office/drawing/2017/decorative" val="1"/>
               </a:ext>
             </a:extLst>
           </p:cNvPr>
@@ -7611,7 +7906,7 @@
           <p:nvPr>
             <p:extLst>
               <p:ext uri="{386F3935-93C4-4BCD-93E2-E3B085C9AB24}">
-                <p16:designElem xmlns="" xmlns:p16="http://schemas.microsoft.com/office/powerpoint/2015/main" val="1"/>
+                <p16:designElem xmlns:p16="http://schemas.microsoft.com/office/powerpoint/2015/main" val="1"/>
               </p:ext>
             </p:extLst>
           </p:nvPr>
@@ -7650,10 +7945,10 @@
       </p:cxnSp>
       <p:sp>
         <p:nvSpPr>
-          <p:cNvPr id="3" name="Inhaltsplatzhalter 2">
+          <p:cNvPr id="8" name="Inhaltsplatzhalter 4">
             <a:extLst>
               <a:ext uri="{FF2B5EF4-FFF2-40B4-BE49-F238E27FC236}">
-                <a16:creationId xmlns="" xmlns:a16="http://schemas.microsoft.com/office/drawing/2014/main" id="{692C889E-3E0C-9E40-9512-4230892B2B42}"/>
+                <a16:creationId xmlns:a16="http://schemas.microsoft.com/office/drawing/2014/main" id="{A8E625C4-6DB1-9D42-BFEA-DE37A6F928F3}"/>
               </a:ext>
             </a:extLst>
           </p:cNvPr>
@@ -7666,8 +7961,8 @@
         </p:nvSpPr>
         <p:spPr>
           <a:xfrm>
-            <a:off x="4976031" y="963877"/>
-            <a:ext cx="6377769" cy="4930246"/>
+            <a:off x="5097419" y="963877"/>
+            <a:ext cx="5686424" cy="4930246"/>
           </a:xfrm>
         </p:spPr>
         <p:txBody>
@@ -7677,72 +7972,796 @@
           <a:lstStyle/>
           <a:p>
             <a:r>
-              <a:rPr lang="de-DE" sz="2400" dirty="0"/>
-              <a:t>Einführung in das Thema</a:t>
-            </a:r>
-          </a:p>
-          <a:p>
-            <a:r>
-              <a:rPr lang="de-DE" sz="2400" dirty="0"/>
-              <a:t>Theoretische Grundlagen</a:t>
-            </a:r>
-          </a:p>
-          <a:p>
-            <a:pPr lvl="1"/>
-            <a:r>
-              <a:rPr lang="de-DE" sz="2000" dirty="0"/>
-              <a:t>Anwendungen</a:t>
-            </a:r>
-          </a:p>
-          <a:p>
-            <a:r>
-              <a:rPr lang="de-DE" sz="2400" dirty="0"/>
-              <a:t>Aufgabenstellung</a:t>
-            </a:r>
-          </a:p>
-          <a:p>
-            <a:r>
-              <a:rPr lang="de-DE" sz="2400" dirty="0">
+              <a:rPr lang="de-DE" dirty="0"/>
+              <a:t>Maximaler Fluss </a:t>
+            </a:r>
+          </a:p>
+          <a:p>
+            <a:r>
+              <a:rPr lang="de-DE" dirty="0"/>
+              <a:t>Transportkosten Problem</a:t>
+            </a:r>
+          </a:p>
+        </p:txBody>
+      </p:sp>
+    </p:spTree>
+    <p:extLst>
+      <p:ext uri="{BB962C8B-B14F-4D97-AF65-F5344CB8AC3E}">
+        <p14:creationId xmlns:p14="http://schemas.microsoft.com/office/powerpoint/2010/main" val="4289466793"/>
+      </p:ext>
+    </p:extLst>
+  </p:cSld>
+  <p:clrMapOvr>
+    <a:masterClrMapping/>
+  </p:clrMapOvr>
+</p:sld>
+</file>
+
+<file path=ppt/slides/slide15.xml><?xml version="1.0" encoding="utf-8"?>
+<p:sld xmlns:a="http://schemas.openxmlformats.org/drawingml/2006/main" xmlns:r="http://schemas.openxmlformats.org/officeDocument/2006/relationships" xmlns:p="http://schemas.openxmlformats.org/presentationml/2006/main">
+  <p:cSld>
+    <p:spTree>
+      <p:nvGrpSpPr>
+        <p:cNvPr id="1" name=""/>
+        <p:cNvGrpSpPr/>
+        <p:nvPr/>
+      </p:nvGrpSpPr>
+      <p:grpSpPr>
+        <a:xfrm>
+          <a:off x="0" y="0"/>
+          <a:ext cx="0" cy="0"/>
+          <a:chOff x="0" y="0"/>
+          <a:chExt cx="0" cy="0"/>
+        </a:xfrm>
+      </p:grpSpPr>
+      <p:sp>
+        <p:nvSpPr>
+          <p:cNvPr id="5" name="Rechteck 4">
+            <a:extLst>
+              <a:ext uri="{FF2B5EF4-FFF2-40B4-BE49-F238E27FC236}">
+                <a16:creationId xmlns:a16="http://schemas.microsoft.com/office/drawing/2014/main" id="{6C91387F-AF56-614F-B14F-5E345367B7AF}"/>
+              </a:ext>
+            </a:extLst>
+          </p:cNvPr>
+          <p:cNvSpPr/>
+          <p:nvPr/>
+        </p:nvSpPr>
+        <p:spPr>
+          <a:xfrm>
+            <a:off x="0" y="-197963"/>
+            <a:ext cx="12192000" cy="6858000"/>
+          </a:xfrm>
+          <a:prstGeom prst="rect">
+            <a:avLst/>
+          </a:prstGeom>
+          <a:solidFill>
+            <a:schemeClr val="bg2"/>
+          </a:solidFill>
+          <a:ln>
+            <a:noFill/>
+          </a:ln>
+        </p:spPr>
+        <p:style>
+          <a:lnRef idx="2">
+            <a:schemeClr val="accent1">
+              <a:shade val="50000"/>
+            </a:schemeClr>
+          </a:lnRef>
+          <a:fillRef idx="1">
+            <a:schemeClr val="accent1"/>
+          </a:fillRef>
+          <a:effectRef idx="0">
+            <a:schemeClr val="accent1"/>
+          </a:effectRef>
+          <a:fontRef idx="minor">
+            <a:schemeClr val="lt1"/>
+          </a:fontRef>
+        </p:style>
+        <p:txBody>
+          <a:bodyPr rtlCol="0" anchor="ctr"/>
+          <a:lstStyle/>
+          <a:p>
+            <a:pPr algn="ctr"/>
+            <a:endParaRPr lang="de-DE" dirty="0"/>
+          </a:p>
+        </p:txBody>
+      </p:sp>
+      <p:sp>
+        <p:nvSpPr>
+          <p:cNvPr id="2" name="Titel 1">
+            <a:extLst>
+              <a:ext uri="{FF2B5EF4-FFF2-40B4-BE49-F238E27FC236}">
+                <a16:creationId xmlns:a16="http://schemas.microsoft.com/office/drawing/2014/main" id="{35BFDC70-A169-E142-B051-5ABC9190E094}"/>
+              </a:ext>
+            </a:extLst>
+          </p:cNvPr>
+          <p:cNvSpPr>
+            <a:spLocks noGrp="1"/>
+          </p:cNvSpPr>
+          <p:nvPr>
+            <p:ph type="title"/>
+          </p:nvPr>
+        </p:nvSpPr>
+        <p:spPr>
+          <a:xfrm>
+            <a:off x="0" y="0"/>
+            <a:ext cx="12191999" cy="1106905"/>
+          </a:xfrm>
+        </p:spPr>
+        <p:txBody>
+          <a:bodyPr vert="horz" lIns="91440" tIns="45720" rIns="91440" bIns="45720" rtlCol="0">
+            <a:normAutofit/>
+          </a:bodyPr>
+          <a:lstStyle/>
+          <a:p>
+            <a:pPr algn="ctr"/>
+            <a:r>
+              <a:rPr lang="en-US" sz="4000" dirty="0" err="1">
                 <a:solidFill>
                   <a:schemeClr val="accent1"/>
                 </a:solidFill>
               </a:rPr>
-              <a:t>Implementierung</a:t>
-            </a:r>
-          </a:p>
-          <a:p>
-            <a:pPr lvl="1"/>
-            <a:r>
-              <a:rPr lang="de-DE" sz="2000" dirty="0"/>
-              <a:t>Herangehensweise </a:t>
-            </a:r>
-          </a:p>
-          <a:p>
-            <a:pPr lvl="1"/>
-            <a:r>
-              <a:rPr lang="de-DE" sz="2000" dirty="0"/>
-              <a:t>Einführung in den Code</a:t>
-            </a:r>
-          </a:p>
-          <a:p>
-            <a:r>
-              <a:rPr lang="de-DE" sz="2400" dirty="0" smtClean="0"/>
-              <a:t>Präsentation des Ergebnisses</a:t>
-            </a:r>
-          </a:p>
-          <a:p>
-            <a:r>
-              <a:rPr lang="de-DE" sz="2400" dirty="0" smtClean="0"/>
-              <a:t>Fazit </a:t>
-            </a:r>
-            <a:endParaRPr lang="de-DE" sz="2400" dirty="0"/>
-          </a:p>
-        </p:txBody>
-      </p:sp>
+              <a:t>Minimalekosten</a:t>
+            </a:r>
+            <a:r>
+              <a:rPr lang="en-US" sz="4000" dirty="0">
+                <a:solidFill>
+                  <a:schemeClr val="accent1"/>
+                </a:solidFill>
+              </a:rPr>
+              <a:t> </a:t>
+            </a:r>
+            <a:r>
+              <a:rPr lang="en-US" sz="4000" dirty="0" err="1">
+                <a:solidFill>
+                  <a:schemeClr val="accent1"/>
+                </a:solidFill>
+              </a:rPr>
+              <a:t>mit</a:t>
+            </a:r>
+            <a:r>
+              <a:rPr lang="en-US" sz="4000" dirty="0">
+                <a:solidFill>
+                  <a:schemeClr val="accent1"/>
+                </a:solidFill>
+              </a:rPr>
+              <a:t> </a:t>
+            </a:r>
+            <a:r>
+              <a:rPr lang="en-US" sz="4000" dirty="0" err="1">
+                <a:solidFill>
+                  <a:schemeClr val="accent1"/>
+                </a:solidFill>
+              </a:rPr>
+              <a:t>Kapazitätsbegrenzung</a:t>
+            </a:r>
+            <a:endParaRPr lang="en-US" sz="4000" kern="1200" dirty="0">
+              <a:solidFill>
+                <a:schemeClr val="accent1"/>
+              </a:solidFill>
+              <a:latin typeface="+mj-lt"/>
+              <a:ea typeface="+mj-ea"/>
+              <a:cs typeface="+mj-cs"/>
+            </a:endParaRPr>
+          </a:p>
+        </p:txBody>
+      </p:sp>
+      <p:sp>
+        <p:nvSpPr>
+          <p:cNvPr id="6" name="Titel 1">
+            <a:extLst>
+              <a:ext uri="{FF2B5EF4-FFF2-40B4-BE49-F238E27FC236}">
+                <a16:creationId xmlns:a16="http://schemas.microsoft.com/office/drawing/2014/main" id="{E7C2CB7B-ACCE-46AA-B361-C575579F8987}"/>
+              </a:ext>
+            </a:extLst>
+          </p:cNvPr>
+          <p:cNvSpPr txBox="1">
+            <a:spLocks/>
+          </p:cNvSpPr>
+          <p:nvPr/>
+        </p:nvSpPr>
+        <p:spPr>
+          <a:xfrm>
+            <a:off x="-1" y="705851"/>
+            <a:ext cx="12191999" cy="3753853"/>
+          </a:xfrm>
+          <a:prstGeom prst="rect">
+            <a:avLst/>
+          </a:prstGeom>
+        </p:spPr>
+        <p:txBody>
+          <a:bodyPr vert="horz" lIns="91440" tIns="45720" rIns="91440" bIns="45720" rtlCol="0" anchor="ctr">
+            <a:normAutofit/>
+          </a:bodyPr>
+          <a:lstStyle>
+            <a:lvl1pPr algn="l" defTabSz="914400" rtl="0" eaLnBrk="1" latinLnBrk="0" hangingPunct="1">
+              <a:lnSpc>
+                <a:spcPct val="90000"/>
+              </a:lnSpc>
+              <a:spcBef>
+                <a:spcPct val="0"/>
+              </a:spcBef>
+              <a:buNone/>
+              <a:defRPr sz="4400" kern="1200">
+                <a:solidFill>
+                  <a:schemeClr val="tx1"/>
+                </a:solidFill>
+                <a:latin typeface="+mj-lt"/>
+                <a:ea typeface="+mj-ea"/>
+                <a:cs typeface="+mj-cs"/>
+              </a:defRPr>
+            </a:lvl1pPr>
+          </a:lstStyle>
+          <a:p>
+            <a:pPr algn="ctr"/>
+            <a:endParaRPr lang="en-US" sz="4000" dirty="0">
+              <a:solidFill>
+                <a:schemeClr val="accent1"/>
+              </a:solidFill>
+            </a:endParaRPr>
+          </a:p>
+        </p:txBody>
+      </p:sp>
+      <p:pic>
+        <p:nvPicPr>
+          <p:cNvPr id="8" name="Grafik 7">
+            <a:extLst>
+              <a:ext uri="{FF2B5EF4-FFF2-40B4-BE49-F238E27FC236}">
+                <a16:creationId xmlns:a16="http://schemas.microsoft.com/office/drawing/2014/main" id="{C89ECDFD-2E29-4183-B4C5-57C14F623766}"/>
+              </a:ext>
+            </a:extLst>
+          </p:cNvPr>
+          <p:cNvPicPr>
+            <a:picLocks noChangeAspect="1"/>
+          </p:cNvPicPr>
+          <p:nvPr/>
+        </p:nvPicPr>
+        <p:blipFill>
+          <a:blip r:embed="rId3"/>
+          <a:stretch>
+            <a:fillRect/>
+          </a:stretch>
+        </p:blipFill>
+        <p:spPr>
+          <a:xfrm>
+            <a:off x="1428750" y="1434918"/>
+            <a:ext cx="9334500" cy="3988163"/>
+          </a:xfrm>
+          <a:prstGeom prst="rect">
+            <a:avLst/>
+          </a:prstGeom>
+        </p:spPr>
+      </p:pic>
     </p:spTree>
     <p:extLst>
       <p:ext uri="{BB962C8B-B14F-4D97-AF65-F5344CB8AC3E}">
-        <p14:creationId xmlns:p14="http://schemas.microsoft.com/office/powerpoint/2010/main" val="2089299263"/>
+        <p14:creationId xmlns:p14="http://schemas.microsoft.com/office/powerpoint/2010/main" val="1826987104"/>
+      </p:ext>
+    </p:extLst>
+  </p:cSld>
+  <p:clrMapOvr>
+    <a:masterClrMapping/>
+  </p:clrMapOvr>
+</p:sld>
+</file>
+
+<file path=ppt/slides/slide16.xml><?xml version="1.0" encoding="utf-8"?>
+<p:sld xmlns:a="http://schemas.openxmlformats.org/drawingml/2006/main" xmlns:r="http://schemas.openxmlformats.org/officeDocument/2006/relationships" xmlns:p="http://schemas.openxmlformats.org/presentationml/2006/main">
+  <p:cSld>
+    <p:spTree>
+      <p:nvGrpSpPr>
+        <p:cNvPr id="1" name=""/>
+        <p:cNvGrpSpPr/>
+        <p:nvPr/>
+      </p:nvGrpSpPr>
+      <p:grpSpPr>
+        <a:xfrm>
+          <a:off x="0" y="0"/>
+          <a:ext cx="0" cy="0"/>
+          <a:chOff x="0" y="0"/>
+          <a:chExt cx="0" cy="0"/>
+        </a:xfrm>
+      </p:grpSpPr>
+      <p:sp>
+        <p:nvSpPr>
+          <p:cNvPr id="4" name="Rechteck 3">
+            <a:extLst>
+              <a:ext uri="{FF2B5EF4-FFF2-40B4-BE49-F238E27FC236}">
+                <a16:creationId xmlns:a16="http://schemas.microsoft.com/office/drawing/2014/main" id="{E4D21FBE-9E79-4438-A9C4-A86631E75D3D}"/>
+              </a:ext>
+            </a:extLst>
+          </p:cNvPr>
+          <p:cNvSpPr/>
+          <p:nvPr/>
+        </p:nvSpPr>
+        <p:spPr>
+          <a:xfrm>
+            <a:off x="0" y="0"/>
+            <a:ext cx="12192000" cy="6858000"/>
+          </a:xfrm>
+          <a:prstGeom prst="rect">
+            <a:avLst/>
+          </a:prstGeom>
+          <a:solidFill>
+            <a:schemeClr val="bg2"/>
+          </a:solidFill>
+          <a:ln>
+            <a:noFill/>
+          </a:ln>
+        </p:spPr>
+        <p:style>
+          <a:lnRef idx="2">
+            <a:schemeClr val="accent1">
+              <a:shade val="50000"/>
+            </a:schemeClr>
+          </a:lnRef>
+          <a:fillRef idx="1">
+            <a:schemeClr val="accent1"/>
+          </a:fillRef>
+          <a:effectRef idx="0">
+            <a:schemeClr val="accent1"/>
+          </a:effectRef>
+          <a:fontRef idx="minor">
+            <a:schemeClr val="lt1"/>
+          </a:fontRef>
+        </p:style>
+        <p:txBody>
+          <a:bodyPr rtlCol="0" anchor="ctr"/>
+          <a:lstStyle/>
+          <a:p>
+            <a:pPr algn="ctr"/>
+            <a:endParaRPr lang="de-DE"/>
+          </a:p>
+        </p:txBody>
+      </p:sp>
+      <p:sp>
+        <p:nvSpPr>
+          <p:cNvPr id="2" name="Titel 1">
+            <a:extLst>
+              <a:ext uri="{FF2B5EF4-FFF2-40B4-BE49-F238E27FC236}">
+                <a16:creationId xmlns:a16="http://schemas.microsoft.com/office/drawing/2014/main" id="{5D43DF7A-1A5D-4ACC-A604-ABDFA208B266}"/>
+              </a:ext>
+            </a:extLst>
+          </p:cNvPr>
+          <p:cNvSpPr>
+            <a:spLocks noGrp="1"/>
+          </p:cNvSpPr>
+          <p:nvPr>
+            <p:ph type="title"/>
+          </p:nvPr>
+        </p:nvSpPr>
+        <p:spPr/>
+        <p:txBody>
+          <a:bodyPr/>
+          <a:lstStyle/>
+          <a:p>
+            <a:endParaRPr lang="de-DE" dirty="0"/>
+          </a:p>
+        </p:txBody>
+      </p:sp>
+      <p:sp>
+        <p:nvSpPr>
+          <p:cNvPr id="3" name="Inhaltsplatzhalter 2">
+            <a:extLst>
+              <a:ext uri="{FF2B5EF4-FFF2-40B4-BE49-F238E27FC236}">
+                <a16:creationId xmlns:a16="http://schemas.microsoft.com/office/drawing/2014/main" id="{C24FCB4C-0151-435F-B548-7A9594A11125}"/>
+              </a:ext>
+            </a:extLst>
+          </p:cNvPr>
+          <p:cNvSpPr>
+            <a:spLocks noGrp="1"/>
+          </p:cNvSpPr>
+          <p:nvPr>
+            <p:ph idx="1"/>
+          </p:nvPr>
+        </p:nvSpPr>
+        <p:spPr/>
+        <p:txBody>
+          <a:bodyPr/>
+          <a:lstStyle/>
+          <a:p>
+            <a:endParaRPr lang="de-DE" dirty="0"/>
+          </a:p>
+        </p:txBody>
+      </p:sp>
+      <p:pic>
+        <p:nvPicPr>
+          <p:cNvPr id="5" name="Grafik 4">
+            <a:extLst>
+              <a:ext uri="{FF2B5EF4-FFF2-40B4-BE49-F238E27FC236}">
+                <a16:creationId xmlns:a16="http://schemas.microsoft.com/office/drawing/2014/main" id="{1C4ABC61-F649-4941-9A69-5363F27C5C7A}"/>
+              </a:ext>
+            </a:extLst>
+          </p:cNvPr>
+          <p:cNvPicPr>
+            <a:picLocks noChangeAspect="1"/>
+          </p:cNvPicPr>
+          <p:nvPr/>
+        </p:nvPicPr>
+        <p:blipFill>
+          <a:blip r:embed="rId2"/>
+          <a:stretch>
+            <a:fillRect/>
+          </a:stretch>
+        </p:blipFill>
+        <p:spPr>
+          <a:xfrm>
+            <a:off x="647883" y="681037"/>
+            <a:ext cx="10896234" cy="4667250"/>
+          </a:xfrm>
+          <a:prstGeom prst="rect">
+            <a:avLst/>
+          </a:prstGeom>
+        </p:spPr>
+      </p:pic>
+    </p:spTree>
+    <p:extLst>
+      <p:ext uri="{BB962C8B-B14F-4D97-AF65-F5344CB8AC3E}">
+        <p14:creationId xmlns:p14="http://schemas.microsoft.com/office/powerpoint/2010/main" val="2028477413"/>
+      </p:ext>
+    </p:extLst>
+  </p:cSld>
+  <p:clrMapOvr>
+    <a:masterClrMapping/>
+  </p:clrMapOvr>
+</p:sld>
+</file>
+
+<file path=ppt/slides/slide17.xml><?xml version="1.0" encoding="utf-8"?>
+<p:sld xmlns:a="http://schemas.openxmlformats.org/drawingml/2006/main" xmlns:r="http://schemas.openxmlformats.org/officeDocument/2006/relationships" xmlns:p="http://schemas.openxmlformats.org/presentationml/2006/main">
+  <p:cSld>
+    <p:spTree>
+      <p:nvGrpSpPr>
+        <p:cNvPr id="1" name=""/>
+        <p:cNvGrpSpPr/>
+        <p:nvPr/>
+      </p:nvGrpSpPr>
+      <p:grpSpPr>
+        <a:xfrm>
+          <a:off x="0" y="0"/>
+          <a:ext cx="0" cy="0"/>
+          <a:chOff x="0" y="0"/>
+          <a:chExt cx="0" cy="0"/>
+        </a:xfrm>
+      </p:grpSpPr>
+      <p:sp>
+        <p:nvSpPr>
+          <p:cNvPr id="4" name="Rechteck 3">
+            <a:extLst>
+              <a:ext uri="{FF2B5EF4-FFF2-40B4-BE49-F238E27FC236}">
+                <a16:creationId xmlns:a16="http://schemas.microsoft.com/office/drawing/2014/main" id="{E4D21FBE-9E79-4438-A9C4-A86631E75D3D}"/>
+              </a:ext>
+            </a:extLst>
+          </p:cNvPr>
+          <p:cNvSpPr/>
+          <p:nvPr/>
+        </p:nvSpPr>
+        <p:spPr>
+          <a:xfrm>
+            <a:off x="0" y="0"/>
+            <a:ext cx="12192000" cy="6858000"/>
+          </a:xfrm>
+          <a:prstGeom prst="rect">
+            <a:avLst/>
+          </a:prstGeom>
+          <a:solidFill>
+            <a:schemeClr val="bg2"/>
+          </a:solidFill>
+          <a:ln>
+            <a:noFill/>
+          </a:ln>
+        </p:spPr>
+        <p:style>
+          <a:lnRef idx="2">
+            <a:schemeClr val="accent1">
+              <a:shade val="50000"/>
+            </a:schemeClr>
+          </a:lnRef>
+          <a:fillRef idx="1">
+            <a:schemeClr val="accent1"/>
+          </a:fillRef>
+          <a:effectRef idx="0">
+            <a:schemeClr val="accent1"/>
+          </a:effectRef>
+          <a:fontRef idx="minor">
+            <a:schemeClr val="lt1"/>
+          </a:fontRef>
+        </p:style>
+        <p:txBody>
+          <a:bodyPr rtlCol="0" anchor="ctr"/>
+          <a:lstStyle/>
+          <a:p>
+            <a:pPr algn="ctr"/>
+            <a:endParaRPr lang="de-DE"/>
+          </a:p>
+        </p:txBody>
+      </p:sp>
+      <p:sp>
+        <p:nvSpPr>
+          <p:cNvPr id="2" name="Titel 1">
+            <a:extLst>
+              <a:ext uri="{FF2B5EF4-FFF2-40B4-BE49-F238E27FC236}">
+                <a16:creationId xmlns:a16="http://schemas.microsoft.com/office/drawing/2014/main" id="{5D43DF7A-1A5D-4ACC-A604-ABDFA208B266}"/>
+              </a:ext>
+            </a:extLst>
+          </p:cNvPr>
+          <p:cNvSpPr>
+            <a:spLocks noGrp="1"/>
+          </p:cNvSpPr>
+          <p:nvPr>
+            <p:ph type="title"/>
+          </p:nvPr>
+        </p:nvSpPr>
+        <p:spPr/>
+        <p:txBody>
+          <a:bodyPr/>
+          <a:lstStyle/>
+          <a:p>
+            <a:endParaRPr lang="de-DE" dirty="0"/>
+          </a:p>
+        </p:txBody>
+      </p:sp>
+      <p:sp>
+        <p:nvSpPr>
+          <p:cNvPr id="3" name="Inhaltsplatzhalter 2">
+            <a:extLst>
+              <a:ext uri="{FF2B5EF4-FFF2-40B4-BE49-F238E27FC236}">
+                <a16:creationId xmlns:a16="http://schemas.microsoft.com/office/drawing/2014/main" id="{C24FCB4C-0151-435F-B548-7A9594A11125}"/>
+              </a:ext>
+            </a:extLst>
+          </p:cNvPr>
+          <p:cNvSpPr>
+            <a:spLocks noGrp="1"/>
+          </p:cNvSpPr>
+          <p:nvPr>
+            <p:ph idx="1"/>
+          </p:nvPr>
+        </p:nvSpPr>
+        <p:spPr/>
+        <p:txBody>
+          <a:bodyPr/>
+          <a:lstStyle/>
+          <a:p>
+            <a:endParaRPr lang="de-DE" dirty="0"/>
+          </a:p>
+        </p:txBody>
+      </p:sp>
+      <p:pic>
+        <p:nvPicPr>
+          <p:cNvPr id="5" name="Grafik 4">
+            <a:extLst>
+              <a:ext uri="{FF2B5EF4-FFF2-40B4-BE49-F238E27FC236}">
+                <a16:creationId xmlns:a16="http://schemas.microsoft.com/office/drawing/2014/main" id="{1C4ABC61-F649-4941-9A69-5363F27C5C7A}"/>
+              </a:ext>
+            </a:extLst>
+          </p:cNvPr>
+          <p:cNvPicPr>
+            <a:picLocks noChangeAspect="1"/>
+          </p:cNvPicPr>
+          <p:nvPr/>
+        </p:nvPicPr>
+        <p:blipFill>
+          <a:blip r:embed="rId2"/>
+          <a:stretch>
+            <a:fillRect/>
+          </a:stretch>
+        </p:blipFill>
+        <p:spPr>
+          <a:xfrm>
+            <a:off x="647883" y="681037"/>
+            <a:ext cx="10896234" cy="4667250"/>
+          </a:xfrm>
+          <a:prstGeom prst="rect">
+            <a:avLst/>
+          </a:prstGeom>
+        </p:spPr>
+      </p:pic>
+      <p:sp>
+        <p:nvSpPr>
+          <p:cNvPr id="11" name="Rechteck 10">
+            <a:extLst>
+              <a:ext uri="{FF2B5EF4-FFF2-40B4-BE49-F238E27FC236}">
+                <a16:creationId xmlns:a16="http://schemas.microsoft.com/office/drawing/2014/main" id="{EDAFFFBA-2840-44D2-AAA3-7E96C94F23D6}"/>
+              </a:ext>
+            </a:extLst>
+          </p:cNvPr>
+          <p:cNvSpPr/>
+          <p:nvPr/>
+        </p:nvSpPr>
+        <p:spPr>
+          <a:xfrm>
+            <a:off x="1206329" y="718222"/>
+            <a:ext cx="10242630" cy="557454"/>
+          </a:xfrm>
+          <a:prstGeom prst="rect">
+            <a:avLst/>
+          </a:prstGeom>
+          <a:noFill/>
+          <a:ln>
+            <a:solidFill>
+              <a:srgbClr val="FF0000"/>
+            </a:solidFill>
+          </a:ln>
+        </p:spPr>
+        <p:style>
+          <a:lnRef idx="2">
+            <a:schemeClr val="accent6"/>
+          </a:lnRef>
+          <a:fillRef idx="1">
+            <a:schemeClr val="lt1"/>
+          </a:fillRef>
+          <a:effectRef idx="0">
+            <a:schemeClr val="accent6"/>
+          </a:effectRef>
+          <a:fontRef idx="minor">
+            <a:schemeClr val="dk1"/>
+          </a:fontRef>
+        </p:style>
+        <p:txBody>
+          <a:bodyPr rtlCol="0" anchor="ctr"/>
+          <a:lstStyle/>
+          <a:p>
+            <a:pPr algn="ctr"/>
+            <a:endParaRPr lang="de-DE"/>
+          </a:p>
+        </p:txBody>
+      </p:sp>
+      <p:sp>
+        <p:nvSpPr>
+          <p:cNvPr id="12" name="Rechteck 11">
+            <a:extLst>
+              <a:ext uri="{FF2B5EF4-FFF2-40B4-BE49-F238E27FC236}">
+                <a16:creationId xmlns:a16="http://schemas.microsoft.com/office/drawing/2014/main" id="{6BD089FB-E1F1-428B-BEAB-0518A63BBFDB}"/>
+              </a:ext>
+            </a:extLst>
+          </p:cNvPr>
+          <p:cNvSpPr/>
+          <p:nvPr/>
+        </p:nvSpPr>
+        <p:spPr>
+          <a:xfrm>
+            <a:off x="1844431" y="1359877"/>
+            <a:ext cx="4501661" cy="1906954"/>
+          </a:xfrm>
+          <a:prstGeom prst="rect">
+            <a:avLst/>
+          </a:prstGeom>
+          <a:noFill/>
+          <a:ln>
+            <a:solidFill>
+              <a:srgbClr val="FF0000"/>
+            </a:solidFill>
+          </a:ln>
+        </p:spPr>
+        <p:style>
+          <a:lnRef idx="2">
+            <a:schemeClr val="dk1"/>
+          </a:lnRef>
+          <a:fillRef idx="1">
+            <a:schemeClr val="lt1"/>
+          </a:fillRef>
+          <a:effectRef idx="0">
+            <a:schemeClr val="dk1"/>
+          </a:effectRef>
+          <a:fontRef idx="minor">
+            <a:schemeClr val="dk1"/>
+          </a:fontRef>
+        </p:style>
+        <p:txBody>
+          <a:bodyPr rtlCol="0" anchor="ctr"/>
+          <a:lstStyle/>
+          <a:p>
+            <a:pPr algn="ctr"/>
+            <a:endParaRPr lang="de-DE"/>
+          </a:p>
+        </p:txBody>
+      </p:sp>
+      <p:sp>
+        <p:nvSpPr>
+          <p:cNvPr id="13" name="Rechteck 12">
+            <a:extLst>
+              <a:ext uri="{FF2B5EF4-FFF2-40B4-BE49-F238E27FC236}">
+                <a16:creationId xmlns:a16="http://schemas.microsoft.com/office/drawing/2014/main" id="{450A9B78-109C-4A3C-AD07-56BC7AC354ED}"/>
+              </a:ext>
+            </a:extLst>
+          </p:cNvPr>
+          <p:cNvSpPr/>
+          <p:nvPr/>
+        </p:nvSpPr>
+        <p:spPr>
+          <a:xfrm>
+            <a:off x="3673231" y="3344985"/>
+            <a:ext cx="2766646" cy="437661"/>
+          </a:xfrm>
+          <a:prstGeom prst="rect">
+            <a:avLst/>
+          </a:prstGeom>
+          <a:noFill/>
+          <a:ln>
+            <a:solidFill>
+              <a:srgbClr val="FF0000"/>
+            </a:solidFill>
+          </a:ln>
+        </p:spPr>
+        <p:style>
+          <a:lnRef idx="2">
+            <a:schemeClr val="accent1">
+              <a:shade val="50000"/>
+            </a:schemeClr>
+          </a:lnRef>
+          <a:fillRef idx="1">
+            <a:schemeClr val="accent1"/>
+          </a:fillRef>
+          <a:effectRef idx="0">
+            <a:schemeClr val="accent1"/>
+          </a:effectRef>
+          <a:fontRef idx="minor">
+            <a:schemeClr val="lt1"/>
+          </a:fontRef>
+        </p:style>
+        <p:txBody>
+          <a:bodyPr rtlCol="0" anchor="ctr"/>
+          <a:lstStyle/>
+          <a:p>
+            <a:pPr algn="ctr"/>
+            <a:endParaRPr lang="de-DE"/>
+          </a:p>
+        </p:txBody>
+      </p:sp>
+      <p:sp>
+        <p:nvSpPr>
+          <p:cNvPr id="16" name="Rechteck 15">
+            <a:extLst>
+              <a:ext uri="{FF2B5EF4-FFF2-40B4-BE49-F238E27FC236}">
+                <a16:creationId xmlns:a16="http://schemas.microsoft.com/office/drawing/2014/main" id="{FAE249B2-F9E6-42F5-B989-81ED26895ED1}"/>
+              </a:ext>
+            </a:extLst>
+          </p:cNvPr>
+          <p:cNvSpPr/>
+          <p:nvPr/>
+        </p:nvSpPr>
+        <p:spPr>
+          <a:xfrm>
+            <a:off x="773723" y="3860800"/>
+            <a:ext cx="6127262" cy="1441206"/>
+          </a:xfrm>
+          <a:prstGeom prst="rect">
+            <a:avLst/>
+          </a:prstGeom>
+          <a:noFill/>
+          <a:ln>
+            <a:solidFill>
+              <a:srgbClr val="FF0000"/>
+            </a:solidFill>
+          </a:ln>
+        </p:spPr>
+        <p:style>
+          <a:lnRef idx="2">
+            <a:schemeClr val="accent6"/>
+          </a:lnRef>
+          <a:fillRef idx="1">
+            <a:schemeClr val="lt1"/>
+          </a:fillRef>
+          <a:effectRef idx="0">
+            <a:schemeClr val="accent6"/>
+          </a:effectRef>
+          <a:fontRef idx="minor">
+            <a:schemeClr val="dk1"/>
+          </a:fontRef>
+        </p:style>
+        <p:txBody>
+          <a:bodyPr rtlCol="0" anchor="ctr"/>
+          <a:lstStyle/>
+          <a:p>
+            <a:pPr algn="ctr"/>
+            <a:endParaRPr lang="de-DE"/>
+          </a:p>
+        </p:txBody>
+      </p:sp>
+    </p:spTree>
+    <p:extLst>
+      <p:ext uri="{BB962C8B-B14F-4D97-AF65-F5344CB8AC3E}">
+        <p14:creationId xmlns:p14="http://schemas.microsoft.com/office/powerpoint/2010/main" val="1814370215"/>
       </p:ext>
     </p:extLst>
   </p:cSld>
@@ -7752,14 +8771,881 @@
   <p:timing>
     <p:tnLst>
       <p:par>
-        <p:cTn id="1" dur="indefinite" restart="never" nodeType="tmRoot"/>
+        <p:cTn id="1" dur="indefinite" restart="never" nodeType="tmRoot">
+          <p:childTnLst>
+            <p:seq concurrent="1" nextAc="seek">
+              <p:cTn id="2" dur="indefinite" nodeType="mainSeq">
+                <p:childTnLst>
+                  <p:par>
+                    <p:cTn id="3" fill="hold">
+                      <p:stCondLst>
+                        <p:cond delay="indefinite"/>
+                      </p:stCondLst>
+                      <p:childTnLst>
+                        <p:par>
+                          <p:cTn id="4" fill="hold">
+                            <p:stCondLst>
+                              <p:cond delay="0"/>
+                            </p:stCondLst>
+                            <p:childTnLst>
+                              <p:par>
+                                <p:cTn id="5" presetID="10" presetClass="entr" presetSubtype="0" fill="hold" grpId="0" nodeType="clickEffect">
+                                  <p:stCondLst>
+                                    <p:cond delay="0"/>
+                                  </p:stCondLst>
+                                  <p:childTnLst>
+                                    <p:set>
+                                      <p:cBhvr>
+                                        <p:cTn id="6" dur="1" fill="hold">
+                                          <p:stCondLst>
+                                            <p:cond delay="0"/>
+                                          </p:stCondLst>
+                                        </p:cTn>
+                                        <p:tgtEl>
+                                          <p:spTgt spid="11"/>
+                                        </p:tgtEl>
+                                        <p:attrNameLst>
+                                          <p:attrName>style.visibility</p:attrName>
+                                        </p:attrNameLst>
+                                      </p:cBhvr>
+                                      <p:to>
+                                        <p:strVal val="visible"/>
+                                      </p:to>
+                                    </p:set>
+                                    <p:animEffect transition="in" filter="fade">
+                                      <p:cBhvr>
+                                        <p:cTn id="7" dur="500"/>
+                                        <p:tgtEl>
+                                          <p:spTgt spid="11"/>
+                                        </p:tgtEl>
+                                      </p:cBhvr>
+                                    </p:animEffect>
+                                  </p:childTnLst>
+                                </p:cTn>
+                              </p:par>
+                            </p:childTnLst>
+                          </p:cTn>
+                        </p:par>
+                      </p:childTnLst>
+                    </p:cTn>
+                  </p:par>
+                  <p:par>
+                    <p:cTn id="8" fill="hold">
+                      <p:stCondLst>
+                        <p:cond delay="indefinite"/>
+                      </p:stCondLst>
+                      <p:childTnLst>
+                        <p:par>
+                          <p:cTn id="9" fill="hold">
+                            <p:stCondLst>
+                              <p:cond delay="0"/>
+                            </p:stCondLst>
+                            <p:childTnLst>
+                              <p:par>
+                                <p:cTn id="10" presetID="10" presetClass="exit" presetSubtype="0" fill="hold" grpId="1" nodeType="clickEffect">
+                                  <p:stCondLst>
+                                    <p:cond delay="0"/>
+                                  </p:stCondLst>
+                                  <p:childTnLst>
+                                    <p:animEffect transition="out" filter="fade">
+                                      <p:cBhvr>
+                                        <p:cTn id="11" dur="500"/>
+                                        <p:tgtEl>
+                                          <p:spTgt spid="11"/>
+                                        </p:tgtEl>
+                                      </p:cBhvr>
+                                    </p:animEffect>
+                                    <p:set>
+                                      <p:cBhvr>
+                                        <p:cTn id="12" dur="1" fill="hold">
+                                          <p:stCondLst>
+                                            <p:cond delay="499"/>
+                                          </p:stCondLst>
+                                        </p:cTn>
+                                        <p:tgtEl>
+                                          <p:spTgt spid="11"/>
+                                        </p:tgtEl>
+                                        <p:attrNameLst>
+                                          <p:attrName>style.visibility</p:attrName>
+                                        </p:attrNameLst>
+                                      </p:cBhvr>
+                                      <p:to>
+                                        <p:strVal val="hidden"/>
+                                      </p:to>
+                                    </p:set>
+                                  </p:childTnLst>
+                                </p:cTn>
+                              </p:par>
+                            </p:childTnLst>
+                          </p:cTn>
+                        </p:par>
+                      </p:childTnLst>
+                    </p:cTn>
+                  </p:par>
+                  <p:par>
+                    <p:cTn id="13" fill="hold">
+                      <p:stCondLst>
+                        <p:cond delay="indefinite"/>
+                      </p:stCondLst>
+                      <p:childTnLst>
+                        <p:par>
+                          <p:cTn id="14" fill="hold">
+                            <p:stCondLst>
+                              <p:cond delay="0"/>
+                            </p:stCondLst>
+                            <p:childTnLst>
+                              <p:par>
+                                <p:cTn id="15" presetID="10" presetClass="entr" presetSubtype="0" fill="hold" grpId="0" nodeType="clickEffect">
+                                  <p:stCondLst>
+                                    <p:cond delay="0"/>
+                                  </p:stCondLst>
+                                  <p:childTnLst>
+                                    <p:set>
+                                      <p:cBhvr>
+                                        <p:cTn id="16" dur="1" fill="hold">
+                                          <p:stCondLst>
+                                            <p:cond delay="0"/>
+                                          </p:stCondLst>
+                                        </p:cTn>
+                                        <p:tgtEl>
+                                          <p:spTgt spid="12"/>
+                                        </p:tgtEl>
+                                        <p:attrNameLst>
+                                          <p:attrName>style.visibility</p:attrName>
+                                        </p:attrNameLst>
+                                      </p:cBhvr>
+                                      <p:to>
+                                        <p:strVal val="visible"/>
+                                      </p:to>
+                                    </p:set>
+                                    <p:animEffect transition="in" filter="fade">
+                                      <p:cBhvr>
+                                        <p:cTn id="17" dur="500"/>
+                                        <p:tgtEl>
+                                          <p:spTgt spid="12"/>
+                                        </p:tgtEl>
+                                      </p:cBhvr>
+                                    </p:animEffect>
+                                  </p:childTnLst>
+                                </p:cTn>
+                              </p:par>
+                            </p:childTnLst>
+                          </p:cTn>
+                        </p:par>
+                      </p:childTnLst>
+                    </p:cTn>
+                  </p:par>
+                  <p:par>
+                    <p:cTn id="18" fill="hold">
+                      <p:stCondLst>
+                        <p:cond delay="indefinite"/>
+                      </p:stCondLst>
+                      <p:childTnLst>
+                        <p:par>
+                          <p:cTn id="19" fill="hold">
+                            <p:stCondLst>
+                              <p:cond delay="0"/>
+                            </p:stCondLst>
+                            <p:childTnLst>
+                              <p:par>
+                                <p:cTn id="20" presetID="10" presetClass="exit" presetSubtype="0" fill="hold" grpId="1" nodeType="clickEffect">
+                                  <p:stCondLst>
+                                    <p:cond delay="0"/>
+                                  </p:stCondLst>
+                                  <p:childTnLst>
+                                    <p:animEffect transition="out" filter="fade">
+                                      <p:cBhvr>
+                                        <p:cTn id="21" dur="500"/>
+                                        <p:tgtEl>
+                                          <p:spTgt spid="12"/>
+                                        </p:tgtEl>
+                                      </p:cBhvr>
+                                    </p:animEffect>
+                                    <p:set>
+                                      <p:cBhvr>
+                                        <p:cTn id="22" dur="1" fill="hold">
+                                          <p:stCondLst>
+                                            <p:cond delay="499"/>
+                                          </p:stCondLst>
+                                        </p:cTn>
+                                        <p:tgtEl>
+                                          <p:spTgt spid="12"/>
+                                        </p:tgtEl>
+                                        <p:attrNameLst>
+                                          <p:attrName>style.visibility</p:attrName>
+                                        </p:attrNameLst>
+                                      </p:cBhvr>
+                                      <p:to>
+                                        <p:strVal val="hidden"/>
+                                      </p:to>
+                                    </p:set>
+                                  </p:childTnLst>
+                                </p:cTn>
+                              </p:par>
+                            </p:childTnLst>
+                          </p:cTn>
+                        </p:par>
+                      </p:childTnLst>
+                    </p:cTn>
+                  </p:par>
+                  <p:par>
+                    <p:cTn id="23" fill="hold">
+                      <p:stCondLst>
+                        <p:cond delay="indefinite"/>
+                      </p:stCondLst>
+                      <p:childTnLst>
+                        <p:par>
+                          <p:cTn id="24" fill="hold">
+                            <p:stCondLst>
+                              <p:cond delay="0"/>
+                            </p:stCondLst>
+                            <p:childTnLst>
+                              <p:par>
+                                <p:cTn id="25" presetID="10" presetClass="entr" presetSubtype="0" fill="hold" grpId="0" nodeType="clickEffect">
+                                  <p:stCondLst>
+                                    <p:cond delay="0"/>
+                                  </p:stCondLst>
+                                  <p:childTnLst>
+                                    <p:set>
+                                      <p:cBhvr>
+                                        <p:cTn id="26" dur="1" fill="hold">
+                                          <p:stCondLst>
+                                            <p:cond delay="0"/>
+                                          </p:stCondLst>
+                                        </p:cTn>
+                                        <p:tgtEl>
+                                          <p:spTgt spid="13"/>
+                                        </p:tgtEl>
+                                        <p:attrNameLst>
+                                          <p:attrName>style.visibility</p:attrName>
+                                        </p:attrNameLst>
+                                      </p:cBhvr>
+                                      <p:to>
+                                        <p:strVal val="visible"/>
+                                      </p:to>
+                                    </p:set>
+                                    <p:animEffect transition="in" filter="fade">
+                                      <p:cBhvr>
+                                        <p:cTn id="27" dur="500"/>
+                                        <p:tgtEl>
+                                          <p:spTgt spid="13"/>
+                                        </p:tgtEl>
+                                      </p:cBhvr>
+                                    </p:animEffect>
+                                  </p:childTnLst>
+                                </p:cTn>
+                              </p:par>
+                            </p:childTnLst>
+                          </p:cTn>
+                        </p:par>
+                      </p:childTnLst>
+                    </p:cTn>
+                  </p:par>
+                  <p:par>
+                    <p:cTn id="28" fill="hold">
+                      <p:stCondLst>
+                        <p:cond delay="indefinite"/>
+                      </p:stCondLst>
+                      <p:childTnLst>
+                        <p:par>
+                          <p:cTn id="29" fill="hold">
+                            <p:stCondLst>
+                              <p:cond delay="0"/>
+                            </p:stCondLst>
+                            <p:childTnLst>
+                              <p:par>
+                                <p:cTn id="30" presetID="10" presetClass="exit" presetSubtype="0" fill="hold" grpId="1" nodeType="clickEffect">
+                                  <p:stCondLst>
+                                    <p:cond delay="0"/>
+                                  </p:stCondLst>
+                                  <p:childTnLst>
+                                    <p:animEffect transition="out" filter="fade">
+                                      <p:cBhvr>
+                                        <p:cTn id="31" dur="500"/>
+                                        <p:tgtEl>
+                                          <p:spTgt spid="13"/>
+                                        </p:tgtEl>
+                                      </p:cBhvr>
+                                    </p:animEffect>
+                                    <p:set>
+                                      <p:cBhvr>
+                                        <p:cTn id="32" dur="1" fill="hold">
+                                          <p:stCondLst>
+                                            <p:cond delay="499"/>
+                                          </p:stCondLst>
+                                        </p:cTn>
+                                        <p:tgtEl>
+                                          <p:spTgt spid="13"/>
+                                        </p:tgtEl>
+                                        <p:attrNameLst>
+                                          <p:attrName>style.visibility</p:attrName>
+                                        </p:attrNameLst>
+                                      </p:cBhvr>
+                                      <p:to>
+                                        <p:strVal val="hidden"/>
+                                      </p:to>
+                                    </p:set>
+                                  </p:childTnLst>
+                                </p:cTn>
+                              </p:par>
+                            </p:childTnLst>
+                          </p:cTn>
+                        </p:par>
+                      </p:childTnLst>
+                    </p:cTn>
+                  </p:par>
+                  <p:par>
+                    <p:cTn id="33" fill="hold">
+                      <p:stCondLst>
+                        <p:cond delay="indefinite"/>
+                      </p:stCondLst>
+                      <p:childTnLst>
+                        <p:par>
+                          <p:cTn id="34" fill="hold">
+                            <p:stCondLst>
+                              <p:cond delay="0"/>
+                            </p:stCondLst>
+                            <p:childTnLst>
+                              <p:par>
+                                <p:cTn id="35" presetID="10" presetClass="entr" presetSubtype="0" fill="hold" grpId="0" nodeType="clickEffect">
+                                  <p:stCondLst>
+                                    <p:cond delay="0"/>
+                                  </p:stCondLst>
+                                  <p:childTnLst>
+                                    <p:set>
+                                      <p:cBhvr>
+                                        <p:cTn id="36" dur="1" fill="hold">
+                                          <p:stCondLst>
+                                            <p:cond delay="0"/>
+                                          </p:stCondLst>
+                                        </p:cTn>
+                                        <p:tgtEl>
+                                          <p:spTgt spid="16"/>
+                                        </p:tgtEl>
+                                        <p:attrNameLst>
+                                          <p:attrName>style.visibility</p:attrName>
+                                        </p:attrNameLst>
+                                      </p:cBhvr>
+                                      <p:to>
+                                        <p:strVal val="visible"/>
+                                      </p:to>
+                                    </p:set>
+                                    <p:animEffect transition="in" filter="fade">
+                                      <p:cBhvr>
+                                        <p:cTn id="37" dur="500"/>
+                                        <p:tgtEl>
+                                          <p:spTgt spid="16"/>
+                                        </p:tgtEl>
+                                      </p:cBhvr>
+                                    </p:animEffect>
+                                  </p:childTnLst>
+                                </p:cTn>
+                              </p:par>
+                            </p:childTnLst>
+                          </p:cTn>
+                        </p:par>
+                      </p:childTnLst>
+                    </p:cTn>
+                  </p:par>
+                  <p:par>
+                    <p:cTn id="38" fill="hold">
+                      <p:stCondLst>
+                        <p:cond delay="indefinite"/>
+                      </p:stCondLst>
+                      <p:childTnLst>
+                        <p:par>
+                          <p:cTn id="39" fill="hold">
+                            <p:stCondLst>
+                              <p:cond delay="0"/>
+                            </p:stCondLst>
+                            <p:childTnLst>
+                              <p:par>
+                                <p:cTn id="40" presetID="10" presetClass="exit" presetSubtype="0" fill="hold" grpId="1" nodeType="clickEffect">
+                                  <p:stCondLst>
+                                    <p:cond delay="0"/>
+                                  </p:stCondLst>
+                                  <p:childTnLst>
+                                    <p:animEffect transition="out" filter="fade">
+                                      <p:cBhvr>
+                                        <p:cTn id="41" dur="500"/>
+                                        <p:tgtEl>
+                                          <p:spTgt spid="16"/>
+                                        </p:tgtEl>
+                                      </p:cBhvr>
+                                    </p:animEffect>
+                                    <p:set>
+                                      <p:cBhvr>
+                                        <p:cTn id="42" dur="1" fill="hold">
+                                          <p:stCondLst>
+                                            <p:cond delay="499"/>
+                                          </p:stCondLst>
+                                        </p:cTn>
+                                        <p:tgtEl>
+                                          <p:spTgt spid="16"/>
+                                        </p:tgtEl>
+                                        <p:attrNameLst>
+                                          <p:attrName>style.visibility</p:attrName>
+                                        </p:attrNameLst>
+                                      </p:cBhvr>
+                                      <p:to>
+                                        <p:strVal val="hidden"/>
+                                      </p:to>
+                                    </p:set>
+                                  </p:childTnLst>
+                                </p:cTn>
+                              </p:par>
+                            </p:childTnLst>
+                          </p:cTn>
+                        </p:par>
+                      </p:childTnLst>
+                    </p:cTn>
+                  </p:par>
+                </p:childTnLst>
+              </p:cTn>
+              <p:prevCondLst>
+                <p:cond evt="onPrev" delay="0">
+                  <p:tgtEl>
+                    <p:sldTgt/>
+                  </p:tgtEl>
+                </p:cond>
+              </p:prevCondLst>
+              <p:nextCondLst>
+                <p:cond evt="onNext" delay="0">
+                  <p:tgtEl>
+                    <p:sldTgt/>
+                  </p:tgtEl>
+                </p:cond>
+              </p:nextCondLst>
+            </p:seq>
+          </p:childTnLst>
+        </p:cTn>
       </p:par>
     </p:tnLst>
+    <p:bldLst>
+      <p:bldP spid="11" grpId="0" animBg="1"/>
+      <p:bldP spid="11" grpId="1" animBg="1"/>
+      <p:bldP spid="12" grpId="0" animBg="1"/>
+      <p:bldP spid="12" grpId="1" animBg="1"/>
+      <p:bldP spid="13" grpId="0" animBg="1"/>
+      <p:bldP spid="13" grpId="1" animBg="1"/>
+      <p:bldP spid="16" grpId="0" animBg="1"/>
+      <p:bldP spid="16" grpId="1" animBg="1"/>
+    </p:bldLst>
   </p:timing>
 </p:sld>
 </file>
 
-<file path=ppt/slides/slide15.xml><?xml version="1.0" encoding="utf-8"?>
+<file path=ppt/slides/slide18.xml><?xml version="1.0" encoding="utf-8"?>
+<p:sld xmlns:a="http://schemas.openxmlformats.org/drawingml/2006/main" xmlns:r="http://schemas.openxmlformats.org/officeDocument/2006/relationships" xmlns:p="http://schemas.openxmlformats.org/presentationml/2006/main">
+  <p:cSld>
+    <p:spTree>
+      <p:nvGrpSpPr>
+        <p:cNvPr id="1" name=""/>
+        <p:cNvGrpSpPr/>
+        <p:nvPr/>
+      </p:nvGrpSpPr>
+      <p:grpSpPr>
+        <a:xfrm>
+          <a:off x="0" y="0"/>
+          <a:ext cx="0" cy="0"/>
+          <a:chOff x="0" y="0"/>
+          <a:chExt cx="0" cy="0"/>
+        </a:xfrm>
+      </p:grpSpPr>
+      <p:sp>
+        <p:nvSpPr>
+          <p:cNvPr id="5" name="Rechteck 4">
+            <a:extLst>
+              <a:ext uri="{FF2B5EF4-FFF2-40B4-BE49-F238E27FC236}">
+                <a16:creationId xmlns:a16="http://schemas.microsoft.com/office/drawing/2014/main" id="{6C91387F-AF56-614F-B14F-5E345367B7AF}"/>
+              </a:ext>
+            </a:extLst>
+          </p:cNvPr>
+          <p:cNvSpPr/>
+          <p:nvPr/>
+        </p:nvSpPr>
+        <p:spPr>
+          <a:xfrm>
+            <a:off x="0" y="-197963"/>
+            <a:ext cx="12192000" cy="6858000"/>
+          </a:xfrm>
+          <a:prstGeom prst="rect">
+            <a:avLst/>
+          </a:prstGeom>
+          <a:solidFill>
+            <a:schemeClr val="bg2"/>
+          </a:solidFill>
+          <a:ln>
+            <a:noFill/>
+          </a:ln>
+        </p:spPr>
+        <p:style>
+          <a:lnRef idx="2">
+            <a:schemeClr val="accent1">
+              <a:shade val="50000"/>
+            </a:schemeClr>
+          </a:lnRef>
+          <a:fillRef idx="1">
+            <a:schemeClr val="accent1"/>
+          </a:fillRef>
+          <a:effectRef idx="0">
+            <a:schemeClr val="accent1"/>
+          </a:effectRef>
+          <a:fontRef idx="minor">
+            <a:schemeClr val="lt1"/>
+          </a:fontRef>
+        </p:style>
+        <p:txBody>
+          <a:bodyPr rtlCol="0" anchor="ctr"/>
+          <a:lstStyle/>
+          <a:p>
+            <a:pPr algn="ctr"/>
+            <a:endParaRPr lang="de-DE" dirty="0"/>
+          </a:p>
+        </p:txBody>
+      </p:sp>
+      <p:sp>
+        <p:nvSpPr>
+          <p:cNvPr id="2" name="Titel 1">
+            <a:extLst>
+              <a:ext uri="{FF2B5EF4-FFF2-40B4-BE49-F238E27FC236}">
+                <a16:creationId xmlns:a16="http://schemas.microsoft.com/office/drawing/2014/main" id="{35BFDC70-A169-E142-B051-5ABC9190E094}"/>
+              </a:ext>
+            </a:extLst>
+          </p:cNvPr>
+          <p:cNvSpPr>
+            <a:spLocks noGrp="1"/>
+          </p:cNvSpPr>
+          <p:nvPr>
+            <p:ph type="title"/>
+          </p:nvPr>
+        </p:nvSpPr>
+        <p:spPr>
+          <a:xfrm>
+            <a:off x="0" y="0"/>
+            <a:ext cx="12191999" cy="1106905"/>
+          </a:xfrm>
+        </p:spPr>
+        <p:txBody>
+          <a:bodyPr vert="horz" lIns="91440" tIns="45720" rIns="91440" bIns="45720" rtlCol="0">
+            <a:normAutofit/>
+          </a:bodyPr>
+          <a:lstStyle/>
+          <a:p>
+            <a:pPr algn="ctr"/>
+            <a:r>
+              <a:rPr lang="en-US" sz="4000" dirty="0" err="1">
+                <a:solidFill>
+                  <a:schemeClr val="accent1"/>
+                </a:solidFill>
+              </a:rPr>
+              <a:t>Minimalekosten</a:t>
+            </a:r>
+            <a:r>
+              <a:rPr lang="en-US" sz="4000" dirty="0">
+                <a:solidFill>
+                  <a:schemeClr val="accent1"/>
+                </a:solidFill>
+              </a:rPr>
+              <a:t> </a:t>
+            </a:r>
+            <a:r>
+              <a:rPr lang="en-US" sz="4000" dirty="0" err="1">
+                <a:solidFill>
+                  <a:schemeClr val="accent1"/>
+                </a:solidFill>
+              </a:rPr>
+              <a:t>ohne</a:t>
+            </a:r>
+            <a:r>
+              <a:rPr lang="en-US" sz="4000" dirty="0">
+                <a:solidFill>
+                  <a:schemeClr val="accent1"/>
+                </a:solidFill>
+              </a:rPr>
+              <a:t> </a:t>
+            </a:r>
+            <a:r>
+              <a:rPr lang="en-US" sz="4000" dirty="0" err="1">
+                <a:solidFill>
+                  <a:schemeClr val="accent1"/>
+                </a:solidFill>
+              </a:rPr>
+              <a:t>Kapazitätsbegrenzung</a:t>
+            </a:r>
+            <a:endParaRPr lang="en-US" sz="4000" kern="1200" dirty="0">
+              <a:solidFill>
+                <a:schemeClr val="accent1"/>
+              </a:solidFill>
+              <a:latin typeface="+mj-lt"/>
+              <a:ea typeface="+mj-ea"/>
+              <a:cs typeface="+mj-cs"/>
+            </a:endParaRPr>
+          </a:p>
+        </p:txBody>
+      </p:sp>
+      <p:sp>
+        <p:nvSpPr>
+          <p:cNvPr id="6" name="Titel 1">
+            <a:extLst>
+              <a:ext uri="{FF2B5EF4-FFF2-40B4-BE49-F238E27FC236}">
+                <a16:creationId xmlns:a16="http://schemas.microsoft.com/office/drawing/2014/main" id="{E7C2CB7B-ACCE-46AA-B361-C575579F8987}"/>
+              </a:ext>
+            </a:extLst>
+          </p:cNvPr>
+          <p:cNvSpPr txBox="1">
+            <a:spLocks/>
+          </p:cNvSpPr>
+          <p:nvPr/>
+        </p:nvSpPr>
+        <p:spPr>
+          <a:xfrm>
+            <a:off x="-1" y="705851"/>
+            <a:ext cx="12191999" cy="3753853"/>
+          </a:xfrm>
+          <a:prstGeom prst="rect">
+            <a:avLst/>
+          </a:prstGeom>
+        </p:spPr>
+        <p:txBody>
+          <a:bodyPr vert="horz" lIns="91440" tIns="45720" rIns="91440" bIns="45720" rtlCol="0" anchor="ctr">
+            <a:normAutofit/>
+          </a:bodyPr>
+          <a:lstStyle>
+            <a:lvl1pPr algn="l" defTabSz="914400" rtl="0" eaLnBrk="1" latinLnBrk="0" hangingPunct="1">
+              <a:lnSpc>
+                <a:spcPct val="90000"/>
+              </a:lnSpc>
+              <a:spcBef>
+                <a:spcPct val="0"/>
+              </a:spcBef>
+              <a:buNone/>
+              <a:defRPr sz="4400" kern="1200">
+                <a:solidFill>
+                  <a:schemeClr val="tx1"/>
+                </a:solidFill>
+                <a:latin typeface="+mj-lt"/>
+                <a:ea typeface="+mj-ea"/>
+                <a:cs typeface="+mj-cs"/>
+              </a:defRPr>
+            </a:lvl1pPr>
+          </a:lstStyle>
+          <a:p>
+            <a:pPr algn="ctr"/>
+            <a:endParaRPr lang="en-US" sz="4000" dirty="0">
+              <a:solidFill>
+                <a:schemeClr val="accent1"/>
+              </a:solidFill>
+            </a:endParaRPr>
+          </a:p>
+        </p:txBody>
+      </p:sp>
+      <p:pic>
+        <p:nvPicPr>
+          <p:cNvPr id="4" name="Grafik 3">
+            <a:extLst>
+              <a:ext uri="{FF2B5EF4-FFF2-40B4-BE49-F238E27FC236}">
+                <a16:creationId xmlns:a16="http://schemas.microsoft.com/office/drawing/2014/main" id="{9CE66A13-0C75-4FD9-A123-2756CAAD340B}"/>
+              </a:ext>
+            </a:extLst>
+          </p:cNvPr>
+          <p:cNvPicPr>
+            <a:picLocks noChangeAspect="1"/>
+          </p:cNvPicPr>
+          <p:nvPr/>
+        </p:nvPicPr>
+        <p:blipFill>
+          <a:blip r:embed="rId3"/>
+          <a:stretch>
+            <a:fillRect/>
+          </a:stretch>
+        </p:blipFill>
+        <p:spPr>
+          <a:xfrm>
+            <a:off x="1543327" y="1471612"/>
+            <a:ext cx="9105346" cy="3914775"/>
+          </a:xfrm>
+          <a:prstGeom prst="rect">
+            <a:avLst/>
+          </a:prstGeom>
+        </p:spPr>
+      </p:pic>
+    </p:spTree>
+    <p:extLst>
+      <p:ext uri="{BB962C8B-B14F-4D97-AF65-F5344CB8AC3E}">
+        <p14:creationId xmlns:p14="http://schemas.microsoft.com/office/powerpoint/2010/main" val="4074639891"/>
+      </p:ext>
+    </p:extLst>
+  </p:cSld>
+  <p:clrMapOvr>
+    <a:masterClrMapping/>
+  </p:clrMapOvr>
+</p:sld>
+</file>
+
+<file path=ppt/slides/slide19.xml><?xml version="1.0" encoding="utf-8"?>
+<p:sld xmlns:a="http://schemas.openxmlformats.org/drawingml/2006/main" xmlns:r="http://schemas.openxmlformats.org/officeDocument/2006/relationships" xmlns:p="http://schemas.openxmlformats.org/presentationml/2006/main">
+  <p:cSld>
+    <p:spTree>
+      <p:nvGrpSpPr>
+        <p:cNvPr id="1" name=""/>
+        <p:cNvGrpSpPr/>
+        <p:nvPr/>
+      </p:nvGrpSpPr>
+      <p:grpSpPr>
+        <a:xfrm>
+          <a:off x="0" y="0"/>
+          <a:ext cx="0" cy="0"/>
+          <a:chOff x="0" y="0"/>
+          <a:chExt cx="0" cy="0"/>
+        </a:xfrm>
+      </p:grpSpPr>
+      <p:sp>
+        <p:nvSpPr>
+          <p:cNvPr id="4" name="Rechteck 3">
+            <a:extLst>
+              <a:ext uri="{FF2B5EF4-FFF2-40B4-BE49-F238E27FC236}">
+                <a16:creationId xmlns:a16="http://schemas.microsoft.com/office/drawing/2014/main" id="{E4D21FBE-9E79-4438-A9C4-A86631E75D3D}"/>
+              </a:ext>
+            </a:extLst>
+          </p:cNvPr>
+          <p:cNvSpPr/>
+          <p:nvPr/>
+        </p:nvSpPr>
+        <p:spPr>
+          <a:xfrm>
+            <a:off x="0" y="0"/>
+            <a:ext cx="12192000" cy="6858000"/>
+          </a:xfrm>
+          <a:prstGeom prst="rect">
+            <a:avLst/>
+          </a:prstGeom>
+          <a:solidFill>
+            <a:schemeClr val="bg2"/>
+          </a:solidFill>
+          <a:ln>
+            <a:noFill/>
+          </a:ln>
+        </p:spPr>
+        <p:style>
+          <a:lnRef idx="2">
+            <a:schemeClr val="accent1">
+              <a:shade val="50000"/>
+            </a:schemeClr>
+          </a:lnRef>
+          <a:fillRef idx="1">
+            <a:schemeClr val="accent1"/>
+          </a:fillRef>
+          <a:effectRef idx="0">
+            <a:schemeClr val="accent1"/>
+          </a:effectRef>
+          <a:fontRef idx="minor">
+            <a:schemeClr val="lt1"/>
+          </a:fontRef>
+        </p:style>
+        <p:txBody>
+          <a:bodyPr rtlCol="0" anchor="ctr"/>
+          <a:lstStyle/>
+          <a:p>
+            <a:pPr algn="ctr"/>
+            <a:endParaRPr lang="de-DE"/>
+          </a:p>
+        </p:txBody>
+      </p:sp>
+      <p:sp>
+        <p:nvSpPr>
+          <p:cNvPr id="2" name="Titel 1">
+            <a:extLst>
+              <a:ext uri="{FF2B5EF4-FFF2-40B4-BE49-F238E27FC236}">
+                <a16:creationId xmlns:a16="http://schemas.microsoft.com/office/drawing/2014/main" id="{5D43DF7A-1A5D-4ACC-A604-ABDFA208B266}"/>
+              </a:ext>
+            </a:extLst>
+          </p:cNvPr>
+          <p:cNvSpPr>
+            <a:spLocks noGrp="1"/>
+          </p:cNvSpPr>
+          <p:nvPr>
+            <p:ph type="title"/>
+          </p:nvPr>
+        </p:nvSpPr>
+        <p:spPr/>
+        <p:txBody>
+          <a:bodyPr/>
+          <a:lstStyle/>
+          <a:p>
+            <a:endParaRPr lang="de-DE" dirty="0"/>
+          </a:p>
+        </p:txBody>
+      </p:sp>
+      <p:sp>
+        <p:nvSpPr>
+          <p:cNvPr id="3" name="Inhaltsplatzhalter 2">
+            <a:extLst>
+              <a:ext uri="{FF2B5EF4-FFF2-40B4-BE49-F238E27FC236}">
+                <a16:creationId xmlns:a16="http://schemas.microsoft.com/office/drawing/2014/main" id="{C24FCB4C-0151-435F-B548-7A9594A11125}"/>
+              </a:ext>
+            </a:extLst>
+          </p:cNvPr>
+          <p:cNvSpPr>
+            <a:spLocks noGrp="1"/>
+          </p:cNvSpPr>
+          <p:nvPr>
+            <p:ph idx="1"/>
+          </p:nvPr>
+        </p:nvSpPr>
+        <p:spPr/>
+        <p:txBody>
+          <a:bodyPr/>
+          <a:lstStyle/>
+          <a:p>
+            <a:endParaRPr lang="de-DE" dirty="0"/>
+          </a:p>
+        </p:txBody>
+      </p:sp>
+      <p:pic>
+        <p:nvPicPr>
+          <p:cNvPr id="7" name="Grafik 6">
+            <a:extLst>
+              <a:ext uri="{FF2B5EF4-FFF2-40B4-BE49-F238E27FC236}">
+                <a16:creationId xmlns:a16="http://schemas.microsoft.com/office/drawing/2014/main" id="{CDB7C4AB-22B7-4FCD-861C-AABFB133B5BD}"/>
+              </a:ext>
+            </a:extLst>
+          </p:cNvPr>
+          <p:cNvPicPr>
+            <a:picLocks noChangeAspect="1"/>
+          </p:cNvPicPr>
+          <p:nvPr/>
+        </p:nvPicPr>
+        <p:blipFill>
+          <a:blip r:embed="rId3"/>
+          <a:stretch>
+            <a:fillRect/>
+          </a:stretch>
+        </p:blipFill>
+        <p:spPr>
+          <a:xfrm>
+            <a:off x="146621" y="681037"/>
+            <a:ext cx="11006023" cy="4712762"/>
+          </a:xfrm>
+          <a:prstGeom prst="rect">
+            <a:avLst/>
+          </a:prstGeom>
+        </p:spPr>
+      </p:pic>
+    </p:spTree>
+    <p:extLst>
+      <p:ext uri="{BB962C8B-B14F-4D97-AF65-F5344CB8AC3E}">
+        <p14:creationId xmlns:p14="http://schemas.microsoft.com/office/powerpoint/2010/main" val="3578237677"/>
+      </p:ext>
+    </p:extLst>
+  </p:cSld>
+  <p:clrMapOvr>
+    <a:masterClrMapping/>
+  </p:clrMapOvr>
+</p:sld>
+</file>
+
+<file path=ppt/slides/slide2.xml><?xml version="1.0" encoding="utf-8"?>
 <p:sld xmlns:a="http://schemas.openxmlformats.org/drawingml/2006/main" xmlns:r="http://schemas.openxmlformats.org/officeDocument/2006/relationships" xmlns:p="http://schemas.openxmlformats.org/presentationml/2006/main">
   <p:cSld>
     <p:bg>
@@ -7786,13 +9672,13 @@
       </p:grpSpPr>
       <p:sp>
         <p:nvSpPr>
-          <p:cNvPr id="19" name="Rectangle 18">
+          <p:cNvPr id="8" name="Rectangle 7">
             <a:extLst>
               <a:ext uri="{FF2B5EF4-FFF2-40B4-BE49-F238E27FC236}">
-                <a16:creationId xmlns="" xmlns:a16="http://schemas.microsoft.com/office/drawing/2014/main" id="{8D70B121-56F4-4848-B38B-182089D909FA}"/>
+                <a16:creationId xmlns:a16="http://schemas.microsoft.com/office/drawing/2014/main" id="{8D70B121-56F4-4848-B38B-182089D909FA}"/>
               </a:ext>
               <a:ext uri="{C183D7F6-B498-43B3-948B-1728B52AA6E4}">
-                <adec:decorative xmlns="" xmlns:adec="http://schemas.microsoft.com/office/drawing/2017/decorative" val="1"/>
+                <adec:decorative xmlns:adec="http://schemas.microsoft.com/office/drawing/2017/decorative" val="1"/>
               </a:ext>
             </a:extLst>
           </p:cNvPr>
@@ -7802,7 +9688,7 @@
           <p:nvPr>
             <p:extLst>
               <p:ext uri="{386F3935-93C4-4BCD-93E2-E3B085C9AB24}">
-                <p16:designElem xmlns="" xmlns:p16="http://schemas.microsoft.com/office/powerpoint/2015/main" val="1"/>
+                <p16:designElem xmlns:p16="http://schemas.microsoft.com/office/powerpoint/2015/main" val="1"/>
               </p:ext>
             </p:extLst>
           </p:nvPr>
@@ -7854,7 +9740,7 @@
           <p:cNvPr id="2" name="Titel 1">
             <a:extLst>
               <a:ext uri="{FF2B5EF4-FFF2-40B4-BE49-F238E27FC236}">
-                <a16:creationId xmlns="" xmlns:a16="http://schemas.microsoft.com/office/drawing/2014/main" id="{35BFDC70-A169-E142-B051-5ABC9190E094}"/>
+                <a16:creationId xmlns:a16="http://schemas.microsoft.com/office/drawing/2014/main" id="{0B5D0F8F-C92F-BC46-ACC4-7A21698DD272}"/>
               </a:ext>
             </a:extLst>
           </p:cNvPr>
@@ -7867,45 +9753,37 @@
         </p:nvSpPr>
         <p:spPr>
           <a:xfrm>
-            <a:off x="861390" y="963877"/>
-            <a:ext cx="3471171" cy="4930246"/>
+            <a:off x="838200" y="963877"/>
+            <a:ext cx="3494362" cy="4930246"/>
           </a:xfrm>
         </p:spPr>
         <p:txBody>
-          <a:bodyPr vert="horz" lIns="91440" tIns="45720" rIns="91440" bIns="45720" rtlCol="0">
+          <a:bodyPr>
             <a:normAutofit/>
           </a:bodyPr>
           <a:lstStyle/>
           <a:p>
-            <a:pPr algn="ctr"/>
-            <a:r>
-              <a:rPr lang="en-US" dirty="0" err="1">
+            <a:pPr algn="r"/>
+            <a:r>
+              <a:rPr lang="de-DE" dirty="0">
                 <a:solidFill>
                   <a:schemeClr val="accent1"/>
                 </a:solidFill>
               </a:rPr>
-              <a:t>Herangehens-weise</a:t>
-            </a:r>
-            <a:endParaRPr lang="en-US" kern="1200" dirty="0">
-              <a:solidFill>
-                <a:schemeClr val="accent1"/>
-              </a:solidFill>
-              <a:latin typeface="+mj-lt"/>
-              <a:ea typeface="+mj-ea"/>
-              <a:cs typeface="+mj-cs"/>
-            </a:endParaRPr>
+              <a:t>Gliederung	</a:t>
+            </a:r>
           </a:p>
         </p:txBody>
       </p:sp>
       <p:cxnSp>
         <p:nvCxnSpPr>
-          <p:cNvPr id="21" name="Straight Connector 20">
+          <p:cNvPr id="10" name="Straight Connector 9">
             <a:extLst>
               <a:ext uri="{FF2B5EF4-FFF2-40B4-BE49-F238E27FC236}">
-                <a16:creationId xmlns="" xmlns:a16="http://schemas.microsoft.com/office/drawing/2014/main" id="{2D72A2C9-F3CA-4216-8BAD-FA4C970C3C4E}"/>
+                <a16:creationId xmlns:a16="http://schemas.microsoft.com/office/drawing/2014/main" id="{2D72A2C9-F3CA-4216-8BAD-FA4C970C3C4E}"/>
               </a:ext>
               <a:ext uri="{C183D7F6-B498-43B3-948B-1728B52AA6E4}">
-                <adec:decorative xmlns="" xmlns:adec="http://schemas.microsoft.com/office/drawing/2017/decorative" val="1"/>
+                <adec:decorative xmlns:adec="http://schemas.microsoft.com/office/drawing/2017/decorative" val="1"/>
               </a:ext>
             </a:extLst>
           </p:cNvPr>
@@ -7915,7 +9793,7 @@
           <p:nvPr>
             <p:extLst>
               <p:ext uri="{386F3935-93C4-4BCD-93E2-E3B085C9AB24}">
-                <p16:designElem xmlns="" xmlns:p16="http://schemas.microsoft.com/office/powerpoint/2015/main" val="1"/>
+                <p16:designElem xmlns:p16="http://schemas.microsoft.com/office/powerpoint/2015/main" val="1"/>
               </p:ext>
             </p:extLst>
           </p:nvPr>
@@ -7954,1104 +9832,10 @@
       </p:cxnSp>
       <p:sp>
         <p:nvSpPr>
-          <p:cNvPr id="8" name="Inhaltsplatzhalter 4">
-            <a:extLst>
-              <a:ext uri="{FF2B5EF4-FFF2-40B4-BE49-F238E27FC236}">
-                <a16:creationId xmlns="" xmlns:a16="http://schemas.microsoft.com/office/drawing/2014/main" id="{A8E625C4-6DB1-9D42-BFEA-DE37A6F928F3}"/>
-              </a:ext>
-            </a:extLst>
-          </p:cNvPr>
-          <p:cNvSpPr>
-            <a:spLocks noGrp="1"/>
-          </p:cNvSpPr>
-          <p:nvPr>
-            <p:ph idx="1"/>
-          </p:nvPr>
-        </p:nvSpPr>
-        <p:spPr>
-          <a:xfrm>
-            <a:off x="5097419" y="963877"/>
-            <a:ext cx="5686424" cy="4930246"/>
-          </a:xfrm>
-        </p:spPr>
-        <p:txBody>
-          <a:bodyPr anchor="ctr">
-            <a:normAutofit/>
-          </a:bodyPr>
-          <a:lstStyle/>
-          <a:p>
-            <a:r>
-              <a:rPr lang="de-DE" dirty="0"/>
-              <a:t>Maximaler Fluss </a:t>
-            </a:r>
-          </a:p>
-          <a:p>
-            <a:r>
-              <a:rPr lang="de-DE" dirty="0"/>
-              <a:t>Transportkosten Problem</a:t>
-            </a:r>
-          </a:p>
-        </p:txBody>
-      </p:sp>
-    </p:spTree>
-    <p:extLst>
-      <p:ext uri="{BB962C8B-B14F-4D97-AF65-F5344CB8AC3E}">
-        <p14:creationId xmlns:p14="http://schemas.microsoft.com/office/powerpoint/2010/main" val="4289466793"/>
-      </p:ext>
-    </p:extLst>
-  </p:cSld>
-  <p:clrMapOvr>
-    <a:masterClrMapping/>
-  </p:clrMapOvr>
-  <p:timing>
-    <p:tnLst>
-      <p:par>
-        <p:cTn id="1" dur="indefinite" restart="never" nodeType="tmRoot"/>
-      </p:par>
-    </p:tnLst>
-  </p:timing>
-</p:sld>
-</file>
-
-<file path=ppt/slides/slide16.xml><?xml version="1.0" encoding="utf-8"?>
-<p:sld xmlns:a="http://schemas.openxmlformats.org/drawingml/2006/main" xmlns:r="http://schemas.openxmlformats.org/officeDocument/2006/relationships" xmlns:p="http://schemas.openxmlformats.org/presentationml/2006/main">
-  <p:cSld>
-    <p:spTree>
-      <p:nvGrpSpPr>
-        <p:cNvPr id="1" name=""/>
-        <p:cNvGrpSpPr/>
-        <p:nvPr/>
-      </p:nvGrpSpPr>
-      <p:grpSpPr>
-        <a:xfrm>
-          <a:off x="0" y="0"/>
-          <a:ext cx="0" cy="0"/>
-          <a:chOff x="0" y="0"/>
-          <a:chExt cx="0" cy="0"/>
-        </a:xfrm>
-      </p:grpSpPr>
-      <p:sp>
-        <p:nvSpPr>
-          <p:cNvPr id="5" name="Rechteck 4">
-            <a:extLst>
-              <a:ext uri="{FF2B5EF4-FFF2-40B4-BE49-F238E27FC236}">
-                <a16:creationId xmlns="" xmlns:a16="http://schemas.microsoft.com/office/drawing/2014/main" id="{6C91387F-AF56-614F-B14F-5E345367B7AF}"/>
-              </a:ext>
-            </a:extLst>
-          </p:cNvPr>
-          <p:cNvSpPr/>
-          <p:nvPr/>
-        </p:nvSpPr>
-        <p:spPr>
-          <a:xfrm>
-            <a:off x="0" y="-197963"/>
-            <a:ext cx="12192000" cy="6858000"/>
-          </a:xfrm>
-          <a:prstGeom prst="rect">
-            <a:avLst/>
-          </a:prstGeom>
-          <a:solidFill>
-            <a:schemeClr val="bg2"/>
-          </a:solidFill>
-          <a:ln>
-            <a:noFill/>
-          </a:ln>
-        </p:spPr>
-        <p:style>
-          <a:lnRef idx="2">
-            <a:schemeClr val="accent1">
-              <a:shade val="50000"/>
-            </a:schemeClr>
-          </a:lnRef>
-          <a:fillRef idx="1">
-            <a:schemeClr val="accent1"/>
-          </a:fillRef>
-          <a:effectRef idx="0">
-            <a:schemeClr val="accent1"/>
-          </a:effectRef>
-          <a:fontRef idx="minor">
-            <a:schemeClr val="lt1"/>
-          </a:fontRef>
-        </p:style>
-        <p:txBody>
-          <a:bodyPr rtlCol="0" anchor="ctr"/>
-          <a:lstStyle/>
-          <a:p>
-            <a:pPr algn="ctr"/>
-            <a:endParaRPr lang="de-DE" dirty="0"/>
-          </a:p>
-        </p:txBody>
-      </p:sp>
-      <p:sp>
-        <p:nvSpPr>
-          <p:cNvPr id="2" name="Titel 1">
-            <a:extLst>
-              <a:ext uri="{FF2B5EF4-FFF2-40B4-BE49-F238E27FC236}">
-                <a16:creationId xmlns="" xmlns:a16="http://schemas.microsoft.com/office/drawing/2014/main" id="{35BFDC70-A169-E142-B051-5ABC9190E094}"/>
-              </a:ext>
-            </a:extLst>
-          </p:cNvPr>
-          <p:cNvSpPr>
-            <a:spLocks noGrp="1"/>
-          </p:cNvSpPr>
-          <p:nvPr>
-            <p:ph type="title"/>
-          </p:nvPr>
-        </p:nvSpPr>
-        <p:spPr>
-          <a:xfrm>
-            <a:off x="0" y="0"/>
-            <a:ext cx="12191999" cy="1106905"/>
-          </a:xfrm>
-        </p:spPr>
-        <p:txBody>
-          <a:bodyPr vert="horz" lIns="91440" tIns="45720" rIns="91440" bIns="45720" rtlCol="0">
-            <a:normAutofit/>
-          </a:bodyPr>
-          <a:lstStyle/>
-          <a:p>
-            <a:pPr algn="ctr"/>
-            <a:r>
-              <a:rPr lang="en-US" sz="4000" dirty="0" err="1">
-                <a:solidFill>
-                  <a:schemeClr val="accent1"/>
-                </a:solidFill>
-              </a:rPr>
-              <a:t>Minimalekosten</a:t>
-            </a:r>
-            <a:r>
-              <a:rPr lang="en-US" sz="4000" dirty="0">
-                <a:solidFill>
-                  <a:schemeClr val="accent1"/>
-                </a:solidFill>
-              </a:rPr>
-              <a:t> </a:t>
-            </a:r>
-            <a:r>
-              <a:rPr lang="en-US" sz="4000" dirty="0" err="1">
-                <a:solidFill>
-                  <a:schemeClr val="accent1"/>
-                </a:solidFill>
-              </a:rPr>
-              <a:t>mit</a:t>
-            </a:r>
-            <a:r>
-              <a:rPr lang="en-US" sz="4000" dirty="0">
-                <a:solidFill>
-                  <a:schemeClr val="accent1"/>
-                </a:solidFill>
-              </a:rPr>
-              <a:t> </a:t>
-            </a:r>
-            <a:r>
-              <a:rPr lang="en-US" sz="4000" dirty="0" err="1">
-                <a:solidFill>
-                  <a:schemeClr val="accent1"/>
-                </a:solidFill>
-              </a:rPr>
-              <a:t>Kapazitätsbegrenzung</a:t>
-            </a:r>
-            <a:endParaRPr lang="en-US" sz="4000" kern="1200" dirty="0">
-              <a:solidFill>
-                <a:schemeClr val="accent1"/>
-              </a:solidFill>
-              <a:latin typeface="+mj-lt"/>
-              <a:ea typeface="+mj-ea"/>
-              <a:cs typeface="+mj-cs"/>
-            </a:endParaRPr>
-          </a:p>
-        </p:txBody>
-      </p:sp>
-      <p:sp>
-        <p:nvSpPr>
-          <p:cNvPr id="6" name="Titel 1">
-            <a:extLst>
-              <a:ext uri="{FF2B5EF4-FFF2-40B4-BE49-F238E27FC236}">
-                <a16:creationId xmlns="" xmlns:a16="http://schemas.microsoft.com/office/drawing/2014/main" id="{E7C2CB7B-ACCE-46AA-B361-C575579F8987}"/>
-              </a:ext>
-            </a:extLst>
-          </p:cNvPr>
-          <p:cNvSpPr txBox="1">
-            <a:spLocks/>
-          </p:cNvSpPr>
-          <p:nvPr/>
-        </p:nvSpPr>
-        <p:spPr>
-          <a:xfrm>
-            <a:off x="-1" y="705851"/>
-            <a:ext cx="12191999" cy="3753853"/>
-          </a:xfrm>
-          <a:prstGeom prst="rect">
-            <a:avLst/>
-          </a:prstGeom>
-        </p:spPr>
-        <p:txBody>
-          <a:bodyPr vert="horz" lIns="91440" tIns="45720" rIns="91440" bIns="45720" rtlCol="0" anchor="ctr">
-            <a:normAutofit/>
-          </a:bodyPr>
-          <a:lstStyle>
-            <a:lvl1pPr algn="l" defTabSz="914400" rtl="0" eaLnBrk="1" latinLnBrk="0" hangingPunct="1">
-              <a:lnSpc>
-                <a:spcPct val="90000"/>
-              </a:lnSpc>
-              <a:spcBef>
-                <a:spcPct val="0"/>
-              </a:spcBef>
-              <a:buNone/>
-              <a:defRPr sz="4400" kern="1200">
-                <a:solidFill>
-                  <a:schemeClr val="tx1"/>
-                </a:solidFill>
-                <a:latin typeface="+mj-lt"/>
-                <a:ea typeface="+mj-ea"/>
-                <a:cs typeface="+mj-cs"/>
-              </a:defRPr>
-            </a:lvl1pPr>
-          </a:lstStyle>
-          <a:p>
-            <a:pPr algn="ctr"/>
-            <a:endParaRPr lang="en-US" sz="4000" dirty="0">
-              <a:solidFill>
-                <a:schemeClr val="accent1"/>
-              </a:solidFill>
-            </a:endParaRPr>
-          </a:p>
-        </p:txBody>
-      </p:sp>
-      <p:pic>
-        <p:nvPicPr>
-          <p:cNvPr id="8" name="Grafik 7">
-            <a:extLst>
-              <a:ext uri="{FF2B5EF4-FFF2-40B4-BE49-F238E27FC236}">
-                <a16:creationId xmlns="" xmlns:a16="http://schemas.microsoft.com/office/drawing/2014/main" id="{C89ECDFD-2E29-4183-B4C5-57C14F623766}"/>
-              </a:ext>
-            </a:extLst>
-          </p:cNvPr>
-          <p:cNvPicPr>
-            <a:picLocks noChangeAspect="1"/>
-          </p:cNvPicPr>
-          <p:nvPr/>
-        </p:nvPicPr>
-        <p:blipFill>
-          <a:blip r:embed="rId3"/>
-          <a:stretch>
-            <a:fillRect/>
-          </a:stretch>
-        </p:blipFill>
-        <p:spPr>
-          <a:xfrm>
-            <a:off x="1428750" y="1434918"/>
-            <a:ext cx="9334500" cy="3988163"/>
-          </a:xfrm>
-          <a:prstGeom prst="rect">
-            <a:avLst/>
-          </a:prstGeom>
-        </p:spPr>
-      </p:pic>
-    </p:spTree>
-    <p:extLst>
-      <p:ext uri="{BB962C8B-B14F-4D97-AF65-F5344CB8AC3E}">
-        <p14:creationId xmlns:p14="http://schemas.microsoft.com/office/powerpoint/2010/main" val="1826987104"/>
-      </p:ext>
-    </p:extLst>
-  </p:cSld>
-  <p:clrMapOvr>
-    <a:masterClrMapping/>
-  </p:clrMapOvr>
-  <p:timing>
-    <p:tnLst>
-      <p:par>
-        <p:cTn id="1" dur="indefinite" restart="never" nodeType="tmRoot"/>
-      </p:par>
-    </p:tnLst>
-  </p:timing>
-</p:sld>
-</file>
-
-<file path=ppt/slides/slide17.xml><?xml version="1.0" encoding="utf-8"?>
-<p:sld xmlns:a="http://schemas.openxmlformats.org/drawingml/2006/main" xmlns:r="http://schemas.openxmlformats.org/officeDocument/2006/relationships" xmlns:p="http://schemas.openxmlformats.org/presentationml/2006/main">
-  <p:cSld>
-    <p:spTree>
-      <p:nvGrpSpPr>
-        <p:cNvPr id="1" name=""/>
-        <p:cNvGrpSpPr/>
-        <p:nvPr/>
-      </p:nvGrpSpPr>
-      <p:grpSpPr>
-        <a:xfrm>
-          <a:off x="0" y="0"/>
-          <a:ext cx="0" cy="0"/>
-          <a:chOff x="0" y="0"/>
-          <a:chExt cx="0" cy="0"/>
-        </a:xfrm>
-      </p:grpSpPr>
-      <p:sp>
-        <p:nvSpPr>
-          <p:cNvPr id="4" name="Rechteck 3">
-            <a:extLst>
-              <a:ext uri="{FF2B5EF4-FFF2-40B4-BE49-F238E27FC236}">
-                <a16:creationId xmlns="" xmlns:a16="http://schemas.microsoft.com/office/drawing/2014/main" id="{E4D21FBE-9E79-4438-A9C4-A86631E75D3D}"/>
-              </a:ext>
-            </a:extLst>
-          </p:cNvPr>
-          <p:cNvSpPr/>
-          <p:nvPr/>
-        </p:nvSpPr>
-        <p:spPr>
-          <a:xfrm>
-            <a:off x="0" y="0"/>
-            <a:ext cx="12192000" cy="6858000"/>
-          </a:xfrm>
-          <a:prstGeom prst="rect">
-            <a:avLst/>
-          </a:prstGeom>
-          <a:solidFill>
-            <a:schemeClr val="bg2"/>
-          </a:solidFill>
-          <a:ln>
-            <a:noFill/>
-          </a:ln>
-        </p:spPr>
-        <p:style>
-          <a:lnRef idx="2">
-            <a:schemeClr val="accent1">
-              <a:shade val="50000"/>
-            </a:schemeClr>
-          </a:lnRef>
-          <a:fillRef idx="1">
-            <a:schemeClr val="accent1"/>
-          </a:fillRef>
-          <a:effectRef idx="0">
-            <a:schemeClr val="accent1"/>
-          </a:effectRef>
-          <a:fontRef idx="minor">
-            <a:schemeClr val="lt1"/>
-          </a:fontRef>
-        </p:style>
-        <p:txBody>
-          <a:bodyPr rtlCol="0" anchor="ctr"/>
-          <a:lstStyle/>
-          <a:p>
-            <a:pPr algn="ctr"/>
-            <a:endParaRPr lang="de-DE"/>
-          </a:p>
-        </p:txBody>
-      </p:sp>
-      <p:sp>
-        <p:nvSpPr>
-          <p:cNvPr id="2" name="Titel 1">
-            <a:extLst>
-              <a:ext uri="{FF2B5EF4-FFF2-40B4-BE49-F238E27FC236}">
-                <a16:creationId xmlns="" xmlns:a16="http://schemas.microsoft.com/office/drawing/2014/main" id="{5D43DF7A-1A5D-4ACC-A604-ABDFA208B266}"/>
-              </a:ext>
-            </a:extLst>
-          </p:cNvPr>
-          <p:cNvSpPr>
-            <a:spLocks noGrp="1"/>
-          </p:cNvSpPr>
-          <p:nvPr>
-            <p:ph type="title"/>
-          </p:nvPr>
-        </p:nvSpPr>
-        <p:spPr/>
-        <p:txBody>
-          <a:bodyPr/>
-          <a:lstStyle/>
-          <a:p>
-            <a:endParaRPr lang="de-DE" dirty="0"/>
-          </a:p>
-        </p:txBody>
-      </p:sp>
-      <p:sp>
-        <p:nvSpPr>
           <p:cNvPr id="3" name="Inhaltsplatzhalter 2">
             <a:extLst>
               <a:ext uri="{FF2B5EF4-FFF2-40B4-BE49-F238E27FC236}">
-                <a16:creationId xmlns="" xmlns:a16="http://schemas.microsoft.com/office/drawing/2014/main" id="{C24FCB4C-0151-435F-B548-7A9594A11125}"/>
-              </a:ext>
-            </a:extLst>
-          </p:cNvPr>
-          <p:cNvSpPr>
-            <a:spLocks noGrp="1"/>
-          </p:cNvSpPr>
-          <p:nvPr>
-            <p:ph idx="1"/>
-          </p:nvPr>
-        </p:nvSpPr>
-        <p:spPr/>
-        <p:txBody>
-          <a:bodyPr/>
-          <a:lstStyle/>
-          <a:p>
-            <a:endParaRPr lang="de-DE" dirty="0"/>
-          </a:p>
-        </p:txBody>
-      </p:sp>
-      <p:pic>
-        <p:nvPicPr>
-          <p:cNvPr id="5" name="Grafik 4">
-            <a:extLst>
-              <a:ext uri="{FF2B5EF4-FFF2-40B4-BE49-F238E27FC236}">
-                <a16:creationId xmlns="" xmlns:a16="http://schemas.microsoft.com/office/drawing/2014/main" id="{1C4ABC61-F649-4941-9A69-5363F27C5C7A}"/>
-              </a:ext>
-            </a:extLst>
-          </p:cNvPr>
-          <p:cNvPicPr>
-            <a:picLocks noChangeAspect="1"/>
-          </p:cNvPicPr>
-          <p:nvPr/>
-        </p:nvPicPr>
-        <p:blipFill>
-          <a:blip r:embed="rId2"/>
-          <a:stretch>
-            <a:fillRect/>
-          </a:stretch>
-        </p:blipFill>
-        <p:spPr>
-          <a:xfrm>
-            <a:off x="647883" y="681037"/>
-            <a:ext cx="10896234" cy="4667250"/>
-          </a:xfrm>
-          <a:prstGeom prst="rect">
-            <a:avLst/>
-          </a:prstGeom>
-        </p:spPr>
-      </p:pic>
-    </p:spTree>
-    <p:extLst>
-      <p:ext uri="{BB962C8B-B14F-4D97-AF65-F5344CB8AC3E}">
-        <p14:creationId xmlns:p14="http://schemas.microsoft.com/office/powerpoint/2010/main" val="2028477413"/>
-      </p:ext>
-    </p:extLst>
-  </p:cSld>
-  <p:clrMapOvr>
-    <a:masterClrMapping/>
-  </p:clrMapOvr>
-  <p:timing>
-    <p:tnLst>
-      <p:par>
-        <p:cTn id="1" dur="indefinite" restart="never" nodeType="tmRoot"/>
-      </p:par>
-    </p:tnLst>
-  </p:timing>
-</p:sld>
-</file>
-
-<file path=ppt/slides/slide18.xml><?xml version="1.0" encoding="utf-8"?>
-<p:sld xmlns:a="http://schemas.openxmlformats.org/drawingml/2006/main" xmlns:r="http://schemas.openxmlformats.org/officeDocument/2006/relationships" xmlns:p="http://schemas.openxmlformats.org/presentationml/2006/main">
-  <p:cSld>
-    <p:spTree>
-      <p:nvGrpSpPr>
-        <p:cNvPr id="1" name=""/>
-        <p:cNvGrpSpPr/>
-        <p:nvPr/>
-      </p:nvGrpSpPr>
-      <p:grpSpPr>
-        <a:xfrm>
-          <a:off x="0" y="0"/>
-          <a:ext cx="0" cy="0"/>
-          <a:chOff x="0" y="0"/>
-          <a:chExt cx="0" cy="0"/>
-        </a:xfrm>
-      </p:grpSpPr>
-      <p:sp>
-        <p:nvSpPr>
-          <p:cNvPr id="5" name="Rechteck 4">
-            <a:extLst>
-              <a:ext uri="{FF2B5EF4-FFF2-40B4-BE49-F238E27FC236}">
-                <a16:creationId xmlns="" xmlns:a16="http://schemas.microsoft.com/office/drawing/2014/main" id="{6C91387F-AF56-614F-B14F-5E345367B7AF}"/>
-              </a:ext>
-            </a:extLst>
-          </p:cNvPr>
-          <p:cNvSpPr/>
-          <p:nvPr/>
-        </p:nvSpPr>
-        <p:spPr>
-          <a:xfrm>
-            <a:off x="0" y="-197963"/>
-            <a:ext cx="12192000" cy="6858000"/>
-          </a:xfrm>
-          <a:prstGeom prst="rect">
-            <a:avLst/>
-          </a:prstGeom>
-          <a:solidFill>
-            <a:schemeClr val="bg2"/>
-          </a:solidFill>
-          <a:ln>
-            <a:noFill/>
-          </a:ln>
-        </p:spPr>
-        <p:style>
-          <a:lnRef idx="2">
-            <a:schemeClr val="accent1">
-              <a:shade val="50000"/>
-            </a:schemeClr>
-          </a:lnRef>
-          <a:fillRef idx="1">
-            <a:schemeClr val="accent1"/>
-          </a:fillRef>
-          <a:effectRef idx="0">
-            <a:schemeClr val="accent1"/>
-          </a:effectRef>
-          <a:fontRef idx="minor">
-            <a:schemeClr val="lt1"/>
-          </a:fontRef>
-        </p:style>
-        <p:txBody>
-          <a:bodyPr rtlCol="0" anchor="ctr"/>
-          <a:lstStyle/>
-          <a:p>
-            <a:pPr algn="ctr"/>
-            <a:endParaRPr lang="de-DE" dirty="0"/>
-          </a:p>
-        </p:txBody>
-      </p:sp>
-      <p:sp>
-        <p:nvSpPr>
-          <p:cNvPr id="2" name="Titel 1">
-            <a:extLst>
-              <a:ext uri="{FF2B5EF4-FFF2-40B4-BE49-F238E27FC236}">
-                <a16:creationId xmlns="" xmlns:a16="http://schemas.microsoft.com/office/drawing/2014/main" id="{35BFDC70-A169-E142-B051-5ABC9190E094}"/>
-              </a:ext>
-            </a:extLst>
-          </p:cNvPr>
-          <p:cNvSpPr>
-            <a:spLocks noGrp="1"/>
-          </p:cNvSpPr>
-          <p:nvPr>
-            <p:ph type="title"/>
-          </p:nvPr>
-        </p:nvSpPr>
-        <p:spPr>
-          <a:xfrm>
-            <a:off x="0" y="0"/>
-            <a:ext cx="12191999" cy="1106905"/>
-          </a:xfrm>
-        </p:spPr>
-        <p:txBody>
-          <a:bodyPr vert="horz" lIns="91440" tIns="45720" rIns="91440" bIns="45720" rtlCol="0">
-            <a:normAutofit/>
-          </a:bodyPr>
-          <a:lstStyle/>
-          <a:p>
-            <a:pPr algn="ctr"/>
-            <a:r>
-              <a:rPr lang="en-US" sz="4000" dirty="0" err="1">
-                <a:solidFill>
-                  <a:schemeClr val="accent1"/>
-                </a:solidFill>
-              </a:rPr>
-              <a:t>Minimalekosten</a:t>
-            </a:r>
-            <a:r>
-              <a:rPr lang="en-US" sz="4000" dirty="0">
-                <a:solidFill>
-                  <a:schemeClr val="accent1"/>
-                </a:solidFill>
-              </a:rPr>
-              <a:t> </a:t>
-            </a:r>
-            <a:r>
-              <a:rPr lang="en-US" sz="4000" dirty="0" err="1">
-                <a:solidFill>
-                  <a:schemeClr val="accent1"/>
-                </a:solidFill>
-              </a:rPr>
-              <a:t>ohne</a:t>
-            </a:r>
-            <a:r>
-              <a:rPr lang="en-US" sz="4000" dirty="0">
-                <a:solidFill>
-                  <a:schemeClr val="accent1"/>
-                </a:solidFill>
-              </a:rPr>
-              <a:t> </a:t>
-            </a:r>
-            <a:r>
-              <a:rPr lang="en-US" sz="4000" dirty="0" err="1">
-                <a:solidFill>
-                  <a:schemeClr val="accent1"/>
-                </a:solidFill>
-              </a:rPr>
-              <a:t>Kapazitätsbegrenzung</a:t>
-            </a:r>
-            <a:endParaRPr lang="en-US" sz="4000" kern="1200" dirty="0">
-              <a:solidFill>
-                <a:schemeClr val="accent1"/>
-              </a:solidFill>
-              <a:latin typeface="+mj-lt"/>
-              <a:ea typeface="+mj-ea"/>
-              <a:cs typeface="+mj-cs"/>
-            </a:endParaRPr>
-          </a:p>
-        </p:txBody>
-      </p:sp>
-      <p:sp>
-        <p:nvSpPr>
-          <p:cNvPr id="6" name="Titel 1">
-            <a:extLst>
-              <a:ext uri="{FF2B5EF4-FFF2-40B4-BE49-F238E27FC236}">
-                <a16:creationId xmlns="" xmlns:a16="http://schemas.microsoft.com/office/drawing/2014/main" id="{E7C2CB7B-ACCE-46AA-B361-C575579F8987}"/>
-              </a:ext>
-            </a:extLst>
-          </p:cNvPr>
-          <p:cNvSpPr txBox="1">
-            <a:spLocks/>
-          </p:cNvSpPr>
-          <p:nvPr/>
-        </p:nvSpPr>
-        <p:spPr>
-          <a:xfrm>
-            <a:off x="-1" y="705851"/>
-            <a:ext cx="12191999" cy="3753853"/>
-          </a:xfrm>
-          <a:prstGeom prst="rect">
-            <a:avLst/>
-          </a:prstGeom>
-        </p:spPr>
-        <p:txBody>
-          <a:bodyPr vert="horz" lIns="91440" tIns="45720" rIns="91440" bIns="45720" rtlCol="0" anchor="ctr">
-            <a:normAutofit/>
-          </a:bodyPr>
-          <a:lstStyle>
-            <a:lvl1pPr algn="l" defTabSz="914400" rtl="0" eaLnBrk="1" latinLnBrk="0" hangingPunct="1">
-              <a:lnSpc>
-                <a:spcPct val="90000"/>
-              </a:lnSpc>
-              <a:spcBef>
-                <a:spcPct val="0"/>
-              </a:spcBef>
-              <a:buNone/>
-              <a:defRPr sz="4400" kern="1200">
-                <a:solidFill>
-                  <a:schemeClr val="tx1"/>
-                </a:solidFill>
-                <a:latin typeface="+mj-lt"/>
-                <a:ea typeface="+mj-ea"/>
-                <a:cs typeface="+mj-cs"/>
-              </a:defRPr>
-            </a:lvl1pPr>
-          </a:lstStyle>
-          <a:p>
-            <a:pPr algn="ctr"/>
-            <a:endParaRPr lang="en-US" sz="4000" dirty="0">
-              <a:solidFill>
-                <a:schemeClr val="accent1"/>
-              </a:solidFill>
-            </a:endParaRPr>
-          </a:p>
-        </p:txBody>
-      </p:sp>
-      <p:pic>
-        <p:nvPicPr>
-          <p:cNvPr id="4" name="Grafik 3">
-            <a:extLst>
-              <a:ext uri="{FF2B5EF4-FFF2-40B4-BE49-F238E27FC236}">
-                <a16:creationId xmlns="" xmlns:a16="http://schemas.microsoft.com/office/drawing/2014/main" id="{9CE66A13-0C75-4FD9-A123-2756CAAD340B}"/>
-              </a:ext>
-            </a:extLst>
-          </p:cNvPr>
-          <p:cNvPicPr>
-            <a:picLocks noChangeAspect="1"/>
-          </p:cNvPicPr>
-          <p:nvPr/>
-        </p:nvPicPr>
-        <p:blipFill>
-          <a:blip r:embed="rId3"/>
-          <a:stretch>
-            <a:fillRect/>
-          </a:stretch>
-        </p:blipFill>
-        <p:spPr>
-          <a:xfrm>
-            <a:off x="1543327" y="1471612"/>
-            <a:ext cx="9105346" cy="3914775"/>
-          </a:xfrm>
-          <a:prstGeom prst="rect">
-            <a:avLst/>
-          </a:prstGeom>
-        </p:spPr>
-      </p:pic>
-    </p:spTree>
-    <p:extLst>
-      <p:ext uri="{BB962C8B-B14F-4D97-AF65-F5344CB8AC3E}">
-        <p14:creationId xmlns:p14="http://schemas.microsoft.com/office/powerpoint/2010/main" val="4074639891"/>
-      </p:ext>
-    </p:extLst>
-  </p:cSld>
-  <p:clrMapOvr>
-    <a:masterClrMapping/>
-  </p:clrMapOvr>
-  <p:timing>
-    <p:tnLst>
-      <p:par>
-        <p:cTn id="1" dur="indefinite" restart="never" nodeType="tmRoot"/>
-      </p:par>
-    </p:tnLst>
-  </p:timing>
-</p:sld>
-</file>
-
-<file path=ppt/slides/slide19.xml><?xml version="1.0" encoding="utf-8"?>
-<p:sld xmlns:a="http://schemas.openxmlformats.org/drawingml/2006/main" xmlns:r="http://schemas.openxmlformats.org/officeDocument/2006/relationships" xmlns:p="http://schemas.openxmlformats.org/presentationml/2006/main">
-  <p:cSld>
-    <p:spTree>
-      <p:nvGrpSpPr>
-        <p:cNvPr id="1" name=""/>
-        <p:cNvGrpSpPr/>
-        <p:nvPr/>
-      </p:nvGrpSpPr>
-      <p:grpSpPr>
-        <a:xfrm>
-          <a:off x="0" y="0"/>
-          <a:ext cx="0" cy="0"/>
-          <a:chOff x="0" y="0"/>
-          <a:chExt cx="0" cy="0"/>
-        </a:xfrm>
-      </p:grpSpPr>
-      <p:sp>
-        <p:nvSpPr>
-          <p:cNvPr id="4" name="Rechteck 3">
-            <a:extLst>
-              <a:ext uri="{FF2B5EF4-FFF2-40B4-BE49-F238E27FC236}">
-                <a16:creationId xmlns="" xmlns:a16="http://schemas.microsoft.com/office/drawing/2014/main" id="{E4D21FBE-9E79-4438-A9C4-A86631E75D3D}"/>
-              </a:ext>
-            </a:extLst>
-          </p:cNvPr>
-          <p:cNvSpPr/>
-          <p:nvPr/>
-        </p:nvSpPr>
-        <p:spPr>
-          <a:xfrm>
-            <a:off x="0" y="0"/>
-            <a:ext cx="12192000" cy="6858000"/>
-          </a:xfrm>
-          <a:prstGeom prst="rect">
-            <a:avLst/>
-          </a:prstGeom>
-          <a:solidFill>
-            <a:schemeClr val="bg2"/>
-          </a:solidFill>
-          <a:ln>
-            <a:noFill/>
-          </a:ln>
-        </p:spPr>
-        <p:style>
-          <a:lnRef idx="2">
-            <a:schemeClr val="accent1">
-              <a:shade val="50000"/>
-            </a:schemeClr>
-          </a:lnRef>
-          <a:fillRef idx="1">
-            <a:schemeClr val="accent1"/>
-          </a:fillRef>
-          <a:effectRef idx="0">
-            <a:schemeClr val="accent1"/>
-          </a:effectRef>
-          <a:fontRef idx="minor">
-            <a:schemeClr val="lt1"/>
-          </a:fontRef>
-        </p:style>
-        <p:txBody>
-          <a:bodyPr rtlCol="0" anchor="ctr"/>
-          <a:lstStyle/>
-          <a:p>
-            <a:pPr algn="ctr"/>
-            <a:endParaRPr lang="de-DE"/>
-          </a:p>
-        </p:txBody>
-      </p:sp>
-      <p:sp>
-        <p:nvSpPr>
-          <p:cNvPr id="2" name="Titel 1">
-            <a:extLst>
-              <a:ext uri="{FF2B5EF4-FFF2-40B4-BE49-F238E27FC236}">
-                <a16:creationId xmlns="" xmlns:a16="http://schemas.microsoft.com/office/drawing/2014/main" id="{5D43DF7A-1A5D-4ACC-A604-ABDFA208B266}"/>
-              </a:ext>
-            </a:extLst>
-          </p:cNvPr>
-          <p:cNvSpPr>
-            <a:spLocks noGrp="1"/>
-          </p:cNvSpPr>
-          <p:nvPr>
-            <p:ph type="title"/>
-          </p:nvPr>
-        </p:nvSpPr>
-        <p:spPr/>
-        <p:txBody>
-          <a:bodyPr/>
-          <a:lstStyle/>
-          <a:p>
-            <a:endParaRPr lang="de-DE" dirty="0"/>
-          </a:p>
-        </p:txBody>
-      </p:sp>
-      <p:sp>
-        <p:nvSpPr>
-          <p:cNvPr id="3" name="Inhaltsplatzhalter 2">
-            <a:extLst>
-              <a:ext uri="{FF2B5EF4-FFF2-40B4-BE49-F238E27FC236}">
-                <a16:creationId xmlns="" xmlns:a16="http://schemas.microsoft.com/office/drawing/2014/main" id="{C24FCB4C-0151-435F-B548-7A9594A11125}"/>
-              </a:ext>
-            </a:extLst>
-          </p:cNvPr>
-          <p:cNvSpPr>
-            <a:spLocks noGrp="1"/>
-          </p:cNvSpPr>
-          <p:nvPr>
-            <p:ph idx="1"/>
-          </p:nvPr>
-        </p:nvSpPr>
-        <p:spPr/>
-        <p:txBody>
-          <a:bodyPr/>
-          <a:lstStyle/>
-          <a:p>
-            <a:endParaRPr lang="de-DE" dirty="0"/>
-          </a:p>
-        </p:txBody>
-      </p:sp>
-      <p:pic>
-        <p:nvPicPr>
-          <p:cNvPr id="6" name="Grafik 5">
-            <a:extLst>
-              <a:ext uri="{FF2B5EF4-FFF2-40B4-BE49-F238E27FC236}">
-                <a16:creationId xmlns="" xmlns:a16="http://schemas.microsoft.com/office/drawing/2014/main" id="{996B219C-4061-4FC7-A31B-3666889455F9}"/>
-              </a:ext>
-            </a:extLst>
-          </p:cNvPr>
-          <p:cNvPicPr>
-            <a:picLocks noChangeAspect="1"/>
-          </p:cNvPicPr>
-          <p:nvPr/>
-        </p:nvPicPr>
-        <p:blipFill>
-          <a:blip r:embed="rId3"/>
-          <a:stretch>
-            <a:fillRect/>
-          </a:stretch>
-        </p:blipFill>
-        <p:spPr>
-          <a:xfrm>
-            <a:off x="1502789" y="1144588"/>
-            <a:ext cx="8890105" cy="3901315"/>
-          </a:xfrm>
-          <a:prstGeom prst="rect">
-            <a:avLst/>
-          </a:prstGeom>
-        </p:spPr>
-      </p:pic>
-    </p:spTree>
-    <p:extLst>
-      <p:ext uri="{BB962C8B-B14F-4D97-AF65-F5344CB8AC3E}">
-        <p14:creationId xmlns:p14="http://schemas.microsoft.com/office/powerpoint/2010/main" val="3578237677"/>
-      </p:ext>
-    </p:extLst>
-  </p:cSld>
-  <p:clrMapOvr>
-    <a:masterClrMapping/>
-  </p:clrMapOvr>
-  <p:timing>
-    <p:tnLst>
-      <p:par>
-        <p:cTn id="1" dur="indefinite" restart="never" nodeType="tmRoot"/>
-      </p:par>
-    </p:tnLst>
-  </p:timing>
-</p:sld>
-</file>
-
-<file path=ppt/slides/slide2.xml><?xml version="1.0" encoding="utf-8"?>
-<p:sld xmlns:a="http://schemas.openxmlformats.org/drawingml/2006/main" xmlns:r="http://schemas.openxmlformats.org/officeDocument/2006/relationships" xmlns:p="http://schemas.openxmlformats.org/presentationml/2006/main">
-  <p:cSld>
-    <p:bg>
-      <p:bgPr>
-        <a:solidFill>
-          <a:schemeClr val="bg1"/>
-        </a:solidFill>
-        <a:effectLst/>
-      </p:bgPr>
-    </p:bg>
-    <p:spTree>
-      <p:nvGrpSpPr>
-        <p:cNvPr id="1" name=""/>
-        <p:cNvGrpSpPr/>
-        <p:nvPr/>
-      </p:nvGrpSpPr>
-      <p:grpSpPr>
-        <a:xfrm>
-          <a:off x="0" y="0"/>
-          <a:ext cx="0" cy="0"/>
-          <a:chOff x="0" y="0"/>
-          <a:chExt cx="0" cy="0"/>
-        </a:xfrm>
-      </p:grpSpPr>
-      <p:sp>
-        <p:nvSpPr>
-          <p:cNvPr id="8" name="Rectangle 7">
-            <a:extLst>
-              <a:ext uri="{FF2B5EF4-FFF2-40B4-BE49-F238E27FC236}">
-                <a16:creationId xmlns="" xmlns:a16="http://schemas.microsoft.com/office/drawing/2014/main" id="{8D70B121-56F4-4848-B38B-182089D909FA}"/>
-              </a:ext>
-              <a:ext uri="{C183D7F6-B498-43B3-948B-1728B52AA6E4}">
-                <adec:decorative xmlns="" xmlns:adec="http://schemas.microsoft.com/office/drawing/2017/decorative" val="1"/>
-              </a:ext>
-            </a:extLst>
-          </p:cNvPr>
-          <p:cNvSpPr>
-            <a:spLocks noGrp="1" noRot="1" noChangeAspect="1" noMove="1" noResize="1" noEditPoints="1" noAdjustHandles="1" noChangeArrowheads="1" noChangeShapeType="1" noTextEdit="1"/>
-          </p:cNvSpPr>
-          <p:nvPr>
-            <p:extLst>
-              <p:ext uri="{386F3935-93C4-4BCD-93E2-E3B085C9AB24}">
-                <p16:designElem xmlns="" xmlns:p16="http://schemas.microsoft.com/office/powerpoint/2015/main" val="1"/>
-              </p:ext>
-            </p:extLst>
-          </p:nvPr>
-        </p:nvSpPr>
-        <p:spPr bwMode="ltGray">
-          <a:xfrm>
-            <a:off x="321564" y="320040"/>
-            <a:ext cx="11548872" cy="6217920"/>
-          </a:xfrm>
-          <a:prstGeom prst="rect">
-            <a:avLst/>
-          </a:prstGeom>
-          <a:solidFill>
-            <a:schemeClr val="tx1">
-              <a:alpha val="8000"/>
-            </a:schemeClr>
-          </a:solidFill>
-          <a:ln w="127000" cap="sq" cmpd="thinThick">
-            <a:noFill/>
-          </a:ln>
-        </p:spPr>
-        <p:style>
-          <a:lnRef idx="2">
-            <a:schemeClr val="accent1">
-              <a:shade val="50000"/>
-            </a:schemeClr>
-          </a:lnRef>
-          <a:fillRef idx="1">
-            <a:schemeClr val="accent1"/>
-          </a:fillRef>
-          <a:effectRef idx="0">
-            <a:schemeClr val="accent1"/>
-          </a:effectRef>
-          <a:fontRef idx="minor">
-            <a:schemeClr val="lt1"/>
-          </a:fontRef>
-        </p:style>
-        <p:txBody>
-          <a:bodyPr rtlCol="0" anchor="ctr"/>
-          <a:lstStyle/>
-          <a:p>
-            <a:pPr algn="ctr"/>
-            <a:endParaRPr lang="en-US"/>
-          </a:p>
-        </p:txBody>
-      </p:sp>
-      <p:sp>
-        <p:nvSpPr>
-          <p:cNvPr id="2" name="Titel 1">
-            <a:extLst>
-              <a:ext uri="{FF2B5EF4-FFF2-40B4-BE49-F238E27FC236}">
-                <a16:creationId xmlns="" xmlns:a16="http://schemas.microsoft.com/office/drawing/2014/main" id="{0B5D0F8F-C92F-BC46-ACC4-7A21698DD272}"/>
-              </a:ext>
-            </a:extLst>
-          </p:cNvPr>
-          <p:cNvSpPr>
-            <a:spLocks noGrp="1"/>
-          </p:cNvSpPr>
-          <p:nvPr>
-            <p:ph type="title"/>
-          </p:nvPr>
-        </p:nvSpPr>
-        <p:spPr>
-          <a:xfrm>
-            <a:off x="838200" y="963877"/>
-            <a:ext cx="3494362" cy="4930246"/>
-          </a:xfrm>
-        </p:spPr>
-        <p:txBody>
-          <a:bodyPr>
-            <a:normAutofit/>
-          </a:bodyPr>
-          <a:lstStyle/>
-          <a:p>
-            <a:pPr algn="r"/>
-            <a:r>
-              <a:rPr lang="de-DE" dirty="0">
-                <a:solidFill>
-                  <a:schemeClr val="accent1"/>
-                </a:solidFill>
-              </a:rPr>
-              <a:t>Gliederung	</a:t>
-            </a:r>
-          </a:p>
-        </p:txBody>
-      </p:sp>
-      <p:cxnSp>
-        <p:nvCxnSpPr>
-          <p:cNvPr id="10" name="Straight Connector 9">
-            <a:extLst>
-              <a:ext uri="{FF2B5EF4-FFF2-40B4-BE49-F238E27FC236}">
-                <a16:creationId xmlns="" xmlns:a16="http://schemas.microsoft.com/office/drawing/2014/main" id="{2D72A2C9-F3CA-4216-8BAD-FA4C970C3C4E}"/>
-              </a:ext>
-              <a:ext uri="{C183D7F6-B498-43B3-948B-1728B52AA6E4}">
-                <adec:decorative xmlns="" xmlns:adec="http://schemas.microsoft.com/office/drawing/2017/decorative" val="1"/>
-              </a:ext>
-            </a:extLst>
-          </p:cNvPr>
-          <p:cNvCxnSpPr>
-            <a:cxnSpLocks noGrp="1" noRot="1" noChangeAspect="1" noMove="1" noResize="1" noEditPoints="1" noAdjustHandles="1" noChangeArrowheads="1" noChangeShapeType="1"/>
-          </p:cNvCxnSpPr>
-          <p:nvPr>
-            <p:extLst>
-              <p:ext uri="{386F3935-93C4-4BCD-93E2-E3B085C9AB24}">
-                <p16:designElem xmlns="" xmlns:p16="http://schemas.microsoft.com/office/powerpoint/2015/main" val="1"/>
-              </p:ext>
-            </p:extLst>
-          </p:nvPr>
-        </p:nvCxnSpPr>
-        <p:spPr>
-          <a:xfrm>
-            <a:off x="4654296" y="2057400"/>
-            <a:ext cx="0" cy="2743200"/>
-          </a:xfrm>
-          <a:prstGeom prst="line">
-            <a:avLst/>
-          </a:prstGeom>
-          <a:ln w="19050">
-            <a:solidFill>
-              <a:schemeClr val="tx1">
-                <a:lumMod val="85000"/>
-                <a:lumOff val="15000"/>
-              </a:schemeClr>
-            </a:solidFill>
-          </a:ln>
-        </p:spPr>
-        <p:style>
-          <a:lnRef idx="1">
-            <a:schemeClr val="accent1"/>
-          </a:lnRef>
-          <a:fillRef idx="0">
-            <a:schemeClr val="accent1"/>
-          </a:fillRef>
-          <a:effectRef idx="0">
-            <a:schemeClr val="accent1"/>
-          </a:effectRef>
-          <a:fontRef idx="minor">
-            <a:schemeClr val="tx1"/>
-          </a:fontRef>
-        </p:style>
-      </p:cxnSp>
-      <p:sp>
-        <p:nvSpPr>
-          <p:cNvPr id="3" name="Inhaltsplatzhalter 2">
-            <a:extLst>
-              <a:ext uri="{FF2B5EF4-FFF2-40B4-BE49-F238E27FC236}">
-                <a16:creationId xmlns="" xmlns:a16="http://schemas.microsoft.com/office/drawing/2014/main" id="{692C889E-3E0C-9E40-9512-4230892B2B42}"/>
+                <a16:creationId xmlns:a16="http://schemas.microsoft.com/office/drawing/2014/main" id="{692C889E-3E0C-9E40-9512-4230892B2B42}"/>
               </a:ext>
             </a:extLst>
           </p:cNvPr>
@@ -9121,16 +9905,15 @@
           <a:p>
             <a:pPr lvl="1"/>
             <a:r>
-              <a:rPr lang="de-DE" sz="2000" dirty="0" smtClean="0"/>
+              <a:rPr lang="de-DE" sz="2000" dirty="0"/>
               <a:t>Präsentation des Ergebnisses</a:t>
             </a:r>
           </a:p>
           <a:p>
             <a:r>
-              <a:rPr lang="de-DE" sz="2400" dirty="0" smtClean="0"/>
+              <a:rPr lang="de-DE" sz="2400" dirty="0"/>
               <a:t>Fazit </a:t>
             </a:r>
-            <a:endParaRPr lang="de-DE" sz="2400" dirty="0"/>
           </a:p>
         </p:txBody>
       </p:sp>
@@ -9144,13 +9927,6 @@
   <p:clrMapOvr>
     <a:masterClrMapping/>
   </p:clrMapOvr>
-  <p:timing>
-    <p:tnLst>
-      <p:par>
-        <p:cTn id="1" dur="indefinite" restart="never" nodeType="tmRoot"/>
-      </p:par>
-    </p:tnLst>
-  </p:timing>
 </p:sld>
 </file>
 
@@ -9176,7 +9952,7 @@
           <p:cNvPr id="5" name="Rechteck 4">
             <a:extLst>
               <a:ext uri="{FF2B5EF4-FFF2-40B4-BE49-F238E27FC236}">
-                <a16:creationId xmlns="" xmlns:a16="http://schemas.microsoft.com/office/drawing/2014/main" id="{6C91387F-AF56-614F-B14F-5E345367B7AF}"/>
+                <a16:creationId xmlns:a16="http://schemas.microsoft.com/office/drawing/2014/main" id="{6C91387F-AF56-614F-B14F-5E345367B7AF}"/>
               </a:ext>
             </a:extLst>
           </p:cNvPr>
@@ -9228,7 +10004,7 @@
           <p:cNvPr id="2" name="Titel 1">
             <a:extLst>
               <a:ext uri="{FF2B5EF4-FFF2-40B4-BE49-F238E27FC236}">
-                <a16:creationId xmlns="" xmlns:a16="http://schemas.microsoft.com/office/drawing/2014/main" id="{35BFDC70-A169-E142-B051-5ABC9190E094}"/>
+                <a16:creationId xmlns:a16="http://schemas.microsoft.com/office/drawing/2014/main" id="{35BFDC70-A169-E142-B051-5ABC9190E094}"/>
               </a:ext>
             </a:extLst>
           </p:cNvPr>
@@ -9253,12 +10029,37 @@
           <a:p>
             <a:pPr algn="ctr"/>
             <a:r>
-              <a:rPr lang="en-US" sz="4000" dirty="0" err="1">
+              <a:rPr lang="en-US" sz="4000" kern="1200" dirty="0" err="1">
                 <a:solidFill>
                   <a:schemeClr val="accent1"/>
                 </a:solidFill>
+                <a:latin typeface="+mj-lt"/>
+                <a:ea typeface="+mj-ea"/>
+                <a:cs typeface="+mj-cs"/>
               </a:rPr>
-              <a:t>Transportkostenproblem</a:t>
+              <a:t>Maximaler</a:t>
+            </a:r>
+            <a:r>
+              <a:rPr lang="en-US" sz="4000" kern="1200" dirty="0">
+                <a:solidFill>
+                  <a:schemeClr val="accent1"/>
+                </a:solidFill>
+                <a:latin typeface="+mj-lt"/>
+                <a:ea typeface="+mj-ea"/>
+                <a:cs typeface="+mj-cs"/>
+              </a:rPr>
+              <a:t> </a:t>
+            </a:r>
+            <a:r>
+              <a:rPr lang="en-US" sz="4000" kern="1200" dirty="0" err="1">
+                <a:solidFill>
+                  <a:schemeClr val="accent1"/>
+                </a:solidFill>
+                <a:latin typeface="+mj-lt"/>
+                <a:ea typeface="+mj-ea"/>
+                <a:cs typeface="+mj-cs"/>
+              </a:rPr>
+              <a:t>Fluss</a:t>
             </a:r>
             <a:endParaRPr lang="en-US" sz="4000" kern="1200" dirty="0">
               <a:solidFill>
@@ -9276,7 +10077,7 @@
           <p:cNvPr id="6" name="Titel 1">
             <a:extLst>
               <a:ext uri="{FF2B5EF4-FFF2-40B4-BE49-F238E27FC236}">
-                <a16:creationId xmlns="" xmlns:a16="http://schemas.microsoft.com/office/drawing/2014/main" id="{E7C2CB7B-ACCE-46AA-B361-C575579F8987}"/>
+                <a16:creationId xmlns:a16="http://schemas.microsoft.com/office/drawing/2014/main" id="{E7C2CB7B-ACCE-46AA-B361-C575579F8987}"/>
               </a:ext>
             </a:extLst>
           </p:cNvPr>
@@ -9332,7 +10133,7 @@
           <p:cNvPr id="7" name="Grafik 6">
             <a:extLst>
               <a:ext uri="{FF2B5EF4-FFF2-40B4-BE49-F238E27FC236}">
-                <a16:creationId xmlns="" xmlns:a16="http://schemas.microsoft.com/office/drawing/2014/main" id="{756E846B-B403-4984-98B4-4C01CA73B356}"/>
+                <a16:creationId xmlns:a16="http://schemas.microsoft.com/office/drawing/2014/main" id="{756E846B-B403-4984-98B4-4C01CA73B356}"/>
               </a:ext>
             </a:extLst>
           </p:cNvPr>
@@ -9362,7 +10163,7 @@
           <p:cNvPr id="4" name="Grafik 3">
             <a:extLst>
               <a:ext uri="{FF2B5EF4-FFF2-40B4-BE49-F238E27FC236}">
-                <a16:creationId xmlns="" xmlns:a16="http://schemas.microsoft.com/office/drawing/2014/main" id="{A26447F2-DF28-4EAF-B8D1-EFC7A98F7721}"/>
+                <a16:creationId xmlns:a16="http://schemas.microsoft.com/office/drawing/2014/main" id="{A26447F2-DF28-4EAF-B8D1-EFC7A98F7721}"/>
               </a:ext>
             </a:extLst>
           </p:cNvPr>
@@ -9392,7 +10193,7 @@
           <p:cNvPr id="3" name="Grafik 2">
             <a:extLst>
               <a:ext uri="{FF2B5EF4-FFF2-40B4-BE49-F238E27FC236}">
-                <a16:creationId xmlns="" xmlns:a16="http://schemas.microsoft.com/office/drawing/2014/main" id="{DB99CD9C-1E94-4D53-99E7-DF6B67865684}"/>
+                <a16:creationId xmlns:a16="http://schemas.microsoft.com/office/drawing/2014/main" id="{DB99CD9C-1E94-4D53-99E7-DF6B67865684}"/>
               </a:ext>
             </a:extLst>
           </p:cNvPr>
@@ -9641,7 +10442,7 @@
           <p:cNvPr id="5" name="Rechteck 4">
             <a:extLst>
               <a:ext uri="{FF2B5EF4-FFF2-40B4-BE49-F238E27FC236}">
-                <a16:creationId xmlns="" xmlns:a16="http://schemas.microsoft.com/office/drawing/2014/main" id="{6C91387F-AF56-614F-B14F-5E345367B7AF}"/>
+                <a16:creationId xmlns:a16="http://schemas.microsoft.com/office/drawing/2014/main" id="{6C91387F-AF56-614F-B14F-5E345367B7AF}"/>
               </a:ext>
             </a:extLst>
           </p:cNvPr>
@@ -9693,7 +10494,7 @@
           <p:cNvPr id="2" name="Titel 1">
             <a:extLst>
               <a:ext uri="{FF2B5EF4-FFF2-40B4-BE49-F238E27FC236}">
-                <a16:creationId xmlns="" xmlns:a16="http://schemas.microsoft.com/office/drawing/2014/main" id="{35BFDC70-A169-E142-B051-5ABC9190E094}"/>
+                <a16:creationId xmlns:a16="http://schemas.microsoft.com/office/drawing/2014/main" id="{35BFDC70-A169-E142-B051-5ABC9190E094}"/>
               </a:ext>
             </a:extLst>
           </p:cNvPr>
@@ -9717,17 +10518,6 @@
           <a:lstStyle/>
           <a:p>
             <a:pPr algn="ctr"/>
-            <a:r>
-              <a:rPr lang="en-US" sz="4000" kern="1200" dirty="0">
-                <a:solidFill>
-                  <a:schemeClr val="accent1"/>
-                </a:solidFill>
-                <a:latin typeface="+mj-lt"/>
-                <a:ea typeface="+mj-ea"/>
-                <a:cs typeface="+mj-cs"/>
-              </a:rPr>
-              <a:t/>
-            </a:r>
             <a:br>
               <a:rPr lang="en-US" sz="4000" kern="1200" dirty="0">
                 <a:solidFill>
@@ -9754,7 +10544,7 @@
           <p:cNvPr id="6" name="Titel 1">
             <a:extLst>
               <a:ext uri="{FF2B5EF4-FFF2-40B4-BE49-F238E27FC236}">
-                <a16:creationId xmlns="" xmlns:a16="http://schemas.microsoft.com/office/drawing/2014/main" id="{E7C2CB7B-ACCE-46AA-B361-C575579F8987}"/>
+                <a16:creationId xmlns:a16="http://schemas.microsoft.com/office/drawing/2014/main" id="{E7C2CB7B-ACCE-46AA-B361-C575579F8987}"/>
               </a:ext>
             </a:extLst>
           </p:cNvPr>
@@ -9810,7 +10600,7 @@
           <p:cNvPr id="4" name="Grafik 3">
             <a:extLst>
               <a:ext uri="{FF2B5EF4-FFF2-40B4-BE49-F238E27FC236}">
-                <a16:creationId xmlns="" xmlns:a16="http://schemas.microsoft.com/office/drawing/2014/main" id="{9CC9583D-5C73-4A70-A2FE-E33805DE3ECD}"/>
+                <a16:creationId xmlns:a16="http://schemas.microsoft.com/office/drawing/2014/main" id="{9CC9583D-5C73-4A70-A2FE-E33805DE3ECD}"/>
               </a:ext>
             </a:extLst>
           </p:cNvPr>
@@ -9845,13 +10635,6 @@
   <p:clrMapOvr>
     <a:masterClrMapping/>
   </p:clrMapOvr>
-  <p:timing>
-    <p:tnLst>
-      <p:par>
-        <p:cTn id="1" dur="indefinite" restart="never" nodeType="tmRoot"/>
-      </p:par>
-    </p:tnLst>
-  </p:timing>
 </p:sld>
 </file>
 
@@ -9885,10 +10668,10 @@
           <p:cNvPr id="8" name="Rectangle 7">
             <a:extLst>
               <a:ext uri="{FF2B5EF4-FFF2-40B4-BE49-F238E27FC236}">
-                <a16:creationId xmlns="" xmlns:a16="http://schemas.microsoft.com/office/drawing/2014/main" id="{8D70B121-56F4-4848-B38B-182089D909FA}"/>
+                <a16:creationId xmlns:a16="http://schemas.microsoft.com/office/drawing/2014/main" id="{8D70B121-56F4-4848-B38B-182089D909FA}"/>
               </a:ext>
               <a:ext uri="{C183D7F6-B498-43B3-948B-1728B52AA6E4}">
-                <adec:decorative xmlns="" xmlns:adec="http://schemas.microsoft.com/office/drawing/2017/decorative" val="1"/>
+                <adec:decorative xmlns:adec="http://schemas.microsoft.com/office/drawing/2017/decorative" val="1"/>
               </a:ext>
             </a:extLst>
           </p:cNvPr>
@@ -9898,7 +10681,7 @@
           <p:nvPr>
             <p:extLst>
               <p:ext uri="{386F3935-93C4-4BCD-93E2-E3B085C9AB24}">
-                <p16:designElem xmlns="" xmlns:p16="http://schemas.microsoft.com/office/powerpoint/2015/main" val="1"/>
+                <p16:designElem xmlns:p16="http://schemas.microsoft.com/office/powerpoint/2015/main" val="1"/>
               </p:ext>
             </p:extLst>
           </p:nvPr>
@@ -9950,7 +10733,7 @@
           <p:cNvPr id="2" name="Titel 1">
             <a:extLst>
               <a:ext uri="{FF2B5EF4-FFF2-40B4-BE49-F238E27FC236}">
-                <a16:creationId xmlns="" xmlns:a16="http://schemas.microsoft.com/office/drawing/2014/main" id="{0B5D0F8F-C92F-BC46-ACC4-7A21698DD272}"/>
+                <a16:creationId xmlns:a16="http://schemas.microsoft.com/office/drawing/2014/main" id="{0B5D0F8F-C92F-BC46-ACC4-7A21698DD272}"/>
               </a:ext>
             </a:extLst>
           </p:cNvPr>
@@ -9990,10 +10773,10 @@
           <p:cNvPr id="10" name="Straight Connector 9">
             <a:extLst>
               <a:ext uri="{FF2B5EF4-FFF2-40B4-BE49-F238E27FC236}">
-                <a16:creationId xmlns="" xmlns:a16="http://schemas.microsoft.com/office/drawing/2014/main" id="{2D72A2C9-F3CA-4216-8BAD-FA4C970C3C4E}"/>
+                <a16:creationId xmlns:a16="http://schemas.microsoft.com/office/drawing/2014/main" id="{2D72A2C9-F3CA-4216-8BAD-FA4C970C3C4E}"/>
               </a:ext>
               <a:ext uri="{C183D7F6-B498-43B3-948B-1728B52AA6E4}">
-                <adec:decorative xmlns="" xmlns:adec="http://schemas.microsoft.com/office/drawing/2017/decorative" val="1"/>
+                <adec:decorative xmlns:adec="http://schemas.microsoft.com/office/drawing/2017/decorative" val="1"/>
               </a:ext>
             </a:extLst>
           </p:cNvPr>
@@ -10003,7 +10786,7 @@
           <p:nvPr>
             <p:extLst>
               <p:ext uri="{386F3935-93C4-4BCD-93E2-E3B085C9AB24}">
-                <p16:designElem xmlns="" xmlns:p16="http://schemas.microsoft.com/office/powerpoint/2015/main" val="1"/>
+                <p16:designElem xmlns:p16="http://schemas.microsoft.com/office/powerpoint/2015/main" val="1"/>
               </p:ext>
             </p:extLst>
           </p:nvPr>
@@ -10045,7 +10828,7 @@
           <p:cNvPr id="3" name="Inhaltsplatzhalter 2">
             <a:extLst>
               <a:ext uri="{FF2B5EF4-FFF2-40B4-BE49-F238E27FC236}">
-                <a16:creationId xmlns="" xmlns:a16="http://schemas.microsoft.com/office/drawing/2014/main" id="{692C889E-3E0C-9E40-9512-4230892B2B42}"/>
+                <a16:creationId xmlns:a16="http://schemas.microsoft.com/office/drawing/2014/main" id="{692C889E-3E0C-9E40-9512-4230892B2B42}"/>
               </a:ext>
             </a:extLst>
           </p:cNvPr>
@@ -10113,30 +10896,21 @@
                   <a:srgbClr val="0070C0"/>
                 </a:solidFill>
               </a:rPr>
-              <a:t>Einführung in den </a:t>
-            </a:r>
-            <a:r>
-              <a:rPr lang="de-DE" sz="2000" dirty="0" smtClean="0">
-                <a:solidFill>
-                  <a:srgbClr val="0070C0"/>
-                </a:solidFill>
-              </a:rPr>
-              <a:t>Code</a:t>
+              <a:t>Einführung in den Code</a:t>
             </a:r>
           </a:p>
           <a:p>
             <a:pPr lvl="1"/>
             <a:r>
-              <a:rPr lang="de-DE" sz="2000" dirty="0" smtClean="0"/>
+              <a:rPr lang="de-DE" sz="2000" dirty="0"/>
               <a:t>Präsentation des Ergebnisses</a:t>
             </a:r>
           </a:p>
           <a:p>
             <a:r>
-              <a:rPr lang="de-DE" sz="2400" dirty="0" smtClean="0"/>
+              <a:rPr lang="de-DE" sz="2400" dirty="0"/>
               <a:t>Fazit </a:t>
             </a:r>
-            <a:endParaRPr lang="de-DE" sz="2400" dirty="0"/>
           </a:p>
         </p:txBody>
       </p:sp>
@@ -10150,13 +10924,6 @@
   <p:clrMapOvr>
     <a:masterClrMapping/>
   </p:clrMapOvr>
-  <p:timing>
-    <p:tnLst>
-      <p:par>
-        <p:cTn id="1" dur="indefinite" restart="never" nodeType="tmRoot"/>
-      </p:par>
-    </p:tnLst>
-  </p:timing>
 </p:sld>
 </file>
 
@@ -10190,10 +10957,10 @@
           <p:cNvPr id="19" name="Rectangle 18">
             <a:extLst>
               <a:ext uri="{FF2B5EF4-FFF2-40B4-BE49-F238E27FC236}">
-                <a16:creationId xmlns="" xmlns:a16="http://schemas.microsoft.com/office/drawing/2014/main" id="{8D70B121-56F4-4848-B38B-182089D909FA}"/>
+                <a16:creationId xmlns:a16="http://schemas.microsoft.com/office/drawing/2014/main" id="{8D70B121-56F4-4848-B38B-182089D909FA}"/>
               </a:ext>
               <a:ext uri="{C183D7F6-B498-43B3-948B-1728B52AA6E4}">
-                <adec:decorative xmlns="" xmlns:adec="http://schemas.microsoft.com/office/drawing/2017/decorative" val="1"/>
+                <adec:decorative xmlns:adec="http://schemas.microsoft.com/office/drawing/2017/decorative" val="1"/>
               </a:ext>
             </a:extLst>
           </p:cNvPr>
@@ -10203,7 +10970,7 @@
           <p:nvPr>
             <p:extLst>
               <p:ext uri="{386F3935-93C4-4BCD-93E2-E3B085C9AB24}">
-                <p16:designElem xmlns="" xmlns:p16="http://schemas.microsoft.com/office/powerpoint/2015/main" val="1"/>
+                <p16:designElem xmlns:p16="http://schemas.microsoft.com/office/powerpoint/2015/main" val="1"/>
               </p:ext>
             </p:extLst>
           </p:nvPr>
@@ -10255,7 +11022,7 @@
           <p:cNvPr id="2" name="Titel 1">
             <a:extLst>
               <a:ext uri="{FF2B5EF4-FFF2-40B4-BE49-F238E27FC236}">
-                <a16:creationId xmlns="" xmlns:a16="http://schemas.microsoft.com/office/drawing/2014/main" id="{35BFDC70-A169-E142-B051-5ABC9190E094}"/>
+                <a16:creationId xmlns:a16="http://schemas.microsoft.com/office/drawing/2014/main" id="{35BFDC70-A169-E142-B051-5ABC9190E094}"/>
               </a:ext>
             </a:extLst>
           </p:cNvPr>
@@ -10311,10 +11078,10 @@
           <p:cNvPr id="21" name="Straight Connector 20">
             <a:extLst>
               <a:ext uri="{FF2B5EF4-FFF2-40B4-BE49-F238E27FC236}">
-                <a16:creationId xmlns="" xmlns:a16="http://schemas.microsoft.com/office/drawing/2014/main" id="{2D72A2C9-F3CA-4216-8BAD-FA4C970C3C4E}"/>
+                <a16:creationId xmlns:a16="http://schemas.microsoft.com/office/drawing/2014/main" id="{2D72A2C9-F3CA-4216-8BAD-FA4C970C3C4E}"/>
               </a:ext>
               <a:ext uri="{C183D7F6-B498-43B3-948B-1728B52AA6E4}">
-                <adec:decorative xmlns="" xmlns:adec="http://schemas.microsoft.com/office/drawing/2017/decorative" val="1"/>
+                <adec:decorative xmlns:adec="http://schemas.microsoft.com/office/drawing/2017/decorative" val="1"/>
               </a:ext>
             </a:extLst>
           </p:cNvPr>
@@ -10324,7 +11091,7 @@
           <p:nvPr>
             <p:extLst>
               <p:ext uri="{386F3935-93C4-4BCD-93E2-E3B085C9AB24}">
-                <p16:designElem xmlns="" xmlns:p16="http://schemas.microsoft.com/office/powerpoint/2015/main" val="1"/>
+                <p16:designElem xmlns:p16="http://schemas.microsoft.com/office/powerpoint/2015/main" val="1"/>
               </p:ext>
             </p:extLst>
           </p:nvPr>
@@ -10366,7 +11133,7 @@
           <p:cNvPr id="8" name="Inhaltsplatzhalter 4">
             <a:extLst>
               <a:ext uri="{FF2B5EF4-FFF2-40B4-BE49-F238E27FC236}">
-                <a16:creationId xmlns="" xmlns:a16="http://schemas.microsoft.com/office/drawing/2014/main" id="{A8E625C4-6DB1-9D42-BFEA-DE37A6F928F3}"/>
+                <a16:creationId xmlns:a16="http://schemas.microsoft.com/office/drawing/2014/main" id="{A8E625C4-6DB1-9D42-BFEA-DE37A6F928F3}"/>
               </a:ext>
             </a:extLst>
           </p:cNvPr>
@@ -10390,23 +11157,19 @@
           <a:lstStyle/>
           <a:p>
             <a:r>
-              <a:rPr lang="de-DE" dirty="0" smtClean="0"/>
+              <a:rPr lang="de-DE" dirty="0"/>
               <a:t>Erster Überblick über den Code</a:t>
             </a:r>
           </a:p>
           <a:p>
             <a:r>
               <a:rPr lang="de-DE" dirty="0"/>
-              <a:t>Neuer Knoten </a:t>
-            </a:r>
-            <a:r>
-              <a:rPr lang="de-DE" dirty="0" smtClean="0"/>
-              <a:t>hinzufügen</a:t>
-            </a:r>
-          </a:p>
-          <a:p>
-            <a:r>
-              <a:rPr lang="de-DE" dirty="0" smtClean="0"/>
+              <a:t>Neuer Knoten hinzufügen</a:t>
+            </a:r>
+          </a:p>
+          <a:p>
+            <a:r>
+              <a:rPr lang="de-DE" dirty="0"/>
               <a:t>Ein Beispielfunktion (max. Fluss)</a:t>
             </a:r>
           </a:p>
@@ -10422,13 +11185,6 @@
   <p:clrMapOvr>
     <a:masterClrMapping/>
   </p:clrMapOvr>
-  <p:timing>
-    <p:tnLst>
-      <p:par>
-        <p:cTn id="1" dur="indefinite" restart="never" nodeType="tmRoot"/>
-      </p:par>
-    </p:tnLst>
-  </p:timing>
 </p:sld>
 </file>
 
@@ -10462,10 +11218,10 @@
           <p:cNvPr id="19" name="Rectangle 18">
             <a:extLst>
               <a:ext uri="{FF2B5EF4-FFF2-40B4-BE49-F238E27FC236}">
-                <a16:creationId xmlns="" xmlns:a16="http://schemas.microsoft.com/office/drawing/2014/main" id="{8D70B121-56F4-4848-B38B-182089D909FA}"/>
+                <a16:creationId xmlns:a16="http://schemas.microsoft.com/office/drawing/2014/main" id="{8D70B121-56F4-4848-B38B-182089D909FA}"/>
               </a:ext>
               <a:ext uri="{C183D7F6-B498-43B3-948B-1728B52AA6E4}">
-                <adec:decorative xmlns="" xmlns:adec="http://schemas.microsoft.com/office/drawing/2017/decorative" val="1"/>
+                <adec:decorative xmlns:adec="http://schemas.microsoft.com/office/drawing/2017/decorative" val="1"/>
               </a:ext>
             </a:extLst>
           </p:cNvPr>
@@ -10475,7 +11231,7 @@
           <p:nvPr>
             <p:extLst>
               <p:ext uri="{386F3935-93C4-4BCD-93E2-E3B085C9AB24}">
-                <p16:designElem xmlns="" xmlns:p16="http://schemas.microsoft.com/office/powerpoint/2015/main" val="1"/>
+                <p16:designElem xmlns:p16="http://schemas.microsoft.com/office/powerpoint/2015/main" val="1"/>
               </p:ext>
             </p:extLst>
           </p:nvPr>
@@ -10527,7 +11283,7 @@
           <p:cNvPr id="2" name="Titel 1">
             <a:extLst>
               <a:ext uri="{FF2B5EF4-FFF2-40B4-BE49-F238E27FC236}">
-                <a16:creationId xmlns="" xmlns:a16="http://schemas.microsoft.com/office/drawing/2014/main" id="{35BFDC70-A169-E142-B051-5ABC9190E094}"/>
+                <a16:creationId xmlns:a16="http://schemas.microsoft.com/office/drawing/2014/main" id="{35BFDC70-A169-E142-B051-5ABC9190E094}"/>
               </a:ext>
             </a:extLst>
           </p:cNvPr>
@@ -10552,7 +11308,7 @@
           <a:p>
             <a:pPr algn="ctr"/>
             <a:r>
-              <a:rPr lang="en-US" dirty="0" err="1" smtClean="0">
+              <a:rPr lang="en-US" dirty="0" err="1">
                 <a:solidFill>
                   <a:schemeClr val="accent1"/>
                 </a:solidFill>
@@ -10575,10 +11331,10 @@
           <p:cNvPr id="21" name="Straight Connector 20">
             <a:extLst>
               <a:ext uri="{FF2B5EF4-FFF2-40B4-BE49-F238E27FC236}">
-                <a16:creationId xmlns="" xmlns:a16="http://schemas.microsoft.com/office/drawing/2014/main" id="{2D72A2C9-F3CA-4216-8BAD-FA4C970C3C4E}"/>
+                <a16:creationId xmlns:a16="http://schemas.microsoft.com/office/drawing/2014/main" id="{2D72A2C9-F3CA-4216-8BAD-FA4C970C3C4E}"/>
               </a:ext>
               <a:ext uri="{C183D7F6-B498-43B3-948B-1728B52AA6E4}">
-                <adec:decorative xmlns="" xmlns:adec="http://schemas.microsoft.com/office/drawing/2017/decorative" val="1"/>
+                <adec:decorative xmlns:adec="http://schemas.microsoft.com/office/drawing/2017/decorative" val="1"/>
               </a:ext>
             </a:extLst>
           </p:cNvPr>
@@ -10588,7 +11344,7 @@
           <p:nvPr>
             <p:extLst>
               <p:ext uri="{386F3935-93C4-4BCD-93E2-E3B085C9AB24}">
-                <p16:designElem xmlns="" xmlns:p16="http://schemas.microsoft.com/office/powerpoint/2015/main" val="1"/>
+                <p16:designElem xmlns:p16="http://schemas.microsoft.com/office/powerpoint/2015/main" val="1"/>
               </p:ext>
             </p:extLst>
           </p:nvPr>
@@ -10660,7 +11416,7 @@
           <p:cNvPr id="9" name="Grafik 8">
             <a:extLst>
               <a:ext uri="{FF2B5EF4-FFF2-40B4-BE49-F238E27FC236}">
-                <a16:creationId xmlns="" xmlns:a16="http://schemas.microsoft.com/office/drawing/2014/main" id="{5ACE5D07-54C6-4407-8C9E-551B71135727}"/>
+                <a16:creationId xmlns:a16="http://schemas.microsoft.com/office/drawing/2014/main" id="{5ACE5D07-54C6-4407-8C9E-551B71135727}"/>
               </a:ext>
             </a:extLst>
           </p:cNvPr>
@@ -10792,22 +11548,21 @@
           <a:lstStyle/>
           <a:p>
             <a:r>
-              <a:rPr lang="de-DE" dirty="0" smtClean="0"/>
+              <a:rPr lang="de-DE" dirty="0"/>
               <a:t>-1 = von B nach A</a:t>
             </a:r>
           </a:p>
           <a:p>
             <a:r>
-              <a:rPr lang="de-DE" dirty="0" smtClean="0"/>
+              <a:rPr lang="de-DE" dirty="0"/>
               <a:t>1 = von A nach B</a:t>
             </a:r>
           </a:p>
           <a:p>
             <a:r>
-              <a:rPr lang="de-DE" dirty="0" smtClean="0"/>
+              <a:rPr lang="de-DE" dirty="0"/>
               <a:t>0 = Keine Verbindung</a:t>
             </a:r>
-            <a:endParaRPr lang="de-DE" dirty="0"/>
           </a:p>
         </p:txBody>
       </p:sp>
@@ -10865,13 +11620,6 @@
   <p:clrMapOvr>
     <a:masterClrMapping/>
   </p:clrMapOvr>
-  <p:timing>
-    <p:tnLst>
-      <p:par>
-        <p:cTn id="1" dur="indefinite" restart="never" nodeType="tmRoot"/>
-      </p:par>
-    </p:tnLst>
-  </p:timing>
 </p:sld>
 </file>
 
@@ -10905,10 +11653,10 @@
           <p:cNvPr id="19" name="Rectangle 18">
             <a:extLst>
               <a:ext uri="{FF2B5EF4-FFF2-40B4-BE49-F238E27FC236}">
-                <a16:creationId xmlns="" xmlns:a16="http://schemas.microsoft.com/office/drawing/2014/main" id="{8D70B121-56F4-4848-B38B-182089D909FA}"/>
+                <a16:creationId xmlns:a16="http://schemas.microsoft.com/office/drawing/2014/main" id="{8D70B121-56F4-4848-B38B-182089D909FA}"/>
               </a:ext>
               <a:ext uri="{C183D7F6-B498-43B3-948B-1728B52AA6E4}">
-                <adec:decorative xmlns="" xmlns:adec="http://schemas.microsoft.com/office/drawing/2017/decorative" val="1"/>
+                <adec:decorative xmlns:adec="http://schemas.microsoft.com/office/drawing/2017/decorative" val="1"/>
               </a:ext>
             </a:extLst>
           </p:cNvPr>
@@ -10918,7 +11666,7 @@
           <p:nvPr>
             <p:extLst>
               <p:ext uri="{386F3935-93C4-4BCD-93E2-E3B085C9AB24}">
-                <p16:designElem xmlns="" xmlns:p16="http://schemas.microsoft.com/office/powerpoint/2015/main" val="1"/>
+                <p16:designElem xmlns:p16="http://schemas.microsoft.com/office/powerpoint/2015/main" val="1"/>
               </p:ext>
             </p:extLst>
           </p:nvPr>
@@ -10970,7 +11718,7 @@
           <p:cNvPr id="2" name="Titel 1">
             <a:extLst>
               <a:ext uri="{FF2B5EF4-FFF2-40B4-BE49-F238E27FC236}">
-                <a16:creationId xmlns="" xmlns:a16="http://schemas.microsoft.com/office/drawing/2014/main" id="{35BFDC70-A169-E142-B051-5ABC9190E094}"/>
+                <a16:creationId xmlns:a16="http://schemas.microsoft.com/office/drawing/2014/main" id="{35BFDC70-A169-E142-B051-5ABC9190E094}"/>
               </a:ext>
             </a:extLst>
           </p:cNvPr>
@@ -10995,7 +11743,7 @@
           <a:p>
             <a:pPr algn="ctr"/>
             <a:r>
-              <a:rPr lang="en-US" dirty="0" smtClean="0">
+              <a:rPr lang="en-US" dirty="0">
                 <a:solidFill>
                   <a:schemeClr val="accent1"/>
                 </a:solidFill>
@@ -11003,7 +11751,7 @@
               <a:t>Was </a:t>
             </a:r>
             <a:r>
-              <a:rPr lang="en-US" dirty="0" err="1" smtClean="0">
+              <a:rPr lang="en-US" dirty="0" err="1">
                 <a:solidFill>
                   <a:schemeClr val="accent1"/>
                 </a:solidFill>
@@ -11011,7 +11759,7 @@
               <a:t>brauchen</a:t>
             </a:r>
             <a:r>
-              <a:rPr lang="en-US" dirty="0" smtClean="0">
+              <a:rPr lang="en-US" dirty="0">
                 <a:solidFill>
                   <a:schemeClr val="accent1"/>
                 </a:solidFill>
@@ -11019,7 +11767,7 @@
               <a:t> </a:t>
             </a:r>
             <a:r>
-              <a:rPr lang="en-US" dirty="0" err="1" smtClean="0">
+              <a:rPr lang="en-US" dirty="0" err="1">
                 <a:solidFill>
                   <a:schemeClr val="accent1"/>
                 </a:solidFill>
@@ -11027,7 +11775,7 @@
               <a:t>wir</a:t>
             </a:r>
             <a:r>
-              <a:rPr lang="en-US" dirty="0" smtClean="0">
+              <a:rPr lang="en-US" dirty="0">
                 <a:solidFill>
                   <a:schemeClr val="accent1"/>
                 </a:solidFill>
@@ -11050,10 +11798,10 @@
           <p:cNvPr id="21" name="Straight Connector 20">
             <a:extLst>
               <a:ext uri="{FF2B5EF4-FFF2-40B4-BE49-F238E27FC236}">
-                <a16:creationId xmlns="" xmlns:a16="http://schemas.microsoft.com/office/drawing/2014/main" id="{2D72A2C9-F3CA-4216-8BAD-FA4C970C3C4E}"/>
+                <a16:creationId xmlns:a16="http://schemas.microsoft.com/office/drawing/2014/main" id="{2D72A2C9-F3CA-4216-8BAD-FA4C970C3C4E}"/>
               </a:ext>
               <a:ext uri="{C183D7F6-B498-43B3-948B-1728B52AA6E4}">
-                <adec:decorative xmlns="" xmlns:adec="http://schemas.microsoft.com/office/drawing/2017/decorative" val="1"/>
+                <adec:decorative xmlns:adec="http://schemas.microsoft.com/office/drawing/2017/decorative" val="1"/>
               </a:ext>
             </a:extLst>
           </p:cNvPr>
@@ -11063,7 +11811,7 @@
           <p:nvPr>
             <p:extLst>
               <p:ext uri="{386F3935-93C4-4BCD-93E2-E3B085C9AB24}">
-                <p16:designElem xmlns="" xmlns:p16="http://schemas.microsoft.com/office/powerpoint/2015/main" val="1"/>
+                <p16:designElem xmlns:p16="http://schemas.microsoft.com/office/powerpoint/2015/main" val="1"/>
               </p:ext>
             </p:extLst>
           </p:nvPr>
@@ -11126,7 +11874,7 @@
               <a:buAutoNum type="arabicPeriod"/>
             </a:pPr>
             <a:r>
-              <a:rPr lang="de-DE" dirty="0" smtClean="0"/>
+              <a:rPr lang="de-DE" dirty="0"/>
               <a:t>Anzahl der Kanten</a:t>
             </a:r>
           </a:p>
@@ -11135,7 +11883,7 @@
               <a:buAutoNum type="arabicPeriod"/>
             </a:pPr>
             <a:r>
-              <a:rPr lang="de-DE" dirty="0" smtClean="0"/>
+              <a:rPr lang="de-DE" dirty="0"/>
               <a:t>Anzahl der Knoten</a:t>
             </a:r>
           </a:p>
@@ -11144,7 +11892,7 @@
               <a:buAutoNum type="arabicPeriod"/>
             </a:pPr>
             <a:r>
-              <a:rPr lang="de-DE" dirty="0" smtClean="0"/>
+              <a:rPr lang="de-DE" dirty="0"/>
               <a:t>Eine Inzidenz Matrix</a:t>
             </a:r>
           </a:p>
@@ -11153,7 +11901,7 @@
               <a:buAutoNum type="arabicPeriod"/>
             </a:pPr>
             <a:r>
-              <a:rPr lang="de-DE" dirty="0" smtClean="0"/>
+              <a:rPr lang="de-DE" dirty="0"/>
               <a:t>Einen Vektor gegen den wir optimieren ( c )</a:t>
             </a:r>
           </a:p>
@@ -11162,7 +11910,7 @@
               <a:buAutoNum type="arabicPeriod"/>
             </a:pPr>
             <a:r>
-              <a:rPr lang="de-DE" dirty="0" smtClean="0"/>
+              <a:rPr lang="de-DE" dirty="0"/>
               <a:t>Eine Vektor zur Überprüfung ( b ) </a:t>
             </a:r>
           </a:p>
@@ -11171,35 +11919,35 @@
               <a:buAutoNum type="arabicPeriod"/>
             </a:pPr>
             <a:r>
-              <a:rPr lang="de-DE" dirty="0" err="1" smtClean="0"/>
+              <a:rPr lang="de-DE" dirty="0" err="1"/>
               <a:t>Lower</a:t>
             </a:r>
             <a:r>
-              <a:rPr lang="de-DE" dirty="0" smtClean="0"/>
+              <a:rPr lang="de-DE" dirty="0"/>
               <a:t>- und </a:t>
             </a:r>
             <a:r>
-              <a:rPr lang="de-DE" dirty="0" err="1" smtClean="0"/>
+              <a:rPr lang="de-DE" dirty="0" err="1"/>
               <a:t>Upper-Bound</a:t>
             </a:r>
             <a:r>
-              <a:rPr lang="de-DE" dirty="0" smtClean="0"/>
+              <a:rPr lang="de-DE" dirty="0"/>
               <a:t> ( </a:t>
             </a:r>
             <a:r>
-              <a:rPr lang="de-DE" dirty="0" err="1" smtClean="0"/>
+              <a:rPr lang="de-DE" dirty="0" err="1"/>
               <a:t>lb</a:t>
             </a:r>
             <a:r>
-              <a:rPr lang="de-DE" dirty="0" smtClean="0"/>
+              <a:rPr lang="de-DE" dirty="0"/>
               <a:t>, </a:t>
             </a:r>
             <a:r>
-              <a:rPr lang="de-DE" dirty="0" err="1" smtClean="0"/>
+              <a:rPr lang="de-DE" dirty="0" err="1"/>
               <a:t>ub</a:t>
             </a:r>
             <a:r>
-              <a:rPr lang="de-DE" dirty="0" smtClean="0"/>
+              <a:rPr lang="de-DE" dirty="0"/>
               <a:t> )</a:t>
             </a:r>
           </a:p>
@@ -11208,11 +11956,11 @@
               <a:buAutoNum type="arabicPeriod"/>
             </a:pPr>
             <a:r>
-              <a:rPr lang="de-DE" dirty="0" err="1" smtClean="0"/>
+              <a:rPr lang="de-DE" dirty="0" err="1"/>
               <a:t>Ax</a:t>
             </a:r>
             <a:r>
-              <a:rPr lang="de-DE" dirty="0" smtClean="0"/>
+              <a:rPr lang="de-DE" dirty="0"/>
               <a:t> = b </a:t>
             </a:r>
           </a:p>
@@ -11234,13 +11982,6 @@
   <p:clrMapOvr>
     <a:masterClrMapping/>
   </p:clrMapOvr>
-  <p:timing>
-    <p:tnLst>
-      <p:par>
-        <p:cTn id="1" dur="indefinite" restart="never" nodeType="tmRoot"/>
-      </p:par>
-    </p:tnLst>
-  </p:timing>
 </p:sld>
 </file>
 
@@ -11274,10 +12015,10 @@
           <p:cNvPr id="19" name="Rectangle 18">
             <a:extLst>
               <a:ext uri="{FF2B5EF4-FFF2-40B4-BE49-F238E27FC236}">
-                <a16:creationId xmlns="" xmlns:a16="http://schemas.microsoft.com/office/drawing/2014/main" id="{8D70B121-56F4-4848-B38B-182089D909FA}"/>
+                <a16:creationId xmlns:a16="http://schemas.microsoft.com/office/drawing/2014/main" id="{8D70B121-56F4-4848-B38B-182089D909FA}"/>
               </a:ext>
               <a:ext uri="{C183D7F6-B498-43B3-948B-1728B52AA6E4}">
-                <adec:decorative xmlns="" xmlns:adec="http://schemas.microsoft.com/office/drawing/2017/decorative" val="1"/>
+                <adec:decorative xmlns:adec="http://schemas.microsoft.com/office/drawing/2017/decorative" val="1"/>
               </a:ext>
             </a:extLst>
           </p:cNvPr>
@@ -11287,7 +12028,7 @@
           <p:nvPr>
             <p:extLst>
               <p:ext uri="{386F3935-93C4-4BCD-93E2-E3B085C9AB24}">
-                <p16:designElem xmlns="" xmlns:p16="http://schemas.microsoft.com/office/powerpoint/2015/main" val="1"/>
+                <p16:designElem xmlns:p16="http://schemas.microsoft.com/office/powerpoint/2015/main" val="1"/>
               </p:ext>
             </p:extLst>
           </p:nvPr>
@@ -11339,7 +12080,7 @@
           <p:cNvPr id="2" name="Titel 1">
             <a:extLst>
               <a:ext uri="{FF2B5EF4-FFF2-40B4-BE49-F238E27FC236}">
-                <a16:creationId xmlns="" xmlns:a16="http://schemas.microsoft.com/office/drawing/2014/main" id="{35BFDC70-A169-E142-B051-5ABC9190E094}"/>
+                <a16:creationId xmlns:a16="http://schemas.microsoft.com/office/drawing/2014/main" id="{35BFDC70-A169-E142-B051-5ABC9190E094}"/>
               </a:ext>
             </a:extLst>
           </p:cNvPr>
@@ -11364,7 +12105,7 @@
           <a:p>
             <a:pPr algn="ctr"/>
             <a:r>
-              <a:rPr lang="en-US" dirty="0" smtClean="0">
+              <a:rPr lang="en-US" dirty="0">
                 <a:solidFill>
                   <a:schemeClr val="accent1"/>
                 </a:solidFill>
@@ -11387,10 +12128,10 @@
           <p:cNvPr id="21" name="Straight Connector 20">
             <a:extLst>
               <a:ext uri="{FF2B5EF4-FFF2-40B4-BE49-F238E27FC236}">
-                <a16:creationId xmlns="" xmlns:a16="http://schemas.microsoft.com/office/drawing/2014/main" id="{2D72A2C9-F3CA-4216-8BAD-FA4C970C3C4E}"/>
+                <a16:creationId xmlns:a16="http://schemas.microsoft.com/office/drawing/2014/main" id="{2D72A2C9-F3CA-4216-8BAD-FA4C970C3C4E}"/>
               </a:ext>
               <a:ext uri="{C183D7F6-B498-43B3-948B-1728B52AA6E4}">
-                <adec:decorative xmlns="" xmlns:adec="http://schemas.microsoft.com/office/drawing/2017/decorative" val="1"/>
+                <adec:decorative xmlns:adec="http://schemas.microsoft.com/office/drawing/2017/decorative" val="1"/>
               </a:ext>
             </a:extLst>
           </p:cNvPr>
@@ -11400,7 +12141,7 @@
           <p:nvPr>
             <p:extLst>
               <p:ext uri="{386F3935-93C4-4BCD-93E2-E3B085C9AB24}">
-                <p16:designElem xmlns="" xmlns:p16="http://schemas.microsoft.com/office/powerpoint/2015/main" val="1"/>
+                <p16:designElem xmlns:p16="http://schemas.microsoft.com/office/powerpoint/2015/main" val="1"/>
               </p:ext>
             </p:extLst>
           </p:nvPr>
@@ -11476,13 +12217,6 @@
   <p:clrMapOvr>
     <a:masterClrMapping/>
   </p:clrMapOvr>
-  <p:timing>
-    <p:tnLst>
-      <p:par>
-        <p:cTn id="1" dur="indefinite" restart="never" nodeType="tmRoot"/>
-      </p:par>
-    </p:tnLst>
-  </p:timing>
 </p:sld>
 </file>
 
@@ -11516,10 +12250,10 @@
           <p:cNvPr id="8" name="Rectangle 7">
             <a:extLst>
               <a:ext uri="{FF2B5EF4-FFF2-40B4-BE49-F238E27FC236}">
-                <a16:creationId xmlns="" xmlns:a16="http://schemas.microsoft.com/office/drawing/2014/main" id="{8D70B121-56F4-4848-B38B-182089D909FA}"/>
+                <a16:creationId xmlns:a16="http://schemas.microsoft.com/office/drawing/2014/main" id="{8D70B121-56F4-4848-B38B-182089D909FA}"/>
               </a:ext>
               <a:ext uri="{C183D7F6-B498-43B3-948B-1728B52AA6E4}">
-                <adec:decorative xmlns="" xmlns:adec="http://schemas.microsoft.com/office/drawing/2017/decorative" val="1"/>
+                <adec:decorative xmlns:adec="http://schemas.microsoft.com/office/drawing/2017/decorative" val="1"/>
               </a:ext>
             </a:extLst>
           </p:cNvPr>
@@ -11529,7 +12263,7 @@
           <p:nvPr>
             <p:extLst>
               <p:ext uri="{386F3935-93C4-4BCD-93E2-E3B085C9AB24}">
-                <p16:designElem xmlns="" xmlns:p16="http://schemas.microsoft.com/office/powerpoint/2015/main" val="1"/>
+                <p16:designElem xmlns:p16="http://schemas.microsoft.com/office/powerpoint/2015/main" val="1"/>
               </p:ext>
             </p:extLst>
           </p:nvPr>
@@ -11581,7 +12315,7 @@
           <p:cNvPr id="2" name="Titel 1">
             <a:extLst>
               <a:ext uri="{FF2B5EF4-FFF2-40B4-BE49-F238E27FC236}">
-                <a16:creationId xmlns="" xmlns:a16="http://schemas.microsoft.com/office/drawing/2014/main" id="{0B5D0F8F-C92F-BC46-ACC4-7A21698DD272}"/>
+                <a16:creationId xmlns:a16="http://schemas.microsoft.com/office/drawing/2014/main" id="{0B5D0F8F-C92F-BC46-ACC4-7A21698DD272}"/>
               </a:ext>
             </a:extLst>
           </p:cNvPr>
@@ -11621,10 +12355,10 @@
           <p:cNvPr id="10" name="Straight Connector 9">
             <a:extLst>
               <a:ext uri="{FF2B5EF4-FFF2-40B4-BE49-F238E27FC236}">
-                <a16:creationId xmlns="" xmlns:a16="http://schemas.microsoft.com/office/drawing/2014/main" id="{2D72A2C9-F3CA-4216-8BAD-FA4C970C3C4E}"/>
+                <a16:creationId xmlns:a16="http://schemas.microsoft.com/office/drawing/2014/main" id="{2D72A2C9-F3CA-4216-8BAD-FA4C970C3C4E}"/>
               </a:ext>
               <a:ext uri="{C183D7F6-B498-43B3-948B-1728B52AA6E4}">
-                <adec:decorative xmlns="" xmlns:adec="http://schemas.microsoft.com/office/drawing/2017/decorative" val="1"/>
+                <adec:decorative xmlns:adec="http://schemas.microsoft.com/office/drawing/2017/decorative" val="1"/>
               </a:ext>
             </a:extLst>
           </p:cNvPr>
@@ -11634,7 +12368,7 @@
           <p:nvPr>
             <p:extLst>
               <p:ext uri="{386F3935-93C4-4BCD-93E2-E3B085C9AB24}">
-                <p16:designElem xmlns="" xmlns:p16="http://schemas.microsoft.com/office/powerpoint/2015/main" val="1"/>
+                <p16:designElem xmlns:p16="http://schemas.microsoft.com/office/powerpoint/2015/main" val="1"/>
               </p:ext>
             </p:extLst>
           </p:nvPr>
@@ -11676,7 +12410,7 @@
           <p:cNvPr id="3" name="Inhaltsplatzhalter 2">
             <a:extLst>
               <a:ext uri="{FF2B5EF4-FFF2-40B4-BE49-F238E27FC236}">
-                <a16:creationId xmlns="" xmlns:a16="http://schemas.microsoft.com/office/drawing/2014/main" id="{692C889E-3E0C-9E40-9512-4230892B2B42}"/>
+                <a16:creationId xmlns:a16="http://schemas.microsoft.com/office/drawing/2014/main" id="{692C889E-3E0C-9E40-9512-4230892B2B42}"/>
               </a:ext>
             </a:extLst>
           </p:cNvPr>
@@ -11740,17 +12474,13 @@
             <a:pPr lvl="1"/>
             <a:r>
               <a:rPr lang="de-DE" sz="2000" dirty="0"/>
-              <a:t>Einführung in den </a:t>
-            </a:r>
-            <a:r>
-              <a:rPr lang="de-DE" sz="2000" dirty="0" smtClean="0"/>
-              <a:t>Code</a:t>
+              <a:t>Einführung in den Code</a:t>
             </a:r>
           </a:p>
           <a:p>
             <a:pPr lvl="1"/>
             <a:r>
-              <a:rPr lang="de-DE" sz="2000" dirty="0" smtClean="0">
+              <a:rPr lang="de-DE" sz="2000" dirty="0">
                 <a:solidFill>
                   <a:srgbClr val="0070C0"/>
                 </a:solidFill>
@@ -11760,10 +12490,9 @@
           </a:p>
           <a:p>
             <a:r>
-              <a:rPr lang="de-DE" sz="2400" dirty="0" smtClean="0"/>
+              <a:rPr lang="de-DE" sz="2400" dirty="0"/>
               <a:t>Fazit </a:t>
             </a:r>
-            <a:endParaRPr lang="de-DE" sz="2400" dirty="0"/>
           </a:p>
         </p:txBody>
       </p:sp>
@@ -11777,13 +12506,6 @@
   <p:clrMapOvr>
     <a:masterClrMapping/>
   </p:clrMapOvr>
-  <p:timing>
-    <p:tnLst>
-      <p:par>
-        <p:cTn id="1" dur="indefinite" restart="never" nodeType="tmRoot"/>
-      </p:par>
-    </p:tnLst>
-  </p:timing>
 </p:sld>
 </file>
 
@@ -11817,10 +12539,10 @@
           <p:cNvPr id="8" name="Rectangle 7">
             <a:extLst>
               <a:ext uri="{FF2B5EF4-FFF2-40B4-BE49-F238E27FC236}">
-                <a16:creationId xmlns="" xmlns:a16="http://schemas.microsoft.com/office/drawing/2014/main" id="{8D70B121-56F4-4848-B38B-182089D909FA}"/>
+                <a16:creationId xmlns:a16="http://schemas.microsoft.com/office/drawing/2014/main" id="{8D70B121-56F4-4848-B38B-182089D909FA}"/>
               </a:ext>
               <a:ext uri="{C183D7F6-B498-43B3-948B-1728B52AA6E4}">
-                <adec:decorative xmlns="" xmlns:adec="http://schemas.microsoft.com/office/drawing/2017/decorative" val="1"/>
+                <adec:decorative xmlns:adec="http://schemas.microsoft.com/office/drawing/2017/decorative" val="1"/>
               </a:ext>
             </a:extLst>
           </p:cNvPr>
@@ -11830,7 +12552,7 @@
           <p:nvPr>
             <p:extLst>
               <p:ext uri="{386F3935-93C4-4BCD-93E2-E3B085C9AB24}">
-                <p16:designElem xmlns="" xmlns:p16="http://schemas.microsoft.com/office/powerpoint/2015/main" val="1"/>
+                <p16:designElem xmlns:p16="http://schemas.microsoft.com/office/powerpoint/2015/main" val="1"/>
               </p:ext>
             </p:extLst>
           </p:nvPr>
@@ -11900,7 +12622,7 @@
           <a:lstStyle/>
           <a:p>
             <a:r>
-              <a:rPr lang="de-DE" b="1" dirty="0" smtClean="0">
+              <a:rPr lang="de-DE" b="1" dirty="0">
                 <a:solidFill>
                   <a:srgbClr val="FF0000"/>
                 </a:solidFill>
@@ -11908,13 +12630,13 @@
               <a:t>Rote: </a:t>
             </a:r>
             <a:r>
-              <a:rPr lang="de-DE" dirty="0" smtClean="0"/>
+              <a:rPr lang="de-DE" dirty="0"/>
               <a:t>Kosten</a:t>
             </a:r>
           </a:p>
           <a:p>
             <a:r>
-              <a:rPr lang="de-DE" b="1" dirty="0" smtClean="0">
+              <a:rPr lang="de-DE" b="1" dirty="0">
                 <a:solidFill>
                   <a:srgbClr val="0070C0"/>
                 </a:solidFill>
@@ -11922,10 +12644,9 @@
               <a:t>Blau: </a:t>
             </a:r>
             <a:r>
-              <a:rPr lang="de-DE" dirty="0" smtClean="0"/>
+              <a:rPr lang="de-DE" dirty="0"/>
               <a:t>Kapazität</a:t>
             </a:r>
-            <a:endParaRPr lang="de-DE" dirty="0"/>
           </a:p>
         </p:txBody>
       </p:sp>
@@ -11934,7 +12655,7 @@
           <p:cNvPr id="9" name="Gruppieren 8">
             <a:extLst>
               <a:ext uri="{FF2B5EF4-FFF2-40B4-BE49-F238E27FC236}">
-                <a16:creationId xmlns="" xmlns:a16="http://schemas.microsoft.com/office/drawing/2014/main" id="{50ECC846-FE00-5642-8853-EEE6E8A01659}"/>
+                <a16:creationId xmlns:a16="http://schemas.microsoft.com/office/drawing/2014/main" id="{50ECC846-FE00-5642-8853-EEE6E8A01659}"/>
               </a:ext>
             </a:extLst>
           </p:cNvPr>
@@ -11954,7 +12675,7 @@
             <p:cNvPr id="12" name="Dreieck 22">
               <a:extLst>
                 <a:ext uri="{FF2B5EF4-FFF2-40B4-BE49-F238E27FC236}">
-                  <a16:creationId xmlns="" xmlns:a16="http://schemas.microsoft.com/office/drawing/2014/main" id="{C58FCFF5-FFE5-1240-AE4D-8FE755FB7696}"/>
+                  <a16:creationId xmlns:a16="http://schemas.microsoft.com/office/drawing/2014/main" id="{C58FCFF5-FFE5-1240-AE4D-8FE755FB7696}"/>
                 </a:ext>
               </a:extLst>
             </p:cNvPr>
@@ -12000,7 +12721,7 @@
             <p:cNvPr id="11" name="Grafik 10">
               <a:extLst>
                 <a:ext uri="{FF2B5EF4-FFF2-40B4-BE49-F238E27FC236}">
-                  <a16:creationId xmlns="" xmlns:a16="http://schemas.microsoft.com/office/drawing/2014/main" id="{4E6774A5-9359-5A4C-9D07-47945BA0A9B3}"/>
+                  <a16:creationId xmlns:a16="http://schemas.microsoft.com/office/drawing/2014/main" id="{4E6774A5-9359-5A4C-9D07-47945BA0A9B3}"/>
                 </a:ext>
               </a:extLst>
             </p:cNvPr>
@@ -12030,7 +12751,7 @@
             <p:cNvPr id="13" name="Dreieck 23">
               <a:extLst>
                 <a:ext uri="{FF2B5EF4-FFF2-40B4-BE49-F238E27FC236}">
-                  <a16:creationId xmlns="" xmlns:a16="http://schemas.microsoft.com/office/drawing/2014/main" id="{45F58FCA-1036-9842-AC1B-581E8445154F}"/>
+                  <a16:creationId xmlns:a16="http://schemas.microsoft.com/office/drawing/2014/main" id="{45F58FCA-1036-9842-AC1B-581E8445154F}"/>
                 </a:ext>
               </a:extLst>
             </p:cNvPr>
@@ -12076,7 +12797,7 @@
             <p:cNvPr id="14" name="Dreieck 24">
               <a:extLst>
                 <a:ext uri="{FF2B5EF4-FFF2-40B4-BE49-F238E27FC236}">
-                  <a16:creationId xmlns="" xmlns:a16="http://schemas.microsoft.com/office/drawing/2014/main" id="{F32A8848-A721-984F-933E-9E9622B747AD}"/>
+                  <a16:creationId xmlns:a16="http://schemas.microsoft.com/office/drawing/2014/main" id="{F32A8848-A721-984F-933E-9E9622B747AD}"/>
                 </a:ext>
               </a:extLst>
             </p:cNvPr>
@@ -12122,7 +12843,7 @@
             <p:cNvPr id="15" name="Dreieck 25">
               <a:extLst>
                 <a:ext uri="{FF2B5EF4-FFF2-40B4-BE49-F238E27FC236}">
-                  <a16:creationId xmlns="" xmlns:a16="http://schemas.microsoft.com/office/drawing/2014/main" id="{80771BCA-609E-164A-B463-F6A1D4A2CEAE}"/>
+                  <a16:creationId xmlns:a16="http://schemas.microsoft.com/office/drawing/2014/main" id="{80771BCA-609E-164A-B463-F6A1D4A2CEAE}"/>
                 </a:ext>
               </a:extLst>
             </p:cNvPr>
@@ -12168,7 +12889,7 @@
             <p:cNvPr id="16" name="Dreieck 26">
               <a:extLst>
                 <a:ext uri="{FF2B5EF4-FFF2-40B4-BE49-F238E27FC236}">
-                  <a16:creationId xmlns="" xmlns:a16="http://schemas.microsoft.com/office/drawing/2014/main" id="{D74FB55B-722F-AF4E-B788-08B063B85B99}"/>
+                  <a16:creationId xmlns:a16="http://schemas.microsoft.com/office/drawing/2014/main" id="{D74FB55B-722F-AF4E-B788-08B063B85B99}"/>
                 </a:ext>
               </a:extLst>
             </p:cNvPr>
@@ -12214,7 +12935,7 @@
             <p:cNvPr id="17" name="Dreieck 27">
               <a:extLst>
                 <a:ext uri="{FF2B5EF4-FFF2-40B4-BE49-F238E27FC236}">
-                  <a16:creationId xmlns="" xmlns:a16="http://schemas.microsoft.com/office/drawing/2014/main" id="{E28615C0-4C02-CA41-ABCF-97C87E10A370}"/>
+                  <a16:creationId xmlns:a16="http://schemas.microsoft.com/office/drawing/2014/main" id="{E28615C0-4C02-CA41-ABCF-97C87E10A370}"/>
                 </a:ext>
               </a:extLst>
             </p:cNvPr>
@@ -12260,7 +12981,7 @@
             <p:cNvPr id="18" name="Dreieck 28">
               <a:extLst>
                 <a:ext uri="{FF2B5EF4-FFF2-40B4-BE49-F238E27FC236}">
-                  <a16:creationId xmlns="" xmlns:a16="http://schemas.microsoft.com/office/drawing/2014/main" id="{FBA1CE75-BDA7-5541-B332-841CA5A0F3D8}"/>
+                  <a16:creationId xmlns:a16="http://schemas.microsoft.com/office/drawing/2014/main" id="{FBA1CE75-BDA7-5541-B332-841CA5A0F3D8}"/>
                 </a:ext>
               </a:extLst>
             </p:cNvPr>
@@ -12306,7 +13027,7 @@
             <p:cNvPr id="19" name="Dreieck 29">
               <a:extLst>
                 <a:ext uri="{FF2B5EF4-FFF2-40B4-BE49-F238E27FC236}">
-                  <a16:creationId xmlns="" xmlns:a16="http://schemas.microsoft.com/office/drawing/2014/main" id="{54C42A26-F415-894B-B37F-08315630F5A1}"/>
+                  <a16:creationId xmlns:a16="http://schemas.microsoft.com/office/drawing/2014/main" id="{54C42A26-F415-894B-B37F-08315630F5A1}"/>
                 </a:ext>
               </a:extLst>
             </p:cNvPr>
@@ -12372,10 +13093,9 @@
           <a:p>
             <a:pPr algn="just"/>
             <a:r>
-              <a:rPr lang="de-DE" b="1" dirty="0" smtClean="0"/>
+              <a:rPr lang="de-DE" b="1" dirty="0"/>
               <a:t>Welche wäre unter Berücksichtigung der Kapazitäten Ihrer Meinung nach der günstigste Pfad ?</a:t>
             </a:r>
-            <a:endParaRPr lang="de-DE" b="1" dirty="0"/>
           </a:p>
         </p:txBody>
       </p:sp>
@@ -12424,7 +13144,7 @@
           <p:cNvPr id="21" name="Grafik 20">
             <a:extLst>
               <a:ext uri="{FF2B5EF4-FFF2-40B4-BE49-F238E27FC236}">
-                <a16:creationId xmlns="" xmlns:a16="http://schemas.microsoft.com/office/drawing/2014/main" id="{D878A5C2-A8AA-4358-9003-B99120CDFE3F}"/>
+                <a16:creationId xmlns:a16="http://schemas.microsoft.com/office/drawing/2014/main" id="{D878A5C2-A8AA-4358-9003-B99120CDFE3F}"/>
               </a:ext>
             </a:extLst>
           </p:cNvPr>
@@ -12763,10 +13483,10 @@
           <p:cNvPr id="19" name="Rectangle 18">
             <a:extLst>
               <a:ext uri="{FF2B5EF4-FFF2-40B4-BE49-F238E27FC236}">
-                <a16:creationId xmlns="" xmlns:a16="http://schemas.microsoft.com/office/drawing/2014/main" id="{8D70B121-56F4-4848-B38B-182089D909FA}"/>
+                <a16:creationId xmlns:a16="http://schemas.microsoft.com/office/drawing/2014/main" id="{8D70B121-56F4-4848-B38B-182089D909FA}"/>
               </a:ext>
               <a:ext uri="{C183D7F6-B498-43B3-948B-1728B52AA6E4}">
-                <adec:decorative xmlns="" xmlns:adec="http://schemas.microsoft.com/office/drawing/2017/decorative" val="1"/>
+                <adec:decorative xmlns:adec="http://schemas.microsoft.com/office/drawing/2017/decorative" val="1"/>
               </a:ext>
             </a:extLst>
           </p:cNvPr>
@@ -12776,7 +13496,7 @@
           <p:nvPr>
             <p:extLst>
               <p:ext uri="{386F3935-93C4-4BCD-93E2-E3B085C9AB24}">
-                <p16:designElem xmlns="" xmlns:p16="http://schemas.microsoft.com/office/powerpoint/2015/main" val="1"/>
+                <p16:designElem xmlns:p16="http://schemas.microsoft.com/office/powerpoint/2015/main" val="1"/>
               </p:ext>
             </p:extLst>
           </p:nvPr>
@@ -12828,7 +13548,7 @@
           <p:cNvPr id="2" name="Titel 1">
             <a:extLst>
               <a:ext uri="{FF2B5EF4-FFF2-40B4-BE49-F238E27FC236}">
-                <a16:creationId xmlns="" xmlns:a16="http://schemas.microsoft.com/office/drawing/2014/main" id="{35BFDC70-A169-E142-B051-5ABC9190E094}"/>
+                <a16:creationId xmlns:a16="http://schemas.microsoft.com/office/drawing/2014/main" id="{35BFDC70-A169-E142-B051-5ABC9190E094}"/>
               </a:ext>
             </a:extLst>
           </p:cNvPr>
@@ -12853,7 +13573,7 @@
           <a:p>
             <a:pPr algn="ctr"/>
             <a:r>
-              <a:rPr lang="en-US" dirty="0" smtClean="0">
+              <a:rPr lang="en-US" dirty="0">
                 <a:solidFill>
                   <a:schemeClr val="accent1"/>
                 </a:solidFill>
@@ -12876,7 +13596,7 @@
           <p:cNvPr id="8" name="Inhaltsplatzhalter 4">
             <a:extLst>
               <a:ext uri="{FF2B5EF4-FFF2-40B4-BE49-F238E27FC236}">
-                <a16:creationId xmlns="" xmlns:a16="http://schemas.microsoft.com/office/drawing/2014/main" id="{A8E625C4-6DB1-9D42-BFEA-DE37A6F928F3}"/>
+                <a16:creationId xmlns:a16="http://schemas.microsoft.com/office/drawing/2014/main" id="{A8E625C4-6DB1-9D42-BFEA-DE37A6F928F3}"/>
               </a:ext>
             </a:extLst>
           </p:cNvPr>
@@ -12900,7 +13620,7 @@
           <a:lstStyle/>
           <a:p>
             <a:r>
-              <a:rPr lang="de-DE" dirty="0" smtClean="0"/>
+              <a:rPr lang="de-DE" dirty="0"/>
               <a:t> </a:t>
             </a:r>
           </a:p>
@@ -12986,10 +13706,9 @@
           <a:lstStyle/>
           <a:p>
             <a:r>
-              <a:rPr lang="de-DE" dirty="0" smtClean="0"/>
+              <a:rPr lang="de-DE" dirty="0"/>
               <a:t>Quelle </a:t>
             </a:r>
-            <a:endParaRPr lang="de-DE" dirty="0"/>
           </a:p>
         </p:txBody>
       </p:sp>
@@ -13121,10 +13840,9 @@
           <a:lstStyle/>
           <a:p>
             <a:r>
-              <a:rPr lang="de-DE" dirty="0" smtClean="0"/>
+              <a:rPr lang="de-DE" dirty="0"/>
               <a:t>Senke</a:t>
             </a:r>
-            <a:endParaRPr lang="de-DE" dirty="0"/>
           </a:p>
         </p:txBody>
       </p:sp>
@@ -13151,10 +13869,9 @@
           <a:lstStyle/>
           <a:p>
             <a:r>
-              <a:rPr lang="de-DE" dirty="0" smtClean="0"/>
+              <a:rPr lang="de-DE" dirty="0"/>
               <a:t>Minimale Kosten mit Kapazitätsbeschränkung</a:t>
             </a:r>
-            <a:endParaRPr lang="de-DE" dirty="0"/>
           </a:p>
         </p:txBody>
       </p:sp>
@@ -14769,10 +15486,10 @@
           <p:cNvPr id="8" name="Rectangle 7">
             <a:extLst>
               <a:ext uri="{FF2B5EF4-FFF2-40B4-BE49-F238E27FC236}">
-                <a16:creationId xmlns="" xmlns:a16="http://schemas.microsoft.com/office/drawing/2014/main" id="{8D70B121-56F4-4848-B38B-182089D909FA}"/>
+                <a16:creationId xmlns:a16="http://schemas.microsoft.com/office/drawing/2014/main" id="{8D70B121-56F4-4848-B38B-182089D909FA}"/>
               </a:ext>
               <a:ext uri="{C183D7F6-B498-43B3-948B-1728B52AA6E4}">
-                <adec:decorative xmlns="" xmlns:adec="http://schemas.microsoft.com/office/drawing/2017/decorative" val="1"/>
+                <adec:decorative xmlns:adec="http://schemas.microsoft.com/office/drawing/2017/decorative" val="1"/>
               </a:ext>
             </a:extLst>
           </p:cNvPr>
@@ -14782,7 +15499,7 @@
           <p:nvPr>
             <p:extLst>
               <p:ext uri="{386F3935-93C4-4BCD-93E2-E3B085C9AB24}">
-                <p16:designElem xmlns="" xmlns:p16="http://schemas.microsoft.com/office/powerpoint/2015/main" val="1"/>
+                <p16:designElem xmlns:p16="http://schemas.microsoft.com/office/powerpoint/2015/main" val="1"/>
               </p:ext>
             </p:extLst>
           </p:nvPr>
@@ -14834,7 +15551,7 @@
           <p:cNvPr id="2" name="Titel 1">
             <a:extLst>
               <a:ext uri="{FF2B5EF4-FFF2-40B4-BE49-F238E27FC236}">
-                <a16:creationId xmlns="" xmlns:a16="http://schemas.microsoft.com/office/drawing/2014/main" id="{0B5D0F8F-C92F-BC46-ACC4-7A21698DD272}"/>
+                <a16:creationId xmlns:a16="http://schemas.microsoft.com/office/drawing/2014/main" id="{0B5D0F8F-C92F-BC46-ACC4-7A21698DD272}"/>
               </a:ext>
             </a:extLst>
           </p:cNvPr>
@@ -14874,10 +15591,10 @@
           <p:cNvPr id="10" name="Straight Connector 9">
             <a:extLst>
               <a:ext uri="{FF2B5EF4-FFF2-40B4-BE49-F238E27FC236}">
-                <a16:creationId xmlns="" xmlns:a16="http://schemas.microsoft.com/office/drawing/2014/main" id="{2D72A2C9-F3CA-4216-8BAD-FA4C970C3C4E}"/>
+                <a16:creationId xmlns:a16="http://schemas.microsoft.com/office/drawing/2014/main" id="{2D72A2C9-F3CA-4216-8BAD-FA4C970C3C4E}"/>
               </a:ext>
               <a:ext uri="{C183D7F6-B498-43B3-948B-1728B52AA6E4}">
-                <adec:decorative xmlns="" xmlns:adec="http://schemas.microsoft.com/office/drawing/2017/decorative" val="1"/>
+                <adec:decorative xmlns:adec="http://schemas.microsoft.com/office/drawing/2017/decorative" val="1"/>
               </a:ext>
             </a:extLst>
           </p:cNvPr>
@@ -14887,7 +15604,7 @@
           <p:nvPr>
             <p:extLst>
               <p:ext uri="{386F3935-93C4-4BCD-93E2-E3B085C9AB24}">
-                <p16:designElem xmlns="" xmlns:p16="http://schemas.microsoft.com/office/powerpoint/2015/main" val="1"/>
+                <p16:designElem xmlns:p16="http://schemas.microsoft.com/office/powerpoint/2015/main" val="1"/>
               </p:ext>
             </p:extLst>
           </p:nvPr>
@@ -14929,7 +15646,7 @@
           <p:cNvPr id="3" name="Inhaltsplatzhalter 2">
             <a:extLst>
               <a:ext uri="{FF2B5EF4-FFF2-40B4-BE49-F238E27FC236}">
-                <a16:creationId xmlns="" xmlns:a16="http://schemas.microsoft.com/office/drawing/2014/main" id="{692C889E-3E0C-9E40-9512-4230892B2B42}"/>
+                <a16:creationId xmlns:a16="http://schemas.microsoft.com/office/drawing/2014/main" id="{692C889E-3E0C-9E40-9512-4230892B2B42}"/>
               </a:ext>
             </a:extLst>
           </p:cNvPr>
@@ -15004,16 +15721,15 @@
           <a:p>
             <a:pPr lvl="1"/>
             <a:r>
-              <a:rPr lang="de-DE" sz="2000" dirty="0" smtClean="0"/>
+              <a:rPr lang="de-DE" sz="2000" dirty="0"/>
               <a:t>Präsentation des Ergebnisses</a:t>
             </a:r>
           </a:p>
           <a:p>
             <a:r>
-              <a:rPr lang="de-DE" sz="2400" dirty="0" smtClean="0"/>
+              <a:rPr lang="de-DE" sz="2400" dirty="0"/>
               <a:t>Fazit </a:t>
             </a:r>
-            <a:endParaRPr lang="de-DE" sz="2400" dirty="0"/>
           </a:p>
         </p:txBody>
       </p:sp>
@@ -15027,13 +15743,6 @@
   <p:clrMapOvr>
     <a:masterClrMapping/>
   </p:clrMapOvr>
-  <p:timing>
-    <p:tnLst>
-      <p:par>
-        <p:cTn id="1" dur="indefinite" restart="never" nodeType="tmRoot"/>
-      </p:par>
-    </p:tnLst>
-  </p:timing>
 </p:sld>
 </file>
 
@@ -15067,10 +15776,10 @@
           <p:cNvPr id="19" name="Rectangle 18">
             <a:extLst>
               <a:ext uri="{FF2B5EF4-FFF2-40B4-BE49-F238E27FC236}">
-                <a16:creationId xmlns="" xmlns:a16="http://schemas.microsoft.com/office/drawing/2014/main" id="{8D70B121-56F4-4848-B38B-182089D909FA}"/>
+                <a16:creationId xmlns:a16="http://schemas.microsoft.com/office/drawing/2014/main" id="{8D70B121-56F4-4848-B38B-182089D909FA}"/>
               </a:ext>
               <a:ext uri="{C183D7F6-B498-43B3-948B-1728B52AA6E4}">
-                <adec:decorative xmlns="" xmlns:adec="http://schemas.microsoft.com/office/drawing/2017/decorative" val="1"/>
+                <adec:decorative xmlns:adec="http://schemas.microsoft.com/office/drawing/2017/decorative" val="1"/>
               </a:ext>
             </a:extLst>
           </p:cNvPr>
@@ -15080,7 +15789,7 @@
           <p:nvPr>
             <p:extLst>
               <p:ext uri="{386F3935-93C4-4BCD-93E2-E3B085C9AB24}">
-                <p16:designElem xmlns="" xmlns:p16="http://schemas.microsoft.com/office/powerpoint/2015/main" val="1"/>
+                <p16:designElem xmlns:p16="http://schemas.microsoft.com/office/powerpoint/2015/main" val="1"/>
               </p:ext>
             </p:extLst>
           </p:nvPr>
@@ -15207,10 +15916,9 @@
           <a:lstStyle/>
           <a:p>
             <a:r>
-              <a:rPr lang="de-DE" dirty="0" smtClean="0"/>
+              <a:rPr lang="de-DE" dirty="0"/>
               <a:t>Quelle </a:t>
             </a:r>
-            <a:endParaRPr lang="de-DE" dirty="0"/>
           </a:p>
         </p:txBody>
       </p:sp>
@@ -15270,10 +15978,9 @@
           <a:lstStyle/>
           <a:p>
             <a:r>
-              <a:rPr lang="de-DE" dirty="0" smtClean="0"/>
+              <a:rPr lang="de-DE" dirty="0"/>
               <a:t>Senke</a:t>
             </a:r>
-            <a:endParaRPr lang="de-DE" dirty="0"/>
           </a:p>
         </p:txBody>
       </p:sp>
@@ -15300,10 +16007,9 @@
           <a:lstStyle/>
           <a:p>
             <a:r>
-              <a:rPr lang="de-DE" dirty="0" smtClean="0"/>
+              <a:rPr lang="de-DE" dirty="0"/>
               <a:t>Minimale Kosten ohne Kapazitätsbeschränkung</a:t>
             </a:r>
-            <a:endParaRPr lang="de-DE" dirty="0"/>
           </a:p>
         </p:txBody>
       </p:sp>
@@ -15509,7 +16215,7 @@
           <p:cNvPr id="28" name="Gruppieren 27">
             <a:extLst>
               <a:ext uri="{FF2B5EF4-FFF2-40B4-BE49-F238E27FC236}">
-                <a16:creationId xmlns="" xmlns:a16="http://schemas.microsoft.com/office/drawing/2014/main" id="{50ECC846-FE00-5642-8853-EEE6E8A01659}"/>
+                <a16:creationId xmlns:a16="http://schemas.microsoft.com/office/drawing/2014/main" id="{50ECC846-FE00-5642-8853-EEE6E8A01659}"/>
               </a:ext>
             </a:extLst>
           </p:cNvPr>
@@ -15529,7 +16235,7 @@
             <p:cNvPr id="29" name="Dreieck 22">
               <a:extLst>
                 <a:ext uri="{FF2B5EF4-FFF2-40B4-BE49-F238E27FC236}">
-                  <a16:creationId xmlns="" xmlns:a16="http://schemas.microsoft.com/office/drawing/2014/main" id="{C58FCFF5-FFE5-1240-AE4D-8FE755FB7696}"/>
+                  <a16:creationId xmlns:a16="http://schemas.microsoft.com/office/drawing/2014/main" id="{C58FCFF5-FFE5-1240-AE4D-8FE755FB7696}"/>
                 </a:ext>
               </a:extLst>
             </p:cNvPr>
@@ -15575,7 +16281,7 @@
             <p:cNvPr id="30" name="Grafik 29">
               <a:extLst>
                 <a:ext uri="{FF2B5EF4-FFF2-40B4-BE49-F238E27FC236}">
-                  <a16:creationId xmlns="" xmlns:a16="http://schemas.microsoft.com/office/drawing/2014/main" id="{4E6774A5-9359-5A4C-9D07-47945BA0A9B3}"/>
+                  <a16:creationId xmlns:a16="http://schemas.microsoft.com/office/drawing/2014/main" id="{4E6774A5-9359-5A4C-9D07-47945BA0A9B3}"/>
                 </a:ext>
               </a:extLst>
             </p:cNvPr>
@@ -15605,7 +16311,7 @@
             <p:cNvPr id="31" name="Dreieck 23">
               <a:extLst>
                 <a:ext uri="{FF2B5EF4-FFF2-40B4-BE49-F238E27FC236}">
-                  <a16:creationId xmlns="" xmlns:a16="http://schemas.microsoft.com/office/drawing/2014/main" id="{45F58FCA-1036-9842-AC1B-581E8445154F}"/>
+                  <a16:creationId xmlns:a16="http://schemas.microsoft.com/office/drawing/2014/main" id="{45F58FCA-1036-9842-AC1B-581E8445154F}"/>
                 </a:ext>
               </a:extLst>
             </p:cNvPr>
@@ -15651,7 +16357,7 @@
             <p:cNvPr id="32" name="Dreieck 24">
               <a:extLst>
                 <a:ext uri="{FF2B5EF4-FFF2-40B4-BE49-F238E27FC236}">
-                  <a16:creationId xmlns="" xmlns:a16="http://schemas.microsoft.com/office/drawing/2014/main" id="{F32A8848-A721-984F-933E-9E9622B747AD}"/>
+                  <a16:creationId xmlns:a16="http://schemas.microsoft.com/office/drawing/2014/main" id="{F32A8848-A721-984F-933E-9E9622B747AD}"/>
                 </a:ext>
               </a:extLst>
             </p:cNvPr>
@@ -15697,7 +16403,7 @@
             <p:cNvPr id="33" name="Dreieck 25">
               <a:extLst>
                 <a:ext uri="{FF2B5EF4-FFF2-40B4-BE49-F238E27FC236}">
-                  <a16:creationId xmlns="" xmlns:a16="http://schemas.microsoft.com/office/drawing/2014/main" id="{80771BCA-609E-164A-B463-F6A1D4A2CEAE}"/>
+                  <a16:creationId xmlns:a16="http://schemas.microsoft.com/office/drawing/2014/main" id="{80771BCA-609E-164A-B463-F6A1D4A2CEAE}"/>
                 </a:ext>
               </a:extLst>
             </p:cNvPr>
@@ -15743,7 +16449,7 @@
             <p:cNvPr id="34" name="Dreieck 26">
               <a:extLst>
                 <a:ext uri="{FF2B5EF4-FFF2-40B4-BE49-F238E27FC236}">
-                  <a16:creationId xmlns="" xmlns:a16="http://schemas.microsoft.com/office/drawing/2014/main" id="{D74FB55B-722F-AF4E-B788-08B063B85B99}"/>
+                  <a16:creationId xmlns:a16="http://schemas.microsoft.com/office/drawing/2014/main" id="{D74FB55B-722F-AF4E-B788-08B063B85B99}"/>
                 </a:ext>
               </a:extLst>
             </p:cNvPr>
@@ -15789,7 +16495,7 @@
             <p:cNvPr id="35" name="Dreieck 27">
               <a:extLst>
                 <a:ext uri="{FF2B5EF4-FFF2-40B4-BE49-F238E27FC236}">
-                  <a16:creationId xmlns="" xmlns:a16="http://schemas.microsoft.com/office/drawing/2014/main" id="{E28615C0-4C02-CA41-ABCF-97C87E10A370}"/>
+                  <a16:creationId xmlns:a16="http://schemas.microsoft.com/office/drawing/2014/main" id="{E28615C0-4C02-CA41-ABCF-97C87E10A370}"/>
                 </a:ext>
               </a:extLst>
             </p:cNvPr>
@@ -15835,7 +16541,7 @@
             <p:cNvPr id="36" name="Dreieck 28">
               <a:extLst>
                 <a:ext uri="{FF2B5EF4-FFF2-40B4-BE49-F238E27FC236}">
-                  <a16:creationId xmlns="" xmlns:a16="http://schemas.microsoft.com/office/drawing/2014/main" id="{FBA1CE75-BDA7-5541-B332-841CA5A0F3D8}"/>
+                  <a16:creationId xmlns:a16="http://schemas.microsoft.com/office/drawing/2014/main" id="{FBA1CE75-BDA7-5541-B332-841CA5A0F3D8}"/>
                 </a:ext>
               </a:extLst>
             </p:cNvPr>
@@ -15881,7 +16587,7 @@
             <p:cNvPr id="37" name="Dreieck 29">
               <a:extLst>
                 <a:ext uri="{FF2B5EF4-FFF2-40B4-BE49-F238E27FC236}">
-                  <a16:creationId xmlns="" xmlns:a16="http://schemas.microsoft.com/office/drawing/2014/main" id="{54C42A26-F415-894B-B37F-08315630F5A1}"/>
+                  <a16:creationId xmlns:a16="http://schemas.microsoft.com/office/drawing/2014/main" id="{54C42A26-F415-894B-B37F-08315630F5A1}"/>
                 </a:ext>
               </a:extLst>
             </p:cNvPr>
@@ -16813,10 +17519,10 @@
           <p:cNvPr id="19" name="Rectangle 18">
             <a:extLst>
               <a:ext uri="{FF2B5EF4-FFF2-40B4-BE49-F238E27FC236}">
-                <a16:creationId xmlns="" xmlns:a16="http://schemas.microsoft.com/office/drawing/2014/main" id="{8D70B121-56F4-4848-B38B-182089D909FA}"/>
+                <a16:creationId xmlns:a16="http://schemas.microsoft.com/office/drawing/2014/main" id="{8D70B121-56F4-4848-B38B-182089D909FA}"/>
               </a:ext>
               <a:ext uri="{C183D7F6-B498-43B3-948B-1728B52AA6E4}">
-                <adec:decorative xmlns="" xmlns:adec="http://schemas.microsoft.com/office/drawing/2017/decorative" val="1"/>
+                <adec:decorative xmlns:adec="http://schemas.microsoft.com/office/drawing/2017/decorative" val="1"/>
               </a:ext>
             </a:extLst>
           </p:cNvPr>
@@ -16826,7 +17532,7 @@
           <p:nvPr>
             <p:extLst>
               <p:ext uri="{386F3935-93C4-4BCD-93E2-E3B085C9AB24}">
-                <p16:designElem xmlns="" xmlns:p16="http://schemas.microsoft.com/office/powerpoint/2015/main" val="1"/>
+                <p16:designElem xmlns:p16="http://schemas.microsoft.com/office/powerpoint/2015/main" val="1"/>
               </p:ext>
             </p:extLst>
           </p:nvPr>
@@ -16878,7 +17584,7 @@
           <p:cNvPr id="2" name="Titel 1">
             <a:extLst>
               <a:ext uri="{FF2B5EF4-FFF2-40B4-BE49-F238E27FC236}">
-                <a16:creationId xmlns="" xmlns:a16="http://schemas.microsoft.com/office/drawing/2014/main" id="{35BFDC70-A169-E142-B051-5ABC9190E094}"/>
+                <a16:creationId xmlns:a16="http://schemas.microsoft.com/office/drawing/2014/main" id="{35BFDC70-A169-E142-B051-5ABC9190E094}"/>
               </a:ext>
             </a:extLst>
           </p:cNvPr>
@@ -16903,7 +17609,7 @@
           <a:p>
             <a:pPr algn="ctr"/>
             <a:r>
-              <a:rPr lang="de-DE" kern="1200" dirty="0" smtClean="0">
+              <a:rPr lang="de-DE" kern="1200" dirty="0">
                 <a:solidFill>
                   <a:schemeClr val="accent1"/>
                 </a:solidFill>
@@ -16914,7 +17620,7 @@
               <a:t>Fazit</a:t>
             </a:r>
             <a:r>
-              <a:rPr lang="en-US" kern="1200" dirty="0" smtClean="0">
+              <a:rPr lang="en-US" kern="1200" dirty="0">
                 <a:solidFill>
                   <a:schemeClr val="accent1"/>
                 </a:solidFill>
@@ -16924,14 +17630,6 @@
               </a:rPr>
               <a:t> </a:t>
             </a:r>
-            <a:endParaRPr lang="en-US" kern="1200" dirty="0">
-              <a:solidFill>
-                <a:schemeClr val="accent1"/>
-              </a:solidFill>
-              <a:latin typeface="+mj-lt"/>
-              <a:ea typeface="+mj-ea"/>
-              <a:cs typeface="+mj-cs"/>
-            </a:endParaRPr>
           </a:p>
         </p:txBody>
       </p:sp>
@@ -16940,10 +17638,10 @@
           <p:cNvPr id="21" name="Straight Connector 20">
             <a:extLst>
               <a:ext uri="{FF2B5EF4-FFF2-40B4-BE49-F238E27FC236}">
-                <a16:creationId xmlns="" xmlns:a16="http://schemas.microsoft.com/office/drawing/2014/main" id="{2D72A2C9-F3CA-4216-8BAD-FA4C970C3C4E}"/>
+                <a16:creationId xmlns:a16="http://schemas.microsoft.com/office/drawing/2014/main" id="{2D72A2C9-F3CA-4216-8BAD-FA4C970C3C4E}"/>
               </a:ext>
               <a:ext uri="{C183D7F6-B498-43B3-948B-1728B52AA6E4}">
-                <adec:decorative xmlns="" xmlns:adec="http://schemas.microsoft.com/office/drawing/2017/decorative" val="1"/>
+                <adec:decorative xmlns:adec="http://schemas.microsoft.com/office/drawing/2017/decorative" val="1"/>
               </a:ext>
             </a:extLst>
           </p:cNvPr>
@@ -16953,7 +17651,7 @@
           <p:nvPr>
             <p:extLst>
               <p:ext uri="{386F3935-93C4-4BCD-93E2-E3B085C9AB24}">
-                <p16:designElem xmlns="" xmlns:p16="http://schemas.microsoft.com/office/powerpoint/2015/main" val="1"/>
+                <p16:designElem xmlns:p16="http://schemas.microsoft.com/office/powerpoint/2015/main" val="1"/>
               </p:ext>
             </p:extLst>
           </p:nvPr>
@@ -16995,7 +17693,7 @@
           <p:cNvPr id="8" name="Inhaltsplatzhalter 4">
             <a:extLst>
               <a:ext uri="{FF2B5EF4-FFF2-40B4-BE49-F238E27FC236}">
-                <a16:creationId xmlns="" xmlns:a16="http://schemas.microsoft.com/office/drawing/2014/main" id="{A8E625C4-6DB1-9D42-BFEA-DE37A6F928F3}"/>
+                <a16:creationId xmlns:a16="http://schemas.microsoft.com/office/drawing/2014/main" id="{A8E625C4-6DB1-9D42-BFEA-DE37A6F928F3}"/>
               </a:ext>
             </a:extLst>
           </p:cNvPr>
@@ -17023,7 +17721,7 @@
               <a:buChar char="-"/>
             </a:pPr>
             <a:r>
-              <a:rPr lang="de-DE" dirty="0" smtClean="0"/>
+              <a:rPr lang="de-DE" dirty="0"/>
               <a:t>Ist ein Problem mit realem Bezug</a:t>
             </a:r>
           </a:p>
@@ -17033,7 +17731,7 @@
               <a:buChar char="-"/>
             </a:pPr>
             <a:r>
-              <a:rPr lang="de-DE" dirty="0" smtClean="0"/>
+              <a:rPr lang="de-DE" dirty="0"/>
               <a:t>Ein echtes Alltagsproblem</a:t>
             </a:r>
           </a:p>
@@ -17043,7 +17741,7 @@
               <a:buChar char="-"/>
             </a:pPr>
             <a:r>
-              <a:rPr lang="de-DE" dirty="0" smtClean="0"/>
+              <a:rPr lang="de-DE" dirty="0"/>
               <a:t>Wird herangezogen um andere Probleme zu lösen </a:t>
             </a:r>
           </a:p>
@@ -17053,7 +17751,7 @@
               <a:buChar char="-"/>
             </a:pPr>
             <a:r>
-              <a:rPr lang="de-DE" dirty="0" smtClean="0"/>
+              <a:rPr lang="de-DE" dirty="0"/>
               <a:t>Verbindet viele interessante Teilgebiete der Mathematik (Lineare Algebra, Operation Research, ..)</a:t>
             </a:r>
           </a:p>
@@ -17076,13 +17774,6 @@
   <p:clrMapOvr>
     <a:masterClrMapping/>
   </p:clrMapOvr>
-  <p:timing>
-    <p:tnLst>
-      <p:par>
-        <p:cTn id="1" dur="indefinite" restart="never" nodeType="tmRoot"/>
-      </p:par>
-    </p:tnLst>
-  </p:timing>
 </p:sld>
 </file>
 
@@ -17116,10 +17807,10 @@
           <p:cNvPr id="19" name="Rectangle 18">
             <a:extLst>
               <a:ext uri="{FF2B5EF4-FFF2-40B4-BE49-F238E27FC236}">
-                <a16:creationId xmlns="" xmlns:a16="http://schemas.microsoft.com/office/drawing/2014/main" id="{8D70B121-56F4-4848-B38B-182089D909FA}"/>
+                <a16:creationId xmlns:a16="http://schemas.microsoft.com/office/drawing/2014/main" id="{8D70B121-56F4-4848-B38B-182089D909FA}"/>
               </a:ext>
               <a:ext uri="{C183D7F6-B498-43B3-948B-1728B52AA6E4}">
-                <adec:decorative xmlns="" xmlns:adec="http://schemas.microsoft.com/office/drawing/2017/decorative" val="1"/>
+                <adec:decorative xmlns:adec="http://schemas.microsoft.com/office/drawing/2017/decorative" val="1"/>
               </a:ext>
             </a:extLst>
           </p:cNvPr>
@@ -17129,7 +17820,7 @@
           <p:nvPr>
             <p:extLst>
               <p:ext uri="{386F3935-93C4-4BCD-93E2-E3B085C9AB24}">
-                <p16:designElem xmlns="" xmlns:p16="http://schemas.microsoft.com/office/powerpoint/2015/main" val="1"/>
+                <p16:designElem xmlns:p16="http://schemas.microsoft.com/office/powerpoint/2015/main" val="1"/>
               </p:ext>
             </p:extLst>
           </p:nvPr>
@@ -17181,7 +17872,7 @@
           <p:cNvPr id="2" name="Titel 1">
             <a:extLst>
               <a:ext uri="{FF2B5EF4-FFF2-40B4-BE49-F238E27FC236}">
-                <a16:creationId xmlns="" xmlns:a16="http://schemas.microsoft.com/office/drawing/2014/main" id="{35BFDC70-A169-E142-B051-5ABC9190E094}"/>
+                <a16:creationId xmlns:a16="http://schemas.microsoft.com/office/drawing/2014/main" id="{35BFDC70-A169-E142-B051-5ABC9190E094}"/>
               </a:ext>
             </a:extLst>
           </p:cNvPr>
@@ -17206,7 +17897,7 @@
           <a:p>
             <a:pPr algn="ctr"/>
             <a:r>
-              <a:rPr lang="de-DE" kern="1200" dirty="0" smtClean="0">
+              <a:rPr lang="de-DE" kern="1200" dirty="0">
                 <a:solidFill>
                   <a:schemeClr val="accent1"/>
                 </a:solidFill>
@@ -17217,7 +17908,7 @@
               <a:t>Zeit für Fragen</a:t>
             </a:r>
             <a:r>
-              <a:rPr lang="en-US" kern="1200" dirty="0" smtClean="0">
+              <a:rPr lang="en-US" kern="1200" dirty="0">
                 <a:solidFill>
                   <a:schemeClr val="accent1"/>
                 </a:solidFill>
@@ -17227,14 +17918,6 @@
               </a:rPr>
               <a:t> </a:t>
             </a:r>
-            <a:endParaRPr lang="en-US" kern="1200" dirty="0">
-              <a:solidFill>
-                <a:schemeClr val="accent1"/>
-              </a:solidFill>
-              <a:latin typeface="+mj-lt"/>
-              <a:ea typeface="+mj-ea"/>
-              <a:cs typeface="+mj-cs"/>
-            </a:endParaRPr>
           </a:p>
         </p:txBody>
       </p:sp>
@@ -17243,10 +17926,10 @@
           <p:cNvPr id="21" name="Straight Connector 20">
             <a:extLst>
               <a:ext uri="{FF2B5EF4-FFF2-40B4-BE49-F238E27FC236}">
-                <a16:creationId xmlns="" xmlns:a16="http://schemas.microsoft.com/office/drawing/2014/main" id="{2D72A2C9-F3CA-4216-8BAD-FA4C970C3C4E}"/>
+                <a16:creationId xmlns:a16="http://schemas.microsoft.com/office/drawing/2014/main" id="{2D72A2C9-F3CA-4216-8BAD-FA4C970C3C4E}"/>
               </a:ext>
               <a:ext uri="{C183D7F6-B498-43B3-948B-1728B52AA6E4}">
-                <adec:decorative xmlns="" xmlns:adec="http://schemas.microsoft.com/office/drawing/2017/decorative" val="1"/>
+                <adec:decorative xmlns:adec="http://schemas.microsoft.com/office/drawing/2017/decorative" val="1"/>
               </a:ext>
             </a:extLst>
           </p:cNvPr>
@@ -17256,7 +17939,7 @@
           <p:nvPr>
             <p:extLst>
               <p:ext uri="{386F3935-93C4-4BCD-93E2-E3B085C9AB24}">
-                <p16:designElem xmlns="" xmlns:p16="http://schemas.microsoft.com/office/powerpoint/2015/main" val="1"/>
+                <p16:designElem xmlns:p16="http://schemas.microsoft.com/office/powerpoint/2015/main" val="1"/>
               </p:ext>
             </p:extLst>
           </p:nvPr>
@@ -17333,13 +18016,6 @@
   <p:clrMapOvr>
     <a:masterClrMapping/>
   </p:clrMapOvr>
-  <p:timing>
-    <p:tnLst>
-      <p:par>
-        <p:cTn id="1" dur="indefinite" restart="never" nodeType="tmRoot"/>
-      </p:par>
-    </p:tnLst>
-  </p:timing>
 </p:sld>
 </file>
 
@@ -17373,10 +18049,10 @@
           <p:cNvPr id="19" name="Rectangle 18">
             <a:extLst>
               <a:ext uri="{FF2B5EF4-FFF2-40B4-BE49-F238E27FC236}">
-                <a16:creationId xmlns="" xmlns:a16="http://schemas.microsoft.com/office/drawing/2014/main" id="{8D70B121-56F4-4848-B38B-182089D909FA}"/>
+                <a16:creationId xmlns:a16="http://schemas.microsoft.com/office/drawing/2014/main" id="{8D70B121-56F4-4848-B38B-182089D909FA}"/>
               </a:ext>
               <a:ext uri="{C183D7F6-B498-43B3-948B-1728B52AA6E4}">
-                <adec:decorative xmlns="" xmlns:adec="http://schemas.microsoft.com/office/drawing/2017/decorative" val="1"/>
+                <adec:decorative xmlns:adec="http://schemas.microsoft.com/office/drawing/2017/decorative" val="1"/>
               </a:ext>
             </a:extLst>
           </p:cNvPr>
@@ -17386,7 +18062,7 @@
           <p:nvPr>
             <p:extLst>
               <p:ext uri="{386F3935-93C4-4BCD-93E2-E3B085C9AB24}">
-                <p16:designElem xmlns="" xmlns:p16="http://schemas.microsoft.com/office/powerpoint/2015/main" val="1"/>
+                <p16:designElem xmlns:p16="http://schemas.microsoft.com/office/powerpoint/2015/main" val="1"/>
               </p:ext>
             </p:extLst>
           </p:nvPr>
@@ -17438,7 +18114,7 @@
           <p:cNvPr id="2" name="Titel 1">
             <a:extLst>
               <a:ext uri="{FF2B5EF4-FFF2-40B4-BE49-F238E27FC236}">
-                <a16:creationId xmlns="" xmlns:a16="http://schemas.microsoft.com/office/drawing/2014/main" id="{35BFDC70-A169-E142-B051-5ABC9190E094}"/>
+                <a16:creationId xmlns:a16="http://schemas.microsoft.com/office/drawing/2014/main" id="{35BFDC70-A169-E142-B051-5ABC9190E094}"/>
               </a:ext>
             </a:extLst>
           </p:cNvPr>
@@ -17489,10 +18165,10 @@
           <p:cNvPr id="21" name="Straight Connector 20">
             <a:extLst>
               <a:ext uri="{FF2B5EF4-FFF2-40B4-BE49-F238E27FC236}">
-                <a16:creationId xmlns="" xmlns:a16="http://schemas.microsoft.com/office/drawing/2014/main" id="{2D72A2C9-F3CA-4216-8BAD-FA4C970C3C4E}"/>
+                <a16:creationId xmlns:a16="http://schemas.microsoft.com/office/drawing/2014/main" id="{2D72A2C9-F3CA-4216-8BAD-FA4C970C3C4E}"/>
               </a:ext>
               <a:ext uri="{C183D7F6-B498-43B3-948B-1728B52AA6E4}">
-                <adec:decorative xmlns="" xmlns:adec="http://schemas.microsoft.com/office/drawing/2017/decorative" val="1"/>
+                <adec:decorative xmlns:adec="http://schemas.microsoft.com/office/drawing/2017/decorative" val="1"/>
               </a:ext>
             </a:extLst>
           </p:cNvPr>
@@ -17502,7 +18178,7 @@
           <p:nvPr>
             <p:extLst>
               <p:ext uri="{386F3935-93C4-4BCD-93E2-E3B085C9AB24}">
-                <p16:designElem xmlns="" xmlns:p16="http://schemas.microsoft.com/office/powerpoint/2015/main" val="1"/>
+                <p16:designElem xmlns:p16="http://schemas.microsoft.com/office/powerpoint/2015/main" val="1"/>
               </p:ext>
             </p:extLst>
           </p:nvPr>
@@ -17544,7 +18220,7 @@
           <p:cNvPr id="8" name="Inhaltsplatzhalter 4">
             <a:extLst>
               <a:ext uri="{FF2B5EF4-FFF2-40B4-BE49-F238E27FC236}">
-                <a16:creationId xmlns="" xmlns:a16="http://schemas.microsoft.com/office/drawing/2014/main" id="{C28895E4-2A18-3F46-B985-F6164DBE329F}"/>
+                <a16:creationId xmlns:a16="http://schemas.microsoft.com/office/drawing/2014/main" id="{C28895E4-2A18-3F46-B985-F6164DBE329F}"/>
               </a:ext>
             </a:extLst>
           </p:cNvPr>
@@ -17598,13 +18274,7 @@
               <a:rPr lang="de-DE" sz="1400" dirty="0">
                 <a:hlinkClick r:id="rId6"/>
               </a:rPr>
-              <a:t>https://</a:t>
-            </a:r>
-            <a:r>
-              <a:rPr lang="de-DE" sz="1400" dirty="0" smtClean="0">
-                <a:hlinkClick r:id="rId6"/>
-              </a:rPr>
-              <a:t>www.youtube.com/watch?v=wJyWDCOPGpA</a:t>
+              <a:t>https://www.youtube.com/watch?v=wJyWDCOPGpA</a:t>
             </a:r>
             <a:endParaRPr lang="de-DE" sz="1400" dirty="0"/>
           </a:p>
@@ -17613,36 +18283,24 @@
               <a:rPr lang="de-DE" sz="1400" dirty="0">
                 <a:hlinkClick r:id="rId7"/>
               </a:rPr>
-              <a:t>http://</a:t>
-            </a:r>
-            <a:r>
-              <a:rPr lang="de-DE" sz="1400" dirty="0" smtClean="0">
-                <a:hlinkClick r:id="rId7"/>
-              </a:rPr>
-              <a:t>www.informatikseite.de/algorithmen/node18.php</a:t>
-            </a:r>
-            <a:endParaRPr lang="de-DE" sz="1400" dirty="0" smtClean="0"/>
+              <a:t>http://www.informatikseite.de/algorithmen/node18.php</a:t>
+            </a:r>
+            <a:endParaRPr lang="de-DE" sz="1400" dirty="0"/>
           </a:p>
           <a:p>
             <a:r>
               <a:rPr lang="de-DE" sz="1400" dirty="0">
                 <a:hlinkClick r:id="rId8"/>
               </a:rPr>
-              <a:t>http://</a:t>
-            </a:r>
-            <a:r>
-              <a:rPr lang="de-DE" sz="1400" dirty="0" smtClean="0">
-                <a:hlinkClick r:id="rId8"/>
-              </a:rPr>
-              <a:t>www.mi.fu-berlin.de/wiki/pub/Main/GunnarKlauP1winter0708/discMath_klau_maxflow.pdf</a:t>
-            </a:r>
-            <a:endParaRPr lang="de-DE" sz="1400" dirty="0" smtClean="0"/>
-          </a:p>
-          <a:p>
-            <a:endParaRPr lang="de-DE" sz="1400" dirty="0" smtClean="0"/>
-          </a:p>
-          <a:p>
-            <a:endParaRPr lang="de-DE" sz="1400" dirty="0" smtClean="0"/>
+              <a:t>http://www.mi.fu-berlin.de/wiki/pub/Main/GunnarKlauP1winter0708/discMath_klau_maxflow.pdf</a:t>
+            </a:r>
+            <a:endParaRPr lang="de-DE" sz="1400" dirty="0"/>
+          </a:p>
+          <a:p>
+            <a:endParaRPr lang="de-DE" sz="1400" dirty="0"/>
+          </a:p>
+          <a:p>
+            <a:endParaRPr lang="de-DE" sz="1400" dirty="0"/>
           </a:p>
           <a:p>
             <a:endParaRPr lang="de-DE" sz="1400" dirty="0"/>
@@ -17662,13 +18320,6 @@
   <p:clrMapOvr>
     <a:masterClrMapping/>
   </p:clrMapOvr>
-  <p:timing>
-    <p:tnLst>
-      <p:par>
-        <p:cTn id="1" dur="indefinite" restart="never" nodeType="tmRoot"/>
-      </p:par>
-    </p:tnLst>
-  </p:timing>
 </p:sld>
 </file>
 
@@ -17702,10 +18353,10 @@
           <p:cNvPr id="7" name="Rectangle 6">
             <a:extLst>
               <a:ext uri="{FF2B5EF4-FFF2-40B4-BE49-F238E27FC236}">
-                <a16:creationId xmlns="" xmlns:a16="http://schemas.microsoft.com/office/drawing/2014/main" id="{6F9EB9F2-07E2-4D64-BBD8-BB5B217F1218}"/>
+                <a16:creationId xmlns:a16="http://schemas.microsoft.com/office/drawing/2014/main" id="{6F9EB9F2-07E2-4D64-BBD8-BB5B217F1218}"/>
               </a:ext>
               <a:ext uri="{C183D7F6-B498-43B3-948B-1728B52AA6E4}">
-                <adec:decorative xmlns="" xmlns:adec="http://schemas.microsoft.com/office/drawing/2017/decorative" val="1"/>
+                <adec:decorative xmlns:adec="http://schemas.microsoft.com/office/drawing/2017/decorative" val="1"/>
               </a:ext>
             </a:extLst>
           </p:cNvPr>
@@ -17715,7 +18366,7 @@
           <p:nvPr>
             <p:extLst>
               <p:ext uri="{386F3935-93C4-4BCD-93E2-E3B085C9AB24}">
-                <p16:designElem xmlns="" xmlns:p16="http://schemas.microsoft.com/office/powerpoint/2015/main" val="1"/>
+                <p16:designElem xmlns:p16="http://schemas.microsoft.com/office/powerpoint/2015/main" val="1"/>
               </p:ext>
             </p:extLst>
           </p:nvPr>
@@ -17767,7 +18418,7 @@
           <p:cNvPr id="2" name="Titel 1">
             <a:extLst>
               <a:ext uri="{FF2B5EF4-FFF2-40B4-BE49-F238E27FC236}">
-                <a16:creationId xmlns="" xmlns:a16="http://schemas.microsoft.com/office/drawing/2014/main" id="{8CCF408F-A9A7-BB42-8132-EB1552B49212}"/>
+                <a16:creationId xmlns:a16="http://schemas.microsoft.com/office/drawing/2014/main" id="{8CCF408F-A9A7-BB42-8132-EB1552B49212}"/>
               </a:ext>
             </a:extLst>
           </p:cNvPr>
@@ -17862,10 +18513,10 @@
           <p:cNvPr id="9" name="Straight Connector 8">
             <a:extLst>
               <a:ext uri="{FF2B5EF4-FFF2-40B4-BE49-F238E27FC236}">
-                <a16:creationId xmlns="" xmlns:a16="http://schemas.microsoft.com/office/drawing/2014/main" id="{F0C57C7C-DFE9-4A1E-B7A9-DF40E63366BB}"/>
+                <a16:creationId xmlns:a16="http://schemas.microsoft.com/office/drawing/2014/main" id="{F0C57C7C-DFE9-4A1E-B7A9-DF40E63366BB}"/>
               </a:ext>
               <a:ext uri="{C183D7F6-B498-43B3-948B-1728B52AA6E4}">
-                <adec:decorative xmlns="" xmlns:adec="http://schemas.microsoft.com/office/drawing/2017/decorative" val="1"/>
+                <adec:decorative xmlns:adec="http://schemas.microsoft.com/office/drawing/2017/decorative" val="1"/>
               </a:ext>
             </a:extLst>
           </p:cNvPr>
@@ -17875,7 +18526,7 @@
           <p:nvPr>
             <p:extLst>
               <p:ext uri="{386F3935-93C4-4BCD-93E2-E3B085C9AB24}">
-                <p16:designElem xmlns="" xmlns:p16="http://schemas.microsoft.com/office/powerpoint/2015/main" val="1"/>
+                <p16:designElem xmlns:p16="http://schemas.microsoft.com/office/powerpoint/2015/main" val="1"/>
               </p:ext>
             </p:extLst>
           </p:nvPr>
@@ -17922,13 +18573,6 @@
   <p:clrMapOvr>
     <a:masterClrMapping/>
   </p:clrMapOvr>
-  <p:timing>
-    <p:tnLst>
-      <p:par>
-        <p:cTn id="1" dur="indefinite" restart="never" nodeType="tmRoot"/>
-      </p:par>
-    </p:tnLst>
-  </p:timing>
 </p:sld>
 </file>
 
@@ -17962,10 +18606,10 @@
           <p:cNvPr id="19" name="Rectangle 18">
             <a:extLst>
               <a:ext uri="{FF2B5EF4-FFF2-40B4-BE49-F238E27FC236}">
-                <a16:creationId xmlns="" xmlns:a16="http://schemas.microsoft.com/office/drawing/2014/main" id="{8D70B121-56F4-4848-B38B-182089D909FA}"/>
+                <a16:creationId xmlns:a16="http://schemas.microsoft.com/office/drawing/2014/main" id="{8D70B121-56F4-4848-B38B-182089D909FA}"/>
               </a:ext>
               <a:ext uri="{C183D7F6-B498-43B3-948B-1728B52AA6E4}">
-                <adec:decorative xmlns="" xmlns:adec="http://schemas.microsoft.com/office/drawing/2017/decorative" val="1"/>
+                <adec:decorative xmlns:adec="http://schemas.microsoft.com/office/drawing/2017/decorative" val="1"/>
               </a:ext>
             </a:extLst>
           </p:cNvPr>
@@ -17975,7 +18619,7 @@
           <p:nvPr>
             <p:extLst>
               <p:ext uri="{386F3935-93C4-4BCD-93E2-E3B085C9AB24}">
-                <p16:designElem xmlns="" xmlns:p16="http://schemas.microsoft.com/office/powerpoint/2015/main" val="1"/>
+                <p16:designElem xmlns:p16="http://schemas.microsoft.com/office/powerpoint/2015/main" val="1"/>
               </p:ext>
             </p:extLst>
           </p:nvPr>
@@ -18056,10 +18700,10 @@
           <p:cNvPr id="21" name="Straight Connector 20">
             <a:extLst>
               <a:ext uri="{FF2B5EF4-FFF2-40B4-BE49-F238E27FC236}">
-                <a16:creationId xmlns="" xmlns:a16="http://schemas.microsoft.com/office/drawing/2014/main" id="{2D72A2C9-F3CA-4216-8BAD-FA4C970C3C4E}"/>
+                <a16:creationId xmlns:a16="http://schemas.microsoft.com/office/drawing/2014/main" id="{2D72A2C9-F3CA-4216-8BAD-FA4C970C3C4E}"/>
               </a:ext>
               <a:ext uri="{C183D7F6-B498-43B3-948B-1728B52AA6E4}">
-                <adec:decorative xmlns="" xmlns:adec="http://schemas.microsoft.com/office/drawing/2017/decorative" val="1"/>
+                <adec:decorative xmlns:adec="http://schemas.microsoft.com/office/drawing/2017/decorative" val="1"/>
               </a:ext>
             </a:extLst>
           </p:cNvPr>
@@ -18069,7 +18713,7 @@
           <p:nvPr>
             <p:extLst>
               <p:ext uri="{386F3935-93C4-4BCD-93E2-E3B085C9AB24}">
-                <p16:designElem xmlns="" xmlns:p16="http://schemas.microsoft.com/office/powerpoint/2015/main" val="1"/>
+                <p16:designElem xmlns:p16="http://schemas.microsoft.com/office/powerpoint/2015/main" val="1"/>
               </p:ext>
             </p:extLst>
           </p:nvPr>
@@ -18111,7 +18755,7 @@
           <p:cNvPr id="5" name="Rechteck 4">
             <a:extLst>
               <a:ext uri="{FF2B5EF4-FFF2-40B4-BE49-F238E27FC236}">
-                <a16:creationId xmlns="" xmlns:a16="http://schemas.microsoft.com/office/drawing/2014/main" id="{6C91387F-AF56-614F-B14F-5E345367B7AF}"/>
+                <a16:creationId xmlns:a16="http://schemas.microsoft.com/office/drawing/2014/main" id="{6C91387F-AF56-614F-B14F-5E345367B7AF}"/>
               </a:ext>
             </a:extLst>
           </p:cNvPr>
@@ -18192,7 +18836,7 @@
           <p:cNvPr id="2" name="Titel 1">
             <a:extLst>
               <a:ext uri="{FF2B5EF4-FFF2-40B4-BE49-F238E27FC236}">
-                <a16:creationId xmlns="" xmlns:a16="http://schemas.microsoft.com/office/drawing/2014/main" id="{35BFDC70-A169-E142-B051-5ABC9190E094}"/>
+                <a16:creationId xmlns:a16="http://schemas.microsoft.com/office/drawing/2014/main" id="{35BFDC70-A169-E142-B051-5ABC9190E094}"/>
               </a:ext>
             </a:extLst>
           </p:cNvPr>
@@ -18232,7 +18876,7 @@
           <p:cNvPr id="6" name="Rechteck 5">
             <a:extLst>
               <a:ext uri="{FF2B5EF4-FFF2-40B4-BE49-F238E27FC236}">
-                <a16:creationId xmlns="" xmlns:a16="http://schemas.microsoft.com/office/drawing/2014/main" id="{B21205B6-3884-4AD1-996C-39D66F295553}"/>
+                <a16:creationId xmlns:a16="http://schemas.microsoft.com/office/drawing/2014/main" id="{B21205B6-3884-4AD1-996C-39D66F295553}"/>
               </a:ext>
             </a:extLst>
           </p:cNvPr>
@@ -18313,7 +18957,7 @@
           <p:cNvPr id="7" name="Grafik 6">
             <a:extLst>
               <a:ext uri="{FF2B5EF4-FFF2-40B4-BE49-F238E27FC236}">
-                <a16:creationId xmlns="" xmlns:a16="http://schemas.microsoft.com/office/drawing/2014/main" id="{D878A5C2-A8AA-4358-9003-B99120CDFE3F}"/>
+                <a16:creationId xmlns:a16="http://schemas.microsoft.com/office/drawing/2014/main" id="{D878A5C2-A8AA-4358-9003-B99120CDFE3F}"/>
               </a:ext>
             </a:extLst>
           </p:cNvPr>
@@ -18348,13 +18992,6 @@
   <p:clrMapOvr>
     <a:masterClrMapping/>
   </p:clrMapOvr>
-  <p:timing>
-    <p:tnLst>
-      <p:par>
-        <p:cTn id="1" dur="indefinite" restart="never" nodeType="tmRoot"/>
-      </p:par>
-    </p:tnLst>
-  </p:timing>
 </p:sld>
 </file>
 
@@ -18388,10 +19025,10 @@
           <p:cNvPr id="8" name="Rectangle 7">
             <a:extLst>
               <a:ext uri="{FF2B5EF4-FFF2-40B4-BE49-F238E27FC236}">
-                <a16:creationId xmlns="" xmlns:a16="http://schemas.microsoft.com/office/drawing/2014/main" id="{8D70B121-56F4-4848-B38B-182089D909FA}"/>
+                <a16:creationId xmlns:a16="http://schemas.microsoft.com/office/drawing/2014/main" id="{8D70B121-56F4-4848-B38B-182089D909FA}"/>
               </a:ext>
               <a:ext uri="{C183D7F6-B498-43B3-948B-1728B52AA6E4}">
-                <adec:decorative xmlns="" xmlns:adec="http://schemas.microsoft.com/office/drawing/2017/decorative" val="1"/>
+                <adec:decorative xmlns:adec="http://schemas.microsoft.com/office/drawing/2017/decorative" val="1"/>
               </a:ext>
             </a:extLst>
           </p:cNvPr>
@@ -18401,7 +19038,7 @@
           <p:nvPr>
             <p:extLst>
               <p:ext uri="{386F3935-93C4-4BCD-93E2-E3B085C9AB24}">
-                <p16:designElem xmlns="" xmlns:p16="http://schemas.microsoft.com/office/powerpoint/2015/main" val="1"/>
+                <p16:designElem xmlns:p16="http://schemas.microsoft.com/office/powerpoint/2015/main" val="1"/>
               </p:ext>
             </p:extLst>
           </p:nvPr>
@@ -18453,7 +19090,7 @@
           <p:cNvPr id="2" name="Titel 1">
             <a:extLst>
               <a:ext uri="{FF2B5EF4-FFF2-40B4-BE49-F238E27FC236}">
-                <a16:creationId xmlns="" xmlns:a16="http://schemas.microsoft.com/office/drawing/2014/main" id="{0B5D0F8F-C92F-BC46-ACC4-7A21698DD272}"/>
+                <a16:creationId xmlns:a16="http://schemas.microsoft.com/office/drawing/2014/main" id="{0B5D0F8F-C92F-BC46-ACC4-7A21698DD272}"/>
               </a:ext>
             </a:extLst>
           </p:cNvPr>
@@ -18493,10 +19130,10 @@
           <p:cNvPr id="10" name="Straight Connector 9">
             <a:extLst>
               <a:ext uri="{FF2B5EF4-FFF2-40B4-BE49-F238E27FC236}">
-                <a16:creationId xmlns="" xmlns:a16="http://schemas.microsoft.com/office/drawing/2014/main" id="{2D72A2C9-F3CA-4216-8BAD-FA4C970C3C4E}"/>
+                <a16:creationId xmlns:a16="http://schemas.microsoft.com/office/drawing/2014/main" id="{2D72A2C9-F3CA-4216-8BAD-FA4C970C3C4E}"/>
               </a:ext>
               <a:ext uri="{C183D7F6-B498-43B3-948B-1728B52AA6E4}">
-                <adec:decorative xmlns="" xmlns:adec="http://schemas.microsoft.com/office/drawing/2017/decorative" val="1"/>
+                <adec:decorative xmlns:adec="http://schemas.microsoft.com/office/drawing/2017/decorative" val="1"/>
               </a:ext>
             </a:extLst>
           </p:cNvPr>
@@ -18506,7 +19143,7 @@
           <p:nvPr>
             <p:extLst>
               <p:ext uri="{386F3935-93C4-4BCD-93E2-E3B085C9AB24}">
-                <p16:designElem xmlns="" xmlns:p16="http://schemas.microsoft.com/office/powerpoint/2015/main" val="1"/>
+                <p16:designElem xmlns:p16="http://schemas.microsoft.com/office/powerpoint/2015/main" val="1"/>
               </p:ext>
             </p:extLst>
           </p:nvPr>
@@ -18543,8 +19180,8 @@
           </a:fontRef>
         </p:style>
       </p:cxnSp>
-      <mc:AlternateContent xmlns:mc="http://schemas.openxmlformats.org/markup-compatibility/2006">
-        <mc:Choice xmlns="" xmlns:pslz="http://schemas.microsoft.com/office/powerpoint/2016/slidezoom" Requires="pslz">
+      <mc:AlternateContent xmlns:mc="http://schemas.openxmlformats.org/markup-compatibility/2006" xmlns:pslz="http://schemas.microsoft.com/office/powerpoint/2016/slidezoom">
+        <mc:Choice Requires="pslz">
           <p:graphicFrame>
             <p:nvGraphicFramePr>
               <p:cNvPr id="7" name="Folienzoom 6">
@@ -18601,7 +19238,7 @@
             </a:graphic>
           </p:graphicFrame>
         </mc:Choice>
-        <mc:Fallback>
+        <mc:Fallback xmlns="">
           <p:pic>
             <p:nvPicPr>
               <p:cNvPr id="7" name="Folienzoom 6">
@@ -18650,13 +19287,6 @@
   <p:clrMapOvr>
     <a:masterClrMapping/>
   </p:clrMapOvr>
-  <p:timing>
-    <p:tnLst>
-      <p:par>
-        <p:cTn id="1" dur="indefinite" restart="never" nodeType="tmRoot"/>
-      </p:par>
-    </p:tnLst>
-  </p:timing>
 </p:sld>
 </file>
 
@@ -18690,10 +19320,10 @@
           <p:cNvPr id="8" name="Rectangle 7">
             <a:extLst>
               <a:ext uri="{FF2B5EF4-FFF2-40B4-BE49-F238E27FC236}">
-                <a16:creationId xmlns="" xmlns:a16="http://schemas.microsoft.com/office/drawing/2014/main" id="{8D70B121-56F4-4848-B38B-182089D909FA}"/>
+                <a16:creationId xmlns:a16="http://schemas.microsoft.com/office/drawing/2014/main" id="{8D70B121-56F4-4848-B38B-182089D909FA}"/>
               </a:ext>
               <a:ext uri="{C183D7F6-B498-43B3-948B-1728B52AA6E4}">
-                <adec:decorative xmlns="" xmlns:adec="http://schemas.microsoft.com/office/drawing/2017/decorative" val="1"/>
+                <adec:decorative xmlns:adec="http://schemas.microsoft.com/office/drawing/2017/decorative" val="1"/>
               </a:ext>
             </a:extLst>
           </p:cNvPr>
@@ -18703,7 +19333,7 @@
           <p:nvPr>
             <p:extLst>
               <p:ext uri="{386F3935-93C4-4BCD-93E2-E3B085C9AB24}">
-                <p16:designElem xmlns="" xmlns:p16="http://schemas.microsoft.com/office/powerpoint/2015/main" val="1"/>
+                <p16:designElem xmlns:p16="http://schemas.microsoft.com/office/powerpoint/2015/main" val="1"/>
               </p:ext>
             </p:extLst>
           </p:nvPr>
@@ -18755,10 +19385,10 @@
           <p:cNvPr id="10" name="Straight Connector 9">
             <a:extLst>
               <a:ext uri="{FF2B5EF4-FFF2-40B4-BE49-F238E27FC236}">
-                <a16:creationId xmlns="" xmlns:a16="http://schemas.microsoft.com/office/drawing/2014/main" id="{2D72A2C9-F3CA-4216-8BAD-FA4C970C3C4E}"/>
+                <a16:creationId xmlns:a16="http://schemas.microsoft.com/office/drawing/2014/main" id="{2D72A2C9-F3CA-4216-8BAD-FA4C970C3C4E}"/>
               </a:ext>
               <a:ext uri="{C183D7F6-B498-43B3-948B-1728B52AA6E4}">
-                <adec:decorative xmlns="" xmlns:adec="http://schemas.microsoft.com/office/drawing/2017/decorative" val="1"/>
+                <adec:decorative xmlns:adec="http://schemas.microsoft.com/office/drawing/2017/decorative" val="1"/>
               </a:ext>
             </a:extLst>
           </p:cNvPr>
@@ -18768,7 +19398,7 @@
           <p:nvPr>
             <p:extLst>
               <p:ext uri="{386F3935-93C4-4BCD-93E2-E3B085C9AB24}">
-                <p16:designElem xmlns="" xmlns:p16="http://schemas.microsoft.com/office/powerpoint/2015/main" val="1"/>
+                <p16:designElem xmlns:p16="http://schemas.microsoft.com/office/powerpoint/2015/main" val="1"/>
               </p:ext>
             </p:extLst>
           </p:nvPr>
@@ -18810,7 +19440,7 @@
           <p:cNvPr id="20" name="Textfeld 19">
             <a:extLst>
               <a:ext uri="{FF2B5EF4-FFF2-40B4-BE49-F238E27FC236}">
-                <a16:creationId xmlns="" xmlns:a16="http://schemas.microsoft.com/office/drawing/2014/main" id="{22318D91-F3FB-1D4F-8CA1-574E5C5A021C}"/>
+                <a16:creationId xmlns:a16="http://schemas.microsoft.com/office/drawing/2014/main" id="{22318D91-F3FB-1D4F-8CA1-574E5C5A021C}"/>
               </a:ext>
             </a:extLst>
           </p:cNvPr>
@@ -18862,7 +19492,7 @@
           <p:cNvPr id="21" name="Grafik 20">
             <a:extLst>
               <a:ext uri="{FF2B5EF4-FFF2-40B4-BE49-F238E27FC236}">
-                <a16:creationId xmlns="" xmlns:a16="http://schemas.microsoft.com/office/drawing/2014/main" id="{5ACE5D07-54C6-4407-8C9E-551B71135727}"/>
+                <a16:creationId xmlns:a16="http://schemas.microsoft.com/office/drawing/2014/main" id="{5ACE5D07-54C6-4407-8C9E-551B71135727}"/>
               </a:ext>
             </a:extLst>
           </p:cNvPr>
@@ -18897,13 +19527,6 @@
   <p:clrMapOvr>
     <a:masterClrMapping/>
   </p:clrMapOvr>
-  <p:timing>
-    <p:tnLst>
-      <p:par>
-        <p:cTn id="1" dur="indefinite" restart="never" nodeType="tmRoot"/>
-      </p:par>
-    </p:tnLst>
-  </p:timing>
 </p:sld>
 </file>
 
@@ -18937,10 +19560,10 @@
           <p:cNvPr id="19" name="Rectangle 18">
             <a:extLst>
               <a:ext uri="{FF2B5EF4-FFF2-40B4-BE49-F238E27FC236}">
-                <a16:creationId xmlns="" xmlns:a16="http://schemas.microsoft.com/office/drawing/2014/main" id="{8D70B121-56F4-4848-B38B-182089D909FA}"/>
+                <a16:creationId xmlns:a16="http://schemas.microsoft.com/office/drawing/2014/main" id="{8D70B121-56F4-4848-B38B-182089D909FA}"/>
               </a:ext>
               <a:ext uri="{C183D7F6-B498-43B3-948B-1728B52AA6E4}">
-                <adec:decorative xmlns="" xmlns:adec="http://schemas.microsoft.com/office/drawing/2017/decorative" val="1"/>
+                <adec:decorative xmlns:adec="http://schemas.microsoft.com/office/drawing/2017/decorative" val="1"/>
               </a:ext>
             </a:extLst>
           </p:cNvPr>
@@ -18950,7 +19573,7 @@
           <p:nvPr>
             <p:extLst>
               <p:ext uri="{386F3935-93C4-4BCD-93E2-E3B085C9AB24}">
-                <p16:designElem xmlns="" xmlns:p16="http://schemas.microsoft.com/office/powerpoint/2015/main" val="1"/>
+                <p16:designElem xmlns:p16="http://schemas.microsoft.com/office/powerpoint/2015/main" val="1"/>
               </p:ext>
             </p:extLst>
           </p:nvPr>
@@ -19002,7 +19625,7 @@
           <p:cNvPr id="2" name="Titel 1">
             <a:extLst>
               <a:ext uri="{FF2B5EF4-FFF2-40B4-BE49-F238E27FC236}">
-                <a16:creationId xmlns="" xmlns:a16="http://schemas.microsoft.com/office/drawing/2014/main" id="{35BFDC70-A169-E142-B051-5ABC9190E094}"/>
+                <a16:creationId xmlns:a16="http://schemas.microsoft.com/office/drawing/2014/main" id="{35BFDC70-A169-E142-B051-5ABC9190E094}"/>
               </a:ext>
             </a:extLst>
           </p:cNvPr>
@@ -19037,14 +19660,6 @@
               </a:rPr>
               <a:t>Grundlagen</a:t>
             </a:r>
-            <a:r>
-              <a:rPr lang="en-US" dirty="0">
-                <a:solidFill>
-                  <a:schemeClr val="accent1"/>
-                </a:solidFill>
-              </a:rPr>
-              <a:t/>
-            </a:r>
             <a:br>
               <a:rPr lang="en-US" dirty="0">
                 <a:solidFill>
@@ -19092,10 +19707,10 @@
           <p:cNvPr id="21" name="Straight Connector 20">
             <a:extLst>
               <a:ext uri="{FF2B5EF4-FFF2-40B4-BE49-F238E27FC236}">
-                <a16:creationId xmlns="" xmlns:a16="http://schemas.microsoft.com/office/drawing/2014/main" id="{2D72A2C9-F3CA-4216-8BAD-FA4C970C3C4E}"/>
+                <a16:creationId xmlns:a16="http://schemas.microsoft.com/office/drawing/2014/main" id="{2D72A2C9-F3CA-4216-8BAD-FA4C970C3C4E}"/>
               </a:ext>
               <a:ext uri="{C183D7F6-B498-43B3-948B-1728B52AA6E4}">
-                <adec:decorative xmlns="" xmlns:adec="http://schemas.microsoft.com/office/drawing/2017/decorative" val="1"/>
+                <adec:decorative xmlns:adec="http://schemas.microsoft.com/office/drawing/2017/decorative" val="1"/>
               </a:ext>
             </a:extLst>
           </p:cNvPr>
@@ -19105,7 +19720,7 @@
           <p:nvPr>
             <p:extLst>
               <p:ext uri="{386F3935-93C4-4BCD-93E2-E3B085C9AB24}">
-                <p16:designElem xmlns="" xmlns:p16="http://schemas.microsoft.com/office/powerpoint/2015/main" val="1"/>
+                <p16:designElem xmlns:p16="http://schemas.microsoft.com/office/powerpoint/2015/main" val="1"/>
               </p:ext>
             </p:extLst>
           </p:nvPr>
@@ -19147,7 +19762,7 @@
           <p:cNvPr id="14" name="Inhaltsplatzhalter 2">
             <a:extLst>
               <a:ext uri="{FF2B5EF4-FFF2-40B4-BE49-F238E27FC236}">
-                <a16:creationId xmlns="" xmlns:a16="http://schemas.microsoft.com/office/drawing/2014/main" id="{53B37B3D-655D-0342-AF1C-93DFDD28CF29}"/>
+                <a16:creationId xmlns:a16="http://schemas.microsoft.com/office/drawing/2014/main" id="{53B37B3D-655D-0342-AF1C-93DFDD28CF29}"/>
               </a:ext>
             </a:extLst>
           </p:cNvPr>
@@ -19238,13 +19853,6 @@
   <p:clrMapOvr>
     <a:masterClrMapping/>
   </p:clrMapOvr>
-  <p:timing>
-    <p:tnLst>
-      <p:par>
-        <p:cTn id="1" dur="indefinite" restart="never" nodeType="tmRoot"/>
-      </p:par>
-    </p:tnLst>
-  </p:timing>
 </p:sld>
 </file>
 
@@ -19278,10 +19886,10 @@
           <p:cNvPr id="19" name="Rectangle 18">
             <a:extLst>
               <a:ext uri="{FF2B5EF4-FFF2-40B4-BE49-F238E27FC236}">
-                <a16:creationId xmlns="" xmlns:a16="http://schemas.microsoft.com/office/drawing/2014/main" id="{8D70B121-56F4-4848-B38B-182089D909FA}"/>
+                <a16:creationId xmlns:a16="http://schemas.microsoft.com/office/drawing/2014/main" id="{8D70B121-56F4-4848-B38B-182089D909FA}"/>
               </a:ext>
               <a:ext uri="{C183D7F6-B498-43B3-948B-1728B52AA6E4}">
-                <adec:decorative xmlns="" xmlns:adec="http://schemas.microsoft.com/office/drawing/2017/decorative" val="1"/>
+                <adec:decorative xmlns:adec="http://schemas.microsoft.com/office/drawing/2017/decorative" val="1"/>
               </a:ext>
             </a:extLst>
           </p:cNvPr>
@@ -19291,7 +19899,7 @@
           <p:nvPr>
             <p:extLst>
               <p:ext uri="{386F3935-93C4-4BCD-93E2-E3B085C9AB24}">
-                <p16:designElem xmlns="" xmlns:p16="http://schemas.microsoft.com/office/powerpoint/2015/main" val="1"/>
+                <p16:designElem xmlns:p16="http://schemas.microsoft.com/office/powerpoint/2015/main" val="1"/>
               </p:ext>
             </p:extLst>
           </p:nvPr>
@@ -19343,10 +19951,10 @@
           <p:cNvPr id="21" name="Straight Connector 20">
             <a:extLst>
               <a:ext uri="{FF2B5EF4-FFF2-40B4-BE49-F238E27FC236}">
-                <a16:creationId xmlns="" xmlns:a16="http://schemas.microsoft.com/office/drawing/2014/main" id="{2D72A2C9-F3CA-4216-8BAD-FA4C970C3C4E}"/>
+                <a16:creationId xmlns:a16="http://schemas.microsoft.com/office/drawing/2014/main" id="{2D72A2C9-F3CA-4216-8BAD-FA4C970C3C4E}"/>
               </a:ext>
               <a:ext uri="{C183D7F6-B498-43B3-948B-1728B52AA6E4}">
-                <adec:decorative xmlns="" xmlns:adec="http://schemas.microsoft.com/office/drawing/2017/decorative" val="1"/>
+                <adec:decorative xmlns:adec="http://schemas.microsoft.com/office/drawing/2017/decorative" val="1"/>
               </a:ext>
             </a:extLst>
           </p:cNvPr>
@@ -19356,7 +19964,7 @@
           <p:nvPr>
             <p:extLst>
               <p:ext uri="{386F3935-93C4-4BCD-93E2-E3B085C9AB24}">
-                <p16:designElem xmlns="" xmlns:p16="http://schemas.microsoft.com/office/powerpoint/2015/main" val="1"/>
+                <p16:designElem xmlns:p16="http://schemas.microsoft.com/office/powerpoint/2015/main" val="1"/>
               </p:ext>
             </p:extLst>
           </p:nvPr>
@@ -19398,7 +20006,7 @@
           <p:cNvPr id="14" name="Inhaltsplatzhalter 2">
             <a:extLst>
               <a:ext uri="{FF2B5EF4-FFF2-40B4-BE49-F238E27FC236}">
-                <a16:creationId xmlns="" xmlns:a16="http://schemas.microsoft.com/office/drawing/2014/main" id="{53B37B3D-655D-0342-AF1C-93DFDD28CF29}"/>
+                <a16:creationId xmlns:a16="http://schemas.microsoft.com/office/drawing/2014/main" id="{53B37B3D-655D-0342-AF1C-93DFDD28CF29}"/>
               </a:ext>
             </a:extLst>
           </p:cNvPr>
@@ -19607,425 +20215,36 @@
           </a:p>
         </p:txBody>
       </p:sp>
-      <p:grpSp>
-        <p:nvGrpSpPr>
-          <p:cNvPr id="20" name="Gruppieren 19">
+      <p:pic>
+        <p:nvPicPr>
+          <p:cNvPr id="15" name="Grafik 14">
             <a:extLst>
               <a:ext uri="{FF2B5EF4-FFF2-40B4-BE49-F238E27FC236}">
-                <a16:creationId xmlns="" xmlns:a16="http://schemas.microsoft.com/office/drawing/2014/main" id="{50ECC846-FE00-5642-8853-EEE6E8A01659}"/>
+                <a16:creationId xmlns:a16="http://schemas.microsoft.com/office/drawing/2014/main" id="{B514AC34-D797-45A9-9B1B-9E06BD4F5210}"/>
               </a:ext>
             </a:extLst>
           </p:cNvPr>
-          <p:cNvGrpSpPr/>
+          <p:cNvPicPr>
+            <a:picLocks noChangeAspect="1"/>
+          </p:cNvPicPr>
           <p:nvPr/>
-        </p:nvGrpSpPr>
-        <p:grpSpPr>
+        </p:nvPicPr>
+        <p:blipFill>
+          <a:blip r:embed="rId3"/>
+          <a:stretch>
+            <a:fillRect/>
+          </a:stretch>
+        </p:blipFill>
+        <p:spPr>
           <a:xfrm>
-            <a:off x="4974771" y="2057400"/>
-            <a:ext cx="6691950" cy="2767060"/>
-            <a:chOff x="2192238" y="1846394"/>
-            <a:chExt cx="7807523" cy="3165212"/>
+            <a:off x="4909213" y="1996366"/>
+            <a:ext cx="6706306" cy="2865268"/>
           </a:xfrm>
-        </p:grpSpPr>
-        <p:pic>
-          <p:nvPicPr>
-            <p:cNvPr id="22" name="Grafik 21">
-              <a:extLst>
-                <a:ext uri="{FF2B5EF4-FFF2-40B4-BE49-F238E27FC236}">
-                  <a16:creationId xmlns="" xmlns:a16="http://schemas.microsoft.com/office/drawing/2014/main" id="{4E6774A5-9359-5A4C-9D07-47945BA0A9B3}"/>
-                </a:ext>
-              </a:extLst>
-            </p:cNvPr>
-            <p:cNvPicPr>
-              <a:picLocks noChangeAspect="1"/>
-            </p:cNvPicPr>
-            <p:nvPr/>
-          </p:nvPicPr>
-          <p:blipFill>
-            <a:blip r:embed="rId3"/>
-            <a:stretch>
-              <a:fillRect/>
-            </a:stretch>
-          </p:blipFill>
-          <p:spPr>
-            <a:xfrm>
-              <a:off x="2192238" y="1846394"/>
-              <a:ext cx="7807523" cy="3165212"/>
-            </a:xfrm>
-            <a:prstGeom prst="rect">
-              <a:avLst/>
-            </a:prstGeom>
-          </p:spPr>
-        </p:pic>
-        <p:sp>
-          <p:nvSpPr>
-            <p:cNvPr id="23" name="Dreieck 22">
-              <a:extLst>
-                <a:ext uri="{FF2B5EF4-FFF2-40B4-BE49-F238E27FC236}">
-                  <a16:creationId xmlns="" xmlns:a16="http://schemas.microsoft.com/office/drawing/2014/main" id="{C58FCFF5-FFE5-1240-AE4D-8FE755FB7696}"/>
-                </a:ext>
-              </a:extLst>
-            </p:cNvPr>
-            <p:cNvSpPr/>
-            <p:nvPr/>
-          </p:nvSpPr>
-          <p:spPr>
-            <a:xfrm>
-              <a:off x="4770782" y="2690192"/>
-              <a:ext cx="225287" cy="132521"/>
-            </a:xfrm>
-            <a:prstGeom prst="triangle">
-              <a:avLst/>
-            </a:prstGeom>
-          </p:spPr>
-          <p:style>
-            <a:lnRef idx="2">
-              <a:schemeClr val="accent1">
-                <a:shade val="50000"/>
-              </a:schemeClr>
-            </a:lnRef>
-            <a:fillRef idx="1">
-              <a:schemeClr val="accent1"/>
-            </a:fillRef>
-            <a:effectRef idx="0">
-              <a:schemeClr val="accent1"/>
-            </a:effectRef>
-            <a:fontRef idx="minor">
-              <a:schemeClr val="lt1"/>
-            </a:fontRef>
-          </p:style>
-          <p:txBody>
-            <a:bodyPr rtlCol="0" anchor="ctr"/>
-            <a:lstStyle/>
-            <a:p>
-              <a:pPr algn="ctr"/>
-              <a:endParaRPr lang="de-DE"/>
-            </a:p>
-          </p:txBody>
-        </p:sp>
-        <p:sp>
-          <p:nvSpPr>
-            <p:cNvPr id="24" name="Dreieck 23">
-              <a:extLst>
-                <a:ext uri="{FF2B5EF4-FFF2-40B4-BE49-F238E27FC236}">
-                  <a16:creationId xmlns="" xmlns:a16="http://schemas.microsoft.com/office/drawing/2014/main" id="{45F58FCA-1036-9842-AC1B-581E8445154F}"/>
-                </a:ext>
-              </a:extLst>
-            </p:cNvPr>
-            <p:cNvSpPr/>
-            <p:nvPr/>
-          </p:nvSpPr>
-          <p:spPr>
-            <a:xfrm rot="3677808">
-              <a:off x="4481190" y="2559880"/>
-              <a:ext cx="225287" cy="132521"/>
-            </a:xfrm>
-            <a:prstGeom prst="triangle">
-              <a:avLst/>
-            </a:prstGeom>
-          </p:spPr>
-          <p:style>
-            <a:lnRef idx="2">
-              <a:schemeClr val="accent1">
-                <a:shade val="50000"/>
-              </a:schemeClr>
-            </a:lnRef>
-            <a:fillRef idx="1">
-              <a:schemeClr val="accent1"/>
-            </a:fillRef>
-            <a:effectRef idx="0">
-              <a:schemeClr val="accent1"/>
-            </a:effectRef>
-            <a:fontRef idx="minor">
-              <a:schemeClr val="lt1"/>
-            </a:fontRef>
-          </p:style>
-          <p:txBody>
-            <a:bodyPr rtlCol="0" anchor="ctr"/>
-            <a:lstStyle/>
-            <a:p>
-              <a:pPr algn="ctr"/>
-              <a:endParaRPr lang="de-DE" dirty="0"/>
-            </a:p>
-          </p:txBody>
-        </p:sp>
-        <p:sp>
-          <p:nvSpPr>
-            <p:cNvPr id="25" name="Dreieck 24">
-              <a:extLst>
-                <a:ext uri="{FF2B5EF4-FFF2-40B4-BE49-F238E27FC236}">
-                  <a16:creationId xmlns="" xmlns:a16="http://schemas.microsoft.com/office/drawing/2014/main" id="{F32A8848-A721-984F-933E-9E9622B747AD}"/>
-                </a:ext>
-              </a:extLst>
-            </p:cNvPr>
-            <p:cNvSpPr/>
-            <p:nvPr/>
-          </p:nvSpPr>
-          <p:spPr>
-            <a:xfrm rot="6878945">
-              <a:off x="4492693" y="4351465"/>
-              <a:ext cx="225287" cy="132521"/>
-            </a:xfrm>
-            <a:prstGeom prst="triangle">
-              <a:avLst/>
-            </a:prstGeom>
-          </p:spPr>
-          <p:style>
-            <a:lnRef idx="2">
-              <a:schemeClr val="accent1">
-                <a:shade val="50000"/>
-              </a:schemeClr>
-            </a:lnRef>
-            <a:fillRef idx="1">
-              <a:schemeClr val="accent1"/>
-            </a:fillRef>
-            <a:effectRef idx="0">
-              <a:schemeClr val="accent1"/>
-            </a:effectRef>
-            <a:fontRef idx="minor">
-              <a:schemeClr val="lt1"/>
-            </a:fontRef>
-          </p:style>
-          <p:txBody>
-            <a:bodyPr rtlCol="0" anchor="ctr"/>
-            <a:lstStyle/>
-            <a:p>
-              <a:pPr algn="ctr"/>
-              <a:endParaRPr lang="de-DE"/>
-            </a:p>
-          </p:txBody>
-        </p:sp>
-        <p:sp>
-          <p:nvSpPr>
-            <p:cNvPr id="26" name="Dreieck 25">
-              <a:extLst>
-                <a:ext uri="{FF2B5EF4-FFF2-40B4-BE49-F238E27FC236}">
-                  <a16:creationId xmlns="" xmlns:a16="http://schemas.microsoft.com/office/drawing/2014/main" id="{80771BCA-609E-164A-B463-F6A1D4A2CEAE}"/>
-                </a:ext>
-              </a:extLst>
-            </p:cNvPr>
-            <p:cNvSpPr/>
-            <p:nvPr/>
-          </p:nvSpPr>
-          <p:spPr>
-            <a:xfrm rot="3016238">
-              <a:off x="6645367" y="2627471"/>
-              <a:ext cx="225287" cy="132521"/>
-            </a:xfrm>
-            <a:prstGeom prst="triangle">
-              <a:avLst/>
-            </a:prstGeom>
-          </p:spPr>
-          <p:style>
-            <a:lnRef idx="2">
-              <a:schemeClr val="accent1">
-                <a:shade val="50000"/>
-              </a:schemeClr>
-            </a:lnRef>
-            <a:fillRef idx="1">
-              <a:schemeClr val="accent1"/>
-            </a:fillRef>
-            <a:effectRef idx="0">
-              <a:schemeClr val="accent1"/>
-            </a:effectRef>
-            <a:fontRef idx="minor">
-              <a:schemeClr val="lt1"/>
-            </a:fontRef>
-          </p:style>
-          <p:txBody>
-            <a:bodyPr rtlCol="0" anchor="ctr"/>
-            <a:lstStyle/>
-            <a:p>
-              <a:pPr algn="ctr"/>
-              <a:endParaRPr lang="de-DE"/>
-            </a:p>
-          </p:txBody>
-        </p:sp>
-        <p:sp>
-          <p:nvSpPr>
-            <p:cNvPr id="27" name="Dreieck 26">
-              <a:extLst>
-                <a:ext uri="{FF2B5EF4-FFF2-40B4-BE49-F238E27FC236}">
-                  <a16:creationId xmlns="" xmlns:a16="http://schemas.microsoft.com/office/drawing/2014/main" id="{D74FB55B-722F-AF4E-B788-08B063B85B99}"/>
-                </a:ext>
-              </a:extLst>
-            </p:cNvPr>
-            <p:cNvSpPr/>
-            <p:nvPr/>
-          </p:nvSpPr>
-          <p:spPr>
-            <a:xfrm rot="5400000">
-              <a:off x="6541072" y="2385845"/>
-              <a:ext cx="225287" cy="132521"/>
-            </a:xfrm>
-            <a:prstGeom prst="triangle">
-              <a:avLst/>
-            </a:prstGeom>
-          </p:spPr>
-          <p:style>
-            <a:lnRef idx="2">
-              <a:schemeClr val="accent1">
-                <a:shade val="50000"/>
-              </a:schemeClr>
-            </a:lnRef>
-            <a:fillRef idx="1">
-              <a:schemeClr val="accent1"/>
-            </a:fillRef>
-            <a:effectRef idx="0">
-              <a:schemeClr val="accent1"/>
-            </a:effectRef>
-            <a:fontRef idx="minor">
-              <a:schemeClr val="lt1"/>
-            </a:fontRef>
-          </p:style>
-          <p:txBody>
-            <a:bodyPr rtlCol="0" anchor="ctr"/>
-            <a:lstStyle/>
-            <a:p>
-              <a:pPr algn="ctr"/>
-              <a:endParaRPr lang="de-DE"/>
-            </a:p>
-          </p:txBody>
-        </p:sp>
-        <p:sp>
-          <p:nvSpPr>
-            <p:cNvPr id="28" name="Dreieck 27">
-              <a:extLst>
-                <a:ext uri="{FF2B5EF4-FFF2-40B4-BE49-F238E27FC236}">
-                  <a16:creationId xmlns="" xmlns:a16="http://schemas.microsoft.com/office/drawing/2014/main" id="{E28615C0-4C02-CA41-ABCF-97C87E10A370}"/>
-                </a:ext>
-              </a:extLst>
-            </p:cNvPr>
-            <p:cNvSpPr/>
-            <p:nvPr/>
-          </p:nvSpPr>
-          <p:spPr>
-            <a:xfrm rot="5400000">
-              <a:off x="6541072" y="4481479"/>
-              <a:ext cx="225287" cy="132521"/>
-            </a:xfrm>
-            <a:prstGeom prst="triangle">
-              <a:avLst/>
-            </a:prstGeom>
-          </p:spPr>
-          <p:style>
-            <a:lnRef idx="2">
-              <a:schemeClr val="accent1">
-                <a:shade val="50000"/>
-              </a:schemeClr>
-            </a:lnRef>
-            <a:fillRef idx="1">
-              <a:schemeClr val="accent1"/>
-            </a:fillRef>
-            <a:effectRef idx="0">
-              <a:schemeClr val="accent1"/>
-            </a:effectRef>
-            <a:fontRef idx="minor">
-              <a:schemeClr val="lt1"/>
-            </a:fontRef>
-          </p:style>
-          <p:txBody>
-            <a:bodyPr rtlCol="0" anchor="ctr"/>
-            <a:lstStyle/>
-            <a:p>
-              <a:pPr algn="ctr"/>
-              <a:endParaRPr lang="de-DE"/>
-            </a:p>
-          </p:txBody>
-        </p:sp>
-        <p:sp>
-          <p:nvSpPr>
-            <p:cNvPr id="29" name="Dreieck 28">
-              <a:extLst>
-                <a:ext uri="{FF2B5EF4-FFF2-40B4-BE49-F238E27FC236}">
-                  <a16:creationId xmlns="" xmlns:a16="http://schemas.microsoft.com/office/drawing/2014/main" id="{FBA1CE75-BDA7-5541-B332-841CA5A0F3D8}"/>
-                </a:ext>
-              </a:extLst>
-            </p:cNvPr>
-            <p:cNvSpPr/>
-            <p:nvPr/>
-          </p:nvSpPr>
-          <p:spPr>
-            <a:xfrm rot="3738898">
-              <a:off x="8654635" y="3604502"/>
-              <a:ext cx="225287" cy="132521"/>
-            </a:xfrm>
-            <a:prstGeom prst="triangle">
-              <a:avLst/>
-            </a:prstGeom>
-          </p:spPr>
-          <p:style>
-            <a:lnRef idx="2">
-              <a:schemeClr val="accent1">
-                <a:shade val="50000"/>
-              </a:schemeClr>
-            </a:lnRef>
-            <a:fillRef idx="1">
-              <a:schemeClr val="accent1"/>
-            </a:fillRef>
-            <a:effectRef idx="0">
-              <a:schemeClr val="accent1"/>
-            </a:effectRef>
-            <a:fontRef idx="minor">
-              <a:schemeClr val="lt1"/>
-            </a:fontRef>
-          </p:style>
-          <p:txBody>
-            <a:bodyPr rtlCol="0" anchor="ctr"/>
-            <a:lstStyle/>
-            <a:p>
-              <a:pPr algn="ctr"/>
-              <a:endParaRPr lang="de-DE"/>
-            </a:p>
-          </p:txBody>
-        </p:sp>
-        <p:sp>
-          <p:nvSpPr>
-            <p:cNvPr id="30" name="Dreieck 29">
-              <a:extLst>
-                <a:ext uri="{FF2B5EF4-FFF2-40B4-BE49-F238E27FC236}">
-                  <a16:creationId xmlns="" xmlns:a16="http://schemas.microsoft.com/office/drawing/2014/main" id="{54C42A26-F415-894B-B37F-08315630F5A1}"/>
-                </a:ext>
-              </a:extLst>
-            </p:cNvPr>
-            <p:cNvSpPr/>
-            <p:nvPr/>
-          </p:nvSpPr>
-          <p:spPr>
-            <a:xfrm rot="6859344">
-              <a:off x="8650399" y="3251511"/>
-              <a:ext cx="225287" cy="132521"/>
-            </a:xfrm>
-            <a:prstGeom prst="triangle">
-              <a:avLst/>
-            </a:prstGeom>
-          </p:spPr>
-          <p:style>
-            <a:lnRef idx="2">
-              <a:schemeClr val="accent1">
-                <a:shade val="50000"/>
-              </a:schemeClr>
-            </a:lnRef>
-            <a:fillRef idx="1">
-              <a:schemeClr val="accent1"/>
-            </a:fillRef>
-            <a:effectRef idx="0">
-              <a:schemeClr val="accent1"/>
-            </a:effectRef>
-            <a:fontRef idx="minor">
-              <a:schemeClr val="lt1"/>
-            </a:fontRef>
-          </p:style>
-          <p:txBody>
-            <a:bodyPr rtlCol="0" anchor="ctr"/>
-            <a:lstStyle/>
-            <a:p>
-              <a:pPr algn="ctr"/>
-              <a:endParaRPr lang="de-DE"/>
-            </a:p>
-          </p:txBody>
-        </p:sp>
-      </p:grpSp>
+          <a:prstGeom prst="rect">
+            <a:avLst/>
+          </a:prstGeom>
+        </p:spPr>
+      </p:pic>
     </p:spTree>
     <p:extLst>
       <p:ext uri="{BB962C8B-B14F-4D97-AF65-F5344CB8AC3E}">
@@ -20036,13 +20255,6 @@
   <p:clrMapOvr>
     <a:masterClrMapping/>
   </p:clrMapOvr>
-  <p:timing>
-    <p:tnLst>
-      <p:par>
-        <p:cTn id="1" dur="indefinite" restart="never" nodeType="tmRoot"/>
-      </p:par>
-    </p:tnLst>
-  </p:timing>
 </p:sld>
 </file>
 
@@ -20076,10 +20288,10 @@
           <p:cNvPr id="8" name="Rectangle 7">
             <a:extLst>
               <a:ext uri="{FF2B5EF4-FFF2-40B4-BE49-F238E27FC236}">
-                <a16:creationId xmlns="" xmlns:a16="http://schemas.microsoft.com/office/drawing/2014/main" id="{8D70B121-56F4-4848-B38B-182089D909FA}"/>
+                <a16:creationId xmlns:a16="http://schemas.microsoft.com/office/drawing/2014/main" id="{8D70B121-56F4-4848-B38B-182089D909FA}"/>
               </a:ext>
               <a:ext uri="{C183D7F6-B498-43B3-948B-1728B52AA6E4}">
-                <adec:decorative xmlns="" xmlns:adec="http://schemas.microsoft.com/office/drawing/2017/decorative" val="1"/>
+                <adec:decorative xmlns:adec="http://schemas.microsoft.com/office/drawing/2017/decorative" val="1"/>
               </a:ext>
             </a:extLst>
           </p:cNvPr>
@@ -20089,7 +20301,7 @@
           <p:nvPr>
             <p:extLst>
               <p:ext uri="{386F3935-93C4-4BCD-93E2-E3B085C9AB24}">
-                <p16:designElem xmlns="" xmlns:p16="http://schemas.microsoft.com/office/powerpoint/2015/main" val="1"/>
+                <p16:designElem xmlns:p16="http://schemas.microsoft.com/office/powerpoint/2015/main" val="1"/>
               </p:ext>
             </p:extLst>
           </p:nvPr>
@@ -20141,7 +20353,7 @@
           <p:cNvPr id="2" name="Titel 1">
             <a:extLst>
               <a:ext uri="{FF2B5EF4-FFF2-40B4-BE49-F238E27FC236}">
-                <a16:creationId xmlns="" xmlns:a16="http://schemas.microsoft.com/office/drawing/2014/main" id="{0B5D0F8F-C92F-BC46-ACC4-7A21698DD272}"/>
+                <a16:creationId xmlns:a16="http://schemas.microsoft.com/office/drawing/2014/main" id="{0B5D0F8F-C92F-BC46-ACC4-7A21698DD272}"/>
               </a:ext>
             </a:extLst>
           </p:cNvPr>
@@ -20181,10 +20393,10 @@
           <p:cNvPr id="10" name="Straight Connector 9">
             <a:extLst>
               <a:ext uri="{FF2B5EF4-FFF2-40B4-BE49-F238E27FC236}">
-                <a16:creationId xmlns="" xmlns:a16="http://schemas.microsoft.com/office/drawing/2014/main" id="{2D72A2C9-F3CA-4216-8BAD-FA4C970C3C4E}"/>
+                <a16:creationId xmlns:a16="http://schemas.microsoft.com/office/drawing/2014/main" id="{2D72A2C9-F3CA-4216-8BAD-FA4C970C3C4E}"/>
               </a:ext>
               <a:ext uri="{C183D7F6-B498-43B3-948B-1728B52AA6E4}">
-                <adec:decorative xmlns="" xmlns:adec="http://schemas.microsoft.com/office/drawing/2017/decorative" val="1"/>
+                <adec:decorative xmlns:adec="http://schemas.microsoft.com/office/drawing/2017/decorative" val="1"/>
               </a:ext>
             </a:extLst>
           </p:cNvPr>
@@ -20194,7 +20406,7 @@
           <p:nvPr>
             <p:extLst>
               <p:ext uri="{386F3935-93C4-4BCD-93E2-E3B085C9AB24}">
-                <p16:designElem xmlns="" xmlns:p16="http://schemas.microsoft.com/office/powerpoint/2015/main" val="1"/>
+                <p16:designElem xmlns:p16="http://schemas.microsoft.com/office/powerpoint/2015/main" val="1"/>
               </p:ext>
             </p:extLst>
           </p:nvPr>
@@ -20236,7 +20448,7 @@
           <p:cNvPr id="3" name="Inhaltsplatzhalter 2">
             <a:extLst>
               <a:ext uri="{FF2B5EF4-FFF2-40B4-BE49-F238E27FC236}">
-                <a16:creationId xmlns="" xmlns:a16="http://schemas.microsoft.com/office/drawing/2014/main" id="{692C889E-3E0C-9E40-9512-4230892B2B42}"/>
+                <a16:creationId xmlns:a16="http://schemas.microsoft.com/office/drawing/2014/main" id="{692C889E-3E0C-9E40-9512-4230892B2B42}"/>
               </a:ext>
             </a:extLst>
           </p:cNvPr>
@@ -20298,13 +20510,6 @@
   <p:clrMapOvr>
     <a:masterClrMapping/>
   </p:clrMapOvr>
-  <p:timing>
-    <p:tnLst>
-      <p:par>
-        <p:cTn id="1" dur="indefinite" restart="never" nodeType="tmRoot"/>
-      </p:par>
-    </p:tnLst>
-  </p:timing>
 </p:sld>
 </file>
 

--- a/Praktikum_6/Abgabe 6.pptx
+++ b/Praktikum_6/Abgabe 6.pptx
@@ -5,7 +5,7 @@
     <p:sldMasterId id="2147483648" r:id="rId1"/>
   </p:sldMasterIdLst>
   <p:notesMasterIdLst>
-    <p:notesMasterId r:id="rId36"/>
+    <p:notesMasterId r:id="rId35"/>
   </p:notesMasterIdLst>
   <p:sldIdLst>
     <p:sldId id="256" r:id="rId2"/>
@@ -35,13 +35,12 @@
     <p:sldId id="316" r:id="rId26"/>
     <p:sldId id="315" r:id="rId27"/>
     <p:sldId id="311" r:id="rId28"/>
-    <p:sldId id="314" r:id="rId29"/>
-    <p:sldId id="308" r:id="rId30"/>
-    <p:sldId id="293" r:id="rId31"/>
-    <p:sldId id="312" r:id="rId32"/>
-    <p:sldId id="313" r:id="rId33"/>
-    <p:sldId id="281" r:id="rId34"/>
-    <p:sldId id="277" r:id="rId35"/>
+    <p:sldId id="308" r:id="rId29"/>
+    <p:sldId id="293" r:id="rId30"/>
+    <p:sldId id="312" r:id="rId31"/>
+    <p:sldId id="313" r:id="rId32"/>
+    <p:sldId id="281" r:id="rId33"/>
+    <p:sldId id="277" r:id="rId34"/>
   </p:sldIdLst>
   <p:sldSz cx="12192000" cy="6858000"/>
   <p:notesSz cx="6858000" cy="9144000"/>
@@ -2034,7 +2033,7 @@
     </p:spTree>
     <p:extLst>
       <p:ext uri="{BB962C8B-B14F-4D97-AF65-F5344CB8AC3E}">
-        <p14:creationId xmlns:p14="http://schemas.microsoft.com/office/powerpoint/2010/main" val="4137031017"/>
+        <p14:creationId xmlns:p14="http://schemas.microsoft.com/office/powerpoint/2010/main" val="544103937"/>
       </p:ext>
     </p:extLst>
   </p:cSld>
@@ -2118,7 +2117,7 @@
     </p:spTree>
     <p:extLst>
       <p:ext uri="{BB962C8B-B14F-4D97-AF65-F5344CB8AC3E}">
-        <p14:creationId xmlns:p14="http://schemas.microsoft.com/office/powerpoint/2010/main" val="544103937"/>
+        <p14:creationId xmlns:p14="http://schemas.microsoft.com/office/powerpoint/2010/main" val="601079304"/>
       </p:ext>
     </p:extLst>
   </p:cSld>
@@ -2202,7 +2201,7 @@
     </p:spTree>
     <p:extLst>
       <p:ext uri="{BB962C8B-B14F-4D97-AF65-F5344CB8AC3E}">
-        <p14:creationId xmlns:p14="http://schemas.microsoft.com/office/powerpoint/2010/main" val="601079304"/>
+        <p14:creationId xmlns:p14="http://schemas.microsoft.com/office/powerpoint/2010/main" val="3561241889"/>
       </p:ext>
     </p:extLst>
   </p:cSld>
@@ -2286,7 +2285,7 @@
     </p:spTree>
     <p:extLst>
       <p:ext uri="{BB962C8B-B14F-4D97-AF65-F5344CB8AC3E}">
-        <p14:creationId xmlns:p14="http://schemas.microsoft.com/office/powerpoint/2010/main" val="3561241889"/>
+        <p14:creationId xmlns:p14="http://schemas.microsoft.com/office/powerpoint/2010/main" val="2116576985"/>
       </p:ext>
     </p:extLst>
   </p:cSld>
@@ -2370,7 +2369,7 @@
     </p:spTree>
     <p:extLst>
       <p:ext uri="{BB962C8B-B14F-4D97-AF65-F5344CB8AC3E}">
-        <p14:creationId xmlns:p14="http://schemas.microsoft.com/office/powerpoint/2010/main" val="2116576985"/>
+        <p14:creationId xmlns:p14="http://schemas.microsoft.com/office/powerpoint/2010/main" val="2360861896"/>
       </p:ext>
     </p:extLst>
   </p:cSld>
@@ -2524,90 +2523,6 @@
 </p:notes>
 </file>
 
-<file path=ppt/notesSlides/notesSlide30.xml><?xml version="1.0" encoding="utf-8"?>
-<p:notes xmlns:a="http://schemas.openxmlformats.org/drawingml/2006/main" xmlns:r="http://schemas.openxmlformats.org/officeDocument/2006/relationships" xmlns:p="http://schemas.openxmlformats.org/presentationml/2006/main">
-  <p:cSld>
-    <p:spTree>
-      <p:nvGrpSpPr>
-        <p:cNvPr id="1" name=""/>
-        <p:cNvGrpSpPr/>
-        <p:nvPr/>
-      </p:nvGrpSpPr>
-      <p:grpSpPr>
-        <a:xfrm>
-          <a:off x="0" y="0"/>
-          <a:ext cx="0" cy="0"/>
-          <a:chOff x="0" y="0"/>
-          <a:chExt cx="0" cy="0"/>
-        </a:xfrm>
-      </p:grpSpPr>
-      <p:sp>
-        <p:nvSpPr>
-          <p:cNvPr id="2" name="Folienbildplatzhalter 1"/>
-          <p:cNvSpPr>
-            <a:spLocks noGrp="1" noRot="1" noChangeAspect="1"/>
-          </p:cNvSpPr>
-          <p:nvPr>
-            <p:ph type="sldImg"/>
-          </p:nvPr>
-        </p:nvSpPr>
-        <p:spPr/>
-      </p:sp>
-      <p:sp>
-        <p:nvSpPr>
-          <p:cNvPr id="3" name="Notizenplatzhalter 2"/>
-          <p:cNvSpPr>
-            <a:spLocks noGrp="1"/>
-          </p:cNvSpPr>
-          <p:nvPr>
-            <p:ph type="body" idx="1"/>
-          </p:nvPr>
-        </p:nvSpPr>
-        <p:spPr/>
-        <p:txBody>
-          <a:bodyPr/>
-          <a:lstStyle/>
-          <a:p>
-            <a:endParaRPr lang="de-DE" dirty="0"/>
-          </a:p>
-        </p:txBody>
-      </p:sp>
-      <p:sp>
-        <p:nvSpPr>
-          <p:cNvPr id="4" name="Foliennummernplatzhalter 3"/>
-          <p:cNvSpPr>
-            <a:spLocks noGrp="1"/>
-          </p:cNvSpPr>
-          <p:nvPr>
-            <p:ph type="sldNum" sz="quarter" idx="5"/>
-          </p:nvPr>
-        </p:nvSpPr>
-        <p:spPr/>
-        <p:txBody>
-          <a:bodyPr/>
-          <a:lstStyle/>
-          <a:p>
-            <a:fld id="{52267A27-16C0-714D-83C5-54B46B511F52}" type="slidenum">
-              <a:rPr lang="de-DE" smtClean="0"/>
-              <a:t>33</a:t>
-            </a:fld>
-            <a:endParaRPr lang="de-DE"/>
-          </a:p>
-        </p:txBody>
-      </p:sp>
-    </p:spTree>
-    <p:extLst>
-      <p:ext uri="{BB962C8B-B14F-4D97-AF65-F5344CB8AC3E}">
-        <p14:creationId xmlns:p14="http://schemas.microsoft.com/office/powerpoint/2010/main" val="2360861896"/>
-      </p:ext>
-    </p:extLst>
-  </p:cSld>
-  <p:clrMapOvr>
-    <a:masterClrMapping/>
-  </p:clrMapOvr>
-</p:notes>
-</file>
-
 <file path=ppt/notesSlides/notesSlide4.xml><?xml version="1.0" encoding="utf-8"?>
 <p:notes xmlns:a="http://schemas.openxmlformats.org/drawingml/2006/main" xmlns:r="http://schemas.openxmlformats.org/officeDocument/2006/relationships" xmlns:p="http://schemas.openxmlformats.org/presentationml/2006/main">
   <p:cSld>
@@ -3175,7 +3090,7 @@
           <p:cNvPr id="2" name="Titel 1">
             <a:extLst>
               <a:ext uri="{FF2B5EF4-FFF2-40B4-BE49-F238E27FC236}">
-                <a16:creationId xmlns:a16="http://schemas.microsoft.com/office/drawing/2014/main" id="{9729E139-B9C1-1343-8D77-54875F0E38E2}"/>
+                <a16:creationId xmlns:a16="http://schemas.microsoft.com/office/drawing/2014/main" xmlns="" id="{9729E139-B9C1-1343-8D77-54875F0E38E2}"/>
               </a:ext>
             </a:extLst>
           </p:cNvPr>
@@ -3212,7 +3127,7 @@
           <p:cNvPr id="3" name="Untertitel 2">
             <a:extLst>
               <a:ext uri="{FF2B5EF4-FFF2-40B4-BE49-F238E27FC236}">
-                <a16:creationId xmlns:a16="http://schemas.microsoft.com/office/drawing/2014/main" id="{CD0DC60B-5925-7245-9AD4-70DD2088C669}"/>
+                <a16:creationId xmlns:a16="http://schemas.microsoft.com/office/drawing/2014/main" xmlns="" id="{CD0DC60B-5925-7245-9AD4-70DD2088C669}"/>
               </a:ext>
             </a:extLst>
           </p:cNvPr>
@@ -3282,7 +3197,7 @@
           <p:cNvPr id="4" name="Datumsplatzhalter 3">
             <a:extLst>
               <a:ext uri="{FF2B5EF4-FFF2-40B4-BE49-F238E27FC236}">
-                <a16:creationId xmlns:a16="http://schemas.microsoft.com/office/drawing/2014/main" id="{48071E95-2AB9-EB43-8B4E-ECA6DA6E4AD5}"/>
+                <a16:creationId xmlns:a16="http://schemas.microsoft.com/office/drawing/2014/main" xmlns="" id="{48071E95-2AB9-EB43-8B4E-ECA6DA6E4AD5}"/>
               </a:ext>
             </a:extLst>
           </p:cNvPr>
@@ -3311,7 +3226,7 @@
           <p:cNvPr id="5" name="Fußzeilenplatzhalter 4">
             <a:extLst>
               <a:ext uri="{FF2B5EF4-FFF2-40B4-BE49-F238E27FC236}">
-                <a16:creationId xmlns:a16="http://schemas.microsoft.com/office/drawing/2014/main" id="{F1BDF94A-7043-F94B-A957-905DCDFD9521}"/>
+                <a16:creationId xmlns:a16="http://schemas.microsoft.com/office/drawing/2014/main" xmlns="" id="{F1BDF94A-7043-F94B-A957-905DCDFD9521}"/>
               </a:ext>
             </a:extLst>
           </p:cNvPr>
@@ -3336,7 +3251,7 @@
           <p:cNvPr id="6" name="Foliennummernplatzhalter 5">
             <a:extLst>
               <a:ext uri="{FF2B5EF4-FFF2-40B4-BE49-F238E27FC236}">
-                <a16:creationId xmlns:a16="http://schemas.microsoft.com/office/drawing/2014/main" id="{32A861AE-5302-CD4F-9C7C-2BFEE23DBE0B}"/>
+                <a16:creationId xmlns:a16="http://schemas.microsoft.com/office/drawing/2014/main" xmlns="" id="{32A861AE-5302-CD4F-9C7C-2BFEE23DBE0B}"/>
               </a:ext>
             </a:extLst>
           </p:cNvPr>
@@ -3395,7 +3310,7 @@
           <p:cNvPr id="2" name="Titel 1">
             <a:extLst>
               <a:ext uri="{FF2B5EF4-FFF2-40B4-BE49-F238E27FC236}">
-                <a16:creationId xmlns:a16="http://schemas.microsoft.com/office/drawing/2014/main" id="{63E0E303-0843-9E43-B4FE-B741D51AF29D}"/>
+                <a16:creationId xmlns:a16="http://schemas.microsoft.com/office/drawing/2014/main" xmlns="" id="{63E0E303-0843-9E43-B4FE-B741D51AF29D}"/>
               </a:ext>
             </a:extLst>
           </p:cNvPr>
@@ -3423,7 +3338,7 @@
           <p:cNvPr id="3" name="Vertikaler Textplatzhalter 2">
             <a:extLst>
               <a:ext uri="{FF2B5EF4-FFF2-40B4-BE49-F238E27FC236}">
-                <a16:creationId xmlns:a16="http://schemas.microsoft.com/office/drawing/2014/main" id="{E389E2A2-C12F-4044-8208-9AC0B7DA7698}"/>
+                <a16:creationId xmlns:a16="http://schemas.microsoft.com/office/drawing/2014/main" xmlns="" id="{E389E2A2-C12F-4044-8208-9AC0B7DA7698}"/>
               </a:ext>
             </a:extLst>
           </p:cNvPr>
@@ -3455,7 +3370,7 @@
           <p:cNvPr id="4" name="Datumsplatzhalter 3">
             <a:extLst>
               <a:ext uri="{FF2B5EF4-FFF2-40B4-BE49-F238E27FC236}">
-                <a16:creationId xmlns:a16="http://schemas.microsoft.com/office/drawing/2014/main" id="{D51E15B6-E46A-6E41-87EF-FB1CB3BE30B6}"/>
+                <a16:creationId xmlns:a16="http://schemas.microsoft.com/office/drawing/2014/main" xmlns="" id="{D51E15B6-E46A-6E41-87EF-FB1CB3BE30B6}"/>
               </a:ext>
             </a:extLst>
           </p:cNvPr>
@@ -3484,7 +3399,7 @@
           <p:cNvPr id="5" name="Fußzeilenplatzhalter 4">
             <a:extLst>
               <a:ext uri="{FF2B5EF4-FFF2-40B4-BE49-F238E27FC236}">
-                <a16:creationId xmlns:a16="http://schemas.microsoft.com/office/drawing/2014/main" id="{0B5FA6FB-9899-E140-BC17-76C683560149}"/>
+                <a16:creationId xmlns:a16="http://schemas.microsoft.com/office/drawing/2014/main" xmlns="" id="{0B5FA6FB-9899-E140-BC17-76C683560149}"/>
               </a:ext>
             </a:extLst>
           </p:cNvPr>
@@ -3509,7 +3424,7 @@
           <p:cNvPr id="6" name="Foliennummernplatzhalter 5">
             <a:extLst>
               <a:ext uri="{FF2B5EF4-FFF2-40B4-BE49-F238E27FC236}">
-                <a16:creationId xmlns:a16="http://schemas.microsoft.com/office/drawing/2014/main" id="{C0350015-ADC1-E74B-8051-43AB5C8B14FC}"/>
+                <a16:creationId xmlns:a16="http://schemas.microsoft.com/office/drawing/2014/main" xmlns="" id="{C0350015-ADC1-E74B-8051-43AB5C8B14FC}"/>
               </a:ext>
             </a:extLst>
           </p:cNvPr>
@@ -3568,7 +3483,7 @@
           <p:cNvPr id="2" name="Vertikaler Titel 1">
             <a:extLst>
               <a:ext uri="{FF2B5EF4-FFF2-40B4-BE49-F238E27FC236}">
-                <a16:creationId xmlns:a16="http://schemas.microsoft.com/office/drawing/2014/main" id="{CD5514F9-5F1A-1849-BD9D-42DE2B7A8602}"/>
+                <a16:creationId xmlns:a16="http://schemas.microsoft.com/office/drawing/2014/main" xmlns="" id="{CD5514F9-5F1A-1849-BD9D-42DE2B7A8602}"/>
               </a:ext>
             </a:extLst>
           </p:cNvPr>
@@ -3601,7 +3516,7 @@
           <p:cNvPr id="3" name="Vertikaler Textplatzhalter 2">
             <a:extLst>
               <a:ext uri="{FF2B5EF4-FFF2-40B4-BE49-F238E27FC236}">
-                <a16:creationId xmlns:a16="http://schemas.microsoft.com/office/drawing/2014/main" id="{3BF2A873-5EA8-CB4C-AE0C-2BA2237C50DB}"/>
+                <a16:creationId xmlns:a16="http://schemas.microsoft.com/office/drawing/2014/main" xmlns="" id="{3BF2A873-5EA8-CB4C-AE0C-2BA2237C50DB}"/>
               </a:ext>
             </a:extLst>
           </p:cNvPr>
@@ -3638,7 +3553,7 @@
           <p:cNvPr id="4" name="Datumsplatzhalter 3">
             <a:extLst>
               <a:ext uri="{FF2B5EF4-FFF2-40B4-BE49-F238E27FC236}">
-                <a16:creationId xmlns:a16="http://schemas.microsoft.com/office/drawing/2014/main" id="{7CF35C86-7F7F-7D4A-9E5E-691310FDB770}"/>
+                <a16:creationId xmlns:a16="http://schemas.microsoft.com/office/drawing/2014/main" xmlns="" id="{7CF35C86-7F7F-7D4A-9E5E-691310FDB770}"/>
               </a:ext>
             </a:extLst>
           </p:cNvPr>
@@ -3667,7 +3582,7 @@
           <p:cNvPr id="5" name="Fußzeilenplatzhalter 4">
             <a:extLst>
               <a:ext uri="{FF2B5EF4-FFF2-40B4-BE49-F238E27FC236}">
-                <a16:creationId xmlns:a16="http://schemas.microsoft.com/office/drawing/2014/main" id="{3F495B2B-E913-4740-9EBA-30653E27DE50}"/>
+                <a16:creationId xmlns:a16="http://schemas.microsoft.com/office/drawing/2014/main" xmlns="" id="{3F495B2B-E913-4740-9EBA-30653E27DE50}"/>
               </a:ext>
             </a:extLst>
           </p:cNvPr>
@@ -3692,7 +3607,7 @@
           <p:cNvPr id="6" name="Foliennummernplatzhalter 5">
             <a:extLst>
               <a:ext uri="{FF2B5EF4-FFF2-40B4-BE49-F238E27FC236}">
-                <a16:creationId xmlns:a16="http://schemas.microsoft.com/office/drawing/2014/main" id="{1B917D15-5200-3A4B-932D-A97B10281BDC}"/>
+                <a16:creationId xmlns:a16="http://schemas.microsoft.com/office/drawing/2014/main" xmlns="" id="{1B917D15-5200-3A4B-932D-A97B10281BDC}"/>
               </a:ext>
             </a:extLst>
           </p:cNvPr>
@@ -3751,7 +3666,7 @@
           <p:cNvPr id="2" name="Titel 1">
             <a:extLst>
               <a:ext uri="{FF2B5EF4-FFF2-40B4-BE49-F238E27FC236}">
-                <a16:creationId xmlns:a16="http://schemas.microsoft.com/office/drawing/2014/main" id="{D905D12F-79BE-CD41-9F97-DD37C1750845}"/>
+                <a16:creationId xmlns:a16="http://schemas.microsoft.com/office/drawing/2014/main" xmlns="" id="{D905D12F-79BE-CD41-9F97-DD37C1750845}"/>
               </a:ext>
             </a:extLst>
           </p:cNvPr>
@@ -3779,7 +3694,7 @@
           <p:cNvPr id="3" name="Inhaltsplatzhalter 2">
             <a:extLst>
               <a:ext uri="{FF2B5EF4-FFF2-40B4-BE49-F238E27FC236}">
-                <a16:creationId xmlns:a16="http://schemas.microsoft.com/office/drawing/2014/main" id="{D8957224-0D0D-7746-BCBD-E4F8208E8E10}"/>
+                <a16:creationId xmlns:a16="http://schemas.microsoft.com/office/drawing/2014/main" xmlns="" id="{D8957224-0D0D-7746-BCBD-E4F8208E8E10}"/>
               </a:ext>
             </a:extLst>
           </p:cNvPr>
@@ -3811,7 +3726,7 @@
           <p:cNvPr id="4" name="Datumsplatzhalter 3">
             <a:extLst>
               <a:ext uri="{FF2B5EF4-FFF2-40B4-BE49-F238E27FC236}">
-                <a16:creationId xmlns:a16="http://schemas.microsoft.com/office/drawing/2014/main" id="{0B4E4D52-5024-2A4E-8037-AED189B9E264}"/>
+                <a16:creationId xmlns:a16="http://schemas.microsoft.com/office/drawing/2014/main" xmlns="" id="{0B4E4D52-5024-2A4E-8037-AED189B9E264}"/>
               </a:ext>
             </a:extLst>
           </p:cNvPr>
@@ -3840,7 +3755,7 @@
           <p:cNvPr id="5" name="Fußzeilenplatzhalter 4">
             <a:extLst>
               <a:ext uri="{FF2B5EF4-FFF2-40B4-BE49-F238E27FC236}">
-                <a16:creationId xmlns:a16="http://schemas.microsoft.com/office/drawing/2014/main" id="{12897E99-FDA3-BF4B-86A3-95486763DDF9}"/>
+                <a16:creationId xmlns:a16="http://schemas.microsoft.com/office/drawing/2014/main" xmlns="" id="{12897E99-FDA3-BF4B-86A3-95486763DDF9}"/>
               </a:ext>
             </a:extLst>
           </p:cNvPr>
@@ -3865,7 +3780,7 @@
           <p:cNvPr id="6" name="Foliennummernplatzhalter 5">
             <a:extLst>
               <a:ext uri="{FF2B5EF4-FFF2-40B4-BE49-F238E27FC236}">
-                <a16:creationId xmlns:a16="http://schemas.microsoft.com/office/drawing/2014/main" id="{EE1AA7CD-B421-C740-8D36-D478D7689E50}"/>
+                <a16:creationId xmlns:a16="http://schemas.microsoft.com/office/drawing/2014/main" xmlns="" id="{EE1AA7CD-B421-C740-8D36-D478D7689E50}"/>
               </a:ext>
             </a:extLst>
           </p:cNvPr>
@@ -3924,7 +3839,7 @@
           <p:cNvPr id="2" name="Titel 1">
             <a:extLst>
               <a:ext uri="{FF2B5EF4-FFF2-40B4-BE49-F238E27FC236}">
-                <a16:creationId xmlns:a16="http://schemas.microsoft.com/office/drawing/2014/main" id="{0A061298-7A62-2F4C-B6A3-0A8BB714DFA3}"/>
+                <a16:creationId xmlns:a16="http://schemas.microsoft.com/office/drawing/2014/main" xmlns="" id="{0A061298-7A62-2F4C-B6A3-0A8BB714DFA3}"/>
               </a:ext>
             </a:extLst>
           </p:cNvPr>
@@ -3961,7 +3876,7 @@
           <p:cNvPr id="3" name="Textplatzhalter 2">
             <a:extLst>
               <a:ext uri="{FF2B5EF4-FFF2-40B4-BE49-F238E27FC236}">
-                <a16:creationId xmlns:a16="http://schemas.microsoft.com/office/drawing/2014/main" id="{EF880BAB-4A8A-F247-B79A-5FB85578A25C}"/>
+                <a16:creationId xmlns:a16="http://schemas.microsoft.com/office/drawing/2014/main" xmlns="" id="{EF880BAB-4A8A-F247-B79A-5FB85578A25C}"/>
               </a:ext>
             </a:extLst>
           </p:cNvPr>
@@ -4089,7 +4004,7 @@
           <p:cNvPr id="4" name="Datumsplatzhalter 3">
             <a:extLst>
               <a:ext uri="{FF2B5EF4-FFF2-40B4-BE49-F238E27FC236}">
-                <a16:creationId xmlns:a16="http://schemas.microsoft.com/office/drawing/2014/main" id="{5C1CF969-A856-B443-84E7-5170F0482FB6}"/>
+                <a16:creationId xmlns:a16="http://schemas.microsoft.com/office/drawing/2014/main" xmlns="" id="{5C1CF969-A856-B443-84E7-5170F0482FB6}"/>
               </a:ext>
             </a:extLst>
           </p:cNvPr>
@@ -4118,7 +4033,7 @@
           <p:cNvPr id="5" name="Fußzeilenplatzhalter 4">
             <a:extLst>
               <a:ext uri="{FF2B5EF4-FFF2-40B4-BE49-F238E27FC236}">
-                <a16:creationId xmlns:a16="http://schemas.microsoft.com/office/drawing/2014/main" id="{A8270CB1-A61B-984D-BC84-AC4F045BD50C}"/>
+                <a16:creationId xmlns:a16="http://schemas.microsoft.com/office/drawing/2014/main" xmlns="" id="{A8270CB1-A61B-984D-BC84-AC4F045BD50C}"/>
               </a:ext>
             </a:extLst>
           </p:cNvPr>
@@ -4143,7 +4058,7 @@
           <p:cNvPr id="6" name="Foliennummernplatzhalter 5">
             <a:extLst>
               <a:ext uri="{FF2B5EF4-FFF2-40B4-BE49-F238E27FC236}">
-                <a16:creationId xmlns:a16="http://schemas.microsoft.com/office/drawing/2014/main" id="{FCECD375-628F-DA42-A831-7F718D0EB176}"/>
+                <a16:creationId xmlns:a16="http://schemas.microsoft.com/office/drawing/2014/main" xmlns="" id="{FCECD375-628F-DA42-A831-7F718D0EB176}"/>
               </a:ext>
             </a:extLst>
           </p:cNvPr>
@@ -4202,7 +4117,7 @@
           <p:cNvPr id="2" name="Titel 1">
             <a:extLst>
               <a:ext uri="{FF2B5EF4-FFF2-40B4-BE49-F238E27FC236}">
-                <a16:creationId xmlns:a16="http://schemas.microsoft.com/office/drawing/2014/main" id="{80E4E4B0-260E-644D-B091-8D4ECF7CC9B0}"/>
+                <a16:creationId xmlns:a16="http://schemas.microsoft.com/office/drawing/2014/main" xmlns="" id="{80E4E4B0-260E-644D-B091-8D4ECF7CC9B0}"/>
               </a:ext>
             </a:extLst>
           </p:cNvPr>
@@ -4230,7 +4145,7 @@
           <p:cNvPr id="3" name="Inhaltsplatzhalter 2">
             <a:extLst>
               <a:ext uri="{FF2B5EF4-FFF2-40B4-BE49-F238E27FC236}">
-                <a16:creationId xmlns:a16="http://schemas.microsoft.com/office/drawing/2014/main" id="{61D23B07-CED5-CA4E-87AD-D2D5FACA2F01}"/>
+                <a16:creationId xmlns:a16="http://schemas.microsoft.com/office/drawing/2014/main" xmlns="" id="{61D23B07-CED5-CA4E-87AD-D2D5FACA2F01}"/>
               </a:ext>
             </a:extLst>
           </p:cNvPr>
@@ -4267,7 +4182,7 @@
           <p:cNvPr id="4" name="Inhaltsplatzhalter 3">
             <a:extLst>
               <a:ext uri="{FF2B5EF4-FFF2-40B4-BE49-F238E27FC236}">
-                <a16:creationId xmlns:a16="http://schemas.microsoft.com/office/drawing/2014/main" id="{EC933EF0-6705-964F-A423-C4CD1C51F0E3}"/>
+                <a16:creationId xmlns:a16="http://schemas.microsoft.com/office/drawing/2014/main" xmlns="" id="{EC933EF0-6705-964F-A423-C4CD1C51F0E3}"/>
               </a:ext>
             </a:extLst>
           </p:cNvPr>
@@ -4304,7 +4219,7 @@
           <p:cNvPr id="5" name="Datumsplatzhalter 4">
             <a:extLst>
               <a:ext uri="{FF2B5EF4-FFF2-40B4-BE49-F238E27FC236}">
-                <a16:creationId xmlns:a16="http://schemas.microsoft.com/office/drawing/2014/main" id="{4007FD09-99BE-0B4F-877F-711C21654352}"/>
+                <a16:creationId xmlns:a16="http://schemas.microsoft.com/office/drawing/2014/main" xmlns="" id="{4007FD09-99BE-0B4F-877F-711C21654352}"/>
               </a:ext>
             </a:extLst>
           </p:cNvPr>
@@ -4333,7 +4248,7 @@
           <p:cNvPr id="6" name="Fußzeilenplatzhalter 5">
             <a:extLst>
               <a:ext uri="{FF2B5EF4-FFF2-40B4-BE49-F238E27FC236}">
-                <a16:creationId xmlns:a16="http://schemas.microsoft.com/office/drawing/2014/main" id="{25A4E2E0-2F8B-664C-A019-87A33C679F04}"/>
+                <a16:creationId xmlns:a16="http://schemas.microsoft.com/office/drawing/2014/main" xmlns="" id="{25A4E2E0-2F8B-664C-A019-87A33C679F04}"/>
               </a:ext>
             </a:extLst>
           </p:cNvPr>
@@ -4358,7 +4273,7 @@
           <p:cNvPr id="7" name="Foliennummernplatzhalter 6">
             <a:extLst>
               <a:ext uri="{FF2B5EF4-FFF2-40B4-BE49-F238E27FC236}">
-                <a16:creationId xmlns:a16="http://schemas.microsoft.com/office/drawing/2014/main" id="{A5C35ABB-E1A2-344E-A2AE-FB7DB3DB6E4D}"/>
+                <a16:creationId xmlns:a16="http://schemas.microsoft.com/office/drawing/2014/main" xmlns="" id="{A5C35ABB-E1A2-344E-A2AE-FB7DB3DB6E4D}"/>
               </a:ext>
             </a:extLst>
           </p:cNvPr>
@@ -4417,7 +4332,7 @@
           <p:cNvPr id="2" name="Titel 1">
             <a:extLst>
               <a:ext uri="{FF2B5EF4-FFF2-40B4-BE49-F238E27FC236}">
-                <a16:creationId xmlns:a16="http://schemas.microsoft.com/office/drawing/2014/main" id="{90A92756-B025-954F-BB8C-31EAF4F45171}"/>
+                <a16:creationId xmlns:a16="http://schemas.microsoft.com/office/drawing/2014/main" xmlns="" id="{90A92756-B025-954F-BB8C-31EAF4F45171}"/>
               </a:ext>
             </a:extLst>
           </p:cNvPr>
@@ -4450,7 +4365,7 @@
           <p:cNvPr id="3" name="Textplatzhalter 2">
             <a:extLst>
               <a:ext uri="{FF2B5EF4-FFF2-40B4-BE49-F238E27FC236}">
-                <a16:creationId xmlns:a16="http://schemas.microsoft.com/office/drawing/2014/main" id="{497B8FA7-E40E-E04D-8E82-8D25D0FE009D}"/>
+                <a16:creationId xmlns:a16="http://schemas.microsoft.com/office/drawing/2014/main" xmlns="" id="{497B8FA7-E40E-E04D-8E82-8D25D0FE009D}"/>
               </a:ext>
             </a:extLst>
           </p:cNvPr>
@@ -4524,7 +4439,7 @@
           <p:cNvPr id="4" name="Inhaltsplatzhalter 3">
             <a:extLst>
               <a:ext uri="{FF2B5EF4-FFF2-40B4-BE49-F238E27FC236}">
-                <a16:creationId xmlns:a16="http://schemas.microsoft.com/office/drawing/2014/main" id="{9DB891E8-89E7-8D44-827F-D9B3C359A443}"/>
+                <a16:creationId xmlns:a16="http://schemas.microsoft.com/office/drawing/2014/main" xmlns="" id="{9DB891E8-89E7-8D44-827F-D9B3C359A443}"/>
               </a:ext>
             </a:extLst>
           </p:cNvPr>
@@ -4561,7 +4476,7 @@
           <p:cNvPr id="5" name="Textplatzhalter 4">
             <a:extLst>
               <a:ext uri="{FF2B5EF4-FFF2-40B4-BE49-F238E27FC236}">
-                <a16:creationId xmlns:a16="http://schemas.microsoft.com/office/drawing/2014/main" id="{C4A992B5-BEA7-864F-B9A3-B0D6EC89AEB3}"/>
+                <a16:creationId xmlns:a16="http://schemas.microsoft.com/office/drawing/2014/main" xmlns="" id="{C4A992B5-BEA7-864F-B9A3-B0D6EC89AEB3}"/>
               </a:ext>
             </a:extLst>
           </p:cNvPr>
@@ -4635,7 +4550,7 @@
           <p:cNvPr id="6" name="Inhaltsplatzhalter 5">
             <a:extLst>
               <a:ext uri="{FF2B5EF4-FFF2-40B4-BE49-F238E27FC236}">
-                <a16:creationId xmlns:a16="http://schemas.microsoft.com/office/drawing/2014/main" id="{C6F24F96-7021-F04D-BE0C-70D6C357A6AE}"/>
+                <a16:creationId xmlns:a16="http://schemas.microsoft.com/office/drawing/2014/main" xmlns="" id="{C6F24F96-7021-F04D-BE0C-70D6C357A6AE}"/>
               </a:ext>
             </a:extLst>
           </p:cNvPr>
@@ -4672,7 +4587,7 @@
           <p:cNvPr id="7" name="Datumsplatzhalter 6">
             <a:extLst>
               <a:ext uri="{FF2B5EF4-FFF2-40B4-BE49-F238E27FC236}">
-                <a16:creationId xmlns:a16="http://schemas.microsoft.com/office/drawing/2014/main" id="{BE8C1B9C-6184-CB4E-998F-A480AA5D43AB}"/>
+                <a16:creationId xmlns:a16="http://schemas.microsoft.com/office/drawing/2014/main" xmlns="" id="{BE8C1B9C-6184-CB4E-998F-A480AA5D43AB}"/>
               </a:ext>
             </a:extLst>
           </p:cNvPr>
@@ -4701,7 +4616,7 @@
           <p:cNvPr id="8" name="Fußzeilenplatzhalter 7">
             <a:extLst>
               <a:ext uri="{FF2B5EF4-FFF2-40B4-BE49-F238E27FC236}">
-                <a16:creationId xmlns:a16="http://schemas.microsoft.com/office/drawing/2014/main" id="{99C2775A-AE5F-FB42-B461-4A3C859181DF}"/>
+                <a16:creationId xmlns:a16="http://schemas.microsoft.com/office/drawing/2014/main" xmlns="" id="{99C2775A-AE5F-FB42-B461-4A3C859181DF}"/>
               </a:ext>
             </a:extLst>
           </p:cNvPr>
@@ -4726,7 +4641,7 @@
           <p:cNvPr id="9" name="Foliennummernplatzhalter 8">
             <a:extLst>
               <a:ext uri="{FF2B5EF4-FFF2-40B4-BE49-F238E27FC236}">
-                <a16:creationId xmlns:a16="http://schemas.microsoft.com/office/drawing/2014/main" id="{9E7E469E-F8E9-864F-8754-123A6C0AF0FA}"/>
+                <a16:creationId xmlns:a16="http://schemas.microsoft.com/office/drawing/2014/main" xmlns="" id="{9E7E469E-F8E9-864F-8754-123A6C0AF0FA}"/>
               </a:ext>
             </a:extLst>
           </p:cNvPr>
@@ -4785,7 +4700,7 @@
           <p:cNvPr id="2" name="Titel 1">
             <a:extLst>
               <a:ext uri="{FF2B5EF4-FFF2-40B4-BE49-F238E27FC236}">
-                <a16:creationId xmlns:a16="http://schemas.microsoft.com/office/drawing/2014/main" id="{27B83529-C5C5-D144-9F6A-C5D11E437C82}"/>
+                <a16:creationId xmlns:a16="http://schemas.microsoft.com/office/drawing/2014/main" xmlns="" id="{27B83529-C5C5-D144-9F6A-C5D11E437C82}"/>
               </a:ext>
             </a:extLst>
           </p:cNvPr>
@@ -4813,7 +4728,7 @@
           <p:cNvPr id="3" name="Datumsplatzhalter 2">
             <a:extLst>
               <a:ext uri="{FF2B5EF4-FFF2-40B4-BE49-F238E27FC236}">
-                <a16:creationId xmlns:a16="http://schemas.microsoft.com/office/drawing/2014/main" id="{74D3C6F4-02B6-A540-A96A-C806AF1D7567}"/>
+                <a16:creationId xmlns:a16="http://schemas.microsoft.com/office/drawing/2014/main" xmlns="" id="{74D3C6F4-02B6-A540-A96A-C806AF1D7567}"/>
               </a:ext>
             </a:extLst>
           </p:cNvPr>
@@ -4842,7 +4757,7 @@
           <p:cNvPr id="4" name="Fußzeilenplatzhalter 3">
             <a:extLst>
               <a:ext uri="{FF2B5EF4-FFF2-40B4-BE49-F238E27FC236}">
-                <a16:creationId xmlns:a16="http://schemas.microsoft.com/office/drawing/2014/main" id="{4B864B59-4F52-AC41-9BF9-9DF815F6F997}"/>
+                <a16:creationId xmlns:a16="http://schemas.microsoft.com/office/drawing/2014/main" xmlns="" id="{4B864B59-4F52-AC41-9BF9-9DF815F6F997}"/>
               </a:ext>
             </a:extLst>
           </p:cNvPr>
@@ -4867,7 +4782,7 @@
           <p:cNvPr id="5" name="Foliennummernplatzhalter 4">
             <a:extLst>
               <a:ext uri="{FF2B5EF4-FFF2-40B4-BE49-F238E27FC236}">
-                <a16:creationId xmlns:a16="http://schemas.microsoft.com/office/drawing/2014/main" id="{71CB689E-DE78-C74D-AB5B-8D48ABB7E879}"/>
+                <a16:creationId xmlns:a16="http://schemas.microsoft.com/office/drawing/2014/main" xmlns="" id="{71CB689E-DE78-C74D-AB5B-8D48ABB7E879}"/>
               </a:ext>
             </a:extLst>
           </p:cNvPr>
@@ -4926,7 +4841,7 @@
           <p:cNvPr id="2" name="Datumsplatzhalter 1">
             <a:extLst>
               <a:ext uri="{FF2B5EF4-FFF2-40B4-BE49-F238E27FC236}">
-                <a16:creationId xmlns:a16="http://schemas.microsoft.com/office/drawing/2014/main" id="{5BC291DB-90BD-9241-99D8-1F5124577947}"/>
+                <a16:creationId xmlns:a16="http://schemas.microsoft.com/office/drawing/2014/main" xmlns="" id="{5BC291DB-90BD-9241-99D8-1F5124577947}"/>
               </a:ext>
             </a:extLst>
           </p:cNvPr>
@@ -4955,7 +4870,7 @@
           <p:cNvPr id="3" name="Fußzeilenplatzhalter 2">
             <a:extLst>
               <a:ext uri="{FF2B5EF4-FFF2-40B4-BE49-F238E27FC236}">
-                <a16:creationId xmlns:a16="http://schemas.microsoft.com/office/drawing/2014/main" id="{4E7EC7FC-159A-C44F-876B-3776F19A851A}"/>
+                <a16:creationId xmlns:a16="http://schemas.microsoft.com/office/drawing/2014/main" xmlns="" id="{4E7EC7FC-159A-C44F-876B-3776F19A851A}"/>
               </a:ext>
             </a:extLst>
           </p:cNvPr>
@@ -4980,7 +4895,7 @@
           <p:cNvPr id="4" name="Foliennummernplatzhalter 3">
             <a:extLst>
               <a:ext uri="{FF2B5EF4-FFF2-40B4-BE49-F238E27FC236}">
-                <a16:creationId xmlns:a16="http://schemas.microsoft.com/office/drawing/2014/main" id="{1DB2D74F-318D-EE4A-9108-D8BB5459A64E}"/>
+                <a16:creationId xmlns:a16="http://schemas.microsoft.com/office/drawing/2014/main" xmlns="" id="{1DB2D74F-318D-EE4A-9108-D8BB5459A64E}"/>
               </a:ext>
             </a:extLst>
           </p:cNvPr>
@@ -5039,7 +4954,7 @@
           <p:cNvPr id="2" name="Titel 1">
             <a:extLst>
               <a:ext uri="{FF2B5EF4-FFF2-40B4-BE49-F238E27FC236}">
-                <a16:creationId xmlns:a16="http://schemas.microsoft.com/office/drawing/2014/main" id="{1F503ED0-8A44-D44C-8A18-A34E562AAAB3}"/>
+                <a16:creationId xmlns:a16="http://schemas.microsoft.com/office/drawing/2014/main" xmlns="" id="{1F503ED0-8A44-D44C-8A18-A34E562AAAB3}"/>
               </a:ext>
             </a:extLst>
           </p:cNvPr>
@@ -5076,7 +4991,7 @@
           <p:cNvPr id="3" name="Inhaltsplatzhalter 2">
             <a:extLst>
               <a:ext uri="{FF2B5EF4-FFF2-40B4-BE49-F238E27FC236}">
-                <a16:creationId xmlns:a16="http://schemas.microsoft.com/office/drawing/2014/main" id="{D3932178-D92F-7848-9D38-3F69B5D68A5F}"/>
+                <a16:creationId xmlns:a16="http://schemas.microsoft.com/office/drawing/2014/main" xmlns="" id="{D3932178-D92F-7848-9D38-3F69B5D68A5F}"/>
               </a:ext>
             </a:extLst>
           </p:cNvPr>
@@ -5141,7 +5056,7 @@
           <p:cNvPr id="4" name="Textplatzhalter 3">
             <a:extLst>
               <a:ext uri="{FF2B5EF4-FFF2-40B4-BE49-F238E27FC236}">
-                <a16:creationId xmlns:a16="http://schemas.microsoft.com/office/drawing/2014/main" id="{5C6AA2F8-50ED-3647-AEA1-E34559135061}"/>
+                <a16:creationId xmlns:a16="http://schemas.microsoft.com/office/drawing/2014/main" xmlns="" id="{5C6AA2F8-50ED-3647-AEA1-E34559135061}"/>
               </a:ext>
             </a:extLst>
           </p:cNvPr>
@@ -5215,7 +5130,7 @@
           <p:cNvPr id="5" name="Datumsplatzhalter 4">
             <a:extLst>
               <a:ext uri="{FF2B5EF4-FFF2-40B4-BE49-F238E27FC236}">
-                <a16:creationId xmlns:a16="http://schemas.microsoft.com/office/drawing/2014/main" id="{BC5543C1-9669-C64B-9EBE-5E94B1E17274}"/>
+                <a16:creationId xmlns:a16="http://schemas.microsoft.com/office/drawing/2014/main" xmlns="" id="{BC5543C1-9669-C64B-9EBE-5E94B1E17274}"/>
               </a:ext>
             </a:extLst>
           </p:cNvPr>
@@ -5244,7 +5159,7 @@
           <p:cNvPr id="6" name="Fußzeilenplatzhalter 5">
             <a:extLst>
               <a:ext uri="{FF2B5EF4-FFF2-40B4-BE49-F238E27FC236}">
-                <a16:creationId xmlns:a16="http://schemas.microsoft.com/office/drawing/2014/main" id="{54557C59-F283-944A-816A-C03DD83F3A97}"/>
+                <a16:creationId xmlns:a16="http://schemas.microsoft.com/office/drawing/2014/main" xmlns="" id="{54557C59-F283-944A-816A-C03DD83F3A97}"/>
               </a:ext>
             </a:extLst>
           </p:cNvPr>
@@ -5269,7 +5184,7 @@
           <p:cNvPr id="7" name="Foliennummernplatzhalter 6">
             <a:extLst>
               <a:ext uri="{FF2B5EF4-FFF2-40B4-BE49-F238E27FC236}">
-                <a16:creationId xmlns:a16="http://schemas.microsoft.com/office/drawing/2014/main" id="{6179C710-E331-EE4C-93AE-08FB8966BF32}"/>
+                <a16:creationId xmlns:a16="http://schemas.microsoft.com/office/drawing/2014/main" xmlns="" id="{6179C710-E331-EE4C-93AE-08FB8966BF32}"/>
               </a:ext>
             </a:extLst>
           </p:cNvPr>
@@ -5328,7 +5243,7 @@
           <p:cNvPr id="2" name="Titel 1">
             <a:extLst>
               <a:ext uri="{FF2B5EF4-FFF2-40B4-BE49-F238E27FC236}">
-                <a16:creationId xmlns:a16="http://schemas.microsoft.com/office/drawing/2014/main" id="{AD2ECE74-C933-E44E-95B1-F16000E13C95}"/>
+                <a16:creationId xmlns:a16="http://schemas.microsoft.com/office/drawing/2014/main" xmlns="" id="{AD2ECE74-C933-E44E-95B1-F16000E13C95}"/>
               </a:ext>
             </a:extLst>
           </p:cNvPr>
@@ -5365,7 +5280,7 @@
           <p:cNvPr id="3" name="Bildplatzhalter 2">
             <a:extLst>
               <a:ext uri="{FF2B5EF4-FFF2-40B4-BE49-F238E27FC236}">
-                <a16:creationId xmlns:a16="http://schemas.microsoft.com/office/drawing/2014/main" id="{03FEF7E5-F3DF-5141-83FE-98C75B214B39}"/>
+                <a16:creationId xmlns:a16="http://schemas.microsoft.com/office/drawing/2014/main" xmlns="" id="{03FEF7E5-F3DF-5141-83FE-98C75B214B39}"/>
               </a:ext>
             </a:extLst>
           </p:cNvPr>
@@ -5432,7 +5347,7 @@
           <p:cNvPr id="4" name="Textplatzhalter 3">
             <a:extLst>
               <a:ext uri="{FF2B5EF4-FFF2-40B4-BE49-F238E27FC236}">
-                <a16:creationId xmlns:a16="http://schemas.microsoft.com/office/drawing/2014/main" id="{6CB8AA1C-0014-1E4C-94BD-C32414268D3A}"/>
+                <a16:creationId xmlns:a16="http://schemas.microsoft.com/office/drawing/2014/main" xmlns="" id="{6CB8AA1C-0014-1E4C-94BD-C32414268D3A}"/>
               </a:ext>
             </a:extLst>
           </p:cNvPr>
@@ -5506,7 +5421,7 @@
           <p:cNvPr id="5" name="Datumsplatzhalter 4">
             <a:extLst>
               <a:ext uri="{FF2B5EF4-FFF2-40B4-BE49-F238E27FC236}">
-                <a16:creationId xmlns:a16="http://schemas.microsoft.com/office/drawing/2014/main" id="{3E12F7FF-A4AE-0749-83D0-9E8694912287}"/>
+                <a16:creationId xmlns:a16="http://schemas.microsoft.com/office/drawing/2014/main" xmlns="" id="{3E12F7FF-A4AE-0749-83D0-9E8694912287}"/>
               </a:ext>
             </a:extLst>
           </p:cNvPr>
@@ -5535,7 +5450,7 @@
           <p:cNvPr id="6" name="Fußzeilenplatzhalter 5">
             <a:extLst>
               <a:ext uri="{FF2B5EF4-FFF2-40B4-BE49-F238E27FC236}">
-                <a16:creationId xmlns:a16="http://schemas.microsoft.com/office/drawing/2014/main" id="{0F1B4690-838E-E14E-B13F-D7C19E602E64}"/>
+                <a16:creationId xmlns:a16="http://schemas.microsoft.com/office/drawing/2014/main" xmlns="" id="{0F1B4690-838E-E14E-B13F-D7C19E602E64}"/>
               </a:ext>
             </a:extLst>
           </p:cNvPr>
@@ -5560,7 +5475,7 @@
           <p:cNvPr id="7" name="Foliennummernplatzhalter 6">
             <a:extLst>
               <a:ext uri="{FF2B5EF4-FFF2-40B4-BE49-F238E27FC236}">
-                <a16:creationId xmlns:a16="http://schemas.microsoft.com/office/drawing/2014/main" id="{7A8D8463-A954-6748-9879-ADC8AF02B50D}"/>
+                <a16:creationId xmlns:a16="http://schemas.microsoft.com/office/drawing/2014/main" xmlns="" id="{7A8D8463-A954-6748-9879-ADC8AF02B50D}"/>
               </a:ext>
             </a:extLst>
           </p:cNvPr>
@@ -5627,7 +5542,7 @@
           <p:cNvPr id="2" name="Titelplatzhalter 1">
             <a:extLst>
               <a:ext uri="{FF2B5EF4-FFF2-40B4-BE49-F238E27FC236}">
-                <a16:creationId xmlns:a16="http://schemas.microsoft.com/office/drawing/2014/main" id="{F3BBD851-5D2A-0241-81EC-77B06DAD8D51}"/>
+                <a16:creationId xmlns:a16="http://schemas.microsoft.com/office/drawing/2014/main" xmlns="" id="{F3BBD851-5D2A-0241-81EC-77B06DAD8D51}"/>
               </a:ext>
             </a:extLst>
           </p:cNvPr>
@@ -5665,7 +5580,7 @@
           <p:cNvPr id="3" name="Textplatzhalter 2">
             <a:extLst>
               <a:ext uri="{FF2B5EF4-FFF2-40B4-BE49-F238E27FC236}">
-                <a16:creationId xmlns:a16="http://schemas.microsoft.com/office/drawing/2014/main" id="{6AF28E1A-8C3C-824D-A69D-B77AD2003BE1}"/>
+                <a16:creationId xmlns:a16="http://schemas.microsoft.com/office/drawing/2014/main" xmlns="" id="{6AF28E1A-8C3C-824D-A69D-B77AD2003BE1}"/>
               </a:ext>
             </a:extLst>
           </p:cNvPr>
@@ -5707,7 +5622,7 @@
           <p:cNvPr id="4" name="Datumsplatzhalter 3">
             <a:extLst>
               <a:ext uri="{FF2B5EF4-FFF2-40B4-BE49-F238E27FC236}">
-                <a16:creationId xmlns:a16="http://schemas.microsoft.com/office/drawing/2014/main" id="{14F36C74-AEF6-324A-939D-781EA85E6B37}"/>
+                <a16:creationId xmlns:a16="http://schemas.microsoft.com/office/drawing/2014/main" xmlns="" id="{14F36C74-AEF6-324A-939D-781EA85E6B37}"/>
               </a:ext>
             </a:extLst>
           </p:cNvPr>
@@ -5754,7 +5669,7 @@
           <p:cNvPr id="5" name="Fußzeilenplatzhalter 4">
             <a:extLst>
               <a:ext uri="{FF2B5EF4-FFF2-40B4-BE49-F238E27FC236}">
-                <a16:creationId xmlns:a16="http://schemas.microsoft.com/office/drawing/2014/main" id="{CF454ED0-5B84-894F-BB54-EE635A5499CA}"/>
+                <a16:creationId xmlns:a16="http://schemas.microsoft.com/office/drawing/2014/main" xmlns="" id="{CF454ED0-5B84-894F-BB54-EE635A5499CA}"/>
               </a:ext>
             </a:extLst>
           </p:cNvPr>
@@ -5797,7 +5712,7 @@
           <p:cNvPr id="6" name="Foliennummernplatzhalter 5">
             <a:extLst>
               <a:ext uri="{FF2B5EF4-FFF2-40B4-BE49-F238E27FC236}">
-                <a16:creationId xmlns:a16="http://schemas.microsoft.com/office/drawing/2014/main" id="{A276BFAA-BED4-FD44-A7A3-E7419BE028A8}"/>
+                <a16:creationId xmlns:a16="http://schemas.microsoft.com/office/drawing/2014/main" xmlns="" id="{A276BFAA-BED4-FD44-A7A3-E7419BE028A8}"/>
               </a:ext>
             </a:extLst>
           </p:cNvPr>
@@ -6173,10 +6088,10 @@
           <p:cNvPr id="26" name="Rectangle 25">
             <a:extLst>
               <a:ext uri="{FF2B5EF4-FFF2-40B4-BE49-F238E27FC236}">
-                <a16:creationId xmlns:a16="http://schemas.microsoft.com/office/drawing/2014/main" id="{6F9EB9F2-07E2-4D64-BBD8-BB5B217F1218}"/>
+                <a16:creationId xmlns:a16="http://schemas.microsoft.com/office/drawing/2014/main" xmlns="" id="{6F9EB9F2-07E2-4D64-BBD8-BB5B217F1218}"/>
               </a:ext>
               <a:ext uri="{C183D7F6-B498-43B3-948B-1728B52AA6E4}">
-                <adec:decorative xmlns:adec="http://schemas.microsoft.com/office/drawing/2017/decorative" val="1"/>
+                <adec:decorative xmlns:adec="http://schemas.microsoft.com/office/drawing/2017/decorative" xmlns="" val="1"/>
               </a:ext>
             </a:extLst>
           </p:cNvPr>
@@ -6186,7 +6101,7 @@
           <p:nvPr>
             <p:extLst>
               <p:ext uri="{386F3935-93C4-4BCD-93E2-E3B085C9AB24}">
-                <p16:designElem xmlns:p16="http://schemas.microsoft.com/office/powerpoint/2015/main" val="1"/>
+                <p16:designElem xmlns:p16="http://schemas.microsoft.com/office/powerpoint/2015/main" xmlns="" val="1"/>
               </p:ext>
             </p:extLst>
           </p:nvPr>
@@ -6238,7 +6153,7 @@
           <p:cNvPr id="2" name="Titel 1">
             <a:extLst>
               <a:ext uri="{FF2B5EF4-FFF2-40B4-BE49-F238E27FC236}">
-                <a16:creationId xmlns:a16="http://schemas.microsoft.com/office/drawing/2014/main" id="{3E2C9346-6092-1E41-B6A4-C53308C7DFBF}"/>
+                <a16:creationId xmlns:a16="http://schemas.microsoft.com/office/drawing/2014/main" xmlns="" id="{3E2C9346-6092-1E41-B6A4-C53308C7DFBF}"/>
               </a:ext>
             </a:extLst>
           </p:cNvPr>
@@ -6286,10 +6201,10 @@
           <p:cNvPr id="28" name="Straight Connector 27">
             <a:extLst>
               <a:ext uri="{FF2B5EF4-FFF2-40B4-BE49-F238E27FC236}">
-                <a16:creationId xmlns:a16="http://schemas.microsoft.com/office/drawing/2014/main" id="{F0C57C7C-DFE9-4A1E-B7A9-DF40E63366BB}"/>
+                <a16:creationId xmlns:a16="http://schemas.microsoft.com/office/drawing/2014/main" xmlns="" id="{F0C57C7C-DFE9-4A1E-B7A9-DF40E63366BB}"/>
               </a:ext>
               <a:ext uri="{C183D7F6-B498-43B3-948B-1728B52AA6E4}">
-                <adec:decorative xmlns:adec="http://schemas.microsoft.com/office/drawing/2017/decorative" val="1"/>
+                <adec:decorative xmlns:adec="http://schemas.microsoft.com/office/drawing/2017/decorative" xmlns="" val="1"/>
               </a:ext>
             </a:extLst>
           </p:cNvPr>
@@ -6299,7 +6214,7 @@
           <p:nvPr>
             <p:extLst>
               <p:ext uri="{386F3935-93C4-4BCD-93E2-E3B085C9AB24}">
-                <p16:designElem xmlns:p16="http://schemas.microsoft.com/office/powerpoint/2015/main" val="1"/>
+                <p16:designElem xmlns:p16="http://schemas.microsoft.com/office/powerpoint/2015/main" xmlns="" val="1"/>
               </p:ext>
             </p:extLst>
           </p:nvPr>
@@ -6358,6 +6273,13 @@
       </p:transition>
     </mc:Fallback>
   </mc:AlternateContent>
+  <p:timing>
+    <p:tnLst>
+      <p:par>
+        <p:cTn id="1" dur="indefinite" restart="never" nodeType="tmRoot"/>
+      </p:par>
+    </p:tnLst>
+  </p:timing>
 </p:sld>
 </file>
 
@@ -6391,10 +6313,10 @@
           <p:cNvPr id="8" name="Rectangle 7">
             <a:extLst>
               <a:ext uri="{FF2B5EF4-FFF2-40B4-BE49-F238E27FC236}">
-                <a16:creationId xmlns:a16="http://schemas.microsoft.com/office/drawing/2014/main" id="{8D70B121-56F4-4848-B38B-182089D909FA}"/>
+                <a16:creationId xmlns:a16="http://schemas.microsoft.com/office/drawing/2014/main" xmlns="" id="{8D70B121-56F4-4848-B38B-182089D909FA}"/>
               </a:ext>
               <a:ext uri="{C183D7F6-B498-43B3-948B-1728B52AA6E4}">
-                <adec:decorative xmlns:adec="http://schemas.microsoft.com/office/drawing/2017/decorative" val="1"/>
+                <adec:decorative xmlns:adec="http://schemas.microsoft.com/office/drawing/2017/decorative" xmlns="" val="1"/>
               </a:ext>
             </a:extLst>
           </p:cNvPr>
@@ -6404,7 +6326,7 @@
           <p:nvPr>
             <p:extLst>
               <p:ext uri="{386F3935-93C4-4BCD-93E2-E3B085C9AB24}">
-                <p16:designElem xmlns:p16="http://schemas.microsoft.com/office/powerpoint/2015/main" val="1"/>
+                <p16:designElem xmlns:p16="http://schemas.microsoft.com/office/powerpoint/2015/main" xmlns="" val="1"/>
               </p:ext>
             </p:extLst>
           </p:nvPr>
@@ -6456,7 +6378,7 @@
           <p:cNvPr id="2" name="Titel 1">
             <a:extLst>
               <a:ext uri="{FF2B5EF4-FFF2-40B4-BE49-F238E27FC236}">
-                <a16:creationId xmlns:a16="http://schemas.microsoft.com/office/drawing/2014/main" id="{0B5D0F8F-C92F-BC46-ACC4-7A21698DD272}"/>
+                <a16:creationId xmlns:a16="http://schemas.microsoft.com/office/drawing/2014/main" xmlns="" id="{0B5D0F8F-C92F-BC46-ACC4-7A21698DD272}"/>
               </a:ext>
             </a:extLst>
           </p:cNvPr>
@@ -6496,10 +6418,10 @@
           <p:cNvPr id="10" name="Straight Connector 9">
             <a:extLst>
               <a:ext uri="{FF2B5EF4-FFF2-40B4-BE49-F238E27FC236}">
-                <a16:creationId xmlns:a16="http://schemas.microsoft.com/office/drawing/2014/main" id="{2D72A2C9-F3CA-4216-8BAD-FA4C970C3C4E}"/>
+                <a16:creationId xmlns:a16="http://schemas.microsoft.com/office/drawing/2014/main" xmlns="" id="{2D72A2C9-F3CA-4216-8BAD-FA4C970C3C4E}"/>
               </a:ext>
               <a:ext uri="{C183D7F6-B498-43B3-948B-1728B52AA6E4}">
-                <adec:decorative xmlns:adec="http://schemas.microsoft.com/office/drawing/2017/decorative" val="1"/>
+                <adec:decorative xmlns:adec="http://schemas.microsoft.com/office/drawing/2017/decorative" xmlns="" val="1"/>
               </a:ext>
             </a:extLst>
           </p:cNvPr>
@@ -6509,7 +6431,7 @@
           <p:nvPr>
             <p:extLst>
               <p:ext uri="{386F3935-93C4-4BCD-93E2-E3B085C9AB24}">
-                <p16:designElem xmlns:p16="http://schemas.microsoft.com/office/powerpoint/2015/main" val="1"/>
+                <p16:designElem xmlns:p16="http://schemas.microsoft.com/office/powerpoint/2015/main" xmlns="" val="1"/>
               </p:ext>
             </p:extLst>
           </p:nvPr>
@@ -6551,7 +6473,7 @@
           <p:cNvPr id="3" name="Inhaltsplatzhalter 2">
             <a:extLst>
               <a:ext uri="{FF2B5EF4-FFF2-40B4-BE49-F238E27FC236}">
-                <a16:creationId xmlns:a16="http://schemas.microsoft.com/office/drawing/2014/main" id="{692C889E-3E0C-9E40-9512-4230892B2B42}"/>
+                <a16:creationId xmlns:a16="http://schemas.microsoft.com/office/drawing/2014/main" xmlns="" id="{692C889E-3E0C-9E40-9512-4230892B2B42}"/>
               </a:ext>
             </a:extLst>
           </p:cNvPr>
@@ -6680,10 +6602,10 @@
           <p:cNvPr id="8" name="Rectangle 7">
             <a:extLst>
               <a:ext uri="{FF2B5EF4-FFF2-40B4-BE49-F238E27FC236}">
-                <a16:creationId xmlns:a16="http://schemas.microsoft.com/office/drawing/2014/main" id="{8D70B121-56F4-4848-B38B-182089D909FA}"/>
+                <a16:creationId xmlns:a16="http://schemas.microsoft.com/office/drawing/2014/main" xmlns="" id="{8D70B121-56F4-4848-B38B-182089D909FA}"/>
               </a:ext>
               <a:ext uri="{C183D7F6-B498-43B3-948B-1728B52AA6E4}">
-                <adec:decorative xmlns:adec="http://schemas.microsoft.com/office/drawing/2017/decorative" val="1"/>
+                <adec:decorative xmlns:adec="http://schemas.microsoft.com/office/drawing/2017/decorative" xmlns="" val="1"/>
               </a:ext>
             </a:extLst>
           </p:cNvPr>
@@ -6693,7 +6615,7 @@
           <p:nvPr>
             <p:extLst>
               <p:ext uri="{386F3935-93C4-4BCD-93E2-E3B085C9AB24}">
-                <p16:designElem xmlns:p16="http://schemas.microsoft.com/office/powerpoint/2015/main" val="1"/>
+                <p16:designElem xmlns:p16="http://schemas.microsoft.com/office/powerpoint/2015/main" xmlns="" val="1"/>
               </p:ext>
             </p:extLst>
           </p:nvPr>
@@ -6774,7 +6696,7 @@
           <p:cNvPr id="2" name="Titel 1">
             <a:extLst>
               <a:ext uri="{FF2B5EF4-FFF2-40B4-BE49-F238E27FC236}">
-                <a16:creationId xmlns:a16="http://schemas.microsoft.com/office/drawing/2014/main" id="{0B5D0F8F-C92F-BC46-ACC4-7A21698DD272}"/>
+                <a16:creationId xmlns:a16="http://schemas.microsoft.com/office/drawing/2014/main" xmlns="" id="{0B5D0F8F-C92F-BC46-ACC4-7A21698DD272}"/>
               </a:ext>
             </a:extLst>
           </p:cNvPr>
@@ -6811,10 +6733,10 @@
           <p:cNvPr id="10" name="Straight Connector 9">
             <a:extLst>
               <a:ext uri="{FF2B5EF4-FFF2-40B4-BE49-F238E27FC236}">
-                <a16:creationId xmlns:a16="http://schemas.microsoft.com/office/drawing/2014/main" id="{2D72A2C9-F3CA-4216-8BAD-FA4C970C3C4E}"/>
+                <a16:creationId xmlns:a16="http://schemas.microsoft.com/office/drawing/2014/main" xmlns="" id="{2D72A2C9-F3CA-4216-8BAD-FA4C970C3C4E}"/>
               </a:ext>
               <a:ext uri="{C183D7F6-B498-43B3-948B-1728B52AA6E4}">
-                <adec:decorative xmlns:adec="http://schemas.microsoft.com/office/drawing/2017/decorative" val="1"/>
+                <adec:decorative xmlns:adec="http://schemas.microsoft.com/office/drawing/2017/decorative" xmlns="" val="1"/>
               </a:ext>
             </a:extLst>
           </p:cNvPr>
@@ -6824,7 +6746,7 @@
           <p:nvPr>
             <p:extLst>
               <p:ext uri="{386F3935-93C4-4BCD-93E2-E3B085C9AB24}">
-                <p16:designElem xmlns:p16="http://schemas.microsoft.com/office/powerpoint/2015/main" val="1"/>
+                <p16:designElem xmlns:p16="http://schemas.microsoft.com/office/powerpoint/2015/main" xmlns="" val="1"/>
               </p:ext>
             </p:extLst>
           </p:nvPr>
@@ -6866,7 +6788,7 @@
           <p:cNvPr id="3" name="Inhaltsplatzhalter 2">
             <a:extLst>
               <a:ext uri="{FF2B5EF4-FFF2-40B4-BE49-F238E27FC236}">
-                <a16:creationId xmlns:a16="http://schemas.microsoft.com/office/drawing/2014/main" id="{692C889E-3E0C-9E40-9512-4230892B2B42}"/>
+                <a16:creationId xmlns:a16="http://schemas.microsoft.com/office/drawing/2014/main" xmlns="" id="{692C889E-3E0C-9E40-9512-4230892B2B42}"/>
               </a:ext>
             </a:extLst>
           </p:cNvPr>
@@ -6898,7 +6820,7 @@
           <p:cNvPr id="6" name="Grafik 5" descr="Ein Bild, das Objekt, Armleuchter enthält.&#10;&#10;Automatisch generierte Beschreibung">
             <a:extLst>
               <a:ext uri="{FF2B5EF4-FFF2-40B4-BE49-F238E27FC236}">
-                <a16:creationId xmlns:a16="http://schemas.microsoft.com/office/drawing/2014/main" id="{42AE886E-AF0B-4F78-8C5C-F5EEBC312DAF}"/>
+                <a16:creationId xmlns:a16="http://schemas.microsoft.com/office/drawing/2014/main" xmlns="" id="{42AE886E-AF0B-4F78-8C5C-F5EEBC312DAF}"/>
               </a:ext>
             </a:extLst>
           </p:cNvPr>
@@ -6928,7 +6850,7 @@
           <p:cNvPr id="7" name="Grafik 6">
             <a:extLst>
               <a:ext uri="{FF2B5EF4-FFF2-40B4-BE49-F238E27FC236}">
-                <a16:creationId xmlns:a16="http://schemas.microsoft.com/office/drawing/2014/main" id="{672EC0A2-866C-4221-BFFF-1AF5DB69558C}"/>
+                <a16:creationId xmlns:a16="http://schemas.microsoft.com/office/drawing/2014/main" xmlns="" id="{672EC0A2-866C-4221-BFFF-1AF5DB69558C}"/>
               </a:ext>
             </a:extLst>
           </p:cNvPr>
@@ -6958,7 +6880,7 @@
           <p:cNvPr id="9" name="Grafik 8" descr="Ein Bild, das Gebäude, draußen, Zaun, Boden enthält.&#10;&#10;Automatisch generierte Beschreibung">
             <a:extLst>
               <a:ext uri="{FF2B5EF4-FFF2-40B4-BE49-F238E27FC236}">
-                <a16:creationId xmlns:a16="http://schemas.microsoft.com/office/drawing/2014/main" id="{B45F9E0C-8779-45C9-B45D-AD0B7A8E3EB2}"/>
+                <a16:creationId xmlns:a16="http://schemas.microsoft.com/office/drawing/2014/main" xmlns="" id="{B45F9E0C-8779-45C9-B45D-AD0B7A8E3EB2}"/>
               </a:ext>
             </a:extLst>
           </p:cNvPr>
@@ -7215,10 +7137,10 @@
           <p:cNvPr id="19" name="Rectangle 18">
             <a:extLst>
               <a:ext uri="{FF2B5EF4-FFF2-40B4-BE49-F238E27FC236}">
-                <a16:creationId xmlns:a16="http://schemas.microsoft.com/office/drawing/2014/main" id="{8D70B121-56F4-4848-B38B-182089D909FA}"/>
+                <a16:creationId xmlns:a16="http://schemas.microsoft.com/office/drawing/2014/main" xmlns="" id="{8D70B121-56F4-4848-B38B-182089D909FA}"/>
               </a:ext>
               <a:ext uri="{C183D7F6-B498-43B3-948B-1728B52AA6E4}">
-                <adec:decorative xmlns:adec="http://schemas.microsoft.com/office/drawing/2017/decorative" val="1"/>
+                <adec:decorative xmlns:adec="http://schemas.microsoft.com/office/drawing/2017/decorative" xmlns="" val="1"/>
               </a:ext>
             </a:extLst>
           </p:cNvPr>
@@ -7228,7 +7150,7 @@
           <p:nvPr>
             <p:extLst>
               <p:ext uri="{386F3935-93C4-4BCD-93E2-E3B085C9AB24}">
-                <p16:designElem xmlns:p16="http://schemas.microsoft.com/office/powerpoint/2015/main" val="1"/>
+                <p16:designElem xmlns:p16="http://schemas.microsoft.com/office/powerpoint/2015/main" xmlns="" val="1"/>
               </p:ext>
             </p:extLst>
           </p:nvPr>
@@ -7280,7 +7202,7 @@
           <p:cNvPr id="2" name="Titel 1">
             <a:extLst>
               <a:ext uri="{FF2B5EF4-FFF2-40B4-BE49-F238E27FC236}">
-                <a16:creationId xmlns:a16="http://schemas.microsoft.com/office/drawing/2014/main" id="{35BFDC70-A169-E142-B051-5ABC9190E094}"/>
+                <a16:creationId xmlns:a16="http://schemas.microsoft.com/office/drawing/2014/main" xmlns="" id="{35BFDC70-A169-E142-B051-5ABC9190E094}"/>
               </a:ext>
             </a:extLst>
           </p:cNvPr>
@@ -7331,10 +7253,10 @@
           <p:cNvPr id="21" name="Straight Connector 20">
             <a:extLst>
               <a:ext uri="{FF2B5EF4-FFF2-40B4-BE49-F238E27FC236}">
-                <a16:creationId xmlns:a16="http://schemas.microsoft.com/office/drawing/2014/main" id="{2D72A2C9-F3CA-4216-8BAD-FA4C970C3C4E}"/>
+                <a16:creationId xmlns:a16="http://schemas.microsoft.com/office/drawing/2014/main" xmlns="" id="{2D72A2C9-F3CA-4216-8BAD-FA4C970C3C4E}"/>
               </a:ext>
               <a:ext uri="{C183D7F6-B498-43B3-948B-1728B52AA6E4}">
-                <adec:decorative xmlns:adec="http://schemas.microsoft.com/office/drawing/2017/decorative" val="1"/>
+                <adec:decorative xmlns:adec="http://schemas.microsoft.com/office/drawing/2017/decorative" xmlns="" val="1"/>
               </a:ext>
             </a:extLst>
           </p:cNvPr>
@@ -7344,7 +7266,7 @@
           <p:nvPr>
             <p:extLst>
               <p:ext uri="{386F3935-93C4-4BCD-93E2-E3B085C9AB24}">
-                <p16:designElem xmlns:p16="http://schemas.microsoft.com/office/powerpoint/2015/main" val="1"/>
+                <p16:designElem xmlns:p16="http://schemas.microsoft.com/office/powerpoint/2015/main" xmlns="" val="1"/>
               </p:ext>
             </p:extLst>
           </p:nvPr>
@@ -7386,7 +7308,7 @@
           <p:cNvPr id="8" name="Inhaltsplatzhalter 4">
             <a:extLst>
               <a:ext uri="{FF2B5EF4-FFF2-40B4-BE49-F238E27FC236}">
-                <a16:creationId xmlns:a16="http://schemas.microsoft.com/office/drawing/2014/main" id="{A8E625C4-6DB1-9D42-BFEA-DE37A6F928F3}"/>
+                <a16:creationId xmlns:a16="http://schemas.microsoft.com/office/drawing/2014/main" xmlns="" id="{A8E625C4-6DB1-9D42-BFEA-DE37A6F928F3}"/>
               </a:ext>
             </a:extLst>
           </p:cNvPr>
@@ -7492,10 +7414,10 @@
           <p:cNvPr id="8" name="Rectangle 7">
             <a:extLst>
               <a:ext uri="{FF2B5EF4-FFF2-40B4-BE49-F238E27FC236}">
-                <a16:creationId xmlns:a16="http://schemas.microsoft.com/office/drawing/2014/main" id="{8D70B121-56F4-4848-B38B-182089D909FA}"/>
+                <a16:creationId xmlns:a16="http://schemas.microsoft.com/office/drawing/2014/main" xmlns="" id="{8D70B121-56F4-4848-B38B-182089D909FA}"/>
               </a:ext>
               <a:ext uri="{C183D7F6-B498-43B3-948B-1728B52AA6E4}">
-                <adec:decorative xmlns:adec="http://schemas.microsoft.com/office/drawing/2017/decorative" val="1"/>
+                <adec:decorative xmlns:adec="http://schemas.microsoft.com/office/drawing/2017/decorative" xmlns="" val="1"/>
               </a:ext>
             </a:extLst>
           </p:cNvPr>
@@ -7505,7 +7427,7 @@
           <p:nvPr>
             <p:extLst>
               <p:ext uri="{386F3935-93C4-4BCD-93E2-E3B085C9AB24}">
-                <p16:designElem xmlns:p16="http://schemas.microsoft.com/office/powerpoint/2015/main" val="1"/>
+                <p16:designElem xmlns:p16="http://schemas.microsoft.com/office/powerpoint/2015/main" xmlns="" val="1"/>
               </p:ext>
             </p:extLst>
           </p:nvPr>
@@ -7557,7 +7479,7 @@
           <p:cNvPr id="2" name="Titel 1">
             <a:extLst>
               <a:ext uri="{FF2B5EF4-FFF2-40B4-BE49-F238E27FC236}">
-                <a16:creationId xmlns:a16="http://schemas.microsoft.com/office/drawing/2014/main" id="{0B5D0F8F-C92F-BC46-ACC4-7A21698DD272}"/>
+                <a16:creationId xmlns:a16="http://schemas.microsoft.com/office/drawing/2014/main" xmlns="" id="{0B5D0F8F-C92F-BC46-ACC4-7A21698DD272}"/>
               </a:ext>
             </a:extLst>
           </p:cNvPr>
@@ -7597,10 +7519,10 @@
           <p:cNvPr id="10" name="Straight Connector 9">
             <a:extLst>
               <a:ext uri="{FF2B5EF4-FFF2-40B4-BE49-F238E27FC236}">
-                <a16:creationId xmlns:a16="http://schemas.microsoft.com/office/drawing/2014/main" id="{2D72A2C9-F3CA-4216-8BAD-FA4C970C3C4E}"/>
+                <a16:creationId xmlns:a16="http://schemas.microsoft.com/office/drawing/2014/main" xmlns="" id="{2D72A2C9-F3CA-4216-8BAD-FA4C970C3C4E}"/>
               </a:ext>
               <a:ext uri="{C183D7F6-B498-43B3-948B-1728B52AA6E4}">
-                <adec:decorative xmlns:adec="http://schemas.microsoft.com/office/drawing/2017/decorative" val="1"/>
+                <adec:decorative xmlns:adec="http://schemas.microsoft.com/office/drawing/2017/decorative" xmlns="" val="1"/>
               </a:ext>
             </a:extLst>
           </p:cNvPr>
@@ -7610,7 +7532,7 @@
           <p:nvPr>
             <p:extLst>
               <p:ext uri="{386F3935-93C4-4BCD-93E2-E3B085C9AB24}">
-                <p16:designElem xmlns:p16="http://schemas.microsoft.com/office/powerpoint/2015/main" val="1"/>
+                <p16:designElem xmlns:p16="http://schemas.microsoft.com/office/powerpoint/2015/main" xmlns="" val="1"/>
               </p:ext>
             </p:extLst>
           </p:nvPr>
@@ -7652,7 +7574,7 @@
           <p:cNvPr id="3" name="Inhaltsplatzhalter 2">
             <a:extLst>
               <a:ext uri="{FF2B5EF4-FFF2-40B4-BE49-F238E27FC236}">
-                <a16:creationId xmlns:a16="http://schemas.microsoft.com/office/drawing/2014/main" id="{692C889E-3E0C-9E40-9512-4230892B2B42}"/>
+                <a16:creationId xmlns:a16="http://schemas.microsoft.com/office/drawing/2014/main" xmlns="" id="{692C889E-3E0C-9E40-9512-4230892B2B42}"/>
               </a:ext>
             </a:extLst>
           </p:cNvPr>
@@ -7780,10 +7702,10 @@
           <p:cNvPr id="19" name="Rectangle 18">
             <a:extLst>
               <a:ext uri="{FF2B5EF4-FFF2-40B4-BE49-F238E27FC236}">
-                <a16:creationId xmlns:a16="http://schemas.microsoft.com/office/drawing/2014/main" id="{8D70B121-56F4-4848-B38B-182089D909FA}"/>
+                <a16:creationId xmlns:a16="http://schemas.microsoft.com/office/drawing/2014/main" xmlns="" id="{8D70B121-56F4-4848-B38B-182089D909FA}"/>
               </a:ext>
               <a:ext uri="{C183D7F6-B498-43B3-948B-1728B52AA6E4}">
-                <adec:decorative xmlns:adec="http://schemas.microsoft.com/office/drawing/2017/decorative" val="1"/>
+                <adec:decorative xmlns:adec="http://schemas.microsoft.com/office/drawing/2017/decorative" xmlns="" val="1"/>
               </a:ext>
             </a:extLst>
           </p:cNvPr>
@@ -7793,7 +7715,7 @@
           <p:nvPr>
             <p:extLst>
               <p:ext uri="{386F3935-93C4-4BCD-93E2-E3B085C9AB24}">
-                <p16:designElem xmlns:p16="http://schemas.microsoft.com/office/powerpoint/2015/main" val="1"/>
+                <p16:designElem xmlns:p16="http://schemas.microsoft.com/office/powerpoint/2015/main" xmlns="" val="1"/>
               </p:ext>
             </p:extLst>
           </p:nvPr>
@@ -7845,7 +7767,7 @@
           <p:cNvPr id="2" name="Titel 1">
             <a:extLst>
               <a:ext uri="{FF2B5EF4-FFF2-40B4-BE49-F238E27FC236}">
-                <a16:creationId xmlns:a16="http://schemas.microsoft.com/office/drawing/2014/main" id="{35BFDC70-A169-E142-B051-5ABC9190E094}"/>
+                <a16:creationId xmlns:a16="http://schemas.microsoft.com/office/drawing/2014/main" xmlns="" id="{35BFDC70-A169-E142-B051-5ABC9190E094}"/>
               </a:ext>
             </a:extLst>
           </p:cNvPr>
@@ -7893,10 +7815,10 @@
           <p:cNvPr id="21" name="Straight Connector 20">
             <a:extLst>
               <a:ext uri="{FF2B5EF4-FFF2-40B4-BE49-F238E27FC236}">
-                <a16:creationId xmlns:a16="http://schemas.microsoft.com/office/drawing/2014/main" id="{2D72A2C9-F3CA-4216-8BAD-FA4C970C3C4E}"/>
+                <a16:creationId xmlns:a16="http://schemas.microsoft.com/office/drawing/2014/main" xmlns="" id="{2D72A2C9-F3CA-4216-8BAD-FA4C970C3C4E}"/>
               </a:ext>
               <a:ext uri="{C183D7F6-B498-43B3-948B-1728B52AA6E4}">
-                <adec:decorative xmlns:adec="http://schemas.microsoft.com/office/drawing/2017/decorative" val="1"/>
+                <adec:decorative xmlns:adec="http://schemas.microsoft.com/office/drawing/2017/decorative" xmlns="" val="1"/>
               </a:ext>
             </a:extLst>
           </p:cNvPr>
@@ -7906,7 +7828,7 @@
           <p:nvPr>
             <p:extLst>
               <p:ext uri="{386F3935-93C4-4BCD-93E2-E3B085C9AB24}">
-                <p16:designElem xmlns:p16="http://schemas.microsoft.com/office/powerpoint/2015/main" val="1"/>
+                <p16:designElem xmlns:p16="http://schemas.microsoft.com/office/powerpoint/2015/main" xmlns="" val="1"/>
               </p:ext>
             </p:extLst>
           </p:nvPr>
@@ -7948,7 +7870,7 @@
           <p:cNvPr id="8" name="Inhaltsplatzhalter 4">
             <a:extLst>
               <a:ext uri="{FF2B5EF4-FFF2-40B4-BE49-F238E27FC236}">
-                <a16:creationId xmlns:a16="http://schemas.microsoft.com/office/drawing/2014/main" id="{A8E625C4-6DB1-9D42-BFEA-DE37A6F928F3}"/>
+                <a16:creationId xmlns:a16="http://schemas.microsoft.com/office/drawing/2014/main" xmlns="" id="{A8E625C4-6DB1-9D42-BFEA-DE37A6F928F3}"/>
               </a:ext>
             </a:extLst>
           </p:cNvPr>
@@ -8019,7 +7941,7 @@
           <p:cNvPr id="5" name="Rechteck 4">
             <a:extLst>
               <a:ext uri="{FF2B5EF4-FFF2-40B4-BE49-F238E27FC236}">
-                <a16:creationId xmlns:a16="http://schemas.microsoft.com/office/drawing/2014/main" id="{6C91387F-AF56-614F-B14F-5E345367B7AF}"/>
+                <a16:creationId xmlns:a16="http://schemas.microsoft.com/office/drawing/2014/main" xmlns="" id="{6C91387F-AF56-614F-B14F-5E345367B7AF}"/>
               </a:ext>
             </a:extLst>
           </p:cNvPr>
@@ -8071,7 +7993,7 @@
           <p:cNvPr id="2" name="Titel 1">
             <a:extLst>
               <a:ext uri="{FF2B5EF4-FFF2-40B4-BE49-F238E27FC236}">
-                <a16:creationId xmlns:a16="http://schemas.microsoft.com/office/drawing/2014/main" id="{35BFDC70-A169-E142-B051-5ABC9190E094}"/>
+                <a16:creationId xmlns:a16="http://schemas.microsoft.com/office/drawing/2014/main" xmlns="" id="{35BFDC70-A169-E142-B051-5ABC9190E094}"/>
               </a:ext>
             </a:extLst>
           </p:cNvPr>
@@ -8151,7 +8073,7 @@
           <p:cNvPr id="6" name="Titel 1">
             <a:extLst>
               <a:ext uri="{FF2B5EF4-FFF2-40B4-BE49-F238E27FC236}">
-                <a16:creationId xmlns:a16="http://schemas.microsoft.com/office/drawing/2014/main" id="{E7C2CB7B-ACCE-46AA-B361-C575579F8987}"/>
+                <a16:creationId xmlns:a16="http://schemas.microsoft.com/office/drawing/2014/main" xmlns="" id="{E7C2CB7B-ACCE-46AA-B361-C575579F8987}"/>
               </a:ext>
             </a:extLst>
           </p:cNvPr>
@@ -8207,7 +8129,7 @@
           <p:cNvPr id="8" name="Grafik 7">
             <a:extLst>
               <a:ext uri="{FF2B5EF4-FFF2-40B4-BE49-F238E27FC236}">
-                <a16:creationId xmlns:a16="http://schemas.microsoft.com/office/drawing/2014/main" id="{C89ECDFD-2E29-4183-B4C5-57C14F623766}"/>
+                <a16:creationId xmlns:a16="http://schemas.microsoft.com/office/drawing/2014/main" xmlns="" id="{C89ECDFD-2E29-4183-B4C5-57C14F623766}"/>
               </a:ext>
             </a:extLst>
           </p:cNvPr>
@@ -8267,7 +8189,7 @@
           <p:cNvPr id="4" name="Rechteck 3">
             <a:extLst>
               <a:ext uri="{FF2B5EF4-FFF2-40B4-BE49-F238E27FC236}">
-                <a16:creationId xmlns:a16="http://schemas.microsoft.com/office/drawing/2014/main" id="{E4D21FBE-9E79-4438-A9C4-A86631E75D3D}"/>
+                <a16:creationId xmlns:a16="http://schemas.microsoft.com/office/drawing/2014/main" xmlns="" id="{E4D21FBE-9E79-4438-A9C4-A86631E75D3D}"/>
               </a:ext>
             </a:extLst>
           </p:cNvPr>
@@ -8319,7 +8241,7 @@
           <p:cNvPr id="2" name="Titel 1">
             <a:extLst>
               <a:ext uri="{FF2B5EF4-FFF2-40B4-BE49-F238E27FC236}">
-                <a16:creationId xmlns:a16="http://schemas.microsoft.com/office/drawing/2014/main" id="{5D43DF7A-1A5D-4ACC-A604-ABDFA208B266}"/>
+                <a16:creationId xmlns:a16="http://schemas.microsoft.com/office/drawing/2014/main" xmlns="" id="{5D43DF7A-1A5D-4ACC-A604-ABDFA208B266}"/>
               </a:ext>
             </a:extLst>
           </p:cNvPr>
@@ -8344,7 +8266,7 @@
           <p:cNvPr id="3" name="Inhaltsplatzhalter 2">
             <a:extLst>
               <a:ext uri="{FF2B5EF4-FFF2-40B4-BE49-F238E27FC236}">
-                <a16:creationId xmlns:a16="http://schemas.microsoft.com/office/drawing/2014/main" id="{C24FCB4C-0151-435F-B548-7A9594A11125}"/>
+                <a16:creationId xmlns:a16="http://schemas.microsoft.com/office/drawing/2014/main" xmlns="" id="{C24FCB4C-0151-435F-B548-7A9594A11125}"/>
               </a:ext>
             </a:extLst>
           </p:cNvPr>
@@ -8369,7 +8291,7 @@
           <p:cNvPr id="5" name="Grafik 4">
             <a:extLst>
               <a:ext uri="{FF2B5EF4-FFF2-40B4-BE49-F238E27FC236}">
-                <a16:creationId xmlns:a16="http://schemas.microsoft.com/office/drawing/2014/main" id="{1C4ABC61-F649-4941-9A69-5363F27C5C7A}"/>
+                <a16:creationId xmlns:a16="http://schemas.microsoft.com/office/drawing/2014/main" xmlns="" id="{1C4ABC61-F649-4941-9A69-5363F27C5C7A}"/>
               </a:ext>
             </a:extLst>
           </p:cNvPr>
@@ -8429,7 +8351,7 @@
           <p:cNvPr id="4" name="Rechteck 3">
             <a:extLst>
               <a:ext uri="{FF2B5EF4-FFF2-40B4-BE49-F238E27FC236}">
-                <a16:creationId xmlns:a16="http://schemas.microsoft.com/office/drawing/2014/main" id="{E4D21FBE-9E79-4438-A9C4-A86631E75D3D}"/>
+                <a16:creationId xmlns:a16="http://schemas.microsoft.com/office/drawing/2014/main" xmlns="" id="{E4D21FBE-9E79-4438-A9C4-A86631E75D3D}"/>
               </a:ext>
             </a:extLst>
           </p:cNvPr>
@@ -8481,7 +8403,7 @@
           <p:cNvPr id="2" name="Titel 1">
             <a:extLst>
               <a:ext uri="{FF2B5EF4-FFF2-40B4-BE49-F238E27FC236}">
-                <a16:creationId xmlns:a16="http://schemas.microsoft.com/office/drawing/2014/main" id="{5D43DF7A-1A5D-4ACC-A604-ABDFA208B266}"/>
+                <a16:creationId xmlns:a16="http://schemas.microsoft.com/office/drawing/2014/main" xmlns="" id="{5D43DF7A-1A5D-4ACC-A604-ABDFA208B266}"/>
               </a:ext>
             </a:extLst>
           </p:cNvPr>
@@ -8506,7 +8428,7 @@
           <p:cNvPr id="3" name="Inhaltsplatzhalter 2">
             <a:extLst>
               <a:ext uri="{FF2B5EF4-FFF2-40B4-BE49-F238E27FC236}">
-                <a16:creationId xmlns:a16="http://schemas.microsoft.com/office/drawing/2014/main" id="{C24FCB4C-0151-435F-B548-7A9594A11125}"/>
+                <a16:creationId xmlns:a16="http://schemas.microsoft.com/office/drawing/2014/main" xmlns="" id="{C24FCB4C-0151-435F-B548-7A9594A11125}"/>
               </a:ext>
             </a:extLst>
           </p:cNvPr>
@@ -8531,7 +8453,7 @@
           <p:cNvPr id="5" name="Grafik 4">
             <a:extLst>
               <a:ext uri="{FF2B5EF4-FFF2-40B4-BE49-F238E27FC236}">
-                <a16:creationId xmlns:a16="http://schemas.microsoft.com/office/drawing/2014/main" id="{1C4ABC61-F649-4941-9A69-5363F27C5C7A}"/>
+                <a16:creationId xmlns:a16="http://schemas.microsoft.com/office/drawing/2014/main" xmlns="" id="{1C4ABC61-F649-4941-9A69-5363F27C5C7A}"/>
               </a:ext>
             </a:extLst>
           </p:cNvPr>
@@ -8561,7 +8483,7 @@
           <p:cNvPr id="11" name="Rechteck 10">
             <a:extLst>
               <a:ext uri="{FF2B5EF4-FFF2-40B4-BE49-F238E27FC236}">
-                <a16:creationId xmlns:a16="http://schemas.microsoft.com/office/drawing/2014/main" id="{EDAFFFBA-2840-44D2-AAA3-7E96C94F23D6}"/>
+                <a16:creationId xmlns:a16="http://schemas.microsoft.com/office/drawing/2014/main" xmlns="" id="{EDAFFFBA-2840-44D2-AAA3-7E96C94F23D6}"/>
               </a:ext>
             </a:extLst>
           </p:cNvPr>
@@ -8611,7 +8533,7 @@
           <p:cNvPr id="12" name="Rechteck 11">
             <a:extLst>
               <a:ext uri="{FF2B5EF4-FFF2-40B4-BE49-F238E27FC236}">
-                <a16:creationId xmlns:a16="http://schemas.microsoft.com/office/drawing/2014/main" id="{6BD089FB-E1F1-428B-BEAB-0518A63BBFDB}"/>
+                <a16:creationId xmlns:a16="http://schemas.microsoft.com/office/drawing/2014/main" xmlns="" id="{6BD089FB-E1F1-428B-BEAB-0518A63BBFDB}"/>
               </a:ext>
             </a:extLst>
           </p:cNvPr>
@@ -8661,7 +8583,7 @@
           <p:cNvPr id="13" name="Rechteck 12">
             <a:extLst>
               <a:ext uri="{FF2B5EF4-FFF2-40B4-BE49-F238E27FC236}">
-                <a16:creationId xmlns:a16="http://schemas.microsoft.com/office/drawing/2014/main" id="{450A9B78-109C-4A3C-AD07-56BC7AC354ED}"/>
+                <a16:creationId xmlns:a16="http://schemas.microsoft.com/office/drawing/2014/main" xmlns="" id="{450A9B78-109C-4A3C-AD07-56BC7AC354ED}"/>
               </a:ext>
             </a:extLst>
           </p:cNvPr>
@@ -8713,7 +8635,7 @@
           <p:cNvPr id="16" name="Rechteck 15">
             <a:extLst>
               <a:ext uri="{FF2B5EF4-FFF2-40B4-BE49-F238E27FC236}">
-                <a16:creationId xmlns:a16="http://schemas.microsoft.com/office/drawing/2014/main" id="{FAE249B2-F9E6-42F5-B989-81ED26895ED1}"/>
+                <a16:creationId xmlns:a16="http://schemas.microsoft.com/office/drawing/2014/main" xmlns="" id="{FAE249B2-F9E6-42F5-B989-81ED26895ED1}"/>
               </a:ext>
             </a:extLst>
           </p:cNvPr>
@@ -9257,7 +9179,7 @@
           <p:cNvPr id="5" name="Rechteck 4">
             <a:extLst>
               <a:ext uri="{FF2B5EF4-FFF2-40B4-BE49-F238E27FC236}">
-                <a16:creationId xmlns:a16="http://schemas.microsoft.com/office/drawing/2014/main" id="{6C91387F-AF56-614F-B14F-5E345367B7AF}"/>
+                <a16:creationId xmlns:a16="http://schemas.microsoft.com/office/drawing/2014/main" xmlns="" id="{6C91387F-AF56-614F-B14F-5E345367B7AF}"/>
               </a:ext>
             </a:extLst>
           </p:cNvPr>
@@ -9309,7 +9231,7 @@
           <p:cNvPr id="2" name="Titel 1">
             <a:extLst>
               <a:ext uri="{FF2B5EF4-FFF2-40B4-BE49-F238E27FC236}">
-                <a16:creationId xmlns:a16="http://schemas.microsoft.com/office/drawing/2014/main" id="{35BFDC70-A169-E142-B051-5ABC9190E094}"/>
+                <a16:creationId xmlns:a16="http://schemas.microsoft.com/office/drawing/2014/main" xmlns="" id="{35BFDC70-A169-E142-B051-5ABC9190E094}"/>
               </a:ext>
             </a:extLst>
           </p:cNvPr>
@@ -9389,7 +9311,7 @@
           <p:cNvPr id="6" name="Titel 1">
             <a:extLst>
               <a:ext uri="{FF2B5EF4-FFF2-40B4-BE49-F238E27FC236}">
-                <a16:creationId xmlns:a16="http://schemas.microsoft.com/office/drawing/2014/main" id="{E7C2CB7B-ACCE-46AA-B361-C575579F8987}"/>
+                <a16:creationId xmlns:a16="http://schemas.microsoft.com/office/drawing/2014/main" xmlns="" id="{E7C2CB7B-ACCE-46AA-B361-C575579F8987}"/>
               </a:ext>
             </a:extLst>
           </p:cNvPr>
@@ -9445,7 +9367,7 @@
           <p:cNvPr id="4" name="Grafik 3">
             <a:extLst>
               <a:ext uri="{FF2B5EF4-FFF2-40B4-BE49-F238E27FC236}">
-                <a16:creationId xmlns:a16="http://schemas.microsoft.com/office/drawing/2014/main" id="{9CE66A13-0C75-4FD9-A123-2756CAAD340B}"/>
+                <a16:creationId xmlns:a16="http://schemas.microsoft.com/office/drawing/2014/main" xmlns="" id="{9CE66A13-0C75-4FD9-A123-2756CAAD340B}"/>
               </a:ext>
             </a:extLst>
           </p:cNvPr>
@@ -9505,7 +9427,7 @@
           <p:cNvPr id="4" name="Rechteck 3">
             <a:extLst>
               <a:ext uri="{FF2B5EF4-FFF2-40B4-BE49-F238E27FC236}">
-                <a16:creationId xmlns:a16="http://schemas.microsoft.com/office/drawing/2014/main" id="{E4D21FBE-9E79-4438-A9C4-A86631E75D3D}"/>
+                <a16:creationId xmlns:a16="http://schemas.microsoft.com/office/drawing/2014/main" xmlns="" id="{E4D21FBE-9E79-4438-A9C4-A86631E75D3D}"/>
               </a:ext>
             </a:extLst>
           </p:cNvPr>
@@ -9557,7 +9479,7 @@
           <p:cNvPr id="2" name="Titel 1">
             <a:extLst>
               <a:ext uri="{FF2B5EF4-FFF2-40B4-BE49-F238E27FC236}">
-                <a16:creationId xmlns:a16="http://schemas.microsoft.com/office/drawing/2014/main" id="{5D43DF7A-1A5D-4ACC-A604-ABDFA208B266}"/>
+                <a16:creationId xmlns:a16="http://schemas.microsoft.com/office/drawing/2014/main" xmlns="" id="{5D43DF7A-1A5D-4ACC-A604-ABDFA208B266}"/>
               </a:ext>
             </a:extLst>
           </p:cNvPr>
@@ -9582,7 +9504,7 @@
           <p:cNvPr id="3" name="Inhaltsplatzhalter 2">
             <a:extLst>
               <a:ext uri="{FF2B5EF4-FFF2-40B4-BE49-F238E27FC236}">
-                <a16:creationId xmlns:a16="http://schemas.microsoft.com/office/drawing/2014/main" id="{C24FCB4C-0151-435F-B548-7A9594A11125}"/>
+                <a16:creationId xmlns:a16="http://schemas.microsoft.com/office/drawing/2014/main" xmlns="" id="{C24FCB4C-0151-435F-B548-7A9594A11125}"/>
               </a:ext>
             </a:extLst>
           </p:cNvPr>
@@ -9607,7 +9529,7 @@
           <p:cNvPr id="7" name="Grafik 6">
             <a:extLst>
               <a:ext uri="{FF2B5EF4-FFF2-40B4-BE49-F238E27FC236}">
-                <a16:creationId xmlns:a16="http://schemas.microsoft.com/office/drawing/2014/main" id="{CDB7C4AB-22B7-4FCD-861C-AABFB133B5BD}"/>
+                <a16:creationId xmlns:a16="http://schemas.microsoft.com/office/drawing/2014/main" xmlns="" id="{CDB7C4AB-22B7-4FCD-861C-AABFB133B5BD}"/>
               </a:ext>
             </a:extLst>
           </p:cNvPr>
@@ -9675,10 +9597,10 @@
           <p:cNvPr id="8" name="Rectangle 7">
             <a:extLst>
               <a:ext uri="{FF2B5EF4-FFF2-40B4-BE49-F238E27FC236}">
-                <a16:creationId xmlns:a16="http://schemas.microsoft.com/office/drawing/2014/main" id="{8D70B121-56F4-4848-B38B-182089D909FA}"/>
+                <a16:creationId xmlns:a16="http://schemas.microsoft.com/office/drawing/2014/main" xmlns="" id="{8D70B121-56F4-4848-B38B-182089D909FA}"/>
               </a:ext>
               <a:ext uri="{C183D7F6-B498-43B3-948B-1728B52AA6E4}">
-                <adec:decorative xmlns:adec="http://schemas.microsoft.com/office/drawing/2017/decorative" val="1"/>
+                <adec:decorative xmlns:adec="http://schemas.microsoft.com/office/drawing/2017/decorative" xmlns="" val="1"/>
               </a:ext>
             </a:extLst>
           </p:cNvPr>
@@ -9688,7 +9610,7 @@
           <p:nvPr>
             <p:extLst>
               <p:ext uri="{386F3935-93C4-4BCD-93E2-E3B085C9AB24}">
-                <p16:designElem xmlns:p16="http://schemas.microsoft.com/office/powerpoint/2015/main" val="1"/>
+                <p16:designElem xmlns:p16="http://schemas.microsoft.com/office/powerpoint/2015/main" xmlns="" val="1"/>
               </p:ext>
             </p:extLst>
           </p:nvPr>
@@ -9740,7 +9662,7 @@
           <p:cNvPr id="2" name="Titel 1">
             <a:extLst>
               <a:ext uri="{FF2B5EF4-FFF2-40B4-BE49-F238E27FC236}">
-                <a16:creationId xmlns:a16="http://schemas.microsoft.com/office/drawing/2014/main" id="{0B5D0F8F-C92F-BC46-ACC4-7A21698DD272}"/>
+                <a16:creationId xmlns:a16="http://schemas.microsoft.com/office/drawing/2014/main" xmlns="" id="{0B5D0F8F-C92F-BC46-ACC4-7A21698DD272}"/>
               </a:ext>
             </a:extLst>
           </p:cNvPr>
@@ -9780,10 +9702,10 @@
           <p:cNvPr id="10" name="Straight Connector 9">
             <a:extLst>
               <a:ext uri="{FF2B5EF4-FFF2-40B4-BE49-F238E27FC236}">
-                <a16:creationId xmlns:a16="http://schemas.microsoft.com/office/drawing/2014/main" id="{2D72A2C9-F3CA-4216-8BAD-FA4C970C3C4E}"/>
+                <a16:creationId xmlns:a16="http://schemas.microsoft.com/office/drawing/2014/main" xmlns="" id="{2D72A2C9-F3CA-4216-8BAD-FA4C970C3C4E}"/>
               </a:ext>
               <a:ext uri="{C183D7F6-B498-43B3-948B-1728B52AA6E4}">
-                <adec:decorative xmlns:adec="http://schemas.microsoft.com/office/drawing/2017/decorative" val="1"/>
+                <adec:decorative xmlns:adec="http://schemas.microsoft.com/office/drawing/2017/decorative" xmlns="" val="1"/>
               </a:ext>
             </a:extLst>
           </p:cNvPr>
@@ -9793,7 +9715,7 @@
           <p:nvPr>
             <p:extLst>
               <p:ext uri="{386F3935-93C4-4BCD-93E2-E3B085C9AB24}">
-                <p16:designElem xmlns:p16="http://schemas.microsoft.com/office/powerpoint/2015/main" val="1"/>
+                <p16:designElem xmlns:p16="http://schemas.microsoft.com/office/powerpoint/2015/main" xmlns="" val="1"/>
               </p:ext>
             </p:extLst>
           </p:nvPr>
@@ -9835,7 +9757,7 @@
           <p:cNvPr id="3" name="Inhaltsplatzhalter 2">
             <a:extLst>
               <a:ext uri="{FF2B5EF4-FFF2-40B4-BE49-F238E27FC236}">
-                <a16:creationId xmlns:a16="http://schemas.microsoft.com/office/drawing/2014/main" id="{692C889E-3E0C-9E40-9512-4230892B2B42}"/>
+                <a16:creationId xmlns:a16="http://schemas.microsoft.com/office/drawing/2014/main" xmlns="" id="{692C889E-3E0C-9E40-9512-4230892B2B42}"/>
               </a:ext>
             </a:extLst>
           </p:cNvPr>
@@ -9927,6 +9849,13 @@
   <p:clrMapOvr>
     <a:masterClrMapping/>
   </p:clrMapOvr>
+  <p:timing>
+    <p:tnLst>
+      <p:par>
+        <p:cTn id="1" dur="indefinite" restart="never" nodeType="tmRoot"/>
+      </p:par>
+    </p:tnLst>
+  </p:timing>
 </p:sld>
 </file>
 
@@ -9952,7 +9881,7 @@
           <p:cNvPr id="5" name="Rechteck 4">
             <a:extLst>
               <a:ext uri="{FF2B5EF4-FFF2-40B4-BE49-F238E27FC236}">
-                <a16:creationId xmlns:a16="http://schemas.microsoft.com/office/drawing/2014/main" id="{6C91387F-AF56-614F-B14F-5E345367B7AF}"/>
+                <a16:creationId xmlns:a16="http://schemas.microsoft.com/office/drawing/2014/main" xmlns="" id="{6C91387F-AF56-614F-B14F-5E345367B7AF}"/>
               </a:ext>
             </a:extLst>
           </p:cNvPr>
@@ -10004,7 +9933,7 @@
           <p:cNvPr id="2" name="Titel 1">
             <a:extLst>
               <a:ext uri="{FF2B5EF4-FFF2-40B4-BE49-F238E27FC236}">
-                <a16:creationId xmlns:a16="http://schemas.microsoft.com/office/drawing/2014/main" id="{35BFDC70-A169-E142-B051-5ABC9190E094}"/>
+                <a16:creationId xmlns:a16="http://schemas.microsoft.com/office/drawing/2014/main" xmlns="" id="{35BFDC70-A169-E142-B051-5ABC9190E094}"/>
               </a:ext>
             </a:extLst>
           </p:cNvPr>
@@ -10077,7 +10006,7 @@
           <p:cNvPr id="6" name="Titel 1">
             <a:extLst>
               <a:ext uri="{FF2B5EF4-FFF2-40B4-BE49-F238E27FC236}">
-                <a16:creationId xmlns:a16="http://schemas.microsoft.com/office/drawing/2014/main" id="{E7C2CB7B-ACCE-46AA-B361-C575579F8987}"/>
+                <a16:creationId xmlns:a16="http://schemas.microsoft.com/office/drawing/2014/main" xmlns="" id="{E7C2CB7B-ACCE-46AA-B361-C575579F8987}"/>
               </a:ext>
             </a:extLst>
           </p:cNvPr>
@@ -10133,7 +10062,7 @@
           <p:cNvPr id="7" name="Grafik 6">
             <a:extLst>
               <a:ext uri="{FF2B5EF4-FFF2-40B4-BE49-F238E27FC236}">
-                <a16:creationId xmlns:a16="http://schemas.microsoft.com/office/drawing/2014/main" id="{756E846B-B403-4984-98B4-4C01CA73B356}"/>
+                <a16:creationId xmlns:a16="http://schemas.microsoft.com/office/drawing/2014/main" xmlns="" id="{756E846B-B403-4984-98B4-4C01CA73B356}"/>
               </a:ext>
             </a:extLst>
           </p:cNvPr>
@@ -10163,7 +10092,7 @@
           <p:cNvPr id="4" name="Grafik 3">
             <a:extLst>
               <a:ext uri="{FF2B5EF4-FFF2-40B4-BE49-F238E27FC236}">
-                <a16:creationId xmlns:a16="http://schemas.microsoft.com/office/drawing/2014/main" id="{A26447F2-DF28-4EAF-B8D1-EFC7A98F7721}"/>
+                <a16:creationId xmlns:a16="http://schemas.microsoft.com/office/drawing/2014/main" xmlns="" id="{A26447F2-DF28-4EAF-B8D1-EFC7A98F7721}"/>
               </a:ext>
             </a:extLst>
           </p:cNvPr>
@@ -10193,7 +10122,7 @@
           <p:cNvPr id="3" name="Grafik 2">
             <a:extLst>
               <a:ext uri="{FF2B5EF4-FFF2-40B4-BE49-F238E27FC236}">
-                <a16:creationId xmlns:a16="http://schemas.microsoft.com/office/drawing/2014/main" id="{DB99CD9C-1E94-4D53-99E7-DF6B67865684}"/>
+                <a16:creationId xmlns:a16="http://schemas.microsoft.com/office/drawing/2014/main" xmlns="" id="{DB99CD9C-1E94-4D53-99E7-DF6B67865684}"/>
               </a:ext>
             </a:extLst>
           </p:cNvPr>
@@ -10442,7 +10371,7 @@
           <p:cNvPr id="5" name="Rechteck 4">
             <a:extLst>
               <a:ext uri="{FF2B5EF4-FFF2-40B4-BE49-F238E27FC236}">
-                <a16:creationId xmlns:a16="http://schemas.microsoft.com/office/drawing/2014/main" id="{6C91387F-AF56-614F-B14F-5E345367B7AF}"/>
+                <a16:creationId xmlns:a16="http://schemas.microsoft.com/office/drawing/2014/main" xmlns="" id="{6C91387F-AF56-614F-B14F-5E345367B7AF}"/>
               </a:ext>
             </a:extLst>
           </p:cNvPr>
@@ -10494,7 +10423,7 @@
           <p:cNvPr id="2" name="Titel 1">
             <a:extLst>
               <a:ext uri="{FF2B5EF4-FFF2-40B4-BE49-F238E27FC236}">
-                <a16:creationId xmlns:a16="http://schemas.microsoft.com/office/drawing/2014/main" id="{35BFDC70-A169-E142-B051-5ABC9190E094}"/>
+                <a16:creationId xmlns:a16="http://schemas.microsoft.com/office/drawing/2014/main" xmlns="" id="{35BFDC70-A169-E142-B051-5ABC9190E094}"/>
               </a:ext>
             </a:extLst>
           </p:cNvPr>
@@ -10518,6 +10447,17 @@
           <a:lstStyle/>
           <a:p>
             <a:pPr algn="ctr"/>
+            <a:r>
+              <a:rPr lang="en-US" sz="4000" kern="1200" dirty="0">
+                <a:solidFill>
+                  <a:schemeClr val="accent1"/>
+                </a:solidFill>
+                <a:latin typeface="+mj-lt"/>
+                <a:ea typeface="+mj-ea"/>
+                <a:cs typeface="+mj-cs"/>
+              </a:rPr>
+              <a:t/>
+            </a:r>
             <a:br>
               <a:rPr lang="en-US" sz="4000" kern="1200" dirty="0">
                 <a:solidFill>
@@ -10544,7 +10484,7 @@
           <p:cNvPr id="6" name="Titel 1">
             <a:extLst>
               <a:ext uri="{FF2B5EF4-FFF2-40B4-BE49-F238E27FC236}">
-                <a16:creationId xmlns:a16="http://schemas.microsoft.com/office/drawing/2014/main" id="{E7C2CB7B-ACCE-46AA-B361-C575579F8987}"/>
+                <a16:creationId xmlns:a16="http://schemas.microsoft.com/office/drawing/2014/main" xmlns="" id="{E7C2CB7B-ACCE-46AA-B361-C575579F8987}"/>
               </a:ext>
             </a:extLst>
           </p:cNvPr>
@@ -10600,7 +10540,7 @@
           <p:cNvPr id="4" name="Grafik 3">
             <a:extLst>
               <a:ext uri="{FF2B5EF4-FFF2-40B4-BE49-F238E27FC236}">
-                <a16:creationId xmlns:a16="http://schemas.microsoft.com/office/drawing/2014/main" id="{9CC9583D-5C73-4A70-A2FE-E33805DE3ECD}"/>
+                <a16:creationId xmlns:a16="http://schemas.microsoft.com/office/drawing/2014/main" xmlns="" id="{9CC9583D-5C73-4A70-A2FE-E33805DE3ECD}"/>
               </a:ext>
             </a:extLst>
           </p:cNvPr>
@@ -10635,6 +10575,13 @@
   <p:clrMapOvr>
     <a:masterClrMapping/>
   </p:clrMapOvr>
+  <p:timing>
+    <p:tnLst>
+      <p:par>
+        <p:cTn id="1" dur="indefinite" restart="never" nodeType="tmRoot"/>
+      </p:par>
+    </p:tnLst>
+  </p:timing>
 </p:sld>
 </file>
 
@@ -10668,10 +10615,10 @@
           <p:cNvPr id="8" name="Rectangle 7">
             <a:extLst>
               <a:ext uri="{FF2B5EF4-FFF2-40B4-BE49-F238E27FC236}">
-                <a16:creationId xmlns:a16="http://schemas.microsoft.com/office/drawing/2014/main" id="{8D70B121-56F4-4848-B38B-182089D909FA}"/>
+                <a16:creationId xmlns:a16="http://schemas.microsoft.com/office/drawing/2014/main" xmlns="" id="{8D70B121-56F4-4848-B38B-182089D909FA}"/>
               </a:ext>
               <a:ext uri="{C183D7F6-B498-43B3-948B-1728B52AA6E4}">
-                <adec:decorative xmlns:adec="http://schemas.microsoft.com/office/drawing/2017/decorative" val="1"/>
+                <adec:decorative xmlns:adec="http://schemas.microsoft.com/office/drawing/2017/decorative" xmlns="" val="1"/>
               </a:ext>
             </a:extLst>
           </p:cNvPr>
@@ -10681,7 +10628,7 @@
           <p:nvPr>
             <p:extLst>
               <p:ext uri="{386F3935-93C4-4BCD-93E2-E3B085C9AB24}">
-                <p16:designElem xmlns:p16="http://schemas.microsoft.com/office/powerpoint/2015/main" val="1"/>
+                <p16:designElem xmlns:p16="http://schemas.microsoft.com/office/powerpoint/2015/main" xmlns="" val="1"/>
               </p:ext>
             </p:extLst>
           </p:nvPr>
@@ -10733,7 +10680,7 @@
           <p:cNvPr id="2" name="Titel 1">
             <a:extLst>
               <a:ext uri="{FF2B5EF4-FFF2-40B4-BE49-F238E27FC236}">
-                <a16:creationId xmlns:a16="http://schemas.microsoft.com/office/drawing/2014/main" id="{0B5D0F8F-C92F-BC46-ACC4-7A21698DD272}"/>
+                <a16:creationId xmlns:a16="http://schemas.microsoft.com/office/drawing/2014/main" xmlns="" id="{0B5D0F8F-C92F-BC46-ACC4-7A21698DD272}"/>
               </a:ext>
             </a:extLst>
           </p:cNvPr>
@@ -10773,10 +10720,10 @@
           <p:cNvPr id="10" name="Straight Connector 9">
             <a:extLst>
               <a:ext uri="{FF2B5EF4-FFF2-40B4-BE49-F238E27FC236}">
-                <a16:creationId xmlns:a16="http://schemas.microsoft.com/office/drawing/2014/main" id="{2D72A2C9-F3CA-4216-8BAD-FA4C970C3C4E}"/>
+                <a16:creationId xmlns:a16="http://schemas.microsoft.com/office/drawing/2014/main" xmlns="" id="{2D72A2C9-F3CA-4216-8BAD-FA4C970C3C4E}"/>
               </a:ext>
               <a:ext uri="{C183D7F6-B498-43B3-948B-1728B52AA6E4}">
-                <adec:decorative xmlns:adec="http://schemas.microsoft.com/office/drawing/2017/decorative" val="1"/>
+                <adec:decorative xmlns:adec="http://schemas.microsoft.com/office/drawing/2017/decorative" xmlns="" val="1"/>
               </a:ext>
             </a:extLst>
           </p:cNvPr>
@@ -10786,7 +10733,7 @@
           <p:nvPr>
             <p:extLst>
               <p:ext uri="{386F3935-93C4-4BCD-93E2-E3B085C9AB24}">
-                <p16:designElem xmlns:p16="http://schemas.microsoft.com/office/powerpoint/2015/main" val="1"/>
+                <p16:designElem xmlns:p16="http://schemas.microsoft.com/office/powerpoint/2015/main" xmlns="" val="1"/>
               </p:ext>
             </p:extLst>
           </p:nvPr>
@@ -10828,7 +10775,7 @@
           <p:cNvPr id="3" name="Inhaltsplatzhalter 2">
             <a:extLst>
               <a:ext uri="{FF2B5EF4-FFF2-40B4-BE49-F238E27FC236}">
-                <a16:creationId xmlns:a16="http://schemas.microsoft.com/office/drawing/2014/main" id="{692C889E-3E0C-9E40-9512-4230892B2B42}"/>
+                <a16:creationId xmlns:a16="http://schemas.microsoft.com/office/drawing/2014/main" xmlns="" id="{692C889E-3E0C-9E40-9512-4230892B2B42}"/>
               </a:ext>
             </a:extLst>
           </p:cNvPr>
@@ -10924,6 +10871,13 @@
   <p:clrMapOvr>
     <a:masterClrMapping/>
   </p:clrMapOvr>
+  <p:timing>
+    <p:tnLst>
+      <p:par>
+        <p:cTn id="1" dur="indefinite" restart="never" nodeType="tmRoot"/>
+      </p:par>
+    </p:tnLst>
+  </p:timing>
 </p:sld>
 </file>
 
@@ -10957,10 +10911,10 @@
           <p:cNvPr id="19" name="Rectangle 18">
             <a:extLst>
               <a:ext uri="{FF2B5EF4-FFF2-40B4-BE49-F238E27FC236}">
-                <a16:creationId xmlns:a16="http://schemas.microsoft.com/office/drawing/2014/main" id="{8D70B121-56F4-4848-B38B-182089D909FA}"/>
+                <a16:creationId xmlns:a16="http://schemas.microsoft.com/office/drawing/2014/main" xmlns="" id="{8D70B121-56F4-4848-B38B-182089D909FA}"/>
               </a:ext>
               <a:ext uri="{C183D7F6-B498-43B3-948B-1728B52AA6E4}">
-                <adec:decorative xmlns:adec="http://schemas.microsoft.com/office/drawing/2017/decorative" val="1"/>
+                <adec:decorative xmlns:adec="http://schemas.microsoft.com/office/drawing/2017/decorative" xmlns="" val="1"/>
               </a:ext>
             </a:extLst>
           </p:cNvPr>
@@ -10970,7 +10924,7 @@
           <p:nvPr>
             <p:extLst>
               <p:ext uri="{386F3935-93C4-4BCD-93E2-E3B085C9AB24}">
-                <p16:designElem xmlns:p16="http://schemas.microsoft.com/office/powerpoint/2015/main" val="1"/>
+                <p16:designElem xmlns:p16="http://schemas.microsoft.com/office/powerpoint/2015/main" xmlns="" val="1"/>
               </p:ext>
             </p:extLst>
           </p:nvPr>
@@ -11022,7 +10976,7 @@
           <p:cNvPr id="2" name="Titel 1">
             <a:extLst>
               <a:ext uri="{FF2B5EF4-FFF2-40B4-BE49-F238E27FC236}">
-                <a16:creationId xmlns:a16="http://schemas.microsoft.com/office/drawing/2014/main" id="{35BFDC70-A169-E142-B051-5ABC9190E094}"/>
+                <a16:creationId xmlns:a16="http://schemas.microsoft.com/office/drawing/2014/main" xmlns="" id="{35BFDC70-A169-E142-B051-5ABC9190E094}"/>
               </a:ext>
             </a:extLst>
           </p:cNvPr>
@@ -11078,10 +11032,10 @@
           <p:cNvPr id="21" name="Straight Connector 20">
             <a:extLst>
               <a:ext uri="{FF2B5EF4-FFF2-40B4-BE49-F238E27FC236}">
-                <a16:creationId xmlns:a16="http://schemas.microsoft.com/office/drawing/2014/main" id="{2D72A2C9-F3CA-4216-8BAD-FA4C970C3C4E}"/>
+                <a16:creationId xmlns:a16="http://schemas.microsoft.com/office/drawing/2014/main" xmlns="" id="{2D72A2C9-F3CA-4216-8BAD-FA4C970C3C4E}"/>
               </a:ext>
               <a:ext uri="{C183D7F6-B498-43B3-948B-1728B52AA6E4}">
-                <adec:decorative xmlns:adec="http://schemas.microsoft.com/office/drawing/2017/decorative" val="1"/>
+                <adec:decorative xmlns:adec="http://schemas.microsoft.com/office/drawing/2017/decorative" xmlns="" val="1"/>
               </a:ext>
             </a:extLst>
           </p:cNvPr>
@@ -11091,7 +11045,7 @@
           <p:nvPr>
             <p:extLst>
               <p:ext uri="{386F3935-93C4-4BCD-93E2-E3B085C9AB24}">
-                <p16:designElem xmlns:p16="http://schemas.microsoft.com/office/powerpoint/2015/main" val="1"/>
+                <p16:designElem xmlns:p16="http://schemas.microsoft.com/office/powerpoint/2015/main" xmlns="" val="1"/>
               </p:ext>
             </p:extLst>
           </p:nvPr>
@@ -11133,7 +11087,7 @@
           <p:cNvPr id="8" name="Inhaltsplatzhalter 4">
             <a:extLst>
               <a:ext uri="{FF2B5EF4-FFF2-40B4-BE49-F238E27FC236}">
-                <a16:creationId xmlns:a16="http://schemas.microsoft.com/office/drawing/2014/main" id="{A8E625C4-6DB1-9D42-BFEA-DE37A6F928F3}"/>
+                <a16:creationId xmlns:a16="http://schemas.microsoft.com/office/drawing/2014/main" xmlns="" id="{A8E625C4-6DB1-9D42-BFEA-DE37A6F928F3}"/>
               </a:ext>
             </a:extLst>
           </p:cNvPr>
@@ -11185,6 +11139,13 @@
   <p:clrMapOvr>
     <a:masterClrMapping/>
   </p:clrMapOvr>
+  <p:timing>
+    <p:tnLst>
+      <p:par>
+        <p:cTn id="1" dur="indefinite" restart="never" nodeType="tmRoot"/>
+      </p:par>
+    </p:tnLst>
+  </p:timing>
 </p:sld>
 </file>
 
@@ -11218,10 +11179,10 @@
           <p:cNvPr id="19" name="Rectangle 18">
             <a:extLst>
               <a:ext uri="{FF2B5EF4-FFF2-40B4-BE49-F238E27FC236}">
-                <a16:creationId xmlns:a16="http://schemas.microsoft.com/office/drawing/2014/main" id="{8D70B121-56F4-4848-B38B-182089D909FA}"/>
+                <a16:creationId xmlns:a16="http://schemas.microsoft.com/office/drawing/2014/main" xmlns="" id="{8D70B121-56F4-4848-B38B-182089D909FA}"/>
               </a:ext>
               <a:ext uri="{C183D7F6-B498-43B3-948B-1728B52AA6E4}">
-                <adec:decorative xmlns:adec="http://schemas.microsoft.com/office/drawing/2017/decorative" val="1"/>
+                <adec:decorative xmlns:adec="http://schemas.microsoft.com/office/drawing/2017/decorative" xmlns="" val="1"/>
               </a:ext>
             </a:extLst>
           </p:cNvPr>
@@ -11231,7 +11192,7 @@
           <p:nvPr>
             <p:extLst>
               <p:ext uri="{386F3935-93C4-4BCD-93E2-E3B085C9AB24}">
-                <p16:designElem xmlns:p16="http://schemas.microsoft.com/office/powerpoint/2015/main" val="1"/>
+                <p16:designElem xmlns:p16="http://schemas.microsoft.com/office/powerpoint/2015/main" xmlns="" val="1"/>
               </p:ext>
             </p:extLst>
           </p:nvPr>
@@ -11283,7 +11244,7 @@
           <p:cNvPr id="2" name="Titel 1">
             <a:extLst>
               <a:ext uri="{FF2B5EF4-FFF2-40B4-BE49-F238E27FC236}">
-                <a16:creationId xmlns:a16="http://schemas.microsoft.com/office/drawing/2014/main" id="{35BFDC70-A169-E142-B051-5ABC9190E094}"/>
+                <a16:creationId xmlns:a16="http://schemas.microsoft.com/office/drawing/2014/main" xmlns="" id="{35BFDC70-A169-E142-B051-5ABC9190E094}"/>
               </a:ext>
             </a:extLst>
           </p:cNvPr>
@@ -11331,10 +11292,10 @@
           <p:cNvPr id="21" name="Straight Connector 20">
             <a:extLst>
               <a:ext uri="{FF2B5EF4-FFF2-40B4-BE49-F238E27FC236}">
-                <a16:creationId xmlns:a16="http://schemas.microsoft.com/office/drawing/2014/main" id="{2D72A2C9-F3CA-4216-8BAD-FA4C970C3C4E}"/>
+                <a16:creationId xmlns:a16="http://schemas.microsoft.com/office/drawing/2014/main" xmlns="" id="{2D72A2C9-F3CA-4216-8BAD-FA4C970C3C4E}"/>
               </a:ext>
               <a:ext uri="{C183D7F6-B498-43B3-948B-1728B52AA6E4}">
-                <adec:decorative xmlns:adec="http://schemas.microsoft.com/office/drawing/2017/decorative" val="1"/>
+                <adec:decorative xmlns:adec="http://schemas.microsoft.com/office/drawing/2017/decorative" xmlns="" val="1"/>
               </a:ext>
             </a:extLst>
           </p:cNvPr>
@@ -11344,7 +11305,7 @@
           <p:nvPr>
             <p:extLst>
               <p:ext uri="{386F3935-93C4-4BCD-93E2-E3B085C9AB24}">
-                <p16:designElem xmlns:p16="http://schemas.microsoft.com/office/powerpoint/2015/main" val="1"/>
+                <p16:designElem xmlns:p16="http://schemas.microsoft.com/office/powerpoint/2015/main" xmlns="" val="1"/>
               </p:ext>
             </p:extLst>
           </p:nvPr>
@@ -11416,7 +11377,7 @@
           <p:cNvPr id="9" name="Grafik 8">
             <a:extLst>
               <a:ext uri="{FF2B5EF4-FFF2-40B4-BE49-F238E27FC236}">
-                <a16:creationId xmlns:a16="http://schemas.microsoft.com/office/drawing/2014/main" id="{5ACE5D07-54C6-4407-8C9E-551B71135727}"/>
+                <a16:creationId xmlns:a16="http://schemas.microsoft.com/office/drawing/2014/main" xmlns="" id="{5ACE5D07-54C6-4407-8C9E-551B71135727}"/>
               </a:ext>
             </a:extLst>
           </p:cNvPr>
@@ -11620,6 +11581,13 @@
   <p:clrMapOvr>
     <a:masterClrMapping/>
   </p:clrMapOvr>
+  <p:timing>
+    <p:tnLst>
+      <p:par>
+        <p:cTn id="1" dur="indefinite" restart="never" nodeType="tmRoot"/>
+      </p:par>
+    </p:tnLst>
+  </p:timing>
 </p:sld>
 </file>
 
@@ -11653,10 +11621,10 @@
           <p:cNvPr id="19" name="Rectangle 18">
             <a:extLst>
               <a:ext uri="{FF2B5EF4-FFF2-40B4-BE49-F238E27FC236}">
-                <a16:creationId xmlns:a16="http://schemas.microsoft.com/office/drawing/2014/main" id="{8D70B121-56F4-4848-B38B-182089D909FA}"/>
+                <a16:creationId xmlns:a16="http://schemas.microsoft.com/office/drawing/2014/main" xmlns="" id="{8D70B121-56F4-4848-B38B-182089D909FA}"/>
               </a:ext>
               <a:ext uri="{C183D7F6-B498-43B3-948B-1728B52AA6E4}">
-                <adec:decorative xmlns:adec="http://schemas.microsoft.com/office/drawing/2017/decorative" val="1"/>
+                <adec:decorative xmlns:adec="http://schemas.microsoft.com/office/drawing/2017/decorative" xmlns="" val="1"/>
               </a:ext>
             </a:extLst>
           </p:cNvPr>
@@ -11666,7 +11634,7 @@
           <p:nvPr>
             <p:extLst>
               <p:ext uri="{386F3935-93C4-4BCD-93E2-E3B085C9AB24}">
-                <p16:designElem xmlns:p16="http://schemas.microsoft.com/office/powerpoint/2015/main" val="1"/>
+                <p16:designElem xmlns:p16="http://schemas.microsoft.com/office/powerpoint/2015/main" xmlns="" val="1"/>
               </p:ext>
             </p:extLst>
           </p:nvPr>
@@ -11718,7 +11686,7 @@
           <p:cNvPr id="2" name="Titel 1">
             <a:extLst>
               <a:ext uri="{FF2B5EF4-FFF2-40B4-BE49-F238E27FC236}">
-                <a16:creationId xmlns:a16="http://schemas.microsoft.com/office/drawing/2014/main" id="{35BFDC70-A169-E142-B051-5ABC9190E094}"/>
+                <a16:creationId xmlns:a16="http://schemas.microsoft.com/office/drawing/2014/main" xmlns="" id="{35BFDC70-A169-E142-B051-5ABC9190E094}"/>
               </a:ext>
             </a:extLst>
           </p:cNvPr>
@@ -11798,10 +11766,10 @@
           <p:cNvPr id="21" name="Straight Connector 20">
             <a:extLst>
               <a:ext uri="{FF2B5EF4-FFF2-40B4-BE49-F238E27FC236}">
-                <a16:creationId xmlns:a16="http://schemas.microsoft.com/office/drawing/2014/main" id="{2D72A2C9-F3CA-4216-8BAD-FA4C970C3C4E}"/>
+                <a16:creationId xmlns:a16="http://schemas.microsoft.com/office/drawing/2014/main" xmlns="" id="{2D72A2C9-F3CA-4216-8BAD-FA4C970C3C4E}"/>
               </a:ext>
               <a:ext uri="{C183D7F6-B498-43B3-948B-1728B52AA6E4}">
-                <adec:decorative xmlns:adec="http://schemas.microsoft.com/office/drawing/2017/decorative" val="1"/>
+                <adec:decorative xmlns:adec="http://schemas.microsoft.com/office/drawing/2017/decorative" xmlns="" val="1"/>
               </a:ext>
             </a:extLst>
           </p:cNvPr>
@@ -11811,7 +11779,7 @@
           <p:nvPr>
             <p:extLst>
               <p:ext uri="{386F3935-93C4-4BCD-93E2-E3B085C9AB24}">
-                <p1